--- a/Reading 46.pptx
+++ b/Reading 46.pptx
@@ -10,75 +10,76 @@
     <p:sldId id="259" r:id="rId4"/>
     <p:sldId id="260" r:id="rId5"/>
     <p:sldId id="328" r:id="rId6"/>
-    <p:sldId id="329" r:id="rId7"/>
-    <p:sldId id="330" r:id="rId8"/>
-    <p:sldId id="331" r:id="rId9"/>
-    <p:sldId id="332" r:id="rId10"/>
-    <p:sldId id="333" r:id="rId11"/>
-    <p:sldId id="334" r:id="rId12"/>
-    <p:sldId id="270" r:id="rId13"/>
-    <p:sldId id="261" r:id="rId14"/>
-    <p:sldId id="263" r:id="rId15"/>
-    <p:sldId id="264" r:id="rId16"/>
-    <p:sldId id="316" r:id="rId17"/>
-    <p:sldId id="271" r:id="rId18"/>
-    <p:sldId id="265" r:id="rId19"/>
-    <p:sldId id="273" r:id="rId20"/>
-    <p:sldId id="272" r:id="rId21"/>
-    <p:sldId id="267" r:id="rId22"/>
-    <p:sldId id="268" r:id="rId23"/>
-    <p:sldId id="317" r:id="rId24"/>
-    <p:sldId id="269" r:id="rId25"/>
-    <p:sldId id="274" r:id="rId26"/>
-    <p:sldId id="275" r:id="rId27"/>
-    <p:sldId id="276" r:id="rId28"/>
-    <p:sldId id="277" r:id="rId29"/>
-    <p:sldId id="318" r:id="rId30"/>
-    <p:sldId id="278" r:id="rId31"/>
-    <p:sldId id="279" r:id="rId32"/>
-    <p:sldId id="280" r:id="rId33"/>
-    <p:sldId id="281" r:id="rId34"/>
-    <p:sldId id="282" r:id="rId35"/>
-    <p:sldId id="283" r:id="rId36"/>
-    <p:sldId id="284" r:id="rId37"/>
-    <p:sldId id="285" r:id="rId38"/>
-    <p:sldId id="286" r:id="rId39"/>
-    <p:sldId id="287" r:id="rId40"/>
-    <p:sldId id="288" r:id="rId41"/>
-    <p:sldId id="319" r:id="rId42"/>
-    <p:sldId id="320" r:id="rId43"/>
-    <p:sldId id="289" r:id="rId44"/>
-    <p:sldId id="290" r:id="rId45"/>
-    <p:sldId id="291" r:id="rId46"/>
-    <p:sldId id="292" r:id="rId47"/>
-    <p:sldId id="293" r:id="rId48"/>
-    <p:sldId id="294" r:id="rId49"/>
-    <p:sldId id="321" r:id="rId50"/>
-    <p:sldId id="295" r:id="rId51"/>
-    <p:sldId id="296" r:id="rId52"/>
-    <p:sldId id="297" r:id="rId53"/>
-    <p:sldId id="302" r:id="rId54"/>
-    <p:sldId id="303" r:id="rId55"/>
-    <p:sldId id="298" r:id="rId56"/>
-    <p:sldId id="299" r:id="rId57"/>
-    <p:sldId id="322" r:id="rId58"/>
-    <p:sldId id="323" r:id="rId59"/>
-    <p:sldId id="324" r:id="rId60"/>
-    <p:sldId id="301" r:id="rId61"/>
-    <p:sldId id="300" r:id="rId62"/>
-    <p:sldId id="306" r:id="rId63"/>
-    <p:sldId id="304" r:id="rId64"/>
-    <p:sldId id="305" r:id="rId65"/>
-    <p:sldId id="307" r:id="rId66"/>
-    <p:sldId id="308" r:id="rId67"/>
-    <p:sldId id="309" r:id="rId68"/>
-    <p:sldId id="310" r:id="rId69"/>
-    <p:sldId id="325" r:id="rId70"/>
-    <p:sldId id="326" r:id="rId71"/>
-    <p:sldId id="327" r:id="rId72"/>
-    <p:sldId id="311" r:id="rId73"/>
-    <p:sldId id="312" r:id="rId74"/>
-    <p:sldId id="313" r:id="rId75"/>
+    <p:sldId id="335" r:id="rId7"/>
+    <p:sldId id="329" r:id="rId8"/>
+    <p:sldId id="330" r:id="rId9"/>
+    <p:sldId id="331" r:id="rId10"/>
+    <p:sldId id="332" r:id="rId11"/>
+    <p:sldId id="333" r:id="rId12"/>
+    <p:sldId id="334" r:id="rId13"/>
+    <p:sldId id="270" r:id="rId14"/>
+    <p:sldId id="261" r:id="rId15"/>
+    <p:sldId id="263" r:id="rId16"/>
+    <p:sldId id="264" r:id="rId17"/>
+    <p:sldId id="316" r:id="rId18"/>
+    <p:sldId id="271" r:id="rId19"/>
+    <p:sldId id="265" r:id="rId20"/>
+    <p:sldId id="273" r:id="rId21"/>
+    <p:sldId id="272" r:id="rId22"/>
+    <p:sldId id="267" r:id="rId23"/>
+    <p:sldId id="268" r:id="rId24"/>
+    <p:sldId id="317" r:id="rId25"/>
+    <p:sldId id="269" r:id="rId26"/>
+    <p:sldId id="274" r:id="rId27"/>
+    <p:sldId id="275" r:id="rId28"/>
+    <p:sldId id="276" r:id="rId29"/>
+    <p:sldId id="277" r:id="rId30"/>
+    <p:sldId id="318" r:id="rId31"/>
+    <p:sldId id="278" r:id="rId32"/>
+    <p:sldId id="279" r:id="rId33"/>
+    <p:sldId id="280" r:id="rId34"/>
+    <p:sldId id="281" r:id="rId35"/>
+    <p:sldId id="282" r:id="rId36"/>
+    <p:sldId id="283" r:id="rId37"/>
+    <p:sldId id="284" r:id="rId38"/>
+    <p:sldId id="285" r:id="rId39"/>
+    <p:sldId id="286" r:id="rId40"/>
+    <p:sldId id="287" r:id="rId41"/>
+    <p:sldId id="288" r:id="rId42"/>
+    <p:sldId id="319" r:id="rId43"/>
+    <p:sldId id="320" r:id="rId44"/>
+    <p:sldId id="289" r:id="rId45"/>
+    <p:sldId id="290" r:id="rId46"/>
+    <p:sldId id="291" r:id="rId47"/>
+    <p:sldId id="292" r:id="rId48"/>
+    <p:sldId id="293" r:id="rId49"/>
+    <p:sldId id="294" r:id="rId50"/>
+    <p:sldId id="321" r:id="rId51"/>
+    <p:sldId id="295" r:id="rId52"/>
+    <p:sldId id="296" r:id="rId53"/>
+    <p:sldId id="297" r:id="rId54"/>
+    <p:sldId id="302" r:id="rId55"/>
+    <p:sldId id="303" r:id="rId56"/>
+    <p:sldId id="298" r:id="rId57"/>
+    <p:sldId id="299" r:id="rId58"/>
+    <p:sldId id="322" r:id="rId59"/>
+    <p:sldId id="323" r:id="rId60"/>
+    <p:sldId id="324" r:id="rId61"/>
+    <p:sldId id="301" r:id="rId62"/>
+    <p:sldId id="300" r:id="rId63"/>
+    <p:sldId id="306" r:id="rId64"/>
+    <p:sldId id="304" r:id="rId65"/>
+    <p:sldId id="305" r:id="rId66"/>
+    <p:sldId id="307" r:id="rId67"/>
+    <p:sldId id="308" r:id="rId68"/>
+    <p:sldId id="309" r:id="rId69"/>
+    <p:sldId id="310" r:id="rId70"/>
+    <p:sldId id="325" r:id="rId71"/>
+    <p:sldId id="326" r:id="rId72"/>
+    <p:sldId id="327" r:id="rId73"/>
+    <p:sldId id="311" r:id="rId74"/>
+    <p:sldId id="312" r:id="rId75"/>
+    <p:sldId id="313" r:id="rId76"/>
   </p:sldIdLst>
   <p:sldSz cx="12192000" cy="6858000"/>
   <p:notesSz cx="6858000" cy="9144000"/>
@@ -195,6 +196,7 @@
           <p14:sldIdLst>
             <p14:sldId id="260"/>
             <p14:sldId id="328"/>
+            <p14:sldId id="335"/>
           </p14:sldIdLst>
         </p14:section>
         <p14:section name="Pricing the Underlying" id="{9EFB3D90-38E8-4E05-A7C5-4CDBD9F8F8DA}">
@@ -6191,6 +6193,139 @@
           <p:cNvPr id="2" name="Title 1">
             <a:extLst>
               <a:ext uri="{FF2B5EF4-FFF2-40B4-BE49-F238E27FC236}">
+                <a16:creationId xmlns:a16="http://schemas.microsoft.com/office/drawing/2014/main" id="{A8713783-47F6-4A96-9BC0-8DBA7D9B343B}"/>
+              </a:ext>
+            </a:extLst>
+          </p:cNvPr>
+          <p:cNvSpPr>
+            <a:spLocks noGrp="1"/>
+          </p:cNvSpPr>
+          <p:nvPr>
+            <p:ph type="title"/>
+          </p:nvPr>
+        </p:nvSpPr>
+        <p:spPr/>
+        <p:txBody>
+          <a:bodyPr>
+            <a:normAutofit/>
+          </a:bodyPr>
+          <a:lstStyle/>
+          <a:p>
+            <a:r>
+              <a:rPr lang="en-US" sz="4000" dirty="0"/>
+              <a:t>Pricing the Underlying</a:t>
+            </a:r>
+          </a:p>
+        </p:txBody>
+      </p:sp>
+      <p:sp>
+        <p:nvSpPr>
+          <p:cNvPr id="3" name="Content Placeholder 2">
+            <a:extLst>
+              <a:ext uri="{FF2B5EF4-FFF2-40B4-BE49-F238E27FC236}">
+                <a16:creationId xmlns:a16="http://schemas.microsoft.com/office/drawing/2014/main" id="{B69D636B-F407-4D97-8CA1-C79B1CC413AD}"/>
+              </a:ext>
+            </a:extLst>
+          </p:cNvPr>
+          <p:cNvSpPr>
+            <a:spLocks noGrp="1"/>
+          </p:cNvSpPr>
+          <p:nvPr>
+            <p:ph idx="1"/>
+          </p:nvPr>
+        </p:nvSpPr>
+        <p:spPr/>
+        <p:txBody>
+          <a:bodyPr/>
+          <a:lstStyle/>
+          <a:p>
+            <a:r>
+              <a:rPr lang="en-US" sz="2000" dirty="0"/>
+              <a:t>Other benefits and costs of holding an asset</a:t>
+            </a:r>
+          </a:p>
+          <a:p>
+            <a:pPr lvl="1"/>
+            <a:r>
+              <a:rPr lang="en-US" sz="2000" dirty="0"/>
+              <a:t>Benefit</a:t>
+            </a:r>
+          </a:p>
+          <a:p>
+            <a:pPr lvl="2"/>
+            <a:r>
+              <a:rPr lang="en-US" sz="2000" dirty="0"/>
+              <a:t>Monetary: dividend, interest</a:t>
+            </a:r>
+          </a:p>
+          <a:p>
+            <a:pPr lvl="2"/>
+            <a:r>
+              <a:rPr lang="en-US" sz="2000" dirty="0"/>
+              <a:t>Non-monetary: convenience yield</a:t>
+            </a:r>
+          </a:p>
+          <a:p>
+            <a:pPr lvl="1"/>
+            <a:r>
+              <a:rPr lang="en-US" sz="2000" dirty="0"/>
+              <a:t>Cost</a:t>
+            </a:r>
+          </a:p>
+          <a:p>
+            <a:pPr lvl="2"/>
+            <a:r>
+              <a:rPr lang="en-US" sz="2000" dirty="0"/>
+              <a:t>Cost of storage</a:t>
+            </a:r>
+          </a:p>
+          <a:p>
+            <a:pPr lvl="2"/>
+            <a:r>
+              <a:rPr lang="en-US" sz="2000" dirty="0"/>
+              <a:t>Opportunity cost of money invested</a:t>
+            </a:r>
+          </a:p>
+          <a:p>
+            <a:endParaRPr lang="en-US" dirty="0"/>
+          </a:p>
+        </p:txBody>
+      </p:sp>
+    </p:spTree>
+    <p:extLst>
+      <p:ext uri="{BB962C8B-B14F-4D97-AF65-F5344CB8AC3E}">
+        <p14:creationId xmlns:p14="http://schemas.microsoft.com/office/powerpoint/2010/main" val="1293034179"/>
+      </p:ext>
+    </p:extLst>
+  </p:cSld>
+  <p:clrMapOvr>
+    <a:masterClrMapping/>
+  </p:clrMapOvr>
+</p:sld>
+</file>
+
+<file path=ppt/slides/slide11.xml><?xml version="1.0" encoding="utf-8"?>
+<p:sld xmlns:a="http://schemas.openxmlformats.org/drawingml/2006/main" xmlns:r="http://schemas.openxmlformats.org/officeDocument/2006/relationships" xmlns:p="http://schemas.openxmlformats.org/presentationml/2006/main">
+  <p:cSld>
+    <p:spTree>
+      <p:nvGrpSpPr>
+        <p:cNvPr id="1" name=""/>
+        <p:cNvGrpSpPr/>
+        <p:nvPr/>
+      </p:nvGrpSpPr>
+      <p:grpSpPr>
+        <a:xfrm>
+          <a:off x="0" y="0"/>
+          <a:ext cx="0" cy="0"/>
+          <a:chOff x="0" y="0"/>
+          <a:chExt cx="0" cy="0"/>
+        </a:xfrm>
+      </p:grpSpPr>
+      <p:sp>
+        <p:nvSpPr>
+          <p:cNvPr id="2" name="Title 1">
+            <a:extLst>
+              <a:ext uri="{FF2B5EF4-FFF2-40B4-BE49-F238E27FC236}">
                 <a16:creationId xmlns:a16="http://schemas.microsoft.com/office/drawing/2014/main" id="{AD51057C-9AF9-4538-BD47-8BF986948520}"/>
               </a:ext>
             </a:extLst>
@@ -6320,144 +6455,6 @@
 </p:sld>
 </file>
 
-<file path=ppt/slides/slide11.xml><?xml version="1.0" encoding="utf-8"?>
-<p:sld xmlns:a="http://schemas.openxmlformats.org/drawingml/2006/main" xmlns:r="http://schemas.openxmlformats.org/officeDocument/2006/relationships" xmlns:p="http://schemas.openxmlformats.org/presentationml/2006/main">
-  <p:cSld>
-    <p:spTree>
-      <p:nvGrpSpPr>
-        <p:cNvPr id="1" name=""/>
-        <p:cNvGrpSpPr/>
-        <p:nvPr/>
-      </p:nvGrpSpPr>
-      <p:grpSpPr>
-        <a:xfrm>
-          <a:off x="0" y="0"/>
-          <a:ext cx="0" cy="0"/>
-          <a:chOff x="0" y="0"/>
-          <a:chExt cx="0" cy="0"/>
-        </a:xfrm>
-      </p:grpSpPr>
-      <p:sp>
-        <p:nvSpPr>
-          <p:cNvPr id="2" name="Title 1">
-            <a:extLst>
-              <a:ext uri="{FF2B5EF4-FFF2-40B4-BE49-F238E27FC236}">
-                <a16:creationId xmlns:a16="http://schemas.microsoft.com/office/drawing/2014/main" id="{FC5CF760-A6A2-454B-B484-743EC4510FFD}"/>
-              </a:ext>
-            </a:extLst>
-          </p:cNvPr>
-          <p:cNvSpPr>
-            <a:spLocks noGrp="1"/>
-          </p:cNvSpPr>
-          <p:nvPr>
-            <p:ph type="title"/>
-          </p:nvPr>
-        </p:nvSpPr>
-        <p:spPr/>
-        <p:txBody>
-          <a:bodyPr/>
-          <a:lstStyle/>
-          <a:p>
-            <a:r>
-              <a:rPr lang="en-US" sz="4000" dirty="0"/>
-              <a:t>Practices</a:t>
-            </a:r>
-            <a:br>
-              <a:rPr lang="en-US" dirty="0"/>
-            </a:br>
-            <a:endParaRPr lang="en-US" dirty="0"/>
-          </a:p>
-        </p:txBody>
-      </p:sp>
-      <p:sp>
-        <p:nvSpPr>
-          <p:cNvPr id="3" name="Content Placeholder 2">
-            <a:extLst>
-              <a:ext uri="{FF2B5EF4-FFF2-40B4-BE49-F238E27FC236}">
-                <a16:creationId xmlns:a16="http://schemas.microsoft.com/office/drawing/2014/main" id="{8631A2A8-B5E5-4C11-8D35-F162FEC44805}"/>
-              </a:ext>
-            </a:extLst>
-          </p:cNvPr>
-          <p:cNvSpPr>
-            <a:spLocks noGrp="1"/>
-          </p:cNvSpPr>
-          <p:nvPr>
-            <p:ph idx="1"/>
-          </p:nvPr>
-        </p:nvSpPr>
-        <p:spPr/>
-        <p:txBody>
-          <a:bodyPr/>
-          <a:lstStyle/>
-          <a:p>
-            <a:r>
-              <a:rPr lang="en-US" dirty="0"/>
-              <a:t>1 Which of the following factors does not affect the spot price of an asset that has no interim costs or benefits?</a:t>
-            </a:r>
-          </a:p>
-          <a:p>
-            <a:pPr lvl="1"/>
-            <a:r>
-              <a:rPr lang="en-US" dirty="0"/>
-              <a:t>A The time value of money</a:t>
-            </a:r>
-          </a:p>
-          <a:p>
-            <a:pPr lvl="1"/>
-            <a:r>
-              <a:rPr lang="en-US" dirty="0"/>
-              <a:t>B The risk aversion of investors</a:t>
-            </a:r>
-          </a:p>
-          <a:p>
-            <a:pPr lvl="1"/>
-            <a:r>
-              <a:rPr lang="en-US" dirty="0"/>
-              <a:t>C The price recently paid by other investors</a:t>
-            </a:r>
-          </a:p>
-          <a:p>
-            <a:r>
-              <a:rPr lang="en-US" dirty="0"/>
-              <a:t>2 Which of the following does not represent a benefit of holding an asset?</a:t>
-            </a:r>
-          </a:p>
-          <a:p>
-            <a:pPr lvl="1"/>
-            <a:r>
-              <a:rPr lang="en-US" dirty="0"/>
-              <a:t>A The convenience yield</a:t>
-            </a:r>
-          </a:p>
-          <a:p>
-            <a:pPr lvl="1"/>
-            <a:r>
-              <a:rPr lang="en-US" dirty="0"/>
-              <a:t>B An optimistic expected outlook for the asset</a:t>
-            </a:r>
-          </a:p>
-          <a:p>
-            <a:pPr lvl="1"/>
-            <a:r>
-              <a:rPr lang="en-US" dirty="0"/>
-              <a:t>C Dividends if the asset is a stock or interest if the asset is a bond</a:t>
-            </a:r>
-          </a:p>
-        </p:txBody>
-      </p:sp>
-    </p:spTree>
-    <p:extLst>
-      <p:ext uri="{BB962C8B-B14F-4D97-AF65-F5344CB8AC3E}">
-        <p14:creationId xmlns:p14="http://schemas.microsoft.com/office/powerpoint/2010/main" val="3937640336"/>
-      </p:ext>
-    </p:extLst>
-  </p:cSld>
-  <p:clrMapOvr>
-    <a:masterClrMapping/>
-  </p:clrMapOvr>
-</p:sld>
-</file>
-
 <file path=ppt/slides/slide12.xml><?xml version="1.0" encoding="utf-8"?>
 <p:sld xmlns:a="http://schemas.openxmlformats.org/drawingml/2006/main" xmlns:r="http://schemas.openxmlformats.org/officeDocument/2006/relationships" xmlns:p="http://schemas.openxmlformats.org/presentationml/2006/main">
   <p:cSld>
@@ -6480,7 +6477,7 @@
           <p:cNvPr id="2" name="Title 1">
             <a:extLst>
               <a:ext uri="{FF2B5EF4-FFF2-40B4-BE49-F238E27FC236}">
-                <a16:creationId xmlns:a16="http://schemas.microsoft.com/office/drawing/2014/main" id="{3B6DC5E5-B49D-4096-80C1-B8052495A474}"/>
+                <a16:creationId xmlns:a16="http://schemas.microsoft.com/office/drawing/2014/main" id="{FC5CF760-A6A2-454B-B484-743EC4510FFD}"/>
               </a:ext>
             </a:extLst>
           </p:cNvPr>
@@ -6493,15 +6490,17 @@
         </p:nvSpPr>
         <p:spPr/>
         <p:txBody>
-          <a:bodyPr>
-            <a:normAutofit/>
-          </a:bodyPr>
+          <a:bodyPr/>
           <a:lstStyle/>
           <a:p>
             <a:r>
               <a:rPr lang="en-US" sz="4000" dirty="0"/>
-              <a:t>Forward Contracts</a:t>
-            </a:r>
+              <a:t>Practices</a:t>
+            </a:r>
+            <a:br>
+              <a:rPr lang="en-US" dirty="0"/>
+            </a:br>
+            <a:endParaRPr lang="en-US" dirty="0"/>
           </a:p>
         </p:txBody>
       </p:sp>
@@ -6510,7 +6509,7 @@
           <p:cNvPr id="3" name="Content Placeholder 2">
             <a:extLst>
               <a:ext uri="{FF2B5EF4-FFF2-40B4-BE49-F238E27FC236}">
-                <a16:creationId xmlns:a16="http://schemas.microsoft.com/office/drawing/2014/main" id="{831B6362-3303-4415-9D10-C4E0904D67AF}"/>
+                <a16:creationId xmlns:a16="http://schemas.microsoft.com/office/drawing/2014/main" id="{8631A2A8-B5E5-4C11-8D35-F162FEC44805}"/>
               </a:ext>
             </a:extLst>
           </p:cNvPr>
@@ -6527,65 +6526,64 @@
           <a:lstStyle/>
           <a:p>
             <a:r>
-              <a:rPr lang="en-US" sz="2800" dirty="0"/>
-              <a:t>Forward commitments</a:t>
+              <a:rPr lang="en-US" dirty="0"/>
+              <a:t>1 Which of the following factors does not affect the spot price of an asset that has no interim costs or benefits?</a:t>
             </a:r>
           </a:p>
           <a:p>
             <a:pPr lvl="1"/>
             <a:r>
-              <a:rPr lang="en-US" sz="2800" u="sng" dirty="0">
-                <a:solidFill>
-                  <a:srgbClr val="FF0000"/>
-                </a:solidFill>
-              </a:rPr>
-              <a:t>Forward</a:t>
+              <a:rPr lang="en-US" dirty="0"/>
+              <a:t>A The time value of money</a:t>
             </a:r>
           </a:p>
           <a:p>
             <a:pPr lvl="1"/>
             <a:r>
-              <a:rPr lang="en-US" sz="2800" dirty="0"/>
-              <a:t>Futures</a:t>
+              <a:rPr lang="en-US" dirty="0"/>
+              <a:t>B The risk aversion of investors</a:t>
             </a:r>
           </a:p>
           <a:p>
             <a:pPr lvl="1"/>
             <a:r>
-              <a:rPr lang="en-US" sz="2800" dirty="0"/>
-              <a:t>Swap</a:t>
-            </a:r>
-          </a:p>
-          <a:p>
-            <a:r>
-              <a:rPr lang="en-US" sz="2800" dirty="0"/>
-              <a:t>Contingent claims</a:t>
+              <a:rPr lang="en-US" dirty="0"/>
+              <a:t>C The price recently paid by other investors</a:t>
+            </a:r>
+          </a:p>
+          <a:p>
+            <a:r>
+              <a:rPr lang="en-US" dirty="0"/>
+              <a:t>2 Which of the following does not represent a benefit of holding an asset?</a:t>
             </a:r>
           </a:p>
           <a:p>
             <a:pPr lvl="1"/>
             <a:r>
-              <a:rPr lang="en-US" sz="2800" dirty="0"/>
-              <a:t>Option</a:t>
+              <a:rPr lang="en-US" dirty="0"/>
+              <a:t>A The convenience yield</a:t>
             </a:r>
           </a:p>
           <a:p>
             <a:pPr lvl="1"/>
             <a:r>
-              <a:rPr lang="en-US" sz="2800" dirty="0"/>
-              <a:t>Credit Derivatives</a:t>
+              <a:rPr lang="en-US" dirty="0"/>
+              <a:t>B An optimistic expected outlook for the asset</a:t>
             </a:r>
           </a:p>
           <a:p>
             <a:pPr lvl="1"/>
-            <a:endParaRPr lang="en-US" dirty="0"/>
+            <a:r>
+              <a:rPr lang="en-US" dirty="0"/>
+              <a:t>C Dividends if the asset is a stock or interest if the asset is a bond</a:t>
+            </a:r>
           </a:p>
         </p:txBody>
       </p:sp>
     </p:spTree>
     <p:extLst>
       <p:ext uri="{BB962C8B-B14F-4D97-AF65-F5344CB8AC3E}">
-        <p14:creationId xmlns:p14="http://schemas.microsoft.com/office/powerpoint/2010/main" val="2265787793"/>
+        <p14:creationId xmlns:p14="http://schemas.microsoft.com/office/powerpoint/2010/main" val="3937640336"/>
       </p:ext>
     </p:extLst>
   </p:cSld>
@@ -6617,6 +6615,143 @@
           <p:cNvPr id="2" name="Title 1">
             <a:extLst>
               <a:ext uri="{FF2B5EF4-FFF2-40B4-BE49-F238E27FC236}">
+                <a16:creationId xmlns:a16="http://schemas.microsoft.com/office/drawing/2014/main" id="{3B6DC5E5-B49D-4096-80C1-B8052495A474}"/>
+              </a:ext>
+            </a:extLst>
+          </p:cNvPr>
+          <p:cNvSpPr>
+            <a:spLocks noGrp="1"/>
+          </p:cNvSpPr>
+          <p:nvPr>
+            <p:ph type="title"/>
+          </p:nvPr>
+        </p:nvSpPr>
+        <p:spPr/>
+        <p:txBody>
+          <a:bodyPr>
+            <a:normAutofit/>
+          </a:bodyPr>
+          <a:lstStyle/>
+          <a:p>
+            <a:r>
+              <a:rPr lang="en-US" sz="4000" dirty="0"/>
+              <a:t>Forward Contracts</a:t>
+            </a:r>
+          </a:p>
+        </p:txBody>
+      </p:sp>
+      <p:sp>
+        <p:nvSpPr>
+          <p:cNvPr id="3" name="Content Placeholder 2">
+            <a:extLst>
+              <a:ext uri="{FF2B5EF4-FFF2-40B4-BE49-F238E27FC236}">
+                <a16:creationId xmlns:a16="http://schemas.microsoft.com/office/drawing/2014/main" id="{831B6362-3303-4415-9D10-C4E0904D67AF}"/>
+              </a:ext>
+            </a:extLst>
+          </p:cNvPr>
+          <p:cNvSpPr>
+            <a:spLocks noGrp="1"/>
+          </p:cNvSpPr>
+          <p:nvPr>
+            <p:ph idx="1"/>
+          </p:nvPr>
+        </p:nvSpPr>
+        <p:spPr/>
+        <p:txBody>
+          <a:bodyPr/>
+          <a:lstStyle/>
+          <a:p>
+            <a:r>
+              <a:rPr lang="en-US" sz="2800" dirty="0"/>
+              <a:t>Forward commitments</a:t>
+            </a:r>
+          </a:p>
+          <a:p>
+            <a:pPr lvl="1"/>
+            <a:r>
+              <a:rPr lang="en-US" sz="2800" u="sng" dirty="0">
+                <a:solidFill>
+                  <a:srgbClr val="FF0000"/>
+                </a:solidFill>
+              </a:rPr>
+              <a:t>Forward</a:t>
+            </a:r>
+          </a:p>
+          <a:p>
+            <a:pPr lvl="1"/>
+            <a:r>
+              <a:rPr lang="en-US" sz="2800" dirty="0"/>
+              <a:t>Futures</a:t>
+            </a:r>
+          </a:p>
+          <a:p>
+            <a:pPr lvl="1"/>
+            <a:r>
+              <a:rPr lang="en-US" sz="2800" dirty="0"/>
+              <a:t>Swap</a:t>
+            </a:r>
+          </a:p>
+          <a:p>
+            <a:r>
+              <a:rPr lang="en-US" sz="2800" dirty="0"/>
+              <a:t>Contingent claims</a:t>
+            </a:r>
+          </a:p>
+          <a:p>
+            <a:pPr lvl="1"/>
+            <a:r>
+              <a:rPr lang="en-US" sz="2800" dirty="0"/>
+              <a:t>Option</a:t>
+            </a:r>
+          </a:p>
+          <a:p>
+            <a:pPr lvl="1"/>
+            <a:r>
+              <a:rPr lang="en-US" sz="2800" dirty="0"/>
+              <a:t>Credit Derivatives</a:t>
+            </a:r>
+          </a:p>
+          <a:p>
+            <a:pPr lvl="1"/>
+            <a:endParaRPr lang="en-US" dirty="0"/>
+          </a:p>
+        </p:txBody>
+      </p:sp>
+    </p:spTree>
+    <p:extLst>
+      <p:ext uri="{BB962C8B-B14F-4D97-AF65-F5344CB8AC3E}">
+        <p14:creationId xmlns:p14="http://schemas.microsoft.com/office/powerpoint/2010/main" val="2265787793"/>
+      </p:ext>
+    </p:extLst>
+  </p:cSld>
+  <p:clrMapOvr>
+    <a:masterClrMapping/>
+  </p:clrMapOvr>
+</p:sld>
+</file>
+
+<file path=ppt/slides/slide14.xml><?xml version="1.0" encoding="utf-8"?>
+<p:sld xmlns:a="http://schemas.openxmlformats.org/drawingml/2006/main" xmlns:r="http://schemas.openxmlformats.org/officeDocument/2006/relationships" xmlns:p="http://schemas.openxmlformats.org/presentationml/2006/main">
+  <p:cSld>
+    <p:spTree>
+      <p:nvGrpSpPr>
+        <p:cNvPr id="1" name=""/>
+        <p:cNvGrpSpPr/>
+        <p:nvPr/>
+      </p:nvGrpSpPr>
+      <p:grpSpPr>
+        <a:xfrm>
+          <a:off x="0" y="0"/>
+          <a:ext cx="0" cy="0"/>
+          <a:chOff x="0" y="0"/>
+          <a:chExt cx="0" cy="0"/>
+        </a:xfrm>
+      </p:grpSpPr>
+      <p:sp>
+        <p:nvSpPr>
+          <p:cNvPr id="2" name="Title 1">
+            <a:extLst>
+              <a:ext uri="{FF2B5EF4-FFF2-40B4-BE49-F238E27FC236}">
                 <a16:creationId xmlns:a16="http://schemas.microsoft.com/office/drawing/2014/main" id="{ADE6AB55-2B32-43BD-88B1-F3CA049E0A6F}"/>
               </a:ext>
             </a:extLst>
@@ -6890,7 +7025,7 @@
 </p:sld>
 </file>
 
-<file path=ppt/slides/slide14.xml><?xml version="1.0" encoding="utf-8"?>
+<file path=ppt/slides/slide15.xml><?xml version="1.0" encoding="utf-8"?>
 <p:sld xmlns:a="http://schemas.openxmlformats.org/drawingml/2006/main" xmlns:r="http://schemas.openxmlformats.org/officeDocument/2006/relationships" xmlns:p="http://schemas.openxmlformats.org/presentationml/2006/main">
   <p:cSld>
     <p:spTree>
@@ -7009,236 +7144,6 @@
 </p:sld>
 </file>
 
-<file path=ppt/slides/slide15.xml><?xml version="1.0" encoding="utf-8"?>
-<p:sld xmlns:a="http://schemas.openxmlformats.org/drawingml/2006/main" xmlns:r="http://schemas.openxmlformats.org/officeDocument/2006/relationships" xmlns:p="http://schemas.openxmlformats.org/presentationml/2006/main">
-  <p:cSld>
-    <p:spTree>
-      <p:nvGrpSpPr>
-        <p:cNvPr id="1" name=""/>
-        <p:cNvGrpSpPr/>
-        <p:nvPr/>
-      </p:nvGrpSpPr>
-      <p:grpSpPr>
-        <a:xfrm>
-          <a:off x="0" y="0"/>
-          <a:ext cx="0" cy="0"/>
-          <a:chOff x="0" y="0"/>
-          <a:chExt cx="0" cy="0"/>
-        </a:xfrm>
-      </p:grpSpPr>
-      <p:sp>
-        <p:nvSpPr>
-          <p:cNvPr id="2" name="Title 1">
-            <a:extLst>
-              <a:ext uri="{FF2B5EF4-FFF2-40B4-BE49-F238E27FC236}">
-                <a16:creationId xmlns:a16="http://schemas.microsoft.com/office/drawing/2014/main" id="{37A28ABC-AE65-40D1-9D5C-6852A806CACA}"/>
-              </a:ext>
-            </a:extLst>
-          </p:cNvPr>
-          <p:cNvSpPr>
-            <a:spLocks noGrp="1"/>
-          </p:cNvSpPr>
-          <p:nvPr>
-            <p:ph type="title"/>
-          </p:nvPr>
-        </p:nvSpPr>
-        <p:spPr/>
-        <p:txBody>
-          <a:bodyPr>
-            <a:normAutofit/>
-          </a:bodyPr>
-          <a:lstStyle/>
-          <a:p>
-            <a:r>
-              <a:rPr lang="en-US" sz="4000" dirty="0"/>
-              <a:t>Forward Contracts</a:t>
-            </a:r>
-          </a:p>
-        </p:txBody>
-      </p:sp>
-      <p:sp>
-        <p:nvSpPr>
-          <p:cNvPr id="3" name="Content Placeholder 2">
-            <a:extLst>
-              <a:ext uri="{FF2B5EF4-FFF2-40B4-BE49-F238E27FC236}">
-                <a16:creationId xmlns:a16="http://schemas.microsoft.com/office/drawing/2014/main" id="{D22A806C-F69B-4DED-9FC2-EB92BEFA3A94}"/>
-              </a:ext>
-            </a:extLst>
-          </p:cNvPr>
-          <p:cNvSpPr>
-            <a:spLocks noGrp="1"/>
-          </p:cNvSpPr>
-          <p:nvPr>
-            <p:ph idx="1"/>
-          </p:nvPr>
-        </p:nvSpPr>
-        <p:spPr/>
-        <p:txBody>
-          <a:bodyPr>
-            <a:normAutofit/>
-          </a:bodyPr>
-          <a:lstStyle/>
-          <a:p>
-            <a:r>
-              <a:rPr lang="en-US" dirty="0"/>
-              <a:t>Characteristics:</a:t>
-            </a:r>
-          </a:p>
-          <a:p>
-            <a:pPr lvl="1"/>
-            <a:r>
-              <a:rPr lang="en-US" dirty="0"/>
-              <a:t>An important element of forward contracts is that </a:t>
-            </a:r>
-            <a:r>
-              <a:rPr lang="en-US" dirty="0">
-                <a:solidFill>
-                  <a:srgbClr val="FF0000"/>
-                </a:solidFill>
-              </a:rPr>
-              <a:t>no money changes </a:t>
-            </a:r>
-            <a:r>
-              <a:rPr lang="en-US" dirty="0"/>
-              <a:t>hands between parties when the contract is initiated.  </a:t>
-            </a:r>
-          </a:p>
-          <a:p>
-            <a:pPr lvl="1"/>
-            <a:r>
-              <a:rPr lang="en-US" dirty="0"/>
-              <a:t>The long and the short are engaged in a </a:t>
-            </a:r>
-            <a:r>
-              <a:rPr lang="en-US" dirty="0">
-                <a:solidFill>
-                  <a:srgbClr val="FF0000"/>
-                </a:solidFill>
-              </a:rPr>
-              <a:t>zero- sum game</a:t>
-            </a:r>
-            <a:r>
-              <a:rPr lang="en-US" dirty="0"/>
-              <a:t>, which is a type of competition in which one participant’s gains are the other’s losses. </a:t>
-            </a:r>
-            <a:r>
-              <a:rPr lang="en-US" dirty="0">
-                <a:solidFill>
-                  <a:srgbClr val="FF0000"/>
-                </a:solidFill>
-              </a:rPr>
-              <a:t>Only one party could default at a time.</a:t>
-            </a:r>
-            <a:r>
-              <a:rPr lang="en-US" dirty="0"/>
-              <a:t> Forward contracts have </a:t>
-            </a:r>
-            <a:r>
-              <a:rPr lang="en-US" dirty="0">
-                <a:solidFill>
-                  <a:srgbClr val="FF0000"/>
-                </a:solidFill>
-              </a:rPr>
-              <a:t>zero value at the start</a:t>
-            </a:r>
-            <a:r>
-              <a:rPr lang="en-US" dirty="0"/>
-              <a:t>.</a:t>
-            </a:r>
-          </a:p>
-          <a:p>
-            <a:pPr lvl="1"/>
-            <a:r>
-              <a:rPr lang="en-US" dirty="0"/>
-              <a:t>Forward contracts need not specifically settle by delivery of the underlying asset. They can settle by </a:t>
-            </a:r>
-            <a:r>
-              <a:rPr lang="en-US" dirty="0">
-                <a:solidFill>
-                  <a:srgbClr val="FF0000"/>
-                </a:solidFill>
-              </a:rPr>
-              <a:t>an exchange of cash</a:t>
-            </a:r>
-            <a:r>
-              <a:rPr lang="en-US" dirty="0"/>
-              <a:t>. These contracts—called </a:t>
-            </a:r>
-            <a:r>
-              <a:rPr lang="en-US" b="1" dirty="0"/>
-              <a:t>non- deliverable forwards </a:t>
-            </a:r>
-            <a:r>
-              <a:rPr lang="en-US" dirty="0"/>
-              <a:t>(NDFs), </a:t>
-            </a:r>
-            <a:r>
-              <a:rPr lang="en-US" b="1" dirty="0"/>
-              <a:t>cash- settled forwards</a:t>
-            </a:r>
-            <a:r>
-              <a:rPr lang="en-US" dirty="0"/>
-              <a:t>, or </a:t>
-            </a:r>
-            <a:r>
-              <a:rPr lang="en-US" b="1" dirty="0"/>
-              <a:t>contracts for differences.</a:t>
-            </a:r>
-          </a:p>
-          <a:p>
-            <a:pPr lvl="1"/>
-            <a:r>
-              <a:rPr lang="en-US" dirty="0"/>
-              <a:t>The primary purpose of derivatives is for </a:t>
-            </a:r>
-            <a:r>
-              <a:rPr lang="en-US" dirty="0">
-                <a:solidFill>
-                  <a:srgbClr val="FF0000"/>
-                </a:solidFill>
-              </a:rPr>
-              <a:t>risk management</a:t>
-            </a:r>
-            <a:r>
-              <a:rPr lang="en-US" dirty="0"/>
-              <a:t>.</a:t>
-            </a:r>
-            <a:endParaRPr lang="en-US" b="1" dirty="0"/>
-          </a:p>
-          <a:p>
-            <a:pPr lvl="1"/>
-            <a:r>
-              <a:rPr lang="en-US" dirty="0"/>
-              <a:t>As previously mentioned, forward contracts are </a:t>
-            </a:r>
-            <a:r>
-              <a:rPr lang="en-US" dirty="0">
-                <a:solidFill>
-                  <a:srgbClr val="FF0000"/>
-                </a:solidFill>
-              </a:rPr>
-              <a:t>OTC contracts</a:t>
-            </a:r>
-            <a:r>
-              <a:rPr lang="en-US" dirty="0"/>
-              <a:t>. There is no formal forward contract exchange.</a:t>
-            </a:r>
-          </a:p>
-        </p:txBody>
-      </p:sp>
-    </p:spTree>
-    <p:extLst>
-      <p:ext uri="{BB962C8B-B14F-4D97-AF65-F5344CB8AC3E}">
-        <p14:creationId xmlns:p14="http://schemas.microsoft.com/office/powerpoint/2010/main" val="807663133"/>
-      </p:ext>
-    </p:extLst>
-  </p:cSld>
-  <p:clrMapOvr>
-    <a:masterClrMapping/>
-  </p:clrMapOvr>
-</p:sld>
-</file>
-
 <file path=ppt/slides/slide16.xml><?xml version="1.0" encoding="utf-8"?>
 <p:sld xmlns:a="http://schemas.openxmlformats.org/drawingml/2006/main" xmlns:r="http://schemas.openxmlformats.org/officeDocument/2006/relationships" xmlns:p="http://schemas.openxmlformats.org/presentationml/2006/main">
   <p:cSld>
@@ -7261,7 +7166,7 @@
           <p:cNvPr id="2" name="Title 1">
             <a:extLst>
               <a:ext uri="{FF2B5EF4-FFF2-40B4-BE49-F238E27FC236}">
-                <a16:creationId xmlns:a16="http://schemas.microsoft.com/office/drawing/2014/main" id="{3B6DC5E5-B49D-4096-80C1-B8052495A474}"/>
+                <a16:creationId xmlns:a16="http://schemas.microsoft.com/office/drawing/2014/main" id="{37A28ABC-AE65-40D1-9D5C-6852A806CACA}"/>
               </a:ext>
             </a:extLst>
           </p:cNvPr>
@@ -7281,7 +7186,7 @@
           <a:p>
             <a:r>
               <a:rPr lang="en-US" sz="4000" dirty="0"/>
-              <a:t>Futures Contracts</a:t>
+              <a:t>Forward Contracts</a:t>
             </a:r>
           </a:p>
         </p:txBody>
@@ -7291,7 +7196,7 @@
           <p:cNvPr id="3" name="Content Placeholder 2">
             <a:extLst>
               <a:ext uri="{FF2B5EF4-FFF2-40B4-BE49-F238E27FC236}">
-                <a16:creationId xmlns:a16="http://schemas.microsoft.com/office/drawing/2014/main" id="{831B6362-3303-4415-9D10-C4E0904D67AF}"/>
+                <a16:creationId xmlns:a16="http://schemas.microsoft.com/office/drawing/2014/main" id="{D22A806C-F69B-4DED-9FC2-EB92BEFA3A94}"/>
               </a:ext>
             </a:extLst>
           </p:cNvPr>
@@ -7304,73 +7209,162 @@
         </p:nvSpPr>
         <p:spPr/>
         <p:txBody>
-          <a:bodyPr/>
-          <a:lstStyle/>
-          <a:p>
-            <a:r>
-              <a:rPr lang="en-US" sz="2800" dirty="0"/>
-              <a:t>Forward commitments</a:t>
+          <a:bodyPr>
+            <a:normAutofit/>
+          </a:bodyPr>
+          <a:lstStyle/>
+          <a:p>
+            <a:r>
+              <a:rPr lang="en-US" dirty="0"/>
+              <a:t>Characteristics:</a:t>
             </a:r>
           </a:p>
           <a:p>
             <a:pPr lvl="1"/>
             <a:r>
-              <a:rPr lang="en-US" sz="2800" dirty="0">
-                <a:solidFill>
-                  <a:schemeClr val="tx1"/>
+              <a:rPr lang="en-US" dirty="0"/>
+              <a:t>An important element of forward contracts is that </a:t>
+            </a:r>
+            <a:r>
+              <a:rPr lang="en-US" dirty="0">
+                <a:solidFill>
+                  <a:srgbClr val="FF0000"/>
                 </a:solidFill>
               </a:rPr>
-              <a:t>Forward</a:t>
+              <a:t>no money changes </a:t>
+            </a:r>
+            <a:r>
+              <a:rPr lang="en-US" dirty="0"/>
+              <a:t>hands between parties when the contract is initiated.  </a:t>
             </a:r>
           </a:p>
           <a:p>
             <a:pPr lvl="1"/>
             <a:r>
-              <a:rPr lang="en-US" sz="2800" u="sng" dirty="0">
+              <a:rPr lang="en-US" dirty="0"/>
+              <a:t>The long and the short are engaged in a </a:t>
+            </a:r>
+            <a:r>
+              <a:rPr lang="en-US" dirty="0">
                 <a:solidFill>
                   <a:srgbClr val="FF0000"/>
                 </a:solidFill>
               </a:rPr>
-              <a:t>Futures</a:t>
+              <a:t>zero- sum game</a:t>
+            </a:r>
+            <a:r>
+              <a:rPr lang="en-US" dirty="0"/>
+              <a:t>, which is a type of competition in which one participant’s gains are the other’s losses. </a:t>
+            </a:r>
+            <a:r>
+              <a:rPr lang="en-US" dirty="0">
+                <a:solidFill>
+                  <a:srgbClr val="FF0000"/>
+                </a:solidFill>
+              </a:rPr>
+              <a:t>Only one party could default at a time.</a:t>
+            </a:r>
+            <a:r>
+              <a:rPr lang="en-US" dirty="0"/>
+              <a:t> Forward contracts have </a:t>
+            </a:r>
+            <a:r>
+              <a:rPr lang="en-US" dirty="0">
+                <a:solidFill>
+                  <a:srgbClr val="FF0000"/>
+                </a:solidFill>
+              </a:rPr>
+              <a:t>zero value at the start</a:t>
+            </a:r>
+            <a:r>
+              <a:rPr lang="en-US" dirty="0"/>
+              <a:t>.</a:t>
             </a:r>
           </a:p>
           <a:p>
             <a:pPr lvl="1"/>
             <a:r>
-              <a:rPr lang="en-US" sz="2800" dirty="0"/>
-              <a:t>Swap</a:t>
-            </a:r>
-          </a:p>
-          <a:p>
-            <a:r>
-              <a:rPr lang="en-US" sz="2800" dirty="0"/>
-              <a:t>Contingent claims</a:t>
+              <a:rPr lang="en-US" dirty="0"/>
+              <a:t>Forward contracts need not specifically settle by delivery of the underlying asset. They can settle by </a:t>
+            </a:r>
+            <a:r>
+              <a:rPr lang="en-US" dirty="0">
+                <a:solidFill>
+                  <a:srgbClr val="FF0000"/>
+                </a:solidFill>
+              </a:rPr>
+              <a:t>an exchange of cash</a:t>
+            </a:r>
+            <a:r>
+              <a:rPr lang="en-US" dirty="0"/>
+              <a:t>. These contracts—called </a:t>
+            </a:r>
+            <a:r>
+              <a:rPr lang="en-US" b="1" dirty="0"/>
+              <a:t>non- deliverable forwards </a:t>
+            </a:r>
+            <a:r>
+              <a:rPr lang="en-US" dirty="0"/>
+              <a:t>(NDFs), </a:t>
+            </a:r>
+            <a:r>
+              <a:rPr lang="en-US" b="1" dirty="0"/>
+              <a:t>cash- settled forwards</a:t>
+            </a:r>
+            <a:r>
+              <a:rPr lang="en-US" dirty="0"/>
+              <a:t>, or </a:t>
+            </a:r>
+            <a:r>
+              <a:rPr lang="en-US" b="1" dirty="0"/>
+              <a:t>contracts for differences.</a:t>
             </a:r>
           </a:p>
           <a:p>
             <a:pPr lvl="1"/>
             <a:r>
-              <a:rPr lang="en-US" sz="2800" dirty="0"/>
-              <a:t>Option</a:t>
-            </a:r>
+              <a:rPr lang="en-US" dirty="0"/>
+              <a:t>The primary purpose of derivatives is for </a:t>
+            </a:r>
+            <a:r>
+              <a:rPr lang="en-US" dirty="0">
+                <a:solidFill>
+                  <a:srgbClr val="FF0000"/>
+                </a:solidFill>
+              </a:rPr>
+              <a:t>risk management</a:t>
+            </a:r>
+            <a:r>
+              <a:rPr lang="en-US" dirty="0"/>
+              <a:t>.</a:t>
+            </a:r>
+            <a:endParaRPr lang="en-US" b="1" dirty="0"/>
           </a:p>
           <a:p>
             <a:pPr lvl="1"/>
             <a:r>
-              <a:rPr lang="en-US" sz="2800" dirty="0"/>
-              <a:t>Credit Derivatives</a:t>
-            </a:r>
-          </a:p>
-          <a:p>
-            <a:pPr lvl="1"/>
-            <a:endParaRPr lang="en-US" dirty="0"/>
+              <a:rPr lang="en-US" dirty="0"/>
+              <a:t>As previously mentioned, forward contracts are </a:t>
+            </a:r>
+            <a:r>
+              <a:rPr lang="en-US" dirty="0">
+                <a:solidFill>
+                  <a:srgbClr val="FF0000"/>
+                </a:solidFill>
+              </a:rPr>
+              <a:t>OTC contracts</a:t>
+            </a:r>
+            <a:r>
+              <a:rPr lang="en-US" dirty="0"/>
+              <a:t>. There is no formal forward contract exchange.</a:t>
+            </a:r>
           </a:p>
         </p:txBody>
       </p:sp>
     </p:spTree>
     <p:extLst>
       <p:ext uri="{BB962C8B-B14F-4D97-AF65-F5344CB8AC3E}">
-        <p14:creationId xmlns:p14="http://schemas.microsoft.com/office/powerpoint/2010/main" val="1800058910"/>
+        <p14:creationId xmlns:p14="http://schemas.microsoft.com/office/powerpoint/2010/main" val="807663133"/>
       </p:ext>
     </p:extLst>
   </p:cSld>
@@ -7402,7 +7396,7 @@
           <p:cNvPr id="2" name="Title 1">
             <a:extLst>
               <a:ext uri="{FF2B5EF4-FFF2-40B4-BE49-F238E27FC236}">
-                <a16:creationId xmlns:a16="http://schemas.microsoft.com/office/drawing/2014/main" id="{30655409-A592-48F4-8E79-104028B7FA18}"/>
+                <a16:creationId xmlns:a16="http://schemas.microsoft.com/office/drawing/2014/main" id="{3B6DC5E5-B49D-4096-80C1-B8052495A474}"/>
               </a:ext>
             </a:extLst>
           </p:cNvPr>
@@ -7432,7 +7426,7 @@
           <p:cNvPr id="3" name="Content Placeholder 2">
             <a:extLst>
               <a:ext uri="{FF2B5EF4-FFF2-40B4-BE49-F238E27FC236}">
-                <a16:creationId xmlns:a16="http://schemas.microsoft.com/office/drawing/2014/main" id="{AE0AAB92-0723-4D51-80D5-C6440ACF13CB}"/>
+                <a16:creationId xmlns:a16="http://schemas.microsoft.com/office/drawing/2014/main" id="{831B6362-3303-4415-9D10-C4E0904D67AF}"/>
               </a:ext>
             </a:extLst>
           </p:cNvPr>
@@ -7449,91 +7443,61 @@
           <a:lstStyle/>
           <a:p>
             <a:r>
-              <a:rPr lang="en-US" sz="2000" dirty="0"/>
-              <a:t>Definition: A futures contract is a </a:t>
-            </a:r>
-            <a:r>
-              <a:rPr lang="en-US" sz="2000" dirty="0">
+              <a:rPr lang="en-US" sz="2800" dirty="0"/>
+              <a:t>Forward commitments</a:t>
+            </a:r>
+          </a:p>
+          <a:p>
+            <a:pPr lvl="1"/>
+            <a:r>
+              <a:rPr lang="en-US" sz="2800" dirty="0">
+                <a:solidFill>
+                  <a:schemeClr val="tx1"/>
+                </a:solidFill>
+              </a:rPr>
+              <a:t>Forward</a:t>
+            </a:r>
+          </a:p>
+          <a:p>
+            <a:pPr lvl="1"/>
+            <a:r>
+              <a:rPr lang="en-US" sz="2800" u="sng" dirty="0">
                 <a:solidFill>
                   <a:srgbClr val="FF0000"/>
                 </a:solidFill>
               </a:rPr>
-              <a:t>standardized</a:t>
-            </a:r>
-            <a:r>
-              <a:rPr lang="en-US" sz="2000" dirty="0"/>
-              <a:t> derivative contract created and traded on </a:t>
-            </a:r>
-            <a:r>
-              <a:rPr lang="en-US" sz="2000" dirty="0">
-                <a:solidFill>
-                  <a:srgbClr val="FF0000"/>
-                </a:solidFill>
-              </a:rPr>
-              <a:t>a futures exchange </a:t>
-            </a:r>
-            <a:r>
-              <a:rPr lang="en-US" sz="2000" dirty="0"/>
-              <a:t>in which </a:t>
-            </a:r>
-            <a:r>
-              <a:rPr lang="en-US" sz="2000" dirty="0">
-                <a:highlight>
-                  <a:srgbClr val="FFFF00"/>
-                </a:highlight>
-              </a:rPr>
-              <a:t>two parties agree that one party, the buyer, will purchase an underlying asset from the other party, the seller, at a later date and at a price agreed on by the two parties when the contract is initiated</a:t>
-            </a:r>
-            <a:r>
-              <a:rPr lang="en-US" sz="2000" dirty="0"/>
-              <a:t> and in which there </a:t>
-            </a:r>
-            <a:r>
-              <a:rPr lang="en-US" sz="2000" dirty="0">
-                <a:solidFill>
-                  <a:schemeClr val="tx1"/>
-                </a:solidFill>
-              </a:rPr>
-              <a:t>is</a:t>
-            </a:r>
-            <a:r>
-              <a:rPr lang="en-US" sz="2000" dirty="0">
-                <a:solidFill>
-                  <a:srgbClr val="FF0000"/>
-                </a:solidFill>
-              </a:rPr>
-              <a:t> </a:t>
-            </a:r>
-            <a:r>
-              <a:rPr lang="en-US" sz="2000" b="1" dirty="0">
-                <a:solidFill>
-                  <a:srgbClr val="FF0000"/>
-                </a:solidFill>
-              </a:rPr>
-              <a:t>a daily settling of gains and losses</a:t>
-            </a:r>
-            <a:r>
-              <a:rPr lang="en-US" sz="2000" b="1" dirty="0"/>
-              <a:t> </a:t>
-            </a:r>
-            <a:r>
-              <a:rPr lang="en-US" sz="2000" dirty="0"/>
-              <a:t>and </a:t>
-            </a:r>
-            <a:r>
-              <a:rPr lang="en-US" sz="2000" b="1" dirty="0">
-                <a:solidFill>
-                  <a:srgbClr val="FF0000"/>
-                </a:solidFill>
-              </a:rPr>
-              <a:t>a credit guarantee by the futures exchange through its clearinghouse</a:t>
-            </a:r>
-            <a:r>
-              <a:rPr lang="en-US" sz="2000" b="1" dirty="0"/>
-              <a:t>.</a:t>
-            </a:r>
-          </a:p>
-          <a:p>
+              <a:t>Futures</a:t>
+            </a:r>
+          </a:p>
+          <a:p>
+            <a:pPr lvl="1"/>
+            <a:r>
+              <a:rPr lang="en-US" sz="2800" dirty="0"/>
+              <a:t>Swap</a:t>
+            </a:r>
+          </a:p>
+          <a:p>
+            <a:r>
+              <a:rPr lang="en-US" sz="2800" dirty="0"/>
+              <a:t>Contingent claims</a:t>
+            </a:r>
+          </a:p>
+          <a:p>
+            <a:pPr lvl="1"/>
+            <a:r>
+              <a:rPr lang="en-US" sz="2800" dirty="0"/>
+              <a:t>Option</a:t>
+            </a:r>
+          </a:p>
+          <a:p>
+            <a:pPr lvl="1"/>
+            <a:r>
+              <a:rPr lang="en-US" sz="2800" dirty="0"/>
+              <a:t>Credit Derivatives</a:t>
+            </a:r>
+          </a:p>
+          <a:p>
+            <a:pPr lvl="1"/>
             <a:endParaRPr lang="en-US" dirty="0"/>
           </a:p>
         </p:txBody>
@@ -7541,7 +7505,7 @@
     </p:spTree>
     <p:extLst>
       <p:ext uri="{BB962C8B-B14F-4D97-AF65-F5344CB8AC3E}">
-        <p14:creationId xmlns:p14="http://schemas.microsoft.com/office/powerpoint/2010/main" val="3713870111"/>
+        <p14:creationId xmlns:p14="http://schemas.microsoft.com/office/powerpoint/2010/main" val="1800058910"/>
       </p:ext>
     </p:extLst>
   </p:cSld>
@@ -7573,6 +7537,177 @@
           <p:cNvPr id="2" name="Title 1">
             <a:extLst>
               <a:ext uri="{FF2B5EF4-FFF2-40B4-BE49-F238E27FC236}">
+                <a16:creationId xmlns:a16="http://schemas.microsoft.com/office/drawing/2014/main" id="{30655409-A592-48F4-8E79-104028B7FA18}"/>
+              </a:ext>
+            </a:extLst>
+          </p:cNvPr>
+          <p:cNvSpPr>
+            <a:spLocks noGrp="1"/>
+          </p:cNvSpPr>
+          <p:nvPr>
+            <p:ph type="title"/>
+          </p:nvPr>
+        </p:nvSpPr>
+        <p:spPr/>
+        <p:txBody>
+          <a:bodyPr>
+            <a:normAutofit/>
+          </a:bodyPr>
+          <a:lstStyle/>
+          <a:p>
+            <a:r>
+              <a:rPr lang="en-US" sz="4000" dirty="0"/>
+              <a:t>Futures Contracts</a:t>
+            </a:r>
+          </a:p>
+        </p:txBody>
+      </p:sp>
+      <p:sp>
+        <p:nvSpPr>
+          <p:cNvPr id="3" name="Content Placeholder 2">
+            <a:extLst>
+              <a:ext uri="{FF2B5EF4-FFF2-40B4-BE49-F238E27FC236}">
+                <a16:creationId xmlns:a16="http://schemas.microsoft.com/office/drawing/2014/main" id="{AE0AAB92-0723-4D51-80D5-C6440ACF13CB}"/>
+              </a:ext>
+            </a:extLst>
+          </p:cNvPr>
+          <p:cNvSpPr>
+            <a:spLocks noGrp="1"/>
+          </p:cNvSpPr>
+          <p:nvPr>
+            <p:ph idx="1"/>
+          </p:nvPr>
+        </p:nvSpPr>
+        <p:spPr/>
+        <p:txBody>
+          <a:bodyPr/>
+          <a:lstStyle/>
+          <a:p>
+            <a:r>
+              <a:rPr lang="en-US" sz="2000" dirty="0"/>
+              <a:t>Definition: A futures contract is a </a:t>
+            </a:r>
+            <a:r>
+              <a:rPr lang="en-US" sz="2000" dirty="0">
+                <a:solidFill>
+                  <a:srgbClr val="FF0000"/>
+                </a:solidFill>
+              </a:rPr>
+              <a:t>standardized</a:t>
+            </a:r>
+            <a:r>
+              <a:rPr lang="en-US" sz="2000" dirty="0"/>
+              <a:t> derivative contract created and traded on </a:t>
+            </a:r>
+            <a:r>
+              <a:rPr lang="en-US" sz="2000" dirty="0">
+                <a:solidFill>
+                  <a:srgbClr val="FF0000"/>
+                </a:solidFill>
+              </a:rPr>
+              <a:t>a futures exchange </a:t>
+            </a:r>
+            <a:r>
+              <a:rPr lang="en-US" sz="2000" dirty="0"/>
+              <a:t>in which </a:t>
+            </a:r>
+            <a:r>
+              <a:rPr lang="en-US" sz="2000" dirty="0">
+                <a:highlight>
+                  <a:srgbClr val="FFFF00"/>
+                </a:highlight>
+              </a:rPr>
+              <a:t>two parties agree that one party, the buyer, will purchase an underlying asset from the other party, the seller, at a later date and at a price agreed on by the two parties when the contract is initiated</a:t>
+            </a:r>
+            <a:r>
+              <a:rPr lang="en-US" sz="2000" dirty="0"/>
+              <a:t> and in which there </a:t>
+            </a:r>
+            <a:r>
+              <a:rPr lang="en-US" sz="2000" dirty="0">
+                <a:solidFill>
+                  <a:schemeClr val="tx1"/>
+                </a:solidFill>
+              </a:rPr>
+              <a:t>is</a:t>
+            </a:r>
+            <a:r>
+              <a:rPr lang="en-US" sz="2000" dirty="0">
+                <a:solidFill>
+                  <a:srgbClr val="FF0000"/>
+                </a:solidFill>
+              </a:rPr>
+              <a:t> </a:t>
+            </a:r>
+            <a:r>
+              <a:rPr lang="en-US" sz="2000" b="1" dirty="0">
+                <a:solidFill>
+                  <a:srgbClr val="FF0000"/>
+                </a:solidFill>
+              </a:rPr>
+              <a:t>a daily settling of gains and losses</a:t>
+            </a:r>
+            <a:r>
+              <a:rPr lang="en-US" sz="2000" b="1" dirty="0"/>
+              <a:t> </a:t>
+            </a:r>
+            <a:r>
+              <a:rPr lang="en-US" sz="2000" dirty="0"/>
+              <a:t>and </a:t>
+            </a:r>
+            <a:r>
+              <a:rPr lang="en-US" sz="2000" b="1" dirty="0">
+                <a:solidFill>
+                  <a:srgbClr val="FF0000"/>
+                </a:solidFill>
+              </a:rPr>
+              <a:t>a credit guarantee by the futures exchange through its clearinghouse</a:t>
+            </a:r>
+            <a:r>
+              <a:rPr lang="en-US" sz="2000" b="1" dirty="0"/>
+              <a:t>.</a:t>
+            </a:r>
+          </a:p>
+          <a:p>
+            <a:endParaRPr lang="en-US" dirty="0"/>
+          </a:p>
+        </p:txBody>
+      </p:sp>
+    </p:spTree>
+    <p:extLst>
+      <p:ext uri="{BB962C8B-B14F-4D97-AF65-F5344CB8AC3E}">
+        <p14:creationId xmlns:p14="http://schemas.microsoft.com/office/powerpoint/2010/main" val="3713870111"/>
+      </p:ext>
+    </p:extLst>
+  </p:cSld>
+  <p:clrMapOvr>
+    <a:masterClrMapping/>
+  </p:clrMapOvr>
+</p:sld>
+</file>
+
+<file path=ppt/slides/slide19.xml><?xml version="1.0" encoding="utf-8"?>
+<p:sld xmlns:a="http://schemas.openxmlformats.org/drawingml/2006/main" xmlns:r="http://schemas.openxmlformats.org/officeDocument/2006/relationships" xmlns:p="http://schemas.openxmlformats.org/presentationml/2006/main">
+  <p:cSld>
+    <p:spTree>
+      <p:nvGrpSpPr>
+        <p:cNvPr id="1" name=""/>
+        <p:cNvGrpSpPr/>
+        <p:nvPr/>
+      </p:nvGrpSpPr>
+      <p:grpSpPr>
+        <a:xfrm>
+          <a:off x="0" y="0"/>
+          <a:ext cx="0" cy="0"/>
+          <a:chOff x="0" y="0"/>
+          <a:chExt cx="0" cy="0"/>
+        </a:xfrm>
+      </p:grpSpPr>
+      <p:sp>
+        <p:nvSpPr>
+          <p:cNvPr id="2" name="Title 1">
+            <a:extLst>
+              <a:ext uri="{FF2B5EF4-FFF2-40B4-BE49-F238E27FC236}">
                 <a16:creationId xmlns:a16="http://schemas.microsoft.com/office/drawing/2014/main" id="{685729BC-51D5-4E36-94B9-E4E11EC99649}"/>
               </a:ext>
             </a:extLst>
@@ -7784,7 +7919,150 @@
 </p:sld>
 </file>
 
-<file path=ppt/slides/slide19.xml><?xml version="1.0" encoding="utf-8"?>
+<file path=ppt/slides/slide2.xml><?xml version="1.0" encoding="utf-8"?>
+<p:sld xmlns:a="http://schemas.openxmlformats.org/drawingml/2006/main" xmlns:r="http://schemas.openxmlformats.org/officeDocument/2006/relationships" xmlns:p="http://schemas.openxmlformats.org/presentationml/2006/main">
+  <p:cSld>
+    <p:spTree>
+      <p:nvGrpSpPr>
+        <p:cNvPr id="1" name=""/>
+        <p:cNvGrpSpPr/>
+        <p:nvPr/>
+      </p:nvGrpSpPr>
+      <p:grpSpPr>
+        <a:xfrm>
+          <a:off x="0" y="0"/>
+          <a:ext cx="0" cy="0"/>
+          <a:chOff x="0" y="0"/>
+          <a:chExt cx="0" cy="0"/>
+        </a:xfrm>
+      </p:grpSpPr>
+      <p:sp>
+        <p:nvSpPr>
+          <p:cNvPr id="2" name="Title 1">
+            <a:extLst>
+              <a:ext uri="{FF2B5EF4-FFF2-40B4-BE49-F238E27FC236}">
+                <a16:creationId xmlns:a16="http://schemas.microsoft.com/office/drawing/2014/main" id="{52034FB7-4A74-4BA1-8B38-C37DA85EE42F}"/>
+              </a:ext>
+            </a:extLst>
+          </p:cNvPr>
+          <p:cNvSpPr>
+            <a:spLocks noGrp="1"/>
+          </p:cNvSpPr>
+          <p:nvPr>
+            <p:ph type="title"/>
+          </p:nvPr>
+        </p:nvSpPr>
+        <p:spPr>
+          <a:xfrm>
+            <a:off x="677334" y="609600"/>
+            <a:ext cx="8596668" cy="1320800"/>
+          </a:xfrm>
+        </p:spPr>
+        <p:txBody>
+          <a:bodyPr>
+            <a:normAutofit fontScale="90000"/>
+          </a:bodyPr>
+          <a:lstStyle/>
+          <a:p>
+            <a:r>
+              <a:rPr lang="en-US" sz="4400" dirty="0"/>
+              <a:t>R</a:t>
+            </a:r>
+            <a:r>
+              <a:rPr lang="en-US" altLang="zh-CN" sz="4400" dirty="0"/>
+              <a:t>eading 46</a:t>
+            </a:r>
+            <a:br>
+              <a:rPr lang="en-US" altLang="zh-CN" dirty="0"/>
+            </a:br>
+            <a:r>
+              <a:rPr lang="en-US" altLang="zh-CN" dirty="0"/>
+              <a:t>Basics of Derivative Pricing and Valuation</a:t>
+            </a:r>
+            <a:endParaRPr lang="en-US" dirty="0"/>
+          </a:p>
+        </p:txBody>
+      </p:sp>
+      <p:sp>
+        <p:nvSpPr>
+          <p:cNvPr id="3" name="Content Placeholder 2">
+            <a:extLst>
+              <a:ext uri="{FF2B5EF4-FFF2-40B4-BE49-F238E27FC236}">
+                <a16:creationId xmlns:a16="http://schemas.microsoft.com/office/drawing/2014/main" id="{FC4FE90C-DE72-477A-939F-69075B68A393}"/>
+              </a:ext>
+            </a:extLst>
+          </p:cNvPr>
+          <p:cNvSpPr>
+            <a:spLocks noGrp="1"/>
+          </p:cNvSpPr>
+          <p:nvPr>
+            <p:ph idx="1"/>
+          </p:nvPr>
+        </p:nvSpPr>
+        <p:spPr/>
+        <p:txBody>
+          <a:bodyPr>
+            <a:noAutofit/>
+          </a:bodyPr>
+          <a:lstStyle/>
+          <a:p>
+            <a:r>
+              <a:rPr lang="en-US" dirty="0"/>
+              <a:t>a. explain how the concepts of arbitrage, replication, and risk neutrality are used in pricing derivatives;</a:t>
+            </a:r>
+          </a:p>
+          <a:p>
+            <a:r>
+              <a:rPr lang="en-US" dirty="0"/>
+              <a:t>b. explain the difference between value and price of forward and futures contracts;</a:t>
+            </a:r>
+          </a:p>
+          <a:p>
+            <a:r>
+              <a:rPr lang="en-US" dirty="0"/>
+              <a:t>c. calculate a forward price of an asset with zero, positive, or negative net cost of carry;</a:t>
+            </a:r>
+          </a:p>
+          <a:p>
+            <a:r>
+              <a:rPr lang="en-US" dirty="0"/>
+              <a:t>d. explain how the value and price of a forward contract are determined at expiration, during the life of the contract, and at initiation;</a:t>
+            </a:r>
+          </a:p>
+          <a:p>
+            <a:r>
+              <a:rPr lang="en-US" dirty="0"/>
+              <a:t>e. describe monetary and nonmonetary benefits and costs associated with holding the underlying asset and explain how they affect the value and price of a forward contract;</a:t>
+            </a:r>
+          </a:p>
+          <a:p>
+            <a:r>
+              <a:rPr lang="en-US" dirty="0"/>
+              <a:t>f. define a forward rate agreement and describe its uses;</a:t>
+            </a:r>
+          </a:p>
+          <a:p>
+            <a:r>
+              <a:rPr lang="en-US" dirty="0"/>
+              <a:t>g. explain why forward and futures prices differ;</a:t>
+            </a:r>
+          </a:p>
+        </p:txBody>
+      </p:sp>
+    </p:spTree>
+    <p:extLst>
+      <p:ext uri="{BB962C8B-B14F-4D97-AF65-F5344CB8AC3E}">
+        <p14:creationId xmlns:p14="http://schemas.microsoft.com/office/powerpoint/2010/main" val="2170393618"/>
+      </p:ext>
+    </p:extLst>
+  </p:cSld>
+  <p:clrMapOvr>
+    <a:masterClrMapping/>
+  </p:clrMapOvr>
+</p:sld>
+</file>
+
+<file path=ppt/slides/slide20.xml><?xml version="1.0" encoding="utf-8"?>
 <p:sld xmlns:a="http://schemas.openxmlformats.org/drawingml/2006/main" xmlns:r="http://schemas.openxmlformats.org/officeDocument/2006/relationships" xmlns:p="http://schemas.openxmlformats.org/presentationml/2006/main">
   <p:cSld>
     <p:spTree>
@@ -8657,309 +8935,6 @@
 </p:sld>
 </file>
 
-<file path=ppt/slides/slide2.xml><?xml version="1.0" encoding="utf-8"?>
-<p:sld xmlns:a="http://schemas.openxmlformats.org/drawingml/2006/main" xmlns:r="http://schemas.openxmlformats.org/officeDocument/2006/relationships" xmlns:p="http://schemas.openxmlformats.org/presentationml/2006/main">
-  <p:cSld>
-    <p:spTree>
-      <p:nvGrpSpPr>
-        <p:cNvPr id="1" name=""/>
-        <p:cNvGrpSpPr/>
-        <p:nvPr/>
-      </p:nvGrpSpPr>
-      <p:grpSpPr>
-        <a:xfrm>
-          <a:off x="0" y="0"/>
-          <a:ext cx="0" cy="0"/>
-          <a:chOff x="0" y="0"/>
-          <a:chExt cx="0" cy="0"/>
-        </a:xfrm>
-      </p:grpSpPr>
-      <p:sp>
-        <p:nvSpPr>
-          <p:cNvPr id="2" name="Title 1">
-            <a:extLst>
-              <a:ext uri="{FF2B5EF4-FFF2-40B4-BE49-F238E27FC236}">
-                <a16:creationId xmlns:a16="http://schemas.microsoft.com/office/drawing/2014/main" id="{52034FB7-4A74-4BA1-8B38-C37DA85EE42F}"/>
-              </a:ext>
-            </a:extLst>
-          </p:cNvPr>
-          <p:cNvSpPr>
-            <a:spLocks noGrp="1"/>
-          </p:cNvSpPr>
-          <p:nvPr>
-            <p:ph type="title"/>
-          </p:nvPr>
-        </p:nvSpPr>
-        <p:spPr>
-          <a:xfrm>
-            <a:off x="677334" y="609600"/>
-            <a:ext cx="8596668" cy="1320800"/>
-          </a:xfrm>
-        </p:spPr>
-        <p:txBody>
-          <a:bodyPr>
-            <a:normAutofit fontScale="90000"/>
-          </a:bodyPr>
-          <a:lstStyle/>
-          <a:p>
-            <a:r>
-              <a:rPr lang="en-US" sz="4400" dirty="0"/>
-              <a:t>R</a:t>
-            </a:r>
-            <a:r>
-              <a:rPr lang="en-US" altLang="zh-CN" sz="4400" dirty="0"/>
-              <a:t>eading 46</a:t>
-            </a:r>
-            <a:br>
-              <a:rPr lang="en-US" altLang="zh-CN" dirty="0"/>
-            </a:br>
-            <a:r>
-              <a:rPr lang="en-US" altLang="zh-CN" dirty="0"/>
-              <a:t>Basics of Derivative Pricing and Valuation</a:t>
-            </a:r>
-            <a:endParaRPr lang="en-US" dirty="0"/>
-          </a:p>
-        </p:txBody>
-      </p:sp>
-      <p:sp>
-        <p:nvSpPr>
-          <p:cNvPr id="3" name="Content Placeholder 2">
-            <a:extLst>
-              <a:ext uri="{FF2B5EF4-FFF2-40B4-BE49-F238E27FC236}">
-                <a16:creationId xmlns:a16="http://schemas.microsoft.com/office/drawing/2014/main" id="{FC4FE90C-DE72-477A-939F-69075B68A393}"/>
-              </a:ext>
-            </a:extLst>
-          </p:cNvPr>
-          <p:cNvSpPr>
-            <a:spLocks noGrp="1"/>
-          </p:cNvSpPr>
-          <p:nvPr>
-            <p:ph idx="1"/>
-          </p:nvPr>
-        </p:nvSpPr>
-        <p:spPr/>
-        <p:txBody>
-          <a:bodyPr>
-            <a:noAutofit/>
-          </a:bodyPr>
-          <a:lstStyle/>
-          <a:p>
-            <a:r>
-              <a:rPr lang="en-US" dirty="0"/>
-              <a:t>a. explain how the concepts of arbitrage, replication, and risk neutrality are used in pricing derivatives;</a:t>
-            </a:r>
-          </a:p>
-          <a:p>
-            <a:r>
-              <a:rPr lang="en-US" dirty="0"/>
-              <a:t>b. explain the difference between value and price of forward and futures contracts;</a:t>
-            </a:r>
-          </a:p>
-          <a:p>
-            <a:r>
-              <a:rPr lang="en-US" dirty="0"/>
-              <a:t>c. calculate a forward price of an asset with zero, positive, or negative net cost of carry;</a:t>
-            </a:r>
-          </a:p>
-          <a:p>
-            <a:r>
-              <a:rPr lang="en-US" dirty="0"/>
-              <a:t>d. explain how the value and price of a forward contract are determined at expiration, during the life of the contract, and at initiation;</a:t>
-            </a:r>
-          </a:p>
-          <a:p>
-            <a:r>
-              <a:rPr lang="en-US" dirty="0"/>
-              <a:t>e. describe monetary and nonmonetary benefits and costs associated with holding the underlying asset and explain how they affect the value and price of a forward contract;</a:t>
-            </a:r>
-          </a:p>
-          <a:p>
-            <a:r>
-              <a:rPr lang="en-US" dirty="0"/>
-              <a:t>f. define a forward rate agreement and describe its uses;</a:t>
-            </a:r>
-          </a:p>
-          <a:p>
-            <a:r>
-              <a:rPr lang="en-US" dirty="0"/>
-              <a:t>g. explain why forward and futures prices differ;</a:t>
-            </a:r>
-          </a:p>
-        </p:txBody>
-      </p:sp>
-    </p:spTree>
-    <p:extLst>
-      <p:ext uri="{BB962C8B-B14F-4D97-AF65-F5344CB8AC3E}">
-        <p14:creationId xmlns:p14="http://schemas.microsoft.com/office/powerpoint/2010/main" val="2170393618"/>
-      </p:ext>
-    </p:extLst>
-  </p:cSld>
-  <p:clrMapOvr>
-    <a:masterClrMapping/>
-  </p:clrMapOvr>
-</p:sld>
-</file>
-
-<file path=ppt/slides/slide20.xml><?xml version="1.0" encoding="utf-8"?>
-<p:sld xmlns:a="http://schemas.openxmlformats.org/drawingml/2006/main" xmlns:r="http://schemas.openxmlformats.org/officeDocument/2006/relationships" xmlns:p="http://schemas.openxmlformats.org/presentationml/2006/main">
-  <p:cSld>
-    <p:spTree>
-      <p:nvGrpSpPr>
-        <p:cNvPr id="1" name=""/>
-        <p:cNvGrpSpPr/>
-        <p:nvPr/>
-      </p:nvGrpSpPr>
-      <p:grpSpPr>
-        <a:xfrm>
-          <a:off x="0" y="0"/>
-          <a:ext cx="0" cy="0"/>
-          <a:chOff x="0" y="0"/>
-          <a:chExt cx="0" cy="0"/>
-        </a:xfrm>
-      </p:grpSpPr>
-      <p:sp>
-        <p:nvSpPr>
-          <p:cNvPr id="2" name="Title 1">
-            <a:extLst>
-              <a:ext uri="{FF2B5EF4-FFF2-40B4-BE49-F238E27FC236}">
-                <a16:creationId xmlns:a16="http://schemas.microsoft.com/office/drawing/2014/main" id="{03B74068-6BBF-4ABD-B9AD-D16B9AC0E5F0}"/>
-              </a:ext>
-            </a:extLst>
-          </p:cNvPr>
-          <p:cNvSpPr>
-            <a:spLocks noGrp="1"/>
-          </p:cNvSpPr>
-          <p:nvPr>
-            <p:ph type="title"/>
-          </p:nvPr>
-        </p:nvSpPr>
-        <p:spPr/>
-        <p:txBody>
-          <a:bodyPr>
-            <a:normAutofit/>
-          </a:bodyPr>
-          <a:lstStyle/>
-          <a:p>
-            <a:r>
-              <a:rPr lang="en-US" sz="4000" dirty="0"/>
-              <a:t>Futures Contracts</a:t>
-            </a:r>
-          </a:p>
-        </p:txBody>
-      </p:sp>
-      <p:sp>
-        <p:nvSpPr>
-          <p:cNvPr id="3" name="Content Placeholder 2">
-            <a:extLst>
-              <a:ext uri="{FF2B5EF4-FFF2-40B4-BE49-F238E27FC236}">
-                <a16:creationId xmlns:a16="http://schemas.microsoft.com/office/drawing/2014/main" id="{2A854D74-DA2F-4595-9853-9134A8A7FE9C}"/>
-              </a:ext>
-            </a:extLst>
-          </p:cNvPr>
-          <p:cNvSpPr>
-            <a:spLocks noGrp="1"/>
-          </p:cNvSpPr>
-          <p:nvPr>
-            <p:ph idx="1"/>
-          </p:nvPr>
-        </p:nvSpPr>
-        <p:spPr/>
-        <p:txBody>
-          <a:bodyPr/>
-          <a:lstStyle/>
-          <a:p>
-            <a:r>
-              <a:rPr lang="en-US" dirty="0"/>
-              <a:t>By standardizing these contracts and creating an organized market with rules, regulations, and a central clearing facility, the futures markets offer an element of </a:t>
-            </a:r>
-            <a:r>
-              <a:rPr lang="en-US" dirty="0">
-                <a:solidFill>
-                  <a:srgbClr val="FF0000"/>
-                </a:solidFill>
-              </a:rPr>
-              <a:t>liquidity</a:t>
-            </a:r>
-            <a:r>
-              <a:rPr lang="en-US" dirty="0"/>
-              <a:t> and </a:t>
-            </a:r>
-            <a:r>
-              <a:rPr lang="en-US" dirty="0">
-                <a:solidFill>
-                  <a:srgbClr val="FF0000"/>
-                </a:solidFill>
-              </a:rPr>
-              <a:t>protection against loss by default</a:t>
-            </a:r>
-            <a:r>
-              <a:rPr lang="en-US" dirty="0"/>
-              <a:t>.</a:t>
-            </a:r>
-            <a:endParaRPr lang="en-US" dirty="0">
-              <a:solidFill>
-                <a:srgbClr val="FF0000"/>
-              </a:solidFill>
-            </a:endParaRPr>
-          </a:p>
-          <a:p>
-            <a:r>
-              <a:rPr lang="en-US" dirty="0"/>
-              <a:t>Futures markets can be used for </a:t>
-            </a:r>
-            <a:r>
-              <a:rPr lang="en-US" dirty="0">
-                <a:solidFill>
-                  <a:srgbClr val="FF0000"/>
-                </a:solidFill>
-              </a:rPr>
-              <a:t>hedging or speculation.</a:t>
-            </a:r>
-          </a:p>
-          <a:p>
-            <a:r>
-              <a:rPr lang="en-US" dirty="0">
-                <a:solidFill>
-                  <a:schemeClr val="tx1"/>
-                </a:solidFill>
-              </a:rPr>
-              <a:t>This required margin is typically </a:t>
-            </a:r>
-            <a:r>
-              <a:rPr lang="en-US" dirty="0">
-                <a:solidFill>
-                  <a:srgbClr val="FF0000"/>
-                </a:solidFill>
-              </a:rPr>
-              <a:t>less than 10% </a:t>
-            </a:r>
-            <a:r>
-              <a:rPr lang="en-US" dirty="0">
-                <a:solidFill>
-                  <a:schemeClr val="tx1"/>
-                </a:solidFill>
-              </a:rPr>
-              <a:t>of the futures price, which is considerably less than in equity margin trading.</a:t>
-            </a:r>
-          </a:p>
-          <a:p>
-            <a:endParaRPr lang="en-US" dirty="0"/>
-          </a:p>
-        </p:txBody>
-      </p:sp>
-    </p:spTree>
-    <p:extLst>
-      <p:ext uri="{BB962C8B-B14F-4D97-AF65-F5344CB8AC3E}">
-        <p14:creationId xmlns:p14="http://schemas.microsoft.com/office/powerpoint/2010/main" val="3202081378"/>
-      </p:ext>
-    </p:extLst>
-  </p:cSld>
-  <p:clrMapOvr>
-    <a:masterClrMapping/>
-  </p:clrMapOvr>
-</p:sld>
-</file>
-
 <file path=ppt/slides/slide21.xml><?xml version="1.0" encoding="utf-8"?>
 <p:sld xmlns:a="http://schemas.openxmlformats.org/drawingml/2006/main" xmlns:r="http://schemas.openxmlformats.org/officeDocument/2006/relationships" xmlns:p="http://schemas.openxmlformats.org/presentationml/2006/main">
   <p:cSld>
@@ -8982,6 +8957,166 @@
           <p:cNvPr id="2" name="Title 1">
             <a:extLst>
               <a:ext uri="{FF2B5EF4-FFF2-40B4-BE49-F238E27FC236}">
+                <a16:creationId xmlns:a16="http://schemas.microsoft.com/office/drawing/2014/main" id="{03B74068-6BBF-4ABD-B9AD-D16B9AC0E5F0}"/>
+              </a:ext>
+            </a:extLst>
+          </p:cNvPr>
+          <p:cNvSpPr>
+            <a:spLocks noGrp="1"/>
+          </p:cNvSpPr>
+          <p:nvPr>
+            <p:ph type="title"/>
+          </p:nvPr>
+        </p:nvSpPr>
+        <p:spPr/>
+        <p:txBody>
+          <a:bodyPr>
+            <a:normAutofit/>
+          </a:bodyPr>
+          <a:lstStyle/>
+          <a:p>
+            <a:r>
+              <a:rPr lang="en-US" sz="4000" dirty="0"/>
+              <a:t>Futures Contracts</a:t>
+            </a:r>
+          </a:p>
+        </p:txBody>
+      </p:sp>
+      <p:sp>
+        <p:nvSpPr>
+          <p:cNvPr id="3" name="Content Placeholder 2">
+            <a:extLst>
+              <a:ext uri="{FF2B5EF4-FFF2-40B4-BE49-F238E27FC236}">
+                <a16:creationId xmlns:a16="http://schemas.microsoft.com/office/drawing/2014/main" id="{2A854D74-DA2F-4595-9853-9134A8A7FE9C}"/>
+              </a:ext>
+            </a:extLst>
+          </p:cNvPr>
+          <p:cNvSpPr>
+            <a:spLocks noGrp="1"/>
+          </p:cNvSpPr>
+          <p:nvPr>
+            <p:ph idx="1"/>
+          </p:nvPr>
+        </p:nvSpPr>
+        <p:spPr/>
+        <p:txBody>
+          <a:bodyPr/>
+          <a:lstStyle/>
+          <a:p>
+            <a:r>
+              <a:rPr lang="en-US" dirty="0"/>
+              <a:t>By standardizing these contracts and creating an organized market with rules, regulations, and a central clearing facility, the futures markets offer an element of </a:t>
+            </a:r>
+            <a:r>
+              <a:rPr lang="en-US" dirty="0">
+                <a:solidFill>
+                  <a:srgbClr val="FF0000"/>
+                </a:solidFill>
+              </a:rPr>
+              <a:t>liquidity</a:t>
+            </a:r>
+            <a:r>
+              <a:rPr lang="en-US" dirty="0"/>
+              <a:t> and </a:t>
+            </a:r>
+            <a:r>
+              <a:rPr lang="en-US" dirty="0">
+                <a:solidFill>
+                  <a:srgbClr val="FF0000"/>
+                </a:solidFill>
+              </a:rPr>
+              <a:t>protection against loss by default</a:t>
+            </a:r>
+            <a:r>
+              <a:rPr lang="en-US" dirty="0"/>
+              <a:t>.</a:t>
+            </a:r>
+            <a:endParaRPr lang="en-US" dirty="0">
+              <a:solidFill>
+                <a:srgbClr val="FF0000"/>
+              </a:solidFill>
+            </a:endParaRPr>
+          </a:p>
+          <a:p>
+            <a:r>
+              <a:rPr lang="en-US" dirty="0"/>
+              <a:t>Futures markets can be used for </a:t>
+            </a:r>
+            <a:r>
+              <a:rPr lang="en-US" dirty="0">
+                <a:solidFill>
+                  <a:srgbClr val="FF0000"/>
+                </a:solidFill>
+              </a:rPr>
+              <a:t>hedging or speculation.</a:t>
+            </a:r>
+          </a:p>
+          <a:p>
+            <a:r>
+              <a:rPr lang="en-US" dirty="0">
+                <a:solidFill>
+                  <a:schemeClr val="tx1"/>
+                </a:solidFill>
+              </a:rPr>
+              <a:t>This required margin is typically </a:t>
+            </a:r>
+            <a:r>
+              <a:rPr lang="en-US" dirty="0">
+                <a:solidFill>
+                  <a:srgbClr val="FF0000"/>
+                </a:solidFill>
+              </a:rPr>
+              <a:t>less than 10% </a:t>
+            </a:r>
+            <a:r>
+              <a:rPr lang="en-US" dirty="0">
+                <a:solidFill>
+                  <a:schemeClr val="tx1"/>
+                </a:solidFill>
+              </a:rPr>
+              <a:t>of the futures price, which is considerably less than in equity margin trading.</a:t>
+            </a:r>
+          </a:p>
+          <a:p>
+            <a:endParaRPr lang="en-US" dirty="0"/>
+          </a:p>
+        </p:txBody>
+      </p:sp>
+    </p:spTree>
+    <p:extLst>
+      <p:ext uri="{BB962C8B-B14F-4D97-AF65-F5344CB8AC3E}">
+        <p14:creationId xmlns:p14="http://schemas.microsoft.com/office/powerpoint/2010/main" val="3202081378"/>
+      </p:ext>
+    </p:extLst>
+  </p:cSld>
+  <p:clrMapOvr>
+    <a:masterClrMapping/>
+  </p:clrMapOvr>
+</p:sld>
+</file>
+
+<file path=ppt/slides/slide22.xml><?xml version="1.0" encoding="utf-8"?>
+<p:sld xmlns:a="http://schemas.openxmlformats.org/drawingml/2006/main" xmlns:r="http://schemas.openxmlformats.org/officeDocument/2006/relationships" xmlns:p="http://schemas.openxmlformats.org/presentationml/2006/main">
+  <p:cSld>
+    <p:spTree>
+      <p:nvGrpSpPr>
+        <p:cNvPr id="1" name=""/>
+        <p:cNvGrpSpPr/>
+        <p:nvPr/>
+      </p:nvGrpSpPr>
+      <p:grpSpPr>
+        <a:xfrm>
+          <a:off x="0" y="0"/>
+          <a:ext cx="0" cy="0"/>
+          <a:chOff x="0" y="0"/>
+          <a:chExt cx="0" cy="0"/>
+        </a:xfrm>
+      </p:grpSpPr>
+      <p:sp>
+        <p:nvSpPr>
+          <p:cNvPr id="2" name="Title 1">
+            <a:extLst>
+              <a:ext uri="{FF2B5EF4-FFF2-40B4-BE49-F238E27FC236}">
                 <a16:creationId xmlns:a16="http://schemas.microsoft.com/office/drawing/2014/main" id="{71773D5B-9701-4D72-BA13-CDAC04768441}"/>
               </a:ext>
             </a:extLst>
@@ -9115,7 +9250,7 @@
 </p:sld>
 </file>
 
-<file path=ppt/slides/slide22.xml><?xml version="1.0" encoding="utf-8"?>
+<file path=ppt/slides/slide23.xml><?xml version="1.0" encoding="utf-8"?>
 <p:sld xmlns:a="http://schemas.openxmlformats.org/drawingml/2006/main" xmlns:r="http://schemas.openxmlformats.org/officeDocument/2006/relationships" xmlns:p="http://schemas.openxmlformats.org/presentationml/2006/main">
   <p:cSld>
     <p:spTree>
@@ -9475,151 +9610,6 @@
 </p:sld>
 </file>
 
-<file path=ppt/slides/slide23.xml><?xml version="1.0" encoding="utf-8"?>
-<p:sld xmlns:a="http://schemas.openxmlformats.org/drawingml/2006/main" xmlns:r="http://schemas.openxmlformats.org/officeDocument/2006/relationships" xmlns:p="http://schemas.openxmlformats.org/presentationml/2006/main">
-  <p:cSld>
-    <p:spTree>
-      <p:nvGrpSpPr>
-        <p:cNvPr id="1" name=""/>
-        <p:cNvGrpSpPr/>
-        <p:nvPr/>
-      </p:nvGrpSpPr>
-      <p:grpSpPr>
-        <a:xfrm>
-          <a:off x="0" y="0"/>
-          <a:ext cx="0" cy="0"/>
-          <a:chOff x="0" y="0"/>
-          <a:chExt cx="0" cy="0"/>
-        </a:xfrm>
-      </p:grpSpPr>
-      <p:sp>
-        <p:nvSpPr>
-          <p:cNvPr id="2" name="Title 1">
-            <a:extLst>
-              <a:ext uri="{FF2B5EF4-FFF2-40B4-BE49-F238E27FC236}">
-                <a16:creationId xmlns:a16="http://schemas.microsoft.com/office/drawing/2014/main" id="{3B6DC5E5-B49D-4096-80C1-B8052495A474}"/>
-              </a:ext>
-            </a:extLst>
-          </p:cNvPr>
-          <p:cNvSpPr>
-            <a:spLocks noGrp="1"/>
-          </p:cNvSpPr>
-          <p:nvPr>
-            <p:ph type="title"/>
-          </p:nvPr>
-        </p:nvSpPr>
-        <p:spPr/>
-        <p:txBody>
-          <a:bodyPr>
-            <a:normAutofit/>
-          </a:bodyPr>
-          <a:lstStyle/>
-          <a:p>
-            <a:r>
-              <a:rPr lang="en-US" sz="4000" dirty="0"/>
-              <a:t>Swap Contracts</a:t>
-            </a:r>
-          </a:p>
-        </p:txBody>
-      </p:sp>
-      <p:sp>
-        <p:nvSpPr>
-          <p:cNvPr id="3" name="Content Placeholder 2">
-            <a:extLst>
-              <a:ext uri="{FF2B5EF4-FFF2-40B4-BE49-F238E27FC236}">
-                <a16:creationId xmlns:a16="http://schemas.microsoft.com/office/drawing/2014/main" id="{831B6362-3303-4415-9D10-C4E0904D67AF}"/>
-              </a:ext>
-            </a:extLst>
-          </p:cNvPr>
-          <p:cNvSpPr>
-            <a:spLocks noGrp="1"/>
-          </p:cNvSpPr>
-          <p:nvPr>
-            <p:ph idx="1"/>
-          </p:nvPr>
-        </p:nvSpPr>
-        <p:spPr/>
-        <p:txBody>
-          <a:bodyPr/>
-          <a:lstStyle/>
-          <a:p>
-            <a:r>
-              <a:rPr lang="en-US" sz="2800" dirty="0"/>
-              <a:t>Forward commitments</a:t>
-            </a:r>
-          </a:p>
-          <a:p>
-            <a:pPr lvl="1"/>
-            <a:r>
-              <a:rPr lang="en-US" sz="2800" dirty="0">
-                <a:solidFill>
-                  <a:schemeClr val="tx1"/>
-                </a:solidFill>
-              </a:rPr>
-              <a:t>Forward</a:t>
-            </a:r>
-          </a:p>
-          <a:p>
-            <a:pPr lvl="1"/>
-            <a:r>
-              <a:rPr lang="en-US" sz="2800" dirty="0">
-                <a:solidFill>
-                  <a:schemeClr val="tx1"/>
-                </a:solidFill>
-              </a:rPr>
-              <a:t>Futures</a:t>
-            </a:r>
-          </a:p>
-          <a:p>
-            <a:pPr lvl="1"/>
-            <a:r>
-              <a:rPr lang="en-US" sz="2800" u="sng" dirty="0">
-                <a:solidFill>
-                  <a:srgbClr val="FF0000"/>
-                </a:solidFill>
-              </a:rPr>
-              <a:t>Swap</a:t>
-            </a:r>
-          </a:p>
-          <a:p>
-            <a:r>
-              <a:rPr lang="en-US" sz="2800" dirty="0"/>
-              <a:t>Contingent claims</a:t>
-            </a:r>
-          </a:p>
-          <a:p>
-            <a:pPr lvl="1"/>
-            <a:r>
-              <a:rPr lang="en-US" sz="2800" dirty="0"/>
-              <a:t>Option</a:t>
-            </a:r>
-          </a:p>
-          <a:p>
-            <a:pPr lvl="1"/>
-            <a:r>
-              <a:rPr lang="en-US" sz="2800" dirty="0"/>
-              <a:t>Credit Derivatives</a:t>
-            </a:r>
-          </a:p>
-          <a:p>
-            <a:pPr lvl="1"/>
-            <a:endParaRPr lang="en-US" dirty="0"/>
-          </a:p>
-        </p:txBody>
-      </p:sp>
-    </p:spTree>
-    <p:extLst>
-      <p:ext uri="{BB962C8B-B14F-4D97-AF65-F5344CB8AC3E}">
-        <p14:creationId xmlns:p14="http://schemas.microsoft.com/office/powerpoint/2010/main" val="3420598595"/>
-      </p:ext>
-    </p:extLst>
-  </p:cSld>
-  <p:clrMapOvr>
-    <a:masterClrMapping/>
-  </p:clrMapOvr>
-</p:sld>
-</file>
-
 <file path=ppt/slides/slide24.xml><?xml version="1.0" encoding="utf-8"?>
 <p:sld xmlns:a="http://schemas.openxmlformats.org/drawingml/2006/main" xmlns:r="http://schemas.openxmlformats.org/officeDocument/2006/relationships" xmlns:p="http://schemas.openxmlformats.org/presentationml/2006/main">
   <p:cSld>
@@ -9642,7 +9632,7 @@
           <p:cNvPr id="2" name="Title 1">
             <a:extLst>
               <a:ext uri="{FF2B5EF4-FFF2-40B4-BE49-F238E27FC236}">
-                <a16:creationId xmlns:a16="http://schemas.microsoft.com/office/drawing/2014/main" id="{B14399E1-9A90-4AE5-8D83-E334323FD224}"/>
+                <a16:creationId xmlns:a16="http://schemas.microsoft.com/office/drawing/2014/main" id="{3B6DC5E5-B49D-4096-80C1-B8052495A474}"/>
               </a:ext>
             </a:extLst>
           </p:cNvPr>
@@ -9672,7 +9662,7 @@
           <p:cNvPr id="3" name="Content Placeholder 2">
             <a:extLst>
               <a:ext uri="{FF2B5EF4-FFF2-40B4-BE49-F238E27FC236}">
-                <a16:creationId xmlns:a16="http://schemas.microsoft.com/office/drawing/2014/main" id="{9749AD03-FDAB-4BB0-A6F8-7357FF35FA5F}"/>
+                <a16:creationId xmlns:a16="http://schemas.microsoft.com/office/drawing/2014/main" id="{831B6362-3303-4415-9D10-C4E0904D67AF}"/>
               </a:ext>
             </a:extLst>
           </p:cNvPr>
@@ -9689,51 +9679,65 @@
           <a:lstStyle/>
           <a:p>
             <a:r>
-              <a:rPr lang="en-US" sz="2000" dirty="0"/>
-              <a:t>Definition: </a:t>
-            </a:r>
-            <a:r>
-              <a:rPr lang="en-US" sz="2000" i="1" dirty="0"/>
-              <a:t>A swap is an over- the- counter derivative contract in which two parties agree to </a:t>
-            </a:r>
-            <a:r>
-              <a:rPr lang="en-US" sz="2000" i="1" dirty="0">
+              <a:rPr lang="en-US" sz="2800" dirty="0"/>
+              <a:t>Forward commitments</a:t>
+            </a:r>
+          </a:p>
+          <a:p>
+            <a:pPr lvl="1"/>
+            <a:r>
+              <a:rPr lang="en-US" sz="2800" dirty="0">
+                <a:solidFill>
+                  <a:schemeClr val="tx1"/>
+                </a:solidFill>
+              </a:rPr>
+              <a:t>Forward</a:t>
+            </a:r>
+          </a:p>
+          <a:p>
+            <a:pPr lvl="1"/>
+            <a:r>
+              <a:rPr lang="en-US" sz="2800" dirty="0">
+                <a:solidFill>
+                  <a:schemeClr val="tx1"/>
+                </a:solidFill>
+              </a:rPr>
+              <a:t>Futures</a:t>
+            </a:r>
+          </a:p>
+          <a:p>
+            <a:pPr lvl="1"/>
+            <a:r>
+              <a:rPr lang="en-US" sz="2800" u="sng" dirty="0">
                 <a:solidFill>
                   <a:srgbClr val="FF0000"/>
                 </a:solidFill>
               </a:rPr>
-              <a:t>exchange a series of cash flows </a:t>
-            </a:r>
-            <a:r>
-              <a:rPr lang="en-US" sz="2000" i="1" dirty="0"/>
-              <a:t>whereby one party </a:t>
-            </a:r>
-            <a:r>
-              <a:rPr lang="en-US" sz="2000" i="1" dirty="0">
-                <a:solidFill>
-                  <a:srgbClr val="FF0000"/>
-                </a:solidFill>
-              </a:rPr>
-              <a:t>pays a variable series that will be determined by an underlying asset or rate </a:t>
-            </a:r>
-            <a:r>
-              <a:rPr lang="en-US" sz="2000" i="1" dirty="0"/>
-              <a:t>and the other party pays </a:t>
-            </a:r>
-            <a:r>
-              <a:rPr lang="en-US" sz="2000" i="1" dirty="0">
-                <a:solidFill>
-                  <a:srgbClr val="FF0000"/>
-                </a:solidFill>
-              </a:rPr>
-              <a:t>either (1) a variable series determined by a different underlying asset or rate or (2) a fixed series</a:t>
-            </a:r>
-            <a:r>
-              <a:rPr lang="en-US" sz="2000" i="1" dirty="0"/>
-              <a:t>.</a:t>
-            </a:r>
-          </a:p>
-          <a:p>
+              <a:t>Swap</a:t>
+            </a:r>
+          </a:p>
+          <a:p>
+            <a:r>
+              <a:rPr lang="en-US" sz="2800" dirty="0"/>
+              <a:t>Contingent claims</a:t>
+            </a:r>
+          </a:p>
+          <a:p>
+            <a:pPr lvl="1"/>
+            <a:r>
+              <a:rPr lang="en-US" sz="2800" dirty="0"/>
+              <a:t>Option</a:t>
+            </a:r>
+          </a:p>
+          <a:p>
+            <a:pPr lvl="1"/>
+            <a:r>
+              <a:rPr lang="en-US" sz="2800" dirty="0"/>
+              <a:t>Credit Derivatives</a:t>
+            </a:r>
+          </a:p>
+          <a:p>
+            <a:pPr lvl="1"/>
             <a:endParaRPr lang="en-US" dirty="0"/>
           </a:p>
         </p:txBody>
@@ -9741,7 +9745,7 @@
     </p:spTree>
     <p:extLst>
       <p:ext uri="{BB962C8B-B14F-4D97-AF65-F5344CB8AC3E}">
-        <p14:creationId xmlns:p14="http://schemas.microsoft.com/office/powerpoint/2010/main" val="1074234236"/>
+        <p14:creationId xmlns:p14="http://schemas.microsoft.com/office/powerpoint/2010/main" val="3420598595"/>
       </p:ext>
     </p:extLst>
   </p:cSld>
@@ -9773,7 +9777,7 @@
           <p:cNvPr id="2" name="Title 1">
             <a:extLst>
               <a:ext uri="{FF2B5EF4-FFF2-40B4-BE49-F238E27FC236}">
-                <a16:creationId xmlns:a16="http://schemas.microsoft.com/office/drawing/2014/main" id="{5A10EA45-A5A2-42F9-854A-97D36B351187}"/>
+                <a16:creationId xmlns:a16="http://schemas.microsoft.com/office/drawing/2014/main" id="{B14399E1-9A90-4AE5-8D83-E334323FD224}"/>
               </a:ext>
             </a:extLst>
           </p:cNvPr>
@@ -9803,7 +9807,7 @@
           <p:cNvPr id="3" name="Content Placeholder 2">
             <a:extLst>
               <a:ext uri="{FF2B5EF4-FFF2-40B4-BE49-F238E27FC236}">
-                <a16:creationId xmlns:a16="http://schemas.microsoft.com/office/drawing/2014/main" id="{756A3F7F-5B00-42B7-8E4E-1E5E7810A23A}"/>
+                <a16:creationId xmlns:a16="http://schemas.microsoft.com/office/drawing/2014/main" id="{9749AD03-FDAB-4BB0-A6F8-7357FF35FA5F}"/>
               </a:ext>
             </a:extLst>
           </p:cNvPr>
@@ -9820,98 +9824,59 @@
           <a:lstStyle/>
           <a:p>
             <a:r>
-              <a:rPr lang="en-US" dirty="0"/>
-              <a:t>Characteristics</a:t>
-            </a:r>
-          </a:p>
-          <a:p>
-            <a:pPr lvl="1"/>
-            <a:r>
-              <a:rPr lang="en-US" dirty="0"/>
-              <a:t>A swap is more or less just </a:t>
-            </a:r>
-            <a:r>
-              <a:rPr lang="en-US" dirty="0">
+              <a:rPr lang="en-US" sz="2000" dirty="0"/>
+              <a:t>Definition: </a:t>
+            </a:r>
+            <a:r>
+              <a:rPr lang="en-US" sz="2000" i="1" dirty="0"/>
+              <a:t>A swap is an over- the- counter derivative contract in which two parties agree to </a:t>
+            </a:r>
+            <a:r>
+              <a:rPr lang="en-US" sz="2000" i="1" dirty="0">
                 <a:solidFill>
                   <a:srgbClr val="FF0000"/>
                 </a:solidFill>
               </a:rPr>
-              <a:t>a series of forwards</a:t>
-            </a:r>
-          </a:p>
-          <a:p>
-            <a:pPr lvl="1"/>
-            <a:r>
-              <a:rPr lang="en-US" dirty="0"/>
-              <a:t>A swap is a bit more like a forward contract than a futures contract in that it is an OTC contract, so it is </a:t>
-            </a:r>
-            <a:r>
-              <a:rPr lang="en-US" dirty="0">
+              <a:t>exchange a series of cash flows </a:t>
+            </a:r>
+            <a:r>
+              <a:rPr lang="en-US" sz="2000" i="1" dirty="0"/>
+              <a:t>whereby one party </a:t>
+            </a:r>
+            <a:r>
+              <a:rPr lang="en-US" sz="2000" i="1" dirty="0">
                 <a:solidFill>
                   <a:srgbClr val="FF0000"/>
                 </a:solidFill>
               </a:rPr>
-              <a:t>privately negotiated and subject to default. </a:t>
-            </a:r>
-          </a:p>
-          <a:p>
-            <a:pPr lvl="1"/>
-            <a:r>
-              <a:rPr lang="en-US" dirty="0"/>
-              <a:t>The party </a:t>
-            </a:r>
-            <a:r>
-              <a:rPr lang="en-US" dirty="0">
+              <a:t>pays a variable series that will be determined by an underlying asset or rate </a:t>
+            </a:r>
+            <a:r>
+              <a:rPr lang="en-US" sz="2000" i="1" dirty="0"/>
+              <a:t>and the other party pays </a:t>
+            </a:r>
+            <a:r>
+              <a:rPr lang="en-US" sz="2000" i="1" dirty="0">
                 <a:solidFill>
                   <a:srgbClr val="FF0000"/>
                 </a:solidFill>
               </a:rPr>
-              <a:t>owing the lesser amount cannot default </a:t>
-            </a:r>
-            <a:r>
-              <a:rPr lang="en-US" dirty="0"/>
-              <a:t>to the party owing the greater amount.</a:t>
-            </a:r>
-          </a:p>
-          <a:p>
-            <a:pPr lvl="1"/>
-            <a:r>
-              <a:rPr lang="en-US" dirty="0"/>
-              <a:t>As with futures and forwards, no money changes hands at the start; thus, </a:t>
-            </a:r>
-            <a:r>
-              <a:rPr lang="en-US" dirty="0">
-                <a:solidFill>
-                  <a:srgbClr val="FF0000"/>
-                </a:solidFill>
-              </a:rPr>
-              <a:t>the value of a swap when initiated must be zero.</a:t>
-            </a:r>
-          </a:p>
-          <a:p>
-            <a:pPr lvl="1"/>
-            <a:r>
-              <a:rPr lang="en-US" dirty="0">
-                <a:solidFill>
-                  <a:schemeClr val="tx1"/>
-                </a:solidFill>
-              </a:rPr>
-              <a:t>The notional amount of a swap is not typically exchanged, the credit risk of a swap is much less than that of a loan.</a:t>
-            </a:r>
-          </a:p>
-          <a:p>
-            <a:endParaRPr lang="en-US" dirty="0">
-              <a:solidFill>
-                <a:srgbClr val="FF0000"/>
-              </a:solidFill>
-            </a:endParaRPr>
+              <a:t>either (1) a variable series determined by a different underlying asset or rate or (2) a fixed series</a:t>
+            </a:r>
+            <a:r>
+              <a:rPr lang="en-US" sz="2000" i="1" dirty="0"/>
+              <a:t>.</a:t>
+            </a:r>
+          </a:p>
+          <a:p>
+            <a:endParaRPr lang="en-US" dirty="0"/>
           </a:p>
         </p:txBody>
       </p:sp>
     </p:spTree>
     <p:extLst>
       <p:ext uri="{BB962C8B-B14F-4D97-AF65-F5344CB8AC3E}">
-        <p14:creationId xmlns:p14="http://schemas.microsoft.com/office/powerpoint/2010/main" val="4136834001"/>
+        <p14:creationId xmlns:p14="http://schemas.microsoft.com/office/powerpoint/2010/main" val="1074234236"/>
       </p:ext>
     </p:extLst>
   </p:cSld>
@@ -9943,7 +9908,7 @@
           <p:cNvPr id="2" name="Title 1">
             <a:extLst>
               <a:ext uri="{FF2B5EF4-FFF2-40B4-BE49-F238E27FC236}">
-                <a16:creationId xmlns:a16="http://schemas.microsoft.com/office/drawing/2014/main" id="{E66C3C2E-2A64-4F58-B789-1B63C5258C5E}"/>
+                <a16:creationId xmlns:a16="http://schemas.microsoft.com/office/drawing/2014/main" id="{5A10EA45-A5A2-42F9-854A-97D36B351187}"/>
               </a:ext>
             </a:extLst>
           </p:cNvPr>
@@ -9973,7 +9938,7 @@
           <p:cNvPr id="3" name="Content Placeholder 2">
             <a:extLst>
               <a:ext uri="{FF2B5EF4-FFF2-40B4-BE49-F238E27FC236}">
-                <a16:creationId xmlns:a16="http://schemas.microsoft.com/office/drawing/2014/main" id="{AD620B4E-9854-4F96-8EDD-9D7D2A35DAEB}"/>
+                <a16:creationId xmlns:a16="http://schemas.microsoft.com/office/drawing/2014/main" id="{756A3F7F-5B00-42B7-8E4E-1E5E7810A23A}"/>
               </a:ext>
             </a:extLst>
           </p:cNvPr>
@@ -9990,27 +9955,98 @@
           <a:lstStyle/>
           <a:p>
             <a:r>
-              <a:rPr lang="en-US" sz="2000" dirty="0"/>
-              <a:t>Plain vanilla swap: the most common swap is the </a:t>
-            </a:r>
-            <a:r>
-              <a:rPr lang="en-US" sz="2000" b="1" dirty="0"/>
-              <a:t>fixed- for- floating interest rate swap</a:t>
-            </a:r>
-            <a:r>
-              <a:rPr lang="en-US" sz="2000" dirty="0"/>
-              <a:t>.</a:t>
-            </a:r>
-          </a:p>
-          <a:p>
-            <a:endParaRPr lang="en-US" dirty="0"/>
+              <a:rPr lang="en-US" dirty="0"/>
+              <a:t>Characteristics</a:t>
+            </a:r>
+          </a:p>
+          <a:p>
+            <a:pPr lvl="1"/>
+            <a:r>
+              <a:rPr lang="en-US" dirty="0"/>
+              <a:t>A swap is more or less just </a:t>
+            </a:r>
+            <a:r>
+              <a:rPr lang="en-US" dirty="0">
+                <a:solidFill>
+                  <a:srgbClr val="FF0000"/>
+                </a:solidFill>
+              </a:rPr>
+              <a:t>a series of forwards</a:t>
+            </a:r>
+          </a:p>
+          <a:p>
+            <a:pPr lvl="1"/>
+            <a:r>
+              <a:rPr lang="en-US" dirty="0"/>
+              <a:t>A swap is a bit more like a forward contract than a futures contract in that it is an OTC contract, so it is </a:t>
+            </a:r>
+            <a:r>
+              <a:rPr lang="en-US" dirty="0">
+                <a:solidFill>
+                  <a:srgbClr val="FF0000"/>
+                </a:solidFill>
+              </a:rPr>
+              <a:t>privately negotiated and subject to default. </a:t>
+            </a:r>
+          </a:p>
+          <a:p>
+            <a:pPr lvl="1"/>
+            <a:r>
+              <a:rPr lang="en-US" dirty="0"/>
+              <a:t>The party </a:t>
+            </a:r>
+            <a:r>
+              <a:rPr lang="en-US" dirty="0">
+                <a:solidFill>
+                  <a:srgbClr val="FF0000"/>
+                </a:solidFill>
+              </a:rPr>
+              <a:t>owing the lesser amount cannot default </a:t>
+            </a:r>
+            <a:r>
+              <a:rPr lang="en-US" dirty="0"/>
+              <a:t>to the party owing the greater amount.</a:t>
+            </a:r>
+          </a:p>
+          <a:p>
+            <a:pPr lvl="1"/>
+            <a:r>
+              <a:rPr lang="en-US" dirty="0"/>
+              <a:t>As with futures and forwards, no money changes hands at the start; thus, </a:t>
+            </a:r>
+            <a:r>
+              <a:rPr lang="en-US" dirty="0">
+                <a:solidFill>
+                  <a:srgbClr val="FF0000"/>
+                </a:solidFill>
+              </a:rPr>
+              <a:t>the value of a swap when initiated must be zero.</a:t>
+            </a:r>
+          </a:p>
+          <a:p>
+            <a:pPr lvl="1"/>
+            <a:r>
+              <a:rPr lang="en-US" dirty="0">
+                <a:solidFill>
+                  <a:schemeClr val="tx1"/>
+                </a:solidFill>
+              </a:rPr>
+              <a:t>The notional amount of a swap is not typically exchanged, the credit risk of a swap is much less than that of a loan.</a:t>
+            </a:r>
+          </a:p>
+          <a:p>
+            <a:endParaRPr lang="en-US" dirty="0">
+              <a:solidFill>
+                <a:srgbClr val="FF0000"/>
+              </a:solidFill>
+            </a:endParaRPr>
           </a:p>
         </p:txBody>
       </p:sp>
     </p:spTree>
     <p:extLst>
       <p:ext uri="{BB962C8B-B14F-4D97-AF65-F5344CB8AC3E}">
-        <p14:creationId xmlns:p14="http://schemas.microsoft.com/office/powerpoint/2010/main" val="3152884269"/>
+        <p14:creationId xmlns:p14="http://schemas.microsoft.com/office/powerpoint/2010/main" val="4136834001"/>
       </p:ext>
     </p:extLst>
   </p:cSld>
@@ -10042,7 +10078,7 @@
           <p:cNvPr id="2" name="Title 1">
             <a:extLst>
               <a:ext uri="{FF2B5EF4-FFF2-40B4-BE49-F238E27FC236}">
-                <a16:creationId xmlns:a16="http://schemas.microsoft.com/office/drawing/2014/main" id="{5956A29E-8360-4C31-8F74-D3F9FFADB1E3}"/>
+                <a16:creationId xmlns:a16="http://schemas.microsoft.com/office/drawing/2014/main" id="{E66C3C2E-2A64-4F58-B789-1B63C5258C5E}"/>
               </a:ext>
             </a:extLst>
           </p:cNvPr>
@@ -10055,17 +10091,15 @@
         </p:nvSpPr>
         <p:spPr/>
         <p:txBody>
-          <a:bodyPr/>
+          <a:bodyPr>
+            <a:normAutofit/>
+          </a:bodyPr>
           <a:lstStyle/>
           <a:p>
             <a:r>
               <a:rPr lang="en-US" sz="4000" dirty="0"/>
-              <a:t>Practices</a:t>
-            </a:r>
-            <a:br>
-              <a:rPr lang="en-US" dirty="0"/>
-            </a:br>
-            <a:endParaRPr lang="en-US" dirty="0"/>
+              <a:t>Swap Contracts</a:t>
+            </a:r>
           </a:p>
         </p:txBody>
       </p:sp>
@@ -10074,7 +10108,7 @@
           <p:cNvPr id="3" name="Content Placeholder 2">
             <a:extLst>
               <a:ext uri="{FF2B5EF4-FFF2-40B4-BE49-F238E27FC236}">
-                <a16:creationId xmlns:a16="http://schemas.microsoft.com/office/drawing/2014/main" id="{EF3A84B9-8E45-4AD9-931B-C39F1DF28022}"/>
+                <a16:creationId xmlns:a16="http://schemas.microsoft.com/office/drawing/2014/main" id="{AD620B4E-9854-4F96-8EDD-9D7D2A35DAEB}"/>
               </a:ext>
             </a:extLst>
           </p:cNvPr>
@@ -10087,102 +10121,31 @@
         </p:nvSpPr>
         <p:spPr/>
         <p:txBody>
-          <a:bodyPr>
-            <a:normAutofit/>
-          </a:bodyPr>
-          <a:lstStyle/>
-          <a:p>
-            <a:r>
-              <a:rPr lang="en-US" dirty="0"/>
-              <a:t>1.Which of the following characterizes forward contracts and swaps but </a:t>
-            </a:r>
-            <a:r>
-              <a:rPr lang="en-US" b="1" dirty="0"/>
-              <a:t>not </a:t>
-            </a:r>
-            <a:r>
-              <a:rPr lang="en-US" dirty="0"/>
-              <a:t>futures?</a:t>
-            </a:r>
-          </a:p>
-          <a:p>
-            <a:pPr lvl="1"/>
-            <a:r>
-              <a:rPr lang="en-US" b="1" dirty="0"/>
-              <a:t>A </a:t>
-            </a:r>
-            <a:r>
-              <a:rPr lang="en-US" dirty="0"/>
-              <a:t>They are customized.</a:t>
-            </a:r>
-          </a:p>
-          <a:p>
-            <a:pPr lvl="1"/>
-            <a:r>
-              <a:rPr lang="en-US" b="1" dirty="0"/>
-              <a:t>B </a:t>
-            </a:r>
-            <a:r>
-              <a:rPr lang="en-US" dirty="0"/>
-              <a:t>They are subject to daily price limits.</a:t>
-            </a:r>
-          </a:p>
-          <a:p>
-            <a:pPr lvl="1"/>
-            <a:r>
-              <a:rPr lang="en-US" b="1" dirty="0"/>
-              <a:t>C </a:t>
-            </a:r>
-            <a:r>
-              <a:rPr lang="en-US" dirty="0"/>
-              <a:t>Their payoffs are received on a daily basis.</a:t>
-            </a:r>
-          </a:p>
-          <a:p>
-            <a:r>
-              <a:rPr lang="en-US" dirty="0"/>
-              <a:t>2.Which of the following distinguishes forwards from swaps?</a:t>
-            </a:r>
-          </a:p>
-          <a:p>
-            <a:pPr lvl="1"/>
-            <a:r>
-              <a:rPr lang="en-US" b="1" dirty="0"/>
-              <a:t>A </a:t>
-            </a:r>
-            <a:r>
-              <a:rPr lang="en-US" dirty="0"/>
-              <a:t>Forwards are OTC instruments, whereas swaps are exchange traded.</a:t>
-            </a:r>
-          </a:p>
-          <a:p>
-            <a:pPr lvl="1"/>
-            <a:r>
-              <a:rPr lang="en-US" b="1" dirty="0"/>
-              <a:t>B </a:t>
-            </a:r>
-            <a:r>
-              <a:rPr lang="en-US" dirty="0"/>
-              <a:t>Forwards are regulated as futures, whereas swaps are regulated as securities.</a:t>
-            </a:r>
-          </a:p>
-          <a:p>
-            <a:pPr lvl="1"/>
-            <a:r>
-              <a:rPr lang="en-US" b="1" dirty="0"/>
-              <a:t>C </a:t>
-            </a:r>
-            <a:r>
-              <a:rPr lang="en-US" dirty="0"/>
-              <a:t>Swaps have multiple payments, whereas forwards have only a single payment.</a:t>
-            </a:r>
+          <a:bodyPr/>
+          <a:lstStyle/>
+          <a:p>
+            <a:r>
+              <a:rPr lang="en-US" sz="2000" dirty="0"/>
+              <a:t>Plain vanilla swap: the most common swap is the </a:t>
+            </a:r>
+            <a:r>
+              <a:rPr lang="en-US" sz="2000" b="1" dirty="0"/>
+              <a:t>fixed- for- floating interest rate swap</a:t>
+            </a:r>
+            <a:r>
+              <a:rPr lang="en-US" sz="2000" dirty="0"/>
+              <a:t>.</a:t>
+            </a:r>
+          </a:p>
+          <a:p>
+            <a:endParaRPr lang="en-US" dirty="0"/>
           </a:p>
         </p:txBody>
       </p:sp>
     </p:spTree>
     <p:extLst>
       <p:ext uri="{BB962C8B-B14F-4D97-AF65-F5344CB8AC3E}">
-        <p14:creationId xmlns:p14="http://schemas.microsoft.com/office/powerpoint/2010/main" val="1508057551"/>
+        <p14:creationId xmlns:p14="http://schemas.microsoft.com/office/powerpoint/2010/main" val="3152884269"/>
       </p:ext>
     </p:extLst>
   </p:cSld>
@@ -10214,7 +10177,7 @@
           <p:cNvPr id="2" name="Title 1">
             <a:extLst>
               <a:ext uri="{FF2B5EF4-FFF2-40B4-BE49-F238E27FC236}">
-                <a16:creationId xmlns:a16="http://schemas.microsoft.com/office/drawing/2014/main" id="{5927944C-952F-4F1D-972B-D532B339900F}"/>
+                <a16:creationId xmlns:a16="http://schemas.microsoft.com/office/drawing/2014/main" id="{5956A29E-8360-4C31-8F74-D3F9FFADB1E3}"/>
               </a:ext>
             </a:extLst>
           </p:cNvPr>
@@ -10227,77 +10190,126 @@
         </p:nvSpPr>
         <p:spPr/>
         <p:txBody>
+          <a:bodyPr/>
+          <a:lstStyle/>
+          <a:p>
+            <a:r>
+              <a:rPr lang="en-US" sz="4000" dirty="0"/>
+              <a:t>Practices</a:t>
+            </a:r>
+            <a:br>
+              <a:rPr lang="en-US" dirty="0"/>
+            </a:br>
+            <a:endParaRPr lang="en-US" dirty="0"/>
+          </a:p>
+        </p:txBody>
+      </p:sp>
+      <p:sp>
+        <p:nvSpPr>
+          <p:cNvPr id="3" name="Content Placeholder 2">
+            <a:extLst>
+              <a:ext uri="{FF2B5EF4-FFF2-40B4-BE49-F238E27FC236}">
+                <a16:creationId xmlns:a16="http://schemas.microsoft.com/office/drawing/2014/main" id="{EF3A84B9-8E45-4AD9-931B-C39F1DF28022}"/>
+              </a:ext>
+            </a:extLst>
+          </p:cNvPr>
+          <p:cNvSpPr>
+            <a:spLocks noGrp="1"/>
+          </p:cNvSpPr>
+          <p:nvPr>
+            <p:ph idx="1"/>
+          </p:nvPr>
+        </p:nvSpPr>
+        <p:spPr/>
+        <p:txBody>
           <a:bodyPr>
             <a:normAutofit/>
           </a:bodyPr>
           <a:lstStyle/>
           <a:p>
             <a:r>
-              <a:rPr lang="en-US" sz="4000" dirty="0"/>
-              <a:t>Practices</a:t>
-            </a:r>
-          </a:p>
-        </p:txBody>
-      </p:sp>
-      <p:sp>
-        <p:nvSpPr>
-          <p:cNvPr id="3" name="Content Placeholder 2">
-            <a:extLst>
-              <a:ext uri="{FF2B5EF4-FFF2-40B4-BE49-F238E27FC236}">
-                <a16:creationId xmlns:a16="http://schemas.microsoft.com/office/drawing/2014/main" id="{1BDDDD91-7FB1-4366-8443-002BDE00C16D}"/>
-              </a:ext>
-            </a:extLst>
-          </p:cNvPr>
-          <p:cNvSpPr>
-            <a:spLocks noGrp="1"/>
-          </p:cNvSpPr>
-          <p:nvPr>
-            <p:ph idx="1"/>
-          </p:nvPr>
-        </p:nvSpPr>
-        <p:spPr/>
-        <p:txBody>
-          <a:bodyPr>
-            <a:normAutofit/>
-          </a:bodyPr>
-          <a:lstStyle/>
-          <a:p>
-            <a:r>
-              <a:rPr lang="en-US" dirty="0"/>
-              <a:t>3.Which of the following occurs in the daily settlement of futures contracts?</a:t>
+              <a:rPr lang="en-US" dirty="0"/>
+              <a:t>1.Which of the following characterizes forward contracts and swaps but </a:t>
+            </a:r>
+            <a:r>
+              <a:rPr lang="en-US" b="1" dirty="0"/>
+              <a:t>not </a:t>
+            </a:r>
+            <a:r>
+              <a:rPr lang="en-US" dirty="0"/>
+              <a:t>futures?</a:t>
             </a:r>
           </a:p>
           <a:p>
             <a:pPr lvl="1"/>
             <a:r>
-              <a:rPr lang="en-US" sz="1800" b="1" dirty="0"/>
+              <a:rPr lang="en-US" b="1" dirty="0"/>
               <a:t>A </a:t>
             </a:r>
             <a:r>
-              <a:rPr lang="en-US" sz="1800" dirty="0"/>
-              <a:t>Initial margin deposits are refunded to the two parties.</a:t>
+              <a:rPr lang="en-US" dirty="0"/>
+              <a:t>They are customized.</a:t>
             </a:r>
           </a:p>
           <a:p>
             <a:pPr lvl="1"/>
             <a:r>
-              <a:rPr lang="en-US" sz="1800" b="1" dirty="0"/>
+              <a:rPr lang="en-US" b="1" dirty="0"/>
               <a:t>B </a:t>
             </a:r>
             <a:r>
-              <a:rPr lang="en-US" sz="1800" dirty="0"/>
-              <a:t>Gains and losses are reported to other market participants.</a:t>
+              <a:rPr lang="en-US" dirty="0"/>
+              <a:t>They are subject to daily price limits.</a:t>
             </a:r>
           </a:p>
           <a:p>
             <a:pPr lvl="1"/>
             <a:r>
-              <a:rPr lang="en-US" sz="1800" b="1" dirty="0"/>
+              <a:rPr lang="en-US" b="1" dirty="0"/>
               <a:t>C </a:t>
             </a:r>
             <a:r>
-              <a:rPr lang="en-US" sz="1800" dirty="0"/>
-              <a:t>Losses are charged to one party and gains credited to the other.</a:t>
+              <a:rPr lang="en-US" dirty="0"/>
+              <a:t>Their payoffs are received on a daily basis.</a:t>
+            </a:r>
+          </a:p>
+          <a:p>
+            <a:r>
+              <a:rPr lang="en-US" dirty="0"/>
+              <a:t>2.Which of the following distinguishes forwards from swaps?</a:t>
+            </a:r>
+          </a:p>
+          <a:p>
+            <a:pPr lvl="1"/>
+            <a:r>
+              <a:rPr lang="en-US" b="1" dirty="0"/>
+              <a:t>A </a:t>
+            </a:r>
+            <a:r>
+              <a:rPr lang="en-US" dirty="0"/>
+              <a:t>Forwards are OTC instruments, whereas swaps are exchange traded.</a:t>
+            </a:r>
+          </a:p>
+          <a:p>
+            <a:pPr lvl="1"/>
+            <a:r>
+              <a:rPr lang="en-US" b="1" dirty="0"/>
+              <a:t>B </a:t>
+            </a:r>
+            <a:r>
+              <a:rPr lang="en-US" dirty="0"/>
+              <a:t>Forwards are regulated as futures, whereas swaps are regulated as securities.</a:t>
+            </a:r>
+          </a:p>
+          <a:p>
+            <a:pPr lvl="1"/>
+            <a:r>
+              <a:rPr lang="en-US" b="1" dirty="0"/>
+              <a:t>C </a:t>
+            </a:r>
+            <a:r>
+              <a:rPr lang="en-US" dirty="0"/>
+              <a:t>Swaps have multiple payments, whereas forwards have only a single payment.</a:t>
             </a:r>
           </a:p>
         </p:txBody>
@@ -10305,7 +10317,7 @@
     </p:spTree>
     <p:extLst>
       <p:ext uri="{BB962C8B-B14F-4D97-AF65-F5344CB8AC3E}">
-        <p14:creationId xmlns:p14="http://schemas.microsoft.com/office/powerpoint/2010/main" val="914799381"/>
+        <p14:creationId xmlns:p14="http://schemas.microsoft.com/office/powerpoint/2010/main" val="1508057551"/>
       </p:ext>
     </p:extLst>
   </p:cSld>
@@ -10337,7 +10349,7 @@
           <p:cNvPr id="2" name="Title 1">
             <a:extLst>
               <a:ext uri="{FF2B5EF4-FFF2-40B4-BE49-F238E27FC236}">
-                <a16:creationId xmlns:a16="http://schemas.microsoft.com/office/drawing/2014/main" id="{3B6DC5E5-B49D-4096-80C1-B8052495A474}"/>
+                <a16:creationId xmlns:a16="http://schemas.microsoft.com/office/drawing/2014/main" id="{5927944C-952F-4F1D-972B-D532B339900F}"/>
               </a:ext>
             </a:extLst>
           </p:cNvPr>
@@ -10357,7 +10369,7 @@
           <a:p>
             <a:r>
               <a:rPr lang="en-US" sz="4000" dirty="0"/>
-              <a:t>Option Contracts</a:t>
+              <a:t>Practices</a:t>
             </a:r>
           </a:p>
         </p:txBody>
@@ -10367,7 +10379,7 @@
           <p:cNvPr id="3" name="Content Placeholder 2">
             <a:extLst>
               <a:ext uri="{FF2B5EF4-FFF2-40B4-BE49-F238E27FC236}">
-                <a16:creationId xmlns:a16="http://schemas.microsoft.com/office/drawing/2014/main" id="{831B6362-3303-4415-9D10-C4E0904D67AF}"/>
+                <a16:creationId xmlns:a16="http://schemas.microsoft.com/office/drawing/2014/main" id="{1BDDDD91-7FB1-4366-8443-002BDE00C16D}"/>
               </a:ext>
             </a:extLst>
           </p:cNvPr>
@@ -10380,81 +10392,55 @@
         </p:nvSpPr>
         <p:spPr/>
         <p:txBody>
-          <a:bodyPr/>
-          <a:lstStyle/>
-          <a:p>
-            <a:r>
-              <a:rPr lang="en-US" sz="2800" dirty="0"/>
-              <a:t>Forward commitments</a:t>
+          <a:bodyPr>
+            <a:normAutofit/>
+          </a:bodyPr>
+          <a:lstStyle/>
+          <a:p>
+            <a:r>
+              <a:rPr lang="en-US" dirty="0"/>
+              <a:t>3.Which of the following occurs in the daily settlement of futures contracts?</a:t>
             </a:r>
           </a:p>
           <a:p>
             <a:pPr lvl="1"/>
             <a:r>
-              <a:rPr lang="en-US" sz="2800" dirty="0">
-                <a:solidFill>
-                  <a:schemeClr val="tx1"/>
-                </a:solidFill>
-              </a:rPr>
-              <a:t>Forward</a:t>
+              <a:rPr lang="en-US" sz="1800" b="1" dirty="0"/>
+              <a:t>A </a:t>
+            </a:r>
+            <a:r>
+              <a:rPr lang="en-US" sz="1800" dirty="0"/>
+              <a:t>Initial margin deposits are refunded to the two parties.</a:t>
             </a:r>
           </a:p>
           <a:p>
             <a:pPr lvl="1"/>
             <a:r>
-              <a:rPr lang="en-US" sz="2800" dirty="0">
-                <a:solidFill>
-                  <a:schemeClr val="tx1"/>
-                </a:solidFill>
-              </a:rPr>
-              <a:t>Futures</a:t>
+              <a:rPr lang="en-US" sz="1800" b="1" dirty="0"/>
+              <a:t>B </a:t>
+            </a:r>
+            <a:r>
+              <a:rPr lang="en-US" sz="1800" dirty="0"/>
+              <a:t>Gains and losses are reported to other market participants.</a:t>
             </a:r>
           </a:p>
           <a:p>
             <a:pPr lvl="1"/>
             <a:r>
-              <a:rPr lang="en-US" sz="2800" dirty="0">
-                <a:solidFill>
-                  <a:schemeClr val="tx1"/>
-                </a:solidFill>
-              </a:rPr>
-              <a:t>Swap</a:t>
-            </a:r>
-          </a:p>
-          <a:p>
-            <a:r>
-              <a:rPr lang="en-US" sz="2800" dirty="0"/>
-              <a:t>Contingent claims</a:t>
-            </a:r>
-          </a:p>
-          <a:p>
-            <a:pPr lvl="1"/>
-            <a:r>
-              <a:rPr lang="en-US" sz="2800" u="sng" dirty="0">
-                <a:solidFill>
-                  <a:srgbClr val="FF0000"/>
-                </a:solidFill>
-              </a:rPr>
-              <a:t>Option</a:t>
-            </a:r>
-          </a:p>
-          <a:p>
-            <a:pPr lvl="1"/>
-            <a:r>
-              <a:rPr lang="en-US" sz="2800" dirty="0"/>
-              <a:t>Credit Derivatives</a:t>
-            </a:r>
-          </a:p>
-          <a:p>
-            <a:pPr lvl="1"/>
-            <a:endParaRPr lang="en-US" dirty="0"/>
+              <a:rPr lang="en-US" sz="1800" b="1" dirty="0"/>
+              <a:t>C </a:t>
+            </a:r>
+            <a:r>
+              <a:rPr lang="en-US" sz="1800" dirty="0"/>
+              <a:t>Losses are charged to one party and gains credited to the other.</a:t>
+            </a:r>
           </a:p>
         </p:txBody>
       </p:sp>
     </p:spTree>
     <p:extLst>
       <p:ext uri="{BB962C8B-B14F-4D97-AF65-F5344CB8AC3E}">
-        <p14:creationId xmlns:p14="http://schemas.microsoft.com/office/powerpoint/2010/main" val="1599816682"/>
+        <p14:creationId xmlns:p14="http://schemas.microsoft.com/office/powerpoint/2010/main" val="914799381"/>
       </p:ext>
     </p:extLst>
   </p:cSld>
@@ -10634,6 +10620,155 @@
           <p:cNvPr id="2" name="Title 1">
             <a:extLst>
               <a:ext uri="{FF2B5EF4-FFF2-40B4-BE49-F238E27FC236}">
+                <a16:creationId xmlns:a16="http://schemas.microsoft.com/office/drawing/2014/main" id="{3B6DC5E5-B49D-4096-80C1-B8052495A474}"/>
+              </a:ext>
+            </a:extLst>
+          </p:cNvPr>
+          <p:cNvSpPr>
+            <a:spLocks noGrp="1"/>
+          </p:cNvSpPr>
+          <p:nvPr>
+            <p:ph type="title"/>
+          </p:nvPr>
+        </p:nvSpPr>
+        <p:spPr/>
+        <p:txBody>
+          <a:bodyPr>
+            <a:normAutofit/>
+          </a:bodyPr>
+          <a:lstStyle/>
+          <a:p>
+            <a:r>
+              <a:rPr lang="en-US" sz="4000" dirty="0"/>
+              <a:t>Option Contracts</a:t>
+            </a:r>
+          </a:p>
+        </p:txBody>
+      </p:sp>
+      <p:sp>
+        <p:nvSpPr>
+          <p:cNvPr id="3" name="Content Placeholder 2">
+            <a:extLst>
+              <a:ext uri="{FF2B5EF4-FFF2-40B4-BE49-F238E27FC236}">
+                <a16:creationId xmlns:a16="http://schemas.microsoft.com/office/drawing/2014/main" id="{831B6362-3303-4415-9D10-C4E0904D67AF}"/>
+              </a:ext>
+            </a:extLst>
+          </p:cNvPr>
+          <p:cNvSpPr>
+            <a:spLocks noGrp="1"/>
+          </p:cNvSpPr>
+          <p:nvPr>
+            <p:ph idx="1"/>
+          </p:nvPr>
+        </p:nvSpPr>
+        <p:spPr/>
+        <p:txBody>
+          <a:bodyPr/>
+          <a:lstStyle/>
+          <a:p>
+            <a:r>
+              <a:rPr lang="en-US" sz="2800" dirty="0"/>
+              <a:t>Forward commitments</a:t>
+            </a:r>
+          </a:p>
+          <a:p>
+            <a:pPr lvl="1"/>
+            <a:r>
+              <a:rPr lang="en-US" sz="2800" dirty="0">
+                <a:solidFill>
+                  <a:schemeClr val="tx1"/>
+                </a:solidFill>
+              </a:rPr>
+              <a:t>Forward</a:t>
+            </a:r>
+          </a:p>
+          <a:p>
+            <a:pPr lvl="1"/>
+            <a:r>
+              <a:rPr lang="en-US" sz="2800" dirty="0">
+                <a:solidFill>
+                  <a:schemeClr val="tx1"/>
+                </a:solidFill>
+              </a:rPr>
+              <a:t>Futures</a:t>
+            </a:r>
+          </a:p>
+          <a:p>
+            <a:pPr lvl="1"/>
+            <a:r>
+              <a:rPr lang="en-US" sz="2800" dirty="0">
+                <a:solidFill>
+                  <a:schemeClr val="tx1"/>
+                </a:solidFill>
+              </a:rPr>
+              <a:t>Swap</a:t>
+            </a:r>
+          </a:p>
+          <a:p>
+            <a:r>
+              <a:rPr lang="en-US" sz="2800" dirty="0"/>
+              <a:t>Contingent claims</a:t>
+            </a:r>
+          </a:p>
+          <a:p>
+            <a:pPr lvl="1"/>
+            <a:r>
+              <a:rPr lang="en-US" sz="2800" u="sng" dirty="0">
+                <a:solidFill>
+                  <a:srgbClr val="FF0000"/>
+                </a:solidFill>
+              </a:rPr>
+              <a:t>Option</a:t>
+            </a:r>
+          </a:p>
+          <a:p>
+            <a:pPr lvl="1"/>
+            <a:r>
+              <a:rPr lang="en-US" sz="2800" dirty="0"/>
+              <a:t>Credit Derivatives</a:t>
+            </a:r>
+          </a:p>
+          <a:p>
+            <a:pPr lvl="1"/>
+            <a:endParaRPr lang="en-US" dirty="0"/>
+          </a:p>
+        </p:txBody>
+      </p:sp>
+    </p:spTree>
+    <p:extLst>
+      <p:ext uri="{BB962C8B-B14F-4D97-AF65-F5344CB8AC3E}">
+        <p14:creationId xmlns:p14="http://schemas.microsoft.com/office/powerpoint/2010/main" val="1599816682"/>
+      </p:ext>
+    </p:extLst>
+  </p:cSld>
+  <p:clrMapOvr>
+    <a:masterClrMapping/>
+  </p:clrMapOvr>
+</p:sld>
+</file>
+
+<file path=ppt/slides/slide31.xml><?xml version="1.0" encoding="utf-8"?>
+<p:sld xmlns:a="http://schemas.openxmlformats.org/drawingml/2006/main" xmlns:r="http://schemas.openxmlformats.org/officeDocument/2006/relationships" xmlns:p="http://schemas.openxmlformats.org/presentationml/2006/main">
+  <p:cSld>
+    <p:spTree>
+      <p:nvGrpSpPr>
+        <p:cNvPr id="1" name=""/>
+        <p:cNvGrpSpPr/>
+        <p:nvPr/>
+      </p:nvGrpSpPr>
+      <p:grpSpPr>
+        <a:xfrm>
+          <a:off x="0" y="0"/>
+          <a:ext cx="0" cy="0"/>
+          <a:chOff x="0" y="0"/>
+          <a:chExt cx="0" cy="0"/>
+        </a:xfrm>
+      </p:grpSpPr>
+      <p:sp>
+        <p:nvSpPr>
+          <p:cNvPr id="2" name="Title 1">
+            <a:extLst>
+              <a:ext uri="{FF2B5EF4-FFF2-40B4-BE49-F238E27FC236}">
                 <a16:creationId xmlns:a16="http://schemas.microsoft.com/office/drawing/2014/main" id="{5EB0AABE-1CAE-4EC1-80D9-3EEF9BF9A4EE}"/>
               </a:ext>
             </a:extLst>
@@ -10798,7 +10933,7 @@
 </p:sld>
 </file>
 
-<file path=ppt/slides/slide31.xml><?xml version="1.0" encoding="utf-8"?>
+<file path=ppt/slides/slide32.xml><?xml version="1.0" encoding="utf-8"?>
 <p:sld xmlns:a="http://schemas.openxmlformats.org/drawingml/2006/main" xmlns:r="http://schemas.openxmlformats.org/officeDocument/2006/relationships" xmlns:p="http://schemas.openxmlformats.org/presentationml/2006/main">
   <p:cSld>
     <p:spTree>
@@ -11320,7 +11455,7 @@
 </p:sld>
 </file>
 
-<file path=ppt/slides/slide32.xml><?xml version="1.0" encoding="utf-8"?>
+<file path=ppt/slides/slide33.xml><?xml version="1.0" encoding="utf-8"?>
 <p:sld xmlns:a="http://schemas.openxmlformats.org/drawingml/2006/main" xmlns:r="http://schemas.openxmlformats.org/officeDocument/2006/relationships" xmlns:p="http://schemas.openxmlformats.org/presentationml/2006/main">
   <p:cSld>
     <p:spTree>
@@ -11476,174 +11611,6 @@
 </p:sld>
 </file>
 
-<file path=ppt/slides/slide33.xml><?xml version="1.0" encoding="utf-8"?>
-<p:sld xmlns:a="http://schemas.openxmlformats.org/drawingml/2006/main" xmlns:r="http://schemas.openxmlformats.org/officeDocument/2006/relationships" xmlns:p="http://schemas.openxmlformats.org/presentationml/2006/main">
-  <p:cSld>
-    <p:spTree>
-      <p:nvGrpSpPr>
-        <p:cNvPr id="1" name=""/>
-        <p:cNvGrpSpPr/>
-        <p:nvPr/>
-      </p:nvGrpSpPr>
-      <p:grpSpPr>
-        <a:xfrm>
-          <a:off x="0" y="0"/>
-          <a:ext cx="0" cy="0"/>
-          <a:chOff x="0" y="0"/>
-          <a:chExt cx="0" cy="0"/>
-        </a:xfrm>
-      </p:grpSpPr>
-      <p:sp>
-        <p:nvSpPr>
-          <p:cNvPr id="2" name="Title 1">
-            <a:extLst>
-              <a:ext uri="{FF2B5EF4-FFF2-40B4-BE49-F238E27FC236}">
-                <a16:creationId xmlns:a16="http://schemas.microsoft.com/office/drawing/2014/main" id="{DEE8B14E-6C89-44B2-997A-D533828A5927}"/>
-              </a:ext>
-            </a:extLst>
-          </p:cNvPr>
-          <p:cNvSpPr>
-            <a:spLocks noGrp="1"/>
-          </p:cNvSpPr>
-          <p:nvPr>
-            <p:ph type="title"/>
-          </p:nvPr>
-        </p:nvSpPr>
-        <p:spPr/>
-        <p:txBody>
-          <a:bodyPr/>
-          <a:lstStyle/>
-          <a:p>
-            <a:r>
-              <a:rPr lang="en-US" sz="4000" dirty="0"/>
-              <a:t>Option Contracts</a:t>
-            </a:r>
-            <a:br>
-              <a:rPr lang="en-US" dirty="0"/>
-            </a:br>
-            <a:r>
-              <a:rPr lang="en-US" dirty="0"/>
-              <a:t>Call Option</a:t>
-            </a:r>
-          </a:p>
-        </p:txBody>
-      </p:sp>
-      <p:sp>
-        <p:nvSpPr>
-          <p:cNvPr id="3" name="Content Placeholder 2">
-            <a:extLst>
-              <a:ext uri="{FF2B5EF4-FFF2-40B4-BE49-F238E27FC236}">
-                <a16:creationId xmlns:a16="http://schemas.microsoft.com/office/drawing/2014/main" id="{3ECD996B-BC89-4834-BB58-AC2340B223D3}"/>
-              </a:ext>
-            </a:extLst>
-          </p:cNvPr>
-          <p:cNvSpPr>
-            <a:spLocks noGrp="1"/>
-          </p:cNvSpPr>
-          <p:nvPr>
-            <p:ph idx="1"/>
-          </p:nvPr>
-        </p:nvSpPr>
-        <p:spPr/>
-        <p:txBody>
-          <a:bodyPr/>
-          <a:lstStyle/>
-          <a:p>
-            <a:r>
-              <a:rPr lang="en-US" dirty="0"/>
-              <a:t>Payoff of call option</a:t>
-            </a:r>
-          </a:p>
-          <a:p>
-            <a:pPr lvl="1"/>
-            <a:r>
-              <a:rPr lang="en-US" dirty="0"/>
-              <a:t>Long call = MAX (S</a:t>
-            </a:r>
-            <a:r>
-              <a:rPr lang="en-US" baseline="-25000" dirty="0"/>
-              <a:t>T</a:t>
-            </a:r>
-            <a:r>
-              <a:rPr lang="en-US" dirty="0"/>
-              <a:t>-X,0)</a:t>
-            </a:r>
-          </a:p>
-          <a:p>
-            <a:pPr lvl="1"/>
-            <a:r>
-              <a:rPr lang="en-US" dirty="0"/>
-              <a:t>Short call = - MAX (S</a:t>
-            </a:r>
-            <a:r>
-              <a:rPr lang="en-US" baseline="-25000" dirty="0"/>
-              <a:t>T</a:t>
-            </a:r>
-            <a:r>
-              <a:rPr lang="en-US" dirty="0"/>
-              <a:t>-X,0)</a:t>
-            </a:r>
-          </a:p>
-          <a:p>
-            <a:endParaRPr lang="en-US" dirty="0"/>
-          </a:p>
-          <a:p>
-            <a:r>
-              <a:rPr lang="en-US" dirty="0"/>
-              <a:t>Profit of call option</a:t>
-            </a:r>
-          </a:p>
-          <a:p>
-            <a:pPr lvl="1"/>
-            <a:r>
-              <a:rPr lang="en-US" dirty="0"/>
-              <a:t>Long call = MAX (S</a:t>
-            </a:r>
-            <a:r>
-              <a:rPr lang="en-US" baseline="-25000" dirty="0"/>
-              <a:t>T</a:t>
-            </a:r>
-            <a:r>
-              <a:rPr lang="en-US" dirty="0"/>
-              <a:t>-X,0) – C</a:t>
-            </a:r>
-          </a:p>
-          <a:p>
-            <a:pPr lvl="1"/>
-            <a:r>
-              <a:rPr lang="en-US" dirty="0"/>
-              <a:t>Short call = - MAX (S</a:t>
-            </a:r>
-            <a:r>
-              <a:rPr lang="en-US" baseline="-25000" dirty="0"/>
-              <a:t>T</a:t>
-            </a:r>
-            <a:r>
-              <a:rPr lang="en-US" dirty="0"/>
-              <a:t>-X,0) + C</a:t>
-            </a:r>
-          </a:p>
-          <a:p>
-            <a:endParaRPr lang="en-US" dirty="0"/>
-          </a:p>
-          <a:p>
-            <a:endParaRPr lang="en-US" dirty="0"/>
-          </a:p>
-        </p:txBody>
-      </p:sp>
-    </p:spTree>
-    <p:extLst>
-      <p:ext uri="{BB962C8B-B14F-4D97-AF65-F5344CB8AC3E}">
-        <p14:creationId xmlns:p14="http://schemas.microsoft.com/office/powerpoint/2010/main" val="788119096"/>
-      </p:ext>
-    </p:extLst>
-  </p:cSld>
-  <p:clrMapOvr>
-    <a:masterClrMapping/>
-  </p:clrMapOvr>
-</p:sld>
-</file>
-
 <file path=ppt/slides/slide34.xml><?xml version="1.0" encoding="utf-8"?>
 <p:sld xmlns:a="http://schemas.openxmlformats.org/drawingml/2006/main" xmlns:r="http://schemas.openxmlformats.org/officeDocument/2006/relationships" xmlns:p="http://schemas.openxmlformats.org/presentationml/2006/main">
   <p:cSld>
@@ -11666,6 +11633,174 @@
           <p:cNvPr id="2" name="Title 1">
             <a:extLst>
               <a:ext uri="{FF2B5EF4-FFF2-40B4-BE49-F238E27FC236}">
+                <a16:creationId xmlns:a16="http://schemas.microsoft.com/office/drawing/2014/main" id="{DEE8B14E-6C89-44B2-997A-D533828A5927}"/>
+              </a:ext>
+            </a:extLst>
+          </p:cNvPr>
+          <p:cNvSpPr>
+            <a:spLocks noGrp="1"/>
+          </p:cNvSpPr>
+          <p:nvPr>
+            <p:ph type="title"/>
+          </p:nvPr>
+        </p:nvSpPr>
+        <p:spPr/>
+        <p:txBody>
+          <a:bodyPr/>
+          <a:lstStyle/>
+          <a:p>
+            <a:r>
+              <a:rPr lang="en-US" sz="4000" dirty="0"/>
+              <a:t>Option Contracts</a:t>
+            </a:r>
+            <a:br>
+              <a:rPr lang="en-US" dirty="0"/>
+            </a:br>
+            <a:r>
+              <a:rPr lang="en-US" dirty="0"/>
+              <a:t>Call Option</a:t>
+            </a:r>
+          </a:p>
+        </p:txBody>
+      </p:sp>
+      <p:sp>
+        <p:nvSpPr>
+          <p:cNvPr id="3" name="Content Placeholder 2">
+            <a:extLst>
+              <a:ext uri="{FF2B5EF4-FFF2-40B4-BE49-F238E27FC236}">
+                <a16:creationId xmlns:a16="http://schemas.microsoft.com/office/drawing/2014/main" id="{3ECD996B-BC89-4834-BB58-AC2340B223D3}"/>
+              </a:ext>
+            </a:extLst>
+          </p:cNvPr>
+          <p:cNvSpPr>
+            <a:spLocks noGrp="1"/>
+          </p:cNvSpPr>
+          <p:nvPr>
+            <p:ph idx="1"/>
+          </p:nvPr>
+        </p:nvSpPr>
+        <p:spPr/>
+        <p:txBody>
+          <a:bodyPr/>
+          <a:lstStyle/>
+          <a:p>
+            <a:r>
+              <a:rPr lang="en-US" dirty="0"/>
+              <a:t>Payoff of call option</a:t>
+            </a:r>
+          </a:p>
+          <a:p>
+            <a:pPr lvl="1"/>
+            <a:r>
+              <a:rPr lang="en-US" dirty="0"/>
+              <a:t>Long call = MAX (S</a:t>
+            </a:r>
+            <a:r>
+              <a:rPr lang="en-US" baseline="-25000" dirty="0"/>
+              <a:t>T</a:t>
+            </a:r>
+            <a:r>
+              <a:rPr lang="en-US" dirty="0"/>
+              <a:t>-X,0)</a:t>
+            </a:r>
+          </a:p>
+          <a:p>
+            <a:pPr lvl="1"/>
+            <a:r>
+              <a:rPr lang="en-US" dirty="0"/>
+              <a:t>Short call = - MAX (S</a:t>
+            </a:r>
+            <a:r>
+              <a:rPr lang="en-US" baseline="-25000" dirty="0"/>
+              <a:t>T</a:t>
+            </a:r>
+            <a:r>
+              <a:rPr lang="en-US" dirty="0"/>
+              <a:t>-X,0)</a:t>
+            </a:r>
+          </a:p>
+          <a:p>
+            <a:endParaRPr lang="en-US" dirty="0"/>
+          </a:p>
+          <a:p>
+            <a:r>
+              <a:rPr lang="en-US" dirty="0"/>
+              <a:t>Profit of call option</a:t>
+            </a:r>
+          </a:p>
+          <a:p>
+            <a:pPr lvl="1"/>
+            <a:r>
+              <a:rPr lang="en-US" dirty="0"/>
+              <a:t>Long call = MAX (S</a:t>
+            </a:r>
+            <a:r>
+              <a:rPr lang="en-US" baseline="-25000" dirty="0"/>
+              <a:t>T</a:t>
+            </a:r>
+            <a:r>
+              <a:rPr lang="en-US" dirty="0"/>
+              <a:t>-X,0) – C</a:t>
+            </a:r>
+          </a:p>
+          <a:p>
+            <a:pPr lvl="1"/>
+            <a:r>
+              <a:rPr lang="en-US" dirty="0"/>
+              <a:t>Short call = - MAX (S</a:t>
+            </a:r>
+            <a:r>
+              <a:rPr lang="en-US" baseline="-25000" dirty="0"/>
+              <a:t>T</a:t>
+            </a:r>
+            <a:r>
+              <a:rPr lang="en-US" dirty="0"/>
+              <a:t>-X,0) + C</a:t>
+            </a:r>
+          </a:p>
+          <a:p>
+            <a:endParaRPr lang="en-US" dirty="0"/>
+          </a:p>
+          <a:p>
+            <a:endParaRPr lang="en-US" dirty="0"/>
+          </a:p>
+        </p:txBody>
+      </p:sp>
+    </p:spTree>
+    <p:extLst>
+      <p:ext uri="{BB962C8B-B14F-4D97-AF65-F5344CB8AC3E}">
+        <p14:creationId xmlns:p14="http://schemas.microsoft.com/office/powerpoint/2010/main" val="788119096"/>
+      </p:ext>
+    </p:extLst>
+  </p:cSld>
+  <p:clrMapOvr>
+    <a:masterClrMapping/>
+  </p:clrMapOvr>
+</p:sld>
+</file>
+
+<file path=ppt/slides/slide35.xml><?xml version="1.0" encoding="utf-8"?>
+<p:sld xmlns:a="http://schemas.openxmlformats.org/drawingml/2006/main" xmlns:r="http://schemas.openxmlformats.org/officeDocument/2006/relationships" xmlns:p="http://schemas.openxmlformats.org/presentationml/2006/main">
+  <p:cSld>
+    <p:spTree>
+      <p:nvGrpSpPr>
+        <p:cNvPr id="1" name=""/>
+        <p:cNvGrpSpPr/>
+        <p:nvPr/>
+      </p:nvGrpSpPr>
+      <p:grpSpPr>
+        <a:xfrm>
+          <a:off x="0" y="0"/>
+          <a:ext cx="0" cy="0"/>
+          <a:chOff x="0" y="0"/>
+          <a:chExt cx="0" cy="0"/>
+        </a:xfrm>
+      </p:grpSpPr>
+      <p:sp>
+        <p:nvSpPr>
+          <p:cNvPr id="2" name="Title 1">
+            <a:extLst>
+              <a:ext uri="{FF2B5EF4-FFF2-40B4-BE49-F238E27FC236}">
                 <a16:creationId xmlns:a16="http://schemas.microsoft.com/office/drawing/2014/main" id="{0BD82D5C-0BCB-4204-880D-B8CFE7F77D6E}"/>
               </a:ext>
             </a:extLst>
@@ -11778,7 +11913,7 @@
 </p:sld>
 </file>
 
-<file path=ppt/slides/slide35.xml><?xml version="1.0" encoding="utf-8"?>
+<file path=ppt/slides/slide36.xml><?xml version="1.0" encoding="utf-8"?>
 <p:sld xmlns:a="http://schemas.openxmlformats.org/drawingml/2006/main" xmlns:r="http://schemas.openxmlformats.org/officeDocument/2006/relationships" xmlns:p="http://schemas.openxmlformats.org/presentationml/2006/main">
   <p:cSld>
     <p:spTree>
@@ -12225,7 +12360,7 @@
 </p:sld>
 </file>
 
-<file path=ppt/slides/slide36.xml><?xml version="1.0" encoding="utf-8"?>
+<file path=ppt/slides/slide37.xml><?xml version="1.0" encoding="utf-8"?>
 <p:sld xmlns:a="http://schemas.openxmlformats.org/drawingml/2006/main" xmlns:r="http://schemas.openxmlformats.org/officeDocument/2006/relationships" xmlns:p="http://schemas.openxmlformats.org/presentationml/2006/main">
   <p:cSld>
     <p:spTree>
@@ -12381,222 +12516,6 @@
 </p:sld>
 </file>
 
-<file path=ppt/slides/slide37.xml><?xml version="1.0" encoding="utf-8"?>
-<p:sld xmlns:a="http://schemas.openxmlformats.org/drawingml/2006/main" xmlns:r="http://schemas.openxmlformats.org/officeDocument/2006/relationships" xmlns:p="http://schemas.openxmlformats.org/presentationml/2006/main">
-  <p:cSld>
-    <p:spTree>
-      <p:nvGrpSpPr>
-        <p:cNvPr id="1" name=""/>
-        <p:cNvGrpSpPr/>
-        <p:nvPr/>
-      </p:nvGrpSpPr>
-      <p:grpSpPr>
-        <a:xfrm>
-          <a:off x="0" y="0"/>
-          <a:ext cx="0" cy="0"/>
-          <a:chOff x="0" y="0"/>
-          <a:chExt cx="0" cy="0"/>
-        </a:xfrm>
-      </p:grpSpPr>
-      <p:sp>
-        <p:nvSpPr>
-          <p:cNvPr id="2" name="Title 1">
-            <a:extLst>
-              <a:ext uri="{FF2B5EF4-FFF2-40B4-BE49-F238E27FC236}">
-                <a16:creationId xmlns:a16="http://schemas.microsoft.com/office/drawing/2014/main" id="{75FC705B-800B-405C-AEEB-F97882457E8D}"/>
-              </a:ext>
-            </a:extLst>
-          </p:cNvPr>
-          <p:cNvSpPr>
-            <a:spLocks noGrp="1"/>
-          </p:cNvSpPr>
-          <p:nvPr>
-            <p:ph type="title"/>
-          </p:nvPr>
-        </p:nvSpPr>
-        <p:spPr/>
-        <p:txBody>
-          <a:bodyPr/>
-          <a:lstStyle/>
-          <a:p>
-            <a:r>
-              <a:rPr lang="en-US" sz="4000" dirty="0"/>
-              <a:t>Option Contracts</a:t>
-            </a:r>
-            <a:br>
-              <a:rPr lang="en-US" sz="4000" dirty="0"/>
-            </a:br>
-            <a:r>
-              <a:rPr lang="en-US" dirty="0"/>
-              <a:t>Put Option</a:t>
-            </a:r>
-          </a:p>
-        </p:txBody>
-      </p:sp>
-      <p:sp>
-        <p:nvSpPr>
-          <p:cNvPr id="3" name="Content Placeholder 2">
-            <a:extLst>
-              <a:ext uri="{FF2B5EF4-FFF2-40B4-BE49-F238E27FC236}">
-                <a16:creationId xmlns:a16="http://schemas.microsoft.com/office/drawing/2014/main" id="{860738EE-12EC-4D61-87AB-E384ADF5E9D4}"/>
-              </a:ext>
-            </a:extLst>
-          </p:cNvPr>
-          <p:cNvSpPr>
-            <a:spLocks noGrp="1"/>
-          </p:cNvSpPr>
-          <p:nvPr>
-            <p:ph idx="1"/>
-          </p:nvPr>
-        </p:nvSpPr>
-        <p:spPr/>
-        <p:txBody>
-          <a:bodyPr/>
-          <a:lstStyle/>
-          <a:p>
-            <a:r>
-              <a:rPr lang="en-US" dirty="0"/>
-              <a:t>Payoff of </a:t>
-            </a:r>
-            <a:r>
-              <a:rPr lang="en-US" altLang="zh-CN" dirty="0"/>
-              <a:t>put</a:t>
-            </a:r>
-            <a:r>
-              <a:rPr lang="en-US" dirty="0"/>
-              <a:t> option</a:t>
-            </a:r>
-          </a:p>
-          <a:p>
-            <a:pPr lvl="1"/>
-            <a:r>
-              <a:rPr lang="en-US" dirty="0"/>
-              <a:t>Long </a:t>
-            </a:r>
-            <a:r>
-              <a:rPr lang="en-US" altLang="zh-CN" dirty="0"/>
-              <a:t>put</a:t>
-            </a:r>
-            <a:r>
-              <a:rPr lang="en-US" dirty="0"/>
-              <a:t> = MAX (X-S</a:t>
-            </a:r>
-            <a:r>
-              <a:rPr lang="en-US" baseline="-25000" dirty="0"/>
-              <a:t>T</a:t>
-            </a:r>
-            <a:r>
-              <a:rPr lang="en-US" dirty="0"/>
-              <a:t>,0)</a:t>
-            </a:r>
-          </a:p>
-          <a:p>
-            <a:pPr lvl="1"/>
-            <a:r>
-              <a:rPr lang="en-US" dirty="0"/>
-              <a:t>Short </a:t>
-            </a:r>
-            <a:r>
-              <a:rPr lang="en-US" altLang="zh-CN" dirty="0"/>
-              <a:t>put</a:t>
-            </a:r>
-            <a:r>
-              <a:rPr lang="en-US" dirty="0"/>
-              <a:t> = - MAX (X-S</a:t>
-            </a:r>
-            <a:r>
-              <a:rPr lang="en-US" baseline="-25000" dirty="0"/>
-              <a:t>T</a:t>
-            </a:r>
-            <a:r>
-              <a:rPr lang="en-US" dirty="0"/>
-              <a:t>,0)</a:t>
-            </a:r>
-          </a:p>
-          <a:p>
-            <a:endParaRPr lang="en-US" dirty="0"/>
-          </a:p>
-          <a:p>
-            <a:r>
-              <a:rPr lang="en-US" dirty="0"/>
-              <a:t>Profit of </a:t>
-            </a:r>
-            <a:r>
-              <a:rPr lang="en-US" altLang="zh-CN" dirty="0"/>
-              <a:t>put</a:t>
-            </a:r>
-            <a:r>
-              <a:rPr lang="en-US" dirty="0"/>
-              <a:t> option</a:t>
-            </a:r>
-          </a:p>
-          <a:p>
-            <a:pPr lvl="1"/>
-            <a:r>
-              <a:rPr lang="en-US" dirty="0"/>
-              <a:t>Long </a:t>
-            </a:r>
-            <a:r>
-              <a:rPr lang="en-US" altLang="zh-CN" dirty="0"/>
-              <a:t>put</a:t>
-            </a:r>
-            <a:r>
-              <a:rPr lang="en-US" dirty="0"/>
-              <a:t> = MAX (X-S</a:t>
-            </a:r>
-            <a:r>
-              <a:rPr lang="en-US" baseline="-25000" dirty="0"/>
-              <a:t>T</a:t>
-            </a:r>
-            <a:r>
-              <a:rPr lang="en-US" dirty="0"/>
-              <a:t>,0) – P</a:t>
-            </a:r>
-          </a:p>
-          <a:p>
-            <a:pPr lvl="1"/>
-            <a:r>
-              <a:rPr lang="en-US" dirty="0"/>
-              <a:t>Short </a:t>
-            </a:r>
-            <a:r>
-              <a:rPr lang="en-US" altLang="zh-CN" dirty="0"/>
-              <a:t>put</a:t>
-            </a:r>
-            <a:r>
-              <a:rPr lang="en-US" dirty="0"/>
-              <a:t> = - MAX (X-S</a:t>
-            </a:r>
-            <a:r>
-              <a:rPr lang="en-US" baseline="-25000" dirty="0"/>
-              <a:t>T</a:t>
-            </a:r>
-            <a:r>
-              <a:rPr lang="en-US" dirty="0"/>
-              <a:t>,0) + P</a:t>
-            </a:r>
-          </a:p>
-          <a:p>
-            <a:endParaRPr lang="en-US" dirty="0"/>
-          </a:p>
-          <a:p>
-            <a:endParaRPr lang="en-US" dirty="0"/>
-          </a:p>
-        </p:txBody>
-      </p:sp>
-    </p:spTree>
-    <p:extLst>
-      <p:ext uri="{BB962C8B-B14F-4D97-AF65-F5344CB8AC3E}">
-        <p14:creationId xmlns:p14="http://schemas.microsoft.com/office/powerpoint/2010/main" val="1186771443"/>
-      </p:ext>
-    </p:extLst>
-  </p:cSld>
-  <p:clrMapOvr>
-    <a:masterClrMapping/>
-  </p:clrMapOvr>
-</p:sld>
-</file>
-
 <file path=ppt/slides/slide38.xml><?xml version="1.0" encoding="utf-8"?>
 <p:sld xmlns:a="http://schemas.openxmlformats.org/drawingml/2006/main" xmlns:r="http://schemas.openxmlformats.org/officeDocument/2006/relationships" xmlns:p="http://schemas.openxmlformats.org/presentationml/2006/main">
   <p:cSld>
@@ -12619,7 +12538,7 @@
           <p:cNvPr id="2" name="Title 1">
             <a:extLst>
               <a:ext uri="{FF2B5EF4-FFF2-40B4-BE49-F238E27FC236}">
-                <a16:creationId xmlns:a16="http://schemas.microsoft.com/office/drawing/2014/main" id="{D144DC10-90A2-479B-B3E6-0983304E5176}"/>
+                <a16:creationId xmlns:a16="http://schemas.microsoft.com/office/drawing/2014/main" id="{75FC705B-800B-405C-AEEB-F97882457E8D}"/>
               </a:ext>
             </a:extLst>
           </p:cNvPr>
@@ -12632,14 +12551,19 @@
         </p:nvSpPr>
         <p:spPr/>
         <p:txBody>
-          <a:bodyPr>
-            <a:normAutofit/>
-          </a:bodyPr>
+          <a:bodyPr/>
           <a:lstStyle/>
           <a:p>
             <a:r>
               <a:rPr lang="en-US" sz="4000" dirty="0"/>
-              <a:t>Practices</a:t>
+              <a:t>Option Contracts</a:t>
+            </a:r>
+            <a:br>
+              <a:rPr lang="en-US" sz="4000" dirty="0"/>
+            </a:br>
+            <a:r>
+              <a:rPr lang="en-US" dirty="0"/>
+              <a:t>Put Option</a:t>
             </a:r>
           </a:p>
         </p:txBody>
@@ -12649,7 +12573,7 @@
           <p:cNvPr id="3" name="Content Placeholder 2">
             <a:extLst>
               <a:ext uri="{FF2B5EF4-FFF2-40B4-BE49-F238E27FC236}">
-                <a16:creationId xmlns:a16="http://schemas.microsoft.com/office/drawing/2014/main" id="{21707848-DDDD-41EF-9362-0D44DC210E9B}"/>
+                <a16:creationId xmlns:a16="http://schemas.microsoft.com/office/drawing/2014/main" id="{860738EE-12EC-4D61-87AB-E384ADF5E9D4}"/>
               </a:ext>
             </a:extLst>
           </p:cNvPr>
@@ -12662,64 +12586,143 @@
         </p:nvSpPr>
         <p:spPr/>
         <p:txBody>
-          <a:bodyPr>
-            <a:normAutofit/>
-          </a:bodyPr>
-          <a:lstStyle/>
-          <a:p>
-            <a:r>
-              <a:rPr lang="en-US" dirty="0"/>
-              <a:t>Consider a put option selling for $4 in which the exercise price is $60 and the price of the underlying is $62.</a:t>
+          <a:bodyPr/>
+          <a:lstStyle/>
+          <a:p>
+            <a:r>
+              <a:rPr lang="en-US" dirty="0"/>
+              <a:t>Payoff of </a:t>
+            </a:r>
+            <a:r>
+              <a:rPr lang="en-US" altLang="zh-CN" dirty="0"/>
+              <a:t>put</a:t>
+            </a:r>
+            <a:r>
+              <a:rPr lang="en-US" dirty="0"/>
+              <a:t> option</a:t>
             </a:r>
           </a:p>
           <a:p>
             <a:pPr lvl="1"/>
             <a:r>
               <a:rPr lang="en-US" dirty="0"/>
-              <a:t>1 Determine the value at expiration and the profit for a put buyer under the following outcomes:</a:t>
-            </a:r>
-          </a:p>
-          <a:p>
-            <a:pPr lvl="2"/>
-            <a:r>
-              <a:rPr lang="en-US" dirty="0"/>
-              <a:t>A The price of the underlying at expiration is $62.</a:t>
-            </a:r>
-          </a:p>
-          <a:p>
-            <a:pPr lvl="2"/>
-            <a:r>
-              <a:rPr lang="en-US" dirty="0"/>
-              <a:t>B The price of the underlying at expiration is $55.</a:t>
+              <a:t>Long </a:t>
+            </a:r>
+            <a:r>
+              <a:rPr lang="en-US" altLang="zh-CN" dirty="0"/>
+              <a:t>put</a:t>
+            </a:r>
+            <a:r>
+              <a:rPr lang="en-US" dirty="0"/>
+              <a:t> = MAX (X-S</a:t>
+            </a:r>
+            <a:r>
+              <a:rPr lang="en-US" baseline="-25000" dirty="0"/>
+              <a:t>T</a:t>
+            </a:r>
+            <a:r>
+              <a:rPr lang="en-US" dirty="0"/>
+              <a:t>,0)</a:t>
             </a:r>
           </a:p>
           <a:p>
             <a:pPr lvl="1"/>
             <a:r>
               <a:rPr lang="en-US" dirty="0"/>
-              <a:t>2 Determine the value at expiration and the profit for a put seller under the following outcomes:</a:t>
-            </a:r>
-          </a:p>
-          <a:p>
-            <a:pPr lvl="2"/>
-            <a:r>
-              <a:rPr lang="en-US" dirty="0"/>
-              <a:t>A The price of the underlying at expiration is $51.</a:t>
-            </a:r>
-          </a:p>
-          <a:p>
-            <a:pPr lvl="2"/>
-            <a:r>
-              <a:rPr lang="en-US" dirty="0"/>
-              <a:t>B The price of the underlying at expiration is $68.</a:t>
-            </a:r>
+              <a:t>Short </a:t>
+            </a:r>
+            <a:r>
+              <a:rPr lang="en-US" altLang="zh-CN" dirty="0"/>
+              <a:t>put</a:t>
+            </a:r>
+            <a:r>
+              <a:rPr lang="en-US" dirty="0"/>
+              <a:t> = - MAX (X-S</a:t>
+            </a:r>
+            <a:r>
+              <a:rPr lang="en-US" baseline="-25000" dirty="0"/>
+              <a:t>T</a:t>
+            </a:r>
+            <a:r>
+              <a:rPr lang="en-US" dirty="0"/>
+              <a:t>,0)</a:t>
+            </a:r>
+          </a:p>
+          <a:p>
+            <a:endParaRPr lang="en-US" dirty="0"/>
+          </a:p>
+          <a:p>
+            <a:r>
+              <a:rPr lang="en-US" dirty="0"/>
+              <a:t>Profit of </a:t>
+            </a:r>
+            <a:r>
+              <a:rPr lang="en-US" altLang="zh-CN" dirty="0"/>
+              <a:t>put</a:t>
+            </a:r>
+            <a:r>
+              <a:rPr lang="en-US" dirty="0"/>
+              <a:t> option</a:t>
+            </a:r>
+          </a:p>
+          <a:p>
+            <a:pPr lvl="1"/>
+            <a:r>
+              <a:rPr lang="en-US" dirty="0"/>
+              <a:t>Long </a:t>
+            </a:r>
+            <a:r>
+              <a:rPr lang="en-US" altLang="zh-CN" dirty="0"/>
+              <a:t>put</a:t>
+            </a:r>
+            <a:r>
+              <a:rPr lang="en-US" dirty="0"/>
+              <a:t> = MAX (X-S</a:t>
+            </a:r>
+            <a:r>
+              <a:rPr lang="en-US" baseline="-25000" dirty="0"/>
+              <a:t>T</a:t>
+            </a:r>
+            <a:r>
+              <a:rPr lang="en-US" dirty="0"/>
+              <a:t>,0) – P</a:t>
+            </a:r>
+          </a:p>
+          <a:p>
+            <a:pPr lvl="1"/>
+            <a:r>
+              <a:rPr lang="en-US" dirty="0"/>
+              <a:t>Short </a:t>
+            </a:r>
+            <a:r>
+              <a:rPr lang="en-US" altLang="zh-CN" dirty="0"/>
+              <a:t>put</a:t>
+            </a:r>
+            <a:r>
+              <a:rPr lang="en-US" dirty="0"/>
+              <a:t> = - MAX (X-S</a:t>
+            </a:r>
+            <a:r>
+              <a:rPr lang="en-US" baseline="-25000" dirty="0"/>
+              <a:t>T</a:t>
+            </a:r>
+            <a:r>
+              <a:rPr lang="en-US" dirty="0"/>
+              <a:t>,0) + P</a:t>
+            </a:r>
+          </a:p>
+          <a:p>
+            <a:endParaRPr lang="en-US" dirty="0"/>
+          </a:p>
+          <a:p>
+            <a:endParaRPr lang="en-US" dirty="0"/>
           </a:p>
         </p:txBody>
       </p:sp>
     </p:spTree>
     <p:extLst>
       <p:ext uri="{BB962C8B-B14F-4D97-AF65-F5344CB8AC3E}">
-        <p14:creationId xmlns:p14="http://schemas.microsoft.com/office/powerpoint/2010/main" val="3669530994"/>
+        <p14:creationId xmlns:p14="http://schemas.microsoft.com/office/powerpoint/2010/main" val="1186771443"/>
       </p:ext>
     </p:extLst>
   </p:cSld>
@@ -12751,7 +12754,7 @@
           <p:cNvPr id="2" name="Title 1">
             <a:extLst>
               <a:ext uri="{FF2B5EF4-FFF2-40B4-BE49-F238E27FC236}">
-                <a16:creationId xmlns:a16="http://schemas.microsoft.com/office/drawing/2014/main" id="{1C2F3AE9-B402-437D-BDF5-E4639C896F9C}"/>
+                <a16:creationId xmlns:a16="http://schemas.microsoft.com/office/drawing/2014/main" id="{D144DC10-90A2-479B-B3E6-0983304E5176}"/>
               </a:ext>
             </a:extLst>
           </p:cNvPr>
@@ -12771,7 +12774,7 @@
           <a:p>
             <a:r>
               <a:rPr lang="en-US" sz="4000" dirty="0"/>
-              <a:t>Option Contracts</a:t>
+              <a:t>Practices</a:t>
             </a:r>
           </a:p>
         </p:txBody>
@@ -12781,7 +12784,7 @@
           <p:cNvPr id="3" name="Content Placeholder 2">
             <a:extLst>
               <a:ext uri="{FF2B5EF4-FFF2-40B4-BE49-F238E27FC236}">
-                <a16:creationId xmlns:a16="http://schemas.microsoft.com/office/drawing/2014/main" id="{1F30AE57-E073-412E-AA42-A9ED1E7418BE}"/>
+                <a16:creationId xmlns:a16="http://schemas.microsoft.com/office/drawing/2014/main" id="{21707848-DDDD-41EF-9362-0D44DC210E9B}"/>
               </a:ext>
             </a:extLst>
           </p:cNvPr>
@@ -12794,133 +12797,64 @@
         </p:nvSpPr>
         <p:spPr/>
         <p:txBody>
-          <a:bodyPr/>
-          <a:lstStyle/>
-          <a:p>
-            <a:r>
-              <a:rPr lang="en-US" altLang="zh-CN" dirty="0"/>
-              <a:t>Characteristics</a:t>
-            </a:r>
-            <a:r>
-              <a:rPr lang="zh-CN" altLang="en-US" dirty="0"/>
-              <a:t>：</a:t>
-            </a:r>
-            <a:endParaRPr lang="en-US" dirty="0"/>
+          <a:bodyPr>
+            <a:normAutofit/>
+          </a:bodyPr>
+          <a:lstStyle/>
+          <a:p>
+            <a:r>
+              <a:rPr lang="en-US" dirty="0"/>
+              <a:t>Consider a put option selling for $4 in which the exercise price is $60 and the price of the underlying is $62.</a:t>
+            </a:r>
           </a:p>
           <a:p>
             <a:pPr lvl="1"/>
             <a:r>
               <a:rPr lang="en-US" dirty="0"/>
-              <a:t>Options that can be exercised early are referred to as </a:t>
-            </a:r>
-            <a:r>
-              <a:rPr lang="en-US" dirty="0">
-                <a:solidFill>
-                  <a:srgbClr val="FF0000"/>
-                </a:solidFill>
-              </a:rPr>
-              <a:t>American- style.</a:t>
+              <a:t>1 Determine the value at expiration and the profit for a put buyer under the following outcomes:</a:t>
+            </a:r>
+          </a:p>
+          <a:p>
+            <a:pPr lvl="2"/>
+            <a:r>
+              <a:rPr lang="en-US" dirty="0"/>
+              <a:t>A The price of the underlying at expiration is $62.</a:t>
+            </a:r>
+          </a:p>
+          <a:p>
+            <a:pPr lvl="2"/>
+            <a:r>
+              <a:rPr lang="en-US" dirty="0"/>
+              <a:t>B The price of the underlying at expiration is $55.</a:t>
             </a:r>
           </a:p>
           <a:p>
             <a:pPr lvl="1"/>
             <a:r>
               <a:rPr lang="en-US" dirty="0"/>
-              <a:t>Options that can be exercised only at expiration are referred to as </a:t>
-            </a:r>
-            <a:r>
-              <a:rPr lang="en-US" dirty="0">
-                <a:solidFill>
-                  <a:srgbClr val="FF0000"/>
-                </a:solidFill>
-              </a:rPr>
-              <a:t>European- style.</a:t>
-            </a:r>
-          </a:p>
-          <a:p>
-            <a:pPr lvl="1"/>
-            <a:r>
-              <a:rPr lang="en-US" dirty="0">
-                <a:solidFill>
-                  <a:schemeClr val="tx1"/>
-                </a:solidFill>
-              </a:rPr>
-              <a:t>Thus, </a:t>
-            </a:r>
-            <a:r>
-              <a:rPr lang="en-US" dirty="0">
-                <a:solidFill>
-                  <a:srgbClr val="FF0000"/>
-                </a:solidFill>
-              </a:rPr>
-              <a:t>only the short can default</a:t>
-            </a:r>
-            <a:r>
-              <a:rPr lang="en-US" dirty="0">
-                <a:solidFill>
-                  <a:schemeClr val="tx1"/>
-                </a:solidFill>
-              </a:rPr>
-              <a:t>, which would occur if the long exercises the option and the short fails to do what it is supposed to do.</a:t>
-            </a:r>
-          </a:p>
-          <a:p>
-            <a:pPr lvl="1"/>
-            <a:r>
-              <a:rPr lang="en-US" dirty="0">
-                <a:solidFill>
-                  <a:schemeClr val="tx1"/>
-                </a:solidFill>
-              </a:rPr>
-              <a:t>A put</a:t>
-            </a:r>
-            <a:r>
-              <a:rPr lang="zh-CN" altLang="en-US" dirty="0">
-                <a:solidFill>
-                  <a:schemeClr val="tx1"/>
-                </a:solidFill>
-              </a:rPr>
-              <a:t> </a:t>
-            </a:r>
-            <a:r>
-              <a:rPr lang="en-US" altLang="zh-CN" dirty="0">
-                <a:solidFill>
-                  <a:schemeClr val="tx1"/>
-                </a:solidFill>
-              </a:rPr>
-              <a:t>option is like </a:t>
-            </a:r>
-            <a:r>
-              <a:rPr lang="en-US" altLang="zh-CN" dirty="0">
-                <a:solidFill>
-                  <a:srgbClr val="FF0000"/>
-                </a:solidFill>
-              </a:rPr>
-              <a:t>insurance</a:t>
-            </a:r>
-            <a:r>
-              <a:rPr lang="en-US" altLang="zh-CN" dirty="0">
-                <a:solidFill>
-                  <a:schemeClr val="tx1"/>
-                </a:solidFill>
-              </a:rPr>
-              <a:t>.</a:t>
-            </a:r>
-          </a:p>
-          <a:p>
-            <a:pPr lvl="1"/>
-            <a:endParaRPr lang="en-US" dirty="0">
-              <a:solidFill>
-                <a:schemeClr val="tx1"/>
-              </a:solidFill>
-            </a:endParaRPr>
+              <a:t>2 Determine the value at expiration and the profit for a put seller under the following outcomes:</a:t>
+            </a:r>
+          </a:p>
+          <a:p>
+            <a:pPr lvl="2"/>
+            <a:r>
+              <a:rPr lang="en-US" dirty="0"/>
+              <a:t>A The price of the underlying at expiration is $51.</a:t>
+            </a:r>
+          </a:p>
+          <a:p>
+            <a:pPr lvl="2"/>
+            <a:r>
+              <a:rPr lang="en-US" dirty="0"/>
+              <a:t>B The price of the underlying at expiration is $68.</a:t>
+            </a:r>
           </a:p>
         </p:txBody>
       </p:sp>
     </p:spTree>
     <p:extLst>
       <p:ext uri="{BB962C8B-B14F-4D97-AF65-F5344CB8AC3E}">
-        <p14:creationId xmlns:p14="http://schemas.microsoft.com/office/powerpoint/2010/main" val="143287460"/>
+        <p14:creationId xmlns:p14="http://schemas.microsoft.com/office/powerpoint/2010/main" val="3669530994"/>
       </p:ext>
     </p:extLst>
   </p:cSld>
@@ -13051,6 +12985,207 @@
 </file>
 
 <file path=ppt/slides/slide40.xml><?xml version="1.0" encoding="utf-8"?>
+<p:sld xmlns:a="http://schemas.openxmlformats.org/drawingml/2006/main" xmlns:r="http://schemas.openxmlformats.org/officeDocument/2006/relationships" xmlns:p="http://schemas.openxmlformats.org/presentationml/2006/main">
+  <p:cSld>
+    <p:spTree>
+      <p:nvGrpSpPr>
+        <p:cNvPr id="1" name=""/>
+        <p:cNvGrpSpPr/>
+        <p:nvPr/>
+      </p:nvGrpSpPr>
+      <p:grpSpPr>
+        <a:xfrm>
+          <a:off x="0" y="0"/>
+          <a:ext cx="0" cy="0"/>
+          <a:chOff x="0" y="0"/>
+          <a:chExt cx="0" cy="0"/>
+        </a:xfrm>
+      </p:grpSpPr>
+      <p:sp>
+        <p:nvSpPr>
+          <p:cNvPr id="2" name="Title 1">
+            <a:extLst>
+              <a:ext uri="{FF2B5EF4-FFF2-40B4-BE49-F238E27FC236}">
+                <a16:creationId xmlns:a16="http://schemas.microsoft.com/office/drawing/2014/main" id="{1C2F3AE9-B402-437D-BDF5-E4639C896F9C}"/>
+              </a:ext>
+            </a:extLst>
+          </p:cNvPr>
+          <p:cNvSpPr>
+            <a:spLocks noGrp="1"/>
+          </p:cNvSpPr>
+          <p:nvPr>
+            <p:ph type="title"/>
+          </p:nvPr>
+        </p:nvSpPr>
+        <p:spPr/>
+        <p:txBody>
+          <a:bodyPr>
+            <a:normAutofit/>
+          </a:bodyPr>
+          <a:lstStyle/>
+          <a:p>
+            <a:r>
+              <a:rPr lang="en-US" sz="4000" dirty="0"/>
+              <a:t>Option Contracts</a:t>
+            </a:r>
+          </a:p>
+        </p:txBody>
+      </p:sp>
+      <p:sp>
+        <p:nvSpPr>
+          <p:cNvPr id="3" name="Content Placeholder 2">
+            <a:extLst>
+              <a:ext uri="{FF2B5EF4-FFF2-40B4-BE49-F238E27FC236}">
+                <a16:creationId xmlns:a16="http://schemas.microsoft.com/office/drawing/2014/main" id="{1F30AE57-E073-412E-AA42-A9ED1E7418BE}"/>
+              </a:ext>
+            </a:extLst>
+          </p:cNvPr>
+          <p:cNvSpPr>
+            <a:spLocks noGrp="1"/>
+          </p:cNvSpPr>
+          <p:nvPr>
+            <p:ph idx="1"/>
+          </p:nvPr>
+        </p:nvSpPr>
+        <p:spPr/>
+        <p:txBody>
+          <a:bodyPr/>
+          <a:lstStyle/>
+          <a:p>
+            <a:r>
+              <a:rPr lang="en-US" altLang="zh-CN" dirty="0"/>
+              <a:t>Characteristics</a:t>
+            </a:r>
+            <a:r>
+              <a:rPr lang="zh-CN" altLang="en-US" dirty="0"/>
+              <a:t>：</a:t>
+            </a:r>
+            <a:endParaRPr lang="en-US" dirty="0"/>
+          </a:p>
+          <a:p>
+            <a:pPr lvl="1"/>
+            <a:r>
+              <a:rPr lang="en-US" dirty="0"/>
+              <a:t>Options that can be exercised early are referred to as </a:t>
+            </a:r>
+            <a:r>
+              <a:rPr lang="en-US" dirty="0">
+                <a:solidFill>
+                  <a:srgbClr val="FF0000"/>
+                </a:solidFill>
+              </a:rPr>
+              <a:t>American- style.</a:t>
+            </a:r>
+          </a:p>
+          <a:p>
+            <a:pPr lvl="1"/>
+            <a:r>
+              <a:rPr lang="en-US" dirty="0"/>
+              <a:t>Options that can be exercised only at expiration are referred to as </a:t>
+            </a:r>
+            <a:r>
+              <a:rPr lang="en-US" dirty="0">
+                <a:solidFill>
+                  <a:srgbClr val="FF0000"/>
+                </a:solidFill>
+              </a:rPr>
+              <a:t>European- style.</a:t>
+            </a:r>
+          </a:p>
+          <a:p>
+            <a:pPr lvl="1"/>
+            <a:r>
+              <a:rPr lang="en-US" dirty="0">
+                <a:solidFill>
+                  <a:schemeClr val="tx1"/>
+                </a:solidFill>
+              </a:rPr>
+              <a:t>Thus, </a:t>
+            </a:r>
+            <a:r>
+              <a:rPr lang="en-US" dirty="0">
+                <a:solidFill>
+                  <a:srgbClr val="FF0000"/>
+                </a:solidFill>
+              </a:rPr>
+              <a:t>only the short can default</a:t>
+            </a:r>
+            <a:r>
+              <a:rPr lang="en-US" dirty="0">
+                <a:solidFill>
+                  <a:schemeClr val="tx1"/>
+                </a:solidFill>
+              </a:rPr>
+              <a:t>, which would occur if the long exercises the option and the short fails to do what it is supposed to do.</a:t>
+            </a:r>
+          </a:p>
+          <a:p>
+            <a:pPr lvl="1"/>
+            <a:r>
+              <a:rPr lang="en-US" dirty="0">
+                <a:solidFill>
+                  <a:schemeClr val="tx1"/>
+                </a:solidFill>
+              </a:rPr>
+              <a:t>A put</a:t>
+            </a:r>
+            <a:r>
+              <a:rPr lang="zh-CN" altLang="en-US" dirty="0">
+                <a:solidFill>
+                  <a:schemeClr val="tx1"/>
+                </a:solidFill>
+              </a:rPr>
+              <a:t> </a:t>
+            </a:r>
+            <a:r>
+              <a:rPr lang="en-US" altLang="zh-CN" dirty="0">
+                <a:solidFill>
+                  <a:schemeClr val="tx1"/>
+                </a:solidFill>
+              </a:rPr>
+              <a:t>option is like </a:t>
+            </a:r>
+            <a:r>
+              <a:rPr lang="en-US" altLang="zh-CN" dirty="0">
+                <a:solidFill>
+                  <a:srgbClr val="FF0000"/>
+                </a:solidFill>
+              </a:rPr>
+              <a:t>insurance</a:t>
+            </a:r>
+            <a:r>
+              <a:rPr lang="en-US" altLang="zh-CN" dirty="0">
+                <a:solidFill>
+                  <a:schemeClr val="tx1"/>
+                </a:solidFill>
+              </a:rPr>
+              <a:t>.</a:t>
+            </a:r>
+          </a:p>
+          <a:p>
+            <a:pPr lvl="1"/>
+            <a:endParaRPr lang="en-US" dirty="0">
+              <a:solidFill>
+                <a:schemeClr val="tx1"/>
+              </a:solidFill>
+            </a:endParaRPr>
+          </a:p>
+        </p:txBody>
+      </p:sp>
+    </p:spTree>
+    <p:extLst>
+      <p:ext uri="{BB962C8B-B14F-4D97-AF65-F5344CB8AC3E}">
+        <p14:creationId xmlns:p14="http://schemas.microsoft.com/office/powerpoint/2010/main" val="143287460"/>
+      </p:ext>
+    </p:extLst>
+  </p:cSld>
+  <p:clrMapOvr>
+    <a:masterClrMapping/>
+  </p:clrMapOvr>
+</p:sld>
+</file>
+
+<file path=ppt/slides/slide41.xml><?xml version="1.0" encoding="utf-8"?>
 <p:sld xmlns:a="http://schemas.openxmlformats.org/drawingml/2006/main" xmlns:r="http://schemas.openxmlformats.org/officeDocument/2006/relationships" xmlns:p="http://schemas.openxmlformats.org/presentationml/2006/main">
   <p:cSld>
     <p:spTree>
@@ -13500,152 +13635,6 @@
 </p:sld>
 </file>
 
-<file path=ppt/slides/slide41.xml><?xml version="1.0" encoding="utf-8"?>
-<p:sld xmlns:a="http://schemas.openxmlformats.org/drawingml/2006/main" xmlns:r="http://schemas.openxmlformats.org/officeDocument/2006/relationships" xmlns:p="http://schemas.openxmlformats.org/presentationml/2006/main">
-  <p:cSld>
-    <p:spTree>
-      <p:nvGrpSpPr>
-        <p:cNvPr id="1" name=""/>
-        <p:cNvGrpSpPr/>
-        <p:nvPr/>
-      </p:nvGrpSpPr>
-      <p:grpSpPr>
-        <a:xfrm>
-          <a:off x="0" y="0"/>
-          <a:ext cx="0" cy="0"/>
-          <a:chOff x="0" y="0"/>
-          <a:chExt cx="0" cy="0"/>
-        </a:xfrm>
-      </p:grpSpPr>
-      <p:sp>
-        <p:nvSpPr>
-          <p:cNvPr id="2" name="Title 1">
-            <a:extLst>
-              <a:ext uri="{FF2B5EF4-FFF2-40B4-BE49-F238E27FC236}">
-                <a16:creationId xmlns:a16="http://schemas.microsoft.com/office/drawing/2014/main" id="{A3BB96AB-1005-48C4-8495-D9268F80EAD9}"/>
-              </a:ext>
-            </a:extLst>
-          </p:cNvPr>
-          <p:cNvSpPr>
-            <a:spLocks noGrp="1"/>
-          </p:cNvSpPr>
-          <p:nvPr>
-            <p:ph type="title"/>
-          </p:nvPr>
-        </p:nvSpPr>
-        <p:spPr/>
-        <p:txBody>
-          <a:bodyPr>
-            <a:normAutofit/>
-          </a:bodyPr>
-          <a:lstStyle/>
-          <a:p>
-            <a:r>
-              <a:rPr lang="en-US" sz="4000" dirty="0"/>
-              <a:t>Practices</a:t>
-            </a:r>
-          </a:p>
-        </p:txBody>
-      </p:sp>
-      <p:sp>
-        <p:nvSpPr>
-          <p:cNvPr id="3" name="Content Placeholder 2">
-            <a:extLst>
-              <a:ext uri="{FF2B5EF4-FFF2-40B4-BE49-F238E27FC236}">
-                <a16:creationId xmlns:a16="http://schemas.microsoft.com/office/drawing/2014/main" id="{74011303-55EE-4922-82A1-052AEDDE02C8}"/>
-              </a:ext>
-            </a:extLst>
-          </p:cNvPr>
-          <p:cNvSpPr>
-            <a:spLocks noGrp="1"/>
-          </p:cNvSpPr>
-          <p:nvPr>
-            <p:ph idx="1"/>
-          </p:nvPr>
-        </p:nvSpPr>
-        <p:spPr/>
-        <p:txBody>
-          <a:bodyPr>
-            <a:noAutofit/>
-          </a:bodyPr>
-          <a:lstStyle/>
-          <a:p>
-            <a:r>
-              <a:rPr lang="en-US" sz="2000" dirty="0"/>
-              <a:t>1.An option provides which of the following?</a:t>
-            </a:r>
-          </a:p>
-          <a:p>
-            <a:pPr lvl="1"/>
-            <a:r>
-              <a:rPr lang="en-US" sz="2000" dirty="0"/>
-              <a:t>A Either the right to buy or the right to sell an underlying</a:t>
-            </a:r>
-          </a:p>
-          <a:p>
-            <a:pPr lvl="1"/>
-            <a:r>
-              <a:rPr lang="en-US" sz="2000" dirty="0"/>
-              <a:t>B The right to buy and sell, with the choice made at expiration</a:t>
-            </a:r>
-          </a:p>
-          <a:p>
-            <a:pPr lvl="1"/>
-            <a:r>
-              <a:rPr lang="en-US" sz="2000" dirty="0"/>
-              <a:t>C The obligation to buy or sell, which can be converted into the right to buy or sell</a:t>
-            </a:r>
-          </a:p>
-          <a:p>
-            <a:r>
-              <a:rPr lang="en-US" sz="2000" dirty="0"/>
-              <a:t>2.Which of the following is not a characteristic of a call option on a stock?</a:t>
-            </a:r>
-          </a:p>
-          <a:p>
-            <a:pPr lvl="1"/>
-            <a:r>
-              <a:rPr lang="en-US" sz="2000" dirty="0"/>
-              <a:t>A </a:t>
-            </a:r>
-            <a:r>
-              <a:rPr lang="en-US" sz="2000" dirty="0" err="1"/>
-              <a:t>A</a:t>
-            </a:r>
-            <a:r>
-              <a:rPr lang="en-US" sz="2000" dirty="0"/>
-              <a:t> guarantee that the stock will increase</a:t>
-            </a:r>
-          </a:p>
-          <a:p>
-            <a:pPr lvl="1"/>
-            <a:r>
-              <a:rPr lang="en-US" sz="2000" dirty="0"/>
-              <a:t>B A specified date on which the right to buy expires</a:t>
-            </a:r>
-          </a:p>
-          <a:p>
-            <a:pPr lvl="1"/>
-            <a:r>
-              <a:rPr lang="en-US" sz="2000" dirty="0"/>
-              <a:t>C A fixed price at which the call holder can buy the stock</a:t>
-            </a:r>
-          </a:p>
-        </p:txBody>
-      </p:sp>
-    </p:spTree>
-    <p:extLst>
-      <p:ext uri="{BB962C8B-B14F-4D97-AF65-F5344CB8AC3E}">
-        <p14:creationId xmlns:p14="http://schemas.microsoft.com/office/powerpoint/2010/main" val="3225362099"/>
-      </p:ext>
-    </p:extLst>
-  </p:cSld>
-  <p:clrMapOvr>
-    <a:masterClrMapping/>
-  </p:clrMapOvr>
-</p:sld>
-</file>
-
 <file path=ppt/slides/slide42.xml><?xml version="1.0" encoding="utf-8"?>
 <p:sld xmlns:a="http://schemas.openxmlformats.org/drawingml/2006/main" xmlns:r="http://schemas.openxmlformats.org/officeDocument/2006/relationships" xmlns:p="http://schemas.openxmlformats.org/presentationml/2006/main">
   <p:cSld>
@@ -13668,7 +13657,7 @@
           <p:cNvPr id="2" name="Title 1">
             <a:extLst>
               <a:ext uri="{FF2B5EF4-FFF2-40B4-BE49-F238E27FC236}">
-                <a16:creationId xmlns:a16="http://schemas.microsoft.com/office/drawing/2014/main" id="{3B6DC5E5-B49D-4096-80C1-B8052495A474}"/>
+                <a16:creationId xmlns:a16="http://schemas.microsoft.com/office/drawing/2014/main" id="{A3BB96AB-1005-48C4-8495-D9268F80EAD9}"/>
               </a:ext>
             </a:extLst>
           </p:cNvPr>
@@ -13682,21 +13671,14 @@
         <p:spPr/>
         <p:txBody>
           <a:bodyPr>
-            <a:normAutofit fontScale="90000"/>
+            <a:normAutofit/>
           </a:bodyPr>
           <a:lstStyle/>
           <a:p>
             <a:r>
-              <a:rPr lang="en-US" sz="4400" dirty="0"/>
-              <a:t>Credit Derivatives</a:t>
-            </a:r>
-            <a:br>
               <a:rPr lang="en-US" sz="4000" dirty="0"/>
-            </a:br>
-            <a:br>
-              <a:rPr lang="en-US" sz="4000" dirty="0"/>
-            </a:br>
-            <a:endParaRPr lang="en-US" sz="4000" dirty="0"/>
+              <a:t>Practices</a:t>
+            </a:r>
           </a:p>
         </p:txBody>
       </p:sp>
@@ -13705,7 +13687,7 @@
           <p:cNvPr id="3" name="Content Placeholder 2">
             <a:extLst>
               <a:ext uri="{FF2B5EF4-FFF2-40B4-BE49-F238E27FC236}">
-                <a16:creationId xmlns:a16="http://schemas.microsoft.com/office/drawing/2014/main" id="{831B6362-3303-4415-9D10-C4E0904D67AF}"/>
+                <a16:creationId xmlns:a16="http://schemas.microsoft.com/office/drawing/2014/main" id="{74011303-55EE-4922-82A1-052AEDDE02C8}"/>
               </a:ext>
             </a:extLst>
           </p:cNvPr>
@@ -13718,85 +13700,78 @@
         </p:nvSpPr>
         <p:spPr/>
         <p:txBody>
-          <a:bodyPr/>
-          <a:lstStyle/>
-          <a:p>
-            <a:r>
-              <a:rPr lang="en-US" sz="2800" dirty="0"/>
-              <a:t>Forward commitments</a:t>
+          <a:bodyPr>
+            <a:noAutofit/>
+          </a:bodyPr>
+          <a:lstStyle/>
+          <a:p>
+            <a:r>
+              <a:rPr lang="en-US" sz="2000" dirty="0"/>
+              <a:t>1.An option provides which of the following?</a:t>
             </a:r>
           </a:p>
           <a:p>
             <a:pPr lvl="1"/>
             <a:r>
-              <a:rPr lang="en-US" sz="2800" dirty="0">
-                <a:solidFill>
-                  <a:schemeClr val="tx1"/>
-                </a:solidFill>
-              </a:rPr>
-              <a:t>Forward</a:t>
+              <a:rPr lang="en-US" sz="2000" dirty="0"/>
+              <a:t>A Either the right to buy or the right to sell an underlying</a:t>
             </a:r>
           </a:p>
           <a:p>
             <a:pPr lvl="1"/>
             <a:r>
-              <a:rPr lang="en-US" sz="2800" dirty="0">
-                <a:solidFill>
-                  <a:schemeClr val="tx1"/>
-                </a:solidFill>
-              </a:rPr>
-              <a:t>Futures</a:t>
+              <a:rPr lang="en-US" sz="2000" dirty="0"/>
+              <a:t>B The right to buy and sell, with the choice made at expiration</a:t>
             </a:r>
           </a:p>
           <a:p>
             <a:pPr lvl="1"/>
             <a:r>
-              <a:rPr lang="en-US" sz="2800" dirty="0">
-                <a:solidFill>
-                  <a:schemeClr val="tx1"/>
-                </a:solidFill>
-              </a:rPr>
-              <a:t>Swap</a:t>
-            </a:r>
-          </a:p>
-          <a:p>
-            <a:r>
-              <a:rPr lang="en-US" sz="2800" dirty="0"/>
-              <a:t>Contingent claims</a:t>
+              <a:rPr lang="en-US" sz="2000" dirty="0"/>
+              <a:t>C The obligation to buy or sell, which can be converted into the right to buy or sell</a:t>
+            </a:r>
+          </a:p>
+          <a:p>
+            <a:r>
+              <a:rPr lang="en-US" sz="2000" dirty="0"/>
+              <a:t>2.Which of the following is not a characteristic of a call option on a stock?</a:t>
             </a:r>
           </a:p>
           <a:p>
             <a:pPr lvl="1"/>
             <a:r>
-              <a:rPr lang="en-US" sz="2800" dirty="0">
-                <a:solidFill>
-                  <a:schemeClr val="tx1"/>
-                </a:solidFill>
-              </a:rPr>
-              <a:t>Option</a:t>
+              <a:rPr lang="en-US" sz="2000" dirty="0"/>
+              <a:t>A </a:t>
+            </a:r>
+            <a:r>
+              <a:rPr lang="en-US" sz="2000" dirty="0" err="1"/>
+              <a:t>A</a:t>
+            </a:r>
+            <a:r>
+              <a:rPr lang="en-US" sz="2000" dirty="0"/>
+              <a:t> guarantee that the stock will increase</a:t>
             </a:r>
           </a:p>
           <a:p>
             <a:pPr lvl="1"/>
             <a:r>
-              <a:rPr lang="en-US" sz="2800" u="sng" dirty="0">
-                <a:solidFill>
-                  <a:srgbClr val="FF0000"/>
-                </a:solidFill>
-              </a:rPr>
-              <a:t>Credit Derivatives</a:t>
+              <a:rPr lang="en-US" sz="2000" dirty="0"/>
+              <a:t>B A specified date on which the right to buy expires</a:t>
             </a:r>
           </a:p>
           <a:p>
             <a:pPr lvl="1"/>
-            <a:endParaRPr lang="en-US" dirty="0"/>
+            <a:r>
+              <a:rPr lang="en-US" sz="2000" dirty="0"/>
+              <a:t>C A fixed price at which the call holder can buy the stock</a:t>
+            </a:r>
           </a:p>
         </p:txBody>
       </p:sp>
     </p:spTree>
     <p:extLst>
       <p:ext uri="{BB962C8B-B14F-4D97-AF65-F5344CB8AC3E}">
-        <p14:creationId xmlns:p14="http://schemas.microsoft.com/office/powerpoint/2010/main" val="2303669535"/>
+        <p14:creationId xmlns:p14="http://schemas.microsoft.com/office/powerpoint/2010/main" val="3225362099"/>
       </p:ext>
     </p:extLst>
   </p:cSld>
@@ -13828,7 +13803,7 @@
           <p:cNvPr id="2" name="Title 1">
             <a:extLst>
               <a:ext uri="{FF2B5EF4-FFF2-40B4-BE49-F238E27FC236}">
-                <a16:creationId xmlns:a16="http://schemas.microsoft.com/office/drawing/2014/main" id="{20DB8FC4-573F-4A09-AE2A-04D0353ECBFD}"/>
+                <a16:creationId xmlns:a16="http://schemas.microsoft.com/office/drawing/2014/main" id="{3B6DC5E5-B49D-4096-80C1-B8052495A474}"/>
               </a:ext>
             </a:extLst>
           </p:cNvPr>
@@ -13842,14 +13817,21 @@
         <p:spPr/>
         <p:txBody>
           <a:bodyPr>
-            <a:normAutofit/>
+            <a:normAutofit fontScale="90000"/>
           </a:bodyPr>
           <a:lstStyle/>
           <a:p>
             <a:r>
+              <a:rPr lang="en-US" sz="4400" dirty="0"/>
+              <a:t>Credit Derivatives</a:t>
+            </a:r>
+            <a:br>
               <a:rPr lang="en-US" sz="4000" dirty="0"/>
-              <a:t>Credit Derivatives</a:t>
-            </a:r>
+            </a:br>
+            <a:br>
+              <a:rPr lang="en-US" sz="4000" dirty="0"/>
+            </a:br>
+            <a:endParaRPr lang="en-US" sz="4000" dirty="0"/>
           </a:p>
         </p:txBody>
       </p:sp>
@@ -13858,7 +13840,7 @@
           <p:cNvPr id="3" name="Content Placeholder 2">
             <a:extLst>
               <a:ext uri="{FF2B5EF4-FFF2-40B4-BE49-F238E27FC236}">
-                <a16:creationId xmlns:a16="http://schemas.microsoft.com/office/drawing/2014/main" id="{2F42ACB6-E17F-425E-ACDC-30219AB1355F}"/>
+                <a16:creationId xmlns:a16="http://schemas.microsoft.com/office/drawing/2014/main" id="{831B6362-3303-4415-9D10-C4E0904D67AF}"/>
               </a:ext>
             </a:extLst>
           </p:cNvPr>
@@ -13875,53 +13857,73 @@
           <a:lstStyle/>
           <a:p>
             <a:r>
-              <a:rPr lang="en-US" sz="2400" dirty="0"/>
-              <a:t>Definition : A credit derivative is a class of derivative contracts between two parties, a credit protection buyer and a credit protection seller, in which the latter provides protection to the former against a specific credit loss.</a:t>
-            </a:r>
-          </a:p>
-          <a:p>
-            <a:r>
-              <a:rPr lang="en-US" sz="2400" dirty="0"/>
-              <a:t>Buyer:</a:t>
-            </a:r>
-            <a:r>
-              <a:rPr lang="zh-CN" altLang="en-US" sz="2400" dirty="0"/>
-              <a:t>面临信用风险，买入信用保护</a:t>
-            </a:r>
-            <a:endParaRPr lang="en-US" altLang="zh-CN" sz="2400" dirty="0"/>
+              <a:rPr lang="en-US" sz="2800" dirty="0"/>
+              <a:t>Forward commitments</a:t>
+            </a:r>
           </a:p>
           <a:p>
             <a:pPr lvl="1"/>
             <a:r>
-              <a:rPr lang="zh-CN" altLang="en-US" sz="2200" dirty="0"/>
-              <a:t>债券持有人，发放贷款机构</a:t>
-            </a:r>
-            <a:endParaRPr lang="en-US" altLang="zh-CN" sz="2200" dirty="0"/>
-          </a:p>
-          <a:p>
-            <a:r>
-              <a:rPr lang="en-US" sz="2400" dirty="0"/>
-              <a:t>S</a:t>
-            </a:r>
-            <a:r>
-              <a:rPr lang="en-US" altLang="zh-CN" sz="2400" dirty="0"/>
-              <a:t>eller:</a:t>
-            </a:r>
-            <a:r>
-              <a:rPr lang="zh-CN" altLang="en-US" sz="2400" dirty="0"/>
-              <a:t>卖出信用保护</a:t>
-            </a:r>
-            <a:endParaRPr lang="en-US" altLang="zh-CN" sz="2400" dirty="0"/>
+              <a:rPr lang="en-US" sz="2800" dirty="0">
+                <a:solidFill>
+                  <a:schemeClr val="tx1"/>
+                </a:solidFill>
+              </a:rPr>
+              <a:t>Forward</a:t>
+            </a:r>
           </a:p>
           <a:p>
             <a:pPr lvl="1"/>
             <a:r>
-              <a:rPr lang="zh-CN" altLang="en-US" sz="2200" dirty="0"/>
-              <a:t>各类金融机构（保险公司，券商，投资银行）</a:t>
-            </a:r>
-            <a:endParaRPr lang="en-US" sz="2200" dirty="0"/>
-          </a:p>
-          <a:p>
+              <a:rPr lang="en-US" sz="2800" dirty="0">
+                <a:solidFill>
+                  <a:schemeClr val="tx1"/>
+                </a:solidFill>
+              </a:rPr>
+              <a:t>Futures</a:t>
+            </a:r>
+          </a:p>
+          <a:p>
+            <a:pPr lvl="1"/>
+            <a:r>
+              <a:rPr lang="en-US" sz="2800" dirty="0">
+                <a:solidFill>
+                  <a:schemeClr val="tx1"/>
+                </a:solidFill>
+              </a:rPr>
+              <a:t>Swap</a:t>
+            </a:r>
+          </a:p>
+          <a:p>
+            <a:r>
+              <a:rPr lang="en-US" sz="2800" dirty="0"/>
+              <a:t>Contingent claims</a:t>
+            </a:r>
+          </a:p>
+          <a:p>
+            <a:pPr lvl="1"/>
+            <a:r>
+              <a:rPr lang="en-US" sz="2800" dirty="0">
+                <a:solidFill>
+                  <a:schemeClr val="tx1"/>
+                </a:solidFill>
+              </a:rPr>
+              <a:t>Option</a:t>
+            </a:r>
+          </a:p>
+          <a:p>
+            <a:pPr lvl="1"/>
+            <a:r>
+              <a:rPr lang="en-US" sz="2800" u="sng" dirty="0">
+                <a:solidFill>
+                  <a:srgbClr val="FF0000"/>
+                </a:solidFill>
+              </a:rPr>
+              <a:t>Credit Derivatives</a:t>
+            </a:r>
+          </a:p>
+          <a:p>
+            <a:pPr lvl="1"/>
             <a:endParaRPr lang="en-US" dirty="0"/>
           </a:p>
         </p:txBody>
@@ -13929,7 +13931,7 @@
     </p:spTree>
     <p:extLst>
       <p:ext uri="{BB962C8B-B14F-4D97-AF65-F5344CB8AC3E}">
-        <p14:creationId xmlns:p14="http://schemas.microsoft.com/office/powerpoint/2010/main" val="1165323640"/>
+        <p14:creationId xmlns:p14="http://schemas.microsoft.com/office/powerpoint/2010/main" val="2303669535"/>
       </p:ext>
     </p:extLst>
   </p:cSld>
@@ -13961,7 +13963,7 @@
           <p:cNvPr id="2" name="Title 1">
             <a:extLst>
               <a:ext uri="{FF2B5EF4-FFF2-40B4-BE49-F238E27FC236}">
-                <a16:creationId xmlns:a16="http://schemas.microsoft.com/office/drawing/2014/main" id="{3F303233-1831-4E4A-9324-5AA1E3371CBF}"/>
+                <a16:creationId xmlns:a16="http://schemas.microsoft.com/office/drawing/2014/main" id="{20DB8FC4-573F-4A09-AE2A-04D0353ECBFD}"/>
               </a:ext>
             </a:extLst>
           </p:cNvPr>
@@ -13991,7 +13993,7 @@
           <p:cNvPr id="3" name="Content Placeholder 2">
             <a:extLst>
               <a:ext uri="{FF2B5EF4-FFF2-40B4-BE49-F238E27FC236}">
-                <a16:creationId xmlns:a16="http://schemas.microsoft.com/office/drawing/2014/main" id="{A91A19E5-F393-4382-B424-ABF09382E331}"/>
+                <a16:creationId xmlns:a16="http://schemas.microsoft.com/office/drawing/2014/main" id="{2F42ACB6-E17F-425E-ACDC-30219AB1355F}"/>
               </a:ext>
             </a:extLst>
           </p:cNvPr>
@@ -14004,22 +14006,65 @@
         </p:nvSpPr>
         <p:spPr/>
         <p:txBody>
-          <a:bodyPr>
-            <a:normAutofit/>
-          </a:bodyPr>
-          <a:lstStyle/>
-          <a:p>
-            <a:r>
-              <a:rPr lang="en-US" sz="2000" dirty="0"/>
-              <a:t>Total return swap</a:t>
-            </a:r>
+          <a:bodyPr/>
+          <a:lstStyle/>
+          <a:p>
+            <a:r>
+              <a:rPr lang="en-US" sz="2400" dirty="0"/>
+              <a:t>Definition : A credit derivative is a class of derivative contracts between two parties, a credit protection buyer and a credit protection seller, in which the latter provides protection to the former against a specific credit loss.</a:t>
+            </a:r>
+          </a:p>
+          <a:p>
+            <a:r>
+              <a:rPr lang="en-US" sz="2400" dirty="0"/>
+              <a:t>Buyer:</a:t>
+            </a:r>
+            <a:r>
+              <a:rPr lang="zh-CN" altLang="en-US" sz="2400" dirty="0"/>
+              <a:t>面临信用风险，买入信用保护</a:t>
+            </a:r>
+            <a:endParaRPr lang="en-US" altLang="zh-CN" sz="2400" dirty="0"/>
+          </a:p>
+          <a:p>
+            <a:pPr lvl="1"/>
+            <a:r>
+              <a:rPr lang="zh-CN" altLang="en-US" sz="2200" dirty="0"/>
+              <a:t>债券持有人，发放贷款机构</a:t>
+            </a:r>
+            <a:endParaRPr lang="en-US" altLang="zh-CN" sz="2200" dirty="0"/>
+          </a:p>
+          <a:p>
+            <a:r>
+              <a:rPr lang="en-US" sz="2400" dirty="0"/>
+              <a:t>S</a:t>
+            </a:r>
+            <a:r>
+              <a:rPr lang="en-US" altLang="zh-CN" sz="2400" dirty="0"/>
+              <a:t>eller:</a:t>
+            </a:r>
+            <a:r>
+              <a:rPr lang="zh-CN" altLang="en-US" sz="2400" dirty="0"/>
+              <a:t>卖出信用保护</a:t>
+            </a:r>
+            <a:endParaRPr lang="en-US" altLang="zh-CN" sz="2400" dirty="0"/>
+          </a:p>
+          <a:p>
+            <a:pPr lvl="1"/>
+            <a:r>
+              <a:rPr lang="zh-CN" altLang="en-US" sz="2200" dirty="0"/>
+              <a:t>各类金融机构（保险公司，券商，投资银行）</a:t>
+            </a:r>
+            <a:endParaRPr lang="en-US" sz="2200" dirty="0"/>
+          </a:p>
+          <a:p>
+            <a:endParaRPr lang="en-US" dirty="0"/>
           </a:p>
         </p:txBody>
       </p:sp>
     </p:spTree>
     <p:extLst>
       <p:ext uri="{BB962C8B-B14F-4D97-AF65-F5344CB8AC3E}">
-        <p14:creationId xmlns:p14="http://schemas.microsoft.com/office/powerpoint/2010/main" val="3215247430"/>
+        <p14:creationId xmlns:p14="http://schemas.microsoft.com/office/powerpoint/2010/main" val="1165323640"/>
       </p:ext>
     </p:extLst>
   </p:cSld>
@@ -14051,7 +14096,7 @@
           <p:cNvPr id="2" name="Title 1">
             <a:extLst>
               <a:ext uri="{FF2B5EF4-FFF2-40B4-BE49-F238E27FC236}">
-                <a16:creationId xmlns:a16="http://schemas.microsoft.com/office/drawing/2014/main" id="{C7BDF7C6-BD38-4D2C-B7EC-F25AB1968614}"/>
+                <a16:creationId xmlns:a16="http://schemas.microsoft.com/office/drawing/2014/main" id="{3F303233-1831-4E4A-9324-5AA1E3371CBF}"/>
               </a:ext>
             </a:extLst>
           </p:cNvPr>
@@ -14081,7 +14126,7 @@
           <p:cNvPr id="3" name="Content Placeholder 2">
             <a:extLst>
               <a:ext uri="{FF2B5EF4-FFF2-40B4-BE49-F238E27FC236}">
-                <a16:creationId xmlns:a16="http://schemas.microsoft.com/office/drawing/2014/main" id="{AC997BD0-8E21-4394-A39E-48A459D507C9}"/>
+                <a16:creationId xmlns:a16="http://schemas.microsoft.com/office/drawing/2014/main" id="{A91A19E5-F393-4382-B424-ABF09382E331}"/>
               </a:ext>
             </a:extLst>
           </p:cNvPr>
@@ -14094,12 +14139,14 @@
         </p:nvSpPr>
         <p:spPr/>
         <p:txBody>
-          <a:bodyPr/>
-          <a:lstStyle/>
-          <a:p>
-            <a:r>
-              <a:rPr lang="en-US" dirty="0"/>
-              <a:t>Credit spread option</a:t>
+          <a:bodyPr>
+            <a:normAutofit/>
+          </a:bodyPr>
+          <a:lstStyle/>
+          <a:p>
+            <a:r>
+              <a:rPr lang="en-US" sz="2000" dirty="0"/>
+              <a:t>Total return swap</a:t>
             </a:r>
           </a:p>
         </p:txBody>
@@ -14107,7 +14154,7 @@
     </p:spTree>
     <p:extLst>
       <p:ext uri="{BB962C8B-B14F-4D97-AF65-F5344CB8AC3E}">
-        <p14:creationId xmlns:p14="http://schemas.microsoft.com/office/powerpoint/2010/main" val="3451422982"/>
+        <p14:creationId xmlns:p14="http://schemas.microsoft.com/office/powerpoint/2010/main" val="3215247430"/>
       </p:ext>
     </p:extLst>
   </p:cSld>
@@ -14139,7 +14186,7 @@
           <p:cNvPr id="2" name="Title 1">
             <a:extLst>
               <a:ext uri="{FF2B5EF4-FFF2-40B4-BE49-F238E27FC236}">
-                <a16:creationId xmlns:a16="http://schemas.microsoft.com/office/drawing/2014/main" id="{8D8186E0-E7FD-4A7D-B919-475DD13A49EB}"/>
+                <a16:creationId xmlns:a16="http://schemas.microsoft.com/office/drawing/2014/main" id="{C7BDF7C6-BD38-4D2C-B7EC-F25AB1968614}"/>
               </a:ext>
             </a:extLst>
           </p:cNvPr>
@@ -14169,7 +14216,7 @@
           <p:cNvPr id="3" name="Content Placeholder 2">
             <a:extLst>
               <a:ext uri="{FF2B5EF4-FFF2-40B4-BE49-F238E27FC236}">
-                <a16:creationId xmlns:a16="http://schemas.microsoft.com/office/drawing/2014/main" id="{15154901-95EA-4DC2-9E6E-FCDA862CAF3D}"/>
+                <a16:creationId xmlns:a16="http://schemas.microsoft.com/office/drawing/2014/main" id="{AC997BD0-8E21-4394-A39E-48A459D507C9}"/>
               </a:ext>
             </a:extLst>
           </p:cNvPr>
@@ -14187,18 +14234,15 @@
           <a:p>
             <a:r>
               <a:rPr lang="en-US" dirty="0"/>
-              <a:t>Credit-linked note</a:t>
-            </a:r>
-          </a:p>
-          <a:p>
-            <a:endParaRPr lang="en-US" dirty="0"/>
+              <a:t>Credit spread option</a:t>
+            </a:r>
           </a:p>
         </p:txBody>
       </p:sp>
     </p:spTree>
     <p:extLst>
       <p:ext uri="{BB962C8B-B14F-4D97-AF65-F5344CB8AC3E}">
-        <p14:creationId xmlns:p14="http://schemas.microsoft.com/office/powerpoint/2010/main" val="3182849461"/>
+        <p14:creationId xmlns:p14="http://schemas.microsoft.com/office/powerpoint/2010/main" val="3451422982"/>
       </p:ext>
     </p:extLst>
   </p:cSld>
@@ -14230,7 +14274,7 @@
           <p:cNvPr id="2" name="Title 1">
             <a:extLst>
               <a:ext uri="{FF2B5EF4-FFF2-40B4-BE49-F238E27FC236}">
-                <a16:creationId xmlns:a16="http://schemas.microsoft.com/office/drawing/2014/main" id="{69B941C4-F4EB-4AB8-A2D4-65FAA0965D49}"/>
+                <a16:creationId xmlns:a16="http://schemas.microsoft.com/office/drawing/2014/main" id="{8D8186E0-E7FD-4A7D-B919-475DD13A49EB}"/>
               </a:ext>
             </a:extLst>
           </p:cNvPr>
@@ -14260,7 +14304,7 @@
           <p:cNvPr id="3" name="Content Placeholder 2">
             <a:extLst>
               <a:ext uri="{FF2B5EF4-FFF2-40B4-BE49-F238E27FC236}">
-                <a16:creationId xmlns:a16="http://schemas.microsoft.com/office/drawing/2014/main" id="{AC53C532-7B6F-400E-82FA-85CD5B6B07C2}"/>
+                <a16:creationId xmlns:a16="http://schemas.microsoft.com/office/drawing/2014/main" id="{15154901-95EA-4DC2-9E6E-FCDA862CAF3D}"/>
               </a:ext>
             </a:extLst>
           </p:cNvPr>
@@ -14278,15 +14322,18 @@
           <a:p>
             <a:r>
               <a:rPr lang="en-US" dirty="0"/>
-              <a:t>Definition: a credit default swap is a derivative contract between two parties, a credit protection buyer and a credit protection seller, in which the buyer makes a series of cash payments to the seller and receives a promise of compensation for credit losses resulting from the default of a third party.</a:t>
-            </a:r>
+              <a:t>Credit-linked note</a:t>
+            </a:r>
+          </a:p>
+          <a:p>
+            <a:endParaRPr lang="en-US" dirty="0"/>
           </a:p>
         </p:txBody>
       </p:sp>
     </p:spTree>
     <p:extLst>
       <p:ext uri="{BB962C8B-B14F-4D97-AF65-F5344CB8AC3E}">
-        <p14:creationId xmlns:p14="http://schemas.microsoft.com/office/powerpoint/2010/main" val="1905216839"/>
+        <p14:creationId xmlns:p14="http://schemas.microsoft.com/office/powerpoint/2010/main" val="3182849461"/>
       </p:ext>
     </p:extLst>
   </p:cSld>
@@ -14318,7 +14365,7 @@
           <p:cNvPr id="2" name="Title 1">
             <a:extLst>
               <a:ext uri="{FF2B5EF4-FFF2-40B4-BE49-F238E27FC236}">
-                <a16:creationId xmlns:a16="http://schemas.microsoft.com/office/drawing/2014/main" id="{4039CD17-9A3C-4BCC-8D8D-05DBDDF34751}"/>
+                <a16:creationId xmlns:a16="http://schemas.microsoft.com/office/drawing/2014/main" id="{69B941C4-F4EB-4AB8-A2D4-65FAA0965D49}"/>
               </a:ext>
             </a:extLst>
           </p:cNvPr>
@@ -14343,39 +14390,38 @@
           </a:p>
         </p:txBody>
       </p:sp>
-      <p:pic>
-        <p:nvPicPr>
-          <p:cNvPr id="5" name="Content Placeholder 4">
+      <p:sp>
+        <p:nvSpPr>
+          <p:cNvPr id="3" name="Content Placeholder 2">
             <a:extLst>
               <a:ext uri="{FF2B5EF4-FFF2-40B4-BE49-F238E27FC236}">
-                <a16:creationId xmlns:a16="http://schemas.microsoft.com/office/drawing/2014/main" id="{B73F318B-866D-49F8-9A3B-3DC781EFCB6F}"/>
+                <a16:creationId xmlns:a16="http://schemas.microsoft.com/office/drawing/2014/main" id="{AC53C532-7B6F-400E-82FA-85CD5B6B07C2}"/>
               </a:ext>
             </a:extLst>
           </p:cNvPr>
-          <p:cNvPicPr>
-            <a:picLocks noGrp="1" noChangeAspect="1"/>
-          </p:cNvPicPr>
+          <p:cNvSpPr>
+            <a:spLocks noGrp="1"/>
+          </p:cNvSpPr>
           <p:nvPr>
             <p:ph idx="1"/>
           </p:nvPr>
-        </p:nvPicPr>
-        <p:blipFill>
-          <a:blip r:embed="rId2"/>
-          <a:stretch>
-            <a:fillRect/>
-          </a:stretch>
-        </p:blipFill>
-        <p:spPr>
-          <a:xfrm>
-            <a:off x="560530" y="2081047"/>
-            <a:ext cx="8596668" cy="3933311"/>
-          </a:xfrm>
-        </p:spPr>
-      </p:pic>
+        </p:nvSpPr>
+        <p:spPr/>
+        <p:txBody>
+          <a:bodyPr/>
+          <a:lstStyle/>
+          <a:p>
+            <a:r>
+              <a:rPr lang="en-US" dirty="0"/>
+              <a:t>Definition: a credit default swap is a derivative contract between two parties, a credit protection buyer and a credit protection seller, in which the buyer makes a series of cash payments to the seller and receives a promise of compensation for credit losses resulting from the default of a third party.</a:t>
+            </a:r>
+          </a:p>
+        </p:txBody>
+      </p:sp>
     </p:spTree>
     <p:extLst>
       <p:ext uri="{BB962C8B-B14F-4D97-AF65-F5344CB8AC3E}">
-        <p14:creationId xmlns:p14="http://schemas.microsoft.com/office/powerpoint/2010/main" val="2313806758"/>
+        <p14:creationId xmlns:p14="http://schemas.microsoft.com/office/powerpoint/2010/main" val="1905216839"/>
       </p:ext>
     </p:extLst>
   </p:cSld>
@@ -14407,7 +14453,7 @@
           <p:cNvPr id="2" name="Title 1">
             <a:extLst>
               <a:ext uri="{FF2B5EF4-FFF2-40B4-BE49-F238E27FC236}">
-                <a16:creationId xmlns:a16="http://schemas.microsoft.com/office/drawing/2014/main" id="{348BD349-FAD8-4678-AFB4-B1E5307D6EA4}"/>
+                <a16:creationId xmlns:a16="http://schemas.microsoft.com/office/drawing/2014/main" id="{4039CD17-9A3C-4BCC-8D8D-05DBDDF34751}"/>
               </a:ext>
             </a:extLst>
           </p:cNvPr>
@@ -14427,74 +14473,44 @@
           <a:p>
             <a:r>
               <a:rPr lang="en-US" sz="4000" dirty="0"/>
-              <a:t>Practices</a:t>
-            </a:r>
-          </a:p>
-        </p:txBody>
-      </p:sp>
-      <p:sp>
-        <p:nvSpPr>
-          <p:cNvPr id="3" name="Content Placeholder 2">
+              <a:t>Credit Derivatives</a:t>
+            </a:r>
+          </a:p>
+        </p:txBody>
+      </p:sp>
+      <p:pic>
+        <p:nvPicPr>
+          <p:cNvPr id="5" name="Content Placeholder 4">
             <a:extLst>
               <a:ext uri="{FF2B5EF4-FFF2-40B4-BE49-F238E27FC236}">
-                <a16:creationId xmlns:a16="http://schemas.microsoft.com/office/drawing/2014/main" id="{E3B67373-BC90-4BC9-B82C-C102723A443D}"/>
+                <a16:creationId xmlns:a16="http://schemas.microsoft.com/office/drawing/2014/main" id="{B73F318B-866D-49F8-9A3B-3DC781EFCB6F}"/>
               </a:ext>
             </a:extLst>
           </p:cNvPr>
-          <p:cNvSpPr>
-            <a:spLocks noGrp="1"/>
-          </p:cNvSpPr>
+          <p:cNvPicPr>
+            <a:picLocks noGrp="1" noChangeAspect="1"/>
+          </p:cNvPicPr>
           <p:nvPr>
             <p:ph idx="1"/>
           </p:nvPr>
-        </p:nvSpPr>
-        <p:spPr/>
-        <p:txBody>
-          <a:bodyPr>
-            <a:normAutofit/>
-          </a:bodyPr>
-          <a:lstStyle/>
-          <a:p>
-            <a:r>
-              <a:rPr lang="en-US" sz="2000" dirty="0"/>
-              <a:t>1.A credit derivative is which of the following?</a:t>
-            </a:r>
-          </a:p>
-          <a:p>
-            <a:pPr lvl="1"/>
-            <a:r>
-              <a:rPr lang="en-US" sz="2000" dirty="0"/>
-              <a:t>A </a:t>
-            </a:r>
-            <a:r>
-              <a:rPr lang="en-US" sz="2000" dirty="0" err="1"/>
-              <a:t>A</a:t>
-            </a:r>
-            <a:r>
-              <a:rPr lang="en-US" sz="2000" dirty="0"/>
-              <a:t> derivative in which the premium is obtained on credit</a:t>
-            </a:r>
-          </a:p>
-          <a:p>
-            <a:pPr lvl="1"/>
-            <a:r>
-              <a:rPr lang="en-US" sz="2000" dirty="0"/>
-              <a:t>B A derivative in which the payoff is borrowed by the seller</a:t>
-            </a:r>
-          </a:p>
-          <a:p>
-            <a:pPr lvl="1"/>
-            <a:r>
-              <a:rPr lang="en-US" sz="2000" dirty="0"/>
-              <a:t>C A derivative in which the seller provides protection to the buyer against credit loss from a third party</a:t>
-            </a:r>
-          </a:p>
-        </p:txBody>
-      </p:sp>
+        </p:nvPicPr>
+        <p:blipFill>
+          <a:blip r:embed="rId2"/>
+          <a:stretch>
+            <a:fillRect/>
+          </a:stretch>
+        </p:blipFill>
+        <p:spPr>
+          <a:xfrm>
+            <a:off x="560530" y="2081047"/>
+            <a:ext cx="8596668" cy="3933311"/>
+          </a:xfrm>
+        </p:spPr>
+      </p:pic>
     </p:spTree>
     <p:extLst>
       <p:ext uri="{BB962C8B-B14F-4D97-AF65-F5344CB8AC3E}">
-        <p14:creationId xmlns:p14="http://schemas.microsoft.com/office/powerpoint/2010/main" val="2051395143"/>
+        <p14:creationId xmlns:p14="http://schemas.microsoft.com/office/powerpoint/2010/main" val="2313806758"/>
       </p:ext>
     </p:extLst>
   </p:cSld>
@@ -14646,7 +14662,7 @@
           <p:cNvPr id="2" name="Title 1">
             <a:extLst>
               <a:ext uri="{FF2B5EF4-FFF2-40B4-BE49-F238E27FC236}">
-                <a16:creationId xmlns:a16="http://schemas.microsoft.com/office/drawing/2014/main" id="{13C1F2DB-C1EA-4EEE-9DD2-BBB6C676CABF}"/>
+                <a16:creationId xmlns:a16="http://schemas.microsoft.com/office/drawing/2014/main" id="{348BD349-FAD8-4678-AFB4-B1E5307D6EA4}"/>
               </a:ext>
             </a:extLst>
           </p:cNvPr>
@@ -14666,13 +14682,8 @@
           <a:p>
             <a:r>
               <a:rPr lang="en-US" sz="4000" dirty="0"/>
-              <a:t>A</a:t>
-            </a:r>
-            <a:r>
-              <a:rPr lang="en-US" altLang="zh-CN" sz="4000" dirty="0"/>
-              <a:t>sset-backed securities</a:t>
-            </a:r>
-            <a:endParaRPr lang="en-US" sz="4000" dirty="0"/>
+              <a:t>Practices</a:t>
+            </a:r>
           </a:p>
         </p:txBody>
       </p:sp>
@@ -14681,7 +14692,7 @@
           <p:cNvPr id="3" name="Content Placeholder 2">
             <a:extLst>
               <a:ext uri="{FF2B5EF4-FFF2-40B4-BE49-F238E27FC236}">
-                <a16:creationId xmlns:a16="http://schemas.microsoft.com/office/drawing/2014/main" id="{AE242220-CC30-405B-943F-661EEB5D4AFA}"/>
+                <a16:creationId xmlns:a16="http://schemas.microsoft.com/office/drawing/2014/main" id="{E3B67373-BC90-4BC9-B82C-C102723A443D}"/>
               </a:ext>
             </a:extLst>
           </p:cNvPr>
@@ -14694,18 +14705,43 @@
         </p:nvSpPr>
         <p:spPr/>
         <p:txBody>
-          <a:bodyPr/>
-          <a:lstStyle/>
-          <a:p>
-            <a:r>
-              <a:rPr lang="en-US" dirty="0"/>
-              <a:t>Definition: an asset- backed security is a derivative contract in which a portfolio of debt instruments is assembled and claims are issued on the portfolio in the form of tranches, which have different priorities of claims on the payments made by the debt securities such that prepayments or credit losses are allocated to the most- junior tranches first and the most- senior tranches last.</a:t>
-            </a:r>
-          </a:p>
-          <a:p>
-            <a:r>
-              <a:rPr lang="en-US" dirty="0"/>
-              <a:t>ABSs typically divide the payments into slices, called tranches, in which the priority of claims has been changed from equivalent to preferential.</a:t>
+          <a:bodyPr>
+            <a:normAutofit/>
+          </a:bodyPr>
+          <a:lstStyle/>
+          <a:p>
+            <a:r>
+              <a:rPr lang="en-US" sz="2000" dirty="0"/>
+              <a:t>1.A credit derivative is which of the following?</a:t>
+            </a:r>
+          </a:p>
+          <a:p>
+            <a:pPr lvl="1"/>
+            <a:r>
+              <a:rPr lang="en-US" sz="2000" dirty="0"/>
+              <a:t>A </a:t>
+            </a:r>
+            <a:r>
+              <a:rPr lang="en-US" sz="2000" dirty="0" err="1"/>
+              <a:t>A</a:t>
+            </a:r>
+            <a:r>
+              <a:rPr lang="en-US" sz="2000" dirty="0"/>
+              <a:t> derivative in which the premium is obtained on credit</a:t>
+            </a:r>
+          </a:p>
+          <a:p>
+            <a:pPr lvl="1"/>
+            <a:r>
+              <a:rPr lang="en-US" sz="2000" dirty="0"/>
+              <a:t>B A derivative in which the payoff is borrowed by the seller</a:t>
+            </a:r>
+          </a:p>
+          <a:p>
+            <a:pPr lvl="1"/>
+            <a:r>
+              <a:rPr lang="en-US" sz="2000" dirty="0"/>
+              <a:t>C A derivative in which the seller provides protection to the buyer against credit loss from a third party</a:t>
             </a:r>
           </a:p>
         </p:txBody>
@@ -14713,7 +14749,7 @@
     </p:spTree>
     <p:extLst>
       <p:ext uri="{BB962C8B-B14F-4D97-AF65-F5344CB8AC3E}">
-        <p14:creationId xmlns:p14="http://schemas.microsoft.com/office/powerpoint/2010/main" val="2380732809"/>
+        <p14:creationId xmlns:p14="http://schemas.microsoft.com/office/powerpoint/2010/main" val="2051395143"/>
       </p:ext>
     </p:extLst>
   </p:cSld>
@@ -14745,7 +14781,7 @@
           <p:cNvPr id="2" name="Title 1">
             <a:extLst>
               <a:ext uri="{FF2B5EF4-FFF2-40B4-BE49-F238E27FC236}">
-                <a16:creationId xmlns:a16="http://schemas.microsoft.com/office/drawing/2014/main" id="{DE056A45-2501-43A0-9F43-EE798108DA86}"/>
+                <a16:creationId xmlns:a16="http://schemas.microsoft.com/office/drawing/2014/main" id="{13C1F2DB-C1EA-4EEE-9DD2-BBB6C676CABF}"/>
               </a:ext>
             </a:extLst>
           </p:cNvPr>
@@ -14780,7 +14816,7 @@
           <p:cNvPr id="3" name="Content Placeholder 2">
             <a:extLst>
               <a:ext uri="{FF2B5EF4-FFF2-40B4-BE49-F238E27FC236}">
-                <a16:creationId xmlns:a16="http://schemas.microsoft.com/office/drawing/2014/main" id="{8DCE4C67-98B6-4618-8DEA-076B941A3F4A}"/>
+                <a16:creationId xmlns:a16="http://schemas.microsoft.com/office/drawing/2014/main" id="{AE242220-CC30-405B-943F-661EEB5D4AFA}"/>
               </a:ext>
             </a:extLst>
           </p:cNvPr>
@@ -14798,30 +14834,21 @@
           <a:p>
             <a:r>
               <a:rPr lang="en-US" dirty="0"/>
-              <a:t>CMO: collateralized mortgage obligation</a:t>
-            </a:r>
-          </a:p>
-          <a:p>
-            <a:r>
-              <a:rPr lang="en-US" dirty="0"/>
-              <a:t>CBO: collateralized bond obligation</a:t>
-            </a:r>
-          </a:p>
-          <a:p>
-            <a:r>
-              <a:rPr lang="en-US" dirty="0"/>
-              <a:t>CLO: collateralized loan obligation</a:t>
-            </a:r>
-          </a:p>
-          <a:p>
-            <a:endParaRPr lang="en-US" dirty="0"/>
+              <a:t>Definition: an asset- backed security is a derivative contract in which a portfolio of debt instruments is assembled and claims are issued on the portfolio in the form of tranches, which have different priorities of claims on the payments made by the debt securities such that prepayments or credit losses are allocated to the most- junior tranches first and the most- senior tranches last.</a:t>
+            </a:r>
+          </a:p>
+          <a:p>
+            <a:r>
+              <a:rPr lang="en-US" dirty="0"/>
+              <a:t>ABSs typically divide the payments into slices, called tranches, in which the priority of claims has been changed from equivalent to preferential.</a:t>
+            </a:r>
           </a:p>
         </p:txBody>
       </p:sp>
     </p:spTree>
     <p:extLst>
       <p:ext uri="{BB962C8B-B14F-4D97-AF65-F5344CB8AC3E}">
-        <p14:creationId xmlns:p14="http://schemas.microsoft.com/office/powerpoint/2010/main" val="615116269"/>
+        <p14:creationId xmlns:p14="http://schemas.microsoft.com/office/powerpoint/2010/main" val="2380732809"/>
       </p:ext>
     </p:extLst>
   </p:cSld>
@@ -14853,7 +14880,7 @@
           <p:cNvPr id="2" name="Title 1">
             <a:extLst>
               <a:ext uri="{FF2B5EF4-FFF2-40B4-BE49-F238E27FC236}">
-                <a16:creationId xmlns:a16="http://schemas.microsoft.com/office/drawing/2014/main" id="{8E48A604-005B-48E4-8AF4-138B105BA282}"/>
+                <a16:creationId xmlns:a16="http://schemas.microsoft.com/office/drawing/2014/main" id="{DE056A45-2501-43A0-9F43-EE798108DA86}"/>
               </a:ext>
             </a:extLst>
           </p:cNvPr>
@@ -14873,8 +14900,13 @@
           <a:p>
             <a:r>
               <a:rPr lang="en-US" sz="4000" dirty="0"/>
-              <a:t>Derivative underlying</a:t>
-            </a:r>
+              <a:t>A</a:t>
+            </a:r>
+            <a:r>
+              <a:rPr lang="en-US" altLang="zh-CN" sz="4000" dirty="0"/>
+              <a:t>sset-backed securities</a:t>
+            </a:r>
+            <a:endParaRPr lang="en-US" sz="4000" dirty="0"/>
           </a:p>
         </p:txBody>
       </p:sp>
@@ -14883,7 +14915,7 @@
           <p:cNvPr id="3" name="Content Placeholder 2">
             <a:extLst>
               <a:ext uri="{FF2B5EF4-FFF2-40B4-BE49-F238E27FC236}">
-                <a16:creationId xmlns:a16="http://schemas.microsoft.com/office/drawing/2014/main" id="{4DC2DC39-460C-4DC9-92A3-82D2535FFBF9}"/>
+                <a16:creationId xmlns:a16="http://schemas.microsoft.com/office/drawing/2014/main" id="{8DCE4C67-98B6-4618-8DEA-076B941A3F4A}"/>
               </a:ext>
             </a:extLst>
           </p:cNvPr>
@@ -14901,37 +14933,19 @@
           <a:p>
             <a:r>
               <a:rPr lang="en-US" dirty="0"/>
-              <a:t>Equities</a:t>
-            </a:r>
-          </a:p>
-          <a:p>
-            <a:r>
-              <a:rPr lang="en-US" dirty="0"/>
-              <a:t>Fixed-income instruments and interest rates</a:t>
-            </a:r>
-          </a:p>
-          <a:p>
-            <a:r>
-              <a:rPr lang="en-US" dirty="0"/>
-              <a:t>Currencies</a:t>
-            </a:r>
-          </a:p>
-          <a:p>
-            <a:r>
-              <a:rPr lang="en-US" dirty="0"/>
-              <a:t>Commodities</a:t>
-            </a:r>
-          </a:p>
-          <a:p>
-            <a:r>
-              <a:rPr lang="en-US" dirty="0"/>
-              <a:t>Credit</a:t>
-            </a:r>
-          </a:p>
-          <a:p>
-            <a:r>
-              <a:rPr lang="en-US" dirty="0"/>
-              <a:t>Other</a:t>
+              <a:t>CMO: collateralized mortgage obligation</a:t>
+            </a:r>
+          </a:p>
+          <a:p>
+            <a:r>
+              <a:rPr lang="en-US" dirty="0"/>
+              <a:t>CBO: collateralized bond obligation</a:t>
+            </a:r>
+          </a:p>
+          <a:p>
+            <a:r>
+              <a:rPr lang="en-US" dirty="0"/>
+              <a:t>CLO: collateralized loan obligation</a:t>
             </a:r>
           </a:p>
           <a:p>
@@ -14942,7 +14956,7 @@
     </p:spTree>
     <p:extLst>
       <p:ext uri="{BB962C8B-B14F-4D97-AF65-F5344CB8AC3E}">
-        <p14:creationId xmlns:p14="http://schemas.microsoft.com/office/powerpoint/2010/main" val="3920046498"/>
+        <p14:creationId xmlns:p14="http://schemas.microsoft.com/office/powerpoint/2010/main" val="615116269"/>
       </p:ext>
     </p:extLst>
   </p:cSld>
@@ -14974,7 +14988,7 @@
           <p:cNvPr id="2" name="Title 1">
             <a:extLst>
               <a:ext uri="{FF2B5EF4-FFF2-40B4-BE49-F238E27FC236}">
-                <a16:creationId xmlns:a16="http://schemas.microsoft.com/office/drawing/2014/main" id="{0B33124B-F8B1-44FB-B9D6-3239CDA95508}"/>
+                <a16:creationId xmlns:a16="http://schemas.microsoft.com/office/drawing/2014/main" id="{8E48A604-005B-48E4-8AF4-138B105BA282}"/>
               </a:ext>
             </a:extLst>
           </p:cNvPr>
@@ -14988,24 +15002,13 @@
         <p:spPr/>
         <p:txBody>
           <a:bodyPr>
-            <a:normAutofit fontScale="90000"/>
+            <a:normAutofit/>
           </a:bodyPr>
           <a:lstStyle/>
           <a:p>
             <a:r>
-              <a:rPr lang="en-US" altLang="zh-CN" sz="4400" dirty="0"/>
-              <a:t>Classification </a:t>
-            </a:r>
-            <a:r>
-              <a:rPr lang="en-US" sz="4400" dirty="0"/>
-              <a:t>of derivatives</a:t>
-            </a:r>
-            <a:br>
-              <a:rPr lang="en-US" dirty="0"/>
-            </a:br>
-            <a:r>
-              <a:rPr lang="en-US" dirty="0"/>
-              <a:t>Forward commitments and contingent claims</a:t>
+              <a:rPr lang="en-US" sz="4000" dirty="0"/>
+              <a:t>Derivative underlying</a:t>
             </a:r>
           </a:p>
         </p:txBody>
@@ -15015,7 +15018,7 @@
           <p:cNvPr id="3" name="Content Placeholder 2">
             <a:extLst>
               <a:ext uri="{FF2B5EF4-FFF2-40B4-BE49-F238E27FC236}">
-                <a16:creationId xmlns:a16="http://schemas.microsoft.com/office/drawing/2014/main" id="{AEE854A1-1496-4876-AC8F-11F97047424B}"/>
+                <a16:creationId xmlns:a16="http://schemas.microsoft.com/office/drawing/2014/main" id="{4DC2DC39-460C-4DC9-92A3-82D2535FFBF9}"/>
               </a:ext>
             </a:extLst>
           </p:cNvPr>
@@ -15032,61 +15035,49 @@
           <a:lstStyle/>
           <a:p>
             <a:r>
-              <a:rPr lang="en-US" sz="2800" dirty="0"/>
-              <a:t>Forward commitments</a:t>
-            </a:r>
-          </a:p>
-          <a:p>
-            <a:pPr lvl="1"/>
-            <a:r>
-              <a:rPr lang="en-US" sz="1800" dirty="0">
-                <a:solidFill>
-                  <a:schemeClr val="tx1"/>
-                </a:solidFill>
-              </a:rPr>
-              <a:t>Forward</a:t>
-            </a:r>
-          </a:p>
-          <a:p>
-            <a:pPr lvl="1"/>
-            <a:r>
-              <a:rPr lang="en-US" sz="1800" dirty="0"/>
-              <a:t>Futures</a:t>
-            </a:r>
-          </a:p>
-          <a:p>
-            <a:pPr lvl="1"/>
-            <a:r>
-              <a:rPr lang="en-US" sz="1800" dirty="0"/>
-              <a:t>Swap</a:t>
-            </a:r>
-          </a:p>
-          <a:p>
-            <a:r>
-              <a:rPr lang="en-US" sz="2800" dirty="0"/>
-              <a:t>Contingent claims</a:t>
-            </a:r>
-          </a:p>
-          <a:p>
-            <a:pPr lvl="1"/>
-            <a:r>
-              <a:rPr lang="en-US" sz="1800" dirty="0"/>
-              <a:t>Option</a:t>
-            </a:r>
-          </a:p>
-          <a:p>
-            <a:pPr lvl="1"/>
-            <a:r>
-              <a:rPr lang="en-US" sz="1800" dirty="0"/>
-              <a:t>Credit Default Swap</a:t>
-            </a:r>
+              <a:rPr lang="en-US" dirty="0"/>
+              <a:t>Equities</a:t>
+            </a:r>
+          </a:p>
+          <a:p>
+            <a:r>
+              <a:rPr lang="en-US" dirty="0"/>
+              <a:t>Fixed-income instruments and interest rates</a:t>
+            </a:r>
+          </a:p>
+          <a:p>
+            <a:r>
+              <a:rPr lang="en-US" dirty="0"/>
+              <a:t>Currencies</a:t>
+            </a:r>
+          </a:p>
+          <a:p>
+            <a:r>
+              <a:rPr lang="en-US" dirty="0"/>
+              <a:t>Commodities</a:t>
+            </a:r>
+          </a:p>
+          <a:p>
+            <a:r>
+              <a:rPr lang="en-US" dirty="0"/>
+              <a:t>Credit</a:t>
+            </a:r>
+          </a:p>
+          <a:p>
+            <a:r>
+              <a:rPr lang="en-US" dirty="0"/>
+              <a:t>Other</a:t>
+            </a:r>
+          </a:p>
+          <a:p>
+            <a:endParaRPr lang="en-US" dirty="0"/>
           </a:p>
         </p:txBody>
       </p:sp>
     </p:spTree>
     <p:extLst>
       <p:ext uri="{BB962C8B-B14F-4D97-AF65-F5344CB8AC3E}">
-        <p14:creationId xmlns:p14="http://schemas.microsoft.com/office/powerpoint/2010/main" val="3548463849"/>
+        <p14:creationId xmlns:p14="http://schemas.microsoft.com/office/powerpoint/2010/main" val="3920046498"/>
       </p:ext>
     </p:extLst>
   </p:cSld>
@@ -15118,7 +15109,7 @@
           <p:cNvPr id="2" name="Title 1">
             <a:extLst>
               <a:ext uri="{FF2B5EF4-FFF2-40B4-BE49-F238E27FC236}">
-                <a16:creationId xmlns:a16="http://schemas.microsoft.com/office/drawing/2014/main" id="{61C782C3-1713-4158-BD07-C849C3C4CC28}"/>
+                <a16:creationId xmlns:a16="http://schemas.microsoft.com/office/drawing/2014/main" id="{0B33124B-F8B1-44FB-B9D6-3239CDA95508}"/>
               </a:ext>
             </a:extLst>
           </p:cNvPr>
@@ -15131,27 +15122,25 @@
         </p:nvSpPr>
         <p:spPr/>
         <p:txBody>
-          <a:bodyPr/>
-          <a:lstStyle/>
-          <a:p>
-            <a:r>
-              <a:rPr lang="en-US" altLang="zh-CN" sz="4000" dirty="0"/>
-              <a:t>Classification</a:t>
-            </a:r>
-            <a:r>
-              <a:rPr lang="en-US" sz="4000" dirty="0"/>
-              <a:t> of derivatives	</a:t>
-            </a:r>
-            <a:r>
-              <a:rPr lang="en-US" dirty="0"/>
-              <a:t>	</a:t>
+          <a:bodyPr>
+            <a:normAutofit fontScale="90000"/>
+          </a:bodyPr>
+          <a:lstStyle/>
+          <a:p>
+            <a:r>
+              <a:rPr lang="en-US" altLang="zh-CN" sz="4400" dirty="0"/>
+              <a:t>Classification </a:t>
+            </a:r>
+            <a:r>
+              <a:rPr lang="en-US" sz="4400" dirty="0"/>
+              <a:t>of derivatives</a:t>
             </a:r>
             <a:br>
               <a:rPr lang="en-US" dirty="0"/>
             </a:br>
             <a:r>
               <a:rPr lang="en-US" dirty="0"/>
-              <a:t>Exchange-traded and OTC market</a:t>
+              <a:t>Forward commitments and contingent claims</a:t>
             </a:r>
           </a:p>
         </p:txBody>
@@ -15161,7 +15150,7 @@
           <p:cNvPr id="3" name="Content Placeholder 2">
             <a:extLst>
               <a:ext uri="{FF2B5EF4-FFF2-40B4-BE49-F238E27FC236}">
-                <a16:creationId xmlns:a16="http://schemas.microsoft.com/office/drawing/2014/main" id="{AF25ED95-A7A6-4FF7-B6AE-E00C8A4243CE}"/>
+                <a16:creationId xmlns:a16="http://schemas.microsoft.com/office/drawing/2014/main" id="{AEE854A1-1496-4876-AC8F-11F97047424B}"/>
               </a:ext>
             </a:extLst>
           </p:cNvPr>
@@ -15179,14 +15168,25 @@
           <a:p>
             <a:r>
               <a:rPr lang="en-US" sz="2800" dirty="0"/>
-              <a:t>Over-the-counter market</a:t>
+              <a:t>Forward commitments</a:t>
             </a:r>
           </a:p>
           <a:p>
             <a:pPr lvl="1"/>
             <a:r>
+              <a:rPr lang="en-US" sz="1800" dirty="0">
+                <a:solidFill>
+                  <a:schemeClr val="tx1"/>
+                </a:solidFill>
+              </a:rPr>
+              <a:t>Forward</a:t>
+            </a:r>
+          </a:p>
+          <a:p>
+            <a:pPr lvl="1"/>
+            <a:r>
               <a:rPr lang="en-US" sz="1800" dirty="0"/>
-              <a:t>Forward</a:t>
+              <a:t>Futures</a:t>
             </a:r>
           </a:p>
           <a:p>
@@ -15197,6 +15197,12 @@
             </a:r>
           </a:p>
           <a:p>
+            <a:r>
+              <a:rPr lang="en-US" sz="2800" dirty="0"/>
+              <a:t>Contingent claims</a:t>
+            </a:r>
+          </a:p>
+          <a:p>
             <a:pPr lvl="1"/>
             <a:r>
               <a:rPr lang="en-US" sz="1800" dirty="0"/>
@@ -15204,34 +15210,18 @@
             </a:r>
           </a:p>
           <a:p>
-            <a:r>
-              <a:rPr lang="en-US" sz="2800" dirty="0"/>
-              <a:t>Exchange-traded market</a:t>
-            </a:r>
-          </a:p>
-          <a:p>
             <a:pPr lvl="1"/>
             <a:r>
               <a:rPr lang="en-US" sz="1800" dirty="0"/>
-              <a:t>Futures</a:t>
-            </a:r>
-          </a:p>
-          <a:p>
-            <a:pPr lvl="1"/>
-            <a:r>
-              <a:rPr lang="en-US" sz="1800" dirty="0"/>
-              <a:t>Option</a:t>
-            </a:r>
-          </a:p>
-          <a:p>
-            <a:endParaRPr lang="en-US" dirty="0"/>
+              <a:t>Credit Default Swap</a:t>
+            </a:r>
           </a:p>
         </p:txBody>
       </p:sp>
     </p:spTree>
     <p:extLst>
       <p:ext uri="{BB962C8B-B14F-4D97-AF65-F5344CB8AC3E}">
-        <p14:creationId xmlns:p14="http://schemas.microsoft.com/office/powerpoint/2010/main" val="2063123738"/>
+        <p14:creationId xmlns:p14="http://schemas.microsoft.com/office/powerpoint/2010/main" val="3548463849"/>
       </p:ext>
     </p:extLst>
   </p:cSld>
@@ -15263,7 +15253,7 @@
           <p:cNvPr id="2" name="Title 1">
             <a:extLst>
               <a:ext uri="{FF2B5EF4-FFF2-40B4-BE49-F238E27FC236}">
-                <a16:creationId xmlns:a16="http://schemas.microsoft.com/office/drawing/2014/main" id="{63CC868E-9E09-460D-AFC5-F06FE734B18C}"/>
+                <a16:creationId xmlns:a16="http://schemas.microsoft.com/office/drawing/2014/main" id="{61C782C3-1713-4158-BD07-C849C3C4CC28}"/>
               </a:ext>
             </a:extLst>
           </p:cNvPr>
@@ -15281,11 +15271,11 @@
           <a:p>
             <a:r>
               <a:rPr lang="en-US" altLang="zh-CN" sz="4000" dirty="0"/>
-              <a:t>Classification </a:t>
+              <a:t>Classification</a:t>
             </a:r>
             <a:r>
               <a:rPr lang="en-US" sz="4000" dirty="0"/>
-              <a:t>of derivatives	</a:t>
+              <a:t> of derivatives	</a:t>
             </a:r>
             <a:r>
               <a:rPr lang="en-US" dirty="0"/>
@@ -15306,7 +15296,7 @@
           <p:cNvPr id="3" name="Content Placeholder 2">
             <a:extLst>
               <a:ext uri="{FF2B5EF4-FFF2-40B4-BE49-F238E27FC236}">
-                <a16:creationId xmlns:a16="http://schemas.microsoft.com/office/drawing/2014/main" id="{8C312896-34F4-450C-92F0-CAD934A523A3}"/>
+                <a16:creationId xmlns:a16="http://schemas.microsoft.com/office/drawing/2014/main" id="{AF25ED95-A7A6-4FF7-B6AE-E00C8A4243CE}"/>
               </a:ext>
             </a:extLst>
           </p:cNvPr>
@@ -15324,66 +15314,49 @@
           <a:p>
             <a:r>
               <a:rPr lang="en-US" sz="2800" dirty="0"/>
-              <a:t>Exchange-traded derivative market</a:t>
-            </a:r>
-          </a:p>
-          <a:p>
-            <a:r>
-              <a:rPr lang="en-US" dirty="0"/>
-              <a:t>characteristics</a:t>
+              <a:t>Over-the-counter market</a:t>
             </a:r>
           </a:p>
           <a:p>
             <a:pPr lvl="1"/>
             <a:r>
-              <a:rPr lang="en-US" dirty="0"/>
-              <a:t>Standardized	</a:t>
+              <a:rPr lang="en-US" sz="1800" dirty="0"/>
+              <a:t>Forward</a:t>
             </a:r>
           </a:p>
           <a:p>
             <a:pPr lvl="1"/>
             <a:r>
-              <a:rPr lang="en-US" dirty="0"/>
-              <a:t>More liquid</a:t>
+              <a:rPr lang="en-US" sz="1800" dirty="0"/>
+              <a:t>Swap</a:t>
             </a:r>
           </a:p>
           <a:p>
             <a:pPr lvl="1"/>
             <a:r>
-              <a:rPr lang="en-US" dirty="0"/>
-              <a:t>Market makers and speculators</a:t>
+              <a:rPr lang="en-US" sz="1800" dirty="0"/>
+              <a:t>Option</a:t>
+            </a:r>
+          </a:p>
+          <a:p>
+            <a:r>
+              <a:rPr lang="en-US" sz="2800" dirty="0"/>
+              <a:t>Exchange-traded market</a:t>
             </a:r>
           </a:p>
           <a:p>
             <a:pPr lvl="1"/>
             <a:r>
-              <a:rPr lang="en-US" dirty="0"/>
-              <a:t>Clear and settle all contracts overnight</a:t>
+              <a:rPr lang="en-US" sz="1800" dirty="0"/>
+              <a:t>Futures</a:t>
             </a:r>
           </a:p>
           <a:p>
             <a:pPr lvl="1"/>
             <a:r>
-              <a:rPr lang="en-US" dirty="0"/>
-              <a:t>Credit guarantee</a:t>
-            </a:r>
-          </a:p>
-          <a:p>
-            <a:pPr lvl="1"/>
-            <a:r>
-              <a:rPr lang="en-US" dirty="0"/>
-              <a:t>Transparency(regulatory bodies)</a:t>
-            </a:r>
-          </a:p>
-          <a:p>
-            <a:pPr lvl="1"/>
-            <a:r>
-              <a:rPr lang="en-US" dirty="0"/>
-              <a:t>Loss of privacy and flexibility</a:t>
-            </a:r>
-          </a:p>
-          <a:p>
-            <a:endParaRPr lang="en-US" dirty="0"/>
+              <a:rPr lang="en-US" sz="1800" dirty="0"/>
+              <a:t>Option</a:t>
+            </a:r>
           </a:p>
           <a:p>
             <a:endParaRPr lang="en-US" dirty="0"/>
@@ -15393,7 +15366,7 @@
     </p:spTree>
     <p:extLst>
       <p:ext uri="{BB962C8B-B14F-4D97-AF65-F5344CB8AC3E}">
-        <p14:creationId xmlns:p14="http://schemas.microsoft.com/office/powerpoint/2010/main" val="1080345033"/>
+        <p14:creationId xmlns:p14="http://schemas.microsoft.com/office/powerpoint/2010/main" val="2063123738"/>
       </p:ext>
     </p:extLst>
   </p:cSld>
@@ -15425,7 +15398,7 @@
           <p:cNvPr id="2" name="Title 1">
             <a:extLst>
               <a:ext uri="{FF2B5EF4-FFF2-40B4-BE49-F238E27FC236}">
-                <a16:creationId xmlns:a16="http://schemas.microsoft.com/office/drawing/2014/main" id="{2002ACD3-97F2-43B1-8933-4B82D4F11644}"/>
+                <a16:creationId xmlns:a16="http://schemas.microsoft.com/office/drawing/2014/main" id="{63CC868E-9E09-460D-AFC5-F06FE734B18C}"/>
               </a:ext>
             </a:extLst>
           </p:cNvPr>
@@ -15443,7 +15416,7 @@
           <a:p>
             <a:r>
               <a:rPr lang="en-US" altLang="zh-CN" sz="4000" dirty="0"/>
-              <a:t>Classification	</a:t>
+              <a:t>Classification </a:t>
             </a:r>
             <a:r>
               <a:rPr lang="en-US" sz="4000" dirty="0"/>
@@ -15468,7 +15441,7 @@
           <p:cNvPr id="3" name="Content Placeholder 2">
             <a:extLst>
               <a:ext uri="{FF2B5EF4-FFF2-40B4-BE49-F238E27FC236}">
-                <a16:creationId xmlns:a16="http://schemas.microsoft.com/office/drawing/2014/main" id="{487D91EC-818A-4A4E-B004-E96C0A6F64DC}"/>
+                <a16:creationId xmlns:a16="http://schemas.microsoft.com/office/drawing/2014/main" id="{8C312896-34F4-450C-92F0-CAD934A523A3}"/>
               </a:ext>
             </a:extLst>
           </p:cNvPr>
@@ -15486,7 +15459,7 @@
           <a:p>
             <a:r>
               <a:rPr lang="en-US" sz="2800" dirty="0"/>
-              <a:t>Over-the-counter derivative market</a:t>
+              <a:t>Exchange-traded derivative market</a:t>
             </a:r>
           </a:p>
           <a:p>
@@ -15499,32 +15472,52 @@
             <a:pPr lvl="1"/>
             <a:r>
               <a:rPr lang="en-US" dirty="0"/>
-              <a:t>Customization</a:t>
+              <a:t>Standardized	</a:t>
             </a:r>
           </a:p>
           <a:p>
             <a:pPr lvl="1"/>
             <a:r>
               <a:rPr lang="en-US" dirty="0"/>
-              <a:t>More flexible</a:t>
+              <a:t>More liquid</a:t>
             </a:r>
           </a:p>
           <a:p>
             <a:pPr lvl="1"/>
             <a:r>
               <a:rPr lang="en-US" dirty="0"/>
-              <a:t>Lower degree of regulation</a:t>
+              <a:t>Market makers and speculators</a:t>
             </a:r>
           </a:p>
           <a:p>
             <a:pPr lvl="1"/>
             <a:r>
               <a:rPr lang="en-US" dirty="0"/>
-              <a:t>Retain a degree of privacy with lower transparency</a:t>
+              <a:t>Clear and settle all contracts overnight</a:t>
             </a:r>
           </a:p>
           <a:p>
             <a:pPr lvl="1"/>
+            <a:r>
+              <a:rPr lang="en-US" dirty="0"/>
+              <a:t>Credit guarantee</a:t>
+            </a:r>
+          </a:p>
+          <a:p>
+            <a:pPr lvl="1"/>
+            <a:r>
+              <a:rPr lang="en-US" dirty="0"/>
+              <a:t>Transparency(regulatory bodies)</a:t>
+            </a:r>
+          </a:p>
+          <a:p>
+            <a:pPr lvl="1"/>
+            <a:r>
+              <a:rPr lang="en-US" dirty="0"/>
+              <a:t>Loss of privacy and flexibility</a:t>
+            </a:r>
+          </a:p>
+          <a:p>
             <a:endParaRPr lang="en-US" dirty="0"/>
           </a:p>
           <a:p>
@@ -15535,7 +15528,7 @@
     </p:spTree>
     <p:extLst>
       <p:ext uri="{BB962C8B-B14F-4D97-AF65-F5344CB8AC3E}">
-        <p14:creationId xmlns:p14="http://schemas.microsoft.com/office/powerpoint/2010/main" val="736614646"/>
+        <p14:creationId xmlns:p14="http://schemas.microsoft.com/office/powerpoint/2010/main" val="1080345033"/>
       </p:ext>
     </p:extLst>
   </p:cSld>
@@ -15567,7 +15560,7 @@
           <p:cNvPr id="2" name="Title 1">
             <a:extLst>
               <a:ext uri="{FF2B5EF4-FFF2-40B4-BE49-F238E27FC236}">
-                <a16:creationId xmlns:a16="http://schemas.microsoft.com/office/drawing/2014/main" id="{E5071E7E-561B-4C61-8404-6C29256855A2}"/>
+                <a16:creationId xmlns:a16="http://schemas.microsoft.com/office/drawing/2014/main" id="{2002ACD3-97F2-43B1-8933-4B82D4F11644}"/>
               </a:ext>
             </a:extLst>
           </p:cNvPr>
@@ -15580,14 +15573,27 @@
         </p:nvSpPr>
         <p:spPr/>
         <p:txBody>
-          <a:bodyPr>
-            <a:normAutofit/>
-          </a:bodyPr>
-          <a:lstStyle/>
-          <a:p>
+          <a:bodyPr/>
+          <a:lstStyle/>
+          <a:p>
+            <a:r>
+              <a:rPr lang="en-US" altLang="zh-CN" sz="4000" dirty="0"/>
+              <a:t>Classification	</a:t>
+            </a:r>
             <a:r>
               <a:rPr lang="en-US" sz="4000" dirty="0"/>
-              <a:t>Practices</a:t>
+              <a:t>of derivatives	</a:t>
+            </a:r>
+            <a:r>
+              <a:rPr lang="en-US" dirty="0"/>
+              <a:t>	</a:t>
+            </a:r>
+            <a:br>
+              <a:rPr lang="en-US" dirty="0"/>
+            </a:br>
+            <a:r>
+              <a:rPr lang="en-US" dirty="0"/>
+              <a:t>Exchange-traded and OTC market</a:t>
             </a:r>
           </a:p>
         </p:txBody>
@@ -15597,7 +15603,7 @@
           <p:cNvPr id="3" name="Content Placeholder 2">
             <a:extLst>
               <a:ext uri="{FF2B5EF4-FFF2-40B4-BE49-F238E27FC236}">
-                <a16:creationId xmlns:a16="http://schemas.microsoft.com/office/drawing/2014/main" id="{CFF1D1EF-7E0F-48EE-98B9-A11615480828}"/>
+                <a16:creationId xmlns:a16="http://schemas.microsoft.com/office/drawing/2014/main" id="{487D91EC-818A-4A4E-B004-E96C0A6F64DC}"/>
               </a:ext>
             </a:extLst>
           </p:cNvPr>
@@ -15614,64 +15620,57 @@
           <a:lstStyle/>
           <a:p>
             <a:r>
-              <a:rPr lang="en-US" dirty="0"/>
-              <a:t>1.Which of the following is not a forward commitment?</a:t>
+              <a:rPr lang="en-US" sz="2800" dirty="0"/>
+              <a:t>Over-the-counter derivative market</a:t>
+            </a:r>
+          </a:p>
+          <a:p>
+            <a:r>
+              <a:rPr lang="en-US" dirty="0"/>
+              <a:t>characteristics</a:t>
             </a:r>
           </a:p>
           <a:p>
             <a:pPr lvl="1"/>
             <a:r>
               <a:rPr lang="en-US" dirty="0"/>
-              <a:t>A An agreement to take out a loan at a future date at a specific rate</a:t>
+              <a:t>Customization</a:t>
             </a:r>
           </a:p>
           <a:p>
             <a:pPr lvl="1"/>
             <a:r>
               <a:rPr lang="en-US" dirty="0"/>
-              <a:t>B An offer of employment that must be accepted or rejected in two weeks</a:t>
+              <a:t>More flexible</a:t>
             </a:r>
           </a:p>
           <a:p>
             <a:pPr lvl="1"/>
             <a:r>
               <a:rPr lang="en-US" dirty="0"/>
-              <a:t>C An agreement to lease a piece of machinery for one year with a series of fixed monthly payments</a:t>
-            </a:r>
-          </a:p>
-          <a:p>
-            <a:r>
-              <a:rPr lang="en-US" dirty="0"/>
-              <a:t>2.Which of the following statements is true about contingent claims?</a:t>
+              <a:t>Lower degree of regulation</a:t>
             </a:r>
           </a:p>
           <a:p>
             <a:pPr lvl="1"/>
             <a:r>
               <a:rPr lang="en-US" dirty="0"/>
-              <a:t>A Either party can default to the other.</a:t>
+              <a:t>Retain a degree of privacy with lower transparency</a:t>
             </a:r>
           </a:p>
           <a:p>
             <a:pPr lvl="1"/>
-            <a:r>
-              <a:rPr lang="en-US" dirty="0"/>
-              <a:t>B The payoffs are linearly related to the performance of the underlying.</a:t>
-            </a:r>
-          </a:p>
-          <a:p>
-            <a:pPr lvl="1"/>
-            <a:r>
-              <a:rPr lang="en-US" dirty="0"/>
-              <a:t>C The most the long can lose is the amount paid for the contingent claim.</a:t>
-            </a:r>
+            <a:endParaRPr lang="en-US" dirty="0"/>
+          </a:p>
+          <a:p>
+            <a:endParaRPr lang="en-US" dirty="0"/>
           </a:p>
         </p:txBody>
       </p:sp>
     </p:spTree>
     <p:extLst>
       <p:ext uri="{BB962C8B-B14F-4D97-AF65-F5344CB8AC3E}">
-        <p14:creationId xmlns:p14="http://schemas.microsoft.com/office/powerpoint/2010/main" val="1657439908"/>
+        <p14:creationId xmlns:p14="http://schemas.microsoft.com/office/powerpoint/2010/main" val="736614646"/>
       </p:ext>
     </p:extLst>
   </p:cSld>
@@ -15703,7 +15702,7 @@
           <p:cNvPr id="2" name="Title 1">
             <a:extLst>
               <a:ext uri="{FF2B5EF4-FFF2-40B4-BE49-F238E27FC236}">
-                <a16:creationId xmlns:a16="http://schemas.microsoft.com/office/drawing/2014/main" id="{F20D5F44-83D3-4C3D-AA1E-B7B8E357D44D}"/>
+                <a16:creationId xmlns:a16="http://schemas.microsoft.com/office/drawing/2014/main" id="{E5071E7E-561B-4C61-8404-6C29256855A2}"/>
               </a:ext>
             </a:extLst>
           </p:cNvPr>
@@ -15733,7 +15732,7 @@
           <p:cNvPr id="3" name="Content Placeholder 2">
             <a:extLst>
               <a:ext uri="{FF2B5EF4-FFF2-40B4-BE49-F238E27FC236}">
-                <a16:creationId xmlns:a16="http://schemas.microsoft.com/office/drawing/2014/main" id="{2EA05F35-4584-4A6C-B5B8-1E6EAF96AE0E}"/>
+                <a16:creationId xmlns:a16="http://schemas.microsoft.com/office/drawing/2014/main" id="{CFF1D1EF-7E0F-48EE-98B9-A11615480828}"/>
               </a:ext>
             </a:extLst>
           </p:cNvPr>
@@ -15746,62 +15745,60 @@
         </p:nvSpPr>
         <p:spPr/>
         <p:txBody>
-          <a:bodyPr>
-            <a:normAutofit/>
-          </a:bodyPr>
-          <a:lstStyle/>
-          <a:p>
-            <a:r>
-              <a:rPr lang="en-US" dirty="0"/>
-              <a:t>3.Which of the following characteristics is not associated with exchange-traded derivatives?</a:t>
+          <a:bodyPr/>
+          <a:lstStyle/>
+          <a:p>
+            <a:r>
+              <a:rPr lang="en-US" dirty="0"/>
+              <a:t>1.Which of the following is not a forward commitment?</a:t>
             </a:r>
           </a:p>
           <a:p>
             <a:pPr lvl="1"/>
             <a:r>
               <a:rPr lang="en-US" dirty="0"/>
-              <a:t>A Margin or performance bonds are required.</a:t>
+              <a:t>A An agreement to take out a loan at a future date at a specific rate</a:t>
             </a:r>
           </a:p>
           <a:p>
             <a:pPr lvl="1"/>
             <a:r>
               <a:rPr lang="en-US" dirty="0"/>
-              <a:t>B The exchange guarantees all payments in the event of default.</a:t>
+              <a:t>B An offer of employment that must be accepted or rejected in two weeks</a:t>
             </a:r>
           </a:p>
           <a:p>
             <a:pPr lvl="1"/>
             <a:r>
               <a:rPr lang="en-US" dirty="0"/>
-              <a:t>C All terms except the price are customized to the parties’ individual needs.</a:t>
-            </a:r>
-          </a:p>
-          <a:p>
-            <a:r>
-              <a:rPr lang="en-US" dirty="0"/>
-              <a:t>4.Which of the following characteristics is associated with over- the- counter derivatives?</a:t>
+              <a:t>C An agreement to lease a piece of machinery for one year with a series of fixed monthly payments</a:t>
+            </a:r>
+          </a:p>
+          <a:p>
+            <a:r>
+              <a:rPr lang="en-US" dirty="0"/>
+              <a:t>2.Which of the following statements is true about contingent claims?</a:t>
             </a:r>
           </a:p>
           <a:p>
             <a:pPr lvl="1"/>
             <a:r>
               <a:rPr lang="en-US" dirty="0"/>
-              <a:t>A Trading occurs in a central location.</a:t>
+              <a:t>A Either party can default to the other.</a:t>
             </a:r>
           </a:p>
           <a:p>
             <a:pPr lvl="1"/>
             <a:r>
               <a:rPr lang="en-US" dirty="0"/>
-              <a:t>B They are more regulated than exchange- listed derivatives.</a:t>
+              <a:t>B The payoffs are linearly related to the performance of the underlying.</a:t>
             </a:r>
           </a:p>
           <a:p>
             <a:pPr lvl="1"/>
             <a:r>
               <a:rPr lang="en-US" dirty="0"/>
-              <a:t>C They are less transparent than exchange- listed derivatives.</a:t>
+              <a:t>C The most the long can lose is the amount paid for the contingent claim.</a:t>
             </a:r>
           </a:p>
         </p:txBody>
@@ -15809,7 +15806,7 @@
     </p:spTree>
     <p:extLst>
       <p:ext uri="{BB962C8B-B14F-4D97-AF65-F5344CB8AC3E}">
-        <p14:creationId xmlns:p14="http://schemas.microsoft.com/office/powerpoint/2010/main" val="3121291714"/>
+        <p14:creationId xmlns:p14="http://schemas.microsoft.com/office/powerpoint/2010/main" val="1657439908"/>
       </p:ext>
     </p:extLst>
   </p:cSld>
@@ -15891,55 +15888,55 @@
           <a:p>
             <a:r>
               <a:rPr lang="en-US" dirty="0"/>
-              <a:t>5.Market makers earn a profit in both exchange and over- the- counter derivatives markets by:</a:t>
+              <a:t>3.Which of the following characteristics is not associated with exchange-traded derivatives?</a:t>
             </a:r>
           </a:p>
           <a:p>
             <a:pPr lvl="1"/>
             <a:r>
               <a:rPr lang="en-US" dirty="0"/>
-              <a:t>A charging a commission on each trade.</a:t>
+              <a:t>A Margin or performance bonds are required.</a:t>
             </a:r>
           </a:p>
           <a:p>
             <a:pPr lvl="1"/>
             <a:r>
               <a:rPr lang="en-US" dirty="0"/>
-              <a:t>B a combination of commissions and markups.</a:t>
+              <a:t>B The exchange guarantees all payments in the event of default.</a:t>
             </a:r>
           </a:p>
           <a:p>
             <a:pPr lvl="1"/>
             <a:r>
               <a:rPr lang="en-US" dirty="0"/>
-              <a:t>C buying at one price, selling at a higher price, and hedging any risk.</a:t>
-            </a:r>
-          </a:p>
-          <a:p>
-            <a:r>
-              <a:rPr lang="en-US" dirty="0"/>
-              <a:t>6.Which of the following statements most accurately describes exchange-traded derivatives relative to over- the- counter derivatives? Exchange-traded derivatives are more likely to have:</a:t>
+              <a:t>C All terms except the price are customized to the parties’ individual needs.</a:t>
+            </a:r>
+          </a:p>
+          <a:p>
+            <a:r>
+              <a:rPr lang="en-US" dirty="0"/>
+              <a:t>4.Which of the following characteristics is associated with over- the- counter derivatives?</a:t>
             </a:r>
           </a:p>
           <a:p>
             <a:pPr lvl="1"/>
             <a:r>
               <a:rPr lang="en-US" dirty="0"/>
-              <a:t>A greater credit risk.</a:t>
+              <a:t>A Trading occurs in a central location.</a:t>
             </a:r>
           </a:p>
           <a:p>
             <a:pPr lvl="1"/>
             <a:r>
               <a:rPr lang="en-US" dirty="0"/>
-              <a:t>B standardized contract terms.</a:t>
+              <a:t>B They are more regulated than exchange- listed derivatives.</a:t>
             </a:r>
           </a:p>
           <a:p>
             <a:pPr lvl="1"/>
             <a:r>
               <a:rPr lang="en-US" dirty="0"/>
-              <a:t>C greater risk management uses</a:t>
+              <a:t>C They are less transparent than exchange- listed derivatives.</a:t>
             </a:r>
           </a:p>
         </p:txBody>
@@ -15947,7 +15944,7 @@
     </p:spTree>
     <p:extLst>
       <p:ext uri="{BB962C8B-B14F-4D97-AF65-F5344CB8AC3E}">
-        <p14:creationId xmlns:p14="http://schemas.microsoft.com/office/powerpoint/2010/main" val="1189956952"/>
+        <p14:creationId xmlns:p14="http://schemas.microsoft.com/office/powerpoint/2010/main" val="3121291714"/>
       </p:ext>
     </p:extLst>
   </p:cSld>
@@ -15979,7 +15976,7 @@
           <p:cNvPr id="2" name="Title 1">
             <a:extLst>
               <a:ext uri="{FF2B5EF4-FFF2-40B4-BE49-F238E27FC236}">
-                <a16:creationId xmlns:a16="http://schemas.microsoft.com/office/drawing/2014/main" id="{6279413E-3C52-4A96-B4B7-D949477196A8}"/>
+                <a16:creationId xmlns:a16="http://schemas.microsoft.com/office/drawing/2014/main" id="{507140F2-9E76-470E-BC99-F5092F4154FE}"/>
               </a:ext>
             </a:extLst>
           </p:cNvPr>
@@ -15999,7 +15996,7 @@
           <a:p>
             <a:r>
               <a:rPr lang="en-US" sz="4000" dirty="0"/>
-              <a:t>Pricing the Underlying</a:t>
+              <a:t>Basic Derivative Concepts</a:t>
             </a:r>
           </a:p>
         </p:txBody>
@@ -16009,7 +16006,7 @@
           <p:cNvPr id="3" name="Content Placeholder 2">
             <a:extLst>
               <a:ext uri="{FF2B5EF4-FFF2-40B4-BE49-F238E27FC236}">
-                <a16:creationId xmlns:a16="http://schemas.microsoft.com/office/drawing/2014/main" id="{7572C0F9-7509-4B3E-B285-5A2391F3BCAE}"/>
+                <a16:creationId xmlns:a16="http://schemas.microsoft.com/office/drawing/2014/main" id="{807417CD-D225-44F8-8275-2241032C1F99}"/>
               </a:ext>
             </a:extLst>
           </p:cNvPr>
@@ -16022,42 +16019,22 @@
         </p:nvSpPr>
         <p:spPr/>
         <p:txBody>
-          <a:bodyPr/>
-          <a:lstStyle/>
-          <a:p>
-            <a:r>
-              <a:rPr lang="en-US" dirty="0"/>
-              <a:t>The price of a financial asset is often determined using a present value of future cash flows approach. </a:t>
-            </a:r>
-          </a:p>
-          <a:p>
-            <a:r>
-              <a:rPr lang="en-US" dirty="0"/>
-              <a:t>The value of the financial asset is the expected future price plus any interim payments such as dividends or coupon interest discounted at a rate appropriate for the risk assumed.</a:t>
-            </a:r>
-          </a:p>
-          <a:p>
-            <a:r>
-              <a:rPr lang="en-US" dirty="0"/>
-              <a:t>The risk aversion of the investor</a:t>
-            </a:r>
-          </a:p>
-          <a:p>
-            <a:pPr lvl="1"/>
-            <a:r>
-              <a:rPr lang="en-US" dirty="0"/>
-              <a:t>We can generally characterize three potential types of investors by how they feel about risk: risk averse, risk neutral, or risk seeking</a:t>
-            </a:r>
-          </a:p>
-          <a:p>
-            <a:endParaRPr lang="en-US" dirty="0"/>
+          <a:bodyPr>
+            <a:normAutofit/>
+          </a:bodyPr>
+          <a:lstStyle/>
+          <a:p>
+            <a:r>
+              <a:rPr lang="en-US" sz="2800" dirty="0"/>
+              <a:t>A derivative is a financial instrument that derives its performance from the performance of an underlying asset.</a:t>
+            </a:r>
           </a:p>
         </p:txBody>
       </p:sp>
     </p:spTree>
     <p:extLst>
       <p:ext uri="{BB962C8B-B14F-4D97-AF65-F5344CB8AC3E}">
-        <p14:creationId xmlns:p14="http://schemas.microsoft.com/office/powerpoint/2010/main" val="2624247265"/>
+        <p14:creationId xmlns:p14="http://schemas.microsoft.com/office/powerpoint/2010/main" val="2480341850"/>
       </p:ext>
     </p:extLst>
   </p:cSld>
@@ -16089,7 +16066,7 @@
           <p:cNvPr id="2" name="Title 1">
             <a:extLst>
               <a:ext uri="{FF2B5EF4-FFF2-40B4-BE49-F238E27FC236}">
-                <a16:creationId xmlns:a16="http://schemas.microsoft.com/office/drawing/2014/main" id="{CBE36A6B-6E55-4FD0-8260-0BEFE68F4514}"/>
+                <a16:creationId xmlns:a16="http://schemas.microsoft.com/office/drawing/2014/main" id="{F20D5F44-83D3-4C3D-AA1E-B7B8E357D44D}"/>
               </a:ext>
             </a:extLst>
           </p:cNvPr>
@@ -16109,49 +16086,8 @@
           <a:p>
             <a:r>
               <a:rPr lang="en-US" sz="4000" dirty="0"/>
-              <a:t>The</a:t>
-            </a:r>
-            <a:r>
-              <a:rPr lang="zh-CN" altLang="en-US" sz="4000" dirty="0"/>
-              <a:t> </a:t>
-            </a:r>
-            <a:r>
-              <a:rPr lang="en-US" altLang="zh-CN" sz="4000" dirty="0"/>
-              <a:t>purposes</a:t>
-            </a:r>
-            <a:r>
-              <a:rPr lang="zh-CN" altLang="en-US" sz="4000" dirty="0"/>
-              <a:t> </a:t>
-            </a:r>
-            <a:r>
-              <a:rPr lang="en-US" altLang="zh-CN" sz="4000" dirty="0"/>
-              <a:t>and</a:t>
-            </a:r>
-            <a:r>
-              <a:rPr lang="zh-CN" altLang="en-US" sz="4000" dirty="0"/>
-              <a:t> </a:t>
-            </a:r>
-            <a:r>
-              <a:rPr lang="en-US" altLang="zh-CN" sz="4000" dirty="0"/>
-              <a:t>benefits</a:t>
-            </a:r>
-            <a:r>
-              <a:rPr lang="zh-CN" altLang="en-US" sz="4000" dirty="0"/>
-              <a:t> </a:t>
-            </a:r>
-            <a:r>
-              <a:rPr lang="en-US" altLang="zh-CN" sz="4000" dirty="0"/>
-              <a:t>of</a:t>
-            </a:r>
-            <a:r>
-              <a:rPr lang="zh-CN" altLang="en-US" sz="4000" dirty="0"/>
-              <a:t> </a:t>
-            </a:r>
-            <a:r>
-              <a:rPr lang="en-US" altLang="zh-CN" sz="4000" dirty="0"/>
-              <a:t>derivatives</a:t>
-            </a:r>
-            <a:endParaRPr lang="en-US" sz="4000" dirty="0"/>
+              <a:t>Practices</a:t>
+            </a:r>
           </a:p>
         </p:txBody>
       </p:sp>
@@ -16160,7 +16096,7 @@
           <p:cNvPr id="3" name="Content Placeholder 2">
             <a:extLst>
               <a:ext uri="{FF2B5EF4-FFF2-40B4-BE49-F238E27FC236}">
-                <a16:creationId xmlns:a16="http://schemas.microsoft.com/office/drawing/2014/main" id="{CF2F7B16-0AF8-4000-9305-F75458652CC6}"/>
+                <a16:creationId xmlns:a16="http://schemas.microsoft.com/office/drawing/2014/main" id="{2EA05F35-4584-4A6C-B5B8-1E6EAF96AE0E}"/>
               </a:ext>
             </a:extLst>
           </p:cNvPr>
@@ -16173,29 +16109,70 @@
         </p:nvSpPr>
         <p:spPr/>
         <p:txBody>
-          <a:bodyPr/>
-          <a:lstStyle/>
-          <a:p>
-            <a:r>
-              <a:rPr lang="en-US" dirty="0"/>
-              <a:t>The origin of modern futures markets is the creation of the Chicago board of trade in 1848.</a:t>
-            </a:r>
-          </a:p>
-          <a:p>
-            <a:r>
-              <a:rPr lang="en-US" dirty="0"/>
-              <a:t>‘To-arrive’ contract</a:t>
-            </a:r>
-          </a:p>
-          <a:p>
-            <a:endParaRPr lang="en-US" dirty="0"/>
+          <a:bodyPr>
+            <a:normAutofit/>
+          </a:bodyPr>
+          <a:lstStyle/>
+          <a:p>
+            <a:r>
+              <a:rPr lang="en-US" dirty="0"/>
+              <a:t>5.Market makers earn a profit in both exchange and over- the- counter derivatives markets by:</a:t>
+            </a:r>
+          </a:p>
+          <a:p>
+            <a:pPr lvl="1"/>
+            <a:r>
+              <a:rPr lang="en-US" dirty="0"/>
+              <a:t>A charging a commission on each trade.</a:t>
+            </a:r>
+          </a:p>
+          <a:p>
+            <a:pPr lvl="1"/>
+            <a:r>
+              <a:rPr lang="en-US" dirty="0"/>
+              <a:t>B a combination of commissions and markups.</a:t>
+            </a:r>
+          </a:p>
+          <a:p>
+            <a:pPr lvl="1"/>
+            <a:r>
+              <a:rPr lang="en-US" dirty="0"/>
+              <a:t>C buying at one price, selling at a higher price, and hedging any risk.</a:t>
+            </a:r>
+          </a:p>
+          <a:p>
+            <a:r>
+              <a:rPr lang="en-US" dirty="0"/>
+              <a:t>6.Which of the following statements most accurately describes exchange-traded derivatives relative to over- the- counter derivatives? Exchange-traded derivatives are more likely to have:</a:t>
+            </a:r>
+          </a:p>
+          <a:p>
+            <a:pPr lvl="1"/>
+            <a:r>
+              <a:rPr lang="en-US" dirty="0"/>
+              <a:t>A greater credit risk.</a:t>
+            </a:r>
+          </a:p>
+          <a:p>
+            <a:pPr lvl="1"/>
+            <a:r>
+              <a:rPr lang="en-US" dirty="0"/>
+              <a:t>B standardized contract terms.</a:t>
+            </a:r>
+          </a:p>
+          <a:p>
+            <a:pPr lvl="1"/>
+            <a:r>
+              <a:rPr lang="en-US" dirty="0"/>
+              <a:t>C greater risk management uses</a:t>
+            </a:r>
           </a:p>
         </p:txBody>
       </p:sp>
     </p:spTree>
     <p:extLst>
       <p:ext uri="{BB962C8B-B14F-4D97-AF65-F5344CB8AC3E}">
-        <p14:creationId xmlns:p14="http://schemas.microsoft.com/office/powerpoint/2010/main" val="810741622"/>
+        <p14:creationId xmlns:p14="http://schemas.microsoft.com/office/powerpoint/2010/main" val="1189956952"/>
       </p:ext>
     </p:extLst>
   </p:cSld>
@@ -16227,7 +16204,7 @@
           <p:cNvPr id="2" name="Title 1">
             <a:extLst>
               <a:ext uri="{FF2B5EF4-FFF2-40B4-BE49-F238E27FC236}">
-                <a16:creationId xmlns:a16="http://schemas.microsoft.com/office/drawing/2014/main" id="{594F1C53-E728-4CBB-B42E-401BAB534833}"/>
+                <a16:creationId xmlns:a16="http://schemas.microsoft.com/office/drawing/2014/main" id="{CBE36A6B-6E55-4FD0-8260-0BEFE68F4514}"/>
               </a:ext>
             </a:extLst>
           </p:cNvPr>
@@ -16238,12 +16215,7 @@
             <p:ph type="title"/>
           </p:nvPr>
         </p:nvSpPr>
-        <p:spPr>
-          <a:xfrm>
-            <a:off x="677334" y="609600"/>
-            <a:ext cx="8596668" cy="1320800"/>
-          </a:xfrm>
-        </p:spPr>
+        <p:spPr/>
         <p:txBody>
           <a:bodyPr>
             <a:normAutofit/>
@@ -16303,7 +16275,7 @@
           <p:cNvPr id="3" name="Content Placeholder 2">
             <a:extLst>
               <a:ext uri="{FF2B5EF4-FFF2-40B4-BE49-F238E27FC236}">
-                <a16:creationId xmlns:a16="http://schemas.microsoft.com/office/drawing/2014/main" id="{7A1D6DA6-953B-4B3D-BBAF-2BF3840CE174}"/>
+                <a16:creationId xmlns:a16="http://schemas.microsoft.com/office/drawing/2014/main" id="{CF2F7B16-0AF8-4000-9305-F75458652CC6}"/>
               </a:ext>
             </a:extLst>
           </p:cNvPr>
@@ -16321,29 +16293,14 @@
           <a:p>
             <a:r>
               <a:rPr lang="en-US" dirty="0"/>
-              <a:t>Risk allocation , transfer , and management</a:t>
-            </a:r>
-          </a:p>
-          <a:p>
-            <a:r>
-              <a:rPr lang="en-US" dirty="0"/>
-              <a:t>Information discovery</a:t>
-            </a:r>
-          </a:p>
-          <a:p>
-            <a:r>
-              <a:rPr lang="en-US" dirty="0"/>
-              <a:t>Operational advantages</a:t>
-            </a:r>
-          </a:p>
-          <a:p>
-            <a:r>
-              <a:rPr lang="en-US" dirty="0"/>
-              <a:t>Market efficiency</a:t>
-            </a:r>
-          </a:p>
-          <a:p>
-            <a:endParaRPr lang="en-US" dirty="0"/>
+              <a:t>The origin of modern futures markets is the creation of the Chicago board of trade in 1848.</a:t>
+            </a:r>
+          </a:p>
+          <a:p>
+            <a:r>
+              <a:rPr lang="en-US" dirty="0"/>
+              <a:t>‘To-arrive’ contract</a:t>
+            </a:r>
           </a:p>
           <a:p>
             <a:endParaRPr lang="en-US" dirty="0"/>
@@ -16353,7 +16310,7 @@
     </p:spTree>
     <p:extLst>
       <p:ext uri="{BB962C8B-B14F-4D97-AF65-F5344CB8AC3E}">
-        <p14:creationId xmlns:p14="http://schemas.microsoft.com/office/powerpoint/2010/main" val="1516918961"/>
+        <p14:creationId xmlns:p14="http://schemas.microsoft.com/office/powerpoint/2010/main" val="810741622"/>
       </p:ext>
     </p:extLst>
   </p:cSld>
@@ -16385,7 +16342,7 @@
           <p:cNvPr id="2" name="Title 1">
             <a:extLst>
               <a:ext uri="{FF2B5EF4-FFF2-40B4-BE49-F238E27FC236}">
-                <a16:creationId xmlns:a16="http://schemas.microsoft.com/office/drawing/2014/main" id="{4615354A-E477-4616-83A2-BD4AC1206110}"/>
+                <a16:creationId xmlns:a16="http://schemas.microsoft.com/office/drawing/2014/main" id="{594F1C53-E728-4CBB-B42E-401BAB534833}"/>
               </a:ext>
             </a:extLst>
           </p:cNvPr>
@@ -16396,7 +16353,12 @@
             <p:ph type="title"/>
           </p:nvPr>
         </p:nvSpPr>
-        <p:spPr/>
+        <p:spPr>
+          <a:xfrm>
+            <a:off x="677334" y="609600"/>
+            <a:ext cx="8596668" cy="1320800"/>
+          </a:xfrm>
+        </p:spPr>
         <p:txBody>
           <a:bodyPr>
             <a:normAutofit/>
@@ -16405,8 +16367,49 @@
           <a:p>
             <a:r>
               <a:rPr lang="en-US" sz="4000" dirty="0"/>
-              <a:t>Practices</a:t>
-            </a:r>
+              <a:t>The</a:t>
+            </a:r>
+            <a:r>
+              <a:rPr lang="zh-CN" altLang="en-US" sz="4000" dirty="0"/>
+              <a:t> </a:t>
+            </a:r>
+            <a:r>
+              <a:rPr lang="en-US" altLang="zh-CN" sz="4000" dirty="0"/>
+              <a:t>purposes</a:t>
+            </a:r>
+            <a:r>
+              <a:rPr lang="zh-CN" altLang="en-US" sz="4000" dirty="0"/>
+              <a:t> </a:t>
+            </a:r>
+            <a:r>
+              <a:rPr lang="en-US" altLang="zh-CN" sz="4000" dirty="0"/>
+              <a:t>and</a:t>
+            </a:r>
+            <a:r>
+              <a:rPr lang="zh-CN" altLang="en-US" sz="4000" dirty="0"/>
+              <a:t> </a:t>
+            </a:r>
+            <a:r>
+              <a:rPr lang="en-US" altLang="zh-CN" sz="4000" dirty="0"/>
+              <a:t>benefits</a:t>
+            </a:r>
+            <a:r>
+              <a:rPr lang="zh-CN" altLang="en-US" sz="4000" dirty="0"/>
+              <a:t> </a:t>
+            </a:r>
+            <a:r>
+              <a:rPr lang="en-US" altLang="zh-CN" sz="4000" dirty="0"/>
+              <a:t>of</a:t>
+            </a:r>
+            <a:r>
+              <a:rPr lang="zh-CN" altLang="en-US" sz="4000" dirty="0"/>
+              <a:t> </a:t>
+            </a:r>
+            <a:r>
+              <a:rPr lang="en-US" altLang="zh-CN" sz="4000" dirty="0"/>
+              <a:t>derivatives</a:t>
+            </a:r>
+            <a:endParaRPr lang="en-US" sz="4000" dirty="0"/>
           </a:p>
         </p:txBody>
       </p:sp>
@@ -16415,7 +16418,7 @@
           <p:cNvPr id="3" name="Content Placeholder 2">
             <a:extLst>
               <a:ext uri="{FF2B5EF4-FFF2-40B4-BE49-F238E27FC236}">
-                <a16:creationId xmlns:a16="http://schemas.microsoft.com/office/drawing/2014/main" id="{E0C5A04C-3E9B-479A-BC64-0A200712E0E4}"/>
+                <a16:creationId xmlns:a16="http://schemas.microsoft.com/office/drawing/2014/main" id="{7A1D6DA6-953B-4B3D-BBAF-2BF3840CE174}"/>
               </a:ext>
             </a:extLst>
           </p:cNvPr>
@@ -16433,75 +16436,39 @@
           <a:p>
             <a:r>
               <a:rPr lang="en-US" dirty="0"/>
-              <a:t>1.Which of the following is not an advantage of derivative markets?</a:t>
-            </a:r>
-          </a:p>
-          <a:p>
-            <a:pPr lvl="1"/>
-            <a:r>
-              <a:rPr lang="en-US" dirty="0"/>
-              <a:t>A They are less volatile than spot markets.</a:t>
-            </a:r>
-          </a:p>
-          <a:p>
-            <a:pPr lvl="1"/>
-            <a:r>
-              <a:rPr lang="en-US" dirty="0"/>
-              <a:t>B They facilitate the allocation of risk in the market.</a:t>
-            </a:r>
-          </a:p>
-          <a:p>
-            <a:pPr lvl="1"/>
-            <a:r>
-              <a:rPr lang="en-US" dirty="0"/>
-              <a:t>C They incur lower transaction costs than spot markets.</a:t>
-            </a:r>
-          </a:p>
-          <a:p>
-            <a:r>
-              <a:rPr lang="en-US" dirty="0"/>
-              <a:t>2.Which of the following pieces of information is not </a:t>
-            </a:r>
-            <a:r>
-              <a:rPr lang="en-US" dirty="0">
-                <a:solidFill>
-                  <a:srgbClr val="FF0000"/>
-                </a:solidFill>
-              </a:rPr>
-              <a:t>conveyed</a:t>
-            </a:r>
-            <a:r>
-              <a:rPr lang="en-US" dirty="0"/>
-              <a:t> by at least one type of derivative?</a:t>
-            </a:r>
-          </a:p>
-          <a:p>
-            <a:pPr lvl="1"/>
-            <a:r>
-              <a:rPr lang="en-US" dirty="0"/>
-              <a:t>A The volatility of the underlying</a:t>
-            </a:r>
-          </a:p>
-          <a:p>
-            <a:pPr lvl="1"/>
-            <a:r>
-              <a:rPr lang="en-US" dirty="0"/>
-              <a:t>B The most widely used strategy of the underlying</a:t>
-            </a:r>
-          </a:p>
-          <a:p>
-            <a:pPr lvl="1"/>
-            <a:r>
-              <a:rPr lang="en-US" dirty="0"/>
-              <a:t>C The price at which uncertainty in the underlying can be eliminated</a:t>
-            </a:r>
+              <a:t>Risk allocation , transfer , and management</a:t>
+            </a:r>
+          </a:p>
+          <a:p>
+            <a:r>
+              <a:rPr lang="en-US" dirty="0"/>
+              <a:t>Information discovery</a:t>
+            </a:r>
+          </a:p>
+          <a:p>
+            <a:r>
+              <a:rPr lang="en-US" dirty="0"/>
+              <a:t>Operational advantages</a:t>
+            </a:r>
+          </a:p>
+          <a:p>
+            <a:r>
+              <a:rPr lang="en-US" dirty="0"/>
+              <a:t>Market efficiency</a:t>
+            </a:r>
+          </a:p>
+          <a:p>
+            <a:endParaRPr lang="en-US" dirty="0"/>
+          </a:p>
+          <a:p>
+            <a:endParaRPr lang="en-US" dirty="0"/>
           </a:p>
         </p:txBody>
       </p:sp>
     </p:spTree>
     <p:extLst>
       <p:ext uri="{BB962C8B-B14F-4D97-AF65-F5344CB8AC3E}">
-        <p14:creationId xmlns:p14="http://schemas.microsoft.com/office/powerpoint/2010/main" val="679871349"/>
+        <p14:creationId xmlns:p14="http://schemas.microsoft.com/office/powerpoint/2010/main" val="1516918961"/>
       </p:ext>
     </p:extLst>
   </p:cSld>
@@ -16533,7 +16500,7 @@
           <p:cNvPr id="2" name="Title 1">
             <a:extLst>
               <a:ext uri="{FF2B5EF4-FFF2-40B4-BE49-F238E27FC236}">
-                <a16:creationId xmlns:a16="http://schemas.microsoft.com/office/drawing/2014/main" id="{6A4E77FE-41FA-4F07-9556-77EA5BAC14A6}"/>
+                <a16:creationId xmlns:a16="http://schemas.microsoft.com/office/drawing/2014/main" id="{4615354A-E477-4616-83A2-BD4AC1206110}"/>
               </a:ext>
             </a:extLst>
           </p:cNvPr>
@@ -16553,20 +16520,8 @@
           <a:p>
             <a:r>
               <a:rPr lang="en-US" sz="4000" dirty="0"/>
-              <a:t>Criticisms and misuses of derivatives</a:t>
-            </a:r>
-            <a:br>
-              <a:rPr lang="en-US" sz="4000" dirty="0"/>
-            </a:br>
-            <a:r>
-              <a:rPr lang="en-US" sz="4000" dirty="0"/>
-              <a:t>S</a:t>
-            </a:r>
-            <a:r>
-              <a:rPr lang="en-US" altLang="zh-CN" sz="4000" dirty="0"/>
-              <a:t>peculation and gambling</a:t>
-            </a:r>
-            <a:endParaRPr lang="en-US" sz="4000" dirty="0"/>
+              <a:t>Practices</a:t>
+            </a:r>
           </a:p>
         </p:txBody>
       </p:sp>
@@ -16575,7 +16530,7 @@
           <p:cNvPr id="3" name="Content Placeholder 2">
             <a:extLst>
               <a:ext uri="{FF2B5EF4-FFF2-40B4-BE49-F238E27FC236}">
-                <a16:creationId xmlns:a16="http://schemas.microsoft.com/office/drawing/2014/main" id="{362F09A5-A3CB-4782-B9F6-D1BE6C31A73F}"/>
+                <a16:creationId xmlns:a16="http://schemas.microsoft.com/office/drawing/2014/main" id="{E0C5A04C-3E9B-479A-BC64-0A200712E0E4}"/>
               </a:ext>
             </a:extLst>
           </p:cNvPr>
@@ -16593,7 +16548,34 @@
           <a:p>
             <a:r>
               <a:rPr lang="en-US" dirty="0"/>
-              <a:t>Speculators are often thought to be </a:t>
+              <a:t>1.Which of the following is not an advantage of derivative markets?</a:t>
+            </a:r>
+          </a:p>
+          <a:p>
+            <a:pPr lvl="1"/>
+            <a:r>
+              <a:rPr lang="en-US" dirty="0"/>
+              <a:t>A They are less volatile than spot markets.</a:t>
+            </a:r>
+          </a:p>
+          <a:p>
+            <a:pPr lvl="1"/>
+            <a:r>
+              <a:rPr lang="en-US" dirty="0"/>
+              <a:t>B They facilitate the allocation of risk in the market.</a:t>
+            </a:r>
+          </a:p>
+          <a:p>
+            <a:pPr lvl="1"/>
+            <a:r>
+              <a:rPr lang="en-US" dirty="0"/>
+              <a:t>C They incur lower transaction costs than spot markets.</a:t>
+            </a:r>
+          </a:p>
+          <a:p>
+            <a:r>
+              <a:rPr lang="en-US" dirty="0"/>
+              <a:t>2.Which of the following pieces of information is not </a:t>
             </a:r>
             <a:r>
               <a:rPr lang="en-US" dirty="0">
@@ -16601,58 +16583,40 @@
                   <a:srgbClr val="FF0000"/>
                 </a:solidFill>
               </a:rPr>
-              <a:t>short- term traders </a:t>
-            </a:r>
-            <a:r>
-              <a:rPr lang="en-US" dirty="0"/>
-              <a:t>who attempt to exploit temporary inefficiencies.</a:t>
-            </a:r>
-          </a:p>
-          <a:p>
-            <a:r>
-              <a:rPr lang="en-US" dirty="0"/>
-              <a:t>Speculators are thought to engage in </a:t>
-            </a:r>
-            <a:r>
-              <a:rPr lang="en-US" dirty="0">
-                <a:solidFill>
-                  <a:srgbClr val="FF0000"/>
-                </a:solidFill>
-              </a:rPr>
-              <a:t>price manipulation </a:t>
-            </a:r>
-            <a:r>
-              <a:rPr lang="en-US" dirty="0"/>
-              <a:t>and to trade at extreme prices.</a:t>
-            </a:r>
-          </a:p>
-          <a:p>
-            <a:r>
-              <a:rPr lang="en-US" dirty="0"/>
-              <a:t>The profits from short- term trading are almost always taxed </a:t>
-            </a:r>
-            <a:r>
-              <a:rPr lang="en-US" dirty="0">
-                <a:solidFill>
-                  <a:srgbClr val="FF0000"/>
-                </a:solidFill>
-              </a:rPr>
-              <a:t>more heavily </a:t>
-            </a:r>
-            <a:r>
-              <a:rPr lang="en-US" dirty="0"/>
-              <a:t>than the profits from long- term trading.</a:t>
-            </a:r>
-          </a:p>
-          <a:p>
-            <a:endParaRPr lang="en-US" dirty="0"/>
+              <a:t>conveyed</a:t>
+            </a:r>
+            <a:r>
+              <a:rPr lang="en-US" dirty="0"/>
+              <a:t> by at least one type of derivative?</a:t>
+            </a:r>
+          </a:p>
+          <a:p>
+            <a:pPr lvl="1"/>
+            <a:r>
+              <a:rPr lang="en-US" dirty="0"/>
+              <a:t>A The volatility of the underlying</a:t>
+            </a:r>
+          </a:p>
+          <a:p>
+            <a:pPr lvl="1"/>
+            <a:r>
+              <a:rPr lang="en-US" dirty="0"/>
+              <a:t>B The most widely used strategy of the underlying</a:t>
+            </a:r>
+          </a:p>
+          <a:p>
+            <a:pPr lvl="1"/>
+            <a:r>
+              <a:rPr lang="en-US" dirty="0"/>
+              <a:t>C The price at which uncertainty in the underlying can be eliminated</a:t>
+            </a:r>
           </a:p>
         </p:txBody>
       </p:sp>
     </p:spTree>
     <p:extLst>
       <p:ext uri="{BB962C8B-B14F-4D97-AF65-F5344CB8AC3E}">
-        <p14:creationId xmlns:p14="http://schemas.microsoft.com/office/powerpoint/2010/main" val="133782581"/>
+        <p14:creationId xmlns:p14="http://schemas.microsoft.com/office/powerpoint/2010/main" val="679871349"/>
       </p:ext>
     </p:extLst>
   </p:cSld>
@@ -16684,7 +16648,7 @@
           <p:cNvPr id="2" name="Title 1">
             <a:extLst>
               <a:ext uri="{FF2B5EF4-FFF2-40B4-BE49-F238E27FC236}">
-                <a16:creationId xmlns:a16="http://schemas.microsoft.com/office/drawing/2014/main" id="{E482C202-64F2-44D8-9E40-0887E8F7325A}"/>
+                <a16:creationId xmlns:a16="http://schemas.microsoft.com/office/drawing/2014/main" id="{6A4E77FE-41FA-4F07-9556-77EA5BAC14A6}"/>
               </a:ext>
             </a:extLst>
           </p:cNvPr>
@@ -16711,8 +16675,13 @@
             </a:br>
             <a:r>
               <a:rPr lang="en-US" sz="4000" dirty="0"/>
-              <a:t>Destabilization and Systemic Risk</a:t>
-            </a:r>
+              <a:t>S</a:t>
+            </a:r>
+            <a:r>
+              <a:rPr lang="en-US" altLang="zh-CN" sz="4000" dirty="0"/>
+              <a:t>peculation and gambling</a:t>
+            </a:r>
+            <a:endParaRPr lang="en-US" sz="4000" dirty="0"/>
           </a:p>
         </p:txBody>
       </p:sp>
@@ -16721,7 +16690,7 @@
           <p:cNvPr id="3" name="Content Placeholder 2">
             <a:extLst>
               <a:ext uri="{FF2B5EF4-FFF2-40B4-BE49-F238E27FC236}">
-                <a16:creationId xmlns:a16="http://schemas.microsoft.com/office/drawing/2014/main" id="{00AFAD99-D187-4A05-BD57-E28833651C75}"/>
+                <a16:creationId xmlns:a16="http://schemas.microsoft.com/office/drawing/2014/main" id="{362F09A5-A3CB-4782-B9F6-D1BE6C31A73F}"/>
               </a:ext>
             </a:extLst>
           </p:cNvPr>
@@ -16734,14 +16703,12 @@
         </p:nvSpPr>
         <p:spPr/>
         <p:txBody>
-          <a:bodyPr>
-            <a:normAutofit lnSpcReduction="10000"/>
-          </a:bodyPr>
-          <a:lstStyle/>
-          <a:p>
-            <a:r>
-              <a:rPr lang="en-US" dirty="0"/>
-              <a:t>Defaults by speculators can then lead to defaults by their creditors, their creditors’ creditors, and so on. These effects can, therefore, be systemic and reflect an epidemic </a:t>
+          <a:bodyPr/>
+          <a:lstStyle/>
+          <a:p>
+            <a:r>
+              <a:rPr lang="en-US" dirty="0"/>
+              <a:t>Speculators are often thought to be </a:t>
             </a:r>
             <a:r>
               <a:rPr lang="en-US" dirty="0">
@@ -16749,17 +16716,17 @@
                   <a:srgbClr val="FF0000"/>
                 </a:solidFill>
               </a:rPr>
-              <a:t>contagion</a:t>
-            </a:r>
-            <a:r>
-              <a:rPr lang="en-US" dirty="0"/>
-              <a:t> whereby instability can spread throughout markets and an economy, if not the entire world.</a:t>
-            </a:r>
-          </a:p>
-          <a:p>
-            <a:r>
-              <a:rPr lang="en-US" dirty="0"/>
-              <a:t>Such effects occurred in the </a:t>
+              <a:t>short- term traders </a:t>
+            </a:r>
+            <a:r>
+              <a:rPr lang="en-US" dirty="0"/>
+              <a:t>who attempt to exploit temporary inefficiencies.</a:t>
+            </a:r>
+          </a:p>
+          <a:p>
+            <a:r>
+              <a:rPr lang="en-US" dirty="0"/>
+              <a:t>Speculators are thought to engage in </a:t>
             </a:r>
             <a:r>
               <a:rPr lang="en-US" dirty="0">
@@ -16767,17 +16734,17 @@
                   <a:srgbClr val="FF0000"/>
                 </a:solidFill>
               </a:rPr>
-              <a:t>Long- Term Capital Management </a:t>
-            </a:r>
-            <a:r>
-              <a:rPr lang="en-US" dirty="0"/>
-              <a:t>fiasco of 1998 and again in the financial crisis of 2008, in which derivatives, particularly credit default swaps, were widely used by many of the problem entities.</a:t>
-            </a:r>
-          </a:p>
-          <a:p>
-            <a:r>
-              <a:rPr lang="en-US" dirty="0"/>
-              <a:t>Some of these events </a:t>
+              <a:t>price manipulation </a:t>
+            </a:r>
+            <a:r>
+              <a:rPr lang="en-US" dirty="0"/>
+              <a:t>and to trade at extreme prices.</a:t>
+            </a:r>
+          </a:p>
+          <a:p>
+            <a:r>
+              <a:rPr lang="en-US" dirty="0"/>
+              <a:t>The profits from short- term trading are almost always taxed </a:t>
             </a:r>
             <a:r>
               <a:rPr lang="en-US" dirty="0">
@@ -16785,67 +16752,22 @@
                   <a:srgbClr val="FF0000"/>
                 </a:solidFill>
               </a:rPr>
-              <a:t>preceded</a:t>
-            </a:r>
-            <a:r>
-              <a:rPr lang="en-US" dirty="0"/>
-              <a:t> the era of modern derivatives markets, and others were completely </a:t>
-            </a:r>
-            <a:r>
-              <a:rPr lang="en-US" dirty="0">
-                <a:solidFill>
-                  <a:srgbClr val="FF0000"/>
-                </a:solidFill>
-              </a:rPr>
-              <a:t>unrelated</a:t>
-            </a:r>
-            <a:r>
-              <a:rPr lang="en-US" dirty="0"/>
-              <a:t> to the use of derivatives.</a:t>
-            </a:r>
-          </a:p>
-          <a:p>
-            <a:r>
-              <a:rPr lang="en-US" dirty="0"/>
-              <a:t>Another criticism of derivatives is simply their </a:t>
-            </a:r>
-            <a:r>
-              <a:rPr lang="en-US" dirty="0">
-                <a:solidFill>
-                  <a:srgbClr val="FF0000"/>
-                </a:solidFill>
-              </a:rPr>
-              <a:t>complexity</a:t>
-            </a:r>
-            <a:r>
-              <a:rPr lang="en-US" dirty="0"/>
-              <a:t>.</a:t>
-            </a:r>
-          </a:p>
-          <a:p>
-            <a:r>
-              <a:rPr lang="en-US" dirty="0"/>
-              <a:t>One explanation probably lies in the fact that scientists create models of markets by using scientific principles that </a:t>
-            </a:r>
-            <a:r>
-              <a:rPr lang="en-US" dirty="0">
-                <a:solidFill>
-                  <a:srgbClr val="FF0000"/>
-                </a:solidFill>
-              </a:rPr>
-              <a:t>often fail</a:t>
-            </a:r>
-            <a:r>
-              <a:rPr lang="en-US" dirty="0"/>
-              <a:t>.</a:t>
-            </a:r>
+              <a:t>more heavily </a:t>
+            </a:r>
+            <a:r>
+              <a:rPr lang="en-US" dirty="0"/>
+              <a:t>than the profits from long- term trading.</a:t>
+            </a:r>
+          </a:p>
+          <a:p>
+            <a:endParaRPr lang="en-US" dirty="0"/>
           </a:p>
         </p:txBody>
       </p:sp>
     </p:spTree>
     <p:extLst>
       <p:ext uri="{BB962C8B-B14F-4D97-AF65-F5344CB8AC3E}">
-        <p14:creationId xmlns:p14="http://schemas.microsoft.com/office/powerpoint/2010/main" val="1948992878"/>
+        <p14:creationId xmlns:p14="http://schemas.microsoft.com/office/powerpoint/2010/main" val="133782581"/>
       </p:ext>
     </p:extLst>
   </p:cSld>
@@ -16877,7 +16799,7 @@
           <p:cNvPr id="2" name="Title 1">
             <a:extLst>
               <a:ext uri="{FF2B5EF4-FFF2-40B4-BE49-F238E27FC236}">
-                <a16:creationId xmlns:a16="http://schemas.microsoft.com/office/drawing/2014/main" id="{553F70E7-AA33-42A6-BC63-F08FC8453BD7}"/>
+                <a16:creationId xmlns:a16="http://schemas.microsoft.com/office/drawing/2014/main" id="{E482C202-64F2-44D8-9E40-0887E8F7325A}"/>
               </a:ext>
             </a:extLst>
           </p:cNvPr>
@@ -16897,7 +16819,14 @@
           <a:p>
             <a:r>
               <a:rPr lang="en-US" sz="4000" dirty="0"/>
-              <a:t>Practices</a:t>
+              <a:t>Criticisms and misuses of derivatives</a:t>
+            </a:r>
+            <a:br>
+              <a:rPr lang="en-US" sz="4000" dirty="0"/>
+            </a:br>
+            <a:r>
+              <a:rPr lang="en-US" sz="4000" dirty="0"/>
+              <a:t>Destabilization and Systemic Risk</a:t>
             </a:r>
           </a:p>
         </p:txBody>
@@ -16907,7 +16836,7 @@
           <p:cNvPr id="3" name="Content Placeholder 2">
             <a:extLst>
               <a:ext uri="{FF2B5EF4-FFF2-40B4-BE49-F238E27FC236}">
-                <a16:creationId xmlns:a16="http://schemas.microsoft.com/office/drawing/2014/main" id="{ADDE3541-C827-46E6-AD4A-E75F304EA34D}"/>
+                <a16:creationId xmlns:a16="http://schemas.microsoft.com/office/drawing/2014/main" id="{00AFAD99-D187-4A05-BD57-E28833651C75}"/>
               </a:ext>
             </a:extLst>
           </p:cNvPr>
@@ -16920,33 +16849,110 @@
         </p:nvSpPr>
         <p:spPr/>
         <p:txBody>
-          <a:bodyPr/>
-          <a:lstStyle/>
-          <a:p>
-            <a:r>
-              <a:rPr lang="en-US" dirty="0"/>
-              <a:t>1.Which of the following responds to the criticism that derivatives can be destabilizing to the underlying market?</a:t>
-            </a:r>
-          </a:p>
-          <a:p>
-            <a:pPr lvl="1"/>
-            <a:r>
-              <a:rPr lang="en-US" dirty="0"/>
-              <a:t>A Market crashes and panics have occurred since long before derivatives existed.</a:t>
-            </a:r>
-          </a:p>
-          <a:p>
-            <a:pPr lvl="1"/>
-            <a:r>
-              <a:rPr lang="en-US" dirty="0"/>
-              <a:t>B Derivatives are sufficiently regulated that they cannot destabilize the spot market.</a:t>
-            </a:r>
-          </a:p>
-          <a:p>
-            <a:pPr lvl="1"/>
-            <a:r>
-              <a:rPr lang="en-US" dirty="0"/>
-              <a:t>C The transaction costs of derivatives are high enough to keep their use at a minimum level.</a:t>
+          <a:bodyPr>
+            <a:normAutofit lnSpcReduction="10000"/>
+          </a:bodyPr>
+          <a:lstStyle/>
+          <a:p>
+            <a:r>
+              <a:rPr lang="en-US" dirty="0"/>
+              <a:t>Defaults by speculators can then lead to defaults by their creditors, their creditors’ creditors, and so on. These effects can, therefore, be systemic and reflect an epidemic </a:t>
+            </a:r>
+            <a:r>
+              <a:rPr lang="en-US" dirty="0">
+                <a:solidFill>
+                  <a:srgbClr val="FF0000"/>
+                </a:solidFill>
+              </a:rPr>
+              <a:t>contagion</a:t>
+            </a:r>
+            <a:r>
+              <a:rPr lang="en-US" dirty="0"/>
+              <a:t> whereby instability can spread throughout markets and an economy, if not the entire world.</a:t>
+            </a:r>
+          </a:p>
+          <a:p>
+            <a:r>
+              <a:rPr lang="en-US" dirty="0"/>
+              <a:t>Such effects occurred in the </a:t>
+            </a:r>
+            <a:r>
+              <a:rPr lang="en-US" dirty="0">
+                <a:solidFill>
+                  <a:srgbClr val="FF0000"/>
+                </a:solidFill>
+              </a:rPr>
+              <a:t>Long- Term Capital Management </a:t>
+            </a:r>
+            <a:r>
+              <a:rPr lang="en-US" dirty="0"/>
+              <a:t>fiasco of 1998 and again in the financial crisis of 2008, in which derivatives, particularly credit default swaps, were widely used by many of the problem entities.</a:t>
+            </a:r>
+          </a:p>
+          <a:p>
+            <a:r>
+              <a:rPr lang="en-US" dirty="0"/>
+              <a:t>Some of these events </a:t>
+            </a:r>
+            <a:r>
+              <a:rPr lang="en-US" dirty="0">
+                <a:solidFill>
+                  <a:srgbClr val="FF0000"/>
+                </a:solidFill>
+              </a:rPr>
+              <a:t>preceded</a:t>
+            </a:r>
+            <a:r>
+              <a:rPr lang="en-US" dirty="0"/>
+              <a:t> the era of modern derivatives markets, and others were completely </a:t>
+            </a:r>
+            <a:r>
+              <a:rPr lang="en-US" dirty="0">
+                <a:solidFill>
+                  <a:srgbClr val="FF0000"/>
+                </a:solidFill>
+              </a:rPr>
+              <a:t>unrelated</a:t>
+            </a:r>
+            <a:r>
+              <a:rPr lang="en-US" dirty="0"/>
+              <a:t> to the use of derivatives.</a:t>
+            </a:r>
+          </a:p>
+          <a:p>
+            <a:r>
+              <a:rPr lang="en-US" dirty="0"/>
+              <a:t>Another criticism of derivatives is simply their </a:t>
+            </a:r>
+            <a:r>
+              <a:rPr lang="en-US" dirty="0">
+                <a:solidFill>
+                  <a:srgbClr val="FF0000"/>
+                </a:solidFill>
+              </a:rPr>
+              <a:t>complexity</a:t>
+            </a:r>
+            <a:r>
+              <a:rPr lang="en-US" dirty="0"/>
+              <a:t>.</a:t>
+            </a:r>
+          </a:p>
+          <a:p>
+            <a:r>
+              <a:rPr lang="en-US" dirty="0"/>
+              <a:t>One explanation probably lies in the fact that scientists create models of markets by using scientific principles that </a:t>
+            </a:r>
+            <a:r>
+              <a:rPr lang="en-US" dirty="0">
+                <a:solidFill>
+                  <a:srgbClr val="FF0000"/>
+                </a:solidFill>
+              </a:rPr>
+              <a:t>often fail</a:t>
+            </a:r>
+            <a:r>
+              <a:rPr lang="en-US" dirty="0"/>
+              <a:t>.</a:t>
             </a:r>
           </a:p>
         </p:txBody>
@@ -16954,7 +16960,7 @@
     </p:spTree>
     <p:extLst>
       <p:ext uri="{BB962C8B-B14F-4D97-AF65-F5344CB8AC3E}">
-        <p14:creationId xmlns:p14="http://schemas.microsoft.com/office/powerpoint/2010/main" val="425420384"/>
+        <p14:creationId xmlns:p14="http://schemas.microsoft.com/office/powerpoint/2010/main" val="1948992878"/>
       </p:ext>
     </p:extLst>
   </p:cSld>
@@ -16986,7 +16992,7 @@
           <p:cNvPr id="2" name="Title 1">
             <a:extLst>
               <a:ext uri="{FF2B5EF4-FFF2-40B4-BE49-F238E27FC236}">
-                <a16:creationId xmlns:a16="http://schemas.microsoft.com/office/drawing/2014/main" id="{400DE6A6-6594-4799-87FA-D2C785015F6A}"/>
+                <a16:creationId xmlns:a16="http://schemas.microsoft.com/office/drawing/2014/main" id="{553F70E7-AA33-42A6-BC63-F08FC8453BD7}"/>
               </a:ext>
             </a:extLst>
           </p:cNvPr>
@@ -17006,7 +17012,7 @@
           <a:p>
             <a:r>
               <a:rPr lang="en-US" sz="4000" dirty="0"/>
-              <a:t>Elementary principles of derivative pricing	</a:t>
+              <a:t>Practices</a:t>
             </a:r>
           </a:p>
         </p:txBody>
@@ -17016,7 +17022,7 @@
           <p:cNvPr id="3" name="Content Placeholder 2">
             <a:extLst>
               <a:ext uri="{FF2B5EF4-FFF2-40B4-BE49-F238E27FC236}">
-                <a16:creationId xmlns:a16="http://schemas.microsoft.com/office/drawing/2014/main" id="{4DE16CFC-EABE-4ACE-BFD3-4C0F750AE28D}"/>
+                <a16:creationId xmlns:a16="http://schemas.microsoft.com/office/drawing/2014/main" id="{ADDE3541-C827-46E6-AD4A-E75F304EA34D}"/>
               </a:ext>
             </a:extLst>
           </p:cNvPr>
@@ -17033,64 +17039,37 @@
           <a:lstStyle/>
           <a:p>
             <a:r>
-              <a:rPr lang="en-US" sz="3200" dirty="0"/>
-              <a:t>F</a:t>
-            </a:r>
-            <a:r>
-              <a:rPr lang="en-US" sz="3200" baseline="-25000" dirty="0"/>
-              <a:t>T</a:t>
-            </a:r>
-            <a:r>
-              <a:rPr lang="en-US" sz="3200" dirty="0"/>
-              <a:t>=(S</a:t>
-            </a:r>
-            <a:r>
-              <a:rPr lang="en-US" sz="3200" baseline="-25000" dirty="0"/>
-              <a:t>0</a:t>
-            </a:r>
-            <a:r>
-              <a:rPr lang="en-US" sz="3200" dirty="0"/>
-              <a:t>+cost</a:t>
-            </a:r>
-            <a:r>
-              <a:rPr lang="en-US" sz="3200" baseline="-25000" dirty="0"/>
-              <a:t>0</a:t>
-            </a:r>
-            <a:r>
-              <a:rPr lang="en-US" sz="3200" dirty="0"/>
-              <a:t>-benefit</a:t>
-            </a:r>
-            <a:r>
-              <a:rPr lang="en-US" sz="3200" baseline="-25000" dirty="0"/>
-              <a:t>0</a:t>
-            </a:r>
-            <a:r>
-              <a:rPr lang="en-US" sz="3200" dirty="0"/>
-              <a:t>)*(1+rf)</a:t>
-            </a:r>
-            <a:r>
-              <a:rPr lang="en-US" sz="3200" baseline="30000" dirty="0"/>
-              <a:t>T</a:t>
-            </a:r>
-          </a:p>
-          <a:p>
-            <a:pPr marL="0" indent="0">
-              <a:buNone/>
-            </a:pPr>
-            <a:endParaRPr lang="en-US" dirty="0"/>
-          </a:p>
-          <a:p>
-            <a:endParaRPr lang="en-US" dirty="0"/>
-          </a:p>
-          <a:p>
-            <a:endParaRPr lang="en-US" dirty="0"/>
+              <a:rPr lang="en-US" dirty="0"/>
+              <a:t>1.Which of the following responds to the criticism that derivatives can be destabilizing to the underlying market?</a:t>
+            </a:r>
+          </a:p>
+          <a:p>
+            <a:pPr lvl="1"/>
+            <a:r>
+              <a:rPr lang="en-US" dirty="0"/>
+              <a:t>A Market crashes and panics have occurred since long before derivatives existed.</a:t>
+            </a:r>
+          </a:p>
+          <a:p>
+            <a:pPr lvl="1"/>
+            <a:r>
+              <a:rPr lang="en-US" dirty="0"/>
+              <a:t>B Derivatives are sufficiently regulated that they cannot destabilize the spot market.</a:t>
+            </a:r>
+          </a:p>
+          <a:p>
+            <a:pPr lvl="1"/>
+            <a:r>
+              <a:rPr lang="en-US" dirty="0"/>
+              <a:t>C The transaction costs of derivatives are high enough to keep their use at a minimum level.</a:t>
+            </a:r>
           </a:p>
         </p:txBody>
       </p:sp>
     </p:spTree>
     <p:extLst>
       <p:ext uri="{BB962C8B-B14F-4D97-AF65-F5344CB8AC3E}">
-        <p14:creationId xmlns:p14="http://schemas.microsoft.com/office/powerpoint/2010/main" val="3291422637"/>
+        <p14:creationId xmlns:p14="http://schemas.microsoft.com/office/powerpoint/2010/main" val="425420384"/>
       </p:ext>
     </p:extLst>
   </p:cSld>
@@ -17122,7 +17101,7 @@
           <p:cNvPr id="2" name="Title 1">
             <a:extLst>
               <a:ext uri="{FF2B5EF4-FFF2-40B4-BE49-F238E27FC236}">
-                <a16:creationId xmlns:a16="http://schemas.microsoft.com/office/drawing/2014/main" id="{E27110C5-F8BA-45AC-995C-2B423C07E872}"/>
+                <a16:creationId xmlns:a16="http://schemas.microsoft.com/office/drawing/2014/main" id="{400DE6A6-6594-4799-87FA-D2C785015F6A}"/>
               </a:ext>
             </a:extLst>
           </p:cNvPr>
@@ -17142,7 +17121,7 @@
           <a:p>
             <a:r>
               <a:rPr lang="en-US" sz="4000" dirty="0"/>
-              <a:t>Elementary principles of derivative pricing-Storage</a:t>
+              <a:t>Elementary principles of derivative pricing	</a:t>
             </a:r>
           </a:p>
         </p:txBody>
@@ -17152,7 +17131,7 @@
           <p:cNvPr id="3" name="Content Placeholder 2">
             <a:extLst>
               <a:ext uri="{FF2B5EF4-FFF2-40B4-BE49-F238E27FC236}">
-                <a16:creationId xmlns:a16="http://schemas.microsoft.com/office/drawing/2014/main" id="{EDD93B4A-D015-42DB-ADD3-572F3F689EF3}"/>
+                <a16:creationId xmlns:a16="http://schemas.microsoft.com/office/drawing/2014/main" id="{4DE16CFC-EABE-4ACE-BFD3-4C0F750AE28D}"/>
               </a:ext>
             </a:extLst>
           </p:cNvPr>
@@ -17169,15 +17148,54 @@
           <a:lstStyle/>
           <a:p>
             <a:r>
-              <a:rPr lang="en-US" dirty="0"/>
-              <a:t>Storage incurs costs.(commodity)</a:t>
-            </a:r>
-          </a:p>
-          <a:p>
-            <a:r>
-              <a:rPr lang="en-US" dirty="0"/>
-              <a:t>Some assets pay returns during storage.(financial asset)</a:t>
-            </a:r>
+              <a:rPr lang="en-US" sz="3200" dirty="0"/>
+              <a:t>F</a:t>
+            </a:r>
+            <a:r>
+              <a:rPr lang="en-US" sz="3200" baseline="-25000" dirty="0"/>
+              <a:t>T</a:t>
+            </a:r>
+            <a:r>
+              <a:rPr lang="en-US" sz="3200" dirty="0"/>
+              <a:t>=(S</a:t>
+            </a:r>
+            <a:r>
+              <a:rPr lang="en-US" sz="3200" baseline="-25000" dirty="0"/>
+              <a:t>0</a:t>
+            </a:r>
+            <a:r>
+              <a:rPr lang="en-US" sz="3200" dirty="0"/>
+              <a:t>+cost</a:t>
+            </a:r>
+            <a:r>
+              <a:rPr lang="en-US" sz="3200" baseline="-25000" dirty="0"/>
+              <a:t>0</a:t>
+            </a:r>
+            <a:r>
+              <a:rPr lang="en-US" sz="3200" dirty="0"/>
+              <a:t>-benefit</a:t>
+            </a:r>
+            <a:r>
+              <a:rPr lang="en-US" sz="3200" baseline="-25000" dirty="0"/>
+              <a:t>0</a:t>
+            </a:r>
+            <a:r>
+              <a:rPr lang="en-US" sz="3200" dirty="0"/>
+              <a:t>)*(1+rf)</a:t>
+            </a:r>
+            <a:r>
+              <a:rPr lang="en-US" sz="3200" baseline="30000" dirty="0"/>
+              <a:t>T</a:t>
+            </a:r>
+          </a:p>
+          <a:p>
+            <a:pPr marL="0" indent="0">
+              <a:buNone/>
+            </a:pPr>
+            <a:endParaRPr lang="en-US" dirty="0"/>
+          </a:p>
+          <a:p>
+            <a:endParaRPr lang="en-US" dirty="0"/>
           </a:p>
           <a:p>
             <a:endParaRPr lang="en-US" dirty="0"/>
@@ -17187,7 +17205,7 @@
     </p:spTree>
     <p:extLst>
       <p:ext uri="{BB962C8B-B14F-4D97-AF65-F5344CB8AC3E}">
-        <p14:creationId xmlns:p14="http://schemas.microsoft.com/office/powerpoint/2010/main" val="3268475084"/>
+        <p14:creationId xmlns:p14="http://schemas.microsoft.com/office/powerpoint/2010/main" val="3291422637"/>
       </p:ext>
     </p:extLst>
   </p:cSld>
@@ -17219,7 +17237,7 @@
           <p:cNvPr id="2" name="Title 1">
             <a:extLst>
               <a:ext uri="{FF2B5EF4-FFF2-40B4-BE49-F238E27FC236}">
-                <a16:creationId xmlns:a16="http://schemas.microsoft.com/office/drawing/2014/main" id="{6C9DE97C-F9BE-4030-983F-36EB31059087}"/>
+                <a16:creationId xmlns:a16="http://schemas.microsoft.com/office/drawing/2014/main" id="{E27110C5-F8BA-45AC-995C-2B423C07E872}"/>
               </a:ext>
             </a:extLst>
           </p:cNvPr>
@@ -17239,7 +17257,7 @@
           <a:p>
             <a:r>
               <a:rPr lang="en-US" sz="4000" dirty="0"/>
-              <a:t>Elementary principles of derivative pricing-Arbitrage</a:t>
+              <a:t>Elementary principles of derivative pricing-Storage</a:t>
             </a:r>
           </a:p>
         </p:txBody>
@@ -17249,7 +17267,7 @@
           <p:cNvPr id="3" name="Content Placeholder 2">
             <a:extLst>
               <a:ext uri="{FF2B5EF4-FFF2-40B4-BE49-F238E27FC236}">
-                <a16:creationId xmlns:a16="http://schemas.microsoft.com/office/drawing/2014/main" id="{40CEE757-6D71-4744-82DB-2F1B2E2E54BE}"/>
+                <a16:creationId xmlns:a16="http://schemas.microsoft.com/office/drawing/2014/main" id="{EDD93B4A-D015-42DB-ADD3-572F3F689EF3}"/>
               </a:ext>
             </a:extLst>
           </p:cNvPr>
@@ -17267,105 +17285,24 @@
           <a:p>
             <a:r>
               <a:rPr lang="en-US" dirty="0"/>
-              <a:t>In well- functioning markets with low transaction costs and a free flow of information, the </a:t>
-            </a:r>
-            <a:r>
-              <a:rPr lang="en-US" dirty="0">
-                <a:solidFill>
-                  <a:srgbClr val="FF0000"/>
-                </a:solidFill>
-              </a:rPr>
-              <a:t>same asset cannot sell for more than one price</a:t>
-            </a:r>
-            <a:r>
-              <a:rPr lang="en-US" dirty="0"/>
-              <a:t>.</a:t>
-            </a:r>
-          </a:p>
-          <a:p>
-            <a:r>
-              <a:rPr lang="en-US" dirty="0"/>
-              <a:t>For this reason, arbitrage is often referred to as the </a:t>
-            </a:r>
-            <a:r>
-              <a:rPr lang="en-US" dirty="0">
-                <a:solidFill>
-                  <a:srgbClr val="FF0000"/>
-                </a:solidFill>
-              </a:rPr>
-              <a:t>law of one price</a:t>
-            </a:r>
-            <a:r>
-              <a:rPr lang="en-US" dirty="0"/>
-              <a:t>.</a:t>
-            </a:r>
-          </a:p>
-          <a:p>
-            <a:r>
-              <a:rPr lang="en-US" dirty="0"/>
-              <a:t>This trade would </a:t>
-            </a:r>
-            <a:r>
-              <a:rPr lang="en-US" dirty="0">
-                <a:solidFill>
-                  <a:srgbClr val="FF0000"/>
-                </a:solidFill>
-              </a:rPr>
-              <a:t>get profit at no risk </a:t>
-            </a:r>
-            <a:r>
-              <a:rPr lang="en-US" dirty="0"/>
-              <a:t>and </a:t>
-            </a:r>
-            <a:r>
-              <a:rPr lang="en-US" dirty="0">
-                <a:solidFill>
-                  <a:srgbClr val="FF0000"/>
-                </a:solidFill>
-              </a:rPr>
-              <a:t>not require the commitment of any of the investor’s capital</a:t>
-            </a:r>
-            <a:r>
-              <a:rPr lang="en-US" dirty="0"/>
-              <a:t>.</a:t>
-            </a:r>
-          </a:p>
-          <a:p>
-            <a:r>
-              <a:rPr lang="en-US" dirty="0"/>
-              <a:t>To summarize, the forces of arbitrage in financial markets assure us that the </a:t>
-            </a:r>
-            <a:r>
-              <a:rPr lang="en-US" dirty="0">
-                <a:solidFill>
-                  <a:srgbClr val="FF0000"/>
-                </a:solidFill>
-              </a:rPr>
-              <a:t>same asset cannot sell for different prices</a:t>
-            </a:r>
-            <a:r>
-              <a:rPr lang="en-US" dirty="0"/>
-              <a:t>, nor can </a:t>
-            </a:r>
-            <a:r>
-              <a:rPr lang="en-US" dirty="0">
-                <a:solidFill>
-                  <a:srgbClr val="FF0000"/>
-                </a:solidFill>
-              </a:rPr>
-              <a:t>two equivalent combinations of assets that produce the same results sell for different prices</a:t>
-            </a:r>
-            <a:r>
-              <a:rPr lang="en-US" dirty="0"/>
-              <a:t>.</a:t>
-            </a:r>
+              <a:t>Storage incurs costs.(commodity)</a:t>
+            </a:r>
+          </a:p>
+          <a:p>
+            <a:r>
+              <a:rPr lang="en-US" dirty="0"/>
+              <a:t>Some assets pay returns during storage.(financial asset)</a:t>
+            </a:r>
+          </a:p>
+          <a:p>
+            <a:endParaRPr lang="en-US" dirty="0"/>
           </a:p>
         </p:txBody>
       </p:sp>
     </p:spTree>
     <p:extLst>
       <p:ext uri="{BB962C8B-B14F-4D97-AF65-F5344CB8AC3E}">
-        <p14:creationId xmlns:p14="http://schemas.microsoft.com/office/powerpoint/2010/main" val="4154657851"/>
+        <p14:creationId xmlns:p14="http://schemas.microsoft.com/office/powerpoint/2010/main" val="3268475084"/>
       </p:ext>
     </p:extLst>
   </p:cSld>
@@ -17397,6 +17334,294 @@
           <p:cNvPr id="2" name="Title 1">
             <a:extLst>
               <a:ext uri="{FF2B5EF4-FFF2-40B4-BE49-F238E27FC236}">
+                <a16:creationId xmlns:a16="http://schemas.microsoft.com/office/drawing/2014/main" id="{6C9DE97C-F9BE-4030-983F-36EB31059087}"/>
+              </a:ext>
+            </a:extLst>
+          </p:cNvPr>
+          <p:cNvSpPr>
+            <a:spLocks noGrp="1"/>
+          </p:cNvSpPr>
+          <p:nvPr>
+            <p:ph type="title"/>
+          </p:nvPr>
+        </p:nvSpPr>
+        <p:spPr/>
+        <p:txBody>
+          <a:bodyPr>
+            <a:normAutofit/>
+          </a:bodyPr>
+          <a:lstStyle/>
+          <a:p>
+            <a:r>
+              <a:rPr lang="en-US" sz="4000" dirty="0"/>
+              <a:t>Elementary principles of derivative pricing-Arbitrage</a:t>
+            </a:r>
+          </a:p>
+        </p:txBody>
+      </p:sp>
+      <p:sp>
+        <p:nvSpPr>
+          <p:cNvPr id="3" name="Content Placeholder 2">
+            <a:extLst>
+              <a:ext uri="{FF2B5EF4-FFF2-40B4-BE49-F238E27FC236}">
+                <a16:creationId xmlns:a16="http://schemas.microsoft.com/office/drawing/2014/main" id="{40CEE757-6D71-4744-82DB-2F1B2E2E54BE}"/>
+              </a:ext>
+            </a:extLst>
+          </p:cNvPr>
+          <p:cNvSpPr>
+            <a:spLocks noGrp="1"/>
+          </p:cNvSpPr>
+          <p:nvPr>
+            <p:ph idx="1"/>
+          </p:nvPr>
+        </p:nvSpPr>
+        <p:spPr/>
+        <p:txBody>
+          <a:bodyPr/>
+          <a:lstStyle/>
+          <a:p>
+            <a:r>
+              <a:rPr lang="en-US" dirty="0"/>
+              <a:t>In well- functioning markets with low transaction costs and a free flow of information, the </a:t>
+            </a:r>
+            <a:r>
+              <a:rPr lang="en-US" dirty="0">
+                <a:solidFill>
+                  <a:srgbClr val="FF0000"/>
+                </a:solidFill>
+              </a:rPr>
+              <a:t>same asset cannot sell for more than one price</a:t>
+            </a:r>
+            <a:r>
+              <a:rPr lang="en-US" dirty="0"/>
+              <a:t>.</a:t>
+            </a:r>
+          </a:p>
+          <a:p>
+            <a:r>
+              <a:rPr lang="en-US" dirty="0"/>
+              <a:t>For this reason, arbitrage is often referred to as the </a:t>
+            </a:r>
+            <a:r>
+              <a:rPr lang="en-US" dirty="0">
+                <a:solidFill>
+                  <a:srgbClr val="FF0000"/>
+                </a:solidFill>
+              </a:rPr>
+              <a:t>law of one price</a:t>
+            </a:r>
+            <a:r>
+              <a:rPr lang="en-US" dirty="0"/>
+              <a:t>.</a:t>
+            </a:r>
+          </a:p>
+          <a:p>
+            <a:r>
+              <a:rPr lang="en-US" dirty="0"/>
+              <a:t>This trade would </a:t>
+            </a:r>
+            <a:r>
+              <a:rPr lang="en-US" dirty="0">
+                <a:solidFill>
+                  <a:srgbClr val="FF0000"/>
+                </a:solidFill>
+              </a:rPr>
+              <a:t>get profit at no risk </a:t>
+            </a:r>
+            <a:r>
+              <a:rPr lang="en-US" dirty="0"/>
+              <a:t>and </a:t>
+            </a:r>
+            <a:r>
+              <a:rPr lang="en-US" dirty="0">
+                <a:solidFill>
+                  <a:srgbClr val="FF0000"/>
+                </a:solidFill>
+              </a:rPr>
+              <a:t>not require the commitment of any of the investor’s capital</a:t>
+            </a:r>
+            <a:r>
+              <a:rPr lang="en-US" dirty="0"/>
+              <a:t>.</a:t>
+            </a:r>
+          </a:p>
+          <a:p>
+            <a:r>
+              <a:rPr lang="en-US" dirty="0"/>
+              <a:t>To summarize, the forces of arbitrage in financial markets assure us that the </a:t>
+            </a:r>
+            <a:r>
+              <a:rPr lang="en-US" dirty="0">
+                <a:solidFill>
+                  <a:srgbClr val="FF0000"/>
+                </a:solidFill>
+              </a:rPr>
+              <a:t>same asset cannot sell for different prices</a:t>
+            </a:r>
+            <a:r>
+              <a:rPr lang="en-US" dirty="0"/>
+              <a:t>, nor can </a:t>
+            </a:r>
+            <a:r>
+              <a:rPr lang="en-US" dirty="0">
+                <a:solidFill>
+                  <a:srgbClr val="FF0000"/>
+                </a:solidFill>
+              </a:rPr>
+              <a:t>two equivalent combinations of assets that produce the same results sell for different prices</a:t>
+            </a:r>
+            <a:r>
+              <a:rPr lang="en-US" dirty="0"/>
+              <a:t>.</a:t>
+            </a:r>
+          </a:p>
+        </p:txBody>
+      </p:sp>
+    </p:spTree>
+    <p:extLst>
+      <p:ext uri="{BB962C8B-B14F-4D97-AF65-F5344CB8AC3E}">
+        <p14:creationId xmlns:p14="http://schemas.microsoft.com/office/powerpoint/2010/main" val="4154657851"/>
+      </p:ext>
+    </p:extLst>
+  </p:cSld>
+  <p:clrMapOvr>
+    <a:masterClrMapping/>
+  </p:clrMapOvr>
+</p:sld>
+</file>
+
+<file path=ppt/slides/slide7.xml><?xml version="1.0" encoding="utf-8"?>
+<p:sld xmlns:a="http://schemas.openxmlformats.org/drawingml/2006/main" xmlns:r="http://schemas.openxmlformats.org/officeDocument/2006/relationships" xmlns:p="http://schemas.openxmlformats.org/presentationml/2006/main">
+  <p:cSld>
+    <p:spTree>
+      <p:nvGrpSpPr>
+        <p:cNvPr id="1" name=""/>
+        <p:cNvGrpSpPr/>
+        <p:nvPr/>
+      </p:nvGrpSpPr>
+      <p:grpSpPr>
+        <a:xfrm>
+          <a:off x="0" y="0"/>
+          <a:ext cx="0" cy="0"/>
+          <a:chOff x="0" y="0"/>
+          <a:chExt cx="0" cy="0"/>
+        </a:xfrm>
+      </p:grpSpPr>
+      <p:sp>
+        <p:nvSpPr>
+          <p:cNvPr id="2" name="Title 1">
+            <a:extLst>
+              <a:ext uri="{FF2B5EF4-FFF2-40B4-BE49-F238E27FC236}">
+                <a16:creationId xmlns:a16="http://schemas.microsoft.com/office/drawing/2014/main" id="{6279413E-3C52-4A96-B4B7-D949477196A8}"/>
+              </a:ext>
+            </a:extLst>
+          </p:cNvPr>
+          <p:cNvSpPr>
+            <a:spLocks noGrp="1"/>
+          </p:cNvSpPr>
+          <p:nvPr>
+            <p:ph type="title"/>
+          </p:nvPr>
+        </p:nvSpPr>
+        <p:spPr/>
+        <p:txBody>
+          <a:bodyPr>
+            <a:normAutofit/>
+          </a:bodyPr>
+          <a:lstStyle/>
+          <a:p>
+            <a:r>
+              <a:rPr lang="en-US" sz="4000" dirty="0"/>
+              <a:t>Pricing the Underlying</a:t>
+            </a:r>
+          </a:p>
+        </p:txBody>
+      </p:sp>
+      <p:sp>
+        <p:nvSpPr>
+          <p:cNvPr id="3" name="Content Placeholder 2">
+            <a:extLst>
+              <a:ext uri="{FF2B5EF4-FFF2-40B4-BE49-F238E27FC236}">
+                <a16:creationId xmlns:a16="http://schemas.microsoft.com/office/drawing/2014/main" id="{7572C0F9-7509-4B3E-B285-5A2391F3BCAE}"/>
+              </a:ext>
+            </a:extLst>
+          </p:cNvPr>
+          <p:cNvSpPr>
+            <a:spLocks noGrp="1"/>
+          </p:cNvSpPr>
+          <p:nvPr>
+            <p:ph idx="1"/>
+          </p:nvPr>
+        </p:nvSpPr>
+        <p:spPr/>
+        <p:txBody>
+          <a:bodyPr/>
+          <a:lstStyle/>
+          <a:p>
+            <a:r>
+              <a:rPr lang="en-US" dirty="0"/>
+              <a:t>The price of a financial asset is often determined using a present value of future cash flows approach. </a:t>
+            </a:r>
+          </a:p>
+          <a:p>
+            <a:r>
+              <a:rPr lang="en-US" dirty="0"/>
+              <a:t>The value of the financial asset is the expected future price plus any interim payments such as dividends or coupon interest discounted at a rate appropriate for the risk assumed.</a:t>
+            </a:r>
+          </a:p>
+          <a:p>
+            <a:r>
+              <a:rPr lang="en-US" dirty="0"/>
+              <a:t>The risk aversion of the investor</a:t>
+            </a:r>
+          </a:p>
+          <a:p>
+            <a:pPr lvl="1"/>
+            <a:r>
+              <a:rPr lang="en-US" dirty="0"/>
+              <a:t>We can generally characterize three potential types of investors by how they feel about risk: risk averse, risk neutral, or risk seeking</a:t>
+            </a:r>
+          </a:p>
+          <a:p>
+            <a:endParaRPr lang="en-US" dirty="0"/>
+          </a:p>
+        </p:txBody>
+      </p:sp>
+    </p:spTree>
+    <p:extLst>
+      <p:ext uri="{BB962C8B-B14F-4D97-AF65-F5344CB8AC3E}">
+        <p14:creationId xmlns:p14="http://schemas.microsoft.com/office/powerpoint/2010/main" val="2624247265"/>
+      </p:ext>
+    </p:extLst>
+  </p:cSld>
+  <p:clrMapOvr>
+    <a:masterClrMapping/>
+  </p:clrMapOvr>
+</p:sld>
+</file>
+
+<file path=ppt/slides/slide70.xml><?xml version="1.0" encoding="utf-8"?>
+<p:sld xmlns:a="http://schemas.openxmlformats.org/drawingml/2006/main" xmlns:r="http://schemas.openxmlformats.org/officeDocument/2006/relationships" xmlns:p="http://schemas.openxmlformats.org/presentationml/2006/main">
+  <p:cSld>
+    <p:spTree>
+      <p:nvGrpSpPr>
+        <p:cNvPr id="1" name=""/>
+        <p:cNvGrpSpPr/>
+        <p:nvPr/>
+      </p:nvGrpSpPr>
+      <p:grpSpPr>
+        <a:xfrm>
+          <a:off x="0" y="0"/>
+          <a:ext cx="0" cy="0"/>
+          <a:chOff x="0" y="0"/>
+          <a:chExt cx="0" cy="0"/>
+        </a:xfrm>
+      </p:grpSpPr>
+      <p:sp>
+        <p:nvSpPr>
+          <p:cNvPr id="2" name="Title 1">
+            <a:extLst>
+              <a:ext uri="{FF2B5EF4-FFF2-40B4-BE49-F238E27FC236}">
                 <a16:creationId xmlns:a16="http://schemas.microsoft.com/office/drawing/2014/main" id="{4EE68B82-6AB7-4B2C-9CE0-91C5F1189BC5}"/>
               </a:ext>
             </a:extLst>
@@ -17463,7 +17688,581 @@
 </p:sld>
 </file>
 
-<file path=ppt/slides/slide7.xml><?xml version="1.0" encoding="utf-8"?>
+<file path=ppt/slides/slide71.xml><?xml version="1.0" encoding="utf-8"?>
+<p:sld xmlns:a="http://schemas.openxmlformats.org/drawingml/2006/main" xmlns:r="http://schemas.openxmlformats.org/officeDocument/2006/relationships" xmlns:p="http://schemas.openxmlformats.org/presentationml/2006/main">
+  <p:cSld>
+    <p:spTree>
+      <p:nvGrpSpPr>
+        <p:cNvPr id="1" name=""/>
+        <p:cNvGrpSpPr/>
+        <p:nvPr/>
+      </p:nvGrpSpPr>
+      <p:grpSpPr>
+        <a:xfrm>
+          <a:off x="0" y="0"/>
+          <a:ext cx="0" cy="0"/>
+          <a:chOff x="0" y="0"/>
+          <a:chExt cx="0" cy="0"/>
+        </a:xfrm>
+      </p:grpSpPr>
+      <p:sp>
+        <p:nvSpPr>
+          <p:cNvPr id="2" name="Title 1">
+            <a:extLst>
+              <a:ext uri="{FF2B5EF4-FFF2-40B4-BE49-F238E27FC236}">
+                <a16:creationId xmlns:a16="http://schemas.microsoft.com/office/drawing/2014/main" id="{737185EF-23C0-4996-B8AD-822F238FC53F}"/>
+              </a:ext>
+            </a:extLst>
+          </p:cNvPr>
+          <p:cNvSpPr>
+            <a:spLocks noGrp="1"/>
+          </p:cNvSpPr>
+          <p:nvPr>
+            <p:ph type="title"/>
+          </p:nvPr>
+        </p:nvSpPr>
+        <p:spPr/>
+        <p:txBody>
+          <a:bodyPr>
+            <a:normAutofit/>
+          </a:bodyPr>
+          <a:lstStyle/>
+          <a:p>
+            <a:r>
+              <a:rPr lang="en-US" sz="4000" dirty="0"/>
+              <a:t>Elementary principles of derivative pricing-Arbitrage</a:t>
+            </a:r>
+          </a:p>
+        </p:txBody>
+      </p:sp>
+      <p:sp>
+        <p:nvSpPr>
+          <p:cNvPr id="3" name="Content Placeholder 2">
+            <a:extLst>
+              <a:ext uri="{FF2B5EF4-FFF2-40B4-BE49-F238E27FC236}">
+                <a16:creationId xmlns:a16="http://schemas.microsoft.com/office/drawing/2014/main" id="{E052CFE4-4415-4BD8-9BF3-7801A1F1C482}"/>
+              </a:ext>
+            </a:extLst>
+          </p:cNvPr>
+          <p:cNvSpPr>
+            <a:spLocks noGrp="1"/>
+          </p:cNvSpPr>
+          <p:nvPr>
+            <p:ph idx="1"/>
+          </p:nvPr>
+        </p:nvSpPr>
+        <p:spPr/>
+        <p:txBody>
+          <a:bodyPr/>
+          <a:lstStyle/>
+          <a:p>
+            <a:r>
+              <a:rPr lang="en-US" dirty="0"/>
+              <a:t>Tencent S</a:t>
+            </a:r>
+            <a:r>
+              <a:rPr lang="en-US" baseline="-25000" dirty="0"/>
+              <a:t>0</a:t>
+            </a:r>
+            <a:r>
+              <a:rPr lang="en-US" dirty="0"/>
+              <a:t>=500, F</a:t>
+            </a:r>
+            <a:r>
+              <a:rPr lang="en-US" baseline="-25000" dirty="0"/>
+              <a:t>1</a:t>
+            </a:r>
+            <a:r>
+              <a:rPr lang="en-US" dirty="0"/>
+              <a:t>=530 , RF=4%</a:t>
+            </a:r>
+          </a:p>
+        </p:txBody>
+      </p:sp>
+    </p:spTree>
+    <p:extLst>
+      <p:ext uri="{BB962C8B-B14F-4D97-AF65-F5344CB8AC3E}">
+        <p14:creationId xmlns:p14="http://schemas.microsoft.com/office/powerpoint/2010/main" val="2233100900"/>
+      </p:ext>
+    </p:extLst>
+  </p:cSld>
+  <p:clrMapOvr>
+    <a:masterClrMapping/>
+  </p:clrMapOvr>
+</p:sld>
+</file>
+
+<file path=ppt/slides/slide72.xml><?xml version="1.0" encoding="utf-8"?>
+<p:sld xmlns:a="http://schemas.openxmlformats.org/drawingml/2006/main" xmlns:r="http://schemas.openxmlformats.org/officeDocument/2006/relationships" xmlns:p="http://schemas.openxmlformats.org/presentationml/2006/main">
+  <p:cSld>
+    <p:spTree>
+      <p:nvGrpSpPr>
+        <p:cNvPr id="1" name=""/>
+        <p:cNvGrpSpPr/>
+        <p:nvPr/>
+      </p:nvGrpSpPr>
+      <p:grpSpPr>
+        <a:xfrm>
+          <a:off x="0" y="0"/>
+          <a:ext cx="0" cy="0"/>
+          <a:chOff x="0" y="0"/>
+          <a:chExt cx="0" cy="0"/>
+        </a:xfrm>
+      </p:grpSpPr>
+      <p:sp>
+        <p:nvSpPr>
+          <p:cNvPr id="2" name="Title 1">
+            <a:extLst>
+              <a:ext uri="{FF2B5EF4-FFF2-40B4-BE49-F238E27FC236}">
+                <a16:creationId xmlns:a16="http://schemas.microsoft.com/office/drawing/2014/main" id="{EAAA22BD-DB45-4D1F-9302-275D4DA4CDD4}"/>
+              </a:ext>
+            </a:extLst>
+          </p:cNvPr>
+          <p:cNvSpPr>
+            <a:spLocks noGrp="1"/>
+          </p:cNvSpPr>
+          <p:nvPr>
+            <p:ph type="title"/>
+          </p:nvPr>
+        </p:nvSpPr>
+        <p:spPr/>
+        <p:txBody>
+          <a:bodyPr>
+            <a:normAutofit/>
+          </a:bodyPr>
+          <a:lstStyle/>
+          <a:p>
+            <a:r>
+              <a:rPr lang="en-US" sz="4000" dirty="0"/>
+              <a:t>Elementary principles of derivative pricing-Arbitrage</a:t>
+            </a:r>
+          </a:p>
+        </p:txBody>
+      </p:sp>
+      <p:sp>
+        <p:nvSpPr>
+          <p:cNvPr id="3" name="Content Placeholder 2">
+            <a:extLst>
+              <a:ext uri="{FF2B5EF4-FFF2-40B4-BE49-F238E27FC236}">
+                <a16:creationId xmlns:a16="http://schemas.microsoft.com/office/drawing/2014/main" id="{329461E7-752B-4F36-88E6-401BF4173B38}"/>
+              </a:ext>
+            </a:extLst>
+          </p:cNvPr>
+          <p:cNvSpPr>
+            <a:spLocks noGrp="1"/>
+          </p:cNvSpPr>
+          <p:nvPr>
+            <p:ph idx="1"/>
+          </p:nvPr>
+        </p:nvSpPr>
+        <p:spPr/>
+        <p:txBody>
+          <a:bodyPr/>
+          <a:lstStyle/>
+          <a:p>
+            <a:r>
+              <a:rPr lang="en-US" dirty="0"/>
+              <a:t>Tencent S</a:t>
+            </a:r>
+            <a:r>
+              <a:rPr lang="en-US" baseline="-25000" dirty="0"/>
+              <a:t>0</a:t>
+            </a:r>
+            <a:r>
+              <a:rPr lang="en-US" dirty="0"/>
+              <a:t>=500, F</a:t>
+            </a:r>
+            <a:r>
+              <a:rPr lang="en-US" baseline="-25000" dirty="0"/>
+              <a:t>1</a:t>
+            </a:r>
+            <a:r>
+              <a:rPr lang="en-US" dirty="0"/>
+              <a:t>=510 , RF=4%</a:t>
+            </a:r>
+          </a:p>
+          <a:p>
+            <a:endParaRPr lang="en-US" dirty="0"/>
+          </a:p>
+        </p:txBody>
+      </p:sp>
+    </p:spTree>
+    <p:extLst>
+      <p:ext uri="{BB962C8B-B14F-4D97-AF65-F5344CB8AC3E}">
+        <p14:creationId xmlns:p14="http://schemas.microsoft.com/office/powerpoint/2010/main" val="834162281"/>
+      </p:ext>
+    </p:extLst>
+  </p:cSld>
+  <p:clrMapOvr>
+    <a:masterClrMapping/>
+  </p:clrMapOvr>
+</p:sld>
+</file>
+
+<file path=ppt/slides/slide73.xml><?xml version="1.0" encoding="utf-8"?>
+<p:sld xmlns:a="http://schemas.openxmlformats.org/drawingml/2006/main" xmlns:r="http://schemas.openxmlformats.org/officeDocument/2006/relationships" xmlns:p="http://schemas.openxmlformats.org/presentationml/2006/main">
+  <p:cSld>
+    <p:spTree>
+      <p:nvGrpSpPr>
+        <p:cNvPr id="1" name=""/>
+        <p:cNvGrpSpPr/>
+        <p:nvPr/>
+      </p:nvGrpSpPr>
+      <p:grpSpPr>
+        <a:xfrm>
+          <a:off x="0" y="0"/>
+          <a:ext cx="0" cy="0"/>
+          <a:chOff x="0" y="0"/>
+          <a:chExt cx="0" cy="0"/>
+        </a:xfrm>
+      </p:grpSpPr>
+      <p:sp>
+        <p:nvSpPr>
+          <p:cNvPr id="2" name="Title 1">
+            <a:extLst>
+              <a:ext uri="{FF2B5EF4-FFF2-40B4-BE49-F238E27FC236}">
+                <a16:creationId xmlns:a16="http://schemas.microsoft.com/office/drawing/2014/main" id="{8D44935D-AB46-43E8-9183-5F28C9903EC1}"/>
+              </a:ext>
+            </a:extLst>
+          </p:cNvPr>
+          <p:cNvSpPr>
+            <a:spLocks noGrp="1"/>
+          </p:cNvSpPr>
+          <p:nvPr>
+            <p:ph type="title"/>
+          </p:nvPr>
+        </p:nvSpPr>
+        <p:spPr/>
+        <p:txBody>
+          <a:bodyPr>
+            <a:normAutofit/>
+          </a:bodyPr>
+          <a:lstStyle/>
+          <a:p>
+            <a:r>
+              <a:rPr lang="en-US" sz="4000" dirty="0"/>
+              <a:t>Elementary principles of derivative pricing-Arbitrage</a:t>
+            </a:r>
+          </a:p>
+        </p:txBody>
+      </p:sp>
+      <p:pic>
+        <p:nvPicPr>
+          <p:cNvPr id="5" name="Content Placeholder 4">
+            <a:extLst>
+              <a:ext uri="{FF2B5EF4-FFF2-40B4-BE49-F238E27FC236}">
+                <a16:creationId xmlns:a16="http://schemas.microsoft.com/office/drawing/2014/main" id="{D6658CC8-7C61-4C1A-8863-CD191D84D0FE}"/>
+              </a:ext>
+            </a:extLst>
+          </p:cNvPr>
+          <p:cNvPicPr>
+            <a:picLocks noGrp="1" noChangeAspect="1"/>
+          </p:cNvPicPr>
+          <p:nvPr>
+            <p:ph idx="1"/>
+          </p:nvPr>
+        </p:nvPicPr>
+        <p:blipFill>
+          <a:blip r:embed="rId2"/>
+          <a:stretch>
+            <a:fillRect/>
+          </a:stretch>
+        </p:blipFill>
+        <p:spPr>
+          <a:xfrm>
+            <a:off x="1579419" y="1930400"/>
+            <a:ext cx="7265323" cy="4660013"/>
+          </a:xfrm>
+        </p:spPr>
+      </p:pic>
+    </p:spTree>
+    <p:extLst>
+      <p:ext uri="{BB962C8B-B14F-4D97-AF65-F5344CB8AC3E}">
+        <p14:creationId xmlns:p14="http://schemas.microsoft.com/office/powerpoint/2010/main" val="3866623829"/>
+      </p:ext>
+    </p:extLst>
+  </p:cSld>
+  <p:clrMapOvr>
+    <a:masterClrMapping/>
+  </p:clrMapOvr>
+</p:sld>
+</file>
+
+<file path=ppt/slides/slide74.xml><?xml version="1.0" encoding="utf-8"?>
+<p:sld xmlns:a="http://schemas.openxmlformats.org/drawingml/2006/main" xmlns:r="http://schemas.openxmlformats.org/officeDocument/2006/relationships" xmlns:p="http://schemas.openxmlformats.org/presentationml/2006/main">
+  <p:cSld>
+    <p:spTree>
+      <p:nvGrpSpPr>
+        <p:cNvPr id="1" name=""/>
+        <p:cNvGrpSpPr/>
+        <p:nvPr/>
+      </p:nvGrpSpPr>
+      <p:grpSpPr>
+        <a:xfrm>
+          <a:off x="0" y="0"/>
+          <a:ext cx="0" cy="0"/>
+          <a:chOff x="0" y="0"/>
+          <a:chExt cx="0" cy="0"/>
+        </a:xfrm>
+      </p:grpSpPr>
+      <p:sp>
+        <p:nvSpPr>
+          <p:cNvPr id="2" name="Title 1">
+            <a:extLst>
+              <a:ext uri="{FF2B5EF4-FFF2-40B4-BE49-F238E27FC236}">
+                <a16:creationId xmlns:a16="http://schemas.microsoft.com/office/drawing/2014/main" id="{35F38695-B7CE-4D6E-A785-C1D727736631}"/>
+              </a:ext>
+            </a:extLst>
+          </p:cNvPr>
+          <p:cNvSpPr>
+            <a:spLocks noGrp="1"/>
+          </p:cNvSpPr>
+          <p:nvPr>
+            <p:ph type="title"/>
+          </p:nvPr>
+        </p:nvSpPr>
+        <p:spPr/>
+        <p:txBody>
+          <a:bodyPr>
+            <a:normAutofit/>
+          </a:bodyPr>
+          <a:lstStyle/>
+          <a:p>
+            <a:r>
+              <a:rPr lang="en-US" sz="4000" dirty="0"/>
+              <a:t>Practices</a:t>
+            </a:r>
+          </a:p>
+        </p:txBody>
+      </p:sp>
+      <p:sp>
+        <p:nvSpPr>
+          <p:cNvPr id="3" name="Content Placeholder 2">
+            <a:extLst>
+              <a:ext uri="{FF2B5EF4-FFF2-40B4-BE49-F238E27FC236}">
+                <a16:creationId xmlns:a16="http://schemas.microsoft.com/office/drawing/2014/main" id="{BF809369-364C-494D-A422-54CB9C9C3E54}"/>
+              </a:ext>
+            </a:extLst>
+          </p:cNvPr>
+          <p:cNvSpPr>
+            <a:spLocks noGrp="1"/>
+          </p:cNvSpPr>
+          <p:nvPr>
+            <p:ph idx="1"/>
+          </p:nvPr>
+        </p:nvSpPr>
+        <p:spPr/>
+        <p:txBody>
+          <a:bodyPr/>
+          <a:lstStyle/>
+          <a:p>
+            <a:r>
+              <a:rPr lang="en-US" dirty="0"/>
+              <a:t>1 Which of the following is a result of arbitrage?</a:t>
+            </a:r>
+          </a:p>
+          <a:p>
+            <a:pPr lvl="1"/>
+            <a:r>
+              <a:rPr lang="en-US" dirty="0"/>
+              <a:t>A The law of one price</a:t>
+            </a:r>
+          </a:p>
+          <a:p>
+            <a:pPr lvl="1"/>
+            <a:r>
+              <a:rPr lang="en-US" dirty="0"/>
+              <a:t>B The law of similar prices</a:t>
+            </a:r>
+          </a:p>
+          <a:p>
+            <a:pPr lvl="1"/>
+            <a:r>
+              <a:rPr lang="en-US" dirty="0"/>
+              <a:t>C The law of limited profitability</a:t>
+            </a:r>
+          </a:p>
+          <a:p>
+            <a:r>
+              <a:rPr lang="en-US" dirty="0"/>
+              <a:t>2 When an arbitrage opportunity exists, what happens in the market?</a:t>
+            </a:r>
+          </a:p>
+          <a:p>
+            <a:pPr lvl="1"/>
+            <a:r>
+              <a:rPr lang="en-US" dirty="0"/>
+              <a:t>A The combined actions of all arbitrageurs force the prices to converge.</a:t>
+            </a:r>
+          </a:p>
+          <a:p>
+            <a:pPr lvl="1"/>
+            <a:r>
+              <a:rPr lang="en-US" dirty="0"/>
+              <a:t>B The combined actions of arbitrageurs result in a locked- limit situation.</a:t>
+            </a:r>
+          </a:p>
+          <a:p>
+            <a:pPr lvl="1"/>
+            <a:r>
+              <a:rPr lang="en-US" dirty="0"/>
+              <a:t>C The combined actions of all arbitrageurs result in sustained profits to all.</a:t>
+            </a:r>
+          </a:p>
+        </p:txBody>
+      </p:sp>
+    </p:spTree>
+    <p:extLst>
+      <p:ext uri="{BB962C8B-B14F-4D97-AF65-F5344CB8AC3E}">
+        <p14:creationId xmlns:p14="http://schemas.microsoft.com/office/powerpoint/2010/main" val="3312634249"/>
+      </p:ext>
+    </p:extLst>
+  </p:cSld>
+  <p:clrMapOvr>
+    <a:masterClrMapping/>
+  </p:clrMapOvr>
+</p:sld>
+</file>
+
+<file path=ppt/slides/slide75.xml><?xml version="1.0" encoding="utf-8"?>
+<p:sld xmlns:a="http://schemas.openxmlformats.org/drawingml/2006/main" xmlns:r="http://schemas.openxmlformats.org/officeDocument/2006/relationships" xmlns:p="http://schemas.openxmlformats.org/presentationml/2006/main">
+  <p:cSld>
+    <p:spTree>
+      <p:nvGrpSpPr>
+        <p:cNvPr id="1" name=""/>
+        <p:cNvGrpSpPr/>
+        <p:nvPr/>
+      </p:nvGrpSpPr>
+      <p:grpSpPr>
+        <a:xfrm>
+          <a:off x="0" y="0"/>
+          <a:ext cx="0" cy="0"/>
+          <a:chOff x="0" y="0"/>
+          <a:chExt cx="0" cy="0"/>
+        </a:xfrm>
+      </p:grpSpPr>
+      <p:sp>
+        <p:nvSpPr>
+          <p:cNvPr id="2" name="Title 1">
+            <a:extLst>
+              <a:ext uri="{FF2B5EF4-FFF2-40B4-BE49-F238E27FC236}">
+                <a16:creationId xmlns:a16="http://schemas.microsoft.com/office/drawing/2014/main" id="{FFCC137A-1E39-46C4-88CE-9C922D97F5F5}"/>
+              </a:ext>
+            </a:extLst>
+          </p:cNvPr>
+          <p:cNvSpPr>
+            <a:spLocks noGrp="1"/>
+          </p:cNvSpPr>
+          <p:nvPr>
+            <p:ph type="title"/>
+          </p:nvPr>
+        </p:nvSpPr>
+        <p:spPr/>
+        <p:txBody>
+          <a:bodyPr>
+            <a:normAutofit/>
+          </a:bodyPr>
+          <a:lstStyle/>
+          <a:p>
+            <a:r>
+              <a:rPr lang="en-US" sz="4000" dirty="0"/>
+              <a:t>Practices</a:t>
+            </a:r>
+          </a:p>
+        </p:txBody>
+      </p:sp>
+      <p:sp>
+        <p:nvSpPr>
+          <p:cNvPr id="3" name="Content Placeholder 2">
+            <a:extLst>
+              <a:ext uri="{FF2B5EF4-FFF2-40B4-BE49-F238E27FC236}">
+                <a16:creationId xmlns:a16="http://schemas.microsoft.com/office/drawing/2014/main" id="{62E00AED-25DB-4B87-9D94-BFC755ED3CCF}"/>
+              </a:ext>
+            </a:extLst>
+          </p:cNvPr>
+          <p:cNvSpPr>
+            <a:spLocks noGrp="1"/>
+          </p:cNvSpPr>
+          <p:nvPr>
+            <p:ph idx="1"/>
+          </p:nvPr>
+        </p:nvSpPr>
+        <p:spPr/>
+        <p:txBody>
+          <a:bodyPr>
+            <a:normAutofit/>
+          </a:bodyPr>
+          <a:lstStyle/>
+          <a:p>
+            <a:r>
+              <a:rPr lang="en-US" dirty="0"/>
+              <a:t>3 Which of the following accurately defines arbitrage?</a:t>
+            </a:r>
+          </a:p>
+          <a:p>
+            <a:pPr lvl="1"/>
+            <a:r>
+              <a:rPr lang="en-US" dirty="0"/>
+              <a:t>A An opportunity to make a profit at no risk</a:t>
+            </a:r>
+          </a:p>
+          <a:p>
+            <a:pPr lvl="1"/>
+            <a:r>
+              <a:rPr lang="en-US" dirty="0"/>
+              <a:t>B An opportunity to make a profit at no risk and with the investment of no capital</a:t>
+            </a:r>
+          </a:p>
+          <a:p>
+            <a:pPr lvl="1"/>
+            <a:r>
+              <a:rPr lang="en-US" dirty="0"/>
+              <a:t>C An opportunity to earn a return in excess of the return appropriate for the risk assumed</a:t>
+            </a:r>
+          </a:p>
+          <a:p>
+            <a:r>
+              <a:rPr lang="en-US" dirty="0"/>
+              <a:t>4 Which of the following ways best describes how arbitrage contributes to market efficiency?</a:t>
+            </a:r>
+          </a:p>
+          <a:p>
+            <a:pPr lvl="1"/>
+            <a:r>
+              <a:rPr lang="en-US" dirty="0"/>
+              <a:t>A Arbitrage penalizes those who trade too rapidly.</a:t>
+            </a:r>
+          </a:p>
+          <a:p>
+            <a:pPr lvl="1"/>
+            <a:r>
+              <a:rPr lang="en-US" dirty="0"/>
+              <a:t>B Arbitrage equalizes the risks taken by all market participants.</a:t>
+            </a:r>
+          </a:p>
+          <a:p>
+            <a:pPr lvl="1"/>
+            <a:r>
+              <a:rPr lang="en-US" dirty="0"/>
+              <a:t>C Arbitrage improves the rate at which prices converge to their relative fair values.</a:t>
+            </a:r>
+          </a:p>
+        </p:txBody>
+      </p:sp>
+    </p:spTree>
+    <p:extLst>
+      <p:ext uri="{BB962C8B-B14F-4D97-AF65-F5344CB8AC3E}">
+        <p14:creationId xmlns:p14="http://schemas.microsoft.com/office/powerpoint/2010/main" val="2203094148"/>
+      </p:ext>
+    </p:extLst>
+  </p:cSld>
+  <p:clrMapOvr>
+    <a:masterClrMapping/>
+  </p:clrMapOvr>
+</p:sld>
+</file>
+
+<file path=ppt/slides/slide8.xml><?xml version="1.0" encoding="utf-8"?>
 <p:sld xmlns:a="http://schemas.openxmlformats.org/drawingml/2006/main" xmlns:r="http://schemas.openxmlformats.org/officeDocument/2006/relationships" xmlns:p="http://schemas.openxmlformats.org/presentationml/2006/main">
   <p:cSld>
     <p:spTree>
@@ -17584,581 +18383,7 @@
 </p:sld>
 </file>
 
-<file path=ppt/slides/slide70.xml><?xml version="1.0" encoding="utf-8"?>
-<p:sld xmlns:a="http://schemas.openxmlformats.org/drawingml/2006/main" xmlns:r="http://schemas.openxmlformats.org/officeDocument/2006/relationships" xmlns:p="http://schemas.openxmlformats.org/presentationml/2006/main">
-  <p:cSld>
-    <p:spTree>
-      <p:nvGrpSpPr>
-        <p:cNvPr id="1" name=""/>
-        <p:cNvGrpSpPr/>
-        <p:nvPr/>
-      </p:nvGrpSpPr>
-      <p:grpSpPr>
-        <a:xfrm>
-          <a:off x="0" y="0"/>
-          <a:ext cx="0" cy="0"/>
-          <a:chOff x="0" y="0"/>
-          <a:chExt cx="0" cy="0"/>
-        </a:xfrm>
-      </p:grpSpPr>
-      <p:sp>
-        <p:nvSpPr>
-          <p:cNvPr id="2" name="Title 1">
-            <a:extLst>
-              <a:ext uri="{FF2B5EF4-FFF2-40B4-BE49-F238E27FC236}">
-                <a16:creationId xmlns:a16="http://schemas.microsoft.com/office/drawing/2014/main" id="{737185EF-23C0-4996-B8AD-822F238FC53F}"/>
-              </a:ext>
-            </a:extLst>
-          </p:cNvPr>
-          <p:cNvSpPr>
-            <a:spLocks noGrp="1"/>
-          </p:cNvSpPr>
-          <p:nvPr>
-            <p:ph type="title"/>
-          </p:nvPr>
-        </p:nvSpPr>
-        <p:spPr/>
-        <p:txBody>
-          <a:bodyPr>
-            <a:normAutofit/>
-          </a:bodyPr>
-          <a:lstStyle/>
-          <a:p>
-            <a:r>
-              <a:rPr lang="en-US" sz="4000" dirty="0"/>
-              <a:t>Elementary principles of derivative pricing-Arbitrage</a:t>
-            </a:r>
-          </a:p>
-        </p:txBody>
-      </p:sp>
-      <p:sp>
-        <p:nvSpPr>
-          <p:cNvPr id="3" name="Content Placeholder 2">
-            <a:extLst>
-              <a:ext uri="{FF2B5EF4-FFF2-40B4-BE49-F238E27FC236}">
-                <a16:creationId xmlns:a16="http://schemas.microsoft.com/office/drawing/2014/main" id="{E052CFE4-4415-4BD8-9BF3-7801A1F1C482}"/>
-              </a:ext>
-            </a:extLst>
-          </p:cNvPr>
-          <p:cNvSpPr>
-            <a:spLocks noGrp="1"/>
-          </p:cNvSpPr>
-          <p:nvPr>
-            <p:ph idx="1"/>
-          </p:nvPr>
-        </p:nvSpPr>
-        <p:spPr/>
-        <p:txBody>
-          <a:bodyPr/>
-          <a:lstStyle/>
-          <a:p>
-            <a:r>
-              <a:rPr lang="en-US" dirty="0"/>
-              <a:t>Tencent S</a:t>
-            </a:r>
-            <a:r>
-              <a:rPr lang="en-US" baseline="-25000" dirty="0"/>
-              <a:t>0</a:t>
-            </a:r>
-            <a:r>
-              <a:rPr lang="en-US" dirty="0"/>
-              <a:t>=500, F</a:t>
-            </a:r>
-            <a:r>
-              <a:rPr lang="en-US" baseline="-25000" dirty="0"/>
-              <a:t>1</a:t>
-            </a:r>
-            <a:r>
-              <a:rPr lang="en-US" dirty="0"/>
-              <a:t>=530 , RF=4%</a:t>
-            </a:r>
-          </a:p>
-        </p:txBody>
-      </p:sp>
-    </p:spTree>
-    <p:extLst>
-      <p:ext uri="{BB962C8B-B14F-4D97-AF65-F5344CB8AC3E}">
-        <p14:creationId xmlns:p14="http://schemas.microsoft.com/office/powerpoint/2010/main" val="2233100900"/>
-      </p:ext>
-    </p:extLst>
-  </p:cSld>
-  <p:clrMapOvr>
-    <a:masterClrMapping/>
-  </p:clrMapOvr>
-</p:sld>
-</file>
-
-<file path=ppt/slides/slide71.xml><?xml version="1.0" encoding="utf-8"?>
-<p:sld xmlns:a="http://schemas.openxmlformats.org/drawingml/2006/main" xmlns:r="http://schemas.openxmlformats.org/officeDocument/2006/relationships" xmlns:p="http://schemas.openxmlformats.org/presentationml/2006/main">
-  <p:cSld>
-    <p:spTree>
-      <p:nvGrpSpPr>
-        <p:cNvPr id="1" name=""/>
-        <p:cNvGrpSpPr/>
-        <p:nvPr/>
-      </p:nvGrpSpPr>
-      <p:grpSpPr>
-        <a:xfrm>
-          <a:off x="0" y="0"/>
-          <a:ext cx="0" cy="0"/>
-          <a:chOff x="0" y="0"/>
-          <a:chExt cx="0" cy="0"/>
-        </a:xfrm>
-      </p:grpSpPr>
-      <p:sp>
-        <p:nvSpPr>
-          <p:cNvPr id="2" name="Title 1">
-            <a:extLst>
-              <a:ext uri="{FF2B5EF4-FFF2-40B4-BE49-F238E27FC236}">
-                <a16:creationId xmlns:a16="http://schemas.microsoft.com/office/drawing/2014/main" id="{EAAA22BD-DB45-4D1F-9302-275D4DA4CDD4}"/>
-              </a:ext>
-            </a:extLst>
-          </p:cNvPr>
-          <p:cNvSpPr>
-            <a:spLocks noGrp="1"/>
-          </p:cNvSpPr>
-          <p:nvPr>
-            <p:ph type="title"/>
-          </p:nvPr>
-        </p:nvSpPr>
-        <p:spPr/>
-        <p:txBody>
-          <a:bodyPr>
-            <a:normAutofit/>
-          </a:bodyPr>
-          <a:lstStyle/>
-          <a:p>
-            <a:r>
-              <a:rPr lang="en-US" sz="4000" dirty="0"/>
-              <a:t>Elementary principles of derivative pricing-Arbitrage</a:t>
-            </a:r>
-          </a:p>
-        </p:txBody>
-      </p:sp>
-      <p:sp>
-        <p:nvSpPr>
-          <p:cNvPr id="3" name="Content Placeholder 2">
-            <a:extLst>
-              <a:ext uri="{FF2B5EF4-FFF2-40B4-BE49-F238E27FC236}">
-                <a16:creationId xmlns:a16="http://schemas.microsoft.com/office/drawing/2014/main" id="{329461E7-752B-4F36-88E6-401BF4173B38}"/>
-              </a:ext>
-            </a:extLst>
-          </p:cNvPr>
-          <p:cNvSpPr>
-            <a:spLocks noGrp="1"/>
-          </p:cNvSpPr>
-          <p:nvPr>
-            <p:ph idx="1"/>
-          </p:nvPr>
-        </p:nvSpPr>
-        <p:spPr/>
-        <p:txBody>
-          <a:bodyPr/>
-          <a:lstStyle/>
-          <a:p>
-            <a:r>
-              <a:rPr lang="en-US" dirty="0"/>
-              <a:t>Tencent S</a:t>
-            </a:r>
-            <a:r>
-              <a:rPr lang="en-US" baseline="-25000" dirty="0"/>
-              <a:t>0</a:t>
-            </a:r>
-            <a:r>
-              <a:rPr lang="en-US" dirty="0"/>
-              <a:t>=500, F</a:t>
-            </a:r>
-            <a:r>
-              <a:rPr lang="en-US" baseline="-25000" dirty="0"/>
-              <a:t>1</a:t>
-            </a:r>
-            <a:r>
-              <a:rPr lang="en-US" dirty="0"/>
-              <a:t>=510 , RF=4%</a:t>
-            </a:r>
-          </a:p>
-          <a:p>
-            <a:endParaRPr lang="en-US" dirty="0"/>
-          </a:p>
-        </p:txBody>
-      </p:sp>
-    </p:spTree>
-    <p:extLst>
-      <p:ext uri="{BB962C8B-B14F-4D97-AF65-F5344CB8AC3E}">
-        <p14:creationId xmlns:p14="http://schemas.microsoft.com/office/powerpoint/2010/main" val="834162281"/>
-      </p:ext>
-    </p:extLst>
-  </p:cSld>
-  <p:clrMapOvr>
-    <a:masterClrMapping/>
-  </p:clrMapOvr>
-</p:sld>
-</file>
-
-<file path=ppt/slides/slide72.xml><?xml version="1.0" encoding="utf-8"?>
-<p:sld xmlns:a="http://schemas.openxmlformats.org/drawingml/2006/main" xmlns:r="http://schemas.openxmlformats.org/officeDocument/2006/relationships" xmlns:p="http://schemas.openxmlformats.org/presentationml/2006/main">
-  <p:cSld>
-    <p:spTree>
-      <p:nvGrpSpPr>
-        <p:cNvPr id="1" name=""/>
-        <p:cNvGrpSpPr/>
-        <p:nvPr/>
-      </p:nvGrpSpPr>
-      <p:grpSpPr>
-        <a:xfrm>
-          <a:off x="0" y="0"/>
-          <a:ext cx="0" cy="0"/>
-          <a:chOff x="0" y="0"/>
-          <a:chExt cx="0" cy="0"/>
-        </a:xfrm>
-      </p:grpSpPr>
-      <p:sp>
-        <p:nvSpPr>
-          <p:cNvPr id="2" name="Title 1">
-            <a:extLst>
-              <a:ext uri="{FF2B5EF4-FFF2-40B4-BE49-F238E27FC236}">
-                <a16:creationId xmlns:a16="http://schemas.microsoft.com/office/drawing/2014/main" id="{8D44935D-AB46-43E8-9183-5F28C9903EC1}"/>
-              </a:ext>
-            </a:extLst>
-          </p:cNvPr>
-          <p:cNvSpPr>
-            <a:spLocks noGrp="1"/>
-          </p:cNvSpPr>
-          <p:nvPr>
-            <p:ph type="title"/>
-          </p:nvPr>
-        </p:nvSpPr>
-        <p:spPr/>
-        <p:txBody>
-          <a:bodyPr>
-            <a:normAutofit/>
-          </a:bodyPr>
-          <a:lstStyle/>
-          <a:p>
-            <a:r>
-              <a:rPr lang="en-US" sz="4000" dirty="0"/>
-              <a:t>Elementary principles of derivative pricing-Arbitrage</a:t>
-            </a:r>
-          </a:p>
-        </p:txBody>
-      </p:sp>
-      <p:pic>
-        <p:nvPicPr>
-          <p:cNvPr id="5" name="Content Placeholder 4">
-            <a:extLst>
-              <a:ext uri="{FF2B5EF4-FFF2-40B4-BE49-F238E27FC236}">
-                <a16:creationId xmlns:a16="http://schemas.microsoft.com/office/drawing/2014/main" id="{D6658CC8-7C61-4C1A-8863-CD191D84D0FE}"/>
-              </a:ext>
-            </a:extLst>
-          </p:cNvPr>
-          <p:cNvPicPr>
-            <a:picLocks noGrp="1" noChangeAspect="1"/>
-          </p:cNvPicPr>
-          <p:nvPr>
-            <p:ph idx="1"/>
-          </p:nvPr>
-        </p:nvPicPr>
-        <p:blipFill>
-          <a:blip r:embed="rId2"/>
-          <a:stretch>
-            <a:fillRect/>
-          </a:stretch>
-        </p:blipFill>
-        <p:spPr>
-          <a:xfrm>
-            <a:off x="1579419" y="1930400"/>
-            <a:ext cx="7265323" cy="4660013"/>
-          </a:xfrm>
-        </p:spPr>
-      </p:pic>
-    </p:spTree>
-    <p:extLst>
-      <p:ext uri="{BB962C8B-B14F-4D97-AF65-F5344CB8AC3E}">
-        <p14:creationId xmlns:p14="http://schemas.microsoft.com/office/powerpoint/2010/main" val="3866623829"/>
-      </p:ext>
-    </p:extLst>
-  </p:cSld>
-  <p:clrMapOvr>
-    <a:masterClrMapping/>
-  </p:clrMapOvr>
-</p:sld>
-</file>
-
-<file path=ppt/slides/slide73.xml><?xml version="1.0" encoding="utf-8"?>
-<p:sld xmlns:a="http://schemas.openxmlformats.org/drawingml/2006/main" xmlns:r="http://schemas.openxmlformats.org/officeDocument/2006/relationships" xmlns:p="http://schemas.openxmlformats.org/presentationml/2006/main">
-  <p:cSld>
-    <p:spTree>
-      <p:nvGrpSpPr>
-        <p:cNvPr id="1" name=""/>
-        <p:cNvGrpSpPr/>
-        <p:nvPr/>
-      </p:nvGrpSpPr>
-      <p:grpSpPr>
-        <a:xfrm>
-          <a:off x="0" y="0"/>
-          <a:ext cx="0" cy="0"/>
-          <a:chOff x="0" y="0"/>
-          <a:chExt cx="0" cy="0"/>
-        </a:xfrm>
-      </p:grpSpPr>
-      <p:sp>
-        <p:nvSpPr>
-          <p:cNvPr id="2" name="Title 1">
-            <a:extLst>
-              <a:ext uri="{FF2B5EF4-FFF2-40B4-BE49-F238E27FC236}">
-                <a16:creationId xmlns:a16="http://schemas.microsoft.com/office/drawing/2014/main" id="{35F38695-B7CE-4D6E-A785-C1D727736631}"/>
-              </a:ext>
-            </a:extLst>
-          </p:cNvPr>
-          <p:cNvSpPr>
-            <a:spLocks noGrp="1"/>
-          </p:cNvSpPr>
-          <p:nvPr>
-            <p:ph type="title"/>
-          </p:nvPr>
-        </p:nvSpPr>
-        <p:spPr/>
-        <p:txBody>
-          <a:bodyPr>
-            <a:normAutofit/>
-          </a:bodyPr>
-          <a:lstStyle/>
-          <a:p>
-            <a:r>
-              <a:rPr lang="en-US" sz="4000" dirty="0"/>
-              <a:t>Practices</a:t>
-            </a:r>
-          </a:p>
-        </p:txBody>
-      </p:sp>
-      <p:sp>
-        <p:nvSpPr>
-          <p:cNvPr id="3" name="Content Placeholder 2">
-            <a:extLst>
-              <a:ext uri="{FF2B5EF4-FFF2-40B4-BE49-F238E27FC236}">
-                <a16:creationId xmlns:a16="http://schemas.microsoft.com/office/drawing/2014/main" id="{BF809369-364C-494D-A422-54CB9C9C3E54}"/>
-              </a:ext>
-            </a:extLst>
-          </p:cNvPr>
-          <p:cNvSpPr>
-            <a:spLocks noGrp="1"/>
-          </p:cNvSpPr>
-          <p:nvPr>
-            <p:ph idx="1"/>
-          </p:nvPr>
-        </p:nvSpPr>
-        <p:spPr/>
-        <p:txBody>
-          <a:bodyPr/>
-          <a:lstStyle/>
-          <a:p>
-            <a:r>
-              <a:rPr lang="en-US" dirty="0"/>
-              <a:t>1 Which of the following is a result of arbitrage?</a:t>
-            </a:r>
-          </a:p>
-          <a:p>
-            <a:pPr lvl="1"/>
-            <a:r>
-              <a:rPr lang="en-US" dirty="0"/>
-              <a:t>A The law of one price</a:t>
-            </a:r>
-          </a:p>
-          <a:p>
-            <a:pPr lvl="1"/>
-            <a:r>
-              <a:rPr lang="en-US" dirty="0"/>
-              <a:t>B The law of similar prices</a:t>
-            </a:r>
-          </a:p>
-          <a:p>
-            <a:pPr lvl="1"/>
-            <a:r>
-              <a:rPr lang="en-US" dirty="0"/>
-              <a:t>C The law of limited profitability</a:t>
-            </a:r>
-          </a:p>
-          <a:p>
-            <a:r>
-              <a:rPr lang="en-US" dirty="0"/>
-              <a:t>2 When an arbitrage opportunity exists, what happens in the market?</a:t>
-            </a:r>
-          </a:p>
-          <a:p>
-            <a:pPr lvl="1"/>
-            <a:r>
-              <a:rPr lang="en-US" dirty="0"/>
-              <a:t>A The combined actions of all arbitrageurs force the prices to converge.</a:t>
-            </a:r>
-          </a:p>
-          <a:p>
-            <a:pPr lvl="1"/>
-            <a:r>
-              <a:rPr lang="en-US" dirty="0"/>
-              <a:t>B The combined actions of arbitrageurs result in a locked- limit situation.</a:t>
-            </a:r>
-          </a:p>
-          <a:p>
-            <a:pPr lvl="1"/>
-            <a:r>
-              <a:rPr lang="en-US" dirty="0"/>
-              <a:t>C The combined actions of all arbitrageurs result in sustained profits to all.</a:t>
-            </a:r>
-          </a:p>
-        </p:txBody>
-      </p:sp>
-    </p:spTree>
-    <p:extLst>
-      <p:ext uri="{BB962C8B-B14F-4D97-AF65-F5344CB8AC3E}">
-        <p14:creationId xmlns:p14="http://schemas.microsoft.com/office/powerpoint/2010/main" val="3312634249"/>
-      </p:ext>
-    </p:extLst>
-  </p:cSld>
-  <p:clrMapOvr>
-    <a:masterClrMapping/>
-  </p:clrMapOvr>
-</p:sld>
-</file>
-
-<file path=ppt/slides/slide74.xml><?xml version="1.0" encoding="utf-8"?>
-<p:sld xmlns:a="http://schemas.openxmlformats.org/drawingml/2006/main" xmlns:r="http://schemas.openxmlformats.org/officeDocument/2006/relationships" xmlns:p="http://schemas.openxmlformats.org/presentationml/2006/main">
-  <p:cSld>
-    <p:spTree>
-      <p:nvGrpSpPr>
-        <p:cNvPr id="1" name=""/>
-        <p:cNvGrpSpPr/>
-        <p:nvPr/>
-      </p:nvGrpSpPr>
-      <p:grpSpPr>
-        <a:xfrm>
-          <a:off x="0" y="0"/>
-          <a:ext cx="0" cy="0"/>
-          <a:chOff x="0" y="0"/>
-          <a:chExt cx="0" cy="0"/>
-        </a:xfrm>
-      </p:grpSpPr>
-      <p:sp>
-        <p:nvSpPr>
-          <p:cNvPr id="2" name="Title 1">
-            <a:extLst>
-              <a:ext uri="{FF2B5EF4-FFF2-40B4-BE49-F238E27FC236}">
-                <a16:creationId xmlns:a16="http://schemas.microsoft.com/office/drawing/2014/main" id="{FFCC137A-1E39-46C4-88CE-9C922D97F5F5}"/>
-              </a:ext>
-            </a:extLst>
-          </p:cNvPr>
-          <p:cNvSpPr>
-            <a:spLocks noGrp="1"/>
-          </p:cNvSpPr>
-          <p:nvPr>
-            <p:ph type="title"/>
-          </p:nvPr>
-        </p:nvSpPr>
-        <p:spPr/>
-        <p:txBody>
-          <a:bodyPr>
-            <a:normAutofit/>
-          </a:bodyPr>
-          <a:lstStyle/>
-          <a:p>
-            <a:r>
-              <a:rPr lang="en-US" sz="4000" dirty="0"/>
-              <a:t>Practices</a:t>
-            </a:r>
-          </a:p>
-        </p:txBody>
-      </p:sp>
-      <p:sp>
-        <p:nvSpPr>
-          <p:cNvPr id="3" name="Content Placeholder 2">
-            <a:extLst>
-              <a:ext uri="{FF2B5EF4-FFF2-40B4-BE49-F238E27FC236}">
-                <a16:creationId xmlns:a16="http://schemas.microsoft.com/office/drawing/2014/main" id="{62E00AED-25DB-4B87-9D94-BFC755ED3CCF}"/>
-              </a:ext>
-            </a:extLst>
-          </p:cNvPr>
-          <p:cNvSpPr>
-            <a:spLocks noGrp="1"/>
-          </p:cNvSpPr>
-          <p:nvPr>
-            <p:ph idx="1"/>
-          </p:nvPr>
-        </p:nvSpPr>
-        <p:spPr/>
-        <p:txBody>
-          <a:bodyPr>
-            <a:normAutofit/>
-          </a:bodyPr>
-          <a:lstStyle/>
-          <a:p>
-            <a:r>
-              <a:rPr lang="en-US" dirty="0"/>
-              <a:t>3 Which of the following accurately defines arbitrage?</a:t>
-            </a:r>
-          </a:p>
-          <a:p>
-            <a:pPr lvl="1"/>
-            <a:r>
-              <a:rPr lang="en-US" dirty="0"/>
-              <a:t>A An opportunity to make a profit at no risk</a:t>
-            </a:r>
-          </a:p>
-          <a:p>
-            <a:pPr lvl="1"/>
-            <a:r>
-              <a:rPr lang="en-US" dirty="0"/>
-              <a:t>B An opportunity to make a profit at no risk and with the investment of no capital</a:t>
-            </a:r>
-          </a:p>
-          <a:p>
-            <a:pPr lvl="1"/>
-            <a:r>
-              <a:rPr lang="en-US" dirty="0"/>
-              <a:t>C An opportunity to earn a return in excess of the return appropriate for the risk assumed</a:t>
-            </a:r>
-          </a:p>
-          <a:p>
-            <a:r>
-              <a:rPr lang="en-US" dirty="0"/>
-              <a:t>4 Which of the following ways best describes how arbitrage contributes to market efficiency?</a:t>
-            </a:r>
-          </a:p>
-          <a:p>
-            <a:pPr lvl="1"/>
-            <a:r>
-              <a:rPr lang="en-US" dirty="0"/>
-              <a:t>A Arbitrage penalizes those who trade too rapidly.</a:t>
-            </a:r>
-          </a:p>
-          <a:p>
-            <a:pPr lvl="1"/>
-            <a:r>
-              <a:rPr lang="en-US" dirty="0"/>
-              <a:t>B Arbitrage equalizes the risks taken by all market participants.</a:t>
-            </a:r>
-          </a:p>
-          <a:p>
-            <a:pPr lvl="1"/>
-            <a:r>
-              <a:rPr lang="en-US" dirty="0"/>
-              <a:t>C Arbitrage improves the rate at which prices converge to their relative fair values.</a:t>
-            </a:r>
-          </a:p>
-        </p:txBody>
-      </p:sp>
-    </p:spTree>
-    <p:extLst>
-      <p:ext uri="{BB962C8B-B14F-4D97-AF65-F5344CB8AC3E}">
-        <p14:creationId xmlns:p14="http://schemas.microsoft.com/office/powerpoint/2010/main" val="2203094148"/>
-      </p:ext>
-    </p:extLst>
-  </p:cSld>
-  <p:clrMapOvr>
-    <a:masterClrMapping/>
-  </p:clrMapOvr>
-</p:sld>
-</file>
-
-<file path=ppt/slides/slide8.xml><?xml version="1.0" encoding="utf-8"?>
+<file path=ppt/slides/slide9.xml><?xml version="1.0" encoding="utf-8"?>
 <p:sld xmlns:a="http://schemas.openxmlformats.org/drawingml/2006/main" xmlns:r="http://schemas.openxmlformats.org/officeDocument/2006/relationships" xmlns:p="http://schemas.openxmlformats.org/presentationml/2006/main">
   <p:cSld>
     <p:spTree>
@@ -18276,139 +18501,6 @@
     <p:extLst>
       <p:ext uri="{BB962C8B-B14F-4D97-AF65-F5344CB8AC3E}">
         <p14:creationId xmlns:p14="http://schemas.microsoft.com/office/powerpoint/2010/main" val="1860670133"/>
-      </p:ext>
-    </p:extLst>
-  </p:cSld>
-  <p:clrMapOvr>
-    <a:masterClrMapping/>
-  </p:clrMapOvr>
-</p:sld>
-</file>
-
-<file path=ppt/slides/slide9.xml><?xml version="1.0" encoding="utf-8"?>
-<p:sld xmlns:a="http://schemas.openxmlformats.org/drawingml/2006/main" xmlns:r="http://schemas.openxmlformats.org/officeDocument/2006/relationships" xmlns:p="http://schemas.openxmlformats.org/presentationml/2006/main">
-  <p:cSld>
-    <p:spTree>
-      <p:nvGrpSpPr>
-        <p:cNvPr id="1" name=""/>
-        <p:cNvGrpSpPr/>
-        <p:nvPr/>
-      </p:nvGrpSpPr>
-      <p:grpSpPr>
-        <a:xfrm>
-          <a:off x="0" y="0"/>
-          <a:ext cx="0" cy="0"/>
-          <a:chOff x="0" y="0"/>
-          <a:chExt cx="0" cy="0"/>
-        </a:xfrm>
-      </p:grpSpPr>
-      <p:sp>
-        <p:nvSpPr>
-          <p:cNvPr id="2" name="Title 1">
-            <a:extLst>
-              <a:ext uri="{FF2B5EF4-FFF2-40B4-BE49-F238E27FC236}">
-                <a16:creationId xmlns:a16="http://schemas.microsoft.com/office/drawing/2014/main" id="{A8713783-47F6-4A96-9BC0-8DBA7D9B343B}"/>
-              </a:ext>
-            </a:extLst>
-          </p:cNvPr>
-          <p:cNvSpPr>
-            <a:spLocks noGrp="1"/>
-          </p:cNvSpPr>
-          <p:nvPr>
-            <p:ph type="title"/>
-          </p:nvPr>
-        </p:nvSpPr>
-        <p:spPr/>
-        <p:txBody>
-          <a:bodyPr>
-            <a:normAutofit/>
-          </a:bodyPr>
-          <a:lstStyle/>
-          <a:p>
-            <a:r>
-              <a:rPr lang="en-US" sz="4000" dirty="0"/>
-              <a:t>Pricing the Underlying</a:t>
-            </a:r>
-          </a:p>
-        </p:txBody>
-      </p:sp>
-      <p:sp>
-        <p:nvSpPr>
-          <p:cNvPr id="3" name="Content Placeholder 2">
-            <a:extLst>
-              <a:ext uri="{FF2B5EF4-FFF2-40B4-BE49-F238E27FC236}">
-                <a16:creationId xmlns:a16="http://schemas.microsoft.com/office/drawing/2014/main" id="{B69D636B-F407-4D97-8CA1-C79B1CC413AD}"/>
-              </a:ext>
-            </a:extLst>
-          </p:cNvPr>
-          <p:cNvSpPr>
-            <a:spLocks noGrp="1"/>
-          </p:cNvSpPr>
-          <p:nvPr>
-            <p:ph idx="1"/>
-          </p:nvPr>
-        </p:nvSpPr>
-        <p:spPr/>
-        <p:txBody>
-          <a:bodyPr/>
-          <a:lstStyle/>
-          <a:p>
-            <a:r>
-              <a:rPr lang="en-US" dirty="0"/>
-              <a:t>Other benefits and costs of holding an asset</a:t>
-            </a:r>
-          </a:p>
-          <a:p>
-            <a:pPr lvl="1"/>
-            <a:r>
-              <a:rPr lang="en-US" dirty="0"/>
-              <a:t>Benefit</a:t>
-            </a:r>
-          </a:p>
-          <a:p>
-            <a:pPr lvl="2"/>
-            <a:r>
-              <a:rPr lang="en-US" dirty="0"/>
-              <a:t>Monetary: dividend, interest</a:t>
-            </a:r>
-          </a:p>
-          <a:p>
-            <a:pPr lvl="2"/>
-            <a:r>
-              <a:rPr lang="en-US" dirty="0"/>
-              <a:t>Non-monetary: convenience yield</a:t>
-            </a:r>
-          </a:p>
-          <a:p>
-            <a:pPr lvl="1"/>
-            <a:r>
-              <a:rPr lang="en-US" dirty="0"/>
-              <a:t>Cost</a:t>
-            </a:r>
-          </a:p>
-          <a:p>
-            <a:pPr lvl="2"/>
-            <a:r>
-              <a:rPr lang="en-US" dirty="0"/>
-              <a:t>Cost of storage</a:t>
-            </a:r>
-          </a:p>
-          <a:p>
-            <a:pPr lvl="2"/>
-            <a:r>
-              <a:rPr lang="en-US" dirty="0"/>
-              <a:t>Opportunity cost of money invested</a:t>
-            </a:r>
-          </a:p>
-          <a:p>
-            <a:endParaRPr lang="en-US" dirty="0"/>
-          </a:p>
-        </p:txBody>
-      </p:sp>
-    </p:spTree>
-    <p:extLst>
-      <p:ext uri="{BB962C8B-B14F-4D97-AF65-F5344CB8AC3E}">
-        <p14:creationId xmlns:p14="http://schemas.microsoft.com/office/powerpoint/2010/main" val="1293034179"/>
       </p:ext>
     </p:extLst>
   </p:cSld>

--- a/Reading 46.pptx
+++ b/Reading 46.pptx
@@ -209,7 +209,7 @@
             <p14:sldId id="334"/>
           </p14:sldIdLst>
         </p14:section>
-        <p14:section name="Forward" id="{A348F803-1053-4D88-ABBE-115895454312}">
+        <p14:section name="Pricing and Valuation of Forward" id="{A348F803-1053-4D88-ABBE-115895454312}">
           <p14:sldIdLst>
             <p14:sldId id="270"/>
             <p14:sldId id="261"/>
@@ -6635,8 +6635,12 @@
           <a:p>
             <a:r>
               <a:rPr lang="en-US" sz="4000" dirty="0"/>
-              <a:t>Forward Contracts</a:t>
-            </a:r>
+              <a:t>Pricing and Valuation of Forward</a:t>
+            </a:r>
+            <a:br>
+              <a:rPr lang="en-US" sz="4000" dirty="0"/>
+            </a:br>
+            <a:endParaRPr lang="en-US" dirty="0"/>
           </a:p>
         </p:txBody>
       </p:sp>
@@ -6658,62 +6662,57 @@
         </p:nvSpPr>
         <p:spPr/>
         <p:txBody>
-          <a:bodyPr/>
-          <a:lstStyle/>
-          <a:p>
-            <a:r>
-              <a:rPr lang="en-US" sz="2800" dirty="0"/>
-              <a:t>Forward commitments</a:t>
-            </a:r>
-          </a:p>
-          <a:p>
-            <a:pPr lvl="1"/>
-            <a:r>
-              <a:rPr lang="en-US" sz="2800" u="sng" dirty="0">
+          <a:bodyPr>
+            <a:normAutofit/>
+          </a:bodyPr>
+          <a:lstStyle/>
+          <a:p>
+            <a:r>
+              <a:rPr lang="en-US" sz="2400" dirty="0"/>
+              <a:t>The forward, futures, or swap </a:t>
+            </a:r>
+            <a:r>
+              <a:rPr lang="en-US" sz="2400" dirty="0">
                 <a:solidFill>
                   <a:srgbClr val="FF0000"/>
                 </a:solidFill>
               </a:rPr>
-              <a:t>Forward</a:t>
-            </a:r>
-          </a:p>
-          <a:p>
-            <a:pPr lvl="1"/>
-            <a:r>
-              <a:rPr lang="en-US" sz="2800" dirty="0"/>
-              <a:t>Futures</a:t>
-            </a:r>
-          </a:p>
-          <a:p>
-            <a:pPr lvl="1"/>
-            <a:r>
-              <a:rPr lang="en-US" sz="2800" dirty="0"/>
-              <a:t>Swap</a:t>
-            </a:r>
-          </a:p>
-          <a:p>
-            <a:r>
-              <a:rPr lang="en-US" sz="2800" dirty="0"/>
-              <a:t>Contingent claims</a:t>
-            </a:r>
-          </a:p>
-          <a:p>
-            <a:pPr lvl="1"/>
-            <a:r>
-              <a:rPr lang="en-US" sz="2800" dirty="0"/>
-              <a:t>Option</a:t>
-            </a:r>
-          </a:p>
-          <a:p>
-            <a:pPr lvl="1"/>
-            <a:r>
-              <a:rPr lang="en-US" sz="2800" dirty="0"/>
-              <a:t>Credit Derivatives</a:t>
-            </a:r>
-          </a:p>
-          <a:p>
-            <a:pPr lvl="1"/>
-            <a:endParaRPr lang="en-US" dirty="0"/>
+              <a:t>price</a:t>
+            </a:r>
+            <a:r>
+              <a:rPr lang="en-US" sz="2400" dirty="0"/>
+              <a:t> is a concept that represents the fixed price or rate at which the underlying will be purchased at a later date.</a:t>
+            </a:r>
+          </a:p>
+          <a:p>
+            <a:r>
+              <a:rPr lang="en-US" sz="2400" dirty="0"/>
+              <a:t>Let us start by establishing that today, at time 0, we create a forward commitment that expires at time T. The value of the underlying today is </a:t>
+            </a:r>
+            <a:r>
+              <a:rPr lang="en-US" sz="2400" dirty="0">
+                <a:solidFill>
+                  <a:srgbClr val="FF0000"/>
+                </a:solidFill>
+              </a:rPr>
+              <a:t>S0</a:t>
+            </a:r>
+            <a:r>
+              <a:rPr lang="en-US" sz="2400" dirty="0"/>
+              <a:t>. At expiration the underlying value is </a:t>
+            </a:r>
+            <a:r>
+              <a:rPr lang="en-US" sz="2400" dirty="0">
+                <a:solidFill>
+                  <a:srgbClr val="FF0000"/>
+                </a:solidFill>
+              </a:rPr>
+              <a:t>ST</a:t>
+            </a:r>
+            <a:r>
+              <a:rPr lang="en-US" sz="2400" dirty="0"/>
+              <a:t>, which is not known at the initiation of the contract.</a:t>
+            </a:r>
           </a:p>
         </p:txBody>
       </p:sp>
@@ -6766,13 +6765,20 @@
         <p:spPr/>
         <p:txBody>
           <a:bodyPr>
-            <a:normAutofit/>
+            <a:normAutofit fontScale="90000"/>
           </a:bodyPr>
           <a:lstStyle/>
           <a:p>
             <a:r>
+              <a:rPr lang="en-US" sz="4400" dirty="0"/>
+              <a:t>Pricing and Valuation of Forward</a:t>
+            </a:r>
+            <a:br>
               <a:rPr lang="en-US" sz="4000" dirty="0"/>
-              <a:t>Forward Contracts</a:t>
+            </a:br>
+            <a:r>
+              <a:rPr lang="en-US" sz="4000" dirty="0"/>
+              <a:t>Expiration</a:t>
             </a:r>
             <a:br>
               <a:rPr lang="en-US" b="1" i="1" dirty="0"/>
@@ -6805,109 +6811,145 @@
           <a:lstStyle/>
           <a:p>
             <a:r>
-              <a:rPr lang="en-US" sz="2000" i="1" dirty="0"/>
-              <a:t>Definition: A forward contract is an </a:t>
-            </a:r>
-            <a:r>
-              <a:rPr lang="en-US" sz="2000" i="1" dirty="0">
+              <a:rPr lang="en-US" dirty="0"/>
+              <a:t>Pricing and Valuation of Forward Contracts at </a:t>
+            </a:r>
+            <a:r>
+              <a:rPr lang="en-US" dirty="0">
                 <a:solidFill>
                   <a:srgbClr val="FF0000"/>
                 </a:solidFill>
               </a:rPr>
-              <a:t>over- the- counter </a:t>
-            </a:r>
-            <a:r>
-              <a:rPr lang="en-US" sz="2000" i="1" dirty="0"/>
-              <a:t>derivative contract in which two parties agree that one party, the </a:t>
-            </a:r>
-            <a:r>
-              <a:rPr lang="en-US" sz="2000" i="1" dirty="0">
+              <a:t>Expiration</a:t>
+            </a:r>
+          </a:p>
+          <a:p>
+            <a:r>
+              <a:rPr lang="en-US" dirty="0"/>
+              <a:t>The forward price, established at the initiation date of contract is </a:t>
+            </a:r>
+            <a:r>
+              <a:rPr lang="en-US" i="1" dirty="0"/>
+              <a:t>F</a:t>
+            </a:r>
+            <a:r>
+              <a:rPr lang="en-US" dirty="0"/>
+              <a:t>0(</a:t>
+            </a:r>
+            <a:r>
+              <a:rPr lang="en-US" i="1" dirty="0"/>
+              <a:t>T</a:t>
+            </a:r>
+            <a:r>
+              <a:rPr lang="en-US" dirty="0"/>
+              <a:t>). Let us denote the value at expiration of the forward contract as </a:t>
+            </a:r>
+            <a:r>
+              <a:rPr lang="en-US" i="1" dirty="0"/>
+              <a:t>VT</a:t>
+            </a:r>
+            <a:r>
+              <a:rPr lang="en-US" dirty="0"/>
+              <a:t>(</a:t>
+            </a:r>
+            <a:r>
+              <a:rPr lang="en-US" i="1" dirty="0"/>
+              <a:t>T</a:t>
+            </a:r>
+            <a:r>
+              <a:rPr lang="en-US" dirty="0"/>
+              <a:t>). This value is formally stated as</a:t>
+            </a:r>
+          </a:p>
+          <a:p>
+            <a:r>
+              <a:rPr lang="en-US" i="1" dirty="0">
                 <a:solidFill>
                   <a:srgbClr val="FF0000"/>
                 </a:solidFill>
               </a:rPr>
-              <a:t>buyer</a:t>
-            </a:r>
-            <a:r>
-              <a:rPr lang="en-US" sz="2000" i="1" dirty="0"/>
-              <a:t>, will purchase an </a:t>
-            </a:r>
-            <a:r>
-              <a:rPr lang="en-US" sz="2000" i="1" dirty="0">
+              <a:t>VT</a:t>
+            </a:r>
+            <a:r>
+              <a:rPr lang="en-US" dirty="0">
                 <a:solidFill>
                   <a:srgbClr val="FF0000"/>
                 </a:solidFill>
               </a:rPr>
-              <a:t>underlying asset </a:t>
-            </a:r>
-            <a:r>
-              <a:rPr lang="en-US" sz="2000" i="1" dirty="0"/>
-              <a:t>from the other party, the </a:t>
-            </a:r>
-            <a:r>
-              <a:rPr lang="en-US" sz="2000" i="1" dirty="0">
+              <a:t>(</a:t>
+            </a:r>
+            <a:r>
+              <a:rPr lang="en-US" i="1" dirty="0">
                 <a:solidFill>
                   <a:srgbClr val="FF0000"/>
                 </a:solidFill>
               </a:rPr>
-              <a:t>seller</a:t>
-            </a:r>
-            <a:r>
-              <a:rPr lang="en-US" sz="2000" i="1" dirty="0"/>
-              <a:t>, at </a:t>
-            </a:r>
-            <a:r>
-              <a:rPr lang="en-US" sz="2000" i="1" dirty="0">
+              <a:t>T</a:t>
+            </a:r>
+            <a:r>
+              <a:rPr lang="en-US" dirty="0">
                 <a:solidFill>
                   <a:srgbClr val="FF0000"/>
                 </a:solidFill>
               </a:rPr>
-              <a:t>a</a:t>
-            </a:r>
-            <a:r>
-              <a:rPr lang="en-US" sz="2000" i="1" dirty="0"/>
-              <a:t> </a:t>
-            </a:r>
-            <a:r>
-              <a:rPr lang="en-US" sz="2000" i="1" dirty="0">
+              <a:t>) = </a:t>
+            </a:r>
+            <a:r>
+              <a:rPr lang="en-US" i="1" dirty="0">
                 <a:solidFill>
                   <a:srgbClr val="FF0000"/>
                 </a:solidFill>
               </a:rPr>
-              <a:t>later date </a:t>
-            </a:r>
-            <a:r>
-              <a:rPr lang="en-US" sz="2000" i="1" dirty="0"/>
-              <a:t>at a </a:t>
-            </a:r>
-            <a:r>
-              <a:rPr lang="en-US" sz="2000" i="1" dirty="0">
+              <a:t>ST </a:t>
+            </a:r>
+            <a:r>
+              <a:rPr lang="en-US" dirty="0">
                 <a:solidFill>
                   <a:srgbClr val="FF0000"/>
                 </a:solidFill>
               </a:rPr>
-              <a:t>fixed price </a:t>
-            </a:r>
-            <a:r>
-              <a:rPr lang="en-US" sz="2000" i="1" dirty="0"/>
-              <a:t>they agree on when the contract is signed.</a:t>
-            </a:r>
-          </a:p>
-          <a:p>
-            <a:r>
-              <a:rPr lang="en-US" sz="2000" dirty="0"/>
-              <a:t>At time </a:t>
-            </a:r>
-            <a:r>
-              <a:rPr lang="en-US" sz="2000" i="1" dirty="0"/>
-              <a:t>t </a:t>
-            </a:r>
-            <a:r>
-              <a:rPr lang="en-US" sz="2000" dirty="0"/>
-              <a:t>= 0, the </a:t>
-            </a:r>
-            <a:r>
-              <a:rPr lang="en-US" sz="2000" dirty="0">
+              <a:t>– </a:t>
+            </a:r>
+            <a:r>
+              <a:rPr lang="en-US" i="1" dirty="0">
+                <a:solidFill>
+                  <a:srgbClr val="FF0000"/>
+                </a:solidFill>
+              </a:rPr>
+              <a:t>F</a:t>
+            </a:r>
+            <a:r>
+              <a:rPr lang="en-US" dirty="0">
+                <a:solidFill>
+                  <a:srgbClr val="FF0000"/>
+                </a:solidFill>
+              </a:rPr>
+              <a:t>0(</a:t>
+            </a:r>
+            <a:r>
+              <a:rPr lang="en-US" i="1" dirty="0">
+                <a:solidFill>
+                  <a:srgbClr val="FF0000"/>
+                </a:solidFill>
+              </a:rPr>
+              <a:t>T</a:t>
+            </a:r>
+            <a:r>
+              <a:rPr lang="en-US" dirty="0">
+                <a:solidFill>
+                  <a:srgbClr val="FF0000"/>
+                </a:solidFill>
+              </a:rPr>
+              <a:t>)</a:t>
+            </a:r>
+          </a:p>
+          <a:p>
+            <a:r>
+              <a:rPr lang="en-US" dirty="0"/>
+              <a:t>In the financial world, we generally define value as the value to the </a:t>
+            </a:r>
+            <a:r>
+              <a:rPr lang="en-US" dirty="0">
                 <a:solidFill>
                   <a:srgbClr val="FF0000"/>
                 </a:solidFill>
@@ -6915,100 +6957,14 @@
               <a:t>long</a:t>
             </a:r>
             <a:r>
-              <a:rPr lang="en-US" sz="2000" dirty="0"/>
-              <a:t> and the </a:t>
-            </a:r>
-            <a:r>
-              <a:rPr lang="en-US" sz="2000" dirty="0">
-                <a:solidFill>
-                  <a:srgbClr val="FF0000"/>
-                </a:solidFill>
-              </a:rPr>
-              <a:t>short</a:t>
-            </a:r>
-            <a:r>
-              <a:rPr lang="en-US" sz="2000" dirty="0"/>
-              <a:t> agree that the short will deliver the asset to the long at time </a:t>
-            </a:r>
-            <a:r>
-              <a:rPr lang="en-US" sz="2000" i="1" dirty="0"/>
-              <a:t>T </a:t>
-            </a:r>
-            <a:r>
-              <a:rPr lang="en-US" sz="2000" dirty="0"/>
-              <a:t>for a price of </a:t>
-            </a:r>
-            <a:r>
-              <a:rPr lang="en-US" sz="2000" i="1" dirty="0"/>
-              <a:t>F</a:t>
-            </a:r>
-            <a:r>
-              <a:rPr lang="en-US" sz="2000" baseline="-25000" dirty="0"/>
-              <a:t>0</a:t>
-            </a:r>
-            <a:r>
-              <a:rPr lang="en-US" sz="2000" dirty="0"/>
-              <a:t>(</a:t>
-            </a:r>
-            <a:r>
-              <a:rPr lang="en-US" sz="2000" i="1" dirty="0"/>
-              <a:t>T</a:t>
-            </a:r>
-            <a:r>
-              <a:rPr lang="en-US" sz="2000" dirty="0"/>
-              <a:t>).</a:t>
-            </a:r>
-          </a:p>
-          <a:p>
-            <a:r>
-              <a:rPr lang="en-US" sz="2000" dirty="0"/>
-              <a:t>Now, let us roll forward to time </a:t>
-            </a:r>
-            <a:r>
-              <a:rPr lang="en-US" sz="2000" i="1" dirty="0"/>
-              <a:t>T</a:t>
-            </a:r>
-            <a:r>
-              <a:rPr lang="en-US" sz="2000" dirty="0"/>
-              <a:t>, when the price of the underlying is </a:t>
-            </a:r>
-            <a:r>
-              <a:rPr lang="en-US" sz="2000" i="1" dirty="0"/>
-              <a:t>S</a:t>
-            </a:r>
-            <a:r>
-              <a:rPr lang="en-US" sz="2000" i="1" baseline="-25000" dirty="0"/>
-              <a:t>T</a:t>
-            </a:r>
-            <a:r>
-              <a:rPr lang="en-US" sz="2000" dirty="0"/>
-              <a:t>.</a:t>
-            </a:r>
-          </a:p>
-          <a:p>
-            <a:r>
-              <a:rPr lang="en-US" sz="2000" dirty="0"/>
-              <a:t>These contracts have </a:t>
-            </a:r>
-            <a:r>
-              <a:rPr lang="en-US" altLang="zh-CN" sz="2000" dirty="0"/>
-              <a:t>customized</a:t>
-            </a:r>
-            <a:r>
-              <a:rPr lang="en-US" sz="2000" dirty="0"/>
-              <a:t> </a:t>
-            </a:r>
-            <a:r>
-              <a:rPr lang="en-US" sz="2000" dirty="0">
-                <a:solidFill>
-                  <a:srgbClr val="FF0000"/>
-                </a:solidFill>
-              </a:rPr>
-              <a:t>underlying assets, times to expiration, delivery and settlement conditions, and quantities.</a:t>
-            </a:r>
-          </a:p>
-          <a:p>
-            <a:endParaRPr lang="en-US" i="1" dirty="0"/>
+              <a:rPr lang="en-US" dirty="0"/>
+              <a:t> position</a:t>
+            </a:r>
+            <a:endParaRPr lang="en-US" i="1" dirty="0">
+              <a:solidFill>
+                <a:srgbClr val="FF0000"/>
+              </a:solidFill>
+            </a:endParaRPr>
           </a:p>
         </p:txBody>
       </p:sp>
@@ -7067,70 +7023,182 @@
           <a:p>
             <a:r>
               <a:rPr lang="en-US" sz="4000" dirty="0"/>
-              <a:t>Forward Contracts</a:t>
-            </a:r>
-          </a:p>
-        </p:txBody>
-      </p:sp>
-      <p:pic>
-        <p:nvPicPr>
-          <p:cNvPr id="5" name="Content Placeholder 4">
+              <a:t>Pricing and Valuation of Forward</a:t>
+            </a:r>
+            <a:br>
+              <a:rPr lang="en-US" sz="4000" dirty="0"/>
+            </a:br>
+            <a:r>
+              <a:rPr lang="en-US" dirty="0"/>
+              <a:t>Initiation</a:t>
+            </a:r>
+          </a:p>
+        </p:txBody>
+      </p:sp>
+      <p:sp>
+        <p:nvSpPr>
+          <p:cNvPr id="8" name="Content Placeholder 7">
             <a:extLst>
               <a:ext uri="{FF2B5EF4-FFF2-40B4-BE49-F238E27FC236}">
-                <a16:creationId xmlns:a16="http://schemas.microsoft.com/office/drawing/2014/main" id="{6D5B3625-C448-4069-AB89-D60155B7F92F}"/>
+                <a16:creationId xmlns:a16="http://schemas.microsoft.com/office/drawing/2014/main" id="{47ED2222-EA9F-4034-B8EA-DB3071908D67}"/>
               </a:ext>
             </a:extLst>
           </p:cNvPr>
-          <p:cNvPicPr>
-            <a:picLocks noGrp="1" noChangeAspect="1"/>
-          </p:cNvPicPr>
+          <p:cNvSpPr>
+            <a:spLocks noGrp="1"/>
+          </p:cNvSpPr>
           <p:nvPr>
             <p:ph idx="1"/>
           </p:nvPr>
-        </p:nvPicPr>
-        <p:blipFill>
-          <a:blip r:embed="rId2"/>
-          <a:stretch>
-            <a:fillRect/>
-          </a:stretch>
-        </p:blipFill>
-        <p:spPr>
-          <a:xfrm>
-            <a:off x="677334" y="2220199"/>
-            <a:ext cx="3153687" cy="3697426"/>
-          </a:xfrm>
-        </p:spPr>
-      </p:pic>
-      <p:pic>
-        <p:nvPicPr>
-          <p:cNvPr id="7" name="Picture 6">
-            <a:extLst>
-              <a:ext uri="{FF2B5EF4-FFF2-40B4-BE49-F238E27FC236}">
-                <a16:creationId xmlns:a16="http://schemas.microsoft.com/office/drawing/2014/main" id="{CE0DA70C-7423-4CB7-B9B6-7D5E46F0AF61}"/>
-              </a:ext>
-            </a:extLst>
-          </p:cNvPr>
-          <p:cNvPicPr>
-            <a:picLocks noChangeAspect="1"/>
-          </p:cNvPicPr>
-          <p:nvPr/>
-        </p:nvPicPr>
-        <p:blipFill>
-          <a:blip r:embed="rId3"/>
-          <a:stretch>
-            <a:fillRect/>
-          </a:stretch>
-        </p:blipFill>
-        <p:spPr>
-          <a:xfrm>
-            <a:off x="4614861" y="2149808"/>
-            <a:ext cx="3520609" cy="3838208"/>
-          </a:xfrm>
-          <a:prstGeom prst="rect">
-            <a:avLst/>
-          </a:prstGeom>
-        </p:spPr>
-      </p:pic>
+        </p:nvSpPr>
+        <p:spPr/>
+        <p:txBody>
+          <a:bodyPr/>
+          <a:lstStyle/>
+          <a:p>
+            <a:r>
+              <a:rPr lang="en-US" dirty="0"/>
+              <a:t>When a forward contract is initiated, neither party pays anything to the other. It is a valueless contract, neither an asset nor a liability. Therefore, its value at initiation is zero:</a:t>
+            </a:r>
+          </a:p>
+          <a:p>
+            <a:r>
+              <a:rPr lang="en-US" i="1" dirty="0">
+                <a:solidFill>
+                  <a:srgbClr val="FF0000"/>
+                </a:solidFill>
+              </a:rPr>
+              <a:t>V</a:t>
+            </a:r>
+            <a:r>
+              <a:rPr lang="en-US" dirty="0">
+                <a:solidFill>
+                  <a:srgbClr val="FF0000"/>
+                </a:solidFill>
+              </a:rPr>
+              <a:t>0(</a:t>
+            </a:r>
+            <a:r>
+              <a:rPr lang="en-US" i="1" dirty="0">
+                <a:solidFill>
+                  <a:srgbClr val="FF0000"/>
+                </a:solidFill>
+              </a:rPr>
+              <a:t>T</a:t>
+            </a:r>
+            <a:r>
+              <a:rPr lang="en-US" dirty="0">
+                <a:solidFill>
+                  <a:srgbClr val="FF0000"/>
+                </a:solidFill>
+              </a:rPr>
+              <a:t>) = 0</a:t>
+            </a:r>
+          </a:p>
+          <a:p>
+            <a:r>
+              <a:rPr lang="en-US" dirty="0"/>
+              <a:t>We can easily solve for the forward price to obtain</a:t>
+            </a:r>
+          </a:p>
+          <a:p>
+            <a:r>
+              <a:rPr lang="en-US" i="1" dirty="0">
+                <a:solidFill>
+                  <a:srgbClr val="FF0000"/>
+                </a:solidFill>
+              </a:rPr>
+              <a:t>F</a:t>
+            </a:r>
+            <a:r>
+              <a:rPr lang="en-US" dirty="0">
+                <a:solidFill>
+                  <a:srgbClr val="FF0000"/>
+                </a:solidFill>
+              </a:rPr>
+              <a:t>0(</a:t>
+            </a:r>
+            <a:r>
+              <a:rPr lang="en-US" i="1" dirty="0">
+                <a:solidFill>
+                  <a:srgbClr val="FF0000"/>
+                </a:solidFill>
+              </a:rPr>
+              <a:t>T</a:t>
+            </a:r>
+            <a:r>
+              <a:rPr lang="en-US" dirty="0">
+                <a:solidFill>
+                  <a:srgbClr val="FF0000"/>
+                </a:solidFill>
+              </a:rPr>
+              <a:t>) = </a:t>
+            </a:r>
+            <a:r>
+              <a:rPr lang="en-US" i="1" dirty="0">
+                <a:solidFill>
+                  <a:srgbClr val="FF0000"/>
+                </a:solidFill>
+              </a:rPr>
+              <a:t>S</a:t>
+            </a:r>
+            <a:r>
+              <a:rPr lang="en-US" dirty="0">
+                <a:solidFill>
+                  <a:srgbClr val="FF0000"/>
+                </a:solidFill>
+              </a:rPr>
+              <a:t>0(1 + </a:t>
+            </a:r>
+            <a:r>
+              <a:rPr lang="en-US" i="1" dirty="0">
+                <a:solidFill>
+                  <a:srgbClr val="FF0000"/>
+                </a:solidFill>
+              </a:rPr>
+              <a:t>r</a:t>
+            </a:r>
+            <a:r>
+              <a:rPr lang="en-US" dirty="0">
+                <a:solidFill>
+                  <a:srgbClr val="FF0000"/>
+                </a:solidFill>
+              </a:rPr>
+              <a:t>)</a:t>
+            </a:r>
+            <a:r>
+              <a:rPr lang="en-US" i="1" dirty="0">
+                <a:solidFill>
+                  <a:srgbClr val="FF0000"/>
+                </a:solidFill>
+              </a:rPr>
+              <a:t>T</a:t>
+            </a:r>
+            <a:endParaRPr lang="en-US" dirty="0">
+              <a:solidFill>
+                <a:srgbClr val="FF0000"/>
+              </a:solidFill>
+            </a:endParaRPr>
+          </a:p>
+          <a:p>
+            <a:r>
+              <a:rPr lang="en-US" dirty="0">
+                <a:solidFill>
+                  <a:schemeClr val="tx1"/>
+                </a:solidFill>
+              </a:rPr>
+              <a:t>The forward price is the spot price compounded at the risk-free rate over the life of the contract</a:t>
+            </a:r>
+          </a:p>
+          <a:p>
+            <a:endParaRPr lang="en-US" dirty="0">
+              <a:solidFill>
+                <a:schemeClr val="tx1"/>
+              </a:solidFill>
+            </a:endParaRPr>
+          </a:p>
+        </p:txBody>
+      </p:sp>
     </p:spTree>
     <p:extLst>
       <p:ext uri="{BB962C8B-B14F-4D97-AF65-F5344CB8AC3E}">
@@ -7186,7 +7254,14 @@
           <a:p>
             <a:r>
               <a:rPr lang="en-US" sz="4000" dirty="0"/>
-              <a:t>Forward Contracts</a:t>
+              <a:t>Pricing and Valuation of Forward</a:t>
+            </a:r>
+            <a:br>
+              <a:rPr lang="en-US" sz="4000" dirty="0"/>
+            </a:br>
+            <a:r>
+              <a:rPr lang="en-US" dirty="0"/>
+              <a:t>Initiation</a:t>
             </a:r>
           </a:p>
         </p:txBody>
@@ -7216,14 +7291,22 @@
           <a:p>
             <a:r>
               <a:rPr lang="en-US" dirty="0"/>
-              <a:t>Characteristics:</a:t>
-            </a:r>
-          </a:p>
-          <a:p>
-            <a:pPr lvl="1"/>
-            <a:r>
-              <a:rPr lang="en-US" dirty="0"/>
-              <a:t>An important element of forward contracts is that </a:t>
+              <a:t>Now suppose the asset generates cash payments and/or benefits and incurs storage costs.</a:t>
+            </a:r>
+            <a:endParaRPr lang="en-US" i="1" dirty="0">
+              <a:solidFill>
+                <a:srgbClr val="FF0000"/>
+              </a:solidFill>
+            </a:endParaRPr>
+          </a:p>
+          <a:p>
+            <a:r>
+              <a:rPr lang="en-US" i="1" dirty="0">
+                <a:solidFill>
+                  <a:srgbClr val="FF0000"/>
+                </a:solidFill>
+              </a:rPr>
+              <a:t>F</a:t>
             </a:r>
             <a:r>
               <a:rPr lang="en-US" dirty="0">
@@ -7231,18 +7314,15 @@
                   <a:srgbClr val="FF0000"/>
                 </a:solidFill>
               </a:rPr>
-              <a:t>no money changes </a:t>
-            </a:r>
-            <a:r>
-              <a:rPr lang="en-US" dirty="0"/>
-              <a:t>hands between parties when the contract is initiated.  </a:t>
-            </a:r>
-          </a:p>
-          <a:p>
-            <a:pPr lvl="1"/>
-            <a:r>
-              <a:rPr lang="en-US" dirty="0"/>
-              <a:t>The long and the short are engaged in a </a:t>
+              <a:t>0(</a:t>
+            </a:r>
+            <a:r>
+              <a:rPr lang="en-US" i="1" dirty="0">
+                <a:solidFill>
+                  <a:srgbClr val="FF0000"/>
+                </a:solidFill>
+              </a:rPr>
+              <a:t>T</a:t>
             </a:r>
             <a:r>
               <a:rPr lang="en-US" dirty="0">
@@ -7250,11 +7330,15 @@
                   <a:srgbClr val="FF0000"/>
                 </a:solidFill>
               </a:rPr>
-              <a:t>zero- sum game</a:t>
-            </a:r>
-            <a:r>
-              <a:rPr lang="en-US" dirty="0"/>
-              <a:t>, which is a type of competition in which one participant’s gains are the other’s losses. </a:t>
+              <a:t>) = (</a:t>
+            </a:r>
+            <a:r>
+              <a:rPr lang="en-US" i="1" dirty="0">
+                <a:solidFill>
+                  <a:srgbClr val="FF0000"/>
+                </a:solidFill>
+              </a:rPr>
+              <a:t>S</a:t>
             </a:r>
             <a:r>
               <a:rPr lang="en-US" dirty="0">
@@ -7262,11 +7346,15 @@
                   <a:srgbClr val="FF0000"/>
                 </a:solidFill>
               </a:rPr>
-              <a:t>Only one party could default at a time.</a:t>
-            </a:r>
-            <a:r>
-              <a:rPr lang="en-US" dirty="0"/>
-              <a:t> Forward contracts have </a:t>
+              <a:t>0-</a:t>
+            </a:r>
+            <a:r>
+              <a:rPr lang="el-GR" dirty="0">
+                <a:solidFill>
+                  <a:srgbClr val="FF0000"/>
+                </a:solidFill>
+              </a:rPr>
+              <a:t>γ</a:t>
             </a:r>
             <a:r>
               <a:rPr lang="en-US" dirty="0">
@@ -7274,18 +7362,15 @@
                   <a:srgbClr val="FF0000"/>
                 </a:solidFill>
               </a:rPr>
-              <a:t>zero value at the start</a:t>
-            </a:r>
-            <a:r>
-              <a:rPr lang="en-US" dirty="0"/>
-              <a:t>.</a:t>
-            </a:r>
-          </a:p>
-          <a:p>
-            <a:pPr lvl="1"/>
-            <a:r>
-              <a:rPr lang="en-US" dirty="0"/>
-              <a:t>Forward contracts need not specifically settle by delivery of the underlying asset. They can settle by </a:t>
+              <a:t>+</a:t>
+            </a:r>
+            <a:r>
+              <a:rPr lang="el-GR" dirty="0">
+                <a:solidFill>
+                  <a:srgbClr val="FF0000"/>
+                </a:solidFill>
+              </a:rPr>
+              <a:t>θ</a:t>
             </a:r>
             <a:r>
               <a:rPr lang="en-US" dirty="0">
@@ -7293,38 +7378,15 @@
                   <a:srgbClr val="FF0000"/>
                 </a:solidFill>
               </a:rPr>
-              <a:t>an exchange of cash</a:t>
-            </a:r>
-            <a:r>
-              <a:rPr lang="en-US" dirty="0"/>
-              <a:t>. These contracts—called </a:t>
-            </a:r>
-            <a:r>
-              <a:rPr lang="en-US" b="1" dirty="0"/>
-              <a:t>non- deliverable forwards </a:t>
-            </a:r>
-            <a:r>
-              <a:rPr lang="en-US" dirty="0"/>
-              <a:t>(NDFs), </a:t>
-            </a:r>
-            <a:r>
-              <a:rPr lang="en-US" b="1" dirty="0"/>
-              <a:t>cash- settled forwards</a:t>
-            </a:r>
-            <a:r>
-              <a:rPr lang="en-US" dirty="0"/>
-              <a:t>, or </a:t>
-            </a:r>
-            <a:r>
-              <a:rPr lang="en-US" b="1" dirty="0"/>
-              <a:t>contracts for differences.</a:t>
-            </a:r>
-          </a:p>
-          <a:p>
-            <a:pPr lvl="1"/>
-            <a:r>
-              <a:rPr lang="en-US" dirty="0"/>
-              <a:t>The primary purpose of derivatives is for </a:t>
+              <a:t>)(1 + </a:t>
+            </a:r>
+            <a:r>
+              <a:rPr lang="en-US" i="1" dirty="0">
+                <a:solidFill>
+                  <a:srgbClr val="FF0000"/>
+                </a:solidFill>
+              </a:rPr>
+              <a:t>r</a:t>
             </a:r>
             <a:r>
               <a:rPr lang="en-US" dirty="0">
@@ -7332,32 +7394,26 @@
                   <a:srgbClr val="FF0000"/>
                 </a:solidFill>
               </a:rPr>
-              <a:t>risk management</a:t>
-            </a:r>
-            <a:r>
-              <a:rPr lang="en-US" dirty="0"/>
-              <a:t>.</a:t>
-            </a:r>
-            <a:endParaRPr lang="en-US" b="1" dirty="0"/>
-          </a:p>
-          <a:p>
-            <a:pPr lvl="1"/>
-            <a:r>
-              <a:rPr lang="en-US" dirty="0"/>
-              <a:t>As previously mentioned, forward contracts are </a:t>
-            </a:r>
-            <a:r>
-              <a:rPr lang="en-US" dirty="0">
+              <a:t>)</a:t>
+            </a:r>
+            <a:r>
+              <a:rPr lang="en-US" i="1" dirty="0">
                 <a:solidFill>
                   <a:srgbClr val="FF0000"/>
                 </a:solidFill>
               </a:rPr>
-              <a:t>OTC contracts</a:t>
-            </a:r>
-            <a:r>
-              <a:rPr lang="en-US" dirty="0"/>
-              <a:t>. There is no formal forward contract exchange.</a:t>
-            </a:r>
+              <a:t>T</a:t>
+            </a:r>
+          </a:p>
+          <a:p>
+            <a:endParaRPr lang="en-US" dirty="0">
+              <a:solidFill>
+                <a:srgbClr val="FF0000"/>
+              </a:solidFill>
+            </a:endParaRPr>
+          </a:p>
+          <a:p>
+            <a:endParaRPr lang="en-US" dirty="0"/>
           </a:p>
         </p:txBody>
       </p:sp>

--- a/Reading 46.pptx
+++ b/Reading 46.pptx
@@ -18,68 +18,72 @@
     <p:sldId id="333" r:id="rId12"/>
     <p:sldId id="334" r:id="rId13"/>
     <p:sldId id="270" r:id="rId14"/>
-    <p:sldId id="261" r:id="rId15"/>
-    <p:sldId id="263" r:id="rId16"/>
-    <p:sldId id="264" r:id="rId17"/>
-    <p:sldId id="316" r:id="rId18"/>
-    <p:sldId id="271" r:id="rId19"/>
-    <p:sldId id="265" r:id="rId20"/>
-    <p:sldId id="273" r:id="rId21"/>
-    <p:sldId id="272" r:id="rId22"/>
-    <p:sldId id="267" r:id="rId23"/>
-    <p:sldId id="268" r:id="rId24"/>
-    <p:sldId id="317" r:id="rId25"/>
-    <p:sldId id="269" r:id="rId26"/>
-    <p:sldId id="274" r:id="rId27"/>
-    <p:sldId id="275" r:id="rId28"/>
-    <p:sldId id="276" r:id="rId29"/>
-    <p:sldId id="277" r:id="rId30"/>
-    <p:sldId id="318" r:id="rId31"/>
-    <p:sldId id="278" r:id="rId32"/>
-    <p:sldId id="279" r:id="rId33"/>
-    <p:sldId id="280" r:id="rId34"/>
-    <p:sldId id="281" r:id="rId35"/>
-    <p:sldId id="282" r:id="rId36"/>
-    <p:sldId id="283" r:id="rId37"/>
-    <p:sldId id="284" r:id="rId38"/>
-    <p:sldId id="285" r:id="rId39"/>
-    <p:sldId id="286" r:id="rId40"/>
-    <p:sldId id="287" r:id="rId41"/>
-    <p:sldId id="288" r:id="rId42"/>
-    <p:sldId id="319" r:id="rId43"/>
-    <p:sldId id="320" r:id="rId44"/>
-    <p:sldId id="289" r:id="rId45"/>
-    <p:sldId id="290" r:id="rId46"/>
-    <p:sldId id="291" r:id="rId47"/>
-    <p:sldId id="292" r:id="rId48"/>
-    <p:sldId id="293" r:id="rId49"/>
-    <p:sldId id="294" r:id="rId50"/>
-    <p:sldId id="321" r:id="rId51"/>
-    <p:sldId id="295" r:id="rId52"/>
-    <p:sldId id="296" r:id="rId53"/>
-    <p:sldId id="297" r:id="rId54"/>
-    <p:sldId id="302" r:id="rId55"/>
-    <p:sldId id="303" r:id="rId56"/>
-    <p:sldId id="298" r:id="rId57"/>
-    <p:sldId id="299" r:id="rId58"/>
-    <p:sldId id="322" r:id="rId59"/>
-    <p:sldId id="323" r:id="rId60"/>
-    <p:sldId id="324" r:id="rId61"/>
-    <p:sldId id="301" r:id="rId62"/>
-    <p:sldId id="300" r:id="rId63"/>
-    <p:sldId id="306" r:id="rId64"/>
-    <p:sldId id="304" r:id="rId65"/>
-    <p:sldId id="305" r:id="rId66"/>
-    <p:sldId id="307" r:id="rId67"/>
-    <p:sldId id="308" r:id="rId68"/>
-    <p:sldId id="309" r:id="rId69"/>
-    <p:sldId id="310" r:id="rId70"/>
-    <p:sldId id="325" r:id="rId71"/>
-    <p:sldId id="326" r:id="rId72"/>
-    <p:sldId id="327" r:id="rId73"/>
-    <p:sldId id="311" r:id="rId74"/>
-    <p:sldId id="312" r:id="rId75"/>
-    <p:sldId id="313" r:id="rId76"/>
+    <p:sldId id="263" r:id="rId15"/>
+    <p:sldId id="264" r:id="rId16"/>
+    <p:sldId id="261" r:id="rId17"/>
+    <p:sldId id="336" r:id="rId18"/>
+    <p:sldId id="337" r:id="rId19"/>
+    <p:sldId id="338" r:id="rId20"/>
+    <p:sldId id="339" r:id="rId21"/>
+    <p:sldId id="316" r:id="rId22"/>
+    <p:sldId id="271" r:id="rId23"/>
+    <p:sldId id="265" r:id="rId24"/>
+    <p:sldId id="273" r:id="rId25"/>
+    <p:sldId id="272" r:id="rId26"/>
+    <p:sldId id="267" r:id="rId27"/>
+    <p:sldId id="268" r:id="rId28"/>
+    <p:sldId id="317" r:id="rId29"/>
+    <p:sldId id="269" r:id="rId30"/>
+    <p:sldId id="274" r:id="rId31"/>
+    <p:sldId id="275" r:id="rId32"/>
+    <p:sldId id="276" r:id="rId33"/>
+    <p:sldId id="277" r:id="rId34"/>
+    <p:sldId id="318" r:id="rId35"/>
+    <p:sldId id="278" r:id="rId36"/>
+    <p:sldId id="279" r:id="rId37"/>
+    <p:sldId id="280" r:id="rId38"/>
+    <p:sldId id="281" r:id="rId39"/>
+    <p:sldId id="282" r:id="rId40"/>
+    <p:sldId id="283" r:id="rId41"/>
+    <p:sldId id="284" r:id="rId42"/>
+    <p:sldId id="285" r:id="rId43"/>
+    <p:sldId id="286" r:id="rId44"/>
+    <p:sldId id="287" r:id="rId45"/>
+    <p:sldId id="288" r:id="rId46"/>
+    <p:sldId id="319" r:id="rId47"/>
+    <p:sldId id="320" r:id="rId48"/>
+    <p:sldId id="289" r:id="rId49"/>
+    <p:sldId id="290" r:id="rId50"/>
+    <p:sldId id="291" r:id="rId51"/>
+    <p:sldId id="292" r:id="rId52"/>
+    <p:sldId id="293" r:id="rId53"/>
+    <p:sldId id="294" r:id="rId54"/>
+    <p:sldId id="321" r:id="rId55"/>
+    <p:sldId id="295" r:id="rId56"/>
+    <p:sldId id="296" r:id="rId57"/>
+    <p:sldId id="297" r:id="rId58"/>
+    <p:sldId id="302" r:id="rId59"/>
+    <p:sldId id="303" r:id="rId60"/>
+    <p:sldId id="298" r:id="rId61"/>
+    <p:sldId id="299" r:id="rId62"/>
+    <p:sldId id="322" r:id="rId63"/>
+    <p:sldId id="323" r:id="rId64"/>
+    <p:sldId id="324" r:id="rId65"/>
+    <p:sldId id="301" r:id="rId66"/>
+    <p:sldId id="300" r:id="rId67"/>
+    <p:sldId id="306" r:id="rId68"/>
+    <p:sldId id="304" r:id="rId69"/>
+    <p:sldId id="305" r:id="rId70"/>
+    <p:sldId id="307" r:id="rId71"/>
+    <p:sldId id="308" r:id="rId72"/>
+    <p:sldId id="309" r:id="rId73"/>
+    <p:sldId id="310" r:id="rId74"/>
+    <p:sldId id="325" r:id="rId75"/>
+    <p:sldId id="326" r:id="rId76"/>
+    <p:sldId id="327" r:id="rId77"/>
+    <p:sldId id="311" r:id="rId78"/>
+    <p:sldId id="312" r:id="rId79"/>
+    <p:sldId id="313" r:id="rId80"/>
   </p:sldIdLst>
   <p:sldSz cx="12192000" cy="6858000"/>
   <p:notesSz cx="6858000" cy="9144000"/>
@@ -212,9 +216,13 @@
         <p14:section name="Pricing and Valuation of Forward" id="{A348F803-1053-4D88-ABBE-115895454312}">
           <p14:sldIdLst>
             <p14:sldId id="270"/>
-            <p14:sldId id="261"/>
             <p14:sldId id="263"/>
             <p14:sldId id="264"/>
+            <p14:sldId id="261"/>
+            <p14:sldId id="336"/>
+            <p14:sldId id="337"/>
+            <p14:sldId id="338"/>
+            <p14:sldId id="339"/>
           </p14:sldIdLst>
         </p14:section>
         <p14:section name="Futures" id="{9C038C63-4C16-4EA1-8C07-C65F6FC04218}">
@@ -1044,7 +1052,7 @@
             <a:fld id="{B61BEF0D-F0BB-DE4B-95CE-6DB70DBA9567}" type="datetimeFigureOut">
               <a:rPr lang="en-US" smtClean="0"/>
               <a:pPr/>
-              <a:t>1/26/2022</a:t>
+              <a:t>2/7/2022</a:t>
             </a:fld>
             <a:endParaRPr lang="en-US" dirty="0"/>
           </a:p>
@@ -1297,7 +1305,7 @@
             <a:fld id="{B61BEF0D-F0BB-DE4B-95CE-6DB70DBA9567}" type="datetimeFigureOut">
               <a:rPr lang="en-US" smtClean="0"/>
               <a:pPr/>
-              <a:t>1/26/2022</a:t>
+              <a:t>2/7/2022</a:t>
             </a:fld>
             <a:endParaRPr lang="en-US" dirty="0"/>
           </a:p>
@@ -1613,7 +1621,7 @@
             <a:fld id="{B61BEF0D-F0BB-DE4B-95CE-6DB70DBA9567}" type="datetimeFigureOut">
               <a:rPr lang="en-US" smtClean="0"/>
               <a:pPr/>
-              <a:t>1/26/2022</a:t>
+              <a:t>2/7/2022</a:t>
             </a:fld>
             <a:endParaRPr lang="en-US" dirty="0"/>
           </a:p>
@@ -1956,7 +1964,7 @@
             <a:fld id="{B61BEF0D-F0BB-DE4B-95CE-6DB70DBA9567}" type="datetimeFigureOut">
               <a:rPr lang="en-US" smtClean="0"/>
               <a:pPr/>
-              <a:t>1/26/2022</a:t>
+              <a:t>2/7/2022</a:t>
             </a:fld>
             <a:endParaRPr lang="en-US" dirty="0"/>
           </a:p>
@@ -2272,7 +2280,7 @@
             <a:fld id="{B61BEF0D-F0BB-DE4B-95CE-6DB70DBA9567}" type="datetimeFigureOut">
               <a:rPr lang="en-US" smtClean="0"/>
               <a:pPr/>
-              <a:t>1/26/2022</a:t>
+              <a:t>2/7/2022</a:t>
             </a:fld>
             <a:endParaRPr lang="en-US" dirty="0"/>
           </a:p>
@@ -2667,7 +2675,7 @@
             <a:fld id="{B61BEF0D-F0BB-DE4B-95CE-6DB70DBA9567}" type="datetimeFigureOut">
               <a:rPr lang="en-US" smtClean="0"/>
               <a:pPr/>
-              <a:t>1/26/2022</a:t>
+              <a:t>2/7/2022</a:t>
             </a:fld>
             <a:endParaRPr lang="en-US" dirty="0"/>
           </a:p>
@@ -2838,7 +2846,7 @@
           <a:p>
             <a:fld id="{55C6B4A9-1611-4792-9094-5F34BCA07E0B}" type="datetimeFigureOut">
               <a:rPr lang="en-US" smtClean="0"/>
-              <a:t>1/26/2022</a:t>
+              <a:t>2/7/2022</a:t>
             </a:fld>
             <a:endParaRPr lang="en-US" dirty="0"/>
           </a:p>
@@ -3019,7 +3027,7 @@
             <a:fld id="{B61BEF0D-F0BB-DE4B-95CE-6DB70DBA9567}" type="datetimeFigureOut">
               <a:rPr lang="en-US" smtClean="0"/>
               <a:pPr/>
-              <a:t>1/26/2022</a:t>
+              <a:t>2/7/2022</a:t>
             </a:fld>
             <a:endParaRPr lang="en-US" dirty="0"/>
           </a:p>
@@ -3196,7 +3204,7 @@
           <a:p>
             <a:fld id="{42A54C80-263E-416B-A8E0-580EDEADCBDC}" type="datetimeFigureOut">
               <a:rPr lang="en-US" smtClean="0"/>
-              <a:t>1/26/2022</a:t>
+              <a:t>2/7/2022</a:t>
             </a:fld>
             <a:endParaRPr lang="en-US" dirty="0"/>
           </a:p>
@@ -3444,7 +3452,7 @@
             <a:fld id="{B61BEF0D-F0BB-DE4B-95CE-6DB70DBA9567}" type="datetimeFigureOut">
               <a:rPr lang="en-US" smtClean="0"/>
               <a:pPr/>
-              <a:t>1/26/2022</a:t>
+              <a:t>2/7/2022</a:t>
             </a:fld>
             <a:endParaRPr lang="en-US" dirty="0"/>
           </a:p>
@@ -3677,7 +3685,7 @@
           <a:p>
             <a:fld id="{42A54C80-263E-416B-A8E0-580EDEADCBDC}" type="datetimeFigureOut">
               <a:rPr lang="en-US" smtClean="0"/>
-              <a:t>1/26/2022</a:t>
+              <a:t>2/7/2022</a:t>
             </a:fld>
             <a:endParaRPr lang="en-US" dirty="0"/>
           </a:p>
@@ -4052,7 +4060,7 @@
             <a:fld id="{B61BEF0D-F0BB-DE4B-95CE-6DB70DBA9567}" type="datetimeFigureOut">
               <a:rPr lang="en-US" smtClean="0"/>
               <a:pPr/>
-              <a:t>1/26/2022</a:t>
+              <a:t>2/7/2022</a:t>
             </a:fld>
             <a:endParaRPr lang="en-US" dirty="0"/>
           </a:p>
@@ -4177,7 +4185,7 @@
             <a:fld id="{B61BEF0D-F0BB-DE4B-95CE-6DB70DBA9567}" type="datetimeFigureOut">
               <a:rPr lang="en-US" smtClean="0"/>
               <a:pPr/>
-              <a:t>1/26/2022</a:t>
+              <a:t>2/7/2022</a:t>
             </a:fld>
             <a:endParaRPr lang="en-US" dirty="0"/>
           </a:p>
@@ -4274,7 +4282,7 @@
             <a:fld id="{B61BEF0D-F0BB-DE4B-95CE-6DB70DBA9567}" type="datetimeFigureOut">
               <a:rPr lang="en-US" smtClean="0"/>
               <a:pPr/>
-              <a:t>1/26/2022</a:t>
+              <a:t>2/7/2022</a:t>
             </a:fld>
             <a:endParaRPr lang="en-US" dirty="0"/>
           </a:p>
@@ -4530,7 +4538,7 @@
           <a:p>
             <a:fld id="{42A54C80-263E-416B-A8E0-580EDEADCBDC}" type="datetimeFigureOut">
               <a:rPr lang="en-US" smtClean="0"/>
-              <a:t>1/26/2022</a:t>
+              <a:t>2/7/2022</a:t>
             </a:fld>
             <a:endParaRPr lang="en-US" dirty="0"/>
           </a:p>
@@ -4794,7 +4802,7 @@
             <a:fld id="{B61BEF0D-F0BB-DE4B-95CE-6DB70DBA9567}" type="datetimeFigureOut">
               <a:rPr lang="en-US" smtClean="0"/>
               <a:pPr/>
-              <a:t>1/26/2022</a:t>
+              <a:t>2/7/2022</a:t>
             </a:fld>
             <a:endParaRPr lang="en-US" dirty="0"/>
           </a:p>
@@ -5539,7 +5547,7 @@
             <a:fld id="{B61BEF0D-F0BB-DE4B-95CE-6DB70DBA9567}" type="datetimeFigureOut">
               <a:rPr lang="en-US" smtClean="0"/>
               <a:pPr/>
-              <a:t>1/26/2022</a:t>
+              <a:t>2/7/2022</a:t>
             </a:fld>
             <a:endParaRPr lang="en-US" dirty="0"/>
           </a:p>
@@ -6695,7 +6703,15 @@
                   <a:srgbClr val="FF0000"/>
                 </a:solidFill>
               </a:rPr>
-              <a:t>S0</a:t>
+              <a:t>S</a:t>
+            </a:r>
+            <a:r>
+              <a:rPr lang="en-US" sz="2400" baseline="-25000" dirty="0">
+                <a:solidFill>
+                  <a:srgbClr val="FF0000"/>
+                </a:solidFill>
+              </a:rPr>
+              <a:t>0</a:t>
             </a:r>
             <a:r>
               <a:rPr lang="en-US" sz="2400" dirty="0"/>
@@ -6707,7 +6723,15 @@
                   <a:srgbClr val="FF0000"/>
                 </a:solidFill>
               </a:rPr>
-              <a:t>ST</a:t>
+              <a:t>S</a:t>
+            </a:r>
+            <a:r>
+              <a:rPr lang="en-US" sz="2400" baseline="-25000" dirty="0">
+                <a:solidFill>
+                  <a:srgbClr val="FF0000"/>
+                </a:solidFill>
+              </a:rPr>
+              <a:t>T</a:t>
             </a:r>
             <a:r>
               <a:rPr lang="en-US" sz="2400" dirty="0"/>
@@ -6751,7 +6775,7 @@
           <p:cNvPr id="2" name="Title 1">
             <a:extLst>
               <a:ext uri="{FF2B5EF4-FFF2-40B4-BE49-F238E27FC236}">
-                <a16:creationId xmlns:a16="http://schemas.microsoft.com/office/drawing/2014/main" id="{ADE6AB55-2B32-43BD-88B1-F3CA049E0A6F}"/>
+                <a16:creationId xmlns:a16="http://schemas.microsoft.com/office/drawing/2014/main" id="{D258D5B9-88E4-44F9-804F-4CB8957CD25F}"/>
               </a:ext>
             </a:extLst>
           </p:cNvPr>
@@ -6765,34 +6789,30 @@
         <p:spPr/>
         <p:txBody>
           <a:bodyPr>
-            <a:normAutofit fontScale="90000"/>
+            <a:normAutofit/>
           </a:bodyPr>
           <a:lstStyle/>
           <a:p>
             <a:r>
-              <a:rPr lang="en-US" sz="4400" dirty="0"/>
+              <a:rPr lang="en-US" sz="4000" dirty="0"/>
               <a:t>Pricing and Valuation of Forward</a:t>
             </a:r>
             <a:br>
               <a:rPr lang="en-US" sz="4000" dirty="0"/>
             </a:br>
             <a:r>
-              <a:rPr lang="en-US" sz="4000" dirty="0"/>
-              <a:t>Expiration</a:t>
-            </a:r>
-            <a:br>
-              <a:rPr lang="en-US" b="1" i="1" dirty="0"/>
-            </a:br>
-            <a:endParaRPr lang="en-US" dirty="0"/>
-          </a:p>
-        </p:txBody>
-      </p:sp>
-      <p:sp>
-        <p:nvSpPr>
-          <p:cNvPr id="3" name="Content Placeholder 2">
+              <a:rPr lang="en-US" dirty="0"/>
+              <a:t>Initiation</a:t>
+            </a:r>
+          </a:p>
+        </p:txBody>
+      </p:sp>
+      <p:sp>
+        <p:nvSpPr>
+          <p:cNvPr id="8" name="Content Placeholder 7">
             <a:extLst>
               <a:ext uri="{FF2B5EF4-FFF2-40B4-BE49-F238E27FC236}">
-                <a16:creationId xmlns:a16="http://schemas.microsoft.com/office/drawing/2014/main" id="{C054484B-071C-49EF-8490-2003F161CDCE}"/>
+                <a16:creationId xmlns:a16="http://schemas.microsoft.com/office/drawing/2014/main" id="{47ED2222-EA9F-4034-B8EA-DB3071908D67}"/>
               </a:ext>
             </a:extLst>
           </p:cNvPr>
@@ -6806,72 +6826,34 @@
         <p:spPr/>
         <p:txBody>
           <a:bodyPr>
-            <a:normAutofit/>
+            <a:normAutofit lnSpcReduction="10000"/>
           </a:bodyPr>
           <a:lstStyle/>
           <a:p>
             <a:r>
-              <a:rPr lang="en-US" dirty="0"/>
-              <a:t>Pricing and Valuation of Forward Contracts at </a:t>
-            </a:r>
-            <a:r>
-              <a:rPr lang="en-US" dirty="0">
+              <a:rPr lang="en-US" sz="2400" dirty="0"/>
+              <a:t>When a forward contract is initiated, neither party pays anything to the other. It is a valueless contract, neither an asset nor a liability. Therefore, its value at initiation is zero:</a:t>
+            </a:r>
+          </a:p>
+          <a:p>
+            <a:r>
+              <a:rPr lang="en-US" sz="2400" i="1" dirty="0">
                 <a:solidFill>
                   <a:srgbClr val="FF0000"/>
                 </a:solidFill>
               </a:rPr>
-              <a:t>Expiration</a:t>
-            </a:r>
-          </a:p>
-          <a:p>
-            <a:r>
-              <a:rPr lang="en-US" dirty="0"/>
-              <a:t>The forward price, established at the initiation date of contract is </a:t>
-            </a:r>
-            <a:r>
-              <a:rPr lang="en-US" i="1" dirty="0"/>
-              <a:t>F</a:t>
-            </a:r>
-            <a:r>
-              <a:rPr lang="en-US" dirty="0"/>
-              <a:t>0(</a:t>
-            </a:r>
-            <a:r>
-              <a:rPr lang="en-US" i="1" dirty="0"/>
-              <a:t>T</a:t>
-            </a:r>
-            <a:r>
-              <a:rPr lang="en-US" dirty="0"/>
-              <a:t>). Let us denote the value at expiration of the forward contract as </a:t>
-            </a:r>
-            <a:r>
-              <a:rPr lang="en-US" i="1" dirty="0"/>
-              <a:t>VT</a:t>
-            </a:r>
-            <a:r>
-              <a:rPr lang="en-US" dirty="0"/>
-              <a:t>(</a:t>
-            </a:r>
-            <a:r>
-              <a:rPr lang="en-US" i="1" dirty="0"/>
-              <a:t>T</a:t>
-            </a:r>
-            <a:r>
-              <a:rPr lang="en-US" dirty="0"/>
-              <a:t>). This value is formally stated as</a:t>
-            </a:r>
-          </a:p>
-          <a:p>
-            <a:r>
-              <a:rPr lang="en-US" i="1" dirty="0">
+              <a:t>V</a:t>
+            </a:r>
+            <a:r>
+              <a:rPr lang="en-US" sz="2400" baseline="-25000" dirty="0">
                 <a:solidFill>
                   <a:srgbClr val="FF0000"/>
                 </a:solidFill>
               </a:rPr>
-              <a:t>VT</a:t>
-            </a:r>
-            <a:r>
-              <a:rPr lang="en-US" dirty="0">
+              <a:t>0</a:t>
+            </a:r>
+            <a:r>
+              <a:rPr lang="en-US" sz="2400" dirty="0">
                 <a:solidFill>
                   <a:srgbClr val="FF0000"/>
                 </a:solidFill>
@@ -6879,7 +6861,7 @@
               <a:t>(</a:t>
             </a:r>
             <a:r>
-              <a:rPr lang="en-US" i="1" dirty="0">
+              <a:rPr lang="en-US" sz="2400" i="1" dirty="0">
                 <a:solidFill>
                   <a:srgbClr val="FF0000"/>
                 </a:solidFill>
@@ -6887,7 +6869,55 @@
               <a:t>T</a:t>
             </a:r>
             <a:r>
-              <a:rPr lang="en-US" dirty="0">
+              <a:rPr lang="en-US" sz="2400" dirty="0">
+                <a:solidFill>
+                  <a:srgbClr val="FF0000"/>
+                </a:solidFill>
+              </a:rPr>
+              <a:t>) = 0</a:t>
+            </a:r>
+          </a:p>
+          <a:p>
+            <a:r>
+              <a:rPr lang="en-US" sz="2400" dirty="0"/>
+              <a:t>We can easily solve for the forward price to obtain</a:t>
+            </a:r>
+          </a:p>
+          <a:p>
+            <a:r>
+              <a:rPr lang="en-US" sz="2400" i="1" dirty="0">
+                <a:solidFill>
+                  <a:srgbClr val="FF0000"/>
+                </a:solidFill>
+              </a:rPr>
+              <a:t>F</a:t>
+            </a:r>
+            <a:r>
+              <a:rPr lang="en-US" sz="2400" baseline="-25000" dirty="0">
+                <a:solidFill>
+                  <a:srgbClr val="FF0000"/>
+                </a:solidFill>
+              </a:rPr>
+              <a:t>0</a:t>
+            </a:r>
+            <a:r>
+              <a:rPr lang="en-US" sz="2400" dirty="0">
+                <a:solidFill>
+                  <a:srgbClr val="FF0000"/>
+                </a:solidFill>
+              </a:rPr>
+              <a:t>(</a:t>
+            </a:r>
+            <a:r>
+              <a:rPr lang="en-US" sz="2400" i="1" dirty="0">
+                <a:solidFill>
+                  <a:srgbClr val="FF0000"/>
+                </a:solidFill>
+              </a:rPr>
+              <a:t>T</a:t>
+            </a:r>
+            <a:r>
+              <a:rPr lang="en-US" sz="2400" dirty="0">
                 <a:solidFill>
                   <a:srgbClr val="FF0000"/>
                 </a:solidFill>
@@ -6895,83 +6925,82 @@
               <a:t>) = </a:t>
             </a:r>
             <a:r>
-              <a:rPr lang="en-US" i="1" dirty="0">
+              <a:rPr lang="en-US" sz="2400" i="1" dirty="0">
                 <a:solidFill>
                   <a:srgbClr val="FF0000"/>
                 </a:solidFill>
               </a:rPr>
-              <a:t>ST </a:t>
-            </a:r>
-            <a:r>
-              <a:rPr lang="en-US" dirty="0">
+              <a:t>S</a:t>
+            </a:r>
+            <a:r>
+              <a:rPr lang="en-US" sz="2400" baseline="-25000" dirty="0">
                 <a:solidFill>
                   <a:srgbClr val="FF0000"/>
                 </a:solidFill>
               </a:rPr>
-              <a:t>– </a:t>
-            </a:r>
-            <a:r>
-              <a:rPr lang="en-US" i="1" dirty="0">
+              <a:t>0</a:t>
+            </a:r>
+            <a:r>
+              <a:rPr lang="en-US" sz="2400" dirty="0">
                 <a:solidFill>
                   <a:srgbClr val="FF0000"/>
                 </a:solidFill>
               </a:rPr>
-              <a:t>F</a:t>
-            </a:r>
-            <a:r>
-              <a:rPr lang="en-US" dirty="0">
+              <a:t>(1 + </a:t>
+            </a:r>
+            <a:r>
+              <a:rPr lang="en-US" sz="2400" i="1" dirty="0">
                 <a:solidFill>
                   <a:srgbClr val="FF0000"/>
                 </a:solidFill>
               </a:rPr>
-              <a:t>0(</a:t>
-            </a:r>
-            <a:r>
-              <a:rPr lang="en-US" i="1" dirty="0">
+              <a:t>r</a:t>
+            </a:r>
+            <a:r>
+              <a:rPr lang="en-US" sz="2400" dirty="0">
+                <a:solidFill>
+                  <a:srgbClr val="FF0000"/>
+                </a:solidFill>
+              </a:rPr>
+              <a:t>)</a:t>
+            </a:r>
+            <a:r>
+              <a:rPr lang="en-US" sz="2400" i="1" baseline="30000" dirty="0">
                 <a:solidFill>
                   <a:srgbClr val="FF0000"/>
                 </a:solidFill>
               </a:rPr>
               <a:t>T</a:t>
             </a:r>
-            <a:r>
-              <a:rPr lang="en-US" dirty="0">
-                <a:solidFill>
-                  <a:srgbClr val="FF0000"/>
-                </a:solidFill>
-              </a:rPr>
-              <a:t>)</a:t>
-            </a:r>
-          </a:p>
-          <a:p>
-            <a:r>
-              <a:rPr lang="en-US" dirty="0"/>
-              <a:t>In the financial world, we generally define value as the value to the </a:t>
-            </a:r>
-            <a:r>
-              <a:rPr lang="en-US" dirty="0">
-                <a:solidFill>
-                  <a:srgbClr val="FF0000"/>
-                </a:solidFill>
-              </a:rPr>
-              <a:t>long</a:t>
-            </a:r>
-            <a:r>
-              <a:rPr lang="en-US" dirty="0"/>
-              <a:t> position</a:t>
-            </a:r>
-            <a:endParaRPr lang="en-US" i="1" dirty="0">
+            <a:endParaRPr lang="en-US" sz="2400" baseline="30000" dirty="0">
               <a:solidFill>
                 <a:srgbClr val="FF0000"/>
               </a:solidFill>
             </a:endParaRPr>
           </a:p>
+          <a:p>
+            <a:r>
+              <a:rPr lang="en-US" sz="2400" dirty="0">
+                <a:solidFill>
+                  <a:schemeClr val="tx1"/>
+                </a:solidFill>
+              </a:rPr>
+              <a:t>The forward price is the spot price compounded at the risk-free rate over the life of the contract</a:t>
+            </a:r>
+          </a:p>
+          <a:p>
+            <a:endParaRPr lang="en-US" dirty="0">
+              <a:solidFill>
+                <a:schemeClr val="tx1"/>
+              </a:solidFill>
+            </a:endParaRPr>
+          </a:p>
         </p:txBody>
       </p:sp>
     </p:spTree>
     <p:extLst>
       <p:ext uri="{BB962C8B-B14F-4D97-AF65-F5344CB8AC3E}">
-        <p14:creationId xmlns:p14="http://schemas.microsoft.com/office/powerpoint/2010/main" val="3492151273"/>
+        <p14:creationId xmlns:p14="http://schemas.microsoft.com/office/powerpoint/2010/main" val="532775891"/>
       </p:ext>
     </p:extLst>
   </p:cSld>
@@ -7003,7 +7032,7 @@
           <p:cNvPr id="2" name="Title 1">
             <a:extLst>
               <a:ext uri="{FF2B5EF4-FFF2-40B4-BE49-F238E27FC236}">
-                <a16:creationId xmlns:a16="http://schemas.microsoft.com/office/drawing/2014/main" id="{D258D5B9-88E4-44F9-804F-4CB8957CD25F}"/>
+                <a16:creationId xmlns:a16="http://schemas.microsoft.com/office/drawing/2014/main" id="{37A28ABC-AE65-40D1-9D5C-6852A806CACA}"/>
               </a:ext>
             </a:extLst>
           </p:cNvPr>
@@ -7037,10 +7066,10 @@
       </p:sp>
       <p:sp>
         <p:nvSpPr>
-          <p:cNvPr id="8" name="Content Placeholder 7">
+          <p:cNvPr id="3" name="Content Placeholder 2">
             <a:extLst>
               <a:ext uri="{FF2B5EF4-FFF2-40B4-BE49-F238E27FC236}">
-                <a16:creationId xmlns:a16="http://schemas.microsoft.com/office/drawing/2014/main" id="{47ED2222-EA9F-4034-B8EA-DB3071908D67}"/>
+                <a16:creationId xmlns:a16="http://schemas.microsoft.com/office/drawing/2014/main" id="{D22A806C-F69B-4DED-9FC2-EB92BEFA3A94}"/>
               </a:ext>
             </a:extLst>
           </p:cNvPr>
@@ -7053,33 +7082,48 @@
         </p:nvSpPr>
         <p:spPr/>
         <p:txBody>
-          <a:bodyPr/>
-          <a:lstStyle/>
-          <a:p>
-            <a:r>
-              <a:rPr lang="en-US" dirty="0"/>
-              <a:t>When a forward contract is initiated, neither party pays anything to the other. It is a valueless contract, neither an asset nor a liability. Therefore, its value at initiation is zero:</a:t>
-            </a:r>
-          </a:p>
-          <a:p>
-            <a:r>
-              <a:rPr lang="en-US" i="1" dirty="0">
+          <a:bodyPr>
+            <a:normAutofit/>
+          </a:bodyPr>
+          <a:lstStyle/>
+          <a:p>
+            <a:r>
+              <a:rPr lang="en-US" sz="2800" dirty="0"/>
+              <a:t>Now suppose the asset generates cash payments and/or benefits and incurs storage costs.</a:t>
+            </a:r>
+            <a:endParaRPr lang="en-US" sz="2800" i="1" dirty="0">
+              <a:solidFill>
+                <a:srgbClr val="FF0000"/>
+              </a:solidFill>
+            </a:endParaRPr>
+          </a:p>
+          <a:p>
+            <a:r>
+              <a:rPr lang="en-US" sz="2800" i="1" dirty="0">
                 <a:solidFill>
                   <a:srgbClr val="FF0000"/>
                 </a:solidFill>
               </a:rPr>
-              <a:t>V</a:t>
-            </a:r>
-            <a:r>
-              <a:rPr lang="en-US" dirty="0">
+              <a:t>F</a:t>
+            </a:r>
+            <a:r>
+              <a:rPr lang="en-US" sz="2800" baseline="-25000" dirty="0">
                 <a:solidFill>
                   <a:srgbClr val="FF0000"/>
                 </a:solidFill>
               </a:rPr>
-              <a:t>0(</a:t>
-            </a:r>
-            <a:r>
-              <a:rPr lang="en-US" i="1" dirty="0">
+              <a:t>0</a:t>
+            </a:r>
+            <a:r>
+              <a:rPr lang="en-US" sz="2800" dirty="0">
+                <a:solidFill>
+                  <a:srgbClr val="FF0000"/>
+                </a:solidFill>
+              </a:rPr>
+              <a:t>(</a:t>
+            </a:r>
+            <a:r>
+              <a:rPr lang="en-US" sz="2800" i="1" dirty="0">
                 <a:solidFill>
                   <a:srgbClr val="FF0000"/>
                 </a:solidFill>
@@ -7087,93 +7131,111 @@
               <a:t>T</a:t>
             </a:r>
             <a:r>
-              <a:rPr lang="en-US" dirty="0">
+              <a:rPr lang="en-US" sz="2800" dirty="0">
                 <a:solidFill>
                   <a:srgbClr val="FF0000"/>
                 </a:solidFill>
               </a:rPr>
-              <a:t>) = 0</a:t>
-            </a:r>
-          </a:p>
-          <a:p>
-            <a:r>
-              <a:rPr lang="en-US" dirty="0"/>
-              <a:t>We can easily solve for the forward price to obtain</a:t>
-            </a:r>
-          </a:p>
-          <a:p>
-            <a:r>
-              <a:rPr lang="en-US" i="1" dirty="0">
+              <a:t>) = (</a:t>
+            </a:r>
+            <a:r>
+              <a:rPr lang="en-US" sz="2800" i="1" dirty="0">
                 <a:solidFill>
                   <a:srgbClr val="FF0000"/>
                 </a:solidFill>
               </a:rPr>
-              <a:t>F</a:t>
-            </a:r>
-            <a:r>
-              <a:rPr lang="en-US" dirty="0">
+              <a:t>S</a:t>
+            </a:r>
+            <a:r>
+              <a:rPr lang="en-US" sz="2800" baseline="-25000" dirty="0">
                 <a:solidFill>
                   <a:srgbClr val="FF0000"/>
                 </a:solidFill>
               </a:rPr>
-              <a:t>0(</a:t>
-            </a:r>
-            <a:r>
-              <a:rPr lang="en-US" i="1" dirty="0">
+              <a:t>0</a:t>
+            </a:r>
+            <a:r>
+              <a:rPr lang="en-US" sz="2800" dirty="0">
+                <a:solidFill>
+                  <a:srgbClr val="FF0000"/>
+                </a:solidFill>
+              </a:rPr>
+              <a:t>-</a:t>
+            </a:r>
+            <a:r>
+              <a:rPr lang="el-GR" sz="2800" dirty="0">
+                <a:solidFill>
+                  <a:srgbClr val="FF0000"/>
+                </a:solidFill>
+              </a:rPr>
+              <a:t>γ</a:t>
+            </a:r>
+            <a:r>
+              <a:rPr lang="en-US" sz="2800" baseline="-25000" dirty="0">
+                <a:solidFill>
+                  <a:srgbClr val="FF0000"/>
+                </a:solidFill>
+              </a:rPr>
+              <a:t>0</a:t>
+            </a:r>
+            <a:r>
+              <a:rPr lang="en-US" sz="2800" dirty="0">
+                <a:solidFill>
+                  <a:srgbClr val="FF0000"/>
+                </a:solidFill>
+              </a:rPr>
+              <a:t>+</a:t>
+            </a:r>
+            <a:r>
+              <a:rPr lang="el-GR" sz="2800" dirty="0">
+                <a:solidFill>
+                  <a:srgbClr val="FF0000"/>
+                </a:solidFill>
+              </a:rPr>
+              <a:t>θ</a:t>
+            </a:r>
+            <a:r>
+              <a:rPr lang="en-US" sz="2800" baseline="-25000" dirty="0">
+                <a:solidFill>
+                  <a:srgbClr val="FF0000"/>
+                </a:solidFill>
+              </a:rPr>
+              <a:t>0</a:t>
+            </a:r>
+            <a:r>
+              <a:rPr lang="en-US" sz="2800" dirty="0">
+                <a:solidFill>
+                  <a:srgbClr val="FF0000"/>
+                </a:solidFill>
+              </a:rPr>
+              <a:t>)(1 + </a:t>
+            </a:r>
+            <a:r>
+              <a:rPr lang="en-US" sz="2800" i="1" dirty="0">
+                <a:solidFill>
+                  <a:srgbClr val="FF0000"/>
+                </a:solidFill>
+              </a:rPr>
+              <a:t>r</a:t>
+            </a:r>
+            <a:r>
+              <a:rPr lang="en-US" sz="2800" dirty="0">
+                <a:solidFill>
+                  <a:srgbClr val="FF0000"/>
+                </a:solidFill>
+              </a:rPr>
+              <a:t>)</a:t>
+            </a:r>
+            <a:r>
+              <a:rPr lang="en-US" sz="2800" i="1" baseline="30000" dirty="0">
                 <a:solidFill>
                   <a:srgbClr val="FF0000"/>
                 </a:solidFill>
               </a:rPr>
               <a:t>T</a:t>
             </a:r>
-            <a:r>
-              <a:rPr lang="en-US" dirty="0">
-                <a:solidFill>
-                  <a:srgbClr val="FF0000"/>
-                </a:solidFill>
-              </a:rPr>
-              <a:t>) = </a:t>
-            </a:r>
-            <a:r>
-              <a:rPr lang="en-US" i="1" dirty="0">
-                <a:solidFill>
-                  <a:srgbClr val="FF0000"/>
-                </a:solidFill>
-              </a:rPr>
-              <a:t>S</a:t>
-            </a:r>
-            <a:r>
-              <a:rPr lang="en-US" dirty="0">
-                <a:solidFill>
-                  <a:srgbClr val="FF0000"/>
-                </a:solidFill>
-              </a:rPr>
-              <a:t>0(1 + </a:t>
-            </a:r>
-            <a:r>
-              <a:rPr lang="en-US" i="1" dirty="0">
-                <a:solidFill>
-                  <a:srgbClr val="FF0000"/>
-                </a:solidFill>
-              </a:rPr>
-              <a:t>r</a:t>
-            </a:r>
-            <a:r>
-              <a:rPr lang="en-US" dirty="0">
-                <a:solidFill>
-                  <a:srgbClr val="FF0000"/>
-                </a:solidFill>
-              </a:rPr>
-              <a:t>)</a:t>
-            </a:r>
-            <a:r>
-              <a:rPr lang="en-US" i="1" dirty="0">
-                <a:solidFill>
-                  <a:srgbClr val="FF0000"/>
-                </a:solidFill>
-              </a:rPr>
-              <a:t>T</a:t>
-            </a:r>
+          </a:p>
+          <a:p>
             <a:endParaRPr lang="en-US" dirty="0">
               <a:solidFill>
                 <a:srgbClr val="FF0000"/>
@@ -7181,28 +7243,14 @@
             </a:endParaRPr>
           </a:p>
           <a:p>
-            <a:r>
-              <a:rPr lang="en-US" dirty="0">
-                <a:solidFill>
-                  <a:schemeClr val="tx1"/>
-                </a:solidFill>
-              </a:rPr>
-              <a:t>The forward price is the spot price compounded at the risk-free rate over the life of the contract</a:t>
-            </a:r>
-          </a:p>
-          <a:p>
-            <a:endParaRPr lang="en-US" dirty="0">
-              <a:solidFill>
-                <a:schemeClr val="tx1"/>
-              </a:solidFill>
-            </a:endParaRPr>
+            <a:endParaRPr lang="en-US" dirty="0"/>
           </a:p>
         </p:txBody>
       </p:sp>
     </p:spTree>
     <p:extLst>
       <p:ext uri="{BB962C8B-B14F-4D97-AF65-F5344CB8AC3E}">
-        <p14:creationId xmlns:p14="http://schemas.microsoft.com/office/powerpoint/2010/main" val="532775891"/>
+        <p14:creationId xmlns:p14="http://schemas.microsoft.com/office/powerpoint/2010/main" val="807663133"/>
       </p:ext>
     </p:extLst>
   </p:cSld>
@@ -7234,7 +7282,7 @@
           <p:cNvPr id="2" name="Title 1">
             <a:extLst>
               <a:ext uri="{FF2B5EF4-FFF2-40B4-BE49-F238E27FC236}">
-                <a16:creationId xmlns:a16="http://schemas.microsoft.com/office/drawing/2014/main" id="{37A28ABC-AE65-40D1-9D5C-6852A806CACA}"/>
+                <a16:creationId xmlns:a16="http://schemas.microsoft.com/office/drawing/2014/main" id="{ADE6AB55-2B32-43BD-88B1-F3CA049E0A6F}"/>
               </a:ext>
             </a:extLst>
           </p:cNvPr>
@@ -7248,21 +7296,25 @@
         <p:spPr/>
         <p:txBody>
           <a:bodyPr>
-            <a:normAutofit/>
+            <a:normAutofit fontScale="90000"/>
           </a:bodyPr>
           <a:lstStyle/>
           <a:p>
             <a:r>
-              <a:rPr lang="en-US" sz="4000" dirty="0"/>
+              <a:rPr lang="en-US" sz="4400" dirty="0"/>
               <a:t>Pricing and Valuation of Forward</a:t>
             </a:r>
             <a:br>
               <a:rPr lang="en-US" sz="4000" dirty="0"/>
             </a:br>
             <a:r>
-              <a:rPr lang="en-US" dirty="0"/>
-              <a:t>Initiation</a:t>
-            </a:r>
+              <a:rPr lang="en-US" sz="4000" dirty="0"/>
+              <a:t>Expiration</a:t>
+            </a:r>
+            <a:br>
+              <a:rPr lang="en-US" b="1" i="1" dirty="0"/>
+            </a:br>
+            <a:endParaRPr lang="en-US" dirty="0"/>
           </a:p>
         </p:txBody>
       </p:sp>
@@ -7271,7 +7323,7 @@
           <p:cNvPr id="3" name="Content Placeholder 2">
             <a:extLst>
               <a:ext uri="{FF2B5EF4-FFF2-40B4-BE49-F238E27FC236}">
-                <a16:creationId xmlns:a16="http://schemas.microsoft.com/office/drawing/2014/main" id="{D22A806C-F69B-4DED-9FC2-EB92BEFA3A94}"/>
+                <a16:creationId xmlns:a16="http://schemas.microsoft.com/office/drawing/2014/main" id="{C054484B-071C-49EF-8490-2003F161CDCE}"/>
               </a:ext>
             </a:extLst>
           </p:cNvPr>
@@ -7290,137 +7342,207 @@
           <a:lstStyle/>
           <a:p>
             <a:r>
-              <a:rPr lang="en-US" dirty="0"/>
-              <a:t>Now suppose the asset generates cash payments and/or benefits and incurs storage costs.</a:t>
-            </a:r>
-            <a:endParaRPr lang="en-US" i="1" dirty="0">
+              <a:rPr lang="en-US" sz="2400" dirty="0"/>
+              <a:t>Pricing and Valuation of Forward Contracts at </a:t>
+            </a:r>
+            <a:r>
+              <a:rPr lang="en-US" sz="2400" dirty="0">
+                <a:solidFill>
+                  <a:srgbClr val="FF0000"/>
+                </a:solidFill>
+              </a:rPr>
+              <a:t>Expiration</a:t>
+            </a:r>
+          </a:p>
+          <a:p>
+            <a:r>
+              <a:rPr lang="en-US" sz="2400" dirty="0"/>
+              <a:t>The forward price, established at the initiation date of contract is </a:t>
+            </a:r>
+            <a:r>
+              <a:rPr lang="en-US" sz="2400" i="1" dirty="0"/>
+              <a:t>F</a:t>
+            </a:r>
+            <a:r>
+              <a:rPr lang="en-US" sz="2400" baseline="-25000" dirty="0"/>
+              <a:t>0</a:t>
+            </a:r>
+            <a:r>
+              <a:rPr lang="en-US" sz="2400" dirty="0"/>
+              <a:t>(</a:t>
+            </a:r>
+            <a:r>
+              <a:rPr lang="en-US" sz="2400" i="1" dirty="0"/>
+              <a:t>T</a:t>
+            </a:r>
+            <a:r>
+              <a:rPr lang="en-US" sz="2400" dirty="0"/>
+              <a:t>). Let us denote the value at expiration of the forward contract as </a:t>
+            </a:r>
+            <a:r>
+              <a:rPr lang="en-US" sz="2400" i="1" dirty="0"/>
+              <a:t>V</a:t>
+            </a:r>
+            <a:r>
+              <a:rPr lang="en-US" sz="2400" i="1" baseline="-25000" dirty="0"/>
+              <a:t>T</a:t>
+            </a:r>
+            <a:r>
+              <a:rPr lang="en-US" sz="2400" dirty="0"/>
+              <a:t>(</a:t>
+            </a:r>
+            <a:r>
+              <a:rPr lang="en-US" sz="2400" i="1" dirty="0"/>
+              <a:t>T</a:t>
+            </a:r>
+            <a:r>
+              <a:rPr lang="en-US" sz="2400" dirty="0"/>
+              <a:t>). This value is formally stated as</a:t>
+            </a:r>
+          </a:p>
+          <a:p>
+            <a:r>
+              <a:rPr lang="en-US" sz="2400" i="1" dirty="0">
+                <a:solidFill>
+                  <a:srgbClr val="FF0000"/>
+                </a:solidFill>
+              </a:rPr>
+              <a:t>V</a:t>
+            </a:r>
+            <a:r>
+              <a:rPr lang="en-US" sz="2400" i="1" baseline="-25000" dirty="0">
+                <a:solidFill>
+                  <a:srgbClr val="FF0000"/>
+                </a:solidFill>
+              </a:rPr>
+              <a:t>T</a:t>
+            </a:r>
+            <a:r>
+              <a:rPr lang="en-US" sz="2400" dirty="0">
+                <a:solidFill>
+                  <a:srgbClr val="FF0000"/>
+                </a:solidFill>
+              </a:rPr>
+              <a:t>(</a:t>
+            </a:r>
+            <a:r>
+              <a:rPr lang="en-US" sz="2400" i="1" dirty="0">
+                <a:solidFill>
+                  <a:srgbClr val="FF0000"/>
+                </a:solidFill>
+              </a:rPr>
+              <a:t>T</a:t>
+            </a:r>
+            <a:r>
+              <a:rPr lang="en-US" sz="2400" dirty="0">
+                <a:solidFill>
+                  <a:srgbClr val="FF0000"/>
+                </a:solidFill>
+              </a:rPr>
+              <a:t>) = </a:t>
+            </a:r>
+            <a:r>
+              <a:rPr lang="en-US" sz="2400" i="1" dirty="0">
+                <a:solidFill>
+                  <a:srgbClr val="FF0000"/>
+                </a:solidFill>
+              </a:rPr>
+              <a:t>S</a:t>
+            </a:r>
+            <a:r>
+              <a:rPr lang="en-US" sz="2400" i="1" baseline="-25000" dirty="0">
+                <a:solidFill>
+                  <a:srgbClr val="FF0000"/>
+                </a:solidFill>
+              </a:rPr>
+              <a:t>T</a:t>
+            </a:r>
+            <a:r>
+              <a:rPr lang="en-US" sz="2400" i="1" dirty="0">
+                <a:solidFill>
+                  <a:srgbClr val="FF0000"/>
+                </a:solidFill>
+              </a:rPr>
+              <a:t> </a:t>
+            </a:r>
+            <a:r>
+              <a:rPr lang="en-US" sz="2400" dirty="0">
+                <a:solidFill>
+                  <a:srgbClr val="FF0000"/>
+                </a:solidFill>
+              </a:rPr>
+              <a:t>– </a:t>
+            </a:r>
+            <a:r>
+              <a:rPr lang="en-US" sz="2400" i="1" dirty="0">
+                <a:solidFill>
+                  <a:srgbClr val="FF0000"/>
+                </a:solidFill>
+              </a:rPr>
+              <a:t>F</a:t>
+            </a:r>
+            <a:r>
+              <a:rPr lang="en-US" sz="2400" baseline="-25000" dirty="0">
+                <a:solidFill>
+                  <a:srgbClr val="FF0000"/>
+                </a:solidFill>
+              </a:rPr>
+              <a:t>0</a:t>
+            </a:r>
+            <a:r>
+              <a:rPr lang="en-US" sz="2400" dirty="0">
+                <a:solidFill>
+                  <a:srgbClr val="FF0000"/>
+                </a:solidFill>
+              </a:rPr>
+              <a:t>(</a:t>
+            </a:r>
+            <a:r>
+              <a:rPr lang="en-US" sz="2400" i="1" dirty="0">
+                <a:solidFill>
+                  <a:srgbClr val="FF0000"/>
+                </a:solidFill>
+              </a:rPr>
+              <a:t>T</a:t>
+            </a:r>
+            <a:r>
+              <a:rPr lang="en-US" sz="2400" dirty="0">
+                <a:solidFill>
+                  <a:srgbClr val="FF0000"/>
+                </a:solidFill>
+              </a:rPr>
+              <a:t>)</a:t>
+            </a:r>
+          </a:p>
+          <a:p>
+            <a:r>
+              <a:rPr lang="en-US" sz="2400" dirty="0"/>
+              <a:t>In the financial world, we generally define value as the value to the </a:t>
+            </a:r>
+            <a:r>
+              <a:rPr lang="en-US" sz="2400" dirty="0">
+                <a:solidFill>
+                  <a:srgbClr val="FF0000"/>
+                </a:solidFill>
+              </a:rPr>
+              <a:t>long</a:t>
+            </a:r>
+            <a:r>
+              <a:rPr lang="en-US" sz="2400" dirty="0"/>
+              <a:t> position</a:t>
+            </a:r>
+            <a:endParaRPr lang="en-US" sz="2400" i="1" dirty="0">
               <a:solidFill>
                 <a:srgbClr val="FF0000"/>
               </a:solidFill>
             </a:endParaRPr>
           </a:p>
-          <a:p>
-            <a:r>
-              <a:rPr lang="en-US" i="1" dirty="0">
-                <a:solidFill>
-                  <a:srgbClr val="FF0000"/>
-                </a:solidFill>
-              </a:rPr>
-              <a:t>F</a:t>
-            </a:r>
-            <a:r>
-              <a:rPr lang="en-US" dirty="0">
-                <a:solidFill>
-                  <a:srgbClr val="FF0000"/>
-                </a:solidFill>
-              </a:rPr>
-              <a:t>0(</a:t>
-            </a:r>
-            <a:r>
-              <a:rPr lang="en-US" i="1" dirty="0">
-                <a:solidFill>
-                  <a:srgbClr val="FF0000"/>
-                </a:solidFill>
-              </a:rPr>
-              <a:t>T</a:t>
-            </a:r>
-            <a:r>
-              <a:rPr lang="en-US" dirty="0">
-                <a:solidFill>
-                  <a:srgbClr val="FF0000"/>
-                </a:solidFill>
-              </a:rPr>
-              <a:t>) = (</a:t>
-            </a:r>
-            <a:r>
-              <a:rPr lang="en-US" i="1" dirty="0">
-                <a:solidFill>
-                  <a:srgbClr val="FF0000"/>
-                </a:solidFill>
-              </a:rPr>
-              <a:t>S</a:t>
-            </a:r>
-            <a:r>
-              <a:rPr lang="en-US" dirty="0">
-                <a:solidFill>
-                  <a:srgbClr val="FF0000"/>
-                </a:solidFill>
-              </a:rPr>
-              <a:t>0-</a:t>
-            </a:r>
-            <a:r>
-              <a:rPr lang="el-GR" dirty="0">
-                <a:solidFill>
-                  <a:srgbClr val="FF0000"/>
-                </a:solidFill>
-              </a:rPr>
-              <a:t>γ</a:t>
-            </a:r>
-            <a:r>
-              <a:rPr lang="en-US" dirty="0">
-                <a:solidFill>
-                  <a:srgbClr val="FF0000"/>
-                </a:solidFill>
-              </a:rPr>
-              <a:t>+</a:t>
-            </a:r>
-            <a:r>
-              <a:rPr lang="el-GR" dirty="0">
-                <a:solidFill>
-                  <a:srgbClr val="FF0000"/>
-                </a:solidFill>
-              </a:rPr>
-              <a:t>θ</a:t>
-            </a:r>
-            <a:r>
-              <a:rPr lang="en-US" dirty="0">
-                <a:solidFill>
-                  <a:srgbClr val="FF0000"/>
-                </a:solidFill>
-              </a:rPr>
-              <a:t>)(1 + </a:t>
-            </a:r>
-            <a:r>
-              <a:rPr lang="en-US" i="1" dirty="0">
-                <a:solidFill>
-                  <a:srgbClr val="FF0000"/>
-                </a:solidFill>
-              </a:rPr>
-              <a:t>r</a:t>
-            </a:r>
-            <a:r>
-              <a:rPr lang="en-US" dirty="0">
-                <a:solidFill>
-                  <a:srgbClr val="FF0000"/>
-                </a:solidFill>
-              </a:rPr>
-              <a:t>)</a:t>
-            </a:r>
-            <a:r>
-              <a:rPr lang="en-US" i="1" dirty="0">
-                <a:solidFill>
-                  <a:srgbClr val="FF0000"/>
-                </a:solidFill>
-              </a:rPr>
-              <a:t>T</a:t>
-            </a:r>
-          </a:p>
-          <a:p>
-            <a:endParaRPr lang="en-US" dirty="0">
-              <a:solidFill>
-                <a:srgbClr val="FF0000"/>
-              </a:solidFill>
-            </a:endParaRPr>
-          </a:p>
-          <a:p>
-            <a:endParaRPr lang="en-US" dirty="0"/>
-          </a:p>
         </p:txBody>
       </p:sp>
     </p:spTree>
     <p:extLst>
       <p:ext uri="{BB962C8B-B14F-4D97-AF65-F5344CB8AC3E}">
-        <p14:creationId xmlns:p14="http://schemas.microsoft.com/office/powerpoint/2010/main" val="807663133"/>
+        <p14:creationId xmlns:p14="http://schemas.microsoft.com/office/powerpoint/2010/main" val="3492151273"/>
       </p:ext>
     </p:extLst>
   </p:cSld>
@@ -7452,7 +7574,7 @@
           <p:cNvPr id="2" name="Title 1">
             <a:extLst>
               <a:ext uri="{FF2B5EF4-FFF2-40B4-BE49-F238E27FC236}">
-                <a16:creationId xmlns:a16="http://schemas.microsoft.com/office/drawing/2014/main" id="{3B6DC5E5-B49D-4096-80C1-B8052495A474}"/>
+                <a16:creationId xmlns:a16="http://schemas.microsoft.com/office/drawing/2014/main" id="{B0D9A4CB-FCAB-4C22-8025-12A7B7D54D86}"/>
               </a:ext>
             </a:extLst>
           </p:cNvPr>
@@ -7465,103 +7587,150 @@
         </p:nvSpPr>
         <p:spPr/>
         <p:txBody>
+          <a:bodyPr/>
+          <a:lstStyle/>
+          <a:p>
+            <a:r>
+              <a:rPr lang="en-US" sz="4000" dirty="0"/>
+              <a:t>Pricing and Valuation of Forward</a:t>
+            </a:r>
+            <a:br>
+              <a:rPr lang="en-US" sz="3200" dirty="0"/>
+            </a:br>
+            <a:r>
+              <a:rPr lang="en-US" dirty="0"/>
+              <a:t>Between Initiation and Expiration</a:t>
+            </a:r>
+          </a:p>
+        </p:txBody>
+      </p:sp>
+      <p:sp>
+        <p:nvSpPr>
+          <p:cNvPr id="3" name="Content Placeholder 2">
+            <a:extLst>
+              <a:ext uri="{FF2B5EF4-FFF2-40B4-BE49-F238E27FC236}">
+                <a16:creationId xmlns:a16="http://schemas.microsoft.com/office/drawing/2014/main" id="{29E066F2-8F96-4941-8382-1A700F54F94E}"/>
+              </a:ext>
+            </a:extLst>
+          </p:cNvPr>
+          <p:cNvSpPr>
+            <a:spLocks noGrp="1"/>
+          </p:cNvSpPr>
+          <p:nvPr>
+            <p:ph idx="1"/>
+          </p:nvPr>
+        </p:nvSpPr>
+        <p:spPr/>
+        <p:txBody>
           <a:bodyPr>
             <a:normAutofit/>
           </a:bodyPr>
           <a:lstStyle/>
           <a:p>
             <a:r>
-              <a:rPr lang="en-US" sz="4000" dirty="0"/>
-              <a:t>Futures Contracts</a:t>
-            </a:r>
-          </a:p>
-        </p:txBody>
-      </p:sp>
-      <p:sp>
-        <p:nvSpPr>
-          <p:cNvPr id="3" name="Content Placeholder 2">
-            <a:extLst>
-              <a:ext uri="{FF2B5EF4-FFF2-40B4-BE49-F238E27FC236}">
-                <a16:creationId xmlns:a16="http://schemas.microsoft.com/office/drawing/2014/main" id="{831B6362-3303-4415-9D10-C4E0904D67AF}"/>
-              </a:ext>
-            </a:extLst>
-          </p:cNvPr>
-          <p:cNvSpPr>
-            <a:spLocks noGrp="1"/>
-          </p:cNvSpPr>
-          <p:nvPr>
-            <p:ph idx="1"/>
-          </p:nvPr>
-        </p:nvSpPr>
-        <p:spPr/>
-        <p:txBody>
-          <a:bodyPr/>
-          <a:lstStyle/>
-          <a:p>
-            <a:r>
-              <a:rPr lang="en-US" sz="2800" dirty="0"/>
-              <a:t>Forward commitments</a:t>
-            </a:r>
-          </a:p>
-          <a:p>
-            <a:pPr lvl="1"/>
-            <a:r>
-              <a:rPr lang="en-US" sz="2800" dirty="0">
-                <a:solidFill>
-                  <a:schemeClr val="tx1"/>
+              <a:rPr lang="en-US" sz="2400" dirty="0"/>
+              <a:t>In general, we can say that:</a:t>
+            </a:r>
+          </a:p>
+          <a:p>
+            <a:r>
+              <a:rPr lang="en-US" sz="2400" dirty="0"/>
+              <a:t>The value of a forward contract is the spot price of the underlying asset minus the present value of the forward price.</a:t>
+            </a:r>
+          </a:p>
+          <a:p>
+            <a:r>
+              <a:rPr lang="en-US" sz="2400" dirty="0">
+                <a:solidFill>
+                  <a:srgbClr val="FF0000"/>
                 </a:solidFill>
               </a:rPr>
-              <a:t>Forward</a:t>
-            </a:r>
-          </a:p>
-          <a:p>
-            <a:pPr lvl="1"/>
-            <a:r>
-              <a:rPr lang="en-US" sz="2800" u="sng" dirty="0">
+              <a:t>V</a:t>
+            </a:r>
+            <a:r>
+              <a:rPr lang="en-US" sz="2400" baseline="-25000" dirty="0">
                 <a:solidFill>
                   <a:srgbClr val="FF0000"/>
                 </a:solidFill>
               </a:rPr>
-              <a:t>Futures</a:t>
-            </a:r>
-          </a:p>
-          <a:p>
-            <a:pPr lvl="1"/>
-            <a:r>
-              <a:rPr lang="en-US" sz="2800" dirty="0"/>
-              <a:t>Swap</a:t>
-            </a:r>
-          </a:p>
-          <a:p>
-            <a:r>
-              <a:rPr lang="en-US" sz="2800" dirty="0"/>
-              <a:t>Contingent claims</a:t>
-            </a:r>
-          </a:p>
-          <a:p>
-            <a:pPr lvl="1"/>
-            <a:r>
-              <a:rPr lang="en-US" sz="2800" dirty="0"/>
-              <a:t>Option</a:t>
-            </a:r>
-          </a:p>
-          <a:p>
-            <a:pPr lvl="1"/>
-            <a:r>
-              <a:rPr lang="en-US" sz="2800" dirty="0"/>
-              <a:t>Credit Derivatives</a:t>
-            </a:r>
-          </a:p>
-          <a:p>
-            <a:pPr lvl="1"/>
-            <a:endParaRPr lang="en-US" dirty="0"/>
+              <a:t>t</a:t>
+            </a:r>
+            <a:r>
+              <a:rPr lang="en-US" sz="2400" dirty="0">
+                <a:solidFill>
+                  <a:srgbClr val="FF0000"/>
+                </a:solidFill>
+              </a:rPr>
+              <a:t>(T) = S</a:t>
+            </a:r>
+            <a:r>
+              <a:rPr lang="en-US" sz="2400" baseline="-25000" dirty="0">
+                <a:solidFill>
+                  <a:srgbClr val="FF0000"/>
+                </a:solidFill>
+              </a:rPr>
+              <a:t>t</a:t>
+            </a:r>
+            <a:r>
+              <a:rPr lang="en-US" sz="2400" dirty="0">
+                <a:solidFill>
+                  <a:srgbClr val="FF0000"/>
+                </a:solidFill>
+              </a:rPr>
+              <a:t> – F</a:t>
+            </a:r>
+            <a:r>
+              <a:rPr lang="en-US" sz="2400" baseline="-25000" dirty="0">
+                <a:solidFill>
+                  <a:srgbClr val="FF0000"/>
+                </a:solidFill>
+              </a:rPr>
+              <a:t>0</a:t>
+            </a:r>
+            <a:r>
+              <a:rPr lang="en-US" sz="2400" dirty="0">
+                <a:solidFill>
+                  <a:srgbClr val="FF0000"/>
+                </a:solidFill>
+              </a:rPr>
+              <a:t>(T)(1 + r)</a:t>
+            </a:r>
+            <a:r>
+              <a:rPr lang="en-US" sz="2400" baseline="30000" dirty="0">
+                <a:solidFill>
+                  <a:srgbClr val="FF0000"/>
+                </a:solidFill>
+              </a:rPr>
+              <a:t>–(T–t)</a:t>
+            </a:r>
+          </a:p>
+          <a:p>
+            <a:endParaRPr lang="en-US" sz="2400" baseline="30000" dirty="0">
+              <a:solidFill>
+                <a:srgbClr val="FF0000"/>
+              </a:solidFill>
+            </a:endParaRPr>
+          </a:p>
+          <a:p>
+            <a:endParaRPr lang="en-US" sz="2400" baseline="30000" dirty="0">
+              <a:solidFill>
+                <a:srgbClr val="FF0000"/>
+              </a:solidFill>
+            </a:endParaRPr>
+          </a:p>
+          <a:p>
+            <a:endParaRPr lang="en-US" sz="2400" baseline="30000" dirty="0">
+              <a:solidFill>
+                <a:srgbClr val="FF0000"/>
+              </a:solidFill>
+            </a:endParaRPr>
           </a:p>
         </p:txBody>
       </p:sp>
     </p:spTree>
     <p:extLst>
       <p:ext uri="{BB962C8B-B14F-4D97-AF65-F5344CB8AC3E}">
-        <p14:creationId xmlns:p14="http://schemas.microsoft.com/office/powerpoint/2010/main" val="1800058910"/>
+        <p14:creationId xmlns:p14="http://schemas.microsoft.com/office/powerpoint/2010/main" val="645779663"/>
       </p:ext>
     </p:extLst>
   </p:cSld>
@@ -7593,7 +7762,7 @@
           <p:cNvPr id="2" name="Title 1">
             <a:extLst>
               <a:ext uri="{FF2B5EF4-FFF2-40B4-BE49-F238E27FC236}">
-                <a16:creationId xmlns:a16="http://schemas.microsoft.com/office/drawing/2014/main" id="{30655409-A592-48F4-8E79-104028B7FA18}"/>
+                <a16:creationId xmlns:a16="http://schemas.microsoft.com/office/drawing/2014/main" id="{646CF681-51E1-4B66-B817-5860C63516A0}"/>
               </a:ext>
             </a:extLst>
           </p:cNvPr>
@@ -7606,133 +7775,171 @@
         </p:nvSpPr>
         <p:spPr/>
         <p:txBody>
+          <a:bodyPr/>
+          <a:lstStyle/>
+          <a:p>
+            <a:r>
+              <a:rPr lang="en-US" sz="4000" dirty="0"/>
+              <a:t>Pricing and Valuation of Forward</a:t>
+            </a:r>
+            <a:br>
+              <a:rPr lang="en-US" dirty="0"/>
+            </a:br>
+            <a:r>
+              <a:rPr lang="en-US" dirty="0"/>
+              <a:t>Between Initiation and Expiration</a:t>
+            </a:r>
+          </a:p>
+        </p:txBody>
+      </p:sp>
+      <p:sp>
+        <p:nvSpPr>
+          <p:cNvPr id="3" name="Content Placeholder 2">
+            <a:extLst>
+              <a:ext uri="{FF2B5EF4-FFF2-40B4-BE49-F238E27FC236}">
+                <a16:creationId xmlns:a16="http://schemas.microsoft.com/office/drawing/2014/main" id="{A2EB3223-9DF7-4006-BEAC-605ED1185AB6}"/>
+              </a:ext>
+            </a:extLst>
+          </p:cNvPr>
+          <p:cNvSpPr>
+            <a:spLocks noGrp="1"/>
+          </p:cNvSpPr>
+          <p:nvPr>
+            <p:ph idx="1"/>
+          </p:nvPr>
+        </p:nvSpPr>
+        <p:spPr/>
+        <p:txBody>
           <a:bodyPr>
             <a:normAutofit/>
           </a:bodyPr>
           <a:lstStyle/>
           <a:p>
             <a:r>
-              <a:rPr lang="en-US" sz="4000" dirty="0"/>
-              <a:t>Futures Contracts</a:t>
-            </a:r>
-          </a:p>
-        </p:txBody>
-      </p:sp>
-      <p:sp>
-        <p:nvSpPr>
-          <p:cNvPr id="3" name="Content Placeholder 2">
-            <a:extLst>
-              <a:ext uri="{FF2B5EF4-FFF2-40B4-BE49-F238E27FC236}">
-                <a16:creationId xmlns:a16="http://schemas.microsoft.com/office/drawing/2014/main" id="{AE0AAB92-0723-4D51-80D5-C6440ACF13CB}"/>
-              </a:ext>
-            </a:extLst>
-          </p:cNvPr>
-          <p:cNvSpPr>
-            <a:spLocks noGrp="1"/>
-          </p:cNvSpPr>
-          <p:nvPr>
-            <p:ph idx="1"/>
-          </p:nvPr>
-        </p:nvSpPr>
-        <p:spPr/>
-        <p:txBody>
-          <a:bodyPr/>
-          <a:lstStyle/>
-          <a:p>
-            <a:r>
-              <a:rPr lang="en-US" sz="2000" dirty="0"/>
-              <a:t>Definition: A futures contract is a </a:t>
-            </a:r>
-            <a:r>
-              <a:rPr lang="en-US" sz="2000" dirty="0">
+              <a:rPr lang="en-US" sz="2800" dirty="0"/>
+              <a:t>If the asset has a cost of carry, we must make only a small adjustment:</a:t>
+            </a:r>
+          </a:p>
+          <a:p>
+            <a:r>
+              <a:rPr lang="en-US" sz="2800" dirty="0">
                 <a:solidFill>
                   <a:srgbClr val="FF0000"/>
                 </a:solidFill>
               </a:rPr>
-              <a:t>standardized</a:t>
-            </a:r>
-            <a:r>
-              <a:rPr lang="en-US" sz="2000" dirty="0"/>
-              <a:t> derivative contract created and traded on </a:t>
-            </a:r>
-            <a:r>
-              <a:rPr lang="en-US" sz="2000" dirty="0">
+              <a:t>V</a:t>
+            </a:r>
+            <a:r>
+              <a:rPr lang="en-US" sz="2800" baseline="-25000" dirty="0">
                 <a:solidFill>
                   <a:srgbClr val="FF0000"/>
                 </a:solidFill>
               </a:rPr>
-              <a:t>a futures exchange </a:t>
-            </a:r>
-            <a:r>
-              <a:rPr lang="en-US" sz="2000" dirty="0"/>
-              <a:t>in which </a:t>
-            </a:r>
-            <a:r>
-              <a:rPr lang="en-US" sz="2000" dirty="0">
-                <a:highlight>
-                  <a:srgbClr val="FFFF00"/>
-                </a:highlight>
+              <a:t>t</a:t>
+            </a:r>
+            <a:r>
+              <a:rPr lang="en-US" sz="2800" dirty="0">
+                <a:solidFill>
+                  <a:srgbClr val="FF0000"/>
+                </a:solidFill>
               </a:rPr>
-              <a:t>two parties agree that one party, the buyer, will purchase an underlying asset from the other party, the seller, at a later date and at a price agreed on by the two parties when the contract is initiated</a:t>
-            </a:r>
-            <a:r>
-              <a:rPr lang="en-US" sz="2000" dirty="0"/>
-              <a:t> and in which there </a:t>
-            </a:r>
-            <a:r>
-              <a:rPr lang="en-US" sz="2000" dirty="0">
-                <a:solidFill>
-                  <a:schemeClr val="tx1"/>
+              <a:t>(T) = S</a:t>
+            </a:r>
+            <a:r>
+              <a:rPr lang="en-US" sz="2800" baseline="-25000" dirty="0">
+                <a:solidFill>
+                  <a:srgbClr val="FF0000"/>
                 </a:solidFill>
               </a:rPr>
-              <a:t>is</a:t>
-            </a:r>
-            <a:r>
-              <a:rPr lang="en-US" sz="2000" dirty="0">
+              <a:t>t</a:t>
+            </a:r>
+            <a:r>
+              <a:rPr lang="en-US" sz="2800" dirty="0">
                 <a:solidFill>
                   <a:srgbClr val="FF0000"/>
                 </a:solidFill>
               </a:rPr>
-              <a:t> </a:t>
-            </a:r>
-            <a:r>
-              <a:rPr lang="en-US" sz="2000" b="1" dirty="0">
+              <a:t> – (γ</a:t>
+            </a:r>
+            <a:r>
+              <a:rPr lang="en-US" sz="2800" baseline="-25000" dirty="0">
                 <a:solidFill>
                   <a:srgbClr val="FF0000"/>
                 </a:solidFill>
               </a:rPr>
-              <a:t>a daily settling of gains and losses</a:t>
-            </a:r>
-            <a:r>
-              <a:rPr lang="en-US" sz="2000" b="1" dirty="0"/>
-              <a:t> </a:t>
-            </a:r>
-            <a:r>
-              <a:rPr lang="en-US" sz="2000" dirty="0"/>
-              <a:t>and </a:t>
-            </a:r>
-            <a:r>
-              <a:rPr lang="en-US" sz="2000" b="1" dirty="0">
+              <a:t>0</a:t>
+            </a:r>
+            <a:r>
+              <a:rPr lang="en-US" sz="2800" dirty="0">
                 <a:solidFill>
                   <a:srgbClr val="FF0000"/>
                 </a:solidFill>
               </a:rPr>
-              <a:t>a credit guarantee by the futures exchange through its clearinghouse</a:t>
-            </a:r>
-            <a:r>
-              <a:rPr lang="en-US" sz="2000" b="1" dirty="0"/>
-              <a:t>.</a:t>
-            </a:r>
-          </a:p>
-          <a:p>
-            <a:endParaRPr lang="en-US" dirty="0"/>
+              <a:t> – θ</a:t>
+            </a:r>
+            <a:r>
+              <a:rPr lang="en-US" sz="2800" baseline="-25000" dirty="0">
+                <a:solidFill>
+                  <a:srgbClr val="FF0000"/>
+                </a:solidFill>
+              </a:rPr>
+              <a:t>0</a:t>
+            </a:r>
+            <a:r>
+              <a:rPr lang="en-US" sz="2800" dirty="0">
+                <a:solidFill>
+                  <a:srgbClr val="FF0000"/>
+                </a:solidFill>
+              </a:rPr>
+              <a:t>)(1 + r)</a:t>
+            </a:r>
+            <a:r>
+              <a:rPr lang="en-US" sz="2800" baseline="30000" dirty="0">
+                <a:solidFill>
+                  <a:srgbClr val="FF0000"/>
+                </a:solidFill>
+              </a:rPr>
+              <a:t>t</a:t>
+            </a:r>
+            <a:r>
+              <a:rPr lang="en-US" sz="2800" dirty="0">
+                <a:solidFill>
+                  <a:srgbClr val="FF0000"/>
+                </a:solidFill>
+              </a:rPr>
+              <a:t> – F</a:t>
+            </a:r>
+            <a:r>
+              <a:rPr lang="en-US" sz="2800" baseline="-25000" dirty="0">
+                <a:solidFill>
+                  <a:srgbClr val="FF0000"/>
+                </a:solidFill>
+              </a:rPr>
+              <a:t>0</a:t>
+            </a:r>
+            <a:r>
+              <a:rPr lang="en-US" sz="2800" dirty="0">
+                <a:solidFill>
+                  <a:srgbClr val="FF0000"/>
+                </a:solidFill>
+              </a:rPr>
+              <a:t>(T)(1 + r)</a:t>
+            </a:r>
+            <a:r>
+              <a:rPr lang="en-US" sz="2800" baseline="30000" dirty="0">
+                <a:solidFill>
+                  <a:srgbClr val="FF0000"/>
+                </a:solidFill>
+              </a:rPr>
+              <a:t>–(T–t)</a:t>
+            </a:r>
           </a:p>
         </p:txBody>
       </p:sp>
     </p:spTree>
     <p:extLst>
       <p:ext uri="{BB962C8B-B14F-4D97-AF65-F5344CB8AC3E}">
-        <p14:creationId xmlns:p14="http://schemas.microsoft.com/office/powerpoint/2010/main" val="3713870111"/>
+        <p14:creationId xmlns:p14="http://schemas.microsoft.com/office/powerpoint/2010/main" val="3068332201"/>
       </p:ext>
     </p:extLst>
   </p:cSld>
@@ -7764,7 +7971,7 @@
           <p:cNvPr id="2" name="Title 1">
             <a:extLst>
               <a:ext uri="{FF2B5EF4-FFF2-40B4-BE49-F238E27FC236}">
-                <a16:creationId xmlns:a16="http://schemas.microsoft.com/office/drawing/2014/main" id="{685729BC-51D5-4E36-94B9-E4E11EC99649}"/>
+                <a16:creationId xmlns:a16="http://schemas.microsoft.com/office/drawing/2014/main" id="{1F4BDF94-1C91-4AAB-B970-3C0C61EA63AF}"/>
               </a:ext>
             </a:extLst>
           </p:cNvPr>
@@ -7777,195 +7984,75 @@
         </p:nvSpPr>
         <p:spPr/>
         <p:txBody>
+          <a:bodyPr/>
+          <a:lstStyle/>
+          <a:p>
+            <a:r>
+              <a:rPr lang="en-US" sz="4000" dirty="0"/>
+              <a:t>Practices</a:t>
+            </a:r>
+            <a:br>
+              <a:rPr lang="en-US" dirty="0"/>
+            </a:br>
+            <a:endParaRPr lang="en-US" dirty="0"/>
+          </a:p>
+        </p:txBody>
+      </p:sp>
+      <p:sp>
+        <p:nvSpPr>
+          <p:cNvPr id="3" name="Content Placeholder 2">
+            <a:extLst>
+              <a:ext uri="{FF2B5EF4-FFF2-40B4-BE49-F238E27FC236}">
+                <a16:creationId xmlns:a16="http://schemas.microsoft.com/office/drawing/2014/main" id="{8A07ED40-B086-4B0B-BB68-EC1694F9E2F1}"/>
+              </a:ext>
+            </a:extLst>
+          </p:cNvPr>
+          <p:cNvSpPr>
+            <a:spLocks noGrp="1"/>
+          </p:cNvSpPr>
+          <p:nvPr>
+            <p:ph idx="1"/>
+          </p:nvPr>
+        </p:nvSpPr>
+        <p:spPr/>
+        <p:txBody>
           <a:bodyPr>
             <a:normAutofit/>
           </a:bodyPr>
           <a:lstStyle/>
           <a:p>
             <a:r>
-              <a:rPr lang="en-US" sz="4000" dirty="0"/>
-              <a:t>Futures Contracts</a:t>
-            </a:r>
-          </a:p>
-        </p:txBody>
-      </p:sp>
-      <p:sp>
-        <p:nvSpPr>
-          <p:cNvPr id="3" name="Content Placeholder 2">
-            <a:extLst>
-              <a:ext uri="{FF2B5EF4-FFF2-40B4-BE49-F238E27FC236}">
-                <a16:creationId xmlns:a16="http://schemas.microsoft.com/office/drawing/2014/main" id="{E068639E-3710-4DD5-8ABA-7C48FE50C7F5}"/>
-              </a:ext>
-            </a:extLst>
-          </p:cNvPr>
-          <p:cNvSpPr>
-            <a:spLocks noGrp="1"/>
-          </p:cNvSpPr>
-          <p:nvPr>
-            <p:ph idx="1"/>
-          </p:nvPr>
-        </p:nvSpPr>
-        <p:spPr/>
-        <p:txBody>
-          <a:bodyPr>
-            <a:normAutofit lnSpcReduction="10000"/>
-          </a:bodyPr>
-          <a:lstStyle/>
-          <a:p>
-            <a:r>
-              <a:rPr lang="en-US" sz="1600" dirty="0"/>
-              <a:t>Futures contracts are specialized versions of forward contracts that have been </a:t>
-            </a:r>
-            <a:r>
-              <a:rPr lang="en-US" sz="1600" dirty="0">
-                <a:solidFill>
-                  <a:srgbClr val="FF0000"/>
-                </a:solidFill>
-              </a:rPr>
-              <a:t>standardized</a:t>
-            </a:r>
-            <a:r>
-              <a:rPr lang="en-US" sz="1600" dirty="0"/>
-              <a:t> and that trade on </a:t>
-            </a:r>
-            <a:r>
-              <a:rPr lang="en-US" sz="1600" dirty="0">
-                <a:solidFill>
-                  <a:srgbClr val="FF0000"/>
-                </a:solidFill>
-              </a:rPr>
-              <a:t>a futures exchange</a:t>
-            </a:r>
-            <a:r>
-              <a:rPr lang="en-US" sz="1600" dirty="0"/>
-              <a:t>.</a:t>
-            </a:r>
-          </a:p>
-          <a:p>
-            <a:r>
-              <a:rPr lang="en-US" dirty="0"/>
-              <a:t>Futures exchanges </a:t>
-            </a:r>
-            <a:r>
-              <a:rPr lang="en-US" dirty="0">
-                <a:solidFill>
-                  <a:srgbClr val="FF0000"/>
-                </a:solidFill>
-              </a:rPr>
-              <a:t>are highly regulated </a:t>
-            </a:r>
-            <a:r>
-              <a:rPr lang="en-US" dirty="0"/>
-              <a:t>at the national level in all countries.</a:t>
-            </a:r>
-            <a:endParaRPr lang="en-US" sz="1600" dirty="0"/>
-          </a:p>
-          <a:p>
-            <a:r>
-              <a:rPr lang="en-US" sz="1600" dirty="0"/>
-              <a:t>Probably the most important distinctive characteristic of futures contracts is the </a:t>
-            </a:r>
-            <a:r>
-              <a:rPr lang="en-US" sz="1600" dirty="0">
-                <a:solidFill>
-                  <a:srgbClr val="FF0000"/>
-                </a:solidFill>
-              </a:rPr>
-              <a:t>daily settlement of gains and losses and the associated credit guarantee </a:t>
-            </a:r>
-            <a:r>
-              <a:rPr lang="en-US" sz="1600" dirty="0"/>
-              <a:t>provided by the exchange through its clearinghouse.</a:t>
-            </a:r>
-          </a:p>
-          <a:p>
-            <a:r>
-              <a:rPr lang="en-US" sz="1600" dirty="0"/>
-              <a:t>At the end of each day, the clearinghouse engages in a practice called </a:t>
-            </a:r>
-            <a:r>
-              <a:rPr lang="en-US" sz="1600" dirty="0">
-                <a:solidFill>
-                  <a:srgbClr val="FF0000"/>
-                </a:solidFill>
-              </a:rPr>
-              <a:t>mark to market</a:t>
-            </a:r>
-            <a:r>
-              <a:rPr lang="en-US" sz="1600" dirty="0"/>
-              <a:t>, also known as the </a:t>
-            </a:r>
-            <a:r>
-              <a:rPr lang="en-US" sz="1600" dirty="0">
-                <a:solidFill>
-                  <a:srgbClr val="FF0000"/>
-                </a:solidFill>
-              </a:rPr>
-              <a:t>daily settlement</a:t>
-            </a:r>
-            <a:r>
-              <a:rPr lang="en-US" sz="1600" dirty="0"/>
-              <a:t>.</a:t>
-            </a:r>
-          </a:p>
-          <a:p>
-            <a:r>
-              <a:rPr lang="en-US" dirty="0"/>
-              <a:t>The account is specifically referred to as a </a:t>
-            </a:r>
-            <a:r>
-              <a:rPr lang="en-US" dirty="0">
-                <a:solidFill>
-                  <a:srgbClr val="FF0000"/>
-                </a:solidFill>
-              </a:rPr>
-              <a:t>margin</a:t>
-            </a:r>
-            <a:r>
-              <a:rPr lang="en-US" b="1" dirty="0"/>
-              <a:t> </a:t>
-            </a:r>
-            <a:r>
-              <a:rPr lang="en-US" dirty="0"/>
-              <a:t>account.</a:t>
+              <a:rPr lang="en-US" dirty="0"/>
+              <a:t>1 Which of the following best describes the difference between the price of a forward contract and its value?</a:t>
             </a:r>
           </a:p>
           <a:p>
             <a:pPr lvl="1"/>
             <a:r>
-              <a:rPr lang="en-US" dirty="0"/>
-              <a:t>Initial margin</a:t>
+              <a:rPr lang="en-US" sz="1800" dirty="0"/>
+              <a:t>A The forward price is fixed at the start, and the value starts at zero and then changes.</a:t>
             </a:r>
           </a:p>
           <a:p>
             <a:pPr lvl="1"/>
             <a:r>
-              <a:rPr lang="en-US" dirty="0"/>
-              <a:t>Maintenance margin</a:t>
+              <a:rPr lang="en-US" sz="1800" dirty="0"/>
+              <a:t>B The price determines the profit to the buyer, and the value determines the profit to the seller.</a:t>
             </a:r>
           </a:p>
           <a:p>
             <a:pPr lvl="1"/>
             <a:r>
-              <a:rPr lang="en-US" dirty="0"/>
-              <a:t>Margin call</a:t>
-            </a:r>
-          </a:p>
-          <a:p>
-            <a:endParaRPr lang="en-US" sz="1600" dirty="0"/>
-          </a:p>
-          <a:p>
-            <a:endParaRPr lang="en-US" sz="1600" dirty="0"/>
-          </a:p>
-          <a:p>
-            <a:endParaRPr lang="en-US" sz="1600" dirty="0"/>
+              <a:rPr lang="en-US" sz="1800" dirty="0"/>
+              <a:t>C The forward contract value is a benchmark against which the price is compared for the purposes of determining whether a trade is advisable.</a:t>
+            </a:r>
           </a:p>
         </p:txBody>
       </p:sp>
     </p:spTree>
     <p:extLst>
       <p:ext uri="{BB962C8B-B14F-4D97-AF65-F5344CB8AC3E}">
-        <p14:creationId xmlns:p14="http://schemas.microsoft.com/office/powerpoint/2010/main" val="2509196955"/>
+        <p14:creationId xmlns:p14="http://schemas.microsoft.com/office/powerpoint/2010/main" val="3352696575"/>
       </p:ext>
     </p:extLst>
   </p:cSld>
@@ -8119,6 +8206,689 @@
 </file>
 
 <file path=ppt/slides/slide20.xml><?xml version="1.0" encoding="utf-8"?>
+<p:sld xmlns:a="http://schemas.openxmlformats.org/drawingml/2006/main" xmlns:r="http://schemas.openxmlformats.org/officeDocument/2006/relationships" xmlns:p="http://schemas.openxmlformats.org/presentationml/2006/main">
+  <p:cSld>
+    <p:spTree>
+      <p:nvGrpSpPr>
+        <p:cNvPr id="1" name=""/>
+        <p:cNvGrpSpPr/>
+        <p:nvPr/>
+      </p:nvGrpSpPr>
+      <p:grpSpPr>
+        <a:xfrm>
+          <a:off x="0" y="0"/>
+          <a:ext cx="0" cy="0"/>
+          <a:chOff x="0" y="0"/>
+          <a:chExt cx="0" cy="0"/>
+        </a:xfrm>
+      </p:grpSpPr>
+      <p:sp>
+        <p:nvSpPr>
+          <p:cNvPr id="2" name="Title 1">
+            <a:extLst>
+              <a:ext uri="{FF2B5EF4-FFF2-40B4-BE49-F238E27FC236}">
+                <a16:creationId xmlns:a16="http://schemas.microsoft.com/office/drawing/2014/main" id="{91F3D4B4-8523-44E6-B26A-C11BCE40B3B8}"/>
+              </a:ext>
+            </a:extLst>
+          </p:cNvPr>
+          <p:cNvSpPr>
+            <a:spLocks noGrp="1"/>
+          </p:cNvSpPr>
+          <p:nvPr>
+            <p:ph type="title"/>
+          </p:nvPr>
+        </p:nvSpPr>
+        <p:spPr/>
+        <p:txBody>
+          <a:bodyPr>
+            <a:normAutofit/>
+          </a:bodyPr>
+          <a:lstStyle/>
+          <a:p>
+            <a:r>
+              <a:rPr lang="en-US" sz="4000" dirty="0"/>
+              <a:t>Practices</a:t>
+            </a:r>
+          </a:p>
+        </p:txBody>
+      </p:sp>
+      <p:sp>
+        <p:nvSpPr>
+          <p:cNvPr id="3" name="Content Placeholder 2">
+            <a:extLst>
+              <a:ext uri="{FF2B5EF4-FFF2-40B4-BE49-F238E27FC236}">
+                <a16:creationId xmlns:a16="http://schemas.microsoft.com/office/drawing/2014/main" id="{25860A36-51F3-44B8-83EA-E1F08E8326BB}"/>
+              </a:ext>
+            </a:extLst>
+          </p:cNvPr>
+          <p:cNvSpPr>
+            <a:spLocks noGrp="1"/>
+          </p:cNvSpPr>
+          <p:nvPr>
+            <p:ph idx="1"/>
+          </p:nvPr>
+        </p:nvSpPr>
+        <p:spPr/>
+        <p:txBody>
+          <a:bodyPr>
+            <a:normAutofit/>
+          </a:bodyPr>
+          <a:lstStyle/>
+          <a:p>
+            <a:r>
+              <a:rPr lang="en-US" dirty="0"/>
+              <a:t>2 Which of the following best describes the value of the forward contract at expiration? The value is the price of the underlying:</a:t>
+            </a:r>
+          </a:p>
+          <a:p>
+            <a:pPr lvl="1"/>
+            <a:r>
+              <a:rPr lang="en-US" sz="1800" dirty="0"/>
+              <a:t>A minus the forward price.</a:t>
+            </a:r>
+          </a:p>
+          <a:p>
+            <a:pPr lvl="1"/>
+            <a:r>
+              <a:rPr lang="en-US" sz="1800" dirty="0"/>
+              <a:t>B divided by the forward price.</a:t>
+            </a:r>
+          </a:p>
+          <a:p>
+            <a:pPr lvl="1"/>
+            <a:r>
+              <a:rPr lang="en-US" sz="1800" dirty="0"/>
+              <a:t>C minus the compounded forward price.</a:t>
+            </a:r>
+          </a:p>
+          <a:p>
+            <a:r>
+              <a:rPr lang="en-US" dirty="0"/>
+              <a:t>3 Which of the following factors does not affect the forward price?</a:t>
+            </a:r>
+          </a:p>
+          <a:p>
+            <a:pPr lvl="1"/>
+            <a:r>
+              <a:rPr lang="en-US" sz="1800" dirty="0"/>
+              <a:t>A The costs of holding the underlying</a:t>
+            </a:r>
+          </a:p>
+          <a:p>
+            <a:pPr lvl="1"/>
+            <a:r>
+              <a:rPr lang="en-US" sz="1800" dirty="0"/>
+              <a:t>B Dividends or interest paid by the underlying</a:t>
+            </a:r>
+          </a:p>
+          <a:p>
+            <a:pPr lvl="1"/>
+            <a:r>
+              <a:rPr lang="en-US" sz="1800" dirty="0"/>
+              <a:t>C Whether the investor is risk averse, risk seeking, or risk neutral</a:t>
+            </a:r>
+          </a:p>
+        </p:txBody>
+      </p:sp>
+    </p:spTree>
+    <p:extLst>
+      <p:ext uri="{BB962C8B-B14F-4D97-AF65-F5344CB8AC3E}">
+        <p14:creationId xmlns:p14="http://schemas.microsoft.com/office/powerpoint/2010/main" val="2080663344"/>
+      </p:ext>
+    </p:extLst>
+  </p:cSld>
+  <p:clrMapOvr>
+    <a:masterClrMapping/>
+  </p:clrMapOvr>
+</p:sld>
+</file>
+
+<file path=ppt/slides/slide21.xml><?xml version="1.0" encoding="utf-8"?>
+<p:sld xmlns:a="http://schemas.openxmlformats.org/drawingml/2006/main" xmlns:r="http://schemas.openxmlformats.org/officeDocument/2006/relationships" xmlns:p="http://schemas.openxmlformats.org/presentationml/2006/main">
+  <p:cSld>
+    <p:spTree>
+      <p:nvGrpSpPr>
+        <p:cNvPr id="1" name=""/>
+        <p:cNvGrpSpPr/>
+        <p:nvPr/>
+      </p:nvGrpSpPr>
+      <p:grpSpPr>
+        <a:xfrm>
+          <a:off x="0" y="0"/>
+          <a:ext cx="0" cy="0"/>
+          <a:chOff x="0" y="0"/>
+          <a:chExt cx="0" cy="0"/>
+        </a:xfrm>
+      </p:grpSpPr>
+      <p:sp>
+        <p:nvSpPr>
+          <p:cNvPr id="2" name="Title 1">
+            <a:extLst>
+              <a:ext uri="{FF2B5EF4-FFF2-40B4-BE49-F238E27FC236}">
+                <a16:creationId xmlns:a16="http://schemas.microsoft.com/office/drawing/2014/main" id="{3B6DC5E5-B49D-4096-80C1-B8052495A474}"/>
+              </a:ext>
+            </a:extLst>
+          </p:cNvPr>
+          <p:cNvSpPr>
+            <a:spLocks noGrp="1"/>
+          </p:cNvSpPr>
+          <p:nvPr>
+            <p:ph type="title"/>
+          </p:nvPr>
+        </p:nvSpPr>
+        <p:spPr/>
+        <p:txBody>
+          <a:bodyPr>
+            <a:normAutofit/>
+          </a:bodyPr>
+          <a:lstStyle/>
+          <a:p>
+            <a:r>
+              <a:rPr lang="en-US" sz="4000" dirty="0"/>
+              <a:t>Futures Contracts</a:t>
+            </a:r>
+          </a:p>
+        </p:txBody>
+      </p:sp>
+      <p:sp>
+        <p:nvSpPr>
+          <p:cNvPr id="3" name="Content Placeholder 2">
+            <a:extLst>
+              <a:ext uri="{FF2B5EF4-FFF2-40B4-BE49-F238E27FC236}">
+                <a16:creationId xmlns:a16="http://schemas.microsoft.com/office/drawing/2014/main" id="{831B6362-3303-4415-9D10-C4E0904D67AF}"/>
+              </a:ext>
+            </a:extLst>
+          </p:cNvPr>
+          <p:cNvSpPr>
+            <a:spLocks noGrp="1"/>
+          </p:cNvSpPr>
+          <p:nvPr>
+            <p:ph idx="1"/>
+          </p:nvPr>
+        </p:nvSpPr>
+        <p:spPr/>
+        <p:txBody>
+          <a:bodyPr/>
+          <a:lstStyle/>
+          <a:p>
+            <a:r>
+              <a:rPr lang="en-US" sz="2800" dirty="0"/>
+              <a:t>Forward commitments</a:t>
+            </a:r>
+          </a:p>
+          <a:p>
+            <a:pPr lvl="1"/>
+            <a:r>
+              <a:rPr lang="en-US" sz="2800" dirty="0">
+                <a:solidFill>
+                  <a:schemeClr val="tx1"/>
+                </a:solidFill>
+              </a:rPr>
+              <a:t>Forward</a:t>
+            </a:r>
+          </a:p>
+          <a:p>
+            <a:pPr lvl="1"/>
+            <a:r>
+              <a:rPr lang="en-US" sz="2800" u="sng" dirty="0">
+                <a:solidFill>
+                  <a:srgbClr val="FF0000"/>
+                </a:solidFill>
+              </a:rPr>
+              <a:t>Futures</a:t>
+            </a:r>
+          </a:p>
+          <a:p>
+            <a:pPr lvl="1"/>
+            <a:r>
+              <a:rPr lang="en-US" sz="2800" dirty="0"/>
+              <a:t>Swap</a:t>
+            </a:r>
+          </a:p>
+          <a:p>
+            <a:r>
+              <a:rPr lang="en-US" sz="2800" dirty="0"/>
+              <a:t>Contingent claims</a:t>
+            </a:r>
+          </a:p>
+          <a:p>
+            <a:pPr lvl="1"/>
+            <a:r>
+              <a:rPr lang="en-US" sz="2800" dirty="0"/>
+              <a:t>Option</a:t>
+            </a:r>
+          </a:p>
+          <a:p>
+            <a:pPr lvl="1"/>
+            <a:r>
+              <a:rPr lang="en-US" sz="2800" dirty="0"/>
+              <a:t>Credit Derivatives</a:t>
+            </a:r>
+          </a:p>
+          <a:p>
+            <a:pPr lvl="1"/>
+            <a:endParaRPr lang="en-US" dirty="0"/>
+          </a:p>
+        </p:txBody>
+      </p:sp>
+    </p:spTree>
+    <p:extLst>
+      <p:ext uri="{BB962C8B-B14F-4D97-AF65-F5344CB8AC3E}">
+        <p14:creationId xmlns:p14="http://schemas.microsoft.com/office/powerpoint/2010/main" val="1800058910"/>
+      </p:ext>
+    </p:extLst>
+  </p:cSld>
+  <p:clrMapOvr>
+    <a:masterClrMapping/>
+  </p:clrMapOvr>
+</p:sld>
+</file>
+
+<file path=ppt/slides/slide22.xml><?xml version="1.0" encoding="utf-8"?>
+<p:sld xmlns:a="http://schemas.openxmlformats.org/drawingml/2006/main" xmlns:r="http://schemas.openxmlformats.org/officeDocument/2006/relationships" xmlns:p="http://schemas.openxmlformats.org/presentationml/2006/main">
+  <p:cSld>
+    <p:spTree>
+      <p:nvGrpSpPr>
+        <p:cNvPr id="1" name=""/>
+        <p:cNvGrpSpPr/>
+        <p:nvPr/>
+      </p:nvGrpSpPr>
+      <p:grpSpPr>
+        <a:xfrm>
+          <a:off x="0" y="0"/>
+          <a:ext cx="0" cy="0"/>
+          <a:chOff x="0" y="0"/>
+          <a:chExt cx="0" cy="0"/>
+        </a:xfrm>
+      </p:grpSpPr>
+      <p:sp>
+        <p:nvSpPr>
+          <p:cNvPr id="2" name="Title 1">
+            <a:extLst>
+              <a:ext uri="{FF2B5EF4-FFF2-40B4-BE49-F238E27FC236}">
+                <a16:creationId xmlns:a16="http://schemas.microsoft.com/office/drawing/2014/main" id="{30655409-A592-48F4-8E79-104028B7FA18}"/>
+              </a:ext>
+            </a:extLst>
+          </p:cNvPr>
+          <p:cNvSpPr>
+            <a:spLocks noGrp="1"/>
+          </p:cNvSpPr>
+          <p:nvPr>
+            <p:ph type="title"/>
+          </p:nvPr>
+        </p:nvSpPr>
+        <p:spPr/>
+        <p:txBody>
+          <a:bodyPr>
+            <a:normAutofit/>
+          </a:bodyPr>
+          <a:lstStyle/>
+          <a:p>
+            <a:r>
+              <a:rPr lang="en-US" sz="4000" dirty="0"/>
+              <a:t>Futures Contracts</a:t>
+            </a:r>
+          </a:p>
+        </p:txBody>
+      </p:sp>
+      <p:sp>
+        <p:nvSpPr>
+          <p:cNvPr id="3" name="Content Placeholder 2">
+            <a:extLst>
+              <a:ext uri="{FF2B5EF4-FFF2-40B4-BE49-F238E27FC236}">
+                <a16:creationId xmlns:a16="http://schemas.microsoft.com/office/drawing/2014/main" id="{AE0AAB92-0723-4D51-80D5-C6440ACF13CB}"/>
+              </a:ext>
+            </a:extLst>
+          </p:cNvPr>
+          <p:cNvSpPr>
+            <a:spLocks noGrp="1"/>
+          </p:cNvSpPr>
+          <p:nvPr>
+            <p:ph idx="1"/>
+          </p:nvPr>
+        </p:nvSpPr>
+        <p:spPr/>
+        <p:txBody>
+          <a:bodyPr/>
+          <a:lstStyle/>
+          <a:p>
+            <a:r>
+              <a:rPr lang="en-US" sz="2000" dirty="0"/>
+              <a:t>Definition: A futures contract is a </a:t>
+            </a:r>
+            <a:r>
+              <a:rPr lang="en-US" sz="2000" dirty="0">
+                <a:solidFill>
+                  <a:srgbClr val="FF0000"/>
+                </a:solidFill>
+              </a:rPr>
+              <a:t>standardized</a:t>
+            </a:r>
+            <a:r>
+              <a:rPr lang="en-US" sz="2000" dirty="0"/>
+              <a:t> derivative contract created and traded on </a:t>
+            </a:r>
+            <a:r>
+              <a:rPr lang="en-US" sz="2000" dirty="0">
+                <a:solidFill>
+                  <a:srgbClr val="FF0000"/>
+                </a:solidFill>
+              </a:rPr>
+              <a:t>a futures exchange </a:t>
+            </a:r>
+            <a:r>
+              <a:rPr lang="en-US" sz="2000" dirty="0"/>
+              <a:t>in which </a:t>
+            </a:r>
+            <a:r>
+              <a:rPr lang="en-US" sz="2000" dirty="0">
+                <a:highlight>
+                  <a:srgbClr val="FFFF00"/>
+                </a:highlight>
+              </a:rPr>
+              <a:t>two parties agree that one party, the buyer, will purchase an underlying asset from the other party, the seller, at a later date and at a price agreed on by the two parties when the contract is initiated</a:t>
+            </a:r>
+            <a:r>
+              <a:rPr lang="en-US" sz="2000" dirty="0"/>
+              <a:t> and in which there </a:t>
+            </a:r>
+            <a:r>
+              <a:rPr lang="en-US" sz="2000" dirty="0">
+                <a:solidFill>
+                  <a:schemeClr val="tx1"/>
+                </a:solidFill>
+              </a:rPr>
+              <a:t>is</a:t>
+            </a:r>
+            <a:r>
+              <a:rPr lang="en-US" sz="2000" dirty="0">
+                <a:solidFill>
+                  <a:srgbClr val="FF0000"/>
+                </a:solidFill>
+              </a:rPr>
+              <a:t> </a:t>
+            </a:r>
+            <a:r>
+              <a:rPr lang="en-US" sz="2000" b="1" dirty="0">
+                <a:solidFill>
+                  <a:srgbClr val="FF0000"/>
+                </a:solidFill>
+              </a:rPr>
+              <a:t>a daily settling of gains and losses</a:t>
+            </a:r>
+            <a:r>
+              <a:rPr lang="en-US" sz="2000" b="1" dirty="0"/>
+              <a:t> </a:t>
+            </a:r>
+            <a:r>
+              <a:rPr lang="en-US" sz="2000" dirty="0"/>
+              <a:t>and </a:t>
+            </a:r>
+            <a:r>
+              <a:rPr lang="en-US" sz="2000" b="1" dirty="0">
+                <a:solidFill>
+                  <a:srgbClr val="FF0000"/>
+                </a:solidFill>
+              </a:rPr>
+              <a:t>a credit guarantee by the futures exchange through its clearinghouse</a:t>
+            </a:r>
+            <a:r>
+              <a:rPr lang="en-US" sz="2000" b="1" dirty="0"/>
+              <a:t>.</a:t>
+            </a:r>
+          </a:p>
+          <a:p>
+            <a:endParaRPr lang="en-US" dirty="0"/>
+          </a:p>
+        </p:txBody>
+      </p:sp>
+    </p:spTree>
+    <p:extLst>
+      <p:ext uri="{BB962C8B-B14F-4D97-AF65-F5344CB8AC3E}">
+        <p14:creationId xmlns:p14="http://schemas.microsoft.com/office/powerpoint/2010/main" val="3713870111"/>
+      </p:ext>
+    </p:extLst>
+  </p:cSld>
+  <p:clrMapOvr>
+    <a:masterClrMapping/>
+  </p:clrMapOvr>
+</p:sld>
+</file>
+
+<file path=ppt/slides/slide23.xml><?xml version="1.0" encoding="utf-8"?>
+<p:sld xmlns:a="http://schemas.openxmlformats.org/drawingml/2006/main" xmlns:r="http://schemas.openxmlformats.org/officeDocument/2006/relationships" xmlns:p="http://schemas.openxmlformats.org/presentationml/2006/main">
+  <p:cSld>
+    <p:spTree>
+      <p:nvGrpSpPr>
+        <p:cNvPr id="1" name=""/>
+        <p:cNvGrpSpPr/>
+        <p:nvPr/>
+      </p:nvGrpSpPr>
+      <p:grpSpPr>
+        <a:xfrm>
+          <a:off x="0" y="0"/>
+          <a:ext cx="0" cy="0"/>
+          <a:chOff x="0" y="0"/>
+          <a:chExt cx="0" cy="0"/>
+        </a:xfrm>
+      </p:grpSpPr>
+      <p:sp>
+        <p:nvSpPr>
+          <p:cNvPr id="2" name="Title 1">
+            <a:extLst>
+              <a:ext uri="{FF2B5EF4-FFF2-40B4-BE49-F238E27FC236}">
+                <a16:creationId xmlns:a16="http://schemas.microsoft.com/office/drawing/2014/main" id="{685729BC-51D5-4E36-94B9-E4E11EC99649}"/>
+              </a:ext>
+            </a:extLst>
+          </p:cNvPr>
+          <p:cNvSpPr>
+            <a:spLocks noGrp="1"/>
+          </p:cNvSpPr>
+          <p:nvPr>
+            <p:ph type="title"/>
+          </p:nvPr>
+        </p:nvSpPr>
+        <p:spPr/>
+        <p:txBody>
+          <a:bodyPr>
+            <a:normAutofit/>
+          </a:bodyPr>
+          <a:lstStyle/>
+          <a:p>
+            <a:r>
+              <a:rPr lang="en-US" sz="4000" dirty="0"/>
+              <a:t>Futures Contracts</a:t>
+            </a:r>
+          </a:p>
+        </p:txBody>
+      </p:sp>
+      <p:sp>
+        <p:nvSpPr>
+          <p:cNvPr id="3" name="Content Placeholder 2">
+            <a:extLst>
+              <a:ext uri="{FF2B5EF4-FFF2-40B4-BE49-F238E27FC236}">
+                <a16:creationId xmlns:a16="http://schemas.microsoft.com/office/drawing/2014/main" id="{E068639E-3710-4DD5-8ABA-7C48FE50C7F5}"/>
+              </a:ext>
+            </a:extLst>
+          </p:cNvPr>
+          <p:cNvSpPr>
+            <a:spLocks noGrp="1"/>
+          </p:cNvSpPr>
+          <p:nvPr>
+            <p:ph idx="1"/>
+          </p:nvPr>
+        </p:nvSpPr>
+        <p:spPr/>
+        <p:txBody>
+          <a:bodyPr>
+            <a:normAutofit lnSpcReduction="10000"/>
+          </a:bodyPr>
+          <a:lstStyle/>
+          <a:p>
+            <a:r>
+              <a:rPr lang="en-US" sz="1600" dirty="0"/>
+              <a:t>Futures contracts are specialized versions of forward contracts that have been </a:t>
+            </a:r>
+            <a:r>
+              <a:rPr lang="en-US" sz="1600" dirty="0">
+                <a:solidFill>
+                  <a:srgbClr val="FF0000"/>
+                </a:solidFill>
+              </a:rPr>
+              <a:t>standardized</a:t>
+            </a:r>
+            <a:r>
+              <a:rPr lang="en-US" sz="1600" dirty="0"/>
+              <a:t> and that trade on </a:t>
+            </a:r>
+            <a:r>
+              <a:rPr lang="en-US" sz="1600" dirty="0">
+                <a:solidFill>
+                  <a:srgbClr val="FF0000"/>
+                </a:solidFill>
+              </a:rPr>
+              <a:t>a futures exchange</a:t>
+            </a:r>
+            <a:r>
+              <a:rPr lang="en-US" sz="1600" dirty="0"/>
+              <a:t>.</a:t>
+            </a:r>
+          </a:p>
+          <a:p>
+            <a:r>
+              <a:rPr lang="en-US" dirty="0"/>
+              <a:t>Futures exchanges </a:t>
+            </a:r>
+            <a:r>
+              <a:rPr lang="en-US" dirty="0">
+                <a:solidFill>
+                  <a:srgbClr val="FF0000"/>
+                </a:solidFill>
+              </a:rPr>
+              <a:t>are highly regulated </a:t>
+            </a:r>
+            <a:r>
+              <a:rPr lang="en-US" dirty="0"/>
+              <a:t>at the national level in all countries.</a:t>
+            </a:r>
+            <a:endParaRPr lang="en-US" sz="1600" dirty="0"/>
+          </a:p>
+          <a:p>
+            <a:r>
+              <a:rPr lang="en-US" sz="1600" dirty="0"/>
+              <a:t>Probably the most important distinctive characteristic of futures contracts is the </a:t>
+            </a:r>
+            <a:r>
+              <a:rPr lang="en-US" sz="1600" dirty="0">
+                <a:solidFill>
+                  <a:srgbClr val="FF0000"/>
+                </a:solidFill>
+              </a:rPr>
+              <a:t>daily settlement of gains and losses and the associated credit guarantee </a:t>
+            </a:r>
+            <a:r>
+              <a:rPr lang="en-US" sz="1600" dirty="0"/>
+              <a:t>provided by the exchange through its clearinghouse.</a:t>
+            </a:r>
+          </a:p>
+          <a:p>
+            <a:r>
+              <a:rPr lang="en-US" sz="1600" dirty="0"/>
+              <a:t>At the end of each day, the clearinghouse engages in a practice called </a:t>
+            </a:r>
+            <a:r>
+              <a:rPr lang="en-US" sz="1600" dirty="0">
+                <a:solidFill>
+                  <a:srgbClr val="FF0000"/>
+                </a:solidFill>
+              </a:rPr>
+              <a:t>mark to market</a:t>
+            </a:r>
+            <a:r>
+              <a:rPr lang="en-US" sz="1600" dirty="0"/>
+              <a:t>, also known as the </a:t>
+            </a:r>
+            <a:r>
+              <a:rPr lang="en-US" sz="1600" dirty="0">
+                <a:solidFill>
+                  <a:srgbClr val="FF0000"/>
+                </a:solidFill>
+              </a:rPr>
+              <a:t>daily settlement</a:t>
+            </a:r>
+            <a:r>
+              <a:rPr lang="en-US" sz="1600" dirty="0"/>
+              <a:t>.</a:t>
+            </a:r>
+          </a:p>
+          <a:p>
+            <a:r>
+              <a:rPr lang="en-US" dirty="0"/>
+              <a:t>The account is specifically referred to as a </a:t>
+            </a:r>
+            <a:r>
+              <a:rPr lang="en-US" dirty="0">
+                <a:solidFill>
+                  <a:srgbClr val="FF0000"/>
+                </a:solidFill>
+              </a:rPr>
+              <a:t>margin</a:t>
+            </a:r>
+            <a:r>
+              <a:rPr lang="en-US" b="1" dirty="0"/>
+              <a:t> </a:t>
+            </a:r>
+            <a:r>
+              <a:rPr lang="en-US" dirty="0"/>
+              <a:t>account.</a:t>
+            </a:r>
+          </a:p>
+          <a:p>
+            <a:pPr lvl="1"/>
+            <a:r>
+              <a:rPr lang="en-US" dirty="0"/>
+              <a:t>Initial margin</a:t>
+            </a:r>
+          </a:p>
+          <a:p>
+            <a:pPr lvl="1"/>
+            <a:r>
+              <a:rPr lang="en-US" dirty="0"/>
+              <a:t>Maintenance margin</a:t>
+            </a:r>
+          </a:p>
+          <a:p>
+            <a:pPr lvl="1"/>
+            <a:r>
+              <a:rPr lang="en-US" dirty="0"/>
+              <a:t>Margin call</a:t>
+            </a:r>
+          </a:p>
+          <a:p>
+            <a:endParaRPr lang="en-US" sz="1600" dirty="0"/>
+          </a:p>
+          <a:p>
+            <a:endParaRPr lang="en-US" sz="1600" dirty="0"/>
+          </a:p>
+          <a:p>
+            <a:endParaRPr lang="en-US" sz="1600" dirty="0"/>
+          </a:p>
+        </p:txBody>
+      </p:sp>
+    </p:spTree>
+    <p:extLst>
+      <p:ext uri="{BB962C8B-B14F-4D97-AF65-F5344CB8AC3E}">
+        <p14:creationId xmlns:p14="http://schemas.microsoft.com/office/powerpoint/2010/main" val="2509196955"/>
+      </p:ext>
+    </p:extLst>
+  </p:cSld>
+  <p:clrMapOvr>
+    <a:masterClrMapping/>
+  </p:clrMapOvr>
+</p:sld>
+</file>
+
+<file path=ppt/slides/slide24.xml><?xml version="1.0" encoding="utf-8"?>
 <p:sld xmlns:a="http://schemas.openxmlformats.org/drawingml/2006/main" xmlns:r="http://schemas.openxmlformats.org/officeDocument/2006/relationships" xmlns:p="http://schemas.openxmlformats.org/presentationml/2006/main">
   <p:cSld>
     <p:spTree>
@@ -8991,7 +9761,7 @@
 </p:sld>
 </file>
 
-<file path=ppt/slides/slide21.xml><?xml version="1.0" encoding="utf-8"?>
+<file path=ppt/slides/slide25.xml><?xml version="1.0" encoding="utf-8"?>
 <p:sld xmlns:a="http://schemas.openxmlformats.org/drawingml/2006/main" xmlns:r="http://schemas.openxmlformats.org/officeDocument/2006/relationships" xmlns:p="http://schemas.openxmlformats.org/presentationml/2006/main">
   <p:cSld>
     <p:spTree>
@@ -9151,7 +9921,7 @@
 </p:sld>
 </file>
 
-<file path=ppt/slides/slide22.xml><?xml version="1.0" encoding="utf-8"?>
+<file path=ppt/slides/slide26.xml><?xml version="1.0" encoding="utf-8"?>
 <p:sld xmlns:a="http://schemas.openxmlformats.org/drawingml/2006/main" xmlns:r="http://schemas.openxmlformats.org/officeDocument/2006/relationships" xmlns:p="http://schemas.openxmlformats.org/presentationml/2006/main">
   <p:cSld>
     <p:spTree>
@@ -9306,7 +10076,7 @@
 </p:sld>
 </file>
 
-<file path=ppt/slides/slide23.xml><?xml version="1.0" encoding="utf-8"?>
+<file path=ppt/slides/slide27.xml><?xml version="1.0" encoding="utf-8"?>
 <p:sld xmlns:a="http://schemas.openxmlformats.org/drawingml/2006/main" xmlns:r="http://schemas.openxmlformats.org/officeDocument/2006/relationships" xmlns:p="http://schemas.openxmlformats.org/presentationml/2006/main">
   <p:cSld>
     <p:spTree>
@@ -9666,551 +10436,6 @@
 </p:sld>
 </file>
 
-<file path=ppt/slides/slide24.xml><?xml version="1.0" encoding="utf-8"?>
-<p:sld xmlns:a="http://schemas.openxmlformats.org/drawingml/2006/main" xmlns:r="http://schemas.openxmlformats.org/officeDocument/2006/relationships" xmlns:p="http://schemas.openxmlformats.org/presentationml/2006/main">
-  <p:cSld>
-    <p:spTree>
-      <p:nvGrpSpPr>
-        <p:cNvPr id="1" name=""/>
-        <p:cNvGrpSpPr/>
-        <p:nvPr/>
-      </p:nvGrpSpPr>
-      <p:grpSpPr>
-        <a:xfrm>
-          <a:off x="0" y="0"/>
-          <a:ext cx="0" cy="0"/>
-          <a:chOff x="0" y="0"/>
-          <a:chExt cx="0" cy="0"/>
-        </a:xfrm>
-      </p:grpSpPr>
-      <p:sp>
-        <p:nvSpPr>
-          <p:cNvPr id="2" name="Title 1">
-            <a:extLst>
-              <a:ext uri="{FF2B5EF4-FFF2-40B4-BE49-F238E27FC236}">
-                <a16:creationId xmlns:a16="http://schemas.microsoft.com/office/drawing/2014/main" id="{3B6DC5E5-B49D-4096-80C1-B8052495A474}"/>
-              </a:ext>
-            </a:extLst>
-          </p:cNvPr>
-          <p:cNvSpPr>
-            <a:spLocks noGrp="1"/>
-          </p:cNvSpPr>
-          <p:nvPr>
-            <p:ph type="title"/>
-          </p:nvPr>
-        </p:nvSpPr>
-        <p:spPr/>
-        <p:txBody>
-          <a:bodyPr>
-            <a:normAutofit/>
-          </a:bodyPr>
-          <a:lstStyle/>
-          <a:p>
-            <a:r>
-              <a:rPr lang="en-US" sz="4000" dirty="0"/>
-              <a:t>Swap Contracts</a:t>
-            </a:r>
-          </a:p>
-        </p:txBody>
-      </p:sp>
-      <p:sp>
-        <p:nvSpPr>
-          <p:cNvPr id="3" name="Content Placeholder 2">
-            <a:extLst>
-              <a:ext uri="{FF2B5EF4-FFF2-40B4-BE49-F238E27FC236}">
-                <a16:creationId xmlns:a16="http://schemas.microsoft.com/office/drawing/2014/main" id="{831B6362-3303-4415-9D10-C4E0904D67AF}"/>
-              </a:ext>
-            </a:extLst>
-          </p:cNvPr>
-          <p:cNvSpPr>
-            <a:spLocks noGrp="1"/>
-          </p:cNvSpPr>
-          <p:nvPr>
-            <p:ph idx="1"/>
-          </p:nvPr>
-        </p:nvSpPr>
-        <p:spPr/>
-        <p:txBody>
-          <a:bodyPr/>
-          <a:lstStyle/>
-          <a:p>
-            <a:r>
-              <a:rPr lang="en-US" sz="2800" dirty="0"/>
-              <a:t>Forward commitments</a:t>
-            </a:r>
-          </a:p>
-          <a:p>
-            <a:pPr lvl="1"/>
-            <a:r>
-              <a:rPr lang="en-US" sz="2800" dirty="0">
-                <a:solidFill>
-                  <a:schemeClr val="tx1"/>
-                </a:solidFill>
-              </a:rPr>
-              <a:t>Forward</a:t>
-            </a:r>
-          </a:p>
-          <a:p>
-            <a:pPr lvl="1"/>
-            <a:r>
-              <a:rPr lang="en-US" sz="2800" dirty="0">
-                <a:solidFill>
-                  <a:schemeClr val="tx1"/>
-                </a:solidFill>
-              </a:rPr>
-              <a:t>Futures</a:t>
-            </a:r>
-          </a:p>
-          <a:p>
-            <a:pPr lvl="1"/>
-            <a:r>
-              <a:rPr lang="en-US" sz="2800" u="sng" dirty="0">
-                <a:solidFill>
-                  <a:srgbClr val="FF0000"/>
-                </a:solidFill>
-              </a:rPr>
-              <a:t>Swap</a:t>
-            </a:r>
-          </a:p>
-          <a:p>
-            <a:r>
-              <a:rPr lang="en-US" sz="2800" dirty="0"/>
-              <a:t>Contingent claims</a:t>
-            </a:r>
-          </a:p>
-          <a:p>
-            <a:pPr lvl="1"/>
-            <a:r>
-              <a:rPr lang="en-US" sz="2800" dirty="0"/>
-              <a:t>Option</a:t>
-            </a:r>
-          </a:p>
-          <a:p>
-            <a:pPr lvl="1"/>
-            <a:r>
-              <a:rPr lang="en-US" sz="2800" dirty="0"/>
-              <a:t>Credit Derivatives</a:t>
-            </a:r>
-          </a:p>
-          <a:p>
-            <a:pPr lvl="1"/>
-            <a:endParaRPr lang="en-US" dirty="0"/>
-          </a:p>
-        </p:txBody>
-      </p:sp>
-    </p:spTree>
-    <p:extLst>
-      <p:ext uri="{BB962C8B-B14F-4D97-AF65-F5344CB8AC3E}">
-        <p14:creationId xmlns:p14="http://schemas.microsoft.com/office/powerpoint/2010/main" val="3420598595"/>
-      </p:ext>
-    </p:extLst>
-  </p:cSld>
-  <p:clrMapOvr>
-    <a:masterClrMapping/>
-  </p:clrMapOvr>
-</p:sld>
-</file>
-
-<file path=ppt/slides/slide25.xml><?xml version="1.0" encoding="utf-8"?>
-<p:sld xmlns:a="http://schemas.openxmlformats.org/drawingml/2006/main" xmlns:r="http://schemas.openxmlformats.org/officeDocument/2006/relationships" xmlns:p="http://schemas.openxmlformats.org/presentationml/2006/main">
-  <p:cSld>
-    <p:spTree>
-      <p:nvGrpSpPr>
-        <p:cNvPr id="1" name=""/>
-        <p:cNvGrpSpPr/>
-        <p:nvPr/>
-      </p:nvGrpSpPr>
-      <p:grpSpPr>
-        <a:xfrm>
-          <a:off x="0" y="0"/>
-          <a:ext cx="0" cy="0"/>
-          <a:chOff x="0" y="0"/>
-          <a:chExt cx="0" cy="0"/>
-        </a:xfrm>
-      </p:grpSpPr>
-      <p:sp>
-        <p:nvSpPr>
-          <p:cNvPr id="2" name="Title 1">
-            <a:extLst>
-              <a:ext uri="{FF2B5EF4-FFF2-40B4-BE49-F238E27FC236}">
-                <a16:creationId xmlns:a16="http://schemas.microsoft.com/office/drawing/2014/main" id="{B14399E1-9A90-4AE5-8D83-E334323FD224}"/>
-              </a:ext>
-            </a:extLst>
-          </p:cNvPr>
-          <p:cNvSpPr>
-            <a:spLocks noGrp="1"/>
-          </p:cNvSpPr>
-          <p:nvPr>
-            <p:ph type="title"/>
-          </p:nvPr>
-        </p:nvSpPr>
-        <p:spPr/>
-        <p:txBody>
-          <a:bodyPr>
-            <a:normAutofit/>
-          </a:bodyPr>
-          <a:lstStyle/>
-          <a:p>
-            <a:r>
-              <a:rPr lang="en-US" sz="4000" dirty="0"/>
-              <a:t>Swap Contracts</a:t>
-            </a:r>
-          </a:p>
-        </p:txBody>
-      </p:sp>
-      <p:sp>
-        <p:nvSpPr>
-          <p:cNvPr id="3" name="Content Placeholder 2">
-            <a:extLst>
-              <a:ext uri="{FF2B5EF4-FFF2-40B4-BE49-F238E27FC236}">
-                <a16:creationId xmlns:a16="http://schemas.microsoft.com/office/drawing/2014/main" id="{9749AD03-FDAB-4BB0-A6F8-7357FF35FA5F}"/>
-              </a:ext>
-            </a:extLst>
-          </p:cNvPr>
-          <p:cNvSpPr>
-            <a:spLocks noGrp="1"/>
-          </p:cNvSpPr>
-          <p:nvPr>
-            <p:ph idx="1"/>
-          </p:nvPr>
-        </p:nvSpPr>
-        <p:spPr/>
-        <p:txBody>
-          <a:bodyPr/>
-          <a:lstStyle/>
-          <a:p>
-            <a:r>
-              <a:rPr lang="en-US" sz="2000" dirty="0"/>
-              <a:t>Definition: </a:t>
-            </a:r>
-            <a:r>
-              <a:rPr lang="en-US" sz="2000" i="1" dirty="0"/>
-              <a:t>A swap is an over- the- counter derivative contract in which two parties agree to </a:t>
-            </a:r>
-            <a:r>
-              <a:rPr lang="en-US" sz="2000" i="1" dirty="0">
-                <a:solidFill>
-                  <a:srgbClr val="FF0000"/>
-                </a:solidFill>
-              </a:rPr>
-              <a:t>exchange a series of cash flows </a:t>
-            </a:r>
-            <a:r>
-              <a:rPr lang="en-US" sz="2000" i="1" dirty="0"/>
-              <a:t>whereby one party </a:t>
-            </a:r>
-            <a:r>
-              <a:rPr lang="en-US" sz="2000" i="1" dirty="0">
-                <a:solidFill>
-                  <a:srgbClr val="FF0000"/>
-                </a:solidFill>
-              </a:rPr>
-              <a:t>pays a variable series that will be determined by an underlying asset or rate </a:t>
-            </a:r>
-            <a:r>
-              <a:rPr lang="en-US" sz="2000" i="1" dirty="0"/>
-              <a:t>and the other party pays </a:t>
-            </a:r>
-            <a:r>
-              <a:rPr lang="en-US" sz="2000" i="1" dirty="0">
-                <a:solidFill>
-                  <a:srgbClr val="FF0000"/>
-                </a:solidFill>
-              </a:rPr>
-              <a:t>either (1) a variable series determined by a different underlying asset or rate or (2) a fixed series</a:t>
-            </a:r>
-            <a:r>
-              <a:rPr lang="en-US" sz="2000" i="1" dirty="0"/>
-              <a:t>.</a:t>
-            </a:r>
-          </a:p>
-          <a:p>
-            <a:endParaRPr lang="en-US" dirty="0"/>
-          </a:p>
-        </p:txBody>
-      </p:sp>
-    </p:spTree>
-    <p:extLst>
-      <p:ext uri="{BB962C8B-B14F-4D97-AF65-F5344CB8AC3E}">
-        <p14:creationId xmlns:p14="http://schemas.microsoft.com/office/powerpoint/2010/main" val="1074234236"/>
-      </p:ext>
-    </p:extLst>
-  </p:cSld>
-  <p:clrMapOvr>
-    <a:masterClrMapping/>
-  </p:clrMapOvr>
-</p:sld>
-</file>
-
-<file path=ppt/slides/slide26.xml><?xml version="1.0" encoding="utf-8"?>
-<p:sld xmlns:a="http://schemas.openxmlformats.org/drawingml/2006/main" xmlns:r="http://schemas.openxmlformats.org/officeDocument/2006/relationships" xmlns:p="http://schemas.openxmlformats.org/presentationml/2006/main">
-  <p:cSld>
-    <p:spTree>
-      <p:nvGrpSpPr>
-        <p:cNvPr id="1" name=""/>
-        <p:cNvGrpSpPr/>
-        <p:nvPr/>
-      </p:nvGrpSpPr>
-      <p:grpSpPr>
-        <a:xfrm>
-          <a:off x="0" y="0"/>
-          <a:ext cx="0" cy="0"/>
-          <a:chOff x="0" y="0"/>
-          <a:chExt cx="0" cy="0"/>
-        </a:xfrm>
-      </p:grpSpPr>
-      <p:sp>
-        <p:nvSpPr>
-          <p:cNvPr id="2" name="Title 1">
-            <a:extLst>
-              <a:ext uri="{FF2B5EF4-FFF2-40B4-BE49-F238E27FC236}">
-                <a16:creationId xmlns:a16="http://schemas.microsoft.com/office/drawing/2014/main" id="{5A10EA45-A5A2-42F9-854A-97D36B351187}"/>
-              </a:ext>
-            </a:extLst>
-          </p:cNvPr>
-          <p:cNvSpPr>
-            <a:spLocks noGrp="1"/>
-          </p:cNvSpPr>
-          <p:nvPr>
-            <p:ph type="title"/>
-          </p:nvPr>
-        </p:nvSpPr>
-        <p:spPr/>
-        <p:txBody>
-          <a:bodyPr>
-            <a:normAutofit/>
-          </a:bodyPr>
-          <a:lstStyle/>
-          <a:p>
-            <a:r>
-              <a:rPr lang="en-US" sz="4000" dirty="0"/>
-              <a:t>Swap Contracts</a:t>
-            </a:r>
-          </a:p>
-        </p:txBody>
-      </p:sp>
-      <p:sp>
-        <p:nvSpPr>
-          <p:cNvPr id="3" name="Content Placeholder 2">
-            <a:extLst>
-              <a:ext uri="{FF2B5EF4-FFF2-40B4-BE49-F238E27FC236}">
-                <a16:creationId xmlns:a16="http://schemas.microsoft.com/office/drawing/2014/main" id="{756A3F7F-5B00-42B7-8E4E-1E5E7810A23A}"/>
-              </a:ext>
-            </a:extLst>
-          </p:cNvPr>
-          <p:cNvSpPr>
-            <a:spLocks noGrp="1"/>
-          </p:cNvSpPr>
-          <p:nvPr>
-            <p:ph idx="1"/>
-          </p:nvPr>
-        </p:nvSpPr>
-        <p:spPr/>
-        <p:txBody>
-          <a:bodyPr/>
-          <a:lstStyle/>
-          <a:p>
-            <a:r>
-              <a:rPr lang="en-US" dirty="0"/>
-              <a:t>Characteristics</a:t>
-            </a:r>
-          </a:p>
-          <a:p>
-            <a:pPr lvl="1"/>
-            <a:r>
-              <a:rPr lang="en-US" dirty="0"/>
-              <a:t>A swap is more or less just </a:t>
-            </a:r>
-            <a:r>
-              <a:rPr lang="en-US" dirty="0">
-                <a:solidFill>
-                  <a:srgbClr val="FF0000"/>
-                </a:solidFill>
-              </a:rPr>
-              <a:t>a series of forwards</a:t>
-            </a:r>
-          </a:p>
-          <a:p>
-            <a:pPr lvl="1"/>
-            <a:r>
-              <a:rPr lang="en-US" dirty="0"/>
-              <a:t>A swap is a bit more like a forward contract than a futures contract in that it is an OTC contract, so it is </a:t>
-            </a:r>
-            <a:r>
-              <a:rPr lang="en-US" dirty="0">
-                <a:solidFill>
-                  <a:srgbClr val="FF0000"/>
-                </a:solidFill>
-              </a:rPr>
-              <a:t>privately negotiated and subject to default. </a:t>
-            </a:r>
-          </a:p>
-          <a:p>
-            <a:pPr lvl="1"/>
-            <a:r>
-              <a:rPr lang="en-US" dirty="0"/>
-              <a:t>The party </a:t>
-            </a:r>
-            <a:r>
-              <a:rPr lang="en-US" dirty="0">
-                <a:solidFill>
-                  <a:srgbClr val="FF0000"/>
-                </a:solidFill>
-              </a:rPr>
-              <a:t>owing the lesser amount cannot default </a:t>
-            </a:r>
-            <a:r>
-              <a:rPr lang="en-US" dirty="0"/>
-              <a:t>to the party owing the greater amount.</a:t>
-            </a:r>
-          </a:p>
-          <a:p>
-            <a:pPr lvl="1"/>
-            <a:r>
-              <a:rPr lang="en-US" dirty="0"/>
-              <a:t>As with futures and forwards, no money changes hands at the start; thus, </a:t>
-            </a:r>
-            <a:r>
-              <a:rPr lang="en-US" dirty="0">
-                <a:solidFill>
-                  <a:srgbClr val="FF0000"/>
-                </a:solidFill>
-              </a:rPr>
-              <a:t>the value of a swap when initiated must be zero.</a:t>
-            </a:r>
-          </a:p>
-          <a:p>
-            <a:pPr lvl="1"/>
-            <a:r>
-              <a:rPr lang="en-US" dirty="0">
-                <a:solidFill>
-                  <a:schemeClr val="tx1"/>
-                </a:solidFill>
-              </a:rPr>
-              <a:t>The notional amount of a swap is not typically exchanged, the credit risk of a swap is much less than that of a loan.</a:t>
-            </a:r>
-          </a:p>
-          <a:p>
-            <a:endParaRPr lang="en-US" dirty="0">
-              <a:solidFill>
-                <a:srgbClr val="FF0000"/>
-              </a:solidFill>
-            </a:endParaRPr>
-          </a:p>
-        </p:txBody>
-      </p:sp>
-    </p:spTree>
-    <p:extLst>
-      <p:ext uri="{BB962C8B-B14F-4D97-AF65-F5344CB8AC3E}">
-        <p14:creationId xmlns:p14="http://schemas.microsoft.com/office/powerpoint/2010/main" val="4136834001"/>
-      </p:ext>
-    </p:extLst>
-  </p:cSld>
-  <p:clrMapOvr>
-    <a:masterClrMapping/>
-  </p:clrMapOvr>
-</p:sld>
-</file>
-
-<file path=ppt/slides/slide27.xml><?xml version="1.0" encoding="utf-8"?>
-<p:sld xmlns:a="http://schemas.openxmlformats.org/drawingml/2006/main" xmlns:r="http://schemas.openxmlformats.org/officeDocument/2006/relationships" xmlns:p="http://schemas.openxmlformats.org/presentationml/2006/main">
-  <p:cSld>
-    <p:spTree>
-      <p:nvGrpSpPr>
-        <p:cNvPr id="1" name=""/>
-        <p:cNvGrpSpPr/>
-        <p:nvPr/>
-      </p:nvGrpSpPr>
-      <p:grpSpPr>
-        <a:xfrm>
-          <a:off x="0" y="0"/>
-          <a:ext cx="0" cy="0"/>
-          <a:chOff x="0" y="0"/>
-          <a:chExt cx="0" cy="0"/>
-        </a:xfrm>
-      </p:grpSpPr>
-      <p:sp>
-        <p:nvSpPr>
-          <p:cNvPr id="2" name="Title 1">
-            <a:extLst>
-              <a:ext uri="{FF2B5EF4-FFF2-40B4-BE49-F238E27FC236}">
-                <a16:creationId xmlns:a16="http://schemas.microsoft.com/office/drawing/2014/main" id="{E66C3C2E-2A64-4F58-B789-1B63C5258C5E}"/>
-              </a:ext>
-            </a:extLst>
-          </p:cNvPr>
-          <p:cNvSpPr>
-            <a:spLocks noGrp="1"/>
-          </p:cNvSpPr>
-          <p:nvPr>
-            <p:ph type="title"/>
-          </p:nvPr>
-        </p:nvSpPr>
-        <p:spPr/>
-        <p:txBody>
-          <a:bodyPr>
-            <a:normAutofit/>
-          </a:bodyPr>
-          <a:lstStyle/>
-          <a:p>
-            <a:r>
-              <a:rPr lang="en-US" sz="4000" dirty="0"/>
-              <a:t>Swap Contracts</a:t>
-            </a:r>
-          </a:p>
-        </p:txBody>
-      </p:sp>
-      <p:sp>
-        <p:nvSpPr>
-          <p:cNvPr id="3" name="Content Placeholder 2">
-            <a:extLst>
-              <a:ext uri="{FF2B5EF4-FFF2-40B4-BE49-F238E27FC236}">
-                <a16:creationId xmlns:a16="http://schemas.microsoft.com/office/drawing/2014/main" id="{AD620B4E-9854-4F96-8EDD-9D7D2A35DAEB}"/>
-              </a:ext>
-            </a:extLst>
-          </p:cNvPr>
-          <p:cNvSpPr>
-            <a:spLocks noGrp="1"/>
-          </p:cNvSpPr>
-          <p:nvPr>
-            <p:ph idx="1"/>
-          </p:nvPr>
-        </p:nvSpPr>
-        <p:spPr/>
-        <p:txBody>
-          <a:bodyPr/>
-          <a:lstStyle/>
-          <a:p>
-            <a:r>
-              <a:rPr lang="en-US" sz="2000" dirty="0"/>
-              <a:t>Plain vanilla swap: the most common swap is the </a:t>
-            </a:r>
-            <a:r>
-              <a:rPr lang="en-US" sz="2000" b="1" dirty="0"/>
-              <a:t>fixed- for- floating interest rate swap</a:t>
-            </a:r>
-            <a:r>
-              <a:rPr lang="en-US" sz="2000" dirty="0"/>
-              <a:t>.</a:t>
-            </a:r>
-          </a:p>
-          <a:p>
-            <a:endParaRPr lang="en-US" dirty="0"/>
-          </a:p>
-        </p:txBody>
-      </p:sp>
-    </p:spTree>
-    <p:extLst>
-      <p:ext uri="{BB962C8B-B14F-4D97-AF65-F5344CB8AC3E}">
-        <p14:creationId xmlns:p14="http://schemas.microsoft.com/office/powerpoint/2010/main" val="3152884269"/>
-      </p:ext>
-    </p:extLst>
-  </p:cSld>
-  <p:clrMapOvr>
-    <a:masterClrMapping/>
-  </p:clrMapOvr>
-</p:sld>
-</file>
-
 <file path=ppt/slides/slide28.xml><?xml version="1.0" encoding="utf-8"?>
 <p:sld xmlns:a="http://schemas.openxmlformats.org/drawingml/2006/main" xmlns:r="http://schemas.openxmlformats.org/officeDocument/2006/relationships" xmlns:p="http://schemas.openxmlformats.org/presentationml/2006/main">
   <p:cSld>
@@ -10233,7 +10458,7 @@
           <p:cNvPr id="2" name="Title 1">
             <a:extLst>
               <a:ext uri="{FF2B5EF4-FFF2-40B4-BE49-F238E27FC236}">
-                <a16:creationId xmlns:a16="http://schemas.microsoft.com/office/drawing/2014/main" id="{5956A29E-8360-4C31-8F74-D3F9FFADB1E3}"/>
+                <a16:creationId xmlns:a16="http://schemas.microsoft.com/office/drawing/2014/main" id="{3B6DC5E5-B49D-4096-80C1-B8052495A474}"/>
               </a:ext>
             </a:extLst>
           </p:cNvPr>
@@ -10246,17 +10471,15 @@
         </p:nvSpPr>
         <p:spPr/>
         <p:txBody>
-          <a:bodyPr/>
+          <a:bodyPr>
+            <a:normAutofit/>
+          </a:bodyPr>
           <a:lstStyle/>
           <a:p>
             <a:r>
               <a:rPr lang="en-US" sz="4000" dirty="0"/>
-              <a:t>Practices</a:t>
-            </a:r>
-            <a:br>
-              <a:rPr lang="en-US" dirty="0"/>
-            </a:br>
-            <a:endParaRPr lang="en-US" dirty="0"/>
+              <a:t>Swap Contracts</a:t>
+            </a:r>
           </a:p>
         </p:txBody>
       </p:sp>
@@ -10265,7 +10488,7 @@
           <p:cNvPr id="3" name="Content Placeholder 2">
             <a:extLst>
               <a:ext uri="{FF2B5EF4-FFF2-40B4-BE49-F238E27FC236}">
-                <a16:creationId xmlns:a16="http://schemas.microsoft.com/office/drawing/2014/main" id="{EF3A84B9-8E45-4AD9-931B-C39F1DF28022}"/>
+                <a16:creationId xmlns:a16="http://schemas.microsoft.com/office/drawing/2014/main" id="{831B6362-3303-4415-9D10-C4E0904D67AF}"/>
               </a:ext>
             </a:extLst>
           </p:cNvPr>
@@ -10278,102 +10501,77 @@
         </p:nvSpPr>
         <p:spPr/>
         <p:txBody>
-          <a:bodyPr>
-            <a:normAutofit/>
-          </a:bodyPr>
-          <a:lstStyle/>
-          <a:p>
-            <a:r>
-              <a:rPr lang="en-US" dirty="0"/>
-              <a:t>1.Which of the following characterizes forward contracts and swaps but </a:t>
-            </a:r>
-            <a:r>
-              <a:rPr lang="en-US" b="1" dirty="0"/>
-              <a:t>not </a:t>
-            </a:r>
-            <a:r>
-              <a:rPr lang="en-US" dirty="0"/>
-              <a:t>futures?</a:t>
+          <a:bodyPr/>
+          <a:lstStyle/>
+          <a:p>
+            <a:r>
+              <a:rPr lang="en-US" sz="2800" dirty="0"/>
+              <a:t>Forward commitments</a:t>
             </a:r>
           </a:p>
           <a:p>
             <a:pPr lvl="1"/>
             <a:r>
-              <a:rPr lang="en-US" b="1" dirty="0"/>
-              <a:t>A </a:t>
-            </a:r>
-            <a:r>
-              <a:rPr lang="en-US" dirty="0"/>
-              <a:t>They are customized.</a:t>
+              <a:rPr lang="en-US" sz="2800" dirty="0">
+                <a:solidFill>
+                  <a:schemeClr val="tx1"/>
+                </a:solidFill>
+              </a:rPr>
+              <a:t>Forward</a:t>
             </a:r>
           </a:p>
           <a:p>
             <a:pPr lvl="1"/>
             <a:r>
-              <a:rPr lang="en-US" b="1" dirty="0"/>
-              <a:t>B </a:t>
-            </a:r>
-            <a:r>
-              <a:rPr lang="en-US" dirty="0"/>
-              <a:t>They are subject to daily price limits.</a:t>
+              <a:rPr lang="en-US" sz="2800" dirty="0">
+                <a:solidFill>
+                  <a:schemeClr val="tx1"/>
+                </a:solidFill>
+              </a:rPr>
+              <a:t>Futures</a:t>
             </a:r>
           </a:p>
           <a:p>
             <a:pPr lvl="1"/>
             <a:r>
-              <a:rPr lang="en-US" b="1" dirty="0"/>
-              <a:t>C </a:t>
-            </a:r>
-            <a:r>
-              <a:rPr lang="en-US" dirty="0"/>
-              <a:t>Their payoffs are received on a daily basis.</a:t>
-            </a:r>
-          </a:p>
-          <a:p>
-            <a:r>
-              <a:rPr lang="en-US" dirty="0"/>
-              <a:t>2.Which of the following distinguishes forwards from swaps?</a:t>
+              <a:rPr lang="en-US" sz="2800" u="sng" dirty="0">
+                <a:solidFill>
+                  <a:srgbClr val="FF0000"/>
+                </a:solidFill>
+              </a:rPr>
+              <a:t>Swap</a:t>
+            </a:r>
+          </a:p>
+          <a:p>
+            <a:r>
+              <a:rPr lang="en-US" sz="2800" dirty="0"/>
+              <a:t>Contingent claims</a:t>
             </a:r>
           </a:p>
           <a:p>
             <a:pPr lvl="1"/>
             <a:r>
-              <a:rPr lang="en-US" b="1" dirty="0"/>
-              <a:t>A </a:t>
-            </a:r>
-            <a:r>
-              <a:rPr lang="en-US" dirty="0"/>
-              <a:t>Forwards are OTC instruments, whereas swaps are exchange traded.</a:t>
+              <a:rPr lang="en-US" sz="2800" dirty="0"/>
+              <a:t>Option</a:t>
             </a:r>
           </a:p>
           <a:p>
             <a:pPr lvl="1"/>
             <a:r>
-              <a:rPr lang="en-US" b="1" dirty="0"/>
-              <a:t>B </a:t>
-            </a:r>
-            <a:r>
-              <a:rPr lang="en-US" dirty="0"/>
-              <a:t>Forwards are regulated as futures, whereas swaps are regulated as securities.</a:t>
+              <a:rPr lang="en-US" sz="2800" dirty="0"/>
+              <a:t>Credit Derivatives</a:t>
             </a:r>
           </a:p>
           <a:p>
             <a:pPr lvl="1"/>
-            <a:r>
-              <a:rPr lang="en-US" b="1" dirty="0"/>
-              <a:t>C </a:t>
-            </a:r>
-            <a:r>
-              <a:rPr lang="en-US" dirty="0"/>
-              <a:t>Swaps have multiple payments, whereas forwards have only a single payment.</a:t>
-            </a:r>
+            <a:endParaRPr lang="en-US" dirty="0"/>
           </a:p>
         </p:txBody>
       </p:sp>
     </p:spTree>
     <p:extLst>
       <p:ext uri="{BB962C8B-B14F-4D97-AF65-F5344CB8AC3E}">
-        <p14:creationId xmlns:p14="http://schemas.microsoft.com/office/powerpoint/2010/main" val="1508057551"/>
+        <p14:creationId xmlns:p14="http://schemas.microsoft.com/office/powerpoint/2010/main" val="3420598595"/>
       </p:ext>
     </p:extLst>
   </p:cSld>
@@ -10405,7 +10603,7 @@
           <p:cNvPr id="2" name="Title 1">
             <a:extLst>
               <a:ext uri="{FF2B5EF4-FFF2-40B4-BE49-F238E27FC236}">
-                <a16:creationId xmlns:a16="http://schemas.microsoft.com/office/drawing/2014/main" id="{5927944C-952F-4F1D-972B-D532B339900F}"/>
+                <a16:creationId xmlns:a16="http://schemas.microsoft.com/office/drawing/2014/main" id="{B14399E1-9A90-4AE5-8D83-E334323FD224}"/>
               </a:ext>
             </a:extLst>
           </p:cNvPr>
@@ -10425,7 +10623,7 @@
           <a:p>
             <a:r>
               <a:rPr lang="en-US" sz="4000" dirty="0"/>
-              <a:t>Practices</a:t>
+              <a:t>Swap Contracts</a:t>
             </a:r>
           </a:p>
         </p:txBody>
@@ -10435,7 +10633,7 @@
           <p:cNvPr id="3" name="Content Placeholder 2">
             <a:extLst>
               <a:ext uri="{FF2B5EF4-FFF2-40B4-BE49-F238E27FC236}">
-                <a16:creationId xmlns:a16="http://schemas.microsoft.com/office/drawing/2014/main" id="{1BDDDD91-7FB1-4366-8443-002BDE00C16D}"/>
+                <a16:creationId xmlns:a16="http://schemas.microsoft.com/office/drawing/2014/main" id="{9749AD03-FDAB-4BB0-A6F8-7357FF35FA5F}"/>
               </a:ext>
             </a:extLst>
           </p:cNvPr>
@@ -10448,55 +10646,63 @@
         </p:nvSpPr>
         <p:spPr/>
         <p:txBody>
-          <a:bodyPr>
-            <a:normAutofit/>
-          </a:bodyPr>
-          <a:lstStyle/>
-          <a:p>
-            <a:r>
-              <a:rPr lang="en-US" dirty="0"/>
-              <a:t>3.Which of the following occurs in the daily settlement of futures contracts?</a:t>
-            </a:r>
-          </a:p>
-          <a:p>
-            <a:pPr lvl="1"/>
-            <a:r>
-              <a:rPr lang="en-US" sz="1800" b="1" dirty="0"/>
-              <a:t>A </a:t>
-            </a:r>
-            <a:r>
-              <a:rPr lang="en-US" sz="1800" dirty="0"/>
-              <a:t>Initial margin deposits are refunded to the two parties.</a:t>
-            </a:r>
-          </a:p>
-          <a:p>
-            <a:pPr lvl="1"/>
-            <a:r>
-              <a:rPr lang="en-US" sz="1800" b="1" dirty="0"/>
-              <a:t>B </a:t>
-            </a:r>
-            <a:r>
-              <a:rPr lang="en-US" sz="1800" dirty="0"/>
-              <a:t>Gains and losses are reported to other market participants.</a:t>
-            </a:r>
-          </a:p>
-          <a:p>
-            <a:pPr lvl="1"/>
-            <a:r>
-              <a:rPr lang="en-US" sz="1800" b="1" dirty="0"/>
-              <a:t>C </a:t>
-            </a:r>
-            <a:r>
-              <a:rPr lang="en-US" sz="1800" dirty="0"/>
-              <a:t>Losses are charged to one party and gains credited to the other.</a:t>
-            </a:r>
+          <a:bodyPr/>
+          <a:lstStyle/>
+          <a:p>
+            <a:r>
+              <a:rPr lang="en-US" sz="2000" dirty="0"/>
+              <a:t>Definition: </a:t>
+            </a:r>
+            <a:r>
+              <a:rPr lang="en-US" sz="2000" i="1" dirty="0"/>
+              <a:t>A swap is an over- the- counter derivative contract in which two parties agree to </a:t>
+            </a:r>
+            <a:r>
+              <a:rPr lang="en-US" sz="2000" i="1" dirty="0">
+                <a:solidFill>
+                  <a:srgbClr val="FF0000"/>
+                </a:solidFill>
+              </a:rPr>
+              <a:t>exchange a series of cash flows </a:t>
+            </a:r>
+            <a:r>
+              <a:rPr lang="en-US" sz="2000" i="1" dirty="0"/>
+              <a:t>whereby one party </a:t>
+            </a:r>
+            <a:r>
+              <a:rPr lang="en-US" sz="2000" i="1" dirty="0">
+                <a:solidFill>
+                  <a:srgbClr val="FF0000"/>
+                </a:solidFill>
+              </a:rPr>
+              <a:t>pays a variable series that will be determined by an underlying asset or rate </a:t>
+            </a:r>
+            <a:r>
+              <a:rPr lang="en-US" sz="2000" i="1" dirty="0"/>
+              <a:t>and the other party pays </a:t>
+            </a:r>
+            <a:r>
+              <a:rPr lang="en-US" sz="2000" i="1" dirty="0">
+                <a:solidFill>
+                  <a:srgbClr val="FF0000"/>
+                </a:solidFill>
+              </a:rPr>
+              <a:t>either (1) a variable series determined by a different underlying asset or rate or (2) a fixed series</a:t>
+            </a:r>
+            <a:r>
+              <a:rPr lang="en-US" sz="2000" i="1" dirty="0"/>
+              <a:t>.</a:t>
+            </a:r>
+          </a:p>
+          <a:p>
+            <a:endParaRPr lang="en-US" dirty="0"/>
           </a:p>
         </p:txBody>
       </p:sp>
     </p:spTree>
     <p:extLst>
       <p:ext uri="{BB962C8B-B14F-4D97-AF65-F5344CB8AC3E}">
-        <p14:creationId xmlns:p14="http://schemas.microsoft.com/office/powerpoint/2010/main" val="914799381"/>
+        <p14:creationId xmlns:p14="http://schemas.microsoft.com/office/powerpoint/2010/main" val="1074234236"/>
       </p:ext>
     </p:extLst>
   </p:cSld>
@@ -10676,7 +10882,7 @@
           <p:cNvPr id="2" name="Title 1">
             <a:extLst>
               <a:ext uri="{FF2B5EF4-FFF2-40B4-BE49-F238E27FC236}">
-                <a16:creationId xmlns:a16="http://schemas.microsoft.com/office/drawing/2014/main" id="{3B6DC5E5-B49D-4096-80C1-B8052495A474}"/>
+                <a16:creationId xmlns:a16="http://schemas.microsoft.com/office/drawing/2014/main" id="{5A10EA45-A5A2-42F9-854A-97D36B351187}"/>
               </a:ext>
             </a:extLst>
           </p:cNvPr>
@@ -10696,7 +10902,7 @@
           <a:p>
             <a:r>
               <a:rPr lang="en-US" sz="4000" dirty="0"/>
-              <a:t>Option Contracts</a:t>
+              <a:t>Swap Contracts</a:t>
             </a:r>
           </a:p>
         </p:txBody>
@@ -10706,7 +10912,7 @@
           <p:cNvPr id="3" name="Content Placeholder 2">
             <a:extLst>
               <a:ext uri="{FF2B5EF4-FFF2-40B4-BE49-F238E27FC236}">
-                <a16:creationId xmlns:a16="http://schemas.microsoft.com/office/drawing/2014/main" id="{831B6362-3303-4415-9D10-C4E0904D67AF}"/>
+                <a16:creationId xmlns:a16="http://schemas.microsoft.com/office/drawing/2014/main" id="{756A3F7F-5B00-42B7-8E4E-1E5E7810A23A}"/>
               </a:ext>
             </a:extLst>
           </p:cNvPr>
@@ -10723,77 +10929,98 @@
           <a:lstStyle/>
           <a:p>
             <a:r>
-              <a:rPr lang="en-US" sz="2800" dirty="0"/>
-              <a:t>Forward commitments</a:t>
+              <a:rPr lang="en-US" dirty="0"/>
+              <a:t>Characteristics</a:t>
             </a:r>
           </a:p>
           <a:p>
             <a:pPr lvl="1"/>
             <a:r>
-              <a:rPr lang="en-US" sz="2800" dirty="0">
+              <a:rPr lang="en-US" dirty="0"/>
+              <a:t>A swap is more or less just </a:t>
+            </a:r>
+            <a:r>
+              <a:rPr lang="en-US" dirty="0">
+                <a:solidFill>
+                  <a:srgbClr val="FF0000"/>
+                </a:solidFill>
+              </a:rPr>
+              <a:t>a series of forwards</a:t>
+            </a:r>
+          </a:p>
+          <a:p>
+            <a:pPr lvl="1"/>
+            <a:r>
+              <a:rPr lang="en-US" dirty="0"/>
+              <a:t>A swap is a bit more like a forward contract than a futures contract in that it is an OTC contract, so it is </a:t>
+            </a:r>
+            <a:r>
+              <a:rPr lang="en-US" dirty="0">
+                <a:solidFill>
+                  <a:srgbClr val="FF0000"/>
+                </a:solidFill>
+              </a:rPr>
+              <a:t>privately negotiated and subject to default. </a:t>
+            </a:r>
+          </a:p>
+          <a:p>
+            <a:pPr lvl="1"/>
+            <a:r>
+              <a:rPr lang="en-US" dirty="0"/>
+              <a:t>The party </a:t>
+            </a:r>
+            <a:r>
+              <a:rPr lang="en-US" dirty="0">
+                <a:solidFill>
+                  <a:srgbClr val="FF0000"/>
+                </a:solidFill>
+              </a:rPr>
+              <a:t>owing the lesser amount cannot default </a:t>
+            </a:r>
+            <a:r>
+              <a:rPr lang="en-US" dirty="0"/>
+              <a:t>to the party owing the greater amount.</a:t>
+            </a:r>
+          </a:p>
+          <a:p>
+            <a:pPr lvl="1"/>
+            <a:r>
+              <a:rPr lang="en-US" dirty="0"/>
+              <a:t>As with futures and forwards, no money changes hands at the start; thus, </a:t>
+            </a:r>
+            <a:r>
+              <a:rPr lang="en-US" dirty="0">
+                <a:solidFill>
+                  <a:srgbClr val="FF0000"/>
+                </a:solidFill>
+              </a:rPr>
+              <a:t>the value of a swap when initiated must be zero.</a:t>
+            </a:r>
+          </a:p>
+          <a:p>
+            <a:pPr lvl="1"/>
+            <a:r>
+              <a:rPr lang="en-US" dirty="0">
                 <a:solidFill>
                   <a:schemeClr val="tx1"/>
                 </a:solidFill>
               </a:rPr>
-              <a:t>Forward</a:t>
-            </a:r>
-          </a:p>
-          <a:p>
-            <a:pPr lvl="1"/>
-            <a:r>
-              <a:rPr lang="en-US" sz="2800" dirty="0">
-                <a:solidFill>
-                  <a:schemeClr val="tx1"/>
-                </a:solidFill>
-              </a:rPr>
-              <a:t>Futures</a:t>
-            </a:r>
-          </a:p>
-          <a:p>
-            <a:pPr lvl="1"/>
-            <a:r>
-              <a:rPr lang="en-US" sz="2800" dirty="0">
-                <a:solidFill>
-                  <a:schemeClr val="tx1"/>
-                </a:solidFill>
-              </a:rPr>
-              <a:t>Swap</a:t>
-            </a:r>
-          </a:p>
-          <a:p>
-            <a:r>
-              <a:rPr lang="en-US" sz="2800" dirty="0"/>
-              <a:t>Contingent claims</a:t>
-            </a:r>
-          </a:p>
-          <a:p>
-            <a:pPr lvl="1"/>
-            <a:r>
-              <a:rPr lang="en-US" sz="2800" u="sng" dirty="0">
-                <a:solidFill>
-                  <a:srgbClr val="FF0000"/>
-                </a:solidFill>
-              </a:rPr>
-              <a:t>Option</a:t>
-            </a:r>
-          </a:p>
-          <a:p>
-            <a:pPr lvl="1"/>
-            <a:r>
-              <a:rPr lang="en-US" sz="2800" dirty="0"/>
-              <a:t>Credit Derivatives</a:t>
-            </a:r>
-          </a:p>
-          <a:p>
-            <a:pPr lvl="1"/>
-            <a:endParaRPr lang="en-US" dirty="0"/>
+              <a:t>The notional amount of a swap is not typically exchanged, the credit risk of a swap is much less than that of a loan.</a:t>
+            </a:r>
+          </a:p>
+          <a:p>
+            <a:endParaRPr lang="en-US" dirty="0">
+              <a:solidFill>
+                <a:srgbClr val="FF0000"/>
+              </a:solidFill>
+            </a:endParaRPr>
           </a:p>
         </p:txBody>
       </p:sp>
     </p:spTree>
     <p:extLst>
       <p:ext uri="{BB962C8B-B14F-4D97-AF65-F5344CB8AC3E}">
-        <p14:creationId xmlns:p14="http://schemas.microsoft.com/office/powerpoint/2010/main" val="1599816682"/>
+        <p14:creationId xmlns:p14="http://schemas.microsoft.com/office/powerpoint/2010/main" val="4136834001"/>
       </p:ext>
     </p:extLst>
   </p:cSld>
@@ -10825,6 +11052,549 @@
           <p:cNvPr id="2" name="Title 1">
             <a:extLst>
               <a:ext uri="{FF2B5EF4-FFF2-40B4-BE49-F238E27FC236}">
+                <a16:creationId xmlns:a16="http://schemas.microsoft.com/office/drawing/2014/main" id="{E66C3C2E-2A64-4F58-B789-1B63C5258C5E}"/>
+              </a:ext>
+            </a:extLst>
+          </p:cNvPr>
+          <p:cNvSpPr>
+            <a:spLocks noGrp="1"/>
+          </p:cNvSpPr>
+          <p:nvPr>
+            <p:ph type="title"/>
+          </p:nvPr>
+        </p:nvSpPr>
+        <p:spPr/>
+        <p:txBody>
+          <a:bodyPr>
+            <a:normAutofit/>
+          </a:bodyPr>
+          <a:lstStyle/>
+          <a:p>
+            <a:r>
+              <a:rPr lang="en-US" sz="4000" dirty="0"/>
+              <a:t>Swap Contracts</a:t>
+            </a:r>
+          </a:p>
+        </p:txBody>
+      </p:sp>
+      <p:sp>
+        <p:nvSpPr>
+          <p:cNvPr id="3" name="Content Placeholder 2">
+            <a:extLst>
+              <a:ext uri="{FF2B5EF4-FFF2-40B4-BE49-F238E27FC236}">
+                <a16:creationId xmlns:a16="http://schemas.microsoft.com/office/drawing/2014/main" id="{AD620B4E-9854-4F96-8EDD-9D7D2A35DAEB}"/>
+              </a:ext>
+            </a:extLst>
+          </p:cNvPr>
+          <p:cNvSpPr>
+            <a:spLocks noGrp="1"/>
+          </p:cNvSpPr>
+          <p:nvPr>
+            <p:ph idx="1"/>
+          </p:nvPr>
+        </p:nvSpPr>
+        <p:spPr/>
+        <p:txBody>
+          <a:bodyPr/>
+          <a:lstStyle/>
+          <a:p>
+            <a:r>
+              <a:rPr lang="en-US" sz="2000" dirty="0"/>
+              <a:t>Plain vanilla swap: the most common swap is the </a:t>
+            </a:r>
+            <a:r>
+              <a:rPr lang="en-US" sz="2000" b="1" dirty="0"/>
+              <a:t>fixed- for- floating interest rate swap</a:t>
+            </a:r>
+            <a:r>
+              <a:rPr lang="en-US" sz="2000" dirty="0"/>
+              <a:t>.</a:t>
+            </a:r>
+          </a:p>
+          <a:p>
+            <a:endParaRPr lang="en-US" dirty="0"/>
+          </a:p>
+        </p:txBody>
+      </p:sp>
+    </p:spTree>
+    <p:extLst>
+      <p:ext uri="{BB962C8B-B14F-4D97-AF65-F5344CB8AC3E}">
+        <p14:creationId xmlns:p14="http://schemas.microsoft.com/office/powerpoint/2010/main" val="3152884269"/>
+      </p:ext>
+    </p:extLst>
+  </p:cSld>
+  <p:clrMapOvr>
+    <a:masterClrMapping/>
+  </p:clrMapOvr>
+</p:sld>
+</file>
+
+<file path=ppt/slides/slide32.xml><?xml version="1.0" encoding="utf-8"?>
+<p:sld xmlns:a="http://schemas.openxmlformats.org/drawingml/2006/main" xmlns:r="http://schemas.openxmlformats.org/officeDocument/2006/relationships" xmlns:p="http://schemas.openxmlformats.org/presentationml/2006/main">
+  <p:cSld>
+    <p:spTree>
+      <p:nvGrpSpPr>
+        <p:cNvPr id="1" name=""/>
+        <p:cNvGrpSpPr/>
+        <p:nvPr/>
+      </p:nvGrpSpPr>
+      <p:grpSpPr>
+        <a:xfrm>
+          <a:off x="0" y="0"/>
+          <a:ext cx="0" cy="0"/>
+          <a:chOff x="0" y="0"/>
+          <a:chExt cx="0" cy="0"/>
+        </a:xfrm>
+      </p:grpSpPr>
+      <p:sp>
+        <p:nvSpPr>
+          <p:cNvPr id="2" name="Title 1">
+            <a:extLst>
+              <a:ext uri="{FF2B5EF4-FFF2-40B4-BE49-F238E27FC236}">
+                <a16:creationId xmlns:a16="http://schemas.microsoft.com/office/drawing/2014/main" id="{5956A29E-8360-4C31-8F74-D3F9FFADB1E3}"/>
+              </a:ext>
+            </a:extLst>
+          </p:cNvPr>
+          <p:cNvSpPr>
+            <a:spLocks noGrp="1"/>
+          </p:cNvSpPr>
+          <p:nvPr>
+            <p:ph type="title"/>
+          </p:nvPr>
+        </p:nvSpPr>
+        <p:spPr/>
+        <p:txBody>
+          <a:bodyPr/>
+          <a:lstStyle/>
+          <a:p>
+            <a:r>
+              <a:rPr lang="en-US" sz="4000" dirty="0"/>
+              <a:t>Practices</a:t>
+            </a:r>
+            <a:br>
+              <a:rPr lang="en-US" dirty="0"/>
+            </a:br>
+            <a:endParaRPr lang="en-US" dirty="0"/>
+          </a:p>
+        </p:txBody>
+      </p:sp>
+      <p:sp>
+        <p:nvSpPr>
+          <p:cNvPr id="3" name="Content Placeholder 2">
+            <a:extLst>
+              <a:ext uri="{FF2B5EF4-FFF2-40B4-BE49-F238E27FC236}">
+                <a16:creationId xmlns:a16="http://schemas.microsoft.com/office/drawing/2014/main" id="{EF3A84B9-8E45-4AD9-931B-C39F1DF28022}"/>
+              </a:ext>
+            </a:extLst>
+          </p:cNvPr>
+          <p:cNvSpPr>
+            <a:spLocks noGrp="1"/>
+          </p:cNvSpPr>
+          <p:nvPr>
+            <p:ph idx="1"/>
+          </p:nvPr>
+        </p:nvSpPr>
+        <p:spPr/>
+        <p:txBody>
+          <a:bodyPr>
+            <a:normAutofit/>
+          </a:bodyPr>
+          <a:lstStyle/>
+          <a:p>
+            <a:r>
+              <a:rPr lang="en-US" dirty="0"/>
+              <a:t>1.Which of the following characterizes forward contracts and swaps but </a:t>
+            </a:r>
+            <a:r>
+              <a:rPr lang="en-US" b="1" dirty="0"/>
+              <a:t>not </a:t>
+            </a:r>
+            <a:r>
+              <a:rPr lang="en-US" dirty="0"/>
+              <a:t>futures?</a:t>
+            </a:r>
+          </a:p>
+          <a:p>
+            <a:pPr lvl="1"/>
+            <a:r>
+              <a:rPr lang="en-US" b="1" dirty="0"/>
+              <a:t>A </a:t>
+            </a:r>
+            <a:r>
+              <a:rPr lang="en-US" dirty="0"/>
+              <a:t>They are customized.</a:t>
+            </a:r>
+          </a:p>
+          <a:p>
+            <a:pPr lvl="1"/>
+            <a:r>
+              <a:rPr lang="en-US" b="1" dirty="0"/>
+              <a:t>B </a:t>
+            </a:r>
+            <a:r>
+              <a:rPr lang="en-US" dirty="0"/>
+              <a:t>They are subject to daily price limits.</a:t>
+            </a:r>
+          </a:p>
+          <a:p>
+            <a:pPr lvl="1"/>
+            <a:r>
+              <a:rPr lang="en-US" b="1" dirty="0"/>
+              <a:t>C </a:t>
+            </a:r>
+            <a:r>
+              <a:rPr lang="en-US" dirty="0"/>
+              <a:t>Their payoffs are received on a daily basis.</a:t>
+            </a:r>
+          </a:p>
+          <a:p>
+            <a:r>
+              <a:rPr lang="en-US" dirty="0"/>
+              <a:t>2.Which of the following distinguishes forwards from swaps?</a:t>
+            </a:r>
+          </a:p>
+          <a:p>
+            <a:pPr lvl="1"/>
+            <a:r>
+              <a:rPr lang="en-US" b="1" dirty="0"/>
+              <a:t>A </a:t>
+            </a:r>
+            <a:r>
+              <a:rPr lang="en-US" dirty="0"/>
+              <a:t>Forwards are OTC instruments, whereas swaps are exchange traded.</a:t>
+            </a:r>
+          </a:p>
+          <a:p>
+            <a:pPr lvl="1"/>
+            <a:r>
+              <a:rPr lang="en-US" b="1" dirty="0"/>
+              <a:t>B </a:t>
+            </a:r>
+            <a:r>
+              <a:rPr lang="en-US" dirty="0"/>
+              <a:t>Forwards are regulated as futures, whereas swaps are regulated as securities.</a:t>
+            </a:r>
+          </a:p>
+          <a:p>
+            <a:pPr lvl="1"/>
+            <a:r>
+              <a:rPr lang="en-US" b="1" dirty="0"/>
+              <a:t>C </a:t>
+            </a:r>
+            <a:r>
+              <a:rPr lang="en-US" dirty="0"/>
+              <a:t>Swaps have multiple payments, whereas forwards have only a single payment.</a:t>
+            </a:r>
+          </a:p>
+        </p:txBody>
+      </p:sp>
+    </p:spTree>
+    <p:extLst>
+      <p:ext uri="{BB962C8B-B14F-4D97-AF65-F5344CB8AC3E}">
+        <p14:creationId xmlns:p14="http://schemas.microsoft.com/office/powerpoint/2010/main" val="1508057551"/>
+      </p:ext>
+    </p:extLst>
+  </p:cSld>
+  <p:clrMapOvr>
+    <a:masterClrMapping/>
+  </p:clrMapOvr>
+</p:sld>
+</file>
+
+<file path=ppt/slides/slide33.xml><?xml version="1.0" encoding="utf-8"?>
+<p:sld xmlns:a="http://schemas.openxmlformats.org/drawingml/2006/main" xmlns:r="http://schemas.openxmlformats.org/officeDocument/2006/relationships" xmlns:p="http://schemas.openxmlformats.org/presentationml/2006/main">
+  <p:cSld>
+    <p:spTree>
+      <p:nvGrpSpPr>
+        <p:cNvPr id="1" name=""/>
+        <p:cNvGrpSpPr/>
+        <p:nvPr/>
+      </p:nvGrpSpPr>
+      <p:grpSpPr>
+        <a:xfrm>
+          <a:off x="0" y="0"/>
+          <a:ext cx="0" cy="0"/>
+          <a:chOff x="0" y="0"/>
+          <a:chExt cx="0" cy="0"/>
+        </a:xfrm>
+      </p:grpSpPr>
+      <p:sp>
+        <p:nvSpPr>
+          <p:cNvPr id="2" name="Title 1">
+            <a:extLst>
+              <a:ext uri="{FF2B5EF4-FFF2-40B4-BE49-F238E27FC236}">
+                <a16:creationId xmlns:a16="http://schemas.microsoft.com/office/drawing/2014/main" id="{5927944C-952F-4F1D-972B-D532B339900F}"/>
+              </a:ext>
+            </a:extLst>
+          </p:cNvPr>
+          <p:cNvSpPr>
+            <a:spLocks noGrp="1"/>
+          </p:cNvSpPr>
+          <p:nvPr>
+            <p:ph type="title"/>
+          </p:nvPr>
+        </p:nvSpPr>
+        <p:spPr/>
+        <p:txBody>
+          <a:bodyPr>
+            <a:normAutofit/>
+          </a:bodyPr>
+          <a:lstStyle/>
+          <a:p>
+            <a:r>
+              <a:rPr lang="en-US" sz="4000" dirty="0"/>
+              <a:t>Practices</a:t>
+            </a:r>
+          </a:p>
+        </p:txBody>
+      </p:sp>
+      <p:sp>
+        <p:nvSpPr>
+          <p:cNvPr id="3" name="Content Placeholder 2">
+            <a:extLst>
+              <a:ext uri="{FF2B5EF4-FFF2-40B4-BE49-F238E27FC236}">
+                <a16:creationId xmlns:a16="http://schemas.microsoft.com/office/drawing/2014/main" id="{1BDDDD91-7FB1-4366-8443-002BDE00C16D}"/>
+              </a:ext>
+            </a:extLst>
+          </p:cNvPr>
+          <p:cNvSpPr>
+            <a:spLocks noGrp="1"/>
+          </p:cNvSpPr>
+          <p:nvPr>
+            <p:ph idx="1"/>
+          </p:nvPr>
+        </p:nvSpPr>
+        <p:spPr/>
+        <p:txBody>
+          <a:bodyPr>
+            <a:normAutofit/>
+          </a:bodyPr>
+          <a:lstStyle/>
+          <a:p>
+            <a:r>
+              <a:rPr lang="en-US" dirty="0"/>
+              <a:t>3.Which of the following occurs in the daily settlement of futures contracts?</a:t>
+            </a:r>
+          </a:p>
+          <a:p>
+            <a:pPr lvl="1"/>
+            <a:r>
+              <a:rPr lang="en-US" sz="1800" b="1" dirty="0"/>
+              <a:t>A </a:t>
+            </a:r>
+            <a:r>
+              <a:rPr lang="en-US" sz="1800" dirty="0"/>
+              <a:t>Initial margin deposits are refunded to the two parties.</a:t>
+            </a:r>
+          </a:p>
+          <a:p>
+            <a:pPr lvl="1"/>
+            <a:r>
+              <a:rPr lang="en-US" sz="1800" b="1" dirty="0"/>
+              <a:t>B </a:t>
+            </a:r>
+            <a:r>
+              <a:rPr lang="en-US" sz="1800" dirty="0"/>
+              <a:t>Gains and losses are reported to other market participants.</a:t>
+            </a:r>
+          </a:p>
+          <a:p>
+            <a:pPr lvl="1"/>
+            <a:r>
+              <a:rPr lang="en-US" sz="1800" b="1" dirty="0"/>
+              <a:t>C </a:t>
+            </a:r>
+            <a:r>
+              <a:rPr lang="en-US" sz="1800" dirty="0"/>
+              <a:t>Losses are charged to one party and gains credited to the other.</a:t>
+            </a:r>
+          </a:p>
+        </p:txBody>
+      </p:sp>
+    </p:spTree>
+    <p:extLst>
+      <p:ext uri="{BB962C8B-B14F-4D97-AF65-F5344CB8AC3E}">
+        <p14:creationId xmlns:p14="http://schemas.microsoft.com/office/powerpoint/2010/main" val="914799381"/>
+      </p:ext>
+    </p:extLst>
+  </p:cSld>
+  <p:clrMapOvr>
+    <a:masterClrMapping/>
+  </p:clrMapOvr>
+</p:sld>
+</file>
+
+<file path=ppt/slides/slide34.xml><?xml version="1.0" encoding="utf-8"?>
+<p:sld xmlns:a="http://schemas.openxmlformats.org/drawingml/2006/main" xmlns:r="http://schemas.openxmlformats.org/officeDocument/2006/relationships" xmlns:p="http://schemas.openxmlformats.org/presentationml/2006/main">
+  <p:cSld>
+    <p:spTree>
+      <p:nvGrpSpPr>
+        <p:cNvPr id="1" name=""/>
+        <p:cNvGrpSpPr/>
+        <p:nvPr/>
+      </p:nvGrpSpPr>
+      <p:grpSpPr>
+        <a:xfrm>
+          <a:off x="0" y="0"/>
+          <a:ext cx="0" cy="0"/>
+          <a:chOff x="0" y="0"/>
+          <a:chExt cx="0" cy="0"/>
+        </a:xfrm>
+      </p:grpSpPr>
+      <p:sp>
+        <p:nvSpPr>
+          <p:cNvPr id="2" name="Title 1">
+            <a:extLst>
+              <a:ext uri="{FF2B5EF4-FFF2-40B4-BE49-F238E27FC236}">
+                <a16:creationId xmlns:a16="http://schemas.microsoft.com/office/drawing/2014/main" id="{3B6DC5E5-B49D-4096-80C1-B8052495A474}"/>
+              </a:ext>
+            </a:extLst>
+          </p:cNvPr>
+          <p:cNvSpPr>
+            <a:spLocks noGrp="1"/>
+          </p:cNvSpPr>
+          <p:nvPr>
+            <p:ph type="title"/>
+          </p:nvPr>
+        </p:nvSpPr>
+        <p:spPr/>
+        <p:txBody>
+          <a:bodyPr>
+            <a:normAutofit/>
+          </a:bodyPr>
+          <a:lstStyle/>
+          <a:p>
+            <a:r>
+              <a:rPr lang="en-US" sz="4000" dirty="0"/>
+              <a:t>Option Contracts</a:t>
+            </a:r>
+          </a:p>
+        </p:txBody>
+      </p:sp>
+      <p:sp>
+        <p:nvSpPr>
+          <p:cNvPr id="3" name="Content Placeholder 2">
+            <a:extLst>
+              <a:ext uri="{FF2B5EF4-FFF2-40B4-BE49-F238E27FC236}">
+                <a16:creationId xmlns:a16="http://schemas.microsoft.com/office/drawing/2014/main" id="{831B6362-3303-4415-9D10-C4E0904D67AF}"/>
+              </a:ext>
+            </a:extLst>
+          </p:cNvPr>
+          <p:cNvSpPr>
+            <a:spLocks noGrp="1"/>
+          </p:cNvSpPr>
+          <p:nvPr>
+            <p:ph idx="1"/>
+          </p:nvPr>
+        </p:nvSpPr>
+        <p:spPr/>
+        <p:txBody>
+          <a:bodyPr/>
+          <a:lstStyle/>
+          <a:p>
+            <a:r>
+              <a:rPr lang="en-US" sz="2800" dirty="0"/>
+              <a:t>Forward commitments</a:t>
+            </a:r>
+          </a:p>
+          <a:p>
+            <a:pPr lvl="1"/>
+            <a:r>
+              <a:rPr lang="en-US" sz="2800" dirty="0">
+                <a:solidFill>
+                  <a:schemeClr val="tx1"/>
+                </a:solidFill>
+              </a:rPr>
+              <a:t>Forward</a:t>
+            </a:r>
+          </a:p>
+          <a:p>
+            <a:pPr lvl="1"/>
+            <a:r>
+              <a:rPr lang="en-US" sz="2800" dirty="0">
+                <a:solidFill>
+                  <a:schemeClr val="tx1"/>
+                </a:solidFill>
+              </a:rPr>
+              <a:t>Futures</a:t>
+            </a:r>
+          </a:p>
+          <a:p>
+            <a:pPr lvl="1"/>
+            <a:r>
+              <a:rPr lang="en-US" sz="2800" dirty="0">
+                <a:solidFill>
+                  <a:schemeClr val="tx1"/>
+                </a:solidFill>
+              </a:rPr>
+              <a:t>Swap</a:t>
+            </a:r>
+          </a:p>
+          <a:p>
+            <a:r>
+              <a:rPr lang="en-US" sz="2800" dirty="0"/>
+              <a:t>Contingent claims</a:t>
+            </a:r>
+          </a:p>
+          <a:p>
+            <a:pPr lvl="1"/>
+            <a:r>
+              <a:rPr lang="en-US" sz="2800" u="sng" dirty="0">
+                <a:solidFill>
+                  <a:srgbClr val="FF0000"/>
+                </a:solidFill>
+              </a:rPr>
+              <a:t>Option</a:t>
+            </a:r>
+          </a:p>
+          <a:p>
+            <a:pPr lvl="1"/>
+            <a:r>
+              <a:rPr lang="en-US" sz="2800" dirty="0"/>
+              <a:t>Credit Derivatives</a:t>
+            </a:r>
+          </a:p>
+          <a:p>
+            <a:pPr lvl="1"/>
+            <a:endParaRPr lang="en-US" dirty="0"/>
+          </a:p>
+        </p:txBody>
+      </p:sp>
+    </p:spTree>
+    <p:extLst>
+      <p:ext uri="{BB962C8B-B14F-4D97-AF65-F5344CB8AC3E}">
+        <p14:creationId xmlns:p14="http://schemas.microsoft.com/office/powerpoint/2010/main" val="1599816682"/>
+      </p:ext>
+    </p:extLst>
+  </p:cSld>
+  <p:clrMapOvr>
+    <a:masterClrMapping/>
+  </p:clrMapOvr>
+</p:sld>
+</file>
+
+<file path=ppt/slides/slide35.xml><?xml version="1.0" encoding="utf-8"?>
+<p:sld xmlns:a="http://schemas.openxmlformats.org/drawingml/2006/main" xmlns:r="http://schemas.openxmlformats.org/officeDocument/2006/relationships" xmlns:p="http://schemas.openxmlformats.org/presentationml/2006/main">
+  <p:cSld>
+    <p:spTree>
+      <p:nvGrpSpPr>
+        <p:cNvPr id="1" name=""/>
+        <p:cNvGrpSpPr/>
+        <p:nvPr/>
+      </p:nvGrpSpPr>
+      <p:grpSpPr>
+        <a:xfrm>
+          <a:off x="0" y="0"/>
+          <a:ext cx="0" cy="0"/>
+          <a:chOff x="0" y="0"/>
+          <a:chExt cx="0" cy="0"/>
+        </a:xfrm>
+      </p:grpSpPr>
+      <p:sp>
+        <p:nvSpPr>
+          <p:cNvPr id="2" name="Title 1">
+            <a:extLst>
+              <a:ext uri="{FF2B5EF4-FFF2-40B4-BE49-F238E27FC236}">
                 <a16:creationId xmlns:a16="http://schemas.microsoft.com/office/drawing/2014/main" id="{5EB0AABE-1CAE-4EC1-80D9-3EEF9BF9A4EE}"/>
               </a:ext>
             </a:extLst>
@@ -10989,7 +11759,7 @@
 </p:sld>
 </file>
 
-<file path=ppt/slides/slide32.xml><?xml version="1.0" encoding="utf-8"?>
+<file path=ppt/slides/slide36.xml><?xml version="1.0" encoding="utf-8"?>
 <p:sld xmlns:a="http://schemas.openxmlformats.org/drawingml/2006/main" xmlns:r="http://schemas.openxmlformats.org/officeDocument/2006/relationships" xmlns:p="http://schemas.openxmlformats.org/presentationml/2006/main">
   <p:cSld>
     <p:spTree>
@@ -11511,7 +12281,7 @@
 </p:sld>
 </file>
 
-<file path=ppt/slides/slide33.xml><?xml version="1.0" encoding="utf-8"?>
+<file path=ppt/slides/slide37.xml><?xml version="1.0" encoding="utf-8"?>
 <p:sld xmlns:a="http://schemas.openxmlformats.org/drawingml/2006/main" xmlns:r="http://schemas.openxmlformats.org/officeDocument/2006/relationships" xmlns:p="http://schemas.openxmlformats.org/presentationml/2006/main">
   <p:cSld>
     <p:spTree>
@@ -11667,7 +12437,7 @@
 </p:sld>
 </file>
 
-<file path=ppt/slides/slide34.xml><?xml version="1.0" encoding="utf-8"?>
+<file path=ppt/slides/slide38.xml><?xml version="1.0" encoding="utf-8"?>
 <p:sld xmlns:a="http://schemas.openxmlformats.org/drawingml/2006/main" xmlns:r="http://schemas.openxmlformats.org/officeDocument/2006/relationships" xmlns:p="http://schemas.openxmlformats.org/presentationml/2006/main">
   <p:cSld>
     <p:spTree>
@@ -11835,7 +12605,7 @@
 </p:sld>
 </file>
 
-<file path=ppt/slides/slide35.xml><?xml version="1.0" encoding="utf-8"?>
+<file path=ppt/slides/slide39.xml><?xml version="1.0" encoding="utf-8"?>
 <p:sld xmlns:a="http://schemas.openxmlformats.org/drawingml/2006/main" xmlns:r="http://schemas.openxmlformats.org/officeDocument/2006/relationships" xmlns:p="http://schemas.openxmlformats.org/presentationml/2006/main">
   <p:cSld>
     <p:spTree>
@@ -11969,7 +12739,127 @@
 </p:sld>
 </file>
 
-<file path=ppt/slides/slide36.xml><?xml version="1.0" encoding="utf-8"?>
+<file path=ppt/slides/slide4.xml><?xml version="1.0" encoding="utf-8"?>
+<p:sld xmlns:a="http://schemas.openxmlformats.org/drawingml/2006/main" xmlns:r="http://schemas.openxmlformats.org/officeDocument/2006/relationships" xmlns:p="http://schemas.openxmlformats.org/presentationml/2006/main">
+  <p:cSld>
+    <p:spTree>
+      <p:nvGrpSpPr>
+        <p:cNvPr id="1" name=""/>
+        <p:cNvGrpSpPr/>
+        <p:nvPr/>
+      </p:nvGrpSpPr>
+      <p:grpSpPr>
+        <a:xfrm>
+          <a:off x="0" y="0"/>
+          <a:ext cx="0" cy="0"/>
+          <a:chOff x="0" y="0"/>
+          <a:chExt cx="0" cy="0"/>
+        </a:xfrm>
+      </p:grpSpPr>
+      <p:sp>
+        <p:nvSpPr>
+          <p:cNvPr id="2" name="Title 1">
+            <a:extLst>
+              <a:ext uri="{FF2B5EF4-FFF2-40B4-BE49-F238E27FC236}">
+                <a16:creationId xmlns:a16="http://schemas.microsoft.com/office/drawing/2014/main" id="{E94617E6-4169-44D7-ADCE-3B9EA049664F}"/>
+              </a:ext>
+            </a:extLst>
+          </p:cNvPr>
+          <p:cNvSpPr>
+            <a:spLocks noGrp="1"/>
+          </p:cNvSpPr>
+          <p:nvPr>
+            <p:ph type="title"/>
+          </p:nvPr>
+        </p:nvSpPr>
+        <p:spPr/>
+        <p:txBody>
+          <a:bodyPr>
+            <a:normAutofit/>
+          </a:bodyPr>
+          <a:lstStyle/>
+          <a:p>
+            <a:r>
+              <a:rPr lang="en-US" sz="4000" dirty="0"/>
+              <a:t>Basic Derivative Concepts</a:t>
+            </a:r>
+          </a:p>
+        </p:txBody>
+      </p:sp>
+      <p:sp>
+        <p:nvSpPr>
+          <p:cNvPr id="3" name="Content Placeholder 2">
+            <a:extLst>
+              <a:ext uri="{FF2B5EF4-FFF2-40B4-BE49-F238E27FC236}">
+                <a16:creationId xmlns:a16="http://schemas.microsoft.com/office/drawing/2014/main" id="{8ABE3BEB-A5DB-4FEF-8C80-E8CB9E0F80E1}"/>
+              </a:ext>
+            </a:extLst>
+          </p:cNvPr>
+          <p:cNvSpPr>
+            <a:spLocks noGrp="1"/>
+          </p:cNvSpPr>
+          <p:nvPr>
+            <p:ph idx="1"/>
+          </p:nvPr>
+        </p:nvSpPr>
+        <p:spPr/>
+        <p:txBody>
+          <a:bodyPr>
+            <a:normAutofit/>
+          </a:bodyPr>
+          <a:lstStyle/>
+          <a:p>
+            <a:r>
+              <a:rPr lang="en-US" sz="2000" dirty="0"/>
+              <a:t>A </a:t>
+            </a:r>
+            <a:r>
+              <a:rPr lang="en-US" sz="2000" dirty="0">
+                <a:solidFill>
+                  <a:srgbClr val="FF0000"/>
+                </a:solidFill>
+              </a:rPr>
+              <a:t>forward</a:t>
+            </a:r>
+            <a:r>
+              <a:rPr lang="en-US" sz="2000" dirty="0"/>
+              <a:t> contract is an over-the-counter derivative contract in which two parties agree that one party, the buyer, will purchase an underlying asset from the other party, the seller, at a later date at a fixed price they agree upon when the contract is signed.</a:t>
+            </a:r>
+          </a:p>
+          <a:p>
+            <a:r>
+              <a:rPr lang="en-US" sz="2000" dirty="0"/>
+              <a:t>A </a:t>
+            </a:r>
+            <a:r>
+              <a:rPr lang="en-US" sz="2000" dirty="0">
+                <a:solidFill>
+                  <a:srgbClr val="FF0000"/>
+                </a:solidFill>
+              </a:rPr>
+              <a:t>futures</a:t>
+            </a:r>
+            <a:r>
+              <a:rPr lang="en-US" sz="2000" dirty="0"/>
+              <a:t> contract is a standardized derivative contract created and traded on a futures exchange in which two parties agree that one party, the buyer, will purchase an underlying asset from the other party, the seller, at a later date at a price agreed upon by the two parties when the contract is initiated and in which there is a daily settling of gains and losses and a credit guarantee by the futures exchange through its clearinghouse</a:t>
+            </a:r>
+          </a:p>
+        </p:txBody>
+      </p:sp>
+    </p:spTree>
+    <p:extLst>
+      <p:ext uri="{BB962C8B-B14F-4D97-AF65-F5344CB8AC3E}">
+        <p14:creationId xmlns:p14="http://schemas.microsoft.com/office/powerpoint/2010/main" val="2424597150"/>
+      </p:ext>
+    </p:extLst>
+  </p:cSld>
+  <p:clrMapOvr>
+    <a:masterClrMapping/>
+  </p:clrMapOvr>
+</p:sld>
+</file>
+
+<file path=ppt/slides/slide40.xml><?xml version="1.0" encoding="utf-8"?>
 <p:sld xmlns:a="http://schemas.openxmlformats.org/drawingml/2006/main" xmlns:r="http://schemas.openxmlformats.org/officeDocument/2006/relationships" xmlns:p="http://schemas.openxmlformats.org/presentationml/2006/main">
   <p:cSld>
     <p:spTree>
@@ -12416,7 +13306,7 @@
 </p:sld>
 </file>
 
-<file path=ppt/slides/slide37.xml><?xml version="1.0" encoding="utf-8"?>
+<file path=ppt/slides/slide41.xml><?xml version="1.0" encoding="utf-8"?>
 <p:sld xmlns:a="http://schemas.openxmlformats.org/drawingml/2006/main" xmlns:r="http://schemas.openxmlformats.org/officeDocument/2006/relationships" xmlns:p="http://schemas.openxmlformats.org/presentationml/2006/main">
   <p:cSld>
     <p:spTree>
@@ -12572,7 +13462,7 @@
 </p:sld>
 </file>
 
-<file path=ppt/slides/slide38.xml><?xml version="1.0" encoding="utf-8"?>
+<file path=ppt/slides/slide42.xml><?xml version="1.0" encoding="utf-8"?>
 <p:sld xmlns:a="http://schemas.openxmlformats.org/drawingml/2006/main" xmlns:r="http://schemas.openxmlformats.org/officeDocument/2006/relationships" xmlns:p="http://schemas.openxmlformats.org/presentationml/2006/main">
   <p:cSld>
     <p:spTree>
@@ -12788,7 +13678,7 @@
 </p:sld>
 </file>
 
-<file path=ppt/slides/slide39.xml><?xml version="1.0" encoding="utf-8"?>
+<file path=ppt/slides/slide43.xml><?xml version="1.0" encoding="utf-8"?>
 <p:sld xmlns:a="http://schemas.openxmlformats.org/drawingml/2006/main" xmlns:r="http://schemas.openxmlformats.org/officeDocument/2006/relationships" xmlns:p="http://schemas.openxmlformats.org/presentationml/2006/main">
   <p:cSld>
     <p:spTree>
@@ -12920,7 +13810,7 @@
 </p:sld>
 </file>
 
-<file path=ppt/slides/slide4.xml><?xml version="1.0" encoding="utf-8"?>
+<file path=ppt/slides/slide44.xml><?xml version="1.0" encoding="utf-8"?>
 <p:sld xmlns:a="http://schemas.openxmlformats.org/drawingml/2006/main" xmlns:r="http://schemas.openxmlformats.org/officeDocument/2006/relationships" xmlns:p="http://schemas.openxmlformats.org/presentationml/2006/main">
   <p:cSld>
     <p:spTree>
@@ -12942,126 +13832,6 @@
           <p:cNvPr id="2" name="Title 1">
             <a:extLst>
               <a:ext uri="{FF2B5EF4-FFF2-40B4-BE49-F238E27FC236}">
-                <a16:creationId xmlns:a16="http://schemas.microsoft.com/office/drawing/2014/main" id="{E94617E6-4169-44D7-ADCE-3B9EA049664F}"/>
-              </a:ext>
-            </a:extLst>
-          </p:cNvPr>
-          <p:cNvSpPr>
-            <a:spLocks noGrp="1"/>
-          </p:cNvSpPr>
-          <p:nvPr>
-            <p:ph type="title"/>
-          </p:nvPr>
-        </p:nvSpPr>
-        <p:spPr/>
-        <p:txBody>
-          <a:bodyPr>
-            <a:normAutofit/>
-          </a:bodyPr>
-          <a:lstStyle/>
-          <a:p>
-            <a:r>
-              <a:rPr lang="en-US" sz="4000" dirty="0"/>
-              <a:t>Basic Derivative Concepts</a:t>
-            </a:r>
-          </a:p>
-        </p:txBody>
-      </p:sp>
-      <p:sp>
-        <p:nvSpPr>
-          <p:cNvPr id="3" name="Content Placeholder 2">
-            <a:extLst>
-              <a:ext uri="{FF2B5EF4-FFF2-40B4-BE49-F238E27FC236}">
-                <a16:creationId xmlns:a16="http://schemas.microsoft.com/office/drawing/2014/main" id="{8ABE3BEB-A5DB-4FEF-8C80-E8CB9E0F80E1}"/>
-              </a:ext>
-            </a:extLst>
-          </p:cNvPr>
-          <p:cNvSpPr>
-            <a:spLocks noGrp="1"/>
-          </p:cNvSpPr>
-          <p:nvPr>
-            <p:ph idx="1"/>
-          </p:nvPr>
-        </p:nvSpPr>
-        <p:spPr/>
-        <p:txBody>
-          <a:bodyPr>
-            <a:normAutofit/>
-          </a:bodyPr>
-          <a:lstStyle/>
-          <a:p>
-            <a:r>
-              <a:rPr lang="en-US" sz="2000" dirty="0"/>
-              <a:t>A </a:t>
-            </a:r>
-            <a:r>
-              <a:rPr lang="en-US" sz="2000" dirty="0">
-                <a:solidFill>
-                  <a:srgbClr val="FF0000"/>
-                </a:solidFill>
-              </a:rPr>
-              <a:t>forward</a:t>
-            </a:r>
-            <a:r>
-              <a:rPr lang="en-US" sz="2000" dirty="0"/>
-              <a:t> contract is an over-the-counter derivative contract in which two parties agree that one party, the buyer, will purchase an underlying asset from the other party, the seller, at a later date at a fixed price they agree upon when the contract is signed.</a:t>
-            </a:r>
-          </a:p>
-          <a:p>
-            <a:r>
-              <a:rPr lang="en-US" sz="2000" dirty="0"/>
-              <a:t>A </a:t>
-            </a:r>
-            <a:r>
-              <a:rPr lang="en-US" sz="2000" dirty="0">
-                <a:solidFill>
-                  <a:srgbClr val="FF0000"/>
-                </a:solidFill>
-              </a:rPr>
-              <a:t>futures</a:t>
-            </a:r>
-            <a:r>
-              <a:rPr lang="en-US" sz="2000" dirty="0"/>
-              <a:t> contract is a standardized derivative contract created and traded on a futures exchange in which two parties agree that one party, the buyer, will purchase an underlying asset from the other party, the seller, at a later date at a price agreed upon by the two parties when the contract is initiated and in which there is a daily settling of gains and losses and a credit guarantee by the futures exchange through its clearinghouse</a:t>
-            </a:r>
-          </a:p>
-        </p:txBody>
-      </p:sp>
-    </p:spTree>
-    <p:extLst>
-      <p:ext uri="{BB962C8B-B14F-4D97-AF65-F5344CB8AC3E}">
-        <p14:creationId xmlns:p14="http://schemas.microsoft.com/office/powerpoint/2010/main" val="2424597150"/>
-      </p:ext>
-    </p:extLst>
-  </p:cSld>
-  <p:clrMapOvr>
-    <a:masterClrMapping/>
-  </p:clrMapOvr>
-</p:sld>
-</file>
-
-<file path=ppt/slides/slide40.xml><?xml version="1.0" encoding="utf-8"?>
-<p:sld xmlns:a="http://schemas.openxmlformats.org/drawingml/2006/main" xmlns:r="http://schemas.openxmlformats.org/officeDocument/2006/relationships" xmlns:p="http://schemas.openxmlformats.org/presentationml/2006/main">
-  <p:cSld>
-    <p:spTree>
-      <p:nvGrpSpPr>
-        <p:cNvPr id="1" name=""/>
-        <p:cNvGrpSpPr/>
-        <p:nvPr/>
-      </p:nvGrpSpPr>
-      <p:grpSpPr>
-        <a:xfrm>
-          <a:off x="0" y="0"/>
-          <a:ext cx="0" cy="0"/>
-          <a:chOff x="0" y="0"/>
-          <a:chExt cx="0" cy="0"/>
-        </a:xfrm>
-      </p:grpSpPr>
-      <p:sp>
-        <p:nvSpPr>
-          <p:cNvPr id="2" name="Title 1">
-            <a:extLst>
-              <a:ext uri="{FF2B5EF4-FFF2-40B4-BE49-F238E27FC236}">
                 <a16:creationId xmlns:a16="http://schemas.microsoft.com/office/drawing/2014/main" id="{1C2F3AE9-B402-437D-BDF5-E4639C896F9C}"/>
               </a:ext>
             </a:extLst>
@@ -13241,7 +14011,7 @@
 </p:sld>
 </file>
 
-<file path=ppt/slides/slide41.xml><?xml version="1.0" encoding="utf-8"?>
+<file path=ppt/slides/slide45.xml><?xml version="1.0" encoding="utf-8"?>
 <p:sld xmlns:a="http://schemas.openxmlformats.org/drawingml/2006/main" xmlns:r="http://schemas.openxmlformats.org/officeDocument/2006/relationships" xmlns:p="http://schemas.openxmlformats.org/presentationml/2006/main">
   <p:cSld>
     <p:spTree>
@@ -13691,535 +14461,6 @@
 </p:sld>
 </file>
 
-<file path=ppt/slides/slide42.xml><?xml version="1.0" encoding="utf-8"?>
-<p:sld xmlns:a="http://schemas.openxmlformats.org/drawingml/2006/main" xmlns:r="http://schemas.openxmlformats.org/officeDocument/2006/relationships" xmlns:p="http://schemas.openxmlformats.org/presentationml/2006/main">
-  <p:cSld>
-    <p:spTree>
-      <p:nvGrpSpPr>
-        <p:cNvPr id="1" name=""/>
-        <p:cNvGrpSpPr/>
-        <p:nvPr/>
-      </p:nvGrpSpPr>
-      <p:grpSpPr>
-        <a:xfrm>
-          <a:off x="0" y="0"/>
-          <a:ext cx="0" cy="0"/>
-          <a:chOff x="0" y="0"/>
-          <a:chExt cx="0" cy="0"/>
-        </a:xfrm>
-      </p:grpSpPr>
-      <p:sp>
-        <p:nvSpPr>
-          <p:cNvPr id="2" name="Title 1">
-            <a:extLst>
-              <a:ext uri="{FF2B5EF4-FFF2-40B4-BE49-F238E27FC236}">
-                <a16:creationId xmlns:a16="http://schemas.microsoft.com/office/drawing/2014/main" id="{A3BB96AB-1005-48C4-8495-D9268F80EAD9}"/>
-              </a:ext>
-            </a:extLst>
-          </p:cNvPr>
-          <p:cNvSpPr>
-            <a:spLocks noGrp="1"/>
-          </p:cNvSpPr>
-          <p:nvPr>
-            <p:ph type="title"/>
-          </p:nvPr>
-        </p:nvSpPr>
-        <p:spPr/>
-        <p:txBody>
-          <a:bodyPr>
-            <a:normAutofit/>
-          </a:bodyPr>
-          <a:lstStyle/>
-          <a:p>
-            <a:r>
-              <a:rPr lang="en-US" sz="4000" dirty="0"/>
-              <a:t>Practices</a:t>
-            </a:r>
-          </a:p>
-        </p:txBody>
-      </p:sp>
-      <p:sp>
-        <p:nvSpPr>
-          <p:cNvPr id="3" name="Content Placeholder 2">
-            <a:extLst>
-              <a:ext uri="{FF2B5EF4-FFF2-40B4-BE49-F238E27FC236}">
-                <a16:creationId xmlns:a16="http://schemas.microsoft.com/office/drawing/2014/main" id="{74011303-55EE-4922-82A1-052AEDDE02C8}"/>
-              </a:ext>
-            </a:extLst>
-          </p:cNvPr>
-          <p:cNvSpPr>
-            <a:spLocks noGrp="1"/>
-          </p:cNvSpPr>
-          <p:nvPr>
-            <p:ph idx="1"/>
-          </p:nvPr>
-        </p:nvSpPr>
-        <p:spPr/>
-        <p:txBody>
-          <a:bodyPr>
-            <a:noAutofit/>
-          </a:bodyPr>
-          <a:lstStyle/>
-          <a:p>
-            <a:r>
-              <a:rPr lang="en-US" sz="2000" dirty="0"/>
-              <a:t>1.An option provides which of the following?</a:t>
-            </a:r>
-          </a:p>
-          <a:p>
-            <a:pPr lvl="1"/>
-            <a:r>
-              <a:rPr lang="en-US" sz="2000" dirty="0"/>
-              <a:t>A Either the right to buy or the right to sell an underlying</a:t>
-            </a:r>
-          </a:p>
-          <a:p>
-            <a:pPr lvl="1"/>
-            <a:r>
-              <a:rPr lang="en-US" sz="2000" dirty="0"/>
-              <a:t>B The right to buy and sell, with the choice made at expiration</a:t>
-            </a:r>
-          </a:p>
-          <a:p>
-            <a:pPr lvl="1"/>
-            <a:r>
-              <a:rPr lang="en-US" sz="2000" dirty="0"/>
-              <a:t>C The obligation to buy or sell, which can be converted into the right to buy or sell</a:t>
-            </a:r>
-          </a:p>
-          <a:p>
-            <a:r>
-              <a:rPr lang="en-US" sz="2000" dirty="0"/>
-              <a:t>2.Which of the following is not a characteristic of a call option on a stock?</a:t>
-            </a:r>
-          </a:p>
-          <a:p>
-            <a:pPr lvl="1"/>
-            <a:r>
-              <a:rPr lang="en-US" sz="2000" dirty="0"/>
-              <a:t>A </a:t>
-            </a:r>
-            <a:r>
-              <a:rPr lang="en-US" sz="2000" dirty="0" err="1"/>
-              <a:t>A</a:t>
-            </a:r>
-            <a:r>
-              <a:rPr lang="en-US" sz="2000" dirty="0"/>
-              <a:t> guarantee that the stock will increase</a:t>
-            </a:r>
-          </a:p>
-          <a:p>
-            <a:pPr lvl="1"/>
-            <a:r>
-              <a:rPr lang="en-US" sz="2000" dirty="0"/>
-              <a:t>B A specified date on which the right to buy expires</a:t>
-            </a:r>
-          </a:p>
-          <a:p>
-            <a:pPr lvl="1"/>
-            <a:r>
-              <a:rPr lang="en-US" sz="2000" dirty="0"/>
-              <a:t>C A fixed price at which the call holder can buy the stock</a:t>
-            </a:r>
-          </a:p>
-        </p:txBody>
-      </p:sp>
-    </p:spTree>
-    <p:extLst>
-      <p:ext uri="{BB962C8B-B14F-4D97-AF65-F5344CB8AC3E}">
-        <p14:creationId xmlns:p14="http://schemas.microsoft.com/office/powerpoint/2010/main" val="3225362099"/>
-      </p:ext>
-    </p:extLst>
-  </p:cSld>
-  <p:clrMapOvr>
-    <a:masterClrMapping/>
-  </p:clrMapOvr>
-</p:sld>
-</file>
-
-<file path=ppt/slides/slide43.xml><?xml version="1.0" encoding="utf-8"?>
-<p:sld xmlns:a="http://schemas.openxmlformats.org/drawingml/2006/main" xmlns:r="http://schemas.openxmlformats.org/officeDocument/2006/relationships" xmlns:p="http://schemas.openxmlformats.org/presentationml/2006/main">
-  <p:cSld>
-    <p:spTree>
-      <p:nvGrpSpPr>
-        <p:cNvPr id="1" name=""/>
-        <p:cNvGrpSpPr/>
-        <p:nvPr/>
-      </p:nvGrpSpPr>
-      <p:grpSpPr>
-        <a:xfrm>
-          <a:off x="0" y="0"/>
-          <a:ext cx="0" cy="0"/>
-          <a:chOff x="0" y="0"/>
-          <a:chExt cx="0" cy="0"/>
-        </a:xfrm>
-      </p:grpSpPr>
-      <p:sp>
-        <p:nvSpPr>
-          <p:cNvPr id="2" name="Title 1">
-            <a:extLst>
-              <a:ext uri="{FF2B5EF4-FFF2-40B4-BE49-F238E27FC236}">
-                <a16:creationId xmlns:a16="http://schemas.microsoft.com/office/drawing/2014/main" id="{3B6DC5E5-B49D-4096-80C1-B8052495A474}"/>
-              </a:ext>
-            </a:extLst>
-          </p:cNvPr>
-          <p:cNvSpPr>
-            <a:spLocks noGrp="1"/>
-          </p:cNvSpPr>
-          <p:nvPr>
-            <p:ph type="title"/>
-          </p:nvPr>
-        </p:nvSpPr>
-        <p:spPr/>
-        <p:txBody>
-          <a:bodyPr>
-            <a:normAutofit fontScale="90000"/>
-          </a:bodyPr>
-          <a:lstStyle/>
-          <a:p>
-            <a:r>
-              <a:rPr lang="en-US" sz="4400" dirty="0"/>
-              <a:t>Credit Derivatives</a:t>
-            </a:r>
-            <a:br>
-              <a:rPr lang="en-US" sz="4000" dirty="0"/>
-            </a:br>
-            <a:br>
-              <a:rPr lang="en-US" sz="4000" dirty="0"/>
-            </a:br>
-            <a:endParaRPr lang="en-US" sz="4000" dirty="0"/>
-          </a:p>
-        </p:txBody>
-      </p:sp>
-      <p:sp>
-        <p:nvSpPr>
-          <p:cNvPr id="3" name="Content Placeholder 2">
-            <a:extLst>
-              <a:ext uri="{FF2B5EF4-FFF2-40B4-BE49-F238E27FC236}">
-                <a16:creationId xmlns:a16="http://schemas.microsoft.com/office/drawing/2014/main" id="{831B6362-3303-4415-9D10-C4E0904D67AF}"/>
-              </a:ext>
-            </a:extLst>
-          </p:cNvPr>
-          <p:cNvSpPr>
-            <a:spLocks noGrp="1"/>
-          </p:cNvSpPr>
-          <p:nvPr>
-            <p:ph idx="1"/>
-          </p:nvPr>
-        </p:nvSpPr>
-        <p:spPr/>
-        <p:txBody>
-          <a:bodyPr/>
-          <a:lstStyle/>
-          <a:p>
-            <a:r>
-              <a:rPr lang="en-US" sz="2800" dirty="0"/>
-              <a:t>Forward commitments</a:t>
-            </a:r>
-          </a:p>
-          <a:p>
-            <a:pPr lvl="1"/>
-            <a:r>
-              <a:rPr lang="en-US" sz="2800" dirty="0">
-                <a:solidFill>
-                  <a:schemeClr val="tx1"/>
-                </a:solidFill>
-              </a:rPr>
-              <a:t>Forward</a:t>
-            </a:r>
-          </a:p>
-          <a:p>
-            <a:pPr lvl="1"/>
-            <a:r>
-              <a:rPr lang="en-US" sz="2800" dirty="0">
-                <a:solidFill>
-                  <a:schemeClr val="tx1"/>
-                </a:solidFill>
-              </a:rPr>
-              <a:t>Futures</a:t>
-            </a:r>
-          </a:p>
-          <a:p>
-            <a:pPr lvl="1"/>
-            <a:r>
-              <a:rPr lang="en-US" sz="2800" dirty="0">
-                <a:solidFill>
-                  <a:schemeClr val="tx1"/>
-                </a:solidFill>
-              </a:rPr>
-              <a:t>Swap</a:t>
-            </a:r>
-          </a:p>
-          <a:p>
-            <a:r>
-              <a:rPr lang="en-US" sz="2800" dirty="0"/>
-              <a:t>Contingent claims</a:t>
-            </a:r>
-          </a:p>
-          <a:p>
-            <a:pPr lvl="1"/>
-            <a:r>
-              <a:rPr lang="en-US" sz="2800" dirty="0">
-                <a:solidFill>
-                  <a:schemeClr val="tx1"/>
-                </a:solidFill>
-              </a:rPr>
-              <a:t>Option</a:t>
-            </a:r>
-          </a:p>
-          <a:p>
-            <a:pPr lvl="1"/>
-            <a:r>
-              <a:rPr lang="en-US" sz="2800" u="sng" dirty="0">
-                <a:solidFill>
-                  <a:srgbClr val="FF0000"/>
-                </a:solidFill>
-              </a:rPr>
-              <a:t>Credit Derivatives</a:t>
-            </a:r>
-          </a:p>
-          <a:p>
-            <a:pPr lvl="1"/>
-            <a:endParaRPr lang="en-US" dirty="0"/>
-          </a:p>
-        </p:txBody>
-      </p:sp>
-    </p:spTree>
-    <p:extLst>
-      <p:ext uri="{BB962C8B-B14F-4D97-AF65-F5344CB8AC3E}">
-        <p14:creationId xmlns:p14="http://schemas.microsoft.com/office/powerpoint/2010/main" val="2303669535"/>
-      </p:ext>
-    </p:extLst>
-  </p:cSld>
-  <p:clrMapOvr>
-    <a:masterClrMapping/>
-  </p:clrMapOvr>
-</p:sld>
-</file>
-
-<file path=ppt/slides/slide44.xml><?xml version="1.0" encoding="utf-8"?>
-<p:sld xmlns:a="http://schemas.openxmlformats.org/drawingml/2006/main" xmlns:r="http://schemas.openxmlformats.org/officeDocument/2006/relationships" xmlns:p="http://schemas.openxmlformats.org/presentationml/2006/main">
-  <p:cSld>
-    <p:spTree>
-      <p:nvGrpSpPr>
-        <p:cNvPr id="1" name=""/>
-        <p:cNvGrpSpPr/>
-        <p:nvPr/>
-      </p:nvGrpSpPr>
-      <p:grpSpPr>
-        <a:xfrm>
-          <a:off x="0" y="0"/>
-          <a:ext cx="0" cy="0"/>
-          <a:chOff x="0" y="0"/>
-          <a:chExt cx="0" cy="0"/>
-        </a:xfrm>
-      </p:grpSpPr>
-      <p:sp>
-        <p:nvSpPr>
-          <p:cNvPr id="2" name="Title 1">
-            <a:extLst>
-              <a:ext uri="{FF2B5EF4-FFF2-40B4-BE49-F238E27FC236}">
-                <a16:creationId xmlns:a16="http://schemas.microsoft.com/office/drawing/2014/main" id="{20DB8FC4-573F-4A09-AE2A-04D0353ECBFD}"/>
-              </a:ext>
-            </a:extLst>
-          </p:cNvPr>
-          <p:cNvSpPr>
-            <a:spLocks noGrp="1"/>
-          </p:cNvSpPr>
-          <p:nvPr>
-            <p:ph type="title"/>
-          </p:nvPr>
-        </p:nvSpPr>
-        <p:spPr/>
-        <p:txBody>
-          <a:bodyPr>
-            <a:normAutofit/>
-          </a:bodyPr>
-          <a:lstStyle/>
-          <a:p>
-            <a:r>
-              <a:rPr lang="en-US" sz="4000" dirty="0"/>
-              <a:t>Credit Derivatives</a:t>
-            </a:r>
-          </a:p>
-        </p:txBody>
-      </p:sp>
-      <p:sp>
-        <p:nvSpPr>
-          <p:cNvPr id="3" name="Content Placeholder 2">
-            <a:extLst>
-              <a:ext uri="{FF2B5EF4-FFF2-40B4-BE49-F238E27FC236}">
-                <a16:creationId xmlns:a16="http://schemas.microsoft.com/office/drawing/2014/main" id="{2F42ACB6-E17F-425E-ACDC-30219AB1355F}"/>
-              </a:ext>
-            </a:extLst>
-          </p:cNvPr>
-          <p:cNvSpPr>
-            <a:spLocks noGrp="1"/>
-          </p:cNvSpPr>
-          <p:nvPr>
-            <p:ph idx="1"/>
-          </p:nvPr>
-        </p:nvSpPr>
-        <p:spPr/>
-        <p:txBody>
-          <a:bodyPr/>
-          <a:lstStyle/>
-          <a:p>
-            <a:r>
-              <a:rPr lang="en-US" sz="2400" dirty="0"/>
-              <a:t>Definition : A credit derivative is a class of derivative contracts between two parties, a credit protection buyer and a credit protection seller, in which the latter provides protection to the former against a specific credit loss.</a:t>
-            </a:r>
-          </a:p>
-          <a:p>
-            <a:r>
-              <a:rPr lang="en-US" sz="2400" dirty="0"/>
-              <a:t>Buyer:</a:t>
-            </a:r>
-            <a:r>
-              <a:rPr lang="zh-CN" altLang="en-US" sz="2400" dirty="0"/>
-              <a:t>面临信用风险，买入信用保护</a:t>
-            </a:r>
-            <a:endParaRPr lang="en-US" altLang="zh-CN" sz="2400" dirty="0"/>
-          </a:p>
-          <a:p>
-            <a:pPr lvl="1"/>
-            <a:r>
-              <a:rPr lang="zh-CN" altLang="en-US" sz="2200" dirty="0"/>
-              <a:t>债券持有人，发放贷款机构</a:t>
-            </a:r>
-            <a:endParaRPr lang="en-US" altLang="zh-CN" sz="2200" dirty="0"/>
-          </a:p>
-          <a:p>
-            <a:r>
-              <a:rPr lang="en-US" sz="2400" dirty="0"/>
-              <a:t>S</a:t>
-            </a:r>
-            <a:r>
-              <a:rPr lang="en-US" altLang="zh-CN" sz="2400" dirty="0"/>
-              <a:t>eller:</a:t>
-            </a:r>
-            <a:r>
-              <a:rPr lang="zh-CN" altLang="en-US" sz="2400" dirty="0"/>
-              <a:t>卖出信用保护</a:t>
-            </a:r>
-            <a:endParaRPr lang="en-US" altLang="zh-CN" sz="2400" dirty="0"/>
-          </a:p>
-          <a:p>
-            <a:pPr lvl="1"/>
-            <a:r>
-              <a:rPr lang="zh-CN" altLang="en-US" sz="2200" dirty="0"/>
-              <a:t>各类金融机构（保险公司，券商，投资银行）</a:t>
-            </a:r>
-            <a:endParaRPr lang="en-US" sz="2200" dirty="0"/>
-          </a:p>
-          <a:p>
-            <a:endParaRPr lang="en-US" dirty="0"/>
-          </a:p>
-        </p:txBody>
-      </p:sp>
-    </p:spTree>
-    <p:extLst>
-      <p:ext uri="{BB962C8B-B14F-4D97-AF65-F5344CB8AC3E}">
-        <p14:creationId xmlns:p14="http://schemas.microsoft.com/office/powerpoint/2010/main" val="1165323640"/>
-      </p:ext>
-    </p:extLst>
-  </p:cSld>
-  <p:clrMapOvr>
-    <a:masterClrMapping/>
-  </p:clrMapOvr>
-</p:sld>
-</file>
-
-<file path=ppt/slides/slide45.xml><?xml version="1.0" encoding="utf-8"?>
-<p:sld xmlns:a="http://schemas.openxmlformats.org/drawingml/2006/main" xmlns:r="http://schemas.openxmlformats.org/officeDocument/2006/relationships" xmlns:p="http://schemas.openxmlformats.org/presentationml/2006/main">
-  <p:cSld>
-    <p:spTree>
-      <p:nvGrpSpPr>
-        <p:cNvPr id="1" name=""/>
-        <p:cNvGrpSpPr/>
-        <p:nvPr/>
-      </p:nvGrpSpPr>
-      <p:grpSpPr>
-        <a:xfrm>
-          <a:off x="0" y="0"/>
-          <a:ext cx="0" cy="0"/>
-          <a:chOff x="0" y="0"/>
-          <a:chExt cx="0" cy="0"/>
-        </a:xfrm>
-      </p:grpSpPr>
-      <p:sp>
-        <p:nvSpPr>
-          <p:cNvPr id="2" name="Title 1">
-            <a:extLst>
-              <a:ext uri="{FF2B5EF4-FFF2-40B4-BE49-F238E27FC236}">
-                <a16:creationId xmlns:a16="http://schemas.microsoft.com/office/drawing/2014/main" id="{3F303233-1831-4E4A-9324-5AA1E3371CBF}"/>
-              </a:ext>
-            </a:extLst>
-          </p:cNvPr>
-          <p:cNvSpPr>
-            <a:spLocks noGrp="1"/>
-          </p:cNvSpPr>
-          <p:nvPr>
-            <p:ph type="title"/>
-          </p:nvPr>
-        </p:nvSpPr>
-        <p:spPr/>
-        <p:txBody>
-          <a:bodyPr>
-            <a:normAutofit/>
-          </a:bodyPr>
-          <a:lstStyle/>
-          <a:p>
-            <a:r>
-              <a:rPr lang="en-US" sz="4000" dirty="0"/>
-              <a:t>Credit Derivatives</a:t>
-            </a:r>
-          </a:p>
-        </p:txBody>
-      </p:sp>
-      <p:sp>
-        <p:nvSpPr>
-          <p:cNvPr id="3" name="Content Placeholder 2">
-            <a:extLst>
-              <a:ext uri="{FF2B5EF4-FFF2-40B4-BE49-F238E27FC236}">
-                <a16:creationId xmlns:a16="http://schemas.microsoft.com/office/drawing/2014/main" id="{A91A19E5-F393-4382-B424-ABF09382E331}"/>
-              </a:ext>
-            </a:extLst>
-          </p:cNvPr>
-          <p:cNvSpPr>
-            <a:spLocks noGrp="1"/>
-          </p:cNvSpPr>
-          <p:nvPr>
-            <p:ph idx="1"/>
-          </p:nvPr>
-        </p:nvSpPr>
-        <p:spPr/>
-        <p:txBody>
-          <a:bodyPr>
-            <a:normAutofit/>
-          </a:bodyPr>
-          <a:lstStyle/>
-          <a:p>
-            <a:r>
-              <a:rPr lang="en-US" sz="2000" dirty="0"/>
-              <a:t>Total return swap</a:t>
-            </a:r>
-          </a:p>
-        </p:txBody>
-      </p:sp>
-    </p:spTree>
-    <p:extLst>
-      <p:ext uri="{BB962C8B-B14F-4D97-AF65-F5344CB8AC3E}">
-        <p14:creationId xmlns:p14="http://schemas.microsoft.com/office/powerpoint/2010/main" val="3215247430"/>
-      </p:ext>
-    </p:extLst>
-  </p:cSld>
-  <p:clrMapOvr>
-    <a:masterClrMapping/>
-  </p:clrMapOvr>
-</p:sld>
-</file>
-
 <file path=ppt/slides/slide46.xml><?xml version="1.0" encoding="utf-8"?>
 <p:sld xmlns:a="http://schemas.openxmlformats.org/drawingml/2006/main" xmlns:r="http://schemas.openxmlformats.org/officeDocument/2006/relationships" xmlns:p="http://schemas.openxmlformats.org/presentationml/2006/main">
   <p:cSld>
@@ -14242,7 +14483,7 @@
           <p:cNvPr id="2" name="Title 1">
             <a:extLst>
               <a:ext uri="{FF2B5EF4-FFF2-40B4-BE49-F238E27FC236}">
-                <a16:creationId xmlns:a16="http://schemas.microsoft.com/office/drawing/2014/main" id="{C7BDF7C6-BD38-4D2C-B7EC-F25AB1968614}"/>
+                <a16:creationId xmlns:a16="http://schemas.microsoft.com/office/drawing/2014/main" id="{A3BB96AB-1005-48C4-8495-D9268F80EAD9}"/>
               </a:ext>
             </a:extLst>
           </p:cNvPr>
@@ -14262,7 +14503,7 @@
           <a:p>
             <a:r>
               <a:rPr lang="en-US" sz="4000" dirty="0"/>
-              <a:t>Credit Derivatives</a:t>
+              <a:t>Practices</a:t>
             </a:r>
           </a:p>
         </p:txBody>
@@ -14272,7 +14513,7 @@
           <p:cNvPr id="3" name="Content Placeholder 2">
             <a:extLst>
               <a:ext uri="{FF2B5EF4-FFF2-40B4-BE49-F238E27FC236}">
-                <a16:creationId xmlns:a16="http://schemas.microsoft.com/office/drawing/2014/main" id="{AC997BD0-8E21-4394-A39E-48A459D507C9}"/>
+                <a16:creationId xmlns:a16="http://schemas.microsoft.com/office/drawing/2014/main" id="{74011303-55EE-4922-82A1-052AEDDE02C8}"/>
               </a:ext>
             </a:extLst>
           </p:cNvPr>
@@ -14285,12 +14526,70 @@
         </p:nvSpPr>
         <p:spPr/>
         <p:txBody>
-          <a:bodyPr/>
-          <a:lstStyle/>
-          <a:p>
-            <a:r>
-              <a:rPr lang="en-US" dirty="0"/>
-              <a:t>Credit spread option</a:t>
+          <a:bodyPr>
+            <a:noAutofit/>
+          </a:bodyPr>
+          <a:lstStyle/>
+          <a:p>
+            <a:r>
+              <a:rPr lang="en-US" sz="2000" dirty="0"/>
+              <a:t>1.An option provides which of the following?</a:t>
+            </a:r>
+          </a:p>
+          <a:p>
+            <a:pPr lvl="1"/>
+            <a:r>
+              <a:rPr lang="en-US" sz="2000" dirty="0"/>
+              <a:t>A Either the right to buy or the right to sell an underlying</a:t>
+            </a:r>
+          </a:p>
+          <a:p>
+            <a:pPr lvl="1"/>
+            <a:r>
+              <a:rPr lang="en-US" sz="2000" dirty="0"/>
+              <a:t>B The right to buy and sell, with the choice made at expiration</a:t>
+            </a:r>
+          </a:p>
+          <a:p>
+            <a:pPr lvl="1"/>
+            <a:r>
+              <a:rPr lang="en-US" sz="2000" dirty="0"/>
+              <a:t>C The obligation to buy or sell, which can be converted into the right to buy or sell</a:t>
+            </a:r>
+          </a:p>
+          <a:p>
+            <a:r>
+              <a:rPr lang="en-US" sz="2000" dirty="0"/>
+              <a:t>2.Which of the following is not a characteristic of a call option on a stock?</a:t>
+            </a:r>
+          </a:p>
+          <a:p>
+            <a:pPr lvl="1"/>
+            <a:r>
+              <a:rPr lang="en-US" sz="2000" dirty="0"/>
+              <a:t>A </a:t>
+            </a:r>
+            <a:r>
+              <a:rPr lang="en-US" sz="2000" dirty="0" err="1"/>
+              <a:t>A</a:t>
+            </a:r>
+            <a:r>
+              <a:rPr lang="en-US" sz="2000" dirty="0"/>
+              <a:t> guarantee that the stock will increase</a:t>
+            </a:r>
+          </a:p>
+          <a:p>
+            <a:pPr lvl="1"/>
+            <a:r>
+              <a:rPr lang="en-US" sz="2000" dirty="0"/>
+              <a:t>B A specified date on which the right to buy expires</a:t>
+            </a:r>
+          </a:p>
+          <a:p>
+            <a:pPr lvl="1"/>
+            <a:r>
+              <a:rPr lang="en-US" sz="2000" dirty="0"/>
+              <a:t>C A fixed price at which the call holder can buy the stock</a:t>
             </a:r>
           </a:p>
         </p:txBody>
@@ -14298,7 +14597,7 @@
     </p:spTree>
     <p:extLst>
       <p:ext uri="{BB962C8B-B14F-4D97-AF65-F5344CB8AC3E}">
-        <p14:creationId xmlns:p14="http://schemas.microsoft.com/office/powerpoint/2010/main" val="3451422982"/>
+        <p14:creationId xmlns:p14="http://schemas.microsoft.com/office/powerpoint/2010/main" val="3225362099"/>
       </p:ext>
     </p:extLst>
   </p:cSld>
@@ -14330,7 +14629,7 @@
           <p:cNvPr id="2" name="Title 1">
             <a:extLst>
               <a:ext uri="{FF2B5EF4-FFF2-40B4-BE49-F238E27FC236}">
-                <a16:creationId xmlns:a16="http://schemas.microsoft.com/office/drawing/2014/main" id="{8D8186E0-E7FD-4A7D-B919-475DD13A49EB}"/>
+                <a16:creationId xmlns:a16="http://schemas.microsoft.com/office/drawing/2014/main" id="{3B6DC5E5-B49D-4096-80C1-B8052495A474}"/>
               </a:ext>
             </a:extLst>
           </p:cNvPr>
@@ -14344,14 +14643,21 @@
         <p:spPr/>
         <p:txBody>
           <a:bodyPr>
-            <a:normAutofit/>
+            <a:normAutofit fontScale="90000"/>
           </a:bodyPr>
           <a:lstStyle/>
           <a:p>
             <a:r>
+              <a:rPr lang="en-US" sz="4400" dirty="0"/>
+              <a:t>Credit Derivatives</a:t>
+            </a:r>
+            <a:br>
               <a:rPr lang="en-US" sz="4000" dirty="0"/>
-              <a:t>Credit Derivatives</a:t>
-            </a:r>
+            </a:br>
+            <a:br>
+              <a:rPr lang="en-US" sz="4000" dirty="0"/>
+            </a:br>
+            <a:endParaRPr lang="en-US" sz="4000" dirty="0"/>
           </a:p>
         </p:txBody>
       </p:sp>
@@ -14360,7 +14666,7 @@
           <p:cNvPr id="3" name="Content Placeholder 2">
             <a:extLst>
               <a:ext uri="{FF2B5EF4-FFF2-40B4-BE49-F238E27FC236}">
-                <a16:creationId xmlns:a16="http://schemas.microsoft.com/office/drawing/2014/main" id="{15154901-95EA-4DC2-9E6E-FCDA862CAF3D}"/>
+                <a16:creationId xmlns:a16="http://schemas.microsoft.com/office/drawing/2014/main" id="{831B6362-3303-4415-9D10-C4E0904D67AF}"/>
               </a:ext>
             </a:extLst>
           </p:cNvPr>
@@ -14377,11 +14683,73 @@
           <a:lstStyle/>
           <a:p>
             <a:r>
-              <a:rPr lang="en-US" dirty="0"/>
-              <a:t>Credit-linked note</a:t>
-            </a:r>
-          </a:p>
-          <a:p>
+              <a:rPr lang="en-US" sz="2800" dirty="0"/>
+              <a:t>Forward commitments</a:t>
+            </a:r>
+          </a:p>
+          <a:p>
+            <a:pPr lvl="1"/>
+            <a:r>
+              <a:rPr lang="en-US" sz="2800" dirty="0">
+                <a:solidFill>
+                  <a:schemeClr val="tx1"/>
+                </a:solidFill>
+              </a:rPr>
+              <a:t>Forward</a:t>
+            </a:r>
+          </a:p>
+          <a:p>
+            <a:pPr lvl="1"/>
+            <a:r>
+              <a:rPr lang="en-US" sz="2800" dirty="0">
+                <a:solidFill>
+                  <a:schemeClr val="tx1"/>
+                </a:solidFill>
+              </a:rPr>
+              <a:t>Futures</a:t>
+            </a:r>
+          </a:p>
+          <a:p>
+            <a:pPr lvl="1"/>
+            <a:r>
+              <a:rPr lang="en-US" sz="2800" dirty="0">
+                <a:solidFill>
+                  <a:schemeClr val="tx1"/>
+                </a:solidFill>
+              </a:rPr>
+              <a:t>Swap</a:t>
+            </a:r>
+          </a:p>
+          <a:p>
+            <a:r>
+              <a:rPr lang="en-US" sz="2800" dirty="0"/>
+              <a:t>Contingent claims</a:t>
+            </a:r>
+          </a:p>
+          <a:p>
+            <a:pPr lvl="1"/>
+            <a:r>
+              <a:rPr lang="en-US" sz="2800" dirty="0">
+                <a:solidFill>
+                  <a:schemeClr val="tx1"/>
+                </a:solidFill>
+              </a:rPr>
+              <a:t>Option</a:t>
+            </a:r>
+          </a:p>
+          <a:p>
+            <a:pPr lvl="1"/>
+            <a:r>
+              <a:rPr lang="en-US" sz="2800" u="sng" dirty="0">
+                <a:solidFill>
+                  <a:srgbClr val="FF0000"/>
+                </a:solidFill>
+              </a:rPr>
+              <a:t>Credit Derivatives</a:t>
+            </a:r>
+          </a:p>
+          <a:p>
+            <a:pPr lvl="1"/>
             <a:endParaRPr lang="en-US" dirty="0"/>
           </a:p>
         </p:txBody>
@@ -14389,7 +14757,7 @@
     </p:spTree>
     <p:extLst>
       <p:ext uri="{BB962C8B-B14F-4D97-AF65-F5344CB8AC3E}">
-        <p14:creationId xmlns:p14="http://schemas.microsoft.com/office/powerpoint/2010/main" val="3182849461"/>
+        <p14:creationId xmlns:p14="http://schemas.microsoft.com/office/powerpoint/2010/main" val="2303669535"/>
       </p:ext>
     </p:extLst>
   </p:cSld>
@@ -14421,7 +14789,7 @@
           <p:cNvPr id="2" name="Title 1">
             <a:extLst>
               <a:ext uri="{FF2B5EF4-FFF2-40B4-BE49-F238E27FC236}">
-                <a16:creationId xmlns:a16="http://schemas.microsoft.com/office/drawing/2014/main" id="{69B941C4-F4EB-4AB8-A2D4-65FAA0965D49}"/>
+                <a16:creationId xmlns:a16="http://schemas.microsoft.com/office/drawing/2014/main" id="{20DB8FC4-573F-4A09-AE2A-04D0353ECBFD}"/>
               </a:ext>
             </a:extLst>
           </p:cNvPr>
@@ -14451,7 +14819,7 @@
           <p:cNvPr id="3" name="Content Placeholder 2">
             <a:extLst>
               <a:ext uri="{FF2B5EF4-FFF2-40B4-BE49-F238E27FC236}">
-                <a16:creationId xmlns:a16="http://schemas.microsoft.com/office/drawing/2014/main" id="{AC53C532-7B6F-400E-82FA-85CD5B6B07C2}"/>
+                <a16:creationId xmlns:a16="http://schemas.microsoft.com/office/drawing/2014/main" id="{2F42ACB6-E17F-425E-ACDC-30219AB1355F}"/>
               </a:ext>
             </a:extLst>
           </p:cNvPr>
@@ -14468,16 +14836,61 @@
           <a:lstStyle/>
           <a:p>
             <a:r>
-              <a:rPr lang="en-US" dirty="0"/>
-              <a:t>Definition: a credit default swap is a derivative contract between two parties, a credit protection buyer and a credit protection seller, in which the buyer makes a series of cash payments to the seller and receives a promise of compensation for credit losses resulting from the default of a third party.</a:t>
-            </a:r>
+              <a:rPr lang="en-US" sz="2400" dirty="0"/>
+              <a:t>Definition : A credit derivative is a class of derivative contracts between two parties, a credit protection buyer and a credit protection seller, in which the latter provides protection to the former against a specific credit loss.</a:t>
+            </a:r>
+          </a:p>
+          <a:p>
+            <a:r>
+              <a:rPr lang="en-US" sz="2400" dirty="0"/>
+              <a:t>Buyer:</a:t>
+            </a:r>
+            <a:r>
+              <a:rPr lang="zh-CN" altLang="en-US" sz="2400" dirty="0"/>
+              <a:t>面临信用风险，买入信用保护</a:t>
+            </a:r>
+            <a:endParaRPr lang="en-US" altLang="zh-CN" sz="2400" dirty="0"/>
+          </a:p>
+          <a:p>
+            <a:pPr lvl="1"/>
+            <a:r>
+              <a:rPr lang="zh-CN" altLang="en-US" sz="2200" dirty="0"/>
+              <a:t>债券持有人，发放贷款机构</a:t>
+            </a:r>
+            <a:endParaRPr lang="en-US" altLang="zh-CN" sz="2200" dirty="0"/>
+          </a:p>
+          <a:p>
+            <a:r>
+              <a:rPr lang="en-US" sz="2400" dirty="0"/>
+              <a:t>S</a:t>
+            </a:r>
+            <a:r>
+              <a:rPr lang="en-US" altLang="zh-CN" sz="2400" dirty="0"/>
+              <a:t>eller:</a:t>
+            </a:r>
+            <a:r>
+              <a:rPr lang="zh-CN" altLang="en-US" sz="2400" dirty="0"/>
+              <a:t>卖出信用保护</a:t>
+            </a:r>
+            <a:endParaRPr lang="en-US" altLang="zh-CN" sz="2400" dirty="0"/>
+          </a:p>
+          <a:p>
+            <a:pPr lvl="1"/>
+            <a:r>
+              <a:rPr lang="zh-CN" altLang="en-US" sz="2200" dirty="0"/>
+              <a:t>各类金融机构（保险公司，券商，投资银行）</a:t>
+            </a:r>
+            <a:endParaRPr lang="en-US" sz="2200" dirty="0"/>
+          </a:p>
+          <a:p>
+            <a:endParaRPr lang="en-US" dirty="0"/>
           </a:p>
         </p:txBody>
       </p:sp>
     </p:spTree>
     <p:extLst>
       <p:ext uri="{BB962C8B-B14F-4D97-AF65-F5344CB8AC3E}">
-        <p14:creationId xmlns:p14="http://schemas.microsoft.com/office/powerpoint/2010/main" val="1905216839"/>
+        <p14:creationId xmlns:p14="http://schemas.microsoft.com/office/powerpoint/2010/main" val="1165323640"/>
       </p:ext>
     </p:extLst>
   </p:cSld>
@@ -14509,7 +14922,7 @@
           <p:cNvPr id="2" name="Title 1">
             <a:extLst>
               <a:ext uri="{FF2B5EF4-FFF2-40B4-BE49-F238E27FC236}">
-                <a16:creationId xmlns:a16="http://schemas.microsoft.com/office/drawing/2014/main" id="{4039CD17-9A3C-4BCC-8D8D-05DBDDF34751}"/>
+                <a16:creationId xmlns:a16="http://schemas.microsoft.com/office/drawing/2014/main" id="{3F303233-1831-4E4A-9324-5AA1E3371CBF}"/>
               </a:ext>
             </a:extLst>
           </p:cNvPr>
@@ -14534,39 +14947,40 @@
           </a:p>
         </p:txBody>
       </p:sp>
-      <p:pic>
-        <p:nvPicPr>
-          <p:cNvPr id="5" name="Content Placeholder 4">
+      <p:sp>
+        <p:nvSpPr>
+          <p:cNvPr id="3" name="Content Placeholder 2">
             <a:extLst>
               <a:ext uri="{FF2B5EF4-FFF2-40B4-BE49-F238E27FC236}">
-                <a16:creationId xmlns:a16="http://schemas.microsoft.com/office/drawing/2014/main" id="{B73F318B-866D-49F8-9A3B-3DC781EFCB6F}"/>
+                <a16:creationId xmlns:a16="http://schemas.microsoft.com/office/drawing/2014/main" id="{A91A19E5-F393-4382-B424-ABF09382E331}"/>
               </a:ext>
             </a:extLst>
           </p:cNvPr>
-          <p:cNvPicPr>
-            <a:picLocks noGrp="1" noChangeAspect="1"/>
-          </p:cNvPicPr>
+          <p:cNvSpPr>
+            <a:spLocks noGrp="1"/>
+          </p:cNvSpPr>
           <p:nvPr>
             <p:ph idx="1"/>
           </p:nvPr>
-        </p:nvPicPr>
-        <p:blipFill>
-          <a:blip r:embed="rId2"/>
-          <a:stretch>
-            <a:fillRect/>
-          </a:stretch>
-        </p:blipFill>
-        <p:spPr>
-          <a:xfrm>
-            <a:off x="560530" y="2081047"/>
-            <a:ext cx="8596668" cy="3933311"/>
-          </a:xfrm>
-        </p:spPr>
-      </p:pic>
+        </p:nvSpPr>
+        <p:spPr/>
+        <p:txBody>
+          <a:bodyPr>
+            <a:normAutofit/>
+          </a:bodyPr>
+          <a:lstStyle/>
+          <a:p>
+            <a:r>
+              <a:rPr lang="en-US" sz="2000" dirty="0"/>
+              <a:t>Total return swap</a:t>
+            </a:r>
+          </a:p>
+        </p:txBody>
+      </p:sp>
     </p:spTree>
     <p:extLst>
       <p:ext uri="{BB962C8B-B14F-4D97-AF65-F5344CB8AC3E}">
-        <p14:creationId xmlns:p14="http://schemas.microsoft.com/office/powerpoint/2010/main" val="2313806758"/>
+        <p14:creationId xmlns:p14="http://schemas.microsoft.com/office/powerpoint/2010/main" val="3215247430"/>
       </p:ext>
     </p:extLst>
   </p:cSld>
@@ -14718,7 +15132,7 @@
           <p:cNvPr id="2" name="Title 1">
             <a:extLst>
               <a:ext uri="{FF2B5EF4-FFF2-40B4-BE49-F238E27FC236}">
-                <a16:creationId xmlns:a16="http://schemas.microsoft.com/office/drawing/2014/main" id="{348BD349-FAD8-4678-AFB4-B1E5307D6EA4}"/>
+                <a16:creationId xmlns:a16="http://schemas.microsoft.com/office/drawing/2014/main" id="{C7BDF7C6-BD38-4D2C-B7EC-F25AB1968614}"/>
               </a:ext>
             </a:extLst>
           </p:cNvPr>
@@ -14738,7 +15152,7 @@
           <a:p>
             <a:r>
               <a:rPr lang="en-US" sz="4000" dirty="0"/>
-              <a:t>Practices</a:t>
+              <a:t>Credit Derivatives</a:t>
             </a:r>
           </a:p>
         </p:txBody>
@@ -14748,7 +15162,7 @@
           <p:cNvPr id="3" name="Content Placeholder 2">
             <a:extLst>
               <a:ext uri="{FF2B5EF4-FFF2-40B4-BE49-F238E27FC236}">
-                <a16:creationId xmlns:a16="http://schemas.microsoft.com/office/drawing/2014/main" id="{E3B67373-BC90-4BC9-B82C-C102723A443D}"/>
+                <a16:creationId xmlns:a16="http://schemas.microsoft.com/office/drawing/2014/main" id="{AC997BD0-8E21-4394-A39E-48A459D507C9}"/>
               </a:ext>
             </a:extLst>
           </p:cNvPr>
@@ -14761,43 +15175,12 @@
         </p:nvSpPr>
         <p:spPr/>
         <p:txBody>
-          <a:bodyPr>
-            <a:normAutofit/>
-          </a:bodyPr>
-          <a:lstStyle/>
-          <a:p>
-            <a:r>
-              <a:rPr lang="en-US" sz="2000" dirty="0"/>
-              <a:t>1.A credit derivative is which of the following?</a:t>
-            </a:r>
-          </a:p>
-          <a:p>
-            <a:pPr lvl="1"/>
-            <a:r>
-              <a:rPr lang="en-US" sz="2000" dirty="0"/>
-              <a:t>A </a:t>
-            </a:r>
-            <a:r>
-              <a:rPr lang="en-US" sz="2000" dirty="0" err="1"/>
-              <a:t>A</a:t>
-            </a:r>
-            <a:r>
-              <a:rPr lang="en-US" sz="2000" dirty="0"/>
-              <a:t> derivative in which the premium is obtained on credit</a:t>
-            </a:r>
-          </a:p>
-          <a:p>
-            <a:pPr lvl="1"/>
-            <a:r>
-              <a:rPr lang="en-US" sz="2000" dirty="0"/>
-              <a:t>B A derivative in which the payoff is borrowed by the seller</a:t>
-            </a:r>
-          </a:p>
-          <a:p>
-            <a:pPr lvl="1"/>
-            <a:r>
-              <a:rPr lang="en-US" sz="2000" dirty="0"/>
-              <a:t>C A derivative in which the seller provides protection to the buyer against credit loss from a third party</a:t>
+          <a:bodyPr/>
+          <a:lstStyle/>
+          <a:p>
+            <a:r>
+              <a:rPr lang="en-US" dirty="0"/>
+              <a:t>Credit spread option</a:t>
             </a:r>
           </a:p>
         </p:txBody>
@@ -14805,7 +15188,7 @@
     </p:spTree>
     <p:extLst>
       <p:ext uri="{BB962C8B-B14F-4D97-AF65-F5344CB8AC3E}">
-        <p14:creationId xmlns:p14="http://schemas.microsoft.com/office/powerpoint/2010/main" val="2051395143"/>
+        <p14:creationId xmlns:p14="http://schemas.microsoft.com/office/powerpoint/2010/main" val="3451422982"/>
       </p:ext>
     </p:extLst>
   </p:cSld>
@@ -14837,7 +15220,7 @@
           <p:cNvPr id="2" name="Title 1">
             <a:extLst>
               <a:ext uri="{FF2B5EF4-FFF2-40B4-BE49-F238E27FC236}">
-                <a16:creationId xmlns:a16="http://schemas.microsoft.com/office/drawing/2014/main" id="{13C1F2DB-C1EA-4EEE-9DD2-BBB6C676CABF}"/>
+                <a16:creationId xmlns:a16="http://schemas.microsoft.com/office/drawing/2014/main" id="{8D8186E0-E7FD-4A7D-B919-475DD13A49EB}"/>
               </a:ext>
             </a:extLst>
           </p:cNvPr>
@@ -14857,13 +15240,8 @@
           <a:p>
             <a:r>
               <a:rPr lang="en-US" sz="4000" dirty="0"/>
-              <a:t>A</a:t>
-            </a:r>
-            <a:r>
-              <a:rPr lang="en-US" altLang="zh-CN" sz="4000" dirty="0"/>
-              <a:t>sset-backed securities</a:t>
-            </a:r>
-            <a:endParaRPr lang="en-US" sz="4000" dirty="0"/>
+              <a:t>Credit Derivatives</a:t>
+            </a:r>
           </a:p>
         </p:txBody>
       </p:sp>
@@ -14872,7 +15250,7 @@
           <p:cNvPr id="3" name="Content Placeholder 2">
             <a:extLst>
               <a:ext uri="{FF2B5EF4-FFF2-40B4-BE49-F238E27FC236}">
-                <a16:creationId xmlns:a16="http://schemas.microsoft.com/office/drawing/2014/main" id="{AE242220-CC30-405B-943F-661EEB5D4AFA}"/>
+                <a16:creationId xmlns:a16="http://schemas.microsoft.com/office/drawing/2014/main" id="{15154901-95EA-4DC2-9E6E-FCDA862CAF3D}"/>
               </a:ext>
             </a:extLst>
           </p:cNvPr>
@@ -14890,21 +15268,18 @@
           <a:p>
             <a:r>
               <a:rPr lang="en-US" dirty="0"/>
-              <a:t>Definition: an asset- backed security is a derivative contract in which a portfolio of debt instruments is assembled and claims are issued on the portfolio in the form of tranches, which have different priorities of claims on the payments made by the debt securities such that prepayments or credit losses are allocated to the most- junior tranches first and the most- senior tranches last.</a:t>
-            </a:r>
-          </a:p>
-          <a:p>
-            <a:r>
-              <a:rPr lang="en-US" dirty="0"/>
-              <a:t>ABSs typically divide the payments into slices, called tranches, in which the priority of claims has been changed from equivalent to preferential.</a:t>
-            </a:r>
+              <a:t>Credit-linked note</a:t>
+            </a:r>
+          </a:p>
+          <a:p>
+            <a:endParaRPr lang="en-US" dirty="0"/>
           </a:p>
         </p:txBody>
       </p:sp>
     </p:spTree>
     <p:extLst>
       <p:ext uri="{BB962C8B-B14F-4D97-AF65-F5344CB8AC3E}">
-        <p14:creationId xmlns:p14="http://schemas.microsoft.com/office/powerpoint/2010/main" val="2380732809"/>
+        <p14:creationId xmlns:p14="http://schemas.microsoft.com/office/powerpoint/2010/main" val="3182849461"/>
       </p:ext>
     </p:extLst>
   </p:cSld>
@@ -14936,7 +15311,7 @@
           <p:cNvPr id="2" name="Title 1">
             <a:extLst>
               <a:ext uri="{FF2B5EF4-FFF2-40B4-BE49-F238E27FC236}">
-                <a16:creationId xmlns:a16="http://schemas.microsoft.com/office/drawing/2014/main" id="{DE056A45-2501-43A0-9F43-EE798108DA86}"/>
+                <a16:creationId xmlns:a16="http://schemas.microsoft.com/office/drawing/2014/main" id="{69B941C4-F4EB-4AB8-A2D4-65FAA0965D49}"/>
               </a:ext>
             </a:extLst>
           </p:cNvPr>
@@ -14956,13 +15331,8 @@
           <a:p>
             <a:r>
               <a:rPr lang="en-US" sz="4000" dirty="0"/>
-              <a:t>A</a:t>
-            </a:r>
-            <a:r>
-              <a:rPr lang="en-US" altLang="zh-CN" sz="4000" dirty="0"/>
-              <a:t>sset-backed securities</a:t>
-            </a:r>
-            <a:endParaRPr lang="en-US" sz="4000" dirty="0"/>
+              <a:t>Credit Derivatives</a:t>
+            </a:r>
           </a:p>
         </p:txBody>
       </p:sp>
@@ -14971,7 +15341,7 @@
           <p:cNvPr id="3" name="Content Placeholder 2">
             <a:extLst>
               <a:ext uri="{FF2B5EF4-FFF2-40B4-BE49-F238E27FC236}">
-                <a16:creationId xmlns:a16="http://schemas.microsoft.com/office/drawing/2014/main" id="{8DCE4C67-98B6-4618-8DEA-076B941A3F4A}"/>
+                <a16:creationId xmlns:a16="http://schemas.microsoft.com/office/drawing/2014/main" id="{AC53C532-7B6F-400E-82FA-85CD5B6B07C2}"/>
               </a:ext>
             </a:extLst>
           </p:cNvPr>
@@ -14989,30 +15359,15 @@
           <a:p>
             <a:r>
               <a:rPr lang="en-US" dirty="0"/>
-              <a:t>CMO: collateralized mortgage obligation</a:t>
-            </a:r>
-          </a:p>
-          <a:p>
-            <a:r>
-              <a:rPr lang="en-US" dirty="0"/>
-              <a:t>CBO: collateralized bond obligation</a:t>
-            </a:r>
-          </a:p>
-          <a:p>
-            <a:r>
-              <a:rPr lang="en-US" dirty="0"/>
-              <a:t>CLO: collateralized loan obligation</a:t>
-            </a:r>
-          </a:p>
-          <a:p>
-            <a:endParaRPr lang="en-US" dirty="0"/>
+              <a:t>Definition: a credit default swap is a derivative contract between two parties, a credit protection buyer and a credit protection seller, in which the buyer makes a series of cash payments to the seller and receives a promise of compensation for credit losses resulting from the default of a third party.</a:t>
+            </a:r>
           </a:p>
         </p:txBody>
       </p:sp>
     </p:spTree>
     <p:extLst>
       <p:ext uri="{BB962C8B-B14F-4D97-AF65-F5344CB8AC3E}">
-        <p14:creationId xmlns:p14="http://schemas.microsoft.com/office/powerpoint/2010/main" val="615116269"/>
+        <p14:creationId xmlns:p14="http://schemas.microsoft.com/office/powerpoint/2010/main" val="1905216839"/>
       </p:ext>
     </p:extLst>
   </p:cSld>
@@ -15044,7 +15399,7 @@
           <p:cNvPr id="2" name="Title 1">
             <a:extLst>
               <a:ext uri="{FF2B5EF4-FFF2-40B4-BE49-F238E27FC236}">
-                <a16:creationId xmlns:a16="http://schemas.microsoft.com/office/drawing/2014/main" id="{8E48A604-005B-48E4-8AF4-138B105BA282}"/>
+                <a16:creationId xmlns:a16="http://schemas.microsoft.com/office/drawing/2014/main" id="{4039CD17-9A3C-4BCC-8D8D-05DBDDF34751}"/>
               </a:ext>
             </a:extLst>
           </p:cNvPr>
@@ -15064,76 +15419,44 @@
           <a:p>
             <a:r>
               <a:rPr lang="en-US" sz="4000" dirty="0"/>
-              <a:t>Derivative underlying</a:t>
-            </a:r>
-          </a:p>
-        </p:txBody>
-      </p:sp>
-      <p:sp>
-        <p:nvSpPr>
-          <p:cNvPr id="3" name="Content Placeholder 2">
+              <a:t>Credit Derivatives</a:t>
+            </a:r>
+          </a:p>
+        </p:txBody>
+      </p:sp>
+      <p:pic>
+        <p:nvPicPr>
+          <p:cNvPr id="5" name="Content Placeholder 4">
             <a:extLst>
               <a:ext uri="{FF2B5EF4-FFF2-40B4-BE49-F238E27FC236}">
-                <a16:creationId xmlns:a16="http://schemas.microsoft.com/office/drawing/2014/main" id="{4DC2DC39-460C-4DC9-92A3-82D2535FFBF9}"/>
+                <a16:creationId xmlns:a16="http://schemas.microsoft.com/office/drawing/2014/main" id="{B73F318B-866D-49F8-9A3B-3DC781EFCB6F}"/>
               </a:ext>
             </a:extLst>
           </p:cNvPr>
-          <p:cNvSpPr>
-            <a:spLocks noGrp="1"/>
-          </p:cNvSpPr>
+          <p:cNvPicPr>
+            <a:picLocks noGrp="1" noChangeAspect="1"/>
+          </p:cNvPicPr>
           <p:nvPr>
             <p:ph idx="1"/>
           </p:nvPr>
-        </p:nvSpPr>
-        <p:spPr/>
-        <p:txBody>
-          <a:bodyPr/>
-          <a:lstStyle/>
-          <a:p>
-            <a:r>
-              <a:rPr lang="en-US" dirty="0"/>
-              <a:t>Equities</a:t>
-            </a:r>
-          </a:p>
-          <a:p>
-            <a:r>
-              <a:rPr lang="en-US" dirty="0"/>
-              <a:t>Fixed-income instruments and interest rates</a:t>
-            </a:r>
-          </a:p>
-          <a:p>
-            <a:r>
-              <a:rPr lang="en-US" dirty="0"/>
-              <a:t>Currencies</a:t>
-            </a:r>
-          </a:p>
-          <a:p>
-            <a:r>
-              <a:rPr lang="en-US" dirty="0"/>
-              <a:t>Commodities</a:t>
-            </a:r>
-          </a:p>
-          <a:p>
-            <a:r>
-              <a:rPr lang="en-US" dirty="0"/>
-              <a:t>Credit</a:t>
-            </a:r>
-          </a:p>
-          <a:p>
-            <a:r>
-              <a:rPr lang="en-US" dirty="0"/>
-              <a:t>Other</a:t>
-            </a:r>
-          </a:p>
-          <a:p>
-            <a:endParaRPr lang="en-US" dirty="0"/>
-          </a:p>
-        </p:txBody>
-      </p:sp>
+        </p:nvPicPr>
+        <p:blipFill>
+          <a:blip r:embed="rId2"/>
+          <a:stretch>
+            <a:fillRect/>
+          </a:stretch>
+        </p:blipFill>
+        <p:spPr>
+          <a:xfrm>
+            <a:off x="560530" y="2081047"/>
+            <a:ext cx="8596668" cy="3933311"/>
+          </a:xfrm>
+        </p:spPr>
+      </p:pic>
     </p:spTree>
     <p:extLst>
       <p:ext uri="{BB962C8B-B14F-4D97-AF65-F5344CB8AC3E}">
-        <p14:creationId xmlns:p14="http://schemas.microsoft.com/office/powerpoint/2010/main" val="3920046498"/>
+        <p14:creationId xmlns:p14="http://schemas.microsoft.com/office/powerpoint/2010/main" val="2313806758"/>
       </p:ext>
     </p:extLst>
   </p:cSld>
@@ -15165,7 +15488,7 @@
           <p:cNvPr id="2" name="Title 1">
             <a:extLst>
               <a:ext uri="{FF2B5EF4-FFF2-40B4-BE49-F238E27FC236}">
-                <a16:creationId xmlns:a16="http://schemas.microsoft.com/office/drawing/2014/main" id="{0B33124B-F8B1-44FB-B9D6-3239CDA95508}"/>
+                <a16:creationId xmlns:a16="http://schemas.microsoft.com/office/drawing/2014/main" id="{348BD349-FAD8-4678-AFB4-B1E5307D6EA4}"/>
               </a:ext>
             </a:extLst>
           </p:cNvPr>
@@ -15179,24 +15502,13 @@
         <p:spPr/>
         <p:txBody>
           <a:bodyPr>
-            <a:normAutofit fontScale="90000"/>
+            <a:normAutofit/>
           </a:bodyPr>
           <a:lstStyle/>
           <a:p>
             <a:r>
-              <a:rPr lang="en-US" altLang="zh-CN" sz="4400" dirty="0"/>
-              <a:t>Classification </a:t>
-            </a:r>
-            <a:r>
-              <a:rPr lang="en-US" sz="4400" dirty="0"/>
-              <a:t>of derivatives</a:t>
-            </a:r>
-            <a:br>
-              <a:rPr lang="en-US" dirty="0"/>
-            </a:br>
-            <a:r>
-              <a:rPr lang="en-US" dirty="0"/>
-              <a:t>Forward commitments and contingent claims</a:t>
+              <a:rPr lang="en-US" sz="4000" dirty="0"/>
+              <a:t>Practices</a:t>
             </a:r>
           </a:p>
         </p:txBody>
@@ -15206,7 +15518,7 @@
           <p:cNvPr id="3" name="Content Placeholder 2">
             <a:extLst>
               <a:ext uri="{FF2B5EF4-FFF2-40B4-BE49-F238E27FC236}">
-                <a16:creationId xmlns:a16="http://schemas.microsoft.com/office/drawing/2014/main" id="{AEE854A1-1496-4876-AC8F-11F97047424B}"/>
+                <a16:creationId xmlns:a16="http://schemas.microsoft.com/office/drawing/2014/main" id="{E3B67373-BC90-4BC9-B82C-C102723A443D}"/>
               </a:ext>
             </a:extLst>
           </p:cNvPr>
@@ -15219,57 +15531,43 @@
         </p:nvSpPr>
         <p:spPr/>
         <p:txBody>
-          <a:bodyPr/>
-          <a:lstStyle/>
-          <a:p>
-            <a:r>
-              <a:rPr lang="en-US" sz="2800" dirty="0"/>
-              <a:t>Forward commitments</a:t>
+          <a:bodyPr>
+            <a:normAutofit/>
+          </a:bodyPr>
+          <a:lstStyle/>
+          <a:p>
+            <a:r>
+              <a:rPr lang="en-US" sz="2000" dirty="0"/>
+              <a:t>1.A credit derivative is which of the following?</a:t>
             </a:r>
           </a:p>
           <a:p>
             <a:pPr lvl="1"/>
             <a:r>
-              <a:rPr lang="en-US" sz="1800" dirty="0">
-                <a:solidFill>
-                  <a:schemeClr val="tx1"/>
-                </a:solidFill>
-              </a:rPr>
-              <a:t>Forward</a:t>
+              <a:rPr lang="en-US" sz="2000" dirty="0"/>
+              <a:t>A </a:t>
+            </a:r>
+            <a:r>
+              <a:rPr lang="en-US" sz="2000" dirty="0" err="1"/>
+              <a:t>A</a:t>
+            </a:r>
+            <a:r>
+              <a:rPr lang="en-US" sz="2000" dirty="0"/>
+              <a:t> derivative in which the premium is obtained on credit</a:t>
             </a:r>
           </a:p>
           <a:p>
             <a:pPr lvl="1"/>
             <a:r>
-              <a:rPr lang="en-US" sz="1800" dirty="0"/>
-              <a:t>Futures</a:t>
+              <a:rPr lang="en-US" sz="2000" dirty="0"/>
+              <a:t>B A derivative in which the payoff is borrowed by the seller</a:t>
             </a:r>
           </a:p>
           <a:p>
             <a:pPr lvl="1"/>
             <a:r>
-              <a:rPr lang="en-US" sz="1800" dirty="0"/>
-              <a:t>Swap</a:t>
-            </a:r>
-          </a:p>
-          <a:p>
-            <a:r>
-              <a:rPr lang="en-US" sz="2800" dirty="0"/>
-              <a:t>Contingent claims</a:t>
-            </a:r>
-          </a:p>
-          <a:p>
-            <a:pPr lvl="1"/>
-            <a:r>
-              <a:rPr lang="en-US" sz="1800" dirty="0"/>
-              <a:t>Option</a:t>
-            </a:r>
-          </a:p>
-          <a:p>
-            <a:pPr lvl="1"/>
-            <a:r>
-              <a:rPr lang="en-US" sz="1800" dirty="0"/>
-              <a:t>Credit Default Swap</a:t>
+              <a:rPr lang="en-US" sz="2000" dirty="0"/>
+              <a:t>C A derivative in which the seller provides protection to the buyer against credit loss from a third party</a:t>
             </a:r>
           </a:p>
         </p:txBody>
@@ -15277,7 +15575,7 @@
     </p:spTree>
     <p:extLst>
       <p:ext uri="{BB962C8B-B14F-4D97-AF65-F5344CB8AC3E}">
-        <p14:creationId xmlns:p14="http://schemas.microsoft.com/office/powerpoint/2010/main" val="3548463849"/>
+        <p14:creationId xmlns:p14="http://schemas.microsoft.com/office/powerpoint/2010/main" val="2051395143"/>
       </p:ext>
     </p:extLst>
   </p:cSld>
@@ -15309,7 +15607,7 @@
           <p:cNvPr id="2" name="Title 1">
             <a:extLst>
               <a:ext uri="{FF2B5EF4-FFF2-40B4-BE49-F238E27FC236}">
-                <a16:creationId xmlns:a16="http://schemas.microsoft.com/office/drawing/2014/main" id="{61C782C3-1713-4158-BD07-C849C3C4CC28}"/>
+                <a16:creationId xmlns:a16="http://schemas.microsoft.com/office/drawing/2014/main" id="{13C1F2DB-C1EA-4EEE-9DD2-BBB6C676CABF}"/>
               </a:ext>
             </a:extLst>
           </p:cNvPr>
@@ -15322,28 +15620,20 @@
         </p:nvSpPr>
         <p:spPr/>
         <p:txBody>
-          <a:bodyPr/>
-          <a:lstStyle/>
-          <a:p>
+          <a:bodyPr>
+            <a:normAutofit/>
+          </a:bodyPr>
+          <a:lstStyle/>
+          <a:p>
+            <a:r>
+              <a:rPr lang="en-US" sz="4000" dirty="0"/>
+              <a:t>A</a:t>
+            </a:r>
             <a:r>
               <a:rPr lang="en-US" altLang="zh-CN" sz="4000" dirty="0"/>
-              <a:t>Classification</a:t>
-            </a:r>
-            <a:r>
-              <a:rPr lang="en-US" sz="4000" dirty="0"/>
-              <a:t> of derivatives	</a:t>
-            </a:r>
-            <a:r>
-              <a:rPr lang="en-US" dirty="0"/>
-              <a:t>	</a:t>
-            </a:r>
-            <a:br>
-              <a:rPr lang="en-US" dirty="0"/>
-            </a:br>
-            <a:r>
-              <a:rPr lang="en-US" dirty="0"/>
-              <a:t>Exchange-traded and OTC market</a:t>
-            </a:r>
+              <a:t>sset-backed securities</a:t>
+            </a:r>
+            <a:endParaRPr lang="en-US" sz="4000" dirty="0"/>
           </a:p>
         </p:txBody>
       </p:sp>
@@ -15352,7 +15642,7 @@
           <p:cNvPr id="3" name="Content Placeholder 2">
             <a:extLst>
               <a:ext uri="{FF2B5EF4-FFF2-40B4-BE49-F238E27FC236}">
-                <a16:creationId xmlns:a16="http://schemas.microsoft.com/office/drawing/2014/main" id="{AF25ED95-A7A6-4FF7-B6AE-E00C8A4243CE}"/>
+                <a16:creationId xmlns:a16="http://schemas.microsoft.com/office/drawing/2014/main" id="{AE242220-CC30-405B-943F-661EEB5D4AFA}"/>
               </a:ext>
             </a:extLst>
           </p:cNvPr>
@@ -15369,60 +15659,22 @@
           <a:lstStyle/>
           <a:p>
             <a:r>
-              <a:rPr lang="en-US" sz="2800" dirty="0"/>
-              <a:t>Over-the-counter market</a:t>
-            </a:r>
-          </a:p>
-          <a:p>
-            <a:pPr lvl="1"/>
-            <a:r>
-              <a:rPr lang="en-US" sz="1800" dirty="0"/>
-              <a:t>Forward</a:t>
-            </a:r>
-          </a:p>
-          <a:p>
-            <a:pPr lvl="1"/>
-            <a:r>
-              <a:rPr lang="en-US" sz="1800" dirty="0"/>
-              <a:t>Swap</a:t>
-            </a:r>
-          </a:p>
-          <a:p>
-            <a:pPr lvl="1"/>
-            <a:r>
-              <a:rPr lang="en-US" sz="1800" dirty="0"/>
-              <a:t>Option</a:t>
-            </a:r>
-          </a:p>
-          <a:p>
-            <a:r>
-              <a:rPr lang="en-US" sz="2800" dirty="0"/>
-              <a:t>Exchange-traded market</a:t>
-            </a:r>
-          </a:p>
-          <a:p>
-            <a:pPr lvl="1"/>
-            <a:r>
-              <a:rPr lang="en-US" sz="1800" dirty="0"/>
-              <a:t>Futures</a:t>
-            </a:r>
-          </a:p>
-          <a:p>
-            <a:pPr lvl="1"/>
-            <a:r>
-              <a:rPr lang="en-US" sz="1800" dirty="0"/>
-              <a:t>Option</a:t>
-            </a:r>
-          </a:p>
-          <a:p>
-            <a:endParaRPr lang="en-US" dirty="0"/>
+              <a:rPr lang="en-US" dirty="0"/>
+              <a:t>Definition: an asset- backed security is a derivative contract in which a portfolio of debt instruments is assembled and claims are issued on the portfolio in the form of tranches, which have different priorities of claims on the payments made by the debt securities such that prepayments or credit losses are allocated to the most- junior tranches first and the most- senior tranches last.</a:t>
+            </a:r>
+          </a:p>
+          <a:p>
+            <a:r>
+              <a:rPr lang="en-US" dirty="0"/>
+              <a:t>ABSs typically divide the payments into slices, called tranches, in which the priority of claims has been changed from equivalent to preferential.</a:t>
+            </a:r>
           </a:p>
         </p:txBody>
       </p:sp>
     </p:spTree>
     <p:extLst>
       <p:ext uri="{BB962C8B-B14F-4D97-AF65-F5344CB8AC3E}">
-        <p14:creationId xmlns:p14="http://schemas.microsoft.com/office/powerpoint/2010/main" val="2063123738"/>
+        <p14:creationId xmlns:p14="http://schemas.microsoft.com/office/powerpoint/2010/main" val="2380732809"/>
       </p:ext>
     </p:extLst>
   </p:cSld>
@@ -15454,7 +15706,7 @@
           <p:cNvPr id="2" name="Title 1">
             <a:extLst>
               <a:ext uri="{FF2B5EF4-FFF2-40B4-BE49-F238E27FC236}">
-                <a16:creationId xmlns:a16="http://schemas.microsoft.com/office/drawing/2014/main" id="{63CC868E-9E09-460D-AFC5-F06FE734B18C}"/>
+                <a16:creationId xmlns:a16="http://schemas.microsoft.com/office/drawing/2014/main" id="{DE056A45-2501-43A0-9F43-EE798108DA86}"/>
               </a:ext>
             </a:extLst>
           </p:cNvPr>
@@ -15467,28 +15719,20 @@
         </p:nvSpPr>
         <p:spPr/>
         <p:txBody>
-          <a:bodyPr/>
-          <a:lstStyle/>
-          <a:p>
+          <a:bodyPr>
+            <a:normAutofit/>
+          </a:bodyPr>
+          <a:lstStyle/>
+          <a:p>
+            <a:r>
+              <a:rPr lang="en-US" sz="4000" dirty="0"/>
+              <a:t>A</a:t>
+            </a:r>
             <a:r>
               <a:rPr lang="en-US" altLang="zh-CN" sz="4000" dirty="0"/>
-              <a:t>Classification </a:t>
-            </a:r>
-            <a:r>
-              <a:rPr lang="en-US" sz="4000" dirty="0"/>
-              <a:t>of derivatives	</a:t>
-            </a:r>
-            <a:r>
-              <a:rPr lang="en-US" dirty="0"/>
-              <a:t>	</a:t>
-            </a:r>
-            <a:br>
-              <a:rPr lang="en-US" dirty="0"/>
-            </a:br>
-            <a:r>
-              <a:rPr lang="en-US" dirty="0"/>
-              <a:t>Exchange-traded and OTC market</a:t>
-            </a:r>
+              <a:t>sset-backed securities</a:t>
+            </a:r>
+            <a:endParaRPr lang="en-US" sz="4000" dirty="0"/>
           </a:p>
         </p:txBody>
       </p:sp>
@@ -15497,7 +15741,7 @@
           <p:cNvPr id="3" name="Content Placeholder 2">
             <a:extLst>
               <a:ext uri="{FF2B5EF4-FFF2-40B4-BE49-F238E27FC236}">
-                <a16:creationId xmlns:a16="http://schemas.microsoft.com/office/drawing/2014/main" id="{8C312896-34F4-450C-92F0-CAD934A523A3}"/>
+                <a16:creationId xmlns:a16="http://schemas.microsoft.com/office/drawing/2014/main" id="{8DCE4C67-98B6-4618-8DEA-076B941A3F4A}"/>
               </a:ext>
             </a:extLst>
           </p:cNvPr>
@@ -15514,67 +15758,21 @@
           <a:lstStyle/>
           <a:p>
             <a:r>
-              <a:rPr lang="en-US" sz="2800" dirty="0"/>
-              <a:t>Exchange-traded derivative market</a:t>
-            </a:r>
-          </a:p>
-          <a:p>
-            <a:r>
-              <a:rPr lang="en-US" dirty="0"/>
-              <a:t>characteristics</a:t>
-            </a:r>
-          </a:p>
-          <a:p>
-            <a:pPr lvl="1"/>
-            <a:r>
-              <a:rPr lang="en-US" dirty="0"/>
-              <a:t>Standardized	</a:t>
-            </a:r>
-          </a:p>
-          <a:p>
-            <a:pPr lvl="1"/>
-            <a:r>
-              <a:rPr lang="en-US" dirty="0"/>
-              <a:t>More liquid</a:t>
-            </a:r>
-          </a:p>
-          <a:p>
-            <a:pPr lvl="1"/>
-            <a:r>
-              <a:rPr lang="en-US" dirty="0"/>
-              <a:t>Market makers and speculators</a:t>
-            </a:r>
-          </a:p>
-          <a:p>
-            <a:pPr lvl="1"/>
-            <a:r>
-              <a:rPr lang="en-US" dirty="0"/>
-              <a:t>Clear and settle all contracts overnight</a:t>
-            </a:r>
-          </a:p>
-          <a:p>
-            <a:pPr lvl="1"/>
-            <a:r>
-              <a:rPr lang="en-US" dirty="0"/>
-              <a:t>Credit guarantee</a:t>
-            </a:r>
-          </a:p>
-          <a:p>
-            <a:pPr lvl="1"/>
-            <a:r>
-              <a:rPr lang="en-US" dirty="0"/>
-              <a:t>Transparency(regulatory bodies)</a:t>
-            </a:r>
-          </a:p>
-          <a:p>
-            <a:pPr lvl="1"/>
-            <a:r>
-              <a:rPr lang="en-US" dirty="0"/>
-              <a:t>Loss of privacy and flexibility</a:t>
-            </a:r>
-          </a:p>
-          <a:p>
-            <a:endParaRPr lang="en-US" dirty="0"/>
+              <a:rPr lang="en-US" dirty="0"/>
+              <a:t>CMO: collateralized mortgage obligation</a:t>
+            </a:r>
+          </a:p>
+          <a:p>
+            <a:r>
+              <a:rPr lang="en-US" dirty="0"/>
+              <a:t>CBO: collateralized bond obligation</a:t>
+            </a:r>
+          </a:p>
+          <a:p>
+            <a:r>
+              <a:rPr lang="en-US" dirty="0"/>
+              <a:t>CLO: collateralized loan obligation</a:t>
+            </a:r>
           </a:p>
           <a:p>
             <a:endParaRPr lang="en-US" dirty="0"/>
@@ -15584,7 +15782,7 @@
     </p:spTree>
     <p:extLst>
       <p:ext uri="{BB962C8B-B14F-4D97-AF65-F5344CB8AC3E}">
-        <p14:creationId xmlns:p14="http://schemas.microsoft.com/office/powerpoint/2010/main" val="1080345033"/>
+        <p14:creationId xmlns:p14="http://schemas.microsoft.com/office/powerpoint/2010/main" val="615116269"/>
       </p:ext>
     </p:extLst>
   </p:cSld>
@@ -15616,7 +15814,7 @@
           <p:cNvPr id="2" name="Title 1">
             <a:extLst>
               <a:ext uri="{FF2B5EF4-FFF2-40B4-BE49-F238E27FC236}">
-                <a16:creationId xmlns:a16="http://schemas.microsoft.com/office/drawing/2014/main" id="{2002ACD3-97F2-43B1-8933-4B82D4F11644}"/>
+                <a16:creationId xmlns:a16="http://schemas.microsoft.com/office/drawing/2014/main" id="{8E48A604-005B-48E4-8AF4-138B105BA282}"/>
               </a:ext>
             </a:extLst>
           </p:cNvPr>
@@ -15629,27 +15827,14 @@
         </p:nvSpPr>
         <p:spPr/>
         <p:txBody>
-          <a:bodyPr/>
-          <a:lstStyle/>
-          <a:p>
-            <a:r>
-              <a:rPr lang="en-US" altLang="zh-CN" sz="4000" dirty="0"/>
-              <a:t>Classification	</a:t>
-            </a:r>
+          <a:bodyPr>
+            <a:normAutofit/>
+          </a:bodyPr>
+          <a:lstStyle/>
+          <a:p>
             <a:r>
               <a:rPr lang="en-US" sz="4000" dirty="0"/>
-              <a:t>of derivatives	</a:t>
-            </a:r>
-            <a:r>
-              <a:rPr lang="en-US" dirty="0"/>
-              <a:t>	</a:t>
-            </a:r>
-            <a:br>
-              <a:rPr lang="en-US" dirty="0"/>
-            </a:br>
-            <a:r>
-              <a:rPr lang="en-US" dirty="0"/>
-              <a:t>Exchange-traded and OTC market</a:t>
+              <a:t>Derivative underlying</a:t>
             </a:r>
           </a:p>
         </p:txBody>
@@ -15659,7 +15844,7 @@
           <p:cNvPr id="3" name="Content Placeholder 2">
             <a:extLst>
               <a:ext uri="{FF2B5EF4-FFF2-40B4-BE49-F238E27FC236}">
-                <a16:creationId xmlns:a16="http://schemas.microsoft.com/office/drawing/2014/main" id="{487D91EC-818A-4A4E-B004-E96C0A6F64DC}"/>
+                <a16:creationId xmlns:a16="http://schemas.microsoft.com/office/drawing/2014/main" id="{4DC2DC39-460C-4DC9-92A3-82D2535FFBF9}"/>
               </a:ext>
             </a:extLst>
           </p:cNvPr>
@@ -15676,47 +15861,39 @@
           <a:lstStyle/>
           <a:p>
             <a:r>
-              <a:rPr lang="en-US" sz="2800" dirty="0"/>
-              <a:t>Over-the-counter derivative market</a:t>
-            </a:r>
-          </a:p>
-          <a:p>
-            <a:r>
-              <a:rPr lang="en-US" dirty="0"/>
-              <a:t>characteristics</a:t>
-            </a:r>
-          </a:p>
-          <a:p>
-            <a:pPr lvl="1"/>
-            <a:r>
-              <a:rPr lang="en-US" dirty="0"/>
-              <a:t>Customization</a:t>
-            </a:r>
-          </a:p>
-          <a:p>
-            <a:pPr lvl="1"/>
-            <a:r>
-              <a:rPr lang="en-US" dirty="0"/>
-              <a:t>More flexible</a:t>
-            </a:r>
-          </a:p>
-          <a:p>
-            <a:pPr lvl="1"/>
-            <a:r>
-              <a:rPr lang="en-US" dirty="0"/>
-              <a:t>Lower degree of regulation</a:t>
-            </a:r>
-          </a:p>
-          <a:p>
-            <a:pPr lvl="1"/>
-            <a:r>
-              <a:rPr lang="en-US" dirty="0"/>
-              <a:t>Retain a degree of privacy with lower transparency</a:t>
-            </a:r>
-          </a:p>
-          <a:p>
-            <a:pPr lvl="1"/>
-            <a:endParaRPr lang="en-US" dirty="0"/>
+              <a:rPr lang="en-US" dirty="0"/>
+              <a:t>Equities</a:t>
+            </a:r>
+          </a:p>
+          <a:p>
+            <a:r>
+              <a:rPr lang="en-US" dirty="0"/>
+              <a:t>Fixed-income instruments and interest rates</a:t>
+            </a:r>
+          </a:p>
+          <a:p>
+            <a:r>
+              <a:rPr lang="en-US" dirty="0"/>
+              <a:t>Currencies</a:t>
+            </a:r>
+          </a:p>
+          <a:p>
+            <a:r>
+              <a:rPr lang="en-US" dirty="0"/>
+              <a:t>Commodities</a:t>
+            </a:r>
+          </a:p>
+          <a:p>
+            <a:r>
+              <a:rPr lang="en-US" dirty="0"/>
+              <a:t>Credit</a:t>
+            </a:r>
+          </a:p>
+          <a:p>
+            <a:r>
+              <a:rPr lang="en-US" dirty="0"/>
+              <a:t>Other</a:t>
+            </a:r>
           </a:p>
           <a:p>
             <a:endParaRPr lang="en-US" dirty="0"/>
@@ -15726,7 +15903,7 @@
     </p:spTree>
     <p:extLst>
       <p:ext uri="{BB962C8B-B14F-4D97-AF65-F5344CB8AC3E}">
-        <p14:creationId xmlns:p14="http://schemas.microsoft.com/office/powerpoint/2010/main" val="736614646"/>
+        <p14:creationId xmlns:p14="http://schemas.microsoft.com/office/powerpoint/2010/main" val="3920046498"/>
       </p:ext>
     </p:extLst>
   </p:cSld>
@@ -15758,7 +15935,7 @@
           <p:cNvPr id="2" name="Title 1">
             <a:extLst>
               <a:ext uri="{FF2B5EF4-FFF2-40B4-BE49-F238E27FC236}">
-                <a16:creationId xmlns:a16="http://schemas.microsoft.com/office/drawing/2014/main" id="{E5071E7E-561B-4C61-8404-6C29256855A2}"/>
+                <a16:creationId xmlns:a16="http://schemas.microsoft.com/office/drawing/2014/main" id="{0B33124B-F8B1-44FB-B9D6-3239CDA95508}"/>
               </a:ext>
             </a:extLst>
           </p:cNvPr>
@@ -15772,13 +15949,24 @@
         <p:spPr/>
         <p:txBody>
           <a:bodyPr>
-            <a:normAutofit/>
+            <a:normAutofit fontScale="90000"/>
           </a:bodyPr>
           <a:lstStyle/>
           <a:p>
             <a:r>
-              <a:rPr lang="en-US" sz="4000" dirty="0"/>
-              <a:t>Practices</a:t>
+              <a:rPr lang="en-US" altLang="zh-CN" sz="4400" dirty="0"/>
+              <a:t>Classification </a:t>
+            </a:r>
+            <a:r>
+              <a:rPr lang="en-US" sz="4400" dirty="0"/>
+              <a:t>of derivatives</a:t>
+            </a:r>
+            <a:br>
+              <a:rPr lang="en-US" dirty="0"/>
+            </a:br>
+            <a:r>
+              <a:rPr lang="en-US" dirty="0"/>
+              <a:t>Forward commitments and contingent claims</a:t>
             </a:r>
           </a:p>
         </p:txBody>
@@ -15788,7 +15976,7 @@
           <p:cNvPr id="3" name="Content Placeholder 2">
             <a:extLst>
               <a:ext uri="{FF2B5EF4-FFF2-40B4-BE49-F238E27FC236}">
-                <a16:creationId xmlns:a16="http://schemas.microsoft.com/office/drawing/2014/main" id="{CFF1D1EF-7E0F-48EE-98B9-A11615480828}"/>
+                <a16:creationId xmlns:a16="http://schemas.microsoft.com/office/drawing/2014/main" id="{AEE854A1-1496-4876-AC8F-11F97047424B}"/>
               </a:ext>
             </a:extLst>
           </p:cNvPr>
@@ -15805,56 +15993,53 @@
           <a:lstStyle/>
           <a:p>
             <a:r>
-              <a:rPr lang="en-US" dirty="0"/>
-              <a:t>1.Which of the following is not a forward commitment?</a:t>
+              <a:rPr lang="en-US" sz="2800" dirty="0"/>
+              <a:t>Forward commitments</a:t>
             </a:r>
           </a:p>
           <a:p>
             <a:pPr lvl="1"/>
             <a:r>
-              <a:rPr lang="en-US" dirty="0"/>
-              <a:t>A An agreement to take out a loan at a future date at a specific rate</a:t>
+              <a:rPr lang="en-US" sz="1800" dirty="0">
+                <a:solidFill>
+                  <a:schemeClr val="tx1"/>
+                </a:solidFill>
+              </a:rPr>
+              <a:t>Forward</a:t>
             </a:r>
           </a:p>
           <a:p>
             <a:pPr lvl="1"/>
             <a:r>
-              <a:rPr lang="en-US" dirty="0"/>
-              <a:t>B An offer of employment that must be accepted or rejected in two weeks</a:t>
+              <a:rPr lang="en-US" sz="1800" dirty="0"/>
+              <a:t>Futures</a:t>
             </a:r>
           </a:p>
           <a:p>
             <a:pPr lvl="1"/>
             <a:r>
-              <a:rPr lang="en-US" dirty="0"/>
-              <a:t>C An agreement to lease a piece of machinery for one year with a series of fixed monthly payments</a:t>
-            </a:r>
-          </a:p>
-          <a:p>
-            <a:r>
-              <a:rPr lang="en-US" dirty="0"/>
-              <a:t>2.Which of the following statements is true about contingent claims?</a:t>
+              <a:rPr lang="en-US" sz="1800" dirty="0"/>
+              <a:t>Swap</a:t>
+            </a:r>
+          </a:p>
+          <a:p>
+            <a:r>
+              <a:rPr lang="en-US" sz="2800" dirty="0"/>
+              <a:t>Contingent claims</a:t>
             </a:r>
           </a:p>
           <a:p>
             <a:pPr lvl="1"/>
             <a:r>
-              <a:rPr lang="en-US" dirty="0"/>
-              <a:t>A Either party can default to the other.</a:t>
+              <a:rPr lang="en-US" sz="1800" dirty="0"/>
+              <a:t>Option</a:t>
             </a:r>
           </a:p>
           <a:p>
             <a:pPr lvl="1"/>
             <a:r>
-              <a:rPr lang="en-US" dirty="0"/>
-              <a:t>B The payoffs are linearly related to the performance of the underlying.</a:t>
-            </a:r>
-          </a:p>
-          <a:p>
-            <a:pPr lvl="1"/>
-            <a:r>
-              <a:rPr lang="en-US" dirty="0"/>
-              <a:t>C The most the long can lose is the amount paid for the contingent claim.</a:t>
+              <a:rPr lang="en-US" sz="1800" dirty="0"/>
+              <a:t>Credit Default Swap</a:t>
             </a:r>
           </a:p>
         </p:txBody>
@@ -15862,7 +16047,7 @@
     </p:spTree>
     <p:extLst>
       <p:ext uri="{BB962C8B-B14F-4D97-AF65-F5344CB8AC3E}">
-        <p14:creationId xmlns:p14="http://schemas.microsoft.com/office/powerpoint/2010/main" val="1657439908"/>
+        <p14:creationId xmlns:p14="http://schemas.microsoft.com/office/powerpoint/2010/main" val="3548463849"/>
       </p:ext>
     </p:extLst>
   </p:cSld>
@@ -15894,7 +16079,7 @@
           <p:cNvPr id="2" name="Title 1">
             <a:extLst>
               <a:ext uri="{FF2B5EF4-FFF2-40B4-BE49-F238E27FC236}">
-                <a16:creationId xmlns:a16="http://schemas.microsoft.com/office/drawing/2014/main" id="{F20D5F44-83D3-4C3D-AA1E-B7B8E357D44D}"/>
+                <a16:creationId xmlns:a16="http://schemas.microsoft.com/office/drawing/2014/main" id="{61C782C3-1713-4158-BD07-C849C3C4CC28}"/>
               </a:ext>
             </a:extLst>
           </p:cNvPr>
@@ -15907,14 +16092,27 @@
         </p:nvSpPr>
         <p:spPr/>
         <p:txBody>
-          <a:bodyPr>
-            <a:normAutofit/>
-          </a:bodyPr>
-          <a:lstStyle/>
-          <a:p>
+          <a:bodyPr/>
+          <a:lstStyle/>
+          <a:p>
+            <a:r>
+              <a:rPr lang="en-US" altLang="zh-CN" sz="4000" dirty="0"/>
+              <a:t>Classification</a:t>
+            </a:r>
             <a:r>
               <a:rPr lang="en-US" sz="4000" dirty="0"/>
-              <a:t>Practices</a:t>
+              <a:t> of derivatives	</a:t>
+            </a:r>
+            <a:r>
+              <a:rPr lang="en-US" dirty="0"/>
+              <a:t>	</a:t>
+            </a:r>
+            <a:br>
+              <a:rPr lang="en-US" dirty="0"/>
+            </a:br>
+            <a:r>
+              <a:rPr lang="en-US" dirty="0"/>
+              <a:t>Exchange-traded and OTC market</a:t>
             </a:r>
           </a:p>
         </p:txBody>
@@ -15924,7 +16122,7 @@
           <p:cNvPr id="3" name="Content Placeholder 2">
             <a:extLst>
               <a:ext uri="{FF2B5EF4-FFF2-40B4-BE49-F238E27FC236}">
-                <a16:creationId xmlns:a16="http://schemas.microsoft.com/office/drawing/2014/main" id="{2EA05F35-4584-4A6C-B5B8-1E6EAF96AE0E}"/>
+                <a16:creationId xmlns:a16="http://schemas.microsoft.com/office/drawing/2014/main" id="{AF25ED95-A7A6-4FF7-B6AE-E00C8A4243CE}"/>
               </a:ext>
             </a:extLst>
           </p:cNvPr>
@@ -15937,70 +16135,64 @@
         </p:nvSpPr>
         <p:spPr/>
         <p:txBody>
-          <a:bodyPr>
-            <a:normAutofit/>
-          </a:bodyPr>
-          <a:lstStyle/>
-          <a:p>
-            <a:r>
-              <a:rPr lang="en-US" dirty="0"/>
-              <a:t>3.Which of the following characteristics is not associated with exchange-traded derivatives?</a:t>
+          <a:bodyPr/>
+          <a:lstStyle/>
+          <a:p>
+            <a:r>
+              <a:rPr lang="en-US" sz="2800" dirty="0"/>
+              <a:t>Over-the-counter market</a:t>
             </a:r>
           </a:p>
           <a:p>
             <a:pPr lvl="1"/>
             <a:r>
-              <a:rPr lang="en-US" dirty="0"/>
-              <a:t>A Margin or performance bonds are required.</a:t>
+              <a:rPr lang="en-US" sz="1800" dirty="0"/>
+              <a:t>Forward</a:t>
             </a:r>
           </a:p>
           <a:p>
             <a:pPr lvl="1"/>
             <a:r>
-              <a:rPr lang="en-US" dirty="0"/>
-              <a:t>B The exchange guarantees all payments in the event of default.</a:t>
+              <a:rPr lang="en-US" sz="1800" dirty="0"/>
+              <a:t>Swap</a:t>
             </a:r>
           </a:p>
           <a:p>
             <a:pPr lvl="1"/>
             <a:r>
-              <a:rPr lang="en-US" dirty="0"/>
-              <a:t>C All terms except the price are customized to the parties’ individual needs.</a:t>
-            </a:r>
-          </a:p>
-          <a:p>
-            <a:r>
-              <a:rPr lang="en-US" dirty="0"/>
-              <a:t>4.Which of the following characteristics is associated with over- the- counter derivatives?</a:t>
+              <a:rPr lang="en-US" sz="1800" dirty="0"/>
+              <a:t>Option</a:t>
+            </a:r>
+          </a:p>
+          <a:p>
+            <a:r>
+              <a:rPr lang="en-US" sz="2800" dirty="0"/>
+              <a:t>Exchange-traded market</a:t>
             </a:r>
           </a:p>
           <a:p>
             <a:pPr lvl="1"/>
             <a:r>
-              <a:rPr lang="en-US" dirty="0"/>
-              <a:t>A Trading occurs in a central location.</a:t>
+              <a:rPr lang="en-US" sz="1800" dirty="0"/>
+              <a:t>Futures</a:t>
             </a:r>
           </a:p>
           <a:p>
             <a:pPr lvl="1"/>
             <a:r>
-              <a:rPr lang="en-US" dirty="0"/>
-              <a:t>B They are more regulated than exchange- listed derivatives.</a:t>
-            </a:r>
-          </a:p>
-          <a:p>
-            <a:pPr lvl="1"/>
-            <a:r>
-              <a:rPr lang="en-US" dirty="0"/>
-              <a:t>C They are less transparent than exchange- listed derivatives.</a:t>
-            </a:r>
+              <a:rPr lang="en-US" sz="1800" dirty="0"/>
+              <a:t>Option</a:t>
+            </a:r>
+          </a:p>
+          <a:p>
+            <a:endParaRPr lang="en-US" dirty="0"/>
           </a:p>
         </p:txBody>
       </p:sp>
     </p:spTree>
     <p:extLst>
       <p:ext uri="{BB962C8B-B14F-4D97-AF65-F5344CB8AC3E}">
-        <p14:creationId xmlns:p14="http://schemas.microsoft.com/office/powerpoint/2010/main" val="3121291714"/>
+        <p14:creationId xmlns:p14="http://schemas.microsoft.com/office/powerpoint/2010/main" val="2063123738"/>
       </p:ext>
     </p:extLst>
   </p:cSld>
@@ -16122,7 +16314,7 @@
           <p:cNvPr id="2" name="Title 1">
             <a:extLst>
               <a:ext uri="{FF2B5EF4-FFF2-40B4-BE49-F238E27FC236}">
-                <a16:creationId xmlns:a16="http://schemas.microsoft.com/office/drawing/2014/main" id="{F20D5F44-83D3-4C3D-AA1E-B7B8E357D44D}"/>
+                <a16:creationId xmlns:a16="http://schemas.microsoft.com/office/drawing/2014/main" id="{63CC868E-9E09-460D-AFC5-F06FE734B18C}"/>
               </a:ext>
             </a:extLst>
           </p:cNvPr>
@@ -16135,14 +16327,27 @@
         </p:nvSpPr>
         <p:spPr/>
         <p:txBody>
-          <a:bodyPr>
-            <a:normAutofit/>
-          </a:bodyPr>
-          <a:lstStyle/>
-          <a:p>
+          <a:bodyPr/>
+          <a:lstStyle/>
+          <a:p>
+            <a:r>
+              <a:rPr lang="en-US" altLang="zh-CN" sz="4000" dirty="0"/>
+              <a:t>Classification </a:t>
+            </a:r>
             <a:r>
               <a:rPr lang="en-US" sz="4000" dirty="0"/>
-              <a:t>Practices</a:t>
+              <a:t>of derivatives	</a:t>
+            </a:r>
+            <a:r>
+              <a:rPr lang="en-US" dirty="0"/>
+              <a:t>	</a:t>
+            </a:r>
+            <a:br>
+              <a:rPr lang="en-US" dirty="0"/>
+            </a:br>
+            <a:r>
+              <a:rPr lang="en-US" dirty="0"/>
+              <a:t>Exchange-traded and OTC market</a:t>
             </a:r>
           </a:p>
         </p:txBody>
@@ -16152,7 +16357,7 @@
           <p:cNvPr id="3" name="Content Placeholder 2">
             <a:extLst>
               <a:ext uri="{FF2B5EF4-FFF2-40B4-BE49-F238E27FC236}">
-                <a16:creationId xmlns:a16="http://schemas.microsoft.com/office/drawing/2014/main" id="{2EA05F35-4584-4A6C-B5B8-1E6EAF96AE0E}"/>
+                <a16:creationId xmlns:a16="http://schemas.microsoft.com/office/drawing/2014/main" id="{8C312896-34F4-450C-92F0-CAD934A523A3}"/>
               </a:ext>
             </a:extLst>
           </p:cNvPr>
@@ -16165,70 +16370,81 @@
         </p:nvSpPr>
         <p:spPr/>
         <p:txBody>
-          <a:bodyPr>
-            <a:normAutofit/>
-          </a:bodyPr>
-          <a:lstStyle/>
-          <a:p>
-            <a:r>
-              <a:rPr lang="en-US" dirty="0"/>
-              <a:t>5.Market makers earn a profit in both exchange and over- the- counter derivatives markets by:</a:t>
+          <a:bodyPr/>
+          <a:lstStyle/>
+          <a:p>
+            <a:r>
+              <a:rPr lang="en-US" sz="2800" dirty="0"/>
+              <a:t>Exchange-traded derivative market</a:t>
+            </a:r>
+          </a:p>
+          <a:p>
+            <a:r>
+              <a:rPr lang="en-US" dirty="0"/>
+              <a:t>characteristics</a:t>
             </a:r>
           </a:p>
           <a:p>
             <a:pPr lvl="1"/>
             <a:r>
               <a:rPr lang="en-US" dirty="0"/>
-              <a:t>A charging a commission on each trade.</a:t>
+              <a:t>Standardized	</a:t>
             </a:r>
           </a:p>
           <a:p>
             <a:pPr lvl="1"/>
             <a:r>
               <a:rPr lang="en-US" dirty="0"/>
-              <a:t>B a combination of commissions and markups.</a:t>
+              <a:t>More liquid</a:t>
             </a:r>
           </a:p>
           <a:p>
             <a:pPr lvl="1"/>
             <a:r>
               <a:rPr lang="en-US" dirty="0"/>
-              <a:t>C buying at one price, selling at a higher price, and hedging any risk.</a:t>
-            </a:r>
-          </a:p>
-          <a:p>
-            <a:r>
-              <a:rPr lang="en-US" dirty="0"/>
-              <a:t>6.Which of the following statements most accurately describes exchange-traded derivatives relative to over- the- counter derivatives? Exchange-traded derivatives are more likely to have:</a:t>
+              <a:t>Market makers and speculators</a:t>
             </a:r>
           </a:p>
           <a:p>
             <a:pPr lvl="1"/>
             <a:r>
               <a:rPr lang="en-US" dirty="0"/>
-              <a:t>A greater credit risk.</a:t>
+              <a:t>Clear and settle all contracts overnight</a:t>
             </a:r>
           </a:p>
           <a:p>
             <a:pPr lvl="1"/>
             <a:r>
               <a:rPr lang="en-US" dirty="0"/>
-              <a:t>B standardized contract terms.</a:t>
+              <a:t>Credit guarantee</a:t>
             </a:r>
           </a:p>
           <a:p>
             <a:pPr lvl="1"/>
             <a:r>
               <a:rPr lang="en-US" dirty="0"/>
-              <a:t>C greater risk management uses</a:t>
-            </a:r>
+              <a:t>Transparency(regulatory bodies)</a:t>
+            </a:r>
+          </a:p>
+          <a:p>
+            <a:pPr lvl="1"/>
+            <a:r>
+              <a:rPr lang="en-US" dirty="0"/>
+              <a:t>Loss of privacy and flexibility</a:t>
+            </a:r>
+          </a:p>
+          <a:p>
+            <a:endParaRPr lang="en-US" dirty="0"/>
+          </a:p>
+          <a:p>
+            <a:endParaRPr lang="en-US" dirty="0"/>
           </a:p>
         </p:txBody>
       </p:sp>
     </p:spTree>
     <p:extLst>
       <p:ext uri="{BB962C8B-B14F-4D97-AF65-F5344CB8AC3E}">
-        <p14:creationId xmlns:p14="http://schemas.microsoft.com/office/powerpoint/2010/main" val="1189956952"/>
+        <p14:creationId xmlns:p14="http://schemas.microsoft.com/office/powerpoint/2010/main" val="1080345033"/>
       </p:ext>
     </p:extLst>
   </p:cSld>
@@ -16260,7 +16476,7 @@
           <p:cNvPr id="2" name="Title 1">
             <a:extLst>
               <a:ext uri="{FF2B5EF4-FFF2-40B4-BE49-F238E27FC236}">
-                <a16:creationId xmlns:a16="http://schemas.microsoft.com/office/drawing/2014/main" id="{CBE36A6B-6E55-4FD0-8260-0BEFE68F4514}"/>
+                <a16:creationId xmlns:a16="http://schemas.microsoft.com/office/drawing/2014/main" id="{2002ACD3-97F2-43B1-8933-4B82D4F11644}"/>
               </a:ext>
             </a:extLst>
           </p:cNvPr>
@@ -16273,56 +16489,28 @@
         </p:nvSpPr>
         <p:spPr/>
         <p:txBody>
-          <a:bodyPr>
-            <a:normAutofit/>
-          </a:bodyPr>
-          <a:lstStyle/>
-          <a:p>
+          <a:bodyPr/>
+          <a:lstStyle/>
+          <a:p>
+            <a:r>
+              <a:rPr lang="en-US" altLang="zh-CN" sz="4000" dirty="0"/>
+              <a:t>Classification	</a:t>
+            </a:r>
             <a:r>
               <a:rPr lang="en-US" sz="4000" dirty="0"/>
-              <a:t>The</a:t>
-            </a:r>
-            <a:r>
-              <a:rPr lang="zh-CN" altLang="en-US" sz="4000" dirty="0"/>
-              <a:t> </a:t>
-            </a:r>
-            <a:r>
-              <a:rPr lang="en-US" altLang="zh-CN" sz="4000" dirty="0"/>
-              <a:t>purposes</a:t>
-            </a:r>
-            <a:r>
-              <a:rPr lang="zh-CN" altLang="en-US" sz="4000" dirty="0"/>
-              <a:t> </a:t>
-            </a:r>
-            <a:r>
-              <a:rPr lang="en-US" altLang="zh-CN" sz="4000" dirty="0"/>
-              <a:t>and</a:t>
-            </a:r>
-            <a:r>
-              <a:rPr lang="zh-CN" altLang="en-US" sz="4000" dirty="0"/>
-              <a:t> </a:t>
-            </a:r>
-            <a:r>
-              <a:rPr lang="en-US" altLang="zh-CN" sz="4000" dirty="0"/>
-              <a:t>benefits</a:t>
-            </a:r>
-            <a:r>
-              <a:rPr lang="zh-CN" altLang="en-US" sz="4000" dirty="0"/>
-              <a:t> </a:t>
-            </a:r>
-            <a:r>
-              <a:rPr lang="en-US" altLang="zh-CN" sz="4000" dirty="0"/>
-              <a:t>of</a:t>
-            </a:r>
-            <a:r>
-              <a:rPr lang="zh-CN" altLang="en-US" sz="4000" dirty="0"/>
-              <a:t> </a:t>
-            </a:r>
-            <a:r>
-              <a:rPr lang="en-US" altLang="zh-CN" sz="4000" dirty="0"/>
-              <a:t>derivatives</a:t>
-            </a:r>
-            <a:endParaRPr lang="en-US" sz="4000" dirty="0"/>
+              <a:t>of derivatives	</a:t>
+            </a:r>
+            <a:r>
+              <a:rPr lang="en-US" dirty="0"/>
+              <a:t>	</a:t>
+            </a:r>
+            <a:br>
+              <a:rPr lang="en-US" dirty="0"/>
+            </a:br>
+            <a:r>
+              <a:rPr lang="en-US" dirty="0"/>
+              <a:t>Exchange-traded and OTC market</a:t>
+            </a:r>
           </a:p>
         </p:txBody>
       </p:sp>
@@ -16331,7 +16519,7 @@
           <p:cNvPr id="3" name="Content Placeholder 2">
             <a:extLst>
               <a:ext uri="{FF2B5EF4-FFF2-40B4-BE49-F238E27FC236}">
-                <a16:creationId xmlns:a16="http://schemas.microsoft.com/office/drawing/2014/main" id="{CF2F7B16-0AF8-4000-9305-F75458652CC6}"/>
+                <a16:creationId xmlns:a16="http://schemas.microsoft.com/office/drawing/2014/main" id="{487D91EC-818A-4A4E-B004-E96C0A6F64DC}"/>
               </a:ext>
             </a:extLst>
           </p:cNvPr>
@@ -16348,15 +16536,47 @@
           <a:lstStyle/>
           <a:p>
             <a:r>
-              <a:rPr lang="en-US" dirty="0"/>
-              <a:t>The origin of modern futures markets is the creation of the Chicago board of trade in 1848.</a:t>
-            </a:r>
-          </a:p>
-          <a:p>
-            <a:r>
-              <a:rPr lang="en-US" dirty="0"/>
-              <a:t>‘To-arrive’ contract</a:t>
-            </a:r>
+              <a:rPr lang="en-US" sz="2800" dirty="0"/>
+              <a:t>Over-the-counter derivative market</a:t>
+            </a:r>
+          </a:p>
+          <a:p>
+            <a:r>
+              <a:rPr lang="en-US" dirty="0"/>
+              <a:t>characteristics</a:t>
+            </a:r>
+          </a:p>
+          <a:p>
+            <a:pPr lvl="1"/>
+            <a:r>
+              <a:rPr lang="en-US" dirty="0"/>
+              <a:t>Customization</a:t>
+            </a:r>
+          </a:p>
+          <a:p>
+            <a:pPr lvl="1"/>
+            <a:r>
+              <a:rPr lang="en-US" dirty="0"/>
+              <a:t>More flexible</a:t>
+            </a:r>
+          </a:p>
+          <a:p>
+            <a:pPr lvl="1"/>
+            <a:r>
+              <a:rPr lang="en-US" dirty="0"/>
+              <a:t>Lower degree of regulation</a:t>
+            </a:r>
+          </a:p>
+          <a:p>
+            <a:pPr lvl="1"/>
+            <a:r>
+              <a:rPr lang="en-US" dirty="0"/>
+              <a:t>Retain a degree of privacy with lower transparency</a:t>
+            </a:r>
+          </a:p>
+          <a:p>
+            <a:pPr lvl="1"/>
+            <a:endParaRPr lang="en-US" dirty="0"/>
           </a:p>
           <a:p>
             <a:endParaRPr lang="en-US" dirty="0"/>
@@ -16366,7 +16586,7 @@
     </p:spTree>
     <p:extLst>
       <p:ext uri="{BB962C8B-B14F-4D97-AF65-F5344CB8AC3E}">
-        <p14:creationId xmlns:p14="http://schemas.microsoft.com/office/powerpoint/2010/main" val="810741622"/>
+        <p14:creationId xmlns:p14="http://schemas.microsoft.com/office/powerpoint/2010/main" val="736614646"/>
       </p:ext>
     </p:extLst>
   </p:cSld>
@@ -16398,7 +16618,7 @@
           <p:cNvPr id="2" name="Title 1">
             <a:extLst>
               <a:ext uri="{FF2B5EF4-FFF2-40B4-BE49-F238E27FC236}">
-                <a16:creationId xmlns:a16="http://schemas.microsoft.com/office/drawing/2014/main" id="{594F1C53-E728-4CBB-B42E-401BAB534833}"/>
+                <a16:creationId xmlns:a16="http://schemas.microsoft.com/office/drawing/2014/main" id="{E5071E7E-561B-4C61-8404-6C29256855A2}"/>
               </a:ext>
             </a:extLst>
           </p:cNvPr>
@@ -16409,12 +16629,7 @@
             <p:ph type="title"/>
           </p:nvPr>
         </p:nvSpPr>
-        <p:spPr>
-          <a:xfrm>
-            <a:off x="677334" y="609600"/>
-            <a:ext cx="8596668" cy="1320800"/>
-          </a:xfrm>
-        </p:spPr>
+        <p:spPr/>
         <p:txBody>
           <a:bodyPr>
             <a:normAutofit/>
@@ -16423,49 +16638,8 @@
           <a:p>
             <a:r>
               <a:rPr lang="en-US" sz="4000" dirty="0"/>
-              <a:t>The</a:t>
-            </a:r>
-            <a:r>
-              <a:rPr lang="zh-CN" altLang="en-US" sz="4000" dirty="0"/>
-              <a:t> </a:t>
-            </a:r>
-            <a:r>
-              <a:rPr lang="en-US" altLang="zh-CN" sz="4000" dirty="0"/>
-              <a:t>purposes</a:t>
-            </a:r>
-            <a:r>
-              <a:rPr lang="zh-CN" altLang="en-US" sz="4000" dirty="0"/>
-              <a:t> </a:t>
-            </a:r>
-            <a:r>
-              <a:rPr lang="en-US" altLang="zh-CN" sz="4000" dirty="0"/>
-              <a:t>and</a:t>
-            </a:r>
-            <a:r>
-              <a:rPr lang="zh-CN" altLang="en-US" sz="4000" dirty="0"/>
-              <a:t> </a:t>
-            </a:r>
-            <a:r>
-              <a:rPr lang="en-US" altLang="zh-CN" sz="4000" dirty="0"/>
-              <a:t>benefits</a:t>
-            </a:r>
-            <a:r>
-              <a:rPr lang="zh-CN" altLang="en-US" sz="4000" dirty="0"/>
-              <a:t> </a:t>
-            </a:r>
-            <a:r>
-              <a:rPr lang="en-US" altLang="zh-CN" sz="4000" dirty="0"/>
-              <a:t>of</a:t>
-            </a:r>
-            <a:r>
-              <a:rPr lang="zh-CN" altLang="en-US" sz="4000" dirty="0"/>
-              <a:t> </a:t>
-            </a:r>
-            <a:r>
-              <a:rPr lang="en-US" altLang="zh-CN" sz="4000" dirty="0"/>
-              <a:t>derivatives</a:t>
-            </a:r>
-            <a:endParaRPr lang="en-US" sz="4000" dirty="0"/>
+              <a:t>Practices</a:t>
+            </a:r>
           </a:p>
         </p:txBody>
       </p:sp>
@@ -16474,7 +16648,7 @@
           <p:cNvPr id="3" name="Content Placeholder 2">
             <a:extLst>
               <a:ext uri="{FF2B5EF4-FFF2-40B4-BE49-F238E27FC236}">
-                <a16:creationId xmlns:a16="http://schemas.microsoft.com/office/drawing/2014/main" id="{7A1D6DA6-953B-4B3D-BBAF-2BF3840CE174}"/>
+                <a16:creationId xmlns:a16="http://schemas.microsoft.com/office/drawing/2014/main" id="{CFF1D1EF-7E0F-48EE-98B9-A11615480828}"/>
               </a:ext>
             </a:extLst>
           </p:cNvPr>
@@ -16492,39 +16666,63 @@
           <a:p>
             <a:r>
               <a:rPr lang="en-US" dirty="0"/>
-              <a:t>Risk allocation , transfer , and management</a:t>
-            </a:r>
-          </a:p>
-          <a:p>
-            <a:r>
-              <a:rPr lang="en-US" dirty="0"/>
-              <a:t>Information discovery</a:t>
-            </a:r>
-          </a:p>
-          <a:p>
-            <a:r>
-              <a:rPr lang="en-US" dirty="0"/>
-              <a:t>Operational advantages</a:t>
-            </a:r>
-          </a:p>
-          <a:p>
-            <a:r>
-              <a:rPr lang="en-US" dirty="0"/>
-              <a:t>Market efficiency</a:t>
-            </a:r>
-          </a:p>
-          <a:p>
-            <a:endParaRPr lang="en-US" dirty="0"/>
-          </a:p>
-          <a:p>
-            <a:endParaRPr lang="en-US" dirty="0"/>
+              <a:t>1.Which of the following is not a forward commitment?</a:t>
+            </a:r>
+          </a:p>
+          <a:p>
+            <a:pPr lvl="1"/>
+            <a:r>
+              <a:rPr lang="en-US" dirty="0"/>
+              <a:t>A An agreement to take out a loan at a future date at a specific rate</a:t>
+            </a:r>
+          </a:p>
+          <a:p>
+            <a:pPr lvl="1"/>
+            <a:r>
+              <a:rPr lang="en-US" dirty="0"/>
+              <a:t>B An offer of employment that must be accepted or rejected in two weeks</a:t>
+            </a:r>
+          </a:p>
+          <a:p>
+            <a:pPr lvl="1"/>
+            <a:r>
+              <a:rPr lang="en-US" dirty="0"/>
+              <a:t>C An agreement to lease a piece of machinery for one year with a series of fixed monthly payments</a:t>
+            </a:r>
+          </a:p>
+          <a:p>
+            <a:r>
+              <a:rPr lang="en-US" dirty="0"/>
+              <a:t>2.Which of the following statements is true about contingent claims?</a:t>
+            </a:r>
+          </a:p>
+          <a:p>
+            <a:pPr lvl="1"/>
+            <a:r>
+              <a:rPr lang="en-US" dirty="0"/>
+              <a:t>A Either party can default to the other.</a:t>
+            </a:r>
+          </a:p>
+          <a:p>
+            <a:pPr lvl="1"/>
+            <a:r>
+              <a:rPr lang="en-US" dirty="0"/>
+              <a:t>B The payoffs are linearly related to the performance of the underlying.</a:t>
+            </a:r>
+          </a:p>
+          <a:p>
+            <a:pPr lvl="1"/>
+            <a:r>
+              <a:rPr lang="en-US" dirty="0"/>
+              <a:t>C The most the long can lose is the amount paid for the contingent claim.</a:t>
+            </a:r>
           </a:p>
         </p:txBody>
       </p:sp>
     </p:spTree>
     <p:extLst>
       <p:ext uri="{BB962C8B-B14F-4D97-AF65-F5344CB8AC3E}">
-        <p14:creationId xmlns:p14="http://schemas.microsoft.com/office/powerpoint/2010/main" val="1516918961"/>
+        <p14:creationId xmlns:p14="http://schemas.microsoft.com/office/powerpoint/2010/main" val="1657439908"/>
       </p:ext>
     </p:extLst>
   </p:cSld>
@@ -16556,7 +16754,7 @@
           <p:cNvPr id="2" name="Title 1">
             <a:extLst>
               <a:ext uri="{FF2B5EF4-FFF2-40B4-BE49-F238E27FC236}">
-                <a16:creationId xmlns:a16="http://schemas.microsoft.com/office/drawing/2014/main" id="{4615354A-E477-4616-83A2-BD4AC1206110}"/>
+                <a16:creationId xmlns:a16="http://schemas.microsoft.com/office/drawing/2014/main" id="{F20D5F44-83D3-4C3D-AA1E-B7B8E357D44D}"/>
               </a:ext>
             </a:extLst>
           </p:cNvPr>
@@ -16586,7 +16784,7 @@
           <p:cNvPr id="3" name="Content Placeholder 2">
             <a:extLst>
               <a:ext uri="{FF2B5EF4-FFF2-40B4-BE49-F238E27FC236}">
-                <a16:creationId xmlns:a16="http://schemas.microsoft.com/office/drawing/2014/main" id="{E0C5A04C-3E9B-479A-BC64-0A200712E0E4}"/>
+                <a16:creationId xmlns:a16="http://schemas.microsoft.com/office/drawing/2014/main" id="{2EA05F35-4584-4A6C-B5B8-1E6EAF96AE0E}"/>
               </a:ext>
             </a:extLst>
           </p:cNvPr>
@@ -16599,72 +16797,62 @@
         </p:nvSpPr>
         <p:spPr/>
         <p:txBody>
-          <a:bodyPr/>
-          <a:lstStyle/>
-          <a:p>
-            <a:r>
-              <a:rPr lang="en-US" dirty="0"/>
-              <a:t>1.Which of the following is not an advantage of derivative markets?</a:t>
+          <a:bodyPr>
+            <a:normAutofit/>
+          </a:bodyPr>
+          <a:lstStyle/>
+          <a:p>
+            <a:r>
+              <a:rPr lang="en-US" dirty="0"/>
+              <a:t>3.Which of the following characteristics is not associated with exchange-traded derivatives?</a:t>
             </a:r>
           </a:p>
           <a:p>
             <a:pPr lvl="1"/>
             <a:r>
               <a:rPr lang="en-US" dirty="0"/>
-              <a:t>A They are less volatile than spot markets.</a:t>
+              <a:t>A Margin or performance bonds are required.</a:t>
             </a:r>
           </a:p>
           <a:p>
             <a:pPr lvl="1"/>
             <a:r>
               <a:rPr lang="en-US" dirty="0"/>
-              <a:t>B They facilitate the allocation of risk in the market.</a:t>
+              <a:t>B The exchange guarantees all payments in the event of default.</a:t>
             </a:r>
           </a:p>
           <a:p>
             <a:pPr lvl="1"/>
             <a:r>
               <a:rPr lang="en-US" dirty="0"/>
-              <a:t>C They incur lower transaction costs than spot markets.</a:t>
-            </a:r>
-          </a:p>
-          <a:p>
-            <a:r>
-              <a:rPr lang="en-US" dirty="0"/>
-              <a:t>2.Which of the following pieces of information is not </a:t>
-            </a:r>
-            <a:r>
-              <a:rPr lang="en-US" dirty="0">
-                <a:solidFill>
-                  <a:srgbClr val="FF0000"/>
-                </a:solidFill>
-              </a:rPr>
-              <a:t>conveyed</a:t>
-            </a:r>
-            <a:r>
-              <a:rPr lang="en-US" dirty="0"/>
-              <a:t> by at least one type of derivative?</a:t>
+              <a:t>C All terms except the price are customized to the parties’ individual needs.</a:t>
+            </a:r>
+          </a:p>
+          <a:p>
+            <a:r>
+              <a:rPr lang="en-US" dirty="0"/>
+              <a:t>4.Which of the following characteristics is associated with over- the- counter derivatives?</a:t>
             </a:r>
           </a:p>
           <a:p>
             <a:pPr lvl="1"/>
             <a:r>
               <a:rPr lang="en-US" dirty="0"/>
-              <a:t>A The volatility of the underlying</a:t>
+              <a:t>A Trading occurs in a central location.</a:t>
             </a:r>
           </a:p>
           <a:p>
             <a:pPr lvl="1"/>
             <a:r>
               <a:rPr lang="en-US" dirty="0"/>
-              <a:t>B The most widely used strategy of the underlying</a:t>
+              <a:t>B They are more regulated than exchange- listed derivatives.</a:t>
             </a:r>
           </a:p>
           <a:p>
             <a:pPr lvl="1"/>
             <a:r>
               <a:rPr lang="en-US" dirty="0"/>
-              <a:t>C The price at which uncertainty in the underlying can be eliminated</a:t>
+              <a:t>C They are less transparent than exchange- listed derivatives.</a:t>
             </a:r>
           </a:p>
         </p:txBody>
@@ -16672,7 +16860,7 @@
     </p:spTree>
     <p:extLst>
       <p:ext uri="{BB962C8B-B14F-4D97-AF65-F5344CB8AC3E}">
-        <p14:creationId xmlns:p14="http://schemas.microsoft.com/office/powerpoint/2010/main" val="679871349"/>
+        <p14:creationId xmlns:p14="http://schemas.microsoft.com/office/powerpoint/2010/main" val="3121291714"/>
       </p:ext>
     </p:extLst>
   </p:cSld>
@@ -16704,7 +16892,7 @@
           <p:cNvPr id="2" name="Title 1">
             <a:extLst>
               <a:ext uri="{FF2B5EF4-FFF2-40B4-BE49-F238E27FC236}">
-                <a16:creationId xmlns:a16="http://schemas.microsoft.com/office/drawing/2014/main" id="{6A4E77FE-41FA-4F07-9556-77EA5BAC14A6}"/>
+                <a16:creationId xmlns:a16="http://schemas.microsoft.com/office/drawing/2014/main" id="{F20D5F44-83D3-4C3D-AA1E-B7B8E357D44D}"/>
               </a:ext>
             </a:extLst>
           </p:cNvPr>
@@ -16724,20 +16912,8 @@
           <a:p>
             <a:r>
               <a:rPr lang="en-US" sz="4000" dirty="0"/>
-              <a:t>Criticisms and misuses of derivatives</a:t>
-            </a:r>
-            <a:br>
-              <a:rPr lang="en-US" sz="4000" dirty="0"/>
-            </a:br>
-            <a:r>
-              <a:rPr lang="en-US" sz="4000" dirty="0"/>
-              <a:t>S</a:t>
-            </a:r>
-            <a:r>
-              <a:rPr lang="en-US" altLang="zh-CN" sz="4000" dirty="0"/>
-              <a:t>peculation and gambling</a:t>
-            </a:r>
-            <a:endParaRPr lang="en-US" sz="4000" dirty="0"/>
+              <a:t>Practices</a:t>
+            </a:r>
           </a:p>
         </p:txBody>
       </p:sp>
@@ -16746,7 +16922,7 @@
           <p:cNvPr id="3" name="Content Placeholder 2">
             <a:extLst>
               <a:ext uri="{FF2B5EF4-FFF2-40B4-BE49-F238E27FC236}">
-                <a16:creationId xmlns:a16="http://schemas.microsoft.com/office/drawing/2014/main" id="{362F09A5-A3CB-4782-B9F6-D1BE6C31A73F}"/>
+                <a16:creationId xmlns:a16="http://schemas.microsoft.com/office/drawing/2014/main" id="{2EA05F35-4584-4A6C-B5B8-1E6EAF96AE0E}"/>
               </a:ext>
             </a:extLst>
           </p:cNvPr>
@@ -16759,71 +16935,70 @@
         </p:nvSpPr>
         <p:spPr/>
         <p:txBody>
-          <a:bodyPr/>
-          <a:lstStyle/>
-          <a:p>
-            <a:r>
-              <a:rPr lang="en-US" dirty="0"/>
-              <a:t>Speculators are often thought to be </a:t>
-            </a:r>
-            <a:r>
-              <a:rPr lang="en-US" dirty="0">
-                <a:solidFill>
-                  <a:srgbClr val="FF0000"/>
-                </a:solidFill>
-              </a:rPr>
-              <a:t>short- term traders </a:t>
-            </a:r>
-            <a:r>
-              <a:rPr lang="en-US" dirty="0"/>
-              <a:t>who attempt to exploit temporary inefficiencies.</a:t>
-            </a:r>
-          </a:p>
-          <a:p>
-            <a:r>
-              <a:rPr lang="en-US" dirty="0"/>
-              <a:t>Speculators are thought to engage in </a:t>
-            </a:r>
-            <a:r>
-              <a:rPr lang="en-US" dirty="0">
-                <a:solidFill>
-                  <a:srgbClr val="FF0000"/>
-                </a:solidFill>
-              </a:rPr>
-              <a:t>price manipulation </a:t>
-            </a:r>
-            <a:r>
-              <a:rPr lang="en-US" dirty="0"/>
-              <a:t>and to trade at extreme prices.</a:t>
-            </a:r>
-          </a:p>
-          <a:p>
-            <a:r>
-              <a:rPr lang="en-US" dirty="0"/>
-              <a:t>The profits from short- term trading are almost always taxed </a:t>
-            </a:r>
-            <a:r>
-              <a:rPr lang="en-US" dirty="0">
-                <a:solidFill>
-                  <a:srgbClr val="FF0000"/>
-                </a:solidFill>
-              </a:rPr>
-              <a:t>more heavily </a:t>
-            </a:r>
-            <a:r>
-              <a:rPr lang="en-US" dirty="0"/>
-              <a:t>than the profits from long- term trading.</a:t>
-            </a:r>
-          </a:p>
-          <a:p>
-            <a:endParaRPr lang="en-US" dirty="0"/>
+          <a:bodyPr>
+            <a:normAutofit/>
+          </a:bodyPr>
+          <a:lstStyle/>
+          <a:p>
+            <a:r>
+              <a:rPr lang="en-US" dirty="0"/>
+              <a:t>5.Market makers earn a profit in both exchange and over- the- counter derivatives markets by:</a:t>
+            </a:r>
+          </a:p>
+          <a:p>
+            <a:pPr lvl="1"/>
+            <a:r>
+              <a:rPr lang="en-US" dirty="0"/>
+              <a:t>A charging a commission on each trade.</a:t>
+            </a:r>
+          </a:p>
+          <a:p>
+            <a:pPr lvl="1"/>
+            <a:r>
+              <a:rPr lang="en-US" dirty="0"/>
+              <a:t>B a combination of commissions and markups.</a:t>
+            </a:r>
+          </a:p>
+          <a:p>
+            <a:pPr lvl="1"/>
+            <a:r>
+              <a:rPr lang="en-US" dirty="0"/>
+              <a:t>C buying at one price, selling at a higher price, and hedging any risk.</a:t>
+            </a:r>
+          </a:p>
+          <a:p>
+            <a:r>
+              <a:rPr lang="en-US" dirty="0"/>
+              <a:t>6.Which of the following statements most accurately describes exchange-traded derivatives relative to over- the- counter derivatives? Exchange-traded derivatives are more likely to have:</a:t>
+            </a:r>
+          </a:p>
+          <a:p>
+            <a:pPr lvl="1"/>
+            <a:r>
+              <a:rPr lang="en-US" dirty="0"/>
+              <a:t>A greater credit risk.</a:t>
+            </a:r>
+          </a:p>
+          <a:p>
+            <a:pPr lvl="1"/>
+            <a:r>
+              <a:rPr lang="en-US" dirty="0"/>
+              <a:t>B standardized contract terms.</a:t>
+            </a:r>
+          </a:p>
+          <a:p>
+            <a:pPr lvl="1"/>
+            <a:r>
+              <a:rPr lang="en-US" dirty="0"/>
+              <a:t>C greater risk management uses</a:t>
+            </a:r>
           </a:p>
         </p:txBody>
       </p:sp>
     </p:spTree>
     <p:extLst>
       <p:ext uri="{BB962C8B-B14F-4D97-AF65-F5344CB8AC3E}">
-        <p14:creationId xmlns:p14="http://schemas.microsoft.com/office/powerpoint/2010/main" val="133782581"/>
+        <p14:creationId xmlns:p14="http://schemas.microsoft.com/office/powerpoint/2010/main" val="1189956952"/>
       </p:ext>
     </p:extLst>
   </p:cSld>
@@ -16855,7 +17030,7 @@
           <p:cNvPr id="2" name="Title 1">
             <a:extLst>
               <a:ext uri="{FF2B5EF4-FFF2-40B4-BE49-F238E27FC236}">
-                <a16:creationId xmlns:a16="http://schemas.microsoft.com/office/drawing/2014/main" id="{E482C202-64F2-44D8-9E40-0887E8F7325A}"/>
+                <a16:creationId xmlns:a16="http://schemas.microsoft.com/office/drawing/2014/main" id="{CBE36A6B-6E55-4FD0-8260-0BEFE68F4514}"/>
               </a:ext>
             </a:extLst>
           </p:cNvPr>
@@ -16875,15 +17050,49 @@
           <a:p>
             <a:r>
               <a:rPr lang="en-US" sz="4000" dirty="0"/>
-              <a:t>Criticisms and misuses of derivatives</a:t>
-            </a:r>
-            <a:br>
-              <a:rPr lang="en-US" sz="4000" dirty="0"/>
-            </a:br>
-            <a:r>
-              <a:rPr lang="en-US" sz="4000" dirty="0"/>
-              <a:t>Destabilization and Systemic Risk</a:t>
-            </a:r>
+              <a:t>The</a:t>
+            </a:r>
+            <a:r>
+              <a:rPr lang="zh-CN" altLang="en-US" sz="4000" dirty="0"/>
+              <a:t> </a:t>
+            </a:r>
+            <a:r>
+              <a:rPr lang="en-US" altLang="zh-CN" sz="4000" dirty="0"/>
+              <a:t>purposes</a:t>
+            </a:r>
+            <a:r>
+              <a:rPr lang="zh-CN" altLang="en-US" sz="4000" dirty="0"/>
+              <a:t> </a:t>
+            </a:r>
+            <a:r>
+              <a:rPr lang="en-US" altLang="zh-CN" sz="4000" dirty="0"/>
+              <a:t>and</a:t>
+            </a:r>
+            <a:r>
+              <a:rPr lang="zh-CN" altLang="en-US" sz="4000" dirty="0"/>
+              <a:t> </a:t>
+            </a:r>
+            <a:r>
+              <a:rPr lang="en-US" altLang="zh-CN" sz="4000" dirty="0"/>
+              <a:t>benefits</a:t>
+            </a:r>
+            <a:r>
+              <a:rPr lang="zh-CN" altLang="en-US" sz="4000" dirty="0"/>
+              <a:t> </a:t>
+            </a:r>
+            <a:r>
+              <a:rPr lang="en-US" altLang="zh-CN" sz="4000" dirty="0"/>
+              <a:t>of</a:t>
+            </a:r>
+            <a:r>
+              <a:rPr lang="zh-CN" altLang="en-US" sz="4000" dirty="0"/>
+              <a:t> </a:t>
+            </a:r>
+            <a:r>
+              <a:rPr lang="en-US" altLang="zh-CN" sz="4000" dirty="0"/>
+              <a:t>derivatives</a:t>
+            </a:r>
+            <a:endParaRPr lang="en-US" sz="4000" dirty="0"/>
           </a:p>
         </p:txBody>
       </p:sp>
@@ -16892,7 +17101,7 @@
           <p:cNvPr id="3" name="Content Placeholder 2">
             <a:extLst>
               <a:ext uri="{FF2B5EF4-FFF2-40B4-BE49-F238E27FC236}">
-                <a16:creationId xmlns:a16="http://schemas.microsoft.com/office/drawing/2014/main" id="{00AFAD99-D187-4A05-BD57-E28833651C75}"/>
+                <a16:creationId xmlns:a16="http://schemas.microsoft.com/office/drawing/2014/main" id="{CF2F7B16-0AF8-4000-9305-F75458652CC6}"/>
               </a:ext>
             </a:extLst>
           </p:cNvPr>
@@ -16905,118 +17114,29 @@
         </p:nvSpPr>
         <p:spPr/>
         <p:txBody>
-          <a:bodyPr>
-            <a:normAutofit lnSpcReduction="10000"/>
-          </a:bodyPr>
-          <a:lstStyle/>
-          <a:p>
-            <a:r>
-              <a:rPr lang="en-US" dirty="0"/>
-              <a:t>Defaults by speculators can then lead to defaults by their creditors, their creditors’ creditors, and so on. These effects can, therefore, be systemic and reflect an epidemic </a:t>
-            </a:r>
-            <a:r>
-              <a:rPr lang="en-US" dirty="0">
-                <a:solidFill>
-                  <a:srgbClr val="FF0000"/>
-                </a:solidFill>
-              </a:rPr>
-              <a:t>contagion</a:t>
-            </a:r>
-            <a:r>
-              <a:rPr lang="en-US" dirty="0"/>
-              <a:t> whereby instability can spread throughout markets and an economy, if not the entire world.</a:t>
-            </a:r>
-          </a:p>
-          <a:p>
-            <a:r>
-              <a:rPr lang="en-US" dirty="0"/>
-              <a:t>Such effects occurred in the </a:t>
-            </a:r>
-            <a:r>
-              <a:rPr lang="en-US" dirty="0">
-                <a:solidFill>
-                  <a:srgbClr val="FF0000"/>
-                </a:solidFill>
-              </a:rPr>
-              <a:t>Long- Term Capital Management </a:t>
-            </a:r>
-            <a:r>
-              <a:rPr lang="en-US" dirty="0"/>
-              <a:t>fiasco of 1998 and again in the financial crisis of 2008, in which derivatives, particularly credit default swaps, were widely used by many of the problem entities.</a:t>
-            </a:r>
-          </a:p>
-          <a:p>
-            <a:r>
-              <a:rPr lang="en-US" dirty="0"/>
-              <a:t>Some of these events </a:t>
-            </a:r>
-            <a:r>
-              <a:rPr lang="en-US" dirty="0">
-                <a:solidFill>
-                  <a:srgbClr val="FF0000"/>
-                </a:solidFill>
-              </a:rPr>
-              <a:t>preceded</a:t>
-            </a:r>
-            <a:r>
-              <a:rPr lang="en-US" dirty="0"/>
-              <a:t> the era of modern derivatives markets, and others were completely </a:t>
-            </a:r>
-            <a:r>
-              <a:rPr lang="en-US" dirty="0">
-                <a:solidFill>
-                  <a:srgbClr val="FF0000"/>
-                </a:solidFill>
-              </a:rPr>
-              <a:t>unrelated</a:t>
-            </a:r>
-            <a:r>
-              <a:rPr lang="en-US" dirty="0"/>
-              <a:t> to the use of derivatives.</a:t>
-            </a:r>
-          </a:p>
-          <a:p>
-            <a:r>
-              <a:rPr lang="en-US" dirty="0"/>
-              <a:t>Another criticism of derivatives is simply their </a:t>
-            </a:r>
-            <a:r>
-              <a:rPr lang="en-US" dirty="0">
-                <a:solidFill>
-                  <a:srgbClr val="FF0000"/>
-                </a:solidFill>
-              </a:rPr>
-              <a:t>complexity</a:t>
-            </a:r>
-            <a:r>
-              <a:rPr lang="en-US" dirty="0"/>
-              <a:t>.</a:t>
-            </a:r>
-          </a:p>
-          <a:p>
-            <a:r>
-              <a:rPr lang="en-US" dirty="0"/>
-              <a:t>One explanation probably lies in the fact that scientists create models of markets by using scientific principles that </a:t>
-            </a:r>
-            <a:r>
-              <a:rPr lang="en-US" dirty="0">
-                <a:solidFill>
-                  <a:srgbClr val="FF0000"/>
-                </a:solidFill>
-              </a:rPr>
-              <a:t>often fail</a:t>
-            </a:r>
-            <a:r>
-              <a:rPr lang="en-US" dirty="0"/>
-              <a:t>.</a:t>
-            </a:r>
+          <a:bodyPr/>
+          <a:lstStyle/>
+          <a:p>
+            <a:r>
+              <a:rPr lang="en-US" dirty="0"/>
+              <a:t>The origin of modern futures markets is the creation of the Chicago board of trade in 1848.</a:t>
+            </a:r>
+          </a:p>
+          <a:p>
+            <a:r>
+              <a:rPr lang="en-US" dirty="0"/>
+              <a:t>‘To-arrive’ contract</a:t>
+            </a:r>
+          </a:p>
+          <a:p>
+            <a:endParaRPr lang="en-US" dirty="0"/>
           </a:p>
         </p:txBody>
       </p:sp>
     </p:spTree>
     <p:extLst>
       <p:ext uri="{BB962C8B-B14F-4D97-AF65-F5344CB8AC3E}">
-        <p14:creationId xmlns:p14="http://schemas.microsoft.com/office/powerpoint/2010/main" val="1948992878"/>
+        <p14:creationId xmlns:p14="http://schemas.microsoft.com/office/powerpoint/2010/main" val="810741622"/>
       </p:ext>
     </p:extLst>
   </p:cSld>
@@ -17048,7 +17168,7 @@
           <p:cNvPr id="2" name="Title 1">
             <a:extLst>
               <a:ext uri="{FF2B5EF4-FFF2-40B4-BE49-F238E27FC236}">
-                <a16:creationId xmlns:a16="http://schemas.microsoft.com/office/drawing/2014/main" id="{553F70E7-AA33-42A6-BC63-F08FC8453BD7}"/>
+                <a16:creationId xmlns:a16="http://schemas.microsoft.com/office/drawing/2014/main" id="{594F1C53-E728-4CBB-B42E-401BAB534833}"/>
               </a:ext>
             </a:extLst>
           </p:cNvPr>
@@ -17059,7 +17179,12 @@
             <p:ph type="title"/>
           </p:nvPr>
         </p:nvSpPr>
-        <p:spPr/>
+        <p:spPr>
+          <a:xfrm>
+            <a:off x="677334" y="609600"/>
+            <a:ext cx="8596668" cy="1320800"/>
+          </a:xfrm>
+        </p:spPr>
         <p:txBody>
           <a:bodyPr>
             <a:normAutofit/>
@@ -17068,8 +17193,49 @@
           <a:p>
             <a:r>
               <a:rPr lang="en-US" sz="4000" dirty="0"/>
-              <a:t>Practices</a:t>
-            </a:r>
+              <a:t>The</a:t>
+            </a:r>
+            <a:r>
+              <a:rPr lang="zh-CN" altLang="en-US" sz="4000" dirty="0"/>
+              <a:t> </a:t>
+            </a:r>
+            <a:r>
+              <a:rPr lang="en-US" altLang="zh-CN" sz="4000" dirty="0"/>
+              <a:t>purposes</a:t>
+            </a:r>
+            <a:r>
+              <a:rPr lang="zh-CN" altLang="en-US" sz="4000" dirty="0"/>
+              <a:t> </a:t>
+            </a:r>
+            <a:r>
+              <a:rPr lang="en-US" altLang="zh-CN" sz="4000" dirty="0"/>
+              <a:t>and</a:t>
+            </a:r>
+            <a:r>
+              <a:rPr lang="zh-CN" altLang="en-US" sz="4000" dirty="0"/>
+              <a:t> </a:t>
+            </a:r>
+            <a:r>
+              <a:rPr lang="en-US" altLang="zh-CN" sz="4000" dirty="0"/>
+              <a:t>benefits</a:t>
+            </a:r>
+            <a:r>
+              <a:rPr lang="zh-CN" altLang="en-US" sz="4000" dirty="0"/>
+              <a:t> </a:t>
+            </a:r>
+            <a:r>
+              <a:rPr lang="en-US" altLang="zh-CN" sz="4000" dirty="0"/>
+              <a:t>of</a:t>
+            </a:r>
+            <a:r>
+              <a:rPr lang="zh-CN" altLang="en-US" sz="4000" dirty="0"/>
+              <a:t> </a:t>
+            </a:r>
+            <a:r>
+              <a:rPr lang="en-US" altLang="zh-CN" sz="4000" dirty="0"/>
+              <a:t>derivatives</a:t>
+            </a:r>
+            <a:endParaRPr lang="en-US" sz="4000" dirty="0"/>
           </a:p>
         </p:txBody>
       </p:sp>
@@ -17078,7 +17244,7 @@
           <p:cNvPr id="3" name="Content Placeholder 2">
             <a:extLst>
               <a:ext uri="{FF2B5EF4-FFF2-40B4-BE49-F238E27FC236}">
-                <a16:creationId xmlns:a16="http://schemas.microsoft.com/office/drawing/2014/main" id="{ADDE3541-C827-46E6-AD4A-E75F304EA34D}"/>
+                <a16:creationId xmlns:a16="http://schemas.microsoft.com/office/drawing/2014/main" id="{7A1D6DA6-953B-4B3D-BBAF-2BF3840CE174}"/>
               </a:ext>
             </a:extLst>
           </p:cNvPr>
@@ -17096,36 +17262,39 @@
           <a:p>
             <a:r>
               <a:rPr lang="en-US" dirty="0"/>
-              <a:t>1.Which of the following responds to the criticism that derivatives can be destabilizing to the underlying market?</a:t>
-            </a:r>
-          </a:p>
-          <a:p>
-            <a:pPr lvl="1"/>
-            <a:r>
-              <a:rPr lang="en-US" dirty="0"/>
-              <a:t>A Market crashes and panics have occurred since long before derivatives existed.</a:t>
-            </a:r>
-          </a:p>
-          <a:p>
-            <a:pPr lvl="1"/>
-            <a:r>
-              <a:rPr lang="en-US" dirty="0"/>
-              <a:t>B Derivatives are sufficiently regulated that they cannot destabilize the spot market.</a:t>
-            </a:r>
-          </a:p>
-          <a:p>
-            <a:pPr lvl="1"/>
-            <a:r>
-              <a:rPr lang="en-US" dirty="0"/>
-              <a:t>C The transaction costs of derivatives are high enough to keep their use at a minimum level.</a:t>
-            </a:r>
+              <a:t>Risk allocation , transfer , and management</a:t>
+            </a:r>
+          </a:p>
+          <a:p>
+            <a:r>
+              <a:rPr lang="en-US" dirty="0"/>
+              <a:t>Information discovery</a:t>
+            </a:r>
+          </a:p>
+          <a:p>
+            <a:r>
+              <a:rPr lang="en-US" dirty="0"/>
+              <a:t>Operational advantages</a:t>
+            </a:r>
+          </a:p>
+          <a:p>
+            <a:r>
+              <a:rPr lang="en-US" dirty="0"/>
+              <a:t>Market efficiency</a:t>
+            </a:r>
+          </a:p>
+          <a:p>
+            <a:endParaRPr lang="en-US" dirty="0"/>
+          </a:p>
+          <a:p>
+            <a:endParaRPr lang="en-US" dirty="0"/>
           </a:p>
         </p:txBody>
       </p:sp>
     </p:spTree>
     <p:extLst>
       <p:ext uri="{BB962C8B-B14F-4D97-AF65-F5344CB8AC3E}">
-        <p14:creationId xmlns:p14="http://schemas.microsoft.com/office/powerpoint/2010/main" val="425420384"/>
+        <p14:creationId xmlns:p14="http://schemas.microsoft.com/office/powerpoint/2010/main" val="1516918961"/>
       </p:ext>
     </p:extLst>
   </p:cSld>
@@ -17157,7 +17326,7 @@
           <p:cNvPr id="2" name="Title 1">
             <a:extLst>
               <a:ext uri="{FF2B5EF4-FFF2-40B4-BE49-F238E27FC236}">
-                <a16:creationId xmlns:a16="http://schemas.microsoft.com/office/drawing/2014/main" id="{400DE6A6-6594-4799-87FA-D2C785015F6A}"/>
+                <a16:creationId xmlns:a16="http://schemas.microsoft.com/office/drawing/2014/main" id="{4615354A-E477-4616-83A2-BD4AC1206110}"/>
               </a:ext>
             </a:extLst>
           </p:cNvPr>
@@ -17177,7 +17346,7 @@
           <a:p>
             <a:r>
               <a:rPr lang="en-US" sz="4000" dirty="0"/>
-              <a:t>Elementary principles of derivative pricing	</a:t>
+              <a:t>Practices</a:t>
             </a:r>
           </a:p>
         </p:txBody>
@@ -17187,7 +17356,7 @@
           <p:cNvPr id="3" name="Content Placeholder 2">
             <a:extLst>
               <a:ext uri="{FF2B5EF4-FFF2-40B4-BE49-F238E27FC236}">
-                <a16:creationId xmlns:a16="http://schemas.microsoft.com/office/drawing/2014/main" id="{4DE16CFC-EABE-4ACE-BFD3-4C0F750AE28D}"/>
+                <a16:creationId xmlns:a16="http://schemas.microsoft.com/office/drawing/2014/main" id="{E0C5A04C-3E9B-479A-BC64-0A200712E0E4}"/>
               </a:ext>
             </a:extLst>
           </p:cNvPr>
@@ -17204,64 +17373,76 @@
           <a:lstStyle/>
           <a:p>
             <a:r>
-              <a:rPr lang="en-US" sz="3200" dirty="0"/>
-              <a:t>F</a:t>
-            </a:r>
-            <a:r>
-              <a:rPr lang="en-US" sz="3200" baseline="-25000" dirty="0"/>
-              <a:t>T</a:t>
-            </a:r>
-            <a:r>
-              <a:rPr lang="en-US" sz="3200" dirty="0"/>
-              <a:t>=(S</a:t>
-            </a:r>
-            <a:r>
-              <a:rPr lang="en-US" sz="3200" baseline="-25000" dirty="0"/>
-              <a:t>0</a:t>
-            </a:r>
-            <a:r>
-              <a:rPr lang="en-US" sz="3200" dirty="0"/>
-              <a:t>+cost</a:t>
-            </a:r>
-            <a:r>
-              <a:rPr lang="en-US" sz="3200" baseline="-25000" dirty="0"/>
-              <a:t>0</a:t>
-            </a:r>
-            <a:r>
-              <a:rPr lang="en-US" sz="3200" dirty="0"/>
-              <a:t>-benefit</a:t>
-            </a:r>
-            <a:r>
-              <a:rPr lang="en-US" sz="3200" baseline="-25000" dirty="0"/>
-              <a:t>0</a:t>
-            </a:r>
-            <a:r>
-              <a:rPr lang="en-US" sz="3200" dirty="0"/>
-              <a:t>)*(1+rf)</a:t>
-            </a:r>
-            <a:r>
-              <a:rPr lang="en-US" sz="3200" baseline="30000" dirty="0"/>
-              <a:t>T</a:t>
-            </a:r>
-          </a:p>
-          <a:p>
-            <a:pPr marL="0" indent="0">
-              <a:buNone/>
-            </a:pPr>
-            <a:endParaRPr lang="en-US" dirty="0"/>
-          </a:p>
-          <a:p>
-            <a:endParaRPr lang="en-US" dirty="0"/>
-          </a:p>
-          <a:p>
-            <a:endParaRPr lang="en-US" dirty="0"/>
+              <a:rPr lang="en-US" dirty="0"/>
+              <a:t>1.Which of the following is not an advantage of derivative markets?</a:t>
+            </a:r>
+          </a:p>
+          <a:p>
+            <a:pPr lvl="1"/>
+            <a:r>
+              <a:rPr lang="en-US" dirty="0"/>
+              <a:t>A They are less volatile than spot markets.</a:t>
+            </a:r>
+          </a:p>
+          <a:p>
+            <a:pPr lvl="1"/>
+            <a:r>
+              <a:rPr lang="en-US" dirty="0"/>
+              <a:t>B They facilitate the allocation of risk in the market.</a:t>
+            </a:r>
+          </a:p>
+          <a:p>
+            <a:pPr lvl="1"/>
+            <a:r>
+              <a:rPr lang="en-US" dirty="0"/>
+              <a:t>C They incur lower transaction costs than spot markets.</a:t>
+            </a:r>
+          </a:p>
+          <a:p>
+            <a:r>
+              <a:rPr lang="en-US" dirty="0"/>
+              <a:t>2.Which of the following pieces of information is not </a:t>
+            </a:r>
+            <a:r>
+              <a:rPr lang="en-US" dirty="0">
+                <a:solidFill>
+                  <a:srgbClr val="FF0000"/>
+                </a:solidFill>
+              </a:rPr>
+              <a:t>conveyed</a:t>
+            </a:r>
+            <a:r>
+              <a:rPr lang="en-US" dirty="0"/>
+              <a:t> by at least one type of derivative?</a:t>
+            </a:r>
+          </a:p>
+          <a:p>
+            <a:pPr lvl="1"/>
+            <a:r>
+              <a:rPr lang="en-US" dirty="0"/>
+              <a:t>A The volatility of the underlying</a:t>
+            </a:r>
+          </a:p>
+          <a:p>
+            <a:pPr lvl="1"/>
+            <a:r>
+              <a:rPr lang="en-US" dirty="0"/>
+              <a:t>B The most widely used strategy of the underlying</a:t>
+            </a:r>
+          </a:p>
+          <a:p>
+            <a:pPr lvl="1"/>
+            <a:r>
+              <a:rPr lang="en-US" dirty="0"/>
+              <a:t>C The price at which uncertainty in the underlying can be eliminated</a:t>
+            </a:r>
           </a:p>
         </p:txBody>
       </p:sp>
     </p:spTree>
     <p:extLst>
       <p:ext uri="{BB962C8B-B14F-4D97-AF65-F5344CB8AC3E}">
-        <p14:creationId xmlns:p14="http://schemas.microsoft.com/office/powerpoint/2010/main" val="3291422637"/>
+        <p14:creationId xmlns:p14="http://schemas.microsoft.com/office/powerpoint/2010/main" val="679871349"/>
       </p:ext>
     </p:extLst>
   </p:cSld>
@@ -17293,7 +17474,7 @@
           <p:cNvPr id="2" name="Title 1">
             <a:extLst>
               <a:ext uri="{FF2B5EF4-FFF2-40B4-BE49-F238E27FC236}">
-                <a16:creationId xmlns:a16="http://schemas.microsoft.com/office/drawing/2014/main" id="{E27110C5-F8BA-45AC-995C-2B423C07E872}"/>
+                <a16:creationId xmlns:a16="http://schemas.microsoft.com/office/drawing/2014/main" id="{6A4E77FE-41FA-4F07-9556-77EA5BAC14A6}"/>
               </a:ext>
             </a:extLst>
           </p:cNvPr>
@@ -17313,8 +17494,20 @@
           <a:p>
             <a:r>
               <a:rPr lang="en-US" sz="4000" dirty="0"/>
-              <a:t>Elementary principles of derivative pricing-Storage</a:t>
-            </a:r>
+              <a:t>Criticisms and misuses of derivatives</a:t>
+            </a:r>
+            <a:br>
+              <a:rPr lang="en-US" sz="4000" dirty="0"/>
+            </a:br>
+            <a:r>
+              <a:rPr lang="en-US" sz="4000" dirty="0"/>
+              <a:t>S</a:t>
+            </a:r>
+            <a:r>
+              <a:rPr lang="en-US" altLang="zh-CN" sz="4000" dirty="0"/>
+              <a:t>peculation and gambling</a:t>
+            </a:r>
+            <a:endParaRPr lang="en-US" sz="4000" dirty="0"/>
           </a:p>
         </p:txBody>
       </p:sp>
@@ -17323,7 +17516,7 @@
           <p:cNvPr id="3" name="Content Placeholder 2">
             <a:extLst>
               <a:ext uri="{FF2B5EF4-FFF2-40B4-BE49-F238E27FC236}">
-                <a16:creationId xmlns:a16="http://schemas.microsoft.com/office/drawing/2014/main" id="{EDD93B4A-D015-42DB-ADD3-572F3F689EF3}"/>
+                <a16:creationId xmlns:a16="http://schemas.microsoft.com/office/drawing/2014/main" id="{362F09A5-A3CB-4782-B9F6-D1BE6C31A73F}"/>
               </a:ext>
             </a:extLst>
           </p:cNvPr>
@@ -17341,13 +17534,55 @@
           <a:p>
             <a:r>
               <a:rPr lang="en-US" dirty="0"/>
-              <a:t>Storage incurs costs.(commodity)</a:t>
-            </a:r>
-          </a:p>
-          <a:p>
-            <a:r>
-              <a:rPr lang="en-US" dirty="0"/>
-              <a:t>Some assets pay returns during storage.(financial asset)</a:t>
+              <a:t>Speculators are often thought to be </a:t>
+            </a:r>
+            <a:r>
+              <a:rPr lang="en-US" dirty="0">
+                <a:solidFill>
+                  <a:srgbClr val="FF0000"/>
+                </a:solidFill>
+              </a:rPr>
+              <a:t>short- term traders </a:t>
+            </a:r>
+            <a:r>
+              <a:rPr lang="en-US" dirty="0"/>
+              <a:t>who attempt to exploit temporary inefficiencies.</a:t>
+            </a:r>
+          </a:p>
+          <a:p>
+            <a:r>
+              <a:rPr lang="en-US" dirty="0"/>
+              <a:t>Speculators are thought to engage in </a:t>
+            </a:r>
+            <a:r>
+              <a:rPr lang="en-US" dirty="0">
+                <a:solidFill>
+                  <a:srgbClr val="FF0000"/>
+                </a:solidFill>
+              </a:rPr>
+              <a:t>price manipulation </a:t>
+            </a:r>
+            <a:r>
+              <a:rPr lang="en-US" dirty="0"/>
+              <a:t>and to trade at extreme prices.</a:t>
+            </a:r>
+          </a:p>
+          <a:p>
+            <a:r>
+              <a:rPr lang="en-US" dirty="0"/>
+              <a:t>The profits from short- term trading are almost always taxed </a:t>
+            </a:r>
+            <a:r>
+              <a:rPr lang="en-US" dirty="0">
+                <a:solidFill>
+                  <a:srgbClr val="FF0000"/>
+                </a:solidFill>
+              </a:rPr>
+              <a:t>more heavily </a:t>
+            </a:r>
+            <a:r>
+              <a:rPr lang="en-US" dirty="0"/>
+              <a:t>than the profits from long- term trading.</a:t>
             </a:r>
           </a:p>
           <a:p>
@@ -17358,7 +17593,7 @@
     </p:spTree>
     <p:extLst>
       <p:ext uri="{BB962C8B-B14F-4D97-AF65-F5344CB8AC3E}">
-        <p14:creationId xmlns:p14="http://schemas.microsoft.com/office/powerpoint/2010/main" val="3268475084"/>
+        <p14:creationId xmlns:p14="http://schemas.microsoft.com/office/powerpoint/2010/main" val="133782581"/>
       </p:ext>
     </p:extLst>
   </p:cSld>
@@ -17390,7 +17625,7 @@
           <p:cNvPr id="2" name="Title 1">
             <a:extLst>
               <a:ext uri="{FF2B5EF4-FFF2-40B4-BE49-F238E27FC236}">
-                <a16:creationId xmlns:a16="http://schemas.microsoft.com/office/drawing/2014/main" id="{6C9DE97C-F9BE-4030-983F-36EB31059087}"/>
+                <a16:creationId xmlns:a16="http://schemas.microsoft.com/office/drawing/2014/main" id="{E482C202-64F2-44D8-9E40-0887E8F7325A}"/>
               </a:ext>
             </a:extLst>
           </p:cNvPr>
@@ -17410,7 +17645,14 @@
           <a:p>
             <a:r>
               <a:rPr lang="en-US" sz="4000" dirty="0"/>
-              <a:t>Elementary principles of derivative pricing-Arbitrage</a:t>
+              <a:t>Criticisms and misuses of derivatives</a:t>
+            </a:r>
+            <a:br>
+              <a:rPr lang="en-US" sz="4000" dirty="0"/>
+            </a:br>
+            <a:r>
+              <a:rPr lang="en-US" sz="4000" dirty="0"/>
+              <a:t>Destabilization and Systemic Risk</a:t>
             </a:r>
           </a:p>
         </p:txBody>
@@ -17420,7 +17662,7 @@
           <p:cNvPr id="3" name="Content Placeholder 2">
             <a:extLst>
               <a:ext uri="{FF2B5EF4-FFF2-40B4-BE49-F238E27FC236}">
-                <a16:creationId xmlns:a16="http://schemas.microsoft.com/office/drawing/2014/main" id="{40CEE757-6D71-4744-82DB-2F1B2E2E54BE}"/>
+                <a16:creationId xmlns:a16="http://schemas.microsoft.com/office/drawing/2014/main" id="{00AFAD99-D187-4A05-BD57-E28833651C75}"/>
               </a:ext>
             </a:extLst>
           </p:cNvPr>
@@ -17433,12 +17675,14 @@
         </p:nvSpPr>
         <p:spPr/>
         <p:txBody>
-          <a:bodyPr/>
-          <a:lstStyle/>
-          <a:p>
-            <a:r>
-              <a:rPr lang="en-US" dirty="0"/>
-              <a:t>In well- functioning markets with low transaction costs and a free flow of information, the </a:t>
+          <a:bodyPr>
+            <a:normAutofit lnSpcReduction="10000"/>
+          </a:bodyPr>
+          <a:lstStyle/>
+          <a:p>
+            <a:r>
+              <a:rPr lang="en-US" dirty="0"/>
+              <a:t>Defaults by speculators can then lead to defaults by their creditors, their creditors’ creditors, and so on. These effects can, therefore, be systemic and reflect an epidemic </a:t>
             </a:r>
             <a:r>
               <a:rPr lang="en-US" dirty="0">
@@ -17446,7 +17690,73 @@
                   <a:srgbClr val="FF0000"/>
                 </a:solidFill>
               </a:rPr>
-              <a:t>same asset cannot sell for more than one price</a:t>
+              <a:t>contagion</a:t>
+            </a:r>
+            <a:r>
+              <a:rPr lang="en-US" dirty="0"/>
+              <a:t> whereby instability can spread throughout markets and an economy, if not the entire world.</a:t>
+            </a:r>
+          </a:p>
+          <a:p>
+            <a:r>
+              <a:rPr lang="en-US" dirty="0"/>
+              <a:t>Such effects occurred in the </a:t>
+            </a:r>
+            <a:r>
+              <a:rPr lang="en-US" dirty="0">
+                <a:solidFill>
+                  <a:srgbClr val="FF0000"/>
+                </a:solidFill>
+              </a:rPr>
+              <a:t>Long- Term Capital Management </a:t>
+            </a:r>
+            <a:r>
+              <a:rPr lang="en-US" dirty="0"/>
+              <a:t>fiasco of 1998 and again in the financial crisis of 2008, in which derivatives, particularly credit default swaps, were widely used by many of the problem entities.</a:t>
+            </a:r>
+          </a:p>
+          <a:p>
+            <a:r>
+              <a:rPr lang="en-US" dirty="0"/>
+              <a:t>Some of these events </a:t>
+            </a:r>
+            <a:r>
+              <a:rPr lang="en-US" dirty="0">
+                <a:solidFill>
+                  <a:srgbClr val="FF0000"/>
+                </a:solidFill>
+              </a:rPr>
+              <a:t>preceded</a:t>
+            </a:r>
+            <a:r>
+              <a:rPr lang="en-US" dirty="0"/>
+              <a:t> the era of modern derivatives markets, and others were completely </a:t>
+            </a:r>
+            <a:r>
+              <a:rPr lang="en-US" dirty="0">
+                <a:solidFill>
+                  <a:srgbClr val="FF0000"/>
+                </a:solidFill>
+              </a:rPr>
+              <a:t>unrelated</a:t>
+            </a:r>
+            <a:r>
+              <a:rPr lang="en-US" dirty="0"/>
+              <a:t> to the use of derivatives.</a:t>
+            </a:r>
+          </a:p>
+          <a:p>
+            <a:r>
+              <a:rPr lang="en-US" dirty="0"/>
+              <a:t>Another criticism of derivatives is simply their </a:t>
+            </a:r>
+            <a:r>
+              <a:rPr lang="en-US" dirty="0">
+                <a:solidFill>
+                  <a:srgbClr val="FF0000"/>
+                </a:solidFill>
+              </a:rPr>
+              <a:t>complexity</a:t>
             </a:r>
             <a:r>
               <a:rPr lang="en-US" dirty="0"/>
@@ -17456,7 +17766,7 @@
           <a:p>
             <a:r>
               <a:rPr lang="en-US" dirty="0"/>
-              <a:t>For this reason, arbitrage is often referred to as the </a:t>
+              <a:t>One explanation probably lies in the fact that scientists create models of markets by using scientific principles that </a:t>
             </a:r>
             <a:r>
               <a:rPr lang="en-US" dirty="0">
@@ -17464,67 +17774,7 @@
                   <a:srgbClr val="FF0000"/>
                 </a:solidFill>
               </a:rPr>
-              <a:t>law of one price</a:t>
-            </a:r>
-            <a:r>
-              <a:rPr lang="en-US" dirty="0"/>
-              <a:t>.</a:t>
-            </a:r>
-          </a:p>
-          <a:p>
-            <a:r>
-              <a:rPr lang="en-US" dirty="0"/>
-              <a:t>This trade would </a:t>
-            </a:r>
-            <a:r>
-              <a:rPr lang="en-US" dirty="0">
-                <a:solidFill>
-                  <a:srgbClr val="FF0000"/>
-                </a:solidFill>
-              </a:rPr>
-              <a:t>get profit at no risk </a:t>
-            </a:r>
-            <a:r>
-              <a:rPr lang="en-US" dirty="0"/>
-              <a:t>and </a:t>
-            </a:r>
-            <a:r>
-              <a:rPr lang="en-US" dirty="0">
-                <a:solidFill>
-                  <a:srgbClr val="FF0000"/>
-                </a:solidFill>
-              </a:rPr>
-              <a:t>not require the commitment of any of the investor’s capital</a:t>
-            </a:r>
-            <a:r>
-              <a:rPr lang="en-US" dirty="0"/>
-              <a:t>.</a:t>
-            </a:r>
-          </a:p>
-          <a:p>
-            <a:r>
-              <a:rPr lang="en-US" dirty="0"/>
-              <a:t>To summarize, the forces of arbitrage in financial markets assure us that the </a:t>
-            </a:r>
-            <a:r>
-              <a:rPr lang="en-US" dirty="0">
-                <a:solidFill>
-                  <a:srgbClr val="FF0000"/>
-                </a:solidFill>
-              </a:rPr>
-              <a:t>same asset cannot sell for different prices</a:t>
-            </a:r>
-            <a:r>
-              <a:rPr lang="en-US" dirty="0"/>
-              <a:t>, nor can </a:t>
-            </a:r>
-            <a:r>
-              <a:rPr lang="en-US" dirty="0">
-                <a:solidFill>
-                  <a:srgbClr val="FF0000"/>
-                </a:solidFill>
-              </a:rPr>
-              <a:t>two equivalent combinations of assets that produce the same results sell for different prices</a:t>
+              <a:t>often fail</a:t>
             </a:r>
             <a:r>
               <a:rPr lang="en-US" dirty="0"/>
@@ -17536,7 +17786,7 @@
     </p:spTree>
     <p:extLst>
       <p:ext uri="{BB962C8B-B14F-4D97-AF65-F5344CB8AC3E}">
-        <p14:creationId xmlns:p14="http://schemas.microsoft.com/office/powerpoint/2010/main" val="4154657851"/>
+        <p14:creationId xmlns:p14="http://schemas.microsoft.com/office/powerpoint/2010/main" val="1948992878"/>
       </p:ext>
     </p:extLst>
   </p:cSld>
@@ -17678,7 +17928,7 @@
           <p:cNvPr id="2" name="Title 1">
             <a:extLst>
               <a:ext uri="{FF2B5EF4-FFF2-40B4-BE49-F238E27FC236}">
-                <a16:creationId xmlns:a16="http://schemas.microsoft.com/office/drawing/2014/main" id="{4EE68B82-6AB7-4B2C-9CE0-91C5F1189BC5}"/>
+                <a16:creationId xmlns:a16="http://schemas.microsoft.com/office/drawing/2014/main" id="{553F70E7-AA33-42A6-BC63-F08FC8453BD7}"/>
               </a:ext>
             </a:extLst>
           </p:cNvPr>
@@ -17698,7 +17948,7 @@
           <a:p>
             <a:r>
               <a:rPr lang="en-US" sz="4000" dirty="0"/>
-              <a:t>Elementary principles of derivative pricing-Arbitrage</a:t>
+              <a:t>Practices</a:t>
             </a:r>
           </a:p>
         </p:txBody>
@@ -17708,7 +17958,7 @@
           <p:cNvPr id="3" name="Content Placeholder 2">
             <a:extLst>
               <a:ext uri="{FF2B5EF4-FFF2-40B4-BE49-F238E27FC236}">
-                <a16:creationId xmlns:a16="http://schemas.microsoft.com/office/drawing/2014/main" id="{1980A05C-5D81-4FA2-869F-6046DD73C512}"/>
+                <a16:creationId xmlns:a16="http://schemas.microsoft.com/office/drawing/2014/main" id="{ADDE3541-C827-46E6-AD4A-E75F304EA34D}"/>
               </a:ext>
             </a:extLst>
           </p:cNvPr>
@@ -17726,7 +17976,28 @@
           <a:p>
             <a:r>
               <a:rPr lang="en-US" dirty="0"/>
-              <a:t>Tencent  A:600  B:610</a:t>
+              <a:t>1.Which of the following responds to the criticism that derivatives can be destabilizing to the underlying market?</a:t>
+            </a:r>
+          </a:p>
+          <a:p>
+            <a:pPr lvl="1"/>
+            <a:r>
+              <a:rPr lang="en-US" dirty="0"/>
+              <a:t>A Market crashes and panics have occurred since long before derivatives existed.</a:t>
+            </a:r>
+          </a:p>
+          <a:p>
+            <a:pPr lvl="1"/>
+            <a:r>
+              <a:rPr lang="en-US" dirty="0"/>
+              <a:t>B Derivatives are sufficiently regulated that they cannot destabilize the spot market.</a:t>
+            </a:r>
+          </a:p>
+          <a:p>
+            <a:pPr lvl="1"/>
+            <a:r>
+              <a:rPr lang="en-US" dirty="0"/>
+              <a:t>C The transaction costs of derivatives are high enough to keep their use at a minimum level.</a:t>
             </a:r>
           </a:p>
         </p:txBody>
@@ -17734,7 +18005,7 @@
     </p:spTree>
     <p:extLst>
       <p:ext uri="{BB962C8B-B14F-4D97-AF65-F5344CB8AC3E}">
-        <p14:creationId xmlns:p14="http://schemas.microsoft.com/office/powerpoint/2010/main" val="2625465975"/>
+        <p14:creationId xmlns:p14="http://schemas.microsoft.com/office/powerpoint/2010/main" val="425420384"/>
       </p:ext>
     </p:extLst>
   </p:cSld>
@@ -17766,7 +18037,7 @@
           <p:cNvPr id="2" name="Title 1">
             <a:extLst>
               <a:ext uri="{FF2B5EF4-FFF2-40B4-BE49-F238E27FC236}">
-                <a16:creationId xmlns:a16="http://schemas.microsoft.com/office/drawing/2014/main" id="{737185EF-23C0-4996-B8AD-822F238FC53F}"/>
+                <a16:creationId xmlns:a16="http://schemas.microsoft.com/office/drawing/2014/main" id="{400DE6A6-6594-4799-87FA-D2C785015F6A}"/>
               </a:ext>
             </a:extLst>
           </p:cNvPr>
@@ -17786,7 +18057,7 @@
           <a:p>
             <a:r>
               <a:rPr lang="en-US" sz="4000" dirty="0"/>
-              <a:t>Elementary principles of derivative pricing-Arbitrage</a:t>
+              <a:t>Elementary principles of derivative pricing	</a:t>
             </a:r>
           </a:p>
         </p:txBody>
@@ -17796,7 +18067,7 @@
           <p:cNvPr id="3" name="Content Placeholder 2">
             <a:extLst>
               <a:ext uri="{FF2B5EF4-FFF2-40B4-BE49-F238E27FC236}">
-                <a16:creationId xmlns:a16="http://schemas.microsoft.com/office/drawing/2014/main" id="{E052CFE4-4415-4BD8-9BF3-7801A1F1C482}"/>
+                <a16:creationId xmlns:a16="http://schemas.microsoft.com/office/drawing/2014/main" id="{4DE16CFC-EABE-4ACE-BFD3-4C0F750AE28D}"/>
               </a:ext>
             </a:extLst>
           </p:cNvPr>
@@ -17813,32 +18084,64 @@
           <a:lstStyle/>
           <a:p>
             <a:r>
-              <a:rPr lang="en-US" dirty="0"/>
-              <a:t>Tencent S</a:t>
-            </a:r>
-            <a:r>
-              <a:rPr lang="en-US" baseline="-25000" dirty="0"/>
+              <a:rPr lang="en-US" sz="3200" dirty="0"/>
+              <a:t>F</a:t>
+            </a:r>
+            <a:r>
+              <a:rPr lang="en-US" sz="3200" baseline="-25000" dirty="0"/>
+              <a:t>T</a:t>
+            </a:r>
+            <a:r>
+              <a:rPr lang="en-US" sz="3200" dirty="0"/>
+              <a:t>=(S</a:t>
+            </a:r>
+            <a:r>
+              <a:rPr lang="en-US" sz="3200" baseline="-25000" dirty="0"/>
               <a:t>0</a:t>
             </a:r>
             <a:r>
-              <a:rPr lang="en-US" dirty="0"/>
-              <a:t>=500, F</a:t>
-            </a:r>
-            <a:r>
-              <a:rPr lang="en-US" baseline="-25000" dirty="0"/>
-              <a:t>1</a:t>
-            </a:r>
-            <a:r>
-              <a:rPr lang="en-US" dirty="0"/>
-              <a:t>=530 , RF=4%</a:t>
-            </a:r>
+              <a:rPr lang="en-US" sz="3200" dirty="0"/>
+              <a:t>+cost</a:t>
+            </a:r>
+            <a:r>
+              <a:rPr lang="en-US" sz="3200" baseline="-25000" dirty="0"/>
+              <a:t>0</a:t>
+            </a:r>
+            <a:r>
+              <a:rPr lang="en-US" sz="3200" dirty="0"/>
+              <a:t>-benefit</a:t>
+            </a:r>
+            <a:r>
+              <a:rPr lang="en-US" sz="3200" baseline="-25000" dirty="0"/>
+              <a:t>0</a:t>
+            </a:r>
+            <a:r>
+              <a:rPr lang="en-US" sz="3200" dirty="0"/>
+              <a:t>)*(1+rf)</a:t>
+            </a:r>
+            <a:r>
+              <a:rPr lang="en-US" sz="3200" baseline="30000" dirty="0"/>
+              <a:t>T</a:t>
+            </a:r>
+          </a:p>
+          <a:p>
+            <a:pPr marL="0" indent="0">
+              <a:buNone/>
+            </a:pPr>
+            <a:endParaRPr lang="en-US" dirty="0"/>
+          </a:p>
+          <a:p>
+            <a:endParaRPr lang="en-US" dirty="0"/>
+          </a:p>
+          <a:p>
+            <a:endParaRPr lang="en-US" dirty="0"/>
           </a:p>
         </p:txBody>
       </p:sp>
     </p:spTree>
     <p:extLst>
       <p:ext uri="{BB962C8B-B14F-4D97-AF65-F5344CB8AC3E}">
-        <p14:creationId xmlns:p14="http://schemas.microsoft.com/office/powerpoint/2010/main" val="2233100900"/>
+        <p14:creationId xmlns:p14="http://schemas.microsoft.com/office/powerpoint/2010/main" val="3291422637"/>
       </p:ext>
     </p:extLst>
   </p:cSld>
@@ -17870,6 +18173,473 @@
           <p:cNvPr id="2" name="Title 1">
             <a:extLst>
               <a:ext uri="{FF2B5EF4-FFF2-40B4-BE49-F238E27FC236}">
+                <a16:creationId xmlns:a16="http://schemas.microsoft.com/office/drawing/2014/main" id="{E27110C5-F8BA-45AC-995C-2B423C07E872}"/>
+              </a:ext>
+            </a:extLst>
+          </p:cNvPr>
+          <p:cNvSpPr>
+            <a:spLocks noGrp="1"/>
+          </p:cNvSpPr>
+          <p:nvPr>
+            <p:ph type="title"/>
+          </p:nvPr>
+        </p:nvSpPr>
+        <p:spPr/>
+        <p:txBody>
+          <a:bodyPr>
+            <a:normAutofit/>
+          </a:bodyPr>
+          <a:lstStyle/>
+          <a:p>
+            <a:r>
+              <a:rPr lang="en-US" sz="4000" dirty="0"/>
+              <a:t>Elementary principles of derivative pricing-Storage</a:t>
+            </a:r>
+          </a:p>
+        </p:txBody>
+      </p:sp>
+      <p:sp>
+        <p:nvSpPr>
+          <p:cNvPr id="3" name="Content Placeholder 2">
+            <a:extLst>
+              <a:ext uri="{FF2B5EF4-FFF2-40B4-BE49-F238E27FC236}">
+                <a16:creationId xmlns:a16="http://schemas.microsoft.com/office/drawing/2014/main" id="{EDD93B4A-D015-42DB-ADD3-572F3F689EF3}"/>
+              </a:ext>
+            </a:extLst>
+          </p:cNvPr>
+          <p:cNvSpPr>
+            <a:spLocks noGrp="1"/>
+          </p:cNvSpPr>
+          <p:nvPr>
+            <p:ph idx="1"/>
+          </p:nvPr>
+        </p:nvSpPr>
+        <p:spPr/>
+        <p:txBody>
+          <a:bodyPr/>
+          <a:lstStyle/>
+          <a:p>
+            <a:r>
+              <a:rPr lang="en-US" dirty="0"/>
+              <a:t>Storage incurs costs.(commodity)</a:t>
+            </a:r>
+          </a:p>
+          <a:p>
+            <a:r>
+              <a:rPr lang="en-US" dirty="0"/>
+              <a:t>Some assets pay returns during storage.(financial asset)</a:t>
+            </a:r>
+          </a:p>
+          <a:p>
+            <a:endParaRPr lang="en-US" dirty="0"/>
+          </a:p>
+        </p:txBody>
+      </p:sp>
+    </p:spTree>
+    <p:extLst>
+      <p:ext uri="{BB962C8B-B14F-4D97-AF65-F5344CB8AC3E}">
+        <p14:creationId xmlns:p14="http://schemas.microsoft.com/office/powerpoint/2010/main" val="3268475084"/>
+      </p:ext>
+    </p:extLst>
+  </p:cSld>
+  <p:clrMapOvr>
+    <a:masterClrMapping/>
+  </p:clrMapOvr>
+</p:sld>
+</file>
+
+<file path=ppt/slides/slide73.xml><?xml version="1.0" encoding="utf-8"?>
+<p:sld xmlns:a="http://schemas.openxmlformats.org/drawingml/2006/main" xmlns:r="http://schemas.openxmlformats.org/officeDocument/2006/relationships" xmlns:p="http://schemas.openxmlformats.org/presentationml/2006/main">
+  <p:cSld>
+    <p:spTree>
+      <p:nvGrpSpPr>
+        <p:cNvPr id="1" name=""/>
+        <p:cNvGrpSpPr/>
+        <p:nvPr/>
+      </p:nvGrpSpPr>
+      <p:grpSpPr>
+        <a:xfrm>
+          <a:off x="0" y="0"/>
+          <a:ext cx="0" cy="0"/>
+          <a:chOff x="0" y="0"/>
+          <a:chExt cx="0" cy="0"/>
+        </a:xfrm>
+      </p:grpSpPr>
+      <p:sp>
+        <p:nvSpPr>
+          <p:cNvPr id="2" name="Title 1">
+            <a:extLst>
+              <a:ext uri="{FF2B5EF4-FFF2-40B4-BE49-F238E27FC236}">
+                <a16:creationId xmlns:a16="http://schemas.microsoft.com/office/drawing/2014/main" id="{6C9DE97C-F9BE-4030-983F-36EB31059087}"/>
+              </a:ext>
+            </a:extLst>
+          </p:cNvPr>
+          <p:cNvSpPr>
+            <a:spLocks noGrp="1"/>
+          </p:cNvSpPr>
+          <p:nvPr>
+            <p:ph type="title"/>
+          </p:nvPr>
+        </p:nvSpPr>
+        <p:spPr/>
+        <p:txBody>
+          <a:bodyPr>
+            <a:normAutofit/>
+          </a:bodyPr>
+          <a:lstStyle/>
+          <a:p>
+            <a:r>
+              <a:rPr lang="en-US" sz="4000" dirty="0"/>
+              <a:t>Elementary principles of derivative pricing-Arbitrage</a:t>
+            </a:r>
+          </a:p>
+        </p:txBody>
+      </p:sp>
+      <p:sp>
+        <p:nvSpPr>
+          <p:cNvPr id="3" name="Content Placeholder 2">
+            <a:extLst>
+              <a:ext uri="{FF2B5EF4-FFF2-40B4-BE49-F238E27FC236}">
+                <a16:creationId xmlns:a16="http://schemas.microsoft.com/office/drawing/2014/main" id="{40CEE757-6D71-4744-82DB-2F1B2E2E54BE}"/>
+              </a:ext>
+            </a:extLst>
+          </p:cNvPr>
+          <p:cNvSpPr>
+            <a:spLocks noGrp="1"/>
+          </p:cNvSpPr>
+          <p:nvPr>
+            <p:ph idx="1"/>
+          </p:nvPr>
+        </p:nvSpPr>
+        <p:spPr/>
+        <p:txBody>
+          <a:bodyPr/>
+          <a:lstStyle/>
+          <a:p>
+            <a:r>
+              <a:rPr lang="en-US" dirty="0"/>
+              <a:t>In well- functioning markets with low transaction costs and a free flow of information, the </a:t>
+            </a:r>
+            <a:r>
+              <a:rPr lang="en-US" dirty="0">
+                <a:solidFill>
+                  <a:srgbClr val="FF0000"/>
+                </a:solidFill>
+              </a:rPr>
+              <a:t>same asset cannot sell for more than one price</a:t>
+            </a:r>
+            <a:r>
+              <a:rPr lang="en-US" dirty="0"/>
+              <a:t>.</a:t>
+            </a:r>
+          </a:p>
+          <a:p>
+            <a:r>
+              <a:rPr lang="en-US" dirty="0"/>
+              <a:t>For this reason, arbitrage is often referred to as the </a:t>
+            </a:r>
+            <a:r>
+              <a:rPr lang="en-US" dirty="0">
+                <a:solidFill>
+                  <a:srgbClr val="FF0000"/>
+                </a:solidFill>
+              </a:rPr>
+              <a:t>law of one price</a:t>
+            </a:r>
+            <a:r>
+              <a:rPr lang="en-US" dirty="0"/>
+              <a:t>.</a:t>
+            </a:r>
+          </a:p>
+          <a:p>
+            <a:r>
+              <a:rPr lang="en-US" dirty="0"/>
+              <a:t>This trade would </a:t>
+            </a:r>
+            <a:r>
+              <a:rPr lang="en-US" dirty="0">
+                <a:solidFill>
+                  <a:srgbClr val="FF0000"/>
+                </a:solidFill>
+              </a:rPr>
+              <a:t>get profit at no risk </a:t>
+            </a:r>
+            <a:r>
+              <a:rPr lang="en-US" dirty="0"/>
+              <a:t>and </a:t>
+            </a:r>
+            <a:r>
+              <a:rPr lang="en-US" dirty="0">
+                <a:solidFill>
+                  <a:srgbClr val="FF0000"/>
+                </a:solidFill>
+              </a:rPr>
+              <a:t>not require the commitment of any of the investor’s capital</a:t>
+            </a:r>
+            <a:r>
+              <a:rPr lang="en-US" dirty="0"/>
+              <a:t>.</a:t>
+            </a:r>
+          </a:p>
+          <a:p>
+            <a:r>
+              <a:rPr lang="en-US" dirty="0"/>
+              <a:t>To summarize, the forces of arbitrage in financial markets assure us that the </a:t>
+            </a:r>
+            <a:r>
+              <a:rPr lang="en-US" dirty="0">
+                <a:solidFill>
+                  <a:srgbClr val="FF0000"/>
+                </a:solidFill>
+              </a:rPr>
+              <a:t>same asset cannot sell for different prices</a:t>
+            </a:r>
+            <a:r>
+              <a:rPr lang="en-US" dirty="0"/>
+              <a:t>, nor can </a:t>
+            </a:r>
+            <a:r>
+              <a:rPr lang="en-US" dirty="0">
+                <a:solidFill>
+                  <a:srgbClr val="FF0000"/>
+                </a:solidFill>
+              </a:rPr>
+              <a:t>two equivalent combinations of assets that produce the same results sell for different prices</a:t>
+            </a:r>
+            <a:r>
+              <a:rPr lang="en-US" dirty="0"/>
+              <a:t>.</a:t>
+            </a:r>
+          </a:p>
+        </p:txBody>
+      </p:sp>
+    </p:spTree>
+    <p:extLst>
+      <p:ext uri="{BB962C8B-B14F-4D97-AF65-F5344CB8AC3E}">
+        <p14:creationId xmlns:p14="http://schemas.microsoft.com/office/powerpoint/2010/main" val="4154657851"/>
+      </p:ext>
+    </p:extLst>
+  </p:cSld>
+  <p:clrMapOvr>
+    <a:masterClrMapping/>
+  </p:clrMapOvr>
+</p:sld>
+</file>
+
+<file path=ppt/slides/slide74.xml><?xml version="1.0" encoding="utf-8"?>
+<p:sld xmlns:a="http://schemas.openxmlformats.org/drawingml/2006/main" xmlns:r="http://schemas.openxmlformats.org/officeDocument/2006/relationships" xmlns:p="http://schemas.openxmlformats.org/presentationml/2006/main">
+  <p:cSld>
+    <p:spTree>
+      <p:nvGrpSpPr>
+        <p:cNvPr id="1" name=""/>
+        <p:cNvGrpSpPr/>
+        <p:nvPr/>
+      </p:nvGrpSpPr>
+      <p:grpSpPr>
+        <a:xfrm>
+          <a:off x="0" y="0"/>
+          <a:ext cx="0" cy="0"/>
+          <a:chOff x="0" y="0"/>
+          <a:chExt cx="0" cy="0"/>
+        </a:xfrm>
+      </p:grpSpPr>
+      <p:sp>
+        <p:nvSpPr>
+          <p:cNvPr id="2" name="Title 1">
+            <a:extLst>
+              <a:ext uri="{FF2B5EF4-FFF2-40B4-BE49-F238E27FC236}">
+                <a16:creationId xmlns:a16="http://schemas.microsoft.com/office/drawing/2014/main" id="{4EE68B82-6AB7-4B2C-9CE0-91C5F1189BC5}"/>
+              </a:ext>
+            </a:extLst>
+          </p:cNvPr>
+          <p:cNvSpPr>
+            <a:spLocks noGrp="1"/>
+          </p:cNvSpPr>
+          <p:nvPr>
+            <p:ph type="title"/>
+          </p:nvPr>
+        </p:nvSpPr>
+        <p:spPr/>
+        <p:txBody>
+          <a:bodyPr>
+            <a:normAutofit/>
+          </a:bodyPr>
+          <a:lstStyle/>
+          <a:p>
+            <a:r>
+              <a:rPr lang="en-US" sz="4000" dirty="0"/>
+              <a:t>Elementary principles of derivative pricing-Arbitrage</a:t>
+            </a:r>
+          </a:p>
+        </p:txBody>
+      </p:sp>
+      <p:sp>
+        <p:nvSpPr>
+          <p:cNvPr id="3" name="Content Placeholder 2">
+            <a:extLst>
+              <a:ext uri="{FF2B5EF4-FFF2-40B4-BE49-F238E27FC236}">
+                <a16:creationId xmlns:a16="http://schemas.microsoft.com/office/drawing/2014/main" id="{1980A05C-5D81-4FA2-869F-6046DD73C512}"/>
+              </a:ext>
+            </a:extLst>
+          </p:cNvPr>
+          <p:cNvSpPr>
+            <a:spLocks noGrp="1"/>
+          </p:cNvSpPr>
+          <p:nvPr>
+            <p:ph idx="1"/>
+          </p:nvPr>
+        </p:nvSpPr>
+        <p:spPr/>
+        <p:txBody>
+          <a:bodyPr/>
+          <a:lstStyle/>
+          <a:p>
+            <a:r>
+              <a:rPr lang="en-US" dirty="0"/>
+              <a:t>Tencent  A:600  B:610</a:t>
+            </a:r>
+          </a:p>
+        </p:txBody>
+      </p:sp>
+    </p:spTree>
+    <p:extLst>
+      <p:ext uri="{BB962C8B-B14F-4D97-AF65-F5344CB8AC3E}">
+        <p14:creationId xmlns:p14="http://schemas.microsoft.com/office/powerpoint/2010/main" val="2625465975"/>
+      </p:ext>
+    </p:extLst>
+  </p:cSld>
+  <p:clrMapOvr>
+    <a:masterClrMapping/>
+  </p:clrMapOvr>
+</p:sld>
+</file>
+
+<file path=ppt/slides/slide75.xml><?xml version="1.0" encoding="utf-8"?>
+<p:sld xmlns:a="http://schemas.openxmlformats.org/drawingml/2006/main" xmlns:r="http://schemas.openxmlformats.org/officeDocument/2006/relationships" xmlns:p="http://schemas.openxmlformats.org/presentationml/2006/main">
+  <p:cSld>
+    <p:spTree>
+      <p:nvGrpSpPr>
+        <p:cNvPr id="1" name=""/>
+        <p:cNvGrpSpPr/>
+        <p:nvPr/>
+      </p:nvGrpSpPr>
+      <p:grpSpPr>
+        <a:xfrm>
+          <a:off x="0" y="0"/>
+          <a:ext cx="0" cy="0"/>
+          <a:chOff x="0" y="0"/>
+          <a:chExt cx="0" cy="0"/>
+        </a:xfrm>
+      </p:grpSpPr>
+      <p:sp>
+        <p:nvSpPr>
+          <p:cNvPr id="2" name="Title 1">
+            <a:extLst>
+              <a:ext uri="{FF2B5EF4-FFF2-40B4-BE49-F238E27FC236}">
+                <a16:creationId xmlns:a16="http://schemas.microsoft.com/office/drawing/2014/main" id="{737185EF-23C0-4996-B8AD-822F238FC53F}"/>
+              </a:ext>
+            </a:extLst>
+          </p:cNvPr>
+          <p:cNvSpPr>
+            <a:spLocks noGrp="1"/>
+          </p:cNvSpPr>
+          <p:nvPr>
+            <p:ph type="title"/>
+          </p:nvPr>
+        </p:nvSpPr>
+        <p:spPr/>
+        <p:txBody>
+          <a:bodyPr>
+            <a:normAutofit/>
+          </a:bodyPr>
+          <a:lstStyle/>
+          <a:p>
+            <a:r>
+              <a:rPr lang="en-US" sz="4000" dirty="0"/>
+              <a:t>Elementary principles of derivative pricing-Arbitrage</a:t>
+            </a:r>
+          </a:p>
+        </p:txBody>
+      </p:sp>
+      <p:sp>
+        <p:nvSpPr>
+          <p:cNvPr id="3" name="Content Placeholder 2">
+            <a:extLst>
+              <a:ext uri="{FF2B5EF4-FFF2-40B4-BE49-F238E27FC236}">
+                <a16:creationId xmlns:a16="http://schemas.microsoft.com/office/drawing/2014/main" id="{E052CFE4-4415-4BD8-9BF3-7801A1F1C482}"/>
+              </a:ext>
+            </a:extLst>
+          </p:cNvPr>
+          <p:cNvSpPr>
+            <a:spLocks noGrp="1"/>
+          </p:cNvSpPr>
+          <p:nvPr>
+            <p:ph idx="1"/>
+          </p:nvPr>
+        </p:nvSpPr>
+        <p:spPr/>
+        <p:txBody>
+          <a:bodyPr/>
+          <a:lstStyle/>
+          <a:p>
+            <a:r>
+              <a:rPr lang="en-US" dirty="0"/>
+              <a:t>Tencent S</a:t>
+            </a:r>
+            <a:r>
+              <a:rPr lang="en-US" baseline="-25000" dirty="0"/>
+              <a:t>0</a:t>
+            </a:r>
+            <a:r>
+              <a:rPr lang="en-US" dirty="0"/>
+              <a:t>=500, F</a:t>
+            </a:r>
+            <a:r>
+              <a:rPr lang="en-US" baseline="-25000" dirty="0"/>
+              <a:t>1</a:t>
+            </a:r>
+            <a:r>
+              <a:rPr lang="en-US" dirty="0"/>
+              <a:t>=530 , RF=4%</a:t>
+            </a:r>
+          </a:p>
+        </p:txBody>
+      </p:sp>
+    </p:spTree>
+    <p:extLst>
+      <p:ext uri="{BB962C8B-B14F-4D97-AF65-F5344CB8AC3E}">
+        <p14:creationId xmlns:p14="http://schemas.microsoft.com/office/powerpoint/2010/main" val="2233100900"/>
+      </p:ext>
+    </p:extLst>
+  </p:cSld>
+  <p:clrMapOvr>
+    <a:masterClrMapping/>
+  </p:clrMapOvr>
+</p:sld>
+</file>
+
+<file path=ppt/slides/slide76.xml><?xml version="1.0" encoding="utf-8"?>
+<p:sld xmlns:a="http://schemas.openxmlformats.org/drawingml/2006/main" xmlns:r="http://schemas.openxmlformats.org/officeDocument/2006/relationships" xmlns:p="http://schemas.openxmlformats.org/presentationml/2006/main">
+  <p:cSld>
+    <p:spTree>
+      <p:nvGrpSpPr>
+        <p:cNvPr id="1" name=""/>
+        <p:cNvGrpSpPr/>
+        <p:nvPr/>
+      </p:nvGrpSpPr>
+      <p:grpSpPr>
+        <a:xfrm>
+          <a:off x="0" y="0"/>
+          <a:ext cx="0" cy="0"/>
+          <a:chOff x="0" y="0"/>
+          <a:chExt cx="0" cy="0"/>
+        </a:xfrm>
+      </p:grpSpPr>
+      <p:sp>
+        <p:nvSpPr>
+          <p:cNvPr id="2" name="Title 1">
+            <a:extLst>
+              <a:ext uri="{FF2B5EF4-FFF2-40B4-BE49-F238E27FC236}">
                 <a16:creationId xmlns:a16="http://schemas.microsoft.com/office/drawing/2014/main" id="{EAAA22BD-DB45-4D1F-9302-275D4DA4CDD4}"/>
               </a:ext>
             </a:extLst>
@@ -17955,7 +18725,7 @@
 </p:sld>
 </file>
 
-<file path=ppt/slides/slide73.xml><?xml version="1.0" encoding="utf-8"?>
+<file path=ppt/slides/slide77.xml><?xml version="1.0" encoding="utf-8"?>
 <p:sld xmlns:a="http://schemas.openxmlformats.org/drawingml/2006/main" xmlns:r="http://schemas.openxmlformats.org/officeDocument/2006/relationships" xmlns:p="http://schemas.openxmlformats.org/presentationml/2006/main">
   <p:cSld>
     <p:spTree>
@@ -18044,7 +18814,7 @@
 </p:sld>
 </file>
 
-<file path=ppt/slides/slide74.xml><?xml version="1.0" encoding="utf-8"?>
+<file path=ppt/slides/slide78.xml><?xml version="1.0" encoding="utf-8"?>
 <p:sld xmlns:a="http://schemas.openxmlformats.org/drawingml/2006/main" xmlns:r="http://schemas.openxmlformats.org/officeDocument/2006/relationships" xmlns:p="http://schemas.openxmlformats.org/presentationml/2006/main">
   <p:cSld>
     <p:spTree>
@@ -18180,7 +18950,7 @@
 </p:sld>
 </file>
 
-<file path=ppt/slides/slide75.xml><?xml version="1.0" encoding="utf-8"?>
+<file path=ppt/slides/slide79.xml><?xml version="1.0" encoding="utf-8"?>
 <p:sld xmlns:a="http://schemas.openxmlformats.org/drawingml/2006/main" xmlns:r="http://schemas.openxmlformats.org/officeDocument/2006/relationships" xmlns:p="http://schemas.openxmlformats.org/presentationml/2006/main">
   <p:cSld>
     <p:spTree>

--- a/Reading 46.pptx
+++ b/Reading 46.pptx
@@ -22,68 +22,67 @@
     <p:sldId id="264" r:id="rId16"/>
     <p:sldId id="261" r:id="rId17"/>
     <p:sldId id="336" r:id="rId18"/>
-    <p:sldId id="337" r:id="rId19"/>
-    <p:sldId id="338" r:id="rId20"/>
-    <p:sldId id="339" r:id="rId21"/>
-    <p:sldId id="316" r:id="rId22"/>
-    <p:sldId id="271" r:id="rId23"/>
-    <p:sldId id="265" r:id="rId24"/>
-    <p:sldId id="273" r:id="rId25"/>
-    <p:sldId id="272" r:id="rId26"/>
-    <p:sldId id="267" r:id="rId27"/>
-    <p:sldId id="268" r:id="rId28"/>
-    <p:sldId id="317" r:id="rId29"/>
-    <p:sldId id="269" r:id="rId30"/>
-    <p:sldId id="274" r:id="rId31"/>
-    <p:sldId id="275" r:id="rId32"/>
-    <p:sldId id="276" r:id="rId33"/>
-    <p:sldId id="277" r:id="rId34"/>
-    <p:sldId id="318" r:id="rId35"/>
-    <p:sldId id="278" r:id="rId36"/>
-    <p:sldId id="279" r:id="rId37"/>
-    <p:sldId id="280" r:id="rId38"/>
-    <p:sldId id="281" r:id="rId39"/>
-    <p:sldId id="282" r:id="rId40"/>
-    <p:sldId id="283" r:id="rId41"/>
-    <p:sldId id="284" r:id="rId42"/>
-    <p:sldId id="285" r:id="rId43"/>
-    <p:sldId id="286" r:id="rId44"/>
-    <p:sldId id="287" r:id="rId45"/>
-    <p:sldId id="288" r:id="rId46"/>
-    <p:sldId id="319" r:id="rId47"/>
-    <p:sldId id="320" r:id="rId48"/>
-    <p:sldId id="289" r:id="rId49"/>
-    <p:sldId id="290" r:id="rId50"/>
-    <p:sldId id="291" r:id="rId51"/>
-    <p:sldId id="292" r:id="rId52"/>
-    <p:sldId id="293" r:id="rId53"/>
-    <p:sldId id="294" r:id="rId54"/>
-    <p:sldId id="321" r:id="rId55"/>
-    <p:sldId id="295" r:id="rId56"/>
-    <p:sldId id="296" r:id="rId57"/>
-    <p:sldId id="297" r:id="rId58"/>
-    <p:sldId id="302" r:id="rId59"/>
-    <p:sldId id="303" r:id="rId60"/>
-    <p:sldId id="298" r:id="rId61"/>
-    <p:sldId id="299" r:id="rId62"/>
-    <p:sldId id="322" r:id="rId63"/>
-    <p:sldId id="323" r:id="rId64"/>
-    <p:sldId id="324" r:id="rId65"/>
-    <p:sldId id="301" r:id="rId66"/>
-    <p:sldId id="300" r:id="rId67"/>
-    <p:sldId id="306" r:id="rId68"/>
-    <p:sldId id="304" r:id="rId69"/>
-    <p:sldId id="305" r:id="rId70"/>
-    <p:sldId id="307" r:id="rId71"/>
-    <p:sldId id="308" r:id="rId72"/>
-    <p:sldId id="309" r:id="rId73"/>
-    <p:sldId id="310" r:id="rId74"/>
-    <p:sldId id="325" r:id="rId75"/>
-    <p:sldId id="326" r:id="rId76"/>
-    <p:sldId id="327" r:id="rId77"/>
-    <p:sldId id="311" r:id="rId78"/>
-    <p:sldId id="312" r:id="rId79"/>
-    <p:sldId id="313" r:id="rId80"/>
+    <p:sldId id="338" r:id="rId19"/>
+    <p:sldId id="339" r:id="rId20"/>
+    <p:sldId id="316" r:id="rId21"/>
+    <p:sldId id="271" r:id="rId22"/>
+    <p:sldId id="265" r:id="rId23"/>
+    <p:sldId id="273" r:id="rId24"/>
+    <p:sldId id="272" r:id="rId25"/>
+    <p:sldId id="267" r:id="rId26"/>
+    <p:sldId id="268" r:id="rId27"/>
+    <p:sldId id="317" r:id="rId28"/>
+    <p:sldId id="269" r:id="rId29"/>
+    <p:sldId id="274" r:id="rId30"/>
+    <p:sldId id="275" r:id="rId31"/>
+    <p:sldId id="276" r:id="rId32"/>
+    <p:sldId id="277" r:id="rId33"/>
+    <p:sldId id="318" r:id="rId34"/>
+    <p:sldId id="278" r:id="rId35"/>
+    <p:sldId id="279" r:id="rId36"/>
+    <p:sldId id="280" r:id="rId37"/>
+    <p:sldId id="281" r:id="rId38"/>
+    <p:sldId id="282" r:id="rId39"/>
+    <p:sldId id="283" r:id="rId40"/>
+    <p:sldId id="284" r:id="rId41"/>
+    <p:sldId id="285" r:id="rId42"/>
+    <p:sldId id="286" r:id="rId43"/>
+    <p:sldId id="287" r:id="rId44"/>
+    <p:sldId id="288" r:id="rId45"/>
+    <p:sldId id="319" r:id="rId46"/>
+    <p:sldId id="320" r:id="rId47"/>
+    <p:sldId id="289" r:id="rId48"/>
+    <p:sldId id="290" r:id="rId49"/>
+    <p:sldId id="291" r:id="rId50"/>
+    <p:sldId id="292" r:id="rId51"/>
+    <p:sldId id="293" r:id="rId52"/>
+    <p:sldId id="294" r:id="rId53"/>
+    <p:sldId id="321" r:id="rId54"/>
+    <p:sldId id="295" r:id="rId55"/>
+    <p:sldId id="296" r:id="rId56"/>
+    <p:sldId id="297" r:id="rId57"/>
+    <p:sldId id="302" r:id="rId58"/>
+    <p:sldId id="303" r:id="rId59"/>
+    <p:sldId id="298" r:id="rId60"/>
+    <p:sldId id="299" r:id="rId61"/>
+    <p:sldId id="322" r:id="rId62"/>
+    <p:sldId id="323" r:id="rId63"/>
+    <p:sldId id="324" r:id="rId64"/>
+    <p:sldId id="301" r:id="rId65"/>
+    <p:sldId id="300" r:id="rId66"/>
+    <p:sldId id="306" r:id="rId67"/>
+    <p:sldId id="304" r:id="rId68"/>
+    <p:sldId id="305" r:id="rId69"/>
+    <p:sldId id="307" r:id="rId70"/>
+    <p:sldId id="308" r:id="rId71"/>
+    <p:sldId id="309" r:id="rId72"/>
+    <p:sldId id="310" r:id="rId73"/>
+    <p:sldId id="325" r:id="rId74"/>
+    <p:sldId id="326" r:id="rId75"/>
+    <p:sldId id="327" r:id="rId76"/>
+    <p:sldId id="311" r:id="rId77"/>
+    <p:sldId id="312" r:id="rId78"/>
+    <p:sldId id="313" r:id="rId79"/>
   </p:sldIdLst>
   <p:sldSz cx="12192000" cy="6858000"/>
   <p:notesSz cx="6858000" cy="9144000"/>
@@ -220,7 +219,6 @@
             <p14:sldId id="264"/>
             <p14:sldId id="261"/>
             <p14:sldId id="336"/>
-            <p14:sldId id="337"/>
             <p14:sldId id="338"/>
             <p14:sldId id="339"/>
           </p14:sldIdLst>
@@ -6676,11 +6674,11 @@
           <a:lstStyle/>
           <a:p>
             <a:r>
-              <a:rPr lang="en-US" sz="2400" dirty="0"/>
+              <a:rPr lang="en-US" sz="2800" dirty="0"/>
               <a:t>The forward, futures, or swap </a:t>
             </a:r>
             <a:r>
-              <a:rPr lang="en-US" sz="2400" dirty="0">
+              <a:rPr lang="en-US" sz="2800" dirty="0">
                 <a:solidFill>
                   <a:srgbClr val="FF0000"/>
                 </a:solidFill>
@@ -6688,55 +6686,35 @@
               <a:t>price</a:t>
             </a:r>
             <a:r>
-              <a:rPr lang="en-US" sz="2400" dirty="0"/>
+              <a:rPr lang="en-US" sz="2800" dirty="0"/>
               <a:t> is a concept that represents the fixed price or rate at which the underlying will be purchased at a later date.</a:t>
             </a:r>
           </a:p>
           <a:p>
             <a:r>
-              <a:rPr lang="en-US" sz="2400" dirty="0"/>
-              <a:t>Let us start by establishing that today, at time 0, we create a forward commitment that expires at time T. The value of the underlying today is </a:t>
-            </a:r>
-            <a:r>
-              <a:rPr lang="en-US" sz="2400" dirty="0">
+              <a:rPr lang="en-US" sz="2800" dirty="0"/>
+              <a:t>In the financial world, we generally define value as the value to the </a:t>
+            </a:r>
+            <a:r>
+              <a:rPr lang="en-US" sz="2800" dirty="0">
                 <a:solidFill>
                   <a:srgbClr val="FF0000"/>
                 </a:solidFill>
               </a:rPr>
-              <a:t>S</a:t>
-            </a:r>
-            <a:r>
-              <a:rPr lang="en-US" sz="2400" baseline="-25000" dirty="0">
-                <a:solidFill>
-                  <a:srgbClr val="FF0000"/>
-                </a:solidFill>
-              </a:rPr>
-              <a:t>0</a:t>
-            </a:r>
-            <a:r>
-              <a:rPr lang="en-US" sz="2400" dirty="0"/>
-              <a:t>. At expiration the underlying value is </a:t>
-            </a:r>
-            <a:r>
-              <a:rPr lang="en-US" sz="2400" dirty="0">
-                <a:solidFill>
-                  <a:srgbClr val="FF0000"/>
-                </a:solidFill>
-              </a:rPr>
-              <a:t>S</a:t>
-            </a:r>
-            <a:r>
-              <a:rPr lang="en-US" sz="2400" baseline="-25000" dirty="0">
-                <a:solidFill>
-                  <a:srgbClr val="FF0000"/>
-                </a:solidFill>
-              </a:rPr>
-              <a:t>T</a:t>
-            </a:r>
-            <a:r>
-              <a:rPr lang="en-US" sz="2400" dirty="0"/>
-              <a:t>, which is not known at the initiation of the contract.</a:t>
-            </a:r>
+              <a:t>long</a:t>
+            </a:r>
+            <a:r>
+              <a:rPr lang="en-US" sz="2800" dirty="0"/>
+              <a:t> position</a:t>
+            </a:r>
+            <a:endParaRPr lang="en-US" sz="2800" i="1" dirty="0">
+              <a:solidFill>
+                <a:srgbClr val="FF0000"/>
+              </a:solidFill>
+            </a:endParaRPr>
+          </a:p>
+          <a:p>
+            <a:endParaRPr lang="en-US" sz="2800" dirty="0"/>
           </a:p>
         </p:txBody>
       </p:sp>
@@ -6826,7 +6804,7 @@
         <p:spPr/>
         <p:txBody>
           <a:bodyPr>
-            <a:normAutofit lnSpcReduction="10000"/>
+            <a:normAutofit/>
           </a:bodyPr>
           <a:lstStyle/>
           <a:p>
@@ -6875,117 +6853,6 @@
                 </a:solidFill>
               </a:rPr>
               <a:t>) = 0</a:t>
-            </a:r>
-          </a:p>
-          <a:p>
-            <a:r>
-              <a:rPr lang="en-US" sz="2400" dirty="0"/>
-              <a:t>We can easily solve for the forward price to obtain</a:t>
-            </a:r>
-          </a:p>
-          <a:p>
-            <a:r>
-              <a:rPr lang="en-US" sz="2400" i="1" dirty="0">
-                <a:solidFill>
-                  <a:srgbClr val="FF0000"/>
-                </a:solidFill>
-              </a:rPr>
-              <a:t>F</a:t>
-            </a:r>
-            <a:r>
-              <a:rPr lang="en-US" sz="2400" baseline="-25000" dirty="0">
-                <a:solidFill>
-                  <a:srgbClr val="FF0000"/>
-                </a:solidFill>
-              </a:rPr>
-              <a:t>0</a:t>
-            </a:r>
-            <a:r>
-              <a:rPr lang="en-US" sz="2400" dirty="0">
-                <a:solidFill>
-                  <a:srgbClr val="FF0000"/>
-                </a:solidFill>
-              </a:rPr>
-              <a:t>(</a:t>
-            </a:r>
-            <a:r>
-              <a:rPr lang="en-US" sz="2400" i="1" dirty="0">
-                <a:solidFill>
-                  <a:srgbClr val="FF0000"/>
-                </a:solidFill>
-              </a:rPr>
-              <a:t>T</a:t>
-            </a:r>
-            <a:r>
-              <a:rPr lang="en-US" sz="2400" dirty="0">
-                <a:solidFill>
-                  <a:srgbClr val="FF0000"/>
-                </a:solidFill>
-              </a:rPr>
-              <a:t>) = </a:t>
-            </a:r>
-            <a:r>
-              <a:rPr lang="en-US" sz="2400" i="1" dirty="0">
-                <a:solidFill>
-                  <a:srgbClr val="FF0000"/>
-                </a:solidFill>
-              </a:rPr>
-              <a:t>S</a:t>
-            </a:r>
-            <a:r>
-              <a:rPr lang="en-US" sz="2400" baseline="-25000" dirty="0">
-                <a:solidFill>
-                  <a:srgbClr val="FF0000"/>
-                </a:solidFill>
-              </a:rPr>
-              <a:t>0</a:t>
-            </a:r>
-            <a:r>
-              <a:rPr lang="en-US" sz="2400" dirty="0">
-                <a:solidFill>
-                  <a:srgbClr val="FF0000"/>
-                </a:solidFill>
-              </a:rPr>
-              <a:t>(1 + </a:t>
-            </a:r>
-            <a:r>
-              <a:rPr lang="en-US" sz="2400" i="1" dirty="0">
-                <a:solidFill>
-                  <a:srgbClr val="FF0000"/>
-                </a:solidFill>
-              </a:rPr>
-              <a:t>r</a:t>
-            </a:r>
-            <a:r>
-              <a:rPr lang="en-US" sz="2400" dirty="0">
-                <a:solidFill>
-                  <a:srgbClr val="FF0000"/>
-                </a:solidFill>
-              </a:rPr>
-              <a:t>)</a:t>
-            </a:r>
-            <a:r>
-              <a:rPr lang="en-US" sz="2400" i="1" baseline="30000" dirty="0">
-                <a:solidFill>
-                  <a:srgbClr val="FF0000"/>
-                </a:solidFill>
-              </a:rPr>
-              <a:t>T</a:t>
-            </a:r>
-            <a:endParaRPr lang="en-US" sz="2400" baseline="30000" dirty="0">
-              <a:solidFill>
-                <a:srgbClr val="FF0000"/>
-              </a:solidFill>
-            </a:endParaRPr>
-          </a:p>
-          <a:p>
-            <a:r>
-              <a:rPr lang="en-US" sz="2400" dirty="0">
-                <a:solidFill>
-                  <a:schemeClr val="tx1"/>
-                </a:solidFill>
-              </a:rPr>
-              <a:t>The forward price is the spot price compounded at the risk-free rate over the life of the contract</a:t>
             </a:r>
           </a:p>
           <a:p>
@@ -7083,9 +6950,121 @@
         <p:spPr/>
         <p:txBody>
           <a:bodyPr>
-            <a:normAutofit/>
+            <a:normAutofit lnSpcReduction="10000"/>
           </a:bodyPr>
           <a:lstStyle/>
+          <a:p>
+            <a:r>
+              <a:rPr lang="en-US" sz="2800" dirty="0"/>
+              <a:t>We can easily solve for the forward price to obtain</a:t>
+            </a:r>
+          </a:p>
+          <a:p>
+            <a:r>
+              <a:rPr lang="en-US" sz="2800" i="1" dirty="0">
+                <a:solidFill>
+                  <a:srgbClr val="FF0000"/>
+                </a:solidFill>
+              </a:rPr>
+              <a:t>F</a:t>
+            </a:r>
+            <a:r>
+              <a:rPr lang="en-US" sz="2800" baseline="-25000" dirty="0">
+                <a:solidFill>
+                  <a:srgbClr val="FF0000"/>
+                </a:solidFill>
+              </a:rPr>
+              <a:t>0</a:t>
+            </a:r>
+            <a:r>
+              <a:rPr lang="en-US" sz="2800" dirty="0">
+                <a:solidFill>
+                  <a:srgbClr val="FF0000"/>
+                </a:solidFill>
+              </a:rPr>
+              <a:t>(</a:t>
+            </a:r>
+            <a:r>
+              <a:rPr lang="en-US" sz="2800" i="1" dirty="0">
+                <a:solidFill>
+                  <a:srgbClr val="FF0000"/>
+                </a:solidFill>
+              </a:rPr>
+              <a:t>T</a:t>
+            </a:r>
+            <a:r>
+              <a:rPr lang="en-US" sz="2800" dirty="0">
+                <a:solidFill>
+                  <a:srgbClr val="FF0000"/>
+                </a:solidFill>
+              </a:rPr>
+              <a:t>) = </a:t>
+            </a:r>
+            <a:r>
+              <a:rPr lang="en-US" sz="2800" i="1" dirty="0">
+                <a:solidFill>
+                  <a:srgbClr val="FF0000"/>
+                </a:solidFill>
+              </a:rPr>
+              <a:t>S</a:t>
+            </a:r>
+            <a:r>
+              <a:rPr lang="en-US" sz="2800" baseline="-25000" dirty="0">
+                <a:solidFill>
+                  <a:srgbClr val="FF0000"/>
+                </a:solidFill>
+              </a:rPr>
+              <a:t>0</a:t>
+            </a:r>
+            <a:r>
+              <a:rPr lang="en-US" sz="2800" dirty="0">
+                <a:solidFill>
+                  <a:srgbClr val="FF0000"/>
+                </a:solidFill>
+              </a:rPr>
+              <a:t>(1 + </a:t>
+            </a:r>
+            <a:r>
+              <a:rPr lang="en-US" sz="2800" i="1" dirty="0">
+                <a:solidFill>
+                  <a:srgbClr val="FF0000"/>
+                </a:solidFill>
+              </a:rPr>
+              <a:t>r</a:t>
+            </a:r>
+            <a:r>
+              <a:rPr lang="en-US" sz="2800" dirty="0">
+                <a:solidFill>
+                  <a:srgbClr val="FF0000"/>
+                </a:solidFill>
+              </a:rPr>
+              <a:t>)</a:t>
+            </a:r>
+            <a:r>
+              <a:rPr lang="en-US" sz="2800" i="1" baseline="30000" dirty="0">
+                <a:solidFill>
+                  <a:srgbClr val="FF0000"/>
+                </a:solidFill>
+              </a:rPr>
+              <a:t>T</a:t>
+            </a:r>
+            <a:endParaRPr lang="en-US" sz="2800" baseline="30000" dirty="0">
+              <a:solidFill>
+                <a:srgbClr val="FF0000"/>
+              </a:solidFill>
+            </a:endParaRPr>
+          </a:p>
+          <a:p>
+            <a:r>
+              <a:rPr lang="en-US" sz="2800" dirty="0">
+                <a:solidFill>
+                  <a:schemeClr val="tx1"/>
+                </a:solidFill>
+              </a:rPr>
+              <a:t>The forward price is the spot price compounded at the risk-free rate over the life of the contract</a:t>
+            </a:r>
+            <a:endParaRPr lang="en-US" sz="2800" dirty="0"/>
+          </a:p>
           <a:p>
             <a:r>
               <a:rPr lang="en-US" sz="2800" dirty="0"/>
@@ -7343,20 +7322,6 @@
           <a:p>
             <a:r>
               <a:rPr lang="en-US" sz="2400" dirty="0"/>
-              <a:t>Pricing and Valuation of Forward Contracts at </a:t>
-            </a:r>
-            <a:r>
-              <a:rPr lang="en-US" sz="2400" dirty="0">
-                <a:solidFill>
-                  <a:srgbClr val="FF0000"/>
-                </a:solidFill>
-              </a:rPr>
-              <a:t>Expiration</a:t>
-            </a:r>
-          </a:p>
-          <a:p>
-            <a:r>
-              <a:rPr lang="en-US" sz="2400" dirty="0"/>
               <a:t>The forward price, established at the initiation date of contract is </a:t>
             </a:r>
             <a:r>
@@ -7513,29 +7478,6 @@
               </a:rPr>
               <a:t>)</a:t>
             </a:r>
-          </a:p>
-          <a:p>
-            <a:r>
-              <a:rPr lang="en-US" sz="2400" dirty="0"/>
-              <a:t>In the financial world, we generally define value as the value to the </a:t>
-            </a:r>
-            <a:r>
-              <a:rPr lang="en-US" sz="2400" dirty="0">
-                <a:solidFill>
-                  <a:srgbClr val="FF0000"/>
-                </a:solidFill>
-              </a:rPr>
-              <a:t>long</a:t>
-            </a:r>
-            <a:r>
-              <a:rPr lang="en-US" sz="2400" dirty="0"/>
-              <a:t> position</a:t>
-            </a:r>
-            <a:endParaRPr lang="en-US" sz="2400" i="1" dirty="0">
-              <a:solidFill>
-                <a:srgbClr val="FF0000"/>
-              </a:solidFill>
-            </a:endParaRPr>
           </a:p>
         </p:txBody>
       </p:sp>
@@ -7705,6 +7647,133 @@
             </a:r>
           </a:p>
           <a:p>
+            <a:r>
+              <a:rPr lang="en-US" sz="2400" dirty="0"/>
+              <a:t>If the asset has a cost of carry, we must make only a small adjustment:</a:t>
+            </a:r>
+          </a:p>
+          <a:p>
+            <a:r>
+              <a:rPr lang="en-US" sz="2400" dirty="0">
+                <a:solidFill>
+                  <a:srgbClr val="FF0000"/>
+                </a:solidFill>
+              </a:rPr>
+              <a:t>V</a:t>
+            </a:r>
+            <a:r>
+              <a:rPr lang="en-US" sz="2400" baseline="-25000" dirty="0">
+                <a:solidFill>
+                  <a:srgbClr val="FF0000"/>
+                </a:solidFill>
+              </a:rPr>
+              <a:t>t</a:t>
+            </a:r>
+            <a:r>
+              <a:rPr lang="en-US" sz="2400" dirty="0">
+                <a:solidFill>
+                  <a:srgbClr val="FF0000"/>
+                </a:solidFill>
+              </a:rPr>
+              <a:t>(T) = S</a:t>
+            </a:r>
+            <a:r>
+              <a:rPr lang="en-US" sz="2400" baseline="-25000" dirty="0">
+                <a:solidFill>
+                  <a:srgbClr val="FF0000"/>
+                </a:solidFill>
+              </a:rPr>
+              <a:t>t</a:t>
+            </a:r>
+            <a:r>
+              <a:rPr lang="en-US" sz="2400" dirty="0">
+                <a:solidFill>
+                  <a:srgbClr val="FF0000"/>
+                </a:solidFill>
+              </a:rPr>
+              <a:t> – (γ</a:t>
+            </a:r>
+            <a:r>
+              <a:rPr lang="en-US" sz="2400" baseline="-25000" dirty="0">
+                <a:solidFill>
+                  <a:srgbClr val="FF0000"/>
+                </a:solidFill>
+              </a:rPr>
+              <a:t>0</a:t>
+            </a:r>
+            <a:r>
+              <a:rPr lang="en-US" sz="2400" dirty="0">
+                <a:solidFill>
+                  <a:srgbClr val="FF0000"/>
+                </a:solidFill>
+              </a:rPr>
+              <a:t> – θ</a:t>
+            </a:r>
+            <a:r>
+              <a:rPr lang="en-US" sz="2400" baseline="-25000" dirty="0">
+                <a:solidFill>
+                  <a:srgbClr val="FF0000"/>
+                </a:solidFill>
+              </a:rPr>
+              <a:t>0</a:t>
+            </a:r>
+            <a:r>
+              <a:rPr lang="en-US" sz="2400" dirty="0">
+                <a:solidFill>
+                  <a:srgbClr val="FF0000"/>
+                </a:solidFill>
+              </a:rPr>
+              <a:t>)(1 + r)</a:t>
+            </a:r>
+            <a:r>
+              <a:rPr lang="en-US" sz="2400" baseline="30000" dirty="0">
+                <a:solidFill>
+                  <a:srgbClr val="FF0000"/>
+                </a:solidFill>
+              </a:rPr>
+              <a:t>t</a:t>
+            </a:r>
+            <a:r>
+              <a:rPr lang="en-US" sz="2400" dirty="0">
+                <a:solidFill>
+                  <a:srgbClr val="FF0000"/>
+                </a:solidFill>
+              </a:rPr>
+              <a:t> – F</a:t>
+            </a:r>
+            <a:r>
+              <a:rPr lang="en-US" sz="2400" baseline="-25000" dirty="0">
+                <a:solidFill>
+                  <a:srgbClr val="FF0000"/>
+                </a:solidFill>
+              </a:rPr>
+              <a:t>0</a:t>
+            </a:r>
+            <a:r>
+              <a:rPr lang="en-US" sz="2400" dirty="0">
+                <a:solidFill>
+                  <a:srgbClr val="FF0000"/>
+                </a:solidFill>
+              </a:rPr>
+              <a:t>(T)(1 + r)</a:t>
+            </a:r>
+            <a:r>
+              <a:rPr lang="en-US" sz="2400" baseline="30000" dirty="0">
+                <a:solidFill>
+                  <a:srgbClr val="FF0000"/>
+                </a:solidFill>
+              </a:rPr>
+              <a:t>–(T–t)</a:t>
+            </a:r>
+          </a:p>
+          <a:p>
+            <a:endParaRPr lang="en-US" sz="2400" baseline="30000" dirty="0">
+              <a:solidFill>
+                <a:srgbClr val="FF0000"/>
+              </a:solidFill>
+            </a:endParaRPr>
+          </a:p>
+          <a:p>
             <a:endParaRPr lang="en-US" sz="2400" baseline="30000" dirty="0">
               <a:solidFill>
                 <a:srgbClr val="FF0000"/>
@@ -7762,7 +7831,7 @@
           <p:cNvPr id="2" name="Title 1">
             <a:extLst>
               <a:ext uri="{FF2B5EF4-FFF2-40B4-BE49-F238E27FC236}">
-                <a16:creationId xmlns:a16="http://schemas.microsoft.com/office/drawing/2014/main" id="{646CF681-51E1-4B66-B817-5860C63516A0}"/>
+                <a16:creationId xmlns:a16="http://schemas.microsoft.com/office/drawing/2014/main" id="{1F4BDF94-1C91-4AAB-B970-3C0C61EA63AF}"/>
               </a:ext>
             </a:extLst>
           </p:cNvPr>
@@ -7780,15 +7849,12 @@
           <a:p>
             <a:r>
               <a:rPr lang="en-US" sz="4000" dirty="0"/>
-              <a:t>Pricing and Valuation of Forward</a:t>
+              <a:t>Practices</a:t>
             </a:r>
             <a:br>
               <a:rPr lang="en-US" dirty="0"/>
             </a:br>
-            <a:r>
-              <a:rPr lang="en-US" dirty="0"/>
-              <a:t>Between Initiation and Expiration</a:t>
-            </a:r>
+            <a:endParaRPr lang="en-US" dirty="0"/>
           </a:p>
         </p:txBody>
       </p:sp>
@@ -7797,7 +7863,7 @@
           <p:cNvPr id="3" name="Content Placeholder 2">
             <a:extLst>
               <a:ext uri="{FF2B5EF4-FFF2-40B4-BE49-F238E27FC236}">
-                <a16:creationId xmlns:a16="http://schemas.microsoft.com/office/drawing/2014/main" id="{A2EB3223-9DF7-4006-BEAC-605ED1185AB6}"/>
+                <a16:creationId xmlns:a16="http://schemas.microsoft.com/office/drawing/2014/main" id="{8A07ED40-B086-4B0B-BB68-EC1694F9E2F1}"/>
               </a:ext>
             </a:extLst>
           </p:cNvPr>
@@ -7816,122 +7882,29 @@
           <a:lstStyle/>
           <a:p>
             <a:r>
-              <a:rPr lang="en-US" sz="2800" dirty="0"/>
-              <a:t>If the asset has a cost of carry, we must make only a small adjustment:</a:t>
-            </a:r>
-          </a:p>
-          <a:p>
-            <a:r>
-              <a:rPr lang="en-US" sz="2800" dirty="0">
-                <a:solidFill>
-                  <a:srgbClr val="FF0000"/>
-                </a:solidFill>
-              </a:rPr>
-              <a:t>V</a:t>
-            </a:r>
-            <a:r>
-              <a:rPr lang="en-US" sz="2800" baseline="-25000" dirty="0">
-                <a:solidFill>
-                  <a:srgbClr val="FF0000"/>
-                </a:solidFill>
-              </a:rPr>
-              <a:t>t</a:t>
-            </a:r>
-            <a:r>
-              <a:rPr lang="en-US" sz="2800" dirty="0">
-                <a:solidFill>
-                  <a:srgbClr val="FF0000"/>
-                </a:solidFill>
-              </a:rPr>
-              <a:t>(T) = S</a:t>
-            </a:r>
-            <a:r>
-              <a:rPr lang="en-US" sz="2800" baseline="-25000" dirty="0">
-                <a:solidFill>
-                  <a:srgbClr val="FF0000"/>
-                </a:solidFill>
-              </a:rPr>
-              <a:t>t</a:t>
-            </a:r>
-            <a:r>
-              <a:rPr lang="en-US" sz="2800" dirty="0">
-                <a:solidFill>
-                  <a:srgbClr val="FF0000"/>
-                </a:solidFill>
-              </a:rPr>
-              <a:t> – (γ</a:t>
-            </a:r>
-            <a:r>
-              <a:rPr lang="en-US" sz="2800" baseline="-25000" dirty="0">
-                <a:solidFill>
-                  <a:srgbClr val="FF0000"/>
-                </a:solidFill>
-              </a:rPr>
-              <a:t>0</a:t>
-            </a:r>
-            <a:r>
-              <a:rPr lang="en-US" sz="2800" dirty="0">
-                <a:solidFill>
-                  <a:srgbClr val="FF0000"/>
-                </a:solidFill>
-              </a:rPr>
-              <a:t> – θ</a:t>
-            </a:r>
-            <a:r>
-              <a:rPr lang="en-US" sz="2800" baseline="-25000" dirty="0">
-                <a:solidFill>
-                  <a:srgbClr val="FF0000"/>
-                </a:solidFill>
-              </a:rPr>
-              <a:t>0</a:t>
-            </a:r>
-            <a:r>
-              <a:rPr lang="en-US" sz="2800" dirty="0">
-                <a:solidFill>
-                  <a:srgbClr val="FF0000"/>
-                </a:solidFill>
-              </a:rPr>
-              <a:t>)(1 + r)</a:t>
-            </a:r>
-            <a:r>
-              <a:rPr lang="en-US" sz="2800" baseline="30000" dirty="0">
-                <a:solidFill>
-                  <a:srgbClr val="FF0000"/>
-                </a:solidFill>
-              </a:rPr>
-              <a:t>t</a:t>
-            </a:r>
-            <a:r>
-              <a:rPr lang="en-US" sz="2800" dirty="0">
-                <a:solidFill>
-                  <a:srgbClr val="FF0000"/>
-                </a:solidFill>
-              </a:rPr>
-              <a:t> – F</a:t>
-            </a:r>
-            <a:r>
-              <a:rPr lang="en-US" sz="2800" baseline="-25000" dirty="0">
-                <a:solidFill>
-                  <a:srgbClr val="FF0000"/>
-                </a:solidFill>
-              </a:rPr>
-              <a:t>0</a:t>
-            </a:r>
-            <a:r>
-              <a:rPr lang="en-US" sz="2800" dirty="0">
-                <a:solidFill>
-                  <a:srgbClr val="FF0000"/>
-                </a:solidFill>
-              </a:rPr>
-              <a:t>(T)(1 + r)</a:t>
-            </a:r>
-            <a:r>
-              <a:rPr lang="en-US" sz="2800" baseline="30000" dirty="0">
-                <a:solidFill>
-                  <a:srgbClr val="FF0000"/>
-                </a:solidFill>
-              </a:rPr>
-              <a:t>–(T–t)</a:t>
+              <a:rPr lang="en-US" dirty="0"/>
+              <a:t>1 Which of the following best describes the difference between the price of a forward contract and its value?</a:t>
+            </a:r>
+          </a:p>
+          <a:p>
+            <a:pPr lvl="1"/>
+            <a:r>
+              <a:rPr lang="en-US" sz="1800" dirty="0"/>
+              <a:t>A The forward price is fixed at the start, and the value starts at zero and then changes.</a:t>
+            </a:r>
+          </a:p>
+          <a:p>
+            <a:pPr lvl="1"/>
+            <a:r>
+              <a:rPr lang="en-US" sz="1800" dirty="0"/>
+              <a:t>B The price determines the profit to the buyer, and the value determines the profit to the seller.</a:t>
+            </a:r>
+          </a:p>
+          <a:p>
+            <a:pPr lvl="1"/>
+            <a:r>
+              <a:rPr lang="en-US" sz="1800" dirty="0"/>
+              <a:t>C The forward contract value is a benchmark against which the price is compared for the purposes of determining whether a trade is advisable.</a:t>
             </a:r>
           </a:p>
         </p:txBody>
@@ -7939,7 +7912,7 @@
     </p:spTree>
     <p:extLst>
       <p:ext uri="{BB962C8B-B14F-4D97-AF65-F5344CB8AC3E}">
-        <p14:creationId xmlns:p14="http://schemas.microsoft.com/office/powerpoint/2010/main" val="3068332201"/>
+        <p14:creationId xmlns:p14="http://schemas.microsoft.com/office/powerpoint/2010/main" val="3352696575"/>
       </p:ext>
     </p:extLst>
   </p:cSld>
@@ -7971,7 +7944,7 @@
           <p:cNvPr id="2" name="Title 1">
             <a:extLst>
               <a:ext uri="{FF2B5EF4-FFF2-40B4-BE49-F238E27FC236}">
-                <a16:creationId xmlns:a16="http://schemas.microsoft.com/office/drawing/2014/main" id="{1F4BDF94-1C91-4AAB-B970-3C0C61EA63AF}"/>
+                <a16:creationId xmlns:a16="http://schemas.microsoft.com/office/drawing/2014/main" id="{91F3D4B4-8523-44E6-B26A-C11BCE40B3B8}"/>
               </a:ext>
             </a:extLst>
           </p:cNvPr>
@@ -7984,17 +7957,15 @@
         </p:nvSpPr>
         <p:spPr/>
         <p:txBody>
-          <a:bodyPr/>
+          <a:bodyPr>
+            <a:normAutofit/>
+          </a:bodyPr>
           <a:lstStyle/>
           <a:p>
             <a:r>
               <a:rPr lang="en-US" sz="4000" dirty="0"/>
               <a:t>Practices</a:t>
             </a:r>
-            <a:br>
-              <a:rPr lang="en-US" dirty="0"/>
-            </a:br>
-            <a:endParaRPr lang="en-US" dirty="0"/>
           </a:p>
         </p:txBody>
       </p:sp>
@@ -8003,7 +7974,7 @@
           <p:cNvPr id="3" name="Content Placeholder 2">
             <a:extLst>
               <a:ext uri="{FF2B5EF4-FFF2-40B4-BE49-F238E27FC236}">
-                <a16:creationId xmlns:a16="http://schemas.microsoft.com/office/drawing/2014/main" id="{8A07ED40-B086-4B0B-BB68-EC1694F9E2F1}"/>
+                <a16:creationId xmlns:a16="http://schemas.microsoft.com/office/drawing/2014/main" id="{25860A36-51F3-44B8-83EA-E1F08E8326BB}"/>
               </a:ext>
             </a:extLst>
           </p:cNvPr>
@@ -8023,28 +7994,55 @@
           <a:p>
             <a:r>
               <a:rPr lang="en-US" dirty="0"/>
-              <a:t>1 Which of the following best describes the difference between the price of a forward contract and its value?</a:t>
+              <a:t>2 Which of the following best describes the value of the forward contract at expiration? The value is the price of the underlying:</a:t>
             </a:r>
           </a:p>
           <a:p>
             <a:pPr lvl="1"/>
             <a:r>
               <a:rPr lang="en-US" sz="1800" dirty="0"/>
-              <a:t>A The forward price is fixed at the start, and the value starts at zero and then changes.</a:t>
+              <a:t>A minus the forward price.</a:t>
             </a:r>
           </a:p>
           <a:p>
             <a:pPr lvl="1"/>
             <a:r>
               <a:rPr lang="en-US" sz="1800" dirty="0"/>
-              <a:t>B The price determines the profit to the buyer, and the value determines the profit to the seller.</a:t>
+              <a:t>B divided by the forward price.</a:t>
             </a:r>
           </a:p>
           <a:p>
             <a:pPr lvl="1"/>
             <a:r>
               <a:rPr lang="en-US" sz="1800" dirty="0"/>
-              <a:t>C The forward contract value is a benchmark against which the price is compared for the purposes of determining whether a trade is advisable.</a:t>
+              <a:t>C minus the compounded forward price.</a:t>
+            </a:r>
+          </a:p>
+          <a:p>
+            <a:r>
+              <a:rPr lang="en-US" dirty="0"/>
+              <a:t>3 Which of the following factors does not affect the forward price?</a:t>
+            </a:r>
+          </a:p>
+          <a:p>
+            <a:pPr lvl="1"/>
+            <a:r>
+              <a:rPr lang="en-US" sz="1800" dirty="0"/>
+              <a:t>A The costs of holding the underlying</a:t>
+            </a:r>
+          </a:p>
+          <a:p>
+            <a:pPr lvl="1"/>
+            <a:r>
+              <a:rPr lang="en-US" sz="1800" dirty="0"/>
+              <a:t>B Dividends or interest paid by the underlying</a:t>
+            </a:r>
+          </a:p>
+          <a:p>
+            <a:pPr lvl="1"/>
+            <a:r>
+              <a:rPr lang="en-US" sz="1800" dirty="0"/>
+              <a:t>C Whether the investor is risk averse, risk seeking, or risk neutral</a:t>
             </a:r>
           </a:p>
         </p:txBody>
@@ -8052,7 +8050,7 @@
     </p:spTree>
     <p:extLst>
       <p:ext uri="{BB962C8B-B14F-4D97-AF65-F5344CB8AC3E}">
-        <p14:creationId xmlns:p14="http://schemas.microsoft.com/office/powerpoint/2010/main" val="3352696575"/>
+        <p14:creationId xmlns:p14="http://schemas.microsoft.com/office/powerpoint/2010/main" val="2080663344"/>
       </p:ext>
     </p:extLst>
   </p:cSld>
@@ -8227,7 +8225,7 @@
           <p:cNvPr id="2" name="Title 1">
             <a:extLst>
               <a:ext uri="{FF2B5EF4-FFF2-40B4-BE49-F238E27FC236}">
-                <a16:creationId xmlns:a16="http://schemas.microsoft.com/office/drawing/2014/main" id="{91F3D4B4-8523-44E6-B26A-C11BCE40B3B8}"/>
+                <a16:creationId xmlns:a16="http://schemas.microsoft.com/office/drawing/2014/main" id="{3B6DC5E5-B49D-4096-80C1-B8052495A474}"/>
               </a:ext>
             </a:extLst>
           </p:cNvPr>
@@ -8247,7 +8245,7 @@
           <a:p>
             <a:r>
               <a:rPr lang="en-US" sz="4000" dirty="0"/>
-              <a:t>Practices</a:t>
+              <a:t>Futures Contracts</a:t>
             </a:r>
           </a:p>
         </p:txBody>
@@ -8257,7 +8255,7 @@
           <p:cNvPr id="3" name="Content Placeholder 2">
             <a:extLst>
               <a:ext uri="{FF2B5EF4-FFF2-40B4-BE49-F238E27FC236}">
-                <a16:creationId xmlns:a16="http://schemas.microsoft.com/office/drawing/2014/main" id="{25860A36-51F3-44B8-83EA-E1F08E8326BB}"/>
+                <a16:creationId xmlns:a16="http://schemas.microsoft.com/office/drawing/2014/main" id="{831B6362-3303-4415-9D10-C4E0904D67AF}"/>
               </a:ext>
             </a:extLst>
           </p:cNvPr>
@@ -8270,70 +8268,73 @@
         </p:nvSpPr>
         <p:spPr/>
         <p:txBody>
-          <a:bodyPr>
-            <a:normAutofit/>
-          </a:bodyPr>
-          <a:lstStyle/>
-          <a:p>
-            <a:r>
-              <a:rPr lang="en-US" dirty="0"/>
-              <a:t>2 Which of the following best describes the value of the forward contract at expiration? The value is the price of the underlying:</a:t>
+          <a:bodyPr/>
+          <a:lstStyle/>
+          <a:p>
+            <a:r>
+              <a:rPr lang="en-US" sz="2800" dirty="0"/>
+              <a:t>Forward commitments</a:t>
             </a:r>
           </a:p>
           <a:p>
             <a:pPr lvl="1"/>
             <a:r>
-              <a:rPr lang="en-US" sz="1800" dirty="0"/>
-              <a:t>A minus the forward price.</a:t>
+              <a:rPr lang="en-US" sz="2800" dirty="0">
+                <a:solidFill>
+                  <a:schemeClr val="tx1"/>
+                </a:solidFill>
+              </a:rPr>
+              <a:t>Forward</a:t>
             </a:r>
           </a:p>
           <a:p>
             <a:pPr lvl="1"/>
             <a:r>
-              <a:rPr lang="en-US" sz="1800" dirty="0"/>
-              <a:t>B divided by the forward price.</a:t>
+              <a:rPr lang="en-US" sz="2800" u="sng" dirty="0">
+                <a:solidFill>
+                  <a:srgbClr val="FF0000"/>
+                </a:solidFill>
+              </a:rPr>
+              <a:t>Futures</a:t>
             </a:r>
           </a:p>
           <a:p>
             <a:pPr lvl="1"/>
             <a:r>
-              <a:rPr lang="en-US" sz="1800" dirty="0"/>
-              <a:t>C minus the compounded forward price.</a:t>
-            </a:r>
-          </a:p>
-          <a:p>
-            <a:r>
-              <a:rPr lang="en-US" dirty="0"/>
-              <a:t>3 Which of the following factors does not affect the forward price?</a:t>
+              <a:rPr lang="en-US" sz="2800" dirty="0"/>
+              <a:t>Swap</a:t>
+            </a:r>
+          </a:p>
+          <a:p>
+            <a:r>
+              <a:rPr lang="en-US" sz="2800" dirty="0"/>
+              <a:t>Contingent claims</a:t>
             </a:r>
           </a:p>
           <a:p>
             <a:pPr lvl="1"/>
             <a:r>
-              <a:rPr lang="en-US" sz="1800" dirty="0"/>
-              <a:t>A The costs of holding the underlying</a:t>
+              <a:rPr lang="en-US" sz="2800" dirty="0"/>
+              <a:t>Option</a:t>
             </a:r>
           </a:p>
           <a:p>
             <a:pPr lvl="1"/>
             <a:r>
-              <a:rPr lang="en-US" sz="1800" dirty="0"/>
-              <a:t>B Dividends or interest paid by the underlying</a:t>
+              <a:rPr lang="en-US" sz="2800" dirty="0"/>
+              <a:t>Credit Derivatives</a:t>
             </a:r>
           </a:p>
           <a:p>
             <a:pPr lvl="1"/>
-            <a:r>
-              <a:rPr lang="en-US" sz="1800" dirty="0"/>
-              <a:t>C Whether the investor is risk averse, risk seeking, or risk neutral</a:t>
-            </a:r>
+            <a:endParaRPr lang="en-US" dirty="0"/>
           </a:p>
         </p:txBody>
       </p:sp>
     </p:spTree>
     <p:extLst>
       <p:ext uri="{BB962C8B-B14F-4D97-AF65-F5344CB8AC3E}">
-        <p14:creationId xmlns:p14="http://schemas.microsoft.com/office/powerpoint/2010/main" val="2080663344"/>
+        <p14:creationId xmlns:p14="http://schemas.microsoft.com/office/powerpoint/2010/main" val="1800058910"/>
       </p:ext>
     </p:extLst>
   </p:cSld>
@@ -8365,7 +8366,7 @@
           <p:cNvPr id="2" name="Title 1">
             <a:extLst>
               <a:ext uri="{FF2B5EF4-FFF2-40B4-BE49-F238E27FC236}">
-                <a16:creationId xmlns:a16="http://schemas.microsoft.com/office/drawing/2014/main" id="{3B6DC5E5-B49D-4096-80C1-B8052495A474}"/>
+                <a16:creationId xmlns:a16="http://schemas.microsoft.com/office/drawing/2014/main" id="{30655409-A592-48F4-8E79-104028B7FA18}"/>
               </a:ext>
             </a:extLst>
           </p:cNvPr>
@@ -8395,7 +8396,7 @@
           <p:cNvPr id="3" name="Content Placeholder 2">
             <a:extLst>
               <a:ext uri="{FF2B5EF4-FFF2-40B4-BE49-F238E27FC236}">
-                <a16:creationId xmlns:a16="http://schemas.microsoft.com/office/drawing/2014/main" id="{831B6362-3303-4415-9D10-C4E0904D67AF}"/>
+                <a16:creationId xmlns:a16="http://schemas.microsoft.com/office/drawing/2014/main" id="{AE0AAB92-0723-4D51-80D5-C6440ACF13CB}"/>
               </a:ext>
             </a:extLst>
           </p:cNvPr>
@@ -8412,61 +8413,91 @@
           <a:lstStyle/>
           <a:p>
             <a:r>
-              <a:rPr lang="en-US" sz="2800" dirty="0"/>
-              <a:t>Forward commitments</a:t>
-            </a:r>
-          </a:p>
-          <a:p>
-            <a:pPr lvl="1"/>
-            <a:r>
-              <a:rPr lang="en-US" sz="2800" dirty="0">
+              <a:rPr lang="en-US" sz="2000" dirty="0"/>
+              <a:t>Definition: A futures contract is a </a:t>
+            </a:r>
+            <a:r>
+              <a:rPr lang="en-US" sz="2000" dirty="0">
+                <a:solidFill>
+                  <a:srgbClr val="FF0000"/>
+                </a:solidFill>
+              </a:rPr>
+              <a:t>standardized</a:t>
+            </a:r>
+            <a:r>
+              <a:rPr lang="en-US" sz="2000" dirty="0"/>
+              <a:t> derivative contract created and traded on </a:t>
+            </a:r>
+            <a:r>
+              <a:rPr lang="en-US" sz="2000" dirty="0">
+                <a:solidFill>
+                  <a:srgbClr val="FF0000"/>
+                </a:solidFill>
+              </a:rPr>
+              <a:t>a futures exchange </a:t>
+            </a:r>
+            <a:r>
+              <a:rPr lang="en-US" sz="2000" dirty="0"/>
+              <a:t>in which </a:t>
+            </a:r>
+            <a:r>
+              <a:rPr lang="en-US" sz="2000" dirty="0">
+                <a:highlight>
+                  <a:srgbClr val="FFFF00"/>
+                </a:highlight>
+              </a:rPr>
+              <a:t>two parties agree that one party, the buyer, will purchase an underlying asset from the other party, the seller, at a later date and at a price agreed on by the two parties when the contract is initiated</a:t>
+            </a:r>
+            <a:r>
+              <a:rPr lang="en-US" sz="2000" dirty="0"/>
+              <a:t> and in which there </a:t>
+            </a:r>
+            <a:r>
+              <a:rPr lang="en-US" sz="2000" dirty="0">
                 <a:solidFill>
                   <a:schemeClr val="tx1"/>
                 </a:solidFill>
               </a:rPr>
-              <a:t>Forward</a:t>
-            </a:r>
-          </a:p>
-          <a:p>
-            <a:pPr lvl="1"/>
-            <a:r>
-              <a:rPr lang="en-US" sz="2800" u="sng" dirty="0">
+              <a:t>is</a:t>
+            </a:r>
+            <a:r>
+              <a:rPr lang="en-US" sz="2000" dirty="0">
                 <a:solidFill>
                   <a:srgbClr val="FF0000"/>
                 </a:solidFill>
               </a:rPr>
-              <a:t>Futures</a:t>
-            </a:r>
-          </a:p>
-          <a:p>
-            <a:pPr lvl="1"/>
-            <a:r>
-              <a:rPr lang="en-US" sz="2800" dirty="0"/>
-              <a:t>Swap</a:t>
-            </a:r>
-          </a:p>
-          <a:p>
-            <a:r>
-              <a:rPr lang="en-US" sz="2800" dirty="0"/>
-              <a:t>Contingent claims</a:t>
-            </a:r>
-          </a:p>
-          <a:p>
-            <a:pPr lvl="1"/>
-            <a:r>
-              <a:rPr lang="en-US" sz="2800" dirty="0"/>
-              <a:t>Option</a:t>
-            </a:r>
-          </a:p>
-          <a:p>
-            <a:pPr lvl="1"/>
-            <a:r>
-              <a:rPr lang="en-US" sz="2800" dirty="0"/>
-              <a:t>Credit Derivatives</a:t>
-            </a:r>
-          </a:p>
-          <a:p>
-            <a:pPr lvl="1"/>
+              <a:t> </a:t>
+            </a:r>
+            <a:r>
+              <a:rPr lang="en-US" sz="2000" b="1" dirty="0">
+                <a:solidFill>
+                  <a:srgbClr val="FF0000"/>
+                </a:solidFill>
+              </a:rPr>
+              <a:t>a daily settling of gains and losses</a:t>
+            </a:r>
+            <a:r>
+              <a:rPr lang="en-US" sz="2000" b="1" dirty="0"/>
+              <a:t> </a:t>
+            </a:r>
+            <a:r>
+              <a:rPr lang="en-US" sz="2000" dirty="0"/>
+              <a:t>and </a:t>
+            </a:r>
+            <a:r>
+              <a:rPr lang="en-US" sz="2000" b="1" dirty="0">
+                <a:solidFill>
+                  <a:srgbClr val="FF0000"/>
+                </a:solidFill>
+              </a:rPr>
+              <a:t>a credit guarantee by the futures exchange through its clearinghouse</a:t>
+            </a:r>
+            <a:r>
+              <a:rPr lang="en-US" sz="2000" b="1" dirty="0"/>
+              <a:t>.</a:t>
+            </a:r>
+          </a:p>
+          <a:p>
             <a:endParaRPr lang="en-US" dirty="0"/>
           </a:p>
         </p:txBody>
@@ -8474,7 +8505,7 @@
     </p:spTree>
     <p:extLst>
       <p:ext uri="{BB962C8B-B14F-4D97-AF65-F5344CB8AC3E}">
-        <p14:creationId xmlns:p14="http://schemas.microsoft.com/office/powerpoint/2010/main" val="1800058910"/>
+        <p14:creationId xmlns:p14="http://schemas.microsoft.com/office/powerpoint/2010/main" val="3713870111"/>
       </p:ext>
     </p:extLst>
   </p:cSld>
@@ -8506,177 +8537,6 @@
           <p:cNvPr id="2" name="Title 1">
             <a:extLst>
               <a:ext uri="{FF2B5EF4-FFF2-40B4-BE49-F238E27FC236}">
-                <a16:creationId xmlns:a16="http://schemas.microsoft.com/office/drawing/2014/main" id="{30655409-A592-48F4-8E79-104028B7FA18}"/>
-              </a:ext>
-            </a:extLst>
-          </p:cNvPr>
-          <p:cNvSpPr>
-            <a:spLocks noGrp="1"/>
-          </p:cNvSpPr>
-          <p:nvPr>
-            <p:ph type="title"/>
-          </p:nvPr>
-        </p:nvSpPr>
-        <p:spPr/>
-        <p:txBody>
-          <a:bodyPr>
-            <a:normAutofit/>
-          </a:bodyPr>
-          <a:lstStyle/>
-          <a:p>
-            <a:r>
-              <a:rPr lang="en-US" sz="4000" dirty="0"/>
-              <a:t>Futures Contracts</a:t>
-            </a:r>
-          </a:p>
-        </p:txBody>
-      </p:sp>
-      <p:sp>
-        <p:nvSpPr>
-          <p:cNvPr id="3" name="Content Placeholder 2">
-            <a:extLst>
-              <a:ext uri="{FF2B5EF4-FFF2-40B4-BE49-F238E27FC236}">
-                <a16:creationId xmlns:a16="http://schemas.microsoft.com/office/drawing/2014/main" id="{AE0AAB92-0723-4D51-80D5-C6440ACF13CB}"/>
-              </a:ext>
-            </a:extLst>
-          </p:cNvPr>
-          <p:cNvSpPr>
-            <a:spLocks noGrp="1"/>
-          </p:cNvSpPr>
-          <p:nvPr>
-            <p:ph idx="1"/>
-          </p:nvPr>
-        </p:nvSpPr>
-        <p:spPr/>
-        <p:txBody>
-          <a:bodyPr/>
-          <a:lstStyle/>
-          <a:p>
-            <a:r>
-              <a:rPr lang="en-US" sz="2000" dirty="0"/>
-              <a:t>Definition: A futures contract is a </a:t>
-            </a:r>
-            <a:r>
-              <a:rPr lang="en-US" sz="2000" dirty="0">
-                <a:solidFill>
-                  <a:srgbClr val="FF0000"/>
-                </a:solidFill>
-              </a:rPr>
-              <a:t>standardized</a:t>
-            </a:r>
-            <a:r>
-              <a:rPr lang="en-US" sz="2000" dirty="0"/>
-              <a:t> derivative contract created and traded on </a:t>
-            </a:r>
-            <a:r>
-              <a:rPr lang="en-US" sz="2000" dirty="0">
-                <a:solidFill>
-                  <a:srgbClr val="FF0000"/>
-                </a:solidFill>
-              </a:rPr>
-              <a:t>a futures exchange </a:t>
-            </a:r>
-            <a:r>
-              <a:rPr lang="en-US" sz="2000" dirty="0"/>
-              <a:t>in which </a:t>
-            </a:r>
-            <a:r>
-              <a:rPr lang="en-US" sz="2000" dirty="0">
-                <a:highlight>
-                  <a:srgbClr val="FFFF00"/>
-                </a:highlight>
-              </a:rPr>
-              <a:t>two parties agree that one party, the buyer, will purchase an underlying asset from the other party, the seller, at a later date and at a price agreed on by the two parties when the contract is initiated</a:t>
-            </a:r>
-            <a:r>
-              <a:rPr lang="en-US" sz="2000" dirty="0"/>
-              <a:t> and in which there </a:t>
-            </a:r>
-            <a:r>
-              <a:rPr lang="en-US" sz="2000" dirty="0">
-                <a:solidFill>
-                  <a:schemeClr val="tx1"/>
-                </a:solidFill>
-              </a:rPr>
-              <a:t>is</a:t>
-            </a:r>
-            <a:r>
-              <a:rPr lang="en-US" sz="2000" dirty="0">
-                <a:solidFill>
-                  <a:srgbClr val="FF0000"/>
-                </a:solidFill>
-              </a:rPr>
-              <a:t> </a:t>
-            </a:r>
-            <a:r>
-              <a:rPr lang="en-US" sz="2000" b="1" dirty="0">
-                <a:solidFill>
-                  <a:srgbClr val="FF0000"/>
-                </a:solidFill>
-              </a:rPr>
-              <a:t>a daily settling of gains and losses</a:t>
-            </a:r>
-            <a:r>
-              <a:rPr lang="en-US" sz="2000" b="1" dirty="0"/>
-              <a:t> </a:t>
-            </a:r>
-            <a:r>
-              <a:rPr lang="en-US" sz="2000" dirty="0"/>
-              <a:t>and </a:t>
-            </a:r>
-            <a:r>
-              <a:rPr lang="en-US" sz="2000" b="1" dirty="0">
-                <a:solidFill>
-                  <a:srgbClr val="FF0000"/>
-                </a:solidFill>
-              </a:rPr>
-              <a:t>a credit guarantee by the futures exchange through its clearinghouse</a:t>
-            </a:r>
-            <a:r>
-              <a:rPr lang="en-US" sz="2000" b="1" dirty="0"/>
-              <a:t>.</a:t>
-            </a:r>
-          </a:p>
-          <a:p>
-            <a:endParaRPr lang="en-US" dirty="0"/>
-          </a:p>
-        </p:txBody>
-      </p:sp>
-    </p:spTree>
-    <p:extLst>
-      <p:ext uri="{BB962C8B-B14F-4D97-AF65-F5344CB8AC3E}">
-        <p14:creationId xmlns:p14="http://schemas.microsoft.com/office/powerpoint/2010/main" val="3713870111"/>
-      </p:ext>
-    </p:extLst>
-  </p:cSld>
-  <p:clrMapOvr>
-    <a:masterClrMapping/>
-  </p:clrMapOvr>
-</p:sld>
-</file>
-
-<file path=ppt/slides/slide23.xml><?xml version="1.0" encoding="utf-8"?>
-<p:sld xmlns:a="http://schemas.openxmlformats.org/drawingml/2006/main" xmlns:r="http://schemas.openxmlformats.org/officeDocument/2006/relationships" xmlns:p="http://schemas.openxmlformats.org/presentationml/2006/main">
-  <p:cSld>
-    <p:spTree>
-      <p:nvGrpSpPr>
-        <p:cNvPr id="1" name=""/>
-        <p:cNvGrpSpPr/>
-        <p:nvPr/>
-      </p:nvGrpSpPr>
-      <p:grpSpPr>
-        <a:xfrm>
-          <a:off x="0" y="0"/>
-          <a:ext cx="0" cy="0"/>
-          <a:chOff x="0" y="0"/>
-          <a:chExt cx="0" cy="0"/>
-        </a:xfrm>
-      </p:grpSpPr>
-      <p:sp>
-        <p:nvSpPr>
-          <p:cNvPr id="2" name="Title 1">
-            <a:extLst>
-              <a:ext uri="{FF2B5EF4-FFF2-40B4-BE49-F238E27FC236}">
                 <a16:creationId xmlns:a16="http://schemas.microsoft.com/office/drawing/2014/main" id="{685729BC-51D5-4E36-94B9-E4E11EC99649}"/>
               </a:ext>
             </a:extLst>
@@ -8888,7 +8748,7 @@
 </p:sld>
 </file>
 
-<file path=ppt/slides/slide24.xml><?xml version="1.0" encoding="utf-8"?>
+<file path=ppt/slides/slide23.xml><?xml version="1.0" encoding="utf-8"?>
 <p:sld xmlns:a="http://schemas.openxmlformats.org/drawingml/2006/main" xmlns:r="http://schemas.openxmlformats.org/officeDocument/2006/relationships" xmlns:p="http://schemas.openxmlformats.org/presentationml/2006/main">
   <p:cSld>
     <p:spTree>
@@ -9761,6 +9621,166 @@
 </p:sld>
 </file>
 
+<file path=ppt/slides/slide24.xml><?xml version="1.0" encoding="utf-8"?>
+<p:sld xmlns:a="http://schemas.openxmlformats.org/drawingml/2006/main" xmlns:r="http://schemas.openxmlformats.org/officeDocument/2006/relationships" xmlns:p="http://schemas.openxmlformats.org/presentationml/2006/main">
+  <p:cSld>
+    <p:spTree>
+      <p:nvGrpSpPr>
+        <p:cNvPr id="1" name=""/>
+        <p:cNvGrpSpPr/>
+        <p:nvPr/>
+      </p:nvGrpSpPr>
+      <p:grpSpPr>
+        <a:xfrm>
+          <a:off x="0" y="0"/>
+          <a:ext cx="0" cy="0"/>
+          <a:chOff x="0" y="0"/>
+          <a:chExt cx="0" cy="0"/>
+        </a:xfrm>
+      </p:grpSpPr>
+      <p:sp>
+        <p:nvSpPr>
+          <p:cNvPr id="2" name="Title 1">
+            <a:extLst>
+              <a:ext uri="{FF2B5EF4-FFF2-40B4-BE49-F238E27FC236}">
+                <a16:creationId xmlns:a16="http://schemas.microsoft.com/office/drawing/2014/main" id="{03B74068-6BBF-4ABD-B9AD-D16B9AC0E5F0}"/>
+              </a:ext>
+            </a:extLst>
+          </p:cNvPr>
+          <p:cNvSpPr>
+            <a:spLocks noGrp="1"/>
+          </p:cNvSpPr>
+          <p:nvPr>
+            <p:ph type="title"/>
+          </p:nvPr>
+        </p:nvSpPr>
+        <p:spPr/>
+        <p:txBody>
+          <a:bodyPr>
+            <a:normAutofit/>
+          </a:bodyPr>
+          <a:lstStyle/>
+          <a:p>
+            <a:r>
+              <a:rPr lang="en-US" sz="4000" dirty="0"/>
+              <a:t>Futures Contracts</a:t>
+            </a:r>
+          </a:p>
+        </p:txBody>
+      </p:sp>
+      <p:sp>
+        <p:nvSpPr>
+          <p:cNvPr id="3" name="Content Placeholder 2">
+            <a:extLst>
+              <a:ext uri="{FF2B5EF4-FFF2-40B4-BE49-F238E27FC236}">
+                <a16:creationId xmlns:a16="http://schemas.microsoft.com/office/drawing/2014/main" id="{2A854D74-DA2F-4595-9853-9134A8A7FE9C}"/>
+              </a:ext>
+            </a:extLst>
+          </p:cNvPr>
+          <p:cNvSpPr>
+            <a:spLocks noGrp="1"/>
+          </p:cNvSpPr>
+          <p:nvPr>
+            <p:ph idx="1"/>
+          </p:nvPr>
+        </p:nvSpPr>
+        <p:spPr/>
+        <p:txBody>
+          <a:bodyPr/>
+          <a:lstStyle/>
+          <a:p>
+            <a:r>
+              <a:rPr lang="en-US" dirty="0"/>
+              <a:t>By standardizing these contracts and creating an organized market with rules, regulations, and a central clearing facility, the futures markets offer an element of </a:t>
+            </a:r>
+            <a:r>
+              <a:rPr lang="en-US" dirty="0">
+                <a:solidFill>
+                  <a:srgbClr val="FF0000"/>
+                </a:solidFill>
+              </a:rPr>
+              <a:t>liquidity</a:t>
+            </a:r>
+            <a:r>
+              <a:rPr lang="en-US" dirty="0"/>
+              <a:t> and </a:t>
+            </a:r>
+            <a:r>
+              <a:rPr lang="en-US" dirty="0">
+                <a:solidFill>
+                  <a:srgbClr val="FF0000"/>
+                </a:solidFill>
+              </a:rPr>
+              <a:t>protection against loss by default</a:t>
+            </a:r>
+            <a:r>
+              <a:rPr lang="en-US" dirty="0"/>
+              <a:t>.</a:t>
+            </a:r>
+            <a:endParaRPr lang="en-US" dirty="0">
+              <a:solidFill>
+                <a:srgbClr val="FF0000"/>
+              </a:solidFill>
+            </a:endParaRPr>
+          </a:p>
+          <a:p>
+            <a:r>
+              <a:rPr lang="en-US" dirty="0"/>
+              <a:t>Futures markets can be used for </a:t>
+            </a:r>
+            <a:r>
+              <a:rPr lang="en-US" dirty="0">
+                <a:solidFill>
+                  <a:srgbClr val="FF0000"/>
+                </a:solidFill>
+              </a:rPr>
+              <a:t>hedging or speculation.</a:t>
+            </a:r>
+          </a:p>
+          <a:p>
+            <a:r>
+              <a:rPr lang="en-US" dirty="0">
+                <a:solidFill>
+                  <a:schemeClr val="tx1"/>
+                </a:solidFill>
+              </a:rPr>
+              <a:t>This required margin is typically </a:t>
+            </a:r>
+            <a:r>
+              <a:rPr lang="en-US" dirty="0">
+                <a:solidFill>
+                  <a:srgbClr val="FF0000"/>
+                </a:solidFill>
+              </a:rPr>
+              <a:t>less than 10% </a:t>
+            </a:r>
+            <a:r>
+              <a:rPr lang="en-US" dirty="0">
+                <a:solidFill>
+                  <a:schemeClr val="tx1"/>
+                </a:solidFill>
+              </a:rPr>
+              <a:t>of the futures price, which is considerably less than in equity margin trading.</a:t>
+            </a:r>
+          </a:p>
+          <a:p>
+            <a:endParaRPr lang="en-US" dirty="0"/>
+          </a:p>
+        </p:txBody>
+      </p:sp>
+    </p:spTree>
+    <p:extLst>
+      <p:ext uri="{BB962C8B-B14F-4D97-AF65-F5344CB8AC3E}">
+        <p14:creationId xmlns:p14="http://schemas.microsoft.com/office/powerpoint/2010/main" val="3202081378"/>
+      </p:ext>
+    </p:extLst>
+  </p:cSld>
+  <p:clrMapOvr>
+    <a:masterClrMapping/>
+  </p:clrMapOvr>
+</p:sld>
+</file>
+
 <file path=ppt/slides/slide25.xml><?xml version="1.0" encoding="utf-8"?>
 <p:sld xmlns:a="http://schemas.openxmlformats.org/drawingml/2006/main" xmlns:r="http://schemas.openxmlformats.org/officeDocument/2006/relationships" xmlns:p="http://schemas.openxmlformats.org/presentationml/2006/main">
   <p:cSld>
@@ -9783,166 +9803,6 @@
           <p:cNvPr id="2" name="Title 1">
             <a:extLst>
               <a:ext uri="{FF2B5EF4-FFF2-40B4-BE49-F238E27FC236}">
-                <a16:creationId xmlns:a16="http://schemas.microsoft.com/office/drawing/2014/main" id="{03B74068-6BBF-4ABD-B9AD-D16B9AC0E5F0}"/>
-              </a:ext>
-            </a:extLst>
-          </p:cNvPr>
-          <p:cNvSpPr>
-            <a:spLocks noGrp="1"/>
-          </p:cNvSpPr>
-          <p:nvPr>
-            <p:ph type="title"/>
-          </p:nvPr>
-        </p:nvSpPr>
-        <p:spPr/>
-        <p:txBody>
-          <a:bodyPr>
-            <a:normAutofit/>
-          </a:bodyPr>
-          <a:lstStyle/>
-          <a:p>
-            <a:r>
-              <a:rPr lang="en-US" sz="4000" dirty="0"/>
-              <a:t>Futures Contracts</a:t>
-            </a:r>
-          </a:p>
-        </p:txBody>
-      </p:sp>
-      <p:sp>
-        <p:nvSpPr>
-          <p:cNvPr id="3" name="Content Placeholder 2">
-            <a:extLst>
-              <a:ext uri="{FF2B5EF4-FFF2-40B4-BE49-F238E27FC236}">
-                <a16:creationId xmlns:a16="http://schemas.microsoft.com/office/drawing/2014/main" id="{2A854D74-DA2F-4595-9853-9134A8A7FE9C}"/>
-              </a:ext>
-            </a:extLst>
-          </p:cNvPr>
-          <p:cNvSpPr>
-            <a:spLocks noGrp="1"/>
-          </p:cNvSpPr>
-          <p:nvPr>
-            <p:ph idx="1"/>
-          </p:nvPr>
-        </p:nvSpPr>
-        <p:spPr/>
-        <p:txBody>
-          <a:bodyPr/>
-          <a:lstStyle/>
-          <a:p>
-            <a:r>
-              <a:rPr lang="en-US" dirty="0"/>
-              <a:t>By standardizing these contracts and creating an organized market with rules, regulations, and a central clearing facility, the futures markets offer an element of </a:t>
-            </a:r>
-            <a:r>
-              <a:rPr lang="en-US" dirty="0">
-                <a:solidFill>
-                  <a:srgbClr val="FF0000"/>
-                </a:solidFill>
-              </a:rPr>
-              <a:t>liquidity</a:t>
-            </a:r>
-            <a:r>
-              <a:rPr lang="en-US" dirty="0"/>
-              <a:t> and </a:t>
-            </a:r>
-            <a:r>
-              <a:rPr lang="en-US" dirty="0">
-                <a:solidFill>
-                  <a:srgbClr val="FF0000"/>
-                </a:solidFill>
-              </a:rPr>
-              <a:t>protection against loss by default</a:t>
-            </a:r>
-            <a:r>
-              <a:rPr lang="en-US" dirty="0"/>
-              <a:t>.</a:t>
-            </a:r>
-            <a:endParaRPr lang="en-US" dirty="0">
-              <a:solidFill>
-                <a:srgbClr val="FF0000"/>
-              </a:solidFill>
-            </a:endParaRPr>
-          </a:p>
-          <a:p>
-            <a:r>
-              <a:rPr lang="en-US" dirty="0"/>
-              <a:t>Futures markets can be used for </a:t>
-            </a:r>
-            <a:r>
-              <a:rPr lang="en-US" dirty="0">
-                <a:solidFill>
-                  <a:srgbClr val="FF0000"/>
-                </a:solidFill>
-              </a:rPr>
-              <a:t>hedging or speculation.</a:t>
-            </a:r>
-          </a:p>
-          <a:p>
-            <a:r>
-              <a:rPr lang="en-US" dirty="0">
-                <a:solidFill>
-                  <a:schemeClr val="tx1"/>
-                </a:solidFill>
-              </a:rPr>
-              <a:t>This required margin is typically </a:t>
-            </a:r>
-            <a:r>
-              <a:rPr lang="en-US" dirty="0">
-                <a:solidFill>
-                  <a:srgbClr val="FF0000"/>
-                </a:solidFill>
-              </a:rPr>
-              <a:t>less than 10% </a:t>
-            </a:r>
-            <a:r>
-              <a:rPr lang="en-US" dirty="0">
-                <a:solidFill>
-                  <a:schemeClr val="tx1"/>
-                </a:solidFill>
-              </a:rPr>
-              <a:t>of the futures price, which is considerably less than in equity margin trading.</a:t>
-            </a:r>
-          </a:p>
-          <a:p>
-            <a:endParaRPr lang="en-US" dirty="0"/>
-          </a:p>
-        </p:txBody>
-      </p:sp>
-    </p:spTree>
-    <p:extLst>
-      <p:ext uri="{BB962C8B-B14F-4D97-AF65-F5344CB8AC3E}">
-        <p14:creationId xmlns:p14="http://schemas.microsoft.com/office/powerpoint/2010/main" val="3202081378"/>
-      </p:ext>
-    </p:extLst>
-  </p:cSld>
-  <p:clrMapOvr>
-    <a:masterClrMapping/>
-  </p:clrMapOvr>
-</p:sld>
-</file>
-
-<file path=ppt/slides/slide26.xml><?xml version="1.0" encoding="utf-8"?>
-<p:sld xmlns:a="http://schemas.openxmlformats.org/drawingml/2006/main" xmlns:r="http://schemas.openxmlformats.org/officeDocument/2006/relationships" xmlns:p="http://schemas.openxmlformats.org/presentationml/2006/main">
-  <p:cSld>
-    <p:spTree>
-      <p:nvGrpSpPr>
-        <p:cNvPr id="1" name=""/>
-        <p:cNvGrpSpPr/>
-        <p:nvPr/>
-      </p:nvGrpSpPr>
-      <p:grpSpPr>
-        <a:xfrm>
-          <a:off x="0" y="0"/>
-          <a:ext cx="0" cy="0"/>
-          <a:chOff x="0" y="0"/>
-          <a:chExt cx="0" cy="0"/>
-        </a:xfrm>
-      </p:grpSpPr>
-      <p:sp>
-        <p:nvSpPr>
-          <p:cNvPr id="2" name="Title 1">
-            <a:extLst>
-              <a:ext uri="{FF2B5EF4-FFF2-40B4-BE49-F238E27FC236}">
                 <a16:creationId xmlns:a16="http://schemas.microsoft.com/office/drawing/2014/main" id="{71773D5B-9701-4D72-BA13-CDAC04768441}"/>
               </a:ext>
             </a:extLst>
@@ -10076,7 +9936,7 @@
 </p:sld>
 </file>
 
-<file path=ppt/slides/slide27.xml><?xml version="1.0" encoding="utf-8"?>
+<file path=ppt/slides/slide26.xml><?xml version="1.0" encoding="utf-8"?>
 <p:sld xmlns:a="http://schemas.openxmlformats.org/drawingml/2006/main" xmlns:r="http://schemas.openxmlformats.org/officeDocument/2006/relationships" xmlns:p="http://schemas.openxmlformats.org/presentationml/2006/main">
   <p:cSld>
     <p:spTree>
@@ -10436,6 +10296,151 @@
 </p:sld>
 </file>
 
+<file path=ppt/slides/slide27.xml><?xml version="1.0" encoding="utf-8"?>
+<p:sld xmlns:a="http://schemas.openxmlformats.org/drawingml/2006/main" xmlns:r="http://schemas.openxmlformats.org/officeDocument/2006/relationships" xmlns:p="http://schemas.openxmlformats.org/presentationml/2006/main">
+  <p:cSld>
+    <p:spTree>
+      <p:nvGrpSpPr>
+        <p:cNvPr id="1" name=""/>
+        <p:cNvGrpSpPr/>
+        <p:nvPr/>
+      </p:nvGrpSpPr>
+      <p:grpSpPr>
+        <a:xfrm>
+          <a:off x="0" y="0"/>
+          <a:ext cx="0" cy="0"/>
+          <a:chOff x="0" y="0"/>
+          <a:chExt cx="0" cy="0"/>
+        </a:xfrm>
+      </p:grpSpPr>
+      <p:sp>
+        <p:nvSpPr>
+          <p:cNvPr id="2" name="Title 1">
+            <a:extLst>
+              <a:ext uri="{FF2B5EF4-FFF2-40B4-BE49-F238E27FC236}">
+                <a16:creationId xmlns:a16="http://schemas.microsoft.com/office/drawing/2014/main" id="{3B6DC5E5-B49D-4096-80C1-B8052495A474}"/>
+              </a:ext>
+            </a:extLst>
+          </p:cNvPr>
+          <p:cNvSpPr>
+            <a:spLocks noGrp="1"/>
+          </p:cNvSpPr>
+          <p:nvPr>
+            <p:ph type="title"/>
+          </p:nvPr>
+        </p:nvSpPr>
+        <p:spPr/>
+        <p:txBody>
+          <a:bodyPr>
+            <a:normAutofit/>
+          </a:bodyPr>
+          <a:lstStyle/>
+          <a:p>
+            <a:r>
+              <a:rPr lang="en-US" sz="4000" dirty="0"/>
+              <a:t>Swap Contracts</a:t>
+            </a:r>
+          </a:p>
+        </p:txBody>
+      </p:sp>
+      <p:sp>
+        <p:nvSpPr>
+          <p:cNvPr id="3" name="Content Placeholder 2">
+            <a:extLst>
+              <a:ext uri="{FF2B5EF4-FFF2-40B4-BE49-F238E27FC236}">
+                <a16:creationId xmlns:a16="http://schemas.microsoft.com/office/drawing/2014/main" id="{831B6362-3303-4415-9D10-C4E0904D67AF}"/>
+              </a:ext>
+            </a:extLst>
+          </p:cNvPr>
+          <p:cNvSpPr>
+            <a:spLocks noGrp="1"/>
+          </p:cNvSpPr>
+          <p:nvPr>
+            <p:ph idx="1"/>
+          </p:nvPr>
+        </p:nvSpPr>
+        <p:spPr/>
+        <p:txBody>
+          <a:bodyPr/>
+          <a:lstStyle/>
+          <a:p>
+            <a:r>
+              <a:rPr lang="en-US" sz="2800" dirty="0"/>
+              <a:t>Forward commitments</a:t>
+            </a:r>
+          </a:p>
+          <a:p>
+            <a:pPr lvl="1"/>
+            <a:r>
+              <a:rPr lang="en-US" sz="2800" dirty="0">
+                <a:solidFill>
+                  <a:schemeClr val="tx1"/>
+                </a:solidFill>
+              </a:rPr>
+              <a:t>Forward</a:t>
+            </a:r>
+          </a:p>
+          <a:p>
+            <a:pPr lvl="1"/>
+            <a:r>
+              <a:rPr lang="en-US" sz="2800" dirty="0">
+                <a:solidFill>
+                  <a:schemeClr val="tx1"/>
+                </a:solidFill>
+              </a:rPr>
+              <a:t>Futures</a:t>
+            </a:r>
+          </a:p>
+          <a:p>
+            <a:pPr lvl="1"/>
+            <a:r>
+              <a:rPr lang="en-US" sz="2800" u="sng" dirty="0">
+                <a:solidFill>
+                  <a:srgbClr val="FF0000"/>
+                </a:solidFill>
+              </a:rPr>
+              <a:t>Swap</a:t>
+            </a:r>
+          </a:p>
+          <a:p>
+            <a:r>
+              <a:rPr lang="en-US" sz="2800" dirty="0"/>
+              <a:t>Contingent claims</a:t>
+            </a:r>
+          </a:p>
+          <a:p>
+            <a:pPr lvl="1"/>
+            <a:r>
+              <a:rPr lang="en-US" sz="2800" dirty="0"/>
+              <a:t>Option</a:t>
+            </a:r>
+          </a:p>
+          <a:p>
+            <a:pPr lvl="1"/>
+            <a:r>
+              <a:rPr lang="en-US" sz="2800" dirty="0"/>
+              <a:t>Credit Derivatives</a:t>
+            </a:r>
+          </a:p>
+          <a:p>
+            <a:pPr lvl="1"/>
+            <a:endParaRPr lang="en-US" dirty="0"/>
+          </a:p>
+        </p:txBody>
+      </p:sp>
+    </p:spTree>
+    <p:extLst>
+      <p:ext uri="{BB962C8B-B14F-4D97-AF65-F5344CB8AC3E}">
+        <p14:creationId xmlns:p14="http://schemas.microsoft.com/office/powerpoint/2010/main" val="3420598595"/>
+      </p:ext>
+    </p:extLst>
+  </p:cSld>
+  <p:clrMapOvr>
+    <a:masterClrMapping/>
+  </p:clrMapOvr>
+</p:sld>
+</file>
+
 <file path=ppt/slides/slide28.xml><?xml version="1.0" encoding="utf-8"?>
 <p:sld xmlns:a="http://schemas.openxmlformats.org/drawingml/2006/main" xmlns:r="http://schemas.openxmlformats.org/officeDocument/2006/relationships" xmlns:p="http://schemas.openxmlformats.org/presentationml/2006/main">
   <p:cSld>
@@ -10458,7 +10463,7 @@
           <p:cNvPr id="2" name="Title 1">
             <a:extLst>
               <a:ext uri="{FF2B5EF4-FFF2-40B4-BE49-F238E27FC236}">
-                <a16:creationId xmlns:a16="http://schemas.microsoft.com/office/drawing/2014/main" id="{3B6DC5E5-B49D-4096-80C1-B8052495A474}"/>
+                <a16:creationId xmlns:a16="http://schemas.microsoft.com/office/drawing/2014/main" id="{B14399E1-9A90-4AE5-8D83-E334323FD224}"/>
               </a:ext>
             </a:extLst>
           </p:cNvPr>
@@ -10488,7 +10493,7 @@
           <p:cNvPr id="3" name="Content Placeholder 2">
             <a:extLst>
               <a:ext uri="{FF2B5EF4-FFF2-40B4-BE49-F238E27FC236}">
-                <a16:creationId xmlns:a16="http://schemas.microsoft.com/office/drawing/2014/main" id="{831B6362-3303-4415-9D10-C4E0904D67AF}"/>
+                <a16:creationId xmlns:a16="http://schemas.microsoft.com/office/drawing/2014/main" id="{9749AD03-FDAB-4BB0-A6F8-7357FF35FA5F}"/>
               </a:ext>
             </a:extLst>
           </p:cNvPr>
@@ -10505,65 +10510,51 @@
           <a:lstStyle/>
           <a:p>
             <a:r>
-              <a:rPr lang="en-US" sz="2800" dirty="0"/>
-              <a:t>Forward commitments</a:t>
-            </a:r>
-          </a:p>
-          <a:p>
-            <a:pPr lvl="1"/>
-            <a:r>
-              <a:rPr lang="en-US" sz="2800" dirty="0">
-                <a:solidFill>
-                  <a:schemeClr val="tx1"/>
+              <a:rPr lang="en-US" sz="2000" dirty="0"/>
+              <a:t>Definition: </a:t>
+            </a:r>
+            <a:r>
+              <a:rPr lang="en-US" sz="2000" i="1" dirty="0"/>
+              <a:t>A swap is an over- the- counter derivative contract in which two parties agree to </a:t>
+            </a:r>
+            <a:r>
+              <a:rPr lang="en-US" sz="2000" i="1" dirty="0">
+                <a:solidFill>
+                  <a:srgbClr val="FF0000"/>
                 </a:solidFill>
               </a:rPr>
-              <a:t>Forward</a:t>
-            </a:r>
-          </a:p>
-          <a:p>
-            <a:pPr lvl="1"/>
-            <a:r>
-              <a:rPr lang="en-US" sz="2800" dirty="0">
-                <a:solidFill>
-                  <a:schemeClr val="tx1"/>
+              <a:t>exchange a series of cash flows </a:t>
+            </a:r>
+            <a:r>
+              <a:rPr lang="en-US" sz="2000" i="1" dirty="0"/>
+              <a:t>whereby one party </a:t>
+            </a:r>
+            <a:r>
+              <a:rPr lang="en-US" sz="2000" i="1" dirty="0">
+                <a:solidFill>
+                  <a:srgbClr val="FF0000"/>
                 </a:solidFill>
               </a:rPr>
-              <a:t>Futures</a:t>
-            </a:r>
-          </a:p>
-          <a:p>
-            <a:pPr lvl="1"/>
-            <a:r>
-              <a:rPr lang="en-US" sz="2800" u="sng" dirty="0">
+              <a:t>pays a variable series that will be determined by an underlying asset or rate </a:t>
+            </a:r>
+            <a:r>
+              <a:rPr lang="en-US" sz="2000" i="1" dirty="0"/>
+              <a:t>and the other party pays </a:t>
+            </a:r>
+            <a:r>
+              <a:rPr lang="en-US" sz="2000" i="1" dirty="0">
                 <a:solidFill>
                   <a:srgbClr val="FF0000"/>
                 </a:solidFill>
               </a:rPr>
-              <a:t>Swap</a:t>
-            </a:r>
-          </a:p>
-          <a:p>
-            <a:r>
-              <a:rPr lang="en-US" sz="2800" dirty="0"/>
-              <a:t>Contingent claims</a:t>
-            </a:r>
-          </a:p>
-          <a:p>
-            <a:pPr lvl="1"/>
-            <a:r>
-              <a:rPr lang="en-US" sz="2800" dirty="0"/>
-              <a:t>Option</a:t>
-            </a:r>
-          </a:p>
-          <a:p>
-            <a:pPr lvl="1"/>
-            <a:r>
-              <a:rPr lang="en-US" sz="2800" dirty="0"/>
-              <a:t>Credit Derivatives</a:t>
-            </a:r>
-          </a:p>
-          <a:p>
-            <a:pPr lvl="1"/>
+              <a:t>either (1) a variable series determined by a different underlying asset or rate or (2) a fixed series</a:t>
+            </a:r>
+            <a:r>
+              <a:rPr lang="en-US" sz="2000" i="1" dirty="0"/>
+              <a:t>.</a:t>
+            </a:r>
+          </a:p>
+          <a:p>
             <a:endParaRPr lang="en-US" dirty="0"/>
           </a:p>
         </p:txBody>
@@ -10571,7 +10562,7 @@
     </p:spTree>
     <p:extLst>
       <p:ext uri="{BB962C8B-B14F-4D97-AF65-F5344CB8AC3E}">
-        <p14:creationId xmlns:p14="http://schemas.microsoft.com/office/powerpoint/2010/main" val="3420598595"/>
+        <p14:creationId xmlns:p14="http://schemas.microsoft.com/office/powerpoint/2010/main" val="1074234236"/>
       </p:ext>
     </p:extLst>
   </p:cSld>
@@ -10603,7 +10594,7 @@
           <p:cNvPr id="2" name="Title 1">
             <a:extLst>
               <a:ext uri="{FF2B5EF4-FFF2-40B4-BE49-F238E27FC236}">
-                <a16:creationId xmlns:a16="http://schemas.microsoft.com/office/drawing/2014/main" id="{B14399E1-9A90-4AE5-8D83-E334323FD224}"/>
+                <a16:creationId xmlns:a16="http://schemas.microsoft.com/office/drawing/2014/main" id="{5A10EA45-A5A2-42F9-854A-97D36B351187}"/>
               </a:ext>
             </a:extLst>
           </p:cNvPr>
@@ -10633,7 +10624,7 @@
           <p:cNvPr id="3" name="Content Placeholder 2">
             <a:extLst>
               <a:ext uri="{FF2B5EF4-FFF2-40B4-BE49-F238E27FC236}">
-                <a16:creationId xmlns:a16="http://schemas.microsoft.com/office/drawing/2014/main" id="{9749AD03-FDAB-4BB0-A6F8-7357FF35FA5F}"/>
+                <a16:creationId xmlns:a16="http://schemas.microsoft.com/office/drawing/2014/main" id="{756A3F7F-5B00-42B7-8E4E-1E5E7810A23A}"/>
               </a:ext>
             </a:extLst>
           </p:cNvPr>
@@ -10650,59 +10641,98 @@
           <a:lstStyle/>
           <a:p>
             <a:r>
-              <a:rPr lang="en-US" sz="2000" dirty="0"/>
-              <a:t>Definition: </a:t>
-            </a:r>
-            <a:r>
-              <a:rPr lang="en-US" sz="2000" i="1" dirty="0"/>
-              <a:t>A swap is an over- the- counter derivative contract in which two parties agree to </a:t>
-            </a:r>
-            <a:r>
-              <a:rPr lang="en-US" sz="2000" i="1" dirty="0">
+              <a:rPr lang="en-US" dirty="0"/>
+              <a:t>Characteristics</a:t>
+            </a:r>
+          </a:p>
+          <a:p>
+            <a:pPr lvl="1"/>
+            <a:r>
+              <a:rPr lang="en-US" dirty="0"/>
+              <a:t>A swap is more or less just </a:t>
+            </a:r>
+            <a:r>
+              <a:rPr lang="en-US" dirty="0">
                 <a:solidFill>
                   <a:srgbClr val="FF0000"/>
                 </a:solidFill>
               </a:rPr>
-              <a:t>exchange a series of cash flows </a:t>
-            </a:r>
-            <a:r>
-              <a:rPr lang="en-US" sz="2000" i="1" dirty="0"/>
-              <a:t>whereby one party </a:t>
-            </a:r>
-            <a:r>
-              <a:rPr lang="en-US" sz="2000" i="1" dirty="0">
+              <a:t>a series of forwards</a:t>
+            </a:r>
+          </a:p>
+          <a:p>
+            <a:pPr lvl="1"/>
+            <a:r>
+              <a:rPr lang="en-US" dirty="0"/>
+              <a:t>A swap is a bit more like a forward contract than a futures contract in that it is an OTC contract, so it is </a:t>
+            </a:r>
+            <a:r>
+              <a:rPr lang="en-US" dirty="0">
                 <a:solidFill>
                   <a:srgbClr val="FF0000"/>
                 </a:solidFill>
               </a:rPr>
-              <a:t>pays a variable series that will be determined by an underlying asset or rate </a:t>
-            </a:r>
-            <a:r>
-              <a:rPr lang="en-US" sz="2000" i="1" dirty="0"/>
-              <a:t>and the other party pays </a:t>
-            </a:r>
-            <a:r>
-              <a:rPr lang="en-US" sz="2000" i="1" dirty="0">
+              <a:t>privately negotiated and subject to default. </a:t>
+            </a:r>
+          </a:p>
+          <a:p>
+            <a:pPr lvl="1"/>
+            <a:r>
+              <a:rPr lang="en-US" dirty="0"/>
+              <a:t>The party </a:t>
+            </a:r>
+            <a:r>
+              <a:rPr lang="en-US" dirty="0">
                 <a:solidFill>
                   <a:srgbClr val="FF0000"/>
                 </a:solidFill>
               </a:rPr>
-              <a:t>either (1) a variable series determined by a different underlying asset or rate or (2) a fixed series</a:t>
-            </a:r>
-            <a:r>
-              <a:rPr lang="en-US" sz="2000" i="1" dirty="0"/>
-              <a:t>.</a:t>
-            </a:r>
-          </a:p>
-          <a:p>
-            <a:endParaRPr lang="en-US" dirty="0"/>
+              <a:t>owing the lesser amount cannot default </a:t>
+            </a:r>
+            <a:r>
+              <a:rPr lang="en-US" dirty="0"/>
+              <a:t>to the party owing the greater amount.</a:t>
+            </a:r>
+          </a:p>
+          <a:p>
+            <a:pPr lvl="1"/>
+            <a:r>
+              <a:rPr lang="en-US" dirty="0"/>
+              <a:t>As with futures and forwards, no money changes hands at the start; thus, </a:t>
+            </a:r>
+            <a:r>
+              <a:rPr lang="en-US" dirty="0">
+                <a:solidFill>
+                  <a:srgbClr val="FF0000"/>
+                </a:solidFill>
+              </a:rPr>
+              <a:t>the value of a swap when initiated must be zero.</a:t>
+            </a:r>
+          </a:p>
+          <a:p>
+            <a:pPr lvl="1"/>
+            <a:r>
+              <a:rPr lang="en-US" dirty="0">
+                <a:solidFill>
+                  <a:schemeClr val="tx1"/>
+                </a:solidFill>
+              </a:rPr>
+              <a:t>The notional amount of a swap is not typically exchanged, the credit risk of a swap is much less than that of a loan.</a:t>
+            </a:r>
+          </a:p>
+          <a:p>
+            <a:endParaRPr lang="en-US" dirty="0">
+              <a:solidFill>
+                <a:srgbClr val="FF0000"/>
+              </a:solidFill>
+            </a:endParaRPr>
           </a:p>
         </p:txBody>
       </p:sp>
     </p:spTree>
     <p:extLst>
       <p:ext uri="{BB962C8B-B14F-4D97-AF65-F5344CB8AC3E}">
-        <p14:creationId xmlns:p14="http://schemas.microsoft.com/office/powerpoint/2010/main" val="1074234236"/>
+        <p14:creationId xmlns:p14="http://schemas.microsoft.com/office/powerpoint/2010/main" val="4136834001"/>
       </p:ext>
     </p:extLst>
   </p:cSld>
@@ -10882,7 +10912,7 @@
           <p:cNvPr id="2" name="Title 1">
             <a:extLst>
               <a:ext uri="{FF2B5EF4-FFF2-40B4-BE49-F238E27FC236}">
-                <a16:creationId xmlns:a16="http://schemas.microsoft.com/office/drawing/2014/main" id="{5A10EA45-A5A2-42F9-854A-97D36B351187}"/>
+                <a16:creationId xmlns:a16="http://schemas.microsoft.com/office/drawing/2014/main" id="{E66C3C2E-2A64-4F58-B789-1B63C5258C5E}"/>
               </a:ext>
             </a:extLst>
           </p:cNvPr>
@@ -10912,7 +10942,7 @@
           <p:cNvPr id="3" name="Content Placeholder 2">
             <a:extLst>
               <a:ext uri="{FF2B5EF4-FFF2-40B4-BE49-F238E27FC236}">
-                <a16:creationId xmlns:a16="http://schemas.microsoft.com/office/drawing/2014/main" id="{756A3F7F-5B00-42B7-8E4E-1E5E7810A23A}"/>
+                <a16:creationId xmlns:a16="http://schemas.microsoft.com/office/drawing/2014/main" id="{AD620B4E-9854-4F96-8EDD-9D7D2A35DAEB}"/>
               </a:ext>
             </a:extLst>
           </p:cNvPr>
@@ -10929,98 +10959,27 @@
           <a:lstStyle/>
           <a:p>
             <a:r>
-              <a:rPr lang="en-US" dirty="0"/>
-              <a:t>Characteristics</a:t>
-            </a:r>
-          </a:p>
-          <a:p>
-            <a:pPr lvl="1"/>
-            <a:r>
-              <a:rPr lang="en-US" dirty="0"/>
-              <a:t>A swap is more or less just </a:t>
-            </a:r>
-            <a:r>
-              <a:rPr lang="en-US" dirty="0">
-                <a:solidFill>
-                  <a:srgbClr val="FF0000"/>
-                </a:solidFill>
-              </a:rPr>
-              <a:t>a series of forwards</a:t>
-            </a:r>
-          </a:p>
-          <a:p>
-            <a:pPr lvl="1"/>
-            <a:r>
-              <a:rPr lang="en-US" dirty="0"/>
-              <a:t>A swap is a bit more like a forward contract than a futures contract in that it is an OTC contract, so it is </a:t>
-            </a:r>
-            <a:r>
-              <a:rPr lang="en-US" dirty="0">
-                <a:solidFill>
-                  <a:srgbClr val="FF0000"/>
-                </a:solidFill>
-              </a:rPr>
-              <a:t>privately negotiated and subject to default. </a:t>
-            </a:r>
-          </a:p>
-          <a:p>
-            <a:pPr lvl="1"/>
-            <a:r>
-              <a:rPr lang="en-US" dirty="0"/>
-              <a:t>The party </a:t>
-            </a:r>
-            <a:r>
-              <a:rPr lang="en-US" dirty="0">
-                <a:solidFill>
-                  <a:srgbClr val="FF0000"/>
-                </a:solidFill>
-              </a:rPr>
-              <a:t>owing the lesser amount cannot default </a:t>
-            </a:r>
-            <a:r>
-              <a:rPr lang="en-US" dirty="0"/>
-              <a:t>to the party owing the greater amount.</a:t>
-            </a:r>
-          </a:p>
-          <a:p>
-            <a:pPr lvl="1"/>
-            <a:r>
-              <a:rPr lang="en-US" dirty="0"/>
-              <a:t>As with futures and forwards, no money changes hands at the start; thus, </a:t>
-            </a:r>
-            <a:r>
-              <a:rPr lang="en-US" dirty="0">
-                <a:solidFill>
-                  <a:srgbClr val="FF0000"/>
-                </a:solidFill>
-              </a:rPr>
-              <a:t>the value of a swap when initiated must be zero.</a:t>
-            </a:r>
-          </a:p>
-          <a:p>
-            <a:pPr lvl="1"/>
-            <a:r>
-              <a:rPr lang="en-US" dirty="0">
-                <a:solidFill>
-                  <a:schemeClr val="tx1"/>
-                </a:solidFill>
-              </a:rPr>
-              <a:t>The notional amount of a swap is not typically exchanged, the credit risk of a swap is much less than that of a loan.</a:t>
-            </a:r>
-          </a:p>
-          <a:p>
-            <a:endParaRPr lang="en-US" dirty="0">
-              <a:solidFill>
-                <a:srgbClr val="FF0000"/>
-              </a:solidFill>
-            </a:endParaRPr>
+              <a:rPr lang="en-US" sz="2000" dirty="0"/>
+              <a:t>Plain vanilla swap: the most common swap is the </a:t>
+            </a:r>
+            <a:r>
+              <a:rPr lang="en-US" sz="2000" b="1" dirty="0"/>
+              <a:t>fixed- for- floating interest rate swap</a:t>
+            </a:r>
+            <a:r>
+              <a:rPr lang="en-US" sz="2000" dirty="0"/>
+              <a:t>.</a:t>
+            </a:r>
+          </a:p>
+          <a:p>
+            <a:endParaRPr lang="en-US" dirty="0"/>
           </a:p>
         </p:txBody>
       </p:sp>
     </p:spTree>
     <p:extLst>
       <p:ext uri="{BB962C8B-B14F-4D97-AF65-F5344CB8AC3E}">
-        <p14:creationId xmlns:p14="http://schemas.microsoft.com/office/powerpoint/2010/main" val="4136834001"/>
+        <p14:creationId xmlns:p14="http://schemas.microsoft.com/office/powerpoint/2010/main" val="3152884269"/>
       </p:ext>
     </p:extLst>
   </p:cSld>
@@ -11052,7 +11011,7 @@
           <p:cNvPr id="2" name="Title 1">
             <a:extLst>
               <a:ext uri="{FF2B5EF4-FFF2-40B4-BE49-F238E27FC236}">
-                <a16:creationId xmlns:a16="http://schemas.microsoft.com/office/drawing/2014/main" id="{E66C3C2E-2A64-4F58-B789-1B63C5258C5E}"/>
+                <a16:creationId xmlns:a16="http://schemas.microsoft.com/office/drawing/2014/main" id="{5956A29E-8360-4C31-8F74-D3F9FFADB1E3}"/>
               </a:ext>
             </a:extLst>
           </p:cNvPr>
@@ -11065,61 +11024,134 @@
         </p:nvSpPr>
         <p:spPr/>
         <p:txBody>
+          <a:bodyPr/>
+          <a:lstStyle/>
+          <a:p>
+            <a:r>
+              <a:rPr lang="en-US" sz="4000" dirty="0"/>
+              <a:t>Practices</a:t>
+            </a:r>
+            <a:br>
+              <a:rPr lang="en-US" dirty="0"/>
+            </a:br>
+            <a:endParaRPr lang="en-US" dirty="0"/>
+          </a:p>
+        </p:txBody>
+      </p:sp>
+      <p:sp>
+        <p:nvSpPr>
+          <p:cNvPr id="3" name="Content Placeholder 2">
+            <a:extLst>
+              <a:ext uri="{FF2B5EF4-FFF2-40B4-BE49-F238E27FC236}">
+                <a16:creationId xmlns:a16="http://schemas.microsoft.com/office/drawing/2014/main" id="{EF3A84B9-8E45-4AD9-931B-C39F1DF28022}"/>
+              </a:ext>
+            </a:extLst>
+          </p:cNvPr>
+          <p:cNvSpPr>
+            <a:spLocks noGrp="1"/>
+          </p:cNvSpPr>
+          <p:nvPr>
+            <p:ph idx="1"/>
+          </p:nvPr>
+        </p:nvSpPr>
+        <p:spPr/>
+        <p:txBody>
           <a:bodyPr>
             <a:normAutofit/>
           </a:bodyPr>
           <a:lstStyle/>
           <a:p>
             <a:r>
-              <a:rPr lang="en-US" sz="4000" dirty="0"/>
-              <a:t>Swap Contracts</a:t>
-            </a:r>
-          </a:p>
-        </p:txBody>
-      </p:sp>
-      <p:sp>
-        <p:nvSpPr>
-          <p:cNvPr id="3" name="Content Placeholder 2">
-            <a:extLst>
-              <a:ext uri="{FF2B5EF4-FFF2-40B4-BE49-F238E27FC236}">
-                <a16:creationId xmlns:a16="http://schemas.microsoft.com/office/drawing/2014/main" id="{AD620B4E-9854-4F96-8EDD-9D7D2A35DAEB}"/>
-              </a:ext>
-            </a:extLst>
-          </p:cNvPr>
-          <p:cNvSpPr>
-            <a:spLocks noGrp="1"/>
-          </p:cNvSpPr>
-          <p:nvPr>
-            <p:ph idx="1"/>
-          </p:nvPr>
-        </p:nvSpPr>
-        <p:spPr/>
-        <p:txBody>
-          <a:bodyPr/>
-          <a:lstStyle/>
-          <a:p>
-            <a:r>
-              <a:rPr lang="en-US" sz="2000" dirty="0"/>
-              <a:t>Plain vanilla swap: the most common swap is the </a:t>
-            </a:r>
-            <a:r>
-              <a:rPr lang="en-US" sz="2000" b="1" dirty="0"/>
-              <a:t>fixed- for- floating interest rate swap</a:t>
-            </a:r>
-            <a:r>
-              <a:rPr lang="en-US" sz="2000" dirty="0"/>
-              <a:t>.</a:t>
-            </a:r>
-          </a:p>
-          <a:p>
-            <a:endParaRPr lang="en-US" dirty="0"/>
+              <a:rPr lang="en-US" dirty="0"/>
+              <a:t>1.Which of the following characterizes forward contracts and swaps but </a:t>
+            </a:r>
+            <a:r>
+              <a:rPr lang="en-US" b="1" dirty="0"/>
+              <a:t>not </a:t>
+            </a:r>
+            <a:r>
+              <a:rPr lang="en-US" dirty="0"/>
+              <a:t>futures?</a:t>
+            </a:r>
+          </a:p>
+          <a:p>
+            <a:pPr lvl="1"/>
+            <a:r>
+              <a:rPr lang="en-US" b="1" dirty="0"/>
+              <a:t>A </a:t>
+            </a:r>
+            <a:r>
+              <a:rPr lang="en-US" dirty="0"/>
+              <a:t>They are customized.</a:t>
+            </a:r>
+          </a:p>
+          <a:p>
+            <a:pPr lvl="1"/>
+            <a:r>
+              <a:rPr lang="en-US" b="1" dirty="0"/>
+              <a:t>B </a:t>
+            </a:r>
+            <a:r>
+              <a:rPr lang="en-US" dirty="0"/>
+              <a:t>They are subject to daily price limits.</a:t>
+            </a:r>
+          </a:p>
+          <a:p>
+            <a:pPr lvl="1"/>
+            <a:r>
+              <a:rPr lang="en-US" b="1" dirty="0"/>
+              <a:t>C </a:t>
+            </a:r>
+            <a:r>
+              <a:rPr lang="en-US" dirty="0"/>
+              <a:t>Their payoffs are received on a daily basis.</a:t>
+            </a:r>
+          </a:p>
+          <a:p>
+            <a:r>
+              <a:rPr lang="en-US" dirty="0"/>
+              <a:t>2.Which of the following distinguishes forwards from swaps?</a:t>
+            </a:r>
+          </a:p>
+          <a:p>
+            <a:pPr lvl="1"/>
+            <a:r>
+              <a:rPr lang="en-US" b="1" dirty="0"/>
+              <a:t>A </a:t>
+            </a:r>
+            <a:r>
+              <a:rPr lang="en-US" dirty="0"/>
+              <a:t>Forwards are OTC instruments, whereas swaps are exchange traded.</a:t>
+            </a:r>
+          </a:p>
+          <a:p>
+            <a:pPr lvl="1"/>
+            <a:r>
+              <a:rPr lang="en-US" b="1" dirty="0"/>
+              <a:t>B </a:t>
+            </a:r>
+            <a:r>
+              <a:rPr lang="en-US" dirty="0"/>
+              <a:t>Forwards are regulated as futures, whereas swaps are regulated as securities.</a:t>
+            </a:r>
+          </a:p>
+          <a:p>
+            <a:pPr lvl="1"/>
+            <a:r>
+              <a:rPr lang="en-US" b="1" dirty="0"/>
+              <a:t>C </a:t>
+            </a:r>
+            <a:r>
+              <a:rPr lang="en-US" dirty="0"/>
+              <a:t>Swaps have multiple payments, whereas forwards have only a single payment.</a:t>
+            </a:r>
           </a:p>
         </p:txBody>
       </p:sp>
     </p:spTree>
     <p:extLst>
       <p:ext uri="{BB962C8B-B14F-4D97-AF65-F5344CB8AC3E}">
-        <p14:creationId xmlns:p14="http://schemas.microsoft.com/office/powerpoint/2010/main" val="3152884269"/>
+        <p14:creationId xmlns:p14="http://schemas.microsoft.com/office/powerpoint/2010/main" val="1508057551"/>
       </p:ext>
     </p:extLst>
   </p:cSld>
@@ -11151,7 +11183,7 @@
           <p:cNvPr id="2" name="Title 1">
             <a:extLst>
               <a:ext uri="{FF2B5EF4-FFF2-40B4-BE49-F238E27FC236}">
-                <a16:creationId xmlns:a16="http://schemas.microsoft.com/office/drawing/2014/main" id="{5956A29E-8360-4C31-8F74-D3F9FFADB1E3}"/>
+                <a16:creationId xmlns:a16="http://schemas.microsoft.com/office/drawing/2014/main" id="{5927944C-952F-4F1D-972B-D532B339900F}"/>
               </a:ext>
             </a:extLst>
           </p:cNvPr>
@@ -11164,17 +11196,15 @@
         </p:nvSpPr>
         <p:spPr/>
         <p:txBody>
-          <a:bodyPr/>
+          <a:bodyPr>
+            <a:normAutofit/>
+          </a:bodyPr>
           <a:lstStyle/>
           <a:p>
             <a:r>
               <a:rPr lang="en-US" sz="4000" dirty="0"/>
               <a:t>Practices</a:t>
             </a:r>
-            <a:br>
-              <a:rPr lang="en-US" dirty="0"/>
-            </a:br>
-            <a:endParaRPr lang="en-US" dirty="0"/>
           </a:p>
         </p:txBody>
       </p:sp>
@@ -11183,7 +11213,7 @@
           <p:cNvPr id="3" name="Content Placeholder 2">
             <a:extLst>
               <a:ext uri="{FF2B5EF4-FFF2-40B4-BE49-F238E27FC236}">
-                <a16:creationId xmlns:a16="http://schemas.microsoft.com/office/drawing/2014/main" id="{EF3A84B9-8E45-4AD9-931B-C39F1DF28022}"/>
+                <a16:creationId xmlns:a16="http://schemas.microsoft.com/office/drawing/2014/main" id="{1BDDDD91-7FB1-4366-8443-002BDE00C16D}"/>
               </a:ext>
             </a:extLst>
           </p:cNvPr>
@@ -11203,87 +11233,40 @@
           <a:p>
             <a:r>
               <a:rPr lang="en-US" dirty="0"/>
-              <a:t>1.Which of the following characterizes forward contracts and swaps but </a:t>
-            </a:r>
-            <a:r>
-              <a:rPr lang="en-US" b="1" dirty="0"/>
-              <a:t>not </a:t>
-            </a:r>
-            <a:r>
-              <a:rPr lang="en-US" dirty="0"/>
-              <a:t>futures?</a:t>
+              <a:t>3.Which of the following occurs in the daily settlement of futures contracts?</a:t>
             </a:r>
           </a:p>
           <a:p>
             <a:pPr lvl="1"/>
             <a:r>
-              <a:rPr lang="en-US" b="1" dirty="0"/>
+              <a:rPr lang="en-US" sz="1800" b="1" dirty="0"/>
               <a:t>A </a:t>
             </a:r>
             <a:r>
-              <a:rPr lang="en-US" dirty="0"/>
-              <a:t>They are customized.</a:t>
+              <a:rPr lang="en-US" sz="1800" dirty="0"/>
+              <a:t>Initial margin deposits are refunded to the two parties.</a:t>
             </a:r>
           </a:p>
           <a:p>
             <a:pPr lvl="1"/>
             <a:r>
-              <a:rPr lang="en-US" b="1" dirty="0"/>
+              <a:rPr lang="en-US" sz="1800" b="1" dirty="0"/>
               <a:t>B </a:t>
             </a:r>
             <a:r>
-              <a:rPr lang="en-US" dirty="0"/>
-              <a:t>They are subject to daily price limits.</a:t>
+              <a:rPr lang="en-US" sz="1800" dirty="0"/>
+              <a:t>Gains and losses are reported to other market participants.</a:t>
             </a:r>
           </a:p>
           <a:p>
             <a:pPr lvl="1"/>
             <a:r>
-              <a:rPr lang="en-US" b="1" dirty="0"/>
+              <a:rPr lang="en-US" sz="1800" b="1" dirty="0"/>
               <a:t>C </a:t>
             </a:r>
             <a:r>
-              <a:rPr lang="en-US" dirty="0"/>
-              <a:t>Their payoffs are received on a daily basis.</a:t>
-            </a:r>
-          </a:p>
-          <a:p>
-            <a:r>
-              <a:rPr lang="en-US" dirty="0"/>
-              <a:t>2.Which of the following distinguishes forwards from swaps?</a:t>
-            </a:r>
-          </a:p>
-          <a:p>
-            <a:pPr lvl="1"/>
-            <a:r>
-              <a:rPr lang="en-US" b="1" dirty="0"/>
-              <a:t>A </a:t>
-            </a:r>
-            <a:r>
-              <a:rPr lang="en-US" dirty="0"/>
-              <a:t>Forwards are OTC instruments, whereas swaps are exchange traded.</a:t>
-            </a:r>
-          </a:p>
-          <a:p>
-            <a:pPr lvl="1"/>
-            <a:r>
-              <a:rPr lang="en-US" b="1" dirty="0"/>
-              <a:t>B </a:t>
-            </a:r>
-            <a:r>
-              <a:rPr lang="en-US" dirty="0"/>
-              <a:t>Forwards are regulated as futures, whereas swaps are regulated as securities.</a:t>
-            </a:r>
-          </a:p>
-          <a:p>
-            <a:pPr lvl="1"/>
-            <a:r>
-              <a:rPr lang="en-US" b="1" dirty="0"/>
-              <a:t>C </a:t>
-            </a:r>
-            <a:r>
-              <a:rPr lang="en-US" dirty="0"/>
-              <a:t>Swaps have multiple payments, whereas forwards have only a single payment.</a:t>
+              <a:rPr lang="en-US" sz="1800" dirty="0"/>
+              <a:t>Losses are charged to one party and gains credited to the other.</a:t>
             </a:r>
           </a:p>
         </p:txBody>
@@ -11291,7 +11274,7 @@
     </p:spTree>
     <p:extLst>
       <p:ext uri="{BB962C8B-B14F-4D97-AF65-F5344CB8AC3E}">
-        <p14:creationId xmlns:p14="http://schemas.microsoft.com/office/powerpoint/2010/main" val="1508057551"/>
+        <p14:creationId xmlns:p14="http://schemas.microsoft.com/office/powerpoint/2010/main" val="914799381"/>
       </p:ext>
     </p:extLst>
   </p:cSld>
@@ -11323,7 +11306,7 @@
           <p:cNvPr id="2" name="Title 1">
             <a:extLst>
               <a:ext uri="{FF2B5EF4-FFF2-40B4-BE49-F238E27FC236}">
-                <a16:creationId xmlns:a16="http://schemas.microsoft.com/office/drawing/2014/main" id="{5927944C-952F-4F1D-972B-D532B339900F}"/>
+                <a16:creationId xmlns:a16="http://schemas.microsoft.com/office/drawing/2014/main" id="{3B6DC5E5-B49D-4096-80C1-B8052495A474}"/>
               </a:ext>
             </a:extLst>
           </p:cNvPr>
@@ -11343,7 +11326,7 @@
           <a:p>
             <a:r>
               <a:rPr lang="en-US" sz="4000" dirty="0"/>
-              <a:t>Practices</a:t>
+              <a:t>Option Contracts</a:t>
             </a:r>
           </a:p>
         </p:txBody>
@@ -11353,7 +11336,7 @@
           <p:cNvPr id="3" name="Content Placeholder 2">
             <a:extLst>
               <a:ext uri="{FF2B5EF4-FFF2-40B4-BE49-F238E27FC236}">
-                <a16:creationId xmlns:a16="http://schemas.microsoft.com/office/drawing/2014/main" id="{1BDDDD91-7FB1-4366-8443-002BDE00C16D}"/>
+                <a16:creationId xmlns:a16="http://schemas.microsoft.com/office/drawing/2014/main" id="{831B6362-3303-4415-9D10-C4E0904D67AF}"/>
               </a:ext>
             </a:extLst>
           </p:cNvPr>
@@ -11366,55 +11349,81 @@
         </p:nvSpPr>
         <p:spPr/>
         <p:txBody>
-          <a:bodyPr>
-            <a:normAutofit/>
-          </a:bodyPr>
-          <a:lstStyle/>
-          <a:p>
-            <a:r>
-              <a:rPr lang="en-US" dirty="0"/>
-              <a:t>3.Which of the following occurs in the daily settlement of futures contracts?</a:t>
+          <a:bodyPr/>
+          <a:lstStyle/>
+          <a:p>
+            <a:r>
+              <a:rPr lang="en-US" sz="2800" dirty="0"/>
+              <a:t>Forward commitments</a:t>
             </a:r>
           </a:p>
           <a:p>
             <a:pPr lvl="1"/>
             <a:r>
-              <a:rPr lang="en-US" sz="1800" b="1" dirty="0"/>
-              <a:t>A </a:t>
-            </a:r>
-            <a:r>
-              <a:rPr lang="en-US" sz="1800" dirty="0"/>
-              <a:t>Initial margin deposits are refunded to the two parties.</a:t>
+              <a:rPr lang="en-US" sz="2800" dirty="0">
+                <a:solidFill>
+                  <a:schemeClr val="tx1"/>
+                </a:solidFill>
+              </a:rPr>
+              <a:t>Forward</a:t>
             </a:r>
           </a:p>
           <a:p>
             <a:pPr lvl="1"/>
             <a:r>
-              <a:rPr lang="en-US" sz="1800" b="1" dirty="0"/>
-              <a:t>B </a:t>
-            </a:r>
-            <a:r>
-              <a:rPr lang="en-US" sz="1800" dirty="0"/>
-              <a:t>Gains and losses are reported to other market participants.</a:t>
+              <a:rPr lang="en-US" sz="2800" dirty="0">
+                <a:solidFill>
+                  <a:schemeClr val="tx1"/>
+                </a:solidFill>
+              </a:rPr>
+              <a:t>Futures</a:t>
             </a:r>
           </a:p>
           <a:p>
             <a:pPr lvl="1"/>
             <a:r>
-              <a:rPr lang="en-US" sz="1800" b="1" dirty="0"/>
-              <a:t>C </a:t>
-            </a:r>
-            <a:r>
-              <a:rPr lang="en-US" sz="1800" dirty="0"/>
-              <a:t>Losses are charged to one party and gains credited to the other.</a:t>
-            </a:r>
+              <a:rPr lang="en-US" sz="2800" dirty="0">
+                <a:solidFill>
+                  <a:schemeClr val="tx1"/>
+                </a:solidFill>
+              </a:rPr>
+              <a:t>Swap</a:t>
+            </a:r>
+          </a:p>
+          <a:p>
+            <a:r>
+              <a:rPr lang="en-US" sz="2800" dirty="0"/>
+              <a:t>Contingent claims</a:t>
+            </a:r>
+          </a:p>
+          <a:p>
+            <a:pPr lvl="1"/>
+            <a:r>
+              <a:rPr lang="en-US" sz="2800" u="sng" dirty="0">
+                <a:solidFill>
+                  <a:srgbClr val="FF0000"/>
+                </a:solidFill>
+              </a:rPr>
+              <a:t>Option</a:t>
+            </a:r>
+          </a:p>
+          <a:p>
+            <a:pPr lvl="1"/>
+            <a:r>
+              <a:rPr lang="en-US" sz="2800" dirty="0"/>
+              <a:t>Credit Derivatives</a:t>
+            </a:r>
+          </a:p>
+          <a:p>
+            <a:pPr lvl="1"/>
+            <a:endParaRPr lang="en-US" dirty="0"/>
           </a:p>
         </p:txBody>
       </p:sp>
     </p:spTree>
     <p:extLst>
       <p:ext uri="{BB962C8B-B14F-4D97-AF65-F5344CB8AC3E}">
-        <p14:creationId xmlns:p14="http://schemas.microsoft.com/office/powerpoint/2010/main" val="914799381"/>
+        <p14:creationId xmlns:p14="http://schemas.microsoft.com/office/powerpoint/2010/main" val="1599816682"/>
       </p:ext>
     </p:extLst>
   </p:cSld>
@@ -11446,155 +11455,6 @@
           <p:cNvPr id="2" name="Title 1">
             <a:extLst>
               <a:ext uri="{FF2B5EF4-FFF2-40B4-BE49-F238E27FC236}">
-                <a16:creationId xmlns:a16="http://schemas.microsoft.com/office/drawing/2014/main" id="{3B6DC5E5-B49D-4096-80C1-B8052495A474}"/>
-              </a:ext>
-            </a:extLst>
-          </p:cNvPr>
-          <p:cNvSpPr>
-            <a:spLocks noGrp="1"/>
-          </p:cNvSpPr>
-          <p:nvPr>
-            <p:ph type="title"/>
-          </p:nvPr>
-        </p:nvSpPr>
-        <p:spPr/>
-        <p:txBody>
-          <a:bodyPr>
-            <a:normAutofit/>
-          </a:bodyPr>
-          <a:lstStyle/>
-          <a:p>
-            <a:r>
-              <a:rPr lang="en-US" sz="4000" dirty="0"/>
-              <a:t>Option Contracts</a:t>
-            </a:r>
-          </a:p>
-        </p:txBody>
-      </p:sp>
-      <p:sp>
-        <p:nvSpPr>
-          <p:cNvPr id="3" name="Content Placeholder 2">
-            <a:extLst>
-              <a:ext uri="{FF2B5EF4-FFF2-40B4-BE49-F238E27FC236}">
-                <a16:creationId xmlns:a16="http://schemas.microsoft.com/office/drawing/2014/main" id="{831B6362-3303-4415-9D10-C4E0904D67AF}"/>
-              </a:ext>
-            </a:extLst>
-          </p:cNvPr>
-          <p:cNvSpPr>
-            <a:spLocks noGrp="1"/>
-          </p:cNvSpPr>
-          <p:nvPr>
-            <p:ph idx="1"/>
-          </p:nvPr>
-        </p:nvSpPr>
-        <p:spPr/>
-        <p:txBody>
-          <a:bodyPr/>
-          <a:lstStyle/>
-          <a:p>
-            <a:r>
-              <a:rPr lang="en-US" sz="2800" dirty="0"/>
-              <a:t>Forward commitments</a:t>
-            </a:r>
-          </a:p>
-          <a:p>
-            <a:pPr lvl="1"/>
-            <a:r>
-              <a:rPr lang="en-US" sz="2800" dirty="0">
-                <a:solidFill>
-                  <a:schemeClr val="tx1"/>
-                </a:solidFill>
-              </a:rPr>
-              <a:t>Forward</a:t>
-            </a:r>
-          </a:p>
-          <a:p>
-            <a:pPr lvl="1"/>
-            <a:r>
-              <a:rPr lang="en-US" sz="2800" dirty="0">
-                <a:solidFill>
-                  <a:schemeClr val="tx1"/>
-                </a:solidFill>
-              </a:rPr>
-              <a:t>Futures</a:t>
-            </a:r>
-          </a:p>
-          <a:p>
-            <a:pPr lvl="1"/>
-            <a:r>
-              <a:rPr lang="en-US" sz="2800" dirty="0">
-                <a:solidFill>
-                  <a:schemeClr val="tx1"/>
-                </a:solidFill>
-              </a:rPr>
-              <a:t>Swap</a:t>
-            </a:r>
-          </a:p>
-          <a:p>
-            <a:r>
-              <a:rPr lang="en-US" sz="2800" dirty="0"/>
-              <a:t>Contingent claims</a:t>
-            </a:r>
-          </a:p>
-          <a:p>
-            <a:pPr lvl="1"/>
-            <a:r>
-              <a:rPr lang="en-US" sz="2800" u="sng" dirty="0">
-                <a:solidFill>
-                  <a:srgbClr val="FF0000"/>
-                </a:solidFill>
-              </a:rPr>
-              <a:t>Option</a:t>
-            </a:r>
-          </a:p>
-          <a:p>
-            <a:pPr lvl="1"/>
-            <a:r>
-              <a:rPr lang="en-US" sz="2800" dirty="0"/>
-              <a:t>Credit Derivatives</a:t>
-            </a:r>
-          </a:p>
-          <a:p>
-            <a:pPr lvl="1"/>
-            <a:endParaRPr lang="en-US" dirty="0"/>
-          </a:p>
-        </p:txBody>
-      </p:sp>
-    </p:spTree>
-    <p:extLst>
-      <p:ext uri="{BB962C8B-B14F-4D97-AF65-F5344CB8AC3E}">
-        <p14:creationId xmlns:p14="http://schemas.microsoft.com/office/powerpoint/2010/main" val="1599816682"/>
-      </p:ext>
-    </p:extLst>
-  </p:cSld>
-  <p:clrMapOvr>
-    <a:masterClrMapping/>
-  </p:clrMapOvr>
-</p:sld>
-</file>
-
-<file path=ppt/slides/slide35.xml><?xml version="1.0" encoding="utf-8"?>
-<p:sld xmlns:a="http://schemas.openxmlformats.org/drawingml/2006/main" xmlns:r="http://schemas.openxmlformats.org/officeDocument/2006/relationships" xmlns:p="http://schemas.openxmlformats.org/presentationml/2006/main">
-  <p:cSld>
-    <p:spTree>
-      <p:nvGrpSpPr>
-        <p:cNvPr id="1" name=""/>
-        <p:cNvGrpSpPr/>
-        <p:nvPr/>
-      </p:nvGrpSpPr>
-      <p:grpSpPr>
-        <a:xfrm>
-          <a:off x="0" y="0"/>
-          <a:ext cx="0" cy="0"/>
-          <a:chOff x="0" y="0"/>
-          <a:chExt cx="0" cy="0"/>
-        </a:xfrm>
-      </p:grpSpPr>
-      <p:sp>
-        <p:nvSpPr>
-          <p:cNvPr id="2" name="Title 1">
-            <a:extLst>
-              <a:ext uri="{FF2B5EF4-FFF2-40B4-BE49-F238E27FC236}">
                 <a16:creationId xmlns:a16="http://schemas.microsoft.com/office/drawing/2014/main" id="{5EB0AABE-1CAE-4EC1-80D9-3EEF9BF9A4EE}"/>
               </a:ext>
             </a:extLst>
@@ -11759,7 +11619,7 @@
 </p:sld>
 </file>
 
-<file path=ppt/slides/slide36.xml><?xml version="1.0" encoding="utf-8"?>
+<file path=ppt/slides/slide35.xml><?xml version="1.0" encoding="utf-8"?>
 <p:sld xmlns:a="http://schemas.openxmlformats.org/drawingml/2006/main" xmlns:r="http://schemas.openxmlformats.org/officeDocument/2006/relationships" xmlns:p="http://schemas.openxmlformats.org/presentationml/2006/main">
   <p:cSld>
     <p:spTree>
@@ -12281,7 +12141,7 @@
 </p:sld>
 </file>
 
-<file path=ppt/slides/slide37.xml><?xml version="1.0" encoding="utf-8"?>
+<file path=ppt/slides/slide36.xml><?xml version="1.0" encoding="utf-8"?>
 <p:sld xmlns:a="http://schemas.openxmlformats.org/drawingml/2006/main" xmlns:r="http://schemas.openxmlformats.org/officeDocument/2006/relationships" xmlns:p="http://schemas.openxmlformats.org/presentationml/2006/main">
   <p:cSld>
     <p:spTree>
@@ -12437,6 +12297,174 @@
 </p:sld>
 </file>
 
+<file path=ppt/slides/slide37.xml><?xml version="1.0" encoding="utf-8"?>
+<p:sld xmlns:a="http://schemas.openxmlformats.org/drawingml/2006/main" xmlns:r="http://schemas.openxmlformats.org/officeDocument/2006/relationships" xmlns:p="http://schemas.openxmlformats.org/presentationml/2006/main">
+  <p:cSld>
+    <p:spTree>
+      <p:nvGrpSpPr>
+        <p:cNvPr id="1" name=""/>
+        <p:cNvGrpSpPr/>
+        <p:nvPr/>
+      </p:nvGrpSpPr>
+      <p:grpSpPr>
+        <a:xfrm>
+          <a:off x="0" y="0"/>
+          <a:ext cx="0" cy="0"/>
+          <a:chOff x="0" y="0"/>
+          <a:chExt cx="0" cy="0"/>
+        </a:xfrm>
+      </p:grpSpPr>
+      <p:sp>
+        <p:nvSpPr>
+          <p:cNvPr id="2" name="Title 1">
+            <a:extLst>
+              <a:ext uri="{FF2B5EF4-FFF2-40B4-BE49-F238E27FC236}">
+                <a16:creationId xmlns:a16="http://schemas.microsoft.com/office/drawing/2014/main" id="{DEE8B14E-6C89-44B2-997A-D533828A5927}"/>
+              </a:ext>
+            </a:extLst>
+          </p:cNvPr>
+          <p:cNvSpPr>
+            <a:spLocks noGrp="1"/>
+          </p:cNvSpPr>
+          <p:nvPr>
+            <p:ph type="title"/>
+          </p:nvPr>
+        </p:nvSpPr>
+        <p:spPr/>
+        <p:txBody>
+          <a:bodyPr/>
+          <a:lstStyle/>
+          <a:p>
+            <a:r>
+              <a:rPr lang="en-US" sz="4000" dirty="0"/>
+              <a:t>Option Contracts</a:t>
+            </a:r>
+            <a:br>
+              <a:rPr lang="en-US" dirty="0"/>
+            </a:br>
+            <a:r>
+              <a:rPr lang="en-US" dirty="0"/>
+              <a:t>Call Option</a:t>
+            </a:r>
+          </a:p>
+        </p:txBody>
+      </p:sp>
+      <p:sp>
+        <p:nvSpPr>
+          <p:cNvPr id="3" name="Content Placeholder 2">
+            <a:extLst>
+              <a:ext uri="{FF2B5EF4-FFF2-40B4-BE49-F238E27FC236}">
+                <a16:creationId xmlns:a16="http://schemas.microsoft.com/office/drawing/2014/main" id="{3ECD996B-BC89-4834-BB58-AC2340B223D3}"/>
+              </a:ext>
+            </a:extLst>
+          </p:cNvPr>
+          <p:cNvSpPr>
+            <a:spLocks noGrp="1"/>
+          </p:cNvSpPr>
+          <p:nvPr>
+            <p:ph idx="1"/>
+          </p:nvPr>
+        </p:nvSpPr>
+        <p:spPr/>
+        <p:txBody>
+          <a:bodyPr/>
+          <a:lstStyle/>
+          <a:p>
+            <a:r>
+              <a:rPr lang="en-US" dirty="0"/>
+              <a:t>Payoff of call option</a:t>
+            </a:r>
+          </a:p>
+          <a:p>
+            <a:pPr lvl="1"/>
+            <a:r>
+              <a:rPr lang="en-US" dirty="0"/>
+              <a:t>Long call = MAX (S</a:t>
+            </a:r>
+            <a:r>
+              <a:rPr lang="en-US" baseline="-25000" dirty="0"/>
+              <a:t>T</a:t>
+            </a:r>
+            <a:r>
+              <a:rPr lang="en-US" dirty="0"/>
+              <a:t>-X,0)</a:t>
+            </a:r>
+          </a:p>
+          <a:p>
+            <a:pPr lvl="1"/>
+            <a:r>
+              <a:rPr lang="en-US" dirty="0"/>
+              <a:t>Short call = - MAX (S</a:t>
+            </a:r>
+            <a:r>
+              <a:rPr lang="en-US" baseline="-25000" dirty="0"/>
+              <a:t>T</a:t>
+            </a:r>
+            <a:r>
+              <a:rPr lang="en-US" dirty="0"/>
+              <a:t>-X,0)</a:t>
+            </a:r>
+          </a:p>
+          <a:p>
+            <a:endParaRPr lang="en-US" dirty="0"/>
+          </a:p>
+          <a:p>
+            <a:r>
+              <a:rPr lang="en-US" dirty="0"/>
+              <a:t>Profit of call option</a:t>
+            </a:r>
+          </a:p>
+          <a:p>
+            <a:pPr lvl="1"/>
+            <a:r>
+              <a:rPr lang="en-US" dirty="0"/>
+              <a:t>Long call = MAX (S</a:t>
+            </a:r>
+            <a:r>
+              <a:rPr lang="en-US" baseline="-25000" dirty="0"/>
+              <a:t>T</a:t>
+            </a:r>
+            <a:r>
+              <a:rPr lang="en-US" dirty="0"/>
+              <a:t>-X,0) – C</a:t>
+            </a:r>
+          </a:p>
+          <a:p>
+            <a:pPr lvl="1"/>
+            <a:r>
+              <a:rPr lang="en-US" dirty="0"/>
+              <a:t>Short call = - MAX (S</a:t>
+            </a:r>
+            <a:r>
+              <a:rPr lang="en-US" baseline="-25000" dirty="0"/>
+              <a:t>T</a:t>
+            </a:r>
+            <a:r>
+              <a:rPr lang="en-US" dirty="0"/>
+              <a:t>-X,0) + C</a:t>
+            </a:r>
+          </a:p>
+          <a:p>
+            <a:endParaRPr lang="en-US" dirty="0"/>
+          </a:p>
+          <a:p>
+            <a:endParaRPr lang="en-US" dirty="0"/>
+          </a:p>
+        </p:txBody>
+      </p:sp>
+    </p:spTree>
+    <p:extLst>
+      <p:ext uri="{BB962C8B-B14F-4D97-AF65-F5344CB8AC3E}">
+        <p14:creationId xmlns:p14="http://schemas.microsoft.com/office/powerpoint/2010/main" val="788119096"/>
+      </p:ext>
+    </p:extLst>
+  </p:cSld>
+  <p:clrMapOvr>
+    <a:masterClrMapping/>
+  </p:clrMapOvr>
+</p:sld>
+</file>
+
 <file path=ppt/slides/slide38.xml><?xml version="1.0" encoding="utf-8"?>
 <p:sld xmlns:a="http://schemas.openxmlformats.org/drawingml/2006/main" xmlns:r="http://schemas.openxmlformats.org/officeDocument/2006/relationships" xmlns:p="http://schemas.openxmlformats.org/presentationml/2006/main">
   <p:cSld>
@@ -12459,174 +12487,6 @@
           <p:cNvPr id="2" name="Title 1">
             <a:extLst>
               <a:ext uri="{FF2B5EF4-FFF2-40B4-BE49-F238E27FC236}">
-                <a16:creationId xmlns:a16="http://schemas.microsoft.com/office/drawing/2014/main" id="{DEE8B14E-6C89-44B2-997A-D533828A5927}"/>
-              </a:ext>
-            </a:extLst>
-          </p:cNvPr>
-          <p:cNvSpPr>
-            <a:spLocks noGrp="1"/>
-          </p:cNvSpPr>
-          <p:nvPr>
-            <p:ph type="title"/>
-          </p:nvPr>
-        </p:nvSpPr>
-        <p:spPr/>
-        <p:txBody>
-          <a:bodyPr/>
-          <a:lstStyle/>
-          <a:p>
-            <a:r>
-              <a:rPr lang="en-US" sz="4000" dirty="0"/>
-              <a:t>Option Contracts</a:t>
-            </a:r>
-            <a:br>
-              <a:rPr lang="en-US" dirty="0"/>
-            </a:br>
-            <a:r>
-              <a:rPr lang="en-US" dirty="0"/>
-              <a:t>Call Option</a:t>
-            </a:r>
-          </a:p>
-        </p:txBody>
-      </p:sp>
-      <p:sp>
-        <p:nvSpPr>
-          <p:cNvPr id="3" name="Content Placeholder 2">
-            <a:extLst>
-              <a:ext uri="{FF2B5EF4-FFF2-40B4-BE49-F238E27FC236}">
-                <a16:creationId xmlns:a16="http://schemas.microsoft.com/office/drawing/2014/main" id="{3ECD996B-BC89-4834-BB58-AC2340B223D3}"/>
-              </a:ext>
-            </a:extLst>
-          </p:cNvPr>
-          <p:cNvSpPr>
-            <a:spLocks noGrp="1"/>
-          </p:cNvSpPr>
-          <p:nvPr>
-            <p:ph idx="1"/>
-          </p:nvPr>
-        </p:nvSpPr>
-        <p:spPr/>
-        <p:txBody>
-          <a:bodyPr/>
-          <a:lstStyle/>
-          <a:p>
-            <a:r>
-              <a:rPr lang="en-US" dirty="0"/>
-              <a:t>Payoff of call option</a:t>
-            </a:r>
-          </a:p>
-          <a:p>
-            <a:pPr lvl="1"/>
-            <a:r>
-              <a:rPr lang="en-US" dirty="0"/>
-              <a:t>Long call = MAX (S</a:t>
-            </a:r>
-            <a:r>
-              <a:rPr lang="en-US" baseline="-25000" dirty="0"/>
-              <a:t>T</a:t>
-            </a:r>
-            <a:r>
-              <a:rPr lang="en-US" dirty="0"/>
-              <a:t>-X,0)</a:t>
-            </a:r>
-          </a:p>
-          <a:p>
-            <a:pPr lvl="1"/>
-            <a:r>
-              <a:rPr lang="en-US" dirty="0"/>
-              <a:t>Short call = - MAX (S</a:t>
-            </a:r>
-            <a:r>
-              <a:rPr lang="en-US" baseline="-25000" dirty="0"/>
-              <a:t>T</a:t>
-            </a:r>
-            <a:r>
-              <a:rPr lang="en-US" dirty="0"/>
-              <a:t>-X,0)</a:t>
-            </a:r>
-          </a:p>
-          <a:p>
-            <a:endParaRPr lang="en-US" dirty="0"/>
-          </a:p>
-          <a:p>
-            <a:r>
-              <a:rPr lang="en-US" dirty="0"/>
-              <a:t>Profit of call option</a:t>
-            </a:r>
-          </a:p>
-          <a:p>
-            <a:pPr lvl="1"/>
-            <a:r>
-              <a:rPr lang="en-US" dirty="0"/>
-              <a:t>Long call = MAX (S</a:t>
-            </a:r>
-            <a:r>
-              <a:rPr lang="en-US" baseline="-25000" dirty="0"/>
-              <a:t>T</a:t>
-            </a:r>
-            <a:r>
-              <a:rPr lang="en-US" dirty="0"/>
-              <a:t>-X,0) – C</a:t>
-            </a:r>
-          </a:p>
-          <a:p>
-            <a:pPr lvl="1"/>
-            <a:r>
-              <a:rPr lang="en-US" dirty="0"/>
-              <a:t>Short call = - MAX (S</a:t>
-            </a:r>
-            <a:r>
-              <a:rPr lang="en-US" baseline="-25000" dirty="0"/>
-              <a:t>T</a:t>
-            </a:r>
-            <a:r>
-              <a:rPr lang="en-US" dirty="0"/>
-              <a:t>-X,0) + C</a:t>
-            </a:r>
-          </a:p>
-          <a:p>
-            <a:endParaRPr lang="en-US" dirty="0"/>
-          </a:p>
-          <a:p>
-            <a:endParaRPr lang="en-US" dirty="0"/>
-          </a:p>
-        </p:txBody>
-      </p:sp>
-    </p:spTree>
-    <p:extLst>
-      <p:ext uri="{BB962C8B-B14F-4D97-AF65-F5344CB8AC3E}">
-        <p14:creationId xmlns:p14="http://schemas.microsoft.com/office/powerpoint/2010/main" val="788119096"/>
-      </p:ext>
-    </p:extLst>
-  </p:cSld>
-  <p:clrMapOvr>
-    <a:masterClrMapping/>
-  </p:clrMapOvr>
-</p:sld>
-</file>
-
-<file path=ppt/slides/slide39.xml><?xml version="1.0" encoding="utf-8"?>
-<p:sld xmlns:a="http://schemas.openxmlformats.org/drawingml/2006/main" xmlns:r="http://schemas.openxmlformats.org/officeDocument/2006/relationships" xmlns:p="http://schemas.openxmlformats.org/presentationml/2006/main">
-  <p:cSld>
-    <p:spTree>
-      <p:nvGrpSpPr>
-        <p:cNvPr id="1" name=""/>
-        <p:cNvGrpSpPr/>
-        <p:nvPr/>
-      </p:nvGrpSpPr>
-      <p:grpSpPr>
-        <a:xfrm>
-          <a:off x="0" y="0"/>
-          <a:ext cx="0" cy="0"/>
-          <a:chOff x="0" y="0"/>
-          <a:chExt cx="0" cy="0"/>
-        </a:xfrm>
-      </p:grpSpPr>
-      <p:sp>
-        <p:nvSpPr>
-          <p:cNvPr id="2" name="Title 1">
-            <a:extLst>
-              <a:ext uri="{FF2B5EF4-FFF2-40B4-BE49-F238E27FC236}">
                 <a16:creationId xmlns:a16="http://schemas.microsoft.com/office/drawing/2014/main" id="{0BD82D5C-0BCB-4204-880D-B8CFE7F77D6E}"/>
               </a:ext>
             </a:extLst>
@@ -12739,127 +12599,7 @@
 </p:sld>
 </file>
 
-<file path=ppt/slides/slide4.xml><?xml version="1.0" encoding="utf-8"?>
-<p:sld xmlns:a="http://schemas.openxmlformats.org/drawingml/2006/main" xmlns:r="http://schemas.openxmlformats.org/officeDocument/2006/relationships" xmlns:p="http://schemas.openxmlformats.org/presentationml/2006/main">
-  <p:cSld>
-    <p:spTree>
-      <p:nvGrpSpPr>
-        <p:cNvPr id="1" name=""/>
-        <p:cNvGrpSpPr/>
-        <p:nvPr/>
-      </p:nvGrpSpPr>
-      <p:grpSpPr>
-        <a:xfrm>
-          <a:off x="0" y="0"/>
-          <a:ext cx="0" cy="0"/>
-          <a:chOff x="0" y="0"/>
-          <a:chExt cx="0" cy="0"/>
-        </a:xfrm>
-      </p:grpSpPr>
-      <p:sp>
-        <p:nvSpPr>
-          <p:cNvPr id="2" name="Title 1">
-            <a:extLst>
-              <a:ext uri="{FF2B5EF4-FFF2-40B4-BE49-F238E27FC236}">
-                <a16:creationId xmlns:a16="http://schemas.microsoft.com/office/drawing/2014/main" id="{E94617E6-4169-44D7-ADCE-3B9EA049664F}"/>
-              </a:ext>
-            </a:extLst>
-          </p:cNvPr>
-          <p:cNvSpPr>
-            <a:spLocks noGrp="1"/>
-          </p:cNvSpPr>
-          <p:nvPr>
-            <p:ph type="title"/>
-          </p:nvPr>
-        </p:nvSpPr>
-        <p:spPr/>
-        <p:txBody>
-          <a:bodyPr>
-            <a:normAutofit/>
-          </a:bodyPr>
-          <a:lstStyle/>
-          <a:p>
-            <a:r>
-              <a:rPr lang="en-US" sz="4000" dirty="0"/>
-              <a:t>Basic Derivative Concepts</a:t>
-            </a:r>
-          </a:p>
-        </p:txBody>
-      </p:sp>
-      <p:sp>
-        <p:nvSpPr>
-          <p:cNvPr id="3" name="Content Placeholder 2">
-            <a:extLst>
-              <a:ext uri="{FF2B5EF4-FFF2-40B4-BE49-F238E27FC236}">
-                <a16:creationId xmlns:a16="http://schemas.microsoft.com/office/drawing/2014/main" id="{8ABE3BEB-A5DB-4FEF-8C80-E8CB9E0F80E1}"/>
-              </a:ext>
-            </a:extLst>
-          </p:cNvPr>
-          <p:cNvSpPr>
-            <a:spLocks noGrp="1"/>
-          </p:cNvSpPr>
-          <p:nvPr>
-            <p:ph idx="1"/>
-          </p:nvPr>
-        </p:nvSpPr>
-        <p:spPr/>
-        <p:txBody>
-          <a:bodyPr>
-            <a:normAutofit/>
-          </a:bodyPr>
-          <a:lstStyle/>
-          <a:p>
-            <a:r>
-              <a:rPr lang="en-US" sz="2000" dirty="0"/>
-              <a:t>A </a:t>
-            </a:r>
-            <a:r>
-              <a:rPr lang="en-US" sz="2000" dirty="0">
-                <a:solidFill>
-                  <a:srgbClr val="FF0000"/>
-                </a:solidFill>
-              </a:rPr>
-              <a:t>forward</a:t>
-            </a:r>
-            <a:r>
-              <a:rPr lang="en-US" sz="2000" dirty="0"/>
-              <a:t> contract is an over-the-counter derivative contract in which two parties agree that one party, the buyer, will purchase an underlying asset from the other party, the seller, at a later date at a fixed price they agree upon when the contract is signed.</a:t>
-            </a:r>
-          </a:p>
-          <a:p>
-            <a:r>
-              <a:rPr lang="en-US" sz="2000" dirty="0"/>
-              <a:t>A </a:t>
-            </a:r>
-            <a:r>
-              <a:rPr lang="en-US" sz="2000" dirty="0">
-                <a:solidFill>
-                  <a:srgbClr val="FF0000"/>
-                </a:solidFill>
-              </a:rPr>
-              <a:t>futures</a:t>
-            </a:r>
-            <a:r>
-              <a:rPr lang="en-US" sz="2000" dirty="0"/>
-              <a:t> contract is a standardized derivative contract created and traded on a futures exchange in which two parties agree that one party, the buyer, will purchase an underlying asset from the other party, the seller, at a later date at a price agreed upon by the two parties when the contract is initiated and in which there is a daily settling of gains and losses and a credit guarantee by the futures exchange through its clearinghouse</a:t>
-            </a:r>
-          </a:p>
-        </p:txBody>
-      </p:sp>
-    </p:spTree>
-    <p:extLst>
-      <p:ext uri="{BB962C8B-B14F-4D97-AF65-F5344CB8AC3E}">
-        <p14:creationId xmlns:p14="http://schemas.microsoft.com/office/powerpoint/2010/main" val="2424597150"/>
-      </p:ext>
-    </p:extLst>
-  </p:cSld>
-  <p:clrMapOvr>
-    <a:masterClrMapping/>
-  </p:clrMapOvr>
-</p:sld>
-</file>
-
-<file path=ppt/slides/slide40.xml><?xml version="1.0" encoding="utf-8"?>
+<file path=ppt/slides/slide39.xml><?xml version="1.0" encoding="utf-8"?>
 <p:sld xmlns:a="http://schemas.openxmlformats.org/drawingml/2006/main" xmlns:r="http://schemas.openxmlformats.org/officeDocument/2006/relationships" xmlns:p="http://schemas.openxmlformats.org/presentationml/2006/main">
   <p:cSld>
     <p:spTree>
@@ -13306,7 +13046,127 @@
 </p:sld>
 </file>
 
-<file path=ppt/slides/slide41.xml><?xml version="1.0" encoding="utf-8"?>
+<file path=ppt/slides/slide4.xml><?xml version="1.0" encoding="utf-8"?>
+<p:sld xmlns:a="http://schemas.openxmlformats.org/drawingml/2006/main" xmlns:r="http://schemas.openxmlformats.org/officeDocument/2006/relationships" xmlns:p="http://schemas.openxmlformats.org/presentationml/2006/main">
+  <p:cSld>
+    <p:spTree>
+      <p:nvGrpSpPr>
+        <p:cNvPr id="1" name=""/>
+        <p:cNvGrpSpPr/>
+        <p:nvPr/>
+      </p:nvGrpSpPr>
+      <p:grpSpPr>
+        <a:xfrm>
+          <a:off x="0" y="0"/>
+          <a:ext cx="0" cy="0"/>
+          <a:chOff x="0" y="0"/>
+          <a:chExt cx="0" cy="0"/>
+        </a:xfrm>
+      </p:grpSpPr>
+      <p:sp>
+        <p:nvSpPr>
+          <p:cNvPr id="2" name="Title 1">
+            <a:extLst>
+              <a:ext uri="{FF2B5EF4-FFF2-40B4-BE49-F238E27FC236}">
+                <a16:creationId xmlns:a16="http://schemas.microsoft.com/office/drawing/2014/main" id="{E94617E6-4169-44D7-ADCE-3B9EA049664F}"/>
+              </a:ext>
+            </a:extLst>
+          </p:cNvPr>
+          <p:cNvSpPr>
+            <a:spLocks noGrp="1"/>
+          </p:cNvSpPr>
+          <p:nvPr>
+            <p:ph type="title"/>
+          </p:nvPr>
+        </p:nvSpPr>
+        <p:spPr/>
+        <p:txBody>
+          <a:bodyPr>
+            <a:normAutofit/>
+          </a:bodyPr>
+          <a:lstStyle/>
+          <a:p>
+            <a:r>
+              <a:rPr lang="en-US" sz="4000" dirty="0"/>
+              <a:t>Basic Derivative Concepts</a:t>
+            </a:r>
+          </a:p>
+        </p:txBody>
+      </p:sp>
+      <p:sp>
+        <p:nvSpPr>
+          <p:cNvPr id="3" name="Content Placeholder 2">
+            <a:extLst>
+              <a:ext uri="{FF2B5EF4-FFF2-40B4-BE49-F238E27FC236}">
+                <a16:creationId xmlns:a16="http://schemas.microsoft.com/office/drawing/2014/main" id="{8ABE3BEB-A5DB-4FEF-8C80-E8CB9E0F80E1}"/>
+              </a:ext>
+            </a:extLst>
+          </p:cNvPr>
+          <p:cNvSpPr>
+            <a:spLocks noGrp="1"/>
+          </p:cNvSpPr>
+          <p:nvPr>
+            <p:ph idx="1"/>
+          </p:nvPr>
+        </p:nvSpPr>
+        <p:spPr/>
+        <p:txBody>
+          <a:bodyPr>
+            <a:normAutofit/>
+          </a:bodyPr>
+          <a:lstStyle/>
+          <a:p>
+            <a:r>
+              <a:rPr lang="en-US" sz="2000" dirty="0"/>
+              <a:t>A </a:t>
+            </a:r>
+            <a:r>
+              <a:rPr lang="en-US" sz="2000" dirty="0">
+                <a:solidFill>
+                  <a:srgbClr val="FF0000"/>
+                </a:solidFill>
+              </a:rPr>
+              <a:t>forward</a:t>
+            </a:r>
+            <a:r>
+              <a:rPr lang="en-US" sz="2000" dirty="0"/>
+              <a:t> contract is an over-the-counter derivative contract in which two parties agree that one party, the buyer, will purchase an underlying asset from the other party, the seller, at a later date at a fixed price they agree upon when the contract is signed.</a:t>
+            </a:r>
+          </a:p>
+          <a:p>
+            <a:r>
+              <a:rPr lang="en-US" sz="2000" dirty="0"/>
+              <a:t>A </a:t>
+            </a:r>
+            <a:r>
+              <a:rPr lang="en-US" sz="2000" dirty="0">
+                <a:solidFill>
+                  <a:srgbClr val="FF0000"/>
+                </a:solidFill>
+              </a:rPr>
+              <a:t>futures</a:t>
+            </a:r>
+            <a:r>
+              <a:rPr lang="en-US" sz="2000" dirty="0"/>
+              <a:t> contract is a standardized derivative contract created and traded on a futures exchange in which two parties agree that one party, the buyer, will purchase an underlying asset from the other party, the seller, at a later date at a price agreed upon by the two parties when the contract is initiated and in which there is a daily settling of gains and losses and a credit guarantee by the futures exchange through its clearinghouse</a:t>
+            </a:r>
+          </a:p>
+        </p:txBody>
+      </p:sp>
+    </p:spTree>
+    <p:extLst>
+      <p:ext uri="{BB962C8B-B14F-4D97-AF65-F5344CB8AC3E}">
+        <p14:creationId xmlns:p14="http://schemas.microsoft.com/office/powerpoint/2010/main" val="2424597150"/>
+      </p:ext>
+    </p:extLst>
+  </p:cSld>
+  <p:clrMapOvr>
+    <a:masterClrMapping/>
+  </p:clrMapOvr>
+</p:sld>
+</file>
+
+<file path=ppt/slides/slide40.xml><?xml version="1.0" encoding="utf-8"?>
 <p:sld xmlns:a="http://schemas.openxmlformats.org/drawingml/2006/main" xmlns:r="http://schemas.openxmlformats.org/officeDocument/2006/relationships" xmlns:p="http://schemas.openxmlformats.org/presentationml/2006/main">
   <p:cSld>
     <p:spTree>
@@ -13462,6 +13322,222 @@
 </p:sld>
 </file>
 
+<file path=ppt/slides/slide41.xml><?xml version="1.0" encoding="utf-8"?>
+<p:sld xmlns:a="http://schemas.openxmlformats.org/drawingml/2006/main" xmlns:r="http://schemas.openxmlformats.org/officeDocument/2006/relationships" xmlns:p="http://schemas.openxmlformats.org/presentationml/2006/main">
+  <p:cSld>
+    <p:spTree>
+      <p:nvGrpSpPr>
+        <p:cNvPr id="1" name=""/>
+        <p:cNvGrpSpPr/>
+        <p:nvPr/>
+      </p:nvGrpSpPr>
+      <p:grpSpPr>
+        <a:xfrm>
+          <a:off x="0" y="0"/>
+          <a:ext cx="0" cy="0"/>
+          <a:chOff x="0" y="0"/>
+          <a:chExt cx="0" cy="0"/>
+        </a:xfrm>
+      </p:grpSpPr>
+      <p:sp>
+        <p:nvSpPr>
+          <p:cNvPr id="2" name="Title 1">
+            <a:extLst>
+              <a:ext uri="{FF2B5EF4-FFF2-40B4-BE49-F238E27FC236}">
+                <a16:creationId xmlns:a16="http://schemas.microsoft.com/office/drawing/2014/main" id="{75FC705B-800B-405C-AEEB-F97882457E8D}"/>
+              </a:ext>
+            </a:extLst>
+          </p:cNvPr>
+          <p:cNvSpPr>
+            <a:spLocks noGrp="1"/>
+          </p:cNvSpPr>
+          <p:nvPr>
+            <p:ph type="title"/>
+          </p:nvPr>
+        </p:nvSpPr>
+        <p:spPr/>
+        <p:txBody>
+          <a:bodyPr/>
+          <a:lstStyle/>
+          <a:p>
+            <a:r>
+              <a:rPr lang="en-US" sz="4000" dirty="0"/>
+              <a:t>Option Contracts</a:t>
+            </a:r>
+            <a:br>
+              <a:rPr lang="en-US" sz="4000" dirty="0"/>
+            </a:br>
+            <a:r>
+              <a:rPr lang="en-US" dirty="0"/>
+              <a:t>Put Option</a:t>
+            </a:r>
+          </a:p>
+        </p:txBody>
+      </p:sp>
+      <p:sp>
+        <p:nvSpPr>
+          <p:cNvPr id="3" name="Content Placeholder 2">
+            <a:extLst>
+              <a:ext uri="{FF2B5EF4-FFF2-40B4-BE49-F238E27FC236}">
+                <a16:creationId xmlns:a16="http://schemas.microsoft.com/office/drawing/2014/main" id="{860738EE-12EC-4D61-87AB-E384ADF5E9D4}"/>
+              </a:ext>
+            </a:extLst>
+          </p:cNvPr>
+          <p:cNvSpPr>
+            <a:spLocks noGrp="1"/>
+          </p:cNvSpPr>
+          <p:nvPr>
+            <p:ph idx="1"/>
+          </p:nvPr>
+        </p:nvSpPr>
+        <p:spPr/>
+        <p:txBody>
+          <a:bodyPr/>
+          <a:lstStyle/>
+          <a:p>
+            <a:r>
+              <a:rPr lang="en-US" dirty="0"/>
+              <a:t>Payoff of </a:t>
+            </a:r>
+            <a:r>
+              <a:rPr lang="en-US" altLang="zh-CN" dirty="0"/>
+              <a:t>put</a:t>
+            </a:r>
+            <a:r>
+              <a:rPr lang="en-US" dirty="0"/>
+              <a:t> option</a:t>
+            </a:r>
+          </a:p>
+          <a:p>
+            <a:pPr lvl="1"/>
+            <a:r>
+              <a:rPr lang="en-US" dirty="0"/>
+              <a:t>Long </a:t>
+            </a:r>
+            <a:r>
+              <a:rPr lang="en-US" altLang="zh-CN" dirty="0"/>
+              <a:t>put</a:t>
+            </a:r>
+            <a:r>
+              <a:rPr lang="en-US" dirty="0"/>
+              <a:t> = MAX (X-S</a:t>
+            </a:r>
+            <a:r>
+              <a:rPr lang="en-US" baseline="-25000" dirty="0"/>
+              <a:t>T</a:t>
+            </a:r>
+            <a:r>
+              <a:rPr lang="en-US" dirty="0"/>
+              <a:t>,0)</a:t>
+            </a:r>
+          </a:p>
+          <a:p>
+            <a:pPr lvl="1"/>
+            <a:r>
+              <a:rPr lang="en-US" dirty="0"/>
+              <a:t>Short </a:t>
+            </a:r>
+            <a:r>
+              <a:rPr lang="en-US" altLang="zh-CN" dirty="0"/>
+              <a:t>put</a:t>
+            </a:r>
+            <a:r>
+              <a:rPr lang="en-US" dirty="0"/>
+              <a:t> = - MAX (X-S</a:t>
+            </a:r>
+            <a:r>
+              <a:rPr lang="en-US" baseline="-25000" dirty="0"/>
+              <a:t>T</a:t>
+            </a:r>
+            <a:r>
+              <a:rPr lang="en-US" dirty="0"/>
+              <a:t>,0)</a:t>
+            </a:r>
+          </a:p>
+          <a:p>
+            <a:endParaRPr lang="en-US" dirty="0"/>
+          </a:p>
+          <a:p>
+            <a:r>
+              <a:rPr lang="en-US" dirty="0"/>
+              <a:t>Profit of </a:t>
+            </a:r>
+            <a:r>
+              <a:rPr lang="en-US" altLang="zh-CN" dirty="0"/>
+              <a:t>put</a:t>
+            </a:r>
+            <a:r>
+              <a:rPr lang="en-US" dirty="0"/>
+              <a:t> option</a:t>
+            </a:r>
+          </a:p>
+          <a:p>
+            <a:pPr lvl="1"/>
+            <a:r>
+              <a:rPr lang="en-US" dirty="0"/>
+              <a:t>Long </a:t>
+            </a:r>
+            <a:r>
+              <a:rPr lang="en-US" altLang="zh-CN" dirty="0"/>
+              <a:t>put</a:t>
+            </a:r>
+            <a:r>
+              <a:rPr lang="en-US" dirty="0"/>
+              <a:t> = MAX (X-S</a:t>
+            </a:r>
+            <a:r>
+              <a:rPr lang="en-US" baseline="-25000" dirty="0"/>
+              <a:t>T</a:t>
+            </a:r>
+            <a:r>
+              <a:rPr lang="en-US" dirty="0"/>
+              <a:t>,0) – P</a:t>
+            </a:r>
+          </a:p>
+          <a:p>
+            <a:pPr lvl="1"/>
+            <a:r>
+              <a:rPr lang="en-US" dirty="0"/>
+              <a:t>Short </a:t>
+            </a:r>
+            <a:r>
+              <a:rPr lang="en-US" altLang="zh-CN" dirty="0"/>
+              <a:t>put</a:t>
+            </a:r>
+            <a:r>
+              <a:rPr lang="en-US" dirty="0"/>
+              <a:t> = - MAX (X-S</a:t>
+            </a:r>
+            <a:r>
+              <a:rPr lang="en-US" baseline="-25000" dirty="0"/>
+              <a:t>T</a:t>
+            </a:r>
+            <a:r>
+              <a:rPr lang="en-US" dirty="0"/>
+              <a:t>,0) + P</a:t>
+            </a:r>
+          </a:p>
+          <a:p>
+            <a:endParaRPr lang="en-US" dirty="0"/>
+          </a:p>
+          <a:p>
+            <a:endParaRPr lang="en-US" dirty="0"/>
+          </a:p>
+        </p:txBody>
+      </p:sp>
+    </p:spTree>
+    <p:extLst>
+      <p:ext uri="{BB962C8B-B14F-4D97-AF65-F5344CB8AC3E}">
+        <p14:creationId xmlns:p14="http://schemas.microsoft.com/office/powerpoint/2010/main" val="1186771443"/>
+      </p:ext>
+    </p:extLst>
+  </p:cSld>
+  <p:clrMapOvr>
+    <a:masterClrMapping/>
+  </p:clrMapOvr>
+</p:sld>
+</file>
+
 <file path=ppt/slides/slide42.xml><?xml version="1.0" encoding="utf-8"?>
 <p:sld xmlns:a="http://schemas.openxmlformats.org/drawingml/2006/main" xmlns:r="http://schemas.openxmlformats.org/officeDocument/2006/relationships" xmlns:p="http://schemas.openxmlformats.org/presentationml/2006/main">
   <p:cSld>
@@ -13484,7 +13560,7 @@
           <p:cNvPr id="2" name="Title 1">
             <a:extLst>
               <a:ext uri="{FF2B5EF4-FFF2-40B4-BE49-F238E27FC236}">
-                <a16:creationId xmlns:a16="http://schemas.microsoft.com/office/drawing/2014/main" id="{75FC705B-800B-405C-AEEB-F97882457E8D}"/>
+                <a16:creationId xmlns:a16="http://schemas.microsoft.com/office/drawing/2014/main" id="{D144DC10-90A2-479B-B3E6-0983304E5176}"/>
               </a:ext>
             </a:extLst>
           </p:cNvPr>
@@ -13497,19 +13573,14 @@
         </p:nvSpPr>
         <p:spPr/>
         <p:txBody>
-          <a:bodyPr/>
+          <a:bodyPr>
+            <a:normAutofit/>
+          </a:bodyPr>
           <a:lstStyle/>
           <a:p>
             <a:r>
               <a:rPr lang="en-US" sz="4000" dirty="0"/>
-              <a:t>Option Contracts</a:t>
-            </a:r>
-            <a:br>
-              <a:rPr lang="en-US" sz="4000" dirty="0"/>
-            </a:br>
-            <a:r>
-              <a:rPr lang="en-US" dirty="0"/>
-              <a:t>Put Option</a:t>
+              <a:t>Practices</a:t>
             </a:r>
           </a:p>
         </p:txBody>
@@ -13519,7 +13590,7 @@
           <p:cNvPr id="3" name="Content Placeholder 2">
             <a:extLst>
               <a:ext uri="{FF2B5EF4-FFF2-40B4-BE49-F238E27FC236}">
-                <a16:creationId xmlns:a16="http://schemas.microsoft.com/office/drawing/2014/main" id="{860738EE-12EC-4D61-87AB-E384ADF5E9D4}"/>
+                <a16:creationId xmlns:a16="http://schemas.microsoft.com/office/drawing/2014/main" id="{21707848-DDDD-41EF-9362-0D44DC210E9B}"/>
               </a:ext>
             </a:extLst>
           </p:cNvPr>
@@ -13532,143 +13603,64 @@
         </p:nvSpPr>
         <p:spPr/>
         <p:txBody>
-          <a:bodyPr/>
-          <a:lstStyle/>
-          <a:p>
-            <a:r>
-              <a:rPr lang="en-US" dirty="0"/>
-              <a:t>Payoff of </a:t>
-            </a:r>
-            <a:r>
-              <a:rPr lang="en-US" altLang="zh-CN" dirty="0"/>
-              <a:t>put</a:t>
-            </a:r>
-            <a:r>
-              <a:rPr lang="en-US" dirty="0"/>
-              <a:t> option</a:t>
+          <a:bodyPr>
+            <a:normAutofit/>
+          </a:bodyPr>
+          <a:lstStyle/>
+          <a:p>
+            <a:r>
+              <a:rPr lang="en-US" dirty="0"/>
+              <a:t>Consider a put option selling for $4 in which the exercise price is $60 and the price of the underlying is $62.</a:t>
             </a:r>
           </a:p>
           <a:p>
             <a:pPr lvl="1"/>
             <a:r>
               <a:rPr lang="en-US" dirty="0"/>
-              <a:t>Long </a:t>
-            </a:r>
-            <a:r>
-              <a:rPr lang="en-US" altLang="zh-CN" dirty="0"/>
-              <a:t>put</a:t>
-            </a:r>
-            <a:r>
-              <a:rPr lang="en-US" dirty="0"/>
-              <a:t> = MAX (X-S</a:t>
-            </a:r>
-            <a:r>
-              <a:rPr lang="en-US" baseline="-25000" dirty="0"/>
-              <a:t>T</a:t>
-            </a:r>
-            <a:r>
-              <a:rPr lang="en-US" dirty="0"/>
-              <a:t>,0)</a:t>
+              <a:t>1 Determine the value at expiration and the profit for a put buyer under the following outcomes:</a:t>
+            </a:r>
+          </a:p>
+          <a:p>
+            <a:pPr lvl="2"/>
+            <a:r>
+              <a:rPr lang="en-US" dirty="0"/>
+              <a:t>A The price of the underlying at expiration is $62.</a:t>
+            </a:r>
+          </a:p>
+          <a:p>
+            <a:pPr lvl="2"/>
+            <a:r>
+              <a:rPr lang="en-US" dirty="0"/>
+              <a:t>B The price of the underlying at expiration is $55.</a:t>
             </a:r>
           </a:p>
           <a:p>
             <a:pPr lvl="1"/>
             <a:r>
               <a:rPr lang="en-US" dirty="0"/>
-              <a:t>Short </a:t>
-            </a:r>
-            <a:r>
-              <a:rPr lang="en-US" altLang="zh-CN" dirty="0"/>
-              <a:t>put</a:t>
-            </a:r>
-            <a:r>
-              <a:rPr lang="en-US" dirty="0"/>
-              <a:t> = - MAX (X-S</a:t>
-            </a:r>
-            <a:r>
-              <a:rPr lang="en-US" baseline="-25000" dirty="0"/>
-              <a:t>T</a:t>
-            </a:r>
-            <a:r>
-              <a:rPr lang="en-US" dirty="0"/>
-              <a:t>,0)</a:t>
-            </a:r>
-          </a:p>
-          <a:p>
-            <a:endParaRPr lang="en-US" dirty="0"/>
-          </a:p>
-          <a:p>
-            <a:r>
-              <a:rPr lang="en-US" dirty="0"/>
-              <a:t>Profit of </a:t>
-            </a:r>
-            <a:r>
-              <a:rPr lang="en-US" altLang="zh-CN" dirty="0"/>
-              <a:t>put</a:t>
-            </a:r>
-            <a:r>
-              <a:rPr lang="en-US" dirty="0"/>
-              <a:t> option</a:t>
-            </a:r>
-          </a:p>
-          <a:p>
-            <a:pPr lvl="1"/>
-            <a:r>
-              <a:rPr lang="en-US" dirty="0"/>
-              <a:t>Long </a:t>
-            </a:r>
-            <a:r>
-              <a:rPr lang="en-US" altLang="zh-CN" dirty="0"/>
-              <a:t>put</a:t>
-            </a:r>
-            <a:r>
-              <a:rPr lang="en-US" dirty="0"/>
-              <a:t> = MAX (X-S</a:t>
-            </a:r>
-            <a:r>
-              <a:rPr lang="en-US" baseline="-25000" dirty="0"/>
-              <a:t>T</a:t>
-            </a:r>
-            <a:r>
-              <a:rPr lang="en-US" dirty="0"/>
-              <a:t>,0) – P</a:t>
-            </a:r>
-          </a:p>
-          <a:p>
-            <a:pPr lvl="1"/>
-            <a:r>
-              <a:rPr lang="en-US" dirty="0"/>
-              <a:t>Short </a:t>
-            </a:r>
-            <a:r>
-              <a:rPr lang="en-US" altLang="zh-CN" dirty="0"/>
-              <a:t>put</a:t>
-            </a:r>
-            <a:r>
-              <a:rPr lang="en-US" dirty="0"/>
-              <a:t> = - MAX (X-S</a:t>
-            </a:r>
-            <a:r>
-              <a:rPr lang="en-US" baseline="-25000" dirty="0"/>
-              <a:t>T</a:t>
-            </a:r>
-            <a:r>
-              <a:rPr lang="en-US" dirty="0"/>
-              <a:t>,0) + P</a:t>
-            </a:r>
-          </a:p>
-          <a:p>
-            <a:endParaRPr lang="en-US" dirty="0"/>
-          </a:p>
-          <a:p>
-            <a:endParaRPr lang="en-US" dirty="0"/>
+              <a:t>2 Determine the value at expiration and the profit for a put seller under the following outcomes:</a:t>
+            </a:r>
+          </a:p>
+          <a:p>
+            <a:pPr lvl="2"/>
+            <a:r>
+              <a:rPr lang="en-US" dirty="0"/>
+              <a:t>A The price of the underlying at expiration is $51.</a:t>
+            </a:r>
+          </a:p>
+          <a:p>
+            <a:pPr lvl="2"/>
+            <a:r>
+              <a:rPr lang="en-US" dirty="0"/>
+              <a:t>B The price of the underlying at expiration is $68.</a:t>
+            </a:r>
           </a:p>
         </p:txBody>
       </p:sp>
     </p:spTree>
     <p:extLst>
       <p:ext uri="{BB962C8B-B14F-4D97-AF65-F5344CB8AC3E}">
-        <p14:creationId xmlns:p14="http://schemas.microsoft.com/office/powerpoint/2010/main" val="1186771443"/>
+        <p14:creationId xmlns:p14="http://schemas.microsoft.com/office/powerpoint/2010/main" val="3669530994"/>
       </p:ext>
     </p:extLst>
   </p:cSld>
@@ -13700,138 +13692,6 @@
           <p:cNvPr id="2" name="Title 1">
             <a:extLst>
               <a:ext uri="{FF2B5EF4-FFF2-40B4-BE49-F238E27FC236}">
-                <a16:creationId xmlns:a16="http://schemas.microsoft.com/office/drawing/2014/main" id="{D144DC10-90A2-479B-B3E6-0983304E5176}"/>
-              </a:ext>
-            </a:extLst>
-          </p:cNvPr>
-          <p:cNvSpPr>
-            <a:spLocks noGrp="1"/>
-          </p:cNvSpPr>
-          <p:nvPr>
-            <p:ph type="title"/>
-          </p:nvPr>
-        </p:nvSpPr>
-        <p:spPr/>
-        <p:txBody>
-          <a:bodyPr>
-            <a:normAutofit/>
-          </a:bodyPr>
-          <a:lstStyle/>
-          <a:p>
-            <a:r>
-              <a:rPr lang="en-US" sz="4000" dirty="0"/>
-              <a:t>Practices</a:t>
-            </a:r>
-          </a:p>
-        </p:txBody>
-      </p:sp>
-      <p:sp>
-        <p:nvSpPr>
-          <p:cNvPr id="3" name="Content Placeholder 2">
-            <a:extLst>
-              <a:ext uri="{FF2B5EF4-FFF2-40B4-BE49-F238E27FC236}">
-                <a16:creationId xmlns:a16="http://schemas.microsoft.com/office/drawing/2014/main" id="{21707848-DDDD-41EF-9362-0D44DC210E9B}"/>
-              </a:ext>
-            </a:extLst>
-          </p:cNvPr>
-          <p:cNvSpPr>
-            <a:spLocks noGrp="1"/>
-          </p:cNvSpPr>
-          <p:nvPr>
-            <p:ph idx="1"/>
-          </p:nvPr>
-        </p:nvSpPr>
-        <p:spPr/>
-        <p:txBody>
-          <a:bodyPr>
-            <a:normAutofit/>
-          </a:bodyPr>
-          <a:lstStyle/>
-          <a:p>
-            <a:r>
-              <a:rPr lang="en-US" dirty="0"/>
-              <a:t>Consider a put option selling for $4 in which the exercise price is $60 and the price of the underlying is $62.</a:t>
-            </a:r>
-          </a:p>
-          <a:p>
-            <a:pPr lvl="1"/>
-            <a:r>
-              <a:rPr lang="en-US" dirty="0"/>
-              <a:t>1 Determine the value at expiration and the profit for a put buyer under the following outcomes:</a:t>
-            </a:r>
-          </a:p>
-          <a:p>
-            <a:pPr lvl="2"/>
-            <a:r>
-              <a:rPr lang="en-US" dirty="0"/>
-              <a:t>A The price of the underlying at expiration is $62.</a:t>
-            </a:r>
-          </a:p>
-          <a:p>
-            <a:pPr lvl="2"/>
-            <a:r>
-              <a:rPr lang="en-US" dirty="0"/>
-              <a:t>B The price of the underlying at expiration is $55.</a:t>
-            </a:r>
-          </a:p>
-          <a:p>
-            <a:pPr lvl="1"/>
-            <a:r>
-              <a:rPr lang="en-US" dirty="0"/>
-              <a:t>2 Determine the value at expiration and the profit for a put seller under the following outcomes:</a:t>
-            </a:r>
-          </a:p>
-          <a:p>
-            <a:pPr lvl="2"/>
-            <a:r>
-              <a:rPr lang="en-US" dirty="0"/>
-              <a:t>A The price of the underlying at expiration is $51.</a:t>
-            </a:r>
-          </a:p>
-          <a:p>
-            <a:pPr lvl="2"/>
-            <a:r>
-              <a:rPr lang="en-US" dirty="0"/>
-              <a:t>B The price of the underlying at expiration is $68.</a:t>
-            </a:r>
-          </a:p>
-        </p:txBody>
-      </p:sp>
-    </p:spTree>
-    <p:extLst>
-      <p:ext uri="{BB962C8B-B14F-4D97-AF65-F5344CB8AC3E}">
-        <p14:creationId xmlns:p14="http://schemas.microsoft.com/office/powerpoint/2010/main" val="3669530994"/>
-      </p:ext>
-    </p:extLst>
-  </p:cSld>
-  <p:clrMapOvr>
-    <a:masterClrMapping/>
-  </p:clrMapOvr>
-</p:sld>
-</file>
-
-<file path=ppt/slides/slide44.xml><?xml version="1.0" encoding="utf-8"?>
-<p:sld xmlns:a="http://schemas.openxmlformats.org/drawingml/2006/main" xmlns:r="http://schemas.openxmlformats.org/officeDocument/2006/relationships" xmlns:p="http://schemas.openxmlformats.org/presentationml/2006/main">
-  <p:cSld>
-    <p:spTree>
-      <p:nvGrpSpPr>
-        <p:cNvPr id="1" name=""/>
-        <p:cNvGrpSpPr/>
-        <p:nvPr/>
-      </p:nvGrpSpPr>
-      <p:grpSpPr>
-        <a:xfrm>
-          <a:off x="0" y="0"/>
-          <a:ext cx="0" cy="0"/>
-          <a:chOff x="0" y="0"/>
-          <a:chExt cx="0" cy="0"/>
-        </a:xfrm>
-      </p:grpSpPr>
-      <p:sp>
-        <p:nvSpPr>
-          <p:cNvPr id="2" name="Title 1">
-            <a:extLst>
-              <a:ext uri="{FF2B5EF4-FFF2-40B4-BE49-F238E27FC236}">
                 <a16:creationId xmlns:a16="http://schemas.microsoft.com/office/drawing/2014/main" id="{1C2F3AE9-B402-437D-BDF5-E4639C896F9C}"/>
               </a:ext>
             </a:extLst>
@@ -14011,7 +13871,7 @@
 </p:sld>
 </file>
 
-<file path=ppt/slides/slide45.xml><?xml version="1.0" encoding="utf-8"?>
+<file path=ppt/slides/slide44.xml><?xml version="1.0" encoding="utf-8"?>
 <p:sld xmlns:a="http://schemas.openxmlformats.org/drawingml/2006/main" xmlns:r="http://schemas.openxmlformats.org/officeDocument/2006/relationships" xmlns:p="http://schemas.openxmlformats.org/presentationml/2006/main">
   <p:cSld>
     <p:spTree>
@@ -14461,6 +14321,152 @@
 </p:sld>
 </file>
 
+<file path=ppt/slides/slide45.xml><?xml version="1.0" encoding="utf-8"?>
+<p:sld xmlns:a="http://schemas.openxmlformats.org/drawingml/2006/main" xmlns:r="http://schemas.openxmlformats.org/officeDocument/2006/relationships" xmlns:p="http://schemas.openxmlformats.org/presentationml/2006/main">
+  <p:cSld>
+    <p:spTree>
+      <p:nvGrpSpPr>
+        <p:cNvPr id="1" name=""/>
+        <p:cNvGrpSpPr/>
+        <p:nvPr/>
+      </p:nvGrpSpPr>
+      <p:grpSpPr>
+        <a:xfrm>
+          <a:off x="0" y="0"/>
+          <a:ext cx="0" cy="0"/>
+          <a:chOff x="0" y="0"/>
+          <a:chExt cx="0" cy="0"/>
+        </a:xfrm>
+      </p:grpSpPr>
+      <p:sp>
+        <p:nvSpPr>
+          <p:cNvPr id="2" name="Title 1">
+            <a:extLst>
+              <a:ext uri="{FF2B5EF4-FFF2-40B4-BE49-F238E27FC236}">
+                <a16:creationId xmlns:a16="http://schemas.microsoft.com/office/drawing/2014/main" id="{A3BB96AB-1005-48C4-8495-D9268F80EAD9}"/>
+              </a:ext>
+            </a:extLst>
+          </p:cNvPr>
+          <p:cNvSpPr>
+            <a:spLocks noGrp="1"/>
+          </p:cNvSpPr>
+          <p:nvPr>
+            <p:ph type="title"/>
+          </p:nvPr>
+        </p:nvSpPr>
+        <p:spPr/>
+        <p:txBody>
+          <a:bodyPr>
+            <a:normAutofit/>
+          </a:bodyPr>
+          <a:lstStyle/>
+          <a:p>
+            <a:r>
+              <a:rPr lang="en-US" sz="4000" dirty="0"/>
+              <a:t>Practices</a:t>
+            </a:r>
+          </a:p>
+        </p:txBody>
+      </p:sp>
+      <p:sp>
+        <p:nvSpPr>
+          <p:cNvPr id="3" name="Content Placeholder 2">
+            <a:extLst>
+              <a:ext uri="{FF2B5EF4-FFF2-40B4-BE49-F238E27FC236}">
+                <a16:creationId xmlns:a16="http://schemas.microsoft.com/office/drawing/2014/main" id="{74011303-55EE-4922-82A1-052AEDDE02C8}"/>
+              </a:ext>
+            </a:extLst>
+          </p:cNvPr>
+          <p:cNvSpPr>
+            <a:spLocks noGrp="1"/>
+          </p:cNvSpPr>
+          <p:nvPr>
+            <p:ph idx="1"/>
+          </p:nvPr>
+        </p:nvSpPr>
+        <p:spPr/>
+        <p:txBody>
+          <a:bodyPr>
+            <a:noAutofit/>
+          </a:bodyPr>
+          <a:lstStyle/>
+          <a:p>
+            <a:r>
+              <a:rPr lang="en-US" sz="2000" dirty="0"/>
+              <a:t>1.An option provides which of the following?</a:t>
+            </a:r>
+          </a:p>
+          <a:p>
+            <a:pPr lvl="1"/>
+            <a:r>
+              <a:rPr lang="en-US" sz="2000" dirty="0"/>
+              <a:t>A Either the right to buy or the right to sell an underlying</a:t>
+            </a:r>
+          </a:p>
+          <a:p>
+            <a:pPr lvl="1"/>
+            <a:r>
+              <a:rPr lang="en-US" sz="2000" dirty="0"/>
+              <a:t>B The right to buy and sell, with the choice made at expiration</a:t>
+            </a:r>
+          </a:p>
+          <a:p>
+            <a:pPr lvl="1"/>
+            <a:r>
+              <a:rPr lang="en-US" sz="2000" dirty="0"/>
+              <a:t>C The obligation to buy or sell, which can be converted into the right to buy or sell</a:t>
+            </a:r>
+          </a:p>
+          <a:p>
+            <a:r>
+              <a:rPr lang="en-US" sz="2000" dirty="0"/>
+              <a:t>2.Which of the following is not a characteristic of a call option on a stock?</a:t>
+            </a:r>
+          </a:p>
+          <a:p>
+            <a:pPr lvl="1"/>
+            <a:r>
+              <a:rPr lang="en-US" sz="2000" dirty="0"/>
+              <a:t>A </a:t>
+            </a:r>
+            <a:r>
+              <a:rPr lang="en-US" sz="2000" dirty="0" err="1"/>
+              <a:t>A</a:t>
+            </a:r>
+            <a:r>
+              <a:rPr lang="en-US" sz="2000" dirty="0"/>
+              <a:t> guarantee that the stock will increase</a:t>
+            </a:r>
+          </a:p>
+          <a:p>
+            <a:pPr lvl="1"/>
+            <a:r>
+              <a:rPr lang="en-US" sz="2000" dirty="0"/>
+              <a:t>B A specified date on which the right to buy expires</a:t>
+            </a:r>
+          </a:p>
+          <a:p>
+            <a:pPr lvl="1"/>
+            <a:r>
+              <a:rPr lang="en-US" sz="2000" dirty="0"/>
+              <a:t>C A fixed price at which the call holder can buy the stock</a:t>
+            </a:r>
+          </a:p>
+        </p:txBody>
+      </p:sp>
+    </p:spTree>
+    <p:extLst>
+      <p:ext uri="{BB962C8B-B14F-4D97-AF65-F5344CB8AC3E}">
+        <p14:creationId xmlns:p14="http://schemas.microsoft.com/office/powerpoint/2010/main" val="3225362099"/>
+      </p:ext>
+    </p:extLst>
+  </p:cSld>
+  <p:clrMapOvr>
+    <a:masterClrMapping/>
+  </p:clrMapOvr>
+</p:sld>
+</file>
+
 <file path=ppt/slides/slide46.xml><?xml version="1.0" encoding="utf-8"?>
 <p:sld xmlns:a="http://schemas.openxmlformats.org/drawingml/2006/main" xmlns:r="http://schemas.openxmlformats.org/officeDocument/2006/relationships" xmlns:p="http://schemas.openxmlformats.org/presentationml/2006/main">
   <p:cSld>
@@ -14483,7 +14489,7 @@
           <p:cNvPr id="2" name="Title 1">
             <a:extLst>
               <a:ext uri="{FF2B5EF4-FFF2-40B4-BE49-F238E27FC236}">
-                <a16:creationId xmlns:a16="http://schemas.microsoft.com/office/drawing/2014/main" id="{A3BB96AB-1005-48C4-8495-D9268F80EAD9}"/>
+                <a16:creationId xmlns:a16="http://schemas.microsoft.com/office/drawing/2014/main" id="{3B6DC5E5-B49D-4096-80C1-B8052495A474}"/>
               </a:ext>
             </a:extLst>
           </p:cNvPr>
@@ -14497,14 +14503,21 @@
         <p:spPr/>
         <p:txBody>
           <a:bodyPr>
-            <a:normAutofit/>
+            <a:normAutofit fontScale="90000"/>
           </a:bodyPr>
           <a:lstStyle/>
           <a:p>
             <a:r>
+              <a:rPr lang="en-US" sz="4400" dirty="0"/>
+              <a:t>Credit Derivatives</a:t>
+            </a:r>
+            <a:br>
               <a:rPr lang="en-US" sz="4000" dirty="0"/>
-              <a:t>Practices</a:t>
-            </a:r>
+            </a:br>
+            <a:br>
+              <a:rPr lang="en-US" sz="4000" dirty="0"/>
+            </a:br>
+            <a:endParaRPr lang="en-US" sz="4000" dirty="0"/>
           </a:p>
         </p:txBody>
       </p:sp>
@@ -14513,7 +14526,7 @@
           <p:cNvPr id="3" name="Content Placeholder 2">
             <a:extLst>
               <a:ext uri="{FF2B5EF4-FFF2-40B4-BE49-F238E27FC236}">
-                <a16:creationId xmlns:a16="http://schemas.microsoft.com/office/drawing/2014/main" id="{74011303-55EE-4922-82A1-052AEDDE02C8}"/>
+                <a16:creationId xmlns:a16="http://schemas.microsoft.com/office/drawing/2014/main" id="{831B6362-3303-4415-9D10-C4E0904D67AF}"/>
               </a:ext>
             </a:extLst>
           </p:cNvPr>
@@ -14526,78 +14539,85 @@
         </p:nvSpPr>
         <p:spPr/>
         <p:txBody>
-          <a:bodyPr>
-            <a:noAutofit/>
-          </a:bodyPr>
-          <a:lstStyle/>
-          <a:p>
-            <a:r>
-              <a:rPr lang="en-US" sz="2000" dirty="0"/>
-              <a:t>1.An option provides which of the following?</a:t>
+          <a:bodyPr/>
+          <a:lstStyle/>
+          <a:p>
+            <a:r>
+              <a:rPr lang="en-US" sz="2800" dirty="0"/>
+              <a:t>Forward commitments</a:t>
             </a:r>
           </a:p>
           <a:p>
             <a:pPr lvl="1"/>
             <a:r>
-              <a:rPr lang="en-US" sz="2000" dirty="0"/>
-              <a:t>A Either the right to buy or the right to sell an underlying</a:t>
+              <a:rPr lang="en-US" sz="2800" dirty="0">
+                <a:solidFill>
+                  <a:schemeClr val="tx1"/>
+                </a:solidFill>
+              </a:rPr>
+              <a:t>Forward</a:t>
             </a:r>
           </a:p>
           <a:p>
             <a:pPr lvl="1"/>
             <a:r>
-              <a:rPr lang="en-US" sz="2000" dirty="0"/>
-              <a:t>B The right to buy and sell, with the choice made at expiration</a:t>
+              <a:rPr lang="en-US" sz="2800" dirty="0">
+                <a:solidFill>
+                  <a:schemeClr val="tx1"/>
+                </a:solidFill>
+              </a:rPr>
+              <a:t>Futures</a:t>
             </a:r>
           </a:p>
           <a:p>
             <a:pPr lvl="1"/>
             <a:r>
-              <a:rPr lang="en-US" sz="2000" dirty="0"/>
-              <a:t>C The obligation to buy or sell, which can be converted into the right to buy or sell</a:t>
-            </a:r>
-          </a:p>
-          <a:p>
-            <a:r>
-              <a:rPr lang="en-US" sz="2000" dirty="0"/>
-              <a:t>2.Which of the following is not a characteristic of a call option on a stock?</a:t>
+              <a:rPr lang="en-US" sz="2800" dirty="0">
+                <a:solidFill>
+                  <a:schemeClr val="tx1"/>
+                </a:solidFill>
+              </a:rPr>
+              <a:t>Swap</a:t>
+            </a:r>
+          </a:p>
+          <a:p>
+            <a:r>
+              <a:rPr lang="en-US" sz="2800" dirty="0"/>
+              <a:t>Contingent claims</a:t>
             </a:r>
           </a:p>
           <a:p>
             <a:pPr lvl="1"/>
             <a:r>
-              <a:rPr lang="en-US" sz="2000" dirty="0"/>
-              <a:t>A </a:t>
-            </a:r>
-            <a:r>
-              <a:rPr lang="en-US" sz="2000" dirty="0" err="1"/>
-              <a:t>A</a:t>
-            </a:r>
-            <a:r>
-              <a:rPr lang="en-US" sz="2000" dirty="0"/>
-              <a:t> guarantee that the stock will increase</a:t>
+              <a:rPr lang="en-US" sz="2800" dirty="0">
+                <a:solidFill>
+                  <a:schemeClr val="tx1"/>
+                </a:solidFill>
+              </a:rPr>
+              <a:t>Option</a:t>
             </a:r>
           </a:p>
           <a:p>
             <a:pPr lvl="1"/>
             <a:r>
-              <a:rPr lang="en-US" sz="2000" dirty="0"/>
-              <a:t>B A specified date on which the right to buy expires</a:t>
+              <a:rPr lang="en-US" sz="2800" u="sng" dirty="0">
+                <a:solidFill>
+                  <a:srgbClr val="FF0000"/>
+                </a:solidFill>
+              </a:rPr>
+              <a:t>Credit Derivatives</a:t>
             </a:r>
           </a:p>
           <a:p>
             <a:pPr lvl="1"/>
-            <a:r>
-              <a:rPr lang="en-US" sz="2000" dirty="0"/>
-              <a:t>C A fixed price at which the call holder can buy the stock</a:t>
-            </a:r>
+            <a:endParaRPr lang="en-US" dirty="0"/>
           </a:p>
         </p:txBody>
       </p:sp>
     </p:spTree>
     <p:extLst>
       <p:ext uri="{BB962C8B-B14F-4D97-AF65-F5344CB8AC3E}">
-        <p14:creationId xmlns:p14="http://schemas.microsoft.com/office/powerpoint/2010/main" val="3225362099"/>
+        <p14:creationId xmlns:p14="http://schemas.microsoft.com/office/powerpoint/2010/main" val="2303669535"/>
       </p:ext>
     </p:extLst>
   </p:cSld>
@@ -14629,7 +14649,7 @@
           <p:cNvPr id="2" name="Title 1">
             <a:extLst>
               <a:ext uri="{FF2B5EF4-FFF2-40B4-BE49-F238E27FC236}">
-                <a16:creationId xmlns:a16="http://schemas.microsoft.com/office/drawing/2014/main" id="{3B6DC5E5-B49D-4096-80C1-B8052495A474}"/>
+                <a16:creationId xmlns:a16="http://schemas.microsoft.com/office/drawing/2014/main" id="{20DB8FC4-573F-4A09-AE2A-04D0353ECBFD}"/>
               </a:ext>
             </a:extLst>
           </p:cNvPr>
@@ -14643,21 +14663,14 @@
         <p:spPr/>
         <p:txBody>
           <a:bodyPr>
-            <a:normAutofit fontScale="90000"/>
+            <a:normAutofit/>
           </a:bodyPr>
           <a:lstStyle/>
           <a:p>
             <a:r>
-              <a:rPr lang="en-US" sz="4400" dirty="0"/>
+              <a:rPr lang="en-US" sz="4000" dirty="0"/>
               <a:t>Credit Derivatives</a:t>
             </a:r>
-            <a:br>
-              <a:rPr lang="en-US" sz="4000" dirty="0"/>
-            </a:br>
-            <a:br>
-              <a:rPr lang="en-US" sz="4000" dirty="0"/>
-            </a:br>
-            <a:endParaRPr lang="en-US" sz="4000" dirty="0"/>
           </a:p>
         </p:txBody>
       </p:sp>
@@ -14666,7 +14679,7 @@
           <p:cNvPr id="3" name="Content Placeholder 2">
             <a:extLst>
               <a:ext uri="{FF2B5EF4-FFF2-40B4-BE49-F238E27FC236}">
-                <a16:creationId xmlns:a16="http://schemas.microsoft.com/office/drawing/2014/main" id="{831B6362-3303-4415-9D10-C4E0904D67AF}"/>
+                <a16:creationId xmlns:a16="http://schemas.microsoft.com/office/drawing/2014/main" id="{2F42ACB6-E17F-425E-ACDC-30219AB1355F}"/>
               </a:ext>
             </a:extLst>
           </p:cNvPr>
@@ -14683,73 +14696,53 @@
           <a:lstStyle/>
           <a:p>
             <a:r>
-              <a:rPr lang="en-US" sz="2800" dirty="0"/>
-              <a:t>Forward commitments</a:t>
-            </a:r>
+              <a:rPr lang="en-US" sz="2400" dirty="0"/>
+              <a:t>Definition : A credit derivative is a class of derivative contracts between two parties, a credit protection buyer and a credit protection seller, in which the latter provides protection to the former against a specific credit loss.</a:t>
+            </a:r>
+          </a:p>
+          <a:p>
+            <a:r>
+              <a:rPr lang="en-US" sz="2400" dirty="0"/>
+              <a:t>Buyer:</a:t>
+            </a:r>
+            <a:r>
+              <a:rPr lang="zh-CN" altLang="en-US" sz="2400" dirty="0"/>
+              <a:t>面临信用风险，买入信用保护</a:t>
+            </a:r>
+            <a:endParaRPr lang="en-US" altLang="zh-CN" sz="2400" dirty="0"/>
           </a:p>
           <a:p>
             <a:pPr lvl="1"/>
             <a:r>
-              <a:rPr lang="en-US" sz="2800" dirty="0">
-                <a:solidFill>
-                  <a:schemeClr val="tx1"/>
-                </a:solidFill>
-              </a:rPr>
-              <a:t>Forward</a:t>
-            </a:r>
+              <a:rPr lang="zh-CN" altLang="en-US" sz="2200" dirty="0"/>
+              <a:t>债券持有人，发放贷款机构</a:t>
+            </a:r>
+            <a:endParaRPr lang="en-US" altLang="zh-CN" sz="2200" dirty="0"/>
+          </a:p>
+          <a:p>
+            <a:r>
+              <a:rPr lang="en-US" sz="2400" dirty="0"/>
+              <a:t>S</a:t>
+            </a:r>
+            <a:r>
+              <a:rPr lang="en-US" altLang="zh-CN" sz="2400" dirty="0"/>
+              <a:t>eller:</a:t>
+            </a:r>
+            <a:r>
+              <a:rPr lang="zh-CN" altLang="en-US" sz="2400" dirty="0"/>
+              <a:t>卖出信用保护</a:t>
+            </a:r>
+            <a:endParaRPr lang="en-US" altLang="zh-CN" sz="2400" dirty="0"/>
           </a:p>
           <a:p>
             <a:pPr lvl="1"/>
             <a:r>
-              <a:rPr lang="en-US" sz="2800" dirty="0">
-                <a:solidFill>
-                  <a:schemeClr val="tx1"/>
-                </a:solidFill>
-              </a:rPr>
-              <a:t>Futures</a:t>
-            </a:r>
-          </a:p>
-          <a:p>
-            <a:pPr lvl="1"/>
-            <a:r>
-              <a:rPr lang="en-US" sz="2800" dirty="0">
-                <a:solidFill>
-                  <a:schemeClr val="tx1"/>
-                </a:solidFill>
-              </a:rPr>
-              <a:t>Swap</a:t>
-            </a:r>
-          </a:p>
-          <a:p>
-            <a:r>
-              <a:rPr lang="en-US" sz="2800" dirty="0"/>
-              <a:t>Contingent claims</a:t>
-            </a:r>
-          </a:p>
-          <a:p>
-            <a:pPr lvl="1"/>
-            <a:r>
-              <a:rPr lang="en-US" sz="2800" dirty="0">
-                <a:solidFill>
-                  <a:schemeClr val="tx1"/>
-                </a:solidFill>
-              </a:rPr>
-              <a:t>Option</a:t>
-            </a:r>
-          </a:p>
-          <a:p>
-            <a:pPr lvl="1"/>
-            <a:r>
-              <a:rPr lang="en-US" sz="2800" u="sng" dirty="0">
-                <a:solidFill>
-                  <a:srgbClr val="FF0000"/>
-                </a:solidFill>
-              </a:rPr>
-              <a:t>Credit Derivatives</a:t>
-            </a:r>
-          </a:p>
-          <a:p>
-            <a:pPr lvl="1"/>
+              <a:rPr lang="zh-CN" altLang="en-US" sz="2200" dirty="0"/>
+              <a:t>各类金融机构（保险公司，券商，投资银行）</a:t>
+            </a:r>
+            <a:endParaRPr lang="en-US" sz="2200" dirty="0"/>
+          </a:p>
+          <a:p>
             <a:endParaRPr lang="en-US" dirty="0"/>
           </a:p>
         </p:txBody>
@@ -14757,7 +14750,7 @@
     </p:spTree>
     <p:extLst>
       <p:ext uri="{BB962C8B-B14F-4D97-AF65-F5344CB8AC3E}">
-        <p14:creationId xmlns:p14="http://schemas.microsoft.com/office/powerpoint/2010/main" val="2303669535"/>
+        <p14:creationId xmlns:p14="http://schemas.microsoft.com/office/powerpoint/2010/main" val="1165323640"/>
       </p:ext>
     </p:extLst>
   </p:cSld>
@@ -14789,7 +14782,7 @@
           <p:cNvPr id="2" name="Title 1">
             <a:extLst>
               <a:ext uri="{FF2B5EF4-FFF2-40B4-BE49-F238E27FC236}">
-                <a16:creationId xmlns:a16="http://schemas.microsoft.com/office/drawing/2014/main" id="{20DB8FC4-573F-4A09-AE2A-04D0353ECBFD}"/>
+                <a16:creationId xmlns:a16="http://schemas.microsoft.com/office/drawing/2014/main" id="{3F303233-1831-4E4A-9324-5AA1E3371CBF}"/>
               </a:ext>
             </a:extLst>
           </p:cNvPr>
@@ -14819,7 +14812,7 @@
           <p:cNvPr id="3" name="Content Placeholder 2">
             <a:extLst>
               <a:ext uri="{FF2B5EF4-FFF2-40B4-BE49-F238E27FC236}">
-                <a16:creationId xmlns:a16="http://schemas.microsoft.com/office/drawing/2014/main" id="{2F42ACB6-E17F-425E-ACDC-30219AB1355F}"/>
+                <a16:creationId xmlns:a16="http://schemas.microsoft.com/office/drawing/2014/main" id="{A91A19E5-F393-4382-B424-ABF09382E331}"/>
               </a:ext>
             </a:extLst>
           </p:cNvPr>
@@ -14832,65 +14825,22 @@
         </p:nvSpPr>
         <p:spPr/>
         <p:txBody>
-          <a:bodyPr/>
-          <a:lstStyle/>
-          <a:p>
-            <a:r>
-              <a:rPr lang="en-US" sz="2400" dirty="0"/>
-              <a:t>Definition : A credit derivative is a class of derivative contracts between two parties, a credit protection buyer and a credit protection seller, in which the latter provides protection to the former against a specific credit loss.</a:t>
-            </a:r>
-          </a:p>
-          <a:p>
-            <a:r>
-              <a:rPr lang="en-US" sz="2400" dirty="0"/>
-              <a:t>Buyer:</a:t>
-            </a:r>
-            <a:r>
-              <a:rPr lang="zh-CN" altLang="en-US" sz="2400" dirty="0"/>
-              <a:t>面临信用风险，买入信用保护</a:t>
-            </a:r>
-            <a:endParaRPr lang="en-US" altLang="zh-CN" sz="2400" dirty="0"/>
-          </a:p>
-          <a:p>
-            <a:pPr lvl="1"/>
-            <a:r>
-              <a:rPr lang="zh-CN" altLang="en-US" sz="2200" dirty="0"/>
-              <a:t>债券持有人，发放贷款机构</a:t>
-            </a:r>
-            <a:endParaRPr lang="en-US" altLang="zh-CN" sz="2200" dirty="0"/>
-          </a:p>
-          <a:p>
-            <a:r>
-              <a:rPr lang="en-US" sz="2400" dirty="0"/>
-              <a:t>S</a:t>
-            </a:r>
-            <a:r>
-              <a:rPr lang="en-US" altLang="zh-CN" sz="2400" dirty="0"/>
-              <a:t>eller:</a:t>
-            </a:r>
-            <a:r>
-              <a:rPr lang="zh-CN" altLang="en-US" sz="2400" dirty="0"/>
-              <a:t>卖出信用保护</a:t>
-            </a:r>
-            <a:endParaRPr lang="en-US" altLang="zh-CN" sz="2400" dirty="0"/>
-          </a:p>
-          <a:p>
-            <a:pPr lvl="1"/>
-            <a:r>
-              <a:rPr lang="zh-CN" altLang="en-US" sz="2200" dirty="0"/>
-              <a:t>各类金融机构（保险公司，券商，投资银行）</a:t>
-            </a:r>
-            <a:endParaRPr lang="en-US" sz="2200" dirty="0"/>
-          </a:p>
-          <a:p>
-            <a:endParaRPr lang="en-US" dirty="0"/>
+          <a:bodyPr>
+            <a:normAutofit/>
+          </a:bodyPr>
+          <a:lstStyle/>
+          <a:p>
+            <a:r>
+              <a:rPr lang="en-US" sz="2000" dirty="0"/>
+              <a:t>Total return swap</a:t>
+            </a:r>
           </a:p>
         </p:txBody>
       </p:sp>
     </p:spTree>
     <p:extLst>
       <p:ext uri="{BB962C8B-B14F-4D97-AF65-F5344CB8AC3E}">
-        <p14:creationId xmlns:p14="http://schemas.microsoft.com/office/powerpoint/2010/main" val="1165323640"/>
+        <p14:creationId xmlns:p14="http://schemas.microsoft.com/office/powerpoint/2010/main" val="3215247430"/>
       </p:ext>
     </p:extLst>
   </p:cSld>
@@ -14922,7 +14872,7 @@
           <p:cNvPr id="2" name="Title 1">
             <a:extLst>
               <a:ext uri="{FF2B5EF4-FFF2-40B4-BE49-F238E27FC236}">
-                <a16:creationId xmlns:a16="http://schemas.microsoft.com/office/drawing/2014/main" id="{3F303233-1831-4E4A-9324-5AA1E3371CBF}"/>
+                <a16:creationId xmlns:a16="http://schemas.microsoft.com/office/drawing/2014/main" id="{C7BDF7C6-BD38-4D2C-B7EC-F25AB1968614}"/>
               </a:ext>
             </a:extLst>
           </p:cNvPr>
@@ -14952,7 +14902,7 @@
           <p:cNvPr id="3" name="Content Placeholder 2">
             <a:extLst>
               <a:ext uri="{FF2B5EF4-FFF2-40B4-BE49-F238E27FC236}">
-                <a16:creationId xmlns:a16="http://schemas.microsoft.com/office/drawing/2014/main" id="{A91A19E5-F393-4382-B424-ABF09382E331}"/>
+                <a16:creationId xmlns:a16="http://schemas.microsoft.com/office/drawing/2014/main" id="{AC997BD0-8E21-4394-A39E-48A459D507C9}"/>
               </a:ext>
             </a:extLst>
           </p:cNvPr>
@@ -14965,14 +14915,12 @@
         </p:nvSpPr>
         <p:spPr/>
         <p:txBody>
-          <a:bodyPr>
-            <a:normAutofit/>
-          </a:bodyPr>
-          <a:lstStyle/>
-          <a:p>
-            <a:r>
-              <a:rPr lang="en-US" sz="2000" dirty="0"/>
-              <a:t>Total return swap</a:t>
+          <a:bodyPr/>
+          <a:lstStyle/>
+          <a:p>
+            <a:r>
+              <a:rPr lang="en-US" dirty="0"/>
+              <a:t>Credit spread option</a:t>
             </a:r>
           </a:p>
         </p:txBody>
@@ -14980,7 +14928,7 @@
     </p:spTree>
     <p:extLst>
       <p:ext uri="{BB962C8B-B14F-4D97-AF65-F5344CB8AC3E}">
-        <p14:creationId xmlns:p14="http://schemas.microsoft.com/office/powerpoint/2010/main" val="3215247430"/>
+        <p14:creationId xmlns:p14="http://schemas.microsoft.com/office/powerpoint/2010/main" val="3451422982"/>
       </p:ext>
     </p:extLst>
   </p:cSld>
@@ -15132,7 +15080,7 @@
           <p:cNvPr id="2" name="Title 1">
             <a:extLst>
               <a:ext uri="{FF2B5EF4-FFF2-40B4-BE49-F238E27FC236}">
-                <a16:creationId xmlns:a16="http://schemas.microsoft.com/office/drawing/2014/main" id="{C7BDF7C6-BD38-4D2C-B7EC-F25AB1968614}"/>
+                <a16:creationId xmlns:a16="http://schemas.microsoft.com/office/drawing/2014/main" id="{8D8186E0-E7FD-4A7D-B919-475DD13A49EB}"/>
               </a:ext>
             </a:extLst>
           </p:cNvPr>
@@ -15162,7 +15110,7 @@
           <p:cNvPr id="3" name="Content Placeholder 2">
             <a:extLst>
               <a:ext uri="{FF2B5EF4-FFF2-40B4-BE49-F238E27FC236}">
-                <a16:creationId xmlns:a16="http://schemas.microsoft.com/office/drawing/2014/main" id="{AC997BD0-8E21-4394-A39E-48A459D507C9}"/>
+                <a16:creationId xmlns:a16="http://schemas.microsoft.com/office/drawing/2014/main" id="{15154901-95EA-4DC2-9E6E-FCDA862CAF3D}"/>
               </a:ext>
             </a:extLst>
           </p:cNvPr>
@@ -15180,15 +15128,18 @@
           <a:p>
             <a:r>
               <a:rPr lang="en-US" dirty="0"/>
-              <a:t>Credit spread option</a:t>
-            </a:r>
+              <a:t>Credit-linked note</a:t>
+            </a:r>
+          </a:p>
+          <a:p>
+            <a:endParaRPr lang="en-US" dirty="0"/>
           </a:p>
         </p:txBody>
       </p:sp>
     </p:spTree>
     <p:extLst>
       <p:ext uri="{BB962C8B-B14F-4D97-AF65-F5344CB8AC3E}">
-        <p14:creationId xmlns:p14="http://schemas.microsoft.com/office/powerpoint/2010/main" val="3451422982"/>
+        <p14:creationId xmlns:p14="http://schemas.microsoft.com/office/powerpoint/2010/main" val="3182849461"/>
       </p:ext>
     </p:extLst>
   </p:cSld>
@@ -15220,97 +15171,6 @@
           <p:cNvPr id="2" name="Title 1">
             <a:extLst>
               <a:ext uri="{FF2B5EF4-FFF2-40B4-BE49-F238E27FC236}">
-                <a16:creationId xmlns:a16="http://schemas.microsoft.com/office/drawing/2014/main" id="{8D8186E0-E7FD-4A7D-B919-475DD13A49EB}"/>
-              </a:ext>
-            </a:extLst>
-          </p:cNvPr>
-          <p:cNvSpPr>
-            <a:spLocks noGrp="1"/>
-          </p:cNvSpPr>
-          <p:nvPr>
-            <p:ph type="title"/>
-          </p:nvPr>
-        </p:nvSpPr>
-        <p:spPr/>
-        <p:txBody>
-          <a:bodyPr>
-            <a:normAutofit/>
-          </a:bodyPr>
-          <a:lstStyle/>
-          <a:p>
-            <a:r>
-              <a:rPr lang="en-US" sz="4000" dirty="0"/>
-              <a:t>Credit Derivatives</a:t>
-            </a:r>
-          </a:p>
-        </p:txBody>
-      </p:sp>
-      <p:sp>
-        <p:nvSpPr>
-          <p:cNvPr id="3" name="Content Placeholder 2">
-            <a:extLst>
-              <a:ext uri="{FF2B5EF4-FFF2-40B4-BE49-F238E27FC236}">
-                <a16:creationId xmlns:a16="http://schemas.microsoft.com/office/drawing/2014/main" id="{15154901-95EA-4DC2-9E6E-FCDA862CAF3D}"/>
-              </a:ext>
-            </a:extLst>
-          </p:cNvPr>
-          <p:cNvSpPr>
-            <a:spLocks noGrp="1"/>
-          </p:cNvSpPr>
-          <p:nvPr>
-            <p:ph idx="1"/>
-          </p:nvPr>
-        </p:nvSpPr>
-        <p:spPr/>
-        <p:txBody>
-          <a:bodyPr/>
-          <a:lstStyle/>
-          <a:p>
-            <a:r>
-              <a:rPr lang="en-US" dirty="0"/>
-              <a:t>Credit-linked note</a:t>
-            </a:r>
-          </a:p>
-          <a:p>
-            <a:endParaRPr lang="en-US" dirty="0"/>
-          </a:p>
-        </p:txBody>
-      </p:sp>
-    </p:spTree>
-    <p:extLst>
-      <p:ext uri="{BB962C8B-B14F-4D97-AF65-F5344CB8AC3E}">
-        <p14:creationId xmlns:p14="http://schemas.microsoft.com/office/powerpoint/2010/main" val="3182849461"/>
-      </p:ext>
-    </p:extLst>
-  </p:cSld>
-  <p:clrMapOvr>
-    <a:masterClrMapping/>
-  </p:clrMapOvr>
-</p:sld>
-</file>
-
-<file path=ppt/slides/slide52.xml><?xml version="1.0" encoding="utf-8"?>
-<p:sld xmlns:a="http://schemas.openxmlformats.org/drawingml/2006/main" xmlns:r="http://schemas.openxmlformats.org/officeDocument/2006/relationships" xmlns:p="http://schemas.openxmlformats.org/presentationml/2006/main">
-  <p:cSld>
-    <p:spTree>
-      <p:nvGrpSpPr>
-        <p:cNvPr id="1" name=""/>
-        <p:cNvGrpSpPr/>
-        <p:nvPr/>
-      </p:nvGrpSpPr>
-      <p:grpSpPr>
-        <a:xfrm>
-          <a:off x="0" y="0"/>
-          <a:ext cx="0" cy="0"/>
-          <a:chOff x="0" y="0"/>
-          <a:chExt cx="0" cy="0"/>
-        </a:xfrm>
-      </p:grpSpPr>
-      <p:sp>
-        <p:nvSpPr>
-          <p:cNvPr id="2" name="Title 1">
-            <a:extLst>
-              <a:ext uri="{FF2B5EF4-FFF2-40B4-BE49-F238E27FC236}">
                 <a16:creationId xmlns:a16="http://schemas.microsoft.com/office/drawing/2014/main" id="{69B941C4-F4EB-4AB8-A2D4-65FAA0965D49}"/>
               </a:ext>
             </a:extLst>
@@ -15377,7 +15237,7 @@
 </p:sld>
 </file>
 
-<file path=ppt/slides/slide53.xml><?xml version="1.0" encoding="utf-8"?>
+<file path=ppt/slides/slide52.xml><?xml version="1.0" encoding="utf-8"?>
 <p:sld xmlns:a="http://schemas.openxmlformats.org/drawingml/2006/main" xmlns:r="http://schemas.openxmlformats.org/officeDocument/2006/relationships" xmlns:p="http://schemas.openxmlformats.org/presentationml/2006/main">
   <p:cSld>
     <p:spTree>
@@ -15466,6 +15326,125 @@
 </p:sld>
 </file>
 
+<file path=ppt/slides/slide53.xml><?xml version="1.0" encoding="utf-8"?>
+<p:sld xmlns:a="http://schemas.openxmlformats.org/drawingml/2006/main" xmlns:r="http://schemas.openxmlformats.org/officeDocument/2006/relationships" xmlns:p="http://schemas.openxmlformats.org/presentationml/2006/main">
+  <p:cSld>
+    <p:spTree>
+      <p:nvGrpSpPr>
+        <p:cNvPr id="1" name=""/>
+        <p:cNvGrpSpPr/>
+        <p:nvPr/>
+      </p:nvGrpSpPr>
+      <p:grpSpPr>
+        <a:xfrm>
+          <a:off x="0" y="0"/>
+          <a:ext cx="0" cy="0"/>
+          <a:chOff x="0" y="0"/>
+          <a:chExt cx="0" cy="0"/>
+        </a:xfrm>
+      </p:grpSpPr>
+      <p:sp>
+        <p:nvSpPr>
+          <p:cNvPr id="2" name="Title 1">
+            <a:extLst>
+              <a:ext uri="{FF2B5EF4-FFF2-40B4-BE49-F238E27FC236}">
+                <a16:creationId xmlns:a16="http://schemas.microsoft.com/office/drawing/2014/main" id="{348BD349-FAD8-4678-AFB4-B1E5307D6EA4}"/>
+              </a:ext>
+            </a:extLst>
+          </p:cNvPr>
+          <p:cNvSpPr>
+            <a:spLocks noGrp="1"/>
+          </p:cNvSpPr>
+          <p:nvPr>
+            <p:ph type="title"/>
+          </p:nvPr>
+        </p:nvSpPr>
+        <p:spPr/>
+        <p:txBody>
+          <a:bodyPr>
+            <a:normAutofit/>
+          </a:bodyPr>
+          <a:lstStyle/>
+          <a:p>
+            <a:r>
+              <a:rPr lang="en-US" sz="4000" dirty="0"/>
+              <a:t>Practices</a:t>
+            </a:r>
+          </a:p>
+        </p:txBody>
+      </p:sp>
+      <p:sp>
+        <p:nvSpPr>
+          <p:cNvPr id="3" name="Content Placeholder 2">
+            <a:extLst>
+              <a:ext uri="{FF2B5EF4-FFF2-40B4-BE49-F238E27FC236}">
+                <a16:creationId xmlns:a16="http://schemas.microsoft.com/office/drawing/2014/main" id="{E3B67373-BC90-4BC9-B82C-C102723A443D}"/>
+              </a:ext>
+            </a:extLst>
+          </p:cNvPr>
+          <p:cNvSpPr>
+            <a:spLocks noGrp="1"/>
+          </p:cNvSpPr>
+          <p:nvPr>
+            <p:ph idx="1"/>
+          </p:nvPr>
+        </p:nvSpPr>
+        <p:spPr/>
+        <p:txBody>
+          <a:bodyPr>
+            <a:normAutofit/>
+          </a:bodyPr>
+          <a:lstStyle/>
+          <a:p>
+            <a:r>
+              <a:rPr lang="en-US" sz="2000" dirty="0"/>
+              <a:t>1.A credit derivative is which of the following?</a:t>
+            </a:r>
+          </a:p>
+          <a:p>
+            <a:pPr lvl="1"/>
+            <a:r>
+              <a:rPr lang="en-US" sz="2000" dirty="0"/>
+              <a:t>A </a:t>
+            </a:r>
+            <a:r>
+              <a:rPr lang="en-US" sz="2000" dirty="0" err="1"/>
+              <a:t>A</a:t>
+            </a:r>
+            <a:r>
+              <a:rPr lang="en-US" sz="2000" dirty="0"/>
+              <a:t> derivative in which the premium is obtained on credit</a:t>
+            </a:r>
+          </a:p>
+          <a:p>
+            <a:pPr lvl="1"/>
+            <a:r>
+              <a:rPr lang="en-US" sz="2000" dirty="0"/>
+              <a:t>B A derivative in which the payoff is borrowed by the seller</a:t>
+            </a:r>
+          </a:p>
+          <a:p>
+            <a:pPr lvl="1"/>
+            <a:r>
+              <a:rPr lang="en-US" sz="2000" dirty="0"/>
+              <a:t>C A derivative in which the seller provides protection to the buyer against credit loss from a third party</a:t>
+            </a:r>
+          </a:p>
+        </p:txBody>
+      </p:sp>
+    </p:spTree>
+    <p:extLst>
+      <p:ext uri="{BB962C8B-B14F-4D97-AF65-F5344CB8AC3E}">
+        <p14:creationId xmlns:p14="http://schemas.microsoft.com/office/powerpoint/2010/main" val="2051395143"/>
+      </p:ext>
+    </p:extLst>
+  </p:cSld>
+  <p:clrMapOvr>
+    <a:masterClrMapping/>
+  </p:clrMapOvr>
+</p:sld>
+</file>
+
 <file path=ppt/slides/slide54.xml><?xml version="1.0" encoding="utf-8"?>
 <p:sld xmlns:a="http://schemas.openxmlformats.org/drawingml/2006/main" xmlns:r="http://schemas.openxmlformats.org/officeDocument/2006/relationships" xmlns:p="http://schemas.openxmlformats.org/presentationml/2006/main">
   <p:cSld>
@@ -15488,7 +15467,7 @@
           <p:cNvPr id="2" name="Title 1">
             <a:extLst>
               <a:ext uri="{FF2B5EF4-FFF2-40B4-BE49-F238E27FC236}">
-                <a16:creationId xmlns:a16="http://schemas.microsoft.com/office/drawing/2014/main" id="{348BD349-FAD8-4678-AFB4-B1E5307D6EA4}"/>
+                <a16:creationId xmlns:a16="http://schemas.microsoft.com/office/drawing/2014/main" id="{13C1F2DB-C1EA-4EEE-9DD2-BBB6C676CABF}"/>
               </a:ext>
             </a:extLst>
           </p:cNvPr>
@@ -15508,8 +15487,13 @@
           <a:p>
             <a:r>
               <a:rPr lang="en-US" sz="4000" dirty="0"/>
-              <a:t>Practices</a:t>
-            </a:r>
+              <a:t>A</a:t>
+            </a:r>
+            <a:r>
+              <a:rPr lang="en-US" altLang="zh-CN" sz="4000" dirty="0"/>
+              <a:t>sset-backed securities</a:t>
+            </a:r>
+            <a:endParaRPr lang="en-US" sz="4000" dirty="0"/>
           </a:p>
         </p:txBody>
       </p:sp>
@@ -15518,7 +15502,7 @@
           <p:cNvPr id="3" name="Content Placeholder 2">
             <a:extLst>
               <a:ext uri="{FF2B5EF4-FFF2-40B4-BE49-F238E27FC236}">
-                <a16:creationId xmlns:a16="http://schemas.microsoft.com/office/drawing/2014/main" id="{E3B67373-BC90-4BC9-B82C-C102723A443D}"/>
+                <a16:creationId xmlns:a16="http://schemas.microsoft.com/office/drawing/2014/main" id="{AE242220-CC30-405B-943F-661EEB5D4AFA}"/>
               </a:ext>
             </a:extLst>
           </p:cNvPr>
@@ -15531,43 +15515,18 @@
         </p:nvSpPr>
         <p:spPr/>
         <p:txBody>
-          <a:bodyPr>
-            <a:normAutofit/>
-          </a:bodyPr>
-          <a:lstStyle/>
-          <a:p>
-            <a:r>
-              <a:rPr lang="en-US" sz="2000" dirty="0"/>
-              <a:t>1.A credit derivative is which of the following?</a:t>
-            </a:r>
-          </a:p>
-          <a:p>
-            <a:pPr lvl="1"/>
-            <a:r>
-              <a:rPr lang="en-US" sz="2000" dirty="0"/>
-              <a:t>A </a:t>
-            </a:r>
-            <a:r>
-              <a:rPr lang="en-US" sz="2000" dirty="0" err="1"/>
-              <a:t>A</a:t>
-            </a:r>
-            <a:r>
-              <a:rPr lang="en-US" sz="2000" dirty="0"/>
-              <a:t> derivative in which the premium is obtained on credit</a:t>
-            </a:r>
-          </a:p>
-          <a:p>
-            <a:pPr lvl="1"/>
-            <a:r>
-              <a:rPr lang="en-US" sz="2000" dirty="0"/>
-              <a:t>B A derivative in which the payoff is borrowed by the seller</a:t>
-            </a:r>
-          </a:p>
-          <a:p>
-            <a:pPr lvl="1"/>
-            <a:r>
-              <a:rPr lang="en-US" sz="2000" dirty="0"/>
-              <a:t>C A derivative in which the seller provides protection to the buyer against credit loss from a third party</a:t>
+          <a:bodyPr/>
+          <a:lstStyle/>
+          <a:p>
+            <a:r>
+              <a:rPr lang="en-US" dirty="0"/>
+              <a:t>Definition: an asset- backed security is a derivative contract in which a portfolio of debt instruments is assembled and claims are issued on the portfolio in the form of tranches, which have different priorities of claims on the payments made by the debt securities such that prepayments or credit losses are allocated to the most- junior tranches first and the most- senior tranches last.</a:t>
+            </a:r>
+          </a:p>
+          <a:p>
+            <a:r>
+              <a:rPr lang="en-US" dirty="0"/>
+              <a:t>ABSs typically divide the payments into slices, called tranches, in which the priority of claims has been changed from equivalent to preferential.</a:t>
             </a:r>
           </a:p>
         </p:txBody>
@@ -15575,7 +15534,7 @@
     </p:spTree>
     <p:extLst>
       <p:ext uri="{BB962C8B-B14F-4D97-AF65-F5344CB8AC3E}">
-        <p14:creationId xmlns:p14="http://schemas.microsoft.com/office/powerpoint/2010/main" val="2051395143"/>
+        <p14:creationId xmlns:p14="http://schemas.microsoft.com/office/powerpoint/2010/main" val="2380732809"/>
       </p:ext>
     </p:extLst>
   </p:cSld>
@@ -15607,7 +15566,7 @@
           <p:cNvPr id="2" name="Title 1">
             <a:extLst>
               <a:ext uri="{FF2B5EF4-FFF2-40B4-BE49-F238E27FC236}">
-                <a16:creationId xmlns:a16="http://schemas.microsoft.com/office/drawing/2014/main" id="{13C1F2DB-C1EA-4EEE-9DD2-BBB6C676CABF}"/>
+                <a16:creationId xmlns:a16="http://schemas.microsoft.com/office/drawing/2014/main" id="{DE056A45-2501-43A0-9F43-EE798108DA86}"/>
               </a:ext>
             </a:extLst>
           </p:cNvPr>
@@ -15642,7 +15601,7 @@
           <p:cNvPr id="3" name="Content Placeholder 2">
             <a:extLst>
               <a:ext uri="{FF2B5EF4-FFF2-40B4-BE49-F238E27FC236}">
-                <a16:creationId xmlns:a16="http://schemas.microsoft.com/office/drawing/2014/main" id="{AE242220-CC30-405B-943F-661EEB5D4AFA}"/>
+                <a16:creationId xmlns:a16="http://schemas.microsoft.com/office/drawing/2014/main" id="{8DCE4C67-98B6-4618-8DEA-076B941A3F4A}"/>
               </a:ext>
             </a:extLst>
           </p:cNvPr>
@@ -15660,21 +15619,30 @@
           <a:p>
             <a:r>
               <a:rPr lang="en-US" dirty="0"/>
-              <a:t>Definition: an asset- backed security is a derivative contract in which a portfolio of debt instruments is assembled and claims are issued on the portfolio in the form of tranches, which have different priorities of claims on the payments made by the debt securities such that prepayments or credit losses are allocated to the most- junior tranches first and the most- senior tranches last.</a:t>
-            </a:r>
-          </a:p>
-          <a:p>
-            <a:r>
-              <a:rPr lang="en-US" dirty="0"/>
-              <a:t>ABSs typically divide the payments into slices, called tranches, in which the priority of claims has been changed from equivalent to preferential.</a:t>
-            </a:r>
+              <a:t>CMO: collateralized mortgage obligation</a:t>
+            </a:r>
+          </a:p>
+          <a:p>
+            <a:r>
+              <a:rPr lang="en-US" dirty="0"/>
+              <a:t>CBO: collateralized bond obligation</a:t>
+            </a:r>
+          </a:p>
+          <a:p>
+            <a:r>
+              <a:rPr lang="en-US" dirty="0"/>
+              <a:t>CLO: collateralized loan obligation</a:t>
+            </a:r>
+          </a:p>
+          <a:p>
+            <a:endParaRPr lang="en-US" dirty="0"/>
           </a:p>
         </p:txBody>
       </p:sp>
     </p:spTree>
     <p:extLst>
       <p:ext uri="{BB962C8B-B14F-4D97-AF65-F5344CB8AC3E}">
-        <p14:creationId xmlns:p14="http://schemas.microsoft.com/office/powerpoint/2010/main" val="2380732809"/>
+        <p14:creationId xmlns:p14="http://schemas.microsoft.com/office/powerpoint/2010/main" val="615116269"/>
       </p:ext>
     </p:extLst>
   </p:cSld>
@@ -15706,7 +15674,7 @@
           <p:cNvPr id="2" name="Title 1">
             <a:extLst>
               <a:ext uri="{FF2B5EF4-FFF2-40B4-BE49-F238E27FC236}">
-                <a16:creationId xmlns:a16="http://schemas.microsoft.com/office/drawing/2014/main" id="{DE056A45-2501-43A0-9F43-EE798108DA86}"/>
+                <a16:creationId xmlns:a16="http://schemas.microsoft.com/office/drawing/2014/main" id="{8E48A604-005B-48E4-8AF4-138B105BA282}"/>
               </a:ext>
             </a:extLst>
           </p:cNvPr>
@@ -15726,13 +15694,8 @@
           <a:p>
             <a:r>
               <a:rPr lang="en-US" sz="4000" dirty="0"/>
-              <a:t>A</a:t>
-            </a:r>
-            <a:r>
-              <a:rPr lang="en-US" altLang="zh-CN" sz="4000" dirty="0"/>
-              <a:t>sset-backed securities</a:t>
-            </a:r>
-            <a:endParaRPr lang="en-US" sz="4000" dirty="0"/>
+              <a:t>Derivative underlying</a:t>
+            </a:r>
           </a:p>
         </p:txBody>
       </p:sp>
@@ -15741,7 +15704,7 @@
           <p:cNvPr id="3" name="Content Placeholder 2">
             <a:extLst>
               <a:ext uri="{FF2B5EF4-FFF2-40B4-BE49-F238E27FC236}">
-                <a16:creationId xmlns:a16="http://schemas.microsoft.com/office/drawing/2014/main" id="{8DCE4C67-98B6-4618-8DEA-076B941A3F4A}"/>
+                <a16:creationId xmlns:a16="http://schemas.microsoft.com/office/drawing/2014/main" id="{4DC2DC39-460C-4DC9-92A3-82D2535FFBF9}"/>
               </a:ext>
             </a:extLst>
           </p:cNvPr>
@@ -15759,19 +15722,37 @@
           <a:p>
             <a:r>
               <a:rPr lang="en-US" dirty="0"/>
-              <a:t>CMO: collateralized mortgage obligation</a:t>
-            </a:r>
-          </a:p>
-          <a:p>
-            <a:r>
-              <a:rPr lang="en-US" dirty="0"/>
-              <a:t>CBO: collateralized bond obligation</a:t>
-            </a:r>
-          </a:p>
-          <a:p>
-            <a:r>
-              <a:rPr lang="en-US" dirty="0"/>
-              <a:t>CLO: collateralized loan obligation</a:t>
+              <a:t>Equities</a:t>
+            </a:r>
+          </a:p>
+          <a:p>
+            <a:r>
+              <a:rPr lang="en-US" dirty="0"/>
+              <a:t>Fixed-income instruments and interest rates</a:t>
+            </a:r>
+          </a:p>
+          <a:p>
+            <a:r>
+              <a:rPr lang="en-US" dirty="0"/>
+              <a:t>Currencies</a:t>
+            </a:r>
+          </a:p>
+          <a:p>
+            <a:r>
+              <a:rPr lang="en-US" dirty="0"/>
+              <a:t>Commodities</a:t>
+            </a:r>
+          </a:p>
+          <a:p>
+            <a:r>
+              <a:rPr lang="en-US" dirty="0"/>
+              <a:t>Credit</a:t>
+            </a:r>
+          </a:p>
+          <a:p>
+            <a:r>
+              <a:rPr lang="en-US" dirty="0"/>
+              <a:t>Other</a:t>
             </a:r>
           </a:p>
           <a:p>
@@ -15782,7 +15763,7 @@
     </p:spTree>
     <p:extLst>
       <p:ext uri="{BB962C8B-B14F-4D97-AF65-F5344CB8AC3E}">
-        <p14:creationId xmlns:p14="http://schemas.microsoft.com/office/powerpoint/2010/main" val="615116269"/>
+        <p14:creationId xmlns:p14="http://schemas.microsoft.com/office/powerpoint/2010/main" val="3920046498"/>
       </p:ext>
     </p:extLst>
   </p:cSld>
@@ -15814,7 +15795,7 @@
           <p:cNvPr id="2" name="Title 1">
             <a:extLst>
               <a:ext uri="{FF2B5EF4-FFF2-40B4-BE49-F238E27FC236}">
-                <a16:creationId xmlns:a16="http://schemas.microsoft.com/office/drawing/2014/main" id="{8E48A604-005B-48E4-8AF4-138B105BA282}"/>
+                <a16:creationId xmlns:a16="http://schemas.microsoft.com/office/drawing/2014/main" id="{0B33124B-F8B1-44FB-B9D6-3239CDA95508}"/>
               </a:ext>
             </a:extLst>
           </p:cNvPr>
@@ -15828,13 +15809,24 @@
         <p:spPr/>
         <p:txBody>
           <a:bodyPr>
-            <a:normAutofit/>
+            <a:normAutofit fontScale="90000"/>
           </a:bodyPr>
           <a:lstStyle/>
           <a:p>
             <a:r>
-              <a:rPr lang="en-US" sz="4000" dirty="0"/>
-              <a:t>Derivative underlying</a:t>
+              <a:rPr lang="en-US" altLang="zh-CN" sz="4400" dirty="0"/>
+              <a:t>Classification </a:t>
+            </a:r>
+            <a:r>
+              <a:rPr lang="en-US" sz="4400" dirty="0"/>
+              <a:t>of derivatives</a:t>
+            </a:r>
+            <a:br>
+              <a:rPr lang="en-US" dirty="0"/>
+            </a:br>
+            <a:r>
+              <a:rPr lang="en-US" dirty="0"/>
+              <a:t>Forward commitments and contingent claims</a:t>
             </a:r>
           </a:p>
         </p:txBody>
@@ -15844,7 +15836,7 @@
           <p:cNvPr id="3" name="Content Placeholder 2">
             <a:extLst>
               <a:ext uri="{FF2B5EF4-FFF2-40B4-BE49-F238E27FC236}">
-                <a16:creationId xmlns:a16="http://schemas.microsoft.com/office/drawing/2014/main" id="{4DC2DC39-460C-4DC9-92A3-82D2535FFBF9}"/>
+                <a16:creationId xmlns:a16="http://schemas.microsoft.com/office/drawing/2014/main" id="{AEE854A1-1496-4876-AC8F-11F97047424B}"/>
               </a:ext>
             </a:extLst>
           </p:cNvPr>
@@ -15861,49 +15853,61 @@
           <a:lstStyle/>
           <a:p>
             <a:r>
-              <a:rPr lang="en-US" dirty="0"/>
-              <a:t>Equities</a:t>
-            </a:r>
-          </a:p>
-          <a:p>
-            <a:r>
-              <a:rPr lang="en-US" dirty="0"/>
-              <a:t>Fixed-income instruments and interest rates</a:t>
-            </a:r>
-          </a:p>
-          <a:p>
-            <a:r>
-              <a:rPr lang="en-US" dirty="0"/>
-              <a:t>Currencies</a:t>
-            </a:r>
-          </a:p>
-          <a:p>
-            <a:r>
-              <a:rPr lang="en-US" dirty="0"/>
-              <a:t>Commodities</a:t>
-            </a:r>
-          </a:p>
-          <a:p>
-            <a:r>
-              <a:rPr lang="en-US" dirty="0"/>
-              <a:t>Credit</a:t>
-            </a:r>
-          </a:p>
-          <a:p>
-            <a:r>
-              <a:rPr lang="en-US" dirty="0"/>
-              <a:t>Other</a:t>
-            </a:r>
-          </a:p>
-          <a:p>
-            <a:endParaRPr lang="en-US" dirty="0"/>
+              <a:rPr lang="en-US" sz="2800" dirty="0"/>
+              <a:t>Forward commitments</a:t>
+            </a:r>
+          </a:p>
+          <a:p>
+            <a:pPr lvl="1"/>
+            <a:r>
+              <a:rPr lang="en-US" sz="1800" dirty="0">
+                <a:solidFill>
+                  <a:schemeClr val="tx1"/>
+                </a:solidFill>
+              </a:rPr>
+              <a:t>Forward</a:t>
+            </a:r>
+          </a:p>
+          <a:p>
+            <a:pPr lvl="1"/>
+            <a:r>
+              <a:rPr lang="en-US" sz="1800" dirty="0"/>
+              <a:t>Futures</a:t>
+            </a:r>
+          </a:p>
+          <a:p>
+            <a:pPr lvl="1"/>
+            <a:r>
+              <a:rPr lang="en-US" sz="1800" dirty="0"/>
+              <a:t>Swap</a:t>
+            </a:r>
+          </a:p>
+          <a:p>
+            <a:r>
+              <a:rPr lang="en-US" sz="2800" dirty="0"/>
+              <a:t>Contingent claims</a:t>
+            </a:r>
+          </a:p>
+          <a:p>
+            <a:pPr lvl="1"/>
+            <a:r>
+              <a:rPr lang="en-US" sz="1800" dirty="0"/>
+              <a:t>Option</a:t>
+            </a:r>
+          </a:p>
+          <a:p>
+            <a:pPr lvl="1"/>
+            <a:r>
+              <a:rPr lang="en-US" sz="1800" dirty="0"/>
+              <a:t>Credit Default Swap</a:t>
+            </a:r>
           </a:p>
         </p:txBody>
       </p:sp>
     </p:spTree>
     <p:extLst>
       <p:ext uri="{BB962C8B-B14F-4D97-AF65-F5344CB8AC3E}">
-        <p14:creationId xmlns:p14="http://schemas.microsoft.com/office/powerpoint/2010/main" val="3920046498"/>
+        <p14:creationId xmlns:p14="http://schemas.microsoft.com/office/powerpoint/2010/main" val="3548463849"/>
       </p:ext>
     </p:extLst>
   </p:cSld>
@@ -15935,7 +15939,7 @@
           <p:cNvPr id="2" name="Title 1">
             <a:extLst>
               <a:ext uri="{FF2B5EF4-FFF2-40B4-BE49-F238E27FC236}">
-                <a16:creationId xmlns:a16="http://schemas.microsoft.com/office/drawing/2014/main" id="{0B33124B-F8B1-44FB-B9D6-3239CDA95508}"/>
+                <a16:creationId xmlns:a16="http://schemas.microsoft.com/office/drawing/2014/main" id="{61C782C3-1713-4158-BD07-C849C3C4CC28}"/>
               </a:ext>
             </a:extLst>
           </p:cNvPr>
@@ -15948,25 +15952,27 @@
         </p:nvSpPr>
         <p:spPr/>
         <p:txBody>
-          <a:bodyPr>
-            <a:normAutofit fontScale="90000"/>
-          </a:bodyPr>
-          <a:lstStyle/>
-          <a:p>
-            <a:r>
-              <a:rPr lang="en-US" altLang="zh-CN" sz="4400" dirty="0"/>
-              <a:t>Classification </a:t>
-            </a:r>
-            <a:r>
-              <a:rPr lang="en-US" sz="4400" dirty="0"/>
-              <a:t>of derivatives</a:t>
+          <a:bodyPr/>
+          <a:lstStyle/>
+          <a:p>
+            <a:r>
+              <a:rPr lang="en-US" altLang="zh-CN" sz="4000" dirty="0"/>
+              <a:t>Classification</a:t>
+            </a:r>
+            <a:r>
+              <a:rPr lang="en-US" sz="4000" dirty="0"/>
+              <a:t> of derivatives	</a:t>
+            </a:r>
+            <a:r>
+              <a:rPr lang="en-US" dirty="0"/>
+              <a:t>	</a:t>
             </a:r>
             <a:br>
               <a:rPr lang="en-US" dirty="0"/>
             </a:br>
             <a:r>
               <a:rPr lang="en-US" dirty="0"/>
-              <a:t>Forward commitments and contingent claims</a:t>
+              <a:t>Exchange-traded and OTC market</a:t>
             </a:r>
           </a:p>
         </p:txBody>
@@ -15976,7 +15982,7 @@
           <p:cNvPr id="3" name="Content Placeholder 2">
             <a:extLst>
               <a:ext uri="{FF2B5EF4-FFF2-40B4-BE49-F238E27FC236}">
-                <a16:creationId xmlns:a16="http://schemas.microsoft.com/office/drawing/2014/main" id="{AEE854A1-1496-4876-AC8F-11F97047424B}"/>
+                <a16:creationId xmlns:a16="http://schemas.microsoft.com/office/drawing/2014/main" id="{AF25ED95-A7A6-4FF7-B6AE-E00C8A4243CE}"/>
               </a:ext>
             </a:extLst>
           </p:cNvPr>
@@ -15994,18 +16000,34 @@
           <a:p>
             <a:r>
               <a:rPr lang="en-US" sz="2800" dirty="0"/>
-              <a:t>Forward commitments</a:t>
+              <a:t>Over-the-counter market</a:t>
             </a:r>
           </a:p>
           <a:p>
             <a:pPr lvl="1"/>
             <a:r>
-              <a:rPr lang="en-US" sz="1800" dirty="0">
-                <a:solidFill>
-                  <a:schemeClr val="tx1"/>
-                </a:solidFill>
-              </a:rPr>
+              <a:rPr lang="en-US" sz="1800" dirty="0"/>
               <a:t>Forward</a:t>
+            </a:r>
+          </a:p>
+          <a:p>
+            <a:pPr lvl="1"/>
+            <a:r>
+              <a:rPr lang="en-US" sz="1800" dirty="0"/>
+              <a:t>Swap</a:t>
+            </a:r>
+          </a:p>
+          <a:p>
+            <a:pPr lvl="1"/>
+            <a:r>
+              <a:rPr lang="en-US" sz="1800" dirty="0"/>
+              <a:t>Option</a:t>
+            </a:r>
+          </a:p>
+          <a:p>
+            <a:r>
+              <a:rPr lang="en-US" sz="2800" dirty="0"/>
+              <a:t>Exchange-traded market</a:t>
             </a:r>
           </a:p>
           <a:p>
@@ -16019,35 +16041,18 @@
             <a:pPr lvl="1"/>
             <a:r>
               <a:rPr lang="en-US" sz="1800" dirty="0"/>
-              <a:t>Swap</a:t>
-            </a:r>
-          </a:p>
-          <a:p>
-            <a:r>
-              <a:rPr lang="en-US" sz="2800" dirty="0"/>
-              <a:t>Contingent claims</a:t>
-            </a:r>
-          </a:p>
-          <a:p>
-            <a:pPr lvl="1"/>
-            <a:r>
-              <a:rPr lang="en-US" sz="1800" dirty="0"/>
               <a:t>Option</a:t>
             </a:r>
           </a:p>
           <a:p>
-            <a:pPr lvl="1"/>
-            <a:r>
-              <a:rPr lang="en-US" sz="1800" dirty="0"/>
-              <a:t>Credit Default Swap</a:t>
-            </a:r>
+            <a:endParaRPr lang="en-US" dirty="0"/>
           </a:p>
         </p:txBody>
       </p:sp>
     </p:spTree>
     <p:extLst>
       <p:ext uri="{BB962C8B-B14F-4D97-AF65-F5344CB8AC3E}">
-        <p14:creationId xmlns:p14="http://schemas.microsoft.com/office/powerpoint/2010/main" val="3548463849"/>
+        <p14:creationId xmlns:p14="http://schemas.microsoft.com/office/powerpoint/2010/main" val="2063123738"/>
       </p:ext>
     </p:extLst>
   </p:cSld>
@@ -16079,7 +16084,7 @@
           <p:cNvPr id="2" name="Title 1">
             <a:extLst>
               <a:ext uri="{FF2B5EF4-FFF2-40B4-BE49-F238E27FC236}">
-                <a16:creationId xmlns:a16="http://schemas.microsoft.com/office/drawing/2014/main" id="{61C782C3-1713-4158-BD07-C849C3C4CC28}"/>
+                <a16:creationId xmlns:a16="http://schemas.microsoft.com/office/drawing/2014/main" id="{63CC868E-9E09-460D-AFC5-F06FE734B18C}"/>
               </a:ext>
             </a:extLst>
           </p:cNvPr>
@@ -16097,11 +16102,11 @@
           <a:p>
             <a:r>
               <a:rPr lang="en-US" altLang="zh-CN" sz="4000" dirty="0"/>
-              <a:t>Classification</a:t>
+              <a:t>Classification </a:t>
             </a:r>
             <a:r>
               <a:rPr lang="en-US" sz="4000" dirty="0"/>
-              <a:t> of derivatives	</a:t>
+              <a:t>of derivatives	</a:t>
             </a:r>
             <a:r>
               <a:rPr lang="en-US" dirty="0"/>
@@ -16122,7 +16127,7 @@
           <p:cNvPr id="3" name="Content Placeholder 2">
             <a:extLst>
               <a:ext uri="{FF2B5EF4-FFF2-40B4-BE49-F238E27FC236}">
-                <a16:creationId xmlns:a16="http://schemas.microsoft.com/office/drawing/2014/main" id="{AF25ED95-A7A6-4FF7-B6AE-E00C8A4243CE}"/>
+                <a16:creationId xmlns:a16="http://schemas.microsoft.com/office/drawing/2014/main" id="{8C312896-34F4-450C-92F0-CAD934A523A3}"/>
               </a:ext>
             </a:extLst>
           </p:cNvPr>
@@ -16140,49 +16145,66 @@
           <a:p>
             <a:r>
               <a:rPr lang="en-US" sz="2800" dirty="0"/>
-              <a:t>Over-the-counter market</a:t>
+              <a:t>Exchange-traded derivative market</a:t>
+            </a:r>
+          </a:p>
+          <a:p>
+            <a:r>
+              <a:rPr lang="en-US" dirty="0"/>
+              <a:t>characteristics</a:t>
             </a:r>
           </a:p>
           <a:p>
             <a:pPr lvl="1"/>
             <a:r>
-              <a:rPr lang="en-US" sz="1800" dirty="0"/>
-              <a:t>Forward</a:t>
+              <a:rPr lang="en-US" dirty="0"/>
+              <a:t>Standardized	</a:t>
             </a:r>
           </a:p>
           <a:p>
             <a:pPr lvl="1"/>
             <a:r>
-              <a:rPr lang="en-US" sz="1800" dirty="0"/>
-              <a:t>Swap</a:t>
+              <a:rPr lang="en-US" dirty="0"/>
+              <a:t>More liquid</a:t>
             </a:r>
           </a:p>
           <a:p>
             <a:pPr lvl="1"/>
             <a:r>
-              <a:rPr lang="en-US" sz="1800" dirty="0"/>
-              <a:t>Option</a:t>
-            </a:r>
-          </a:p>
-          <a:p>
-            <a:r>
-              <a:rPr lang="en-US" sz="2800" dirty="0"/>
-              <a:t>Exchange-traded market</a:t>
+              <a:rPr lang="en-US" dirty="0"/>
+              <a:t>Market makers and speculators</a:t>
             </a:r>
           </a:p>
           <a:p>
             <a:pPr lvl="1"/>
             <a:r>
-              <a:rPr lang="en-US" sz="1800" dirty="0"/>
-              <a:t>Futures</a:t>
+              <a:rPr lang="en-US" dirty="0"/>
+              <a:t>Clear and settle all contracts overnight</a:t>
             </a:r>
           </a:p>
           <a:p>
             <a:pPr lvl="1"/>
             <a:r>
-              <a:rPr lang="en-US" sz="1800" dirty="0"/>
-              <a:t>Option</a:t>
-            </a:r>
+              <a:rPr lang="en-US" dirty="0"/>
+              <a:t>Credit guarantee</a:t>
+            </a:r>
+          </a:p>
+          <a:p>
+            <a:pPr lvl="1"/>
+            <a:r>
+              <a:rPr lang="en-US" dirty="0"/>
+              <a:t>Transparency(regulatory bodies)</a:t>
+            </a:r>
+          </a:p>
+          <a:p>
+            <a:pPr lvl="1"/>
+            <a:r>
+              <a:rPr lang="en-US" dirty="0"/>
+              <a:t>Loss of privacy and flexibility</a:t>
+            </a:r>
+          </a:p>
+          <a:p>
+            <a:endParaRPr lang="en-US" dirty="0"/>
           </a:p>
           <a:p>
             <a:endParaRPr lang="en-US" dirty="0"/>
@@ -16192,7 +16214,7 @@
     </p:spTree>
     <p:extLst>
       <p:ext uri="{BB962C8B-B14F-4D97-AF65-F5344CB8AC3E}">
-        <p14:creationId xmlns:p14="http://schemas.microsoft.com/office/powerpoint/2010/main" val="2063123738"/>
+        <p14:creationId xmlns:p14="http://schemas.microsoft.com/office/powerpoint/2010/main" val="1080345033"/>
       </p:ext>
     </p:extLst>
   </p:cSld>
@@ -16314,7 +16336,7 @@
           <p:cNvPr id="2" name="Title 1">
             <a:extLst>
               <a:ext uri="{FF2B5EF4-FFF2-40B4-BE49-F238E27FC236}">
-                <a16:creationId xmlns:a16="http://schemas.microsoft.com/office/drawing/2014/main" id="{63CC868E-9E09-460D-AFC5-F06FE734B18C}"/>
+                <a16:creationId xmlns:a16="http://schemas.microsoft.com/office/drawing/2014/main" id="{2002ACD3-97F2-43B1-8933-4B82D4F11644}"/>
               </a:ext>
             </a:extLst>
           </p:cNvPr>
@@ -16332,7 +16354,7 @@
           <a:p>
             <a:r>
               <a:rPr lang="en-US" altLang="zh-CN" sz="4000" dirty="0"/>
-              <a:t>Classification </a:t>
+              <a:t>Classification	</a:t>
             </a:r>
             <a:r>
               <a:rPr lang="en-US" sz="4000" dirty="0"/>
@@ -16357,7 +16379,7 @@
           <p:cNvPr id="3" name="Content Placeholder 2">
             <a:extLst>
               <a:ext uri="{FF2B5EF4-FFF2-40B4-BE49-F238E27FC236}">
-                <a16:creationId xmlns:a16="http://schemas.microsoft.com/office/drawing/2014/main" id="{8C312896-34F4-450C-92F0-CAD934A523A3}"/>
+                <a16:creationId xmlns:a16="http://schemas.microsoft.com/office/drawing/2014/main" id="{487D91EC-818A-4A4E-B004-E96C0A6F64DC}"/>
               </a:ext>
             </a:extLst>
           </p:cNvPr>
@@ -16375,7 +16397,7 @@
           <a:p>
             <a:r>
               <a:rPr lang="en-US" sz="2800" dirty="0"/>
-              <a:t>Exchange-traded derivative market</a:t>
+              <a:t>Over-the-counter derivative market</a:t>
             </a:r>
           </a:p>
           <a:p>
@@ -16388,52 +16410,32 @@
             <a:pPr lvl="1"/>
             <a:r>
               <a:rPr lang="en-US" dirty="0"/>
-              <a:t>Standardized	</a:t>
+              <a:t>Customization</a:t>
             </a:r>
           </a:p>
           <a:p>
             <a:pPr lvl="1"/>
             <a:r>
               <a:rPr lang="en-US" dirty="0"/>
-              <a:t>More liquid</a:t>
+              <a:t>More flexible</a:t>
             </a:r>
           </a:p>
           <a:p>
             <a:pPr lvl="1"/>
             <a:r>
               <a:rPr lang="en-US" dirty="0"/>
-              <a:t>Market makers and speculators</a:t>
+              <a:t>Lower degree of regulation</a:t>
             </a:r>
           </a:p>
           <a:p>
             <a:pPr lvl="1"/>
             <a:r>
               <a:rPr lang="en-US" dirty="0"/>
-              <a:t>Clear and settle all contracts overnight</a:t>
+              <a:t>Retain a degree of privacy with lower transparency</a:t>
             </a:r>
           </a:p>
           <a:p>
             <a:pPr lvl="1"/>
-            <a:r>
-              <a:rPr lang="en-US" dirty="0"/>
-              <a:t>Credit guarantee</a:t>
-            </a:r>
-          </a:p>
-          <a:p>
-            <a:pPr lvl="1"/>
-            <a:r>
-              <a:rPr lang="en-US" dirty="0"/>
-              <a:t>Transparency(regulatory bodies)</a:t>
-            </a:r>
-          </a:p>
-          <a:p>
-            <a:pPr lvl="1"/>
-            <a:r>
-              <a:rPr lang="en-US" dirty="0"/>
-              <a:t>Loss of privacy and flexibility</a:t>
-            </a:r>
-          </a:p>
-          <a:p>
             <a:endParaRPr lang="en-US" dirty="0"/>
           </a:p>
           <a:p>
@@ -16444,7 +16446,7 @@
     </p:spTree>
     <p:extLst>
       <p:ext uri="{BB962C8B-B14F-4D97-AF65-F5344CB8AC3E}">
-        <p14:creationId xmlns:p14="http://schemas.microsoft.com/office/powerpoint/2010/main" val="1080345033"/>
+        <p14:creationId xmlns:p14="http://schemas.microsoft.com/office/powerpoint/2010/main" val="736614646"/>
       </p:ext>
     </p:extLst>
   </p:cSld>
@@ -16476,7 +16478,7 @@
           <p:cNvPr id="2" name="Title 1">
             <a:extLst>
               <a:ext uri="{FF2B5EF4-FFF2-40B4-BE49-F238E27FC236}">
-                <a16:creationId xmlns:a16="http://schemas.microsoft.com/office/drawing/2014/main" id="{2002ACD3-97F2-43B1-8933-4B82D4F11644}"/>
+                <a16:creationId xmlns:a16="http://schemas.microsoft.com/office/drawing/2014/main" id="{E5071E7E-561B-4C61-8404-6C29256855A2}"/>
               </a:ext>
             </a:extLst>
           </p:cNvPr>
@@ -16489,27 +16491,14 @@
         </p:nvSpPr>
         <p:spPr/>
         <p:txBody>
-          <a:bodyPr/>
-          <a:lstStyle/>
-          <a:p>
-            <a:r>
-              <a:rPr lang="en-US" altLang="zh-CN" sz="4000" dirty="0"/>
-              <a:t>Classification	</a:t>
-            </a:r>
+          <a:bodyPr>
+            <a:normAutofit/>
+          </a:bodyPr>
+          <a:lstStyle/>
+          <a:p>
             <a:r>
               <a:rPr lang="en-US" sz="4000" dirty="0"/>
-              <a:t>of derivatives	</a:t>
-            </a:r>
-            <a:r>
-              <a:rPr lang="en-US" dirty="0"/>
-              <a:t>	</a:t>
-            </a:r>
-            <a:br>
-              <a:rPr lang="en-US" dirty="0"/>
-            </a:br>
-            <a:r>
-              <a:rPr lang="en-US" dirty="0"/>
-              <a:t>Exchange-traded and OTC market</a:t>
+              <a:t>Practices</a:t>
             </a:r>
           </a:p>
         </p:txBody>
@@ -16519,7 +16508,7 @@
           <p:cNvPr id="3" name="Content Placeholder 2">
             <a:extLst>
               <a:ext uri="{FF2B5EF4-FFF2-40B4-BE49-F238E27FC236}">
-                <a16:creationId xmlns:a16="http://schemas.microsoft.com/office/drawing/2014/main" id="{487D91EC-818A-4A4E-B004-E96C0A6F64DC}"/>
+                <a16:creationId xmlns:a16="http://schemas.microsoft.com/office/drawing/2014/main" id="{CFF1D1EF-7E0F-48EE-98B9-A11615480828}"/>
               </a:ext>
             </a:extLst>
           </p:cNvPr>
@@ -16536,57 +16525,64 @@
           <a:lstStyle/>
           <a:p>
             <a:r>
-              <a:rPr lang="en-US" sz="2800" dirty="0"/>
-              <a:t>Over-the-counter derivative market</a:t>
-            </a:r>
-          </a:p>
-          <a:p>
-            <a:r>
-              <a:rPr lang="en-US" dirty="0"/>
-              <a:t>characteristics</a:t>
+              <a:rPr lang="en-US" dirty="0"/>
+              <a:t>1.Which of the following is not a forward commitment?</a:t>
             </a:r>
           </a:p>
           <a:p>
             <a:pPr lvl="1"/>
             <a:r>
               <a:rPr lang="en-US" dirty="0"/>
-              <a:t>Customization</a:t>
+              <a:t>A An agreement to take out a loan at a future date at a specific rate</a:t>
             </a:r>
           </a:p>
           <a:p>
             <a:pPr lvl="1"/>
             <a:r>
               <a:rPr lang="en-US" dirty="0"/>
-              <a:t>More flexible</a:t>
+              <a:t>B An offer of employment that must be accepted or rejected in two weeks</a:t>
             </a:r>
           </a:p>
           <a:p>
             <a:pPr lvl="1"/>
             <a:r>
               <a:rPr lang="en-US" dirty="0"/>
-              <a:t>Lower degree of regulation</a:t>
+              <a:t>C An agreement to lease a piece of machinery for one year with a series of fixed monthly payments</a:t>
+            </a:r>
+          </a:p>
+          <a:p>
+            <a:r>
+              <a:rPr lang="en-US" dirty="0"/>
+              <a:t>2.Which of the following statements is true about contingent claims?</a:t>
             </a:r>
           </a:p>
           <a:p>
             <a:pPr lvl="1"/>
             <a:r>
               <a:rPr lang="en-US" dirty="0"/>
-              <a:t>Retain a degree of privacy with lower transparency</a:t>
+              <a:t>A Either party can default to the other.</a:t>
             </a:r>
           </a:p>
           <a:p>
             <a:pPr lvl="1"/>
-            <a:endParaRPr lang="en-US" dirty="0"/>
-          </a:p>
-          <a:p>
-            <a:endParaRPr lang="en-US" dirty="0"/>
+            <a:r>
+              <a:rPr lang="en-US" dirty="0"/>
+              <a:t>B The payoffs are linearly related to the performance of the underlying.</a:t>
+            </a:r>
+          </a:p>
+          <a:p>
+            <a:pPr lvl="1"/>
+            <a:r>
+              <a:rPr lang="en-US" dirty="0"/>
+              <a:t>C The most the long can lose is the amount paid for the contingent claim.</a:t>
+            </a:r>
           </a:p>
         </p:txBody>
       </p:sp>
     </p:spTree>
     <p:extLst>
       <p:ext uri="{BB962C8B-B14F-4D97-AF65-F5344CB8AC3E}">
-        <p14:creationId xmlns:p14="http://schemas.microsoft.com/office/powerpoint/2010/main" val="736614646"/>
+        <p14:creationId xmlns:p14="http://schemas.microsoft.com/office/powerpoint/2010/main" val="1657439908"/>
       </p:ext>
     </p:extLst>
   </p:cSld>
@@ -16618,7 +16614,7 @@
           <p:cNvPr id="2" name="Title 1">
             <a:extLst>
               <a:ext uri="{FF2B5EF4-FFF2-40B4-BE49-F238E27FC236}">
-                <a16:creationId xmlns:a16="http://schemas.microsoft.com/office/drawing/2014/main" id="{E5071E7E-561B-4C61-8404-6C29256855A2}"/>
+                <a16:creationId xmlns:a16="http://schemas.microsoft.com/office/drawing/2014/main" id="{F20D5F44-83D3-4C3D-AA1E-B7B8E357D44D}"/>
               </a:ext>
             </a:extLst>
           </p:cNvPr>
@@ -16648,7 +16644,7 @@
           <p:cNvPr id="3" name="Content Placeholder 2">
             <a:extLst>
               <a:ext uri="{FF2B5EF4-FFF2-40B4-BE49-F238E27FC236}">
-                <a16:creationId xmlns:a16="http://schemas.microsoft.com/office/drawing/2014/main" id="{CFF1D1EF-7E0F-48EE-98B9-A11615480828}"/>
+                <a16:creationId xmlns:a16="http://schemas.microsoft.com/office/drawing/2014/main" id="{2EA05F35-4584-4A6C-B5B8-1E6EAF96AE0E}"/>
               </a:ext>
             </a:extLst>
           </p:cNvPr>
@@ -16661,60 +16657,62 @@
         </p:nvSpPr>
         <p:spPr/>
         <p:txBody>
-          <a:bodyPr/>
-          <a:lstStyle/>
-          <a:p>
-            <a:r>
-              <a:rPr lang="en-US" dirty="0"/>
-              <a:t>1.Which of the following is not a forward commitment?</a:t>
+          <a:bodyPr>
+            <a:normAutofit/>
+          </a:bodyPr>
+          <a:lstStyle/>
+          <a:p>
+            <a:r>
+              <a:rPr lang="en-US" dirty="0"/>
+              <a:t>3.Which of the following characteristics is not associated with exchange-traded derivatives?</a:t>
             </a:r>
           </a:p>
           <a:p>
             <a:pPr lvl="1"/>
             <a:r>
               <a:rPr lang="en-US" dirty="0"/>
-              <a:t>A An agreement to take out a loan at a future date at a specific rate</a:t>
+              <a:t>A Margin or performance bonds are required.</a:t>
             </a:r>
           </a:p>
           <a:p>
             <a:pPr lvl="1"/>
             <a:r>
               <a:rPr lang="en-US" dirty="0"/>
-              <a:t>B An offer of employment that must be accepted or rejected in two weeks</a:t>
+              <a:t>B The exchange guarantees all payments in the event of default.</a:t>
             </a:r>
           </a:p>
           <a:p>
             <a:pPr lvl="1"/>
             <a:r>
               <a:rPr lang="en-US" dirty="0"/>
-              <a:t>C An agreement to lease a piece of machinery for one year with a series of fixed monthly payments</a:t>
-            </a:r>
-          </a:p>
-          <a:p>
-            <a:r>
-              <a:rPr lang="en-US" dirty="0"/>
-              <a:t>2.Which of the following statements is true about contingent claims?</a:t>
+              <a:t>C All terms except the price are customized to the parties’ individual needs.</a:t>
+            </a:r>
+          </a:p>
+          <a:p>
+            <a:r>
+              <a:rPr lang="en-US" dirty="0"/>
+              <a:t>4.Which of the following characteristics is associated with over- the- counter derivatives?</a:t>
             </a:r>
           </a:p>
           <a:p>
             <a:pPr lvl="1"/>
             <a:r>
               <a:rPr lang="en-US" dirty="0"/>
-              <a:t>A Either party can default to the other.</a:t>
+              <a:t>A Trading occurs in a central location.</a:t>
             </a:r>
           </a:p>
           <a:p>
             <a:pPr lvl="1"/>
             <a:r>
               <a:rPr lang="en-US" dirty="0"/>
-              <a:t>B The payoffs are linearly related to the performance of the underlying.</a:t>
+              <a:t>B They are more regulated than exchange- listed derivatives.</a:t>
             </a:r>
           </a:p>
           <a:p>
             <a:pPr lvl="1"/>
             <a:r>
               <a:rPr lang="en-US" dirty="0"/>
-              <a:t>C The most the long can lose is the amount paid for the contingent claim.</a:t>
+              <a:t>C They are less transparent than exchange- listed derivatives.</a:t>
             </a:r>
           </a:p>
         </p:txBody>
@@ -16722,7 +16720,7 @@
     </p:spTree>
     <p:extLst>
       <p:ext uri="{BB962C8B-B14F-4D97-AF65-F5344CB8AC3E}">
-        <p14:creationId xmlns:p14="http://schemas.microsoft.com/office/powerpoint/2010/main" val="1657439908"/>
+        <p14:creationId xmlns:p14="http://schemas.microsoft.com/office/powerpoint/2010/main" val="3121291714"/>
       </p:ext>
     </p:extLst>
   </p:cSld>
@@ -16804,55 +16802,55 @@
           <a:p>
             <a:r>
               <a:rPr lang="en-US" dirty="0"/>
-              <a:t>3.Which of the following characteristics is not associated with exchange-traded derivatives?</a:t>
+              <a:t>5.Market makers earn a profit in both exchange and over- the- counter derivatives markets by:</a:t>
             </a:r>
           </a:p>
           <a:p>
             <a:pPr lvl="1"/>
             <a:r>
               <a:rPr lang="en-US" dirty="0"/>
-              <a:t>A Margin or performance bonds are required.</a:t>
+              <a:t>A charging a commission on each trade.</a:t>
             </a:r>
           </a:p>
           <a:p>
             <a:pPr lvl="1"/>
             <a:r>
               <a:rPr lang="en-US" dirty="0"/>
-              <a:t>B The exchange guarantees all payments in the event of default.</a:t>
+              <a:t>B a combination of commissions and markups.</a:t>
             </a:r>
           </a:p>
           <a:p>
             <a:pPr lvl="1"/>
             <a:r>
               <a:rPr lang="en-US" dirty="0"/>
-              <a:t>C All terms except the price are customized to the parties’ individual needs.</a:t>
-            </a:r>
-          </a:p>
-          <a:p>
-            <a:r>
-              <a:rPr lang="en-US" dirty="0"/>
-              <a:t>4.Which of the following characteristics is associated with over- the- counter derivatives?</a:t>
+              <a:t>C buying at one price, selling at a higher price, and hedging any risk.</a:t>
+            </a:r>
+          </a:p>
+          <a:p>
+            <a:r>
+              <a:rPr lang="en-US" dirty="0"/>
+              <a:t>6.Which of the following statements most accurately describes exchange-traded derivatives relative to over- the- counter derivatives? Exchange-traded derivatives are more likely to have:</a:t>
             </a:r>
           </a:p>
           <a:p>
             <a:pPr lvl="1"/>
             <a:r>
               <a:rPr lang="en-US" dirty="0"/>
-              <a:t>A Trading occurs in a central location.</a:t>
+              <a:t>A greater credit risk.</a:t>
             </a:r>
           </a:p>
           <a:p>
             <a:pPr lvl="1"/>
             <a:r>
               <a:rPr lang="en-US" dirty="0"/>
-              <a:t>B They are more regulated than exchange- listed derivatives.</a:t>
+              <a:t>B standardized contract terms.</a:t>
             </a:r>
           </a:p>
           <a:p>
             <a:pPr lvl="1"/>
             <a:r>
               <a:rPr lang="en-US" dirty="0"/>
-              <a:t>C They are less transparent than exchange- listed derivatives.</a:t>
+              <a:t>C greater risk management uses</a:t>
             </a:r>
           </a:p>
         </p:txBody>
@@ -16860,7 +16858,7 @@
     </p:spTree>
     <p:extLst>
       <p:ext uri="{BB962C8B-B14F-4D97-AF65-F5344CB8AC3E}">
-        <p14:creationId xmlns:p14="http://schemas.microsoft.com/office/powerpoint/2010/main" val="3121291714"/>
+        <p14:creationId xmlns:p14="http://schemas.microsoft.com/office/powerpoint/2010/main" val="1189956952"/>
       </p:ext>
     </p:extLst>
   </p:cSld>
@@ -16892,7 +16890,7 @@
           <p:cNvPr id="2" name="Title 1">
             <a:extLst>
               <a:ext uri="{FF2B5EF4-FFF2-40B4-BE49-F238E27FC236}">
-                <a16:creationId xmlns:a16="http://schemas.microsoft.com/office/drawing/2014/main" id="{F20D5F44-83D3-4C3D-AA1E-B7B8E357D44D}"/>
+                <a16:creationId xmlns:a16="http://schemas.microsoft.com/office/drawing/2014/main" id="{CBE36A6B-6E55-4FD0-8260-0BEFE68F4514}"/>
               </a:ext>
             </a:extLst>
           </p:cNvPr>
@@ -16912,8 +16910,49 @@
           <a:p>
             <a:r>
               <a:rPr lang="en-US" sz="4000" dirty="0"/>
-              <a:t>Practices</a:t>
-            </a:r>
+              <a:t>The</a:t>
+            </a:r>
+            <a:r>
+              <a:rPr lang="zh-CN" altLang="en-US" sz="4000" dirty="0"/>
+              <a:t> </a:t>
+            </a:r>
+            <a:r>
+              <a:rPr lang="en-US" altLang="zh-CN" sz="4000" dirty="0"/>
+              <a:t>purposes</a:t>
+            </a:r>
+            <a:r>
+              <a:rPr lang="zh-CN" altLang="en-US" sz="4000" dirty="0"/>
+              <a:t> </a:t>
+            </a:r>
+            <a:r>
+              <a:rPr lang="en-US" altLang="zh-CN" sz="4000" dirty="0"/>
+              <a:t>and</a:t>
+            </a:r>
+            <a:r>
+              <a:rPr lang="zh-CN" altLang="en-US" sz="4000" dirty="0"/>
+              <a:t> </a:t>
+            </a:r>
+            <a:r>
+              <a:rPr lang="en-US" altLang="zh-CN" sz="4000" dirty="0"/>
+              <a:t>benefits</a:t>
+            </a:r>
+            <a:r>
+              <a:rPr lang="zh-CN" altLang="en-US" sz="4000" dirty="0"/>
+              <a:t> </a:t>
+            </a:r>
+            <a:r>
+              <a:rPr lang="en-US" altLang="zh-CN" sz="4000" dirty="0"/>
+              <a:t>of</a:t>
+            </a:r>
+            <a:r>
+              <a:rPr lang="zh-CN" altLang="en-US" sz="4000" dirty="0"/>
+              <a:t> </a:t>
+            </a:r>
+            <a:r>
+              <a:rPr lang="en-US" altLang="zh-CN" sz="4000" dirty="0"/>
+              <a:t>derivatives</a:t>
+            </a:r>
+            <a:endParaRPr lang="en-US" sz="4000" dirty="0"/>
           </a:p>
         </p:txBody>
       </p:sp>
@@ -16922,7 +16961,7 @@
           <p:cNvPr id="3" name="Content Placeholder 2">
             <a:extLst>
               <a:ext uri="{FF2B5EF4-FFF2-40B4-BE49-F238E27FC236}">
-                <a16:creationId xmlns:a16="http://schemas.microsoft.com/office/drawing/2014/main" id="{2EA05F35-4584-4A6C-B5B8-1E6EAF96AE0E}"/>
+                <a16:creationId xmlns:a16="http://schemas.microsoft.com/office/drawing/2014/main" id="{CF2F7B16-0AF8-4000-9305-F75458652CC6}"/>
               </a:ext>
             </a:extLst>
           </p:cNvPr>
@@ -16935,70 +16974,29 @@
         </p:nvSpPr>
         <p:spPr/>
         <p:txBody>
-          <a:bodyPr>
-            <a:normAutofit/>
-          </a:bodyPr>
-          <a:lstStyle/>
-          <a:p>
-            <a:r>
-              <a:rPr lang="en-US" dirty="0"/>
-              <a:t>5.Market makers earn a profit in both exchange and over- the- counter derivatives markets by:</a:t>
-            </a:r>
-          </a:p>
-          <a:p>
-            <a:pPr lvl="1"/>
-            <a:r>
-              <a:rPr lang="en-US" dirty="0"/>
-              <a:t>A charging a commission on each trade.</a:t>
-            </a:r>
-          </a:p>
-          <a:p>
-            <a:pPr lvl="1"/>
-            <a:r>
-              <a:rPr lang="en-US" dirty="0"/>
-              <a:t>B a combination of commissions and markups.</a:t>
-            </a:r>
-          </a:p>
-          <a:p>
-            <a:pPr lvl="1"/>
-            <a:r>
-              <a:rPr lang="en-US" dirty="0"/>
-              <a:t>C buying at one price, selling at a higher price, and hedging any risk.</a:t>
-            </a:r>
-          </a:p>
-          <a:p>
-            <a:r>
-              <a:rPr lang="en-US" dirty="0"/>
-              <a:t>6.Which of the following statements most accurately describes exchange-traded derivatives relative to over- the- counter derivatives? Exchange-traded derivatives are more likely to have:</a:t>
-            </a:r>
-          </a:p>
-          <a:p>
-            <a:pPr lvl="1"/>
-            <a:r>
-              <a:rPr lang="en-US" dirty="0"/>
-              <a:t>A greater credit risk.</a:t>
-            </a:r>
-          </a:p>
-          <a:p>
-            <a:pPr lvl="1"/>
-            <a:r>
-              <a:rPr lang="en-US" dirty="0"/>
-              <a:t>B standardized contract terms.</a:t>
-            </a:r>
-          </a:p>
-          <a:p>
-            <a:pPr lvl="1"/>
-            <a:r>
-              <a:rPr lang="en-US" dirty="0"/>
-              <a:t>C greater risk management uses</a:t>
-            </a:r>
+          <a:bodyPr/>
+          <a:lstStyle/>
+          <a:p>
+            <a:r>
+              <a:rPr lang="en-US" dirty="0"/>
+              <a:t>The origin of modern futures markets is the creation of the Chicago board of trade in 1848.</a:t>
+            </a:r>
+          </a:p>
+          <a:p>
+            <a:r>
+              <a:rPr lang="en-US" dirty="0"/>
+              <a:t>‘To-arrive’ contract</a:t>
+            </a:r>
+          </a:p>
+          <a:p>
+            <a:endParaRPr lang="en-US" dirty="0"/>
           </a:p>
         </p:txBody>
       </p:sp>
     </p:spTree>
     <p:extLst>
       <p:ext uri="{BB962C8B-B14F-4D97-AF65-F5344CB8AC3E}">
-        <p14:creationId xmlns:p14="http://schemas.microsoft.com/office/powerpoint/2010/main" val="1189956952"/>
+        <p14:creationId xmlns:p14="http://schemas.microsoft.com/office/powerpoint/2010/main" val="810741622"/>
       </p:ext>
     </p:extLst>
   </p:cSld>
@@ -17030,7 +17028,7 @@
           <p:cNvPr id="2" name="Title 1">
             <a:extLst>
               <a:ext uri="{FF2B5EF4-FFF2-40B4-BE49-F238E27FC236}">
-                <a16:creationId xmlns:a16="http://schemas.microsoft.com/office/drawing/2014/main" id="{CBE36A6B-6E55-4FD0-8260-0BEFE68F4514}"/>
+                <a16:creationId xmlns:a16="http://schemas.microsoft.com/office/drawing/2014/main" id="{594F1C53-E728-4CBB-B42E-401BAB534833}"/>
               </a:ext>
             </a:extLst>
           </p:cNvPr>
@@ -17041,7 +17039,12 @@
             <p:ph type="title"/>
           </p:nvPr>
         </p:nvSpPr>
-        <p:spPr/>
+        <p:spPr>
+          <a:xfrm>
+            <a:off x="677334" y="609600"/>
+            <a:ext cx="8596668" cy="1320800"/>
+          </a:xfrm>
+        </p:spPr>
         <p:txBody>
           <a:bodyPr>
             <a:normAutofit/>
@@ -17101,7 +17104,7 @@
           <p:cNvPr id="3" name="Content Placeholder 2">
             <a:extLst>
               <a:ext uri="{FF2B5EF4-FFF2-40B4-BE49-F238E27FC236}">
-                <a16:creationId xmlns:a16="http://schemas.microsoft.com/office/drawing/2014/main" id="{CF2F7B16-0AF8-4000-9305-F75458652CC6}"/>
+                <a16:creationId xmlns:a16="http://schemas.microsoft.com/office/drawing/2014/main" id="{7A1D6DA6-953B-4B3D-BBAF-2BF3840CE174}"/>
               </a:ext>
             </a:extLst>
           </p:cNvPr>
@@ -17119,14 +17122,29 @@
           <a:p>
             <a:r>
               <a:rPr lang="en-US" dirty="0"/>
-              <a:t>The origin of modern futures markets is the creation of the Chicago board of trade in 1848.</a:t>
-            </a:r>
-          </a:p>
-          <a:p>
-            <a:r>
-              <a:rPr lang="en-US" dirty="0"/>
-              <a:t>‘To-arrive’ contract</a:t>
-            </a:r>
+              <a:t>Risk allocation , transfer , and management</a:t>
+            </a:r>
+          </a:p>
+          <a:p>
+            <a:r>
+              <a:rPr lang="en-US" dirty="0"/>
+              <a:t>Information discovery</a:t>
+            </a:r>
+          </a:p>
+          <a:p>
+            <a:r>
+              <a:rPr lang="en-US" dirty="0"/>
+              <a:t>Operational advantages</a:t>
+            </a:r>
+          </a:p>
+          <a:p>
+            <a:r>
+              <a:rPr lang="en-US" dirty="0"/>
+              <a:t>Market efficiency</a:t>
+            </a:r>
+          </a:p>
+          <a:p>
+            <a:endParaRPr lang="en-US" dirty="0"/>
           </a:p>
           <a:p>
             <a:endParaRPr lang="en-US" dirty="0"/>
@@ -17136,7 +17154,7 @@
     </p:spTree>
     <p:extLst>
       <p:ext uri="{BB962C8B-B14F-4D97-AF65-F5344CB8AC3E}">
-        <p14:creationId xmlns:p14="http://schemas.microsoft.com/office/powerpoint/2010/main" val="810741622"/>
+        <p14:creationId xmlns:p14="http://schemas.microsoft.com/office/powerpoint/2010/main" val="1516918961"/>
       </p:ext>
     </p:extLst>
   </p:cSld>
@@ -17168,7 +17186,7 @@
           <p:cNvPr id="2" name="Title 1">
             <a:extLst>
               <a:ext uri="{FF2B5EF4-FFF2-40B4-BE49-F238E27FC236}">
-                <a16:creationId xmlns:a16="http://schemas.microsoft.com/office/drawing/2014/main" id="{594F1C53-E728-4CBB-B42E-401BAB534833}"/>
+                <a16:creationId xmlns:a16="http://schemas.microsoft.com/office/drawing/2014/main" id="{4615354A-E477-4616-83A2-BD4AC1206110}"/>
               </a:ext>
             </a:extLst>
           </p:cNvPr>
@@ -17179,12 +17197,7 @@
             <p:ph type="title"/>
           </p:nvPr>
         </p:nvSpPr>
-        <p:spPr>
-          <a:xfrm>
-            <a:off x="677334" y="609600"/>
-            <a:ext cx="8596668" cy="1320800"/>
-          </a:xfrm>
-        </p:spPr>
+        <p:spPr/>
         <p:txBody>
           <a:bodyPr>
             <a:normAutofit/>
@@ -17193,49 +17206,8 @@
           <a:p>
             <a:r>
               <a:rPr lang="en-US" sz="4000" dirty="0"/>
-              <a:t>The</a:t>
-            </a:r>
-            <a:r>
-              <a:rPr lang="zh-CN" altLang="en-US" sz="4000" dirty="0"/>
-              <a:t> </a:t>
-            </a:r>
-            <a:r>
-              <a:rPr lang="en-US" altLang="zh-CN" sz="4000" dirty="0"/>
-              <a:t>purposes</a:t>
-            </a:r>
-            <a:r>
-              <a:rPr lang="zh-CN" altLang="en-US" sz="4000" dirty="0"/>
-              <a:t> </a:t>
-            </a:r>
-            <a:r>
-              <a:rPr lang="en-US" altLang="zh-CN" sz="4000" dirty="0"/>
-              <a:t>and</a:t>
-            </a:r>
-            <a:r>
-              <a:rPr lang="zh-CN" altLang="en-US" sz="4000" dirty="0"/>
-              <a:t> </a:t>
-            </a:r>
-            <a:r>
-              <a:rPr lang="en-US" altLang="zh-CN" sz="4000" dirty="0"/>
-              <a:t>benefits</a:t>
-            </a:r>
-            <a:r>
-              <a:rPr lang="zh-CN" altLang="en-US" sz="4000" dirty="0"/>
-              <a:t> </a:t>
-            </a:r>
-            <a:r>
-              <a:rPr lang="en-US" altLang="zh-CN" sz="4000" dirty="0"/>
-              <a:t>of</a:t>
-            </a:r>
-            <a:r>
-              <a:rPr lang="zh-CN" altLang="en-US" sz="4000" dirty="0"/>
-              <a:t> </a:t>
-            </a:r>
-            <a:r>
-              <a:rPr lang="en-US" altLang="zh-CN" sz="4000" dirty="0"/>
-              <a:t>derivatives</a:t>
-            </a:r>
-            <a:endParaRPr lang="en-US" sz="4000" dirty="0"/>
+              <a:t>Practices</a:t>
+            </a:r>
           </a:p>
         </p:txBody>
       </p:sp>
@@ -17244,7 +17216,7 @@
           <p:cNvPr id="3" name="Content Placeholder 2">
             <a:extLst>
               <a:ext uri="{FF2B5EF4-FFF2-40B4-BE49-F238E27FC236}">
-                <a16:creationId xmlns:a16="http://schemas.microsoft.com/office/drawing/2014/main" id="{7A1D6DA6-953B-4B3D-BBAF-2BF3840CE174}"/>
+                <a16:creationId xmlns:a16="http://schemas.microsoft.com/office/drawing/2014/main" id="{E0C5A04C-3E9B-479A-BC64-0A200712E0E4}"/>
               </a:ext>
             </a:extLst>
           </p:cNvPr>
@@ -17262,39 +17234,75 @@
           <a:p>
             <a:r>
               <a:rPr lang="en-US" dirty="0"/>
-              <a:t>Risk allocation , transfer , and management</a:t>
-            </a:r>
-          </a:p>
-          <a:p>
-            <a:r>
-              <a:rPr lang="en-US" dirty="0"/>
-              <a:t>Information discovery</a:t>
-            </a:r>
-          </a:p>
-          <a:p>
-            <a:r>
-              <a:rPr lang="en-US" dirty="0"/>
-              <a:t>Operational advantages</a:t>
-            </a:r>
-          </a:p>
-          <a:p>
-            <a:r>
-              <a:rPr lang="en-US" dirty="0"/>
-              <a:t>Market efficiency</a:t>
-            </a:r>
-          </a:p>
-          <a:p>
-            <a:endParaRPr lang="en-US" dirty="0"/>
-          </a:p>
-          <a:p>
-            <a:endParaRPr lang="en-US" dirty="0"/>
+              <a:t>1.Which of the following is not an advantage of derivative markets?</a:t>
+            </a:r>
+          </a:p>
+          <a:p>
+            <a:pPr lvl="1"/>
+            <a:r>
+              <a:rPr lang="en-US" dirty="0"/>
+              <a:t>A They are less volatile than spot markets.</a:t>
+            </a:r>
+          </a:p>
+          <a:p>
+            <a:pPr lvl="1"/>
+            <a:r>
+              <a:rPr lang="en-US" dirty="0"/>
+              <a:t>B They facilitate the allocation of risk in the market.</a:t>
+            </a:r>
+          </a:p>
+          <a:p>
+            <a:pPr lvl="1"/>
+            <a:r>
+              <a:rPr lang="en-US" dirty="0"/>
+              <a:t>C They incur lower transaction costs than spot markets.</a:t>
+            </a:r>
+          </a:p>
+          <a:p>
+            <a:r>
+              <a:rPr lang="en-US" dirty="0"/>
+              <a:t>2.Which of the following pieces of information is not </a:t>
+            </a:r>
+            <a:r>
+              <a:rPr lang="en-US" dirty="0">
+                <a:solidFill>
+                  <a:srgbClr val="FF0000"/>
+                </a:solidFill>
+              </a:rPr>
+              <a:t>conveyed</a:t>
+            </a:r>
+            <a:r>
+              <a:rPr lang="en-US" dirty="0"/>
+              <a:t> by at least one type of derivative?</a:t>
+            </a:r>
+          </a:p>
+          <a:p>
+            <a:pPr lvl="1"/>
+            <a:r>
+              <a:rPr lang="en-US" dirty="0"/>
+              <a:t>A The volatility of the underlying</a:t>
+            </a:r>
+          </a:p>
+          <a:p>
+            <a:pPr lvl="1"/>
+            <a:r>
+              <a:rPr lang="en-US" dirty="0"/>
+              <a:t>B The most widely used strategy of the underlying</a:t>
+            </a:r>
+          </a:p>
+          <a:p>
+            <a:pPr lvl="1"/>
+            <a:r>
+              <a:rPr lang="en-US" dirty="0"/>
+              <a:t>C The price at which uncertainty in the underlying can be eliminated</a:t>
+            </a:r>
           </a:p>
         </p:txBody>
       </p:sp>
     </p:spTree>
     <p:extLst>
       <p:ext uri="{BB962C8B-B14F-4D97-AF65-F5344CB8AC3E}">
-        <p14:creationId xmlns:p14="http://schemas.microsoft.com/office/powerpoint/2010/main" val="1516918961"/>
+        <p14:creationId xmlns:p14="http://schemas.microsoft.com/office/powerpoint/2010/main" val="679871349"/>
       </p:ext>
     </p:extLst>
   </p:cSld>
@@ -17326,7 +17334,7 @@
           <p:cNvPr id="2" name="Title 1">
             <a:extLst>
               <a:ext uri="{FF2B5EF4-FFF2-40B4-BE49-F238E27FC236}">
-                <a16:creationId xmlns:a16="http://schemas.microsoft.com/office/drawing/2014/main" id="{4615354A-E477-4616-83A2-BD4AC1206110}"/>
+                <a16:creationId xmlns:a16="http://schemas.microsoft.com/office/drawing/2014/main" id="{6A4E77FE-41FA-4F07-9556-77EA5BAC14A6}"/>
               </a:ext>
             </a:extLst>
           </p:cNvPr>
@@ -17346,8 +17354,20 @@
           <a:p>
             <a:r>
               <a:rPr lang="en-US" sz="4000" dirty="0"/>
-              <a:t>Practices</a:t>
-            </a:r>
+              <a:t>Criticisms and misuses of derivatives</a:t>
+            </a:r>
+            <a:br>
+              <a:rPr lang="en-US" sz="4000" dirty="0"/>
+            </a:br>
+            <a:r>
+              <a:rPr lang="en-US" sz="4000" dirty="0"/>
+              <a:t>S</a:t>
+            </a:r>
+            <a:r>
+              <a:rPr lang="en-US" altLang="zh-CN" sz="4000" dirty="0"/>
+              <a:t>peculation and gambling</a:t>
+            </a:r>
+            <a:endParaRPr lang="en-US" sz="4000" dirty="0"/>
           </a:p>
         </p:txBody>
       </p:sp>
@@ -17356,7 +17376,7 @@
           <p:cNvPr id="3" name="Content Placeholder 2">
             <a:extLst>
               <a:ext uri="{FF2B5EF4-FFF2-40B4-BE49-F238E27FC236}">
-                <a16:creationId xmlns:a16="http://schemas.microsoft.com/office/drawing/2014/main" id="{E0C5A04C-3E9B-479A-BC64-0A200712E0E4}"/>
+                <a16:creationId xmlns:a16="http://schemas.microsoft.com/office/drawing/2014/main" id="{362F09A5-A3CB-4782-B9F6-D1BE6C31A73F}"/>
               </a:ext>
             </a:extLst>
           </p:cNvPr>
@@ -17374,34 +17394,7 @@
           <a:p>
             <a:r>
               <a:rPr lang="en-US" dirty="0"/>
-              <a:t>1.Which of the following is not an advantage of derivative markets?</a:t>
-            </a:r>
-          </a:p>
-          <a:p>
-            <a:pPr lvl="1"/>
-            <a:r>
-              <a:rPr lang="en-US" dirty="0"/>
-              <a:t>A They are less volatile than spot markets.</a:t>
-            </a:r>
-          </a:p>
-          <a:p>
-            <a:pPr lvl="1"/>
-            <a:r>
-              <a:rPr lang="en-US" dirty="0"/>
-              <a:t>B They facilitate the allocation of risk in the market.</a:t>
-            </a:r>
-          </a:p>
-          <a:p>
-            <a:pPr lvl="1"/>
-            <a:r>
-              <a:rPr lang="en-US" dirty="0"/>
-              <a:t>C They incur lower transaction costs than spot markets.</a:t>
-            </a:r>
-          </a:p>
-          <a:p>
-            <a:r>
-              <a:rPr lang="en-US" dirty="0"/>
-              <a:t>2.Which of the following pieces of information is not </a:t>
+              <a:t>Speculators are often thought to be </a:t>
             </a:r>
             <a:r>
               <a:rPr lang="en-US" dirty="0">
@@ -17409,40 +17402,58 @@
                   <a:srgbClr val="FF0000"/>
                 </a:solidFill>
               </a:rPr>
-              <a:t>conveyed</a:t>
-            </a:r>
-            <a:r>
-              <a:rPr lang="en-US" dirty="0"/>
-              <a:t> by at least one type of derivative?</a:t>
-            </a:r>
-          </a:p>
-          <a:p>
-            <a:pPr lvl="1"/>
-            <a:r>
-              <a:rPr lang="en-US" dirty="0"/>
-              <a:t>A The volatility of the underlying</a:t>
-            </a:r>
-          </a:p>
-          <a:p>
-            <a:pPr lvl="1"/>
-            <a:r>
-              <a:rPr lang="en-US" dirty="0"/>
-              <a:t>B The most widely used strategy of the underlying</a:t>
-            </a:r>
-          </a:p>
-          <a:p>
-            <a:pPr lvl="1"/>
-            <a:r>
-              <a:rPr lang="en-US" dirty="0"/>
-              <a:t>C The price at which uncertainty in the underlying can be eliminated</a:t>
-            </a:r>
+              <a:t>short- term traders </a:t>
+            </a:r>
+            <a:r>
+              <a:rPr lang="en-US" dirty="0"/>
+              <a:t>who attempt to exploit temporary inefficiencies.</a:t>
+            </a:r>
+          </a:p>
+          <a:p>
+            <a:r>
+              <a:rPr lang="en-US" dirty="0"/>
+              <a:t>Speculators are thought to engage in </a:t>
+            </a:r>
+            <a:r>
+              <a:rPr lang="en-US" dirty="0">
+                <a:solidFill>
+                  <a:srgbClr val="FF0000"/>
+                </a:solidFill>
+              </a:rPr>
+              <a:t>price manipulation </a:t>
+            </a:r>
+            <a:r>
+              <a:rPr lang="en-US" dirty="0"/>
+              <a:t>and to trade at extreme prices.</a:t>
+            </a:r>
+          </a:p>
+          <a:p>
+            <a:r>
+              <a:rPr lang="en-US" dirty="0"/>
+              <a:t>The profits from short- term trading are almost always taxed </a:t>
+            </a:r>
+            <a:r>
+              <a:rPr lang="en-US" dirty="0">
+                <a:solidFill>
+                  <a:srgbClr val="FF0000"/>
+                </a:solidFill>
+              </a:rPr>
+              <a:t>more heavily </a:t>
+            </a:r>
+            <a:r>
+              <a:rPr lang="en-US" dirty="0"/>
+              <a:t>than the profits from long- term trading.</a:t>
+            </a:r>
+          </a:p>
+          <a:p>
+            <a:endParaRPr lang="en-US" dirty="0"/>
           </a:p>
         </p:txBody>
       </p:sp>
     </p:spTree>
     <p:extLst>
       <p:ext uri="{BB962C8B-B14F-4D97-AF65-F5344CB8AC3E}">
-        <p14:creationId xmlns:p14="http://schemas.microsoft.com/office/powerpoint/2010/main" val="679871349"/>
+        <p14:creationId xmlns:p14="http://schemas.microsoft.com/office/powerpoint/2010/main" val="133782581"/>
       </p:ext>
     </p:extLst>
   </p:cSld>
@@ -17474,7 +17485,7 @@
           <p:cNvPr id="2" name="Title 1">
             <a:extLst>
               <a:ext uri="{FF2B5EF4-FFF2-40B4-BE49-F238E27FC236}">
-                <a16:creationId xmlns:a16="http://schemas.microsoft.com/office/drawing/2014/main" id="{6A4E77FE-41FA-4F07-9556-77EA5BAC14A6}"/>
+                <a16:creationId xmlns:a16="http://schemas.microsoft.com/office/drawing/2014/main" id="{E482C202-64F2-44D8-9E40-0887E8F7325A}"/>
               </a:ext>
             </a:extLst>
           </p:cNvPr>
@@ -17501,13 +17512,8 @@
             </a:br>
             <a:r>
               <a:rPr lang="en-US" sz="4000" dirty="0"/>
-              <a:t>S</a:t>
-            </a:r>
-            <a:r>
-              <a:rPr lang="en-US" altLang="zh-CN" sz="4000" dirty="0"/>
-              <a:t>peculation and gambling</a:t>
-            </a:r>
-            <a:endParaRPr lang="en-US" sz="4000" dirty="0"/>
+              <a:t>Destabilization and Systemic Risk</a:t>
+            </a:r>
           </a:p>
         </p:txBody>
       </p:sp>
@@ -17516,7 +17522,7 @@
           <p:cNvPr id="3" name="Content Placeholder 2">
             <a:extLst>
               <a:ext uri="{FF2B5EF4-FFF2-40B4-BE49-F238E27FC236}">
-                <a16:creationId xmlns:a16="http://schemas.microsoft.com/office/drawing/2014/main" id="{362F09A5-A3CB-4782-B9F6-D1BE6C31A73F}"/>
+                <a16:creationId xmlns:a16="http://schemas.microsoft.com/office/drawing/2014/main" id="{00AFAD99-D187-4A05-BD57-E28833651C75}"/>
               </a:ext>
             </a:extLst>
           </p:cNvPr>
@@ -17529,12 +17535,14 @@
         </p:nvSpPr>
         <p:spPr/>
         <p:txBody>
-          <a:bodyPr/>
-          <a:lstStyle/>
-          <a:p>
-            <a:r>
-              <a:rPr lang="en-US" dirty="0"/>
-              <a:t>Speculators are often thought to be </a:t>
+          <a:bodyPr>
+            <a:normAutofit lnSpcReduction="10000"/>
+          </a:bodyPr>
+          <a:lstStyle/>
+          <a:p>
+            <a:r>
+              <a:rPr lang="en-US" dirty="0"/>
+              <a:t>Defaults by speculators can then lead to defaults by their creditors, their creditors’ creditors, and so on. These effects can, therefore, be systemic and reflect an epidemic </a:t>
             </a:r>
             <a:r>
               <a:rPr lang="en-US" dirty="0">
@@ -17542,17 +17550,17 @@
                   <a:srgbClr val="FF0000"/>
                 </a:solidFill>
               </a:rPr>
-              <a:t>short- term traders </a:t>
-            </a:r>
-            <a:r>
-              <a:rPr lang="en-US" dirty="0"/>
-              <a:t>who attempt to exploit temporary inefficiencies.</a:t>
-            </a:r>
-          </a:p>
-          <a:p>
-            <a:r>
-              <a:rPr lang="en-US" dirty="0"/>
-              <a:t>Speculators are thought to engage in </a:t>
+              <a:t>contagion</a:t>
+            </a:r>
+            <a:r>
+              <a:rPr lang="en-US" dirty="0"/>
+              <a:t> whereby instability can spread throughout markets and an economy, if not the entire world.</a:t>
+            </a:r>
+          </a:p>
+          <a:p>
+            <a:r>
+              <a:rPr lang="en-US" dirty="0"/>
+              <a:t>Such effects occurred in the </a:t>
             </a:r>
             <a:r>
               <a:rPr lang="en-US" dirty="0">
@@ -17560,17 +17568,17 @@
                   <a:srgbClr val="FF0000"/>
                 </a:solidFill>
               </a:rPr>
-              <a:t>price manipulation </a:t>
-            </a:r>
-            <a:r>
-              <a:rPr lang="en-US" dirty="0"/>
-              <a:t>and to trade at extreme prices.</a:t>
-            </a:r>
-          </a:p>
-          <a:p>
-            <a:r>
-              <a:rPr lang="en-US" dirty="0"/>
-              <a:t>The profits from short- term trading are almost always taxed </a:t>
+              <a:t>Long- Term Capital Management </a:t>
+            </a:r>
+            <a:r>
+              <a:rPr lang="en-US" dirty="0"/>
+              <a:t>fiasco of 1998 and again in the financial crisis of 2008, in which derivatives, particularly credit default swaps, were widely used by many of the problem entities.</a:t>
+            </a:r>
+          </a:p>
+          <a:p>
+            <a:r>
+              <a:rPr lang="en-US" dirty="0"/>
+              <a:t>Some of these events </a:t>
             </a:r>
             <a:r>
               <a:rPr lang="en-US" dirty="0">
@@ -17578,22 +17586,67 @@
                   <a:srgbClr val="FF0000"/>
                 </a:solidFill>
               </a:rPr>
-              <a:t>more heavily </a:t>
-            </a:r>
-            <a:r>
-              <a:rPr lang="en-US" dirty="0"/>
-              <a:t>than the profits from long- term trading.</a:t>
-            </a:r>
-          </a:p>
-          <a:p>
-            <a:endParaRPr lang="en-US" dirty="0"/>
+              <a:t>preceded</a:t>
+            </a:r>
+            <a:r>
+              <a:rPr lang="en-US" dirty="0"/>
+              <a:t> the era of modern derivatives markets, and others were completely </a:t>
+            </a:r>
+            <a:r>
+              <a:rPr lang="en-US" dirty="0">
+                <a:solidFill>
+                  <a:srgbClr val="FF0000"/>
+                </a:solidFill>
+              </a:rPr>
+              <a:t>unrelated</a:t>
+            </a:r>
+            <a:r>
+              <a:rPr lang="en-US" dirty="0"/>
+              <a:t> to the use of derivatives.</a:t>
+            </a:r>
+          </a:p>
+          <a:p>
+            <a:r>
+              <a:rPr lang="en-US" dirty="0"/>
+              <a:t>Another criticism of derivatives is simply their </a:t>
+            </a:r>
+            <a:r>
+              <a:rPr lang="en-US" dirty="0">
+                <a:solidFill>
+                  <a:srgbClr val="FF0000"/>
+                </a:solidFill>
+              </a:rPr>
+              <a:t>complexity</a:t>
+            </a:r>
+            <a:r>
+              <a:rPr lang="en-US" dirty="0"/>
+              <a:t>.</a:t>
+            </a:r>
+          </a:p>
+          <a:p>
+            <a:r>
+              <a:rPr lang="en-US" dirty="0"/>
+              <a:t>One explanation probably lies in the fact that scientists create models of markets by using scientific principles that </a:t>
+            </a:r>
+            <a:r>
+              <a:rPr lang="en-US" dirty="0">
+                <a:solidFill>
+                  <a:srgbClr val="FF0000"/>
+                </a:solidFill>
+              </a:rPr>
+              <a:t>often fail</a:t>
+            </a:r>
+            <a:r>
+              <a:rPr lang="en-US" dirty="0"/>
+              <a:t>.</a:t>
+            </a:r>
           </a:p>
         </p:txBody>
       </p:sp>
     </p:spTree>
     <p:extLst>
       <p:ext uri="{BB962C8B-B14F-4D97-AF65-F5344CB8AC3E}">
-        <p14:creationId xmlns:p14="http://schemas.microsoft.com/office/powerpoint/2010/main" val="133782581"/>
+        <p14:creationId xmlns:p14="http://schemas.microsoft.com/office/powerpoint/2010/main" val="1948992878"/>
       </p:ext>
     </p:extLst>
   </p:cSld>
@@ -17625,7 +17678,7 @@
           <p:cNvPr id="2" name="Title 1">
             <a:extLst>
               <a:ext uri="{FF2B5EF4-FFF2-40B4-BE49-F238E27FC236}">
-                <a16:creationId xmlns:a16="http://schemas.microsoft.com/office/drawing/2014/main" id="{E482C202-64F2-44D8-9E40-0887E8F7325A}"/>
+                <a16:creationId xmlns:a16="http://schemas.microsoft.com/office/drawing/2014/main" id="{553F70E7-AA33-42A6-BC63-F08FC8453BD7}"/>
               </a:ext>
             </a:extLst>
           </p:cNvPr>
@@ -17645,14 +17698,7 @@
           <a:p>
             <a:r>
               <a:rPr lang="en-US" sz="4000" dirty="0"/>
-              <a:t>Criticisms and misuses of derivatives</a:t>
-            </a:r>
-            <a:br>
-              <a:rPr lang="en-US" sz="4000" dirty="0"/>
-            </a:br>
-            <a:r>
-              <a:rPr lang="en-US" sz="4000" dirty="0"/>
-              <a:t>Destabilization and Systemic Risk</a:t>
+              <a:t>Practices</a:t>
             </a:r>
           </a:p>
         </p:txBody>
@@ -17662,7 +17708,7 @@
           <p:cNvPr id="3" name="Content Placeholder 2">
             <a:extLst>
               <a:ext uri="{FF2B5EF4-FFF2-40B4-BE49-F238E27FC236}">
-                <a16:creationId xmlns:a16="http://schemas.microsoft.com/office/drawing/2014/main" id="{00AFAD99-D187-4A05-BD57-E28833651C75}"/>
+                <a16:creationId xmlns:a16="http://schemas.microsoft.com/office/drawing/2014/main" id="{ADDE3541-C827-46E6-AD4A-E75F304EA34D}"/>
               </a:ext>
             </a:extLst>
           </p:cNvPr>
@@ -17675,110 +17721,33 @@
         </p:nvSpPr>
         <p:spPr/>
         <p:txBody>
-          <a:bodyPr>
-            <a:normAutofit lnSpcReduction="10000"/>
-          </a:bodyPr>
-          <a:lstStyle/>
-          <a:p>
-            <a:r>
-              <a:rPr lang="en-US" dirty="0"/>
-              <a:t>Defaults by speculators can then lead to defaults by their creditors, their creditors’ creditors, and so on. These effects can, therefore, be systemic and reflect an epidemic </a:t>
-            </a:r>
-            <a:r>
-              <a:rPr lang="en-US" dirty="0">
-                <a:solidFill>
-                  <a:srgbClr val="FF0000"/>
-                </a:solidFill>
-              </a:rPr>
-              <a:t>contagion</a:t>
-            </a:r>
-            <a:r>
-              <a:rPr lang="en-US" dirty="0"/>
-              <a:t> whereby instability can spread throughout markets and an economy, if not the entire world.</a:t>
-            </a:r>
-          </a:p>
-          <a:p>
-            <a:r>
-              <a:rPr lang="en-US" dirty="0"/>
-              <a:t>Such effects occurred in the </a:t>
-            </a:r>
-            <a:r>
-              <a:rPr lang="en-US" dirty="0">
-                <a:solidFill>
-                  <a:srgbClr val="FF0000"/>
-                </a:solidFill>
-              </a:rPr>
-              <a:t>Long- Term Capital Management </a:t>
-            </a:r>
-            <a:r>
-              <a:rPr lang="en-US" dirty="0"/>
-              <a:t>fiasco of 1998 and again in the financial crisis of 2008, in which derivatives, particularly credit default swaps, were widely used by many of the problem entities.</a:t>
-            </a:r>
-          </a:p>
-          <a:p>
-            <a:r>
-              <a:rPr lang="en-US" dirty="0"/>
-              <a:t>Some of these events </a:t>
-            </a:r>
-            <a:r>
-              <a:rPr lang="en-US" dirty="0">
-                <a:solidFill>
-                  <a:srgbClr val="FF0000"/>
-                </a:solidFill>
-              </a:rPr>
-              <a:t>preceded</a:t>
-            </a:r>
-            <a:r>
-              <a:rPr lang="en-US" dirty="0"/>
-              <a:t> the era of modern derivatives markets, and others were completely </a:t>
-            </a:r>
-            <a:r>
-              <a:rPr lang="en-US" dirty="0">
-                <a:solidFill>
-                  <a:srgbClr val="FF0000"/>
-                </a:solidFill>
-              </a:rPr>
-              <a:t>unrelated</a:t>
-            </a:r>
-            <a:r>
-              <a:rPr lang="en-US" dirty="0"/>
-              <a:t> to the use of derivatives.</a:t>
-            </a:r>
-          </a:p>
-          <a:p>
-            <a:r>
-              <a:rPr lang="en-US" dirty="0"/>
-              <a:t>Another criticism of derivatives is simply their </a:t>
-            </a:r>
-            <a:r>
-              <a:rPr lang="en-US" dirty="0">
-                <a:solidFill>
-                  <a:srgbClr val="FF0000"/>
-                </a:solidFill>
-              </a:rPr>
-              <a:t>complexity</a:t>
-            </a:r>
-            <a:r>
-              <a:rPr lang="en-US" dirty="0"/>
-              <a:t>.</a:t>
-            </a:r>
-          </a:p>
-          <a:p>
-            <a:r>
-              <a:rPr lang="en-US" dirty="0"/>
-              <a:t>One explanation probably lies in the fact that scientists create models of markets by using scientific principles that </a:t>
-            </a:r>
-            <a:r>
-              <a:rPr lang="en-US" dirty="0">
-                <a:solidFill>
-                  <a:srgbClr val="FF0000"/>
-                </a:solidFill>
-              </a:rPr>
-              <a:t>often fail</a:t>
-            </a:r>
-            <a:r>
-              <a:rPr lang="en-US" dirty="0"/>
-              <a:t>.</a:t>
+          <a:bodyPr/>
+          <a:lstStyle/>
+          <a:p>
+            <a:r>
+              <a:rPr lang="en-US" dirty="0"/>
+              <a:t>1.Which of the following responds to the criticism that derivatives can be destabilizing to the underlying market?</a:t>
+            </a:r>
+          </a:p>
+          <a:p>
+            <a:pPr lvl="1"/>
+            <a:r>
+              <a:rPr lang="en-US" dirty="0"/>
+              <a:t>A Market crashes and panics have occurred since long before derivatives existed.</a:t>
+            </a:r>
+          </a:p>
+          <a:p>
+            <a:pPr lvl="1"/>
+            <a:r>
+              <a:rPr lang="en-US" dirty="0"/>
+              <a:t>B Derivatives are sufficiently regulated that they cannot destabilize the spot market.</a:t>
+            </a:r>
+          </a:p>
+          <a:p>
+            <a:pPr lvl="1"/>
+            <a:r>
+              <a:rPr lang="en-US" dirty="0"/>
+              <a:t>C The transaction costs of derivatives are high enough to keep their use at a minimum level.</a:t>
             </a:r>
           </a:p>
         </p:txBody>
@@ -17786,7 +17755,7 @@
     </p:spTree>
     <p:extLst>
       <p:ext uri="{BB962C8B-B14F-4D97-AF65-F5344CB8AC3E}">
-        <p14:creationId xmlns:p14="http://schemas.microsoft.com/office/powerpoint/2010/main" val="1948992878"/>
+        <p14:creationId xmlns:p14="http://schemas.microsoft.com/office/powerpoint/2010/main" val="425420384"/>
       </p:ext>
     </p:extLst>
   </p:cSld>
@@ -17928,7 +17897,7 @@
           <p:cNvPr id="2" name="Title 1">
             <a:extLst>
               <a:ext uri="{FF2B5EF4-FFF2-40B4-BE49-F238E27FC236}">
-                <a16:creationId xmlns:a16="http://schemas.microsoft.com/office/drawing/2014/main" id="{553F70E7-AA33-42A6-BC63-F08FC8453BD7}"/>
+                <a16:creationId xmlns:a16="http://schemas.microsoft.com/office/drawing/2014/main" id="{400DE6A6-6594-4799-87FA-D2C785015F6A}"/>
               </a:ext>
             </a:extLst>
           </p:cNvPr>
@@ -17948,7 +17917,7 @@
           <a:p>
             <a:r>
               <a:rPr lang="en-US" sz="4000" dirty="0"/>
-              <a:t>Practices</a:t>
+              <a:t>Elementary principles of derivative pricing	</a:t>
             </a:r>
           </a:p>
         </p:txBody>
@@ -17958,7 +17927,7 @@
           <p:cNvPr id="3" name="Content Placeholder 2">
             <a:extLst>
               <a:ext uri="{FF2B5EF4-FFF2-40B4-BE49-F238E27FC236}">
-                <a16:creationId xmlns:a16="http://schemas.microsoft.com/office/drawing/2014/main" id="{ADDE3541-C827-46E6-AD4A-E75F304EA34D}"/>
+                <a16:creationId xmlns:a16="http://schemas.microsoft.com/office/drawing/2014/main" id="{4DE16CFC-EABE-4ACE-BFD3-4C0F750AE28D}"/>
               </a:ext>
             </a:extLst>
           </p:cNvPr>
@@ -17975,37 +17944,64 @@
           <a:lstStyle/>
           <a:p>
             <a:r>
-              <a:rPr lang="en-US" dirty="0"/>
-              <a:t>1.Which of the following responds to the criticism that derivatives can be destabilizing to the underlying market?</a:t>
-            </a:r>
-          </a:p>
-          <a:p>
-            <a:pPr lvl="1"/>
-            <a:r>
-              <a:rPr lang="en-US" dirty="0"/>
-              <a:t>A Market crashes and panics have occurred since long before derivatives existed.</a:t>
-            </a:r>
-          </a:p>
-          <a:p>
-            <a:pPr lvl="1"/>
-            <a:r>
-              <a:rPr lang="en-US" dirty="0"/>
-              <a:t>B Derivatives are sufficiently regulated that they cannot destabilize the spot market.</a:t>
-            </a:r>
-          </a:p>
-          <a:p>
-            <a:pPr lvl="1"/>
-            <a:r>
-              <a:rPr lang="en-US" dirty="0"/>
-              <a:t>C The transaction costs of derivatives are high enough to keep their use at a minimum level.</a:t>
-            </a:r>
+              <a:rPr lang="en-US" sz="3200" dirty="0"/>
+              <a:t>F</a:t>
+            </a:r>
+            <a:r>
+              <a:rPr lang="en-US" sz="3200" baseline="-25000" dirty="0"/>
+              <a:t>T</a:t>
+            </a:r>
+            <a:r>
+              <a:rPr lang="en-US" sz="3200" dirty="0"/>
+              <a:t>=(S</a:t>
+            </a:r>
+            <a:r>
+              <a:rPr lang="en-US" sz="3200" baseline="-25000" dirty="0"/>
+              <a:t>0</a:t>
+            </a:r>
+            <a:r>
+              <a:rPr lang="en-US" sz="3200" dirty="0"/>
+              <a:t>+cost</a:t>
+            </a:r>
+            <a:r>
+              <a:rPr lang="en-US" sz="3200" baseline="-25000" dirty="0"/>
+              <a:t>0</a:t>
+            </a:r>
+            <a:r>
+              <a:rPr lang="en-US" sz="3200" dirty="0"/>
+              <a:t>-benefit</a:t>
+            </a:r>
+            <a:r>
+              <a:rPr lang="en-US" sz="3200" baseline="-25000" dirty="0"/>
+              <a:t>0</a:t>
+            </a:r>
+            <a:r>
+              <a:rPr lang="en-US" sz="3200" dirty="0"/>
+              <a:t>)*(1+rf)</a:t>
+            </a:r>
+            <a:r>
+              <a:rPr lang="en-US" sz="3200" baseline="30000" dirty="0"/>
+              <a:t>T</a:t>
+            </a:r>
+          </a:p>
+          <a:p>
+            <a:pPr marL="0" indent="0">
+              <a:buNone/>
+            </a:pPr>
+            <a:endParaRPr lang="en-US" dirty="0"/>
+          </a:p>
+          <a:p>
+            <a:endParaRPr lang="en-US" dirty="0"/>
+          </a:p>
+          <a:p>
+            <a:endParaRPr lang="en-US" dirty="0"/>
           </a:p>
         </p:txBody>
       </p:sp>
     </p:spTree>
     <p:extLst>
       <p:ext uri="{BB962C8B-B14F-4D97-AF65-F5344CB8AC3E}">
-        <p14:creationId xmlns:p14="http://schemas.microsoft.com/office/powerpoint/2010/main" val="425420384"/>
+        <p14:creationId xmlns:p14="http://schemas.microsoft.com/office/powerpoint/2010/main" val="3291422637"/>
       </p:ext>
     </p:extLst>
   </p:cSld>
@@ -18037,7 +18033,7 @@
           <p:cNvPr id="2" name="Title 1">
             <a:extLst>
               <a:ext uri="{FF2B5EF4-FFF2-40B4-BE49-F238E27FC236}">
-                <a16:creationId xmlns:a16="http://schemas.microsoft.com/office/drawing/2014/main" id="{400DE6A6-6594-4799-87FA-D2C785015F6A}"/>
+                <a16:creationId xmlns:a16="http://schemas.microsoft.com/office/drawing/2014/main" id="{E27110C5-F8BA-45AC-995C-2B423C07E872}"/>
               </a:ext>
             </a:extLst>
           </p:cNvPr>
@@ -18057,7 +18053,7 @@
           <a:p>
             <a:r>
               <a:rPr lang="en-US" sz="4000" dirty="0"/>
-              <a:t>Elementary principles of derivative pricing	</a:t>
+              <a:t>Elementary principles of derivative pricing-Storage</a:t>
             </a:r>
           </a:p>
         </p:txBody>
@@ -18067,7 +18063,7 @@
           <p:cNvPr id="3" name="Content Placeholder 2">
             <a:extLst>
               <a:ext uri="{FF2B5EF4-FFF2-40B4-BE49-F238E27FC236}">
-                <a16:creationId xmlns:a16="http://schemas.microsoft.com/office/drawing/2014/main" id="{4DE16CFC-EABE-4ACE-BFD3-4C0F750AE28D}"/>
+                <a16:creationId xmlns:a16="http://schemas.microsoft.com/office/drawing/2014/main" id="{EDD93B4A-D015-42DB-ADD3-572F3F689EF3}"/>
               </a:ext>
             </a:extLst>
           </p:cNvPr>
@@ -18084,54 +18080,15 @@
           <a:lstStyle/>
           <a:p>
             <a:r>
-              <a:rPr lang="en-US" sz="3200" dirty="0"/>
-              <a:t>F</a:t>
-            </a:r>
-            <a:r>
-              <a:rPr lang="en-US" sz="3200" baseline="-25000" dirty="0"/>
-              <a:t>T</a:t>
-            </a:r>
-            <a:r>
-              <a:rPr lang="en-US" sz="3200" dirty="0"/>
-              <a:t>=(S</a:t>
-            </a:r>
-            <a:r>
-              <a:rPr lang="en-US" sz="3200" baseline="-25000" dirty="0"/>
-              <a:t>0</a:t>
-            </a:r>
-            <a:r>
-              <a:rPr lang="en-US" sz="3200" dirty="0"/>
-              <a:t>+cost</a:t>
-            </a:r>
-            <a:r>
-              <a:rPr lang="en-US" sz="3200" baseline="-25000" dirty="0"/>
-              <a:t>0</a:t>
-            </a:r>
-            <a:r>
-              <a:rPr lang="en-US" sz="3200" dirty="0"/>
-              <a:t>-benefit</a:t>
-            </a:r>
-            <a:r>
-              <a:rPr lang="en-US" sz="3200" baseline="-25000" dirty="0"/>
-              <a:t>0</a:t>
-            </a:r>
-            <a:r>
-              <a:rPr lang="en-US" sz="3200" dirty="0"/>
-              <a:t>)*(1+rf)</a:t>
-            </a:r>
-            <a:r>
-              <a:rPr lang="en-US" sz="3200" baseline="30000" dirty="0"/>
-              <a:t>T</a:t>
-            </a:r>
-          </a:p>
-          <a:p>
-            <a:pPr marL="0" indent="0">
-              <a:buNone/>
-            </a:pPr>
-            <a:endParaRPr lang="en-US" dirty="0"/>
-          </a:p>
-          <a:p>
-            <a:endParaRPr lang="en-US" dirty="0"/>
+              <a:rPr lang="en-US" dirty="0"/>
+              <a:t>Storage incurs costs.(commodity)</a:t>
+            </a:r>
+          </a:p>
+          <a:p>
+            <a:r>
+              <a:rPr lang="en-US" dirty="0"/>
+              <a:t>Some assets pay returns during storage.(financial asset)</a:t>
+            </a:r>
           </a:p>
           <a:p>
             <a:endParaRPr lang="en-US" dirty="0"/>
@@ -18141,7 +18098,7 @@
     </p:spTree>
     <p:extLst>
       <p:ext uri="{BB962C8B-B14F-4D97-AF65-F5344CB8AC3E}">
-        <p14:creationId xmlns:p14="http://schemas.microsoft.com/office/powerpoint/2010/main" val="3291422637"/>
+        <p14:creationId xmlns:p14="http://schemas.microsoft.com/office/powerpoint/2010/main" val="3268475084"/>
       </p:ext>
     </p:extLst>
   </p:cSld>
@@ -18173,7 +18130,7 @@
           <p:cNvPr id="2" name="Title 1">
             <a:extLst>
               <a:ext uri="{FF2B5EF4-FFF2-40B4-BE49-F238E27FC236}">
-                <a16:creationId xmlns:a16="http://schemas.microsoft.com/office/drawing/2014/main" id="{E27110C5-F8BA-45AC-995C-2B423C07E872}"/>
+                <a16:creationId xmlns:a16="http://schemas.microsoft.com/office/drawing/2014/main" id="{6C9DE97C-F9BE-4030-983F-36EB31059087}"/>
               </a:ext>
             </a:extLst>
           </p:cNvPr>
@@ -18193,7 +18150,7 @@
           <a:p>
             <a:r>
               <a:rPr lang="en-US" sz="4000" dirty="0"/>
-              <a:t>Elementary principles of derivative pricing-Storage</a:t>
+              <a:t>Elementary principles of derivative pricing-Arbitrage</a:t>
             </a:r>
           </a:p>
         </p:txBody>
@@ -18203,7 +18160,7 @@
           <p:cNvPr id="3" name="Content Placeholder 2">
             <a:extLst>
               <a:ext uri="{FF2B5EF4-FFF2-40B4-BE49-F238E27FC236}">
-                <a16:creationId xmlns:a16="http://schemas.microsoft.com/office/drawing/2014/main" id="{EDD93B4A-D015-42DB-ADD3-572F3F689EF3}"/>
+                <a16:creationId xmlns:a16="http://schemas.microsoft.com/office/drawing/2014/main" id="{40CEE757-6D71-4744-82DB-2F1B2E2E54BE}"/>
               </a:ext>
             </a:extLst>
           </p:cNvPr>
@@ -18221,24 +18178,105 @@
           <a:p>
             <a:r>
               <a:rPr lang="en-US" dirty="0"/>
-              <a:t>Storage incurs costs.(commodity)</a:t>
-            </a:r>
-          </a:p>
-          <a:p>
-            <a:r>
-              <a:rPr lang="en-US" dirty="0"/>
-              <a:t>Some assets pay returns during storage.(financial asset)</a:t>
-            </a:r>
-          </a:p>
-          <a:p>
-            <a:endParaRPr lang="en-US" dirty="0"/>
+              <a:t>In well- functioning markets with low transaction costs and a free flow of information, the </a:t>
+            </a:r>
+            <a:r>
+              <a:rPr lang="en-US" dirty="0">
+                <a:solidFill>
+                  <a:srgbClr val="FF0000"/>
+                </a:solidFill>
+              </a:rPr>
+              <a:t>same asset cannot sell for more than one price</a:t>
+            </a:r>
+            <a:r>
+              <a:rPr lang="en-US" dirty="0"/>
+              <a:t>.</a:t>
+            </a:r>
+          </a:p>
+          <a:p>
+            <a:r>
+              <a:rPr lang="en-US" dirty="0"/>
+              <a:t>For this reason, arbitrage is often referred to as the </a:t>
+            </a:r>
+            <a:r>
+              <a:rPr lang="en-US" dirty="0">
+                <a:solidFill>
+                  <a:srgbClr val="FF0000"/>
+                </a:solidFill>
+              </a:rPr>
+              <a:t>law of one price</a:t>
+            </a:r>
+            <a:r>
+              <a:rPr lang="en-US" dirty="0"/>
+              <a:t>.</a:t>
+            </a:r>
+          </a:p>
+          <a:p>
+            <a:r>
+              <a:rPr lang="en-US" dirty="0"/>
+              <a:t>This trade would </a:t>
+            </a:r>
+            <a:r>
+              <a:rPr lang="en-US" dirty="0">
+                <a:solidFill>
+                  <a:srgbClr val="FF0000"/>
+                </a:solidFill>
+              </a:rPr>
+              <a:t>get profit at no risk </a:t>
+            </a:r>
+            <a:r>
+              <a:rPr lang="en-US" dirty="0"/>
+              <a:t>and </a:t>
+            </a:r>
+            <a:r>
+              <a:rPr lang="en-US" dirty="0">
+                <a:solidFill>
+                  <a:srgbClr val="FF0000"/>
+                </a:solidFill>
+              </a:rPr>
+              <a:t>not require the commitment of any of the investor’s capital</a:t>
+            </a:r>
+            <a:r>
+              <a:rPr lang="en-US" dirty="0"/>
+              <a:t>.</a:t>
+            </a:r>
+          </a:p>
+          <a:p>
+            <a:r>
+              <a:rPr lang="en-US" dirty="0"/>
+              <a:t>To summarize, the forces of arbitrage in financial markets assure us that the </a:t>
+            </a:r>
+            <a:r>
+              <a:rPr lang="en-US" dirty="0">
+                <a:solidFill>
+                  <a:srgbClr val="FF0000"/>
+                </a:solidFill>
+              </a:rPr>
+              <a:t>same asset cannot sell for different prices</a:t>
+            </a:r>
+            <a:r>
+              <a:rPr lang="en-US" dirty="0"/>
+              <a:t>, nor can </a:t>
+            </a:r>
+            <a:r>
+              <a:rPr lang="en-US" dirty="0">
+                <a:solidFill>
+                  <a:srgbClr val="FF0000"/>
+                </a:solidFill>
+              </a:rPr>
+              <a:t>two equivalent combinations of assets that produce the same results sell for different prices</a:t>
+            </a:r>
+            <a:r>
+              <a:rPr lang="en-US" dirty="0"/>
+              <a:t>.</a:t>
+            </a:r>
           </a:p>
         </p:txBody>
       </p:sp>
     </p:spTree>
     <p:extLst>
       <p:ext uri="{BB962C8B-B14F-4D97-AF65-F5344CB8AC3E}">
-        <p14:creationId xmlns:p14="http://schemas.microsoft.com/office/powerpoint/2010/main" val="3268475084"/>
+        <p14:creationId xmlns:p14="http://schemas.microsoft.com/office/powerpoint/2010/main" val="4154657851"/>
       </p:ext>
     </p:extLst>
   </p:cSld>
@@ -18270,7 +18308,7 @@
           <p:cNvPr id="2" name="Title 1">
             <a:extLst>
               <a:ext uri="{FF2B5EF4-FFF2-40B4-BE49-F238E27FC236}">
-                <a16:creationId xmlns:a16="http://schemas.microsoft.com/office/drawing/2014/main" id="{6C9DE97C-F9BE-4030-983F-36EB31059087}"/>
+                <a16:creationId xmlns:a16="http://schemas.microsoft.com/office/drawing/2014/main" id="{4EE68B82-6AB7-4B2C-9CE0-91C5F1189BC5}"/>
               </a:ext>
             </a:extLst>
           </p:cNvPr>
@@ -18300,7 +18338,7 @@
           <p:cNvPr id="3" name="Content Placeholder 2">
             <a:extLst>
               <a:ext uri="{FF2B5EF4-FFF2-40B4-BE49-F238E27FC236}">
-                <a16:creationId xmlns:a16="http://schemas.microsoft.com/office/drawing/2014/main" id="{40CEE757-6D71-4744-82DB-2F1B2E2E54BE}"/>
+                <a16:creationId xmlns:a16="http://schemas.microsoft.com/office/drawing/2014/main" id="{1980A05C-5D81-4FA2-869F-6046DD73C512}"/>
               </a:ext>
             </a:extLst>
           </p:cNvPr>
@@ -18318,97 +18356,7 @@
           <a:p>
             <a:r>
               <a:rPr lang="en-US" dirty="0"/>
-              <a:t>In well- functioning markets with low transaction costs and a free flow of information, the </a:t>
-            </a:r>
-            <a:r>
-              <a:rPr lang="en-US" dirty="0">
-                <a:solidFill>
-                  <a:srgbClr val="FF0000"/>
-                </a:solidFill>
-              </a:rPr>
-              <a:t>same asset cannot sell for more than one price</a:t>
-            </a:r>
-            <a:r>
-              <a:rPr lang="en-US" dirty="0"/>
-              <a:t>.</a:t>
-            </a:r>
-          </a:p>
-          <a:p>
-            <a:r>
-              <a:rPr lang="en-US" dirty="0"/>
-              <a:t>For this reason, arbitrage is often referred to as the </a:t>
-            </a:r>
-            <a:r>
-              <a:rPr lang="en-US" dirty="0">
-                <a:solidFill>
-                  <a:srgbClr val="FF0000"/>
-                </a:solidFill>
-              </a:rPr>
-              <a:t>law of one price</a:t>
-            </a:r>
-            <a:r>
-              <a:rPr lang="en-US" dirty="0"/>
-              <a:t>.</a:t>
-            </a:r>
-          </a:p>
-          <a:p>
-            <a:r>
-              <a:rPr lang="en-US" dirty="0"/>
-              <a:t>This trade would </a:t>
-            </a:r>
-            <a:r>
-              <a:rPr lang="en-US" dirty="0">
-                <a:solidFill>
-                  <a:srgbClr val="FF0000"/>
-                </a:solidFill>
-              </a:rPr>
-              <a:t>get profit at no risk </a:t>
-            </a:r>
-            <a:r>
-              <a:rPr lang="en-US" dirty="0"/>
-              <a:t>and </a:t>
-            </a:r>
-            <a:r>
-              <a:rPr lang="en-US" dirty="0">
-                <a:solidFill>
-                  <a:srgbClr val="FF0000"/>
-                </a:solidFill>
-              </a:rPr>
-              <a:t>not require the commitment of any of the investor’s capital</a:t>
-            </a:r>
-            <a:r>
-              <a:rPr lang="en-US" dirty="0"/>
-              <a:t>.</a:t>
-            </a:r>
-          </a:p>
-          <a:p>
-            <a:r>
-              <a:rPr lang="en-US" dirty="0"/>
-              <a:t>To summarize, the forces of arbitrage in financial markets assure us that the </a:t>
-            </a:r>
-            <a:r>
-              <a:rPr lang="en-US" dirty="0">
-                <a:solidFill>
-                  <a:srgbClr val="FF0000"/>
-                </a:solidFill>
-              </a:rPr>
-              <a:t>same asset cannot sell for different prices</a:t>
-            </a:r>
-            <a:r>
-              <a:rPr lang="en-US" dirty="0"/>
-              <a:t>, nor can </a:t>
-            </a:r>
-            <a:r>
-              <a:rPr lang="en-US" dirty="0">
-                <a:solidFill>
-                  <a:srgbClr val="FF0000"/>
-                </a:solidFill>
-              </a:rPr>
-              <a:t>two equivalent combinations of assets that produce the same results sell for different prices</a:t>
-            </a:r>
-            <a:r>
-              <a:rPr lang="en-US" dirty="0"/>
-              <a:t>.</a:t>
+              <a:t>Tencent  A:600  B:610</a:t>
             </a:r>
           </a:p>
         </p:txBody>
@@ -18416,7 +18364,7 @@
     </p:spTree>
     <p:extLst>
       <p:ext uri="{BB962C8B-B14F-4D97-AF65-F5344CB8AC3E}">
-        <p14:creationId xmlns:p14="http://schemas.microsoft.com/office/powerpoint/2010/main" val="4154657851"/>
+        <p14:creationId xmlns:p14="http://schemas.microsoft.com/office/powerpoint/2010/main" val="2625465975"/>
       </p:ext>
     </p:extLst>
   </p:cSld>
@@ -18448,7 +18396,7 @@
           <p:cNvPr id="2" name="Title 1">
             <a:extLst>
               <a:ext uri="{FF2B5EF4-FFF2-40B4-BE49-F238E27FC236}">
-                <a16:creationId xmlns:a16="http://schemas.microsoft.com/office/drawing/2014/main" id="{4EE68B82-6AB7-4B2C-9CE0-91C5F1189BC5}"/>
+                <a16:creationId xmlns:a16="http://schemas.microsoft.com/office/drawing/2014/main" id="{737185EF-23C0-4996-B8AD-822F238FC53F}"/>
               </a:ext>
             </a:extLst>
           </p:cNvPr>
@@ -18478,7 +18426,7 @@
           <p:cNvPr id="3" name="Content Placeholder 2">
             <a:extLst>
               <a:ext uri="{FF2B5EF4-FFF2-40B4-BE49-F238E27FC236}">
-                <a16:creationId xmlns:a16="http://schemas.microsoft.com/office/drawing/2014/main" id="{1980A05C-5D81-4FA2-869F-6046DD73C512}"/>
+                <a16:creationId xmlns:a16="http://schemas.microsoft.com/office/drawing/2014/main" id="{E052CFE4-4415-4BD8-9BF3-7801A1F1C482}"/>
               </a:ext>
             </a:extLst>
           </p:cNvPr>
@@ -18496,7 +18444,23 @@
           <a:p>
             <a:r>
               <a:rPr lang="en-US" dirty="0"/>
-              <a:t>Tencent  A:600  B:610</a:t>
+              <a:t>Tencent S</a:t>
+            </a:r>
+            <a:r>
+              <a:rPr lang="en-US" baseline="-25000" dirty="0"/>
+              <a:t>0</a:t>
+            </a:r>
+            <a:r>
+              <a:rPr lang="en-US" dirty="0"/>
+              <a:t>=500, F</a:t>
+            </a:r>
+            <a:r>
+              <a:rPr lang="en-US" baseline="-25000" dirty="0"/>
+              <a:t>1</a:t>
+            </a:r>
+            <a:r>
+              <a:rPr lang="en-US" dirty="0"/>
+              <a:t>=530 , RF=4%</a:t>
             </a:r>
           </a:p>
         </p:txBody>
@@ -18504,7 +18468,7 @@
     </p:spTree>
     <p:extLst>
       <p:ext uri="{BB962C8B-B14F-4D97-AF65-F5344CB8AC3E}">
-        <p14:creationId xmlns:p14="http://schemas.microsoft.com/office/powerpoint/2010/main" val="2625465975"/>
+        <p14:creationId xmlns:p14="http://schemas.microsoft.com/office/powerpoint/2010/main" val="2233100900"/>
       </p:ext>
     </p:extLst>
   </p:cSld>
@@ -18536,110 +18500,6 @@
           <p:cNvPr id="2" name="Title 1">
             <a:extLst>
               <a:ext uri="{FF2B5EF4-FFF2-40B4-BE49-F238E27FC236}">
-                <a16:creationId xmlns:a16="http://schemas.microsoft.com/office/drawing/2014/main" id="{737185EF-23C0-4996-B8AD-822F238FC53F}"/>
-              </a:ext>
-            </a:extLst>
-          </p:cNvPr>
-          <p:cNvSpPr>
-            <a:spLocks noGrp="1"/>
-          </p:cNvSpPr>
-          <p:nvPr>
-            <p:ph type="title"/>
-          </p:nvPr>
-        </p:nvSpPr>
-        <p:spPr/>
-        <p:txBody>
-          <a:bodyPr>
-            <a:normAutofit/>
-          </a:bodyPr>
-          <a:lstStyle/>
-          <a:p>
-            <a:r>
-              <a:rPr lang="en-US" sz="4000" dirty="0"/>
-              <a:t>Elementary principles of derivative pricing-Arbitrage</a:t>
-            </a:r>
-          </a:p>
-        </p:txBody>
-      </p:sp>
-      <p:sp>
-        <p:nvSpPr>
-          <p:cNvPr id="3" name="Content Placeholder 2">
-            <a:extLst>
-              <a:ext uri="{FF2B5EF4-FFF2-40B4-BE49-F238E27FC236}">
-                <a16:creationId xmlns:a16="http://schemas.microsoft.com/office/drawing/2014/main" id="{E052CFE4-4415-4BD8-9BF3-7801A1F1C482}"/>
-              </a:ext>
-            </a:extLst>
-          </p:cNvPr>
-          <p:cNvSpPr>
-            <a:spLocks noGrp="1"/>
-          </p:cNvSpPr>
-          <p:nvPr>
-            <p:ph idx="1"/>
-          </p:nvPr>
-        </p:nvSpPr>
-        <p:spPr/>
-        <p:txBody>
-          <a:bodyPr/>
-          <a:lstStyle/>
-          <a:p>
-            <a:r>
-              <a:rPr lang="en-US" dirty="0"/>
-              <a:t>Tencent S</a:t>
-            </a:r>
-            <a:r>
-              <a:rPr lang="en-US" baseline="-25000" dirty="0"/>
-              <a:t>0</a:t>
-            </a:r>
-            <a:r>
-              <a:rPr lang="en-US" dirty="0"/>
-              <a:t>=500, F</a:t>
-            </a:r>
-            <a:r>
-              <a:rPr lang="en-US" baseline="-25000" dirty="0"/>
-              <a:t>1</a:t>
-            </a:r>
-            <a:r>
-              <a:rPr lang="en-US" dirty="0"/>
-              <a:t>=530 , RF=4%</a:t>
-            </a:r>
-          </a:p>
-        </p:txBody>
-      </p:sp>
-    </p:spTree>
-    <p:extLst>
-      <p:ext uri="{BB962C8B-B14F-4D97-AF65-F5344CB8AC3E}">
-        <p14:creationId xmlns:p14="http://schemas.microsoft.com/office/powerpoint/2010/main" val="2233100900"/>
-      </p:ext>
-    </p:extLst>
-  </p:cSld>
-  <p:clrMapOvr>
-    <a:masterClrMapping/>
-  </p:clrMapOvr>
-</p:sld>
-</file>
-
-<file path=ppt/slides/slide76.xml><?xml version="1.0" encoding="utf-8"?>
-<p:sld xmlns:a="http://schemas.openxmlformats.org/drawingml/2006/main" xmlns:r="http://schemas.openxmlformats.org/officeDocument/2006/relationships" xmlns:p="http://schemas.openxmlformats.org/presentationml/2006/main">
-  <p:cSld>
-    <p:spTree>
-      <p:nvGrpSpPr>
-        <p:cNvPr id="1" name=""/>
-        <p:cNvGrpSpPr/>
-        <p:nvPr/>
-      </p:nvGrpSpPr>
-      <p:grpSpPr>
-        <a:xfrm>
-          <a:off x="0" y="0"/>
-          <a:ext cx="0" cy="0"/>
-          <a:chOff x="0" y="0"/>
-          <a:chExt cx="0" cy="0"/>
-        </a:xfrm>
-      </p:grpSpPr>
-      <p:sp>
-        <p:nvSpPr>
-          <p:cNvPr id="2" name="Title 1">
-            <a:extLst>
-              <a:ext uri="{FF2B5EF4-FFF2-40B4-BE49-F238E27FC236}">
                 <a16:creationId xmlns:a16="http://schemas.microsoft.com/office/drawing/2014/main" id="{EAAA22BD-DB45-4D1F-9302-275D4DA4CDD4}"/>
               </a:ext>
             </a:extLst>
@@ -18725,7 +18585,7 @@
 </p:sld>
 </file>
 
-<file path=ppt/slides/slide77.xml><?xml version="1.0" encoding="utf-8"?>
+<file path=ppt/slides/slide76.xml><?xml version="1.0" encoding="utf-8"?>
 <p:sld xmlns:a="http://schemas.openxmlformats.org/drawingml/2006/main" xmlns:r="http://schemas.openxmlformats.org/officeDocument/2006/relationships" xmlns:p="http://schemas.openxmlformats.org/presentationml/2006/main">
   <p:cSld>
     <p:spTree>
@@ -18814,7 +18674,7 @@
 </p:sld>
 </file>
 
-<file path=ppt/slides/slide78.xml><?xml version="1.0" encoding="utf-8"?>
+<file path=ppt/slides/slide77.xml><?xml version="1.0" encoding="utf-8"?>
 <p:sld xmlns:a="http://schemas.openxmlformats.org/drawingml/2006/main" xmlns:r="http://schemas.openxmlformats.org/officeDocument/2006/relationships" xmlns:p="http://schemas.openxmlformats.org/presentationml/2006/main">
   <p:cSld>
     <p:spTree>
@@ -18950,7 +18810,7 @@
 </p:sld>
 </file>
 
-<file path=ppt/slides/slide79.xml><?xml version="1.0" encoding="utf-8"?>
+<file path=ppt/slides/slide78.xml><?xml version="1.0" encoding="utf-8"?>
 <p:sld xmlns:a="http://schemas.openxmlformats.org/drawingml/2006/main" xmlns:r="http://schemas.openxmlformats.org/officeDocument/2006/relationships" xmlns:p="http://schemas.openxmlformats.org/presentationml/2006/main">
   <p:cSld>
     <p:spTree>

--- a/Reading 46.pptx
+++ b/Reading 46.pptx
@@ -24,65 +24,68 @@
     <p:sldId id="336" r:id="rId18"/>
     <p:sldId id="338" r:id="rId19"/>
     <p:sldId id="339" r:id="rId20"/>
-    <p:sldId id="316" r:id="rId21"/>
-    <p:sldId id="271" r:id="rId22"/>
-    <p:sldId id="265" r:id="rId23"/>
-    <p:sldId id="273" r:id="rId24"/>
-    <p:sldId id="272" r:id="rId25"/>
-    <p:sldId id="267" r:id="rId26"/>
-    <p:sldId id="268" r:id="rId27"/>
-    <p:sldId id="317" r:id="rId28"/>
-    <p:sldId id="269" r:id="rId29"/>
-    <p:sldId id="274" r:id="rId30"/>
-    <p:sldId id="275" r:id="rId31"/>
-    <p:sldId id="276" r:id="rId32"/>
-    <p:sldId id="277" r:id="rId33"/>
-    <p:sldId id="318" r:id="rId34"/>
-    <p:sldId id="278" r:id="rId35"/>
-    <p:sldId id="279" r:id="rId36"/>
-    <p:sldId id="280" r:id="rId37"/>
-    <p:sldId id="281" r:id="rId38"/>
-    <p:sldId id="282" r:id="rId39"/>
-    <p:sldId id="283" r:id="rId40"/>
-    <p:sldId id="284" r:id="rId41"/>
-    <p:sldId id="285" r:id="rId42"/>
-    <p:sldId id="286" r:id="rId43"/>
-    <p:sldId id="287" r:id="rId44"/>
-    <p:sldId id="288" r:id="rId45"/>
-    <p:sldId id="319" r:id="rId46"/>
-    <p:sldId id="320" r:id="rId47"/>
-    <p:sldId id="289" r:id="rId48"/>
-    <p:sldId id="290" r:id="rId49"/>
-    <p:sldId id="291" r:id="rId50"/>
-    <p:sldId id="292" r:id="rId51"/>
-    <p:sldId id="293" r:id="rId52"/>
-    <p:sldId id="294" r:id="rId53"/>
-    <p:sldId id="321" r:id="rId54"/>
-    <p:sldId id="295" r:id="rId55"/>
-    <p:sldId id="296" r:id="rId56"/>
-    <p:sldId id="297" r:id="rId57"/>
-    <p:sldId id="302" r:id="rId58"/>
-    <p:sldId id="303" r:id="rId59"/>
-    <p:sldId id="298" r:id="rId60"/>
-    <p:sldId id="299" r:id="rId61"/>
-    <p:sldId id="322" r:id="rId62"/>
-    <p:sldId id="323" r:id="rId63"/>
-    <p:sldId id="324" r:id="rId64"/>
-    <p:sldId id="301" r:id="rId65"/>
-    <p:sldId id="300" r:id="rId66"/>
-    <p:sldId id="306" r:id="rId67"/>
-    <p:sldId id="304" r:id="rId68"/>
-    <p:sldId id="305" r:id="rId69"/>
-    <p:sldId id="307" r:id="rId70"/>
-    <p:sldId id="308" r:id="rId71"/>
-    <p:sldId id="309" r:id="rId72"/>
-    <p:sldId id="310" r:id="rId73"/>
-    <p:sldId id="325" r:id="rId74"/>
-    <p:sldId id="326" r:id="rId75"/>
-    <p:sldId id="327" r:id="rId76"/>
-    <p:sldId id="311" r:id="rId77"/>
-    <p:sldId id="312" r:id="rId78"/>
-    <p:sldId id="313" r:id="rId79"/>
+    <p:sldId id="340" r:id="rId21"/>
+    <p:sldId id="341" r:id="rId22"/>
+    <p:sldId id="342" r:id="rId23"/>
+    <p:sldId id="316" r:id="rId24"/>
+    <p:sldId id="271" r:id="rId25"/>
+    <p:sldId id="265" r:id="rId26"/>
+    <p:sldId id="273" r:id="rId27"/>
+    <p:sldId id="272" r:id="rId28"/>
+    <p:sldId id="267" r:id="rId29"/>
+    <p:sldId id="268" r:id="rId30"/>
+    <p:sldId id="317" r:id="rId31"/>
+    <p:sldId id="269" r:id="rId32"/>
+    <p:sldId id="274" r:id="rId33"/>
+    <p:sldId id="275" r:id="rId34"/>
+    <p:sldId id="276" r:id="rId35"/>
+    <p:sldId id="277" r:id="rId36"/>
+    <p:sldId id="318" r:id="rId37"/>
+    <p:sldId id="278" r:id="rId38"/>
+    <p:sldId id="279" r:id="rId39"/>
+    <p:sldId id="280" r:id="rId40"/>
+    <p:sldId id="281" r:id="rId41"/>
+    <p:sldId id="282" r:id="rId42"/>
+    <p:sldId id="283" r:id="rId43"/>
+    <p:sldId id="284" r:id="rId44"/>
+    <p:sldId id="285" r:id="rId45"/>
+    <p:sldId id="286" r:id="rId46"/>
+    <p:sldId id="287" r:id="rId47"/>
+    <p:sldId id="288" r:id="rId48"/>
+    <p:sldId id="319" r:id="rId49"/>
+    <p:sldId id="320" r:id="rId50"/>
+    <p:sldId id="289" r:id="rId51"/>
+    <p:sldId id="290" r:id="rId52"/>
+    <p:sldId id="291" r:id="rId53"/>
+    <p:sldId id="292" r:id="rId54"/>
+    <p:sldId id="293" r:id="rId55"/>
+    <p:sldId id="294" r:id="rId56"/>
+    <p:sldId id="321" r:id="rId57"/>
+    <p:sldId id="295" r:id="rId58"/>
+    <p:sldId id="296" r:id="rId59"/>
+    <p:sldId id="297" r:id="rId60"/>
+    <p:sldId id="302" r:id="rId61"/>
+    <p:sldId id="303" r:id="rId62"/>
+    <p:sldId id="298" r:id="rId63"/>
+    <p:sldId id="299" r:id="rId64"/>
+    <p:sldId id="322" r:id="rId65"/>
+    <p:sldId id="323" r:id="rId66"/>
+    <p:sldId id="324" r:id="rId67"/>
+    <p:sldId id="301" r:id="rId68"/>
+    <p:sldId id="300" r:id="rId69"/>
+    <p:sldId id="306" r:id="rId70"/>
+    <p:sldId id="304" r:id="rId71"/>
+    <p:sldId id="305" r:id="rId72"/>
+    <p:sldId id="307" r:id="rId73"/>
+    <p:sldId id="308" r:id="rId74"/>
+    <p:sldId id="309" r:id="rId75"/>
+    <p:sldId id="310" r:id="rId76"/>
+    <p:sldId id="325" r:id="rId77"/>
+    <p:sldId id="326" r:id="rId78"/>
+    <p:sldId id="327" r:id="rId79"/>
+    <p:sldId id="311" r:id="rId80"/>
+    <p:sldId id="312" r:id="rId81"/>
+    <p:sldId id="313" r:id="rId82"/>
   </p:sldIdLst>
   <p:sldSz cx="12192000" cy="6858000"/>
   <p:notesSz cx="6858000" cy="9144000"/>
@@ -221,6 +224,13 @@
             <p14:sldId id="336"/>
             <p14:sldId id="338"/>
             <p14:sldId id="339"/>
+          </p14:sldIdLst>
+        </p14:section>
+        <p14:section name="FRA" id="{60DB516B-0702-40BB-BECA-0C89FD776AEA}">
+          <p14:sldIdLst>
+            <p14:sldId id="340"/>
+            <p14:sldId id="341"/>
+            <p14:sldId id="342"/>
           </p14:sldIdLst>
         </p14:section>
         <p14:section name="Futures" id="{9C038C63-4C16-4EA1-8C07-C65F6FC04218}">
@@ -1050,7 +1060,7 @@
             <a:fld id="{B61BEF0D-F0BB-DE4B-95CE-6DB70DBA9567}" type="datetimeFigureOut">
               <a:rPr lang="en-US" smtClean="0"/>
               <a:pPr/>
-              <a:t>2/7/2022</a:t>
+              <a:t>2/14/2022</a:t>
             </a:fld>
             <a:endParaRPr lang="en-US" dirty="0"/>
           </a:p>
@@ -1303,7 +1313,7 @@
             <a:fld id="{B61BEF0D-F0BB-DE4B-95CE-6DB70DBA9567}" type="datetimeFigureOut">
               <a:rPr lang="en-US" smtClean="0"/>
               <a:pPr/>
-              <a:t>2/7/2022</a:t>
+              <a:t>2/14/2022</a:t>
             </a:fld>
             <a:endParaRPr lang="en-US" dirty="0"/>
           </a:p>
@@ -1619,7 +1629,7 @@
             <a:fld id="{B61BEF0D-F0BB-DE4B-95CE-6DB70DBA9567}" type="datetimeFigureOut">
               <a:rPr lang="en-US" smtClean="0"/>
               <a:pPr/>
-              <a:t>2/7/2022</a:t>
+              <a:t>2/14/2022</a:t>
             </a:fld>
             <a:endParaRPr lang="en-US" dirty="0"/>
           </a:p>
@@ -1962,7 +1972,7 @@
             <a:fld id="{B61BEF0D-F0BB-DE4B-95CE-6DB70DBA9567}" type="datetimeFigureOut">
               <a:rPr lang="en-US" smtClean="0"/>
               <a:pPr/>
-              <a:t>2/7/2022</a:t>
+              <a:t>2/14/2022</a:t>
             </a:fld>
             <a:endParaRPr lang="en-US" dirty="0"/>
           </a:p>
@@ -2278,7 +2288,7 @@
             <a:fld id="{B61BEF0D-F0BB-DE4B-95CE-6DB70DBA9567}" type="datetimeFigureOut">
               <a:rPr lang="en-US" smtClean="0"/>
               <a:pPr/>
-              <a:t>2/7/2022</a:t>
+              <a:t>2/14/2022</a:t>
             </a:fld>
             <a:endParaRPr lang="en-US" dirty="0"/>
           </a:p>
@@ -2673,7 +2683,7 @@
             <a:fld id="{B61BEF0D-F0BB-DE4B-95CE-6DB70DBA9567}" type="datetimeFigureOut">
               <a:rPr lang="en-US" smtClean="0"/>
               <a:pPr/>
-              <a:t>2/7/2022</a:t>
+              <a:t>2/14/2022</a:t>
             </a:fld>
             <a:endParaRPr lang="en-US" dirty="0"/>
           </a:p>
@@ -2844,7 +2854,7 @@
           <a:p>
             <a:fld id="{55C6B4A9-1611-4792-9094-5F34BCA07E0B}" type="datetimeFigureOut">
               <a:rPr lang="en-US" smtClean="0"/>
-              <a:t>2/7/2022</a:t>
+              <a:t>2/14/2022</a:t>
             </a:fld>
             <a:endParaRPr lang="en-US" dirty="0"/>
           </a:p>
@@ -3025,7 +3035,7 @@
             <a:fld id="{B61BEF0D-F0BB-DE4B-95CE-6DB70DBA9567}" type="datetimeFigureOut">
               <a:rPr lang="en-US" smtClean="0"/>
               <a:pPr/>
-              <a:t>2/7/2022</a:t>
+              <a:t>2/14/2022</a:t>
             </a:fld>
             <a:endParaRPr lang="en-US" dirty="0"/>
           </a:p>
@@ -3202,7 +3212,7 @@
           <a:p>
             <a:fld id="{42A54C80-263E-416B-A8E0-580EDEADCBDC}" type="datetimeFigureOut">
               <a:rPr lang="en-US" smtClean="0"/>
-              <a:t>2/7/2022</a:t>
+              <a:t>2/14/2022</a:t>
             </a:fld>
             <a:endParaRPr lang="en-US" dirty="0"/>
           </a:p>
@@ -3450,7 +3460,7 @@
             <a:fld id="{B61BEF0D-F0BB-DE4B-95CE-6DB70DBA9567}" type="datetimeFigureOut">
               <a:rPr lang="en-US" smtClean="0"/>
               <a:pPr/>
-              <a:t>2/7/2022</a:t>
+              <a:t>2/14/2022</a:t>
             </a:fld>
             <a:endParaRPr lang="en-US" dirty="0"/>
           </a:p>
@@ -3683,7 +3693,7 @@
           <a:p>
             <a:fld id="{42A54C80-263E-416B-A8E0-580EDEADCBDC}" type="datetimeFigureOut">
               <a:rPr lang="en-US" smtClean="0"/>
-              <a:t>2/7/2022</a:t>
+              <a:t>2/14/2022</a:t>
             </a:fld>
             <a:endParaRPr lang="en-US" dirty="0"/>
           </a:p>
@@ -4058,7 +4068,7 @@
             <a:fld id="{B61BEF0D-F0BB-DE4B-95CE-6DB70DBA9567}" type="datetimeFigureOut">
               <a:rPr lang="en-US" smtClean="0"/>
               <a:pPr/>
-              <a:t>2/7/2022</a:t>
+              <a:t>2/14/2022</a:t>
             </a:fld>
             <a:endParaRPr lang="en-US" dirty="0"/>
           </a:p>
@@ -4183,7 +4193,7 @@
             <a:fld id="{B61BEF0D-F0BB-DE4B-95CE-6DB70DBA9567}" type="datetimeFigureOut">
               <a:rPr lang="en-US" smtClean="0"/>
               <a:pPr/>
-              <a:t>2/7/2022</a:t>
+              <a:t>2/14/2022</a:t>
             </a:fld>
             <a:endParaRPr lang="en-US" dirty="0"/>
           </a:p>
@@ -4280,7 +4290,7 @@
             <a:fld id="{B61BEF0D-F0BB-DE4B-95CE-6DB70DBA9567}" type="datetimeFigureOut">
               <a:rPr lang="en-US" smtClean="0"/>
               <a:pPr/>
-              <a:t>2/7/2022</a:t>
+              <a:t>2/14/2022</a:t>
             </a:fld>
             <a:endParaRPr lang="en-US" dirty="0"/>
           </a:p>
@@ -4536,7 +4546,7 @@
           <a:p>
             <a:fld id="{42A54C80-263E-416B-A8E0-580EDEADCBDC}" type="datetimeFigureOut">
               <a:rPr lang="en-US" smtClean="0"/>
-              <a:t>2/7/2022</a:t>
+              <a:t>2/14/2022</a:t>
             </a:fld>
             <a:endParaRPr lang="en-US" dirty="0"/>
           </a:p>
@@ -4800,7 +4810,7 @@
             <a:fld id="{B61BEF0D-F0BB-DE4B-95CE-6DB70DBA9567}" type="datetimeFigureOut">
               <a:rPr lang="en-US" smtClean="0"/>
               <a:pPr/>
-              <a:t>2/7/2022</a:t>
+              <a:t>2/14/2022</a:t>
             </a:fld>
             <a:endParaRPr lang="en-US" dirty="0"/>
           </a:p>
@@ -5545,7 +5555,7 @@
             <a:fld id="{B61BEF0D-F0BB-DE4B-95CE-6DB70DBA9567}" type="datetimeFigureOut">
               <a:rPr lang="en-US" smtClean="0"/>
               <a:pPr/>
-              <a:t>2/7/2022</a:t>
+              <a:t>2/14/2022</a:t>
             </a:fld>
             <a:endParaRPr lang="en-US" dirty="0"/>
           </a:p>
@@ -8225,7 +8235,7 @@
           <p:cNvPr id="2" name="Title 1">
             <a:extLst>
               <a:ext uri="{FF2B5EF4-FFF2-40B4-BE49-F238E27FC236}">
-                <a16:creationId xmlns:a16="http://schemas.microsoft.com/office/drawing/2014/main" id="{3B6DC5E5-B49D-4096-80C1-B8052495A474}"/>
+                <a16:creationId xmlns:a16="http://schemas.microsoft.com/office/drawing/2014/main" id="{D098D735-10ED-4AAF-A2D5-17FA1E19087E}"/>
               </a:ext>
             </a:extLst>
           </p:cNvPr>
@@ -8245,7 +8255,7 @@
           <a:p>
             <a:r>
               <a:rPr lang="en-US" sz="4000" dirty="0"/>
-              <a:t>Futures Contracts</a:t>
+              <a:t>Forward Rate Agreement</a:t>
             </a:r>
           </a:p>
         </p:txBody>
@@ -8255,7 +8265,7 @@
           <p:cNvPr id="3" name="Content Placeholder 2">
             <a:extLst>
               <a:ext uri="{FF2B5EF4-FFF2-40B4-BE49-F238E27FC236}">
-                <a16:creationId xmlns:a16="http://schemas.microsoft.com/office/drawing/2014/main" id="{831B6362-3303-4415-9D10-C4E0904D67AF}"/>
+                <a16:creationId xmlns:a16="http://schemas.microsoft.com/office/drawing/2014/main" id="{B10EA527-4BD5-4EA8-9093-5B5E4ADC3E3F}"/>
               </a:ext>
             </a:extLst>
           </p:cNvPr>
@@ -8268,73 +8278,69 @@
         </p:nvSpPr>
         <p:spPr/>
         <p:txBody>
-          <a:bodyPr/>
-          <a:lstStyle/>
-          <a:p>
-            <a:r>
-              <a:rPr lang="en-US" sz="2800" dirty="0"/>
-              <a:t>Forward commitments</a:t>
-            </a:r>
-          </a:p>
-          <a:p>
-            <a:pPr lvl="1"/>
-            <a:r>
-              <a:rPr lang="en-US" sz="2800" dirty="0">
-                <a:solidFill>
-                  <a:schemeClr val="tx1"/>
+          <a:bodyPr>
+            <a:normAutofit/>
+          </a:bodyPr>
+          <a:lstStyle/>
+          <a:p>
+            <a:r>
+              <a:rPr lang="en-US" sz="2400" dirty="0"/>
+              <a:t>Spot rate and forward rate</a:t>
+            </a:r>
+          </a:p>
+          <a:p>
+            <a:r>
+              <a:rPr lang="en-US" sz="2400" dirty="0"/>
+              <a:t>Forward contracts in which the underlying is an interest rate are called forward rate agreements, or </a:t>
+            </a:r>
+            <a:r>
+              <a:rPr lang="en-US" sz="2400" dirty="0">
+                <a:solidFill>
+                  <a:srgbClr val="FF0000"/>
                 </a:solidFill>
               </a:rPr>
-              <a:t>Forward</a:t>
-            </a:r>
-          </a:p>
-          <a:p>
-            <a:pPr lvl="1"/>
-            <a:r>
-              <a:rPr lang="en-US" sz="2800" u="sng" dirty="0">
+              <a:t>FRAs</a:t>
+            </a:r>
+            <a:r>
+              <a:rPr lang="en-US" sz="2400" dirty="0"/>
+              <a:t>.</a:t>
+            </a:r>
+          </a:p>
+          <a:p>
+            <a:r>
+              <a:rPr lang="en-US" sz="2400" dirty="0"/>
+              <a:t>FRAs have often historically been based on Libor, the London Interbank Offered Rate.</a:t>
+            </a:r>
+          </a:p>
+          <a:p>
+            <a:r>
+              <a:rPr lang="en-US" sz="2400" dirty="0">
                 <a:solidFill>
                   <a:srgbClr val="FF0000"/>
                 </a:solidFill>
               </a:rPr>
-              <a:t>Futures</a:t>
-            </a:r>
-          </a:p>
-          <a:p>
-            <a:pPr lvl="1"/>
-            <a:r>
-              <a:rPr lang="en-US" sz="2800" dirty="0"/>
-              <a:t>Swap</a:t>
-            </a:r>
-          </a:p>
-          <a:p>
-            <a:r>
-              <a:rPr lang="en-US" sz="2800" dirty="0"/>
-              <a:t>Contingent claims</a:t>
-            </a:r>
-          </a:p>
-          <a:p>
-            <a:pPr lvl="1"/>
-            <a:r>
-              <a:rPr lang="en-US" sz="2800" dirty="0"/>
-              <a:t>Option</a:t>
-            </a:r>
-          </a:p>
-          <a:p>
-            <a:pPr lvl="1"/>
-            <a:r>
-              <a:rPr lang="en-US" sz="2800" dirty="0"/>
-              <a:t>Credit Derivatives</a:t>
-            </a:r>
-          </a:p>
-          <a:p>
-            <a:pPr lvl="1"/>
-            <a:endParaRPr lang="en-US" dirty="0"/>
+              <a:t>30-Day FRA on 90-Day Libor</a:t>
+            </a:r>
+          </a:p>
+          <a:p>
+            <a:r>
+              <a:rPr lang="en-US" sz="2400" dirty="0">
+                <a:solidFill>
+                  <a:srgbClr val="FF0000"/>
+                </a:solidFill>
+              </a:rPr>
+              <a:t>3*12 FRA</a:t>
+            </a:r>
+          </a:p>
+          <a:p>
+            <a:endParaRPr lang="en-US" sz="2400" dirty="0"/>
           </a:p>
         </p:txBody>
       </p:sp>
     </p:spTree>
     <p:extLst>
       <p:ext uri="{BB962C8B-B14F-4D97-AF65-F5344CB8AC3E}">
-        <p14:creationId xmlns:p14="http://schemas.microsoft.com/office/powerpoint/2010/main" val="1800058910"/>
+        <p14:creationId xmlns:p14="http://schemas.microsoft.com/office/powerpoint/2010/main" val="3645223218"/>
       </p:ext>
     </p:extLst>
   </p:cSld>
@@ -8366,7 +8372,7 @@
           <p:cNvPr id="2" name="Title 1">
             <a:extLst>
               <a:ext uri="{FF2B5EF4-FFF2-40B4-BE49-F238E27FC236}">
-                <a16:creationId xmlns:a16="http://schemas.microsoft.com/office/drawing/2014/main" id="{30655409-A592-48F4-8E79-104028B7FA18}"/>
+                <a16:creationId xmlns:a16="http://schemas.microsoft.com/office/drawing/2014/main" id="{C3823BA1-6772-4C82-9527-CAA40CCA6A96}"/>
               </a:ext>
             </a:extLst>
           </p:cNvPr>
@@ -8386,126 +8392,44 @@
           <a:p>
             <a:r>
               <a:rPr lang="en-US" sz="4000" dirty="0"/>
-              <a:t>Futures Contracts</a:t>
-            </a:r>
-          </a:p>
-        </p:txBody>
-      </p:sp>
-      <p:sp>
-        <p:nvSpPr>
-          <p:cNvPr id="3" name="Content Placeholder 2">
+              <a:t>Forward Rate Agreement</a:t>
+            </a:r>
+          </a:p>
+        </p:txBody>
+      </p:sp>
+      <p:pic>
+        <p:nvPicPr>
+          <p:cNvPr id="5" name="Content Placeholder 4">
             <a:extLst>
               <a:ext uri="{FF2B5EF4-FFF2-40B4-BE49-F238E27FC236}">
-                <a16:creationId xmlns:a16="http://schemas.microsoft.com/office/drawing/2014/main" id="{AE0AAB92-0723-4D51-80D5-C6440ACF13CB}"/>
+                <a16:creationId xmlns:a16="http://schemas.microsoft.com/office/drawing/2014/main" id="{E8966A3C-82F2-45F1-AACF-22B235E6FB74}"/>
               </a:ext>
             </a:extLst>
           </p:cNvPr>
-          <p:cNvSpPr>
-            <a:spLocks noGrp="1"/>
-          </p:cNvSpPr>
+          <p:cNvPicPr>
+            <a:picLocks noGrp="1" noChangeAspect="1"/>
+          </p:cNvPicPr>
           <p:nvPr>
             <p:ph idx="1"/>
           </p:nvPr>
-        </p:nvSpPr>
-        <p:spPr/>
-        <p:txBody>
-          <a:bodyPr/>
-          <a:lstStyle/>
-          <a:p>
-            <a:r>
-              <a:rPr lang="en-US" sz="2000" dirty="0"/>
-              <a:t>Definition: A futures contract is a </a:t>
-            </a:r>
-            <a:r>
-              <a:rPr lang="en-US" sz="2000" dirty="0">
-                <a:solidFill>
-                  <a:srgbClr val="FF0000"/>
-                </a:solidFill>
-              </a:rPr>
-              <a:t>standardized</a:t>
-            </a:r>
-            <a:r>
-              <a:rPr lang="en-US" sz="2000" dirty="0"/>
-              <a:t> derivative contract created and traded on </a:t>
-            </a:r>
-            <a:r>
-              <a:rPr lang="en-US" sz="2000" dirty="0">
-                <a:solidFill>
-                  <a:srgbClr val="FF0000"/>
-                </a:solidFill>
-              </a:rPr>
-              <a:t>a futures exchange </a:t>
-            </a:r>
-            <a:r>
-              <a:rPr lang="en-US" sz="2000" dirty="0"/>
-              <a:t>in which </a:t>
-            </a:r>
-            <a:r>
-              <a:rPr lang="en-US" sz="2000" dirty="0">
-                <a:highlight>
-                  <a:srgbClr val="FFFF00"/>
-                </a:highlight>
-              </a:rPr>
-              <a:t>two parties agree that one party, the buyer, will purchase an underlying asset from the other party, the seller, at a later date and at a price agreed on by the two parties when the contract is initiated</a:t>
-            </a:r>
-            <a:r>
-              <a:rPr lang="en-US" sz="2000" dirty="0"/>
-              <a:t> and in which there </a:t>
-            </a:r>
-            <a:r>
-              <a:rPr lang="en-US" sz="2000" dirty="0">
-                <a:solidFill>
-                  <a:schemeClr val="tx1"/>
-                </a:solidFill>
-              </a:rPr>
-              <a:t>is</a:t>
-            </a:r>
-            <a:r>
-              <a:rPr lang="en-US" sz="2000" dirty="0">
-                <a:solidFill>
-                  <a:srgbClr val="FF0000"/>
-                </a:solidFill>
-              </a:rPr>
-              <a:t> </a:t>
-            </a:r>
-            <a:r>
-              <a:rPr lang="en-US" sz="2000" b="1" dirty="0">
-                <a:solidFill>
-                  <a:srgbClr val="FF0000"/>
-                </a:solidFill>
-              </a:rPr>
-              <a:t>a daily settling of gains and losses</a:t>
-            </a:r>
-            <a:r>
-              <a:rPr lang="en-US" sz="2000" b="1" dirty="0"/>
-              <a:t> </a:t>
-            </a:r>
-            <a:r>
-              <a:rPr lang="en-US" sz="2000" dirty="0"/>
-              <a:t>and </a:t>
-            </a:r>
-            <a:r>
-              <a:rPr lang="en-US" sz="2000" b="1" dirty="0">
-                <a:solidFill>
-                  <a:srgbClr val="FF0000"/>
-                </a:solidFill>
-              </a:rPr>
-              <a:t>a credit guarantee by the futures exchange through its clearinghouse</a:t>
-            </a:r>
-            <a:r>
-              <a:rPr lang="en-US" sz="2000" b="1" dirty="0"/>
-              <a:t>.</a:t>
-            </a:r>
-          </a:p>
-          <a:p>
-            <a:endParaRPr lang="en-US" dirty="0"/>
-          </a:p>
-        </p:txBody>
-      </p:sp>
+        </p:nvPicPr>
+        <p:blipFill>
+          <a:blip r:embed="rId2"/>
+          <a:stretch>
+            <a:fillRect/>
+          </a:stretch>
+        </p:blipFill>
+        <p:spPr>
+          <a:xfrm>
+            <a:off x="1379913" y="1921250"/>
+            <a:ext cx="7597832" cy="4606011"/>
+          </a:xfrm>
+        </p:spPr>
+      </p:pic>
     </p:spTree>
     <p:extLst>
       <p:ext uri="{BB962C8B-B14F-4D97-AF65-F5344CB8AC3E}">
-        <p14:creationId xmlns:p14="http://schemas.microsoft.com/office/powerpoint/2010/main" val="3713870111"/>
+        <p14:creationId xmlns:p14="http://schemas.microsoft.com/office/powerpoint/2010/main" val="3577264547"/>
       </p:ext>
     </p:extLst>
   </p:cSld>
@@ -8537,6 +8461,429 @@
           <p:cNvPr id="2" name="Title 1">
             <a:extLst>
               <a:ext uri="{FF2B5EF4-FFF2-40B4-BE49-F238E27FC236}">
+                <a16:creationId xmlns:a16="http://schemas.microsoft.com/office/drawing/2014/main" id="{A4364044-48DC-4FFC-BC37-2E75B02EE67E}"/>
+              </a:ext>
+            </a:extLst>
+          </p:cNvPr>
+          <p:cNvSpPr>
+            <a:spLocks noGrp="1"/>
+          </p:cNvSpPr>
+          <p:nvPr>
+            <p:ph type="title"/>
+          </p:nvPr>
+        </p:nvSpPr>
+        <p:spPr/>
+        <p:txBody>
+          <a:bodyPr>
+            <a:normAutofit/>
+          </a:bodyPr>
+          <a:lstStyle/>
+          <a:p>
+            <a:r>
+              <a:rPr lang="en-US" sz="4000" dirty="0"/>
+              <a:t>Practices</a:t>
+            </a:r>
+          </a:p>
+        </p:txBody>
+      </p:sp>
+      <p:sp>
+        <p:nvSpPr>
+          <p:cNvPr id="3" name="Content Placeholder 2">
+            <a:extLst>
+              <a:ext uri="{FF2B5EF4-FFF2-40B4-BE49-F238E27FC236}">
+                <a16:creationId xmlns:a16="http://schemas.microsoft.com/office/drawing/2014/main" id="{ED8EE2DC-9E14-48A2-9E6A-16C131C9A1EC}"/>
+              </a:ext>
+            </a:extLst>
+          </p:cNvPr>
+          <p:cNvSpPr>
+            <a:spLocks noGrp="1"/>
+          </p:cNvSpPr>
+          <p:nvPr>
+            <p:ph idx="1"/>
+          </p:nvPr>
+        </p:nvSpPr>
+        <p:spPr/>
+        <p:txBody>
+          <a:bodyPr>
+            <a:normAutofit/>
+          </a:bodyPr>
+          <a:lstStyle/>
+          <a:p>
+            <a:r>
+              <a:rPr lang="en-US" sz="2400" dirty="0"/>
+              <a:t>Which of the following best describes the forward rate of an FRA?</a:t>
+            </a:r>
+          </a:p>
+          <a:p>
+            <a:pPr lvl="1"/>
+            <a:r>
+              <a:rPr lang="en-US" sz="2400" dirty="0"/>
+              <a:t>A The spot rate implied by the term structure</a:t>
+            </a:r>
+          </a:p>
+          <a:p>
+            <a:pPr lvl="1"/>
+            <a:r>
+              <a:rPr lang="en-US" sz="2400" dirty="0"/>
+              <a:t>B The forward rate implied by the term structure</a:t>
+            </a:r>
+          </a:p>
+          <a:p>
+            <a:pPr lvl="1"/>
+            <a:r>
+              <a:rPr lang="en-US" sz="2400" dirty="0"/>
+              <a:t>C The rate on a zero-coupon bond of maturity equal to that of the forward contract</a:t>
+            </a:r>
+          </a:p>
+        </p:txBody>
+      </p:sp>
+    </p:spTree>
+    <p:extLst>
+      <p:ext uri="{BB962C8B-B14F-4D97-AF65-F5344CB8AC3E}">
+        <p14:creationId xmlns:p14="http://schemas.microsoft.com/office/powerpoint/2010/main" val="3398656931"/>
+      </p:ext>
+    </p:extLst>
+  </p:cSld>
+  <p:clrMapOvr>
+    <a:masterClrMapping/>
+  </p:clrMapOvr>
+</p:sld>
+</file>
+
+<file path=ppt/slides/slide23.xml><?xml version="1.0" encoding="utf-8"?>
+<p:sld xmlns:a="http://schemas.openxmlformats.org/drawingml/2006/main" xmlns:r="http://schemas.openxmlformats.org/officeDocument/2006/relationships" xmlns:p="http://schemas.openxmlformats.org/presentationml/2006/main">
+  <p:cSld>
+    <p:spTree>
+      <p:nvGrpSpPr>
+        <p:cNvPr id="1" name=""/>
+        <p:cNvGrpSpPr/>
+        <p:nvPr/>
+      </p:nvGrpSpPr>
+      <p:grpSpPr>
+        <a:xfrm>
+          <a:off x="0" y="0"/>
+          <a:ext cx="0" cy="0"/>
+          <a:chOff x="0" y="0"/>
+          <a:chExt cx="0" cy="0"/>
+        </a:xfrm>
+      </p:grpSpPr>
+      <p:sp>
+        <p:nvSpPr>
+          <p:cNvPr id="2" name="Title 1">
+            <a:extLst>
+              <a:ext uri="{FF2B5EF4-FFF2-40B4-BE49-F238E27FC236}">
+                <a16:creationId xmlns:a16="http://schemas.microsoft.com/office/drawing/2014/main" id="{3B6DC5E5-B49D-4096-80C1-B8052495A474}"/>
+              </a:ext>
+            </a:extLst>
+          </p:cNvPr>
+          <p:cNvSpPr>
+            <a:spLocks noGrp="1"/>
+          </p:cNvSpPr>
+          <p:nvPr>
+            <p:ph type="title"/>
+          </p:nvPr>
+        </p:nvSpPr>
+        <p:spPr/>
+        <p:txBody>
+          <a:bodyPr>
+            <a:normAutofit/>
+          </a:bodyPr>
+          <a:lstStyle/>
+          <a:p>
+            <a:r>
+              <a:rPr lang="en-US" sz="4000" dirty="0"/>
+              <a:t>Futures Contracts</a:t>
+            </a:r>
+          </a:p>
+        </p:txBody>
+      </p:sp>
+      <p:sp>
+        <p:nvSpPr>
+          <p:cNvPr id="3" name="Content Placeholder 2">
+            <a:extLst>
+              <a:ext uri="{FF2B5EF4-FFF2-40B4-BE49-F238E27FC236}">
+                <a16:creationId xmlns:a16="http://schemas.microsoft.com/office/drawing/2014/main" id="{831B6362-3303-4415-9D10-C4E0904D67AF}"/>
+              </a:ext>
+            </a:extLst>
+          </p:cNvPr>
+          <p:cNvSpPr>
+            <a:spLocks noGrp="1"/>
+          </p:cNvSpPr>
+          <p:nvPr>
+            <p:ph idx="1"/>
+          </p:nvPr>
+        </p:nvSpPr>
+        <p:spPr/>
+        <p:txBody>
+          <a:bodyPr/>
+          <a:lstStyle/>
+          <a:p>
+            <a:r>
+              <a:rPr lang="en-US" sz="2800" dirty="0"/>
+              <a:t>Forward commitments</a:t>
+            </a:r>
+          </a:p>
+          <a:p>
+            <a:pPr lvl="1"/>
+            <a:r>
+              <a:rPr lang="en-US" sz="2800" dirty="0">
+                <a:solidFill>
+                  <a:schemeClr val="tx1"/>
+                </a:solidFill>
+              </a:rPr>
+              <a:t>Forward</a:t>
+            </a:r>
+          </a:p>
+          <a:p>
+            <a:pPr lvl="1"/>
+            <a:r>
+              <a:rPr lang="en-US" sz="2800" u="sng" dirty="0">
+                <a:solidFill>
+                  <a:srgbClr val="FF0000"/>
+                </a:solidFill>
+              </a:rPr>
+              <a:t>Futures</a:t>
+            </a:r>
+          </a:p>
+          <a:p>
+            <a:pPr lvl="1"/>
+            <a:r>
+              <a:rPr lang="en-US" sz="2800" dirty="0"/>
+              <a:t>Swap</a:t>
+            </a:r>
+          </a:p>
+          <a:p>
+            <a:r>
+              <a:rPr lang="en-US" sz="2800" dirty="0"/>
+              <a:t>Contingent claims</a:t>
+            </a:r>
+          </a:p>
+          <a:p>
+            <a:pPr lvl="1"/>
+            <a:r>
+              <a:rPr lang="en-US" sz="2800" dirty="0"/>
+              <a:t>Option</a:t>
+            </a:r>
+          </a:p>
+          <a:p>
+            <a:pPr lvl="1"/>
+            <a:r>
+              <a:rPr lang="en-US" sz="2800" dirty="0"/>
+              <a:t>Credit Derivatives</a:t>
+            </a:r>
+          </a:p>
+          <a:p>
+            <a:pPr lvl="1"/>
+            <a:endParaRPr lang="en-US" dirty="0"/>
+          </a:p>
+        </p:txBody>
+      </p:sp>
+    </p:spTree>
+    <p:extLst>
+      <p:ext uri="{BB962C8B-B14F-4D97-AF65-F5344CB8AC3E}">
+        <p14:creationId xmlns:p14="http://schemas.microsoft.com/office/powerpoint/2010/main" val="1800058910"/>
+      </p:ext>
+    </p:extLst>
+  </p:cSld>
+  <p:clrMapOvr>
+    <a:masterClrMapping/>
+  </p:clrMapOvr>
+</p:sld>
+</file>
+
+<file path=ppt/slides/slide24.xml><?xml version="1.0" encoding="utf-8"?>
+<p:sld xmlns:a="http://schemas.openxmlformats.org/drawingml/2006/main" xmlns:r="http://schemas.openxmlformats.org/officeDocument/2006/relationships" xmlns:p="http://schemas.openxmlformats.org/presentationml/2006/main">
+  <p:cSld>
+    <p:spTree>
+      <p:nvGrpSpPr>
+        <p:cNvPr id="1" name=""/>
+        <p:cNvGrpSpPr/>
+        <p:nvPr/>
+      </p:nvGrpSpPr>
+      <p:grpSpPr>
+        <a:xfrm>
+          <a:off x="0" y="0"/>
+          <a:ext cx="0" cy="0"/>
+          <a:chOff x="0" y="0"/>
+          <a:chExt cx="0" cy="0"/>
+        </a:xfrm>
+      </p:grpSpPr>
+      <p:sp>
+        <p:nvSpPr>
+          <p:cNvPr id="2" name="Title 1">
+            <a:extLst>
+              <a:ext uri="{FF2B5EF4-FFF2-40B4-BE49-F238E27FC236}">
+                <a16:creationId xmlns:a16="http://schemas.microsoft.com/office/drawing/2014/main" id="{30655409-A592-48F4-8E79-104028B7FA18}"/>
+              </a:ext>
+            </a:extLst>
+          </p:cNvPr>
+          <p:cNvSpPr>
+            <a:spLocks noGrp="1"/>
+          </p:cNvSpPr>
+          <p:nvPr>
+            <p:ph type="title"/>
+          </p:nvPr>
+        </p:nvSpPr>
+        <p:spPr/>
+        <p:txBody>
+          <a:bodyPr>
+            <a:normAutofit/>
+          </a:bodyPr>
+          <a:lstStyle/>
+          <a:p>
+            <a:r>
+              <a:rPr lang="en-US" sz="4000" dirty="0"/>
+              <a:t>Futures Contracts</a:t>
+            </a:r>
+          </a:p>
+        </p:txBody>
+      </p:sp>
+      <p:sp>
+        <p:nvSpPr>
+          <p:cNvPr id="3" name="Content Placeholder 2">
+            <a:extLst>
+              <a:ext uri="{FF2B5EF4-FFF2-40B4-BE49-F238E27FC236}">
+                <a16:creationId xmlns:a16="http://schemas.microsoft.com/office/drawing/2014/main" id="{AE0AAB92-0723-4D51-80D5-C6440ACF13CB}"/>
+              </a:ext>
+            </a:extLst>
+          </p:cNvPr>
+          <p:cNvSpPr>
+            <a:spLocks noGrp="1"/>
+          </p:cNvSpPr>
+          <p:nvPr>
+            <p:ph idx="1"/>
+          </p:nvPr>
+        </p:nvSpPr>
+        <p:spPr/>
+        <p:txBody>
+          <a:bodyPr/>
+          <a:lstStyle/>
+          <a:p>
+            <a:r>
+              <a:rPr lang="en-US" sz="2000" dirty="0"/>
+              <a:t>Definition: A futures contract is a </a:t>
+            </a:r>
+            <a:r>
+              <a:rPr lang="en-US" sz="2000" dirty="0">
+                <a:solidFill>
+                  <a:srgbClr val="FF0000"/>
+                </a:solidFill>
+              </a:rPr>
+              <a:t>standardized</a:t>
+            </a:r>
+            <a:r>
+              <a:rPr lang="en-US" sz="2000" dirty="0"/>
+              <a:t> derivative contract created and traded on </a:t>
+            </a:r>
+            <a:r>
+              <a:rPr lang="en-US" sz="2000" dirty="0">
+                <a:solidFill>
+                  <a:srgbClr val="FF0000"/>
+                </a:solidFill>
+              </a:rPr>
+              <a:t>a futures exchange </a:t>
+            </a:r>
+            <a:r>
+              <a:rPr lang="en-US" sz="2000" dirty="0"/>
+              <a:t>in which </a:t>
+            </a:r>
+            <a:r>
+              <a:rPr lang="en-US" sz="2000" dirty="0">
+                <a:highlight>
+                  <a:srgbClr val="FFFF00"/>
+                </a:highlight>
+              </a:rPr>
+              <a:t>two parties agree that one party, the buyer, will purchase an underlying asset from the other party, the seller, at a later date and at a price agreed on by the two parties when the contract is initiated</a:t>
+            </a:r>
+            <a:r>
+              <a:rPr lang="en-US" sz="2000" dirty="0"/>
+              <a:t> and in which there </a:t>
+            </a:r>
+            <a:r>
+              <a:rPr lang="en-US" sz="2000" dirty="0">
+                <a:solidFill>
+                  <a:schemeClr val="tx1"/>
+                </a:solidFill>
+              </a:rPr>
+              <a:t>is</a:t>
+            </a:r>
+            <a:r>
+              <a:rPr lang="en-US" sz="2000" dirty="0">
+                <a:solidFill>
+                  <a:srgbClr val="FF0000"/>
+                </a:solidFill>
+              </a:rPr>
+              <a:t> </a:t>
+            </a:r>
+            <a:r>
+              <a:rPr lang="en-US" sz="2000" b="1" dirty="0">
+                <a:solidFill>
+                  <a:srgbClr val="FF0000"/>
+                </a:solidFill>
+              </a:rPr>
+              <a:t>a daily settling of gains and losses</a:t>
+            </a:r>
+            <a:r>
+              <a:rPr lang="en-US" sz="2000" b="1" dirty="0"/>
+              <a:t> </a:t>
+            </a:r>
+            <a:r>
+              <a:rPr lang="en-US" sz="2000" dirty="0"/>
+              <a:t>and </a:t>
+            </a:r>
+            <a:r>
+              <a:rPr lang="en-US" sz="2000" b="1" dirty="0">
+                <a:solidFill>
+                  <a:srgbClr val="FF0000"/>
+                </a:solidFill>
+              </a:rPr>
+              <a:t>a credit guarantee by the futures exchange through its clearinghouse</a:t>
+            </a:r>
+            <a:r>
+              <a:rPr lang="en-US" sz="2000" b="1" dirty="0"/>
+              <a:t>.</a:t>
+            </a:r>
+          </a:p>
+          <a:p>
+            <a:endParaRPr lang="en-US" dirty="0"/>
+          </a:p>
+        </p:txBody>
+      </p:sp>
+    </p:spTree>
+    <p:extLst>
+      <p:ext uri="{BB962C8B-B14F-4D97-AF65-F5344CB8AC3E}">
+        <p14:creationId xmlns:p14="http://schemas.microsoft.com/office/powerpoint/2010/main" val="3713870111"/>
+      </p:ext>
+    </p:extLst>
+  </p:cSld>
+  <p:clrMapOvr>
+    <a:masterClrMapping/>
+  </p:clrMapOvr>
+</p:sld>
+</file>
+
+<file path=ppt/slides/slide25.xml><?xml version="1.0" encoding="utf-8"?>
+<p:sld xmlns:a="http://schemas.openxmlformats.org/drawingml/2006/main" xmlns:r="http://schemas.openxmlformats.org/officeDocument/2006/relationships" xmlns:p="http://schemas.openxmlformats.org/presentationml/2006/main">
+  <p:cSld>
+    <p:spTree>
+      <p:nvGrpSpPr>
+        <p:cNvPr id="1" name=""/>
+        <p:cNvGrpSpPr/>
+        <p:nvPr/>
+      </p:nvGrpSpPr>
+      <p:grpSpPr>
+        <a:xfrm>
+          <a:off x="0" y="0"/>
+          <a:ext cx="0" cy="0"/>
+          <a:chOff x="0" y="0"/>
+          <a:chExt cx="0" cy="0"/>
+        </a:xfrm>
+      </p:grpSpPr>
+      <p:sp>
+        <p:nvSpPr>
+          <p:cNvPr id="2" name="Title 1">
+            <a:extLst>
+              <a:ext uri="{FF2B5EF4-FFF2-40B4-BE49-F238E27FC236}">
                 <a16:creationId xmlns:a16="http://schemas.microsoft.com/office/drawing/2014/main" id="{685729BC-51D5-4E36-94B9-E4E11EC99649}"/>
               </a:ext>
             </a:extLst>
@@ -8748,7 +9095,7 @@
 </p:sld>
 </file>
 
-<file path=ppt/slides/slide23.xml><?xml version="1.0" encoding="utf-8"?>
+<file path=ppt/slides/slide26.xml><?xml version="1.0" encoding="utf-8"?>
 <p:sld xmlns:a="http://schemas.openxmlformats.org/drawingml/2006/main" xmlns:r="http://schemas.openxmlformats.org/officeDocument/2006/relationships" xmlns:p="http://schemas.openxmlformats.org/presentationml/2006/main">
   <p:cSld>
     <p:spTree>
@@ -9621,7 +9968,7 @@
 </p:sld>
 </file>
 
-<file path=ppt/slides/slide24.xml><?xml version="1.0" encoding="utf-8"?>
+<file path=ppt/slides/slide27.xml><?xml version="1.0" encoding="utf-8"?>
 <p:sld xmlns:a="http://schemas.openxmlformats.org/drawingml/2006/main" xmlns:r="http://schemas.openxmlformats.org/officeDocument/2006/relationships" xmlns:p="http://schemas.openxmlformats.org/presentationml/2006/main">
   <p:cSld>
     <p:spTree>
@@ -9781,7 +10128,7 @@
 </p:sld>
 </file>
 
-<file path=ppt/slides/slide25.xml><?xml version="1.0" encoding="utf-8"?>
+<file path=ppt/slides/slide28.xml><?xml version="1.0" encoding="utf-8"?>
 <p:sld xmlns:a="http://schemas.openxmlformats.org/drawingml/2006/main" xmlns:r="http://schemas.openxmlformats.org/officeDocument/2006/relationships" xmlns:p="http://schemas.openxmlformats.org/presentationml/2006/main">
   <p:cSld>
     <p:spTree>
@@ -9936,7 +10283,7 @@
 </p:sld>
 </file>
 
-<file path=ppt/slides/slide26.xml><?xml version="1.0" encoding="utf-8"?>
+<file path=ppt/slides/slide29.xml><?xml version="1.0" encoding="utf-8"?>
 <p:sld xmlns:a="http://schemas.openxmlformats.org/drawingml/2006/main" xmlns:r="http://schemas.openxmlformats.org/officeDocument/2006/relationships" xmlns:p="http://schemas.openxmlformats.org/presentationml/2006/main">
   <p:cSld>
     <p:spTree>
@@ -10296,452 +10643,6 @@
 </p:sld>
 </file>
 
-<file path=ppt/slides/slide27.xml><?xml version="1.0" encoding="utf-8"?>
-<p:sld xmlns:a="http://schemas.openxmlformats.org/drawingml/2006/main" xmlns:r="http://schemas.openxmlformats.org/officeDocument/2006/relationships" xmlns:p="http://schemas.openxmlformats.org/presentationml/2006/main">
-  <p:cSld>
-    <p:spTree>
-      <p:nvGrpSpPr>
-        <p:cNvPr id="1" name=""/>
-        <p:cNvGrpSpPr/>
-        <p:nvPr/>
-      </p:nvGrpSpPr>
-      <p:grpSpPr>
-        <a:xfrm>
-          <a:off x="0" y="0"/>
-          <a:ext cx="0" cy="0"/>
-          <a:chOff x="0" y="0"/>
-          <a:chExt cx="0" cy="0"/>
-        </a:xfrm>
-      </p:grpSpPr>
-      <p:sp>
-        <p:nvSpPr>
-          <p:cNvPr id="2" name="Title 1">
-            <a:extLst>
-              <a:ext uri="{FF2B5EF4-FFF2-40B4-BE49-F238E27FC236}">
-                <a16:creationId xmlns:a16="http://schemas.microsoft.com/office/drawing/2014/main" id="{3B6DC5E5-B49D-4096-80C1-B8052495A474}"/>
-              </a:ext>
-            </a:extLst>
-          </p:cNvPr>
-          <p:cNvSpPr>
-            <a:spLocks noGrp="1"/>
-          </p:cNvSpPr>
-          <p:nvPr>
-            <p:ph type="title"/>
-          </p:nvPr>
-        </p:nvSpPr>
-        <p:spPr/>
-        <p:txBody>
-          <a:bodyPr>
-            <a:normAutofit/>
-          </a:bodyPr>
-          <a:lstStyle/>
-          <a:p>
-            <a:r>
-              <a:rPr lang="en-US" sz="4000" dirty="0"/>
-              <a:t>Swap Contracts</a:t>
-            </a:r>
-          </a:p>
-        </p:txBody>
-      </p:sp>
-      <p:sp>
-        <p:nvSpPr>
-          <p:cNvPr id="3" name="Content Placeholder 2">
-            <a:extLst>
-              <a:ext uri="{FF2B5EF4-FFF2-40B4-BE49-F238E27FC236}">
-                <a16:creationId xmlns:a16="http://schemas.microsoft.com/office/drawing/2014/main" id="{831B6362-3303-4415-9D10-C4E0904D67AF}"/>
-              </a:ext>
-            </a:extLst>
-          </p:cNvPr>
-          <p:cNvSpPr>
-            <a:spLocks noGrp="1"/>
-          </p:cNvSpPr>
-          <p:nvPr>
-            <p:ph idx="1"/>
-          </p:nvPr>
-        </p:nvSpPr>
-        <p:spPr/>
-        <p:txBody>
-          <a:bodyPr/>
-          <a:lstStyle/>
-          <a:p>
-            <a:r>
-              <a:rPr lang="en-US" sz="2800" dirty="0"/>
-              <a:t>Forward commitments</a:t>
-            </a:r>
-          </a:p>
-          <a:p>
-            <a:pPr lvl="1"/>
-            <a:r>
-              <a:rPr lang="en-US" sz="2800" dirty="0">
-                <a:solidFill>
-                  <a:schemeClr val="tx1"/>
-                </a:solidFill>
-              </a:rPr>
-              <a:t>Forward</a:t>
-            </a:r>
-          </a:p>
-          <a:p>
-            <a:pPr lvl="1"/>
-            <a:r>
-              <a:rPr lang="en-US" sz="2800" dirty="0">
-                <a:solidFill>
-                  <a:schemeClr val="tx1"/>
-                </a:solidFill>
-              </a:rPr>
-              <a:t>Futures</a:t>
-            </a:r>
-          </a:p>
-          <a:p>
-            <a:pPr lvl="1"/>
-            <a:r>
-              <a:rPr lang="en-US" sz="2800" u="sng" dirty="0">
-                <a:solidFill>
-                  <a:srgbClr val="FF0000"/>
-                </a:solidFill>
-              </a:rPr>
-              <a:t>Swap</a:t>
-            </a:r>
-          </a:p>
-          <a:p>
-            <a:r>
-              <a:rPr lang="en-US" sz="2800" dirty="0"/>
-              <a:t>Contingent claims</a:t>
-            </a:r>
-          </a:p>
-          <a:p>
-            <a:pPr lvl="1"/>
-            <a:r>
-              <a:rPr lang="en-US" sz="2800" dirty="0"/>
-              <a:t>Option</a:t>
-            </a:r>
-          </a:p>
-          <a:p>
-            <a:pPr lvl="1"/>
-            <a:r>
-              <a:rPr lang="en-US" sz="2800" dirty="0"/>
-              <a:t>Credit Derivatives</a:t>
-            </a:r>
-          </a:p>
-          <a:p>
-            <a:pPr lvl="1"/>
-            <a:endParaRPr lang="en-US" dirty="0"/>
-          </a:p>
-        </p:txBody>
-      </p:sp>
-    </p:spTree>
-    <p:extLst>
-      <p:ext uri="{BB962C8B-B14F-4D97-AF65-F5344CB8AC3E}">
-        <p14:creationId xmlns:p14="http://schemas.microsoft.com/office/powerpoint/2010/main" val="3420598595"/>
-      </p:ext>
-    </p:extLst>
-  </p:cSld>
-  <p:clrMapOvr>
-    <a:masterClrMapping/>
-  </p:clrMapOvr>
-</p:sld>
-</file>
-
-<file path=ppt/slides/slide28.xml><?xml version="1.0" encoding="utf-8"?>
-<p:sld xmlns:a="http://schemas.openxmlformats.org/drawingml/2006/main" xmlns:r="http://schemas.openxmlformats.org/officeDocument/2006/relationships" xmlns:p="http://schemas.openxmlformats.org/presentationml/2006/main">
-  <p:cSld>
-    <p:spTree>
-      <p:nvGrpSpPr>
-        <p:cNvPr id="1" name=""/>
-        <p:cNvGrpSpPr/>
-        <p:nvPr/>
-      </p:nvGrpSpPr>
-      <p:grpSpPr>
-        <a:xfrm>
-          <a:off x="0" y="0"/>
-          <a:ext cx="0" cy="0"/>
-          <a:chOff x="0" y="0"/>
-          <a:chExt cx="0" cy="0"/>
-        </a:xfrm>
-      </p:grpSpPr>
-      <p:sp>
-        <p:nvSpPr>
-          <p:cNvPr id="2" name="Title 1">
-            <a:extLst>
-              <a:ext uri="{FF2B5EF4-FFF2-40B4-BE49-F238E27FC236}">
-                <a16:creationId xmlns:a16="http://schemas.microsoft.com/office/drawing/2014/main" id="{B14399E1-9A90-4AE5-8D83-E334323FD224}"/>
-              </a:ext>
-            </a:extLst>
-          </p:cNvPr>
-          <p:cNvSpPr>
-            <a:spLocks noGrp="1"/>
-          </p:cNvSpPr>
-          <p:nvPr>
-            <p:ph type="title"/>
-          </p:nvPr>
-        </p:nvSpPr>
-        <p:spPr/>
-        <p:txBody>
-          <a:bodyPr>
-            <a:normAutofit/>
-          </a:bodyPr>
-          <a:lstStyle/>
-          <a:p>
-            <a:r>
-              <a:rPr lang="en-US" sz="4000" dirty="0"/>
-              <a:t>Swap Contracts</a:t>
-            </a:r>
-          </a:p>
-        </p:txBody>
-      </p:sp>
-      <p:sp>
-        <p:nvSpPr>
-          <p:cNvPr id="3" name="Content Placeholder 2">
-            <a:extLst>
-              <a:ext uri="{FF2B5EF4-FFF2-40B4-BE49-F238E27FC236}">
-                <a16:creationId xmlns:a16="http://schemas.microsoft.com/office/drawing/2014/main" id="{9749AD03-FDAB-4BB0-A6F8-7357FF35FA5F}"/>
-              </a:ext>
-            </a:extLst>
-          </p:cNvPr>
-          <p:cNvSpPr>
-            <a:spLocks noGrp="1"/>
-          </p:cNvSpPr>
-          <p:nvPr>
-            <p:ph idx="1"/>
-          </p:nvPr>
-        </p:nvSpPr>
-        <p:spPr/>
-        <p:txBody>
-          <a:bodyPr/>
-          <a:lstStyle/>
-          <a:p>
-            <a:r>
-              <a:rPr lang="en-US" sz="2000" dirty="0"/>
-              <a:t>Definition: </a:t>
-            </a:r>
-            <a:r>
-              <a:rPr lang="en-US" sz="2000" i="1" dirty="0"/>
-              <a:t>A swap is an over- the- counter derivative contract in which two parties agree to </a:t>
-            </a:r>
-            <a:r>
-              <a:rPr lang="en-US" sz="2000" i="1" dirty="0">
-                <a:solidFill>
-                  <a:srgbClr val="FF0000"/>
-                </a:solidFill>
-              </a:rPr>
-              <a:t>exchange a series of cash flows </a:t>
-            </a:r>
-            <a:r>
-              <a:rPr lang="en-US" sz="2000" i="1" dirty="0"/>
-              <a:t>whereby one party </a:t>
-            </a:r>
-            <a:r>
-              <a:rPr lang="en-US" sz="2000" i="1" dirty="0">
-                <a:solidFill>
-                  <a:srgbClr val="FF0000"/>
-                </a:solidFill>
-              </a:rPr>
-              <a:t>pays a variable series that will be determined by an underlying asset or rate </a:t>
-            </a:r>
-            <a:r>
-              <a:rPr lang="en-US" sz="2000" i="1" dirty="0"/>
-              <a:t>and the other party pays </a:t>
-            </a:r>
-            <a:r>
-              <a:rPr lang="en-US" sz="2000" i="1" dirty="0">
-                <a:solidFill>
-                  <a:srgbClr val="FF0000"/>
-                </a:solidFill>
-              </a:rPr>
-              <a:t>either (1) a variable series determined by a different underlying asset or rate or (2) a fixed series</a:t>
-            </a:r>
-            <a:r>
-              <a:rPr lang="en-US" sz="2000" i="1" dirty="0"/>
-              <a:t>.</a:t>
-            </a:r>
-          </a:p>
-          <a:p>
-            <a:endParaRPr lang="en-US" dirty="0"/>
-          </a:p>
-        </p:txBody>
-      </p:sp>
-    </p:spTree>
-    <p:extLst>
-      <p:ext uri="{BB962C8B-B14F-4D97-AF65-F5344CB8AC3E}">
-        <p14:creationId xmlns:p14="http://schemas.microsoft.com/office/powerpoint/2010/main" val="1074234236"/>
-      </p:ext>
-    </p:extLst>
-  </p:cSld>
-  <p:clrMapOvr>
-    <a:masterClrMapping/>
-  </p:clrMapOvr>
-</p:sld>
-</file>
-
-<file path=ppt/slides/slide29.xml><?xml version="1.0" encoding="utf-8"?>
-<p:sld xmlns:a="http://schemas.openxmlformats.org/drawingml/2006/main" xmlns:r="http://schemas.openxmlformats.org/officeDocument/2006/relationships" xmlns:p="http://schemas.openxmlformats.org/presentationml/2006/main">
-  <p:cSld>
-    <p:spTree>
-      <p:nvGrpSpPr>
-        <p:cNvPr id="1" name=""/>
-        <p:cNvGrpSpPr/>
-        <p:nvPr/>
-      </p:nvGrpSpPr>
-      <p:grpSpPr>
-        <a:xfrm>
-          <a:off x="0" y="0"/>
-          <a:ext cx="0" cy="0"/>
-          <a:chOff x="0" y="0"/>
-          <a:chExt cx="0" cy="0"/>
-        </a:xfrm>
-      </p:grpSpPr>
-      <p:sp>
-        <p:nvSpPr>
-          <p:cNvPr id="2" name="Title 1">
-            <a:extLst>
-              <a:ext uri="{FF2B5EF4-FFF2-40B4-BE49-F238E27FC236}">
-                <a16:creationId xmlns:a16="http://schemas.microsoft.com/office/drawing/2014/main" id="{5A10EA45-A5A2-42F9-854A-97D36B351187}"/>
-              </a:ext>
-            </a:extLst>
-          </p:cNvPr>
-          <p:cNvSpPr>
-            <a:spLocks noGrp="1"/>
-          </p:cNvSpPr>
-          <p:nvPr>
-            <p:ph type="title"/>
-          </p:nvPr>
-        </p:nvSpPr>
-        <p:spPr/>
-        <p:txBody>
-          <a:bodyPr>
-            <a:normAutofit/>
-          </a:bodyPr>
-          <a:lstStyle/>
-          <a:p>
-            <a:r>
-              <a:rPr lang="en-US" sz="4000" dirty="0"/>
-              <a:t>Swap Contracts</a:t>
-            </a:r>
-          </a:p>
-        </p:txBody>
-      </p:sp>
-      <p:sp>
-        <p:nvSpPr>
-          <p:cNvPr id="3" name="Content Placeholder 2">
-            <a:extLst>
-              <a:ext uri="{FF2B5EF4-FFF2-40B4-BE49-F238E27FC236}">
-                <a16:creationId xmlns:a16="http://schemas.microsoft.com/office/drawing/2014/main" id="{756A3F7F-5B00-42B7-8E4E-1E5E7810A23A}"/>
-              </a:ext>
-            </a:extLst>
-          </p:cNvPr>
-          <p:cNvSpPr>
-            <a:spLocks noGrp="1"/>
-          </p:cNvSpPr>
-          <p:nvPr>
-            <p:ph idx="1"/>
-          </p:nvPr>
-        </p:nvSpPr>
-        <p:spPr/>
-        <p:txBody>
-          <a:bodyPr/>
-          <a:lstStyle/>
-          <a:p>
-            <a:r>
-              <a:rPr lang="en-US" dirty="0"/>
-              <a:t>Characteristics</a:t>
-            </a:r>
-          </a:p>
-          <a:p>
-            <a:pPr lvl="1"/>
-            <a:r>
-              <a:rPr lang="en-US" dirty="0"/>
-              <a:t>A swap is more or less just </a:t>
-            </a:r>
-            <a:r>
-              <a:rPr lang="en-US" dirty="0">
-                <a:solidFill>
-                  <a:srgbClr val="FF0000"/>
-                </a:solidFill>
-              </a:rPr>
-              <a:t>a series of forwards</a:t>
-            </a:r>
-          </a:p>
-          <a:p>
-            <a:pPr lvl="1"/>
-            <a:r>
-              <a:rPr lang="en-US" dirty="0"/>
-              <a:t>A swap is a bit more like a forward contract than a futures contract in that it is an OTC contract, so it is </a:t>
-            </a:r>
-            <a:r>
-              <a:rPr lang="en-US" dirty="0">
-                <a:solidFill>
-                  <a:srgbClr val="FF0000"/>
-                </a:solidFill>
-              </a:rPr>
-              <a:t>privately negotiated and subject to default. </a:t>
-            </a:r>
-          </a:p>
-          <a:p>
-            <a:pPr lvl="1"/>
-            <a:r>
-              <a:rPr lang="en-US" dirty="0"/>
-              <a:t>The party </a:t>
-            </a:r>
-            <a:r>
-              <a:rPr lang="en-US" dirty="0">
-                <a:solidFill>
-                  <a:srgbClr val="FF0000"/>
-                </a:solidFill>
-              </a:rPr>
-              <a:t>owing the lesser amount cannot default </a:t>
-            </a:r>
-            <a:r>
-              <a:rPr lang="en-US" dirty="0"/>
-              <a:t>to the party owing the greater amount.</a:t>
-            </a:r>
-          </a:p>
-          <a:p>
-            <a:pPr lvl="1"/>
-            <a:r>
-              <a:rPr lang="en-US" dirty="0"/>
-              <a:t>As with futures and forwards, no money changes hands at the start; thus, </a:t>
-            </a:r>
-            <a:r>
-              <a:rPr lang="en-US" dirty="0">
-                <a:solidFill>
-                  <a:srgbClr val="FF0000"/>
-                </a:solidFill>
-              </a:rPr>
-              <a:t>the value of a swap when initiated must be zero.</a:t>
-            </a:r>
-          </a:p>
-          <a:p>
-            <a:pPr lvl="1"/>
-            <a:r>
-              <a:rPr lang="en-US" dirty="0">
-                <a:solidFill>
-                  <a:schemeClr val="tx1"/>
-                </a:solidFill>
-              </a:rPr>
-              <a:t>The notional amount of a swap is not typically exchanged, the credit risk of a swap is much less than that of a loan.</a:t>
-            </a:r>
-          </a:p>
-          <a:p>
-            <a:endParaRPr lang="en-US" dirty="0">
-              <a:solidFill>
-                <a:srgbClr val="FF0000"/>
-              </a:solidFill>
-            </a:endParaRPr>
-          </a:p>
-        </p:txBody>
-      </p:sp>
-    </p:spTree>
-    <p:extLst>
-      <p:ext uri="{BB962C8B-B14F-4D97-AF65-F5344CB8AC3E}">
-        <p14:creationId xmlns:p14="http://schemas.microsoft.com/office/powerpoint/2010/main" val="4136834001"/>
-      </p:ext>
-    </p:extLst>
-  </p:cSld>
-  <p:clrMapOvr>
-    <a:masterClrMapping/>
-  </p:clrMapOvr>
-</p:sld>
-</file>
-
 <file path=ppt/slides/slide3.xml><?xml version="1.0" encoding="utf-8"?>
 <p:sld xmlns:a="http://schemas.openxmlformats.org/drawingml/2006/main" xmlns:r="http://schemas.openxmlformats.org/officeDocument/2006/relationships" xmlns:p="http://schemas.openxmlformats.org/presentationml/2006/main">
   <p:cSld>
@@ -10912,7 +10813,7 @@
           <p:cNvPr id="2" name="Title 1">
             <a:extLst>
               <a:ext uri="{FF2B5EF4-FFF2-40B4-BE49-F238E27FC236}">
-                <a16:creationId xmlns:a16="http://schemas.microsoft.com/office/drawing/2014/main" id="{E66C3C2E-2A64-4F58-B789-1B63C5258C5E}"/>
+                <a16:creationId xmlns:a16="http://schemas.microsoft.com/office/drawing/2014/main" id="{3B6DC5E5-B49D-4096-80C1-B8052495A474}"/>
               </a:ext>
             </a:extLst>
           </p:cNvPr>
@@ -10942,7 +10843,7 @@
           <p:cNvPr id="3" name="Content Placeholder 2">
             <a:extLst>
               <a:ext uri="{FF2B5EF4-FFF2-40B4-BE49-F238E27FC236}">
-                <a16:creationId xmlns:a16="http://schemas.microsoft.com/office/drawing/2014/main" id="{AD620B4E-9854-4F96-8EDD-9D7D2A35DAEB}"/>
+                <a16:creationId xmlns:a16="http://schemas.microsoft.com/office/drawing/2014/main" id="{831B6362-3303-4415-9D10-C4E0904D67AF}"/>
               </a:ext>
             </a:extLst>
           </p:cNvPr>
@@ -10959,19 +10860,65 @@
           <a:lstStyle/>
           <a:p>
             <a:r>
-              <a:rPr lang="en-US" sz="2000" dirty="0"/>
-              <a:t>Plain vanilla swap: the most common swap is the </a:t>
-            </a:r>
-            <a:r>
-              <a:rPr lang="en-US" sz="2000" b="1" dirty="0"/>
-              <a:t>fixed- for- floating interest rate swap</a:t>
-            </a:r>
-            <a:r>
-              <a:rPr lang="en-US" sz="2000" dirty="0"/>
-              <a:t>.</a:t>
-            </a:r>
-          </a:p>
-          <a:p>
+              <a:rPr lang="en-US" sz="2800" dirty="0"/>
+              <a:t>Forward commitments</a:t>
+            </a:r>
+          </a:p>
+          <a:p>
+            <a:pPr lvl="1"/>
+            <a:r>
+              <a:rPr lang="en-US" sz="2800" dirty="0">
+                <a:solidFill>
+                  <a:schemeClr val="tx1"/>
+                </a:solidFill>
+              </a:rPr>
+              <a:t>Forward</a:t>
+            </a:r>
+          </a:p>
+          <a:p>
+            <a:pPr lvl="1"/>
+            <a:r>
+              <a:rPr lang="en-US" sz="2800" dirty="0">
+                <a:solidFill>
+                  <a:schemeClr val="tx1"/>
+                </a:solidFill>
+              </a:rPr>
+              <a:t>Futures</a:t>
+            </a:r>
+          </a:p>
+          <a:p>
+            <a:pPr lvl="1"/>
+            <a:r>
+              <a:rPr lang="en-US" sz="2800" u="sng" dirty="0">
+                <a:solidFill>
+                  <a:srgbClr val="FF0000"/>
+                </a:solidFill>
+              </a:rPr>
+              <a:t>Swap</a:t>
+            </a:r>
+          </a:p>
+          <a:p>
+            <a:r>
+              <a:rPr lang="en-US" sz="2800" dirty="0"/>
+              <a:t>Contingent claims</a:t>
+            </a:r>
+          </a:p>
+          <a:p>
+            <a:pPr lvl="1"/>
+            <a:r>
+              <a:rPr lang="en-US" sz="2800" dirty="0"/>
+              <a:t>Option</a:t>
+            </a:r>
+          </a:p>
+          <a:p>
+            <a:pPr lvl="1"/>
+            <a:r>
+              <a:rPr lang="en-US" sz="2800" dirty="0"/>
+              <a:t>Credit Derivatives</a:t>
+            </a:r>
+          </a:p>
+          <a:p>
+            <a:pPr lvl="1"/>
             <a:endParaRPr lang="en-US" dirty="0"/>
           </a:p>
         </p:txBody>
@@ -10979,7 +10926,7 @@
     </p:spTree>
     <p:extLst>
       <p:ext uri="{BB962C8B-B14F-4D97-AF65-F5344CB8AC3E}">
-        <p14:creationId xmlns:p14="http://schemas.microsoft.com/office/powerpoint/2010/main" val="3152884269"/>
+        <p14:creationId xmlns:p14="http://schemas.microsoft.com/office/powerpoint/2010/main" val="3420598595"/>
       </p:ext>
     </p:extLst>
   </p:cSld>
@@ -11011,7 +10958,7 @@
           <p:cNvPr id="2" name="Title 1">
             <a:extLst>
               <a:ext uri="{FF2B5EF4-FFF2-40B4-BE49-F238E27FC236}">
-                <a16:creationId xmlns:a16="http://schemas.microsoft.com/office/drawing/2014/main" id="{5956A29E-8360-4C31-8F74-D3F9FFADB1E3}"/>
+                <a16:creationId xmlns:a16="http://schemas.microsoft.com/office/drawing/2014/main" id="{B14399E1-9A90-4AE5-8D83-E334323FD224}"/>
               </a:ext>
             </a:extLst>
           </p:cNvPr>
@@ -11024,17 +10971,15 @@
         </p:nvSpPr>
         <p:spPr/>
         <p:txBody>
-          <a:bodyPr/>
+          <a:bodyPr>
+            <a:normAutofit/>
+          </a:bodyPr>
           <a:lstStyle/>
           <a:p>
             <a:r>
               <a:rPr lang="en-US" sz="4000" dirty="0"/>
-              <a:t>Practices</a:t>
-            </a:r>
-            <a:br>
-              <a:rPr lang="en-US" dirty="0"/>
-            </a:br>
-            <a:endParaRPr lang="en-US" dirty="0"/>
+              <a:t>Swap Contracts</a:t>
+            </a:r>
           </a:p>
         </p:txBody>
       </p:sp>
@@ -11043,7 +10988,7 @@
           <p:cNvPr id="3" name="Content Placeholder 2">
             <a:extLst>
               <a:ext uri="{FF2B5EF4-FFF2-40B4-BE49-F238E27FC236}">
-                <a16:creationId xmlns:a16="http://schemas.microsoft.com/office/drawing/2014/main" id="{EF3A84B9-8E45-4AD9-931B-C39F1DF28022}"/>
+                <a16:creationId xmlns:a16="http://schemas.microsoft.com/office/drawing/2014/main" id="{9749AD03-FDAB-4BB0-A6F8-7357FF35FA5F}"/>
               </a:ext>
             </a:extLst>
           </p:cNvPr>
@@ -11056,102 +11001,63 @@
         </p:nvSpPr>
         <p:spPr/>
         <p:txBody>
-          <a:bodyPr>
-            <a:normAutofit/>
-          </a:bodyPr>
-          <a:lstStyle/>
-          <a:p>
-            <a:r>
-              <a:rPr lang="en-US" dirty="0"/>
-              <a:t>1.Which of the following characterizes forward contracts and swaps but </a:t>
-            </a:r>
-            <a:r>
-              <a:rPr lang="en-US" b="1" dirty="0"/>
-              <a:t>not </a:t>
-            </a:r>
-            <a:r>
-              <a:rPr lang="en-US" dirty="0"/>
-              <a:t>futures?</a:t>
-            </a:r>
-          </a:p>
-          <a:p>
-            <a:pPr lvl="1"/>
-            <a:r>
-              <a:rPr lang="en-US" b="1" dirty="0"/>
-              <a:t>A </a:t>
-            </a:r>
-            <a:r>
-              <a:rPr lang="en-US" dirty="0"/>
-              <a:t>They are customized.</a:t>
-            </a:r>
-          </a:p>
-          <a:p>
-            <a:pPr lvl="1"/>
-            <a:r>
-              <a:rPr lang="en-US" b="1" dirty="0"/>
-              <a:t>B </a:t>
-            </a:r>
-            <a:r>
-              <a:rPr lang="en-US" dirty="0"/>
-              <a:t>They are subject to daily price limits.</a:t>
-            </a:r>
-          </a:p>
-          <a:p>
-            <a:pPr lvl="1"/>
-            <a:r>
-              <a:rPr lang="en-US" b="1" dirty="0"/>
-              <a:t>C </a:t>
-            </a:r>
-            <a:r>
-              <a:rPr lang="en-US" dirty="0"/>
-              <a:t>Their payoffs are received on a daily basis.</a:t>
-            </a:r>
-          </a:p>
-          <a:p>
-            <a:r>
-              <a:rPr lang="en-US" dirty="0"/>
-              <a:t>2.Which of the following distinguishes forwards from swaps?</a:t>
-            </a:r>
-          </a:p>
-          <a:p>
-            <a:pPr lvl="1"/>
-            <a:r>
-              <a:rPr lang="en-US" b="1" dirty="0"/>
-              <a:t>A </a:t>
-            </a:r>
-            <a:r>
-              <a:rPr lang="en-US" dirty="0"/>
-              <a:t>Forwards are OTC instruments, whereas swaps are exchange traded.</a:t>
-            </a:r>
-          </a:p>
-          <a:p>
-            <a:pPr lvl="1"/>
-            <a:r>
-              <a:rPr lang="en-US" b="1" dirty="0"/>
-              <a:t>B </a:t>
-            </a:r>
-            <a:r>
-              <a:rPr lang="en-US" dirty="0"/>
-              <a:t>Forwards are regulated as futures, whereas swaps are regulated as securities.</a:t>
-            </a:r>
-          </a:p>
-          <a:p>
-            <a:pPr lvl="1"/>
-            <a:r>
-              <a:rPr lang="en-US" b="1" dirty="0"/>
-              <a:t>C </a:t>
-            </a:r>
-            <a:r>
-              <a:rPr lang="en-US" dirty="0"/>
-              <a:t>Swaps have multiple payments, whereas forwards have only a single payment.</a:t>
-            </a:r>
+          <a:bodyPr/>
+          <a:lstStyle/>
+          <a:p>
+            <a:r>
+              <a:rPr lang="en-US" sz="2000" dirty="0"/>
+              <a:t>Definition: </a:t>
+            </a:r>
+            <a:r>
+              <a:rPr lang="en-US" sz="2000" i="1" dirty="0"/>
+              <a:t>A swap is an over- the- counter derivative contract in which two parties agree to </a:t>
+            </a:r>
+            <a:r>
+              <a:rPr lang="en-US" sz="2000" i="1" dirty="0">
+                <a:solidFill>
+                  <a:srgbClr val="FF0000"/>
+                </a:solidFill>
+              </a:rPr>
+              <a:t>exchange a series of cash flows </a:t>
+            </a:r>
+            <a:r>
+              <a:rPr lang="en-US" sz="2000" i="1" dirty="0"/>
+              <a:t>whereby one party </a:t>
+            </a:r>
+            <a:r>
+              <a:rPr lang="en-US" sz="2000" i="1" dirty="0">
+                <a:solidFill>
+                  <a:srgbClr val="FF0000"/>
+                </a:solidFill>
+              </a:rPr>
+              <a:t>pays a variable series that will be determined by an underlying asset or rate </a:t>
+            </a:r>
+            <a:r>
+              <a:rPr lang="en-US" sz="2000" i="1" dirty="0"/>
+              <a:t>and the other party pays </a:t>
+            </a:r>
+            <a:r>
+              <a:rPr lang="en-US" sz="2000" i="1" dirty="0">
+                <a:solidFill>
+                  <a:srgbClr val="FF0000"/>
+                </a:solidFill>
+              </a:rPr>
+              <a:t>either (1) a variable series determined by a different underlying asset or rate or (2) a fixed series</a:t>
+            </a:r>
+            <a:r>
+              <a:rPr lang="en-US" sz="2000" i="1" dirty="0"/>
+              <a:t>.</a:t>
+            </a:r>
+          </a:p>
+          <a:p>
+            <a:endParaRPr lang="en-US" dirty="0"/>
           </a:p>
         </p:txBody>
       </p:sp>
     </p:spTree>
     <p:extLst>
       <p:ext uri="{BB962C8B-B14F-4D97-AF65-F5344CB8AC3E}">
-        <p14:creationId xmlns:p14="http://schemas.microsoft.com/office/powerpoint/2010/main" val="1508057551"/>
+        <p14:creationId xmlns:p14="http://schemas.microsoft.com/office/powerpoint/2010/main" val="1074234236"/>
       </p:ext>
     </p:extLst>
   </p:cSld>
@@ -11183,7 +11089,7 @@
           <p:cNvPr id="2" name="Title 1">
             <a:extLst>
               <a:ext uri="{FF2B5EF4-FFF2-40B4-BE49-F238E27FC236}">
-                <a16:creationId xmlns:a16="http://schemas.microsoft.com/office/drawing/2014/main" id="{5927944C-952F-4F1D-972B-D532B339900F}"/>
+                <a16:creationId xmlns:a16="http://schemas.microsoft.com/office/drawing/2014/main" id="{5A10EA45-A5A2-42F9-854A-97D36B351187}"/>
               </a:ext>
             </a:extLst>
           </p:cNvPr>
@@ -11203,7 +11109,7 @@
           <a:p>
             <a:r>
               <a:rPr lang="en-US" sz="4000" dirty="0"/>
-              <a:t>Practices</a:t>
+              <a:t>Swap Contracts</a:t>
             </a:r>
           </a:p>
         </p:txBody>
@@ -11213,7 +11119,7 @@
           <p:cNvPr id="3" name="Content Placeholder 2">
             <a:extLst>
               <a:ext uri="{FF2B5EF4-FFF2-40B4-BE49-F238E27FC236}">
-                <a16:creationId xmlns:a16="http://schemas.microsoft.com/office/drawing/2014/main" id="{1BDDDD91-7FB1-4366-8443-002BDE00C16D}"/>
+                <a16:creationId xmlns:a16="http://schemas.microsoft.com/office/drawing/2014/main" id="{756A3F7F-5B00-42B7-8E4E-1E5E7810A23A}"/>
               </a:ext>
             </a:extLst>
           </p:cNvPr>
@@ -11226,55 +11132,102 @@
         </p:nvSpPr>
         <p:spPr/>
         <p:txBody>
-          <a:bodyPr>
-            <a:normAutofit/>
-          </a:bodyPr>
-          <a:lstStyle/>
-          <a:p>
-            <a:r>
-              <a:rPr lang="en-US" dirty="0"/>
-              <a:t>3.Which of the following occurs in the daily settlement of futures contracts?</a:t>
+          <a:bodyPr/>
+          <a:lstStyle/>
+          <a:p>
+            <a:r>
+              <a:rPr lang="en-US" dirty="0"/>
+              <a:t>Characteristics</a:t>
             </a:r>
           </a:p>
           <a:p>
             <a:pPr lvl="1"/>
             <a:r>
-              <a:rPr lang="en-US" sz="1800" b="1" dirty="0"/>
-              <a:t>A </a:t>
-            </a:r>
-            <a:r>
-              <a:rPr lang="en-US" sz="1800" dirty="0"/>
-              <a:t>Initial margin deposits are refunded to the two parties.</a:t>
+              <a:rPr lang="en-US" dirty="0"/>
+              <a:t>A swap is more or less just </a:t>
+            </a:r>
+            <a:r>
+              <a:rPr lang="en-US" dirty="0">
+                <a:solidFill>
+                  <a:srgbClr val="FF0000"/>
+                </a:solidFill>
+              </a:rPr>
+              <a:t>a series of forwards</a:t>
             </a:r>
           </a:p>
           <a:p>
             <a:pPr lvl="1"/>
             <a:r>
-              <a:rPr lang="en-US" sz="1800" b="1" dirty="0"/>
-              <a:t>B </a:t>
-            </a:r>
-            <a:r>
-              <a:rPr lang="en-US" sz="1800" dirty="0"/>
-              <a:t>Gains and losses are reported to other market participants.</a:t>
+              <a:rPr lang="en-US" dirty="0"/>
+              <a:t>A swap is a bit more like a forward contract than a futures contract in that it is an OTC contract, so it is </a:t>
+            </a:r>
+            <a:r>
+              <a:rPr lang="en-US" dirty="0">
+                <a:solidFill>
+                  <a:srgbClr val="FF0000"/>
+                </a:solidFill>
+              </a:rPr>
+              <a:t>privately negotiated and subject to default. </a:t>
             </a:r>
           </a:p>
           <a:p>
             <a:pPr lvl="1"/>
             <a:r>
-              <a:rPr lang="en-US" sz="1800" b="1" dirty="0"/>
-              <a:t>C </a:t>
-            </a:r>
-            <a:r>
-              <a:rPr lang="en-US" sz="1800" dirty="0"/>
-              <a:t>Losses are charged to one party and gains credited to the other.</a:t>
-            </a:r>
+              <a:rPr lang="en-US" dirty="0"/>
+              <a:t>The party </a:t>
+            </a:r>
+            <a:r>
+              <a:rPr lang="en-US" dirty="0">
+                <a:solidFill>
+                  <a:srgbClr val="FF0000"/>
+                </a:solidFill>
+              </a:rPr>
+              <a:t>owing the lesser amount cannot default </a:t>
+            </a:r>
+            <a:r>
+              <a:rPr lang="en-US" dirty="0"/>
+              <a:t>to the party owing the greater amount.</a:t>
+            </a:r>
+          </a:p>
+          <a:p>
+            <a:pPr lvl="1"/>
+            <a:r>
+              <a:rPr lang="en-US" dirty="0"/>
+              <a:t>As with futures and forwards, no money changes hands at the start; thus, </a:t>
+            </a:r>
+            <a:r>
+              <a:rPr lang="en-US" dirty="0">
+                <a:solidFill>
+                  <a:srgbClr val="FF0000"/>
+                </a:solidFill>
+              </a:rPr>
+              <a:t>the value of a swap when initiated must be zero.</a:t>
+            </a:r>
+          </a:p>
+          <a:p>
+            <a:pPr lvl="1"/>
+            <a:r>
+              <a:rPr lang="en-US" dirty="0">
+                <a:solidFill>
+                  <a:schemeClr val="tx1"/>
+                </a:solidFill>
+              </a:rPr>
+              <a:t>The notional amount of a swap is not typically exchanged, the credit risk of a swap is much less than that of a loan.</a:t>
+            </a:r>
+          </a:p>
+          <a:p>
+            <a:endParaRPr lang="en-US" dirty="0">
+              <a:solidFill>
+                <a:srgbClr val="FF0000"/>
+              </a:solidFill>
+            </a:endParaRPr>
           </a:p>
         </p:txBody>
       </p:sp>
     </p:spTree>
     <p:extLst>
       <p:ext uri="{BB962C8B-B14F-4D97-AF65-F5344CB8AC3E}">
-        <p14:creationId xmlns:p14="http://schemas.microsoft.com/office/powerpoint/2010/main" val="914799381"/>
+        <p14:creationId xmlns:p14="http://schemas.microsoft.com/office/powerpoint/2010/main" val="4136834001"/>
       </p:ext>
     </p:extLst>
   </p:cSld>
@@ -11306,7 +11259,7 @@
           <p:cNvPr id="2" name="Title 1">
             <a:extLst>
               <a:ext uri="{FF2B5EF4-FFF2-40B4-BE49-F238E27FC236}">
-                <a16:creationId xmlns:a16="http://schemas.microsoft.com/office/drawing/2014/main" id="{3B6DC5E5-B49D-4096-80C1-B8052495A474}"/>
+                <a16:creationId xmlns:a16="http://schemas.microsoft.com/office/drawing/2014/main" id="{E66C3C2E-2A64-4F58-B789-1B63C5258C5E}"/>
               </a:ext>
             </a:extLst>
           </p:cNvPr>
@@ -11326,7 +11279,7 @@
           <a:p>
             <a:r>
               <a:rPr lang="en-US" sz="4000" dirty="0"/>
-              <a:t>Option Contracts</a:t>
+              <a:t>Swap Contracts</a:t>
             </a:r>
           </a:p>
         </p:txBody>
@@ -11336,7 +11289,7 @@
           <p:cNvPr id="3" name="Content Placeholder 2">
             <a:extLst>
               <a:ext uri="{FF2B5EF4-FFF2-40B4-BE49-F238E27FC236}">
-                <a16:creationId xmlns:a16="http://schemas.microsoft.com/office/drawing/2014/main" id="{831B6362-3303-4415-9D10-C4E0904D67AF}"/>
+                <a16:creationId xmlns:a16="http://schemas.microsoft.com/office/drawing/2014/main" id="{AD620B4E-9854-4F96-8EDD-9D7D2A35DAEB}"/>
               </a:ext>
             </a:extLst>
           </p:cNvPr>
@@ -11353,69 +11306,19 @@
           <a:lstStyle/>
           <a:p>
             <a:r>
-              <a:rPr lang="en-US" sz="2800" dirty="0"/>
-              <a:t>Forward commitments</a:t>
-            </a:r>
-          </a:p>
-          <a:p>
-            <a:pPr lvl="1"/>
-            <a:r>
-              <a:rPr lang="en-US" sz="2800" dirty="0">
-                <a:solidFill>
-                  <a:schemeClr val="tx1"/>
-                </a:solidFill>
-              </a:rPr>
-              <a:t>Forward</a:t>
-            </a:r>
-          </a:p>
-          <a:p>
-            <a:pPr lvl="1"/>
-            <a:r>
-              <a:rPr lang="en-US" sz="2800" dirty="0">
-                <a:solidFill>
-                  <a:schemeClr val="tx1"/>
-                </a:solidFill>
-              </a:rPr>
-              <a:t>Futures</a:t>
-            </a:r>
-          </a:p>
-          <a:p>
-            <a:pPr lvl="1"/>
-            <a:r>
-              <a:rPr lang="en-US" sz="2800" dirty="0">
-                <a:solidFill>
-                  <a:schemeClr val="tx1"/>
-                </a:solidFill>
-              </a:rPr>
-              <a:t>Swap</a:t>
-            </a:r>
-          </a:p>
-          <a:p>
-            <a:r>
-              <a:rPr lang="en-US" sz="2800" dirty="0"/>
-              <a:t>Contingent claims</a:t>
-            </a:r>
-          </a:p>
-          <a:p>
-            <a:pPr lvl="1"/>
-            <a:r>
-              <a:rPr lang="en-US" sz="2800" u="sng" dirty="0">
-                <a:solidFill>
-                  <a:srgbClr val="FF0000"/>
-                </a:solidFill>
-              </a:rPr>
-              <a:t>Option</a:t>
-            </a:r>
-          </a:p>
-          <a:p>
-            <a:pPr lvl="1"/>
-            <a:r>
-              <a:rPr lang="en-US" sz="2800" dirty="0"/>
-              <a:t>Credit Derivatives</a:t>
-            </a:r>
-          </a:p>
-          <a:p>
-            <a:pPr lvl="1"/>
+              <a:rPr lang="en-US" sz="2000" dirty="0"/>
+              <a:t>Plain vanilla swap: the most common swap is the </a:t>
+            </a:r>
+            <a:r>
+              <a:rPr lang="en-US" sz="2000" b="1" dirty="0"/>
+              <a:t>fixed- for- floating interest rate swap</a:t>
+            </a:r>
+            <a:r>
+              <a:rPr lang="en-US" sz="2000" dirty="0"/>
+              <a:t>.</a:t>
+            </a:r>
+          </a:p>
+          <a:p>
             <a:endParaRPr lang="en-US" dirty="0"/>
           </a:p>
         </p:txBody>
@@ -11423,7 +11326,7 @@
     </p:spTree>
     <p:extLst>
       <p:ext uri="{BB962C8B-B14F-4D97-AF65-F5344CB8AC3E}">
-        <p14:creationId xmlns:p14="http://schemas.microsoft.com/office/powerpoint/2010/main" val="1599816682"/>
+        <p14:creationId xmlns:p14="http://schemas.microsoft.com/office/powerpoint/2010/main" val="3152884269"/>
       </p:ext>
     </p:extLst>
   </p:cSld>
@@ -11455,6 +11358,450 @@
           <p:cNvPr id="2" name="Title 1">
             <a:extLst>
               <a:ext uri="{FF2B5EF4-FFF2-40B4-BE49-F238E27FC236}">
+                <a16:creationId xmlns:a16="http://schemas.microsoft.com/office/drawing/2014/main" id="{5956A29E-8360-4C31-8F74-D3F9FFADB1E3}"/>
+              </a:ext>
+            </a:extLst>
+          </p:cNvPr>
+          <p:cNvSpPr>
+            <a:spLocks noGrp="1"/>
+          </p:cNvSpPr>
+          <p:nvPr>
+            <p:ph type="title"/>
+          </p:nvPr>
+        </p:nvSpPr>
+        <p:spPr/>
+        <p:txBody>
+          <a:bodyPr/>
+          <a:lstStyle/>
+          <a:p>
+            <a:r>
+              <a:rPr lang="en-US" sz="4000" dirty="0"/>
+              <a:t>Practices</a:t>
+            </a:r>
+            <a:br>
+              <a:rPr lang="en-US" dirty="0"/>
+            </a:br>
+            <a:endParaRPr lang="en-US" dirty="0"/>
+          </a:p>
+        </p:txBody>
+      </p:sp>
+      <p:sp>
+        <p:nvSpPr>
+          <p:cNvPr id="3" name="Content Placeholder 2">
+            <a:extLst>
+              <a:ext uri="{FF2B5EF4-FFF2-40B4-BE49-F238E27FC236}">
+                <a16:creationId xmlns:a16="http://schemas.microsoft.com/office/drawing/2014/main" id="{EF3A84B9-8E45-4AD9-931B-C39F1DF28022}"/>
+              </a:ext>
+            </a:extLst>
+          </p:cNvPr>
+          <p:cNvSpPr>
+            <a:spLocks noGrp="1"/>
+          </p:cNvSpPr>
+          <p:nvPr>
+            <p:ph idx="1"/>
+          </p:nvPr>
+        </p:nvSpPr>
+        <p:spPr/>
+        <p:txBody>
+          <a:bodyPr>
+            <a:normAutofit/>
+          </a:bodyPr>
+          <a:lstStyle/>
+          <a:p>
+            <a:r>
+              <a:rPr lang="en-US" dirty="0"/>
+              <a:t>1.Which of the following characterizes forward contracts and swaps but </a:t>
+            </a:r>
+            <a:r>
+              <a:rPr lang="en-US" b="1" dirty="0"/>
+              <a:t>not </a:t>
+            </a:r>
+            <a:r>
+              <a:rPr lang="en-US" dirty="0"/>
+              <a:t>futures?</a:t>
+            </a:r>
+          </a:p>
+          <a:p>
+            <a:pPr lvl="1"/>
+            <a:r>
+              <a:rPr lang="en-US" b="1" dirty="0"/>
+              <a:t>A </a:t>
+            </a:r>
+            <a:r>
+              <a:rPr lang="en-US" dirty="0"/>
+              <a:t>They are customized.</a:t>
+            </a:r>
+          </a:p>
+          <a:p>
+            <a:pPr lvl="1"/>
+            <a:r>
+              <a:rPr lang="en-US" b="1" dirty="0"/>
+              <a:t>B </a:t>
+            </a:r>
+            <a:r>
+              <a:rPr lang="en-US" dirty="0"/>
+              <a:t>They are subject to daily price limits.</a:t>
+            </a:r>
+          </a:p>
+          <a:p>
+            <a:pPr lvl="1"/>
+            <a:r>
+              <a:rPr lang="en-US" b="1" dirty="0"/>
+              <a:t>C </a:t>
+            </a:r>
+            <a:r>
+              <a:rPr lang="en-US" dirty="0"/>
+              <a:t>Their payoffs are received on a daily basis.</a:t>
+            </a:r>
+          </a:p>
+          <a:p>
+            <a:r>
+              <a:rPr lang="en-US" dirty="0"/>
+              <a:t>2.Which of the following distinguishes forwards from swaps?</a:t>
+            </a:r>
+          </a:p>
+          <a:p>
+            <a:pPr lvl="1"/>
+            <a:r>
+              <a:rPr lang="en-US" b="1" dirty="0"/>
+              <a:t>A </a:t>
+            </a:r>
+            <a:r>
+              <a:rPr lang="en-US" dirty="0"/>
+              <a:t>Forwards are OTC instruments, whereas swaps are exchange traded.</a:t>
+            </a:r>
+          </a:p>
+          <a:p>
+            <a:pPr lvl="1"/>
+            <a:r>
+              <a:rPr lang="en-US" b="1" dirty="0"/>
+              <a:t>B </a:t>
+            </a:r>
+            <a:r>
+              <a:rPr lang="en-US" dirty="0"/>
+              <a:t>Forwards are regulated as futures, whereas swaps are regulated as securities.</a:t>
+            </a:r>
+          </a:p>
+          <a:p>
+            <a:pPr lvl="1"/>
+            <a:r>
+              <a:rPr lang="en-US" b="1" dirty="0"/>
+              <a:t>C </a:t>
+            </a:r>
+            <a:r>
+              <a:rPr lang="en-US" dirty="0"/>
+              <a:t>Swaps have multiple payments, whereas forwards have only a single payment.</a:t>
+            </a:r>
+          </a:p>
+        </p:txBody>
+      </p:sp>
+    </p:spTree>
+    <p:extLst>
+      <p:ext uri="{BB962C8B-B14F-4D97-AF65-F5344CB8AC3E}">
+        <p14:creationId xmlns:p14="http://schemas.microsoft.com/office/powerpoint/2010/main" val="1508057551"/>
+      </p:ext>
+    </p:extLst>
+  </p:cSld>
+  <p:clrMapOvr>
+    <a:masterClrMapping/>
+  </p:clrMapOvr>
+</p:sld>
+</file>
+
+<file path=ppt/slides/slide35.xml><?xml version="1.0" encoding="utf-8"?>
+<p:sld xmlns:a="http://schemas.openxmlformats.org/drawingml/2006/main" xmlns:r="http://schemas.openxmlformats.org/officeDocument/2006/relationships" xmlns:p="http://schemas.openxmlformats.org/presentationml/2006/main">
+  <p:cSld>
+    <p:spTree>
+      <p:nvGrpSpPr>
+        <p:cNvPr id="1" name=""/>
+        <p:cNvGrpSpPr/>
+        <p:nvPr/>
+      </p:nvGrpSpPr>
+      <p:grpSpPr>
+        <a:xfrm>
+          <a:off x="0" y="0"/>
+          <a:ext cx="0" cy="0"/>
+          <a:chOff x="0" y="0"/>
+          <a:chExt cx="0" cy="0"/>
+        </a:xfrm>
+      </p:grpSpPr>
+      <p:sp>
+        <p:nvSpPr>
+          <p:cNvPr id="2" name="Title 1">
+            <a:extLst>
+              <a:ext uri="{FF2B5EF4-FFF2-40B4-BE49-F238E27FC236}">
+                <a16:creationId xmlns:a16="http://schemas.microsoft.com/office/drawing/2014/main" id="{5927944C-952F-4F1D-972B-D532B339900F}"/>
+              </a:ext>
+            </a:extLst>
+          </p:cNvPr>
+          <p:cNvSpPr>
+            <a:spLocks noGrp="1"/>
+          </p:cNvSpPr>
+          <p:nvPr>
+            <p:ph type="title"/>
+          </p:nvPr>
+        </p:nvSpPr>
+        <p:spPr/>
+        <p:txBody>
+          <a:bodyPr>
+            <a:normAutofit/>
+          </a:bodyPr>
+          <a:lstStyle/>
+          <a:p>
+            <a:r>
+              <a:rPr lang="en-US" sz="4000" dirty="0"/>
+              <a:t>Practices</a:t>
+            </a:r>
+          </a:p>
+        </p:txBody>
+      </p:sp>
+      <p:sp>
+        <p:nvSpPr>
+          <p:cNvPr id="3" name="Content Placeholder 2">
+            <a:extLst>
+              <a:ext uri="{FF2B5EF4-FFF2-40B4-BE49-F238E27FC236}">
+                <a16:creationId xmlns:a16="http://schemas.microsoft.com/office/drawing/2014/main" id="{1BDDDD91-7FB1-4366-8443-002BDE00C16D}"/>
+              </a:ext>
+            </a:extLst>
+          </p:cNvPr>
+          <p:cNvSpPr>
+            <a:spLocks noGrp="1"/>
+          </p:cNvSpPr>
+          <p:nvPr>
+            <p:ph idx="1"/>
+          </p:nvPr>
+        </p:nvSpPr>
+        <p:spPr/>
+        <p:txBody>
+          <a:bodyPr>
+            <a:normAutofit/>
+          </a:bodyPr>
+          <a:lstStyle/>
+          <a:p>
+            <a:r>
+              <a:rPr lang="en-US" dirty="0"/>
+              <a:t>3.Which of the following occurs in the daily settlement of futures contracts?</a:t>
+            </a:r>
+          </a:p>
+          <a:p>
+            <a:pPr lvl="1"/>
+            <a:r>
+              <a:rPr lang="en-US" sz="1800" b="1" dirty="0"/>
+              <a:t>A </a:t>
+            </a:r>
+            <a:r>
+              <a:rPr lang="en-US" sz="1800" dirty="0"/>
+              <a:t>Initial margin deposits are refunded to the two parties.</a:t>
+            </a:r>
+          </a:p>
+          <a:p>
+            <a:pPr lvl="1"/>
+            <a:r>
+              <a:rPr lang="en-US" sz="1800" b="1" dirty="0"/>
+              <a:t>B </a:t>
+            </a:r>
+            <a:r>
+              <a:rPr lang="en-US" sz="1800" dirty="0"/>
+              <a:t>Gains and losses are reported to other market participants.</a:t>
+            </a:r>
+          </a:p>
+          <a:p>
+            <a:pPr lvl="1"/>
+            <a:r>
+              <a:rPr lang="en-US" sz="1800" b="1" dirty="0"/>
+              <a:t>C </a:t>
+            </a:r>
+            <a:r>
+              <a:rPr lang="en-US" sz="1800" dirty="0"/>
+              <a:t>Losses are charged to one party and gains credited to the other.</a:t>
+            </a:r>
+          </a:p>
+        </p:txBody>
+      </p:sp>
+    </p:spTree>
+    <p:extLst>
+      <p:ext uri="{BB962C8B-B14F-4D97-AF65-F5344CB8AC3E}">
+        <p14:creationId xmlns:p14="http://schemas.microsoft.com/office/powerpoint/2010/main" val="914799381"/>
+      </p:ext>
+    </p:extLst>
+  </p:cSld>
+  <p:clrMapOvr>
+    <a:masterClrMapping/>
+  </p:clrMapOvr>
+</p:sld>
+</file>
+
+<file path=ppt/slides/slide36.xml><?xml version="1.0" encoding="utf-8"?>
+<p:sld xmlns:a="http://schemas.openxmlformats.org/drawingml/2006/main" xmlns:r="http://schemas.openxmlformats.org/officeDocument/2006/relationships" xmlns:p="http://schemas.openxmlformats.org/presentationml/2006/main">
+  <p:cSld>
+    <p:spTree>
+      <p:nvGrpSpPr>
+        <p:cNvPr id="1" name=""/>
+        <p:cNvGrpSpPr/>
+        <p:nvPr/>
+      </p:nvGrpSpPr>
+      <p:grpSpPr>
+        <a:xfrm>
+          <a:off x="0" y="0"/>
+          <a:ext cx="0" cy="0"/>
+          <a:chOff x="0" y="0"/>
+          <a:chExt cx="0" cy="0"/>
+        </a:xfrm>
+      </p:grpSpPr>
+      <p:sp>
+        <p:nvSpPr>
+          <p:cNvPr id="2" name="Title 1">
+            <a:extLst>
+              <a:ext uri="{FF2B5EF4-FFF2-40B4-BE49-F238E27FC236}">
+                <a16:creationId xmlns:a16="http://schemas.microsoft.com/office/drawing/2014/main" id="{3B6DC5E5-B49D-4096-80C1-B8052495A474}"/>
+              </a:ext>
+            </a:extLst>
+          </p:cNvPr>
+          <p:cNvSpPr>
+            <a:spLocks noGrp="1"/>
+          </p:cNvSpPr>
+          <p:nvPr>
+            <p:ph type="title"/>
+          </p:nvPr>
+        </p:nvSpPr>
+        <p:spPr/>
+        <p:txBody>
+          <a:bodyPr>
+            <a:normAutofit/>
+          </a:bodyPr>
+          <a:lstStyle/>
+          <a:p>
+            <a:r>
+              <a:rPr lang="en-US" sz="4000" dirty="0"/>
+              <a:t>Option Contracts</a:t>
+            </a:r>
+          </a:p>
+        </p:txBody>
+      </p:sp>
+      <p:sp>
+        <p:nvSpPr>
+          <p:cNvPr id="3" name="Content Placeholder 2">
+            <a:extLst>
+              <a:ext uri="{FF2B5EF4-FFF2-40B4-BE49-F238E27FC236}">
+                <a16:creationId xmlns:a16="http://schemas.microsoft.com/office/drawing/2014/main" id="{831B6362-3303-4415-9D10-C4E0904D67AF}"/>
+              </a:ext>
+            </a:extLst>
+          </p:cNvPr>
+          <p:cNvSpPr>
+            <a:spLocks noGrp="1"/>
+          </p:cNvSpPr>
+          <p:nvPr>
+            <p:ph idx="1"/>
+          </p:nvPr>
+        </p:nvSpPr>
+        <p:spPr/>
+        <p:txBody>
+          <a:bodyPr/>
+          <a:lstStyle/>
+          <a:p>
+            <a:r>
+              <a:rPr lang="en-US" sz="2800" dirty="0"/>
+              <a:t>Forward commitments</a:t>
+            </a:r>
+          </a:p>
+          <a:p>
+            <a:pPr lvl="1"/>
+            <a:r>
+              <a:rPr lang="en-US" sz="2800" dirty="0">
+                <a:solidFill>
+                  <a:schemeClr val="tx1"/>
+                </a:solidFill>
+              </a:rPr>
+              <a:t>Forward</a:t>
+            </a:r>
+          </a:p>
+          <a:p>
+            <a:pPr lvl="1"/>
+            <a:r>
+              <a:rPr lang="en-US" sz="2800" dirty="0">
+                <a:solidFill>
+                  <a:schemeClr val="tx1"/>
+                </a:solidFill>
+              </a:rPr>
+              <a:t>Futures</a:t>
+            </a:r>
+          </a:p>
+          <a:p>
+            <a:pPr lvl="1"/>
+            <a:r>
+              <a:rPr lang="en-US" sz="2800" dirty="0">
+                <a:solidFill>
+                  <a:schemeClr val="tx1"/>
+                </a:solidFill>
+              </a:rPr>
+              <a:t>Swap</a:t>
+            </a:r>
+          </a:p>
+          <a:p>
+            <a:r>
+              <a:rPr lang="en-US" sz="2800" dirty="0"/>
+              <a:t>Contingent claims</a:t>
+            </a:r>
+          </a:p>
+          <a:p>
+            <a:pPr lvl="1"/>
+            <a:r>
+              <a:rPr lang="en-US" sz="2800" u="sng" dirty="0">
+                <a:solidFill>
+                  <a:srgbClr val="FF0000"/>
+                </a:solidFill>
+              </a:rPr>
+              <a:t>Option</a:t>
+            </a:r>
+          </a:p>
+          <a:p>
+            <a:pPr lvl="1"/>
+            <a:r>
+              <a:rPr lang="en-US" sz="2800" dirty="0"/>
+              <a:t>Credit Derivatives</a:t>
+            </a:r>
+          </a:p>
+          <a:p>
+            <a:pPr lvl="1"/>
+            <a:endParaRPr lang="en-US" dirty="0"/>
+          </a:p>
+        </p:txBody>
+      </p:sp>
+    </p:spTree>
+    <p:extLst>
+      <p:ext uri="{BB962C8B-B14F-4D97-AF65-F5344CB8AC3E}">
+        <p14:creationId xmlns:p14="http://schemas.microsoft.com/office/powerpoint/2010/main" val="1599816682"/>
+      </p:ext>
+    </p:extLst>
+  </p:cSld>
+  <p:clrMapOvr>
+    <a:masterClrMapping/>
+  </p:clrMapOvr>
+</p:sld>
+</file>
+
+<file path=ppt/slides/slide37.xml><?xml version="1.0" encoding="utf-8"?>
+<p:sld xmlns:a="http://schemas.openxmlformats.org/drawingml/2006/main" xmlns:r="http://schemas.openxmlformats.org/officeDocument/2006/relationships" xmlns:p="http://schemas.openxmlformats.org/presentationml/2006/main">
+  <p:cSld>
+    <p:spTree>
+      <p:nvGrpSpPr>
+        <p:cNvPr id="1" name=""/>
+        <p:cNvGrpSpPr/>
+        <p:nvPr/>
+      </p:nvGrpSpPr>
+      <p:grpSpPr>
+        <a:xfrm>
+          <a:off x="0" y="0"/>
+          <a:ext cx="0" cy="0"/>
+          <a:chOff x="0" y="0"/>
+          <a:chExt cx="0" cy="0"/>
+        </a:xfrm>
+      </p:grpSpPr>
+      <p:sp>
+        <p:nvSpPr>
+          <p:cNvPr id="2" name="Title 1">
+            <a:extLst>
+              <a:ext uri="{FF2B5EF4-FFF2-40B4-BE49-F238E27FC236}">
                 <a16:creationId xmlns:a16="http://schemas.microsoft.com/office/drawing/2014/main" id="{5EB0AABE-1CAE-4EC1-80D9-3EEF9BF9A4EE}"/>
               </a:ext>
             </a:extLst>
@@ -11619,7 +11966,7 @@
 </p:sld>
 </file>
 
-<file path=ppt/slides/slide35.xml><?xml version="1.0" encoding="utf-8"?>
+<file path=ppt/slides/slide38.xml><?xml version="1.0" encoding="utf-8"?>
 <p:sld xmlns:a="http://schemas.openxmlformats.org/drawingml/2006/main" xmlns:r="http://schemas.openxmlformats.org/officeDocument/2006/relationships" xmlns:p="http://schemas.openxmlformats.org/presentationml/2006/main">
   <p:cSld>
     <p:spTree>
@@ -12141,7 +12488,7 @@
 </p:sld>
 </file>
 
-<file path=ppt/slides/slide36.xml><?xml version="1.0" encoding="utf-8"?>
+<file path=ppt/slides/slide39.xml><?xml version="1.0" encoding="utf-8"?>
 <p:sld xmlns:a="http://schemas.openxmlformats.org/drawingml/2006/main" xmlns:r="http://schemas.openxmlformats.org/officeDocument/2006/relationships" xmlns:p="http://schemas.openxmlformats.org/presentationml/2006/main">
   <p:cSld>
     <p:spTree>
@@ -12297,7 +12644,7 @@
 </p:sld>
 </file>
 
-<file path=ppt/slides/slide37.xml><?xml version="1.0" encoding="utf-8"?>
+<file path=ppt/slides/slide4.xml><?xml version="1.0" encoding="utf-8"?>
 <p:sld xmlns:a="http://schemas.openxmlformats.org/drawingml/2006/main" xmlns:r="http://schemas.openxmlformats.org/officeDocument/2006/relationships" xmlns:p="http://schemas.openxmlformats.org/presentationml/2006/main">
   <p:cSld>
     <p:spTree>
@@ -12319,7 +12666,7 @@
           <p:cNvPr id="2" name="Title 1">
             <a:extLst>
               <a:ext uri="{FF2B5EF4-FFF2-40B4-BE49-F238E27FC236}">
-                <a16:creationId xmlns:a16="http://schemas.microsoft.com/office/drawing/2014/main" id="{DEE8B14E-6C89-44B2-997A-D533828A5927}"/>
+                <a16:creationId xmlns:a16="http://schemas.microsoft.com/office/drawing/2014/main" id="{E94617E6-4169-44D7-ADCE-3B9EA049664F}"/>
               </a:ext>
             </a:extLst>
           </p:cNvPr>
@@ -12332,19 +12679,14 @@
         </p:nvSpPr>
         <p:spPr/>
         <p:txBody>
-          <a:bodyPr/>
+          <a:bodyPr>
+            <a:normAutofit/>
+          </a:bodyPr>
           <a:lstStyle/>
           <a:p>
             <a:r>
               <a:rPr lang="en-US" sz="4000" dirty="0"/>
-              <a:t>Option Contracts</a:t>
-            </a:r>
-            <a:br>
-              <a:rPr lang="en-US" dirty="0"/>
-            </a:br>
-            <a:r>
-              <a:rPr lang="en-US" dirty="0"/>
-              <a:t>Call Option</a:t>
+              <a:t>Basic Derivative Concepts</a:t>
             </a:r>
           </a:p>
         </p:txBody>
@@ -12354,7 +12696,7 @@
           <p:cNvPr id="3" name="Content Placeholder 2">
             <a:extLst>
               <a:ext uri="{FF2B5EF4-FFF2-40B4-BE49-F238E27FC236}">
-                <a16:creationId xmlns:a16="http://schemas.microsoft.com/office/drawing/2014/main" id="{3ECD996B-BC89-4834-BB58-AC2340B223D3}"/>
+                <a16:creationId xmlns:a16="http://schemas.microsoft.com/office/drawing/2014/main" id="{8ABE3BEB-A5DB-4FEF-8C80-E8CB9E0F80E1}"/>
               </a:ext>
             </a:extLst>
           </p:cNvPr>
@@ -12367,95 +12709,52 @@
         </p:nvSpPr>
         <p:spPr/>
         <p:txBody>
-          <a:bodyPr/>
-          <a:lstStyle/>
-          <a:p>
-            <a:r>
-              <a:rPr lang="en-US" dirty="0"/>
-              <a:t>Payoff of call option</a:t>
-            </a:r>
-          </a:p>
-          <a:p>
-            <a:pPr lvl="1"/>
-            <a:r>
-              <a:rPr lang="en-US" dirty="0"/>
-              <a:t>Long call = MAX (S</a:t>
-            </a:r>
-            <a:r>
-              <a:rPr lang="en-US" baseline="-25000" dirty="0"/>
-              <a:t>T</a:t>
-            </a:r>
-            <a:r>
-              <a:rPr lang="en-US" dirty="0"/>
-              <a:t>-X,0)</a:t>
-            </a:r>
-          </a:p>
-          <a:p>
-            <a:pPr lvl="1"/>
-            <a:r>
-              <a:rPr lang="en-US" dirty="0"/>
-              <a:t>Short call = - MAX (S</a:t>
-            </a:r>
-            <a:r>
-              <a:rPr lang="en-US" baseline="-25000" dirty="0"/>
-              <a:t>T</a:t>
-            </a:r>
-            <a:r>
-              <a:rPr lang="en-US" dirty="0"/>
-              <a:t>-X,0)</a:t>
-            </a:r>
-          </a:p>
-          <a:p>
-            <a:endParaRPr lang="en-US" dirty="0"/>
-          </a:p>
-          <a:p>
-            <a:r>
-              <a:rPr lang="en-US" dirty="0"/>
-              <a:t>Profit of call option</a:t>
-            </a:r>
-          </a:p>
-          <a:p>
-            <a:pPr lvl="1"/>
-            <a:r>
-              <a:rPr lang="en-US" dirty="0"/>
-              <a:t>Long call = MAX (S</a:t>
-            </a:r>
-            <a:r>
-              <a:rPr lang="en-US" baseline="-25000" dirty="0"/>
-              <a:t>T</a:t>
-            </a:r>
-            <a:r>
-              <a:rPr lang="en-US" dirty="0"/>
-              <a:t>-X,0) – C</a:t>
-            </a:r>
-          </a:p>
-          <a:p>
-            <a:pPr lvl="1"/>
-            <a:r>
-              <a:rPr lang="en-US" dirty="0"/>
-              <a:t>Short call = - MAX (S</a:t>
-            </a:r>
-            <a:r>
-              <a:rPr lang="en-US" baseline="-25000" dirty="0"/>
-              <a:t>T</a:t>
-            </a:r>
-            <a:r>
-              <a:rPr lang="en-US" dirty="0"/>
-              <a:t>-X,0) + C</a:t>
-            </a:r>
-          </a:p>
-          <a:p>
-            <a:endParaRPr lang="en-US" dirty="0"/>
-          </a:p>
-          <a:p>
-            <a:endParaRPr lang="en-US" dirty="0"/>
+          <a:bodyPr>
+            <a:normAutofit/>
+          </a:bodyPr>
+          <a:lstStyle/>
+          <a:p>
+            <a:r>
+              <a:rPr lang="en-US" sz="2000" dirty="0"/>
+              <a:t>A </a:t>
+            </a:r>
+            <a:r>
+              <a:rPr lang="en-US" sz="2000" dirty="0">
+                <a:solidFill>
+                  <a:srgbClr val="FF0000"/>
+                </a:solidFill>
+              </a:rPr>
+              <a:t>forward</a:t>
+            </a:r>
+            <a:r>
+              <a:rPr lang="en-US" sz="2000" dirty="0"/>
+              <a:t> contract is an over-the-counter derivative contract in which two parties agree that one party, the buyer, will purchase an underlying asset from the other party, the seller, at a later date at a fixed price they agree upon when the contract is signed.</a:t>
+            </a:r>
+          </a:p>
+          <a:p>
+            <a:r>
+              <a:rPr lang="en-US" sz="2000" dirty="0"/>
+              <a:t>A </a:t>
+            </a:r>
+            <a:r>
+              <a:rPr lang="en-US" sz="2000" dirty="0">
+                <a:solidFill>
+                  <a:srgbClr val="FF0000"/>
+                </a:solidFill>
+              </a:rPr>
+              <a:t>futures</a:t>
+            </a:r>
+            <a:r>
+              <a:rPr lang="en-US" sz="2000" dirty="0"/>
+              <a:t> contract is a standardized derivative contract created and traded on a futures exchange in which two parties agree that one party, the buyer, will purchase an underlying asset from the other party, the seller, at a later date at a price agreed upon by the two parties when the contract is initiated and in which there is a daily settling of gains and losses and a credit guarantee by the futures exchange through its clearinghouse</a:t>
+            </a:r>
           </a:p>
         </p:txBody>
       </p:sp>
     </p:spTree>
     <p:extLst>
       <p:ext uri="{BB962C8B-B14F-4D97-AF65-F5344CB8AC3E}">
-        <p14:creationId xmlns:p14="http://schemas.microsoft.com/office/powerpoint/2010/main" val="788119096"/>
+        <p14:creationId xmlns:p14="http://schemas.microsoft.com/office/powerpoint/2010/main" val="2424597150"/>
       </p:ext>
     </p:extLst>
   </p:cSld>
@@ -12465,7 +12764,7 @@
 </p:sld>
 </file>
 
-<file path=ppt/slides/slide38.xml><?xml version="1.0" encoding="utf-8"?>
+<file path=ppt/slides/slide40.xml><?xml version="1.0" encoding="utf-8"?>
 <p:sld xmlns:a="http://schemas.openxmlformats.org/drawingml/2006/main" xmlns:r="http://schemas.openxmlformats.org/officeDocument/2006/relationships" xmlns:p="http://schemas.openxmlformats.org/presentationml/2006/main">
   <p:cSld>
     <p:spTree>
@@ -12487,6 +12786,174 @@
           <p:cNvPr id="2" name="Title 1">
             <a:extLst>
               <a:ext uri="{FF2B5EF4-FFF2-40B4-BE49-F238E27FC236}">
+                <a16:creationId xmlns:a16="http://schemas.microsoft.com/office/drawing/2014/main" id="{DEE8B14E-6C89-44B2-997A-D533828A5927}"/>
+              </a:ext>
+            </a:extLst>
+          </p:cNvPr>
+          <p:cNvSpPr>
+            <a:spLocks noGrp="1"/>
+          </p:cNvSpPr>
+          <p:nvPr>
+            <p:ph type="title"/>
+          </p:nvPr>
+        </p:nvSpPr>
+        <p:spPr/>
+        <p:txBody>
+          <a:bodyPr/>
+          <a:lstStyle/>
+          <a:p>
+            <a:r>
+              <a:rPr lang="en-US" sz="4000" dirty="0"/>
+              <a:t>Option Contracts</a:t>
+            </a:r>
+            <a:br>
+              <a:rPr lang="en-US" dirty="0"/>
+            </a:br>
+            <a:r>
+              <a:rPr lang="en-US" dirty="0"/>
+              <a:t>Call Option</a:t>
+            </a:r>
+          </a:p>
+        </p:txBody>
+      </p:sp>
+      <p:sp>
+        <p:nvSpPr>
+          <p:cNvPr id="3" name="Content Placeholder 2">
+            <a:extLst>
+              <a:ext uri="{FF2B5EF4-FFF2-40B4-BE49-F238E27FC236}">
+                <a16:creationId xmlns:a16="http://schemas.microsoft.com/office/drawing/2014/main" id="{3ECD996B-BC89-4834-BB58-AC2340B223D3}"/>
+              </a:ext>
+            </a:extLst>
+          </p:cNvPr>
+          <p:cNvSpPr>
+            <a:spLocks noGrp="1"/>
+          </p:cNvSpPr>
+          <p:nvPr>
+            <p:ph idx="1"/>
+          </p:nvPr>
+        </p:nvSpPr>
+        <p:spPr/>
+        <p:txBody>
+          <a:bodyPr/>
+          <a:lstStyle/>
+          <a:p>
+            <a:r>
+              <a:rPr lang="en-US" dirty="0"/>
+              <a:t>Payoff of call option</a:t>
+            </a:r>
+          </a:p>
+          <a:p>
+            <a:pPr lvl="1"/>
+            <a:r>
+              <a:rPr lang="en-US" dirty="0"/>
+              <a:t>Long call = MAX (S</a:t>
+            </a:r>
+            <a:r>
+              <a:rPr lang="en-US" baseline="-25000" dirty="0"/>
+              <a:t>T</a:t>
+            </a:r>
+            <a:r>
+              <a:rPr lang="en-US" dirty="0"/>
+              <a:t>-X,0)</a:t>
+            </a:r>
+          </a:p>
+          <a:p>
+            <a:pPr lvl="1"/>
+            <a:r>
+              <a:rPr lang="en-US" dirty="0"/>
+              <a:t>Short call = - MAX (S</a:t>
+            </a:r>
+            <a:r>
+              <a:rPr lang="en-US" baseline="-25000" dirty="0"/>
+              <a:t>T</a:t>
+            </a:r>
+            <a:r>
+              <a:rPr lang="en-US" dirty="0"/>
+              <a:t>-X,0)</a:t>
+            </a:r>
+          </a:p>
+          <a:p>
+            <a:endParaRPr lang="en-US" dirty="0"/>
+          </a:p>
+          <a:p>
+            <a:r>
+              <a:rPr lang="en-US" dirty="0"/>
+              <a:t>Profit of call option</a:t>
+            </a:r>
+          </a:p>
+          <a:p>
+            <a:pPr lvl="1"/>
+            <a:r>
+              <a:rPr lang="en-US" dirty="0"/>
+              <a:t>Long call = MAX (S</a:t>
+            </a:r>
+            <a:r>
+              <a:rPr lang="en-US" baseline="-25000" dirty="0"/>
+              <a:t>T</a:t>
+            </a:r>
+            <a:r>
+              <a:rPr lang="en-US" dirty="0"/>
+              <a:t>-X,0) – C</a:t>
+            </a:r>
+          </a:p>
+          <a:p>
+            <a:pPr lvl="1"/>
+            <a:r>
+              <a:rPr lang="en-US" dirty="0"/>
+              <a:t>Short call = - MAX (S</a:t>
+            </a:r>
+            <a:r>
+              <a:rPr lang="en-US" baseline="-25000" dirty="0"/>
+              <a:t>T</a:t>
+            </a:r>
+            <a:r>
+              <a:rPr lang="en-US" dirty="0"/>
+              <a:t>-X,0) + C</a:t>
+            </a:r>
+          </a:p>
+          <a:p>
+            <a:endParaRPr lang="en-US" dirty="0"/>
+          </a:p>
+          <a:p>
+            <a:endParaRPr lang="en-US" dirty="0"/>
+          </a:p>
+        </p:txBody>
+      </p:sp>
+    </p:spTree>
+    <p:extLst>
+      <p:ext uri="{BB962C8B-B14F-4D97-AF65-F5344CB8AC3E}">
+        <p14:creationId xmlns:p14="http://schemas.microsoft.com/office/powerpoint/2010/main" val="788119096"/>
+      </p:ext>
+    </p:extLst>
+  </p:cSld>
+  <p:clrMapOvr>
+    <a:masterClrMapping/>
+  </p:clrMapOvr>
+</p:sld>
+</file>
+
+<file path=ppt/slides/slide41.xml><?xml version="1.0" encoding="utf-8"?>
+<p:sld xmlns:a="http://schemas.openxmlformats.org/drawingml/2006/main" xmlns:r="http://schemas.openxmlformats.org/officeDocument/2006/relationships" xmlns:p="http://schemas.openxmlformats.org/presentationml/2006/main">
+  <p:cSld>
+    <p:spTree>
+      <p:nvGrpSpPr>
+        <p:cNvPr id="1" name=""/>
+        <p:cNvGrpSpPr/>
+        <p:nvPr/>
+      </p:nvGrpSpPr>
+      <p:grpSpPr>
+        <a:xfrm>
+          <a:off x="0" y="0"/>
+          <a:ext cx="0" cy="0"/>
+          <a:chOff x="0" y="0"/>
+          <a:chExt cx="0" cy="0"/>
+        </a:xfrm>
+      </p:grpSpPr>
+      <p:sp>
+        <p:nvSpPr>
+          <p:cNvPr id="2" name="Title 1">
+            <a:extLst>
+              <a:ext uri="{FF2B5EF4-FFF2-40B4-BE49-F238E27FC236}">
                 <a16:creationId xmlns:a16="http://schemas.microsoft.com/office/drawing/2014/main" id="{0BD82D5C-0BCB-4204-880D-B8CFE7F77D6E}"/>
               </a:ext>
             </a:extLst>
@@ -12599,7 +13066,7 @@
 </p:sld>
 </file>
 
-<file path=ppt/slides/slide39.xml><?xml version="1.0" encoding="utf-8"?>
+<file path=ppt/slides/slide42.xml><?xml version="1.0" encoding="utf-8"?>
 <p:sld xmlns:a="http://schemas.openxmlformats.org/drawingml/2006/main" xmlns:r="http://schemas.openxmlformats.org/officeDocument/2006/relationships" xmlns:p="http://schemas.openxmlformats.org/presentationml/2006/main">
   <p:cSld>
     <p:spTree>
@@ -13046,127 +13513,7 @@
 </p:sld>
 </file>
 
-<file path=ppt/slides/slide4.xml><?xml version="1.0" encoding="utf-8"?>
-<p:sld xmlns:a="http://schemas.openxmlformats.org/drawingml/2006/main" xmlns:r="http://schemas.openxmlformats.org/officeDocument/2006/relationships" xmlns:p="http://schemas.openxmlformats.org/presentationml/2006/main">
-  <p:cSld>
-    <p:spTree>
-      <p:nvGrpSpPr>
-        <p:cNvPr id="1" name=""/>
-        <p:cNvGrpSpPr/>
-        <p:nvPr/>
-      </p:nvGrpSpPr>
-      <p:grpSpPr>
-        <a:xfrm>
-          <a:off x="0" y="0"/>
-          <a:ext cx="0" cy="0"/>
-          <a:chOff x="0" y="0"/>
-          <a:chExt cx="0" cy="0"/>
-        </a:xfrm>
-      </p:grpSpPr>
-      <p:sp>
-        <p:nvSpPr>
-          <p:cNvPr id="2" name="Title 1">
-            <a:extLst>
-              <a:ext uri="{FF2B5EF4-FFF2-40B4-BE49-F238E27FC236}">
-                <a16:creationId xmlns:a16="http://schemas.microsoft.com/office/drawing/2014/main" id="{E94617E6-4169-44D7-ADCE-3B9EA049664F}"/>
-              </a:ext>
-            </a:extLst>
-          </p:cNvPr>
-          <p:cNvSpPr>
-            <a:spLocks noGrp="1"/>
-          </p:cNvSpPr>
-          <p:nvPr>
-            <p:ph type="title"/>
-          </p:nvPr>
-        </p:nvSpPr>
-        <p:spPr/>
-        <p:txBody>
-          <a:bodyPr>
-            <a:normAutofit/>
-          </a:bodyPr>
-          <a:lstStyle/>
-          <a:p>
-            <a:r>
-              <a:rPr lang="en-US" sz="4000" dirty="0"/>
-              <a:t>Basic Derivative Concepts</a:t>
-            </a:r>
-          </a:p>
-        </p:txBody>
-      </p:sp>
-      <p:sp>
-        <p:nvSpPr>
-          <p:cNvPr id="3" name="Content Placeholder 2">
-            <a:extLst>
-              <a:ext uri="{FF2B5EF4-FFF2-40B4-BE49-F238E27FC236}">
-                <a16:creationId xmlns:a16="http://schemas.microsoft.com/office/drawing/2014/main" id="{8ABE3BEB-A5DB-4FEF-8C80-E8CB9E0F80E1}"/>
-              </a:ext>
-            </a:extLst>
-          </p:cNvPr>
-          <p:cNvSpPr>
-            <a:spLocks noGrp="1"/>
-          </p:cNvSpPr>
-          <p:nvPr>
-            <p:ph idx="1"/>
-          </p:nvPr>
-        </p:nvSpPr>
-        <p:spPr/>
-        <p:txBody>
-          <a:bodyPr>
-            <a:normAutofit/>
-          </a:bodyPr>
-          <a:lstStyle/>
-          <a:p>
-            <a:r>
-              <a:rPr lang="en-US" sz="2000" dirty="0"/>
-              <a:t>A </a:t>
-            </a:r>
-            <a:r>
-              <a:rPr lang="en-US" sz="2000" dirty="0">
-                <a:solidFill>
-                  <a:srgbClr val="FF0000"/>
-                </a:solidFill>
-              </a:rPr>
-              <a:t>forward</a:t>
-            </a:r>
-            <a:r>
-              <a:rPr lang="en-US" sz="2000" dirty="0"/>
-              <a:t> contract is an over-the-counter derivative contract in which two parties agree that one party, the buyer, will purchase an underlying asset from the other party, the seller, at a later date at a fixed price they agree upon when the contract is signed.</a:t>
-            </a:r>
-          </a:p>
-          <a:p>
-            <a:r>
-              <a:rPr lang="en-US" sz="2000" dirty="0"/>
-              <a:t>A </a:t>
-            </a:r>
-            <a:r>
-              <a:rPr lang="en-US" sz="2000" dirty="0">
-                <a:solidFill>
-                  <a:srgbClr val="FF0000"/>
-                </a:solidFill>
-              </a:rPr>
-              <a:t>futures</a:t>
-            </a:r>
-            <a:r>
-              <a:rPr lang="en-US" sz="2000" dirty="0"/>
-              <a:t> contract is a standardized derivative contract created and traded on a futures exchange in which two parties agree that one party, the buyer, will purchase an underlying asset from the other party, the seller, at a later date at a price agreed upon by the two parties when the contract is initiated and in which there is a daily settling of gains and losses and a credit guarantee by the futures exchange through its clearinghouse</a:t>
-            </a:r>
-          </a:p>
-        </p:txBody>
-      </p:sp>
-    </p:spTree>
-    <p:extLst>
-      <p:ext uri="{BB962C8B-B14F-4D97-AF65-F5344CB8AC3E}">
-        <p14:creationId xmlns:p14="http://schemas.microsoft.com/office/powerpoint/2010/main" val="2424597150"/>
-      </p:ext>
-    </p:extLst>
-  </p:cSld>
-  <p:clrMapOvr>
-    <a:masterClrMapping/>
-  </p:clrMapOvr>
-</p:sld>
-</file>
-
-<file path=ppt/slides/slide40.xml><?xml version="1.0" encoding="utf-8"?>
+<file path=ppt/slides/slide43.xml><?xml version="1.0" encoding="utf-8"?>
 <p:sld xmlns:a="http://schemas.openxmlformats.org/drawingml/2006/main" xmlns:r="http://schemas.openxmlformats.org/officeDocument/2006/relationships" xmlns:p="http://schemas.openxmlformats.org/presentationml/2006/main">
   <p:cSld>
     <p:spTree>
@@ -13322,7 +13669,7 @@
 </p:sld>
 </file>
 
-<file path=ppt/slides/slide41.xml><?xml version="1.0" encoding="utf-8"?>
+<file path=ppt/slides/slide44.xml><?xml version="1.0" encoding="utf-8"?>
 <p:sld xmlns:a="http://schemas.openxmlformats.org/drawingml/2006/main" xmlns:r="http://schemas.openxmlformats.org/officeDocument/2006/relationships" xmlns:p="http://schemas.openxmlformats.org/presentationml/2006/main">
   <p:cSld>
     <p:spTree>
@@ -13538,7 +13885,7 @@
 </p:sld>
 </file>
 
-<file path=ppt/slides/slide42.xml><?xml version="1.0" encoding="utf-8"?>
+<file path=ppt/slides/slide45.xml><?xml version="1.0" encoding="utf-8"?>
 <p:sld xmlns:a="http://schemas.openxmlformats.org/drawingml/2006/main" xmlns:r="http://schemas.openxmlformats.org/officeDocument/2006/relationships" xmlns:p="http://schemas.openxmlformats.org/presentationml/2006/main">
   <p:cSld>
     <p:spTree>
@@ -13670,7 +14017,7 @@
 </p:sld>
 </file>
 
-<file path=ppt/slides/slide43.xml><?xml version="1.0" encoding="utf-8"?>
+<file path=ppt/slides/slide46.xml><?xml version="1.0" encoding="utf-8"?>
 <p:sld xmlns:a="http://schemas.openxmlformats.org/drawingml/2006/main" xmlns:r="http://schemas.openxmlformats.org/officeDocument/2006/relationships" xmlns:p="http://schemas.openxmlformats.org/presentationml/2006/main">
   <p:cSld>
     <p:spTree>
@@ -13871,7 +14218,7 @@
 </p:sld>
 </file>
 
-<file path=ppt/slides/slide44.xml><?xml version="1.0" encoding="utf-8"?>
+<file path=ppt/slides/slide47.xml><?xml version="1.0" encoding="utf-8"?>
 <p:sld xmlns:a="http://schemas.openxmlformats.org/drawingml/2006/main" xmlns:r="http://schemas.openxmlformats.org/officeDocument/2006/relationships" xmlns:p="http://schemas.openxmlformats.org/presentationml/2006/main">
   <p:cSld>
     <p:spTree>
@@ -14321,445 +14668,6 @@
 </p:sld>
 </file>
 
-<file path=ppt/slides/slide45.xml><?xml version="1.0" encoding="utf-8"?>
-<p:sld xmlns:a="http://schemas.openxmlformats.org/drawingml/2006/main" xmlns:r="http://schemas.openxmlformats.org/officeDocument/2006/relationships" xmlns:p="http://schemas.openxmlformats.org/presentationml/2006/main">
-  <p:cSld>
-    <p:spTree>
-      <p:nvGrpSpPr>
-        <p:cNvPr id="1" name=""/>
-        <p:cNvGrpSpPr/>
-        <p:nvPr/>
-      </p:nvGrpSpPr>
-      <p:grpSpPr>
-        <a:xfrm>
-          <a:off x="0" y="0"/>
-          <a:ext cx="0" cy="0"/>
-          <a:chOff x="0" y="0"/>
-          <a:chExt cx="0" cy="0"/>
-        </a:xfrm>
-      </p:grpSpPr>
-      <p:sp>
-        <p:nvSpPr>
-          <p:cNvPr id="2" name="Title 1">
-            <a:extLst>
-              <a:ext uri="{FF2B5EF4-FFF2-40B4-BE49-F238E27FC236}">
-                <a16:creationId xmlns:a16="http://schemas.microsoft.com/office/drawing/2014/main" id="{A3BB96AB-1005-48C4-8495-D9268F80EAD9}"/>
-              </a:ext>
-            </a:extLst>
-          </p:cNvPr>
-          <p:cNvSpPr>
-            <a:spLocks noGrp="1"/>
-          </p:cNvSpPr>
-          <p:nvPr>
-            <p:ph type="title"/>
-          </p:nvPr>
-        </p:nvSpPr>
-        <p:spPr/>
-        <p:txBody>
-          <a:bodyPr>
-            <a:normAutofit/>
-          </a:bodyPr>
-          <a:lstStyle/>
-          <a:p>
-            <a:r>
-              <a:rPr lang="en-US" sz="4000" dirty="0"/>
-              <a:t>Practices</a:t>
-            </a:r>
-          </a:p>
-        </p:txBody>
-      </p:sp>
-      <p:sp>
-        <p:nvSpPr>
-          <p:cNvPr id="3" name="Content Placeholder 2">
-            <a:extLst>
-              <a:ext uri="{FF2B5EF4-FFF2-40B4-BE49-F238E27FC236}">
-                <a16:creationId xmlns:a16="http://schemas.microsoft.com/office/drawing/2014/main" id="{74011303-55EE-4922-82A1-052AEDDE02C8}"/>
-              </a:ext>
-            </a:extLst>
-          </p:cNvPr>
-          <p:cNvSpPr>
-            <a:spLocks noGrp="1"/>
-          </p:cNvSpPr>
-          <p:nvPr>
-            <p:ph idx="1"/>
-          </p:nvPr>
-        </p:nvSpPr>
-        <p:spPr/>
-        <p:txBody>
-          <a:bodyPr>
-            <a:noAutofit/>
-          </a:bodyPr>
-          <a:lstStyle/>
-          <a:p>
-            <a:r>
-              <a:rPr lang="en-US" sz="2000" dirty="0"/>
-              <a:t>1.An option provides which of the following?</a:t>
-            </a:r>
-          </a:p>
-          <a:p>
-            <a:pPr lvl="1"/>
-            <a:r>
-              <a:rPr lang="en-US" sz="2000" dirty="0"/>
-              <a:t>A Either the right to buy or the right to sell an underlying</a:t>
-            </a:r>
-          </a:p>
-          <a:p>
-            <a:pPr lvl="1"/>
-            <a:r>
-              <a:rPr lang="en-US" sz="2000" dirty="0"/>
-              <a:t>B The right to buy and sell, with the choice made at expiration</a:t>
-            </a:r>
-          </a:p>
-          <a:p>
-            <a:pPr lvl="1"/>
-            <a:r>
-              <a:rPr lang="en-US" sz="2000" dirty="0"/>
-              <a:t>C The obligation to buy or sell, which can be converted into the right to buy or sell</a:t>
-            </a:r>
-          </a:p>
-          <a:p>
-            <a:r>
-              <a:rPr lang="en-US" sz="2000" dirty="0"/>
-              <a:t>2.Which of the following is not a characteristic of a call option on a stock?</a:t>
-            </a:r>
-          </a:p>
-          <a:p>
-            <a:pPr lvl="1"/>
-            <a:r>
-              <a:rPr lang="en-US" sz="2000" dirty="0"/>
-              <a:t>A </a:t>
-            </a:r>
-            <a:r>
-              <a:rPr lang="en-US" sz="2000" dirty="0" err="1"/>
-              <a:t>A</a:t>
-            </a:r>
-            <a:r>
-              <a:rPr lang="en-US" sz="2000" dirty="0"/>
-              <a:t> guarantee that the stock will increase</a:t>
-            </a:r>
-          </a:p>
-          <a:p>
-            <a:pPr lvl="1"/>
-            <a:r>
-              <a:rPr lang="en-US" sz="2000" dirty="0"/>
-              <a:t>B A specified date on which the right to buy expires</a:t>
-            </a:r>
-          </a:p>
-          <a:p>
-            <a:pPr lvl="1"/>
-            <a:r>
-              <a:rPr lang="en-US" sz="2000" dirty="0"/>
-              <a:t>C A fixed price at which the call holder can buy the stock</a:t>
-            </a:r>
-          </a:p>
-        </p:txBody>
-      </p:sp>
-    </p:spTree>
-    <p:extLst>
-      <p:ext uri="{BB962C8B-B14F-4D97-AF65-F5344CB8AC3E}">
-        <p14:creationId xmlns:p14="http://schemas.microsoft.com/office/powerpoint/2010/main" val="3225362099"/>
-      </p:ext>
-    </p:extLst>
-  </p:cSld>
-  <p:clrMapOvr>
-    <a:masterClrMapping/>
-  </p:clrMapOvr>
-</p:sld>
-</file>
-
-<file path=ppt/slides/slide46.xml><?xml version="1.0" encoding="utf-8"?>
-<p:sld xmlns:a="http://schemas.openxmlformats.org/drawingml/2006/main" xmlns:r="http://schemas.openxmlformats.org/officeDocument/2006/relationships" xmlns:p="http://schemas.openxmlformats.org/presentationml/2006/main">
-  <p:cSld>
-    <p:spTree>
-      <p:nvGrpSpPr>
-        <p:cNvPr id="1" name=""/>
-        <p:cNvGrpSpPr/>
-        <p:nvPr/>
-      </p:nvGrpSpPr>
-      <p:grpSpPr>
-        <a:xfrm>
-          <a:off x="0" y="0"/>
-          <a:ext cx="0" cy="0"/>
-          <a:chOff x="0" y="0"/>
-          <a:chExt cx="0" cy="0"/>
-        </a:xfrm>
-      </p:grpSpPr>
-      <p:sp>
-        <p:nvSpPr>
-          <p:cNvPr id="2" name="Title 1">
-            <a:extLst>
-              <a:ext uri="{FF2B5EF4-FFF2-40B4-BE49-F238E27FC236}">
-                <a16:creationId xmlns:a16="http://schemas.microsoft.com/office/drawing/2014/main" id="{3B6DC5E5-B49D-4096-80C1-B8052495A474}"/>
-              </a:ext>
-            </a:extLst>
-          </p:cNvPr>
-          <p:cNvSpPr>
-            <a:spLocks noGrp="1"/>
-          </p:cNvSpPr>
-          <p:nvPr>
-            <p:ph type="title"/>
-          </p:nvPr>
-        </p:nvSpPr>
-        <p:spPr/>
-        <p:txBody>
-          <a:bodyPr>
-            <a:normAutofit fontScale="90000"/>
-          </a:bodyPr>
-          <a:lstStyle/>
-          <a:p>
-            <a:r>
-              <a:rPr lang="en-US" sz="4400" dirty="0"/>
-              <a:t>Credit Derivatives</a:t>
-            </a:r>
-            <a:br>
-              <a:rPr lang="en-US" sz="4000" dirty="0"/>
-            </a:br>
-            <a:br>
-              <a:rPr lang="en-US" sz="4000" dirty="0"/>
-            </a:br>
-            <a:endParaRPr lang="en-US" sz="4000" dirty="0"/>
-          </a:p>
-        </p:txBody>
-      </p:sp>
-      <p:sp>
-        <p:nvSpPr>
-          <p:cNvPr id="3" name="Content Placeholder 2">
-            <a:extLst>
-              <a:ext uri="{FF2B5EF4-FFF2-40B4-BE49-F238E27FC236}">
-                <a16:creationId xmlns:a16="http://schemas.microsoft.com/office/drawing/2014/main" id="{831B6362-3303-4415-9D10-C4E0904D67AF}"/>
-              </a:ext>
-            </a:extLst>
-          </p:cNvPr>
-          <p:cNvSpPr>
-            <a:spLocks noGrp="1"/>
-          </p:cNvSpPr>
-          <p:nvPr>
-            <p:ph idx="1"/>
-          </p:nvPr>
-        </p:nvSpPr>
-        <p:spPr/>
-        <p:txBody>
-          <a:bodyPr/>
-          <a:lstStyle/>
-          <a:p>
-            <a:r>
-              <a:rPr lang="en-US" sz="2800" dirty="0"/>
-              <a:t>Forward commitments</a:t>
-            </a:r>
-          </a:p>
-          <a:p>
-            <a:pPr lvl="1"/>
-            <a:r>
-              <a:rPr lang="en-US" sz="2800" dirty="0">
-                <a:solidFill>
-                  <a:schemeClr val="tx1"/>
-                </a:solidFill>
-              </a:rPr>
-              <a:t>Forward</a:t>
-            </a:r>
-          </a:p>
-          <a:p>
-            <a:pPr lvl="1"/>
-            <a:r>
-              <a:rPr lang="en-US" sz="2800" dirty="0">
-                <a:solidFill>
-                  <a:schemeClr val="tx1"/>
-                </a:solidFill>
-              </a:rPr>
-              <a:t>Futures</a:t>
-            </a:r>
-          </a:p>
-          <a:p>
-            <a:pPr lvl="1"/>
-            <a:r>
-              <a:rPr lang="en-US" sz="2800" dirty="0">
-                <a:solidFill>
-                  <a:schemeClr val="tx1"/>
-                </a:solidFill>
-              </a:rPr>
-              <a:t>Swap</a:t>
-            </a:r>
-          </a:p>
-          <a:p>
-            <a:r>
-              <a:rPr lang="en-US" sz="2800" dirty="0"/>
-              <a:t>Contingent claims</a:t>
-            </a:r>
-          </a:p>
-          <a:p>
-            <a:pPr lvl="1"/>
-            <a:r>
-              <a:rPr lang="en-US" sz="2800" dirty="0">
-                <a:solidFill>
-                  <a:schemeClr val="tx1"/>
-                </a:solidFill>
-              </a:rPr>
-              <a:t>Option</a:t>
-            </a:r>
-          </a:p>
-          <a:p>
-            <a:pPr lvl="1"/>
-            <a:r>
-              <a:rPr lang="en-US" sz="2800" u="sng" dirty="0">
-                <a:solidFill>
-                  <a:srgbClr val="FF0000"/>
-                </a:solidFill>
-              </a:rPr>
-              <a:t>Credit Derivatives</a:t>
-            </a:r>
-          </a:p>
-          <a:p>
-            <a:pPr lvl="1"/>
-            <a:endParaRPr lang="en-US" dirty="0"/>
-          </a:p>
-        </p:txBody>
-      </p:sp>
-    </p:spTree>
-    <p:extLst>
-      <p:ext uri="{BB962C8B-B14F-4D97-AF65-F5344CB8AC3E}">
-        <p14:creationId xmlns:p14="http://schemas.microsoft.com/office/powerpoint/2010/main" val="2303669535"/>
-      </p:ext>
-    </p:extLst>
-  </p:cSld>
-  <p:clrMapOvr>
-    <a:masterClrMapping/>
-  </p:clrMapOvr>
-</p:sld>
-</file>
-
-<file path=ppt/slides/slide47.xml><?xml version="1.0" encoding="utf-8"?>
-<p:sld xmlns:a="http://schemas.openxmlformats.org/drawingml/2006/main" xmlns:r="http://schemas.openxmlformats.org/officeDocument/2006/relationships" xmlns:p="http://schemas.openxmlformats.org/presentationml/2006/main">
-  <p:cSld>
-    <p:spTree>
-      <p:nvGrpSpPr>
-        <p:cNvPr id="1" name=""/>
-        <p:cNvGrpSpPr/>
-        <p:nvPr/>
-      </p:nvGrpSpPr>
-      <p:grpSpPr>
-        <a:xfrm>
-          <a:off x="0" y="0"/>
-          <a:ext cx="0" cy="0"/>
-          <a:chOff x="0" y="0"/>
-          <a:chExt cx="0" cy="0"/>
-        </a:xfrm>
-      </p:grpSpPr>
-      <p:sp>
-        <p:nvSpPr>
-          <p:cNvPr id="2" name="Title 1">
-            <a:extLst>
-              <a:ext uri="{FF2B5EF4-FFF2-40B4-BE49-F238E27FC236}">
-                <a16:creationId xmlns:a16="http://schemas.microsoft.com/office/drawing/2014/main" id="{20DB8FC4-573F-4A09-AE2A-04D0353ECBFD}"/>
-              </a:ext>
-            </a:extLst>
-          </p:cNvPr>
-          <p:cNvSpPr>
-            <a:spLocks noGrp="1"/>
-          </p:cNvSpPr>
-          <p:nvPr>
-            <p:ph type="title"/>
-          </p:nvPr>
-        </p:nvSpPr>
-        <p:spPr/>
-        <p:txBody>
-          <a:bodyPr>
-            <a:normAutofit/>
-          </a:bodyPr>
-          <a:lstStyle/>
-          <a:p>
-            <a:r>
-              <a:rPr lang="en-US" sz="4000" dirty="0"/>
-              <a:t>Credit Derivatives</a:t>
-            </a:r>
-          </a:p>
-        </p:txBody>
-      </p:sp>
-      <p:sp>
-        <p:nvSpPr>
-          <p:cNvPr id="3" name="Content Placeholder 2">
-            <a:extLst>
-              <a:ext uri="{FF2B5EF4-FFF2-40B4-BE49-F238E27FC236}">
-                <a16:creationId xmlns:a16="http://schemas.microsoft.com/office/drawing/2014/main" id="{2F42ACB6-E17F-425E-ACDC-30219AB1355F}"/>
-              </a:ext>
-            </a:extLst>
-          </p:cNvPr>
-          <p:cNvSpPr>
-            <a:spLocks noGrp="1"/>
-          </p:cNvSpPr>
-          <p:nvPr>
-            <p:ph idx="1"/>
-          </p:nvPr>
-        </p:nvSpPr>
-        <p:spPr/>
-        <p:txBody>
-          <a:bodyPr/>
-          <a:lstStyle/>
-          <a:p>
-            <a:r>
-              <a:rPr lang="en-US" sz="2400" dirty="0"/>
-              <a:t>Definition : A credit derivative is a class of derivative contracts between two parties, a credit protection buyer and a credit protection seller, in which the latter provides protection to the former against a specific credit loss.</a:t>
-            </a:r>
-          </a:p>
-          <a:p>
-            <a:r>
-              <a:rPr lang="en-US" sz="2400" dirty="0"/>
-              <a:t>Buyer:</a:t>
-            </a:r>
-            <a:r>
-              <a:rPr lang="zh-CN" altLang="en-US" sz="2400" dirty="0"/>
-              <a:t>面临信用风险，买入信用保护</a:t>
-            </a:r>
-            <a:endParaRPr lang="en-US" altLang="zh-CN" sz="2400" dirty="0"/>
-          </a:p>
-          <a:p>
-            <a:pPr lvl="1"/>
-            <a:r>
-              <a:rPr lang="zh-CN" altLang="en-US" sz="2200" dirty="0"/>
-              <a:t>债券持有人，发放贷款机构</a:t>
-            </a:r>
-            <a:endParaRPr lang="en-US" altLang="zh-CN" sz="2200" dirty="0"/>
-          </a:p>
-          <a:p>
-            <a:r>
-              <a:rPr lang="en-US" sz="2400" dirty="0"/>
-              <a:t>S</a:t>
-            </a:r>
-            <a:r>
-              <a:rPr lang="en-US" altLang="zh-CN" sz="2400" dirty="0"/>
-              <a:t>eller:</a:t>
-            </a:r>
-            <a:r>
-              <a:rPr lang="zh-CN" altLang="en-US" sz="2400" dirty="0"/>
-              <a:t>卖出信用保护</a:t>
-            </a:r>
-            <a:endParaRPr lang="en-US" altLang="zh-CN" sz="2400" dirty="0"/>
-          </a:p>
-          <a:p>
-            <a:pPr lvl="1"/>
-            <a:r>
-              <a:rPr lang="zh-CN" altLang="en-US" sz="2200" dirty="0"/>
-              <a:t>各类金融机构（保险公司，券商，投资银行）</a:t>
-            </a:r>
-            <a:endParaRPr lang="en-US" sz="2200" dirty="0"/>
-          </a:p>
-          <a:p>
-            <a:endParaRPr lang="en-US" dirty="0"/>
-          </a:p>
-        </p:txBody>
-      </p:sp>
-    </p:spTree>
-    <p:extLst>
-      <p:ext uri="{BB962C8B-B14F-4D97-AF65-F5344CB8AC3E}">
-        <p14:creationId xmlns:p14="http://schemas.microsoft.com/office/powerpoint/2010/main" val="1165323640"/>
-      </p:ext>
-    </p:extLst>
-  </p:cSld>
-  <p:clrMapOvr>
-    <a:masterClrMapping/>
-  </p:clrMapOvr>
-</p:sld>
-</file>
-
 <file path=ppt/slides/slide48.xml><?xml version="1.0" encoding="utf-8"?>
 <p:sld xmlns:a="http://schemas.openxmlformats.org/drawingml/2006/main" xmlns:r="http://schemas.openxmlformats.org/officeDocument/2006/relationships" xmlns:p="http://schemas.openxmlformats.org/presentationml/2006/main">
   <p:cSld>
@@ -14782,7 +14690,7 @@
           <p:cNvPr id="2" name="Title 1">
             <a:extLst>
               <a:ext uri="{FF2B5EF4-FFF2-40B4-BE49-F238E27FC236}">
-                <a16:creationId xmlns:a16="http://schemas.microsoft.com/office/drawing/2014/main" id="{3F303233-1831-4E4A-9324-5AA1E3371CBF}"/>
+                <a16:creationId xmlns:a16="http://schemas.microsoft.com/office/drawing/2014/main" id="{A3BB96AB-1005-48C4-8495-D9268F80EAD9}"/>
               </a:ext>
             </a:extLst>
           </p:cNvPr>
@@ -14802,7 +14710,7 @@
           <a:p>
             <a:r>
               <a:rPr lang="en-US" sz="4000" dirty="0"/>
-              <a:t>Credit Derivatives</a:t>
+              <a:t>Practices</a:t>
             </a:r>
           </a:p>
         </p:txBody>
@@ -14812,7 +14720,7 @@
           <p:cNvPr id="3" name="Content Placeholder 2">
             <a:extLst>
               <a:ext uri="{FF2B5EF4-FFF2-40B4-BE49-F238E27FC236}">
-                <a16:creationId xmlns:a16="http://schemas.microsoft.com/office/drawing/2014/main" id="{A91A19E5-F393-4382-B424-ABF09382E331}"/>
+                <a16:creationId xmlns:a16="http://schemas.microsoft.com/office/drawing/2014/main" id="{74011303-55EE-4922-82A1-052AEDDE02C8}"/>
               </a:ext>
             </a:extLst>
           </p:cNvPr>
@@ -14826,13 +14734,69 @@
         <p:spPr/>
         <p:txBody>
           <a:bodyPr>
-            <a:normAutofit/>
+            <a:noAutofit/>
           </a:bodyPr>
           <a:lstStyle/>
           <a:p>
             <a:r>
               <a:rPr lang="en-US" sz="2000" dirty="0"/>
-              <a:t>Total return swap</a:t>
+              <a:t>1.An option provides which of the following?</a:t>
+            </a:r>
+          </a:p>
+          <a:p>
+            <a:pPr lvl="1"/>
+            <a:r>
+              <a:rPr lang="en-US" sz="2000" dirty="0"/>
+              <a:t>A Either the right to buy or the right to sell an underlying</a:t>
+            </a:r>
+          </a:p>
+          <a:p>
+            <a:pPr lvl="1"/>
+            <a:r>
+              <a:rPr lang="en-US" sz="2000" dirty="0"/>
+              <a:t>B The right to buy and sell, with the choice made at expiration</a:t>
+            </a:r>
+          </a:p>
+          <a:p>
+            <a:pPr lvl="1"/>
+            <a:r>
+              <a:rPr lang="en-US" sz="2000" dirty="0"/>
+              <a:t>C The obligation to buy or sell, which can be converted into the right to buy or sell</a:t>
+            </a:r>
+          </a:p>
+          <a:p>
+            <a:r>
+              <a:rPr lang="en-US" sz="2000" dirty="0"/>
+              <a:t>2.Which of the following is not a characteristic of a call option on a stock?</a:t>
+            </a:r>
+          </a:p>
+          <a:p>
+            <a:pPr lvl="1"/>
+            <a:r>
+              <a:rPr lang="en-US" sz="2000" dirty="0"/>
+              <a:t>A </a:t>
+            </a:r>
+            <a:r>
+              <a:rPr lang="en-US" sz="2000" dirty="0" err="1"/>
+              <a:t>A</a:t>
+            </a:r>
+            <a:r>
+              <a:rPr lang="en-US" sz="2000" dirty="0"/>
+              <a:t> guarantee that the stock will increase</a:t>
+            </a:r>
+          </a:p>
+          <a:p>
+            <a:pPr lvl="1"/>
+            <a:r>
+              <a:rPr lang="en-US" sz="2000" dirty="0"/>
+              <a:t>B A specified date on which the right to buy expires</a:t>
+            </a:r>
+          </a:p>
+          <a:p>
+            <a:pPr lvl="1"/>
+            <a:r>
+              <a:rPr lang="en-US" sz="2000" dirty="0"/>
+              <a:t>C A fixed price at which the call holder can buy the stock</a:t>
             </a:r>
           </a:p>
         </p:txBody>
@@ -14840,7 +14804,7 @@
     </p:spTree>
     <p:extLst>
       <p:ext uri="{BB962C8B-B14F-4D97-AF65-F5344CB8AC3E}">
-        <p14:creationId xmlns:p14="http://schemas.microsoft.com/office/powerpoint/2010/main" val="3215247430"/>
+        <p14:creationId xmlns:p14="http://schemas.microsoft.com/office/powerpoint/2010/main" val="3225362099"/>
       </p:ext>
     </p:extLst>
   </p:cSld>
@@ -14872,7 +14836,7 @@
           <p:cNvPr id="2" name="Title 1">
             <a:extLst>
               <a:ext uri="{FF2B5EF4-FFF2-40B4-BE49-F238E27FC236}">
-                <a16:creationId xmlns:a16="http://schemas.microsoft.com/office/drawing/2014/main" id="{C7BDF7C6-BD38-4D2C-B7EC-F25AB1968614}"/>
+                <a16:creationId xmlns:a16="http://schemas.microsoft.com/office/drawing/2014/main" id="{3B6DC5E5-B49D-4096-80C1-B8052495A474}"/>
               </a:ext>
             </a:extLst>
           </p:cNvPr>
@@ -14886,14 +14850,21 @@
         <p:spPr/>
         <p:txBody>
           <a:bodyPr>
-            <a:normAutofit/>
+            <a:normAutofit fontScale="90000"/>
           </a:bodyPr>
           <a:lstStyle/>
           <a:p>
             <a:r>
+              <a:rPr lang="en-US" sz="4400" dirty="0"/>
+              <a:t>Credit Derivatives</a:t>
+            </a:r>
+            <a:br>
               <a:rPr lang="en-US" sz="4000" dirty="0"/>
-              <a:t>Credit Derivatives</a:t>
-            </a:r>
+            </a:br>
+            <a:br>
+              <a:rPr lang="en-US" sz="4000" dirty="0"/>
+            </a:br>
+            <a:endParaRPr lang="en-US" sz="4000" dirty="0"/>
           </a:p>
         </p:txBody>
       </p:sp>
@@ -14902,7 +14873,7 @@
           <p:cNvPr id="3" name="Content Placeholder 2">
             <a:extLst>
               <a:ext uri="{FF2B5EF4-FFF2-40B4-BE49-F238E27FC236}">
-                <a16:creationId xmlns:a16="http://schemas.microsoft.com/office/drawing/2014/main" id="{AC997BD0-8E21-4394-A39E-48A459D507C9}"/>
+                <a16:creationId xmlns:a16="http://schemas.microsoft.com/office/drawing/2014/main" id="{831B6362-3303-4415-9D10-C4E0904D67AF}"/>
               </a:ext>
             </a:extLst>
           </p:cNvPr>
@@ -14919,16 +14890,81 @@
           <a:lstStyle/>
           <a:p>
             <a:r>
-              <a:rPr lang="en-US" dirty="0"/>
-              <a:t>Credit spread option</a:t>
-            </a:r>
+              <a:rPr lang="en-US" sz="2800" dirty="0"/>
+              <a:t>Forward commitments</a:t>
+            </a:r>
+          </a:p>
+          <a:p>
+            <a:pPr lvl="1"/>
+            <a:r>
+              <a:rPr lang="en-US" sz="2800" dirty="0">
+                <a:solidFill>
+                  <a:schemeClr val="tx1"/>
+                </a:solidFill>
+              </a:rPr>
+              <a:t>Forward</a:t>
+            </a:r>
+          </a:p>
+          <a:p>
+            <a:pPr lvl="1"/>
+            <a:r>
+              <a:rPr lang="en-US" sz="2800" dirty="0">
+                <a:solidFill>
+                  <a:schemeClr val="tx1"/>
+                </a:solidFill>
+              </a:rPr>
+              <a:t>Futures</a:t>
+            </a:r>
+          </a:p>
+          <a:p>
+            <a:pPr lvl="1"/>
+            <a:r>
+              <a:rPr lang="en-US" sz="2800" dirty="0">
+                <a:solidFill>
+                  <a:schemeClr val="tx1"/>
+                </a:solidFill>
+              </a:rPr>
+              <a:t>Swap</a:t>
+            </a:r>
+          </a:p>
+          <a:p>
+            <a:r>
+              <a:rPr lang="en-US" sz="2800" dirty="0"/>
+              <a:t>Contingent claims</a:t>
+            </a:r>
+          </a:p>
+          <a:p>
+            <a:pPr lvl="1"/>
+            <a:r>
+              <a:rPr lang="en-US" sz="2800" dirty="0">
+                <a:solidFill>
+                  <a:schemeClr val="tx1"/>
+                </a:solidFill>
+              </a:rPr>
+              <a:t>Option</a:t>
+            </a:r>
+          </a:p>
+          <a:p>
+            <a:pPr lvl="1"/>
+            <a:r>
+              <a:rPr lang="en-US" sz="2800" u="sng" dirty="0">
+                <a:solidFill>
+                  <a:srgbClr val="FF0000"/>
+                </a:solidFill>
+              </a:rPr>
+              <a:t>Credit Derivatives</a:t>
+            </a:r>
+          </a:p>
+          <a:p>
+            <a:pPr lvl="1"/>
+            <a:endParaRPr lang="en-US" dirty="0"/>
           </a:p>
         </p:txBody>
       </p:sp>
     </p:spTree>
     <p:extLst>
       <p:ext uri="{BB962C8B-B14F-4D97-AF65-F5344CB8AC3E}">
-        <p14:creationId xmlns:p14="http://schemas.microsoft.com/office/powerpoint/2010/main" val="3451422982"/>
+        <p14:creationId xmlns:p14="http://schemas.microsoft.com/office/powerpoint/2010/main" val="2303669535"/>
       </p:ext>
     </p:extLst>
   </p:cSld>
@@ -15080,7 +15116,7 @@
           <p:cNvPr id="2" name="Title 1">
             <a:extLst>
               <a:ext uri="{FF2B5EF4-FFF2-40B4-BE49-F238E27FC236}">
-                <a16:creationId xmlns:a16="http://schemas.microsoft.com/office/drawing/2014/main" id="{8D8186E0-E7FD-4A7D-B919-475DD13A49EB}"/>
+                <a16:creationId xmlns:a16="http://schemas.microsoft.com/office/drawing/2014/main" id="{20DB8FC4-573F-4A09-AE2A-04D0353ECBFD}"/>
               </a:ext>
             </a:extLst>
           </p:cNvPr>
@@ -15110,7 +15146,7 @@
           <p:cNvPr id="3" name="Content Placeholder 2">
             <a:extLst>
               <a:ext uri="{FF2B5EF4-FFF2-40B4-BE49-F238E27FC236}">
-                <a16:creationId xmlns:a16="http://schemas.microsoft.com/office/drawing/2014/main" id="{15154901-95EA-4DC2-9E6E-FCDA862CAF3D}"/>
+                <a16:creationId xmlns:a16="http://schemas.microsoft.com/office/drawing/2014/main" id="{2F42ACB6-E17F-425E-ACDC-30219AB1355F}"/>
               </a:ext>
             </a:extLst>
           </p:cNvPr>
@@ -15127,9 +15163,51 @@
           <a:lstStyle/>
           <a:p>
             <a:r>
-              <a:rPr lang="en-US" dirty="0"/>
-              <a:t>Credit-linked note</a:t>
-            </a:r>
+              <a:rPr lang="en-US" sz="2400" dirty="0"/>
+              <a:t>Definition : A credit derivative is a class of derivative contracts between two parties, a credit protection buyer and a credit protection seller, in which the latter provides protection to the former against a specific credit loss.</a:t>
+            </a:r>
+          </a:p>
+          <a:p>
+            <a:r>
+              <a:rPr lang="en-US" sz="2400" dirty="0"/>
+              <a:t>Buyer:</a:t>
+            </a:r>
+            <a:r>
+              <a:rPr lang="zh-CN" altLang="en-US" sz="2400" dirty="0"/>
+              <a:t>面临信用风险，买入信用保护</a:t>
+            </a:r>
+            <a:endParaRPr lang="en-US" altLang="zh-CN" sz="2400" dirty="0"/>
+          </a:p>
+          <a:p>
+            <a:pPr lvl="1"/>
+            <a:r>
+              <a:rPr lang="zh-CN" altLang="en-US" sz="2200" dirty="0"/>
+              <a:t>债券持有人，发放贷款机构</a:t>
+            </a:r>
+            <a:endParaRPr lang="en-US" altLang="zh-CN" sz="2200" dirty="0"/>
+          </a:p>
+          <a:p>
+            <a:r>
+              <a:rPr lang="en-US" sz="2400" dirty="0"/>
+              <a:t>S</a:t>
+            </a:r>
+            <a:r>
+              <a:rPr lang="en-US" altLang="zh-CN" sz="2400" dirty="0"/>
+              <a:t>eller:</a:t>
+            </a:r>
+            <a:r>
+              <a:rPr lang="zh-CN" altLang="en-US" sz="2400" dirty="0"/>
+              <a:t>卖出信用保护</a:t>
+            </a:r>
+            <a:endParaRPr lang="en-US" altLang="zh-CN" sz="2400" dirty="0"/>
+          </a:p>
+          <a:p>
+            <a:pPr lvl="1"/>
+            <a:r>
+              <a:rPr lang="zh-CN" altLang="en-US" sz="2200" dirty="0"/>
+              <a:t>各类金融机构（保险公司，券商，投资银行）</a:t>
+            </a:r>
+            <a:endParaRPr lang="en-US" sz="2200" dirty="0"/>
           </a:p>
           <a:p>
             <a:endParaRPr lang="en-US" dirty="0"/>
@@ -15139,7 +15217,7 @@
     </p:spTree>
     <p:extLst>
       <p:ext uri="{BB962C8B-B14F-4D97-AF65-F5344CB8AC3E}">
-        <p14:creationId xmlns:p14="http://schemas.microsoft.com/office/powerpoint/2010/main" val="3182849461"/>
+        <p14:creationId xmlns:p14="http://schemas.microsoft.com/office/powerpoint/2010/main" val="1165323640"/>
       </p:ext>
     </p:extLst>
   </p:cSld>
@@ -15171,6 +15249,275 @@
           <p:cNvPr id="2" name="Title 1">
             <a:extLst>
               <a:ext uri="{FF2B5EF4-FFF2-40B4-BE49-F238E27FC236}">
+                <a16:creationId xmlns:a16="http://schemas.microsoft.com/office/drawing/2014/main" id="{3F303233-1831-4E4A-9324-5AA1E3371CBF}"/>
+              </a:ext>
+            </a:extLst>
+          </p:cNvPr>
+          <p:cNvSpPr>
+            <a:spLocks noGrp="1"/>
+          </p:cNvSpPr>
+          <p:nvPr>
+            <p:ph type="title"/>
+          </p:nvPr>
+        </p:nvSpPr>
+        <p:spPr/>
+        <p:txBody>
+          <a:bodyPr>
+            <a:normAutofit/>
+          </a:bodyPr>
+          <a:lstStyle/>
+          <a:p>
+            <a:r>
+              <a:rPr lang="en-US" sz="4000" dirty="0"/>
+              <a:t>Credit Derivatives</a:t>
+            </a:r>
+          </a:p>
+        </p:txBody>
+      </p:sp>
+      <p:sp>
+        <p:nvSpPr>
+          <p:cNvPr id="3" name="Content Placeholder 2">
+            <a:extLst>
+              <a:ext uri="{FF2B5EF4-FFF2-40B4-BE49-F238E27FC236}">
+                <a16:creationId xmlns:a16="http://schemas.microsoft.com/office/drawing/2014/main" id="{A91A19E5-F393-4382-B424-ABF09382E331}"/>
+              </a:ext>
+            </a:extLst>
+          </p:cNvPr>
+          <p:cNvSpPr>
+            <a:spLocks noGrp="1"/>
+          </p:cNvSpPr>
+          <p:nvPr>
+            <p:ph idx="1"/>
+          </p:nvPr>
+        </p:nvSpPr>
+        <p:spPr/>
+        <p:txBody>
+          <a:bodyPr>
+            <a:normAutofit/>
+          </a:bodyPr>
+          <a:lstStyle/>
+          <a:p>
+            <a:r>
+              <a:rPr lang="en-US" sz="2000" dirty="0"/>
+              <a:t>Total return swap</a:t>
+            </a:r>
+          </a:p>
+        </p:txBody>
+      </p:sp>
+    </p:spTree>
+    <p:extLst>
+      <p:ext uri="{BB962C8B-B14F-4D97-AF65-F5344CB8AC3E}">
+        <p14:creationId xmlns:p14="http://schemas.microsoft.com/office/powerpoint/2010/main" val="3215247430"/>
+      </p:ext>
+    </p:extLst>
+  </p:cSld>
+  <p:clrMapOvr>
+    <a:masterClrMapping/>
+  </p:clrMapOvr>
+</p:sld>
+</file>
+
+<file path=ppt/slides/slide52.xml><?xml version="1.0" encoding="utf-8"?>
+<p:sld xmlns:a="http://schemas.openxmlformats.org/drawingml/2006/main" xmlns:r="http://schemas.openxmlformats.org/officeDocument/2006/relationships" xmlns:p="http://schemas.openxmlformats.org/presentationml/2006/main">
+  <p:cSld>
+    <p:spTree>
+      <p:nvGrpSpPr>
+        <p:cNvPr id="1" name=""/>
+        <p:cNvGrpSpPr/>
+        <p:nvPr/>
+      </p:nvGrpSpPr>
+      <p:grpSpPr>
+        <a:xfrm>
+          <a:off x="0" y="0"/>
+          <a:ext cx="0" cy="0"/>
+          <a:chOff x="0" y="0"/>
+          <a:chExt cx="0" cy="0"/>
+        </a:xfrm>
+      </p:grpSpPr>
+      <p:sp>
+        <p:nvSpPr>
+          <p:cNvPr id="2" name="Title 1">
+            <a:extLst>
+              <a:ext uri="{FF2B5EF4-FFF2-40B4-BE49-F238E27FC236}">
+                <a16:creationId xmlns:a16="http://schemas.microsoft.com/office/drawing/2014/main" id="{C7BDF7C6-BD38-4D2C-B7EC-F25AB1968614}"/>
+              </a:ext>
+            </a:extLst>
+          </p:cNvPr>
+          <p:cNvSpPr>
+            <a:spLocks noGrp="1"/>
+          </p:cNvSpPr>
+          <p:nvPr>
+            <p:ph type="title"/>
+          </p:nvPr>
+        </p:nvSpPr>
+        <p:spPr/>
+        <p:txBody>
+          <a:bodyPr>
+            <a:normAutofit/>
+          </a:bodyPr>
+          <a:lstStyle/>
+          <a:p>
+            <a:r>
+              <a:rPr lang="en-US" sz="4000" dirty="0"/>
+              <a:t>Credit Derivatives</a:t>
+            </a:r>
+          </a:p>
+        </p:txBody>
+      </p:sp>
+      <p:sp>
+        <p:nvSpPr>
+          <p:cNvPr id="3" name="Content Placeholder 2">
+            <a:extLst>
+              <a:ext uri="{FF2B5EF4-FFF2-40B4-BE49-F238E27FC236}">
+                <a16:creationId xmlns:a16="http://schemas.microsoft.com/office/drawing/2014/main" id="{AC997BD0-8E21-4394-A39E-48A459D507C9}"/>
+              </a:ext>
+            </a:extLst>
+          </p:cNvPr>
+          <p:cNvSpPr>
+            <a:spLocks noGrp="1"/>
+          </p:cNvSpPr>
+          <p:nvPr>
+            <p:ph idx="1"/>
+          </p:nvPr>
+        </p:nvSpPr>
+        <p:spPr/>
+        <p:txBody>
+          <a:bodyPr/>
+          <a:lstStyle/>
+          <a:p>
+            <a:r>
+              <a:rPr lang="en-US" dirty="0"/>
+              <a:t>Credit spread option</a:t>
+            </a:r>
+          </a:p>
+        </p:txBody>
+      </p:sp>
+    </p:spTree>
+    <p:extLst>
+      <p:ext uri="{BB962C8B-B14F-4D97-AF65-F5344CB8AC3E}">
+        <p14:creationId xmlns:p14="http://schemas.microsoft.com/office/powerpoint/2010/main" val="3451422982"/>
+      </p:ext>
+    </p:extLst>
+  </p:cSld>
+  <p:clrMapOvr>
+    <a:masterClrMapping/>
+  </p:clrMapOvr>
+</p:sld>
+</file>
+
+<file path=ppt/slides/slide53.xml><?xml version="1.0" encoding="utf-8"?>
+<p:sld xmlns:a="http://schemas.openxmlformats.org/drawingml/2006/main" xmlns:r="http://schemas.openxmlformats.org/officeDocument/2006/relationships" xmlns:p="http://schemas.openxmlformats.org/presentationml/2006/main">
+  <p:cSld>
+    <p:spTree>
+      <p:nvGrpSpPr>
+        <p:cNvPr id="1" name=""/>
+        <p:cNvGrpSpPr/>
+        <p:nvPr/>
+      </p:nvGrpSpPr>
+      <p:grpSpPr>
+        <a:xfrm>
+          <a:off x="0" y="0"/>
+          <a:ext cx="0" cy="0"/>
+          <a:chOff x="0" y="0"/>
+          <a:chExt cx="0" cy="0"/>
+        </a:xfrm>
+      </p:grpSpPr>
+      <p:sp>
+        <p:nvSpPr>
+          <p:cNvPr id="2" name="Title 1">
+            <a:extLst>
+              <a:ext uri="{FF2B5EF4-FFF2-40B4-BE49-F238E27FC236}">
+                <a16:creationId xmlns:a16="http://schemas.microsoft.com/office/drawing/2014/main" id="{8D8186E0-E7FD-4A7D-B919-475DD13A49EB}"/>
+              </a:ext>
+            </a:extLst>
+          </p:cNvPr>
+          <p:cNvSpPr>
+            <a:spLocks noGrp="1"/>
+          </p:cNvSpPr>
+          <p:nvPr>
+            <p:ph type="title"/>
+          </p:nvPr>
+        </p:nvSpPr>
+        <p:spPr/>
+        <p:txBody>
+          <a:bodyPr>
+            <a:normAutofit/>
+          </a:bodyPr>
+          <a:lstStyle/>
+          <a:p>
+            <a:r>
+              <a:rPr lang="en-US" sz="4000" dirty="0"/>
+              <a:t>Credit Derivatives</a:t>
+            </a:r>
+          </a:p>
+        </p:txBody>
+      </p:sp>
+      <p:sp>
+        <p:nvSpPr>
+          <p:cNvPr id="3" name="Content Placeholder 2">
+            <a:extLst>
+              <a:ext uri="{FF2B5EF4-FFF2-40B4-BE49-F238E27FC236}">
+                <a16:creationId xmlns:a16="http://schemas.microsoft.com/office/drawing/2014/main" id="{15154901-95EA-4DC2-9E6E-FCDA862CAF3D}"/>
+              </a:ext>
+            </a:extLst>
+          </p:cNvPr>
+          <p:cNvSpPr>
+            <a:spLocks noGrp="1"/>
+          </p:cNvSpPr>
+          <p:nvPr>
+            <p:ph idx="1"/>
+          </p:nvPr>
+        </p:nvSpPr>
+        <p:spPr/>
+        <p:txBody>
+          <a:bodyPr/>
+          <a:lstStyle/>
+          <a:p>
+            <a:r>
+              <a:rPr lang="en-US" dirty="0"/>
+              <a:t>Credit-linked note</a:t>
+            </a:r>
+          </a:p>
+          <a:p>
+            <a:endParaRPr lang="en-US" dirty="0"/>
+          </a:p>
+        </p:txBody>
+      </p:sp>
+    </p:spTree>
+    <p:extLst>
+      <p:ext uri="{BB962C8B-B14F-4D97-AF65-F5344CB8AC3E}">
+        <p14:creationId xmlns:p14="http://schemas.microsoft.com/office/powerpoint/2010/main" val="3182849461"/>
+      </p:ext>
+    </p:extLst>
+  </p:cSld>
+  <p:clrMapOvr>
+    <a:masterClrMapping/>
+  </p:clrMapOvr>
+</p:sld>
+</file>
+
+<file path=ppt/slides/slide54.xml><?xml version="1.0" encoding="utf-8"?>
+<p:sld xmlns:a="http://schemas.openxmlformats.org/drawingml/2006/main" xmlns:r="http://schemas.openxmlformats.org/officeDocument/2006/relationships" xmlns:p="http://schemas.openxmlformats.org/presentationml/2006/main">
+  <p:cSld>
+    <p:spTree>
+      <p:nvGrpSpPr>
+        <p:cNvPr id="1" name=""/>
+        <p:cNvGrpSpPr/>
+        <p:nvPr/>
+      </p:nvGrpSpPr>
+      <p:grpSpPr>
+        <a:xfrm>
+          <a:off x="0" y="0"/>
+          <a:ext cx="0" cy="0"/>
+          <a:chOff x="0" y="0"/>
+          <a:chExt cx="0" cy="0"/>
+        </a:xfrm>
+      </p:grpSpPr>
+      <p:sp>
+        <p:nvSpPr>
+          <p:cNvPr id="2" name="Title 1">
+            <a:extLst>
+              <a:ext uri="{FF2B5EF4-FFF2-40B4-BE49-F238E27FC236}">
                 <a16:creationId xmlns:a16="http://schemas.microsoft.com/office/drawing/2014/main" id="{69B941C4-F4EB-4AB8-A2D4-65FAA0965D49}"/>
               </a:ext>
             </a:extLst>
@@ -15237,7 +15584,7 @@
 </p:sld>
 </file>
 
-<file path=ppt/slides/slide52.xml><?xml version="1.0" encoding="utf-8"?>
+<file path=ppt/slides/slide55.xml><?xml version="1.0" encoding="utf-8"?>
 <p:sld xmlns:a="http://schemas.openxmlformats.org/drawingml/2006/main" xmlns:r="http://schemas.openxmlformats.org/officeDocument/2006/relationships" xmlns:p="http://schemas.openxmlformats.org/presentationml/2006/main">
   <p:cSld>
     <p:spTree>
@@ -15326,332 +15673,6 @@
 </p:sld>
 </file>
 
-<file path=ppt/slides/slide53.xml><?xml version="1.0" encoding="utf-8"?>
-<p:sld xmlns:a="http://schemas.openxmlformats.org/drawingml/2006/main" xmlns:r="http://schemas.openxmlformats.org/officeDocument/2006/relationships" xmlns:p="http://schemas.openxmlformats.org/presentationml/2006/main">
-  <p:cSld>
-    <p:spTree>
-      <p:nvGrpSpPr>
-        <p:cNvPr id="1" name=""/>
-        <p:cNvGrpSpPr/>
-        <p:nvPr/>
-      </p:nvGrpSpPr>
-      <p:grpSpPr>
-        <a:xfrm>
-          <a:off x="0" y="0"/>
-          <a:ext cx="0" cy="0"/>
-          <a:chOff x="0" y="0"/>
-          <a:chExt cx="0" cy="0"/>
-        </a:xfrm>
-      </p:grpSpPr>
-      <p:sp>
-        <p:nvSpPr>
-          <p:cNvPr id="2" name="Title 1">
-            <a:extLst>
-              <a:ext uri="{FF2B5EF4-FFF2-40B4-BE49-F238E27FC236}">
-                <a16:creationId xmlns:a16="http://schemas.microsoft.com/office/drawing/2014/main" id="{348BD349-FAD8-4678-AFB4-B1E5307D6EA4}"/>
-              </a:ext>
-            </a:extLst>
-          </p:cNvPr>
-          <p:cNvSpPr>
-            <a:spLocks noGrp="1"/>
-          </p:cNvSpPr>
-          <p:nvPr>
-            <p:ph type="title"/>
-          </p:nvPr>
-        </p:nvSpPr>
-        <p:spPr/>
-        <p:txBody>
-          <a:bodyPr>
-            <a:normAutofit/>
-          </a:bodyPr>
-          <a:lstStyle/>
-          <a:p>
-            <a:r>
-              <a:rPr lang="en-US" sz="4000" dirty="0"/>
-              <a:t>Practices</a:t>
-            </a:r>
-          </a:p>
-        </p:txBody>
-      </p:sp>
-      <p:sp>
-        <p:nvSpPr>
-          <p:cNvPr id="3" name="Content Placeholder 2">
-            <a:extLst>
-              <a:ext uri="{FF2B5EF4-FFF2-40B4-BE49-F238E27FC236}">
-                <a16:creationId xmlns:a16="http://schemas.microsoft.com/office/drawing/2014/main" id="{E3B67373-BC90-4BC9-B82C-C102723A443D}"/>
-              </a:ext>
-            </a:extLst>
-          </p:cNvPr>
-          <p:cNvSpPr>
-            <a:spLocks noGrp="1"/>
-          </p:cNvSpPr>
-          <p:nvPr>
-            <p:ph idx="1"/>
-          </p:nvPr>
-        </p:nvSpPr>
-        <p:spPr/>
-        <p:txBody>
-          <a:bodyPr>
-            <a:normAutofit/>
-          </a:bodyPr>
-          <a:lstStyle/>
-          <a:p>
-            <a:r>
-              <a:rPr lang="en-US" sz="2000" dirty="0"/>
-              <a:t>1.A credit derivative is which of the following?</a:t>
-            </a:r>
-          </a:p>
-          <a:p>
-            <a:pPr lvl="1"/>
-            <a:r>
-              <a:rPr lang="en-US" sz="2000" dirty="0"/>
-              <a:t>A </a:t>
-            </a:r>
-            <a:r>
-              <a:rPr lang="en-US" sz="2000" dirty="0" err="1"/>
-              <a:t>A</a:t>
-            </a:r>
-            <a:r>
-              <a:rPr lang="en-US" sz="2000" dirty="0"/>
-              <a:t> derivative in which the premium is obtained on credit</a:t>
-            </a:r>
-          </a:p>
-          <a:p>
-            <a:pPr lvl="1"/>
-            <a:r>
-              <a:rPr lang="en-US" sz="2000" dirty="0"/>
-              <a:t>B A derivative in which the payoff is borrowed by the seller</a:t>
-            </a:r>
-          </a:p>
-          <a:p>
-            <a:pPr lvl="1"/>
-            <a:r>
-              <a:rPr lang="en-US" sz="2000" dirty="0"/>
-              <a:t>C A derivative in which the seller provides protection to the buyer against credit loss from a third party</a:t>
-            </a:r>
-          </a:p>
-        </p:txBody>
-      </p:sp>
-    </p:spTree>
-    <p:extLst>
-      <p:ext uri="{BB962C8B-B14F-4D97-AF65-F5344CB8AC3E}">
-        <p14:creationId xmlns:p14="http://schemas.microsoft.com/office/powerpoint/2010/main" val="2051395143"/>
-      </p:ext>
-    </p:extLst>
-  </p:cSld>
-  <p:clrMapOvr>
-    <a:masterClrMapping/>
-  </p:clrMapOvr>
-</p:sld>
-</file>
-
-<file path=ppt/slides/slide54.xml><?xml version="1.0" encoding="utf-8"?>
-<p:sld xmlns:a="http://schemas.openxmlformats.org/drawingml/2006/main" xmlns:r="http://schemas.openxmlformats.org/officeDocument/2006/relationships" xmlns:p="http://schemas.openxmlformats.org/presentationml/2006/main">
-  <p:cSld>
-    <p:spTree>
-      <p:nvGrpSpPr>
-        <p:cNvPr id="1" name=""/>
-        <p:cNvGrpSpPr/>
-        <p:nvPr/>
-      </p:nvGrpSpPr>
-      <p:grpSpPr>
-        <a:xfrm>
-          <a:off x="0" y="0"/>
-          <a:ext cx="0" cy="0"/>
-          <a:chOff x="0" y="0"/>
-          <a:chExt cx="0" cy="0"/>
-        </a:xfrm>
-      </p:grpSpPr>
-      <p:sp>
-        <p:nvSpPr>
-          <p:cNvPr id="2" name="Title 1">
-            <a:extLst>
-              <a:ext uri="{FF2B5EF4-FFF2-40B4-BE49-F238E27FC236}">
-                <a16:creationId xmlns:a16="http://schemas.microsoft.com/office/drawing/2014/main" id="{13C1F2DB-C1EA-4EEE-9DD2-BBB6C676CABF}"/>
-              </a:ext>
-            </a:extLst>
-          </p:cNvPr>
-          <p:cNvSpPr>
-            <a:spLocks noGrp="1"/>
-          </p:cNvSpPr>
-          <p:nvPr>
-            <p:ph type="title"/>
-          </p:nvPr>
-        </p:nvSpPr>
-        <p:spPr/>
-        <p:txBody>
-          <a:bodyPr>
-            <a:normAutofit/>
-          </a:bodyPr>
-          <a:lstStyle/>
-          <a:p>
-            <a:r>
-              <a:rPr lang="en-US" sz="4000" dirty="0"/>
-              <a:t>A</a:t>
-            </a:r>
-            <a:r>
-              <a:rPr lang="en-US" altLang="zh-CN" sz="4000" dirty="0"/>
-              <a:t>sset-backed securities</a:t>
-            </a:r>
-            <a:endParaRPr lang="en-US" sz="4000" dirty="0"/>
-          </a:p>
-        </p:txBody>
-      </p:sp>
-      <p:sp>
-        <p:nvSpPr>
-          <p:cNvPr id="3" name="Content Placeholder 2">
-            <a:extLst>
-              <a:ext uri="{FF2B5EF4-FFF2-40B4-BE49-F238E27FC236}">
-                <a16:creationId xmlns:a16="http://schemas.microsoft.com/office/drawing/2014/main" id="{AE242220-CC30-405B-943F-661EEB5D4AFA}"/>
-              </a:ext>
-            </a:extLst>
-          </p:cNvPr>
-          <p:cNvSpPr>
-            <a:spLocks noGrp="1"/>
-          </p:cNvSpPr>
-          <p:nvPr>
-            <p:ph idx="1"/>
-          </p:nvPr>
-        </p:nvSpPr>
-        <p:spPr/>
-        <p:txBody>
-          <a:bodyPr/>
-          <a:lstStyle/>
-          <a:p>
-            <a:r>
-              <a:rPr lang="en-US" dirty="0"/>
-              <a:t>Definition: an asset- backed security is a derivative contract in which a portfolio of debt instruments is assembled and claims are issued on the portfolio in the form of tranches, which have different priorities of claims on the payments made by the debt securities such that prepayments or credit losses are allocated to the most- junior tranches first and the most- senior tranches last.</a:t>
-            </a:r>
-          </a:p>
-          <a:p>
-            <a:r>
-              <a:rPr lang="en-US" dirty="0"/>
-              <a:t>ABSs typically divide the payments into slices, called tranches, in which the priority of claims has been changed from equivalent to preferential.</a:t>
-            </a:r>
-          </a:p>
-        </p:txBody>
-      </p:sp>
-    </p:spTree>
-    <p:extLst>
-      <p:ext uri="{BB962C8B-B14F-4D97-AF65-F5344CB8AC3E}">
-        <p14:creationId xmlns:p14="http://schemas.microsoft.com/office/powerpoint/2010/main" val="2380732809"/>
-      </p:ext>
-    </p:extLst>
-  </p:cSld>
-  <p:clrMapOvr>
-    <a:masterClrMapping/>
-  </p:clrMapOvr>
-</p:sld>
-</file>
-
-<file path=ppt/slides/slide55.xml><?xml version="1.0" encoding="utf-8"?>
-<p:sld xmlns:a="http://schemas.openxmlformats.org/drawingml/2006/main" xmlns:r="http://schemas.openxmlformats.org/officeDocument/2006/relationships" xmlns:p="http://schemas.openxmlformats.org/presentationml/2006/main">
-  <p:cSld>
-    <p:spTree>
-      <p:nvGrpSpPr>
-        <p:cNvPr id="1" name=""/>
-        <p:cNvGrpSpPr/>
-        <p:nvPr/>
-      </p:nvGrpSpPr>
-      <p:grpSpPr>
-        <a:xfrm>
-          <a:off x="0" y="0"/>
-          <a:ext cx="0" cy="0"/>
-          <a:chOff x="0" y="0"/>
-          <a:chExt cx="0" cy="0"/>
-        </a:xfrm>
-      </p:grpSpPr>
-      <p:sp>
-        <p:nvSpPr>
-          <p:cNvPr id="2" name="Title 1">
-            <a:extLst>
-              <a:ext uri="{FF2B5EF4-FFF2-40B4-BE49-F238E27FC236}">
-                <a16:creationId xmlns:a16="http://schemas.microsoft.com/office/drawing/2014/main" id="{DE056A45-2501-43A0-9F43-EE798108DA86}"/>
-              </a:ext>
-            </a:extLst>
-          </p:cNvPr>
-          <p:cNvSpPr>
-            <a:spLocks noGrp="1"/>
-          </p:cNvSpPr>
-          <p:nvPr>
-            <p:ph type="title"/>
-          </p:nvPr>
-        </p:nvSpPr>
-        <p:spPr/>
-        <p:txBody>
-          <a:bodyPr>
-            <a:normAutofit/>
-          </a:bodyPr>
-          <a:lstStyle/>
-          <a:p>
-            <a:r>
-              <a:rPr lang="en-US" sz="4000" dirty="0"/>
-              <a:t>A</a:t>
-            </a:r>
-            <a:r>
-              <a:rPr lang="en-US" altLang="zh-CN" sz="4000" dirty="0"/>
-              <a:t>sset-backed securities</a:t>
-            </a:r>
-            <a:endParaRPr lang="en-US" sz="4000" dirty="0"/>
-          </a:p>
-        </p:txBody>
-      </p:sp>
-      <p:sp>
-        <p:nvSpPr>
-          <p:cNvPr id="3" name="Content Placeholder 2">
-            <a:extLst>
-              <a:ext uri="{FF2B5EF4-FFF2-40B4-BE49-F238E27FC236}">
-                <a16:creationId xmlns:a16="http://schemas.microsoft.com/office/drawing/2014/main" id="{8DCE4C67-98B6-4618-8DEA-076B941A3F4A}"/>
-              </a:ext>
-            </a:extLst>
-          </p:cNvPr>
-          <p:cNvSpPr>
-            <a:spLocks noGrp="1"/>
-          </p:cNvSpPr>
-          <p:nvPr>
-            <p:ph idx="1"/>
-          </p:nvPr>
-        </p:nvSpPr>
-        <p:spPr/>
-        <p:txBody>
-          <a:bodyPr/>
-          <a:lstStyle/>
-          <a:p>
-            <a:r>
-              <a:rPr lang="en-US" dirty="0"/>
-              <a:t>CMO: collateralized mortgage obligation</a:t>
-            </a:r>
-          </a:p>
-          <a:p>
-            <a:r>
-              <a:rPr lang="en-US" dirty="0"/>
-              <a:t>CBO: collateralized bond obligation</a:t>
-            </a:r>
-          </a:p>
-          <a:p>
-            <a:r>
-              <a:rPr lang="en-US" dirty="0"/>
-              <a:t>CLO: collateralized loan obligation</a:t>
-            </a:r>
-          </a:p>
-          <a:p>
-            <a:endParaRPr lang="en-US" dirty="0"/>
-          </a:p>
-        </p:txBody>
-      </p:sp>
-    </p:spTree>
-    <p:extLst>
-      <p:ext uri="{BB962C8B-B14F-4D97-AF65-F5344CB8AC3E}">
-        <p14:creationId xmlns:p14="http://schemas.microsoft.com/office/powerpoint/2010/main" val="615116269"/>
-      </p:ext>
-    </p:extLst>
-  </p:cSld>
-  <p:clrMapOvr>
-    <a:masterClrMapping/>
-  </p:clrMapOvr>
-</p:sld>
-</file>
-
 <file path=ppt/slides/slide56.xml><?xml version="1.0" encoding="utf-8"?>
 <p:sld xmlns:a="http://schemas.openxmlformats.org/drawingml/2006/main" xmlns:r="http://schemas.openxmlformats.org/officeDocument/2006/relationships" xmlns:p="http://schemas.openxmlformats.org/presentationml/2006/main">
   <p:cSld>
@@ -15674,7 +15695,7 @@
           <p:cNvPr id="2" name="Title 1">
             <a:extLst>
               <a:ext uri="{FF2B5EF4-FFF2-40B4-BE49-F238E27FC236}">
-                <a16:creationId xmlns:a16="http://schemas.microsoft.com/office/drawing/2014/main" id="{8E48A604-005B-48E4-8AF4-138B105BA282}"/>
+                <a16:creationId xmlns:a16="http://schemas.microsoft.com/office/drawing/2014/main" id="{348BD349-FAD8-4678-AFB4-B1E5307D6EA4}"/>
               </a:ext>
             </a:extLst>
           </p:cNvPr>
@@ -15694,7 +15715,7 @@
           <a:p>
             <a:r>
               <a:rPr lang="en-US" sz="4000" dirty="0"/>
-              <a:t>Derivative underlying</a:t>
+              <a:t>Practices</a:t>
             </a:r>
           </a:p>
         </p:txBody>
@@ -15704,7 +15725,7 @@
           <p:cNvPr id="3" name="Content Placeholder 2">
             <a:extLst>
               <a:ext uri="{FF2B5EF4-FFF2-40B4-BE49-F238E27FC236}">
-                <a16:creationId xmlns:a16="http://schemas.microsoft.com/office/drawing/2014/main" id="{4DC2DC39-460C-4DC9-92A3-82D2535FFBF9}"/>
+                <a16:creationId xmlns:a16="http://schemas.microsoft.com/office/drawing/2014/main" id="{E3B67373-BC90-4BC9-B82C-C102723A443D}"/>
               </a:ext>
             </a:extLst>
           </p:cNvPr>
@@ -15717,53 +15738,51 @@
         </p:nvSpPr>
         <p:spPr/>
         <p:txBody>
-          <a:bodyPr/>
-          <a:lstStyle/>
-          <a:p>
-            <a:r>
-              <a:rPr lang="en-US" dirty="0"/>
-              <a:t>Equities</a:t>
-            </a:r>
-          </a:p>
-          <a:p>
-            <a:r>
-              <a:rPr lang="en-US" dirty="0"/>
-              <a:t>Fixed-income instruments and interest rates</a:t>
-            </a:r>
-          </a:p>
-          <a:p>
-            <a:r>
-              <a:rPr lang="en-US" dirty="0"/>
-              <a:t>Currencies</a:t>
-            </a:r>
-          </a:p>
-          <a:p>
-            <a:r>
-              <a:rPr lang="en-US" dirty="0"/>
-              <a:t>Commodities</a:t>
-            </a:r>
-          </a:p>
-          <a:p>
-            <a:r>
-              <a:rPr lang="en-US" dirty="0"/>
-              <a:t>Credit</a:t>
-            </a:r>
-          </a:p>
-          <a:p>
-            <a:r>
-              <a:rPr lang="en-US" dirty="0"/>
-              <a:t>Other</a:t>
-            </a:r>
-          </a:p>
-          <a:p>
-            <a:endParaRPr lang="en-US" dirty="0"/>
+          <a:bodyPr>
+            <a:normAutofit/>
+          </a:bodyPr>
+          <a:lstStyle/>
+          <a:p>
+            <a:r>
+              <a:rPr lang="en-US" sz="2000" dirty="0"/>
+              <a:t>1.A credit derivative is which of the following?</a:t>
+            </a:r>
+          </a:p>
+          <a:p>
+            <a:pPr lvl="1"/>
+            <a:r>
+              <a:rPr lang="en-US" sz="2000" dirty="0"/>
+              <a:t>A </a:t>
+            </a:r>
+            <a:r>
+              <a:rPr lang="en-US" sz="2000" dirty="0" err="1"/>
+              <a:t>A</a:t>
+            </a:r>
+            <a:r>
+              <a:rPr lang="en-US" sz="2000" dirty="0"/>
+              <a:t> derivative in which the premium is obtained on credit</a:t>
+            </a:r>
+          </a:p>
+          <a:p>
+            <a:pPr lvl="1"/>
+            <a:r>
+              <a:rPr lang="en-US" sz="2000" dirty="0"/>
+              <a:t>B A derivative in which the payoff is borrowed by the seller</a:t>
+            </a:r>
+          </a:p>
+          <a:p>
+            <a:pPr lvl="1"/>
+            <a:r>
+              <a:rPr lang="en-US" sz="2000" dirty="0"/>
+              <a:t>C A derivative in which the seller provides protection to the buyer against credit loss from a third party</a:t>
+            </a:r>
           </a:p>
         </p:txBody>
       </p:sp>
     </p:spTree>
     <p:extLst>
       <p:ext uri="{BB962C8B-B14F-4D97-AF65-F5344CB8AC3E}">
-        <p14:creationId xmlns:p14="http://schemas.microsoft.com/office/powerpoint/2010/main" val="3920046498"/>
+        <p14:creationId xmlns:p14="http://schemas.microsoft.com/office/powerpoint/2010/main" val="2051395143"/>
       </p:ext>
     </p:extLst>
   </p:cSld>
@@ -15795,7 +15814,7 @@
           <p:cNvPr id="2" name="Title 1">
             <a:extLst>
               <a:ext uri="{FF2B5EF4-FFF2-40B4-BE49-F238E27FC236}">
-                <a16:creationId xmlns:a16="http://schemas.microsoft.com/office/drawing/2014/main" id="{0B33124B-F8B1-44FB-B9D6-3239CDA95508}"/>
+                <a16:creationId xmlns:a16="http://schemas.microsoft.com/office/drawing/2014/main" id="{13C1F2DB-C1EA-4EEE-9DD2-BBB6C676CABF}"/>
               </a:ext>
             </a:extLst>
           </p:cNvPr>
@@ -15809,25 +15828,19 @@
         <p:spPr/>
         <p:txBody>
           <a:bodyPr>
-            <a:normAutofit fontScale="90000"/>
+            <a:normAutofit/>
           </a:bodyPr>
           <a:lstStyle/>
           <a:p>
             <a:r>
-              <a:rPr lang="en-US" altLang="zh-CN" sz="4400" dirty="0"/>
-              <a:t>Classification </a:t>
-            </a:r>
-            <a:r>
-              <a:rPr lang="en-US" sz="4400" dirty="0"/>
-              <a:t>of derivatives</a:t>
-            </a:r>
-            <a:br>
-              <a:rPr lang="en-US" dirty="0"/>
-            </a:br>
-            <a:r>
-              <a:rPr lang="en-US" dirty="0"/>
-              <a:t>Forward commitments and contingent claims</a:t>
-            </a:r>
+              <a:rPr lang="en-US" sz="4000" dirty="0"/>
+              <a:t>A</a:t>
+            </a:r>
+            <a:r>
+              <a:rPr lang="en-US" altLang="zh-CN" sz="4000" dirty="0"/>
+              <a:t>sset-backed securities</a:t>
+            </a:r>
+            <a:endParaRPr lang="en-US" sz="4000" dirty="0"/>
           </a:p>
         </p:txBody>
       </p:sp>
@@ -15836,7 +15849,7 @@
           <p:cNvPr id="3" name="Content Placeholder 2">
             <a:extLst>
               <a:ext uri="{FF2B5EF4-FFF2-40B4-BE49-F238E27FC236}">
-                <a16:creationId xmlns:a16="http://schemas.microsoft.com/office/drawing/2014/main" id="{AEE854A1-1496-4876-AC8F-11F97047424B}"/>
+                <a16:creationId xmlns:a16="http://schemas.microsoft.com/office/drawing/2014/main" id="{AE242220-CC30-405B-943F-661EEB5D4AFA}"/>
               </a:ext>
             </a:extLst>
           </p:cNvPr>
@@ -15853,53 +15866,14 @@
           <a:lstStyle/>
           <a:p>
             <a:r>
-              <a:rPr lang="en-US" sz="2800" dirty="0"/>
-              <a:t>Forward commitments</a:t>
-            </a:r>
-          </a:p>
-          <a:p>
-            <a:pPr lvl="1"/>
-            <a:r>
-              <a:rPr lang="en-US" sz="1800" dirty="0">
-                <a:solidFill>
-                  <a:schemeClr val="tx1"/>
-                </a:solidFill>
-              </a:rPr>
-              <a:t>Forward</a:t>
-            </a:r>
-          </a:p>
-          <a:p>
-            <a:pPr lvl="1"/>
-            <a:r>
-              <a:rPr lang="en-US" sz="1800" dirty="0"/>
-              <a:t>Futures</a:t>
-            </a:r>
-          </a:p>
-          <a:p>
-            <a:pPr lvl="1"/>
-            <a:r>
-              <a:rPr lang="en-US" sz="1800" dirty="0"/>
-              <a:t>Swap</a:t>
-            </a:r>
-          </a:p>
-          <a:p>
-            <a:r>
-              <a:rPr lang="en-US" sz="2800" dirty="0"/>
-              <a:t>Contingent claims</a:t>
-            </a:r>
-          </a:p>
-          <a:p>
-            <a:pPr lvl="1"/>
-            <a:r>
-              <a:rPr lang="en-US" sz="1800" dirty="0"/>
-              <a:t>Option</a:t>
-            </a:r>
-          </a:p>
-          <a:p>
-            <a:pPr lvl="1"/>
-            <a:r>
-              <a:rPr lang="en-US" sz="1800" dirty="0"/>
-              <a:t>Credit Default Swap</a:t>
+              <a:rPr lang="en-US" dirty="0"/>
+              <a:t>Definition: an asset- backed security is a derivative contract in which a portfolio of debt instruments is assembled and claims are issued on the portfolio in the form of tranches, which have different priorities of claims on the payments made by the debt securities such that prepayments or credit losses are allocated to the most- junior tranches first and the most- senior tranches last.</a:t>
+            </a:r>
+          </a:p>
+          <a:p>
+            <a:r>
+              <a:rPr lang="en-US" dirty="0"/>
+              <a:t>ABSs typically divide the payments into slices, called tranches, in which the priority of claims has been changed from equivalent to preferential.</a:t>
             </a:r>
           </a:p>
         </p:txBody>
@@ -15907,7 +15881,7 @@
     </p:spTree>
     <p:extLst>
       <p:ext uri="{BB962C8B-B14F-4D97-AF65-F5344CB8AC3E}">
-        <p14:creationId xmlns:p14="http://schemas.microsoft.com/office/powerpoint/2010/main" val="3548463849"/>
+        <p14:creationId xmlns:p14="http://schemas.microsoft.com/office/powerpoint/2010/main" val="2380732809"/>
       </p:ext>
     </p:extLst>
   </p:cSld>
@@ -15939,7 +15913,7 @@
           <p:cNvPr id="2" name="Title 1">
             <a:extLst>
               <a:ext uri="{FF2B5EF4-FFF2-40B4-BE49-F238E27FC236}">
-                <a16:creationId xmlns:a16="http://schemas.microsoft.com/office/drawing/2014/main" id="{61C782C3-1713-4158-BD07-C849C3C4CC28}"/>
+                <a16:creationId xmlns:a16="http://schemas.microsoft.com/office/drawing/2014/main" id="{DE056A45-2501-43A0-9F43-EE798108DA86}"/>
               </a:ext>
             </a:extLst>
           </p:cNvPr>
@@ -15952,28 +15926,20 @@
         </p:nvSpPr>
         <p:spPr/>
         <p:txBody>
-          <a:bodyPr/>
-          <a:lstStyle/>
-          <a:p>
+          <a:bodyPr>
+            <a:normAutofit/>
+          </a:bodyPr>
+          <a:lstStyle/>
+          <a:p>
+            <a:r>
+              <a:rPr lang="en-US" sz="4000" dirty="0"/>
+              <a:t>A</a:t>
+            </a:r>
             <a:r>
               <a:rPr lang="en-US" altLang="zh-CN" sz="4000" dirty="0"/>
-              <a:t>Classification</a:t>
-            </a:r>
-            <a:r>
-              <a:rPr lang="en-US" sz="4000" dirty="0"/>
-              <a:t> of derivatives	</a:t>
-            </a:r>
-            <a:r>
-              <a:rPr lang="en-US" dirty="0"/>
-              <a:t>	</a:t>
-            </a:r>
-            <a:br>
-              <a:rPr lang="en-US" dirty="0"/>
-            </a:br>
-            <a:r>
-              <a:rPr lang="en-US" dirty="0"/>
-              <a:t>Exchange-traded and OTC market</a:t>
-            </a:r>
+              <a:t>sset-backed securities</a:t>
+            </a:r>
+            <a:endParaRPr lang="en-US" sz="4000" dirty="0"/>
           </a:p>
         </p:txBody>
       </p:sp>
@@ -15982,7 +15948,7 @@
           <p:cNvPr id="3" name="Content Placeholder 2">
             <a:extLst>
               <a:ext uri="{FF2B5EF4-FFF2-40B4-BE49-F238E27FC236}">
-                <a16:creationId xmlns:a16="http://schemas.microsoft.com/office/drawing/2014/main" id="{AF25ED95-A7A6-4FF7-B6AE-E00C8A4243CE}"/>
+                <a16:creationId xmlns:a16="http://schemas.microsoft.com/office/drawing/2014/main" id="{8DCE4C67-98B6-4618-8DEA-076B941A3F4A}"/>
               </a:ext>
             </a:extLst>
           </p:cNvPr>
@@ -15999,49 +15965,20 @@
           <a:lstStyle/>
           <a:p>
             <a:r>
-              <a:rPr lang="en-US" sz="2800" dirty="0"/>
-              <a:t>Over-the-counter market</a:t>
-            </a:r>
-          </a:p>
-          <a:p>
-            <a:pPr lvl="1"/>
-            <a:r>
-              <a:rPr lang="en-US" sz="1800" dirty="0"/>
-              <a:t>Forward</a:t>
-            </a:r>
-          </a:p>
-          <a:p>
-            <a:pPr lvl="1"/>
-            <a:r>
-              <a:rPr lang="en-US" sz="1800" dirty="0"/>
-              <a:t>Swap</a:t>
-            </a:r>
-          </a:p>
-          <a:p>
-            <a:pPr lvl="1"/>
-            <a:r>
-              <a:rPr lang="en-US" sz="1800" dirty="0"/>
-              <a:t>Option</a:t>
-            </a:r>
-          </a:p>
-          <a:p>
-            <a:r>
-              <a:rPr lang="en-US" sz="2800" dirty="0"/>
-              <a:t>Exchange-traded market</a:t>
-            </a:r>
-          </a:p>
-          <a:p>
-            <a:pPr lvl="1"/>
-            <a:r>
-              <a:rPr lang="en-US" sz="1800" dirty="0"/>
-              <a:t>Futures</a:t>
-            </a:r>
-          </a:p>
-          <a:p>
-            <a:pPr lvl="1"/>
-            <a:r>
-              <a:rPr lang="en-US" sz="1800" dirty="0"/>
-              <a:t>Option</a:t>
+              <a:rPr lang="en-US" dirty="0"/>
+              <a:t>CMO: collateralized mortgage obligation</a:t>
+            </a:r>
+          </a:p>
+          <a:p>
+            <a:r>
+              <a:rPr lang="en-US" dirty="0"/>
+              <a:t>CBO: collateralized bond obligation</a:t>
+            </a:r>
+          </a:p>
+          <a:p>
+            <a:r>
+              <a:rPr lang="en-US" dirty="0"/>
+              <a:t>CLO: collateralized loan obligation</a:t>
             </a:r>
           </a:p>
           <a:p>
@@ -16052,7 +15989,7 @@
     </p:spTree>
     <p:extLst>
       <p:ext uri="{BB962C8B-B14F-4D97-AF65-F5344CB8AC3E}">
-        <p14:creationId xmlns:p14="http://schemas.microsoft.com/office/powerpoint/2010/main" val="2063123738"/>
+        <p14:creationId xmlns:p14="http://schemas.microsoft.com/office/powerpoint/2010/main" val="615116269"/>
       </p:ext>
     </p:extLst>
   </p:cSld>
@@ -16084,7 +16021,7 @@
           <p:cNvPr id="2" name="Title 1">
             <a:extLst>
               <a:ext uri="{FF2B5EF4-FFF2-40B4-BE49-F238E27FC236}">
-                <a16:creationId xmlns:a16="http://schemas.microsoft.com/office/drawing/2014/main" id="{63CC868E-9E09-460D-AFC5-F06FE734B18C}"/>
+                <a16:creationId xmlns:a16="http://schemas.microsoft.com/office/drawing/2014/main" id="{8E48A604-005B-48E4-8AF4-138B105BA282}"/>
               </a:ext>
             </a:extLst>
           </p:cNvPr>
@@ -16097,27 +16034,14 @@
         </p:nvSpPr>
         <p:spPr/>
         <p:txBody>
-          <a:bodyPr/>
-          <a:lstStyle/>
-          <a:p>
-            <a:r>
-              <a:rPr lang="en-US" altLang="zh-CN" sz="4000" dirty="0"/>
-              <a:t>Classification </a:t>
-            </a:r>
+          <a:bodyPr>
+            <a:normAutofit/>
+          </a:bodyPr>
+          <a:lstStyle/>
+          <a:p>
             <a:r>
               <a:rPr lang="en-US" sz="4000" dirty="0"/>
-              <a:t>of derivatives	</a:t>
-            </a:r>
-            <a:r>
-              <a:rPr lang="en-US" dirty="0"/>
-              <a:t>	</a:t>
-            </a:r>
-            <a:br>
-              <a:rPr lang="en-US" dirty="0"/>
-            </a:br>
-            <a:r>
-              <a:rPr lang="en-US" dirty="0"/>
-              <a:t>Exchange-traded and OTC market</a:t>
+              <a:t>Derivative underlying</a:t>
             </a:r>
           </a:p>
         </p:txBody>
@@ -16127,7 +16051,7 @@
           <p:cNvPr id="3" name="Content Placeholder 2">
             <a:extLst>
               <a:ext uri="{FF2B5EF4-FFF2-40B4-BE49-F238E27FC236}">
-                <a16:creationId xmlns:a16="http://schemas.microsoft.com/office/drawing/2014/main" id="{8C312896-34F4-450C-92F0-CAD934A523A3}"/>
+                <a16:creationId xmlns:a16="http://schemas.microsoft.com/office/drawing/2014/main" id="{4DC2DC39-460C-4DC9-92A3-82D2535FFBF9}"/>
               </a:ext>
             </a:extLst>
           </p:cNvPr>
@@ -16144,67 +16068,39 @@
           <a:lstStyle/>
           <a:p>
             <a:r>
-              <a:rPr lang="en-US" sz="2800" dirty="0"/>
-              <a:t>Exchange-traded derivative market</a:t>
-            </a:r>
-          </a:p>
-          <a:p>
-            <a:r>
-              <a:rPr lang="en-US" dirty="0"/>
-              <a:t>characteristics</a:t>
-            </a:r>
-          </a:p>
-          <a:p>
-            <a:pPr lvl="1"/>
-            <a:r>
-              <a:rPr lang="en-US" dirty="0"/>
-              <a:t>Standardized	</a:t>
-            </a:r>
-          </a:p>
-          <a:p>
-            <a:pPr lvl="1"/>
-            <a:r>
-              <a:rPr lang="en-US" dirty="0"/>
-              <a:t>More liquid</a:t>
-            </a:r>
-          </a:p>
-          <a:p>
-            <a:pPr lvl="1"/>
-            <a:r>
-              <a:rPr lang="en-US" dirty="0"/>
-              <a:t>Market makers and speculators</a:t>
-            </a:r>
-          </a:p>
-          <a:p>
-            <a:pPr lvl="1"/>
-            <a:r>
-              <a:rPr lang="en-US" dirty="0"/>
-              <a:t>Clear and settle all contracts overnight</a:t>
-            </a:r>
-          </a:p>
-          <a:p>
-            <a:pPr lvl="1"/>
-            <a:r>
-              <a:rPr lang="en-US" dirty="0"/>
-              <a:t>Credit guarantee</a:t>
-            </a:r>
-          </a:p>
-          <a:p>
-            <a:pPr lvl="1"/>
-            <a:r>
-              <a:rPr lang="en-US" dirty="0"/>
-              <a:t>Transparency(regulatory bodies)</a:t>
-            </a:r>
-          </a:p>
-          <a:p>
-            <a:pPr lvl="1"/>
-            <a:r>
-              <a:rPr lang="en-US" dirty="0"/>
-              <a:t>Loss of privacy and flexibility</a:t>
-            </a:r>
-          </a:p>
-          <a:p>
-            <a:endParaRPr lang="en-US" dirty="0"/>
+              <a:rPr lang="en-US" dirty="0"/>
+              <a:t>Equities</a:t>
+            </a:r>
+          </a:p>
+          <a:p>
+            <a:r>
+              <a:rPr lang="en-US" dirty="0"/>
+              <a:t>Fixed-income instruments and interest rates</a:t>
+            </a:r>
+          </a:p>
+          <a:p>
+            <a:r>
+              <a:rPr lang="en-US" dirty="0"/>
+              <a:t>Currencies</a:t>
+            </a:r>
+          </a:p>
+          <a:p>
+            <a:r>
+              <a:rPr lang="en-US" dirty="0"/>
+              <a:t>Commodities</a:t>
+            </a:r>
+          </a:p>
+          <a:p>
+            <a:r>
+              <a:rPr lang="en-US" dirty="0"/>
+              <a:t>Credit</a:t>
+            </a:r>
+          </a:p>
+          <a:p>
+            <a:r>
+              <a:rPr lang="en-US" dirty="0"/>
+              <a:t>Other</a:t>
+            </a:r>
           </a:p>
           <a:p>
             <a:endParaRPr lang="en-US" dirty="0"/>
@@ -16214,7 +16110,7 @@
     </p:spTree>
     <p:extLst>
       <p:ext uri="{BB962C8B-B14F-4D97-AF65-F5344CB8AC3E}">
-        <p14:creationId xmlns:p14="http://schemas.microsoft.com/office/powerpoint/2010/main" val="1080345033"/>
+        <p14:creationId xmlns:p14="http://schemas.microsoft.com/office/powerpoint/2010/main" val="3920046498"/>
       </p:ext>
     </p:extLst>
   </p:cSld>
@@ -16336,7 +16232,7 @@
           <p:cNvPr id="2" name="Title 1">
             <a:extLst>
               <a:ext uri="{FF2B5EF4-FFF2-40B4-BE49-F238E27FC236}">
-                <a16:creationId xmlns:a16="http://schemas.microsoft.com/office/drawing/2014/main" id="{2002ACD3-97F2-43B1-8933-4B82D4F11644}"/>
+                <a16:creationId xmlns:a16="http://schemas.microsoft.com/office/drawing/2014/main" id="{0B33124B-F8B1-44FB-B9D6-3239CDA95508}"/>
               </a:ext>
             </a:extLst>
           </p:cNvPr>
@@ -16349,27 +16245,25 @@
         </p:nvSpPr>
         <p:spPr/>
         <p:txBody>
-          <a:bodyPr/>
-          <a:lstStyle/>
-          <a:p>
-            <a:r>
-              <a:rPr lang="en-US" altLang="zh-CN" sz="4000" dirty="0"/>
-              <a:t>Classification	</a:t>
-            </a:r>
-            <a:r>
-              <a:rPr lang="en-US" sz="4000" dirty="0"/>
-              <a:t>of derivatives	</a:t>
-            </a:r>
-            <a:r>
-              <a:rPr lang="en-US" dirty="0"/>
-              <a:t>	</a:t>
+          <a:bodyPr>
+            <a:normAutofit fontScale="90000"/>
+          </a:bodyPr>
+          <a:lstStyle/>
+          <a:p>
+            <a:r>
+              <a:rPr lang="en-US" altLang="zh-CN" sz="4400" dirty="0"/>
+              <a:t>Classification </a:t>
+            </a:r>
+            <a:r>
+              <a:rPr lang="en-US" sz="4400" dirty="0"/>
+              <a:t>of derivatives</a:t>
             </a:r>
             <a:br>
               <a:rPr lang="en-US" dirty="0"/>
             </a:br>
             <a:r>
               <a:rPr lang="en-US" dirty="0"/>
-              <a:t>Exchange-traded and OTC market</a:t>
+              <a:t>Forward commitments and contingent claims</a:t>
             </a:r>
           </a:p>
         </p:txBody>
@@ -16379,7 +16273,7 @@
           <p:cNvPr id="3" name="Content Placeholder 2">
             <a:extLst>
               <a:ext uri="{FF2B5EF4-FFF2-40B4-BE49-F238E27FC236}">
-                <a16:creationId xmlns:a16="http://schemas.microsoft.com/office/drawing/2014/main" id="{487D91EC-818A-4A4E-B004-E96C0A6F64DC}"/>
+                <a16:creationId xmlns:a16="http://schemas.microsoft.com/office/drawing/2014/main" id="{AEE854A1-1496-4876-AC8F-11F97047424B}"/>
               </a:ext>
             </a:extLst>
           </p:cNvPr>
@@ -16397,56 +16291,60 @@
           <a:p>
             <a:r>
               <a:rPr lang="en-US" sz="2800" dirty="0"/>
-              <a:t>Over-the-counter derivative market</a:t>
-            </a:r>
-          </a:p>
-          <a:p>
-            <a:r>
-              <a:rPr lang="en-US" dirty="0"/>
-              <a:t>characteristics</a:t>
+              <a:t>Forward commitments</a:t>
             </a:r>
           </a:p>
           <a:p>
             <a:pPr lvl="1"/>
             <a:r>
-              <a:rPr lang="en-US" dirty="0"/>
-              <a:t>Customization</a:t>
+              <a:rPr lang="en-US" sz="1800" dirty="0">
+                <a:solidFill>
+                  <a:schemeClr val="tx1"/>
+                </a:solidFill>
+              </a:rPr>
+              <a:t>Forward</a:t>
             </a:r>
           </a:p>
           <a:p>
             <a:pPr lvl="1"/>
             <a:r>
-              <a:rPr lang="en-US" dirty="0"/>
-              <a:t>More flexible</a:t>
+              <a:rPr lang="en-US" sz="1800" dirty="0"/>
+              <a:t>Futures</a:t>
             </a:r>
           </a:p>
           <a:p>
             <a:pPr lvl="1"/>
             <a:r>
-              <a:rPr lang="en-US" dirty="0"/>
-              <a:t>Lower degree of regulation</a:t>
+              <a:rPr lang="en-US" sz="1800" dirty="0"/>
+              <a:t>Swap</a:t>
+            </a:r>
+          </a:p>
+          <a:p>
+            <a:r>
+              <a:rPr lang="en-US" sz="2800" dirty="0"/>
+              <a:t>Contingent claims</a:t>
             </a:r>
           </a:p>
           <a:p>
             <a:pPr lvl="1"/>
             <a:r>
-              <a:rPr lang="en-US" dirty="0"/>
-              <a:t>Retain a degree of privacy with lower transparency</a:t>
+              <a:rPr lang="en-US" sz="1800" dirty="0"/>
+              <a:t>Option</a:t>
             </a:r>
           </a:p>
           <a:p>
             <a:pPr lvl="1"/>
-            <a:endParaRPr lang="en-US" dirty="0"/>
-          </a:p>
-          <a:p>
-            <a:endParaRPr lang="en-US" dirty="0"/>
+            <a:r>
+              <a:rPr lang="en-US" sz="1800" dirty="0"/>
+              <a:t>Credit Default Swap</a:t>
+            </a:r>
           </a:p>
         </p:txBody>
       </p:sp>
     </p:spTree>
     <p:extLst>
       <p:ext uri="{BB962C8B-B14F-4D97-AF65-F5344CB8AC3E}">
-        <p14:creationId xmlns:p14="http://schemas.microsoft.com/office/powerpoint/2010/main" val="736614646"/>
+        <p14:creationId xmlns:p14="http://schemas.microsoft.com/office/powerpoint/2010/main" val="3548463849"/>
       </p:ext>
     </p:extLst>
   </p:cSld>
@@ -16478,7 +16376,7 @@
           <p:cNvPr id="2" name="Title 1">
             <a:extLst>
               <a:ext uri="{FF2B5EF4-FFF2-40B4-BE49-F238E27FC236}">
-                <a16:creationId xmlns:a16="http://schemas.microsoft.com/office/drawing/2014/main" id="{E5071E7E-561B-4C61-8404-6C29256855A2}"/>
+                <a16:creationId xmlns:a16="http://schemas.microsoft.com/office/drawing/2014/main" id="{61C782C3-1713-4158-BD07-C849C3C4CC28}"/>
               </a:ext>
             </a:extLst>
           </p:cNvPr>
@@ -16491,14 +16389,27 @@
         </p:nvSpPr>
         <p:spPr/>
         <p:txBody>
-          <a:bodyPr>
-            <a:normAutofit/>
-          </a:bodyPr>
-          <a:lstStyle/>
-          <a:p>
+          <a:bodyPr/>
+          <a:lstStyle/>
+          <a:p>
+            <a:r>
+              <a:rPr lang="en-US" altLang="zh-CN" sz="4000" dirty="0"/>
+              <a:t>Classification</a:t>
+            </a:r>
             <a:r>
               <a:rPr lang="en-US" sz="4000" dirty="0"/>
-              <a:t>Practices</a:t>
+              <a:t> of derivatives	</a:t>
+            </a:r>
+            <a:r>
+              <a:rPr lang="en-US" dirty="0"/>
+              <a:t>	</a:t>
+            </a:r>
+            <a:br>
+              <a:rPr lang="en-US" dirty="0"/>
+            </a:br>
+            <a:r>
+              <a:rPr lang="en-US" dirty="0"/>
+              <a:t>Exchange-traded and OTC market</a:t>
             </a:r>
           </a:p>
         </p:txBody>
@@ -16508,7 +16419,7 @@
           <p:cNvPr id="3" name="Content Placeholder 2">
             <a:extLst>
               <a:ext uri="{FF2B5EF4-FFF2-40B4-BE49-F238E27FC236}">
-                <a16:creationId xmlns:a16="http://schemas.microsoft.com/office/drawing/2014/main" id="{CFF1D1EF-7E0F-48EE-98B9-A11615480828}"/>
+                <a16:creationId xmlns:a16="http://schemas.microsoft.com/office/drawing/2014/main" id="{AF25ED95-A7A6-4FF7-B6AE-E00C8A4243CE}"/>
               </a:ext>
             </a:extLst>
           </p:cNvPr>
@@ -16525,64 +16436,60 @@
           <a:lstStyle/>
           <a:p>
             <a:r>
-              <a:rPr lang="en-US" dirty="0"/>
-              <a:t>1.Which of the following is not a forward commitment?</a:t>
+              <a:rPr lang="en-US" sz="2800" dirty="0"/>
+              <a:t>Over-the-counter market</a:t>
             </a:r>
           </a:p>
           <a:p>
             <a:pPr lvl="1"/>
             <a:r>
-              <a:rPr lang="en-US" dirty="0"/>
-              <a:t>A An agreement to take out a loan at a future date at a specific rate</a:t>
+              <a:rPr lang="en-US" sz="1800" dirty="0"/>
+              <a:t>Forward</a:t>
             </a:r>
           </a:p>
           <a:p>
             <a:pPr lvl="1"/>
             <a:r>
-              <a:rPr lang="en-US" dirty="0"/>
-              <a:t>B An offer of employment that must be accepted or rejected in two weeks</a:t>
+              <a:rPr lang="en-US" sz="1800" dirty="0"/>
+              <a:t>Swap</a:t>
             </a:r>
           </a:p>
           <a:p>
             <a:pPr lvl="1"/>
             <a:r>
-              <a:rPr lang="en-US" dirty="0"/>
-              <a:t>C An agreement to lease a piece of machinery for one year with a series of fixed monthly payments</a:t>
-            </a:r>
-          </a:p>
-          <a:p>
-            <a:r>
-              <a:rPr lang="en-US" dirty="0"/>
-              <a:t>2.Which of the following statements is true about contingent claims?</a:t>
+              <a:rPr lang="en-US" sz="1800" dirty="0"/>
+              <a:t>Option</a:t>
+            </a:r>
+          </a:p>
+          <a:p>
+            <a:r>
+              <a:rPr lang="en-US" sz="2800" dirty="0"/>
+              <a:t>Exchange-traded market</a:t>
             </a:r>
           </a:p>
           <a:p>
             <a:pPr lvl="1"/>
             <a:r>
-              <a:rPr lang="en-US" dirty="0"/>
-              <a:t>A Either party can default to the other.</a:t>
+              <a:rPr lang="en-US" sz="1800" dirty="0"/>
+              <a:t>Futures</a:t>
             </a:r>
           </a:p>
           <a:p>
             <a:pPr lvl="1"/>
             <a:r>
-              <a:rPr lang="en-US" dirty="0"/>
-              <a:t>B The payoffs are linearly related to the performance of the underlying.</a:t>
-            </a:r>
-          </a:p>
-          <a:p>
-            <a:pPr lvl="1"/>
-            <a:r>
-              <a:rPr lang="en-US" dirty="0"/>
-              <a:t>C The most the long can lose is the amount paid for the contingent claim.</a:t>
-            </a:r>
+              <a:rPr lang="en-US" sz="1800" dirty="0"/>
+              <a:t>Option</a:t>
+            </a:r>
+          </a:p>
+          <a:p>
+            <a:endParaRPr lang="en-US" dirty="0"/>
           </a:p>
         </p:txBody>
       </p:sp>
     </p:spTree>
     <p:extLst>
       <p:ext uri="{BB962C8B-B14F-4D97-AF65-F5344CB8AC3E}">
-        <p14:creationId xmlns:p14="http://schemas.microsoft.com/office/powerpoint/2010/main" val="1657439908"/>
+        <p14:creationId xmlns:p14="http://schemas.microsoft.com/office/powerpoint/2010/main" val="2063123738"/>
       </p:ext>
     </p:extLst>
   </p:cSld>
@@ -16614,7 +16521,7 @@
           <p:cNvPr id="2" name="Title 1">
             <a:extLst>
               <a:ext uri="{FF2B5EF4-FFF2-40B4-BE49-F238E27FC236}">
-                <a16:creationId xmlns:a16="http://schemas.microsoft.com/office/drawing/2014/main" id="{F20D5F44-83D3-4C3D-AA1E-B7B8E357D44D}"/>
+                <a16:creationId xmlns:a16="http://schemas.microsoft.com/office/drawing/2014/main" id="{63CC868E-9E09-460D-AFC5-F06FE734B18C}"/>
               </a:ext>
             </a:extLst>
           </p:cNvPr>
@@ -16627,14 +16534,27 @@
         </p:nvSpPr>
         <p:spPr/>
         <p:txBody>
-          <a:bodyPr>
-            <a:normAutofit/>
-          </a:bodyPr>
-          <a:lstStyle/>
-          <a:p>
+          <a:bodyPr/>
+          <a:lstStyle/>
+          <a:p>
+            <a:r>
+              <a:rPr lang="en-US" altLang="zh-CN" sz="4000" dirty="0"/>
+              <a:t>Classification </a:t>
+            </a:r>
             <a:r>
               <a:rPr lang="en-US" sz="4000" dirty="0"/>
-              <a:t>Practices</a:t>
+              <a:t>of derivatives	</a:t>
+            </a:r>
+            <a:r>
+              <a:rPr lang="en-US" dirty="0"/>
+              <a:t>	</a:t>
+            </a:r>
+            <a:br>
+              <a:rPr lang="en-US" dirty="0"/>
+            </a:br>
+            <a:r>
+              <a:rPr lang="en-US" dirty="0"/>
+              <a:t>Exchange-traded and OTC market</a:t>
             </a:r>
           </a:p>
         </p:txBody>
@@ -16644,7 +16564,7 @@
           <p:cNvPr id="3" name="Content Placeholder 2">
             <a:extLst>
               <a:ext uri="{FF2B5EF4-FFF2-40B4-BE49-F238E27FC236}">
-                <a16:creationId xmlns:a16="http://schemas.microsoft.com/office/drawing/2014/main" id="{2EA05F35-4584-4A6C-B5B8-1E6EAF96AE0E}"/>
+                <a16:creationId xmlns:a16="http://schemas.microsoft.com/office/drawing/2014/main" id="{8C312896-34F4-450C-92F0-CAD934A523A3}"/>
               </a:ext>
             </a:extLst>
           </p:cNvPr>
@@ -16657,70 +16577,81 @@
         </p:nvSpPr>
         <p:spPr/>
         <p:txBody>
-          <a:bodyPr>
-            <a:normAutofit/>
-          </a:bodyPr>
-          <a:lstStyle/>
-          <a:p>
-            <a:r>
-              <a:rPr lang="en-US" dirty="0"/>
-              <a:t>3.Which of the following characteristics is not associated with exchange-traded derivatives?</a:t>
+          <a:bodyPr/>
+          <a:lstStyle/>
+          <a:p>
+            <a:r>
+              <a:rPr lang="en-US" sz="2800" dirty="0"/>
+              <a:t>Exchange-traded derivative market</a:t>
+            </a:r>
+          </a:p>
+          <a:p>
+            <a:r>
+              <a:rPr lang="en-US" dirty="0"/>
+              <a:t>characteristics</a:t>
             </a:r>
           </a:p>
           <a:p>
             <a:pPr lvl="1"/>
             <a:r>
               <a:rPr lang="en-US" dirty="0"/>
-              <a:t>A Margin or performance bonds are required.</a:t>
+              <a:t>Standardized	</a:t>
             </a:r>
           </a:p>
           <a:p>
             <a:pPr lvl="1"/>
             <a:r>
               <a:rPr lang="en-US" dirty="0"/>
-              <a:t>B The exchange guarantees all payments in the event of default.</a:t>
+              <a:t>More liquid</a:t>
             </a:r>
           </a:p>
           <a:p>
             <a:pPr lvl="1"/>
             <a:r>
               <a:rPr lang="en-US" dirty="0"/>
-              <a:t>C All terms except the price are customized to the parties’ individual needs.</a:t>
-            </a:r>
-          </a:p>
-          <a:p>
-            <a:r>
-              <a:rPr lang="en-US" dirty="0"/>
-              <a:t>4.Which of the following characteristics is associated with over- the- counter derivatives?</a:t>
+              <a:t>Market makers and speculators</a:t>
             </a:r>
           </a:p>
           <a:p>
             <a:pPr lvl="1"/>
             <a:r>
               <a:rPr lang="en-US" dirty="0"/>
-              <a:t>A Trading occurs in a central location.</a:t>
+              <a:t>Clear and settle all contracts overnight</a:t>
             </a:r>
           </a:p>
           <a:p>
             <a:pPr lvl="1"/>
             <a:r>
               <a:rPr lang="en-US" dirty="0"/>
-              <a:t>B They are more regulated than exchange- listed derivatives.</a:t>
+              <a:t>Credit guarantee</a:t>
             </a:r>
           </a:p>
           <a:p>
             <a:pPr lvl="1"/>
             <a:r>
               <a:rPr lang="en-US" dirty="0"/>
-              <a:t>C They are less transparent than exchange- listed derivatives.</a:t>
-            </a:r>
+              <a:t>Transparency(regulatory bodies)</a:t>
+            </a:r>
+          </a:p>
+          <a:p>
+            <a:pPr lvl="1"/>
+            <a:r>
+              <a:rPr lang="en-US" dirty="0"/>
+              <a:t>Loss of privacy and flexibility</a:t>
+            </a:r>
+          </a:p>
+          <a:p>
+            <a:endParaRPr lang="en-US" dirty="0"/>
+          </a:p>
+          <a:p>
+            <a:endParaRPr lang="en-US" dirty="0"/>
           </a:p>
         </p:txBody>
       </p:sp>
     </p:spTree>
     <p:extLst>
       <p:ext uri="{BB962C8B-B14F-4D97-AF65-F5344CB8AC3E}">
-        <p14:creationId xmlns:p14="http://schemas.microsoft.com/office/powerpoint/2010/main" val="3121291714"/>
+        <p14:creationId xmlns:p14="http://schemas.microsoft.com/office/powerpoint/2010/main" val="1080345033"/>
       </p:ext>
     </p:extLst>
   </p:cSld>
@@ -16752,7 +16683,7 @@
           <p:cNvPr id="2" name="Title 1">
             <a:extLst>
               <a:ext uri="{FF2B5EF4-FFF2-40B4-BE49-F238E27FC236}">
-                <a16:creationId xmlns:a16="http://schemas.microsoft.com/office/drawing/2014/main" id="{F20D5F44-83D3-4C3D-AA1E-B7B8E357D44D}"/>
+                <a16:creationId xmlns:a16="http://schemas.microsoft.com/office/drawing/2014/main" id="{2002ACD3-97F2-43B1-8933-4B82D4F11644}"/>
               </a:ext>
             </a:extLst>
           </p:cNvPr>
@@ -16765,14 +16696,27 @@
         </p:nvSpPr>
         <p:spPr/>
         <p:txBody>
-          <a:bodyPr>
-            <a:normAutofit/>
-          </a:bodyPr>
-          <a:lstStyle/>
-          <a:p>
+          <a:bodyPr/>
+          <a:lstStyle/>
+          <a:p>
+            <a:r>
+              <a:rPr lang="en-US" altLang="zh-CN" sz="4000" dirty="0"/>
+              <a:t>Classification	</a:t>
+            </a:r>
             <a:r>
               <a:rPr lang="en-US" sz="4000" dirty="0"/>
-              <a:t>Practices</a:t>
+              <a:t>of derivatives	</a:t>
+            </a:r>
+            <a:r>
+              <a:rPr lang="en-US" dirty="0"/>
+              <a:t>	</a:t>
+            </a:r>
+            <a:br>
+              <a:rPr lang="en-US" dirty="0"/>
+            </a:br>
+            <a:r>
+              <a:rPr lang="en-US" dirty="0"/>
+              <a:t>Exchange-traded and OTC market</a:t>
             </a:r>
           </a:p>
         </p:txBody>
@@ -16782,7 +16726,7 @@
           <p:cNvPr id="3" name="Content Placeholder 2">
             <a:extLst>
               <a:ext uri="{FF2B5EF4-FFF2-40B4-BE49-F238E27FC236}">
-                <a16:creationId xmlns:a16="http://schemas.microsoft.com/office/drawing/2014/main" id="{2EA05F35-4584-4A6C-B5B8-1E6EAF96AE0E}"/>
+                <a16:creationId xmlns:a16="http://schemas.microsoft.com/office/drawing/2014/main" id="{487D91EC-818A-4A4E-B004-E96C0A6F64DC}"/>
               </a:ext>
             </a:extLst>
           </p:cNvPr>
@@ -16795,70 +16739,61 @@
         </p:nvSpPr>
         <p:spPr/>
         <p:txBody>
-          <a:bodyPr>
-            <a:normAutofit/>
-          </a:bodyPr>
-          <a:lstStyle/>
-          <a:p>
-            <a:r>
-              <a:rPr lang="en-US" dirty="0"/>
-              <a:t>5.Market makers earn a profit in both exchange and over- the- counter derivatives markets by:</a:t>
+          <a:bodyPr/>
+          <a:lstStyle/>
+          <a:p>
+            <a:r>
+              <a:rPr lang="en-US" sz="2800" dirty="0"/>
+              <a:t>Over-the-counter derivative market</a:t>
+            </a:r>
+          </a:p>
+          <a:p>
+            <a:r>
+              <a:rPr lang="en-US" dirty="0"/>
+              <a:t>characteristics</a:t>
             </a:r>
           </a:p>
           <a:p>
             <a:pPr lvl="1"/>
             <a:r>
               <a:rPr lang="en-US" dirty="0"/>
-              <a:t>A charging a commission on each trade.</a:t>
+              <a:t>Customization</a:t>
             </a:r>
           </a:p>
           <a:p>
             <a:pPr lvl="1"/>
             <a:r>
               <a:rPr lang="en-US" dirty="0"/>
-              <a:t>B a combination of commissions and markups.</a:t>
+              <a:t>More flexible</a:t>
             </a:r>
           </a:p>
           <a:p>
             <a:pPr lvl="1"/>
             <a:r>
               <a:rPr lang="en-US" dirty="0"/>
-              <a:t>C buying at one price, selling at a higher price, and hedging any risk.</a:t>
-            </a:r>
-          </a:p>
-          <a:p>
-            <a:r>
-              <a:rPr lang="en-US" dirty="0"/>
-              <a:t>6.Which of the following statements most accurately describes exchange-traded derivatives relative to over- the- counter derivatives? Exchange-traded derivatives are more likely to have:</a:t>
+              <a:t>Lower degree of regulation</a:t>
             </a:r>
           </a:p>
           <a:p>
             <a:pPr lvl="1"/>
             <a:r>
               <a:rPr lang="en-US" dirty="0"/>
-              <a:t>A greater credit risk.</a:t>
+              <a:t>Retain a degree of privacy with lower transparency</a:t>
             </a:r>
           </a:p>
           <a:p>
             <a:pPr lvl="1"/>
-            <a:r>
-              <a:rPr lang="en-US" dirty="0"/>
-              <a:t>B standardized contract terms.</a:t>
-            </a:r>
-          </a:p>
-          <a:p>
-            <a:pPr lvl="1"/>
-            <a:r>
-              <a:rPr lang="en-US" dirty="0"/>
-              <a:t>C greater risk management uses</a:t>
-            </a:r>
+            <a:endParaRPr lang="en-US" dirty="0"/>
+          </a:p>
+          <a:p>
+            <a:endParaRPr lang="en-US" dirty="0"/>
           </a:p>
         </p:txBody>
       </p:sp>
     </p:spTree>
     <p:extLst>
       <p:ext uri="{BB962C8B-B14F-4D97-AF65-F5344CB8AC3E}">
-        <p14:creationId xmlns:p14="http://schemas.microsoft.com/office/powerpoint/2010/main" val="1189956952"/>
+        <p14:creationId xmlns:p14="http://schemas.microsoft.com/office/powerpoint/2010/main" val="736614646"/>
       </p:ext>
     </p:extLst>
   </p:cSld>
@@ -16890,7 +16825,7 @@
           <p:cNvPr id="2" name="Title 1">
             <a:extLst>
               <a:ext uri="{FF2B5EF4-FFF2-40B4-BE49-F238E27FC236}">
-                <a16:creationId xmlns:a16="http://schemas.microsoft.com/office/drawing/2014/main" id="{CBE36A6B-6E55-4FD0-8260-0BEFE68F4514}"/>
+                <a16:creationId xmlns:a16="http://schemas.microsoft.com/office/drawing/2014/main" id="{E5071E7E-561B-4C61-8404-6C29256855A2}"/>
               </a:ext>
             </a:extLst>
           </p:cNvPr>
@@ -16910,49 +16845,8 @@
           <a:p>
             <a:r>
               <a:rPr lang="en-US" sz="4000" dirty="0"/>
-              <a:t>The</a:t>
-            </a:r>
-            <a:r>
-              <a:rPr lang="zh-CN" altLang="en-US" sz="4000" dirty="0"/>
-              <a:t> </a:t>
-            </a:r>
-            <a:r>
-              <a:rPr lang="en-US" altLang="zh-CN" sz="4000" dirty="0"/>
-              <a:t>purposes</a:t>
-            </a:r>
-            <a:r>
-              <a:rPr lang="zh-CN" altLang="en-US" sz="4000" dirty="0"/>
-              <a:t> </a:t>
-            </a:r>
-            <a:r>
-              <a:rPr lang="en-US" altLang="zh-CN" sz="4000" dirty="0"/>
-              <a:t>and</a:t>
-            </a:r>
-            <a:r>
-              <a:rPr lang="zh-CN" altLang="en-US" sz="4000" dirty="0"/>
-              <a:t> </a:t>
-            </a:r>
-            <a:r>
-              <a:rPr lang="en-US" altLang="zh-CN" sz="4000" dirty="0"/>
-              <a:t>benefits</a:t>
-            </a:r>
-            <a:r>
-              <a:rPr lang="zh-CN" altLang="en-US" sz="4000" dirty="0"/>
-              <a:t> </a:t>
-            </a:r>
-            <a:r>
-              <a:rPr lang="en-US" altLang="zh-CN" sz="4000" dirty="0"/>
-              <a:t>of</a:t>
-            </a:r>
-            <a:r>
-              <a:rPr lang="zh-CN" altLang="en-US" sz="4000" dirty="0"/>
-              <a:t> </a:t>
-            </a:r>
-            <a:r>
-              <a:rPr lang="en-US" altLang="zh-CN" sz="4000" dirty="0"/>
-              <a:t>derivatives</a:t>
-            </a:r>
-            <a:endParaRPr lang="en-US" sz="4000" dirty="0"/>
+              <a:t>Practices</a:t>
+            </a:r>
           </a:p>
         </p:txBody>
       </p:sp>
@@ -16961,7 +16855,7 @@
           <p:cNvPr id="3" name="Content Placeholder 2">
             <a:extLst>
               <a:ext uri="{FF2B5EF4-FFF2-40B4-BE49-F238E27FC236}">
-                <a16:creationId xmlns:a16="http://schemas.microsoft.com/office/drawing/2014/main" id="{CF2F7B16-0AF8-4000-9305-F75458652CC6}"/>
+                <a16:creationId xmlns:a16="http://schemas.microsoft.com/office/drawing/2014/main" id="{CFF1D1EF-7E0F-48EE-98B9-A11615480828}"/>
               </a:ext>
             </a:extLst>
           </p:cNvPr>
@@ -16979,24 +16873,63 @@
           <a:p>
             <a:r>
               <a:rPr lang="en-US" dirty="0"/>
-              <a:t>The origin of modern futures markets is the creation of the Chicago board of trade in 1848.</a:t>
-            </a:r>
-          </a:p>
-          <a:p>
-            <a:r>
-              <a:rPr lang="en-US" dirty="0"/>
-              <a:t>‘To-arrive’ contract</a:t>
-            </a:r>
-          </a:p>
-          <a:p>
-            <a:endParaRPr lang="en-US" dirty="0"/>
+              <a:t>1.Which of the following is not a forward commitment?</a:t>
+            </a:r>
+          </a:p>
+          <a:p>
+            <a:pPr lvl="1"/>
+            <a:r>
+              <a:rPr lang="en-US" dirty="0"/>
+              <a:t>A An agreement to take out a loan at a future date at a specific rate</a:t>
+            </a:r>
+          </a:p>
+          <a:p>
+            <a:pPr lvl="1"/>
+            <a:r>
+              <a:rPr lang="en-US" dirty="0"/>
+              <a:t>B An offer of employment that must be accepted or rejected in two weeks</a:t>
+            </a:r>
+          </a:p>
+          <a:p>
+            <a:pPr lvl="1"/>
+            <a:r>
+              <a:rPr lang="en-US" dirty="0"/>
+              <a:t>C An agreement to lease a piece of machinery for one year with a series of fixed monthly payments</a:t>
+            </a:r>
+          </a:p>
+          <a:p>
+            <a:r>
+              <a:rPr lang="en-US" dirty="0"/>
+              <a:t>2.Which of the following statements is true about contingent claims?</a:t>
+            </a:r>
+          </a:p>
+          <a:p>
+            <a:pPr lvl="1"/>
+            <a:r>
+              <a:rPr lang="en-US" dirty="0"/>
+              <a:t>A Either party can default to the other.</a:t>
+            </a:r>
+          </a:p>
+          <a:p>
+            <a:pPr lvl="1"/>
+            <a:r>
+              <a:rPr lang="en-US" dirty="0"/>
+              <a:t>B The payoffs are linearly related to the performance of the underlying.</a:t>
+            </a:r>
+          </a:p>
+          <a:p>
+            <a:pPr lvl="1"/>
+            <a:r>
+              <a:rPr lang="en-US" dirty="0"/>
+              <a:t>C The most the long can lose is the amount paid for the contingent claim.</a:t>
+            </a:r>
           </a:p>
         </p:txBody>
       </p:sp>
     </p:spTree>
     <p:extLst>
       <p:ext uri="{BB962C8B-B14F-4D97-AF65-F5344CB8AC3E}">
-        <p14:creationId xmlns:p14="http://schemas.microsoft.com/office/powerpoint/2010/main" val="810741622"/>
+        <p14:creationId xmlns:p14="http://schemas.microsoft.com/office/powerpoint/2010/main" val="1657439908"/>
       </p:ext>
     </p:extLst>
   </p:cSld>
@@ -17028,7 +16961,7 @@
           <p:cNvPr id="2" name="Title 1">
             <a:extLst>
               <a:ext uri="{FF2B5EF4-FFF2-40B4-BE49-F238E27FC236}">
-                <a16:creationId xmlns:a16="http://schemas.microsoft.com/office/drawing/2014/main" id="{594F1C53-E728-4CBB-B42E-401BAB534833}"/>
+                <a16:creationId xmlns:a16="http://schemas.microsoft.com/office/drawing/2014/main" id="{F20D5F44-83D3-4C3D-AA1E-B7B8E357D44D}"/>
               </a:ext>
             </a:extLst>
           </p:cNvPr>
@@ -17039,12 +16972,7 @@
             <p:ph type="title"/>
           </p:nvPr>
         </p:nvSpPr>
-        <p:spPr>
-          <a:xfrm>
-            <a:off x="677334" y="609600"/>
-            <a:ext cx="8596668" cy="1320800"/>
-          </a:xfrm>
-        </p:spPr>
+        <p:spPr/>
         <p:txBody>
           <a:bodyPr>
             <a:normAutofit/>
@@ -17053,49 +16981,8 @@
           <a:p>
             <a:r>
               <a:rPr lang="en-US" sz="4000" dirty="0"/>
-              <a:t>The</a:t>
-            </a:r>
-            <a:r>
-              <a:rPr lang="zh-CN" altLang="en-US" sz="4000" dirty="0"/>
-              <a:t> </a:t>
-            </a:r>
-            <a:r>
-              <a:rPr lang="en-US" altLang="zh-CN" sz="4000" dirty="0"/>
-              <a:t>purposes</a:t>
-            </a:r>
-            <a:r>
-              <a:rPr lang="zh-CN" altLang="en-US" sz="4000" dirty="0"/>
-              <a:t> </a:t>
-            </a:r>
-            <a:r>
-              <a:rPr lang="en-US" altLang="zh-CN" sz="4000" dirty="0"/>
-              <a:t>and</a:t>
-            </a:r>
-            <a:r>
-              <a:rPr lang="zh-CN" altLang="en-US" sz="4000" dirty="0"/>
-              <a:t> </a:t>
-            </a:r>
-            <a:r>
-              <a:rPr lang="en-US" altLang="zh-CN" sz="4000" dirty="0"/>
-              <a:t>benefits</a:t>
-            </a:r>
-            <a:r>
-              <a:rPr lang="zh-CN" altLang="en-US" sz="4000" dirty="0"/>
-              <a:t> </a:t>
-            </a:r>
-            <a:r>
-              <a:rPr lang="en-US" altLang="zh-CN" sz="4000" dirty="0"/>
-              <a:t>of</a:t>
-            </a:r>
-            <a:r>
-              <a:rPr lang="zh-CN" altLang="en-US" sz="4000" dirty="0"/>
-              <a:t> </a:t>
-            </a:r>
-            <a:r>
-              <a:rPr lang="en-US" altLang="zh-CN" sz="4000" dirty="0"/>
-              <a:t>derivatives</a:t>
-            </a:r>
-            <a:endParaRPr lang="en-US" sz="4000" dirty="0"/>
+              <a:t>Practices</a:t>
+            </a:r>
           </a:p>
         </p:txBody>
       </p:sp>
@@ -17104,7 +16991,7 @@
           <p:cNvPr id="3" name="Content Placeholder 2">
             <a:extLst>
               <a:ext uri="{FF2B5EF4-FFF2-40B4-BE49-F238E27FC236}">
-                <a16:creationId xmlns:a16="http://schemas.microsoft.com/office/drawing/2014/main" id="{7A1D6DA6-953B-4B3D-BBAF-2BF3840CE174}"/>
+                <a16:creationId xmlns:a16="http://schemas.microsoft.com/office/drawing/2014/main" id="{2EA05F35-4584-4A6C-B5B8-1E6EAF96AE0E}"/>
               </a:ext>
             </a:extLst>
           </p:cNvPr>
@@ -17117,44 +17004,70 @@
         </p:nvSpPr>
         <p:spPr/>
         <p:txBody>
-          <a:bodyPr/>
-          <a:lstStyle/>
-          <a:p>
-            <a:r>
-              <a:rPr lang="en-US" dirty="0"/>
-              <a:t>Risk allocation , transfer , and management</a:t>
-            </a:r>
-          </a:p>
-          <a:p>
-            <a:r>
-              <a:rPr lang="en-US" dirty="0"/>
-              <a:t>Information discovery</a:t>
-            </a:r>
-          </a:p>
-          <a:p>
-            <a:r>
-              <a:rPr lang="en-US" dirty="0"/>
-              <a:t>Operational advantages</a:t>
-            </a:r>
-          </a:p>
-          <a:p>
-            <a:r>
-              <a:rPr lang="en-US" dirty="0"/>
-              <a:t>Market efficiency</a:t>
-            </a:r>
-          </a:p>
-          <a:p>
-            <a:endParaRPr lang="en-US" dirty="0"/>
-          </a:p>
-          <a:p>
-            <a:endParaRPr lang="en-US" dirty="0"/>
+          <a:bodyPr>
+            <a:normAutofit/>
+          </a:bodyPr>
+          <a:lstStyle/>
+          <a:p>
+            <a:r>
+              <a:rPr lang="en-US" dirty="0"/>
+              <a:t>3.Which of the following characteristics is not associated with exchange-traded derivatives?</a:t>
+            </a:r>
+          </a:p>
+          <a:p>
+            <a:pPr lvl="1"/>
+            <a:r>
+              <a:rPr lang="en-US" dirty="0"/>
+              <a:t>A Margin or performance bonds are required.</a:t>
+            </a:r>
+          </a:p>
+          <a:p>
+            <a:pPr lvl="1"/>
+            <a:r>
+              <a:rPr lang="en-US" dirty="0"/>
+              <a:t>B The exchange guarantees all payments in the event of default.</a:t>
+            </a:r>
+          </a:p>
+          <a:p>
+            <a:pPr lvl="1"/>
+            <a:r>
+              <a:rPr lang="en-US" dirty="0"/>
+              <a:t>C All terms except the price are customized to the parties’ individual needs.</a:t>
+            </a:r>
+          </a:p>
+          <a:p>
+            <a:r>
+              <a:rPr lang="en-US" dirty="0"/>
+              <a:t>4.Which of the following characteristics is associated with over- the- counter derivatives?</a:t>
+            </a:r>
+          </a:p>
+          <a:p>
+            <a:pPr lvl="1"/>
+            <a:r>
+              <a:rPr lang="en-US" dirty="0"/>
+              <a:t>A Trading occurs in a central location.</a:t>
+            </a:r>
+          </a:p>
+          <a:p>
+            <a:pPr lvl="1"/>
+            <a:r>
+              <a:rPr lang="en-US" dirty="0"/>
+              <a:t>B They are more regulated than exchange- listed derivatives.</a:t>
+            </a:r>
+          </a:p>
+          <a:p>
+            <a:pPr lvl="1"/>
+            <a:r>
+              <a:rPr lang="en-US" dirty="0"/>
+              <a:t>C They are less transparent than exchange- listed derivatives.</a:t>
+            </a:r>
           </a:p>
         </p:txBody>
       </p:sp>
     </p:spTree>
     <p:extLst>
       <p:ext uri="{BB962C8B-B14F-4D97-AF65-F5344CB8AC3E}">
-        <p14:creationId xmlns:p14="http://schemas.microsoft.com/office/powerpoint/2010/main" val="1516918961"/>
+        <p14:creationId xmlns:p14="http://schemas.microsoft.com/office/powerpoint/2010/main" val="3121291714"/>
       </p:ext>
     </p:extLst>
   </p:cSld>
@@ -17186,7 +17099,7 @@
           <p:cNvPr id="2" name="Title 1">
             <a:extLst>
               <a:ext uri="{FF2B5EF4-FFF2-40B4-BE49-F238E27FC236}">
-                <a16:creationId xmlns:a16="http://schemas.microsoft.com/office/drawing/2014/main" id="{4615354A-E477-4616-83A2-BD4AC1206110}"/>
+                <a16:creationId xmlns:a16="http://schemas.microsoft.com/office/drawing/2014/main" id="{F20D5F44-83D3-4C3D-AA1E-B7B8E357D44D}"/>
               </a:ext>
             </a:extLst>
           </p:cNvPr>
@@ -17216,7 +17129,7 @@
           <p:cNvPr id="3" name="Content Placeholder 2">
             <a:extLst>
               <a:ext uri="{FF2B5EF4-FFF2-40B4-BE49-F238E27FC236}">
-                <a16:creationId xmlns:a16="http://schemas.microsoft.com/office/drawing/2014/main" id="{E0C5A04C-3E9B-479A-BC64-0A200712E0E4}"/>
+                <a16:creationId xmlns:a16="http://schemas.microsoft.com/office/drawing/2014/main" id="{2EA05F35-4584-4A6C-B5B8-1E6EAF96AE0E}"/>
               </a:ext>
             </a:extLst>
           </p:cNvPr>
@@ -17229,72 +17142,62 @@
         </p:nvSpPr>
         <p:spPr/>
         <p:txBody>
-          <a:bodyPr/>
-          <a:lstStyle/>
-          <a:p>
-            <a:r>
-              <a:rPr lang="en-US" dirty="0"/>
-              <a:t>1.Which of the following is not an advantage of derivative markets?</a:t>
+          <a:bodyPr>
+            <a:normAutofit/>
+          </a:bodyPr>
+          <a:lstStyle/>
+          <a:p>
+            <a:r>
+              <a:rPr lang="en-US" dirty="0"/>
+              <a:t>5.Market makers earn a profit in both exchange and over- the- counter derivatives markets by:</a:t>
             </a:r>
           </a:p>
           <a:p>
             <a:pPr lvl="1"/>
             <a:r>
               <a:rPr lang="en-US" dirty="0"/>
-              <a:t>A They are less volatile than spot markets.</a:t>
+              <a:t>A charging a commission on each trade.</a:t>
             </a:r>
           </a:p>
           <a:p>
             <a:pPr lvl="1"/>
             <a:r>
               <a:rPr lang="en-US" dirty="0"/>
-              <a:t>B They facilitate the allocation of risk in the market.</a:t>
+              <a:t>B a combination of commissions and markups.</a:t>
             </a:r>
           </a:p>
           <a:p>
             <a:pPr lvl="1"/>
             <a:r>
               <a:rPr lang="en-US" dirty="0"/>
-              <a:t>C They incur lower transaction costs than spot markets.</a:t>
-            </a:r>
-          </a:p>
-          <a:p>
-            <a:r>
-              <a:rPr lang="en-US" dirty="0"/>
-              <a:t>2.Which of the following pieces of information is not </a:t>
-            </a:r>
-            <a:r>
-              <a:rPr lang="en-US" dirty="0">
-                <a:solidFill>
-                  <a:srgbClr val="FF0000"/>
-                </a:solidFill>
-              </a:rPr>
-              <a:t>conveyed</a:t>
-            </a:r>
-            <a:r>
-              <a:rPr lang="en-US" dirty="0"/>
-              <a:t> by at least one type of derivative?</a:t>
+              <a:t>C buying at one price, selling at a higher price, and hedging any risk.</a:t>
+            </a:r>
+          </a:p>
+          <a:p>
+            <a:r>
+              <a:rPr lang="en-US" dirty="0"/>
+              <a:t>6.Which of the following statements most accurately describes exchange-traded derivatives relative to over- the- counter derivatives? Exchange-traded derivatives are more likely to have:</a:t>
             </a:r>
           </a:p>
           <a:p>
             <a:pPr lvl="1"/>
             <a:r>
               <a:rPr lang="en-US" dirty="0"/>
-              <a:t>A The volatility of the underlying</a:t>
+              <a:t>A greater credit risk.</a:t>
             </a:r>
           </a:p>
           <a:p>
             <a:pPr lvl="1"/>
             <a:r>
               <a:rPr lang="en-US" dirty="0"/>
-              <a:t>B The most widely used strategy of the underlying</a:t>
+              <a:t>B standardized contract terms.</a:t>
             </a:r>
           </a:p>
           <a:p>
             <a:pPr lvl="1"/>
             <a:r>
               <a:rPr lang="en-US" dirty="0"/>
-              <a:t>C The price at which uncertainty in the underlying can be eliminated</a:t>
+              <a:t>C greater risk management uses</a:t>
             </a:r>
           </a:p>
         </p:txBody>
@@ -17302,7 +17205,7 @@
     </p:spTree>
     <p:extLst>
       <p:ext uri="{BB962C8B-B14F-4D97-AF65-F5344CB8AC3E}">
-        <p14:creationId xmlns:p14="http://schemas.microsoft.com/office/powerpoint/2010/main" val="679871349"/>
+        <p14:creationId xmlns:p14="http://schemas.microsoft.com/office/powerpoint/2010/main" val="1189956952"/>
       </p:ext>
     </p:extLst>
   </p:cSld>
@@ -17334,7 +17237,7 @@
           <p:cNvPr id="2" name="Title 1">
             <a:extLst>
               <a:ext uri="{FF2B5EF4-FFF2-40B4-BE49-F238E27FC236}">
-                <a16:creationId xmlns:a16="http://schemas.microsoft.com/office/drawing/2014/main" id="{6A4E77FE-41FA-4F07-9556-77EA5BAC14A6}"/>
+                <a16:creationId xmlns:a16="http://schemas.microsoft.com/office/drawing/2014/main" id="{CBE36A6B-6E55-4FD0-8260-0BEFE68F4514}"/>
               </a:ext>
             </a:extLst>
           </p:cNvPr>
@@ -17354,18 +17257,47 @@
           <a:p>
             <a:r>
               <a:rPr lang="en-US" sz="4000" dirty="0"/>
-              <a:t>Criticisms and misuses of derivatives</a:t>
-            </a:r>
-            <a:br>
-              <a:rPr lang="en-US" sz="4000" dirty="0"/>
-            </a:br>
-            <a:r>
-              <a:rPr lang="en-US" sz="4000" dirty="0"/>
-              <a:t>S</a:t>
+              <a:t>The</a:t>
+            </a:r>
+            <a:r>
+              <a:rPr lang="zh-CN" altLang="en-US" sz="4000" dirty="0"/>
+              <a:t> </a:t>
             </a:r>
             <a:r>
               <a:rPr lang="en-US" altLang="zh-CN" sz="4000" dirty="0"/>
-              <a:t>peculation and gambling</a:t>
+              <a:t>purposes</a:t>
+            </a:r>
+            <a:r>
+              <a:rPr lang="zh-CN" altLang="en-US" sz="4000" dirty="0"/>
+              <a:t> </a:t>
+            </a:r>
+            <a:r>
+              <a:rPr lang="en-US" altLang="zh-CN" sz="4000" dirty="0"/>
+              <a:t>and</a:t>
+            </a:r>
+            <a:r>
+              <a:rPr lang="zh-CN" altLang="en-US" sz="4000" dirty="0"/>
+              <a:t> </a:t>
+            </a:r>
+            <a:r>
+              <a:rPr lang="en-US" altLang="zh-CN" sz="4000" dirty="0"/>
+              <a:t>benefits</a:t>
+            </a:r>
+            <a:r>
+              <a:rPr lang="zh-CN" altLang="en-US" sz="4000" dirty="0"/>
+              <a:t> </a:t>
+            </a:r>
+            <a:r>
+              <a:rPr lang="en-US" altLang="zh-CN" sz="4000" dirty="0"/>
+              <a:t>of</a:t>
+            </a:r>
+            <a:r>
+              <a:rPr lang="zh-CN" altLang="en-US" sz="4000" dirty="0"/>
+              <a:t> </a:t>
+            </a:r>
+            <a:r>
+              <a:rPr lang="en-US" altLang="zh-CN" sz="4000" dirty="0"/>
+              <a:t>derivatives</a:t>
             </a:r>
             <a:endParaRPr lang="en-US" sz="4000" dirty="0"/>
           </a:p>
@@ -17376,7 +17308,7 @@
           <p:cNvPr id="3" name="Content Placeholder 2">
             <a:extLst>
               <a:ext uri="{FF2B5EF4-FFF2-40B4-BE49-F238E27FC236}">
-                <a16:creationId xmlns:a16="http://schemas.microsoft.com/office/drawing/2014/main" id="{362F09A5-A3CB-4782-B9F6-D1BE6C31A73F}"/>
+                <a16:creationId xmlns:a16="http://schemas.microsoft.com/office/drawing/2014/main" id="{CF2F7B16-0AF8-4000-9305-F75458652CC6}"/>
               </a:ext>
             </a:extLst>
           </p:cNvPr>
@@ -17394,55 +17326,13 @@
           <a:p>
             <a:r>
               <a:rPr lang="en-US" dirty="0"/>
-              <a:t>Speculators are often thought to be </a:t>
-            </a:r>
-            <a:r>
-              <a:rPr lang="en-US" dirty="0">
-                <a:solidFill>
-                  <a:srgbClr val="FF0000"/>
-                </a:solidFill>
-              </a:rPr>
-              <a:t>short- term traders </a:t>
-            </a:r>
-            <a:r>
-              <a:rPr lang="en-US" dirty="0"/>
-              <a:t>who attempt to exploit temporary inefficiencies.</a:t>
-            </a:r>
-          </a:p>
-          <a:p>
-            <a:r>
-              <a:rPr lang="en-US" dirty="0"/>
-              <a:t>Speculators are thought to engage in </a:t>
-            </a:r>
-            <a:r>
-              <a:rPr lang="en-US" dirty="0">
-                <a:solidFill>
-                  <a:srgbClr val="FF0000"/>
-                </a:solidFill>
-              </a:rPr>
-              <a:t>price manipulation </a:t>
-            </a:r>
-            <a:r>
-              <a:rPr lang="en-US" dirty="0"/>
-              <a:t>and to trade at extreme prices.</a:t>
-            </a:r>
-          </a:p>
-          <a:p>
-            <a:r>
-              <a:rPr lang="en-US" dirty="0"/>
-              <a:t>The profits from short- term trading are almost always taxed </a:t>
-            </a:r>
-            <a:r>
-              <a:rPr lang="en-US" dirty="0">
-                <a:solidFill>
-                  <a:srgbClr val="FF0000"/>
-                </a:solidFill>
-              </a:rPr>
-              <a:t>more heavily </a:t>
-            </a:r>
-            <a:r>
-              <a:rPr lang="en-US" dirty="0"/>
-              <a:t>than the profits from long- term trading.</a:t>
+              <a:t>The origin of modern futures markets is the creation of the Chicago board of trade in 1848.</a:t>
+            </a:r>
+          </a:p>
+          <a:p>
+            <a:r>
+              <a:rPr lang="en-US" dirty="0"/>
+              <a:t>‘To-arrive’ contract</a:t>
             </a:r>
           </a:p>
           <a:p>
@@ -17453,7 +17343,7 @@
     </p:spTree>
     <p:extLst>
       <p:ext uri="{BB962C8B-B14F-4D97-AF65-F5344CB8AC3E}">
-        <p14:creationId xmlns:p14="http://schemas.microsoft.com/office/powerpoint/2010/main" val="133782581"/>
+        <p14:creationId xmlns:p14="http://schemas.microsoft.com/office/powerpoint/2010/main" val="810741622"/>
       </p:ext>
     </p:extLst>
   </p:cSld>
@@ -17485,7 +17375,7 @@
           <p:cNvPr id="2" name="Title 1">
             <a:extLst>
               <a:ext uri="{FF2B5EF4-FFF2-40B4-BE49-F238E27FC236}">
-                <a16:creationId xmlns:a16="http://schemas.microsoft.com/office/drawing/2014/main" id="{E482C202-64F2-44D8-9E40-0887E8F7325A}"/>
+                <a16:creationId xmlns:a16="http://schemas.microsoft.com/office/drawing/2014/main" id="{594F1C53-E728-4CBB-B42E-401BAB534833}"/>
               </a:ext>
             </a:extLst>
           </p:cNvPr>
@@ -17496,7 +17386,12 @@
             <p:ph type="title"/>
           </p:nvPr>
         </p:nvSpPr>
-        <p:spPr/>
+        <p:spPr>
+          <a:xfrm>
+            <a:off x="677334" y="609600"/>
+            <a:ext cx="8596668" cy="1320800"/>
+          </a:xfrm>
+        </p:spPr>
         <p:txBody>
           <a:bodyPr>
             <a:normAutofit/>
@@ -17505,15 +17400,49 @@
           <a:p>
             <a:r>
               <a:rPr lang="en-US" sz="4000" dirty="0"/>
-              <a:t>Criticisms and misuses of derivatives</a:t>
-            </a:r>
-            <a:br>
-              <a:rPr lang="en-US" sz="4000" dirty="0"/>
-            </a:br>
-            <a:r>
-              <a:rPr lang="en-US" sz="4000" dirty="0"/>
-              <a:t>Destabilization and Systemic Risk</a:t>
-            </a:r>
+              <a:t>The</a:t>
+            </a:r>
+            <a:r>
+              <a:rPr lang="zh-CN" altLang="en-US" sz="4000" dirty="0"/>
+              <a:t> </a:t>
+            </a:r>
+            <a:r>
+              <a:rPr lang="en-US" altLang="zh-CN" sz="4000" dirty="0"/>
+              <a:t>purposes</a:t>
+            </a:r>
+            <a:r>
+              <a:rPr lang="zh-CN" altLang="en-US" sz="4000" dirty="0"/>
+              <a:t> </a:t>
+            </a:r>
+            <a:r>
+              <a:rPr lang="en-US" altLang="zh-CN" sz="4000" dirty="0"/>
+              <a:t>and</a:t>
+            </a:r>
+            <a:r>
+              <a:rPr lang="zh-CN" altLang="en-US" sz="4000" dirty="0"/>
+              <a:t> </a:t>
+            </a:r>
+            <a:r>
+              <a:rPr lang="en-US" altLang="zh-CN" sz="4000" dirty="0"/>
+              <a:t>benefits</a:t>
+            </a:r>
+            <a:r>
+              <a:rPr lang="zh-CN" altLang="en-US" sz="4000" dirty="0"/>
+              <a:t> </a:t>
+            </a:r>
+            <a:r>
+              <a:rPr lang="en-US" altLang="zh-CN" sz="4000" dirty="0"/>
+              <a:t>of</a:t>
+            </a:r>
+            <a:r>
+              <a:rPr lang="zh-CN" altLang="en-US" sz="4000" dirty="0"/>
+              <a:t> </a:t>
+            </a:r>
+            <a:r>
+              <a:rPr lang="en-US" altLang="zh-CN" sz="4000" dirty="0"/>
+              <a:t>derivatives</a:t>
+            </a:r>
+            <a:endParaRPr lang="en-US" sz="4000" dirty="0"/>
           </a:p>
         </p:txBody>
       </p:sp>
@@ -17522,7 +17451,7 @@
           <p:cNvPr id="3" name="Content Placeholder 2">
             <a:extLst>
               <a:ext uri="{FF2B5EF4-FFF2-40B4-BE49-F238E27FC236}">
-                <a16:creationId xmlns:a16="http://schemas.microsoft.com/office/drawing/2014/main" id="{00AFAD99-D187-4A05-BD57-E28833651C75}"/>
+                <a16:creationId xmlns:a16="http://schemas.microsoft.com/office/drawing/2014/main" id="{7A1D6DA6-953B-4B3D-BBAF-2BF3840CE174}"/>
               </a:ext>
             </a:extLst>
           </p:cNvPr>
@@ -17535,118 +17464,44 @@
         </p:nvSpPr>
         <p:spPr/>
         <p:txBody>
-          <a:bodyPr>
-            <a:normAutofit lnSpcReduction="10000"/>
-          </a:bodyPr>
-          <a:lstStyle/>
-          <a:p>
-            <a:r>
-              <a:rPr lang="en-US" dirty="0"/>
-              <a:t>Defaults by speculators can then lead to defaults by their creditors, their creditors’ creditors, and so on. These effects can, therefore, be systemic and reflect an epidemic </a:t>
-            </a:r>
-            <a:r>
-              <a:rPr lang="en-US" dirty="0">
-                <a:solidFill>
-                  <a:srgbClr val="FF0000"/>
-                </a:solidFill>
-              </a:rPr>
-              <a:t>contagion</a:t>
-            </a:r>
-            <a:r>
-              <a:rPr lang="en-US" dirty="0"/>
-              <a:t> whereby instability can spread throughout markets and an economy, if not the entire world.</a:t>
-            </a:r>
-          </a:p>
-          <a:p>
-            <a:r>
-              <a:rPr lang="en-US" dirty="0"/>
-              <a:t>Such effects occurred in the </a:t>
-            </a:r>
-            <a:r>
-              <a:rPr lang="en-US" dirty="0">
-                <a:solidFill>
-                  <a:srgbClr val="FF0000"/>
-                </a:solidFill>
-              </a:rPr>
-              <a:t>Long- Term Capital Management </a:t>
-            </a:r>
-            <a:r>
-              <a:rPr lang="en-US" dirty="0"/>
-              <a:t>fiasco of 1998 and again in the financial crisis of 2008, in which derivatives, particularly credit default swaps, were widely used by many of the problem entities.</a:t>
-            </a:r>
-          </a:p>
-          <a:p>
-            <a:r>
-              <a:rPr lang="en-US" dirty="0"/>
-              <a:t>Some of these events </a:t>
-            </a:r>
-            <a:r>
-              <a:rPr lang="en-US" dirty="0">
-                <a:solidFill>
-                  <a:srgbClr val="FF0000"/>
-                </a:solidFill>
-              </a:rPr>
-              <a:t>preceded</a:t>
-            </a:r>
-            <a:r>
-              <a:rPr lang="en-US" dirty="0"/>
-              <a:t> the era of modern derivatives markets, and others were completely </a:t>
-            </a:r>
-            <a:r>
-              <a:rPr lang="en-US" dirty="0">
-                <a:solidFill>
-                  <a:srgbClr val="FF0000"/>
-                </a:solidFill>
-              </a:rPr>
-              <a:t>unrelated</a:t>
-            </a:r>
-            <a:r>
-              <a:rPr lang="en-US" dirty="0"/>
-              <a:t> to the use of derivatives.</a:t>
-            </a:r>
-          </a:p>
-          <a:p>
-            <a:r>
-              <a:rPr lang="en-US" dirty="0"/>
-              <a:t>Another criticism of derivatives is simply their </a:t>
-            </a:r>
-            <a:r>
-              <a:rPr lang="en-US" dirty="0">
-                <a:solidFill>
-                  <a:srgbClr val="FF0000"/>
-                </a:solidFill>
-              </a:rPr>
-              <a:t>complexity</a:t>
-            </a:r>
-            <a:r>
-              <a:rPr lang="en-US" dirty="0"/>
-              <a:t>.</a:t>
-            </a:r>
-          </a:p>
-          <a:p>
-            <a:r>
-              <a:rPr lang="en-US" dirty="0"/>
-              <a:t>One explanation probably lies in the fact that scientists create models of markets by using scientific principles that </a:t>
-            </a:r>
-            <a:r>
-              <a:rPr lang="en-US" dirty="0">
-                <a:solidFill>
-                  <a:srgbClr val="FF0000"/>
-                </a:solidFill>
-              </a:rPr>
-              <a:t>often fail</a:t>
-            </a:r>
-            <a:r>
-              <a:rPr lang="en-US" dirty="0"/>
-              <a:t>.</a:t>
-            </a:r>
+          <a:bodyPr/>
+          <a:lstStyle/>
+          <a:p>
+            <a:r>
+              <a:rPr lang="en-US" dirty="0"/>
+              <a:t>Risk allocation , transfer , and management</a:t>
+            </a:r>
+          </a:p>
+          <a:p>
+            <a:r>
+              <a:rPr lang="en-US" dirty="0"/>
+              <a:t>Information discovery</a:t>
+            </a:r>
+          </a:p>
+          <a:p>
+            <a:r>
+              <a:rPr lang="en-US" dirty="0"/>
+              <a:t>Operational advantages</a:t>
+            </a:r>
+          </a:p>
+          <a:p>
+            <a:r>
+              <a:rPr lang="en-US" dirty="0"/>
+              <a:t>Market efficiency</a:t>
+            </a:r>
+          </a:p>
+          <a:p>
+            <a:endParaRPr lang="en-US" dirty="0"/>
+          </a:p>
+          <a:p>
+            <a:endParaRPr lang="en-US" dirty="0"/>
           </a:p>
         </p:txBody>
       </p:sp>
     </p:spTree>
     <p:extLst>
       <p:ext uri="{BB962C8B-B14F-4D97-AF65-F5344CB8AC3E}">
-        <p14:creationId xmlns:p14="http://schemas.microsoft.com/office/powerpoint/2010/main" val="1948992878"/>
+        <p14:creationId xmlns:p14="http://schemas.microsoft.com/office/powerpoint/2010/main" val="1516918961"/>
       </p:ext>
     </p:extLst>
   </p:cSld>
@@ -17678,7 +17533,7 @@
           <p:cNvPr id="2" name="Title 1">
             <a:extLst>
               <a:ext uri="{FF2B5EF4-FFF2-40B4-BE49-F238E27FC236}">
-                <a16:creationId xmlns:a16="http://schemas.microsoft.com/office/drawing/2014/main" id="{553F70E7-AA33-42A6-BC63-F08FC8453BD7}"/>
+                <a16:creationId xmlns:a16="http://schemas.microsoft.com/office/drawing/2014/main" id="{4615354A-E477-4616-83A2-BD4AC1206110}"/>
               </a:ext>
             </a:extLst>
           </p:cNvPr>
@@ -17708,7 +17563,7 @@
           <p:cNvPr id="3" name="Content Placeholder 2">
             <a:extLst>
               <a:ext uri="{FF2B5EF4-FFF2-40B4-BE49-F238E27FC236}">
-                <a16:creationId xmlns:a16="http://schemas.microsoft.com/office/drawing/2014/main" id="{ADDE3541-C827-46E6-AD4A-E75F304EA34D}"/>
+                <a16:creationId xmlns:a16="http://schemas.microsoft.com/office/drawing/2014/main" id="{E0C5A04C-3E9B-479A-BC64-0A200712E0E4}"/>
               </a:ext>
             </a:extLst>
           </p:cNvPr>
@@ -17726,28 +17581,67 @@
           <a:p>
             <a:r>
               <a:rPr lang="en-US" dirty="0"/>
-              <a:t>1.Which of the following responds to the criticism that derivatives can be destabilizing to the underlying market?</a:t>
+              <a:t>1.Which of the following is not an advantage of derivative markets?</a:t>
             </a:r>
           </a:p>
           <a:p>
             <a:pPr lvl="1"/>
             <a:r>
               <a:rPr lang="en-US" dirty="0"/>
-              <a:t>A Market crashes and panics have occurred since long before derivatives existed.</a:t>
+              <a:t>A They are less volatile than spot markets.</a:t>
             </a:r>
           </a:p>
           <a:p>
             <a:pPr lvl="1"/>
             <a:r>
               <a:rPr lang="en-US" dirty="0"/>
-              <a:t>B Derivatives are sufficiently regulated that they cannot destabilize the spot market.</a:t>
+              <a:t>B They facilitate the allocation of risk in the market.</a:t>
             </a:r>
           </a:p>
           <a:p>
             <a:pPr lvl="1"/>
             <a:r>
               <a:rPr lang="en-US" dirty="0"/>
-              <a:t>C The transaction costs of derivatives are high enough to keep their use at a minimum level.</a:t>
+              <a:t>C They incur lower transaction costs than spot markets.</a:t>
+            </a:r>
+          </a:p>
+          <a:p>
+            <a:r>
+              <a:rPr lang="en-US" dirty="0"/>
+              <a:t>2.Which of the following pieces of information is not </a:t>
+            </a:r>
+            <a:r>
+              <a:rPr lang="en-US" dirty="0">
+                <a:solidFill>
+                  <a:srgbClr val="FF0000"/>
+                </a:solidFill>
+              </a:rPr>
+              <a:t>conveyed</a:t>
+            </a:r>
+            <a:r>
+              <a:rPr lang="en-US" dirty="0"/>
+              <a:t> by at least one type of derivative?</a:t>
+            </a:r>
+          </a:p>
+          <a:p>
+            <a:pPr lvl="1"/>
+            <a:r>
+              <a:rPr lang="en-US" dirty="0"/>
+              <a:t>A The volatility of the underlying</a:t>
+            </a:r>
+          </a:p>
+          <a:p>
+            <a:pPr lvl="1"/>
+            <a:r>
+              <a:rPr lang="en-US" dirty="0"/>
+              <a:t>B The most widely used strategy of the underlying</a:t>
+            </a:r>
+          </a:p>
+          <a:p>
+            <a:pPr lvl="1"/>
+            <a:r>
+              <a:rPr lang="en-US" dirty="0"/>
+              <a:t>C The price at which uncertainty in the underlying can be eliminated</a:t>
             </a:r>
           </a:p>
         </p:txBody>
@@ -17755,7 +17649,7 @@
     </p:spTree>
     <p:extLst>
       <p:ext uri="{BB962C8B-B14F-4D97-AF65-F5344CB8AC3E}">
-        <p14:creationId xmlns:p14="http://schemas.microsoft.com/office/powerpoint/2010/main" val="425420384"/>
+        <p14:creationId xmlns:p14="http://schemas.microsoft.com/office/powerpoint/2010/main" val="679871349"/>
       </p:ext>
     </p:extLst>
   </p:cSld>
@@ -17897,7 +17791,7 @@
           <p:cNvPr id="2" name="Title 1">
             <a:extLst>
               <a:ext uri="{FF2B5EF4-FFF2-40B4-BE49-F238E27FC236}">
-                <a16:creationId xmlns:a16="http://schemas.microsoft.com/office/drawing/2014/main" id="{400DE6A6-6594-4799-87FA-D2C785015F6A}"/>
+                <a16:creationId xmlns:a16="http://schemas.microsoft.com/office/drawing/2014/main" id="{6A4E77FE-41FA-4F07-9556-77EA5BAC14A6}"/>
               </a:ext>
             </a:extLst>
           </p:cNvPr>
@@ -17917,8 +17811,20 @@
           <a:p>
             <a:r>
               <a:rPr lang="en-US" sz="4000" dirty="0"/>
-              <a:t>Elementary principles of derivative pricing	</a:t>
-            </a:r>
+              <a:t>Criticisms and misuses of derivatives</a:t>
+            </a:r>
+            <a:br>
+              <a:rPr lang="en-US" sz="4000" dirty="0"/>
+            </a:br>
+            <a:r>
+              <a:rPr lang="en-US" sz="4000" dirty="0"/>
+              <a:t>S</a:t>
+            </a:r>
+            <a:r>
+              <a:rPr lang="en-US" altLang="zh-CN" sz="4000" dirty="0"/>
+              <a:t>peculation and gambling</a:t>
+            </a:r>
+            <a:endParaRPr lang="en-US" sz="4000" dirty="0"/>
           </a:p>
         </p:txBody>
       </p:sp>
@@ -17927,7 +17833,7 @@
           <p:cNvPr id="3" name="Content Placeholder 2">
             <a:extLst>
               <a:ext uri="{FF2B5EF4-FFF2-40B4-BE49-F238E27FC236}">
-                <a16:creationId xmlns:a16="http://schemas.microsoft.com/office/drawing/2014/main" id="{4DE16CFC-EABE-4ACE-BFD3-4C0F750AE28D}"/>
+                <a16:creationId xmlns:a16="http://schemas.microsoft.com/office/drawing/2014/main" id="{362F09A5-A3CB-4782-B9F6-D1BE6C31A73F}"/>
               </a:ext>
             </a:extLst>
           </p:cNvPr>
@@ -17944,54 +17850,57 @@
           <a:lstStyle/>
           <a:p>
             <a:r>
-              <a:rPr lang="en-US" sz="3200" dirty="0"/>
-              <a:t>F</a:t>
-            </a:r>
-            <a:r>
-              <a:rPr lang="en-US" sz="3200" baseline="-25000" dirty="0"/>
-              <a:t>T</a:t>
-            </a:r>
-            <a:r>
-              <a:rPr lang="en-US" sz="3200" dirty="0"/>
-              <a:t>=(S</a:t>
-            </a:r>
-            <a:r>
-              <a:rPr lang="en-US" sz="3200" baseline="-25000" dirty="0"/>
-              <a:t>0</a:t>
-            </a:r>
-            <a:r>
-              <a:rPr lang="en-US" sz="3200" dirty="0"/>
-              <a:t>+cost</a:t>
-            </a:r>
-            <a:r>
-              <a:rPr lang="en-US" sz="3200" baseline="-25000" dirty="0"/>
-              <a:t>0</a:t>
-            </a:r>
-            <a:r>
-              <a:rPr lang="en-US" sz="3200" dirty="0"/>
-              <a:t>-benefit</a:t>
-            </a:r>
-            <a:r>
-              <a:rPr lang="en-US" sz="3200" baseline="-25000" dirty="0"/>
-              <a:t>0</a:t>
-            </a:r>
-            <a:r>
-              <a:rPr lang="en-US" sz="3200" dirty="0"/>
-              <a:t>)*(1+rf)</a:t>
-            </a:r>
-            <a:r>
-              <a:rPr lang="en-US" sz="3200" baseline="30000" dirty="0"/>
-              <a:t>T</a:t>
-            </a:r>
-          </a:p>
-          <a:p>
-            <a:pPr marL="0" indent="0">
-              <a:buNone/>
-            </a:pPr>
-            <a:endParaRPr lang="en-US" dirty="0"/>
-          </a:p>
-          <a:p>
-            <a:endParaRPr lang="en-US" dirty="0"/>
+              <a:rPr lang="en-US" dirty="0"/>
+              <a:t>Speculators are often thought to be </a:t>
+            </a:r>
+            <a:r>
+              <a:rPr lang="en-US" dirty="0">
+                <a:solidFill>
+                  <a:srgbClr val="FF0000"/>
+                </a:solidFill>
+              </a:rPr>
+              <a:t>short- term traders </a:t>
+            </a:r>
+            <a:r>
+              <a:rPr lang="en-US" dirty="0"/>
+              <a:t>who attempt to exploit temporary inefficiencies.</a:t>
+            </a:r>
+          </a:p>
+          <a:p>
+            <a:r>
+              <a:rPr lang="en-US" dirty="0"/>
+              <a:t>Speculators are thought to engage in </a:t>
+            </a:r>
+            <a:r>
+              <a:rPr lang="en-US" dirty="0">
+                <a:solidFill>
+                  <a:srgbClr val="FF0000"/>
+                </a:solidFill>
+              </a:rPr>
+              <a:t>price manipulation </a:t>
+            </a:r>
+            <a:r>
+              <a:rPr lang="en-US" dirty="0"/>
+              <a:t>and to trade at extreme prices.</a:t>
+            </a:r>
+          </a:p>
+          <a:p>
+            <a:r>
+              <a:rPr lang="en-US" dirty="0"/>
+              <a:t>The profits from short- term trading are almost always taxed </a:t>
+            </a:r>
+            <a:r>
+              <a:rPr lang="en-US" dirty="0">
+                <a:solidFill>
+                  <a:srgbClr val="FF0000"/>
+                </a:solidFill>
+              </a:rPr>
+              <a:t>more heavily </a:t>
+            </a:r>
+            <a:r>
+              <a:rPr lang="en-US" dirty="0"/>
+              <a:t>than the profits from long- term trading.</a:t>
+            </a:r>
           </a:p>
           <a:p>
             <a:endParaRPr lang="en-US" dirty="0"/>
@@ -18001,7 +17910,7 @@
     </p:spTree>
     <p:extLst>
       <p:ext uri="{BB962C8B-B14F-4D97-AF65-F5344CB8AC3E}">
-        <p14:creationId xmlns:p14="http://schemas.microsoft.com/office/powerpoint/2010/main" val="3291422637"/>
+        <p14:creationId xmlns:p14="http://schemas.microsoft.com/office/powerpoint/2010/main" val="133782581"/>
       </p:ext>
     </p:extLst>
   </p:cSld>
@@ -18033,7 +17942,7 @@
           <p:cNvPr id="2" name="Title 1">
             <a:extLst>
               <a:ext uri="{FF2B5EF4-FFF2-40B4-BE49-F238E27FC236}">
-                <a16:creationId xmlns:a16="http://schemas.microsoft.com/office/drawing/2014/main" id="{E27110C5-F8BA-45AC-995C-2B423C07E872}"/>
+                <a16:creationId xmlns:a16="http://schemas.microsoft.com/office/drawing/2014/main" id="{E482C202-64F2-44D8-9E40-0887E8F7325A}"/>
               </a:ext>
             </a:extLst>
           </p:cNvPr>
@@ -18053,7 +17962,14 @@
           <a:p>
             <a:r>
               <a:rPr lang="en-US" sz="4000" dirty="0"/>
-              <a:t>Elementary principles of derivative pricing-Storage</a:t>
+              <a:t>Criticisms and misuses of derivatives</a:t>
+            </a:r>
+            <a:br>
+              <a:rPr lang="en-US" sz="4000" dirty="0"/>
+            </a:br>
+            <a:r>
+              <a:rPr lang="en-US" sz="4000" dirty="0"/>
+              <a:t>Destabilization and Systemic Risk</a:t>
             </a:r>
           </a:p>
         </p:txBody>
@@ -18063,7 +17979,7 @@
           <p:cNvPr id="3" name="Content Placeholder 2">
             <a:extLst>
               <a:ext uri="{FF2B5EF4-FFF2-40B4-BE49-F238E27FC236}">
-                <a16:creationId xmlns:a16="http://schemas.microsoft.com/office/drawing/2014/main" id="{EDD93B4A-D015-42DB-ADD3-572F3F689EF3}"/>
+                <a16:creationId xmlns:a16="http://schemas.microsoft.com/office/drawing/2014/main" id="{00AFAD99-D187-4A05-BD57-E28833651C75}"/>
               </a:ext>
             </a:extLst>
           </p:cNvPr>
@@ -18076,29 +17992,118 @@
         </p:nvSpPr>
         <p:spPr/>
         <p:txBody>
-          <a:bodyPr/>
-          <a:lstStyle/>
-          <a:p>
-            <a:r>
-              <a:rPr lang="en-US" dirty="0"/>
-              <a:t>Storage incurs costs.(commodity)</a:t>
-            </a:r>
-          </a:p>
-          <a:p>
-            <a:r>
-              <a:rPr lang="en-US" dirty="0"/>
-              <a:t>Some assets pay returns during storage.(financial asset)</a:t>
-            </a:r>
-          </a:p>
-          <a:p>
-            <a:endParaRPr lang="en-US" dirty="0"/>
+          <a:bodyPr>
+            <a:normAutofit lnSpcReduction="10000"/>
+          </a:bodyPr>
+          <a:lstStyle/>
+          <a:p>
+            <a:r>
+              <a:rPr lang="en-US" dirty="0"/>
+              <a:t>Defaults by speculators can then lead to defaults by their creditors, their creditors’ creditors, and so on. These effects can, therefore, be systemic and reflect an epidemic </a:t>
+            </a:r>
+            <a:r>
+              <a:rPr lang="en-US" dirty="0">
+                <a:solidFill>
+                  <a:srgbClr val="FF0000"/>
+                </a:solidFill>
+              </a:rPr>
+              <a:t>contagion</a:t>
+            </a:r>
+            <a:r>
+              <a:rPr lang="en-US" dirty="0"/>
+              <a:t> whereby instability can spread throughout markets and an economy, if not the entire world.</a:t>
+            </a:r>
+          </a:p>
+          <a:p>
+            <a:r>
+              <a:rPr lang="en-US" dirty="0"/>
+              <a:t>Such effects occurred in the </a:t>
+            </a:r>
+            <a:r>
+              <a:rPr lang="en-US" dirty="0">
+                <a:solidFill>
+                  <a:srgbClr val="FF0000"/>
+                </a:solidFill>
+              </a:rPr>
+              <a:t>Long- Term Capital Management </a:t>
+            </a:r>
+            <a:r>
+              <a:rPr lang="en-US" dirty="0"/>
+              <a:t>fiasco of 1998 and again in the financial crisis of 2008, in which derivatives, particularly credit default swaps, were widely used by many of the problem entities.</a:t>
+            </a:r>
+          </a:p>
+          <a:p>
+            <a:r>
+              <a:rPr lang="en-US" dirty="0"/>
+              <a:t>Some of these events </a:t>
+            </a:r>
+            <a:r>
+              <a:rPr lang="en-US" dirty="0">
+                <a:solidFill>
+                  <a:srgbClr val="FF0000"/>
+                </a:solidFill>
+              </a:rPr>
+              <a:t>preceded</a:t>
+            </a:r>
+            <a:r>
+              <a:rPr lang="en-US" dirty="0"/>
+              <a:t> the era of modern derivatives markets, and others were completely </a:t>
+            </a:r>
+            <a:r>
+              <a:rPr lang="en-US" dirty="0">
+                <a:solidFill>
+                  <a:srgbClr val="FF0000"/>
+                </a:solidFill>
+              </a:rPr>
+              <a:t>unrelated</a:t>
+            </a:r>
+            <a:r>
+              <a:rPr lang="en-US" dirty="0"/>
+              <a:t> to the use of derivatives.</a:t>
+            </a:r>
+          </a:p>
+          <a:p>
+            <a:r>
+              <a:rPr lang="en-US" dirty="0"/>
+              <a:t>Another criticism of derivatives is simply their </a:t>
+            </a:r>
+            <a:r>
+              <a:rPr lang="en-US" dirty="0">
+                <a:solidFill>
+                  <a:srgbClr val="FF0000"/>
+                </a:solidFill>
+              </a:rPr>
+              <a:t>complexity</a:t>
+            </a:r>
+            <a:r>
+              <a:rPr lang="en-US" dirty="0"/>
+              <a:t>.</a:t>
+            </a:r>
+          </a:p>
+          <a:p>
+            <a:r>
+              <a:rPr lang="en-US" dirty="0"/>
+              <a:t>One explanation probably lies in the fact that scientists create models of markets by using scientific principles that </a:t>
+            </a:r>
+            <a:r>
+              <a:rPr lang="en-US" dirty="0">
+                <a:solidFill>
+                  <a:srgbClr val="FF0000"/>
+                </a:solidFill>
+              </a:rPr>
+              <a:t>often fail</a:t>
+            </a:r>
+            <a:r>
+              <a:rPr lang="en-US" dirty="0"/>
+              <a:t>.</a:t>
+            </a:r>
           </a:p>
         </p:txBody>
       </p:sp>
     </p:spTree>
     <p:extLst>
       <p:ext uri="{BB962C8B-B14F-4D97-AF65-F5344CB8AC3E}">
-        <p14:creationId xmlns:p14="http://schemas.microsoft.com/office/powerpoint/2010/main" val="3268475084"/>
+        <p14:creationId xmlns:p14="http://schemas.microsoft.com/office/powerpoint/2010/main" val="1948992878"/>
       </p:ext>
     </p:extLst>
   </p:cSld>
@@ -18130,7 +18135,7 @@
           <p:cNvPr id="2" name="Title 1">
             <a:extLst>
               <a:ext uri="{FF2B5EF4-FFF2-40B4-BE49-F238E27FC236}">
-                <a16:creationId xmlns:a16="http://schemas.microsoft.com/office/drawing/2014/main" id="{6C9DE97C-F9BE-4030-983F-36EB31059087}"/>
+                <a16:creationId xmlns:a16="http://schemas.microsoft.com/office/drawing/2014/main" id="{553F70E7-AA33-42A6-BC63-F08FC8453BD7}"/>
               </a:ext>
             </a:extLst>
           </p:cNvPr>
@@ -18150,7 +18155,7 @@
           <a:p>
             <a:r>
               <a:rPr lang="en-US" sz="4000" dirty="0"/>
-              <a:t>Elementary principles of derivative pricing-Arbitrage</a:t>
+              <a:t>Practices</a:t>
             </a:r>
           </a:p>
         </p:txBody>
@@ -18160,7 +18165,7 @@
           <p:cNvPr id="3" name="Content Placeholder 2">
             <a:extLst>
               <a:ext uri="{FF2B5EF4-FFF2-40B4-BE49-F238E27FC236}">
-                <a16:creationId xmlns:a16="http://schemas.microsoft.com/office/drawing/2014/main" id="{40CEE757-6D71-4744-82DB-2F1B2E2E54BE}"/>
+                <a16:creationId xmlns:a16="http://schemas.microsoft.com/office/drawing/2014/main" id="{ADDE3541-C827-46E6-AD4A-E75F304EA34D}"/>
               </a:ext>
             </a:extLst>
           </p:cNvPr>
@@ -18178,97 +18183,28 @@
           <a:p>
             <a:r>
               <a:rPr lang="en-US" dirty="0"/>
-              <a:t>In well- functioning markets with low transaction costs and a free flow of information, the </a:t>
-            </a:r>
-            <a:r>
-              <a:rPr lang="en-US" dirty="0">
-                <a:solidFill>
-                  <a:srgbClr val="FF0000"/>
-                </a:solidFill>
-              </a:rPr>
-              <a:t>same asset cannot sell for more than one price</a:t>
-            </a:r>
-            <a:r>
-              <a:rPr lang="en-US" dirty="0"/>
-              <a:t>.</a:t>
-            </a:r>
-          </a:p>
-          <a:p>
-            <a:r>
-              <a:rPr lang="en-US" dirty="0"/>
-              <a:t>For this reason, arbitrage is often referred to as the </a:t>
-            </a:r>
-            <a:r>
-              <a:rPr lang="en-US" dirty="0">
-                <a:solidFill>
-                  <a:srgbClr val="FF0000"/>
-                </a:solidFill>
-              </a:rPr>
-              <a:t>law of one price</a:t>
-            </a:r>
-            <a:r>
-              <a:rPr lang="en-US" dirty="0"/>
-              <a:t>.</a:t>
-            </a:r>
-          </a:p>
-          <a:p>
-            <a:r>
-              <a:rPr lang="en-US" dirty="0"/>
-              <a:t>This trade would </a:t>
-            </a:r>
-            <a:r>
-              <a:rPr lang="en-US" dirty="0">
-                <a:solidFill>
-                  <a:srgbClr val="FF0000"/>
-                </a:solidFill>
-              </a:rPr>
-              <a:t>get profit at no risk </a:t>
-            </a:r>
-            <a:r>
-              <a:rPr lang="en-US" dirty="0"/>
-              <a:t>and </a:t>
-            </a:r>
-            <a:r>
-              <a:rPr lang="en-US" dirty="0">
-                <a:solidFill>
-                  <a:srgbClr val="FF0000"/>
-                </a:solidFill>
-              </a:rPr>
-              <a:t>not require the commitment of any of the investor’s capital</a:t>
-            </a:r>
-            <a:r>
-              <a:rPr lang="en-US" dirty="0"/>
-              <a:t>.</a:t>
-            </a:r>
-          </a:p>
-          <a:p>
-            <a:r>
-              <a:rPr lang="en-US" dirty="0"/>
-              <a:t>To summarize, the forces of arbitrage in financial markets assure us that the </a:t>
-            </a:r>
-            <a:r>
-              <a:rPr lang="en-US" dirty="0">
-                <a:solidFill>
-                  <a:srgbClr val="FF0000"/>
-                </a:solidFill>
-              </a:rPr>
-              <a:t>same asset cannot sell for different prices</a:t>
-            </a:r>
-            <a:r>
-              <a:rPr lang="en-US" dirty="0"/>
-              <a:t>, nor can </a:t>
-            </a:r>
-            <a:r>
-              <a:rPr lang="en-US" dirty="0">
-                <a:solidFill>
-                  <a:srgbClr val="FF0000"/>
-                </a:solidFill>
-              </a:rPr>
-              <a:t>two equivalent combinations of assets that produce the same results sell for different prices</a:t>
-            </a:r>
-            <a:r>
-              <a:rPr lang="en-US" dirty="0"/>
-              <a:t>.</a:t>
+              <a:t>1.Which of the following responds to the criticism that derivatives can be destabilizing to the underlying market?</a:t>
+            </a:r>
+          </a:p>
+          <a:p>
+            <a:pPr lvl="1"/>
+            <a:r>
+              <a:rPr lang="en-US" dirty="0"/>
+              <a:t>A Market crashes and panics have occurred since long before derivatives existed.</a:t>
+            </a:r>
+          </a:p>
+          <a:p>
+            <a:pPr lvl="1"/>
+            <a:r>
+              <a:rPr lang="en-US" dirty="0"/>
+              <a:t>B Derivatives are sufficiently regulated that they cannot destabilize the spot market.</a:t>
+            </a:r>
+          </a:p>
+          <a:p>
+            <a:pPr lvl="1"/>
+            <a:r>
+              <a:rPr lang="en-US" dirty="0"/>
+              <a:t>C The transaction costs of derivatives are high enough to keep their use at a minimum level.</a:t>
             </a:r>
           </a:p>
         </p:txBody>
@@ -18276,7 +18212,7 @@
     </p:spTree>
     <p:extLst>
       <p:ext uri="{BB962C8B-B14F-4D97-AF65-F5344CB8AC3E}">
-        <p14:creationId xmlns:p14="http://schemas.microsoft.com/office/powerpoint/2010/main" val="4154657851"/>
+        <p14:creationId xmlns:p14="http://schemas.microsoft.com/office/powerpoint/2010/main" val="425420384"/>
       </p:ext>
     </p:extLst>
   </p:cSld>
@@ -18308,7 +18244,7 @@
           <p:cNvPr id="2" name="Title 1">
             <a:extLst>
               <a:ext uri="{FF2B5EF4-FFF2-40B4-BE49-F238E27FC236}">
-                <a16:creationId xmlns:a16="http://schemas.microsoft.com/office/drawing/2014/main" id="{4EE68B82-6AB7-4B2C-9CE0-91C5F1189BC5}"/>
+                <a16:creationId xmlns:a16="http://schemas.microsoft.com/office/drawing/2014/main" id="{400DE6A6-6594-4799-87FA-D2C785015F6A}"/>
               </a:ext>
             </a:extLst>
           </p:cNvPr>
@@ -18328,7 +18264,7 @@
           <a:p>
             <a:r>
               <a:rPr lang="en-US" sz="4000" dirty="0"/>
-              <a:t>Elementary principles of derivative pricing-Arbitrage</a:t>
+              <a:t>Elementary principles of derivative pricing	</a:t>
             </a:r>
           </a:p>
         </p:txBody>
@@ -18338,7 +18274,7 @@
           <p:cNvPr id="3" name="Content Placeholder 2">
             <a:extLst>
               <a:ext uri="{FF2B5EF4-FFF2-40B4-BE49-F238E27FC236}">
-                <a16:creationId xmlns:a16="http://schemas.microsoft.com/office/drawing/2014/main" id="{1980A05C-5D81-4FA2-869F-6046DD73C512}"/>
+                <a16:creationId xmlns:a16="http://schemas.microsoft.com/office/drawing/2014/main" id="{4DE16CFC-EABE-4ACE-BFD3-4C0F750AE28D}"/>
               </a:ext>
             </a:extLst>
           </p:cNvPr>
@@ -18355,16 +18291,64 @@
           <a:lstStyle/>
           <a:p>
             <a:r>
-              <a:rPr lang="en-US" dirty="0"/>
-              <a:t>Tencent  A:600  B:610</a:t>
-            </a:r>
+              <a:rPr lang="en-US" sz="3200" dirty="0"/>
+              <a:t>F</a:t>
+            </a:r>
+            <a:r>
+              <a:rPr lang="en-US" sz="3200" baseline="-25000" dirty="0"/>
+              <a:t>T</a:t>
+            </a:r>
+            <a:r>
+              <a:rPr lang="en-US" sz="3200" dirty="0"/>
+              <a:t>=(S</a:t>
+            </a:r>
+            <a:r>
+              <a:rPr lang="en-US" sz="3200" baseline="-25000" dirty="0"/>
+              <a:t>0</a:t>
+            </a:r>
+            <a:r>
+              <a:rPr lang="en-US" sz="3200" dirty="0"/>
+              <a:t>+cost</a:t>
+            </a:r>
+            <a:r>
+              <a:rPr lang="en-US" sz="3200" baseline="-25000" dirty="0"/>
+              <a:t>0</a:t>
+            </a:r>
+            <a:r>
+              <a:rPr lang="en-US" sz="3200" dirty="0"/>
+              <a:t>-benefit</a:t>
+            </a:r>
+            <a:r>
+              <a:rPr lang="en-US" sz="3200" baseline="-25000" dirty="0"/>
+              <a:t>0</a:t>
+            </a:r>
+            <a:r>
+              <a:rPr lang="en-US" sz="3200" dirty="0"/>
+              <a:t>)*(1+rf)</a:t>
+            </a:r>
+            <a:r>
+              <a:rPr lang="en-US" sz="3200" baseline="30000" dirty="0"/>
+              <a:t>T</a:t>
+            </a:r>
+          </a:p>
+          <a:p>
+            <a:pPr marL="0" indent="0">
+              <a:buNone/>
+            </a:pPr>
+            <a:endParaRPr lang="en-US" dirty="0"/>
+          </a:p>
+          <a:p>
+            <a:endParaRPr lang="en-US" dirty="0"/>
+          </a:p>
+          <a:p>
+            <a:endParaRPr lang="en-US" dirty="0"/>
           </a:p>
         </p:txBody>
       </p:sp>
     </p:spTree>
     <p:extLst>
       <p:ext uri="{BB962C8B-B14F-4D97-AF65-F5344CB8AC3E}">
-        <p14:creationId xmlns:p14="http://schemas.microsoft.com/office/powerpoint/2010/main" val="2625465975"/>
+        <p14:creationId xmlns:p14="http://schemas.microsoft.com/office/powerpoint/2010/main" val="3291422637"/>
       </p:ext>
     </p:extLst>
   </p:cSld>
@@ -18396,7 +18380,7 @@
           <p:cNvPr id="2" name="Title 1">
             <a:extLst>
               <a:ext uri="{FF2B5EF4-FFF2-40B4-BE49-F238E27FC236}">
-                <a16:creationId xmlns:a16="http://schemas.microsoft.com/office/drawing/2014/main" id="{737185EF-23C0-4996-B8AD-822F238FC53F}"/>
+                <a16:creationId xmlns:a16="http://schemas.microsoft.com/office/drawing/2014/main" id="{E27110C5-F8BA-45AC-995C-2B423C07E872}"/>
               </a:ext>
             </a:extLst>
           </p:cNvPr>
@@ -18416,7 +18400,7 @@
           <a:p>
             <a:r>
               <a:rPr lang="en-US" sz="4000" dirty="0"/>
-              <a:t>Elementary principles of derivative pricing-Arbitrage</a:t>
+              <a:t>Elementary principles of derivative pricing-Storage</a:t>
             </a:r>
           </a:p>
         </p:txBody>
@@ -18426,7 +18410,7 @@
           <p:cNvPr id="3" name="Content Placeholder 2">
             <a:extLst>
               <a:ext uri="{FF2B5EF4-FFF2-40B4-BE49-F238E27FC236}">
-                <a16:creationId xmlns:a16="http://schemas.microsoft.com/office/drawing/2014/main" id="{E052CFE4-4415-4BD8-9BF3-7801A1F1C482}"/>
+                <a16:creationId xmlns:a16="http://schemas.microsoft.com/office/drawing/2014/main" id="{EDD93B4A-D015-42DB-ADD3-572F3F689EF3}"/>
               </a:ext>
             </a:extLst>
           </p:cNvPr>
@@ -18444,31 +18428,24 @@
           <a:p>
             <a:r>
               <a:rPr lang="en-US" dirty="0"/>
-              <a:t>Tencent S</a:t>
-            </a:r>
-            <a:r>
-              <a:rPr lang="en-US" baseline="-25000" dirty="0"/>
-              <a:t>0</a:t>
-            </a:r>
-            <a:r>
-              <a:rPr lang="en-US" dirty="0"/>
-              <a:t>=500, F</a:t>
-            </a:r>
-            <a:r>
-              <a:rPr lang="en-US" baseline="-25000" dirty="0"/>
-              <a:t>1</a:t>
-            </a:r>
-            <a:r>
-              <a:rPr lang="en-US" dirty="0"/>
-              <a:t>=530 , RF=4%</a:t>
-            </a:r>
+              <a:t>Storage incurs costs.(commodity)</a:t>
+            </a:r>
+          </a:p>
+          <a:p>
+            <a:r>
+              <a:rPr lang="en-US" dirty="0"/>
+              <a:t>Some assets pay returns during storage.(financial asset)</a:t>
+            </a:r>
+          </a:p>
+          <a:p>
+            <a:endParaRPr lang="en-US" dirty="0"/>
           </a:p>
         </p:txBody>
       </p:sp>
     </p:spTree>
     <p:extLst>
       <p:ext uri="{BB962C8B-B14F-4D97-AF65-F5344CB8AC3E}">
-        <p14:creationId xmlns:p14="http://schemas.microsoft.com/office/powerpoint/2010/main" val="2233100900"/>
+        <p14:creationId xmlns:p14="http://schemas.microsoft.com/office/powerpoint/2010/main" val="3268475084"/>
       </p:ext>
     </p:extLst>
   </p:cSld>
@@ -18500,7 +18477,7 @@
           <p:cNvPr id="2" name="Title 1">
             <a:extLst>
               <a:ext uri="{FF2B5EF4-FFF2-40B4-BE49-F238E27FC236}">
-                <a16:creationId xmlns:a16="http://schemas.microsoft.com/office/drawing/2014/main" id="{EAAA22BD-DB45-4D1F-9302-275D4DA4CDD4}"/>
+                <a16:creationId xmlns:a16="http://schemas.microsoft.com/office/drawing/2014/main" id="{6C9DE97C-F9BE-4030-983F-36EB31059087}"/>
               </a:ext>
             </a:extLst>
           </p:cNvPr>
@@ -18530,7 +18507,7 @@
           <p:cNvPr id="3" name="Content Placeholder 2">
             <a:extLst>
               <a:ext uri="{FF2B5EF4-FFF2-40B4-BE49-F238E27FC236}">
-                <a16:creationId xmlns:a16="http://schemas.microsoft.com/office/drawing/2014/main" id="{329461E7-752B-4F36-88E6-401BF4173B38}"/>
+                <a16:creationId xmlns:a16="http://schemas.microsoft.com/office/drawing/2014/main" id="{40CEE757-6D71-4744-82DB-2F1B2E2E54BE}"/>
               </a:ext>
             </a:extLst>
           </p:cNvPr>
@@ -18548,34 +18525,105 @@
           <a:p>
             <a:r>
               <a:rPr lang="en-US" dirty="0"/>
-              <a:t>Tencent S</a:t>
-            </a:r>
-            <a:r>
-              <a:rPr lang="en-US" baseline="-25000" dirty="0"/>
-              <a:t>0</a:t>
-            </a:r>
-            <a:r>
-              <a:rPr lang="en-US" dirty="0"/>
-              <a:t>=500, F</a:t>
-            </a:r>
-            <a:r>
-              <a:rPr lang="en-US" baseline="-25000" dirty="0"/>
-              <a:t>1</a:t>
-            </a:r>
-            <a:r>
-              <a:rPr lang="en-US" dirty="0"/>
-              <a:t>=510 , RF=4%</a:t>
-            </a:r>
-          </a:p>
-          <a:p>
-            <a:endParaRPr lang="en-US" dirty="0"/>
+              <a:t>In well- functioning markets with low transaction costs and a free flow of information, the </a:t>
+            </a:r>
+            <a:r>
+              <a:rPr lang="en-US" dirty="0">
+                <a:solidFill>
+                  <a:srgbClr val="FF0000"/>
+                </a:solidFill>
+              </a:rPr>
+              <a:t>same asset cannot sell for more than one price</a:t>
+            </a:r>
+            <a:r>
+              <a:rPr lang="en-US" dirty="0"/>
+              <a:t>.</a:t>
+            </a:r>
+          </a:p>
+          <a:p>
+            <a:r>
+              <a:rPr lang="en-US" dirty="0"/>
+              <a:t>For this reason, arbitrage is often referred to as the </a:t>
+            </a:r>
+            <a:r>
+              <a:rPr lang="en-US" dirty="0">
+                <a:solidFill>
+                  <a:srgbClr val="FF0000"/>
+                </a:solidFill>
+              </a:rPr>
+              <a:t>law of one price</a:t>
+            </a:r>
+            <a:r>
+              <a:rPr lang="en-US" dirty="0"/>
+              <a:t>.</a:t>
+            </a:r>
+          </a:p>
+          <a:p>
+            <a:r>
+              <a:rPr lang="en-US" dirty="0"/>
+              <a:t>This trade would </a:t>
+            </a:r>
+            <a:r>
+              <a:rPr lang="en-US" dirty="0">
+                <a:solidFill>
+                  <a:srgbClr val="FF0000"/>
+                </a:solidFill>
+              </a:rPr>
+              <a:t>get profit at no risk </a:t>
+            </a:r>
+            <a:r>
+              <a:rPr lang="en-US" dirty="0"/>
+              <a:t>and </a:t>
+            </a:r>
+            <a:r>
+              <a:rPr lang="en-US" dirty="0">
+                <a:solidFill>
+                  <a:srgbClr val="FF0000"/>
+                </a:solidFill>
+              </a:rPr>
+              <a:t>not require the commitment of any of the investor’s capital</a:t>
+            </a:r>
+            <a:r>
+              <a:rPr lang="en-US" dirty="0"/>
+              <a:t>.</a:t>
+            </a:r>
+          </a:p>
+          <a:p>
+            <a:r>
+              <a:rPr lang="en-US" dirty="0"/>
+              <a:t>To summarize, the forces of arbitrage in financial markets assure us that the </a:t>
+            </a:r>
+            <a:r>
+              <a:rPr lang="en-US" dirty="0">
+                <a:solidFill>
+                  <a:srgbClr val="FF0000"/>
+                </a:solidFill>
+              </a:rPr>
+              <a:t>same asset cannot sell for different prices</a:t>
+            </a:r>
+            <a:r>
+              <a:rPr lang="en-US" dirty="0"/>
+              <a:t>, nor can </a:t>
+            </a:r>
+            <a:r>
+              <a:rPr lang="en-US" dirty="0">
+                <a:solidFill>
+                  <a:srgbClr val="FF0000"/>
+                </a:solidFill>
+              </a:rPr>
+              <a:t>two equivalent combinations of assets that produce the same results sell for different prices</a:t>
+            </a:r>
+            <a:r>
+              <a:rPr lang="en-US" dirty="0"/>
+              <a:t>.</a:t>
+            </a:r>
           </a:p>
         </p:txBody>
       </p:sp>
     </p:spTree>
     <p:extLst>
       <p:ext uri="{BB962C8B-B14F-4D97-AF65-F5344CB8AC3E}">
-        <p14:creationId xmlns:p14="http://schemas.microsoft.com/office/powerpoint/2010/main" val="834162281"/>
+        <p14:creationId xmlns:p14="http://schemas.microsoft.com/office/powerpoint/2010/main" val="4154657851"/>
       </p:ext>
     </p:extLst>
   </p:cSld>
@@ -18607,7 +18655,7 @@
           <p:cNvPr id="2" name="Title 1">
             <a:extLst>
               <a:ext uri="{FF2B5EF4-FFF2-40B4-BE49-F238E27FC236}">
-                <a16:creationId xmlns:a16="http://schemas.microsoft.com/office/drawing/2014/main" id="{8D44935D-AB46-43E8-9183-5F28C9903EC1}"/>
+                <a16:creationId xmlns:a16="http://schemas.microsoft.com/office/drawing/2014/main" id="{4EE68B82-6AB7-4B2C-9CE0-91C5F1189BC5}"/>
               </a:ext>
             </a:extLst>
           </p:cNvPr>
@@ -18632,39 +18680,38 @@
           </a:p>
         </p:txBody>
       </p:sp>
-      <p:pic>
-        <p:nvPicPr>
-          <p:cNvPr id="5" name="Content Placeholder 4">
+      <p:sp>
+        <p:nvSpPr>
+          <p:cNvPr id="3" name="Content Placeholder 2">
             <a:extLst>
               <a:ext uri="{FF2B5EF4-FFF2-40B4-BE49-F238E27FC236}">
-                <a16:creationId xmlns:a16="http://schemas.microsoft.com/office/drawing/2014/main" id="{D6658CC8-7C61-4C1A-8863-CD191D84D0FE}"/>
+                <a16:creationId xmlns:a16="http://schemas.microsoft.com/office/drawing/2014/main" id="{1980A05C-5D81-4FA2-869F-6046DD73C512}"/>
               </a:ext>
             </a:extLst>
           </p:cNvPr>
-          <p:cNvPicPr>
-            <a:picLocks noGrp="1" noChangeAspect="1"/>
-          </p:cNvPicPr>
+          <p:cNvSpPr>
+            <a:spLocks noGrp="1"/>
+          </p:cNvSpPr>
           <p:nvPr>
             <p:ph idx="1"/>
           </p:nvPr>
-        </p:nvPicPr>
-        <p:blipFill>
-          <a:blip r:embed="rId2"/>
-          <a:stretch>
-            <a:fillRect/>
-          </a:stretch>
-        </p:blipFill>
-        <p:spPr>
-          <a:xfrm>
-            <a:off x="1579419" y="1930400"/>
-            <a:ext cx="7265323" cy="4660013"/>
-          </a:xfrm>
-        </p:spPr>
-      </p:pic>
+        </p:nvSpPr>
+        <p:spPr/>
+        <p:txBody>
+          <a:bodyPr/>
+          <a:lstStyle/>
+          <a:p>
+            <a:r>
+              <a:rPr lang="en-US" dirty="0"/>
+              <a:t>Tencent  A:600  B:610</a:t>
+            </a:r>
+          </a:p>
+        </p:txBody>
+      </p:sp>
     </p:spTree>
     <p:extLst>
       <p:ext uri="{BB962C8B-B14F-4D97-AF65-F5344CB8AC3E}">
-        <p14:creationId xmlns:p14="http://schemas.microsoft.com/office/powerpoint/2010/main" val="3866623829"/>
+        <p14:creationId xmlns:p14="http://schemas.microsoft.com/office/powerpoint/2010/main" val="2625465975"/>
       </p:ext>
     </p:extLst>
   </p:cSld>
@@ -18696,7 +18743,7 @@
           <p:cNvPr id="2" name="Title 1">
             <a:extLst>
               <a:ext uri="{FF2B5EF4-FFF2-40B4-BE49-F238E27FC236}">
-                <a16:creationId xmlns:a16="http://schemas.microsoft.com/office/drawing/2014/main" id="{35F38695-B7CE-4D6E-A785-C1D727736631}"/>
+                <a16:creationId xmlns:a16="http://schemas.microsoft.com/office/drawing/2014/main" id="{737185EF-23C0-4996-B8AD-822F238FC53F}"/>
               </a:ext>
             </a:extLst>
           </p:cNvPr>
@@ -18716,7 +18763,7 @@
           <a:p>
             <a:r>
               <a:rPr lang="en-US" sz="4000" dirty="0"/>
-              <a:t>Practices</a:t>
+              <a:t>Elementary principles of derivative pricing-Arbitrage</a:t>
             </a:r>
           </a:p>
         </p:txBody>
@@ -18726,7 +18773,7 @@
           <p:cNvPr id="3" name="Content Placeholder 2">
             <a:extLst>
               <a:ext uri="{FF2B5EF4-FFF2-40B4-BE49-F238E27FC236}">
-                <a16:creationId xmlns:a16="http://schemas.microsoft.com/office/drawing/2014/main" id="{BF809369-364C-494D-A422-54CB9C9C3E54}"/>
+                <a16:creationId xmlns:a16="http://schemas.microsoft.com/office/drawing/2014/main" id="{E052CFE4-4415-4BD8-9BF3-7801A1F1C482}"/>
               </a:ext>
             </a:extLst>
           </p:cNvPr>
@@ -18744,55 +18791,23 @@
           <a:p>
             <a:r>
               <a:rPr lang="en-US" dirty="0"/>
-              <a:t>1 Which of the following is a result of arbitrage?</a:t>
-            </a:r>
-          </a:p>
-          <a:p>
-            <a:pPr lvl="1"/>
-            <a:r>
-              <a:rPr lang="en-US" dirty="0"/>
-              <a:t>A The law of one price</a:t>
-            </a:r>
-          </a:p>
-          <a:p>
-            <a:pPr lvl="1"/>
-            <a:r>
-              <a:rPr lang="en-US" dirty="0"/>
-              <a:t>B The law of similar prices</a:t>
-            </a:r>
-          </a:p>
-          <a:p>
-            <a:pPr lvl="1"/>
-            <a:r>
-              <a:rPr lang="en-US" dirty="0"/>
-              <a:t>C The law of limited profitability</a:t>
-            </a:r>
-          </a:p>
-          <a:p>
-            <a:r>
-              <a:rPr lang="en-US" dirty="0"/>
-              <a:t>2 When an arbitrage opportunity exists, what happens in the market?</a:t>
-            </a:r>
-          </a:p>
-          <a:p>
-            <a:pPr lvl="1"/>
-            <a:r>
-              <a:rPr lang="en-US" dirty="0"/>
-              <a:t>A The combined actions of all arbitrageurs force the prices to converge.</a:t>
-            </a:r>
-          </a:p>
-          <a:p>
-            <a:pPr lvl="1"/>
-            <a:r>
-              <a:rPr lang="en-US" dirty="0"/>
-              <a:t>B The combined actions of arbitrageurs result in a locked- limit situation.</a:t>
-            </a:r>
-          </a:p>
-          <a:p>
-            <a:pPr lvl="1"/>
-            <a:r>
-              <a:rPr lang="en-US" dirty="0"/>
-              <a:t>C The combined actions of all arbitrageurs result in sustained profits to all.</a:t>
+              <a:t>Tencent S</a:t>
+            </a:r>
+            <a:r>
+              <a:rPr lang="en-US" baseline="-25000" dirty="0"/>
+              <a:t>0</a:t>
+            </a:r>
+            <a:r>
+              <a:rPr lang="en-US" dirty="0"/>
+              <a:t>=500, F</a:t>
+            </a:r>
+            <a:r>
+              <a:rPr lang="en-US" baseline="-25000" dirty="0"/>
+              <a:t>1</a:t>
+            </a:r>
+            <a:r>
+              <a:rPr lang="en-US" dirty="0"/>
+              <a:t>=530 , RF=4%</a:t>
             </a:r>
           </a:p>
         </p:txBody>
@@ -18800,7 +18815,7 @@
     </p:spTree>
     <p:extLst>
       <p:ext uri="{BB962C8B-B14F-4D97-AF65-F5344CB8AC3E}">
-        <p14:creationId xmlns:p14="http://schemas.microsoft.com/office/powerpoint/2010/main" val="3312634249"/>
+        <p14:creationId xmlns:p14="http://schemas.microsoft.com/office/powerpoint/2010/main" val="2233100900"/>
       </p:ext>
     </p:extLst>
   </p:cSld>
@@ -18832,7 +18847,7 @@
           <p:cNvPr id="2" name="Title 1">
             <a:extLst>
               <a:ext uri="{FF2B5EF4-FFF2-40B4-BE49-F238E27FC236}">
-                <a16:creationId xmlns:a16="http://schemas.microsoft.com/office/drawing/2014/main" id="{FFCC137A-1E39-46C4-88CE-9C922D97F5F5}"/>
+                <a16:creationId xmlns:a16="http://schemas.microsoft.com/office/drawing/2014/main" id="{EAAA22BD-DB45-4D1F-9302-275D4DA4CDD4}"/>
               </a:ext>
             </a:extLst>
           </p:cNvPr>
@@ -18852,7 +18867,7 @@
           <a:p>
             <a:r>
               <a:rPr lang="en-US" sz="4000" dirty="0"/>
-              <a:t>Practices</a:t>
+              <a:t>Elementary principles of derivative pricing-Arbitrage</a:t>
             </a:r>
           </a:p>
         </p:txBody>
@@ -18862,7 +18877,7 @@
           <p:cNvPr id="3" name="Content Placeholder 2">
             <a:extLst>
               <a:ext uri="{FF2B5EF4-FFF2-40B4-BE49-F238E27FC236}">
-                <a16:creationId xmlns:a16="http://schemas.microsoft.com/office/drawing/2014/main" id="{62E00AED-25DB-4B87-9D94-BFC755ED3CCF}"/>
+                <a16:creationId xmlns:a16="http://schemas.microsoft.com/office/drawing/2014/main" id="{329461E7-752B-4F36-88E6-401BF4173B38}"/>
               </a:ext>
             </a:extLst>
           </p:cNvPr>
@@ -18875,70 +18890,128 @@
         </p:nvSpPr>
         <p:spPr/>
         <p:txBody>
+          <a:bodyPr/>
+          <a:lstStyle/>
+          <a:p>
+            <a:r>
+              <a:rPr lang="en-US" dirty="0"/>
+              <a:t>Tencent S</a:t>
+            </a:r>
+            <a:r>
+              <a:rPr lang="en-US" baseline="-25000" dirty="0"/>
+              <a:t>0</a:t>
+            </a:r>
+            <a:r>
+              <a:rPr lang="en-US" dirty="0"/>
+              <a:t>=500, F</a:t>
+            </a:r>
+            <a:r>
+              <a:rPr lang="en-US" baseline="-25000" dirty="0"/>
+              <a:t>1</a:t>
+            </a:r>
+            <a:r>
+              <a:rPr lang="en-US" dirty="0"/>
+              <a:t>=510 , RF=4%</a:t>
+            </a:r>
+          </a:p>
+          <a:p>
+            <a:endParaRPr lang="en-US" dirty="0"/>
+          </a:p>
+        </p:txBody>
+      </p:sp>
+    </p:spTree>
+    <p:extLst>
+      <p:ext uri="{BB962C8B-B14F-4D97-AF65-F5344CB8AC3E}">
+        <p14:creationId xmlns:p14="http://schemas.microsoft.com/office/powerpoint/2010/main" val="834162281"/>
+      </p:ext>
+    </p:extLst>
+  </p:cSld>
+  <p:clrMapOvr>
+    <a:masterClrMapping/>
+  </p:clrMapOvr>
+</p:sld>
+</file>
+
+<file path=ppt/slides/slide79.xml><?xml version="1.0" encoding="utf-8"?>
+<p:sld xmlns:a="http://schemas.openxmlformats.org/drawingml/2006/main" xmlns:r="http://schemas.openxmlformats.org/officeDocument/2006/relationships" xmlns:p="http://schemas.openxmlformats.org/presentationml/2006/main">
+  <p:cSld>
+    <p:spTree>
+      <p:nvGrpSpPr>
+        <p:cNvPr id="1" name=""/>
+        <p:cNvGrpSpPr/>
+        <p:nvPr/>
+      </p:nvGrpSpPr>
+      <p:grpSpPr>
+        <a:xfrm>
+          <a:off x="0" y="0"/>
+          <a:ext cx="0" cy="0"/>
+          <a:chOff x="0" y="0"/>
+          <a:chExt cx="0" cy="0"/>
+        </a:xfrm>
+      </p:grpSpPr>
+      <p:sp>
+        <p:nvSpPr>
+          <p:cNvPr id="2" name="Title 1">
+            <a:extLst>
+              <a:ext uri="{FF2B5EF4-FFF2-40B4-BE49-F238E27FC236}">
+                <a16:creationId xmlns:a16="http://schemas.microsoft.com/office/drawing/2014/main" id="{8D44935D-AB46-43E8-9183-5F28C9903EC1}"/>
+              </a:ext>
+            </a:extLst>
+          </p:cNvPr>
+          <p:cNvSpPr>
+            <a:spLocks noGrp="1"/>
+          </p:cNvSpPr>
+          <p:nvPr>
+            <p:ph type="title"/>
+          </p:nvPr>
+        </p:nvSpPr>
+        <p:spPr/>
+        <p:txBody>
           <a:bodyPr>
             <a:normAutofit/>
           </a:bodyPr>
           <a:lstStyle/>
           <a:p>
             <a:r>
-              <a:rPr lang="en-US" dirty="0"/>
-              <a:t>3 Which of the following accurately defines arbitrage?</a:t>
-            </a:r>
-          </a:p>
-          <a:p>
-            <a:pPr lvl="1"/>
-            <a:r>
-              <a:rPr lang="en-US" dirty="0"/>
-              <a:t>A An opportunity to make a profit at no risk</a:t>
-            </a:r>
-          </a:p>
-          <a:p>
-            <a:pPr lvl="1"/>
-            <a:r>
-              <a:rPr lang="en-US" dirty="0"/>
-              <a:t>B An opportunity to make a profit at no risk and with the investment of no capital</a:t>
-            </a:r>
-          </a:p>
-          <a:p>
-            <a:pPr lvl="1"/>
-            <a:r>
-              <a:rPr lang="en-US" dirty="0"/>
-              <a:t>C An opportunity to earn a return in excess of the return appropriate for the risk assumed</a:t>
-            </a:r>
-          </a:p>
-          <a:p>
-            <a:r>
-              <a:rPr lang="en-US" dirty="0"/>
-              <a:t>4 Which of the following ways best describes how arbitrage contributes to market efficiency?</a:t>
-            </a:r>
-          </a:p>
-          <a:p>
-            <a:pPr lvl="1"/>
-            <a:r>
-              <a:rPr lang="en-US" dirty="0"/>
-              <a:t>A Arbitrage penalizes those who trade too rapidly.</a:t>
-            </a:r>
-          </a:p>
-          <a:p>
-            <a:pPr lvl="1"/>
-            <a:r>
-              <a:rPr lang="en-US" dirty="0"/>
-              <a:t>B Arbitrage equalizes the risks taken by all market participants.</a:t>
-            </a:r>
-          </a:p>
-          <a:p>
-            <a:pPr lvl="1"/>
-            <a:r>
-              <a:rPr lang="en-US" dirty="0"/>
-              <a:t>C Arbitrage improves the rate at which prices converge to their relative fair values.</a:t>
-            </a:r>
-          </a:p>
-        </p:txBody>
-      </p:sp>
+              <a:rPr lang="en-US" sz="4000" dirty="0"/>
+              <a:t>Elementary principles of derivative pricing-Arbitrage</a:t>
+            </a:r>
+          </a:p>
+        </p:txBody>
+      </p:sp>
+      <p:pic>
+        <p:nvPicPr>
+          <p:cNvPr id="5" name="Content Placeholder 4">
+            <a:extLst>
+              <a:ext uri="{FF2B5EF4-FFF2-40B4-BE49-F238E27FC236}">
+                <a16:creationId xmlns:a16="http://schemas.microsoft.com/office/drawing/2014/main" id="{D6658CC8-7C61-4C1A-8863-CD191D84D0FE}"/>
+              </a:ext>
+            </a:extLst>
+          </p:cNvPr>
+          <p:cNvPicPr>
+            <a:picLocks noGrp="1" noChangeAspect="1"/>
+          </p:cNvPicPr>
+          <p:nvPr>
+            <p:ph idx="1"/>
+          </p:nvPr>
+        </p:nvPicPr>
+        <p:blipFill>
+          <a:blip r:embed="rId2"/>
+          <a:stretch>
+            <a:fillRect/>
+          </a:stretch>
+        </p:blipFill>
+        <p:spPr>
+          <a:xfrm>
+            <a:off x="1579419" y="1930400"/>
+            <a:ext cx="7265323" cy="4660013"/>
+          </a:xfrm>
+        </p:spPr>
+      </p:pic>
     </p:spTree>
     <p:extLst>
       <p:ext uri="{BB962C8B-B14F-4D97-AF65-F5344CB8AC3E}">
-        <p14:creationId xmlns:p14="http://schemas.microsoft.com/office/powerpoint/2010/main" val="2203094148"/>
+        <p14:creationId xmlns:p14="http://schemas.microsoft.com/office/powerpoint/2010/main" val="3866623829"/>
       </p:ext>
     </p:extLst>
   </p:cSld>
@@ -19060,6 +19133,280 @@
     <p:extLst>
       <p:ext uri="{BB962C8B-B14F-4D97-AF65-F5344CB8AC3E}">
         <p14:creationId xmlns:p14="http://schemas.microsoft.com/office/powerpoint/2010/main" val="232793719"/>
+      </p:ext>
+    </p:extLst>
+  </p:cSld>
+  <p:clrMapOvr>
+    <a:masterClrMapping/>
+  </p:clrMapOvr>
+</p:sld>
+</file>
+
+<file path=ppt/slides/slide80.xml><?xml version="1.0" encoding="utf-8"?>
+<p:sld xmlns:a="http://schemas.openxmlformats.org/drawingml/2006/main" xmlns:r="http://schemas.openxmlformats.org/officeDocument/2006/relationships" xmlns:p="http://schemas.openxmlformats.org/presentationml/2006/main">
+  <p:cSld>
+    <p:spTree>
+      <p:nvGrpSpPr>
+        <p:cNvPr id="1" name=""/>
+        <p:cNvGrpSpPr/>
+        <p:nvPr/>
+      </p:nvGrpSpPr>
+      <p:grpSpPr>
+        <a:xfrm>
+          <a:off x="0" y="0"/>
+          <a:ext cx="0" cy="0"/>
+          <a:chOff x="0" y="0"/>
+          <a:chExt cx="0" cy="0"/>
+        </a:xfrm>
+      </p:grpSpPr>
+      <p:sp>
+        <p:nvSpPr>
+          <p:cNvPr id="2" name="Title 1">
+            <a:extLst>
+              <a:ext uri="{FF2B5EF4-FFF2-40B4-BE49-F238E27FC236}">
+                <a16:creationId xmlns:a16="http://schemas.microsoft.com/office/drawing/2014/main" id="{35F38695-B7CE-4D6E-A785-C1D727736631}"/>
+              </a:ext>
+            </a:extLst>
+          </p:cNvPr>
+          <p:cNvSpPr>
+            <a:spLocks noGrp="1"/>
+          </p:cNvSpPr>
+          <p:nvPr>
+            <p:ph type="title"/>
+          </p:nvPr>
+        </p:nvSpPr>
+        <p:spPr/>
+        <p:txBody>
+          <a:bodyPr>
+            <a:normAutofit/>
+          </a:bodyPr>
+          <a:lstStyle/>
+          <a:p>
+            <a:r>
+              <a:rPr lang="en-US" sz="4000" dirty="0"/>
+              <a:t>Practices</a:t>
+            </a:r>
+          </a:p>
+        </p:txBody>
+      </p:sp>
+      <p:sp>
+        <p:nvSpPr>
+          <p:cNvPr id="3" name="Content Placeholder 2">
+            <a:extLst>
+              <a:ext uri="{FF2B5EF4-FFF2-40B4-BE49-F238E27FC236}">
+                <a16:creationId xmlns:a16="http://schemas.microsoft.com/office/drawing/2014/main" id="{BF809369-364C-494D-A422-54CB9C9C3E54}"/>
+              </a:ext>
+            </a:extLst>
+          </p:cNvPr>
+          <p:cNvSpPr>
+            <a:spLocks noGrp="1"/>
+          </p:cNvSpPr>
+          <p:nvPr>
+            <p:ph idx="1"/>
+          </p:nvPr>
+        </p:nvSpPr>
+        <p:spPr/>
+        <p:txBody>
+          <a:bodyPr/>
+          <a:lstStyle/>
+          <a:p>
+            <a:r>
+              <a:rPr lang="en-US" dirty="0"/>
+              <a:t>1 Which of the following is a result of arbitrage?</a:t>
+            </a:r>
+          </a:p>
+          <a:p>
+            <a:pPr lvl="1"/>
+            <a:r>
+              <a:rPr lang="en-US" dirty="0"/>
+              <a:t>A The law of one price</a:t>
+            </a:r>
+          </a:p>
+          <a:p>
+            <a:pPr lvl="1"/>
+            <a:r>
+              <a:rPr lang="en-US" dirty="0"/>
+              <a:t>B The law of similar prices</a:t>
+            </a:r>
+          </a:p>
+          <a:p>
+            <a:pPr lvl="1"/>
+            <a:r>
+              <a:rPr lang="en-US" dirty="0"/>
+              <a:t>C The law of limited profitability</a:t>
+            </a:r>
+          </a:p>
+          <a:p>
+            <a:r>
+              <a:rPr lang="en-US" dirty="0"/>
+              <a:t>2 When an arbitrage opportunity exists, what happens in the market?</a:t>
+            </a:r>
+          </a:p>
+          <a:p>
+            <a:pPr lvl="1"/>
+            <a:r>
+              <a:rPr lang="en-US" dirty="0"/>
+              <a:t>A The combined actions of all arbitrageurs force the prices to converge.</a:t>
+            </a:r>
+          </a:p>
+          <a:p>
+            <a:pPr lvl="1"/>
+            <a:r>
+              <a:rPr lang="en-US" dirty="0"/>
+              <a:t>B The combined actions of arbitrageurs result in a locked- limit situation.</a:t>
+            </a:r>
+          </a:p>
+          <a:p>
+            <a:pPr lvl="1"/>
+            <a:r>
+              <a:rPr lang="en-US" dirty="0"/>
+              <a:t>C The combined actions of all arbitrageurs result in sustained profits to all.</a:t>
+            </a:r>
+          </a:p>
+        </p:txBody>
+      </p:sp>
+    </p:spTree>
+    <p:extLst>
+      <p:ext uri="{BB962C8B-B14F-4D97-AF65-F5344CB8AC3E}">
+        <p14:creationId xmlns:p14="http://schemas.microsoft.com/office/powerpoint/2010/main" val="3312634249"/>
+      </p:ext>
+    </p:extLst>
+  </p:cSld>
+  <p:clrMapOvr>
+    <a:masterClrMapping/>
+  </p:clrMapOvr>
+</p:sld>
+</file>
+
+<file path=ppt/slides/slide81.xml><?xml version="1.0" encoding="utf-8"?>
+<p:sld xmlns:a="http://schemas.openxmlformats.org/drawingml/2006/main" xmlns:r="http://schemas.openxmlformats.org/officeDocument/2006/relationships" xmlns:p="http://schemas.openxmlformats.org/presentationml/2006/main">
+  <p:cSld>
+    <p:spTree>
+      <p:nvGrpSpPr>
+        <p:cNvPr id="1" name=""/>
+        <p:cNvGrpSpPr/>
+        <p:nvPr/>
+      </p:nvGrpSpPr>
+      <p:grpSpPr>
+        <a:xfrm>
+          <a:off x="0" y="0"/>
+          <a:ext cx="0" cy="0"/>
+          <a:chOff x="0" y="0"/>
+          <a:chExt cx="0" cy="0"/>
+        </a:xfrm>
+      </p:grpSpPr>
+      <p:sp>
+        <p:nvSpPr>
+          <p:cNvPr id="2" name="Title 1">
+            <a:extLst>
+              <a:ext uri="{FF2B5EF4-FFF2-40B4-BE49-F238E27FC236}">
+                <a16:creationId xmlns:a16="http://schemas.microsoft.com/office/drawing/2014/main" id="{FFCC137A-1E39-46C4-88CE-9C922D97F5F5}"/>
+              </a:ext>
+            </a:extLst>
+          </p:cNvPr>
+          <p:cNvSpPr>
+            <a:spLocks noGrp="1"/>
+          </p:cNvSpPr>
+          <p:nvPr>
+            <p:ph type="title"/>
+          </p:nvPr>
+        </p:nvSpPr>
+        <p:spPr/>
+        <p:txBody>
+          <a:bodyPr>
+            <a:normAutofit/>
+          </a:bodyPr>
+          <a:lstStyle/>
+          <a:p>
+            <a:r>
+              <a:rPr lang="en-US" sz="4000" dirty="0"/>
+              <a:t>Practices</a:t>
+            </a:r>
+          </a:p>
+        </p:txBody>
+      </p:sp>
+      <p:sp>
+        <p:nvSpPr>
+          <p:cNvPr id="3" name="Content Placeholder 2">
+            <a:extLst>
+              <a:ext uri="{FF2B5EF4-FFF2-40B4-BE49-F238E27FC236}">
+                <a16:creationId xmlns:a16="http://schemas.microsoft.com/office/drawing/2014/main" id="{62E00AED-25DB-4B87-9D94-BFC755ED3CCF}"/>
+              </a:ext>
+            </a:extLst>
+          </p:cNvPr>
+          <p:cNvSpPr>
+            <a:spLocks noGrp="1"/>
+          </p:cNvSpPr>
+          <p:nvPr>
+            <p:ph idx="1"/>
+          </p:nvPr>
+        </p:nvSpPr>
+        <p:spPr/>
+        <p:txBody>
+          <a:bodyPr>
+            <a:normAutofit/>
+          </a:bodyPr>
+          <a:lstStyle/>
+          <a:p>
+            <a:r>
+              <a:rPr lang="en-US" dirty="0"/>
+              <a:t>3 Which of the following accurately defines arbitrage?</a:t>
+            </a:r>
+          </a:p>
+          <a:p>
+            <a:pPr lvl="1"/>
+            <a:r>
+              <a:rPr lang="en-US" dirty="0"/>
+              <a:t>A An opportunity to make a profit at no risk</a:t>
+            </a:r>
+          </a:p>
+          <a:p>
+            <a:pPr lvl="1"/>
+            <a:r>
+              <a:rPr lang="en-US" dirty="0"/>
+              <a:t>B An opportunity to make a profit at no risk and with the investment of no capital</a:t>
+            </a:r>
+          </a:p>
+          <a:p>
+            <a:pPr lvl="1"/>
+            <a:r>
+              <a:rPr lang="en-US" dirty="0"/>
+              <a:t>C An opportunity to earn a return in excess of the return appropriate for the risk assumed</a:t>
+            </a:r>
+          </a:p>
+          <a:p>
+            <a:r>
+              <a:rPr lang="en-US" dirty="0"/>
+              <a:t>4 Which of the following ways best describes how arbitrage contributes to market efficiency?</a:t>
+            </a:r>
+          </a:p>
+          <a:p>
+            <a:pPr lvl="1"/>
+            <a:r>
+              <a:rPr lang="en-US" dirty="0"/>
+              <a:t>A Arbitrage penalizes those who trade too rapidly.</a:t>
+            </a:r>
+          </a:p>
+          <a:p>
+            <a:pPr lvl="1"/>
+            <a:r>
+              <a:rPr lang="en-US" dirty="0"/>
+              <a:t>B Arbitrage equalizes the risks taken by all market participants.</a:t>
+            </a:r>
+          </a:p>
+          <a:p>
+            <a:pPr lvl="1"/>
+            <a:r>
+              <a:rPr lang="en-US" dirty="0"/>
+              <a:t>C Arbitrage improves the rate at which prices converge to their relative fair values.</a:t>
+            </a:r>
+          </a:p>
+        </p:txBody>
+      </p:sp>
+    </p:spTree>
+    <p:extLst>
+      <p:ext uri="{BB962C8B-B14F-4D97-AF65-F5344CB8AC3E}">
+        <p14:creationId xmlns:p14="http://schemas.microsoft.com/office/powerpoint/2010/main" val="2203094148"/>
       </p:ext>
     </p:extLst>
   </p:cSld>

--- a/Reading 46.pptx
+++ b/Reading 46.pptx
@@ -27,65 +27,64 @@
     <p:sldId id="340" r:id="rId21"/>
     <p:sldId id="341" r:id="rId22"/>
     <p:sldId id="342" r:id="rId23"/>
-    <p:sldId id="316" r:id="rId24"/>
-    <p:sldId id="271" r:id="rId25"/>
-    <p:sldId id="265" r:id="rId26"/>
-    <p:sldId id="273" r:id="rId27"/>
-    <p:sldId id="272" r:id="rId28"/>
-    <p:sldId id="267" r:id="rId29"/>
-    <p:sldId id="268" r:id="rId30"/>
-    <p:sldId id="317" r:id="rId31"/>
-    <p:sldId id="269" r:id="rId32"/>
-    <p:sldId id="274" r:id="rId33"/>
-    <p:sldId id="275" r:id="rId34"/>
-    <p:sldId id="276" r:id="rId35"/>
-    <p:sldId id="277" r:id="rId36"/>
-    <p:sldId id="318" r:id="rId37"/>
-    <p:sldId id="278" r:id="rId38"/>
-    <p:sldId id="279" r:id="rId39"/>
-    <p:sldId id="280" r:id="rId40"/>
-    <p:sldId id="281" r:id="rId41"/>
-    <p:sldId id="282" r:id="rId42"/>
-    <p:sldId id="283" r:id="rId43"/>
-    <p:sldId id="284" r:id="rId44"/>
-    <p:sldId id="285" r:id="rId45"/>
-    <p:sldId id="286" r:id="rId46"/>
-    <p:sldId id="287" r:id="rId47"/>
-    <p:sldId id="288" r:id="rId48"/>
-    <p:sldId id="319" r:id="rId49"/>
-    <p:sldId id="320" r:id="rId50"/>
-    <p:sldId id="289" r:id="rId51"/>
-    <p:sldId id="290" r:id="rId52"/>
-    <p:sldId id="291" r:id="rId53"/>
-    <p:sldId id="292" r:id="rId54"/>
-    <p:sldId id="293" r:id="rId55"/>
-    <p:sldId id="294" r:id="rId56"/>
-    <p:sldId id="321" r:id="rId57"/>
-    <p:sldId id="295" r:id="rId58"/>
-    <p:sldId id="296" r:id="rId59"/>
-    <p:sldId id="297" r:id="rId60"/>
-    <p:sldId id="302" r:id="rId61"/>
-    <p:sldId id="303" r:id="rId62"/>
-    <p:sldId id="298" r:id="rId63"/>
-    <p:sldId id="299" r:id="rId64"/>
-    <p:sldId id="322" r:id="rId65"/>
-    <p:sldId id="323" r:id="rId66"/>
-    <p:sldId id="324" r:id="rId67"/>
-    <p:sldId id="301" r:id="rId68"/>
-    <p:sldId id="300" r:id="rId69"/>
-    <p:sldId id="306" r:id="rId70"/>
-    <p:sldId id="304" r:id="rId71"/>
-    <p:sldId id="305" r:id="rId72"/>
-    <p:sldId id="307" r:id="rId73"/>
-    <p:sldId id="308" r:id="rId74"/>
-    <p:sldId id="309" r:id="rId75"/>
-    <p:sldId id="310" r:id="rId76"/>
-    <p:sldId id="325" r:id="rId77"/>
-    <p:sldId id="326" r:id="rId78"/>
-    <p:sldId id="327" r:id="rId79"/>
-    <p:sldId id="311" r:id="rId80"/>
-    <p:sldId id="312" r:id="rId81"/>
-    <p:sldId id="313" r:id="rId82"/>
+    <p:sldId id="273" r:id="rId24"/>
+    <p:sldId id="265" r:id="rId25"/>
+    <p:sldId id="343" r:id="rId26"/>
+    <p:sldId id="346" r:id="rId27"/>
+    <p:sldId id="344" r:id="rId28"/>
+    <p:sldId id="345" r:id="rId29"/>
+    <p:sldId id="317" r:id="rId30"/>
+    <p:sldId id="269" r:id="rId31"/>
+    <p:sldId id="274" r:id="rId32"/>
+    <p:sldId id="275" r:id="rId33"/>
+    <p:sldId id="276" r:id="rId34"/>
+    <p:sldId id="277" r:id="rId35"/>
+    <p:sldId id="318" r:id="rId36"/>
+    <p:sldId id="278" r:id="rId37"/>
+    <p:sldId id="279" r:id="rId38"/>
+    <p:sldId id="280" r:id="rId39"/>
+    <p:sldId id="281" r:id="rId40"/>
+    <p:sldId id="282" r:id="rId41"/>
+    <p:sldId id="283" r:id="rId42"/>
+    <p:sldId id="284" r:id="rId43"/>
+    <p:sldId id="285" r:id="rId44"/>
+    <p:sldId id="286" r:id="rId45"/>
+    <p:sldId id="287" r:id="rId46"/>
+    <p:sldId id="288" r:id="rId47"/>
+    <p:sldId id="319" r:id="rId48"/>
+    <p:sldId id="320" r:id="rId49"/>
+    <p:sldId id="289" r:id="rId50"/>
+    <p:sldId id="290" r:id="rId51"/>
+    <p:sldId id="291" r:id="rId52"/>
+    <p:sldId id="292" r:id="rId53"/>
+    <p:sldId id="293" r:id="rId54"/>
+    <p:sldId id="294" r:id="rId55"/>
+    <p:sldId id="321" r:id="rId56"/>
+    <p:sldId id="295" r:id="rId57"/>
+    <p:sldId id="296" r:id="rId58"/>
+    <p:sldId id="297" r:id="rId59"/>
+    <p:sldId id="302" r:id="rId60"/>
+    <p:sldId id="303" r:id="rId61"/>
+    <p:sldId id="298" r:id="rId62"/>
+    <p:sldId id="299" r:id="rId63"/>
+    <p:sldId id="322" r:id="rId64"/>
+    <p:sldId id="323" r:id="rId65"/>
+    <p:sldId id="324" r:id="rId66"/>
+    <p:sldId id="301" r:id="rId67"/>
+    <p:sldId id="300" r:id="rId68"/>
+    <p:sldId id="306" r:id="rId69"/>
+    <p:sldId id="304" r:id="rId70"/>
+    <p:sldId id="305" r:id="rId71"/>
+    <p:sldId id="307" r:id="rId72"/>
+    <p:sldId id="308" r:id="rId73"/>
+    <p:sldId id="309" r:id="rId74"/>
+    <p:sldId id="310" r:id="rId75"/>
+    <p:sldId id="325" r:id="rId76"/>
+    <p:sldId id="326" r:id="rId77"/>
+    <p:sldId id="327" r:id="rId78"/>
+    <p:sldId id="311" r:id="rId79"/>
+    <p:sldId id="312" r:id="rId80"/>
+    <p:sldId id="313" r:id="rId81"/>
   </p:sldIdLst>
   <p:sldSz cx="12192000" cy="6858000"/>
   <p:notesSz cx="6858000" cy="9144000"/>
@@ -233,15 +232,14 @@
             <p14:sldId id="342"/>
           </p14:sldIdLst>
         </p14:section>
-        <p14:section name="Futures" id="{9C038C63-4C16-4EA1-8C07-C65F6FC04218}">
+        <p14:section name="Pricing and Valuation of Futures" id="{9C038C63-4C16-4EA1-8C07-C65F6FC04218}">
           <p14:sldIdLst>
-            <p14:sldId id="316"/>
-            <p14:sldId id="271"/>
+            <p14:sldId id="273"/>
             <p14:sldId id="265"/>
-            <p14:sldId id="273"/>
-            <p14:sldId id="272"/>
-            <p14:sldId id="267"/>
-            <p14:sldId id="268"/>
+            <p14:sldId id="343"/>
+            <p14:sldId id="346"/>
+            <p14:sldId id="344"/>
+            <p14:sldId id="345"/>
           </p14:sldIdLst>
         </p14:section>
         <p14:section name="Swap" id="{FE1267C5-CE94-4A19-B1E8-627CAFAF5F71}">
@@ -1060,7 +1058,7 @@
             <a:fld id="{B61BEF0D-F0BB-DE4B-95CE-6DB70DBA9567}" type="datetimeFigureOut">
               <a:rPr lang="en-US" smtClean="0"/>
               <a:pPr/>
-              <a:t>2/14/2022</a:t>
+              <a:t>2/21/2022</a:t>
             </a:fld>
             <a:endParaRPr lang="en-US" dirty="0"/>
           </a:p>
@@ -1313,7 +1311,7 @@
             <a:fld id="{B61BEF0D-F0BB-DE4B-95CE-6DB70DBA9567}" type="datetimeFigureOut">
               <a:rPr lang="en-US" smtClean="0"/>
               <a:pPr/>
-              <a:t>2/14/2022</a:t>
+              <a:t>2/21/2022</a:t>
             </a:fld>
             <a:endParaRPr lang="en-US" dirty="0"/>
           </a:p>
@@ -1629,7 +1627,7 @@
             <a:fld id="{B61BEF0D-F0BB-DE4B-95CE-6DB70DBA9567}" type="datetimeFigureOut">
               <a:rPr lang="en-US" smtClean="0"/>
               <a:pPr/>
-              <a:t>2/14/2022</a:t>
+              <a:t>2/21/2022</a:t>
             </a:fld>
             <a:endParaRPr lang="en-US" dirty="0"/>
           </a:p>
@@ -1972,7 +1970,7 @@
             <a:fld id="{B61BEF0D-F0BB-DE4B-95CE-6DB70DBA9567}" type="datetimeFigureOut">
               <a:rPr lang="en-US" smtClean="0"/>
               <a:pPr/>
-              <a:t>2/14/2022</a:t>
+              <a:t>2/21/2022</a:t>
             </a:fld>
             <a:endParaRPr lang="en-US" dirty="0"/>
           </a:p>
@@ -2288,7 +2286,7 @@
             <a:fld id="{B61BEF0D-F0BB-DE4B-95CE-6DB70DBA9567}" type="datetimeFigureOut">
               <a:rPr lang="en-US" smtClean="0"/>
               <a:pPr/>
-              <a:t>2/14/2022</a:t>
+              <a:t>2/21/2022</a:t>
             </a:fld>
             <a:endParaRPr lang="en-US" dirty="0"/>
           </a:p>
@@ -2683,7 +2681,7 @@
             <a:fld id="{B61BEF0D-F0BB-DE4B-95CE-6DB70DBA9567}" type="datetimeFigureOut">
               <a:rPr lang="en-US" smtClean="0"/>
               <a:pPr/>
-              <a:t>2/14/2022</a:t>
+              <a:t>2/21/2022</a:t>
             </a:fld>
             <a:endParaRPr lang="en-US" dirty="0"/>
           </a:p>
@@ -2854,7 +2852,7 @@
           <a:p>
             <a:fld id="{55C6B4A9-1611-4792-9094-5F34BCA07E0B}" type="datetimeFigureOut">
               <a:rPr lang="en-US" smtClean="0"/>
-              <a:t>2/14/2022</a:t>
+              <a:t>2/21/2022</a:t>
             </a:fld>
             <a:endParaRPr lang="en-US" dirty="0"/>
           </a:p>
@@ -3035,7 +3033,7 @@
             <a:fld id="{B61BEF0D-F0BB-DE4B-95CE-6DB70DBA9567}" type="datetimeFigureOut">
               <a:rPr lang="en-US" smtClean="0"/>
               <a:pPr/>
-              <a:t>2/14/2022</a:t>
+              <a:t>2/21/2022</a:t>
             </a:fld>
             <a:endParaRPr lang="en-US" dirty="0"/>
           </a:p>
@@ -3212,7 +3210,7 @@
           <a:p>
             <a:fld id="{42A54C80-263E-416B-A8E0-580EDEADCBDC}" type="datetimeFigureOut">
               <a:rPr lang="en-US" smtClean="0"/>
-              <a:t>2/14/2022</a:t>
+              <a:t>2/21/2022</a:t>
             </a:fld>
             <a:endParaRPr lang="en-US" dirty="0"/>
           </a:p>
@@ -3460,7 +3458,7 @@
             <a:fld id="{B61BEF0D-F0BB-DE4B-95CE-6DB70DBA9567}" type="datetimeFigureOut">
               <a:rPr lang="en-US" smtClean="0"/>
               <a:pPr/>
-              <a:t>2/14/2022</a:t>
+              <a:t>2/21/2022</a:t>
             </a:fld>
             <a:endParaRPr lang="en-US" dirty="0"/>
           </a:p>
@@ -3693,7 +3691,7 @@
           <a:p>
             <a:fld id="{42A54C80-263E-416B-A8E0-580EDEADCBDC}" type="datetimeFigureOut">
               <a:rPr lang="en-US" smtClean="0"/>
-              <a:t>2/14/2022</a:t>
+              <a:t>2/21/2022</a:t>
             </a:fld>
             <a:endParaRPr lang="en-US" dirty="0"/>
           </a:p>
@@ -4068,7 +4066,7 @@
             <a:fld id="{B61BEF0D-F0BB-DE4B-95CE-6DB70DBA9567}" type="datetimeFigureOut">
               <a:rPr lang="en-US" smtClean="0"/>
               <a:pPr/>
-              <a:t>2/14/2022</a:t>
+              <a:t>2/21/2022</a:t>
             </a:fld>
             <a:endParaRPr lang="en-US" dirty="0"/>
           </a:p>
@@ -4193,7 +4191,7 @@
             <a:fld id="{B61BEF0D-F0BB-DE4B-95CE-6DB70DBA9567}" type="datetimeFigureOut">
               <a:rPr lang="en-US" smtClean="0"/>
               <a:pPr/>
-              <a:t>2/14/2022</a:t>
+              <a:t>2/21/2022</a:t>
             </a:fld>
             <a:endParaRPr lang="en-US" dirty="0"/>
           </a:p>
@@ -4290,7 +4288,7 @@
             <a:fld id="{B61BEF0D-F0BB-DE4B-95CE-6DB70DBA9567}" type="datetimeFigureOut">
               <a:rPr lang="en-US" smtClean="0"/>
               <a:pPr/>
-              <a:t>2/14/2022</a:t>
+              <a:t>2/21/2022</a:t>
             </a:fld>
             <a:endParaRPr lang="en-US" dirty="0"/>
           </a:p>
@@ -4546,7 +4544,7 @@
           <a:p>
             <a:fld id="{42A54C80-263E-416B-A8E0-580EDEADCBDC}" type="datetimeFigureOut">
               <a:rPr lang="en-US" smtClean="0"/>
-              <a:t>2/14/2022</a:t>
+              <a:t>2/21/2022</a:t>
             </a:fld>
             <a:endParaRPr lang="en-US" dirty="0"/>
           </a:p>
@@ -4810,7 +4808,7 @@
             <a:fld id="{B61BEF0D-F0BB-DE4B-95CE-6DB70DBA9567}" type="datetimeFigureOut">
               <a:rPr lang="en-US" smtClean="0"/>
               <a:pPr/>
-              <a:t>2/14/2022</a:t>
+              <a:t>2/21/2022</a:t>
             </a:fld>
             <a:endParaRPr lang="en-US" dirty="0"/>
           </a:p>
@@ -5555,7 +5553,7 @@
             <a:fld id="{B61BEF0D-F0BB-DE4B-95CE-6DB70DBA9567}" type="datetimeFigureOut">
               <a:rPr lang="en-US" smtClean="0"/>
               <a:pPr/>
-              <a:t>2/14/2022</a:t>
+              <a:t>2/21/2022</a:t>
             </a:fld>
             <a:endParaRPr lang="en-US" dirty="0"/>
           </a:p>
@@ -8309,7 +8307,19 @@
           <a:p>
             <a:r>
               <a:rPr lang="en-US" sz="2400" dirty="0"/>
-              <a:t>FRAs have often historically been based on Libor, the London Interbank Offered Rate.</a:t>
+              <a:t>FRAs have often historically been based on </a:t>
+            </a:r>
+            <a:r>
+              <a:rPr lang="en-US" sz="2400" dirty="0">
+                <a:solidFill>
+                  <a:srgbClr val="FF0000"/>
+                </a:solidFill>
+              </a:rPr>
+              <a:t>Libor</a:t>
+            </a:r>
+            <a:r>
+              <a:rPr lang="en-US" sz="2400" dirty="0"/>
+              <a:t>, the London Interbank Offered Rate.</a:t>
             </a:r>
           </a:p>
           <a:p>
@@ -8572,551 +8582,6 @@
           <p:cNvPr id="2" name="Title 1">
             <a:extLst>
               <a:ext uri="{FF2B5EF4-FFF2-40B4-BE49-F238E27FC236}">
-                <a16:creationId xmlns:a16="http://schemas.microsoft.com/office/drawing/2014/main" id="{3B6DC5E5-B49D-4096-80C1-B8052495A474}"/>
-              </a:ext>
-            </a:extLst>
-          </p:cNvPr>
-          <p:cNvSpPr>
-            <a:spLocks noGrp="1"/>
-          </p:cNvSpPr>
-          <p:nvPr>
-            <p:ph type="title"/>
-          </p:nvPr>
-        </p:nvSpPr>
-        <p:spPr/>
-        <p:txBody>
-          <a:bodyPr>
-            <a:normAutofit/>
-          </a:bodyPr>
-          <a:lstStyle/>
-          <a:p>
-            <a:r>
-              <a:rPr lang="en-US" sz="4000" dirty="0"/>
-              <a:t>Futures Contracts</a:t>
-            </a:r>
-          </a:p>
-        </p:txBody>
-      </p:sp>
-      <p:sp>
-        <p:nvSpPr>
-          <p:cNvPr id="3" name="Content Placeholder 2">
-            <a:extLst>
-              <a:ext uri="{FF2B5EF4-FFF2-40B4-BE49-F238E27FC236}">
-                <a16:creationId xmlns:a16="http://schemas.microsoft.com/office/drawing/2014/main" id="{831B6362-3303-4415-9D10-C4E0904D67AF}"/>
-              </a:ext>
-            </a:extLst>
-          </p:cNvPr>
-          <p:cNvSpPr>
-            <a:spLocks noGrp="1"/>
-          </p:cNvSpPr>
-          <p:nvPr>
-            <p:ph idx="1"/>
-          </p:nvPr>
-        </p:nvSpPr>
-        <p:spPr/>
-        <p:txBody>
-          <a:bodyPr/>
-          <a:lstStyle/>
-          <a:p>
-            <a:r>
-              <a:rPr lang="en-US" sz="2800" dirty="0"/>
-              <a:t>Forward commitments</a:t>
-            </a:r>
-          </a:p>
-          <a:p>
-            <a:pPr lvl="1"/>
-            <a:r>
-              <a:rPr lang="en-US" sz="2800" dirty="0">
-                <a:solidFill>
-                  <a:schemeClr val="tx1"/>
-                </a:solidFill>
-              </a:rPr>
-              <a:t>Forward</a:t>
-            </a:r>
-          </a:p>
-          <a:p>
-            <a:pPr lvl="1"/>
-            <a:r>
-              <a:rPr lang="en-US" sz="2800" u="sng" dirty="0">
-                <a:solidFill>
-                  <a:srgbClr val="FF0000"/>
-                </a:solidFill>
-              </a:rPr>
-              <a:t>Futures</a:t>
-            </a:r>
-          </a:p>
-          <a:p>
-            <a:pPr lvl="1"/>
-            <a:r>
-              <a:rPr lang="en-US" sz="2800" dirty="0"/>
-              <a:t>Swap</a:t>
-            </a:r>
-          </a:p>
-          <a:p>
-            <a:r>
-              <a:rPr lang="en-US" sz="2800" dirty="0"/>
-              <a:t>Contingent claims</a:t>
-            </a:r>
-          </a:p>
-          <a:p>
-            <a:pPr lvl="1"/>
-            <a:r>
-              <a:rPr lang="en-US" sz="2800" dirty="0"/>
-              <a:t>Option</a:t>
-            </a:r>
-          </a:p>
-          <a:p>
-            <a:pPr lvl="1"/>
-            <a:r>
-              <a:rPr lang="en-US" sz="2800" dirty="0"/>
-              <a:t>Credit Derivatives</a:t>
-            </a:r>
-          </a:p>
-          <a:p>
-            <a:pPr lvl="1"/>
-            <a:endParaRPr lang="en-US" dirty="0"/>
-          </a:p>
-        </p:txBody>
-      </p:sp>
-    </p:spTree>
-    <p:extLst>
-      <p:ext uri="{BB962C8B-B14F-4D97-AF65-F5344CB8AC3E}">
-        <p14:creationId xmlns:p14="http://schemas.microsoft.com/office/powerpoint/2010/main" val="1800058910"/>
-      </p:ext>
-    </p:extLst>
-  </p:cSld>
-  <p:clrMapOvr>
-    <a:masterClrMapping/>
-  </p:clrMapOvr>
-</p:sld>
-</file>
-
-<file path=ppt/slides/slide24.xml><?xml version="1.0" encoding="utf-8"?>
-<p:sld xmlns:a="http://schemas.openxmlformats.org/drawingml/2006/main" xmlns:r="http://schemas.openxmlformats.org/officeDocument/2006/relationships" xmlns:p="http://schemas.openxmlformats.org/presentationml/2006/main">
-  <p:cSld>
-    <p:spTree>
-      <p:nvGrpSpPr>
-        <p:cNvPr id="1" name=""/>
-        <p:cNvGrpSpPr/>
-        <p:nvPr/>
-      </p:nvGrpSpPr>
-      <p:grpSpPr>
-        <a:xfrm>
-          <a:off x="0" y="0"/>
-          <a:ext cx="0" cy="0"/>
-          <a:chOff x="0" y="0"/>
-          <a:chExt cx="0" cy="0"/>
-        </a:xfrm>
-      </p:grpSpPr>
-      <p:sp>
-        <p:nvSpPr>
-          <p:cNvPr id="2" name="Title 1">
-            <a:extLst>
-              <a:ext uri="{FF2B5EF4-FFF2-40B4-BE49-F238E27FC236}">
-                <a16:creationId xmlns:a16="http://schemas.microsoft.com/office/drawing/2014/main" id="{30655409-A592-48F4-8E79-104028B7FA18}"/>
-              </a:ext>
-            </a:extLst>
-          </p:cNvPr>
-          <p:cNvSpPr>
-            <a:spLocks noGrp="1"/>
-          </p:cNvSpPr>
-          <p:nvPr>
-            <p:ph type="title"/>
-          </p:nvPr>
-        </p:nvSpPr>
-        <p:spPr/>
-        <p:txBody>
-          <a:bodyPr>
-            <a:normAutofit/>
-          </a:bodyPr>
-          <a:lstStyle/>
-          <a:p>
-            <a:r>
-              <a:rPr lang="en-US" sz="4000" dirty="0"/>
-              <a:t>Futures Contracts</a:t>
-            </a:r>
-          </a:p>
-        </p:txBody>
-      </p:sp>
-      <p:sp>
-        <p:nvSpPr>
-          <p:cNvPr id="3" name="Content Placeholder 2">
-            <a:extLst>
-              <a:ext uri="{FF2B5EF4-FFF2-40B4-BE49-F238E27FC236}">
-                <a16:creationId xmlns:a16="http://schemas.microsoft.com/office/drawing/2014/main" id="{AE0AAB92-0723-4D51-80D5-C6440ACF13CB}"/>
-              </a:ext>
-            </a:extLst>
-          </p:cNvPr>
-          <p:cNvSpPr>
-            <a:spLocks noGrp="1"/>
-          </p:cNvSpPr>
-          <p:nvPr>
-            <p:ph idx="1"/>
-          </p:nvPr>
-        </p:nvSpPr>
-        <p:spPr/>
-        <p:txBody>
-          <a:bodyPr/>
-          <a:lstStyle/>
-          <a:p>
-            <a:r>
-              <a:rPr lang="en-US" sz="2000" dirty="0"/>
-              <a:t>Definition: A futures contract is a </a:t>
-            </a:r>
-            <a:r>
-              <a:rPr lang="en-US" sz="2000" dirty="0">
-                <a:solidFill>
-                  <a:srgbClr val="FF0000"/>
-                </a:solidFill>
-              </a:rPr>
-              <a:t>standardized</a:t>
-            </a:r>
-            <a:r>
-              <a:rPr lang="en-US" sz="2000" dirty="0"/>
-              <a:t> derivative contract created and traded on </a:t>
-            </a:r>
-            <a:r>
-              <a:rPr lang="en-US" sz="2000" dirty="0">
-                <a:solidFill>
-                  <a:srgbClr val="FF0000"/>
-                </a:solidFill>
-              </a:rPr>
-              <a:t>a futures exchange </a:t>
-            </a:r>
-            <a:r>
-              <a:rPr lang="en-US" sz="2000" dirty="0"/>
-              <a:t>in which </a:t>
-            </a:r>
-            <a:r>
-              <a:rPr lang="en-US" sz="2000" dirty="0">
-                <a:highlight>
-                  <a:srgbClr val="FFFF00"/>
-                </a:highlight>
-              </a:rPr>
-              <a:t>two parties agree that one party, the buyer, will purchase an underlying asset from the other party, the seller, at a later date and at a price agreed on by the two parties when the contract is initiated</a:t>
-            </a:r>
-            <a:r>
-              <a:rPr lang="en-US" sz="2000" dirty="0"/>
-              <a:t> and in which there </a:t>
-            </a:r>
-            <a:r>
-              <a:rPr lang="en-US" sz="2000" dirty="0">
-                <a:solidFill>
-                  <a:schemeClr val="tx1"/>
-                </a:solidFill>
-              </a:rPr>
-              <a:t>is</a:t>
-            </a:r>
-            <a:r>
-              <a:rPr lang="en-US" sz="2000" dirty="0">
-                <a:solidFill>
-                  <a:srgbClr val="FF0000"/>
-                </a:solidFill>
-              </a:rPr>
-              <a:t> </a:t>
-            </a:r>
-            <a:r>
-              <a:rPr lang="en-US" sz="2000" b="1" dirty="0">
-                <a:solidFill>
-                  <a:srgbClr val="FF0000"/>
-                </a:solidFill>
-              </a:rPr>
-              <a:t>a daily settling of gains and losses</a:t>
-            </a:r>
-            <a:r>
-              <a:rPr lang="en-US" sz="2000" b="1" dirty="0"/>
-              <a:t> </a:t>
-            </a:r>
-            <a:r>
-              <a:rPr lang="en-US" sz="2000" dirty="0"/>
-              <a:t>and </a:t>
-            </a:r>
-            <a:r>
-              <a:rPr lang="en-US" sz="2000" b="1" dirty="0">
-                <a:solidFill>
-                  <a:srgbClr val="FF0000"/>
-                </a:solidFill>
-              </a:rPr>
-              <a:t>a credit guarantee by the futures exchange through its clearinghouse</a:t>
-            </a:r>
-            <a:r>
-              <a:rPr lang="en-US" sz="2000" b="1" dirty="0"/>
-              <a:t>.</a:t>
-            </a:r>
-          </a:p>
-          <a:p>
-            <a:endParaRPr lang="en-US" dirty="0"/>
-          </a:p>
-        </p:txBody>
-      </p:sp>
-    </p:spTree>
-    <p:extLst>
-      <p:ext uri="{BB962C8B-B14F-4D97-AF65-F5344CB8AC3E}">
-        <p14:creationId xmlns:p14="http://schemas.microsoft.com/office/powerpoint/2010/main" val="3713870111"/>
-      </p:ext>
-    </p:extLst>
-  </p:cSld>
-  <p:clrMapOvr>
-    <a:masterClrMapping/>
-  </p:clrMapOvr>
-</p:sld>
-</file>
-
-<file path=ppt/slides/slide25.xml><?xml version="1.0" encoding="utf-8"?>
-<p:sld xmlns:a="http://schemas.openxmlformats.org/drawingml/2006/main" xmlns:r="http://schemas.openxmlformats.org/officeDocument/2006/relationships" xmlns:p="http://schemas.openxmlformats.org/presentationml/2006/main">
-  <p:cSld>
-    <p:spTree>
-      <p:nvGrpSpPr>
-        <p:cNvPr id="1" name=""/>
-        <p:cNvGrpSpPr/>
-        <p:nvPr/>
-      </p:nvGrpSpPr>
-      <p:grpSpPr>
-        <a:xfrm>
-          <a:off x="0" y="0"/>
-          <a:ext cx="0" cy="0"/>
-          <a:chOff x="0" y="0"/>
-          <a:chExt cx="0" cy="0"/>
-        </a:xfrm>
-      </p:grpSpPr>
-      <p:sp>
-        <p:nvSpPr>
-          <p:cNvPr id="2" name="Title 1">
-            <a:extLst>
-              <a:ext uri="{FF2B5EF4-FFF2-40B4-BE49-F238E27FC236}">
-                <a16:creationId xmlns:a16="http://schemas.microsoft.com/office/drawing/2014/main" id="{685729BC-51D5-4E36-94B9-E4E11EC99649}"/>
-              </a:ext>
-            </a:extLst>
-          </p:cNvPr>
-          <p:cNvSpPr>
-            <a:spLocks noGrp="1"/>
-          </p:cNvSpPr>
-          <p:nvPr>
-            <p:ph type="title"/>
-          </p:nvPr>
-        </p:nvSpPr>
-        <p:spPr/>
-        <p:txBody>
-          <a:bodyPr>
-            <a:normAutofit/>
-          </a:bodyPr>
-          <a:lstStyle/>
-          <a:p>
-            <a:r>
-              <a:rPr lang="en-US" sz="4000" dirty="0"/>
-              <a:t>Futures Contracts</a:t>
-            </a:r>
-          </a:p>
-        </p:txBody>
-      </p:sp>
-      <p:sp>
-        <p:nvSpPr>
-          <p:cNvPr id="3" name="Content Placeholder 2">
-            <a:extLst>
-              <a:ext uri="{FF2B5EF4-FFF2-40B4-BE49-F238E27FC236}">
-                <a16:creationId xmlns:a16="http://schemas.microsoft.com/office/drawing/2014/main" id="{E068639E-3710-4DD5-8ABA-7C48FE50C7F5}"/>
-              </a:ext>
-            </a:extLst>
-          </p:cNvPr>
-          <p:cNvSpPr>
-            <a:spLocks noGrp="1"/>
-          </p:cNvSpPr>
-          <p:nvPr>
-            <p:ph idx="1"/>
-          </p:nvPr>
-        </p:nvSpPr>
-        <p:spPr/>
-        <p:txBody>
-          <a:bodyPr>
-            <a:normAutofit lnSpcReduction="10000"/>
-          </a:bodyPr>
-          <a:lstStyle/>
-          <a:p>
-            <a:r>
-              <a:rPr lang="en-US" sz="1600" dirty="0"/>
-              <a:t>Futures contracts are specialized versions of forward contracts that have been </a:t>
-            </a:r>
-            <a:r>
-              <a:rPr lang="en-US" sz="1600" dirty="0">
-                <a:solidFill>
-                  <a:srgbClr val="FF0000"/>
-                </a:solidFill>
-              </a:rPr>
-              <a:t>standardized</a:t>
-            </a:r>
-            <a:r>
-              <a:rPr lang="en-US" sz="1600" dirty="0"/>
-              <a:t> and that trade on </a:t>
-            </a:r>
-            <a:r>
-              <a:rPr lang="en-US" sz="1600" dirty="0">
-                <a:solidFill>
-                  <a:srgbClr val="FF0000"/>
-                </a:solidFill>
-              </a:rPr>
-              <a:t>a futures exchange</a:t>
-            </a:r>
-            <a:r>
-              <a:rPr lang="en-US" sz="1600" dirty="0"/>
-              <a:t>.</a:t>
-            </a:r>
-          </a:p>
-          <a:p>
-            <a:r>
-              <a:rPr lang="en-US" dirty="0"/>
-              <a:t>Futures exchanges </a:t>
-            </a:r>
-            <a:r>
-              <a:rPr lang="en-US" dirty="0">
-                <a:solidFill>
-                  <a:srgbClr val="FF0000"/>
-                </a:solidFill>
-              </a:rPr>
-              <a:t>are highly regulated </a:t>
-            </a:r>
-            <a:r>
-              <a:rPr lang="en-US" dirty="0"/>
-              <a:t>at the national level in all countries.</a:t>
-            </a:r>
-            <a:endParaRPr lang="en-US" sz="1600" dirty="0"/>
-          </a:p>
-          <a:p>
-            <a:r>
-              <a:rPr lang="en-US" sz="1600" dirty="0"/>
-              <a:t>Probably the most important distinctive characteristic of futures contracts is the </a:t>
-            </a:r>
-            <a:r>
-              <a:rPr lang="en-US" sz="1600" dirty="0">
-                <a:solidFill>
-                  <a:srgbClr val="FF0000"/>
-                </a:solidFill>
-              </a:rPr>
-              <a:t>daily settlement of gains and losses and the associated credit guarantee </a:t>
-            </a:r>
-            <a:r>
-              <a:rPr lang="en-US" sz="1600" dirty="0"/>
-              <a:t>provided by the exchange through its clearinghouse.</a:t>
-            </a:r>
-          </a:p>
-          <a:p>
-            <a:r>
-              <a:rPr lang="en-US" sz="1600" dirty="0"/>
-              <a:t>At the end of each day, the clearinghouse engages in a practice called </a:t>
-            </a:r>
-            <a:r>
-              <a:rPr lang="en-US" sz="1600" dirty="0">
-                <a:solidFill>
-                  <a:srgbClr val="FF0000"/>
-                </a:solidFill>
-              </a:rPr>
-              <a:t>mark to market</a:t>
-            </a:r>
-            <a:r>
-              <a:rPr lang="en-US" sz="1600" dirty="0"/>
-              <a:t>, also known as the </a:t>
-            </a:r>
-            <a:r>
-              <a:rPr lang="en-US" sz="1600" dirty="0">
-                <a:solidFill>
-                  <a:srgbClr val="FF0000"/>
-                </a:solidFill>
-              </a:rPr>
-              <a:t>daily settlement</a:t>
-            </a:r>
-            <a:r>
-              <a:rPr lang="en-US" sz="1600" dirty="0"/>
-              <a:t>.</a:t>
-            </a:r>
-          </a:p>
-          <a:p>
-            <a:r>
-              <a:rPr lang="en-US" dirty="0"/>
-              <a:t>The account is specifically referred to as a </a:t>
-            </a:r>
-            <a:r>
-              <a:rPr lang="en-US" dirty="0">
-                <a:solidFill>
-                  <a:srgbClr val="FF0000"/>
-                </a:solidFill>
-              </a:rPr>
-              <a:t>margin</a:t>
-            </a:r>
-            <a:r>
-              <a:rPr lang="en-US" b="1" dirty="0"/>
-              <a:t> </a:t>
-            </a:r>
-            <a:r>
-              <a:rPr lang="en-US" dirty="0"/>
-              <a:t>account.</a:t>
-            </a:r>
-          </a:p>
-          <a:p>
-            <a:pPr lvl="1"/>
-            <a:r>
-              <a:rPr lang="en-US" dirty="0"/>
-              <a:t>Initial margin</a:t>
-            </a:r>
-          </a:p>
-          <a:p>
-            <a:pPr lvl="1"/>
-            <a:r>
-              <a:rPr lang="en-US" dirty="0"/>
-              <a:t>Maintenance margin</a:t>
-            </a:r>
-          </a:p>
-          <a:p>
-            <a:pPr lvl="1"/>
-            <a:r>
-              <a:rPr lang="en-US" dirty="0"/>
-              <a:t>Margin call</a:t>
-            </a:r>
-          </a:p>
-          <a:p>
-            <a:endParaRPr lang="en-US" sz="1600" dirty="0"/>
-          </a:p>
-          <a:p>
-            <a:endParaRPr lang="en-US" sz="1600" dirty="0"/>
-          </a:p>
-          <a:p>
-            <a:endParaRPr lang="en-US" sz="1600" dirty="0"/>
-          </a:p>
-        </p:txBody>
-      </p:sp>
-    </p:spTree>
-    <p:extLst>
-      <p:ext uri="{BB962C8B-B14F-4D97-AF65-F5344CB8AC3E}">
-        <p14:creationId xmlns:p14="http://schemas.microsoft.com/office/powerpoint/2010/main" val="2509196955"/>
-      </p:ext>
-    </p:extLst>
-  </p:cSld>
-  <p:clrMapOvr>
-    <a:masterClrMapping/>
-  </p:clrMapOvr>
-</p:sld>
-</file>
-
-<file path=ppt/slides/slide26.xml><?xml version="1.0" encoding="utf-8"?>
-<p:sld xmlns:a="http://schemas.openxmlformats.org/drawingml/2006/main" xmlns:r="http://schemas.openxmlformats.org/officeDocument/2006/relationships" xmlns:p="http://schemas.openxmlformats.org/presentationml/2006/main">
-  <p:cSld>
-    <p:spTree>
-      <p:nvGrpSpPr>
-        <p:cNvPr id="1" name=""/>
-        <p:cNvGrpSpPr/>
-        <p:nvPr/>
-      </p:nvGrpSpPr>
-      <p:grpSpPr>
-        <a:xfrm>
-          <a:off x="0" y="0"/>
-          <a:ext cx="0" cy="0"/>
-          <a:chOff x="0" y="0"/>
-          <a:chExt cx="0" cy="0"/>
-        </a:xfrm>
-      </p:grpSpPr>
-      <p:sp>
-        <p:nvSpPr>
-          <p:cNvPr id="2" name="Title 1">
-            <a:extLst>
-              <a:ext uri="{FF2B5EF4-FFF2-40B4-BE49-F238E27FC236}">
                 <a16:creationId xmlns:a16="http://schemas.microsoft.com/office/drawing/2014/main" id="{B0FF3234-8F1E-4BFE-9268-0D0B78A49381}"/>
               </a:ext>
             </a:extLst>
@@ -9137,7 +8602,7 @@
           <a:p>
             <a:r>
               <a:rPr lang="en-US" sz="4000" dirty="0"/>
-              <a:t>Futures Contracts</a:t>
+              <a:t>Pricing and Valuation of Futures</a:t>
             </a:r>
           </a:p>
         </p:txBody>
@@ -9160,8 +8625,8 @@
         </p:nvSpPr>
         <p:spPr>
           <a:xfrm>
-            <a:off x="677334" y="1714269"/>
-            <a:ext cx="8596668" cy="3880773"/>
+            <a:off x="677334" y="1930400"/>
+            <a:ext cx="8596668" cy="3664642"/>
           </a:xfrm>
         </p:spPr>
         <p:txBody>
@@ -9170,15 +8635,7 @@
           <a:p>
             <a:r>
               <a:rPr lang="en-US" altLang="zh-CN" dirty="0"/>
-              <a:t>Futures price=</a:t>
-            </a:r>
-            <a:r>
-              <a:rPr lang="en-US" dirty="0"/>
-              <a:t>5.5,</a:t>
-            </a:r>
-            <a:r>
-              <a:rPr lang="en-US" altLang="zh-CN" dirty="0"/>
-              <a:t>quantity=20,initial margin=11,maintenance margin=6</a:t>
+              <a:t>Futures price=110, initial margin=11, maintenance margin=6</a:t>
             </a:r>
           </a:p>
           <a:p>
@@ -9204,13 +8661,13 @@
           <p:nvPr>
             <p:extLst>
               <p:ext uri="{D42A27DB-BD31-4B8C-83A1-F6EECF244321}">
-                <p14:modId xmlns:p14="http://schemas.microsoft.com/office/powerpoint/2010/main" val="4175775852"/>
+                <p14:modId xmlns:p14="http://schemas.microsoft.com/office/powerpoint/2010/main" val="715523458"/>
               </p:ext>
             </p:extLst>
           </p:nvPr>
         </p:nvGraphicFramePr>
         <p:xfrm>
-          <a:off x="677334" y="2287124"/>
+          <a:off x="677334" y="2445413"/>
           <a:ext cx="8795280" cy="4412587"/>
         </p:xfrm>
         <a:graphic>
@@ -9403,7 +8860,7 @@
                     <a:p>
                       <a:r>
                         <a:rPr lang="en-US" dirty="0"/>
-                        <a:t>5.5</a:t>
+                        <a:t>110</a:t>
                       </a:r>
                     </a:p>
                   </a:txBody>
@@ -9488,7 +8945,7 @@
                     <a:p>
                       <a:r>
                         <a:rPr lang="en-US" dirty="0"/>
-                        <a:t>5.4</a:t>
+                        <a:t>108</a:t>
                       </a:r>
                     </a:p>
                   </a:txBody>
@@ -9573,7 +9030,7 @@
                     <a:p>
                       <a:r>
                         <a:rPr lang="en-US" dirty="0"/>
-                        <a:t>5.2</a:t>
+                        <a:t>104</a:t>
                       </a:r>
                     </a:p>
                   </a:txBody>
@@ -9658,7 +9115,7 @@
                     <a:p>
                       <a:r>
                         <a:rPr lang="en-US" dirty="0"/>
-                        <a:t>5.0</a:t>
+                        <a:t>100</a:t>
                       </a:r>
                     </a:p>
                   </a:txBody>
@@ -9743,7 +9200,7 @@
                     <a:p>
                       <a:r>
                         <a:rPr lang="en-US" dirty="0"/>
-                        <a:t>5.1</a:t>
+                        <a:t>102</a:t>
                       </a:r>
                     </a:p>
                   </a:txBody>
@@ -9828,7 +9285,7 @@
                     <a:p>
                       <a:r>
                         <a:rPr lang="en-US" dirty="0"/>
-                        <a:t>4.9</a:t>
+                        <a:t>98</a:t>
                       </a:r>
                     </a:p>
                   </a:txBody>
@@ -9913,7 +9370,7 @@
                     <a:p>
                       <a:r>
                         <a:rPr lang="en-US" dirty="0"/>
-                        <a:t>5.0</a:t>
+                        <a:t>100</a:t>
                       </a:r>
                     </a:p>
                   </a:txBody>
@@ -9968,6 +9425,328 @@
 </p:sld>
 </file>
 
+<file path=ppt/slides/slide24.xml><?xml version="1.0" encoding="utf-8"?>
+<p:sld xmlns:a="http://schemas.openxmlformats.org/drawingml/2006/main" xmlns:r="http://schemas.openxmlformats.org/officeDocument/2006/relationships" xmlns:p="http://schemas.openxmlformats.org/presentationml/2006/main">
+  <p:cSld>
+    <p:spTree>
+      <p:nvGrpSpPr>
+        <p:cNvPr id="1" name=""/>
+        <p:cNvGrpSpPr/>
+        <p:nvPr/>
+      </p:nvGrpSpPr>
+      <p:grpSpPr>
+        <a:xfrm>
+          <a:off x="0" y="0"/>
+          <a:ext cx="0" cy="0"/>
+          <a:chOff x="0" y="0"/>
+          <a:chExt cx="0" cy="0"/>
+        </a:xfrm>
+      </p:grpSpPr>
+      <p:sp>
+        <p:nvSpPr>
+          <p:cNvPr id="2" name="Title 1">
+            <a:extLst>
+              <a:ext uri="{FF2B5EF4-FFF2-40B4-BE49-F238E27FC236}">
+                <a16:creationId xmlns:a16="http://schemas.microsoft.com/office/drawing/2014/main" id="{685729BC-51D5-4E36-94B9-E4E11EC99649}"/>
+              </a:ext>
+            </a:extLst>
+          </p:cNvPr>
+          <p:cNvSpPr>
+            <a:spLocks noGrp="1"/>
+          </p:cNvSpPr>
+          <p:nvPr>
+            <p:ph type="title"/>
+          </p:nvPr>
+        </p:nvSpPr>
+        <p:spPr/>
+        <p:txBody>
+          <a:bodyPr>
+            <a:normAutofit/>
+          </a:bodyPr>
+          <a:lstStyle/>
+          <a:p>
+            <a:r>
+              <a:rPr lang="en-US" sz="4000" dirty="0"/>
+              <a:t>Pricing and Valuation of Futures</a:t>
+            </a:r>
+          </a:p>
+        </p:txBody>
+      </p:sp>
+      <p:sp>
+        <p:nvSpPr>
+          <p:cNvPr id="3" name="Content Placeholder 2">
+            <a:extLst>
+              <a:ext uri="{FF2B5EF4-FFF2-40B4-BE49-F238E27FC236}">
+                <a16:creationId xmlns:a16="http://schemas.microsoft.com/office/drawing/2014/main" id="{E068639E-3710-4DD5-8ABA-7C48FE50C7F5}"/>
+              </a:ext>
+            </a:extLst>
+          </p:cNvPr>
+          <p:cNvSpPr>
+            <a:spLocks noGrp="1"/>
+          </p:cNvSpPr>
+          <p:nvPr>
+            <p:ph idx="1"/>
+          </p:nvPr>
+        </p:nvSpPr>
+        <p:spPr/>
+        <p:txBody>
+          <a:bodyPr>
+            <a:normAutofit/>
+          </a:bodyPr>
+          <a:lstStyle/>
+          <a:p>
+            <a:r>
+              <a:rPr lang="en-US" sz="2400" dirty="0"/>
+              <a:t>The value of a futures contract is the accumulated gain or loss on a futures contract since its previous day’s settlement.</a:t>
+            </a:r>
+          </a:p>
+          <a:p>
+            <a:r>
+              <a:rPr lang="en-US" sz="2400" dirty="0"/>
+              <a:t>When that value is paid out in the daily settlement, the futures price is effectively reset to the settlement price and the value goes to zero.</a:t>
+            </a:r>
+          </a:p>
+          <a:p>
+            <a:endParaRPr lang="en-US" sz="1600" dirty="0"/>
+          </a:p>
+        </p:txBody>
+      </p:sp>
+    </p:spTree>
+    <p:extLst>
+      <p:ext uri="{BB962C8B-B14F-4D97-AF65-F5344CB8AC3E}">
+        <p14:creationId xmlns:p14="http://schemas.microsoft.com/office/powerpoint/2010/main" val="2509196955"/>
+      </p:ext>
+    </p:extLst>
+  </p:cSld>
+  <p:clrMapOvr>
+    <a:masterClrMapping/>
+  </p:clrMapOvr>
+</p:sld>
+</file>
+
+<file path=ppt/slides/slide25.xml><?xml version="1.0" encoding="utf-8"?>
+<p:sld xmlns:a="http://schemas.openxmlformats.org/drawingml/2006/main" xmlns:r="http://schemas.openxmlformats.org/officeDocument/2006/relationships" xmlns:p="http://schemas.openxmlformats.org/presentationml/2006/main">
+  <p:cSld>
+    <p:spTree>
+      <p:nvGrpSpPr>
+        <p:cNvPr id="1" name=""/>
+        <p:cNvGrpSpPr/>
+        <p:nvPr/>
+      </p:nvGrpSpPr>
+      <p:grpSpPr>
+        <a:xfrm>
+          <a:off x="0" y="0"/>
+          <a:ext cx="0" cy="0"/>
+          <a:chOff x="0" y="0"/>
+          <a:chExt cx="0" cy="0"/>
+        </a:xfrm>
+      </p:grpSpPr>
+      <p:sp>
+        <p:nvSpPr>
+          <p:cNvPr id="2" name="Title 1">
+            <a:extLst>
+              <a:ext uri="{FF2B5EF4-FFF2-40B4-BE49-F238E27FC236}">
+                <a16:creationId xmlns:a16="http://schemas.microsoft.com/office/drawing/2014/main" id="{14484C2F-800D-4982-A5D7-634F24D26196}"/>
+              </a:ext>
+            </a:extLst>
+          </p:cNvPr>
+          <p:cNvSpPr>
+            <a:spLocks noGrp="1"/>
+          </p:cNvSpPr>
+          <p:nvPr>
+            <p:ph type="title"/>
+          </p:nvPr>
+        </p:nvSpPr>
+        <p:spPr/>
+        <p:txBody>
+          <a:bodyPr>
+            <a:normAutofit/>
+          </a:bodyPr>
+          <a:lstStyle/>
+          <a:p>
+            <a:r>
+              <a:rPr lang="en-US" sz="4000" dirty="0"/>
+              <a:t>Pricing and Valuation of Futures</a:t>
+            </a:r>
+          </a:p>
+        </p:txBody>
+      </p:sp>
+      <p:sp>
+        <p:nvSpPr>
+          <p:cNvPr id="3" name="Content Placeholder 2">
+            <a:extLst>
+              <a:ext uri="{FF2B5EF4-FFF2-40B4-BE49-F238E27FC236}">
+                <a16:creationId xmlns:a16="http://schemas.microsoft.com/office/drawing/2014/main" id="{C64F03B5-7BE9-4AE6-98EC-7FA9289B2706}"/>
+              </a:ext>
+            </a:extLst>
+          </p:cNvPr>
+          <p:cNvSpPr>
+            <a:spLocks noGrp="1"/>
+          </p:cNvSpPr>
+          <p:nvPr>
+            <p:ph idx="1"/>
+          </p:nvPr>
+        </p:nvSpPr>
+        <p:spPr/>
+        <p:txBody>
+          <a:bodyPr>
+            <a:normAutofit/>
+          </a:bodyPr>
+          <a:lstStyle/>
+          <a:p>
+            <a:r>
+              <a:rPr lang="en-US" sz="2400" dirty="0"/>
+              <a:t>The different patterns of cash flows for forwards and futures can lead to differences in the pricing of forwards versus futures. But there are some conditions under which the pricing is the same.</a:t>
+            </a:r>
+          </a:p>
+          <a:p>
+            <a:r>
+              <a:rPr lang="en-US" sz="2400" dirty="0"/>
+              <a:t>1. The interest rates were constant.</a:t>
+            </a:r>
+          </a:p>
+          <a:p>
+            <a:r>
+              <a:rPr lang="en-US" sz="2400" dirty="0"/>
+              <a:t>2. Futures prices and interest rates are uncorrelated.</a:t>
+            </a:r>
+          </a:p>
+          <a:p>
+            <a:endParaRPr lang="en-US" sz="2400" dirty="0"/>
+          </a:p>
+        </p:txBody>
+      </p:sp>
+    </p:spTree>
+    <p:extLst>
+      <p:ext uri="{BB962C8B-B14F-4D97-AF65-F5344CB8AC3E}">
+        <p14:creationId xmlns:p14="http://schemas.microsoft.com/office/powerpoint/2010/main" val="792941826"/>
+      </p:ext>
+    </p:extLst>
+  </p:cSld>
+  <p:clrMapOvr>
+    <a:masterClrMapping/>
+  </p:clrMapOvr>
+</p:sld>
+</file>
+
+<file path=ppt/slides/slide26.xml><?xml version="1.0" encoding="utf-8"?>
+<p:sld xmlns:a="http://schemas.openxmlformats.org/drawingml/2006/main" xmlns:r="http://schemas.openxmlformats.org/officeDocument/2006/relationships" xmlns:p="http://schemas.openxmlformats.org/presentationml/2006/main">
+  <p:cSld>
+    <p:spTree>
+      <p:nvGrpSpPr>
+        <p:cNvPr id="1" name=""/>
+        <p:cNvGrpSpPr/>
+        <p:nvPr/>
+      </p:nvGrpSpPr>
+      <p:grpSpPr>
+        <a:xfrm>
+          <a:off x="0" y="0"/>
+          <a:ext cx="0" cy="0"/>
+          <a:chOff x="0" y="0"/>
+          <a:chExt cx="0" cy="0"/>
+        </a:xfrm>
+      </p:grpSpPr>
+      <p:sp>
+        <p:nvSpPr>
+          <p:cNvPr id="2" name="Title 1">
+            <a:extLst>
+              <a:ext uri="{FF2B5EF4-FFF2-40B4-BE49-F238E27FC236}">
+                <a16:creationId xmlns:a16="http://schemas.microsoft.com/office/drawing/2014/main" id="{868EF407-2574-4B35-9BD2-D18E389756CF}"/>
+              </a:ext>
+            </a:extLst>
+          </p:cNvPr>
+          <p:cNvSpPr>
+            <a:spLocks noGrp="1"/>
+          </p:cNvSpPr>
+          <p:nvPr>
+            <p:ph type="title"/>
+          </p:nvPr>
+        </p:nvSpPr>
+        <p:spPr/>
+        <p:txBody>
+          <a:bodyPr>
+            <a:normAutofit/>
+          </a:bodyPr>
+          <a:lstStyle/>
+          <a:p>
+            <a:r>
+              <a:rPr lang="en-US" sz="4000" dirty="0"/>
+              <a:t>Pricing and Valuation of Futures</a:t>
+            </a:r>
+          </a:p>
+        </p:txBody>
+      </p:sp>
+      <p:sp>
+        <p:nvSpPr>
+          <p:cNvPr id="3" name="Content Placeholder 2">
+            <a:extLst>
+              <a:ext uri="{FF2B5EF4-FFF2-40B4-BE49-F238E27FC236}">
+                <a16:creationId xmlns:a16="http://schemas.microsoft.com/office/drawing/2014/main" id="{C61E596C-B255-4603-A253-09A023F0B2FA}"/>
+              </a:ext>
+            </a:extLst>
+          </p:cNvPr>
+          <p:cNvSpPr>
+            <a:spLocks noGrp="1"/>
+          </p:cNvSpPr>
+          <p:nvPr>
+            <p:ph idx="1"/>
+          </p:nvPr>
+        </p:nvSpPr>
+        <p:spPr/>
+        <p:txBody>
+          <a:bodyPr>
+            <a:normAutofit/>
+          </a:bodyPr>
+          <a:lstStyle/>
+          <a:p>
+            <a:r>
+              <a:rPr lang="en-US" sz="2400" dirty="0"/>
+              <a:t>Futures price and interest rate(long position)</a:t>
+            </a:r>
+          </a:p>
+          <a:p>
+            <a:pPr lvl="1"/>
+            <a:r>
+              <a:rPr lang="en-US" sz="2400" dirty="0"/>
+              <a:t>Positive correlation</a:t>
+            </a:r>
+          </a:p>
+          <a:p>
+            <a:pPr lvl="2"/>
+            <a:r>
+              <a:rPr lang="en-US" sz="2400" dirty="0"/>
+              <a:t>Futures price &gt; forward price</a:t>
+            </a:r>
+          </a:p>
+          <a:p>
+            <a:pPr lvl="1"/>
+            <a:r>
+              <a:rPr lang="en-US" sz="2400" dirty="0"/>
+              <a:t>Negative correlation</a:t>
+            </a:r>
+          </a:p>
+          <a:p>
+            <a:pPr lvl="2"/>
+            <a:r>
+              <a:rPr lang="en-US" sz="2400" dirty="0"/>
+              <a:t>Futures price &lt; forward price</a:t>
+            </a:r>
+          </a:p>
+        </p:txBody>
+      </p:sp>
+    </p:spTree>
+    <p:extLst>
+      <p:ext uri="{BB962C8B-B14F-4D97-AF65-F5344CB8AC3E}">
+        <p14:creationId xmlns:p14="http://schemas.microsoft.com/office/powerpoint/2010/main" val="3570980267"/>
+      </p:ext>
+    </p:extLst>
+  </p:cSld>
+  <p:clrMapOvr>
+    <a:masterClrMapping/>
+  </p:clrMapOvr>
+</p:sld>
+</file>
+
 <file path=ppt/slides/slide27.xml><?xml version="1.0" encoding="utf-8"?>
 <p:sld xmlns:a="http://schemas.openxmlformats.org/drawingml/2006/main" xmlns:r="http://schemas.openxmlformats.org/officeDocument/2006/relationships" xmlns:p="http://schemas.openxmlformats.org/presentationml/2006/main">
   <p:cSld>
@@ -9990,7 +9769,7 @@
           <p:cNvPr id="2" name="Title 1">
             <a:extLst>
               <a:ext uri="{FF2B5EF4-FFF2-40B4-BE49-F238E27FC236}">
-                <a16:creationId xmlns:a16="http://schemas.microsoft.com/office/drawing/2014/main" id="{03B74068-6BBF-4ABD-B9AD-D16B9AC0E5F0}"/>
+                <a16:creationId xmlns:a16="http://schemas.microsoft.com/office/drawing/2014/main" id="{D499153B-028B-47A5-A492-AA523CDBD1D8}"/>
               </a:ext>
             </a:extLst>
           </p:cNvPr>
@@ -10010,7 +9789,7 @@
           <a:p>
             <a:r>
               <a:rPr lang="en-US" sz="4000" dirty="0"/>
-              <a:t>Futures Contracts</a:t>
+              <a:t>Practices</a:t>
             </a:r>
           </a:p>
         </p:txBody>
@@ -10020,7 +9799,7 @@
           <p:cNvPr id="3" name="Content Placeholder 2">
             <a:extLst>
               <a:ext uri="{FF2B5EF4-FFF2-40B4-BE49-F238E27FC236}">
-                <a16:creationId xmlns:a16="http://schemas.microsoft.com/office/drawing/2014/main" id="{2A854D74-DA2F-4595-9853-9134A8A7FE9C}"/>
+                <a16:creationId xmlns:a16="http://schemas.microsoft.com/office/drawing/2014/main" id="{992956AB-C35F-4935-A84C-EA0B708AD560}"/>
               </a:ext>
             </a:extLst>
           </p:cNvPr>
@@ -10033,92 +9812,70 @@
         </p:nvSpPr>
         <p:spPr/>
         <p:txBody>
-          <a:bodyPr/>
-          <a:lstStyle/>
-          <a:p>
-            <a:r>
-              <a:rPr lang="en-US" dirty="0"/>
-              <a:t>By standardizing these contracts and creating an organized market with rules, regulations, and a central clearing facility, the futures markets offer an element of </a:t>
-            </a:r>
-            <a:r>
-              <a:rPr lang="en-US" dirty="0">
-                <a:solidFill>
-                  <a:srgbClr val="FF0000"/>
-                </a:solidFill>
-              </a:rPr>
-              <a:t>liquidity</a:t>
-            </a:r>
-            <a:r>
-              <a:rPr lang="en-US" dirty="0"/>
-              <a:t> and </a:t>
-            </a:r>
-            <a:r>
-              <a:rPr lang="en-US" dirty="0">
-                <a:solidFill>
-                  <a:srgbClr val="FF0000"/>
-                </a:solidFill>
-              </a:rPr>
-              <a:t>protection against loss by default</a:t>
-            </a:r>
-            <a:r>
-              <a:rPr lang="en-US" dirty="0"/>
-              <a:t>.</a:t>
-            </a:r>
-            <a:endParaRPr lang="en-US" dirty="0">
-              <a:solidFill>
-                <a:srgbClr val="FF0000"/>
-              </a:solidFill>
-            </a:endParaRPr>
-          </a:p>
-          <a:p>
-            <a:r>
-              <a:rPr lang="en-US" dirty="0"/>
-              <a:t>Futures markets can be used for </a:t>
-            </a:r>
-            <a:r>
-              <a:rPr lang="en-US" dirty="0">
-                <a:solidFill>
-                  <a:srgbClr val="FF0000"/>
-                </a:solidFill>
-              </a:rPr>
-              <a:t>hedging or speculation.</a:t>
-            </a:r>
-          </a:p>
-          <a:p>
-            <a:r>
-              <a:rPr lang="en-US" dirty="0">
-                <a:solidFill>
-                  <a:schemeClr val="tx1"/>
-                </a:solidFill>
-              </a:rPr>
-              <a:t>This required margin is typically </a:t>
-            </a:r>
-            <a:r>
-              <a:rPr lang="en-US" dirty="0">
-                <a:solidFill>
-                  <a:srgbClr val="FF0000"/>
-                </a:solidFill>
-              </a:rPr>
-              <a:t>less than 10% </a:t>
-            </a:r>
-            <a:r>
-              <a:rPr lang="en-US" dirty="0">
-                <a:solidFill>
-                  <a:schemeClr val="tx1"/>
-                </a:solidFill>
-              </a:rPr>
-              <a:t>of the futures price, which is considerably less than in equity margin trading.</a:t>
-            </a:r>
-          </a:p>
-          <a:p>
-            <a:endParaRPr lang="en-US" dirty="0"/>
+          <a:bodyPr>
+            <a:normAutofit/>
+          </a:bodyPr>
+          <a:lstStyle/>
+          <a:p>
+            <a:r>
+              <a:rPr lang="en-US" dirty="0"/>
+              <a:t>1 Which of the following best describes how futures contract payoffs differ from forward contract payoffs?</a:t>
+            </a:r>
+          </a:p>
+          <a:p>
+            <a:pPr lvl="1"/>
+            <a:r>
+              <a:rPr lang="en-US" dirty="0"/>
+              <a:t>A Forward contract payoffs are larger.</a:t>
+            </a:r>
+          </a:p>
+          <a:p>
+            <a:pPr lvl="1"/>
+            <a:r>
+              <a:rPr lang="en-US" dirty="0"/>
+              <a:t>B They are equal, ignoring the time value of money.</a:t>
+            </a:r>
+          </a:p>
+          <a:p>
+            <a:pPr lvl="1"/>
+            <a:r>
+              <a:rPr lang="en-US" dirty="0"/>
+              <a:t>C Futures contract payoffs are larger if the underlying is a commodity.</a:t>
+            </a:r>
+          </a:p>
+          <a:p>
+            <a:r>
+              <a:rPr lang="en-US" dirty="0"/>
+              <a:t>2 Which of the following conditions will not make futures and forward prices equivalent?</a:t>
+            </a:r>
+          </a:p>
+          <a:p>
+            <a:pPr lvl="1"/>
+            <a:r>
+              <a:rPr lang="en-US" dirty="0"/>
+              <a:t>A Interest rates are constant.</a:t>
+            </a:r>
+          </a:p>
+          <a:p>
+            <a:pPr lvl="1"/>
+            <a:r>
+              <a:rPr lang="en-US" dirty="0"/>
+              <a:t>B Futures prices are uncorrelated with interest rates.</a:t>
+            </a:r>
+          </a:p>
+          <a:p>
+            <a:pPr lvl="1"/>
+            <a:r>
+              <a:rPr lang="en-US" dirty="0"/>
+              <a:t>C The volatility of the forward price is different from the volatility of the futures price.</a:t>
+            </a:r>
           </a:p>
         </p:txBody>
       </p:sp>
     </p:spTree>
     <p:extLst>
       <p:ext uri="{BB962C8B-B14F-4D97-AF65-F5344CB8AC3E}">
-        <p14:creationId xmlns:p14="http://schemas.microsoft.com/office/powerpoint/2010/main" val="3202081378"/>
+        <p14:creationId xmlns:p14="http://schemas.microsoft.com/office/powerpoint/2010/main" val="3677763063"/>
       </p:ext>
     </p:extLst>
   </p:cSld>
@@ -10150,7 +9907,7 @@
           <p:cNvPr id="2" name="Title 1">
             <a:extLst>
               <a:ext uri="{FF2B5EF4-FFF2-40B4-BE49-F238E27FC236}">
-                <a16:creationId xmlns:a16="http://schemas.microsoft.com/office/drawing/2014/main" id="{71773D5B-9701-4D72-BA13-CDAC04768441}"/>
+                <a16:creationId xmlns:a16="http://schemas.microsoft.com/office/drawing/2014/main" id="{2D04E4A3-D7C6-4C8A-970F-F002E7DD0C8C}"/>
               </a:ext>
             </a:extLst>
           </p:cNvPr>
@@ -10170,7 +9927,7 @@
           <a:p>
             <a:r>
               <a:rPr lang="en-US" sz="4000" dirty="0"/>
-              <a:t>Futures Contracts</a:t>
+              <a:t>Practices</a:t>
             </a:r>
           </a:p>
         </p:txBody>
@@ -10180,7 +9937,7 @@
           <p:cNvPr id="3" name="Content Placeholder 2">
             <a:extLst>
               <a:ext uri="{FF2B5EF4-FFF2-40B4-BE49-F238E27FC236}">
-                <a16:creationId xmlns:a16="http://schemas.microsoft.com/office/drawing/2014/main" id="{3338877D-1A2F-4D85-9482-5E239F1DB11E}"/>
+                <a16:creationId xmlns:a16="http://schemas.microsoft.com/office/drawing/2014/main" id="{8ACCB2AF-A022-46AE-9D11-6261789B2A33}"/>
               </a:ext>
             </a:extLst>
           </p:cNvPr>
@@ -10193,87 +9950,43 @@
         </p:nvSpPr>
         <p:spPr/>
         <p:txBody>
-          <a:bodyPr/>
-          <a:lstStyle/>
-          <a:p>
-            <a:r>
-              <a:rPr lang="en-US" dirty="0"/>
-              <a:t>Characteristics:</a:t>
+          <a:bodyPr>
+            <a:normAutofit/>
+          </a:bodyPr>
+          <a:lstStyle/>
+          <a:p>
+            <a:r>
+              <a:rPr lang="en-US" sz="2400" dirty="0"/>
+              <a:t>3 With respect to the value of a futures contract, which of the following statements is most accurate? The value is the:</a:t>
             </a:r>
           </a:p>
           <a:p>
             <a:pPr lvl="1"/>
             <a:r>
-              <a:rPr lang="en-US" dirty="0"/>
-              <a:t>Some futures contracts contain a provision limiting price changes. These rules, called </a:t>
-            </a:r>
-            <a:r>
-              <a:rPr lang="en-US" dirty="0">
-                <a:solidFill>
-                  <a:srgbClr val="FF0000"/>
-                </a:solidFill>
-              </a:rPr>
-              <a:t>price limits</a:t>
-            </a:r>
-            <a:r>
-              <a:rPr lang="en-US" dirty="0"/>
-              <a:t>, establish a band relative to the previous day’s settlement price, within which all trades must occur.</a:t>
+              <a:rPr lang="en-US" sz="2400" dirty="0"/>
+              <a:t>A futures price minus the spot price.</a:t>
             </a:r>
           </a:p>
           <a:p>
             <a:pPr lvl="1"/>
             <a:r>
-              <a:rPr lang="en-US" dirty="0"/>
-              <a:t>Most participants in futures markets buy and sell contracts, collecting their profits and incurring their losses, with no ultimate intent to make or take delivery of the underlying asset.</a:t>
+              <a:rPr lang="en-US" sz="2400" dirty="0"/>
+              <a:t>B present value of the expected payoff at expiration.</a:t>
             </a:r>
           </a:p>
           <a:p>
             <a:pPr lvl="1"/>
             <a:r>
-              <a:rPr lang="en-US" dirty="0"/>
-              <a:t>At any given time, the number of outstanding contracts is called the </a:t>
-            </a:r>
-            <a:r>
-              <a:rPr lang="en-US" dirty="0">
-                <a:solidFill>
-                  <a:srgbClr val="FF0000"/>
-                </a:solidFill>
-              </a:rPr>
-              <a:t>open interest</a:t>
-            </a:r>
-            <a:r>
-              <a:rPr lang="en-US" dirty="0"/>
-              <a:t>.</a:t>
-            </a:r>
-          </a:p>
-          <a:p>
-            <a:pPr lvl="1"/>
-            <a:r>
-              <a:rPr lang="en-US" i="1" dirty="0"/>
-              <a:t>The futures price </a:t>
-            </a:r>
-            <a:r>
-              <a:rPr lang="en-US" i="1" dirty="0">
-                <a:solidFill>
-                  <a:srgbClr val="FF0000"/>
-                </a:solidFill>
-              </a:rPr>
-              <a:t>converges to</a:t>
-            </a:r>
-            <a:r>
-              <a:rPr lang="en-US" i="1" dirty="0"/>
-              <a:t> the spot price at expiration.</a:t>
-            </a:r>
-          </a:p>
-          <a:p>
-            <a:endParaRPr lang="en-US" dirty="0"/>
+              <a:rPr lang="en-US" sz="2400" dirty="0"/>
+              <a:t>C accumulated gain since the previous settlement, which resets to zero upon settlement.</a:t>
+            </a:r>
           </a:p>
         </p:txBody>
       </p:sp>
     </p:spTree>
     <p:extLst>
       <p:ext uri="{BB962C8B-B14F-4D97-AF65-F5344CB8AC3E}">
-        <p14:creationId xmlns:p14="http://schemas.microsoft.com/office/powerpoint/2010/main" val="3563469856"/>
+        <p14:creationId xmlns:p14="http://schemas.microsoft.com/office/powerpoint/2010/main" val="3690521963"/>
       </p:ext>
     </p:extLst>
   </p:cSld>
@@ -10305,7 +10018,7 @@
           <p:cNvPr id="2" name="Title 1">
             <a:extLst>
               <a:ext uri="{FF2B5EF4-FFF2-40B4-BE49-F238E27FC236}">
-                <a16:creationId xmlns:a16="http://schemas.microsoft.com/office/drawing/2014/main" id="{81EA5ABE-2896-425B-8A6B-C6798473399B}"/>
+                <a16:creationId xmlns:a16="http://schemas.microsoft.com/office/drawing/2014/main" id="{3B6DC5E5-B49D-4096-80C1-B8052495A474}"/>
               </a:ext>
             </a:extLst>
           </p:cNvPr>
@@ -10325,7 +10038,7 @@
           <a:p>
             <a:r>
               <a:rPr lang="en-US" sz="4000" dirty="0"/>
-              <a:t>Futures Contracts</a:t>
+              <a:t>Swap Contracts</a:t>
             </a:r>
           </a:p>
         </p:txBody>
@@ -10335,7 +10048,7 @@
           <p:cNvPr id="3" name="Content Placeholder 2">
             <a:extLst>
               <a:ext uri="{FF2B5EF4-FFF2-40B4-BE49-F238E27FC236}">
-                <a16:creationId xmlns:a16="http://schemas.microsoft.com/office/drawing/2014/main" id="{623AEC1E-9777-48C5-87BD-A931BA848044}"/>
+                <a16:creationId xmlns:a16="http://schemas.microsoft.com/office/drawing/2014/main" id="{831B6362-3303-4415-9D10-C4E0904D67AF}"/>
               </a:ext>
             </a:extLst>
           </p:cNvPr>
@@ -10352,288 +10065,73 @@
           <a:lstStyle/>
           <a:p>
             <a:r>
-              <a:rPr lang="en-US" dirty="0"/>
-              <a:t>Difference between forward and futures</a:t>
-            </a:r>
-          </a:p>
-        </p:txBody>
-      </p:sp>
-      <p:graphicFrame>
-        <p:nvGraphicFramePr>
-          <p:cNvPr id="4" name="Table 3">
-            <a:extLst>
-              <a:ext uri="{FF2B5EF4-FFF2-40B4-BE49-F238E27FC236}">
-                <a16:creationId xmlns:a16="http://schemas.microsoft.com/office/drawing/2014/main" id="{46F66057-64DC-4175-AA8D-F7038701FA03}"/>
-              </a:ext>
-            </a:extLst>
-          </p:cNvPr>
-          <p:cNvGraphicFramePr>
-            <a:graphicFrameLocks noGrp="1"/>
-          </p:cNvGraphicFramePr>
-          <p:nvPr>
-            <p:extLst>
-              <p:ext uri="{D42A27DB-BD31-4B8C-83A1-F6EECF244321}">
-                <p14:modId xmlns:p14="http://schemas.microsoft.com/office/powerpoint/2010/main" val="131084535"/>
-              </p:ext>
-            </p:extLst>
-          </p:nvPr>
-        </p:nvGraphicFramePr>
-        <p:xfrm>
-          <a:off x="1146002" y="2617615"/>
-          <a:ext cx="8128000" cy="2595880"/>
-        </p:xfrm>
-        <a:graphic>
-          <a:graphicData uri="http://schemas.openxmlformats.org/drawingml/2006/table">
-            <a:tbl>
-              <a:tblPr firstRow="1" bandRow="1">
-                <a:tableStyleId>{5C22544A-7EE6-4342-B048-85BDC9FD1C3A}</a:tableStyleId>
-              </a:tblPr>
-              <a:tblGrid>
-                <a:gridCol w="4064000">
-                  <a:extLst>
-                    <a:ext uri="{9D8B030D-6E8A-4147-A177-3AD203B41FA5}">
-                      <a16:colId xmlns:a16="http://schemas.microsoft.com/office/drawing/2014/main" val="1803333586"/>
-                    </a:ext>
-                  </a:extLst>
-                </a:gridCol>
-                <a:gridCol w="4064000">
-                  <a:extLst>
-                    <a:ext uri="{9D8B030D-6E8A-4147-A177-3AD203B41FA5}">
-                      <a16:colId xmlns:a16="http://schemas.microsoft.com/office/drawing/2014/main" val="2789750194"/>
-                    </a:ext>
-                  </a:extLst>
-                </a:gridCol>
-              </a:tblGrid>
-              <a:tr h="370840">
-                <a:tc>
-                  <a:txBody>
-                    <a:bodyPr/>
-                    <a:lstStyle/>
-                    <a:p>
-                      <a:r>
-                        <a:rPr lang="en-US" dirty="0"/>
-                        <a:t>Forward</a:t>
-                      </a:r>
-                    </a:p>
-                  </a:txBody>
-                  <a:tcPr/>
-                </a:tc>
-                <a:tc>
-                  <a:txBody>
-                    <a:bodyPr/>
-                    <a:lstStyle/>
-                    <a:p>
-                      <a:r>
-                        <a:rPr lang="en-US" dirty="0"/>
-                        <a:t>Futures</a:t>
-                      </a:r>
-                    </a:p>
-                  </a:txBody>
-                  <a:tcPr/>
-                </a:tc>
-                <a:extLst>
-                  <a:ext uri="{0D108BD9-81ED-4DB2-BD59-A6C34878D82A}">
-                    <a16:rowId xmlns:a16="http://schemas.microsoft.com/office/drawing/2014/main" val="959545506"/>
-                  </a:ext>
-                </a:extLst>
-              </a:tr>
-              <a:tr h="370840">
-                <a:tc>
-                  <a:txBody>
-                    <a:bodyPr/>
-                    <a:lstStyle/>
-                    <a:p>
-                      <a:r>
-                        <a:rPr lang="en-US" dirty="0"/>
-                        <a:t>More privacy/Less regulated</a:t>
-                      </a:r>
-                    </a:p>
-                  </a:txBody>
-                  <a:tcPr/>
-                </a:tc>
-                <a:tc>
-                  <a:txBody>
-                    <a:bodyPr/>
-                    <a:lstStyle/>
-                    <a:p>
-                      <a:r>
-                        <a:rPr lang="en-US" dirty="0"/>
-                        <a:t>Highly regulated</a:t>
-                      </a:r>
-                    </a:p>
-                  </a:txBody>
-                  <a:tcPr/>
-                </a:tc>
-                <a:extLst>
-                  <a:ext uri="{0D108BD9-81ED-4DB2-BD59-A6C34878D82A}">
-                    <a16:rowId xmlns:a16="http://schemas.microsoft.com/office/drawing/2014/main" val="1048862523"/>
-                  </a:ext>
-                </a:extLst>
-              </a:tr>
-              <a:tr h="370840">
-                <a:tc>
-                  <a:txBody>
-                    <a:bodyPr/>
-                    <a:lstStyle/>
-                    <a:p>
-                      <a:endParaRPr lang="en-US"/>
-                    </a:p>
-                  </a:txBody>
-                  <a:tcPr/>
-                </a:tc>
-                <a:tc>
-                  <a:txBody>
-                    <a:bodyPr/>
-                    <a:lstStyle/>
-                    <a:p>
-                      <a:r>
-                        <a:rPr lang="en-US" dirty="0"/>
-                        <a:t>More transparent</a:t>
-                      </a:r>
-                    </a:p>
-                  </a:txBody>
-                  <a:tcPr/>
-                </a:tc>
-                <a:extLst>
-                  <a:ext uri="{0D108BD9-81ED-4DB2-BD59-A6C34878D82A}">
-                    <a16:rowId xmlns:a16="http://schemas.microsoft.com/office/drawing/2014/main" val="828531945"/>
-                  </a:ext>
-                </a:extLst>
-              </a:tr>
-              <a:tr h="370840">
-                <a:tc>
-                  <a:txBody>
-                    <a:bodyPr/>
-                    <a:lstStyle/>
-                    <a:p>
-                      <a:r>
-                        <a:rPr lang="en-US" dirty="0"/>
-                        <a:t>More flexibility</a:t>
-                      </a:r>
-                    </a:p>
-                  </a:txBody>
-                  <a:tcPr/>
-                </a:tc>
-                <a:tc>
-                  <a:txBody>
-                    <a:bodyPr/>
-                    <a:lstStyle/>
-                    <a:p>
-                      <a:endParaRPr lang="en-US" dirty="0"/>
-                    </a:p>
-                  </a:txBody>
-                  <a:tcPr/>
-                </a:tc>
-                <a:extLst>
-                  <a:ext uri="{0D108BD9-81ED-4DB2-BD59-A6C34878D82A}">
-                    <a16:rowId xmlns:a16="http://schemas.microsoft.com/office/drawing/2014/main" val="1962997269"/>
-                  </a:ext>
-                </a:extLst>
-              </a:tr>
-              <a:tr h="370840">
-                <a:tc>
-                  <a:txBody>
-                    <a:bodyPr/>
-                    <a:lstStyle/>
-                    <a:p>
-                      <a:r>
-                        <a:rPr lang="en-US" dirty="0"/>
-                        <a:t>More customized</a:t>
-                      </a:r>
-                    </a:p>
-                  </a:txBody>
-                  <a:tcPr/>
-                </a:tc>
-                <a:tc>
-                  <a:txBody>
-                    <a:bodyPr/>
-                    <a:lstStyle/>
-                    <a:p>
-                      <a:r>
-                        <a:rPr lang="en-US" dirty="0"/>
-                        <a:t>Standardized</a:t>
-                      </a:r>
-                    </a:p>
-                  </a:txBody>
-                  <a:tcPr/>
-                </a:tc>
-                <a:extLst>
-                  <a:ext uri="{0D108BD9-81ED-4DB2-BD59-A6C34878D82A}">
-                    <a16:rowId xmlns:a16="http://schemas.microsoft.com/office/drawing/2014/main" val="2137983122"/>
-                  </a:ext>
-                </a:extLst>
-              </a:tr>
-              <a:tr h="370840">
-                <a:tc>
-                  <a:txBody>
-                    <a:bodyPr/>
-                    <a:lstStyle/>
-                    <a:p>
-                      <a:r>
-                        <a:rPr lang="en-US" dirty="0"/>
-                        <a:t>Settle at expiration</a:t>
-                      </a:r>
-                    </a:p>
-                  </a:txBody>
-                  <a:tcPr/>
-                </a:tc>
-                <a:tc>
-                  <a:txBody>
-                    <a:bodyPr/>
-                    <a:lstStyle/>
-                    <a:p>
-                      <a:r>
-                        <a:rPr lang="en-US" dirty="0"/>
-                        <a:t>Daily settlement</a:t>
-                      </a:r>
-                    </a:p>
-                  </a:txBody>
-                  <a:tcPr/>
-                </a:tc>
-                <a:extLst>
-                  <a:ext uri="{0D108BD9-81ED-4DB2-BD59-A6C34878D82A}">
-                    <a16:rowId xmlns:a16="http://schemas.microsoft.com/office/drawing/2014/main" val="2105982241"/>
-                  </a:ext>
-                </a:extLst>
-              </a:tr>
-              <a:tr h="370840">
-                <a:tc>
-                  <a:txBody>
-                    <a:bodyPr/>
-                    <a:lstStyle/>
-                    <a:p>
-                      <a:endParaRPr lang="en-US" dirty="0"/>
-                    </a:p>
-                  </a:txBody>
-                  <a:tcPr/>
-                </a:tc>
-                <a:tc>
-                  <a:txBody>
-                    <a:bodyPr/>
-                    <a:lstStyle/>
-                    <a:p>
-                      <a:r>
-                        <a:rPr lang="en-US" dirty="0"/>
-                        <a:t>Credit guarantee(Margin account)</a:t>
-                      </a:r>
-                    </a:p>
-                  </a:txBody>
-                  <a:tcPr/>
-                </a:tc>
-                <a:extLst>
-                  <a:ext uri="{0D108BD9-81ED-4DB2-BD59-A6C34878D82A}">
-                    <a16:rowId xmlns:a16="http://schemas.microsoft.com/office/drawing/2014/main" val="2213499191"/>
-                  </a:ext>
-                </a:extLst>
-              </a:tr>
-            </a:tbl>
-          </a:graphicData>
-        </a:graphic>
-      </p:graphicFrame>
+              <a:rPr lang="en-US" sz="2800" dirty="0"/>
+              <a:t>Forward commitments</a:t>
+            </a:r>
+          </a:p>
+          <a:p>
+            <a:pPr lvl="1"/>
+            <a:r>
+              <a:rPr lang="en-US" sz="2800" dirty="0">
+                <a:solidFill>
+                  <a:schemeClr val="tx1"/>
+                </a:solidFill>
+              </a:rPr>
+              <a:t>Forward</a:t>
+            </a:r>
+          </a:p>
+          <a:p>
+            <a:pPr lvl="1"/>
+            <a:r>
+              <a:rPr lang="en-US" sz="2800" dirty="0">
+                <a:solidFill>
+                  <a:schemeClr val="tx1"/>
+                </a:solidFill>
+              </a:rPr>
+              <a:t>Futures</a:t>
+            </a:r>
+          </a:p>
+          <a:p>
+            <a:pPr lvl="1"/>
+            <a:r>
+              <a:rPr lang="en-US" sz="2800" u="sng" dirty="0">
+                <a:solidFill>
+                  <a:srgbClr val="FF0000"/>
+                </a:solidFill>
+              </a:rPr>
+              <a:t>Swap</a:t>
+            </a:r>
+          </a:p>
+          <a:p>
+            <a:r>
+              <a:rPr lang="en-US" sz="2800" dirty="0"/>
+              <a:t>Contingent claims</a:t>
+            </a:r>
+          </a:p>
+          <a:p>
+            <a:pPr lvl="1"/>
+            <a:r>
+              <a:rPr lang="en-US" sz="2800" dirty="0"/>
+              <a:t>Option</a:t>
+            </a:r>
+          </a:p>
+          <a:p>
+            <a:pPr lvl="1"/>
+            <a:r>
+              <a:rPr lang="en-US" sz="2800" dirty="0"/>
+              <a:t>Credit Derivatives</a:t>
+            </a:r>
+          </a:p>
+          <a:p>
+            <a:pPr lvl="1"/>
+            <a:endParaRPr lang="en-US" dirty="0"/>
+          </a:p>
+        </p:txBody>
+      </p:sp>
     </p:spTree>
     <p:extLst>
       <p:ext uri="{BB962C8B-B14F-4D97-AF65-F5344CB8AC3E}">
-        <p14:creationId xmlns:p14="http://schemas.microsoft.com/office/powerpoint/2010/main" val="2325912325"/>
+        <p14:creationId xmlns:p14="http://schemas.microsoft.com/office/powerpoint/2010/main" val="3420598595"/>
       </p:ext>
     </p:extLst>
   </p:cSld>
@@ -10813,7 +10311,7 @@
           <p:cNvPr id="2" name="Title 1">
             <a:extLst>
               <a:ext uri="{FF2B5EF4-FFF2-40B4-BE49-F238E27FC236}">
-                <a16:creationId xmlns:a16="http://schemas.microsoft.com/office/drawing/2014/main" id="{3B6DC5E5-B49D-4096-80C1-B8052495A474}"/>
+                <a16:creationId xmlns:a16="http://schemas.microsoft.com/office/drawing/2014/main" id="{B14399E1-9A90-4AE5-8D83-E334323FD224}"/>
               </a:ext>
             </a:extLst>
           </p:cNvPr>
@@ -10843,7 +10341,7 @@
           <p:cNvPr id="3" name="Content Placeholder 2">
             <a:extLst>
               <a:ext uri="{FF2B5EF4-FFF2-40B4-BE49-F238E27FC236}">
-                <a16:creationId xmlns:a16="http://schemas.microsoft.com/office/drawing/2014/main" id="{831B6362-3303-4415-9D10-C4E0904D67AF}"/>
+                <a16:creationId xmlns:a16="http://schemas.microsoft.com/office/drawing/2014/main" id="{9749AD03-FDAB-4BB0-A6F8-7357FF35FA5F}"/>
               </a:ext>
             </a:extLst>
           </p:cNvPr>
@@ -10860,65 +10358,51 @@
           <a:lstStyle/>
           <a:p>
             <a:r>
-              <a:rPr lang="en-US" sz="2800" dirty="0"/>
-              <a:t>Forward commitments</a:t>
-            </a:r>
-          </a:p>
-          <a:p>
-            <a:pPr lvl="1"/>
-            <a:r>
-              <a:rPr lang="en-US" sz="2800" dirty="0">
-                <a:solidFill>
-                  <a:schemeClr val="tx1"/>
+              <a:rPr lang="en-US" sz="2000" dirty="0"/>
+              <a:t>Definition: </a:t>
+            </a:r>
+            <a:r>
+              <a:rPr lang="en-US" sz="2000" i="1" dirty="0"/>
+              <a:t>A swap is an over- the- counter derivative contract in which two parties agree to </a:t>
+            </a:r>
+            <a:r>
+              <a:rPr lang="en-US" sz="2000" i="1" dirty="0">
+                <a:solidFill>
+                  <a:srgbClr val="FF0000"/>
                 </a:solidFill>
               </a:rPr>
-              <a:t>Forward</a:t>
-            </a:r>
-          </a:p>
-          <a:p>
-            <a:pPr lvl="1"/>
-            <a:r>
-              <a:rPr lang="en-US" sz="2800" dirty="0">
-                <a:solidFill>
-                  <a:schemeClr val="tx1"/>
+              <a:t>exchange a series of cash flows </a:t>
+            </a:r>
+            <a:r>
+              <a:rPr lang="en-US" sz="2000" i="1" dirty="0"/>
+              <a:t>whereby one party </a:t>
+            </a:r>
+            <a:r>
+              <a:rPr lang="en-US" sz="2000" i="1" dirty="0">
+                <a:solidFill>
+                  <a:srgbClr val="FF0000"/>
                 </a:solidFill>
               </a:rPr>
-              <a:t>Futures</a:t>
-            </a:r>
-          </a:p>
-          <a:p>
-            <a:pPr lvl="1"/>
-            <a:r>
-              <a:rPr lang="en-US" sz="2800" u="sng" dirty="0">
+              <a:t>pays a variable series that will be determined by an underlying asset or rate </a:t>
+            </a:r>
+            <a:r>
+              <a:rPr lang="en-US" sz="2000" i="1" dirty="0"/>
+              <a:t>and the other party pays </a:t>
+            </a:r>
+            <a:r>
+              <a:rPr lang="en-US" sz="2000" i="1" dirty="0">
                 <a:solidFill>
                   <a:srgbClr val="FF0000"/>
                 </a:solidFill>
               </a:rPr>
-              <a:t>Swap</a:t>
-            </a:r>
-          </a:p>
-          <a:p>
-            <a:r>
-              <a:rPr lang="en-US" sz="2800" dirty="0"/>
-              <a:t>Contingent claims</a:t>
-            </a:r>
-          </a:p>
-          <a:p>
-            <a:pPr lvl="1"/>
-            <a:r>
-              <a:rPr lang="en-US" sz="2800" dirty="0"/>
-              <a:t>Option</a:t>
-            </a:r>
-          </a:p>
-          <a:p>
-            <a:pPr lvl="1"/>
-            <a:r>
-              <a:rPr lang="en-US" sz="2800" dirty="0"/>
-              <a:t>Credit Derivatives</a:t>
-            </a:r>
-          </a:p>
-          <a:p>
-            <a:pPr lvl="1"/>
+              <a:t>either (1) a variable series determined by a different underlying asset or rate or (2) a fixed series</a:t>
+            </a:r>
+            <a:r>
+              <a:rPr lang="en-US" sz="2000" i="1" dirty="0"/>
+              <a:t>.</a:t>
+            </a:r>
+          </a:p>
+          <a:p>
             <a:endParaRPr lang="en-US" dirty="0"/>
           </a:p>
         </p:txBody>
@@ -10926,7 +10410,7 @@
     </p:spTree>
     <p:extLst>
       <p:ext uri="{BB962C8B-B14F-4D97-AF65-F5344CB8AC3E}">
-        <p14:creationId xmlns:p14="http://schemas.microsoft.com/office/powerpoint/2010/main" val="3420598595"/>
+        <p14:creationId xmlns:p14="http://schemas.microsoft.com/office/powerpoint/2010/main" val="1074234236"/>
       </p:ext>
     </p:extLst>
   </p:cSld>
@@ -10958,7 +10442,7 @@
           <p:cNvPr id="2" name="Title 1">
             <a:extLst>
               <a:ext uri="{FF2B5EF4-FFF2-40B4-BE49-F238E27FC236}">
-                <a16:creationId xmlns:a16="http://schemas.microsoft.com/office/drawing/2014/main" id="{B14399E1-9A90-4AE5-8D83-E334323FD224}"/>
+                <a16:creationId xmlns:a16="http://schemas.microsoft.com/office/drawing/2014/main" id="{5A10EA45-A5A2-42F9-854A-97D36B351187}"/>
               </a:ext>
             </a:extLst>
           </p:cNvPr>
@@ -10988,7 +10472,7 @@
           <p:cNvPr id="3" name="Content Placeholder 2">
             <a:extLst>
               <a:ext uri="{FF2B5EF4-FFF2-40B4-BE49-F238E27FC236}">
-                <a16:creationId xmlns:a16="http://schemas.microsoft.com/office/drawing/2014/main" id="{9749AD03-FDAB-4BB0-A6F8-7357FF35FA5F}"/>
+                <a16:creationId xmlns:a16="http://schemas.microsoft.com/office/drawing/2014/main" id="{756A3F7F-5B00-42B7-8E4E-1E5E7810A23A}"/>
               </a:ext>
             </a:extLst>
           </p:cNvPr>
@@ -11005,59 +10489,98 @@
           <a:lstStyle/>
           <a:p>
             <a:r>
-              <a:rPr lang="en-US" sz="2000" dirty="0"/>
-              <a:t>Definition: </a:t>
-            </a:r>
-            <a:r>
-              <a:rPr lang="en-US" sz="2000" i="1" dirty="0"/>
-              <a:t>A swap is an over- the- counter derivative contract in which two parties agree to </a:t>
-            </a:r>
-            <a:r>
-              <a:rPr lang="en-US" sz="2000" i="1" dirty="0">
+              <a:rPr lang="en-US" dirty="0"/>
+              <a:t>Characteristics</a:t>
+            </a:r>
+          </a:p>
+          <a:p>
+            <a:pPr lvl="1"/>
+            <a:r>
+              <a:rPr lang="en-US" dirty="0"/>
+              <a:t>A swap is more or less just </a:t>
+            </a:r>
+            <a:r>
+              <a:rPr lang="en-US" dirty="0">
                 <a:solidFill>
                   <a:srgbClr val="FF0000"/>
                 </a:solidFill>
               </a:rPr>
-              <a:t>exchange a series of cash flows </a:t>
-            </a:r>
-            <a:r>
-              <a:rPr lang="en-US" sz="2000" i="1" dirty="0"/>
-              <a:t>whereby one party </a:t>
-            </a:r>
-            <a:r>
-              <a:rPr lang="en-US" sz="2000" i="1" dirty="0">
+              <a:t>a series of forwards</a:t>
+            </a:r>
+          </a:p>
+          <a:p>
+            <a:pPr lvl="1"/>
+            <a:r>
+              <a:rPr lang="en-US" dirty="0"/>
+              <a:t>A swap is a bit more like a forward contract than a futures contract in that it is an OTC contract, so it is </a:t>
+            </a:r>
+            <a:r>
+              <a:rPr lang="en-US" dirty="0">
                 <a:solidFill>
                   <a:srgbClr val="FF0000"/>
                 </a:solidFill>
               </a:rPr>
-              <a:t>pays a variable series that will be determined by an underlying asset or rate </a:t>
-            </a:r>
-            <a:r>
-              <a:rPr lang="en-US" sz="2000" i="1" dirty="0"/>
-              <a:t>and the other party pays </a:t>
-            </a:r>
-            <a:r>
-              <a:rPr lang="en-US" sz="2000" i="1" dirty="0">
+              <a:t>privately negotiated and subject to default. </a:t>
+            </a:r>
+          </a:p>
+          <a:p>
+            <a:pPr lvl="1"/>
+            <a:r>
+              <a:rPr lang="en-US" dirty="0"/>
+              <a:t>The party </a:t>
+            </a:r>
+            <a:r>
+              <a:rPr lang="en-US" dirty="0">
                 <a:solidFill>
                   <a:srgbClr val="FF0000"/>
                 </a:solidFill>
               </a:rPr>
-              <a:t>either (1) a variable series determined by a different underlying asset or rate or (2) a fixed series</a:t>
-            </a:r>
-            <a:r>
-              <a:rPr lang="en-US" sz="2000" i="1" dirty="0"/>
-              <a:t>.</a:t>
-            </a:r>
-          </a:p>
-          <a:p>
-            <a:endParaRPr lang="en-US" dirty="0"/>
+              <a:t>owing the lesser amount cannot default </a:t>
+            </a:r>
+            <a:r>
+              <a:rPr lang="en-US" dirty="0"/>
+              <a:t>to the party owing the greater amount.</a:t>
+            </a:r>
+          </a:p>
+          <a:p>
+            <a:pPr lvl="1"/>
+            <a:r>
+              <a:rPr lang="en-US" dirty="0"/>
+              <a:t>As with futures and forwards, no money changes hands at the start; thus, </a:t>
+            </a:r>
+            <a:r>
+              <a:rPr lang="en-US" dirty="0">
+                <a:solidFill>
+                  <a:srgbClr val="FF0000"/>
+                </a:solidFill>
+              </a:rPr>
+              <a:t>the value of a swap when initiated must be zero.</a:t>
+            </a:r>
+          </a:p>
+          <a:p>
+            <a:pPr lvl="1"/>
+            <a:r>
+              <a:rPr lang="en-US" dirty="0">
+                <a:solidFill>
+                  <a:schemeClr val="tx1"/>
+                </a:solidFill>
+              </a:rPr>
+              <a:t>The notional amount of a swap is not typically exchanged, the credit risk of a swap is much less than that of a loan.</a:t>
+            </a:r>
+          </a:p>
+          <a:p>
+            <a:endParaRPr lang="en-US" dirty="0">
+              <a:solidFill>
+                <a:srgbClr val="FF0000"/>
+              </a:solidFill>
+            </a:endParaRPr>
           </a:p>
         </p:txBody>
       </p:sp>
     </p:spTree>
     <p:extLst>
       <p:ext uri="{BB962C8B-B14F-4D97-AF65-F5344CB8AC3E}">
-        <p14:creationId xmlns:p14="http://schemas.microsoft.com/office/powerpoint/2010/main" val="1074234236"/>
+        <p14:creationId xmlns:p14="http://schemas.microsoft.com/office/powerpoint/2010/main" val="4136834001"/>
       </p:ext>
     </p:extLst>
   </p:cSld>
@@ -11089,7 +10612,7 @@
           <p:cNvPr id="2" name="Title 1">
             <a:extLst>
               <a:ext uri="{FF2B5EF4-FFF2-40B4-BE49-F238E27FC236}">
-                <a16:creationId xmlns:a16="http://schemas.microsoft.com/office/drawing/2014/main" id="{5A10EA45-A5A2-42F9-854A-97D36B351187}"/>
+                <a16:creationId xmlns:a16="http://schemas.microsoft.com/office/drawing/2014/main" id="{E66C3C2E-2A64-4F58-B789-1B63C5258C5E}"/>
               </a:ext>
             </a:extLst>
           </p:cNvPr>
@@ -11119,7 +10642,7 @@
           <p:cNvPr id="3" name="Content Placeholder 2">
             <a:extLst>
               <a:ext uri="{FF2B5EF4-FFF2-40B4-BE49-F238E27FC236}">
-                <a16:creationId xmlns:a16="http://schemas.microsoft.com/office/drawing/2014/main" id="{756A3F7F-5B00-42B7-8E4E-1E5E7810A23A}"/>
+                <a16:creationId xmlns:a16="http://schemas.microsoft.com/office/drawing/2014/main" id="{AD620B4E-9854-4F96-8EDD-9D7D2A35DAEB}"/>
               </a:ext>
             </a:extLst>
           </p:cNvPr>
@@ -11136,98 +10659,27 @@
           <a:lstStyle/>
           <a:p>
             <a:r>
-              <a:rPr lang="en-US" dirty="0"/>
-              <a:t>Characteristics</a:t>
-            </a:r>
-          </a:p>
-          <a:p>
-            <a:pPr lvl="1"/>
-            <a:r>
-              <a:rPr lang="en-US" dirty="0"/>
-              <a:t>A swap is more or less just </a:t>
-            </a:r>
-            <a:r>
-              <a:rPr lang="en-US" dirty="0">
-                <a:solidFill>
-                  <a:srgbClr val="FF0000"/>
-                </a:solidFill>
-              </a:rPr>
-              <a:t>a series of forwards</a:t>
-            </a:r>
-          </a:p>
-          <a:p>
-            <a:pPr lvl="1"/>
-            <a:r>
-              <a:rPr lang="en-US" dirty="0"/>
-              <a:t>A swap is a bit more like a forward contract than a futures contract in that it is an OTC contract, so it is </a:t>
-            </a:r>
-            <a:r>
-              <a:rPr lang="en-US" dirty="0">
-                <a:solidFill>
-                  <a:srgbClr val="FF0000"/>
-                </a:solidFill>
-              </a:rPr>
-              <a:t>privately negotiated and subject to default. </a:t>
-            </a:r>
-          </a:p>
-          <a:p>
-            <a:pPr lvl="1"/>
-            <a:r>
-              <a:rPr lang="en-US" dirty="0"/>
-              <a:t>The party </a:t>
-            </a:r>
-            <a:r>
-              <a:rPr lang="en-US" dirty="0">
-                <a:solidFill>
-                  <a:srgbClr val="FF0000"/>
-                </a:solidFill>
-              </a:rPr>
-              <a:t>owing the lesser amount cannot default </a:t>
-            </a:r>
-            <a:r>
-              <a:rPr lang="en-US" dirty="0"/>
-              <a:t>to the party owing the greater amount.</a:t>
-            </a:r>
-          </a:p>
-          <a:p>
-            <a:pPr lvl="1"/>
-            <a:r>
-              <a:rPr lang="en-US" dirty="0"/>
-              <a:t>As with futures and forwards, no money changes hands at the start; thus, </a:t>
-            </a:r>
-            <a:r>
-              <a:rPr lang="en-US" dirty="0">
-                <a:solidFill>
-                  <a:srgbClr val="FF0000"/>
-                </a:solidFill>
-              </a:rPr>
-              <a:t>the value of a swap when initiated must be zero.</a:t>
-            </a:r>
-          </a:p>
-          <a:p>
-            <a:pPr lvl="1"/>
-            <a:r>
-              <a:rPr lang="en-US" dirty="0">
-                <a:solidFill>
-                  <a:schemeClr val="tx1"/>
-                </a:solidFill>
-              </a:rPr>
-              <a:t>The notional amount of a swap is not typically exchanged, the credit risk of a swap is much less than that of a loan.</a:t>
-            </a:r>
-          </a:p>
-          <a:p>
-            <a:endParaRPr lang="en-US" dirty="0">
-              <a:solidFill>
-                <a:srgbClr val="FF0000"/>
-              </a:solidFill>
-            </a:endParaRPr>
+              <a:rPr lang="en-US" sz="2000" dirty="0"/>
+              <a:t>Plain vanilla swap: the most common swap is the </a:t>
+            </a:r>
+            <a:r>
+              <a:rPr lang="en-US" sz="2000" b="1" dirty="0"/>
+              <a:t>fixed- for- floating interest rate swap</a:t>
+            </a:r>
+            <a:r>
+              <a:rPr lang="en-US" sz="2000" dirty="0"/>
+              <a:t>.</a:t>
+            </a:r>
+          </a:p>
+          <a:p>
+            <a:endParaRPr lang="en-US" dirty="0"/>
           </a:p>
         </p:txBody>
       </p:sp>
     </p:spTree>
     <p:extLst>
       <p:ext uri="{BB962C8B-B14F-4D97-AF65-F5344CB8AC3E}">
-        <p14:creationId xmlns:p14="http://schemas.microsoft.com/office/powerpoint/2010/main" val="4136834001"/>
+        <p14:creationId xmlns:p14="http://schemas.microsoft.com/office/powerpoint/2010/main" val="3152884269"/>
       </p:ext>
     </p:extLst>
   </p:cSld>
@@ -11259,7 +10711,7 @@
           <p:cNvPr id="2" name="Title 1">
             <a:extLst>
               <a:ext uri="{FF2B5EF4-FFF2-40B4-BE49-F238E27FC236}">
-                <a16:creationId xmlns:a16="http://schemas.microsoft.com/office/drawing/2014/main" id="{E66C3C2E-2A64-4F58-B789-1B63C5258C5E}"/>
+                <a16:creationId xmlns:a16="http://schemas.microsoft.com/office/drawing/2014/main" id="{5956A29E-8360-4C31-8F74-D3F9FFADB1E3}"/>
               </a:ext>
             </a:extLst>
           </p:cNvPr>
@@ -11272,61 +10724,134 @@
         </p:nvSpPr>
         <p:spPr/>
         <p:txBody>
+          <a:bodyPr/>
+          <a:lstStyle/>
+          <a:p>
+            <a:r>
+              <a:rPr lang="en-US" sz="4000" dirty="0"/>
+              <a:t>Practices</a:t>
+            </a:r>
+            <a:br>
+              <a:rPr lang="en-US" dirty="0"/>
+            </a:br>
+            <a:endParaRPr lang="en-US" dirty="0"/>
+          </a:p>
+        </p:txBody>
+      </p:sp>
+      <p:sp>
+        <p:nvSpPr>
+          <p:cNvPr id="3" name="Content Placeholder 2">
+            <a:extLst>
+              <a:ext uri="{FF2B5EF4-FFF2-40B4-BE49-F238E27FC236}">
+                <a16:creationId xmlns:a16="http://schemas.microsoft.com/office/drawing/2014/main" id="{EF3A84B9-8E45-4AD9-931B-C39F1DF28022}"/>
+              </a:ext>
+            </a:extLst>
+          </p:cNvPr>
+          <p:cNvSpPr>
+            <a:spLocks noGrp="1"/>
+          </p:cNvSpPr>
+          <p:nvPr>
+            <p:ph idx="1"/>
+          </p:nvPr>
+        </p:nvSpPr>
+        <p:spPr/>
+        <p:txBody>
           <a:bodyPr>
             <a:normAutofit/>
           </a:bodyPr>
           <a:lstStyle/>
           <a:p>
             <a:r>
-              <a:rPr lang="en-US" sz="4000" dirty="0"/>
-              <a:t>Swap Contracts</a:t>
-            </a:r>
-          </a:p>
-        </p:txBody>
-      </p:sp>
-      <p:sp>
-        <p:nvSpPr>
-          <p:cNvPr id="3" name="Content Placeholder 2">
-            <a:extLst>
-              <a:ext uri="{FF2B5EF4-FFF2-40B4-BE49-F238E27FC236}">
-                <a16:creationId xmlns:a16="http://schemas.microsoft.com/office/drawing/2014/main" id="{AD620B4E-9854-4F96-8EDD-9D7D2A35DAEB}"/>
-              </a:ext>
-            </a:extLst>
-          </p:cNvPr>
-          <p:cNvSpPr>
-            <a:spLocks noGrp="1"/>
-          </p:cNvSpPr>
-          <p:nvPr>
-            <p:ph idx="1"/>
-          </p:nvPr>
-        </p:nvSpPr>
-        <p:spPr/>
-        <p:txBody>
-          <a:bodyPr/>
-          <a:lstStyle/>
-          <a:p>
-            <a:r>
-              <a:rPr lang="en-US" sz="2000" dirty="0"/>
-              <a:t>Plain vanilla swap: the most common swap is the </a:t>
-            </a:r>
-            <a:r>
-              <a:rPr lang="en-US" sz="2000" b="1" dirty="0"/>
-              <a:t>fixed- for- floating interest rate swap</a:t>
-            </a:r>
-            <a:r>
-              <a:rPr lang="en-US" sz="2000" dirty="0"/>
-              <a:t>.</a:t>
-            </a:r>
-          </a:p>
-          <a:p>
-            <a:endParaRPr lang="en-US" dirty="0"/>
+              <a:rPr lang="en-US" dirty="0"/>
+              <a:t>1.Which of the following characterizes forward contracts and swaps but </a:t>
+            </a:r>
+            <a:r>
+              <a:rPr lang="en-US" b="1" dirty="0"/>
+              <a:t>not </a:t>
+            </a:r>
+            <a:r>
+              <a:rPr lang="en-US" dirty="0"/>
+              <a:t>futures?</a:t>
+            </a:r>
+          </a:p>
+          <a:p>
+            <a:pPr lvl="1"/>
+            <a:r>
+              <a:rPr lang="en-US" b="1" dirty="0"/>
+              <a:t>A </a:t>
+            </a:r>
+            <a:r>
+              <a:rPr lang="en-US" dirty="0"/>
+              <a:t>They are customized.</a:t>
+            </a:r>
+          </a:p>
+          <a:p>
+            <a:pPr lvl="1"/>
+            <a:r>
+              <a:rPr lang="en-US" b="1" dirty="0"/>
+              <a:t>B </a:t>
+            </a:r>
+            <a:r>
+              <a:rPr lang="en-US" dirty="0"/>
+              <a:t>They are subject to daily price limits.</a:t>
+            </a:r>
+          </a:p>
+          <a:p>
+            <a:pPr lvl="1"/>
+            <a:r>
+              <a:rPr lang="en-US" b="1" dirty="0"/>
+              <a:t>C </a:t>
+            </a:r>
+            <a:r>
+              <a:rPr lang="en-US" dirty="0"/>
+              <a:t>Their payoffs are received on a daily basis.</a:t>
+            </a:r>
+          </a:p>
+          <a:p>
+            <a:r>
+              <a:rPr lang="en-US" dirty="0"/>
+              <a:t>2.Which of the following distinguishes forwards from swaps?</a:t>
+            </a:r>
+          </a:p>
+          <a:p>
+            <a:pPr lvl="1"/>
+            <a:r>
+              <a:rPr lang="en-US" b="1" dirty="0"/>
+              <a:t>A </a:t>
+            </a:r>
+            <a:r>
+              <a:rPr lang="en-US" dirty="0"/>
+              <a:t>Forwards are OTC instruments, whereas swaps are exchange traded.</a:t>
+            </a:r>
+          </a:p>
+          <a:p>
+            <a:pPr lvl="1"/>
+            <a:r>
+              <a:rPr lang="en-US" b="1" dirty="0"/>
+              <a:t>B </a:t>
+            </a:r>
+            <a:r>
+              <a:rPr lang="en-US" dirty="0"/>
+              <a:t>Forwards are regulated as futures, whereas swaps are regulated as securities.</a:t>
+            </a:r>
+          </a:p>
+          <a:p>
+            <a:pPr lvl="1"/>
+            <a:r>
+              <a:rPr lang="en-US" b="1" dirty="0"/>
+              <a:t>C </a:t>
+            </a:r>
+            <a:r>
+              <a:rPr lang="en-US" dirty="0"/>
+              <a:t>Swaps have multiple payments, whereas forwards have only a single payment.</a:t>
+            </a:r>
           </a:p>
         </p:txBody>
       </p:sp>
     </p:spTree>
     <p:extLst>
       <p:ext uri="{BB962C8B-B14F-4D97-AF65-F5344CB8AC3E}">
-        <p14:creationId xmlns:p14="http://schemas.microsoft.com/office/powerpoint/2010/main" val="3152884269"/>
+        <p14:creationId xmlns:p14="http://schemas.microsoft.com/office/powerpoint/2010/main" val="1508057551"/>
       </p:ext>
     </p:extLst>
   </p:cSld>
@@ -11358,7 +10883,7 @@
           <p:cNvPr id="2" name="Title 1">
             <a:extLst>
               <a:ext uri="{FF2B5EF4-FFF2-40B4-BE49-F238E27FC236}">
-                <a16:creationId xmlns:a16="http://schemas.microsoft.com/office/drawing/2014/main" id="{5956A29E-8360-4C31-8F74-D3F9FFADB1E3}"/>
+                <a16:creationId xmlns:a16="http://schemas.microsoft.com/office/drawing/2014/main" id="{5927944C-952F-4F1D-972B-D532B339900F}"/>
               </a:ext>
             </a:extLst>
           </p:cNvPr>
@@ -11371,17 +10896,15 @@
         </p:nvSpPr>
         <p:spPr/>
         <p:txBody>
-          <a:bodyPr/>
+          <a:bodyPr>
+            <a:normAutofit/>
+          </a:bodyPr>
           <a:lstStyle/>
           <a:p>
             <a:r>
               <a:rPr lang="en-US" sz="4000" dirty="0"/>
               <a:t>Practices</a:t>
             </a:r>
-            <a:br>
-              <a:rPr lang="en-US" dirty="0"/>
-            </a:br>
-            <a:endParaRPr lang="en-US" dirty="0"/>
           </a:p>
         </p:txBody>
       </p:sp>
@@ -11390,7 +10913,7 @@
           <p:cNvPr id="3" name="Content Placeholder 2">
             <a:extLst>
               <a:ext uri="{FF2B5EF4-FFF2-40B4-BE49-F238E27FC236}">
-                <a16:creationId xmlns:a16="http://schemas.microsoft.com/office/drawing/2014/main" id="{EF3A84B9-8E45-4AD9-931B-C39F1DF28022}"/>
+                <a16:creationId xmlns:a16="http://schemas.microsoft.com/office/drawing/2014/main" id="{1BDDDD91-7FB1-4366-8443-002BDE00C16D}"/>
               </a:ext>
             </a:extLst>
           </p:cNvPr>
@@ -11410,87 +10933,40 @@
           <a:p>
             <a:r>
               <a:rPr lang="en-US" dirty="0"/>
-              <a:t>1.Which of the following characterizes forward contracts and swaps but </a:t>
-            </a:r>
-            <a:r>
-              <a:rPr lang="en-US" b="1" dirty="0"/>
-              <a:t>not </a:t>
-            </a:r>
-            <a:r>
-              <a:rPr lang="en-US" dirty="0"/>
-              <a:t>futures?</a:t>
+              <a:t>3.Which of the following occurs in the daily settlement of futures contracts?</a:t>
             </a:r>
           </a:p>
           <a:p>
             <a:pPr lvl="1"/>
             <a:r>
-              <a:rPr lang="en-US" b="1" dirty="0"/>
+              <a:rPr lang="en-US" sz="1800" b="1" dirty="0"/>
               <a:t>A </a:t>
             </a:r>
             <a:r>
-              <a:rPr lang="en-US" dirty="0"/>
-              <a:t>They are customized.</a:t>
+              <a:rPr lang="en-US" sz="1800" dirty="0"/>
+              <a:t>Initial margin deposits are refunded to the two parties.</a:t>
             </a:r>
           </a:p>
           <a:p>
             <a:pPr lvl="1"/>
             <a:r>
-              <a:rPr lang="en-US" b="1" dirty="0"/>
+              <a:rPr lang="en-US" sz="1800" b="1" dirty="0"/>
               <a:t>B </a:t>
             </a:r>
             <a:r>
-              <a:rPr lang="en-US" dirty="0"/>
-              <a:t>They are subject to daily price limits.</a:t>
+              <a:rPr lang="en-US" sz="1800" dirty="0"/>
+              <a:t>Gains and losses are reported to other market participants.</a:t>
             </a:r>
           </a:p>
           <a:p>
             <a:pPr lvl="1"/>
             <a:r>
-              <a:rPr lang="en-US" b="1" dirty="0"/>
+              <a:rPr lang="en-US" sz="1800" b="1" dirty="0"/>
               <a:t>C </a:t>
             </a:r>
             <a:r>
-              <a:rPr lang="en-US" dirty="0"/>
-              <a:t>Their payoffs are received on a daily basis.</a:t>
-            </a:r>
-          </a:p>
-          <a:p>
-            <a:r>
-              <a:rPr lang="en-US" dirty="0"/>
-              <a:t>2.Which of the following distinguishes forwards from swaps?</a:t>
-            </a:r>
-          </a:p>
-          <a:p>
-            <a:pPr lvl="1"/>
-            <a:r>
-              <a:rPr lang="en-US" b="1" dirty="0"/>
-              <a:t>A </a:t>
-            </a:r>
-            <a:r>
-              <a:rPr lang="en-US" dirty="0"/>
-              <a:t>Forwards are OTC instruments, whereas swaps are exchange traded.</a:t>
-            </a:r>
-          </a:p>
-          <a:p>
-            <a:pPr lvl="1"/>
-            <a:r>
-              <a:rPr lang="en-US" b="1" dirty="0"/>
-              <a:t>B </a:t>
-            </a:r>
-            <a:r>
-              <a:rPr lang="en-US" dirty="0"/>
-              <a:t>Forwards are regulated as futures, whereas swaps are regulated as securities.</a:t>
-            </a:r>
-          </a:p>
-          <a:p>
-            <a:pPr lvl="1"/>
-            <a:r>
-              <a:rPr lang="en-US" b="1" dirty="0"/>
-              <a:t>C </a:t>
-            </a:r>
-            <a:r>
-              <a:rPr lang="en-US" dirty="0"/>
-              <a:t>Swaps have multiple payments, whereas forwards have only a single payment.</a:t>
+              <a:rPr lang="en-US" sz="1800" dirty="0"/>
+              <a:t>Losses are charged to one party and gains credited to the other.</a:t>
             </a:r>
           </a:p>
         </p:txBody>
@@ -11498,7 +10974,7 @@
     </p:spTree>
     <p:extLst>
       <p:ext uri="{BB962C8B-B14F-4D97-AF65-F5344CB8AC3E}">
-        <p14:creationId xmlns:p14="http://schemas.microsoft.com/office/powerpoint/2010/main" val="1508057551"/>
+        <p14:creationId xmlns:p14="http://schemas.microsoft.com/office/powerpoint/2010/main" val="914799381"/>
       </p:ext>
     </p:extLst>
   </p:cSld>
@@ -11530,7 +11006,7 @@
           <p:cNvPr id="2" name="Title 1">
             <a:extLst>
               <a:ext uri="{FF2B5EF4-FFF2-40B4-BE49-F238E27FC236}">
-                <a16:creationId xmlns:a16="http://schemas.microsoft.com/office/drawing/2014/main" id="{5927944C-952F-4F1D-972B-D532B339900F}"/>
+                <a16:creationId xmlns:a16="http://schemas.microsoft.com/office/drawing/2014/main" id="{3B6DC5E5-B49D-4096-80C1-B8052495A474}"/>
               </a:ext>
             </a:extLst>
           </p:cNvPr>
@@ -11550,7 +11026,7 @@
           <a:p>
             <a:r>
               <a:rPr lang="en-US" sz="4000" dirty="0"/>
-              <a:t>Practices</a:t>
+              <a:t>Option Contracts</a:t>
             </a:r>
           </a:p>
         </p:txBody>
@@ -11560,7 +11036,7 @@
           <p:cNvPr id="3" name="Content Placeholder 2">
             <a:extLst>
               <a:ext uri="{FF2B5EF4-FFF2-40B4-BE49-F238E27FC236}">
-                <a16:creationId xmlns:a16="http://schemas.microsoft.com/office/drawing/2014/main" id="{1BDDDD91-7FB1-4366-8443-002BDE00C16D}"/>
+                <a16:creationId xmlns:a16="http://schemas.microsoft.com/office/drawing/2014/main" id="{831B6362-3303-4415-9D10-C4E0904D67AF}"/>
               </a:ext>
             </a:extLst>
           </p:cNvPr>
@@ -11573,55 +11049,81 @@
         </p:nvSpPr>
         <p:spPr/>
         <p:txBody>
-          <a:bodyPr>
-            <a:normAutofit/>
-          </a:bodyPr>
-          <a:lstStyle/>
-          <a:p>
-            <a:r>
-              <a:rPr lang="en-US" dirty="0"/>
-              <a:t>3.Which of the following occurs in the daily settlement of futures contracts?</a:t>
+          <a:bodyPr/>
+          <a:lstStyle/>
+          <a:p>
+            <a:r>
+              <a:rPr lang="en-US" sz="2800" dirty="0"/>
+              <a:t>Forward commitments</a:t>
             </a:r>
           </a:p>
           <a:p>
             <a:pPr lvl="1"/>
             <a:r>
-              <a:rPr lang="en-US" sz="1800" b="1" dirty="0"/>
-              <a:t>A </a:t>
-            </a:r>
-            <a:r>
-              <a:rPr lang="en-US" sz="1800" dirty="0"/>
-              <a:t>Initial margin deposits are refunded to the two parties.</a:t>
+              <a:rPr lang="en-US" sz="2800" dirty="0">
+                <a:solidFill>
+                  <a:schemeClr val="tx1"/>
+                </a:solidFill>
+              </a:rPr>
+              <a:t>Forward</a:t>
             </a:r>
           </a:p>
           <a:p>
             <a:pPr lvl="1"/>
             <a:r>
-              <a:rPr lang="en-US" sz="1800" b="1" dirty="0"/>
-              <a:t>B </a:t>
-            </a:r>
-            <a:r>
-              <a:rPr lang="en-US" sz="1800" dirty="0"/>
-              <a:t>Gains and losses are reported to other market participants.</a:t>
+              <a:rPr lang="en-US" sz="2800" dirty="0">
+                <a:solidFill>
+                  <a:schemeClr val="tx1"/>
+                </a:solidFill>
+              </a:rPr>
+              <a:t>Futures</a:t>
             </a:r>
           </a:p>
           <a:p>
             <a:pPr lvl="1"/>
             <a:r>
-              <a:rPr lang="en-US" sz="1800" b="1" dirty="0"/>
-              <a:t>C </a:t>
-            </a:r>
-            <a:r>
-              <a:rPr lang="en-US" sz="1800" dirty="0"/>
-              <a:t>Losses are charged to one party and gains credited to the other.</a:t>
-            </a:r>
+              <a:rPr lang="en-US" sz="2800" dirty="0">
+                <a:solidFill>
+                  <a:schemeClr val="tx1"/>
+                </a:solidFill>
+              </a:rPr>
+              <a:t>Swap</a:t>
+            </a:r>
+          </a:p>
+          <a:p>
+            <a:r>
+              <a:rPr lang="en-US" sz="2800" dirty="0"/>
+              <a:t>Contingent claims</a:t>
+            </a:r>
+          </a:p>
+          <a:p>
+            <a:pPr lvl="1"/>
+            <a:r>
+              <a:rPr lang="en-US" sz="2800" u="sng" dirty="0">
+                <a:solidFill>
+                  <a:srgbClr val="FF0000"/>
+                </a:solidFill>
+              </a:rPr>
+              <a:t>Option</a:t>
+            </a:r>
+          </a:p>
+          <a:p>
+            <a:pPr lvl="1"/>
+            <a:r>
+              <a:rPr lang="en-US" sz="2800" dirty="0"/>
+              <a:t>Credit Derivatives</a:t>
+            </a:r>
+          </a:p>
+          <a:p>
+            <a:pPr lvl="1"/>
+            <a:endParaRPr lang="en-US" dirty="0"/>
           </a:p>
         </p:txBody>
       </p:sp>
     </p:spTree>
     <p:extLst>
       <p:ext uri="{BB962C8B-B14F-4D97-AF65-F5344CB8AC3E}">
-        <p14:creationId xmlns:p14="http://schemas.microsoft.com/office/powerpoint/2010/main" val="914799381"/>
+        <p14:creationId xmlns:p14="http://schemas.microsoft.com/office/powerpoint/2010/main" val="1599816682"/>
       </p:ext>
     </p:extLst>
   </p:cSld>
@@ -11653,155 +11155,6 @@
           <p:cNvPr id="2" name="Title 1">
             <a:extLst>
               <a:ext uri="{FF2B5EF4-FFF2-40B4-BE49-F238E27FC236}">
-                <a16:creationId xmlns:a16="http://schemas.microsoft.com/office/drawing/2014/main" id="{3B6DC5E5-B49D-4096-80C1-B8052495A474}"/>
-              </a:ext>
-            </a:extLst>
-          </p:cNvPr>
-          <p:cNvSpPr>
-            <a:spLocks noGrp="1"/>
-          </p:cNvSpPr>
-          <p:nvPr>
-            <p:ph type="title"/>
-          </p:nvPr>
-        </p:nvSpPr>
-        <p:spPr/>
-        <p:txBody>
-          <a:bodyPr>
-            <a:normAutofit/>
-          </a:bodyPr>
-          <a:lstStyle/>
-          <a:p>
-            <a:r>
-              <a:rPr lang="en-US" sz="4000" dirty="0"/>
-              <a:t>Option Contracts</a:t>
-            </a:r>
-          </a:p>
-        </p:txBody>
-      </p:sp>
-      <p:sp>
-        <p:nvSpPr>
-          <p:cNvPr id="3" name="Content Placeholder 2">
-            <a:extLst>
-              <a:ext uri="{FF2B5EF4-FFF2-40B4-BE49-F238E27FC236}">
-                <a16:creationId xmlns:a16="http://schemas.microsoft.com/office/drawing/2014/main" id="{831B6362-3303-4415-9D10-C4E0904D67AF}"/>
-              </a:ext>
-            </a:extLst>
-          </p:cNvPr>
-          <p:cNvSpPr>
-            <a:spLocks noGrp="1"/>
-          </p:cNvSpPr>
-          <p:nvPr>
-            <p:ph idx="1"/>
-          </p:nvPr>
-        </p:nvSpPr>
-        <p:spPr/>
-        <p:txBody>
-          <a:bodyPr/>
-          <a:lstStyle/>
-          <a:p>
-            <a:r>
-              <a:rPr lang="en-US" sz="2800" dirty="0"/>
-              <a:t>Forward commitments</a:t>
-            </a:r>
-          </a:p>
-          <a:p>
-            <a:pPr lvl="1"/>
-            <a:r>
-              <a:rPr lang="en-US" sz="2800" dirty="0">
-                <a:solidFill>
-                  <a:schemeClr val="tx1"/>
-                </a:solidFill>
-              </a:rPr>
-              <a:t>Forward</a:t>
-            </a:r>
-          </a:p>
-          <a:p>
-            <a:pPr lvl="1"/>
-            <a:r>
-              <a:rPr lang="en-US" sz="2800" dirty="0">
-                <a:solidFill>
-                  <a:schemeClr val="tx1"/>
-                </a:solidFill>
-              </a:rPr>
-              <a:t>Futures</a:t>
-            </a:r>
-          </a:p>
-          <a:p>
-            <a:pPr lvl="1"/>
-            <a:r>
-              <a:rPr lang="en-US" sz="2800" dirty="0">
-                <a:solidFill>
-                  <a:schemeClr val="tx1"/>
-                </a:solidFill>
-              </a:rPr>
-              <a:t>Swap</a:t>
-            </a:r>
-          </a:p>
-          <a:p>
-            <a:r>
-              <a:rPr lang="en-US" sz="2800" dirty="0"/>
-              <a:t>Contingent claims</a:t>
-            </a:r>
-          </a:p>
-          <a:p>
-            <a:pPr lvl="1"/>
-            <a:r>
-              <a:rPr lang="en-US" sz="2800" u="sng" dirty="0">
-                <a:solidFill>
-                  <a:srgbClr val="FF0000"/>
-                </a:solidFill>
-              </a:rPr>
-              <a:t>Option</a:t>
-            </a:r>
-          </a:p>
-          <a:p>
-            <a:pPr lvl="1"/>
-            <a:r>
-              <a:rPr lang="en-US" sz="2800" dirty="0"/>
-              <a:t>Credit Derivatives</a:t>
-            </a:r>
-          </a:p>
-          <a:p>
-            <a:pPr lvl="1"/>
-            <a:endParaRPr lang="en-US" dirty="0"/>
-          </a:p>
-        </p:txBody>
-      </p:sp>
-    </p:spTree>
-    <p:extLst>
-      <p:ext uri="{BB962C8B-B14F-4D97-AF65-F5344CB8AC3E}">
-        <p14:creationId xmlns:p14="http://schemas.microsoft.com/office/powerpoint/2010/main" val="1599816682"/>
-      </p:ext>
-    </p:extLst>
-  </p:cSld>
-  <p:clrMapOvr>
-    <a:masterClrMapping/>
-  </p:clrMapOvr>
-</p:sld>
-</file>
-
-<file path=ppt/slides/slide37.xml><?xml version="1.0" encoding="utf-8"?>
-<p:sld xmlns:a="http://schemas.openxmlformats.org/drawingml/2006/main" xmlns:r="http://schemas.openxmlformats.org/officeDocument/2006/relationships" xmlns:p="http://schemas.openxmlformats.org/presentationml/2006/main">
-  <p:cSld>
-    <p:spTree>
-      <p:nvGrpSpPr>
-        <p:cNvPr id="1" name=""/>
-        <p:cNvGrpSpPr/>
-        <p:nvPr/>
-      </p:nvGrpSpPr>
-      <p:grpSpPr>
-        <a:xfrm>
-          <a:off x="0" y="0"/>
-          <a:ext cx="0" cy="0"/>
-          <a:chOff x="0" y="0"/>
-          <a:chExt cx="0" cy="0"/>
-        </a:xfrm>
-      </p:grpSpPr>
-      <p:sp>
-        <p:nvSpPr>
-          <p:cNvPr id="2" name="Title 1">
-            <a:extLst>
-              <a:ext uri="{FF2B5EF4-FFF2-40B4-BE49-F238E27FC236}">
                 <a16:creationId xmlns:a16="http://schemas.microsoft.com/office/drawing/2014/main" id="{5EB0AABE-1CAE-4EC1-80D9-3EEF9BF9A4EE}"/>
               </a:ext>
             </a:extLst>
@@ -11966,7 +11319,7 @@
 </p:sld>
 </file>
 
-<file path=ppt/slides/slide38.xml><?xml version="1.0" encoding="utf-8"?>
+<file path=ppt/slides/slide37.xml><?xml version="1.0" encoding="utf-8"?>
 <p:sld xmlns:a="http://schemas.openxmlformats.org/drawingml/2006/main" xmlns:r="http://schemas.openxmlformats.org/officeDocument/2006/relationships" xmlns:p="http://schemas.openxmlformats.org/presentationml/2006/main">
   <p:cSld>
     <p:spTree>
@@ -12488,7 +11841,7 @@
 </p:sld>
 </file>
 
-<file path=ppt/slides/slide39.xml><?xml version="1.0" encoding="utf-8"?>
+<file path=ppt/slides/slide38.xml><?xml version="1.0" encoding="utf-8"?>
 <p:sld xmlns:a="http://schemas.openxmlformats.org/drawingml/2006/main" xmlns:r="http://schemas.openxmlformats.org/officeDocument/2006/relationships" xmlns:p="http://schemas.openxmlformats.org/presentationml/2006/main">
   <p:cSld>
     <p:spTree>
@@ -12644,6 +11997,174 @@
 </p:sld>
 </file>
 
+<file path=ppt/slides/slide39.xml><?xml version="1.0" encoding="utf-8"?>
+<p:sld xmlns:a="http://schemas.openxmlformats.org/drawingml/2006/main" xmlns:r="http://schemas.openxmlformats.org/officeDocument/2006/relationships" xmlns:p="http://schemas.openxmlformats.org/presentationml/2006/main">
+  <p:cSld>
+    <p:spTree>
+      <p:nvGrpSpPr>
+        <p:cNvPr id="1" name=""/>
+        <p:cNvGrpSpPr/>
+        <p:nvPr/>
+      </p:nvGrpSpPr>
+      <p:grpSpPr>
+        <a:xfrm>
+          <a:off x="0" y="0"/>
+          <a:ext cx="0" cy="0"/>
+          <a:chOff x="0" y="0"/>
+          <a:chExt cx="0" cy="0"/>
+        </a:xfrm>
+      </p:grpSpPr>
+      <p:sp>
+        <p:nvSpPr>
+          <p:cNvPr id="2" name="Title 1">
+            <a:extLst>
+              <a:ext uri="{FF2B5EF4-FFF2-40B4-BE49-F238E27FC236}">
+                <a16:creationId xmlns:a16="http://schemas.microsoft.com/office/drawing/2014/main" id="{DEE8B14E-6C89-44B2-997A-D533828A5927}"/>
+              </a:ext>
+            </a:extLst>
+          </p:cNvPr>
+          <p:cNvSpPr>
+            <a:spLocks noGrp="1"/>
+          </p:cNvSpPr>
+          <p:nvPr>
+            <p:ph type="title"/>
+          </p:nvPr>
+        </p:nvSpPr>
+        <p:spPr/>
+        <p:txBody>
+          <a:bodyPr/>
+          <a:lstStyle/>
+          <a:p>
+            <a:r>
+              <a:rPr lang="en-US" sz="4000" dirty="0"/>
+              <a:t>Option Contracts</a:t>
+            </a:r>
+            <a:br>
+              <a:rPr lang="en-US" dirty="0"/>
+            </a:br>
+            <a:r>
+              <a:rPr lang="en-US" dirty="0"/>
+              <a:t>Call Option</a:t>
+            </a:r>
+          </a:p>
+        </p:txBody>
+      </p:sp>
+      <p:sp>
+        <p:nvSpPr>
+          <p:cNvPr id="3" name="Content Placeholder 2">
+            <a:extLst>
+              <a:ext uri="{FF2B5EF4-FFF2-40B4-BE49-F238E27FC236}">
+                <a16:creationId xmlns:a16="http://schemas.microsoft.com/office/drawing/2014/main" id="{3ECD996B-BC89-4834-BB58-AC2340B223D3}"/>
+              </a:ext>
+            </a:extLst>
+          </p:cNvPr>
+          <p:cNvSpPr>
+            <a:spLocks noGrp="1"/>
+          </p:cNvSpPr>
+          <p:nvPr>
+            <p:ph idx="1"/>
+          </p:nvPr>
+        </p:nvSpPr>
+        <p:spPr/>
+        <p:txBody>
+          <a:bodyPr/>
+          <a:lstStyle/>
+          <a:p>
+            <a:r>
+              <a:rPr lang="en-US" dirty="0"/>
+              <a:t>Payoff of call option</a:t>
+            </a:r>
+          </a:p>
+          <a:p>
+            <a:pPr lvl="1"/>
+            <a:r>
+              <a:rPr lang="en-US" dirty="0"/>
+              <a:t>Long call = MAX (S</a:t>
+            </a:r>
+            <a:r>
+              <a:rPr lang="en-US" baseline="-25000" dirty="0"/>
+              <a:t>T</a:t>
+            </a:r>
+            <a:r>
+              <a:rPr lang="en-US" dirty="0"/>
+              <a:t>-X,0)</a:t>
+            </a:r>
+          </a:p>
+          <a:p>
+            <a:pPr lvl="1"/>
+            <a:r>
+              <a:rPr lang="en-US" dirty="0"/>
+              <a:t>Short call = - MAX (S</a:t>
+            </a:r>
+            <a:r>
+              <a:rPr lang="en-US" baseline="-25000" dirty="0"/>
+              <a:t>T</a:t>
+            </a:r>
+            <a:r>
+              <a:rPr lang="en-US" dirty="0"/>
+              <a:t>-X,0)</a:t>
+            </a:r>
+          </a:p>
+          <a:p>
+            <a:endParaRPr lang="en-US" dirty="0"/>
+          </a:p>
+          <a:p>
+            <a:r>
+              <a:rPr lang="en-US" dirty="0"/>
+              <a:t>Profit of call option</a:t>
+            </a:r>
+          </a:p>
+          <a:p>
+            <a:pPr lvl="1"/>
+            <a:r>
+              <a:rPr lang="en-US" dirty="0"/>
+              <a:t>Long call = MAX (S</a:t>
+            </a:r>
+            <a:r>
+              <a:rPr lang="en-US" baseline="-25000" dirty="0"/>
+              <a:t>T</a:t>
+            </a:r>
+            <a:r>
+              <a:rPr lang="en-US" dirty="0"/>
+              <a:t>-X,0) – C</a:t>
+            </a:r>
+          </a:p>
+          <a:p>
+            <a:pPr lvl="1"/>
+            <a:r>
+              <a:rPr lang="en-US" dirty="0"/>
+              <a:t>Short call = - MAX (S</a:t>
+            </a:r>
+            <a:r>
+              <a:rPr lang="en-US" baseline="-25000" dirty="0"/>
+              <a:t>T</a:t>
+            </a:r>
+            <a:r>
+              <a:rPr lang="en-US" dirty="0"/>
+              <a:t>-X,0) + C</a:t>
+            </a:r>
+          </a:p>
+          <a:p>
+            <a:endParaRPr lang="en-US" dirty="0"/>
+          </a:p>
+          <a:p>
+            <a:endParaRPr lang="en-US" dirty="0"/>
+          </a:p>
+        </p:txBody>
+      </p:sp>
+    </p:spTree>
+    <p:extLst>
+      <p:ext uri="{BB962C8B-B14F-4D97-AF65-F5344CB8AC3E}">
+        <p14:creationId xmlns:p14="http://schemas.microsoft.com/office/powerpoint/2010/main" val="788119096"/>
+      </p:ext>
+    </p:extLst>
+  </p:cSld>
+  <p:clrMapOvr>
+    <a:masterClrMapping/>
+  </p:clrMapOvr>
+</p:sld>
+</file>
+
 <file path=ppt/slides/slide4.xml><?xml version="1.0" encoding="utf-8"?>
 <p:sld xmlns:a="http://schemas.openxmlformats.org/drawingml/2006/main" xmlns:r="http://schemas.openxmlformats.org/officeDocument/2006/relationships" xmlns:p="http://schemas.openxmlformats.org/presentationml/2006/main">
   <p:cSld>
@@ -12786,174 +12307,6 @@
           <p:cNvPr id="2" name="Title 1">
             <a:extLst>
               <a:ext uri="{FF2B5EF4-FFF2-40B4-BE49-F238E27FC236}">
-                <a16:creationId xmlns:a16="http://schemas.microsoft.com/office/drawing/2014/main" id="{DEE8B14E-6C89-44B2-997A-D533828A5927}"/>
-              </a:ext>
-            </a:extLst>
-          </p:cNvPr>
-          <p:cNvSpPr>
-            <a:spLocks noGrp="1"/>
-          </p:cNvSpPr>
-          <p:nvPr>
-            <p:ph type="title"/>
-          </p:nvPr>
-        </p:nvSpPr>
-        <p:spPr/>
-        <p:txBody>
-          <a:bodyPr/>
-          <a:lstStyle/>
-          <a:p>
-            <a:r>
-              <a:rPr lang="en-US" sz="4000" dirty="0"/>
-              <a:t>Option Contracts</a:t>
-            </a:r>
-            <a:br>
-              <a:rPr lang="en-US" dirty="0"/>
-            </a:br>
-            <a:r>
-              <a:rPr lang="en-US" dirty="0"/>
-              <a:t>Call Option</a:t>
-            </a:r>
-          </a:p>
-        </p:txBody>
-      </p:sp>
-      <p:sp>
-        <p:nvSpPr>
-          <p:cNvPr id="3" name="Content Placeholder 2">
-            <a:extLst>
-              <a:ext uri="{FF2B5EF4-FFF2-40B4-BE49-F238E27FC236}">
-                <a16:creationId xmlns:a16="http://schemas.microsoft.com/office/drawing/2014/main" id="{3ECD996B-BC89-4834-BB58-AC2340B223D3}"/>
-              </a:ext>
-            </a:extLst>
-          </p:cNvPr>
-          <p:cNvSpPr>
-            <a:spLocks noGrp="1"/>
-          </p:cNvSpPr>
-          <p:nvPr>
-            <p:ph idx="1"/>
-          </p:nvPr>
-        </p:nvSpPr>
-        <p:spPr/>
-        <p:txBody>
-          <a:bodyPr/>
-          <a:lstStyle/>
-          <a:p>
-            <a:r>
-              <a:rPr lang="en-US" dirty="0"/>
-              <a:t>Payoff of call option</a:t>
-            </a:r>
-          </a:p>
-          <a:p>
-            <a:pPr lvl="1"/>
-            <a:r>
-              <a:rPr lang="en-US" dirty="0"/>
-              <a:t>Long call = MAX (S</a:t>
-            </a:r>
-            <a:r>
-              <a:rPr lang="en-US" baseline="-25000" dirty="0"/>
-              <a:t>T</a:t>
-            </a:r>
-            <a:r>
-              <a:rPr lang="en-US" dirty="0"/>
-              <a:t>-X,0)</a:t>
-            </a:r>
-          </a:p>
-          <a:p>
-            <a:pPr lvl="1"/>
-            <a:r>
-              <a:rPr lang="en-US" dirty="0"/>
-              <a:t>Short call = - MAX (S</a:t>
-            </a:r>
-            <a:r>
-              <a:rPr lang="en-US" baseline="-25000" dirty="0"/>
-              <a:t>T</a:t>
-            </a:r>
-            <a:r>
-              <a:rPr lang="en-US" dirty="0"/>
-              <a:t>-X,0)</a:t>
-            </a:r>
-          </a:p>
-          <a:p>
-            <a:endParaRPr lang="en-US" dirty="0"/>
-          </a:p>
-          <a:p>
-            <a:r>
-              <a:rPr lang="en-US" dirty="0"/>
-              <a:t>Profit of call option</a:t>
-            </a:r>
-          </a:p>
-          <a:p>
-            <a:pPr lvl="1"/>
-            <a:r>
-              <a:rPr lang="en-US" dirty="0"/>
-              <a:t>Long call = MAX (S</a:t>
-            </a:r>
-            <a:r>
-              <a:rPr lang="en-US" baseline="-25000" dirty="0"/>
-              <a:t>T</a:t>
-            </a:r>
-            <a:r>
-              <a:rPr lang="en-US" dirty="0"/>
-              <a:t>-X,0) – C</a:t>
-            </a:r>
-          </a:p>
-          <a:p>
-            <a:pPr lvl="1"/>
-            <a:r>
-              <a:rPr lang="en-US" dirty="0"/>
-              <a:t>Short call = - MAX (S</a:t>
-            </a:r>
-            <a:r>
-              <a:rPr lang="en-US" baseline="-25000" dirty="0"/>
-              <a:t>T</a:t>
-            </a:r>
-            <a:r>
-              <a:rPr lang="en-US" dirty="0"/>
-              <a:t>-X,0) + C</a:t>
-            </a:r>
-          </a:p>
-          <a:p>
-            <a:endParaRPr lang="en-US" dirty="0"/>
-          </a:p>
-          <a:p>
-            <a:endParaRPr lang="en-US" dirty="0"/>
-          </a:p>
-        </p:txBody>
-      </p:sp>
-    </p:spTree>
-    <p:extLst>
-      <p:ext uri="{BB962C8B-B14F-4D97-AF65-F5344CB8AC3E}">
-        <p14:creationId xmlns:p14="http://schemas.microsoft.com/office/powerpoint/2010/main" val="788119096"/>
-      </p:ext>
-    </p:extLst>
-  </p:cSld>
-  <p:clrMapOvr>
-    <a:masterClrMapping/>
-  </p:clrMapOvr>
-</p:sld>
-</file>
-
-<file path=ppt/slides/slide41.xml><?xml version="1.0" encoding="utf-8"?>
-<p:sld xmlns:a="http://schemas.openxmlformats.org/drawingml/2006/main" xmlns:r="http://schemas.openxmlformats.org/officeDocument/2006/relationships" xmlns:p="http://schemas.openxmlformats.org/presentationml/2006/main">
-  <p:cSld>
-    <p:spTree>
-      <p:nvGrpSpPr>
-        <p:cNvPr id="1" name=""/>
-        <p:cNvGrpSpPr/>
-        <p:nvPr/>
-      </p:nvGrpSpPr>
-      <p:grpSpPr>
-        <a:xfrm>
-          <a:off x="0" y="0"/>
-          <a:ext cx="0" cy="0"/>
-          <a:chOff x="0" y="0"/>
-          <a:chExt cx="0" cy="0"/>
-        </a:xfrm>
-      </p:grpSpPr>
-      <p:sp>
-        <p:nvSpPr>
-          <p:cNvPr id="2" name="Title 1">
-            <a:extLst>
-              <a:ext uri="{FF2B5EF4-FFF2-40B4-BE49-F238E27FC236}">
                 <a16:creationId xmlns:a16="http://schemas.microsoft.com/office/drawing/2014/main" id="{0BD82D5C-0BCB-4204-880D-B8CFE7F77D6E}"/>
               </a:ext>
             </a:extLst>
@@ -13066,7 +12419,7 @@
 </p:sld>
 </file>
 
-<file path=ppt/slides/slide42.xml><?xml version="1.0" encoding="utf-8"?>
+<file path=ppt/slides/slide41.xml><?xml version="1.0" encoding="utf-8"?>
 <p:sld xmlns:a="http://schemas.openxmlformats.org/drawingml/2006/main" xmlns:r="http://schemas.openxmlformats.org/officeDocument/2006/relationships" xmlns:p="http://schemas.openxmlformats.org/presentationml/2006/main">
   <p:cSld>
     <p:spTree>
@@ -13513,7 +12866,7 @@
 </p:sld>
 </file>
 
-<file path=ppt/slides/slide43.xml><?xml version="1.0" encoding="utf-8"?>
+<file path=ppt/slides/slide42.xml><?xml version="1.0" encoding="utf-8"?>
 <p:sld xmlns:a="http://schemas.openxmlformats.org/drawingml/2006/main" xmlns:r="http://schemas.openxmlformats.org/officeDocument/2006/relationships" xmlns:p="http://schemas.openxmlformats.org/presentationml/2006/main">
   <p:cSld>
     <p:spTree>
@@ -13669,6 +13022,222 @@
 </p:sld>
 </file>
 
+<file path=ppt/slides/slide43.xml><?xml version="1.0" encoding="utf-8"?>
+<p:sld xmlns:a="http://schemas.openxmlformats.org/drawingml/2006/main" xmlns:r="http://schemas.openxmlformats.org/officeDocument/2006/relationships" xmlns:p="http://schemas.openxmlformats.org/presentationml/2006/main">
+  <p:cSld>
+    <p:spTree>
+      <p:nvGrpSpPr>
+        <p:cNvPr id="1" name=""/>
+        <p:cNvGrpSpPr/>
+        <p:nvPr/>
+      </p:nvGrpSpPr>
+      <p:grpSpPr>
+        <a:xfrm>
+          <a:off x="0" y="0"/>
+          <a:ext cx="0" cy="0"/>
+          <a:chOff x="0" y="0"/>
+          <a:chExt cx="0" cy="0"/>
+        </a:xfrm>
+      </p:grpSpPr>
+      <p:sp>
+        <p:nvSpPr>
+          <p:cNvPr id="2" name="Title 1">
+            <a:extLst>
+              <a:ext uri="{FF2B5EF4-FFF2-40B4-BE49-F238E27FC236}">
+                <a16:creationId xmlns:a16="http://schemas.microsoft.com/office/drawing/2014/main" id="{75FC705B-800B-405C-AEEB-F97882457E8D}"/>
+              </a:ext>
+            </a:extLst>
+          </p:cNvPr>
+          <p:cNvSpPr>
+            <a:spLocks noGrp="1"/>
+          </p:cNvSpPr>
+          <p:nvPr>
+            <p:ph type="title"/>
+          </p:nvPr>
+        </p:nvSpPr>
+        <p:spPr/>
+        <p:txBody>
+          <a:bodyPr/>
+          <a:lstStyle/>
+          <a:p>
+            <a:r>
+              <a:rPr lang="en-US" sz="4000" dirty="0"/>
+              <a:t>Option Contracts</a:t>
+            </a:r>
+            <a:br>
+              <a:rPr lang="en-US" sz="4000" dirty="0"/>
+            </a:br>
+            <a:r>
+              <a:rPr lang="en-US" dirty="0"/>
+              <a:t>Put Option</a:t>
+            </a:r>
+          </a:p>
+        </p:txBody>
+      </p:sp>
+      <p:sp>
+        <p:nvSpPr>
+          <p:cNvPr id="3" name="Content Placeholder 2">
+            <a:extLst>
+              <a:ext uri="{FF2B5EF4-FFF2-40B4-BE49-F238E27FC236}">
+                <a16:creationId xmlns:a16="http://schemas.microsoft.com/office/drawing/2014/main" id="{860738EE-12EC-4D61-87AB-E384ADF5E9D4}"/>
+              </a:ext>
+            </a:extLst>
+          </p:cNvPr>
+          <p:cNvSpPr>
+            <a:spLocks noGrp="1"/>
+          </p:cNvSpPr>
+          <p:nvPr>
+            <p:ph idx="1"/>
+          </p:nvPr>
+        </p:nvSpPr>
+        <p:spPr/>
+        <p:txBody>
+          <a:bodyPr/>
+          <a:lstStyle/>
+          <a:p>
+            <a:r>
+              <a:rPr lang="en-US" dirty="0"/>
+              <a:t>Payoff of </a:t>
+            </a:r>
+            <a:r>
+              <a:rPr lang="en-US" altLang="zh-CN" dirty="0"/>
+              <a:t>put</a:t>
+            </a:r>
+            <a:r>
+              <a:rPr lang="en-US" dirty="0"/>
+              <a:t> option</a:t>
+            </a:r>
+          </a:p>
+          <a:p>
+            <a:pPr lvl="1"/>
+            <a:r>
+              <a:rPr lang="en-US" dirty="0"/>
+              <a:t>Long </a:t>
+            </a:r>
+            <a:r>
+              <a:rPr lang="en-US" altLang="zh-CN" dirty="0"/>
+              <a:t>put</a:t>
+            </a:r>
+            <a:r>
+              <a:rPr lang="en-US" dirty="0"/>
+              <a:t> = MAX (X-S</a:t>
+            </a:r>
+            <a:r>
+              <a:rPr lang="en-US" baseline="-25000" dirty="0"/>
+              <a:t>T</a:t>
+            </a:r>
+            <a:r>
+              <a:rPr lang="en-US" dirty="0"/>
+              <a:t>,0)</a:t>
+            </a:r>
+          </a:p>
+          <a:p>
+            <a:pPr lvl="1"/>
+            <a:r>
+              <a:rPr lang="en-US" dirty="0"/>
+              <a:t>Short </a:t>
+            </a:r>
+            <a:r>
+              <a:rPr lang="en-US" altLang="zh-CN" dirty="0"/>
+              <a:t>put</a:t>
+            </a:r>
+            <a:r>
+              <a:rPr lang="en-US" dirty="0"/>
+              <a:t> = - MAX (X-S</a:t>
+            </a:r>
+            <a:r>
+              <a:rPr lang="en-US" baseline="-25000" dirty="0"/>
+              <a:t>T</a:t>
+            </a:r>
+            <a:r>
+              <a:rPr lang="en-US" dirty="0"/>
+              <a:t>,0)</a:t>
+            </a:r>
+          </a:p>
+          <a:p>
+            <a:endParaRPr lang="en-US" dirty="0"/>
+          </a:p>
+          <a:p>
+            <a:r>
+              <a:rPr lang="en-US" dirty="0"/>
+              <a:t>Profit of </a:t>
+            </a:r>
+            <a:r>
+              <a:rPr lang="en-US" altLang="zh-CN" dirty="0"/>
+              <a:t>put</a:t>
+            </a:r>
+            <a:r>
+              <a:rPr lang="en-US" dirty="0"/>
+              <a:t> option</a:t>
+            </a:r>
+          </a:p>
+          <a:p>
+            <a:pPr lvl="1"/>
+            <a:r>
+              <a:rPr lang="en-US" dirty="0"/>
+              <a:t>Long </a:t>
+            </a:r>
+            <a:r>
+              <a:rPr lang="en-US" altLang="zh-CN" dirty="0"/>
+              <a:t>put</a:t>
+            </a:r>
+            <a:r>
+              <a:rPr lang="en-US" dirty="0"/>
+              <a:t> = MAX (X-S</a:t>
+            </a:r>
+            <a:r>
+              <a:rPr lang="en-US" baseline="-25000" dirty="0"/>
+              <a:t>T</a:t>
+            </a:r>
+            <a:r>
+              <a:rPr lang="en-US" dirty="0"/>
+              <a:t>,0) – P</a:t>
+            </a:r>
+          </a:p>
+          <a:p>
+            <a:pPr lvl="1"/>
+            <a:r>
+              <a:rPr lang="en-US" dirty="0"/>
+              <a:t>Short </a:t>
+            </a:r>
+            <a:r>
+              <a:rPr lang="en-US" altLang="zh-CN" dirty="0"/>
+              <a:t>put</a:t>
+            </a:r>
+            <a:r>
+              <a:rPr lang="en-US" dirty="0"/>
+              <a:t> = - MAX (X-S</a:t>
+            </a:r>
+            <a:r>
+              <a:rPr lang="en-US" baseline="-25000" dirty="0"/>
+              <a:t>T</a:t>
+            </a:r>
+            <a:r>
+              <a:rPr lang="en-US" dirty="0"/>
+              <a:t>,0) + P</a:t>
+            </a:r>
+          </a:p>
+          <a:p>
+            <a:endParaRPr lang="en-US" dirty="0"/>
+          </a:p>
+          <a:p>
+            <a:endParaRPr lang="en-US" dirty="0"/>
+          </a:p>
+        </p:txBody>
+      </p:sp>
+    </p:spTree>
+    <p:extLst>
+      <p:ext uri="{BB962C8B-B14F-4D97-AF65-F5344CB8AC3E}">
+        <p14:creationId xmlns:p14="http://schemas.microsoft.com/office/powerpoint/2010/main" val="1186771443"/>
+      </p:ext>
+    </p:extLst>
+  </p:cSld>
+  <p:clrMapOvr>
+    <a:masterClrMapping/>
+  </p:clrMapOvr>
+</p:sld>
+</file>
+
 <file path=ppt/slides/slide44.xml><?xml version="1.0" encoding="utf-8"?>
 <p:sld xmlns:a="http://schemas.openxmlformats.org/drawingml/2006/main" xmlns:r="http://schemas.openxmlformats.org/officeDocument/2006/relationships" xmlns:p="http://schemas.openxmlformats.org/presentationml/2006/main">
   <p:cSld>
@@ -13691,7 +13260,7 @@
           <p:cNvPr id="2" name="Title 1">
             <a:extLst>
               <a:ext uri="{FF2B5EF4-FFF2-40B4-BE49-F238E27FC236}">
-                <a16:creationId xmlns:a16="http://schemas.microsoft.com/office/drawing/2014/main" id="{75FC705B-800B-405C-AEEB-F97882457E8D}"/>
+                <a16:creationId xmlns:a16="http://schemas.microsoft.com/office/drawing/2014/main" id="{D144DC10-90A2-479B-B3E6-0983304E5176}"/>
               </a:ext>
             </a:extLst>
           </p:cNvPr>
@@ -13704,19 +13273,14 @@
         </p:nvSpPr>
         <p:spPr/>
         <p:txBody>
-          <a:bodyPr/>
+          <a:bodyPr>
+            <a:normAutofit/>
+          </a:bodyPr>
           <a:lstStyle/>
           <a:p>
             <a:r>
               <a:rPr lang="en-US" sz="4000" dirty="0"/>
-              <a:t>Option Contracts</a:t>
-            </a:r>
-            <a:br>
-              <a:rPr lang="en-US" sz="4000" dirty="0"/>
-            </a:br>
-            <a:r>
-              <a:rPr lang="en-US" dirty="0"/>
-              <a:t>Put Option</a:t>
+              <a:t>Practices</a:t>
             </a:r>
           </a:p>
         </p:txBody>
@@ -13726,7 +13290,7 @@
           <p:cNvPr id="3" name="Content Placeholder 2">
             <a:extLst>
               <a:ext uri="{FF2B5EF4-FFF2-40B4-BE49-F238E27FC236}">
-                <a16:creationId xmlns:a16="http://schemas.microsoft.com/office/drawing/2014/main" id="{860738EE-12EC-4D61-87AB-E384ADF5E9D4}"/>
+                <a16:creationId xmlns:a16="http://schemas.microsoft.com/office/drawing/2014/main" id="{21707848-DDDD-41EF-9362-0D44DC210E9B}"/>
               </a:ext>
             </a:extLst>
           </p:cNvPr>
@@ -13739,143 +13303,64 @@
         </p:nvSpPr>
         <p:spPr/>
         <p:txBody>
-          <a:bodyPr/>
-          <a:lstStyle/>
-          <a:p>
-            <a:r>
-              <a:rPr lang="en-US" dirty="0"/>
-              <a:t>Payoff of </a:t>
-            </a:r>
-            <a:r>
-              <a:rPr lang="en-US" altLang="zh-CN" dirty="0"/>
-              <a:t>put</a:t>
-            </a:r>
-            <a:r>
-              <a:rPr lang="en-US" dirty="0"/>
-              <a:t> option</a:t>
+          <a:bodyPr>
+            <a:normAutofit/>
+          </a:bodyPr>
+          <a:lstStyle/>
+          <a:p>
+            <a:r>
+              <a:rPr lang="en-US" dirty="0"/>
+              <a:t>Consider a put option selling for $4 in which the exercise price is $60 and the price of the underlying is $62.</a:t>
             </a:r>
           </a:p>
           <a:p>
             <a:pPr lvl="1"/>
             <a:r>
               <a:rPr lang="en-US" dirty="0"/>
-              <a:t>Long </a:t>
-            </a:r>
-            <a:r>
-              <a:rPr lang="en-US" altLang="zh-CN" dirty="0"/>
-              <a:t>put</a:t>
-            </a:r>
-            <a:r>
-              <a:rPr lang="en-US" dirty="0"/>
-              <a:t> = MAX (X-S</a:t>
-            </a:r>
-            <a:r>
-              <a:rPr lang="en-US" baseline="-25000" dirty="0"/>
-              <a:t>T</a:t>
-            </a:r>
-            <a:r>
-              <a:rPr lang="en-US" dirty="0"/>
-              <a:t>,0)</a:t>
+              <a:t>1 Determine the value at expiration and the profit for a put buyer under the following outcomes:</a:t>
+            </a:r>
+          </a:p>
+          <a:p>
+            <a:pPr lvl="2"/>
+            <a:r>
+              <a:rPr lang="en-US" dirty="0"/>
+              <a:t>A The price of the underlying at expiration is $62.</a:t>
+            </a:r>
+          </a:p>
+          <a:p>
+            <a:pPr lvl="2"/>
+            <a:r>
+              <a:rPr lang="en-US" dirty="0"/>
+              <a:t>B The price of the underlying at expiration is $55.</a:t>
             </a:r>
           </a:p>
           <a:p>
             <a:pPr lvl="1"/>
             <a:r>
               <a:rPr lang="en-US" dirty="0"/>
-              <a:t>Short </a:t>
-            </a:r>
-            <a:r>
-              <a:rPr lang="en-US" altLang="zh-CN" dirty="0"/>
-              <a:t>put</a:t>
-            </a:r>
-            <a:r>
-              <a:rPr lang="en-US" dirty="0"/>
-              <a:t> = - MAX (X-S</a:t>
-            </a:r>
-            <a:r>
-              <a:rPr lang="en-US" baseline="-25000" dirty="0"/>
-              <a:t>T</a:t>
-            </a:r>
-            <a:r>
-              <a:rPr lang="en-US" dirty="0"/>
-              <a:t>,0)</a:t>
-            </a:r>
-          </a:p>
-          <a:p>
-            <a:endParaRPr lang="en-US" dirty="0"/>
-          </a:p>
-          <a:p>
-            <a:r>
-              <a:rPr lang="en-US" dirty="0"/>
-              <a:t>Profit of </a:t>
-            </a:r>
-            <a:r>
-              <a:rPr lang="en-US" altLang="zh-CN" dirty="0"/>
-              <a:t>put</a:t>
-            </a:r>
-            <a:r>
-              <a:rPr lang="en-US" dirty="0"/>
-              <a:t> option</a:t>
-            </a:r>
-          </a:p>
-          <a:p>
-            <a:pPr lvl="1"/>
-            <a:r>
-              <a:rPr lang="en-US" dirty="0"/>
-              <a:t>Long </a:t>
-            </a:r>
-            <a:r>
-              <a:rPr lang="en-US" altLang="zh-CN" dirty="0"/>
-              <a:t>put</a:t>
-            </a:r>
-            <a:r>
-              <a:rPr lang="en-US" dirty="0"/>
-              <a:t> = MAX (X-S</a:t>
-            </a:r>
-            <a:r>
-              <a:rPr lang="en-US" baseline="-25000" dirty="0"/>
-              <a:t>T</a:t>
-            </a:r>
-            <a:r>
-              <a:rPr lang="en-US" dirty="0"/>
-              <a:t>,0) – P</a:t>
-            </a:r>
-          </a:p>
-          <a:p>
-            <a:pPr lvl="1"/>
-            <a:r>
-              <a:rPr lang="en-US" dirty="0"/>
-              <a:t>Short </a:t>
-            </a:r>
-            <a:r>
-              <a:rPr lang="en-US" altLang="zh-CN" dirty="0"/>
-              <a:t>put</a:t>
-            </a:r>
-            <a:r>
-              <a:rPr lang="en-US" dirty="0"/>
-              <a:t> = - MAX (X-S</a:t>
-            </a:r>
-            <a:r>
-              <a:rPr lang="en-US" baseline="-25000" dirty="0"/>
-              <a:t>T</a:t>
-            </a:r>
-            <a:r>
-              <a:rPr lang="en-US" dirty="0"/>
-              <a:t>,0) + P</a:t>
-            </a:r>
-          </a:p>
-          <a:p>
-            <a:endParaRPr lang="en-US" dirty="0"/>
-          </a:p>
-          <a:p>
-            <a:endParaRPr lang="en-US" dirty="0"/>
+              <a:t>2 Determine the value at expiration and the profit for a put seller under the following outcomes:</a:t>
+            </a:r>
+          </a:p>
+          <a:p>
+            <a:pPr lvl="2"/>
+            <a:r>
+              <a:rPr lang="en-US" dirty="0"/>
+              <a:t>A The price of the underlying at expiration is $51.</a:t>
+            </a:r>
+          </a:p>
+          <a:p>
+            <a:pPr lvl="2"/>
+            <a:r>
+              <a:rPr lang="en-US" dirty="0"/>
+              <a:t>B The price of the underlying at expiration is $68.</a:t>
+            </a:r>
           </a:p>
         </p:txBody>
       </p:sp>
     </p:spTree>
     <p:extLst>
       <p:ext uri="{BB962C8B-B14F-4D97-AF65-F5344CB8AC3E}">
-        <p14:creationId xmlns:p14="http://schemas.microsoft.com/office/powerpoint/2010/main" val="1186771443"/>
+        <p14:creationId xmlns:p14="http://schemas.microsoft.com/office/powerpoint/2010/main" val="3669530994"/>
       </p:ext>
     </p:extLst>
   </p:cSld>
@@ -13907,138 +13392,6 @@
           <p:cNvPr id="2" name="Title 1">
             <a:extLst>
               <a:ext uri="{FF2B5EF4-FFF2-40B4-BE49-F238E27FC236}">
-                <a16:creationId xmlns:a16="http://schemas.microsoft.com/office/drawing/2014/main" id="{D144DC10-90A2-479B-B3E6-0983304E5176}"/>
-              </a:ext>
-            </a:extLst>
-          </p:cNvPr>
-          <p:cNvSpPr>
-            <a:spLocks noGrp="1"/>
-          </p:cNvSpPr>
-          <p:nvPr>
-            <p:ph type="title"/>
-          </p:nvPr>
-        </p:nvSpPr>
-        <p:spPr/>
-        <p:txBody>
-          <a:bodyPr>
-            <a:normAutofit/>
-          </a:bodyPr>
-          <a:lstStyle/>
-          <a:p>
-            <a:r>
-              <a:rPr lang="en-US" sz="4000" dirty="0"/>
-              <a:t>Practices</a:t>
-            </a:r>
-          </a:p>
-        </p:txBody>
-      </p:sp>
-      <p:sp>
-        <p:nvSpPr>
-          <p:cNvPr id="3" name="Content Placeholder 2">
-            <a:extLst>
-              <a:ext uri="{FF2B5EF4-FFF2-40B4-BE49-F238E27FC236}">
-                <a16:creationId xmlns:a16="http://schemas.microsoft.com/office/drawing/2014/main" id="{21707848-DDDD-41EF-9362-0D44DC210E9B}"/>
-              </a:ext>
-            </a:extLst>
-          </p:cNvPr>
-          <p:cNvSpPr>
-            <a:spLocks noGrp="1"/>
-          </p:cNvSpPr>
-          <p:nvPr>
-            <p:ph idx="1"/>
-          </p:nvPr>
-        </p:nvSpPr>
-        <p:spPr/>
-        <p:txBody>
-          <a:bodyPr>
-            <a:normAutofit/>
-          </a:bodyPr>
-          <a:lstStyle/>
-          <a:p>
-            <a:r>
-              <a:rPr lang="en-US" dirty="0"/>
-              <a:t>Consider a put option selling for $4 in which the exercise price is $60 and the price of the underlying is $62.</a:t>
-            </a:r>
-          </a:p>
-          <a:p>
-            <a:pPr lvl="1"/>
-            <a:r>
-              <a:rPr lang="en-US" dirty="0"/>
-              <a:t>1 Determine the value at expiration and the profit for a put buyer under the following outcomes:</a:t>
-            </a:r>
-          </a:p>
-          <a:p>
-            <a:pPr lvl="2"/>
-            <a:r>
-              <a:rPr lang="en-US" dirty="0"/>
-              <a:t>A The price of the underlying at expiration is $62.</a:t>
-            </a:r>
-          </a:p>
-          <a:p>
-            <a:pPr lvl="2"/>
-            <a:r>
-              <a:rPr lang="en-US" dirty="0"/>
-              <a:t>B The price of the underlying at expiration is $55.</a:t>
-            </a:r>
-          </a:p>
-          <a:p>
-            <a:pPr lvl="1"/>
-            <a:r>
-              <a:rPr lang="en-US" dirty="0"/>
-              <a:t>2 Determine the value at expiration and the profit for a put seller under the following outcomes:</a:t>
-            </a:r>
-          </a:p>
-          <a:p>
-            <a:pPr lvl="2"/>
-            <a:r>
-              <a:rPr lang="en-US" dirty="0"/>
-              <a:t>A The price of the underlying at expiration is $51.</a:t>
-            </a:r>
-          </a:p>
-          <a:p>
-            <a:pPr lvl="2"/>
-            <a:r>
-              <a:rPr lang="en-US" dirty="0"/>
-              <a:t>B The price of the underlying at expiration is $68.</a:t>
-            </a:r>
-          </a:p>
-        </p:txBody>
-      </p:sp>
-    </p:spTree>
-    <p:extLst>
-      <p:ext uri="{BB962C8B-B14F-4D97-AF65-F5344CB8AC3E}">
-        <p14:creationId xmlns:p14="http://schemas.microsoft.com/office/powerpoint/2010/main" val="3669530994"/>
-      </p:ext>
-    </p:extLst>
-  </p:cSld>
-  <p:clrMapOvr>
-    <a:masterClrMapping/>
-  </p:clrMapOvr>
-</p:sld>
-</file>
-
-<file path=ppt/slides/slide46.xml><?xml version="1.0" encoding="utf-8"?>
-<p:sld xmlns:a="http://schemas.openxmlformats.org/drawingml/2006/main" xmlns:r="http://schemas.openxmlformats.org/officeDocument/2006/relationships" xmlns:p="http://schemas.openxmlformats.org/presentationml/2006/main">
-  <p:cSld>
-    <p:spTree>
-      <p:nvGrpSpPr>
-        <p:cNvPr id="1" name=""/>
-        <p:cNvGrpSpPr/>
-        <p:nvPr/>
-      </p:nvGrpSpPr>
-      <p:grpSpPr>
-        <a:xfrm>
-          <a:off x="0" y="0"/>
-          <a:ext cx="0" cy="0"/>
-          <a:chOff x="0" y="0"/>
-          <a:chExt cx="0" cy="0"/>
-        </a:xfrm>
-      </p:grpSpPr>
-      <p:sp>
-        <p:nvSpPr>
-          <p:cNvPr id="2" name="Title 1">
-            <a:extLst>
-              <a:ext uri="{FF2B5EF4-FFF2-40B4-BE49-F238E27FC236}">
                 <a16:creationId xmlns:a16="http://schemas.microsoft.com/office/drawing/2014/main" id="{1C2F3AE9-B402-437D-BDF5-E4639C896F9C}"/>
               </a:ext>
             </a:extLst>
@@ -14218,7 +13571,7 @@
 </p:sld>
 </file>
 
-<file path=ppt/slides/slide47.xml><?xml version="1.0" encoding="utf-8"?>
+<file path=ppt/slides/slide46.xml><?xml version="1.0" encoding="utf-8"?>
 <p:sld xmlns:a="http://schemas.openxmlformats.org/drawingml/2006/main" xmlns:r="http://schemas.openxmlformats.org/officeDocument/2006/relationships" xmlns:p="http://schemas.openxmlformats.org/presentationml/2006/main">
   <p:cSld>
     <p:spTree>
@@ -14668,6 +14021,152 @@
 </p:sld>
 </file>
 
+<file path=ppt/slides/slide47.xml><?xml version="1.0" encoding="utf-8"?>
+<p:sld xmlns:a="http://schemas.openxmlformats.org/drawingml/2006/main" xmlns:r="http://schemas.openxmlformats.org/officeDocument/2006/relationships" xmlns:p="http://schemas.openxmlformats.org/presentationml/2006/main">
+  <p:cSld>
+    <p:spTree>
+      <p:nvGrpSpPr>
+        <p:cNvPr id="1" name=""/>
+        <p:cNvGrpSpPr/>
+        <p:nvPr/>
+      </p:nvGrpSpPr>
+      <p:grpSpPr>
+        <a:xfrm>
+          <a:off x="0" y="0"/>
+          <a:ext cx="0" cy="0"/>
+          <a:chOff x="0" y="0"/>
+          <a:chExt cx="0" cy="0"/>
+        </a:xfrm>
+      </p:grpSpPr>
+      <p:sp>
+        <p:nvSpPr>
+          <p:cNvPr id="2" name="Title 1">
+            <a:extLst>
+              <a:ext uri="{FF2B5EF4-FFF2-40B4-BE49-F238E27FC236}">
+                <a16:creationId xmlns:a16="http://schemas.microsoft.com/office/drawing/2014/main" id="{A3BB96AB-1005-48C4-8495-D9268F80EAD9}"/>
+              </a:ext>
+            </a:extLst>
+          </p:cNvPr>
+          <p:cNvSpPr>
+            <a:spLocks noGrp="1"/>
+          </p:cNvSpPr>
+          <p:nvPr>
+            <p:ph type="title"/>
+          </p:nvPr>
+        </p:nvSpPr>
+        <p:spPr/>
+        <p:txBody>
+          <a:bodyPr>
+            <a:normAutofit/>
+          </a:bodyPr>
+          <a:lstStyle/>
+          <a:p>
+            <a:r>
+              <a:rPr lang="en-US" sz="4000" dirty="0"/>
+              <a:t>Practices</a:t>
+            </a:r>
+          </a:p>
+        </p:txBody>
+      </p:sp>
+      <p:sp>
+        <p:nvSpPr>
+          <p:cNvPr id="3" name="Content Placeholder 2">
+            <a:extLst>
+              <a:ext uri="{FF2B5EF4-FFF2-40B4-BE49-F238E27FC236}">
+                <a16:creationId xmlns:a16="http://schemas.microsoft.com/office/drawing/2014/main" id="{74011303-55EE-4922-82A1-052AEDDE02C8}"/>
+              </a:ext>
+            </a:extLst>
+          </p:cNvPr>
+          <p:cNvSpPr>
+            <a:spLocks noGrp="1"/>
+          </p:cNvSpPr>
+          <p:nvPr>
+            <p:ph idx="1"/>
+          </p:nvPr>
+        </p:nvSpPr>
+        <p:spPr/>
+        <p:txBody>
+          <a:bodyPr>
+            <a:noAutofit/>
+          </a:bodyPr>
+          <a:lstStyle/>
+          <a:p>
+            <a:r>
+              <a:rPr lang="en-US" sz="2000" dirty="0"/>
+              <a:t>1.An option provides which of the following?</a:t>
+            </a:r>
+          </a:p>
+          <a:p>
+            <a:pPr lvl="1"/>
+            <a:r>
+              <a:rPr lang="en-US" sz="2000" dirty="0"/>
+              <a:t>A Either the right to buy or the right to sell an underlying</a:t>
+            </a:r>
+          </a:p>
+          <a:p>
+            <a:pPr lvl="1"/>
+            <a:r>
+              <a:rPr lang="en-US" sz="2000" dirty="0"/>
+              <a:t>B The right to buy and sell, with the choice made at expiration</a:t>
+            </a:r>
+          </a:p>
+          <a:p>
+            <a:pPr lvl="1"/>
+            <a:r>
+              <a:rPr lang="en-US" sz="2000" dirty="0"/>
+              <a:t>C The obligation to buy or sell, which can be converted into the right to buy or sell</a:t>
+            </a:r>
+          </a:p>
+          <a:p>
+            <a:r>
+              <a:rPr lang="en-US" sz="2000" dirty="0"/>
+              <a:t>2.Which of the following is not a characteristic of a call option on a stock?</a:t>
+            </a:r>
+          </a:p>
+          <a:p>
+            <a:pPr lvl="1"/>
+            <a:r>
+              <a:rPr lang="en-US" sz="2000" dirty="0"/>
+              <a:t>A </a:t>
+            </a:r>
+            <a:r>
+              <a:rPr lang="en-US" sz="2000" dirty="0" err="1"/>
+              <a:t>A</a:t>
+            </a:r>
+            <a:r>
+              <a:rPr lang="en-US" sz="2000" dirty="0"/>
+              <a:t> guarantee that the stock will increase</a:t>
+            </a:r>
+          </a:p>
+          <a:p>
+            <a:pPr lvl="1"/>
+            <a:r>
+              <a:rPr lang="en-US" sz="2000" dirty="0"/>
+              <a:t>B A specified date on which the right to buy expires</a:t>
+            </a:r>
+          </a:p>
+          <a:p>
+            <a:pPr lvl="1"/>
+            <a:r>
+              <a:rPr lang="en-US" sz="2000" dirty="0"/>
+              <a:t>C A fixed price at which the call holder can buy the stock</a:t>
+            </a:r>
+          </a:p>
+        </p:txBody>
+      </p:sp>
+    </p:spTree>
+    <p:extLst>
+      <p:ext uri="{BB962C8B-B14F-4D97-AF65-F5344CB8AC3E}">
+        <p14:creationId xmlns:p14="http://schemas.microsoft.com/office/powerpoint/2010/main" val="3225362099"/>
+      </p:ext>
+    </p:extLst>
+  </p:cSld>
+  <p:clrMapOvr>
+    <a:masterClrMapping/>
+  </p:clrMapOvr>
+</p:sld>
+</file>
+
 <file path=ppt/slides/slide48.xml><?xml version="1.0" encoding="utf-8"?>
 <p:sld xmlns:a="http://schemas.openxmlformats.org/drawingml/2006/main" xmlns:r="http://schemas.openxmlformats.org/officeDocument/2006/relationships" xmlns:p="http://schemas.openxmlformats.org/presentationml/2006/main">
   <p:cSld>
@@ -14690,7 +14189,7 @@
           <p:cNvPr id="2" name="Title 1">
             <a:extLst>
               <a:ext uri="{FF2B5EF4-FFF2-40B4-BE49-F238E27FC236}">
-                <a16:creationId xmlns:a16="http://schemas.microsoft.com/office/drawing/2014/main" id="{A3BB96AB-1005-48C4-8495-D9268F80EAD9}"/>
+                <a16:creationId xmlns:a16="http://schemas.microsoft.com/office/drawing/2014/main" id="{3B6DC5E5-B49D-4096-80C1-B8052495A474}"/>
               </a:ext>
             </a:extLst>
           </p:cNvPr>
@@ -14704,14 +14203,21 @@
         <p:spPr/>
         <p:txBody>
           <a:bodyPr>
-            <a:normAutofit/>
+            <a:normAutofit fontScale="90000"/>
           </a:bodyPr>
           <a:lstStyle/>
           <a:p>
             <a:r>
+              <a:rPr lang="en-US" sz="4400" dirty="0"/>
+              <a:t>Credit Derivatives</a:t>
+            </a:r>
+            <a:br>
               <a:rPr lang="en-US" sz="4000" dirty="0"/>
-              <a:t>Practices</a:t>
-            </a:r>
+            </a:br>
+            <a:br>
+              <a:rPr lang="en-US" sz="4000" dirty="0"/>
+            </a:br>
+            <a:endParaRPr lang="en-US" sz="4000" dirty="0"/>
           </a:p>
         </p:txBody>
       </p:sp>
@@ -14720,7 +14226,7 @@
           <p:cNvPr id="3" name="Content Placeholder 2">
             <a:extLst>
               <a:ext uri="{FF2B5EF4-FFF2-40B4-BE49-F238E27FC236}">
-                <a16:creationId xmlns:a16="http://schemas.microsoft.com/office/drawing/2014/main" id="{74011303-55EE-4922-82A1-052AEDDE02C8}"/>
+                <a16:creationId xmlns:a16="http://schemas.microsoft.com/office/drawing/2014/main" id="{831B6362-3303-4415-9D10-C4E0904D67AF}"/>
               </a:ext>
             </a:extLst>
           </p:cNvPr>
@@ -14733,78 +14239,85 @@
         </p:nvSpPr>
         <p:spPr/>
         <p:txBody>
-          <a:bodyPr>
-            <a:noAutofit/>
-          </a:bodyPr>
-          <a:lstStyle/>
-          <a:p>
-            <a:r>
-              <a:rPr lang="en-US" sz="2000" dirty="0"/>
-              <a:t>1.An option provides which of the following?</a:t>
+          <a:bodyPr/>
+          <a:lstStyle/>
+          <a:p>
+            <a:r>
+              <a:rPr lang="en-US" sz="2800" dirty="0"/>
+              <a:t>Forward commitments</a:t>
             </a:r>
           </a:p>
           <a:p>
             <a:pPr lvl="1"/>
             <a:r>
-              <a:rPr lang="en-US" sz="2000" dirty="0"/>
-              <a:t>A Either the right to buy or the right to sell an underlying</a:t>
+              <a:rPr lang="en-US" sz="2800" dirty="0">
+                <a:solidFill>
+                  <a:schemeClr val="tx1"/>
+                </a:solidFill>
+              </a:rPr>
+              <a:t>Forward</a:t>
             </a:r>
           </a:p>
           <a:p>
             <a:pPr lvl="1"/>
             <a:r>
-              <a:rPr lang="en-US" sz="2000" dirty="0"/>
-              <a:t>B The right to buy and sell, with the choice made at expiration</a:t>
+              <a:rPr lang="en-US" sz="2800" dirty="0">
+                <a:solidFill>
+                  <a:schemeClr val="tx1"/>
+                </a:solidFill>
+              </a:rPr>
+              <a:t>Futures</a:t>
             </a:r>
           </a:p>
           <a:p>
             <a:pPr lvl="1"/>
             <a:r>
-              <a:rPr lang="en-US" sz="2000" dirty="0"/>
-              <a:t>C The obligation to buy or sell, which can be converted into the right to buy or sell</a:t>
-            </a:r>
-          </a:p>
-          <a:p>
-            <a:r>
-              <a:rPr lang="en-US" sz="2000" dirty="0"/>
-              <a:t>2.Which of the following is not a characteristic of a call option on a stock?</a:t>
+              <a:rPr lang="en-US" sz="2800" dirty="0">
+                <a:solidFill>
+                  <a:schemeClr val="tx1"/>
+                </a:solidFill>
+              </a:rPr>
+              <a:t>Swap</a:t>
+            </a:r>
+          </a:p>
+          <a:p>
+            <a:r>
+              <a:rPr lang="en-US" sz="2800" dirty="0"/>
+              <a:t>Contingent claims</a:t>
             </a:r>
           </a:p>
           <a:p>
             <a:pPr lvl="1"/>
             <a:r>
-              <a:rPr lang="en-US" sz="2000" dirty="0"/>
-              <a:t>A </a:t>
-            </a:r>
-            <a:r>
-              <a:rPr lang="en-US" sz="2000" dirty="0" err="1"/>
-              <a:t>A</a:t>
-            </a:r>
-            <a:r>
-              <a:rPr lang="en-US" sz="2000" dirty="0"/>
-              <a:t> guarantee that the stock will increase</a:t>
+              <a:rPr lang="en-US" sz="2800" dirty="0">
+                <a:solidFill>
+                  <a:schemeClr val="tx1"/>
+                </a:solidFill>
+              </a:rPr>
+              <a:t>Option</a:t>
             </a:r>
           </a:p>
           <a:p>
             <a:pPr lvl="1"/>
             <a:r>
-              <a:rPr lang="en-US" sz="2000" dirty="0"/>
-              <a:t>B A specified date on which the right to buy expires</a:t>
+              <a:rPr lang="en-US" sz="2800" u="sng" dirty="0">
+                <a:solidFill>
+                  <a:srgbClr val="FF0000"/>
+                </a:solidFill>
+              </a:rPr>
+              <a:t>Credit Derivatives</a:t>
             </a:r>
           </a:p>
           <a:p>
             <a:pPr lvl="1"/>
-            <a:r>
-              <a:rPr lang="en-US" sz="2000" dirty="0"/>
-              <a:t>C A fixed price at which the call holder can buy the stock</a:t>
-            </a:r>
+            <a:endParaRPr lang="en-US" dirty="0"/>
           </a:p>
         </p:txBody>
       </p:sp>
     </p:spTree>
     <p:extLst>
       <p:ext uri="{BB962C8B-B14F-4D97-AF65-F5344CB8AC3E}">
-        <p14:creationId xmlns:p14="http://schemas.microsoft.com/office/powerpoint/2010/main" val="3225362099"/>
+        <p14:creationId xmlns:p14="http://schemas.microsoft.com/office/powerpoint/2010/main" val="2303669535"/>
       </p:ext>
     </p:extLst>
   </p:cSld>
@@ -14836,7 +14349,7 @@
           <p:cNvPr id="2" name="Title 1">
             <a:extLst>
               <a:ext uri="{FF2B5EF4-FFF2-40B4-BE49-F238E27FC236}">
-                <a16:creationId xmlns:a16="http://schemas.microsoft.com/office/drawing/2014/main" id="{3B6DC5E5-B49D-4096-80C1-B8052495A474}"/>
+                <a16:creationId xmlns:a16="http://schemas.microsoft.com/office/drawing/2014/main" id="{20DB8FC4-573F-4A09-AE2A-04D0353ECBFD}"/>
               </a:ext>
             </a:extLst>
           </p:cNvPr>
@@ -14850,21 +14363,14 @@
         <p:spPr/>
         <p:txBody>
           <a:bodyPr>
-            <a:normAutofit fontScale="90000"/>
+            <a:normAutofit/>
           </a:bodyPr>
           <a:lstStyle/>
           <a:p>
             <a:r>
-              <a:rPr lang="en-US" sz="4400" dirty="0"/>
+              <a:rPr lang="en-US" sz="4000" dirty="0"/>
               <a:t>Credit Derivatives</a:t>
             </a:r>
-            <a:br>
-              <a:rPr lang="en-US" sz="4000" dirty="0"/>
-            </a:br>
-            <a:br>
-              <a:rPr lang="en-US" sz="4000" dirty="0"/>
-            </a:br>
-            <a:endParaRPr lang="en-US" sz="4000" dirty="0"/>
           </a:p>
         </p:txBody>
       </p:sp>
@@ -14873,7 +14379,7 @@
           <p:cNvPr id="3" name="Content Placeholder 2">
             <a:extLst>
               <a:ext uri="{FF2B5EF4-FFF2-40B4-BE49-F238E27FC236}">
-                <a16:creationId xmlns:a16="http://schemas.microsoft.com/office/drawing/2014/main" id="{831B6362-3303-4415-9D10-C4E0904D67AF}"/>
+                <a16:creationId xmlns:a16="http://schemas.microsoft.com/office/drawing/2014/main" id="{2F42ACB6-E17F-425E-ACDC-30219AB1355F}"/>
               </a:ext>
             </a:extLst>
           </p:cNvPr>
@@ -14890,73 +14396,53 @@
           <a:lstStyle/>
           <a:p>
             <a:r>
-              <a:rPr lang="en-US" sz="2800" dirty="0"/>
-              <a:t>Forward commitments</a:t>
-            </a:r>
+              <a:rPr lang="en-US" sz="2400" dirty="0"/>
+              <a:t>Definition : A credit derivative is a class of derivative contracts between two parties, a credit protection buyer and a credit protection seller, in which the latter provides protection to the former against a specific credit loss.</a:t>
+            </a:r>
+          </a:p>
+          <a:p>
+            <a:r>
+              <a:rPr lang="en-US" sz="2400" dirty="0"/>
+              <a:t>Buyer:</a:t>
+            </a:r>
+            <a:r>
+              <a:rPr lang="zh-CN" altLang="en-US" sz="2400" dirty="0"/>
+              <a:t>面临信用风险，买入信用保护</a:t>
+            </a:r>
+            <a:endParaRPr lang="en-US" altLang="zh-CN" sz="2400" dirty="0"/>
           </a:p>
           <a:p>
             <a:pPr lvl="1"/>
             <a:r>
-              <a:rPr lang="en-US" sz="2800" dirty="0">
-                <a:solidFill>
-                  <a:schemeClr val="tx1"/>
-                </a:solidFill>
-              </a:rPr>
-              <a:t>Forward</a:t>
-            </a:r>
+              <a:rPr lang="zh-CN" altLang="en-US" sz="2200" dirty="0"/>
+              <a:t>债券持有人，发放贷款机构</a:t>
+            </a:r>
+            <a:endParaRPr lang="en-US" altLang="zh-CN" sz="2200" dirty="0"/>
+          </a:p>
+          <a:p>
+            <a:r>
+              <a:rPr lang="en-US" sz="2400" dirty="0"/>
+              <a:t>S</a:t>
+            </a:r>
+            <a:r>
+              <a:rPr lang="en-US" altLang="zh-CN" sz="2400" dirty="0"/>
+              <a:t>eller:</a:t>
+            </a:r>
+            <a:r>
+              <a:rPr lang="zh-CN" altLang="en-US" sz="2400" dirty="0"/>
+              <a:t>卖出信用保护</a:t>
+            </a:r>
+            <a:endParaRPr lang="en-US" altLang="zh-CN" sz="2400" dirty="0"/>
           </a:p>
           <a:p>
             <a:pPr lvl="1"/>
             <a:r>
-              <a:rPr lang="en-US" sz="2800" dirty="0">
-                <a:solidFill>
-                  <a:schemeClr val="tx1"/>
-                </a:solidFill>
-              </a:rPr>
-              <a:t>Futures</a:t>
-            </a:r>
-          </a:p>
-          <a:p>
-            <a:pPr lvl="1"/>
-            <a:r>
-              <a:rPr lang="en-US" sz="2800" dirty="0">
-                <a:solidFill>
-                  <a:schemeClr val="tx1"/>
-                </a:solidFill>
-              </a:rPr>
-              <a:t>Swap</a:t>
-            </a:r>
-          </a:p>
-          <a:p>
-            <a:r>
-              <a:rPr lang="en-US" sz="2800" dirty="0"/>
-              <a:t>Contingent claims</a:t>
-            </a:r>
-          </a:p>
-          <a:p>
-            <a:pPr lvl="1"/>
-            <a:r>
-              <a:rPr lang="en-US" sz="2800" dirty="0">
-                <a:solidFill>
-                  <a:schemeClr val="tx1"/>
-                </a:solidFill>
-              </a:rPr>
-              <a:t>Option</a:t>
-            </a:r>
-          </a:p>
-          <a:p>
-            <a:pPr lvl="1"/>
-            <a:r>
-              <a:rPr lang="en-US" sz="2800" u="sng" dirty="0">
-                <a:solidFill>
-                  <a:srgbClr val="FF0000"/>
-                </a:solidFill>
-              </a:rPr>
-              <a:t>Credit Derivatives</a:t>
-            </a:r>
-          </a:p>
-          <a:p>
-            <a:pPr lvl="1"/>
+              <a:rPr lang="zh-CN" altLang="en-US" sz="2200" dirty="0"/>
+              <a:t>各类金融机构（保险公司，券商，投资银行）</a:t>
+            </a:r>
+            <a:endParaRPr lang="en-US" sz="2200" dirty="0"/>
+          </a:p>
+          <a:p>
             <a:endParaRPr lang="en-US" dirty="0"/>
           </a:p>
         </p:txBody>
@@ -14964,7 +14450,7 @@
     </p:spTree>
     <p:extLst>
       <p:ext uri="{BB962C8B-B14F-4D97-AF65-F5344CB8AC3E}">
-        <p14:creationId xmlns:p14="http://schemas.microsoft.com/office/powerpoint/2010/main" val="2303669535"/>
+        <p14:creationId xmlns:p14="http://schemas.microsoft.com/office/powerpoint/2010/main" val="1165323640"/>
       </p:ext>
     </p:extLst>
   </p:cSld>
@@ -15116,7 +14602,7 @@
           <p:cNvPr id="2" name="Title 1">
             <a:extLst>
               <a:ext uri="{FF2B5EF4-FFF2-40B4-BE49-F238E27FC236}">
-                <a16:creationId xmlns:a16="http://schemas.microsoft.com/office/drawing/2014/main" id="{20DB8FC4-573F-4A09-AE2A-04D0353ECBFD}"/>
+                <a16:creationId xmlns:a16="http://schemas.microsoft.com/office/drawing/2014/main" id="{3F303233-1831-4E4A-9324-5AA1E3371CBF}"/>
               </a:ext>
             </a:extLst>
           </p:cNvPr>
@@ -15146,7 +14632,7 @@
           <p:cNvPr id="3" name="Content Placeholder 2">
             <a:extLst>
               <a:ext uri="{FF2B5EF4-FFF2-40B4-BE49-F238E27FC236}">
-                <a16:creationId xmlns:a16="http://schemas.microsoft.com/office/drawing/2014/main" id="{2F42ACB6-E17F-425E-ACDC-30219AB1355F}"/>
+                <a16:creationId xmlns:a16="http://schemas.microsoft.com/office/drawing/2014/main" id="{A91A19E5-F393-4382-B424-ABF09382E331}"/>
               </a:ext>
             </a:extLst>
           </p:cNvPr>
@@ -15159,65 +14645,22 @@
         </p:nvSpPr>
         <p:spPr/>
         <p:txBody>
-          <a:bodyPr/>
-          <a:lstStyle/>
-          <a:p>
-            <a:r>
-              <a:rPr lang="en-US" sz="2400" dirty="0"/>
-              <a:t>Definition : A credit derivative is a class of derivative contracts between two parties, a credit protection buyer and a credit protection seller, in which the latter provides protection to the former against a specific credit loss.</a:t>
-            </a:r>
-          </a:p>
-          <a:p>
-            <a:r>
-              <a:rPr lang="en-US" sz="2400" dirty="0"/>
-              <a:t>Buyer:</a:t>
-            </a:r>
-            <a:r>
-              <a:rPr lang="zh-CN" altLang="en-US" sz="2400" dirty="0"/>
-              <a:t>面临信用风险，买入信用保护</a:t>
-            </a:r>
-            <a:endParaRPr lang="en-US" altLang="zh-CN" sz="2400" dirty="0"/>
-          </a:p>
-          <a:p>
-            <a:pPr lvl="1"/>
-            <a:r>
-              <a:rPr lang="zh-CN" altLang="en-US" sz="2200" dirty="0"/>
-              <a:t>债券持有人，发放贷款机构</a:t>
-            </a:r>
-            <a:endParaRPr lang="en-US" altLang="zh-CN" sz="2200" dirty="0"/>
-          </a:p>
-          <a:p>
-            <a:r>
-              <a:rPr lang="en-US" sz="2400" dirty="0"/>
-              <a:t>S</a:t>
-            </a:r>
-            <a:r>
-              <a:rPr lang="en-US" altLang="zh-CN" sz="2400" dirty="0"/>
-              <a:t>eller:</a:t>
-            </a:r>
-            <a:r>
-              <a:rPr lang="zh-CN" altLang="en-US" sz="2400" dirty="0"/>
-              <a:t>卖出信用保护</a:t>
-            </a:r>
-            <a:endParaRPr lang="en-US" altLang="zh-CN" sz="2400" dirty="0"/>
-          </a:p>
-          <a:p>
-            <a:pPr lvl="1"/>
-            <a:r>
-              <a:rPr lang="zh-CN" altLang="en-US" sz="2200" dirty="0"/>
-              <a:t>各类金融机构（保险公司，券商，投资银行）</a:t>
-            </a:r>
-            <a:endParaRPr lang="en-US" sz="2200" dirty="0"/>
-          </a:p>
-          <a:p>
-            <a:endParaRPr lang="en-US" dirty="0"/>
+          <a:bodyPr>
+            <a:normAutofit/>
+          </a:bodyPr>
+          <a:lstStyle/>
+          <a:p>
+            <a:r>
+              <a:rPr lang="en-US" sz="2000" dirty="0"/>
+              <a:t>Total return swap</a:t>
+            </a:r>
           </a:p>
         </p:txBody>
       </p:sp>
     </p:spTree>
     <p:extLst>
       <p:ext uri="{BB962C8B-B14F-4D97-AF65-F5344CB8AC3E}">
-        <p14:creationId xmlns:p14="http://schemas.microsoft.com/office/powerpoint/2010/main" val="1165323640"/>
+        <p14:creationId xmlns:p14="http://schemas.microsoft.com/office/powerpoint/2010/main" val="3215247430"/>
       </p:ext>
     </p:extLst>
   </p:cSld>
@@ -15249,7 +14692,7 @@
           <p:cNvPr id="2" name="Title 1">
             <a:extLst>
               <a:ext uri="{FF2B5EF4-FFF2-40B4-BE49-F238E27FC236}">
-                <a16:creationId xmlns:a16="http://schemas.microsoft.com/office/drawing/2014/main" id="{3F303233-1831-4E4A-9324-5AA1E3371CBF}"/>
+                <a16:creationId xmlns:a16="http://schemas.microsoft.com/office/drawing/2014/main" id="{C7BDF7C6-BD38-4D2C-B7EC-F25AB1968614}"/>
               </a:ext>
             </a:extLst>
           </p:cNvPr>
@@ -15279,7 +14722,7 @@
           <p:cNvPr id="3" name="Content Placeholder 2">
             <a:extLst>
               <a:ext uri="{FF2B5EF4-FFF2-40B4-BE49-F238E27FC236}">
-                <a16:creationId xmlns:a16="http://schemas.microsoft.com/office/drawing/2014/main" id="{A91A19E5-F393-4382-B424-ABF09382E331}"/>
+                <a16:creationId xmlns:a16="http://schemas.microsoft.com/office/drawing/2014/main" id="{AC997BD0-8E21-4394-A39E-48A459D507C9}"/>
               </a:ext>
             </a:extLst>
           </p:cNvPr>
@@ -15292,14 +14735,12 @@
         </p:nvSpPr>
         <p:spPr/>
         <p:txBody>
-          <a:bodyPr>
-            <a:normAutofit/>
-          </a:bodyPr>
-          <a:lstStyle/>
-          <a:p>
-            <a:r>
-              <a:rPr lang="en-US" sz="2000" dirty="0"/>
-              <a:t>Total return swap</a:t>
+          <a:bodyPr/>
+          <a:lstStyle/>
+          <a:p>
+            <a:r>
+              <a:rPr lang="en-US" dirty="0"/>
+              <a:t>Credit spread option</a:t>
             </a:r>
           </a:p>
         </p:txBody>
@@ -15307,7 +14748,7 @@
     </p:spTree>
     <p:extLst>
       <p:ext uri="{BB962C8B-B14F-4D97-AF65-F5344CB8AC3E}">
-        <p14:creationId xmlns:p14="http://schemas.microsoft.com/office/powerpoint/2010/main" val="3215247430"/>
+        <p14:creationId xmlns:p14="http://schemas.microsoft.com/office/powerpoint/2010/main" val="3451422982"/>
       </p:ext>
     </p:extLst>
   </p:cSld>
@@ -15339,7 +14780,7 @@
           <p:cNvPr id="2" name="Title 1">
             <a:extLst>
               <a:ext uri="{FF2B5EF4-FFF2-40B4-BE49-F238E27FC236}">
-                <a16:creationId xmlns:a16="http://schemas.microsoft.com/office/drawing/2014/main" id="{C7BDF7C6-BD38-4D2C-B7EC-F25AB1968614}"/>
+                <a16:creationId xmlns:a16="http://schemas.microsoft.com/office/drawing/2014/main" id="{8D8186E0-E7FD-4A7D-B919-475DD13A49EB}"/>
               </a:ext>
             </a:extLst>
           </p:cNvPr>
@@ -15369,7 +14810,7 @@
           <p:cNvPr id="3" name="Content Placeholder 2">
             <a:extLst>
               <a:ext uri="{FF2B5EF4-FFF2-40B4-BE49-F238E27FC236}">
-                <a16:creationId xmlns:a16="http://schemas.microsoft.com/office/drawing/2014/main" id="{AC997BD0-8E21-4394-A39E-48A459D507C9}"/>
+                <a16:creationId xmlns:a16="http://schemas.microsoft.com/office/drawing/2014/main" id="{15154901-95EA-4DC2-9E6E-FCDA862CAF3D}"/>
               </a:ext>
             </a:extLst>
           </p:cNvPr>
@@ -15387,15 +14828,18 @@
           <a:p>
             <a:r>
               <a:rPr lang="en-US" dirty="0"/>
-              <a:t>Credit spread option</a:t>
-            </a:r>
+              <a:t>Credit-linked note</a:t>
+            </a:r>
+          </a:p>
+          <a:p>
+            <a:endParaRPr lang="en-US" dirty="0"/>
           </a:p>
         </p:txBody>
       </p:sp>
     </p:spTree>
     <p:extLst>
       <p:ext uri="{BB962C8B-B14F-4D97-AF65-F5344CB8AC3E}">
-        <p14:creationId xmlns:p14="http://schemas.microsoft.com/office/powerpoint/2010/main" val="3451422982"/>
+        <p14:creationId xmlns:p14="http://schemas.microsoft.com/office/powerpoint/2010/main" val="3182849461"/>
       </p:ext>
     </p:extLst>
   </p:cSld>
@@ -15427,97 +14871,6 @@
           <p:cNvPr id="2" name="Title 1">
             <a:extLst>
               <a:ext uri="{FF2B5EF4-FFF2-40B4-BE49-F238E27FC236}">
-                <a16:creationId xmlns:a16="http://schemas.microsoft.com/office/drawing/2014/main" id="{8D8186E0-E7FD-4A7D-B919-475DD13A49EB}"/>
-              </a:ext>
-            </a:extLst>
-          </p:cNvPr>
-          <p:cNvSpPr>
-            <a:spLocks noGrp="1"/>
-          </p:cNvSpPr>
-          <p:nvPr>
-            <p:ph type="title"/>
-          </p:nvPr>
-        </p:nvSpPr>
-        <p:spPr/>
-        <p:txBody>
-          <a:bodyPr>
-            <a:normAutofit/>
-          </a:bodyPr>
-          <a:lstStyle/>
-          <a:p>
-            <a:r>
-              <a:rPr lang="en-US" sz="4000" dirty="0"/>
-              <a:t>Credit Derivatives</a:t>
-            </a:r>
-          </a:p>
-        </p:txBody>
-      </p:sp>
-      <p:sp>
-        <p:nvSpPr>
-          <p:cNvPr id="3" name="Content Placeholder 2">
-            <a:extLst>
-              <a:ext uri="{FF2B5EF4-FFF2-40B4-BE49-F238E27FC236}">
-                <a16:creationId xmlns:a16="http://schemas.microsoft.com/office/drawing/2014/main" id="{15154901-95EA-4DC2-9E6E-FCDA862CAF3D}"/>
-              </a:ext>
-            </a:extLst>
-          </p:cNvPr>
-          <p:cNvSpPr>
-            <a:spLocks noGrp="1"/>
-          </p:cNvSpPr>
-          <p:nvPr>
-            <p:ph idx="1"/>
-          </p:nvPr>
-        </p:nvSpPr>
-        <p:spPr/>
-        <p:txBody>
-          <a:bodyPr/>
-          <a:lstStyle/>
-          <a:p>
-            <a:r>
-              <a:rPr lang="en-US" dirty="0"/>
-              <a:t>Credit-linked note</a:t>
-            </a:r>
-          </a:p>
-          <a:p>
-            <a:endParaRPr lang="en-US" dirty="0"/>
-          </a:p>
-        </p:txBody>
-      </p:sp>
-    </p:spTree>
-    <p:extLst>
-      <p:ext uri="{BB962C8B-B14F-4D97-AF65-F5344CB8AC3E}">
-        <p14:creationId xmlns:p14="http://schemas.microsoft.com/office/powerpoint/2010/main" val="3182849461"/>
-      </p:ext>
-    </p:extLst>
-  </p:cSld>
-  <p:clrMapOvr>
-    <a:masterClrMapping/>
-  </p:clrMapOvr>
-</p:sld>
-</file>
-
-<file path=ppt/slides/slide54.xml><?xml version="1.0" encoding="utf-8"?>
-<p:sld xmlns:a="http://schemas.openxmlformats.org/drawingml/2006/main" xmlns:r="http://schemas.openxmlformats.org/officeDocument/2006/relationships" xmlns:p="http://schemas.openxmlformats.org/presentationml/2006/main">
-  <p:cSld>
-    <p:spTree>
-      <p:nvGrpSpPr>
-        <p:cNvPr id="1" name=""/>
-        <p:cNvGrpSpPr/>
-        <p:nvPr/>
-      </p:nvGrpSpPr>
-      <p:grpSpPr>
-        <a:xfrm>
-          <a:off x="0" y="0"/>
-          <a:ext cx="0" cy="0"/>
-          <a:chOff x="0" y="0"/>
-          <a:chExt cx="0" cy="0"/>
-        </a:xfrm>
-      </p:grpSpPr>
-      <p:sp>
-        <p:nvSpPr>
-          <p:cNvPr id="2" name="Title 1">
-            <a:extLst>
-              <a:ext uri="{FF2B5EF4-FFF2-40B4-BE49-F238E27FC236}">
                 <a16:creationId xmlns:a16="http://schemas.microsoft.com/office/drawing/2014/main" id="{69B941C4-F4EB-4AB8-A2D4-65FAA0965D49}"/>
               </a:ext>
             </a:extLst>
@@ -15584,7 +14937,7 @@
 </p:sld>
 </file>
 
-<file path=ppt/slides/slide55.xml><?xml version="1.0" encoding="utf-8"?>
+<file path=ppt/slides/slide54.xml><?xml version="1.0" encoding="utf-8"?>
 <p:sld xmlns:a="http://schemas.openxmlformats.org/drawingml/2006/main" xmlns:r="http://schemas.openxmlformats.org/officeDocument/2006/relationships" xmlns:p="http://schemas.openxmlformats.org/presentationml/2006/main">
   <p:cSld>
     <p:spTree>
@@ -15673,6 +15026,125 @@
 </p:sld>
 </file>
 
+<file path=ppt/slides/slide55.xml><?xml version="1.0" encoding="utf-8"?>
+<p:sld xmlns:a="http://schemas.openxmlformats.org/drawingml/2006/main" xmlns:r="http://schemas.openxmlformats.org/officeDocument/2006/relationships" xmlns:p="http://schemas.openxmlformats.org/presentationml/2006/main">
+  <p:cSld>
+    <p:spTree>
+      <p:nvGrpSpPr>
+        <p:cNvPr id="1" name=""/>
+        <p:cNvGrpSpPr/>
+        <p:nvPr/>
+      </p:nvGrpSpPr>
+      <p:grpSpPr>
+        <a:xfrm>
+          <a:off x="0" y="0"/>
+          <a:ext cx="0" cy="0"/>
+          <a:chOff x="0" y="0"/>
+          <a:chExt cx="0" cy="0"/>
+        </a:xfrm>
+      </p:grpSpPr>
+      <p:sp>
+        <p:nvSpPr>
+          <p:cNvPr id="2" name="Title 1">
+            <a:extLst>
+              <a:ext uri="{FF2B5EF4-FFF2-40B4-BE49-F238E27FC236}">
+                <a16:creationId xmlns:a16="http://schemas.microsoft.com/office/drawing/2014/main" id="{348BD349-FAD8-4678-AFB4-B1E5307D6EA4}"/>
+              </a:ext>
+            </a:extLst>
+          </p:cNvPr>
+          <p:cNvSpPr>
+            <a:spLocks noGrp="1"/>
+          </p:cNvSpPr>
+          <p:nvPr>
+            <p:ph type="title"/>
+          </p:nvPr>
+        </p:nvSpPr>
+        <p:spPr/>
+        <p:txBody>
+          <a:bodyPr>
+            <a:normAutofit/>
+          </a:bodyPr>
+          <a:lstStyle/>
+          <a:p>
+            <a:r>
+              <a:rPr lang="en-US" sz="4000" dirty="0"/>
+              <a:t>Practices</a:t>
+            </a:r>
+          </a:p>
+        </p:txBody>
+      </p:sp>
+      <p:sp>
+        <p:nvSpPr>
+          <p:cNvPr id="3" name="Content Placeholder 2">
+            <a:extLst>
+              <a:ext uri="{FF2B5EF4-FFF2-40B4-BE49-F238E27FC236}">
+                <a16:creationId xmlns:a16="http://schemas.microsoft.com/office/drawing/2014/main" id="{E3B67373-BC90-4BC9-B82C-C102723A443D}"/>
+              </a:ext>
+            </a:extLst>
+          </p:cNvPr>
+          <p:cNvSpPr>
+            <a:spLocks noGrp="1"/>
+          </p:cNvSpPr>
+          <p:nvPr>
+            <p:ph idx="1"/>
+          </p:nvPr>
+        </p:nvSpPr>
+        <p:spPr/>
+        <p:txBody>
+          <a:bodyPr>
+            <a:normAutofit/>
+          </a:bodyPr>
+          <a:lstStyle/>
+          <a:p>
+            <a:r>
+              <a:rPr lang="en-US" sz="2000" dirty="0"/>
+              <a:t>1.A credit derivative is which of the following?</a:t>
+            </a:r>
+          </a:p>
+          <a:p>
+            <a:pPr lvl="1"/>
+            <a:r>
+              <a:rPr lang="en-US" sz="2000" dirty="0"/>
+              <a:t>A </a:t>
+            </a:r>
+            <a:r>
+              <a:rPr lang="en-US" sz="2000" dirty="0" err="1"/>
+              <a:t>A</a:t>
+            </a:r>
+            <a:r>
+              <a:rPr lang="en-US" sz="2000" dirty="0"/>
+              <a:t> derivative in which the premium is obtained on credit</a:t>
+            </a:r>
+          </a:p>
+          <a:p>
+            <a:pPr lvl="1"/>
+            <a:r>
+              <a:rPr lang="en-US" sz="2000" dirty="0"/>
+              <a:t>B A derivative in which the payoff is borrowed by the seller</a:t>
+            </a:r>
+          </a:p>
+          <a:p>
+            <a:pPr lvl="1"/>
+            <a:r>
+              <a:rPr lang="en-US" sz="2000" dirty="0"/>
+              <a:t>C A derivative in which the seller provides protection to the buyer against credit loss from a third party</a:t>
+            </a:r>
+          </a:p>
+        </p:txBody>
+      </p:sp>
+    </p:spTree>
+    <p:extLst>
+      <p:ext uri="{BB962C8B-B14F-4D97-AF65-F5344CB8AC3E}">
+        <p14:creationId xmlns:p14="http://schemas.microsoft.com/office/powerpoint/2010/main" val="2051395143"/>
+      </p:ext>
+    </p:extLst>
+  </p:cSld>
+  <p:clrMapOvr>
+    <a:masterClrMapping/>
+  </p:clrMapOvr>
+</p:sld>
+</file>
+
 <file path=ppt/slides/slide56.xml><?xml version="1.0" encoding="utf-8"?>
 <p:sld xmlns:a="http://schemas.openxmlformats.org/drawingml/2006/main" xmlns:r="http://schemas.openxmlformats.org/officeDocument/2006/relationships" xmlns:p="http://schemas.openxmlformats.org/presentationml/2006/main">
   <p:cSld>
@@ -15695,7 +15167,7 @@
           <p:cNvPr id="2" name="Title 1">
             <a:extLst>
               <a:ext uri="{FF2B5EF4-FFF2-40B4-BE49-F238E27FC236}">
-                <a16:creationId xmlns:a16="http://schemas.microsoft.com/office/drawing/2014/main" id="{348BD349-FAD8-4678-AFB4-B1E5307D6EA4}"/>
+                <a16:creationId xmlns:a16="http://schemas.microsoft.com/office/drawing/2014/main" id="{13C1F2DB-C1EA-4EEE-9DD2-BBB6C676CABF}"/>
               </a:ext>
             </a:extLst>
           </p:cNvPr>
@@ -15715,8 +15187,13 @@
           <a:p>
             <a:r>
               <a:rPr lang="en-US" sz="4000" dirty="0"/>
-              <a:t>Practices</a:t>
-            </a:r>
+              <a:t>A</a:t>
+            </a:r>
+            <a:r>
+              <a:rPr lang="en-US" altLang="zh-CN" sz="4000" dirty="0"/>
+              <a:t>sset-backed securities</a:t>
+            </a:r>
+            <a:endParaRPr lang="en-US" sz="4000" dirty="0"/>
           </a:p>
         </p:txBody>
       </p:sp>
@@ -15725,7 +15202,7 @@
           <p:cNvPr id="3" name="Content Placeholder 2">
             <a:extLst>
               <a:ext uri="{FF2B5EF4-FFF2-40B4-BE49-F238E27FC236}">
-                <a16:creationId xmlns:a16="http://schemas.microsoft.com/office/drawing/2014/main" id="{E3B67373-BC90-4BC9-B82C-C102723A443D}"/>
+                <a16:creationId xmlns:a16="http://schemas.microsoft.com/office/drawing/2014/main" id="{AE242220-CC30-405B-943F-661EEB5D4AFA}"/>
               </a:ext>
             </a:extLst>
           </p:cNvPr>
@@ -15738,43 +15215,18 @@
         </p:nvSpPr>
         <p:spPr/>
         <p:txBody>
-          <a:bodyPr>
-            <a:normAutofit/>
-          </a:bodyPr>
-          <a:lstStyle/>
-          <a:p>
-            <a:r>
-              <a:rPr lang="en-US" sz="2000" dirty="0"/>
-              <a:t>1.A credit derivative is which of the following?</a:t>
-            </a:r>
-          </a:p>
-          <a:p>
-            <a:pPr lvl="1"/>
-            <a:r>
-              <a:rPr lang="en-US" sz="2000" dirty="0"/>
-              <a:t>A </a:t>
-            </a:r>
-            <a:r>
-              <a:rPr lang="en-US" sz="2000" dirty="0" err="1"/>
-              <a:t>A</a:t>
-            </a:r>
-            <a:r>
-              <a:rPr lang="en-US" sz="2000" dirty="0"/>
-              <a:t> derivative in which the premium is obtained on credit</a:t>
-            </a:r>
-          </a:p>
-          <a:p>
-            <a:pPr lvl="1"/>
-            <a:r>
-              <a:rPr lang="en-US" sz="2000" dirty="0"/>
-              <a:t>B A derivative in which the payoff is borrowed by the seller</a:t>
-            </a:r>
-          </a:p>
-          <a:p>
-            <a:pPr lvl="1"/>
-            <a:r>
-              <a:rPr lang="en-US" sz="2000" dirty="0"/>
-              <a:t>C A derivative in which the seller provides protection to the buyer against credit loss from a third party</a:t>
+          <a:bodyPr/>
+          <a:lstStyle/>
+          <a:p>
+            <a:r>
+              <a:rPr lang="en-US" dirty="0"/>
+              <a:t>Definition: an asset- backed security is a derivative contract in which a portfolio of debt instruments is assembled and claims are issued on the portfolio in the form of tranches, which have different priorities of claims on the payments made by the debt securities such that prepayments or credit losses are allocated to the most- junior tranches first and the most- senior tranches last.</a:t>
+            </a:r>
+          </a:p>
+          <a:p>
+            <a:r>
+              <a:rPr lang="en-US" dirty="0"/>
+              <a:t>ABSs typically divide the payments into slices, called tranches, in which the priority of claims has been changed from equivalent to preferential.</a:t>
             </a:r>
           </a:p>
         </p:txBody>
@@ -15782,7 +15234,7 @@
     </p:spTree>
     <p:extLst>
       <p:ext uri="{BB962C8B-B14F-4D97-AF65-F5344CB8AC3E}">
-        <p14:creationId xmlns:p14="http://schemas.microsoft.com/office/powerpoint/2010/main" val="2051395143"/>
+        <p14:creationId xmlns:p14="http://schemas.microsoft.com/office/powerpoint/2010/main" val="2380732809"/>
       </p:ext>
     </p:extLst>
   </p:cSld>
@@ -15814,7 +15266,7 @@
           <p:cNvPr id="2" name="Title 1">
             <a:extLst>
               <a:ext uri="{FF2B5EF4-FFF2-40B4-BE49-F238E27FC236}">
-                <a16:creationId xmlns:a16="http://schemas.microsoft.com/office/drawing/2014/main" id="{13C1F2DB-C1EA-4EEE-9DD2-BBB6C676CABF}"/>
+                <a16:creationId xmlns:a16="http://schemas.microsoft.com/office/drawing/2014/main" id="{DE056A45-2501-43A0-9F43-EE798108DA86}"/>
               </a:ext>
             </a:extLst>
           </p:cNvPr>
@@ -15849,7 +15301,7 @@
           <p:cNvPr id="3" name="Content Placeholder 2">
             <a:extLst>
               <a:ext uri="{FF2B5EF4-FFF2-40B4-BE49-F238E27FC236}">
-                <a16:creationId xmlns:a16="http://schemas.microsoft.com/office/drawing/2014/main" id="{AE242220-CC30-405B-943F-661EEB5D4AFA}"/>
+                <a16:creationId xmlns:a16="http://schemas.microsoft.com/office/drawing/2014/main" id="{8DCE4C67-98B6-4618-8DEA-076B941A3F4A}"/>
               </a:ext>
             </a:extLst>
           </p:cNvPr>
@@ -15867,21 +15319,30 @@
           <a:p>
             <a:r>
               <a:rPr lang="en-US" dirty="0"/>
-              <a:t>Definition: an asset- backed security is a derivative contract in which a portfolio of debt instruments is assembled and claims are issued on the portfolio in the form of tranches, which have different priorities of claims on the payments made by the debt securities such that prepayments or credit losses are allocated to the most- junior tranches first and the most- senior tranches last.</a:t>
-            </a:r>
-          </a:p>
-          <a:p>
-            <a:r>
-              <a:rPr lang="en-US" dirty="0"/>
-              <a:t>ABSs typically divide the payments into slices, called tranches, in which the priority of claims has been changed from equivalent to preferential.</a:t>
-            </a:r>
+              <a:t>CMO: collateralized mortgage obligation</a:t>
+            </a:r>
+          </a:p>
+          <a:p>
+            <a:r>
+              <a:rPr lang="en-US" dirty="0"/>
+              <a:t>CBO: collateralized bond obligation</a:t>
+            </a:r>
+          </a:p>
+          <a:p>
+            <a:r>
+              <a:rPr lang="en-US" dirty="0"/>
+              <a:t>CLO: collateralized loan obligation</a:t>
+            </a:r>
+          </a:p>
+          <a:p>
+            <a:endParaRPr lang="en-US" dirty="0"/>
           </a:p>
         </p:txBody>
       </p:sp>
     </p:spTree>
     <p:extLst>
       <p:ext uri="{BB962C8B-B14F-4D97-AF65-F5344CB8AC3E}">
-        <p14:creationId xmlns:p14="http://schemas.microsoft.com/office/powerpoint/2010/main" val="2380732809"/>
+        <p14:creationId xmlns:p14="http://schemas.microsoft.com/office/powerpoint/2010/main" val="615116269"/>
       </p:ext>
     </p:extLst>
   </p:cSld>
@@ -15913,7 +15374,7 @@
           <p:cNvPr id="2" name="Title 1">
             <a:extLst>
               <a:ext uri="{FF2B5EF4-FFF2-40B4-BE49-F238E27FC236}">
-                <a16:creationId xmlns:a16="http://schemas.microsoft.com/office/drawing/2014/main" id="{DE056A45-2501-43A0-9F43-EE798108DA86}"/>
+                <a16:creationId xmlns:a16="http://schemas.microsoft.com/office/drawing/2014/main" id="{8E48A604-005B-48E4-8AF4-138B105BA282}"/>
               </a:ext>
             </a:extLst>
           </p:cNvPr>
@@ -15933,13 +15394,8 @@
           <a:p>
             <a:r>
               <a:rPr lang="en-US" sz="4000" dirty="0"/>
-              <a:t>A</a:t>
-            </a:r>
-            <a:r>
-              <a:rPr lang="en-US" altLang="zh-CN" sz="4000" dirty="0"/>
-              <a:t>sset-backed securities</a:t>
-            </a:r>
-            <a:endParaRPr lang="en-US" sz="4000" dirty="0"/>
+              <a:t>Derivative underlying</a:t>
+            </a:r>
           </a:p>
         </p:txBody>
       </p:sp>
@@ -15948,7 +15404,7 @@
           <p:cNvPr id="3" name="Content Placeholder 2">
             <a:extLst>
               <a:ext uri="{FF2B5EF4-FFF2-40B4-BE49-F238E27FC236}">
-                <a16:creationId xmlns:a16="http://schemas.microsoft.com/office/drawing/2014/main" id="{8DCE4C67-98B6-4618-8DEA-076B941A3F4A}"/>
+                <a16:creationId xmlns:a16="http://schemas.microsoft.com/office/drawing/2014/main" id="{4DC2DC39-460C-4DC9-92A3-82D2535FFBF9}"/>
               </a:ext>
             </a:extLst>
           </p:cNvPr>
@@ -15966,19 +15422,37 @@
           <a:p>
             <a:r>
               <a:rPr lang="en-US" dirty="0"/>
-              <a:t>CMO: collateralized mortgage obligation</a:t>
-            </a:r>
-          </a:p>
-          <a:p>
-            <a:r>
-              <a:rPr lang="en-US" dirty="0"/>
-              <a:t>CBO: collateralized bond obligation</a:t>
-            </a:r>
-          </a:p>
-          <a:p>
-            <a:r>
-              <a:rPr lang="en-US" dirty="0"/>
-              <a:t>CLO: collateralized loan obligation</a:t>
+              <a:t>Equities</a:t>
+            </a:r>
+          </a:p>
+          <a:p>
+            <a:r>
+              <a:rPr lang="en-US" dirty="0"/>
+              <a:t>Fixed-income instruments and interest rates</a:t>
+            </a:r>
+          </a:p>
+          <a:p>
+            <a:r>
+              <a:rPr lang="en-US" dirty="0"/>
+              <a:t>Currencies</a:t>
+            </a:r>
+          </a:p>
+          <a:p>
+            <a:r>
+              <a:rPr lang="en-US" dirty="0"/>
+              <a:t>Commodities</a:t>
+            </a:r>
+          </a:p>
+          <a:p>
+            <a:r>
+              <a:rPr lang="en-US" dirty="0"/>
+              <a:t>Credit</a:t>
+            </a:r>
+          </a:p>
+          <a:p>
+            <a:r>
+              <a:rPr lang="en-US" dirty="0"/>
+              <a:t>Other</a:t>
             </a:r>
           </a:p>
           <a:p>
@@ -15989,7 +15463,7 @@
     </p:spTree>
     <p:extLst>
       <p:ext uri="{BB962C8B-B14F-4D97-AF65-F5344CB8AC3E}">
-        <p14:creationId xmlns:p14="http://schemas.microsoft.com/office/powerpoint/2010/main" val="615116269"/>
+        <p14:creationId xmlns:p14="http://schemas.microsoft.com/office/powerpoint/2010/main" val="3920046498"/>
       </p:ext>
     </p:extLst>
   </p:cSld>
@@ -16021,7 +15495,7 @@
           <p:cNvPr id="2" name="Title 1">
             <a:extLst>
               <a:ext uri="{FF2B5EF4-FFF2-40B4-BE49-F238E27FC236}">
-                <a16:creationId xmlns:a16="http://schemas.microsoft.com/office/drawing/2014/main" id="{8E48A604-005B-48E4-8AF4-138B105BA282}"/>
+                <a16:creationId xmlns:a16="http://schemas.microsoft.com/office/drawing/2014/main" id="{0B33124B-F8B1-44FB-B9D6-3239CDA95508}"/>
               </a:ext>
             </a:extLst>
           </p:cNvPr>
@@ -16035,13 +15509,24 @@
         <p:spPr/>
         <p:txBody>
           <a:bodyPr>
-            <a:normAutofit/>
+            <a:normAutofit fontScale="90000"/>
           </a:bodyPr>
           <a:lstStyle/>
           <a:p>
             <a:r>
-              <a:rPr lang="en-US" sz="4000" dirty="0"/>
-              <a:t>Derivative underlying</a:t>
+              <a:rPr lang="en-US" altLang="zh-CN" sz="4400" dirty="0"/>
+              <a:t>Classification </a:t>
+            </a:r>
+            <a:r>
+              <a:rPr lang="en-US" sz="4400" dirty="0"/>
+              <a:t>of derivatives</a:t>
+            </a:r>
+            <a:br>
+              <a:rPr lang="en-US" dirty="0"/>
+            </a:br>
+            <a:r>
+              <a:rPr lang="en-US" dirty="0"/>
+              <a:t>Forward commitments and contingent claims</a:t>
             </a:r>
           </a:p>
         </p:txBody>
@@ -16051,7 +15536,7 @@
           <p:cNvPr id="3" name="Content Placeholder 2">
             <a:extLst>
               <a:ext uri="{FF2B5EF4-FFF2-40B4-BE49-F238E27FC236}">
-                <a16:creationId xmlns:a16="http://schemas.microsoft.com/office/drawing/2014/main" id="{4DC2DC39-460C-4DC9-92A3-82D2535FFBF9}"/>
+                <a16:creationId xmlns:a16="http://schemas.microsoft.com/office/drawing/2014/main" id="{AEE854A1-1496-4876-AC8F-11F97047424B}"/>
               </a:ext>
             </a:extLst>
           </p:cNvPr>
@@ -16068,49 +15553,61 @@
           <a:lstStyle/>
           <a:p>
             <a:r>
-              <a:rPr lang="en-US" dirty="0"/>
-              <a:t>Equities</a:t>
-            </a:r>
-          </a:p>
-          <a:p>
-            <a:r>
-              <a:rPr lang="en-US" dirty="0"/>
-              <a:t>Fixed-income instruments and interest rates</a:t>
-            </a:r>
-          </a:p>
-          <a:p>
-            <a:r>
-              <a:rPr lang="en-US" dirty="0"/>
-              <a:t>Currencies</a:t>
-            </a:r>
-          </a:p>
-          <a:p>
-            <a:r>
-              <a:rPr lang="en-US" dirty="0"/>
-              <a:t>Commodities</a:t>
-            </a:r>
-          </a:p>
-          <a:p>
-            <a:r>
-              <a:rPr lang="en-US" dirty="0"/>
-              <a:t>Credit</a:t>
-            </a:r>
-          </a:p>
-          <a:p>
-            <a:r>
-              <a:rPr lang="en-US" dirty="0"/>
-              <a:t>Other</a:t>
-            </a:r>
-          </a:p>
-          <a:p>
-            <a:endParaRPr lang="en-US" dirty="0"/>
+              <a:rPr lang="en-US" sz="2800" dirty="0"/>
+              <a:t>Forward commitments</a:t>
+            </a:r>
+          </a:p>
+          <a:p>
+            <a:pPr lvl="1"/>
+            <a:r>
+              <a:rPr lang="en-US" sz="1800" dirty="0">
+                <a:solidFill>
+                  <a:schemeClr val="tx1"/>
+                </a:solidFill>
+              </a:rPr>
+              <a:t>Forward</a:t>
+            </a:r>
+          </a:p>
+          <a:p>
+            <a:pPr lvl="1"/>
+            <a:r>
+              <a:rPr lang="en-US" sz="1800" dirty="0"/>
+              <a:t>Futures</a:t>
+            </a:r>
+          </a:p>
+          <a:p>
+            <a:pPr lvl="1"/>
+            <a:r>
+              <a:rPr lang="en-US" sz="1800" dirty="0"/>
+              <a:t>Swap</a:t>
+            </a:r>
+          </a:p>
+          <a:p>
+            <a:r>
+              <a:rPr lang="en-US" sz="2800" dirty="0"/>
+              <a:t>Contingent claims</a:t>
+            </a:r>
+          </a:p>
+          <a:p>
+            <a:pPr lvl="1"/>
+            <a:r>
+              <a:rPr lang="en-US" sz="1800" dirty="0"/>
+              <a:t>Option</a:t>
+            </a:r>
+          </a:p>
+          <a:p>
+            <a:pPr lvl="1"/>
+            <a:r>
+              <a:rPr lang="en-US" sz="1800" dirty="0"/>
+              <a:t>Credit Default Swap</a:t>
+            </a:r>
           </a:p>
         </p:txBody>
       </p:sp>
     </p:spTree>
     <p:extLst>
       <p:ext uri="{BB962C8B-B14F-4D97-AF65-F5344CB8AC3E}">
-        <p14:creationId xmlns:p14="http://schemas.microsoft.com/office/powerpoint/2010/main" val="3920046498"/>
+        <p14:creationId xmlns:p14="http://schemas.microsoft.com/office/powerpoint/2010/main" val="3548463849"/>
       </p:ext>
     </p:extLst>
   </p:cSld>
@@ -16232,7 +15729,7 @@
           <p:cNvPr id="2" name="Title 1">
             <a:extLst>
               <a:ext uri="{FF2B5EF4-FFF2-40B4-BE49-F238E27FC236}">
-                <a16:creationId xmlns:a16="http://schemas.microsoft.com/office/drawing/2014/main" id="{0B33124B-F8B1-44FB-B9D6-3239CDA95508}"/>
+                <a16:creationId xmlns:a16="http://schemas.microsoft.com/office/drawing/2014/main" id="{61C782C3-1713-4158-BD07-C849C3C4CC28}"/>
               </a:ext>
             </a:extLst>
           </p:cNvPr>
@@ -16245,25 +15742,27 @@
         </p:nvSpPr>
         <p:spPr/>
         <p:txBody>
-          <a:bodyPr>
-            <a:normAutofit fontScale="90000"/>
-          </a:bodyPr>
-          <a:lstStyle/>
-          <a:p>
-            <a:r>
-              <a:rPr lang="en-US" altLang="zh-CN" sz="4400" dirty="0"/>
-              <a:t>Classification </a:t>
-            </a:r>
-            <a:r>
-              <a:rPr lang="en-US" sz="4400" dirty="0"/>
-              <a:t>of derivatives</a:t>
+          <a:bodyPr/>
+          <a:lstStyle/>
+          <a:p>
+            <a:r>
+              <a:rPr lang="en-US" altLang="zh-CN" sz="4000" dirty="0"/>
+              <a:t>Classification</a:t>
+            </a:r>
+            <a:r>
+              <a:rPr lang="en-US" sz="4000" dirty="0"/>
+              <a:t> of derivatives	</a:t>
+            </a:r>
+            <a:r>
+              <a:rPr lang="en-US" dirty="0"/>
+              <a:t>	</a:t>
             </a:r>
             <a:br>
               <a:rPr lang="en-US" dirty="0"/>
             </a:br>
             <a:r>
               <a:rPr lang="en-US" dirty="0"/>
-              <a:t>Forward commitments and contingent claims</a:t>
+              <a:t>Exchange-traded and OTC market</a:t>
             </a:r>
           </a:p>
         </p:txBody>
@@ -16273,7 +15772,7 @@
           <p:cNvPr id="3" name="Content Placeholder 2">
             <a:extLst>
               <a:ext uri="{FF2B5EF4-FFF2-40B4-BE49-F238E27FC236}">
-                <a16:creationId xmlns:a16="http://schemas.microsoft.com/office/drawing/2014/main" id="{AEE854A1-1496-4876-AC8F-11F97047424B}"/>
+                <a16:creationId xmlns:a16="http://schemas.microsoft.com/office/drawing/2014/main" id="{AF25ED95-A7A6-4FF7-B6AE-E00C8A4243CE}"/>
               </a:ext>
             </a:extLst>
           </p:cNvPr>
@@ -16291,18 +15790,34 @@
           <a:p>
             <a:r>
               <a:rPr lang="en-US" sz="2800" dirty="0"/>
-              <a:t>Forward commitments</a:t>
+              <a:t>Over-the-counter market</a:t>
             </a:r>
           </a:p>
           <a:p>
             <a:pPr lvl="1"/>
             <a:r>
-              <a:rPr lang="en-US" sz="1800" dirty="0">
-                <a:solidFill>
-                  <a:schemeClr val="tx1"/>
-                </a:solidFill>
-              </a:rPr>
+              <a:rPr lang="en-US" sz="1800" dirty="0"/>
               <a:t>Forward</a:t>
+            </a:r>
+          </a:p>
+          <a:p>
+            <a:pPr lvl="1"/>
+            <a:r>
+              <a:rPr lang="en-US" sz="1800" dirty="0"/>
+              <a:t>Swap</a:t>
+            </a:r>
+          </a:p>
+          <a:p>
+            <a:pPr lvl="1"/>
+            <a:r>
+              <a:rPr lang="en-US" sz="1800" dirty="0"/>
+              <a:t>Option</a:t>
+            </a:r>
+          </a:p>
+          <a:p>
+            <a:r>
+              <a:rPr lang="en-US" sz="2800" dirty="0"/>
+              <a:t>Exchange-traded market</a:t>
             </a:r>
           </a:p>
           <a:p>
@@ -16316,35 +15831,18 @@
             <a:pPr lvl="1"/>
             <a:r>
               <a:rPr lang="en-US" sz="1800" dirty="0"/>
-              <a:t>Swap</a:t>
-            </a:r>
-          </a:p>
-          <a:p>
-            <a:r>
-              <a:rPr lang="en-US" sz="2800" dirty="0"/>
-              <a:t>Contingent claims</a:t>
-            </a:r>
-          </a:p>
-          <a:p>
-            <a:pPr lvl="1"/>
-            <a:r>
-              <a:rPr lang="en-US" sz="1800" dirty="0"/>
               <a:t>Option</a:t>
             </a:r>
           </a:p>
           <a:p>
-            <a:pPr lvl="1"/>
-            <a:r>
-              <a:rPr lang="en-US" sz="1800" dirty="0"/>
-              <a:t>Credit Default Swap</a:t>
-            </a:r>
+            <a:endParaRPr lang="en-US" dirty="0"/>
           </a:p>
         </p:txBody>
       </p:sp>
     </p:spTree>
     <p:extLst>
       <p:ext uri="{BB962C8B-B14F-4D97-AF65-F5344CB8AC3E}">
-        <p14:creationId xmlns:p14="http://schemas.microsoft.com/office/powerpoint/2010/main" val="3548463849"/>
+        <p14:creationId xmlns:p14="http://schemas.microsoft.com/office/powerpoint/2010/main" val="2063123738"/>
       </p:ext>
     </p:extLst>
   </p:cSld>
@@ -16376,7 +15874,7 @@
           <p:cNvPr id="2" name="Title 1">
             <a:extLst>
               <a:ext uri="{FF2B5EF4-FFF2-40B4-BE49-F238E27FC236}">
-                <a16:creationId xmlns:a16="http://schemas.microsoft.com/office/drawing/2014/main" id="{61C782C3-1713-4158-BD07-C849C3C4CC28}"/>
+                <a16:creationId xmlns:a16="http://schemas.microsoft.com/office/drawing/2014/main" id="{63CC868E-9E09-460D-AFC5-F06FE734B18C}"/>
               </a:ext>
             </a:extLst>
           </p:cNvPr>
@@ -16394,11 +15892,11 @@
           <a:p>
             <a:r>
               <a:rPr lang="en-US" altLang="zh-CN" sz="4000" dirty="0"/>
-              <a:t>Classification</a:t>
+              <a:t>Classification </a:t>
             </a:r>
             <a:r>
               <a:rPr lang="en-US" sz="4000" dirty="0"/>
-              <a:t> of derivatives	</a:t>
+              <a:t>of derivatives	</a:t>
             </a:r>
             <a:r>
               <a:rPr lang="en-US" dirty="0"/>
@@ -16419,7 +15917,7 @@
           <p:cNvPr id="3" name="Content Placeholder 2">
             <a:extLst>
               <a:ext uri="{FF2B5EF4-FFF2-40B4-BE49-F238E27FC236}">
-                <a16:creationId xmlns:a16="http://schemas.microsoft.com/office/drawing/2014/main" id="{AF25ED95-A7A6-4FF7-B6AE-E00C8A4243CE}"/>
+                <a16:creationId xmlns:a16="http://schemas.microsoft.com/office/drawing/2014/main" id="{8C312896-34F4-450C-92F0-CAD934A523A3}"/>
               </a:ext>
             </a:extLst>
           </p:cNvPr>
@@ -16437,49 +15935,66 @@
           <a:p>
             <a:r>
               <a:rPr lang="en-US" sz="2800" dirty="0"/>
-              <a:t>Over-the-counter market</a:t>
+              <a:t>Exchange-traded derivative market</a:t>
+            </a:r>
+          </a:p>
+          <a:p>
+            <a:r>
+              <a:rPr lang="en-US" dirty="0"/>
+              <a:t>characteristics</a:t>
             </a:r>
           </a:p>
           <a:p>
             <a:pPr lvl="1"/>
             <a:r>
-              <a:rPr lang="en-US" sz="1800" dirty="0"/>
-              <a:t>Forward</a:t>
+              <a:rPr lang="en-US" dirty="0"/>
+              <a:t>Standardized	</a:t>
             </a:r>
           </a:p>
           <a:p>
             <a:pPr lvl="1"/>
             <a:r>
-              <a:rPr lang="en-US" sz="1800" dirty="0"/>
-              <a:t>Swap</a:t>
+              <a:rPr lang="en-US" dirty="0"/>
+              <a:t>More liquid</a:t>
             </a:r>
           </a:p>
           <a:p>
             <a:pPr lvl="1"/>
             <a:r>
-              <a:rPr lang="en-US" sz="1800" dirty="0"/>
-              <a:t>Option</a:t>
-            </a:r>
-          </a:p>
-          <a:p>
-            <a:r>
-              <a:rPr lang="en-US" sz="2800" dirty="0"/>
-              <a:t>Exchange-traded market</a:t>
+              <a:rPr lang="en-US" dirty="0"/>
+              <a:t>Market makers and speculators</a:t>
             </a:r>
           </a:p>
           <a:p>
             <a:pPr lvl="1"/>
             <a:r>
-              <a:rPr lang="en-US" sz="1800" dirty="0"/>
-              <a:t>Futures</a:t>
+              <a:rPr lang="en-US" dirty="0"/>
+              <a:t>Clear and settle all contracts overnight</a:t>
             </a:r>
           </a:p>
           <a:p>
             <a:pPr lvl="1"/>
             <a:r>
-              <a:rPr lang="en-US" sz="1800" dirty="0"/>
-              <a:t>Option</a:t>
-            </a:r>
+              <a:rPr lang="en-US" dirty="0"/>
+              <a:t>Credit guarantee</a:t>
+            </a:r>
+          </a:p>
+          <a:p>
+            <a:pPr lvl="1"/>
+            <a:r>
+              <a:rPr lang="en-US" dirty="0"/>
+              <a:t>Transparency(regulatory bodies)</a:t>
+            </a:r>
+          </a:p>
+          <a:p>
+            <a:pPr lvl="1"/>
+            <a:r>
+              <a:rPr lang="en-US" dirty="0"/>
+              <a:t>Loss of privacy and flexibility</a:t>
+            </a:r>
+          </a:p>
+          <a:p>
+            <a:endParaRPr lang="en-US" dirty="0"/>
           </a:p>
           <a:p>
             <a:endParaRPr lang="en-US" dirty="0"/>
@@ -16489,7 +16004,7 @@
     </p:spTree>
     <p:extLst>
       <p:ext uri="{BB962C8B-B14F-4D97-AF65-F5344CB8AC3E}">
-        <p14:creationId xmlns:p14="http://schemas.microsoft.com/office/powerpoint/2010/main" val="2063123738"/>
+        <p14:creationId xmlns:p14="http://schemas.microsoft.com/office/powerpoint/2010/main" val="1080345033"/>
       </p:ext>
     </p:extLst>
   </p:cSld>
@@ -16521,7 +16036,7 @@
           <p:cNvPr id="2" name="Title 1">
             <a:extLst>
               <a:ext uri="{FF2B5EF4-FFF2-40B4-BE49-F238E27FC236}">
-                <a16:creationId xmlns:a16="http://schemas.microsoft.com/office/drawing/2014/main" id="{63CC868E-9E09-460D-AFC5-F06FE734B18C}"/>
+                <a16:creationId xmlns:a16="http://schemas.microsoft.com/office/drawing/2014/main" id="{2002ACD3-97F2-43B1-8933-4B82D4F11644}"/>
               </a:ext>
             </a:extLst>
           </p:cNvPr>
@@ -16539,7 +16054,7 @@
           <a:p>
             <a:r>
               <a:rPr lang="en-US" altLang="zh-CN" sz="4000" dirty="0"/>
-              <a:t>Classification </a:t>
+              <a:t>Classification	</a:t>
             </a:r>
             <a:r>
               <a:rPr lang="en-US" sz="4000" dirty="0"/>
@@ -16564,7 +16079,7 @@
           <p:cNvPr id="3" name="Content Placeholder 2">
             <a:extLst>
               <a:ext uri="{FF2B5EF4-FFF2-40B4-BE49-F238E27FC236}">
-                <a16:creationId xmlns:a16="http://schemas.microsoft.com/office/drawing/2014/main" id="{8C312896-34F4-450C-92F0-CAD934A523A3}"/>
+                <a16:creationId xmlns:a16="http://schemas.microsoft.com/office/drawing/2014/main" id="{487D91EC-818A-4A4E-B004-E96C0A6F64DC}"/>
               </a:ext>
             </a:extLst>
           </p:cNvPr>
@@ -16582,7 +16097,7 @@
           <a:p>
             <a:r>
               <a:rPr lang="en-US" sz="2800" dirty="0"/>
-              <a:t>Exchange-traded derivative market</a:t>
+              <a:t>Over-the-counter derivative market</a:t>
             </a:r>
           </a:p>
           <a:p>
@@ -16595,52 +16110,32 @@
             <a:pPr lvl="1"/>
             <a:r>
               <a:rPr lang="en-US" dirty="0"/>
-              <a:t>Standardized	</a:t>
+              <a:t>Customization</a:t>
             </a:r>
           </a:p>
           <a:p>
             <a:pPr lvl="1"/>
             <a:r>
               <a:rPr lang="en-US" dirty="0"/>
-              <a:t>More liquid</a:t>
+              <a:t>More flexible</a:t>
             </a:r>
           </a:p>
           <a:p>
             <a:pPr lvl="1"/>
             <a:r>
               <a:rPr lang="en-US" dirty="0"/>
-              <a:t>Market makers and speculators</a:t>
+              <a:t>Lower degree of regulation</a:t>
             </a:r>
           </a:p>
           <a:p>
             <a:pPr lvl="1"/>
             <a:r>
               <a:rPr lang="en-US" dirty="0"/>
-              <a:t>Clear and settle all contracts overnight</a:t>
+              <a:t>Retain a degree of privacy with lower transparency</a:t>
             </a:r>
           </a:p>
           <a:p>
             <a:pPr lvl="1"/>
-            <a:r>
-              <a:rPr lang="en-US" dirty="0"/>
-              <a:t>Credit guarantee</a:t>
-            </a:r>
-          </a:p>
-          <a:p>
-            <a:pPr lvl="1"/>
-            <a:r>
-              <a:rPr lang="en-US" dirty="0"/>
-              <a:t>Transparency(regulatory bodies)</a:t>
-            </a:r>
-          </a:p>
-          <a:p>
-            <a:pPr lvl="1"/>
-            <a:r>
-              <a:rPr lang="en-US" dirty="0"/>
-              <a:t>Loss of privacy and flexibility</a:t>
-            </a:r>
-          </a:p>
-          <a:p>
             <a:endParaRPr lang="en-US" dirty="0"/>
           </a:p>
           <a:p>
@@ -16651,7 +16146,7 @@
     </p:spTree>
     <p:extLst>
       <p:ext uri="{BB962C8B-B14F-4D97-AF65-F5344CB8AC3E}">
-        <p14:creationId xmlns:p14="http://schemas.microsoft.com/office/powerpoint/2010/main" val="1080345033"/>
+        <p14:creationId xmlns:p14="http://schemas.microsoft.com/office/powerpoint/2010/main" val="736614646"/>
       </p:ext>
     </p:extLst>
   </p:cSld>
@@ -16683,7 +16178,7 @@
           <p:cNvPr id="2" name="Title 1">
             <a:extLst>
               <a:ext uri="{FF2B5EF4-FFF2-40B4-BE49-F238E27FC236}">
-                <a16:creationId xmlns:a16="http://schemas.microsoft.com/office/drawing/2014/main" id="{2002ACD3-97F2-43B1-8933-4B82D4F11644}"/>
+                <a16:creationId xmlns:a16="http://schemas.microsoft.com/office/drawing/2014/main" id="{E5071E7E-561B-4C61-8404-6C29256855A2}"/>
               </a:ext>
             </a:extLst>
           </p:cNvPr>
@@ -16696,27 +16191,14 @@
         </p:nvSpPr>
         <p:spPr/>
         <p:txBody>
-          <a:bodyPr/>
-          <a:lstStyle/>
-          <a:p>
-            <a:r>
-              <a:rPr lang="en-US" altLang="zh-CN" sz="4000" dirty="0"/>
-              <a:t>Classification	</a:t>
-            </a:r>
+          <a:bodyPr>
+            <a:normAutofit/>
+          </a:bodyPr>
+          <a:lstStyle/>
+          <a:p>
             <a:r>
               <a:rPr lang="en-US" sz="4000" dirty="0"/>
-              <a:t>of derivatives	</a:t>
-            </a:r>
-            <a:r>
-              <a:rPr lang="en-US" dirty="0"/>
-              <a:t>	</a:t>
-            </a:r>
-            <a:br>
-              <a:rPr lang="en-US" dirty="0"/>
-            </a:br>
-            <a:r>
-              <a:rPr lang="en-US" dirty="0"/>
-              <a:t>Exchange-traded and OTC market</a:t>
+              <a:t>Practices</a:t>
             </a:r>
           </a:p>
         </p:txBody>
@@ -16726,7 +16208,7 @@
           <p:cNvPr id="3" name="Content Placeholder 2">
             <a:extLst>
               <a:ext uri="{FF2B5EF4-FFF2-40B4-BE49-F238E27FC236}">
-                <a16:creationId xmlns:a16="http://schemas.microsoft.com/office/drawing/2014/main" id="{487D91EC-818A-4A4E-B004-E96C0A6F64DC}"/>
+                <a16:creationId xmlns:a16="http://schemas.microsoft.com/office/drawing/2014/main" id="{CFF1D1EF-7E0F-48EE-98B9-A11615480828}"/>
               </a:ext>
             </a:extLst>
           </p:cNvPr>
@@ -16743,57 +16225,64 @@
           <a:lstStyle/>
           <a:p>
             <a:r>
-              <a:rPr lang="en-US" sz="2800" dirty="0"/>
-              <a:t>Over-the-counter derivative market</a:t>
-            </a:r>
-          </a:p>
-          <a:p>
-            <a:r>
-              <a:rPr lang="en-US" dirty="0"/>
-              <a:t>characteristics</a:t>
+              <a:rPr lang="en-US" dirty="0"/>
+              <a:t>1.Which of the following is not a forward commitment?</a:t>
             </a:r>
           </a:p>
           <a:p>
             <a:pPr lvl="1"/>
             <a:r>
               <a:rPr lang="en-US" dirty="0"/>
-              <a:t>Customization</a:t>
+              <a:t>A An agreement to take out a loan at a future date at a specific rate</a:t>
             </a:r>
           </a:p>
           <a:p>
             <a:pPr lvl="1"/>
             <a:r>
               <a:rPr lang="en-US" dirty="0"/>
-              <a:t>More flexible</a:t>
+              <a:t>B An offer of employment that must be accepted or rejected in two weeks</a:t>
             </a:r>
           </a:p>
           <a:p>
             <a:pPr lvl="1"/>
             <a:r>
               <a:rPr lang="en-US" dirty="0"/>
-              <a:t>Lower degree of regulation</a:t>
+              <a:t>C An agreement to lease a piece of machinery for one year with a series of fixed monthly payments</a:t>
+            </a:r>
+          </a:p>
+          <a:p>
+            <a:r>
+              <a:rPr lang="en-US" dirty="0"/>
+              <a:t>2.Which of the following statements is true about contingent claims?</a:t>
             </a:r>
           </a:p>
           <a:p>
             <a:pPr lvl="1"/>
             <a:r>
               <a:rPr lang="en-US" dirty="0"/>
-              <a:t>Retain a degree of privacy with lower transparency</a:t>
+              <a:t>A Either party can default to the other.</a:t>
             </a:r>
           </a:p>
           <a:p>
             <a:pPr lvl="1"/>
-            <a:endParaRPr lang="en-US" dirty="0"/>
-          </a:p>
-          <a:p>
-            <a:endParaRPr lang="en-US" dirty="0"/>
+            <a:r>
+              <a:rPr lang="en-US" dirty="0"/>
+              <a:t>B The payoffs are linearly related to the performance of the underlying.</a:t>
+            </a:r>
+          </a:p>
+          <a:p>
+            <a:pPr lvl="1"/>
+            <a:r>
+              <a:rPr lang="en-US" dirty="0"/>
+              <a:t>C The most the long can lose is the amount paid for the contingent claim.</a:t>
+            </a:r>
           </a:p>
         </p:txBody>
       </p:sp>
     </p:spTree>
     <p:extLst>
       <p:ext uri="{BB962C8B-B14F-4D97-AF65-F5344CB8AC3E}">
-        <p14:creationId xmlns:p14="http://schemas.microsoft.com/office/powerpoint/2010/main" val="736614646"/>
+        <p14:creationId xmlns:p14="http://schemas.microsoft.com/office/powerpoint/2010/main" val="1657439908"/>
       </p:ext>
     </p:extLst>
   </p:cSld>
@@ -16825,7 +16314,7 @@
           <p:cNvPr id="2" name="Title 1">
             <a:extLst>
               <a:ext uri="{FF2B5EF4-FFF2-40B4-BE49-F238E27FC236}">
-                <a16:creationId xmlns:a16="http://schemas.microsoft.com/office/drawing/2014/main" id="{E5071E7E-561B-4C61-8404-6C29256855A2}"/>
+                <a16:creationId xmlns:a16="http://schemas.microsoft.com/office/drawing/2014/main" id="{F20D5F44-83D3-4C3D-AA1E-B7B8E357D44D}"/>
               </a:ext>
             </a:extLst>
           </p:cNvPr>
@@ -16855,7 +16344,7 @@
           <p:cNvPr id="3" name="Content Placeholder 2">
             <a:extLst>
               <a:ext uri="{FF2B5EF4-FFF2-40B4-BE49-F238E27FC236}">
-                <a16:creationId xmlns:a16="http://schemas.microsoft.com/office/drawing/2014/main" id="{CFF1D1EF-7E0F-48EE-98B9-A11615480828}"/>
+                <a16:creationId xmlns:a16="http://schemas.microsoft.com/office/drawing/2014/main" id="{2EA05F35-4584-4A6C-B5B8-1E6EAF96AE0E}"/>
               </a:ext>
             </a:extLst>
           </p:cNvPr>
@@ -16868,60 +16357,62 @@
         </p:nvSpPr>
         <p:spPr/>
         <p:txBody>
-          <a:bodyPr/>
-          <a:lstStyle/>
-          <a:p>
-            <a:r>
-              <a:rPr lang="en-US" dirty="0"/>
-              <a:t>1.Which of the following is not a forward commitment?</a:t>
+          <a:bodyPr>
+            <a:normAutofit/>
+          </a:bodyPr>
+          <a:lstStyle/>
+          <a:p>
+            <a:r>
+              <a:rPr lang="en-US" dirty="0"/>
+              <a:t>3.Which of the following characteristics is not associated with exchange-traded derivatives?</a:t>
             </a:r>
           </a:p>
           <a:p>
             <a:pPr lvl="1"/>
             <a:r>
               <a:rPr lang="en-US" dirty="0"/>
-              <a:t>A An agreement to take out a loan at a future date at a specific rate</a:t>
+              <a:t>A Margin or performance bonds are required.</a:t>
             </a:r>
           </a:p>
           <a:p>
             <a:pPr lvl="1"/>
             <a:r>
               <a:rPr lang="en-US" dirty="0"/>
-              <a:t>B An offer of employment that must be accepted or rejected in two weeks</a:t>
+              <a:t>B The exchange guarantees all payments in the event of default.</a:t>
             </a:r>
           </a:p>
           <a:p>
             <a:pPr lvl="1"/>
             <a:r>
               <a:rPr lang="en-US" dirty="0"/>
-              <a:t>C An agreement to lease a piece of machinery for one year with a series of fixed monthly payments</a:t>
-            </a:r>
-          </a:p>
-          <a:p>
-            <a:r>
-              <a:rPr lang="en-US" dirty="0"/>
-              <a:t>2.Which of the following statements is true about contingent claims?</a:t>
+              <a:t>C All terms except the price are customized to the parties’ individual needs.</a:t>
+            </a:r>
+          </a:p>
+          <a:p>
+            <a:r>
+              <a:rPr lang="en-US" dirty="0"/>
+              <a:t>4.Which of the following characteristics is associated with over- the- counter derivatives?</a:t>
             </a:r>
           </a:p>
           <a:p>
             <a:pPr lvl="1"/>
             <a:r>
               <a:rPr lang="en-US" dirty="0"/>
-              <a:t>A Either party can default to the other.</a:t>
+              <a:t>A Trading occurs in a central location.</a:t>
             </a:r>
           </a:p>
           <a:p>
             <a:pPr lvl="1"/>
             <a:r>
               <a:rPr lang="en-US" dirty="0"/>
-              <a:t>B The payoffs are linearly related to the performance of the underlying.</a:t>
+              <a:t>B They are more regulated than exchange- listed derivatives.</a:t>
             </a:r>
           </a:p>
           <a:p>
             <a:pPr lvl="1"/>
             <a:r>
               <a:rPr lang="en-US" dirty="0"/>
-              <a:t>C The most the long can lose is the amount paid for the contingent claim.</a:t>
+              <a:t>C They are less transparent than exchange- listed derivatives.</a:t>
             </a:r>
           </a:p>
         </p:txBody>
@@ -16929,7 +16420,7 @@
     </p:spTree>
     <p:extLst>
       <p:ext uri="{BB962C8B-B14F-4D97-AF65-F5344CB8AC3E}">
-        <p14:creationId xmlns:p14="http://schemas.microsoft.com/office/powerpoint/2010/main" val="1657439908"/>
+        <p14:creationId xmlns:p14="http://schemas.microsoft.com/office/powerpoint/2010/main" val="3121291714"/>
       </p:ext>
     </p:extLst>
   </p:cSld>
@@ -17011,55 +16502,55 @@
           <a:p>
             <a:r>
               <a:rPr lang="en-US" dirty="0"/>
-              <a:t>3.Which of the following characteristics is not associated with exchange-traded derivatives?</a:t>
+              <a:t>5.Market makers earn a profit in both exchange and over- the- counter derivatives markets by:</a:t>
             </a:r>
           </a:p>
           <a:p>
             <a:pPr lvl="1"/>
             <a:r>
               <a:rPr lang="en-US" dirty="0"/>
-              <a:t>A Margin or performance bonds are required.</a:t>
+              <a:t>A charging a commission on each trade.</a:t>
             </a:r>
           </a:p>
           <a:p>
             <a:pPr lvl="1"/>
             <a:r>
               <a:rPr lang="en-US" dirty="0"/>
-              <a:t>B The exchange guarantees all payments in the event of default.</a:t>
+              <a:t>B a combination of commissions and markups.</a:t>
             </a:r>
           </a:p>
           <a:p>
             <a:pPr lvl="1"/>
             <a:r>
               <a:rPr lang="en-US" dirty="0"/>
-              <a:t>C All terms except the price are customized to the parties’ individual needs.</a:t>
-            </a:r>
-          </a:p>
-          <a:p>
-            <a:r>
-              <a:rPr lang="en-US" dirty="0"/>
-              <a:t>4.Which of the following characteristics is associated with over- the- counter derivatives?</a:t>
+              <a:t>C buying at one price, selling at a higher price, and hedging any risk.</a:t>
+            </a:r>
+          </a:p>
+          <a:p>
+            <a:r>
+              <a:rPr lang="en-US" dirty="0"/>
+              <a:t>6.Which of the following statements most accurately describes exchange-traded derivatives relative to over- the- counter derivatives? Exchange-traded derivatives are more likely to have:</a:t>
             </a:r>
           </a:p>
           <a:p>
             <a:pPr lvl="1"/>
             <a:r>
               <a:rPr lang="en-US" dirty="0"/>
-              <a:t>A Trading occurs in a central location.</a:t>
+              <a:t>A greater credit risk.</a:t>
             </a:r>
           </a:p>
           <a:p>
             <a:pPr lvl="1"/>
             <a:r>
               <a:rPr lang="en-US" dirty="0"/>
-              <a:t>B They are more regulated than exchange- listed derivatives.</a:t>
+              <a:t>B standardized contract terms.</a:t>
             </a:r>
           </a:p>
           <a:p>
             <a:pPr lvl="1"/>
             <a:r>
               <a:rPr lang="en-US" dirty="0"/>
-              <a:t>C They are less transparent than exchange- listed derivatives.</a:t>
+              <a:t>C greater risk management uses</a:t>
             </a:r>
           </a:p>
         </p:txBody>
@@ -17067,7 +16558,7 @@
     </p:spTree>
     <p:extLst>
       <p:ext uri="{BB962C8B-B14F-4D97-AF65-F5344CB8AC3E}">
-        <p14:creationId xmlns:p14="http://schemas.microsoft.com/office/powerpoint/2010/main" val="3121291714"/>
+        <p14:creationId xmlns:p14="http://schemas.microsoft.com/office/powerpoint/2010/main" val="1189956952"/>
       </p:ext>
     </p:extLst>
   </p:cSld>
@@ -17099,7 +16590,7 @@
           <p:cNvPr id="2" name="Title 1">
             <a:extLst>
               <a:ext uri="{FF2B5EF4-FFF2-40B4-BE49-F238E27FC236}">
-                <a16:creationId xmlns:a16="http://schemas.microsoft.com/office/drawing/2014/main" id="{F20D5F44-83D3-4C3D-AA1E-B7B8E357D44D}"/>
+                <a16:creationId xmlns:a16="http://schemas.microsoft.com/office/drawing/2014/main" id="{CBE36A6B-6E55-4FD0-8260-0BEFE68F4514}"/>
               </a:ext>
             </a:extLst>
           </p:cNvPr>
@@ -17119,8 +16610,49 @@
           <a:p>
             <a:r>
               <a:rPr lang="en-US" sz="4000" dirty="0"/>
-              <a:t>Practices</a:t>
-            </a:r>
+              <a:t>The</a:t>
+            </a:r>
+            <a:r>
+              <a:rPr lang="zh-CN" altLang="en-US" sz="4000" dirty="0"/>
+              <a:t> </a:t>
+            </a:r>
+            <a:r>
+              <a:rPr lang="en-US" altLang="zh-CN" sz="4000" dirty="0"/>
+              <a:t>purposes</a:t>
+            </a:r>
+            <a:r>
+              <a:rPr lang="zh-CN" altLang="en-US" sz="4000" dirty="0"/>
+              <a:t> </a:t>
+            </a:r>
+            <a:r>
+              <a:rPr lang="en-US" altLang="zh-CN" sz="4000" dirty="0"/>
+              <a:t>and</a:t>
+            </a:r>
+            <a:r>
+              <a:rPr lang="zh-CN" altLang="en-US" sz="4000" dirty="0"/>
+              <a:t> </a:t>
+            </a:r>
+            <a:r>
+              <a:rPr lang="en-US" altLang="zh-CN" sz="4000" dirty="0"/>
+              <a:t>benefits</a:t>
+            </a:r>
+            <a:r>
+              <a:rPr lang="zh-CN" altLang="en-US" sz="4000" dirty="0"/>
+              <a:t> </a:t>
+            </a:r>
+            <a:r>
+              <a:rPr lang="en-US" altLang="zh-CN" sz="4000" dirty="0"/>
+              <a:t>of</a:t>
+            </a:r>
+            <a:r>
+              <a:rPr lang="zh-CN" altLang="en-US" sz="4000" dirty="0"/>
+              <a:t> </a:t>
+            </a:r>
+            <a:r>
+              <a:rPr lang="en-US" altLang="zh-CN" sz="4000" dirty="0"/>
+              <a:t>derivatives</a:t>
+            </a:r>
+            <a:endParaRPr lang="en-US" sz="4000" dirty="0"/>
           </a:p>
         </p:txBody>
       </p:sp>
@@ -17129,7 +16661,7 @@
           <p:cNvPr id="3" name="Content Placeholder 2">
             <a:extLst>
               <a:ext uri="{FF2B5EF4-FFF2-40B4-BE49-F238E27FC236}">
-                <a16:creationId xmlns:a16="http://schemas.microsoft.com/office/drawing/2014/main" id="{2EA05F35-4584-4A6C-B5B8-1E6EAF96AE0E}"/>
+                <a16:creationId xmlns:a16="http://schemas.microsoft.com/office/drawing/2014/main" id="{CF2F7B16-0AF8-4000-9305-F75458652CC6}"/>
               </a:ext>
             </a:extLst>
           </p:cNvPr>
@@ -17142,70 +16674,29 @@
         </p:nvSpPr>
         <p:spPr/>
         <p:txBody>
-          <a:bodyPr>
-            <a:normAutofit/>
-          </a:bodyPr>
-          <a:lstStyle/>
-          <a:p>
-            <a:r>
-              <a:rPr lang="en-US" dirty="0"/>
-              <a:t>5.Market makers earn a profit in both exchange and over- the- counter derivatives markets by:</a:t>
-            </a:r>
-          </a:p>
-          <a:p>
-            <a:pPr lvl="1"/>
-            <a:r>
-              <a:rPr lang="en-US" dirty="0"/>
-              <a:t>A charging a commission on each trade.</a:t>
-            </a:r>
-          </a:p>
-          <a:p>
-            <a:pPr lvl="1"/>
-            <a:r>
-              <a:rPr lang="en-US" dirty="0"/>
-              <a:t>B a combination of commissions and markups.</a:t>
-            </a:r>
-          </a:p>
-          <a:p>
-            <a:pPr lvl="1"/>
-            <a:r>
-              <a:rPr lang="en-US" dirty="0"/>
-              <a:t>C buying at one price, selling at a higher price, and hedging any risk.</a:t>
-            </a:r>
-          </a:p>
-          <a:p>
-            <a:r>
-              <a:rPr lang="en-US" dirty="0"/>
-              <a:t>6.Which of the following statements most accurately describes exchange-traded derivatives relative to over- the- counter derivatives? Exchange-traded derivatives are more likely to have:</a:t>
-            </a:r>
-          </a:p>
-          <a:p>
-            <a:pPr lvl="1"/>
-            <a:r>
-              <a:rPr lang="en-US" dirty="0"/>
-              <a:t>A greater credit risk.</a:t>
-            </a:r>
-          </a:p>
-          <a:p>
-            <a:pPr lvl="1"/>
-            <a:r>
-              <a:rPr lang="en-US" dirty="0"/>
-              <a:t>B standardized contract terms.</a:t>
-            </a:r>
-          </a:p>
-          <a:p>
-            <a:pPr lvl="1"/>
-            <a:r>
-              <a:rPr lang="en-US" dirty="0"/>
-              <a:t>C greater risk management uses</a:t>
-            </a:r>
+          <a:bodyPr/>
+          <a:lstStyle/>
+          <a:p>
+            <a:r>
+              <a:rPr lang="en-US" dirty="0"/>
+              <a:t>The origin of modern futures markets is the creation of the Chicago board of trade in 1848.</a:t>
+            </a:r>
+          </a:p>
+          <a:p>
+            <a:r>
+              <a:rPr lang="en-US" dirty="0"/>
+              <a:t>‘To-arrive’ contract</a:t>
+            </a:r>
+          </a:p>
+          <a:p>
+            <a:endParaRPr lang="en-US" dirty="0"/>
           </a:p>
         </p:txBody>
       </p:sp>
     </p:spTree>
     <p:extLst>
       <p:ext uri="{BB962C8B-B14F-4D97-AF65-F5344CB8AC3E}">
-        <p14:creationId xmlns:p14="http://schemas.microsoft.com/office/powerpoint/2010/main" val="1189956952"/>
+        <p14:creationId xmlns:p14="http://schemas.microsoft.com/office/powerpoint/2010/main" val="810741622"/>
       </p:ext>
     </p:extLst>
   </p:cSld>
@@ -17237,7 +16728,7 @@
           <p:cNvPr id="2" name="Title 1">
             <a:extLst>
               <a:ext uri="{FF2B5EF4-FFF2-40B4-BE49-F238E27FC236}">
-                <a16:creationId xmlns:a16="http://schemas.microsoft.com/office/drawing/2014/main" id="{CBE36A6B-6E55-4FD0-8260-0BEFE68F4514}"/>
+                <a16:creationId xmlns:a16="http://schemas.microsoft.com/office/drawing/2014/main" id="{594F1C53-E728-4CBB-B42E-401BAB534833}"/>
               </a:ext>
             </a:extLst>
           </p:cNvPr>
@@ -17248,7 +16739,12 @@
             <p:ph type="title"/>
           </p:nvPr>
         </p:nvSpPr>
-        <p:spPr/>
+        <p:spPr>
+          <a:xfrm>
+            <a:off x="677334" y="609600"/>
+            <a:ext cx="8596668" cy="1320800"/>
+          </a:xfrm>
+        </p:spPr>
         <p:txBody>
           <a:bodyPr>
             <a:normAutofit/>
@@ -17308,7 +16804,7 @@
           <p:cNvPr id="3" name="Content Placeholder 2">
             <a:extLst>
               <a:ext uri="{FF2B5EF4-FFF2-40B4-BE49-F238E27FC236}">
-                <a16:creationId xmlns:a16="http://schemas.microsoft.com/office/drawing/2014/main" id="{CF2F7B16-0AF8-4000-9305-F75458652CC6}"/>
+                <a16:creationId xmlns:a16="http://schemas.microsoft.com/office/drawing/2014/main" id="{7A1D6DA6-953B-4B3D-BBAF-2BF3840CE174}"/>
               </a:ext>
             </a:extLst>
           </p:cNvPr>
@@ -17326,14 +16822,29 @@
           <a:p>
             <a:r>
               <a:rPr lang="en-US" dirty="0"/>
-              <a:t>The origin of modern futures markets is the creation of the Chicago board of trade in 1848.</a:t>
-            </a:r>
-          </a:p>
-          <a:p>
-            <a:r>
-              <a:rPr lang="en-US" dirty="0"/>
-              <a:t>‘To-arrive’ contract</a:t>
-            </a:r>
+              <a:t>Risk allocation , transfer , and management</a:t>
+            </a:r>
+          </a:p>
+          <a:p>
+            <a:r>
+              <a:rPr lang="en-US" dirty="0"/>
+              <a:t>Information discovery</a:t>
+            </a:r>
+          </a:p>
+          <a:p>
+            <a:r>
+              <a:rPr lang="en-US" dirty="0"/>
+              <a:t>Operational advantages</a:t>
+            </a:r>
+          </a:p>
+          <a:p>
+            <a:r>
+              <a:rPr lang="en-US" dirty="0"/>
+              <a:t>Market efficiency</a:t>
+            </a:r>
+          </a:p>
+          <a:p>
+            <a:endParaRPr lang="en-US" dirty="0"/>
           </a:p>
           <a:p>
             <a:endParaRPr lang="en-US" dirty="0"/>
@@ -17343,7 +16854,7 @@
     </p:spTree>
     <p:extLst>
       <p:ext uri="{BB962C8B-B14F-4D97-AF65-F5344CB8AC3E}">
-        <p14:creationId xmlns:p14="http://schemas.microsoft.com/office/powerpoint/2010/main" val="810741622"/>
+        <p14:creationId xmlns:p14="http://schemas.microsoft.com/office/powerpoint/2010/main" val="1516918961"/>
       </p:ext>
     </p:extLst>
   </p:cSld>
@@ -17375,7 +16886,7 @@
           <p:cNvPr id="2" name="Title 1">
             <a:extLst>
               <a:ext uri="{FF2B5EF4-FFF2-40B4-BE49-F238E27FC236}">
-                <a16:creationId xmlns:a16="http://schemas.microsoft.com/office/drawing/2014/main" id="{594F1C53-E728-4CBB-B42E-401BAB534833}"/>
+                <a16:creationId xmlns:a16="http://schemas.microsoft.com/office/drawing/2014/main" id="{4615354A-E477-4616-83A2-BD4AC1206110}"/>
               </a:ext>
             </a:extLst>
           </p:cNvPr>
@@ -17386,12 +16897,7 @@
             <p:ph type="title"/>
           </p:nvPr>
         </p:nvSpPr>
-        <p:spPr>
-          <a:xfrm>
-            <a:off x="677334" y="609600"/>
-            <a:ext cx="8596668" cy="1320800"/>
-          </a:xfrm>
-        </p:spPr>
+        <p:spPr/>
         <p:txBody>
           <a:bodyPr>
             <a:normAutofit/>
@@ -17400,49 +16906,8 @@
           <a:p>
             <a:r>
               <a:rPr lang="en-US" sz="4000" dirty="0"/>
-              <a:t>The</a:t>
-            </a:r>
-            <a:r>
-              <a:rPr lang="zh-CN" altLang="en-US" sz="4000" dirty="0"/>
-              <a:t> </a:t>
-            </a:r>
-            <a:r>
-              <a:rPr lang="en-US" altLang="zh-CN" sz="4000" dirty="0"/>
-              <a:t>purposes</a:t>
-            </a:r>
-            <a:r>
-              <a:rPr lang="zh-CN" altLang="en-US" sz="4000" dirty="0"/>
-              <a:t> </a:t>
-            </a:r>
-            <a:r>
-              <a:rPr lang="en-US" altLang="zh-CN" sz="4000" dirty="0"/>
-              <a:t>and</a:t>
-            </a:r>
-            <a:r>
-              <a:rPr lang="zh-CN" altLang="en-US" sz="4000" dirty="0"/>
-              <a:t> </a:t>
-            </a:r>
-            <a:r>
-              <a:rPr lang="en-US" altLang="zh-CN" sz="4000" dirty="0"/>
-              <a:t>benefits</a:t>
-            </a:r>
-            <a:r>
-              <a:rPr lang="zh-CN" altLang="en-US" sz="4000" dirty="0"/>
-              <a:t> </a:t>
-            </a:r>
-            <a:r>
-              <a:rPr lang="en-US" altLang="zh-CN" sz="4000" dirty="0"/>
-              <a:t>of</a:t>
-            </a:r>
-            <a:r>
-              <a:rPr lang="zh-CN" altLang="en-US" sz="4000" dirty="0"/>
-              <a:t> </a:t>
-            </a:r>
-            <a:r>
-              <a:rPr lang="en-US" altLang="zh-CN" sz="4000" dirty="0"/>
-              <a:t>derivatives</a:t>
-            </a:r>
-            <a:endParaRPr lang="en-US" sz="4000" dirty="0"/>
+              <a:t>Practices</a:t>
+            </a:r>
           </a:p>
         </p:txBody>
       </p:sp>
@@ -17451,7 +16916,7 @@
           <p:cNvPr id="3" name="Content Placeholder 2">
             <a:extLst>
               <a:ext uri="{FF2B5EF4-FFF2-40B4-BE49-F238E27FC236}">
-                <a16:creationId xmlns:a16="http://schemas.microsoft.com/office/drawing/2014/main" id="{7A1D6DA6-953B-4B3D-BBAF-2BF3840CE174}"/>
+                <a16:creationId xmlns:a16="http://schemas.microsoft.com/office/drawing/2014/main" id="{E0C5A04C-3E9B-479A-BC64-0A200712E0E4}"/>
               </a:ext>
             </a:extLst>
           </p:cNvPr>
@@ -17469,39 +16934,75 @@
           <a:p>
             <a:r>
               <a:rPr lang="en-US" dirty="0"/>
-              <a:t>Risk allocation , transfer , and management</a:t>
-            </a:r>
-          </a:p>
-          <a:p>
-            <a:r>
-              <a:rPr lang="en-US" dirty="0"/>
-              <a:t>Information discovery</a:t>
-            </a:r>
-          </a:p>
-          <a:p>
-            <a:r>
-              <a:rPr lang="en-US" dirty="0"/>
-              <a:t>Operational advantages</a:t>
-            </a:r>
-          </a:p>
-          <a:p>
-            <a:r>
-              <a:rPr lang="en-US" dirty="0"/>
-              <a:t>Market efficiency</a:t>
-            </a:r>
-          </a:p>
-          <a:p>
-            <a:endParaRPr lang="en-US" dirty="0"/>
-          </a:p>
-          <a:p>
-            <a:endParaRPr lang="en-US" dirty="0"/>
+              <a:t>1.Which of the following is not an advantage of derivative markets?</a:t>
+            </a:r>
+          </a:p>
+          <a:p>
+            <a:pPr lvl="1"/>
+            <a:r>
+              <a:rPr lang="en-US" dirty="0"/>
+              <a:t>A They are less volatile than spot markets.</a:t>
+            </a:r>
+          </a:p>
+          <a:p>
+            <a:pPr lvl="1"/>
+            <a:r>
+              <a:rPr lang="en-US" dirty="0"/>
+              <a:t>B They facilitate the allocation of risk in the market.</a:t>
+            </a:r>
+          </a:p>
+          <a:p>
+            <a:pPr lvl="1"/>
+            <a:r>
+              <a:rPr lang="en-US" dirty="0"/>
+              <a:t>C They incur lower transaction costs than spot markets.</a:t>
+            </a:r>
+          </a:p>
+          <a:p>
+            <a:r>
+              <a:rPr lang="en-US" dirty="0"/>
+              <a:t>2.Which of the following pieces of information is not </a:t>
+            </a:r>
+            <a:r>
+              <a:rPr lang="en-US" dirty="0">
+                <a:solidFill>
+                  <a:srgbClr val="FF0000"/>
+                </a:solidFill>
+              </a:rPr>
+              <a:t>conveyed</a:t>
+            </a:r>
+            <a:r>
+              <a:rPr lang="en-US" dirty="0"/>
+              <a:t> by at least one type of derivative?</a:t>
+            </a:r>
+          </a:p>
+          <a:p>
+            <a:pPr lvl="1"/>
+            <a:r>
+              <a:rPr lang="en-US" dirty="0"/>
+              <a:t>A The volatility of the underlying</a:t>
+            </a:r>
+          </a:p>
+          <a:p>
+            <a:pPr lvl="1"/>
+            <a:r>
+              <a:rPr lang="en-US" dirty="0"/>
+              <a:t>B The most widely used strategy of the underlying</a:t>
+            </a:r>
+          </a:p>
+          <a:p>
+            <a:pPr lvl="1"/>
+            <a:r>
+              <a:rPr lang="en-US" dirty="0"/>
+              <a:t>C The price at which uncertainty in the underlying can be eliminated</a:t>
+            </a:r>
           </a:p>
         </p:txBody>
       </p:sp>
     </p:spTree>
     <p:extLst>
       <p:ext uri="{BB962C8B-B14F-4D97-AF65-F5344CB8AC3E}">
-        <p14:creationId xmlns:p14="http://schemas.microsoft.com/office/powerpoint/2010/main" val="1516918961"/>
+        <p14:creationId xmlns:p14="http://schemas.microsoft.com/office/powerpoint/2010/main" val="679871349"/>
       </p:ext>
     </p:extLst>
   </p:cSld>
@@ -17533,7 +17034,7 @@
           <p:cNvPr id="2" name="Title 1">
             <a:extLst>
               <a:ext uri="{FF2B5EF4-FFF2-40B4-BE49-F238E27FC236}">
-                <a16:creationId xmlns:a16="http://schemas.microsoft.com/office/drawing/2014/main" id="{4615354A-E477-4616-83A2-BD4AC1206110}"/>
+                <a16:creationId xmlns:a16="http://schemas.microsoft.com/office/drawing/2014/main" id="{6A4E77FE-41FA-4F07-9556-77EA5BAC14A6}"/>
               </a:ext>
             </a:extLst>
           </p:cNvPr>
@@ -17553,8 +17054,20 @@
           <a:p>
             <a:r>
               <a:rPr lang="en-US" sz="4000" dirty="0"/>
-              <a:t>Practices</a:t>
-            </a:r>
+              <a:t>Criticisms and misuses of derivatives</a:t>
+            </a:r>
+            <a:br>
+              <a:rPr lang="en-US" sz="4000" dirty="0"/>
+            </a:br>
+            <a:r>
+              <a:rPr lang="en-US" sz="4000" dirty="0"/>
+              <a:t>S</a:t>
+            </a:r>
+            <a:r>
+              <a:rPr lang="en-US" altLang="zh-CN" sz="4000" dirty="0"/>
+              <a:t>peculation and gambling</a:t>
+            </a:r>
+            <a:endParaRPr lang="en-US" sz="4000" dirty="0"/>
           </a:p>
         </p:txBody>
       </p:sp>
@@ -17563,7 +17076,7 @@
           <p:cNvPr id="3" name="Content Placeholder 2">
             <a:extLst>
               <a:ext uri="{FF2B5EF4-FFF2-40B4-BE49-F238E27FC236}">
-                <a16:creationId xmlns:a16="http://schemas.microsoft.com/office/drawing/2014/main" id="{E0C5A04C-3E9B-479A-BC64-0A200712E0E4}"/>
+                <a16:creationId xmlns:a16="http://schemas.microsoft.com/office/drawing/2014/main" id="{362F09A5-A3CB-4782-B9F6-D1BE6C31A73F}"/>
               </a:ext>
             </a:extLst>
           </p:cNvPr>
@@ -17581,34 +17094,7 @@
           <a:p>
             <a:r>
               <a:rPr lang="en-US" dirty="0"/>
-              <a:t>1.Which of the following is not an advantage of derivative markets?</a:t>
-            </a:r>
-          </a:p>
-          <a:p>
-            <a:pPr lvl="1"/>
-            <a:r>
-              <a:rPr lang="en-US" dirty="0"/>
-              <a:t>A They are less volatile than spot markets.</a:t>
-            </a:r>
-          </a:p>
-          <a:p>
-            <a:pPr lvl="1"/>
-            <a:r>
-              <a:rPr lang="en-US" dirty="0"/>
-              <a:t>B They facilitate the allocation of risk in the market.</a:t>
-            </a:r>
-          </a:p>
-          <a:p>
-            <a:pPr lvl="1"/>
-            <a:r>
-              <a:rPr lang="en-US" dirty="0"/>
-              <a:t>C They incur lower transaction costs than spot markets.</a:t>
-            </a:r>
-          </a:p>
-          <a:p>
-            <a:r>
-              <a:rPr lang="en-US" dirty="0"/>
-              <a:t>2.Which of the following pieces of information is not </a:t>
+              <a:t>Speculators are often thought to be </a:t>
             </a:r>
             <a:r>
               <a:rPr lang="en-US" dirty="0">
@@ -17616,40 +17102,58 @@
                   <a:srgbClr val="FF0000"/>
                 </a:solidFill>
               </a:rPr>
-              <a:t>conveyed</a:t>
-            </a:r>
-            <a:r>
-              <a:rPr lang="en-US" dirty="0"/>
-              <a:t> by at least one type of derivative?</a:t>
-            </a:r>
-          </a:p>
-          <a:p>
-            <a:pPr lvl="1"/>
-            <a:r>
-              <a:rPr lang="en-US" dirty="0"/>
-              <a:t>A The volatility of the underlying</a:t>
-            </a:r>
-          </a:p>
-          <a:p>
-            <a:pPr lvl="1"/>
-            <a:r>
-              <a:rPr lang="en-US" dirty="0"/>
-              <a:t>B The most widely used strategy of the underlying</a:t>
-            </a:r>
-          </a:p>
-          <a:p>
-            <a:pPr lvl="1"/>
-            <a:r>
-              <a:rPr lang="en-US" dirty="0"/>
-              <a:t>C The price at which uncertainty in the underlying can be eliminated</a:t>
-            </a:r>
+              <a:t>short- term traders </a:t>
+            </a:r>
+            <a:r>
+              <a:rPr lang="en-US" dirty="0"/>
+              <a:t>who attempt to exploit temporary inefficiencies.</a:t>
+            </a:r>
+          </a:p>
+          <a:p>
+            <a:r>
+              <a:rPr lang="en-US" dirty="0"/>
+              <a:t>Speculators are thought to engage in </a:t>
+            </a:r>
+            <a:r>
+              <a:rPr lang="en-US" dirty="0">
+                <a:solidFill>
+                  <a:srgbClr val="FF0000"/>
+                </a:solidFill>
+              </a:rPr>
+              <a:t>price manipulation </a:t>
+            </a:r>
+            <a:r>
+              <a:rPr lang="en-US" dirty="0"/>
+              <a:t>and to trade at extreme prices.</a:t>
+            </a:r>
+          </a:p>
+          <a:p>
+            <a:r>
+              <a:rPr lang="en-US" dirty="0"/>
+              <a:t>The profits from short- term trading are almost always taxed </a:t>
+            </a:r>
+            <a:r>
+              <a:rPr lang="en-US" dirty="0">
+                <a:solidFill>
+                  <a:srgbClr val="FF0000"/>
+                </a:solidFill>
+              </a:rPr>
+              <a:t>more heavily </a:t>
+            </a:r>
+            <a:r>
+              <a:rPr lang="en-US" dirty="0"/>
+              <a:t>than the profits from long- term trading.</a:t>
+            </a:r>
+          </a:p>
+          <a:p>
+            <a:endParaRPr lang="en-US" dirty="0"/>
           </a:p>
         </p:txBody>
       </p:sp>
     </p:spTree>
     <p:extLst>
       <p:ext uri="{BB962C8B-B14F-4D97-AF65-F5344CB8AC3E}">
-        <p14:creationId xmlns:p14="http://schemas.microsoft.com/office/powerpoint/2010/main" val="679871349"/>
+        <p14:creationId xmlns:p14="http://schemas.microsoft.com/office/powerpoint/2010/main" val="133782581"/>
       </p:ext>
     </p:extLst>
   </p:cSld>
@@ -17791,7 +17295,7 @@
           <p:cNvPr id="2" name="Title 1">
             <a:extLst>
               <a:ext uri="{FF2B5EF4-FFF2-40B4-BE49-F238E27FC236}">
-                <a16:creationId xmlns:a16="http://schemas.microsoft.com/office/drawing/2014/main" id="{6A4E77FE-41FA-4F07-9556-77EA5BAC14A6}"/>
+                <a16:creationId xmlns:a16="http://schemas.microsoft.com/office/drawing/2014/main" id="{E482C202-64F2-44D8-9E40-0887E8F7325A}"/>
               </a:ext>
             </a:extLst>
           </p:cNvPr>
@@ -17818,13 +17322,8 @@
             </a:br>
             <a:r>
               <a:rPr lang="en-US" sz="4000" dirty="0"/>
-              <a:t>S</a:t>
-            </a:r>
-            <a:r>
-              <a:rPr lang="en-US" altLang="zh-CN" sz="4000" dirty="0"/>
-              <a:t>peculation and gambling</a:t>
-            </a:r>
-            <a:endParaRPr lang="en-US" sz="4000" dirty="0"/>
+              <a:t>Destabilization and Systemic Risk</a:t>
+            </a:r>
           </a:p>
         </p:txBody>
       </p:sp>
@@ -17833,7 +17332,7 @@
           <p:cNvPr id="3" name="Content Placeholder 2">
             <a:extLst>
               <a:ext uri="{FF2B5EF4-FFF2-40B4-BE49-F238E27FC236}">
-                <a16:creationId xmlns:a16="http://schemas.microsoft.com/office/drawing/2014/main" id="{362F09A5-A3CB-4782-B9F6-D1BE6C31A73F}"/>
+                <a16:creationId xmlns:a16="http://schemas.microsoft.com/office/drawing/2014/main" id="{00AFAD99-D187-4A05-BD57-E28833651C75}"/>
               </a:ext>
             </a:extLst>
           </p:cNvPr>
@@ -17846,12 +17345,14 @@
         </p:nvSpPr>
         <p:spPr/>
         <p:txBody>
-          <a:bodyPr/>
-          <a:lstStyle/>
-          <a:p>
-            <a:r>
-              <a:rPr lang="en-US" dirty="0"/>
-              <a:t>Speculators are often thought to be </a:t>
+          <a:bodyPr>
+            <a:normAutofit lnSpcReduction="10000"/>
+          </a:bodyPr>
+          <a:lstStyle/>
+          <a:p>
+            <a:r>
+              <a:rPr lang="en-US" dirty="0"/>
+              <a:t>Defaults by speculators can then lead to defaults by their creditors, their creditors’ creditors, and so on. These effects can, therefore, be systemic and reflect an epidemic </a:t>
             </a:r>
             <a:r>
               <a:rPr lang="en-US" dirty="0">
@@ -17859,17 +17360,17 @@
                   <a:srgbClr val="FF0000"/>
                 </a:solidFill>
               </a:rPr>
-              <a:t>short- term traders </a:t>
-            </a:r>
-            <a:r>
-              <a:rPr lang="en-US" dirty="0"/>
-              <a:t>who attempt to exploit temporary inefficiencies.</a:t>
-            </a:r>
-          </a:p>
-          <a:p>
-            <a:r>
-              <a:rPr lang="en-US" dirty="0"/>
-              <a:t>Speculators are thought to engage in </a:t>
+              <a:t>contagion</a:t>
+            </a:r>
+            <a:r>
+              <a:rPr lang="en-US" dirty="0"/>
+              <a:t> whereby instability can spread throughout markets and an economy, if not the entire world.</a:t>
+            </a:r>
+          </a:p>
+          <a:p>
+            <a:r>
+              <a:rPr lang="en-US" dirty="0"/>
+              <a:t>Such effects occurred in the </a:t>
             </a:r>
             <a:r>
               <a:rPr lang="en-US" dirty="0">
@@ -17877,17 +17378,17 @@
                   <a:srgbClr val="FF0000"/>
                 </a:solidFill>
               </a:rPr>
-              <a:t>price manipulation </a:t>
-            </a:r>
-            <a:r>
-              <a:rPr lang="en-US" dirty="0"/>
-              <a:t>and to trade at extreme prices.</a:t>
-            </a:r>
-          </a:p>
-          <a:p>
-            <a:r>
-              <a:rPr lang="en-US" dirty="0"/>
-              <a:t>The profits from short- term trading are almost always taxed </a:t>
+              <a:t>Long- Term Capital Management </a:t>
+            </a:r>
+            <a:r>
+              <a:rPr lang="en-US" dirty="0"/>
+              <a:t>fiasco of 1998 and again in the financial crisis of 2008, in which derivatives, particularly credit default swaps, were widely used by many of the problem entities.</a:t>
+            </a:r>
+          </a:p>
+          <a:p>
+            <a:r>
+              <a:rPr lang="en-US" dirty="0"/>
+              <a:t>Some of these events </a:t>
             </a:r>
             <a:r>
               <a:rPr lang="en-US" dirty="0">
@@ -17895,22 +17396,67 @@
                   <a:srgbClr val="FF0000"/>
                 </a:solidFill>
               </a:rPr>
-              <a:t>more heavily </a:t>
-            </a:r>
-            <a:r>
-              <a:rPr lang="en-US" dirty="0"/>
-              <a:t>than the profits from long- term trading.</a:t>
-            </a:r>
-          </a:p>
-          <a:p>
-            <a:endParaRPr lang="en-US" dirty="0"/>
+              <a:t>preceded</a:t>
+            </a:r>
+            <a:r>
+              <a:rPr lang="en-US" dirty="0"/>
+              <a:t> the era of modern derivatives markets, and others were completely </a:t>
+            </a:r>
+            <a:r>
+              <a:rPr lang="en-US" dirty="0">
+                <a:solidFill>
+                  <a:srgbClr val="FF0000"/>
+                </a:solidFill>
+              </a:rPr>
+              <a:t>unrelated</a:t>
+            </a:r>
+            <a:r>
+              <a:rPr lang="en-US" dirty="0"/>
+              <a:t> to the use of derivatives.</a:t>
+            </a:r>
+          </a:p>
+          <a:p>
+            <a:r>
+              <a:rPr lang="en-US" dirty="0"/>
+              <a:t>Another criticism of derivatives is simply their </a:t>
+            </a:r>
+            <a:r>
+              <a:rPr lang="en-US" dirty="0">
+                <a:solidFill>
+                  <a:srgbClr val="FF0000"/>
+                </a:solidFill>
+              </a:rPr>
+              <a:t>complexity</a:t>
+            </a:r>
+            <a:r>
+              <a:rPr lang="en-US" dirty="0"/>
+              <a:t>.</a:t>
+            </a:r>
+          </a:p>
+          <a:p>
+            <a:r>
+              <a:rPr lang="en-US" dirty="0"/>
+              <a:t>One explanation probably lies in the fact that scientists create models of markets by using scientific principles that </a:t>
+            </a:r>
+            <a:r>
+              <a:rPr lang="en-US" dirty="0">
+                <a:solidFill>
+                  <a:srgbClr val="FF0000"/>
+                </a:solidFill>
+              </a:rPr>
+              <a:t>often fail</a:t>
+            </a:r>
+            <a:r>
+              <a:rPr lang="en-US" dirty="0"/>
+              <a:t>.</a:t>
+            </a:r>
           </a:p>
         </p:txBody>
       </p:sp>
     </p:spTree>
     <p:extLst>
       <p:ext uri="{BB962C8B-B14F-4D97-AF65-F5344CB8AC3E}">
-        <p14:creationId xmlns:p14="http://schemas.microsoft.com/office/powerpoint/2010/main" val="133782581"/>
+        <p14:creationId xmlns:p14="http://schemas.microsoft.com/office/powerpoint/2010/main" val="1948992878"/>
       </p:ext>
     </p:extLst>
   </p:cSld>
@@ -17942,7 +17488,7 @@
           <p:cNvPr id="2" name="Title 1">
             <a:extLst>
               <a:ext uri="{FF2B5EF4-FFF2-40B4-BE49-F238E27FC236}">
-                <a16:creationId xmlns:a16="http://schemas.microsoft.com/office/drawing/2014/main" id="{E482C202-64F2-44D8-9E40-0887E8F7325A}"/>
+                <a16:creationId xmlns:a16="http://schemas.microsoft.com/office/drawing/2014/main" id="{553F70E7-AA33-42A6-BC63-F08FC8453BD7}"/>
               </a:ext>
             </a:extLst>
           </p:cNvPr>
@@ -17962,14 +17508,7 @@
           <a:p>
             <a:r>
               <a:rPr lang="en-US" sz="4000" dirty="0"/>
-              <a:t>Criticisms and misuses of derivatives</a:t>
-            </a:r>
-            <a:br>
-              <a:rPr lang="en-US" sz="4000" dirty="0"/>
-            </a:br>
-            <a:r>
-              <a:rPr lang="en-US" sz="4000" dirty="0"/>
-              <a:t>Destabilization and Systemic Risk</a:t>
+              <a:t>Practices</a:t>
             </a:r>
           </a:p>
         </p:txBody>
@@ -17979,7 +17518,7 @@
           <p:cNvPr id="3" name="Content Placeholder 2">
             <a:extLst>
               <a:ext uri="{FF2B5EF4-FFF2-40B4-BE49-F238E27FC236}">
-                <a16:creationId xmlns:a16="http://schemas.microsoft.com/office/drawing/2014/main" id="{00AFAD99-D187-4A05-BD57-E28833651C75}"/>
+                <a16:creationId xmlns:a16="http://schemas.microsoft.com/office/drawing/2014/main" id="{ADDE3541-C827-46E6-AD4A-E75F304EA34D}"/>
               </a:ext>
             </a:extLst>
           </p:cNvPr>
@@ -17992,110 +17531,33 @@
         </p:nvSpPr>
         <p:spPr/>
         <p:txBody>
-          <a:bodyPr>
-            <a:normAutofit lnSpcReduction="10000"/>
-          </a:bodyPr>
-          <a:lstStyle/>
-          <a:p>
-            <a:r>
-              <a:rPr lang="en-US" dirty="0"/>
-              <a:t>Defaults by speculators can then lead to defaults by their creditors, their creditors’ creditors, and so on. These effects can, therefore, be systemic and reflect an epidemic </a:t>
-            </a:r>
-            <a:r>
-              <a:rPr lang="en-US" dirty="0">
-                <a:solidFill>
-                  <a:srgbClr val="FF0000"/>
-                </a:solidFill>
-              </a:rPr>
-              <a:t>contagion</a:t>
-            </a:r>
-            <a:r>
-              <a:rPr lang="en-US" dirty="0"/>
-              <a:t> whereby instability can spread throughout markets and an economy, if not the entire world.</a:t>
-            </a:r>
-          </a:p>
-          <a:p>
-            <a:r>
-              <a:rPr lang="en-US" dirty="0"/>
-              <a:t>Such effects occurred in the </a:t>
-            </a:r>
-            <a:r>
-              <a:rPr lang="en-US" dirty="0">
-                <a:solidFill>
-                  <a:srgbClr val="FF0000"/>
-                </a:solidFill>
-              </a:rPr>
-              <a:t>Long- Term Capital Management </a:t>
-            </a:r>
-            <a:r>
-              <a:rPr lang="en-US" dirty="0"/>
-              <a:t>fiasco of 1998 and again in the financial crisis of 2008, in which derivatives, particularly credit default swaps, were widely used by many of the problem entities.</a:t>
-            </a:r>
-          </a:p>
-          <a:p>
-            <a:r>
-              <a:rPr lang="en-US" dirty="0"/>
-              <a:t>Some of these events </a:t>
-            </a:r>
-            <a:r>
-              <a:rPr lang="en-US" dirty="0">
-                <a:solidFill>
-                  <a:srgbClr val="FF0000"/>
-                </a:solidFill>
-              </a:rPr>
-              <a:t>preceded</a:t>
-            </a:r>
-            <a:r>
-              <a:rPr lang="en-US" dirty="0"/>
-              <a:t> the era of modern derivatives markets, and others were completely </a:t>
-            </a:r>
-            <a:r>
-              <a:rPr lang="en-US" dirty="0">
-                <a:solidFill>
-                  <a:srgbClr val="FF0000"/>
-                </a:solidFill>
-              </a:rPr>
-              <a:t>unrelated</a:t>
-            </a:r>
-            <a:r>
-              <a:rPr lang="en-US" dirty="0"/>
-              <a:t> to the use of derivatives.</a:t>
-            </a:r>
-          </a:p>
-          <a:p>
-            <a:r>
-              <a:rPr lang="en-US" dirty="0"/>
-              <a:t>Another criticism of derivatives is simply their </a:t>
-            </a:r>
-            <a:r>
-              <a:rPr lang="en-US" dirty="0">
-                <a:solidFill>
-                  <a:srgbClr val="FF0000"/>
-                </a:solidFill>
-              </a:rPr>
-              <a:t>complexity</a:t>
-            </a:r>
-            <a:r>
-              <a:rPr lang="en-US" dirty="0"/>
-              <a:t>.</a:t>
-            </a:r>
-          </a:p>
-          <a:p>
-            <a:r>
-              <a:rPr lang="en-US" dirty="0"/>
-              <a:t>One explanation probably lies in the fact that scientists create models of markets by using scientific principles that </a:t>
-            </a:r>
-            <a:r>
-              <a:rPr lang="en-US" dirty="0">
-                <a:solidFill>
-                  <a:srgbClr val="FF0000"/>
-                </a:solidFill>
-              </a:rPr>
-              <a:t>often fail</a:t>
-            </a:r>
-            <a:r>
-              <a:rPr lang="en-US" dirty="0"/>
-              <a:t>.</a:t>
+          <a:bodyPr/>
+          <a:lstStyle/>
+          <a:p>
+            <a:r>
+              <a:rPr lang="en-US" dirty="0"/>
+              <a:t>1.Which of the following responds to the criticism that derivatives can be destabilizing to the underlying market?</a:t>
+            </a:r>
+          </a:p>
+          <a:p>
+            <a:pPr lvl="1"/>
+            <a:r>
+              <a:rPr lang="en-US" dirty="0"/>
+              <a:t>A Market crashes and panics have occurred since long before derivatives existed.</a:t>
+            </a:r>
+          </a:p>
+          <a:p>
+            <a:pPr lvl="1"/>
+            <a:r>
+              <a:rPr lang="en-US" dirty="0"/>
+              <a:t>B Derivatives are sufficiently regulated that they cannot destabilize the spot market.</a:t>
+            </a:r>
+          </a:p>
+          <a:p>
+            <a:pPr lvl="1"/>
+            <a:r>
+              <a:rPr lang="en-US" dirty="0"/>
+              <a:t>C The transaction costs of derivatives are high enough to keep their use at a minimum level.</a:t>
             </a:r>
           </a:p>
         </p:txBody>
@@ -18103,7 +17565,7 @@
     </p:spTree>
     <p:extLst>
       <p:ext uri="{BB962C8B-B14F-4D97-AF65-F5344CB8AC3E}">
-        <p14:creationId xmlns:p14="http://schemas.microsoft.com/office/powerpoint/2010/main" val="1948992878"/>
+        <p14:creationId xmlns:p14="http://schemas.microsoft.com/office/powerpoint/2010/main" val="425420384"/>
       </p:ext>
     </p:extLst>
   </p:cSld>
@@ -18135,7 +17597,7 @@
           <p:cNvPr id="2" name="Title 1">
             <a:extLst>
               <a:ext uri="{FF2B5EF4-FFF2-40B4-BE49-F238E27FC236}">
-                <a16:creationId xmlns:a16="http://schemas.microsoft.com/office/drawing/2014/main" id="{553F70E7-AA33-42A6-BC63-F08FC8453BD7}"/>
+                <a16:creationId xmlns:a16="http://schemas.microsoft.com/office/drawing/2014/main" id="{400DE6A6-6594-4799-87FA-D2C785015F6A}"/>
               </a:ext>
             </a:extLst>
           </p:cNvPr>
@@ -18155,7 +17617,7 @@
           <a:p>
             <a:r>
               <a:rPr lang="en-US" sz="4000" dirty="0"/>
-              <a:t>Practices</a:t>
+              <a:t>Elementary principles of derivative pricing	</a:t>
             </a:r>
           </a:p>
         </p:txBody>
@@ -18165,7 +17627,7 @@
           <p:cNvPr id="3" name="Content Placeholder 2">
             <a:extLst>
               <a:ext uri="{FF2B5EF4-FFF2-40B4-BE49-F238E27FC236}">
-                <a16:creationId xmlns:a16="http://schemas.microsoft.com/office/drawing/2014/main" id="{ADDE3541-C827-46E6-AD4A-E75F304EA34D}"/>
+                <a16:creationId xmlns:a16="http://schemas.microsoft.com/office/drawing/2014/main" id="{4DE16CFC-EABE-4ACE-BFD3-4C0F750AE28D}"/>
               </a:ext>
             </a:extLst>
           </p:cNvPr>
@@ -18182,37 +17644,64 @@
           <a:lstStyle/>
           <a:p>
             <a:r>
-              <a:rPr lang="en-US" dirty="0"/>
-              <a:t>1.Which of the following responds to the criticism that derivatives can be destabilizing to the underlying market?</a:t>
-            </a:r>
-          </a:p>
-          <a:p>
-            <a:pPr lvl="1"/>
-            <a:r>
-              <a:rPr lang="en-US" dirty="0"/>
-              <a:t>A Market crashes and panics have occurred since long before derivatives existed.</a:t>
-            </a:r>
-          </a:p>
-          <a:p>
-            <a:pPr lvl="1"/>
-            <a:r>
-              <a:rPr lang="en-US" dirty="0"/>
-              <a:t>B Derivatives are sufficiently regulated that they cannot destabilize the spot market.</a:t>
-            </a:r>
-          </a:p>
-          <a:p>
-            <a:pPr lvl="1"/>
-            <a:r>
-              <a:rPr lang="en-US" dirty="0"/>
-              <a:t>C The transaction costs of derivatives are high enough to keep their use at a minimum level.</a:t>
-            </a:r>
+              <a:rPr lang="en-US" sz="3200" dirty="0"/>
+              <a:t>F</a:t>
+            </a:r>
+            <a:r>
+              <a:rPr lang="en-US" sz="3200" baseline="-25000" dirty="0"/>
+              <a:t>T</a:t>
+            </a:r>
+            <a:r>
+              <a:rPr lang="en-US" sz="3200" dirty="0"/>
+              <a:t>=(S</a:t>
+            </a:r>
+            <a:r>
+              <a:rPr lang="en-US" sz="3200" baseline="-25000" dirty="0"/>
+              <a:t>0</a:t>
+            </a:r>
+            <a:r>
+              <a:rPr lang="en-US" sz="3200" dirty="0"/>
+              <a:t>+cost</a:t>
+            </a:r>
+            <a:r>
+              <a:rPr lang="en-US" sz="3200" baseline="-25000" dirty="0"/>
+              <a:t>0</a:t>
+            </a:r>
+            <a:r>
+              <a:rPr lang="en-US" sz="3200" dirty="0"/>
+              <a:t>-benefit</a:t>
+            </a:r>
+            <a:r>
+              <a:rPr lang="en-US" sz="3200" baseline="-25000" dirty="0"/>
+              <a:t>0</a:t>
+            </a:r>
+            <a:r>
+              <a:rPr lang="en-US" sz="3200" dirty="0"/>
+              <a:t>)*(1+rf)</a:t>
+            </a:r>
+            <a:r>
+              <a:rPr lang="en-US" sz="3200" baseline="30000" dirty="0"/>
+              <a:t>T</a:t>
+            </a:r>
+          </a:p>
+          <a:p>
+            <a:pPr marL="0" indent="0">
+              <a:buNone/>
+            </a:pPr>
+            <a:endParaRPr lang="en-US" dirty="0"/>
+          </a:p>
+          <a:p>
+            <a:endParaRPr lang="en-US" dirty="0"/>
+          </a:p>
+          <a:p>
+            <a:endParaRPr lang="en-US" dirty="0"/>
           </a:p>
         </p:txBody>
       </p:sp>
     </p:spTree>
     <p:extLst>
       <p:ext uri="{BB962C8B-B14F-4D97-AF65-F5344CB8AC3E}">
-        <p14:creationId xmlns:p14="http://schemas.microsoft.com/office/powerpoint/2010/main" val="425420384"/>
+        <p14:creationId xmlns:p14="http://schemas.microsoft.com/office/powerpoint/2010/main" val="3291422637"/>
       </p:ext>
     </p:extLst>
   </p:cSld>
@@ -18244,7 +17733,7 @@
           <p:cNvPr id="2" name="Title 1">
             <a:extLst>
               <a:ext uri="{FF2B5EF4-FFF2-40B4-BE49-F238E27FC236}">
-                <a16:creationId xmlns:a16="http://schemas.microsoft.com/office/drawing/2014/main" id="{400DE6A6-6594-4799-87FA-D2C785015F6A}"/>
+                <a16:creationId xmlns:a16="http://schemas.microsoft.com/office/drawing/2014/main" id="{E27110C5-F8BA-45AC-995C-2B423C07E872}"/>
               </a:ext>
             </a:extLst>
           </p:cNvPr>
@@ -18264,7 +17753,7 @@
           <a:p>
             <a:r>
               <a:rPr lang="en-US" sz="4000" dirty="0"/>
-              <a:t>Elementary principles of derivative pricing	</a:t>
+              <a:t>Elementary principles of derivative pricing-Storage</a:t>
             </a:r>
           </a:p>
         </p:txBody>
@@ -18274,7 +17763,7 @@
           <p:cNvPr id="3" name="Content Placeholder 2">
             <a:extLst>
               <a:ext uri="{FF2B5EF4-FFF2-40B4-BE49-F238E27FC236}">
-                <a16:creationId xmlns:a16="http://schemas.microsoft.com/office/drawing/2014/main" id="{4DE16CFC-EABE-4ACE-BFD3-4C0F750AE28D}"/>
+                <a16:creationId xmlns:a16="http://schemas.microsoft.com/office/drawing/2014/main" id="{EDD93B4A-D015-42DB-ADD3-572F3F689EF3}"/>
               </a:ext>
             </a:extLst>
           </p:cNvPr>
@@ -18291,54 +17780,15 @@
           <a:lstStyle/>
           <a:p>
             <a:r>
-              <a:rPr lang="en-US" sz="3200" dirty="0"/>
-              <a:t>F</a:t>
-            </a:r>
-            <a:r>
-              <a:rPr lang="en-US" sz="3200" baseline="-25000" dirty="0"/>
-              <a:t>T</a:t>
-            </a:r>
-            <a:r>
-              <a:rPr lang="en-US" sz="3200" dirty="0"/>
-              <a:t>=(S</a:t>
-            </a:r>
-            <a:r>
-              <a:rPr lang="en-US" sz="3200" baseline="-25000" dirty="0"/>
-              <a:t>0</a:t>
-            </a:r>
-            <a:r>
-              <a:rPr lang="en-US" sz="3200" dirty="0"/>
-              <a:t>+cost</a:t>
-            </a:r>
-            <a:r>
-              <a:rPr lang="en-US" sz="3200" baseline="-25000" dirty="0"/>
-              <a:t>0</a:t>
-            </a:r>
-            <a:r>
-              <a:rPr lang="en-US" sz="3200" dirty="0"/>
-              <a:t>-benefit</a:t>
-            </a:r>
-            <a:r>
-              <a:rPr lang="en-US" sz="3200" baseline="-25000" dirty="0"/>
-              <a:t>0</a:t>
-            </a:r>
-            <a:r>
-              <a:rPr lang="en-US" sz="3200" dirty="0"/>
-              <a:t>)*(1+rf)</a:t>
-            </a:r>
-            <a:r>
-              <a:rPr lang="en-US" sz="3200" baseline="30000" dirty="0"/>
-              <a:t>T</a:t>
-            </a:r>
-          </a:p>
-          <a:p>
-            <a:pPr marL="0" indent="0">
-              <a:buNone/>
-            </a:pPr>
-            <a:endParaRPr lang="en-US" dirty="0"/>
-          </a:p>
-          <a:p>
-            <a:endParaRPr lang="en-US" dirty="0"/>
+              <a:rPr lang="en-US" dirty="0"/>
+              <a:t>Storage incurs costs.(commodity)</a:t>
+            </a:r>
+          </a:p>
+          <a:p>
+            <a:r>
+              <a:rPr lang="en-US" dirty="0"/>
+              <a:t>Some assets pay returns during storage.(financial asset)</a:t>
+            </a:r>
           </a:p>
           <a:p>
             <a:endParaRPr lang="en-US" dirty="0"/>
@@ -18348,7 +17798,7 @@
     </p:spTree>
     <p:extLst>
       <p:ext uri="{BB962C8B-B14F-4D97-AF65-F5344CB8AC3E}">
-        <p14:creationId xmlns:p14="http://schemas.microsoft.com/office/powerpoint/2010/main" val="3291422637"/>
+        <p14:creationId xmlns:p14="http://schemas.microsoft.com/office/powerpoint/2010/main" val="3268475084"/>
       </p:ext>
     </p:extLst>
   </p:cSld>
@@ -18380,7 +17830,7 @@
           <p:cNvPr id="2" name="Title 1">
             <a:extLst>
               <a:ext uri="{FF2B5EF4-FFF2-40B4-BE49-F238E27FC236}">
-                <a16:creationId xmlns:a16="http://schemas.microsoft.com/office/drawing/2014/main" id="{E27110C5-F8BA-45AC-995C-2B423C07E872}"/>
+                <a16:creationId xmlns:a16="http://schemas.microsoft.com/office/drawing/2014/main" id="{6C9DE97C-F9BE-4030-983F-36EB31059087}"/>
               </a:ext>
             </a:extLst>
           </p:cNvPr>
@@ -18400,7 +17850,7 @@
           <a:p>
             <a:r>
               <a:rPr lang="en-US" sz="4000" dirty="0"/>
-              <a:t>Elementary principles of derivative pricing-Storage</a:t>
+              <a:t>Elementary principles of derivative pricing-Arbitrage</a:t>
             </a:r>
           </a:p>
         </p:txBody>
@@ -18410,7 +17860,7 @@
           <p:cNvPr id="3" name="Content Placeholder 2">
             <a:extLst>
               <a:ext uri="{FF2B5EF4-FFF2-40B4-BE49-F238E27FC236}">
-                <a16:creationId xmlns:a16="http://schemas.microsoft.com/office/drawing/2014/main" id="{EDD93B4A-D015-42DB-ADD3-572F3F689EF3}"/>
+                <a16:creationId xmlns:a16="http://schemas.microsoft.com/office/drawing/2014/main" id="{40CEE757-6D71-4744-82DB-2F1B2E2E54BE}"/>
               </a:ext>
             </a:extLst>
           </p:cNvPr>
@@ -18428,24 +17878,105 @@
           <a:p>
             <a:r>
               <a:rPr lang="en-US" dirty="0"/>
-              <a:t>Storage incurs costs.(commodity)</a:t>
-            </a:r>
-          </a:p>
-          <a:p>
-            <a:r>
-              <a:rPr lang="en-US" dirty="0"/>
-              <a:t>Some assets pay returns during storage.(financial asset)</a:t>
-            </a:r>
-          </a:p>
-          <a:p>
-            <a:endParaRPr lang="en-US" dirty="0"/>
+              <a:t>In well- functioning markets with low transaction costs and a free flow of information, the </a:t>
+            </a:r>
+            <a:r>
+              <a:rPr lang="en-US" dirty="0">
+                <a:solidFill>
+                  <a:srgbClr val="FF0000"/>
+                </a:solidFill>
+              </a:rPr>
+              <a:t>same asset cannot sell for more than one price</a:t>
+            </a:r>
+            <a:r>
+              <a:rPr lang="en-US" dirty="0"/>
+              <a:t>.</a:t>
+            </a:r>
+          </a:p>
+          <a:p>
+            <a:r>
+              <a:rPr lang="en-US" dirty="0"/>
+              <a:t>For this reason, arbitrage is often referred to as the </a:t>
+            </a:r>
+            <a:r>
+              <a:rPr lang="en-US" dirty="0">
+                <a:solidFill>
+                  <a:srgbClr val="FF0000"/>
+                </a:solidFill>
+              </a:rPr>
+              <a:t>law of one price</a:t>
+            </a:r>
+            <a:r>
+              <a:rPr lang="en-US" dirty="0"/>
+              <a:t>.</a:t>
+            </a:r>
+          </a:p>
+          <a:p>
+            <a:r>
+              <a:rPr lang="en-US" dirty="0"/>
+              <a:t>This trade would </a:t>
+            </a:r>
+            <a:r>
+              <a:rPr lang="en-US" dirty="0">
+                <a:solidFill>
+                  <a:srgbClr val="FF0000"/>
+                </a:solidFill>
+              </a:rPr>
+              <a:t>get profit at no risk </a:t>
+            </a:r>
+            <a:r>
+              <a:rPr lang="en-US" dirty="0"/>
+              <a:t>and </a:t>
+            </a:r>
+            <a:r>
+              <a:rPr lang="en-US" dirty="0">
+                <a:solidFill>
+                  <a:srgbClr val="FF0000"/>
+                </a:solidFill>
+              </a:rPr>
+              <a:t>not require the commitment of any of the investor’s capital</a:t>
+            </a:r>
+            <a:r>
+              <a:rPr lang="en-US" dirty="0"/>
+              <a:t>.</a:t>
+            </a:r>
+          </a:p>
+          <a:p>
+            <a:r>
+              <a:rPr lang="en-US" dirty="0"/>
+              <a:t>To summarize, the forces of arbitrage in financial markets assure us that the </a:t>
+            </a:r>
+            <a:r>
+              <a:rPr lang="en-US" dirty="0">
+                <a:solidFill>
+                  <a:srgbClr val="FF0000"/>
+                </a:solidFill>
+              </a:rPr>
+              <a:t>same asset cannot sell for different prices</a:t>
+            </a:r>
+            <a:r>
+              <a:rPr lang="en-US" dirty="0"/>
+              <a:t>, nor can </a:t>
+            </a:r>
+            <a:r>
+              <a:rPr lang="en-US" dirty="0">
+                <a:solidFill>
+                  <a:srgbClr val="FF0000"/>
+                </a:solidFill>
+              </a:rPr>
+              <a:t>two equivalent combinations of assets that produce the same results sell for different prices</a:t>
+            </a:r>
+            <a:r>
+              <a:rPr lang="en-US" dirty="0"/>
+              <a:t>.</a:t>
+            </a:r>
           </a:p>
         </p:txBody>
       </p:sp>
     </p:spTree>
     <p:extLst>
       <p:ext uri="{BB962C8B-B14F-4D97-AF65-F5344CB8AC3E}">
-        <p14:creationId xmlns:p14="http://schemas.microsoft.com/office/powerpoint/2010/main" val="3268475084"/>
+        <p14:creationId xmlns:p14="http://schemas.microsoft.com/office/powerpoint/2010/main" val="4154657851"/>
       </p:ext>
     </p:extLst>
   </p:cSld>
@@ -18477,7 +18008,7 @@
           <p:cNvPr id="2" name="Title 1">
             <a:extLst>
               <a:ext uri="{FF2B5EF4-FFF2-40B4-BE49-F238E27FC236}">
-                <a16:creationId xmlns:a16="http://schemas.microsoft.com/office/drawing/2014/main" id="{6C9DE97C-F9BE-4030-983F-36EB31059087}"/>
+                <a16:creationId xmlns:a16="http://schemas.microsoft.com/office/drawing/2014/main" id="{4EE68B82-6AB7-4B2C-9CE0-91C5F1189BC5}"/>
               </a:ext>
             </a:extLst>
           </p:cNvPr>
@@ -18507,7 +18038,7 @@
           <p:cNvPr id="3" name="Content Placeholder 2">
             <a:extLst>
               <a:ext uri="{FF2B5EF4-FFF2-40B4-BE49-F238E27FC236}">
-                <a16:creationId xmlns:a16="http://schemas.microsoft.com/office/drawing/2014/main" id="{40CEE757-6D71-4744-82DB-2F1B2E2E54BE}"/>
+                <a16:creationId xmlns:a16="http://schemas.microsoft.com/office/drawing/2014/main" id="{1980A05C-5D81-4FA2-869F-6046DD73C512}"/>
               </a:ext>
             </a:extLst>
           </p:cNvPr>
@@ -18525,97 +18056,7 @@
           <a:p>
             <a:r>
               <a:rPr lang="en-US" dirty="0"/>
-              <a:t>In well- functioning markets with low transaction costs and a free flow of information, the </a:t>
-            </a:r>
-            <a:r>
-              <a:rPr lang="en-US" dirty="0">
-                <a:solidFill>
-                  <a:srgbClr val="FF0000"/>
-                </a:solidFill>
-              </a:rPr>
-              <a:t>same asset cannot sell for more than one price</a:t>
-            </a:r>
-            <a:r>
-              <a:rPr lang="en-US" dirty="0"/>
-              <a:t>.</a:t>
-            </a:r>
-          </a:p>
-          <a:p>
-            <a:r>
-              <a:rPr lang="en-US" dirty="0"/>
-              <a:t>For this reason, arbitrage is often referred to as the </a:t>
-            </a:r>
-            <a:r>
-              <a:rPr lang="en-US" dirty="0">
-                <a:solidFill>
-                  <a:srgbClr val="FF0000"/>
-                </a:solidFill>
-              </a:rPr>
-              <a:t>law of one price</a:t>
-            </a:r>
-            <a:r>
-              <a:rPr lang="en-US" dirty="0"/>
-              <a:t>.</a:t>
-            </a:r>
-          </a:p>
-          <a:p>
-            <a:r>
-              <a:rPr lang="en-US" dirty="0"/>
-              <a:t>This trade would </a:t>
-            </a:r>
-            <a:r>
-              <a:rPr lang="en-US" dirty="0">
-                <a:solidFill>
-                  <a:srgbClr val="FF0000"/>
-                </a:solidFill>
-              </a:rPr>
-              <a:t>get profit at no risk </a:t>
-            </a:r>
-            <a:r>
-              <a:rPr lang="en-US" dirty="0"/>
-              <a:t>and </a:t>
-            </a:r>
-            <a:r>
-              <a:rPr lang="en-US" dirty="0">
-                <a:solidFill>
-                  <a:srgbClr val="FF0000"/>
-                </a:solidFill>
-              </a:rPr>
-              <a:t>not require the commitment of any of the investor’s capital</a:t>
-            </a:r>
-            <a:r>
-              <a:rPr lang="en-US" dirty="0"/>
-              <a:t>.</a:t>
-            </a:r>
-          </a:p>
-          <a:p>
-            <a:r>
-              <a:rPr lang="en-US" dirty="0"/>
-              <a:t>To summarize, the forces of arbitrage in financial markets assure us that the </a:t>
-            </a:r>
-            <a:r>
-              <a:rPr lang="en-US" dirty="0">
-                <a:solidFill>
-                  <a:srgbClr val="FF0000"/>
-                </a:solidFill>
-              </a:rPr>
-              <a:t>same asset cannot sell for different prices</a:t>
-            </a:r>
-            <a:r>
-              <a:rPr lang="en-US" dirty="0"/>
-              <a:t>, nor can </a:t>
-            </a:r>
-            <a:r>
-              <a:rPr lang="en-US" dirty="0">
-                <a:solidFill>
-                  <a:srgbClr val="FF0000"/>
-                </a:solidFill>
-              </a:rPr>
-              <a:t>two equivalent combinations of assets that produce the same results sell for different prices</a:t>
-            </a:r>
-            <a:r>
-              <a:rPr lang="en-US" dirty="0"/>
-              <a:t>.</a:t>
+              <a:t>Tencent  A:600  B:610</a:t>
             </a:r>
           </a:p>
         </p:txBody>
@@ -18623,7 +18064,7 @@
     </p:spTree>
     <p:extLst>
       <p:ext uri="{BB962C8B-B14F-4D97-AF65-F5344CB8AC3E}">
-        <p14:creationId xmlns:p14="http://schemas.microsoft.com/office/powerpoint/2010/main" val="4154657851"/>
+        <p14:creationId xmlns:p14="http://schemas.microsoft.com/office/powerpoint/2010/main" val="2625465975"/>
       </p:ext>
     </p:extLst>
   </p:cSld>
@@ -18655,7 +18096,7 @@
           <p:cNvPr id="2" name="Title 1">
             <a:extLst>
               <a:ext uri="{FF2B5EF4-FFF2-40B4-BE49-F238E27FC236}">
-                <a16:creationId xmlns:a16="http://schemas.microsoft.com/office/drawing/2014/main" id="{4EE68B82-6AB7-4B2C-9CE0-91C5F1189BC5}"/>
+                <a16:creationId xmlns:a16="http://schemas.microsoft.com/office/drawing/2014/main" id="{737185EF-23C0-4996-B8AD-822F238FC53F}"/>
               </a:ext>
             </a:extLst>
           </p:cNvPr>
@@ -18685,7 +18126,7 @@
           <p:cNvPr id="3" name="Content Placeholder 2">
             <a:extLst>
               <a:ext uri="{FF2B5EF4-FFF2-40B4-BE49-F238E27FC236}">
-                <a16:creationId xmlns:a16="http://schemas.microsoft.com/office/drawing/2014/main" id="{1980A05C-5D81-4FA2-869F-6046DD73C512}"/>
+                <a16:creationId xmlns:a16="http://schemas.microsoft.com/office/drawing/2014/main" id="{E052CFE4-4415-4BD8-9BF3-7801A1F1C482}"/>
               </a:ext>
             </a:extLst>
           </p:cNvPr>
@@ -18703,7 +18144,23 @@
           <a:p>
             <a:r>
               <a:rPr lang="en-US" dirty="0"/>
-              <a:t>Tencent  A:600  B:610</a:t>
+              <a:t>Tencent S</a:t>
+            </a:r>
+            <a:r>
+              <a:rPr lang="en-US" baseline="-25000" dirty="0"/>
+              <a:t>0</a:t>
+            </a:r>
+            <a:r>
+              <a:rPr lang="en-US" dirty="0"/>
+              <a:t>=500, F</a:t>
+            </a:r>
+            <a:r>
+              <a:rPr lang="en-US" baseline="-25000" dirty="0"/>
+              <a:t>1</a:t>
+            </a:r>
+            <a:r>
+              <a:rPr lang="en-US" dirty="0"/>
+              <a:t>=530 , RF=4%</a:t>
             </a:r>
           </a:p>
         </p:txBody>
@@ -18711,7 +18168,7 @@
     </p:spTree>
     <p:extLst>
       <p:ext uri="{BB962C8B-B14F-4D97-AF65-F5344CB8AC3E}">
-        <p14:creationId xmlns:p14="http://schemas.microsoft.com/office/powerpoint/2010/main" val="2625465975"/>
+        <p14:creationId xmlns:p14="http://schemas.microsoft.com/office/powerpoint/2010/main" val="2233100900"/>
       </p:ext>
     </p:extLst>
   </p:cSld>
@@ -18743,7 +18200,7 @@
           <p:cNvPr id="2" name="Title 1">
             <a:extLst>
               <a:ext uri="{FF2B5EF4-FFF2-40B4-BE49-F238E27FC236}">
-                <a16:creationId xmlns:a16="http://schemas.microsoft.com/office/drawing/2014/main" id="{737185EF-23C0-4996-B8AD-822F238FC53F}"/>
+                <a16:creationId xmlns:a16="http://schemas.microsoft.com/office/drawing/2014/main" id="{EAAA22BD-DB45-4D1F-9302-275D4DA4CDD4}"/>
               </a:ext>
             </a:extLst>
           </p:cNvPr>
@@ -18773,7 +18230,7 @@
           <p:cNvPr id="3" name="Content Placeholder 2">
             <a:extLst>
               <a:ext uri="{FF2B5EF4-FFF2-40B4-BE49-F238E27FC236}">
-                <a16:creationId xmlns:a16="http://schemas.microsoft.com/office/drawing/2014/main" id="{E052CFE4-4415-4BD8-9BF3-7801A1F1C482}"/>
+                <a16:creationId xmlns:a16="http://schemas.microsoft.com/office/drawing/2014/main" id="{329461E7-752B-4F36-88E6-401BF4173B38}"/>
               </a:ext>
             </a:extLst>
           </p:cNvPr>
@@ -18807,15 +18264,18 @@
             </a:r>
             <a:r>
               <a:rPr lang="en-US" dirty="0"/>
-              <a:t>=530 , RF=4%</a:t>
-            </a:r>
+              <a:t>=510 , RF=4%</a:t>
+            </a:r>
+          </a:p>
+          <a:p>
+            <a:endParaRPr lang="en-US" dirty="0"/>
           </a:p>
         </p:txBody>
       </p:sp>
     </p:spTree>
     <p:extLst>
       <p:ext uri="{BB962C8B-B14F-4D97-AF65-F5344CB8AC3E}">
-        <p14:creationId xmlns:p14="http://schemas.microsoft.com/office/powerpoint/2010/main" val="2233100900"/>
+        <p14:creationId xmlns:p14="http://schemas.microsoft.com/office/powerpoint/2010/main" val="834162281"/>
       </p:ext>
     </p:extLst>
   </p:cSld>
@@ -18847,7 +18307,7 @@
           <p:cNvPr id="2" name="Title 1">
             <a:extLst>
               <a:ext uri="{FF2B5EF4-FFF2-40B4-BE49-F238E27FC236}">
-                <a16:creationId xmlns:a16="http://schemas.microsoft.com/office/drawing/2014/main" id="{EAAA22BD-DB45-4D1F-9302-275D4DA4CDD4}"/>
+                <a16:creationId xmlns:a16="http://schemas.microsoft.com/office/drawing/2014/main" id="{8D44935D-AB46-43E8-9183-5F28C9903EC1}"/>
               </a:ext>
             </a:extLst>
           </p:cNvPr>
@@ -18872,57 +18332,39 @@
           </a:p>
         </p:txBody>
       </p:sp>
-      <p:sp>
-        <p:nvSpPr>
-          <p:cNvPr id="3" name="Content Placeholder 2">
+      <p:pic>
+        <p:nvPicPr>
+          <p:cNvPr id="5" name="Content Placeholder 4">
             <a:extLst>
               <a:ext uri="{FF2B5EF4-FFF2-40B4-BE49-F238E27FC236}">
-                <a16:creationId xmlns:a16="http://schemas.microsoft.com/office/drawing/2014/main" id="{329461E7-752B-4F36-88E6-401BF4173B38}"/>
+                <a16:creationId xmlns:a16="http://schemas.microsoft.com/office/drawing/2014/main" id="{D6658CC8-7C61-4C1A-8863-CD191D84D0FE}"/>
               </a:ext>
             </a:extLst>
           </p:cNvPr>
-          <p:cNvSpPr>
-            <a:spLocks noGrp="1"/>
-          </p:cNvSpPr>
+          <p:cNvPicPr>
+            <a:picLocks noGrp="1" noChangeAspect="1"/>
+          </p:cNvPicPr>
           <p:nvPr>
             <p:ph idx="1"/>
           </p:nvPr>
-        </p:nvSpPr>
-        <p:spPr/>
-        <p:txBody>
-          <a:bodyPr/>
-          <a:lstStyle/>
-          <a:p>
-            <a:r>
-              <a:rPr lang="en-US" dirty="0"/>
-              <a:t>Tencent S</a:t>
-            </a:r>
-            <a:r>
-              <a:rPr lang="en-US" baseline="-25000" dirty="0"/>
-              <a:t>0</a:t>
-            </a:r>
-            <a:r>
-              <a:rPr lang="en-US" dirty="0"/>
-              <a:t>=500, F</a:t>
-            </a:r>
-            <a:r>
-              <a:rPr lang="en-US" baseline="-25000" dirty="0"/>
-              <a:t>1</a:t>
-            </a:r>
-            <a:r>
-              <a:rPr lang="en-US" dirty="0"/>
-              <a:t>=510 , RF=4%</a:t>
-            </a:r>
-          </a:p>
-          <a:p>
-            <a:endParaRPr lang="en-US" dirty="0"/>
-          </a:p>
-        </p:txBody>
-      </p:sp>
+        </p:nvPicPr>
+        <p:blipFill>
+          <a:blip r:embed="rId2"/>
+          <a:stretch>
+            <a:fillRect/>
+          </a:stretch>
+        </p:blipFill>
+        <p:spPr>
+          <a:xfrm>
+            <a:off x="1579419" y="1930400"/>
+            <a:ext cx="7265323" cy="4660013"/>
+          </a:xfrm>
+        </p:spPr>
+      </p:pic>
     </p:spTree>
     <p:extLst>
       <p:ext uri="{BB962C8B-B14F-4D97-AF65-F5344CB8AC3E}">
-        <p14:creationId xmlns:p14="http://schemas.microsoft.com/office/powerpoint/2010/main" val="834162281"/>
+        <p14:creationId xmlns:p14="http://schemas.microsoft.com/office/powerpoint/2010/main" val="3866623829"/>
       </p:ext>
     </p:extLst>
   </p:cSld>
@@ -18954,7 +18396,7 @@
           <p:cNvPr id="2" name="Title 1">
             <a:extLst>
               <a:ext uri="{FF2B5EF4-FFF2-40B4-BE49-F238E27FC236}">
-                <a16:creationId xmlns:a16="http://schemas.microsoft.com/office/drawing/2014/main" id="{8D44935D-AB46-43E8-9183-5F28C9903EC1}"/>
+                <a16:creationId xmlns:a16="http://schemas.microsoft.com/office/drawing/2014/main" id="{35F38695-B7CE-4D6E-A785-C1D727736631}"/>
               </a:ext>
             </a:extLst>
           </p:cNvPr>
@@ -18974,44 +18416,91 @@
           <a:p>
             <a:r>
               <a:rPr lang="en-US" sz="4000" dirty="0"/>
-              <a:t>Elementary principles of derivative pricing-Arbitrage</a:t>
-            </a:r>
-          </a:p>
-        </p:txBody>
-      </p:sp>
-      <p:pic>
-        <p:nvPicPr>
-          <p:cNvPr id="5" name="Content Placeholder 4">
+              <a:t>Practices</a:t>
+            </a:r>
+          </a:p>
+        </p:txBody>
+      </p:sp>
+      <p:sp>
+        <p:nvSpPr>
+          <p:cNvPr id="3" name="Content Placeholder 2">
             <a:extLst>
               <a:ext uri="{FF2B5EF4-FFF2-40B4-BE49-F238E27FC236}">
-                <a16:creationId xmlns:a16="http://schemas.microsoft.com/office/drawing/2014/main" id="{D6658CC8-7C61-4C1A-8863-CD191D84D0FE}"/>
+                <a16:creationId xmlns:a16="http://schemas.microsoft.com/office/drawing/2014/main" id="{BF809369-364C-494D-A422-54CB9C9C3E54}"/>
               </a:ext>
             </a:extLst>
           </p:cNvPr>
-          <p:cNvPicPr>
-            <a:picLocks noGrp="1" noChangeAspect="1"/>
-          </p:cNvPicPr>
+          <p:cNvSpPr>
+            <a:spLocks noGrp="1"/>
+          </p:cNvSpPr>
           <p:nvPr>
             <p:ph idx="1"/>
           </p:nvPr>
-        </p:nvPicPr>
-        <p:blipFill>
-          <a:blip r:embed="rId2"/>
-          <a:stretch>
-            <a:fillRect/>
-          </a:stretch>
-        </p:blipFill>
-        <p:spPr>
-          <a:xfrm>
-            <a:off x="1579419" y="1930400"/>
-            <a:ext cx="7265323" cy="4660013"/>
-          </a:xfrm>
-        </p:spPr>
-      </p:pic>
+        </p:nvSpPr>
+        <p:spPr/>
+        <p:txBody>
+          <a:bodyPr/>
+          <a:lstStyle/>
+          <a:p>
+            <a:r>
+              <a:rPr lang="en-US" dirty="0"/>
+              <a:t>1 Which of the following is a result of arbitrage?</a:t>
+            </a:r>
+          </a:p>
+          <a:p>
+            <a:pPr lvl="1"/>
+            <a:r>
+              <a:rPr lang="en-US" dirty="0"/>
+              <a:t>A The law of one price</a:t>
+            </a:r>
+          </a:p>
+          <a:p>
+            <a:pPr lvl="1"/>
+            <a:r>
+              <a:rPr lang="en-US" dirty="0"/>
+              <a:t>B The law of similar prices</a:t>
+            </a:r>
+          </a:p>
+          <a:p>
+            <a:pPr lvl="1"/>
+            <a:r>
+              <a:rPr lang="en-US" dirty="0"/>
+              <a:t>C The law of limited profitability</a:t>
+            </a:r>
+          </a:p>
+          <a:p>
+            <a:r>
+              <a:rPr lang="en-US" dirty="0"/>
+              <a:t>2 When an arbitrage opportunity exists, what happens in the market?</a:t>
+            </a:r>
+          </a:p>
+          <a:p>
+            <a:pPr lvl="1"/>
+            <a:r>
+              <a:rPr lang="en-US" dirty="0"/>
+              <a:t>A The combined actions of all arbitrageurs force the prices to converge.</a:t>
+            </a:r>
+          </a:p>
+          <a:p>
+            <a:pPr lvl="1"/>
+            <a:r>
+              <a:rPr lang="en-US" dirty="0"/>
+              <a:t>B The combined actions of arbitrageurs result in a locked- limit situation.</a:t>
+            </a:r>
+          </a:p>
+          <a:p>
+            <a:pPr lvl="1"/>
+            <a:r>
+              <a:rPr lang="en-US" dirty="0"/>
+              <a:t>C The combined actions of all arbitrageurs result in sustained profits to all.</a:t>
+            </a:r>
+          </a:p>
+        </p:txBody>
+      </p:sp>
     </p:spTree>
     <p:extLst>
       <p:ext uri="{BB962C8B-B14F-4D97-AF65-F5344CB8AC3E}">
-        <p14:creationId xmlns:p14="http://schemas.microsoft.com/office/powerpoint/2010/main" val="3866623829"/>
+        <p14:creationId xmlns:p14="http://schemas.microsoft.com/office/powerpoint/2010/main" val="3312634249"/>
       </p:ext>
     </p:extLst>
   </p:cSld>
@@ -19143,142 +18632,6 @@
 </file>
 
 <file path=ppt/slides/slide80.xml><?xml version="1.0" encoding="utf-8"?>
-<p:sld xmlns:a="http://schemas.openxmlformats.org/drawingml/2006/main" xmlns:r="http://schemas.openxmlformats.org/officeDocument/2006/relationships" xmlns:p="http://schemas.openxmlformats.org/presentationml/2006/main">
-  <p:cSld>
-    <p:spTree>
-      <p:nvGrpSpPr>
-        <p:cNvPr id="1" name=""/>
-        <p:cNvGrpSpPr/>
-        <p:nvPr/>
-      </p:nvGrpSpPr>
-      <p:grpSpPr>
-        <a:xfrm>
-          <a:off x="0" y="0"/>
-          <a:ext cx="0" cy="0"/>
-          <a:chOff x="0" y="0"/>
-          <a:chExt cx="0" cy="0"/>
-        </a:xfrm>
-      </p:grpSpPr>
-      <p:sp>
-        <p:nvSpPr>
-          <p:cNvPr id="2" name="Title 1">
-            <a:extLst>
-              <a:ext uri="{FF2B5EF4-FFF2-40B4-BE49-F238E27FC236}">
-                <a16:creationId xmlns:a16="http://schemas.microsoft.com/office/drawing/2014/main" id="{35F38695-B7CE-4D6E-A785-C1D727736631}"/>
-              </a:ext>
-            </a:extLst>
-          </p:cNvPr>
-          <p:cNvSpPr>
-            <a:spLocks noGrp="1"/>
-          </p:cNvSpPr>
-          <p:nvPr>
-            <p:ph type="title"/>
-          </p:nvPr>
-        </p:nvSpPr>
-        <p:spPr/>
-        <p:txBody>
-          <a:bodyPr>
-            <a:normAutofit/>
-          </a:bodyPr>
-          <a:lstStyle/>
-          <a:p>
-            <a:r>
-              <a:rPr lang="en-US" sz="4000" dirty="0"/>
-              <a:t>Practices</a:t>
-            </a:r>
-          </a:p>
-        </p:txBody>
-      </p:sp>
-      <p:sp>
-        <p:nvSpPr>
-          <p:cNvPr id="3" name="Content Placeholder 2">
-            <a:extLst>
-              <a:ext uri="{FF2B5EF4-FFF2-40B4-BE49-F238E27FC236}">
-                <a16:creationId xmlns:a16="http://schemas.microsoft.com/office/drawing/2014/main" id="{BF809369-364C-494D-A422-54CB9C9C3E54}"/>
-              </a:ext>
-            </a:extLst>
-          </p:cNvPr>
-          <p:cNvSpPr>
-            <a:spLocks noGrp="1"/>
-          </p:cNvSpPr>
-          <p:nvPr>
-            <p:ph idx="1"/>
-          </p:nvPr>
-        </p:nvSpPr>
-        <p:spPr/>
-        <p:txBody>
-          <a:bodyPr/>
-          <a:lstStyle/>
-          <a:p>
-            <a:r>
-              <a:rPr lang="en-US" dirty="0"/>
-              <a:t>1 Which of the following is a result of arbitrage?</a:t>
-            </a:r>
-          </a:p>
-          <a:p>
-            <a:pPr lvl="1"/>
-            <a:r>
-              <a:rPr lang="en-US" dirty="0"/>
-              <a:t>A The law of one price</a:t>
-            </a:r>
-          </a:p>
-          <a:p>
-            <a:pPr lvl="1"/>
-            <a:r>
-              <a:rPr lang="en-US" dirty="0"/>
-              <a:t>B The law of similar prices</a:t>
-            </a:r>
-          </a:p>
-          <a:p>
-            <a:pPr lvl="1"/>
-            <a:r>
-              <a:rPr lang="en-US" dirty="0"/>
-              <a:t>C The law of limited profitability</a:t>
-            </a:r>
-          </a:p>
-          <a:p>
-            <a:r>
-              <a:rPr lang="en-US" dirty="0"/>
-              <a:t>2 When an arbitrage opportunity exists, what happens in the market?</a:t>
-            </a:r>
-          </a:p>
-          <a:p>
-            <a:pPr lvl="1"/>
-            <a:r>
-              <a:rPr lang="en-US" dirty="0"/>
-              <a:t>A The combined actions of all arbitrageurs force the prices to converge.</a:t>
-            </a:r>
-          </a:p>
-          <a:p>
-            <a:pPr lvl="1"/>
-            <a:r>
-              <a:rPr lang="en-US" dirty="0"/>
-              <a:t>B The combined actions of arbitrageurs result in a locked- limit situation.</a:t>
-            </a:r>
-          </a:p>
-          <a:p>
-            <a:pPr lvl="1"/>
-            <a:r>
-              <a:rPr lang="en-US" dirty="0"/>
-              <a:t>C The combined actions of all arbitrageurs result in sustained profits to all.</a:t>
-            </a:r>
-          </a:p>
-        </p:txBody>
-      </p:sp>
-    </p:spTree>
-    <p:extLst>
-      <p:ext uri="{BB962C8B-B14F-4D97-AF65-F5344CB8AC3E}">
-        <p14:creationId xmlns:p14="http://schemas.microsoft.com/office/powerpoint/2010/main" val="3312634249"/>
-      </p:ext>
-    </p:extLst>
-  </p:cSld>
-  <p:clrMapOvr>
-    <a:masterClrMapping/>
-  </p:clrMapOvr>
-</p:sld>
-</file>
-
-<file path=ppt/slides/slide81.xml><?xml version="1.0" encoding="utf-8"?>
 <p:sld xmlns:a="http://schemas.openxmlformats.org/drawingml/2006/main" xmlns:r="http://schemas.openxmlformats.org/officeDocument/2006/relationships" xmlns:p="http://schemas.openxmlformats.org/presentationml/2006/main">
   <p:cSld>
     <p:spTree>

--- a/Reading 46.pptx
+++ b/Reading 46.pptx
@@ -34,57 +34,55 @@
     <p:sldId id="344" r:id="rId28"/>
     <p:sldId id="345" r:id="rId29"/>
     <p:sldId id="317" r:id="rId30"/>
-    <p:sldId id="269" r:id="rId31"/>
-    <p:sldId id="274" r:id="rId32"/>
-    <p:sldId id="275" r:id="rId33"/>
-    <p:sldId id="276" r:id="rId34"/>
-    <p:sldId id="277" r:id="rId35"/>
-    <p:sldId id="318" r:id="rId36"/>
-    <p:sldId id="278" r:id="rId37"/>
-    <p:sldId id="279" r:id="rId38"/>
-    <p:sldId id="280" r:id="rId39"/>
-    <p:sldId id="281" r:id="rId40"/>
-    <p:sldId id="282" r:id="rId41"/>
-    <p:sldId id="283" r:id="rId42"/>
-    <p:sldId id="284" r:id="rId43"/>
-    <p:sldId id="285" r:id="rId44"/>
-    <p:sldId id="286" r:id="rId45"/>
-    <p:sldId id="287" r:id="rId46"/>
-    <p:sldId id="288" r:id="rId47"/>
-    <p:sldId id="319" r:id="rId48"/>
-    <p:sldId id="320" r:id="rId49"/>
-    <p:sldId id="289" r:id="rId50"/>
-    <p:sldId id="290" r:id="rId51"/>
-    <p:sldId id="291" r:id="rId52"/>
-    <p:sldId id="292" r:id="rId53"/>
-    <p:sldId id="293" r:id="rId54"/>
-    <p:sldId id="294" r:id="rId55"/>
-    <p:sldId id="321" r:id="rId56"/>
-    <p:sldId id="295" r:id="rId57"/>
-    <p:sldId id="296" r:id="rId58"/>
-    <p:sldId id="297" r:id="rId59"/>
-    <p:sldId id="302" r:id="rId60"/>
-    <p:sldId id="303" r:id="rId61"/>
-    <p:sldId id="298" r:id="rId62"/>
-    <p:sldId id="299" r:id="rId63"/>
-    <p:sldId id="322" r:id="rId64"/>
-    <p:sldId id="323" r:id="rId65"/>
-    <p:sldId id="324" r:id="rId66"/>
-    <p:sldId id="301" r:id="rId67"/>
-    <p:sldId id="300" r:id="rId68"/>
-    <p:sldId id="306" r:id="rId69"/>
-    <p:sldId id="304" r:id="rId70"/>
-    <p:sldId id="305" r:id="rId71"/>
-    <p:sldId id="307" r:id="rId72"/>
-    <p:sldId id="308" r:id="rId73"/>
-    <p:sldId id="309" r:id="rId74"/>
-    <p:sldId id="310" r:id="rId75"/>
-    <p:sldId id="325" r:id="rId76"/>
-    <p:sldId id="326" r:id="rId77"/>
-    <p:sldId id="327" r:id="rId78"/>
-    <p:sldId id="311" r:id="rId79"/>
-    <p:sldId id="312" r:id="rId80"/>
-    <p:sldId id="313" r:id="rId81"/>
+    <p:sldId id="347" r:id="rId31"/>
+    <p:sldId id="348" r:id="rId32"/>
+    <p:sldId id="276" r:id="rId33"/>
+    <p:sldId id="318" r:id="rId34"/>
+    <p:sldId id="278" r:id="rId35"/>
+    <p:sldId id="279" r:id="rId36"/>
+    <p:sldId id="280" r:id="rId37"/>
+    <p:sldId id="281" r:id="rId38"/>
+    <p:sldId id="282" r:id="rId39"/>
+    <p:sldId id="283" r:id="rId40"/>
+    <p:sldId id="284" r:id="rId41"/>
+    <p:sldId id="285" r:id="rId42"/>
+    <p:sldId id="286" r:id="rId43"/>
+    <p:sldId id="287" r:id="rId44"/>
+    <p:sldId id="288" r:id="rId45"/>
+    <p:sldId id="319" r:id="rId46"/>
+    <p:sldId id="320" r:id="rId47"/>
+    <p:sldId id="289" r:id="rId48"/>
+    <p:sldId id="290" r:id="rId49"/>
+    <p:sldId id="291" r:id="rId50"/>
+    <p:sldId id="292" r:id="rId51"/>
+    <p:sldId id="293" r:id="rId52"/>
+    <p:sldId id="294" r:id="rId53"/>
+    <p:sldId id="321" r:id="rId54"/>
+    <p:sldId id="295" r:id="rId55"/>
+    <p:sldId id="296" r:id="rId56"/>
+    <p:sldId id="297" r:id="rId57"/>
+    <p:sldId id="302" r:id="rId58"/>
+    <p:sldId id="303" r:id="rId59"/>
+    <p:sldId id="298" r:id="rId60"/>
+    <p:sldId id="299" r:id="rId61"/>
+    <p:sldId id="322" r:id="rId62"/>
+    <p:sldId id="323" r:id="rId63"/>
+    <p:sldId id="324" r:id="rId64"/>
+    <p:sldId id="301" r:id="rId65"/>
+    <p:sldId id="300" r:id="rId66"/>
+    <p:sldId id="306" r:id="rId67"/>
+    <p:sldId id="304" r:id="rId68"/>
+    <p:sldId id="305" r:id="rId69"/>
+    <p:sldId id="307" r:id="rId70"/>
+    <p:sldId id="308" r:id="rId71"/>
+    <p:sldId id="309" r:id="rId72"/>
+    <p:sldId id="310" r:id="rId73"/>
+    <p:sldId id="325" r:id="rId74"/>
+    <p:sldId id="326" r:id="rId75"/>
+    <p:sldId id="327" r:id="rId76"/>
+    <p:sldId id="311" r:id="rId77"/>
+    <p:sldId id="312" r:id="rId78"/>
+    <p:sldId id="313" r:id="rId79"/>
   </p:sldIdLst>
   <p:sldSz cx="12192000" cy="6858000"/>
   <p:notesSz cx="6858000" cy="9144000"/>
@@ -204,7 +202,7 @@
             <p14:sldId id="335"/>
           </p14:sldIdLst>
         </p14:section>
-        <p14:section name="Pricing the Underlying" id="{9EFB3D90-38E8-4E05-A7C5-4CDBD9F8F8DA}">
+        <p14:section name="Pricing the underlying" id="{9EFB3D90-38E8-4E05-A7C5-4CDBD9F8F8DA}">
           <p14:sldIdLst>
             <p14:sldId id="329"/>
             <p14:sldId id="330"/>
@@ -214,7 +212,7 @@
             <p14:sldId id="334"/>
           </p14:sldIdLst>
         </p14:section>
-        <p14:section name="Pricing and Valuation of Forward" id="{A348F803-1053-4D88-ABBE-115895454312}">
+        <p14:section name="Pricing and valuation of forward" id="{A348F803-1053-4D88-ABBE-115895454312}">
           <p14:sldIdLst>
             <p14:sldId id="270"/>
             <p14:sldId id="263"/>
@@ -232,7 +230,7 @@
             <p14:sldId id="342"/>
           </p14:sldIdLst>
         </p14:section>
-        <p14:section name="Pricing and Valuation of Futures" id="{9C038C63-4C16-4EA1-8C07-C65F6FC04218}">
+        <p14:section name="Pricing and valuation of futures" id="{9C038C63-4C16-4EA1-8C07-C65F6FC04218}">
           <p14:sldIdLst>
             <p14:sldId id="273"/>
             <p14:sldId id="265"/>
@@ -242,14 +240,12 @@
             <p14:sldId id="345"/>
           </p14:sldIdLst>
         </p14:section>
-        <p14:section name="Swap" id="{FE1267C5-CE94-4A19-B1E8-627CAFAF5F71}">
+        <p14:section name="Pricing and valuation of swap" id="{FE1267C5-CE94-4A19-B1E8-627CAFAF5F71}">
           <p14:sldIdLst>
             <p14:sldId id="317"/>
-            <p14:sldId id="269"/>
-            <p14:sldId id="274"/>
-            <p14:sldId id="275"/>
+            <p14:sldId id="347"/>
+            <p14:sldId id="348"/>
             <p14:sldId id="276"/>
-            <p14:sldId id="277"/>
           </p14:sldIdLst>
         </p14:section>
         <p14:section name="Call option" id="{66889FBA-4C85-4D8B-B06E-EDB115D0C581}">
@@ -1058,7 +1054,7 @@
             <a:fld id="{B61BEF0D-F0BB-DE4B-95CE-6DB70DBA9567}" type="datetimeFigureOut">
               <a:rPr lang="en-US" smtClean="0"/>
               <a:pPr/>
-              <a:t>2/21/2022</a:t>
+              <a:t>2/25/2022</a:t>
             </a:fld>
             <a:endParaRPr lang="en-US" dirty="0"/>
           </a:p>
@@ -1311,7 +1307,7 @@
             <a:fld id="{B61BEF0D-F0BB-DE4B-95CE-6DB70DBA9567}" type="datetimeFigureOut">
               <a:rPr lang="en-US" smtClean="0"/>
               <a:pPr/>
-              <a:t>2/21/2022</a:t>
+              <a:t>2/25/2022</a:t>
             </a:fld>
             <a:endParaRPr lang="en-US" dirty="0"/>
           </a:p>
@@ -1627,7 +1623,7 @@
             <a:fld id="{B61BEF0D-F0BB-DE4B-95CE-6DB70DBA9567}" type="datetimeFigureOut">
               <a:rPr lang="en-US" smtClean="0"/>
               <a:pPr/>
-              <a:t>2/21/2022</a:t>
+              <a:t>2/25/2022</a:t>
             </a:fld>
             <a:endParaRPr lang="en-US" dirty="0"/>
           </a:p>
@@ -1970,7 +1966,7 @@
             <a:fld id="{B61BEF0D-F0BB-DE4B-95CE-6DB70DBA9567}" type="datetimeFigureOut">
               <a:rPr lang="en-US" smtClean="0"/>
               <a:pPr/>
-              <a:t>2/21/2022</a:t>
+              <a:t>2/25/2022</a:t>
             </a:fld>
             <a:endParaRPr lang="en-US" dirty="0"/>
           </a:p>
@@ -2286,7 +2282,7 @@
             <a:fld id="{B61BEF0D-F0BB-DE4B-95CE-6DB70DBA9567}" type="datetimeFigureOut">
               <a:rPr lang="en-US" smtClean="0"/>
               <a:pPr/>
-              <a:t>2/21/2022</a:t>
+              <a:t>2/25/2022</a:t>
             </a:fld>
             <a:endParaRPr lang="en-US" dirty="0"/>
           </a:p>
@@ -2681,7 +2677,7 @@
             <a:fld id="{B61BEF0D-F0BB-DE4B-95CE-6DB70DBA9567}" type="datetimeFigureOut">
               <a:rPr lang="en-US" smtClean="0"/>
               <a:pPr/>
-              <a:t>2/21/2022</a:t>
+              <a:t>2/25/2022</a:t>
             </a:fld>
             <a:endParaRPr lang="en-US" dirty="0"/>
           </a:p>
@@ -2852,7 +2848,7 @@
           <a:p>
             <a:fld id="{55C6B4A9-1611-4792-9094-5F34BCA07E0B}" type="datetimeFigureOut">
               <a:rPr lang="en-US" smtClean="0"/>
-              <a:t>2/21/2022</a:t>
+              <a:t>2/25/2022</a:t>
             </a:fld>
             <a:endParaRPr lang="en-US" dirty="0"/>
           </a:p>
@@ -3033,7 +3029,7 @@
             <a:fld id="{B61BEF0D-F0BB-DE4B-95CE-6DB70DBA9567}" type="datetimeFigureOut">
               <a:rPr lang="en-US" smtClean="0"/>
               <a:pPr/>
-              <a:t>2/21/2022</a:t>
+              <a:t>2/25/2022</a:t>
             </a:fld>
             <a:endParaRPr lang="en-US" dirty="0"/>
           </a:p>
@@ -3210,7 +3206,7 @@
           <a:p>
             <a:fld id="{42A54C80-263E-416B-A8E0-580EDEADCBDC}" type="datetimeFigureOut">
               <a:rPr lang="en-US" smtClean="0"/>
-              <a:t>2/21/2022</a:t>
+              <a:t>2/25/2022</a:t>
             </a:fld>
             <a:endParaRPr lang="en-US" dirty="0"/>
           </a:p>
@@ -3458,7 +3454,7 @@
             <a:fld id="{B61BEF0D-F0BB-DE4B-95CE-6DB70DBA9567}" type="datetimeFigureOut">
               <a:rPr lang="en-US" smtClean="0"/>
               <a:pPr/>
-              <a:t>2/21/2022</a:t>
+              <a:t>2/25/2022</a:t>
             </a:fld>
             <a:endParaRPr lang="en-US" dirty="0"/>
           </a:p>
@@ -3691,7 +3687,7 @@
           <a:p>
             <a:fld id="{42A54C80-263E-416B-A8E0-580EDEADCBDC}" type="datetimeFigureOut">
               <a:rPr lang="en-US" smtClean="0"/>
-              <a:t>2/21/2022</a:t>
+              <a:t>2/25/2022</a:t>
             </a:fld>
             <a:endParaRPr lang="en-US" dirty="0"/>
           </a:p>
@@ -4066,7 +4062,7 @@
             <a:fld id="{B61BEF0D-F0BB-DE4B-95CE-6DB70DBA9567}" type="datetimeFigureOut">
               <a:rPr lang="en-US" smtClean="0"/>
               <a:pPr/>
-              <a:t>2/21/2022</a:t>
+              <a:t>2/25/2022</a:t>
             </a:fld>
             <a:endParaRPr lang="en-US" dirty="0"/>
           </a:p>
@@ -4191,7 +4187,7 @@
             <a:fld id="{B61BEF0D-F0BB-DE4B-95CE-6DB70DBA9567}" type="datetimeFigureOut">
               <a:rPr lang="en-US" smtClean="0"/>
               <a:pPr/>
-              <a:t>2/21/2022</a:t>
+              <a:t>2/25/2022</a:t>
             </a:fld>
             <a:endParaRPr lang="en-US" dirty="0"/>
           </a:p>
@@ -4288,7 +4284,7 @@
             <a:fld id="{B61BEF0D-F0BB-DE4B-95CE-6DB70DBA9567}" type="datetimeFigureOut">
               <a:rPr lang="en-US" smtClean="0"/>
               <a:pPr/>
-              <a:t>2/21/2022</a:t>
+              <a:t>2/25/2022</a:t>
             </a:fld>
             <a:endParaRPr lang="en-US" dirty="0"/>
           </a:p>
@@ -4544,7 +4540,7 @@
           <a:p>
             <a:fld id="{42A54C80-263E-416B-A8E0-580EDEADCBDC}" type="datetimeFigureOut">
               <a:rPr lang="en-US" smtClean="0"/>
-              <a:t>2/21/2022</a:t>
+              <a:t>2/25/2022</a:t>
             </a:fld>
             <a:endParaRPr lang="en-US" dirty="0"/>
           </a:p>
@@ -4808,7 +4804,7 @@
             <a:fld id="{B61BEF0D-F0BB-DE4B-95CE-6DB70DBA9567}" type="datetimeFigureOut">
               <a:rPr lang="en-US" smtClean="0"/>
               <a:pPr/>
-              <a:t>2/21/2022</a:t>
+              <a:t>2/25/2022</a:t>
             </a:fld>
             <a:endParaRPr lang="en-US" dirty="0"/>
           </a:p>
@@ -5553,7 +5549,7 @@
             <a:fld id="{B61BEF0D-F0BB-DE4B-95CE-6DB70DBA9567}" type="datetimeFigureOut">
               <a:rPr lang="en-US" smtClean="0"/>
               <a:pPr/>
-              <a:t>2/21/2022</a:t>
+              <a:t>2/25/2022</a:t>
             </a:fld>
             <a:endParaRPr lang="en-US" dirty="0"/>
           </a:p>
@@ -10038,8 +10034,13 @@
           <a:p>
             <a:r>
               <a:rPr lang="en-US" sz="4000" dirty="0"/>
-              <a:t>Swap Contracts</a:t>
-            </a:r>
+              <a:t>Pricing and Valuation of S</a:t>
+            </a:r>
+            <a:r>
+              <a:rPr lang="en-US" altLang="zh-CN" sz="4000" dirty="0"/>
+              <a:t>wap</a:t>
+            </a:r>
+            <a:endParaRPr lang="en-US" sz="4000" dirty="0"/>
           </a:p>
         </p:txBody>
       </p:sp>
@@ -10066,65 +10067,14 @@
           <a:p>
             <a:r>
               <a:rPr lang="en-US" sz="2800" dirty="0"/>
-              <a:t>Forward commitments</a:t>
-            </a:r>
-          </a:p>
-          <a:p>
-            <a:pPr lvl="1"/>
-            <a:r>
-              <a:rPr lang="en-US" sz="2800" dirty="0">
-                <a:solidFill>
-                  <a:schemeClr val="tx1"/>
-                </a:solidFill>
-              </a:rPr>
-              <a:t>Forward</a:t>
-            </a:r>
-          </a:p>
-          <a:p>
-            <a:pPr lvl="1"/>
-            <a:r>
-              <a:rPr lang="en-US" sz="2800" dirty="0">
-                <a:solidFill>
-                  <a:schemeClr val="tx1"/>
-                </a:solidFill>
-              </a:rPr>
-              <a:t>Futures</a:t>
-            </a:r>
-          </a:p>
-          <a:p>
-            <a:pPr lvl="1"/>
-            <a:r>
-              <a:rPr lang="en-US" sz="2800" u="sng" dirty="0">
-                <a:solidFill>
-                  <a:srgbClr val="FF0000"/>
-                </a:solidFill>
-              </a:rPr>
-              <a:t>Swap</a:t>
+              <a:t>We will let this swap be the type that involves a fixed payment exchanged for a floating payment.</a:t>
             </a:r>
           </a:p>
           <a:p>
             <a:r>
               <a:rPr lang="en-US" sz="2800" dirty="0"/>
-              <a:t>Contingent claims</a:t>
-            </a:r>
-          </a:p>
-          <a:p>
-            <a:pPr lvl="1"/>
-            <a:r>
-              <a:rPr lang="en-US" sz="2800" dirty="0"/>
-              <a:t>Option</a:t>
-            </a:r>
-          </a:p>
-          <a:p>
-            <a:pPr lvl="1"/>
-            <a:r>
-              <a:rPr lang="en-US" sz="2800" dirty="0"/>
-              <a:t>Credit Derivatives</a:t>
-            </a:r>
-          </a:p>
-          <a:p>
-            <a:pPr lvl="1"/>
-            <a:endParaRPr lang="en-US" dirty="0"/>
+              <a:t>breaks down a swap into a series of implicit forward contracts, with the expiration of each forward contract corresponding to a swap payment date.</a:t>
+            </a:r>
           </a:p>
         </p:txBody>
       </p:sp>
@@ -10311,7 +10261,7 @@
           <p:cNvPr id="2" name="Title 1">
             <a:extLst>
               <a:ext uri="{FF2B5EF4-FFF2-40B4-BE49-F238E27FC236}">
-                <a16:creationId xmlns:a16="http://schemas.microsoft.com/office/drawing/2014/main" id="{B14399E1-9A90-4AE5-8D83-E334323FD224}"/>
+                <a16:creationId xmlns:a16="http://schemas.microsoft.com/office/drawing/2014/main" id="{04E541D5-F9D3-427E-BA82-1A9788294A78}"/>
               </a:ext>
             </a:extLst>
           </p:cNvPr>
@@ -10331,86 +10281,49 @@
           <a:p>
             <a:r>
               <a:rPr lang="en-US" sz="4000" dirty="0"/>
-              <a:t>Swap Contracts</a:t>
-            </a:r>
-          </a:p>
-        </p:txBody>
-      </p:sp>
-      <p:sp>
-        <p:nvSpPr>
-          <p:cNvPr id="3" name="Content Placeholder 2">
+              <a:t>Pricing and Valuation of S</a:t>
+            </a:r>
+            <a:r>
+              <a:rPr lang="en-US" altLang="zh-CN" sz="4000" dirty="0"/>
+              <a:t>wap</a:t>
+            </a:r>
+            <a:endParaRPr lang="en-US" sz="4000" dirty="0"/>
+          </a:p>
+        </p:txBody>
+      </p:sp>
+      <p:pic>
+        <p:nvPicPr>
+          <p:cNvPr id="5" name="Content Placeholder 4">
             <a:extLst>
               <a:ext uri="{FF2B5EF4-FFF2-40B4-BE49-F238E27FC236}">
-                <a16:creationId xmlns:a16="http://schemas.microsoft.com/office/drawing/2014/main" id="{9749AD03-FDAB-4BB0-A6F8-7357FF35FA5F}"/>
+                <a16:creationId xmlns:a16="http://schemas.microsoft.com/office/drawing/2014/main" id="{23077FCC-D56E-4D4B-B172-31D58E3DC1F1}"/>
               </a:ext>
             </a:extLst>
           </p:cNvPr>
-          <p:cNvSpPr>
-            <a:spLocks noGrp="1"/>
-          </p:cNvSpPr>
+          <p:cNvPicPr>
+            <a:picLocks noGrp="1" noChangeAspect="1"/>
+          </p:cNvPicPr>
           <p:nvPr>
             <p:ph idx="1"/>
           </p:nvPr>
-        </p:nvSpPr>
-        <p:spPr/>
-        <p:txBody>
-          <a:bodyPr/>
-          <a:lstStyle/>
-          <a:p>
-            <a:r>
-              <a:rPr lang="en-US" sz="2000" dirty="0"/>
-              <a:t>Definition: </a:t>
-            </a:r>
-            <a:r>
-              <a:rPr lang="en-US" sz="2000" i="1" dirty="0"/>
-              <a:t>A swap is an over- the- counter derivative contract in which two parties agree to </a:t>
-            </a:r>
-            <a:r>
-              <a:rPr lang="en-US" sz="2000" i="1" dirty="0">
-                <a:solidFill>
-                  <a:srgbClr val="FF0000"/>
-                </a:solidFill>
-              </a:rPr>
-              <a:t>exchange a series of cash flows </a:t>
-            </a:r>
-            <a:r>
-              <a:rPr lang="en-US" sz="2000" i="1" dirty="0"/>
-              <a:t>whereby one party </a:t>
-            </a:r>
-            <a:r>
-              <a:rPr lang="en-US" sz="2000" i="1" dirty="0">
-                <a:solidFill>
-                  <a:srgbClr val="FF0000"/>
-                </a:solidFill>
-              </a:rPr>
-              <a:t>pays a variable series that will be determined by an underlying asset or rate </a:t>
-            </a:r>
-            <a:r>
-              <a:rPr lang="en-US" sz="2000" i="1" dirty="0"/>
-              <a:t>and the other party pays </a:t>
-            </a:r>
-            <a:r>
-              <a:rPr lang="en-US" sz="2000" i="1" dirty="0">
-                <a:solidFill>
-                  <a:srgbClr val="FF0000"/>
-                </a:solidFill>
-              </a:rPr>
-              <a:t>either (1) a variable series determined by a different underlying asset or rate or (2) a fixed series</a:t>
-            </a:r>
-            <a:r>
-              <a:rPr lang="en-US" sz="2000" i="1" dirty="0"/>
-              <a:t>.</a:t>
-            </a:r>
-          </a:p>
-          <a:p>
-            <a:endParaRPr lang="en-US" dirty="0"/>
-          </a:p>
-        </p:txBody>
-      </p:sp>
+        </p:nvPicPr>
+        <p:blipFill>
+          <a:blip r:embed="rId2"/>
+          <a:stretch>
+            <a:fillRect/>
+          </a:stretch>
+        </p:blipFill>
+        <p:spPr>
+          <a:xfrm>
+            <a:off x="979714" y="1620101"/>
+            <a:ext cx="7315200" cy="5183693"/>
+          </a:xfrm>
+        </p:spPr>
+      </p:pic>
     </p:spTree>
     <p:extLst>
       <p:ext uri="{BB962C8B-B14F-4D97-AF65-F5344CB8AC3E}">
-        <p14:creationId xmlns:p14="http://schemas.microsoft.com/office/powerpoint/2010/main" val="1074234236"/>
+        <p14:creationId xmlns:p14="http://schemas.microsoft.com/office/powerpoint/2010/main" val="3918972225"/>
       </p:ext>
     </p:extLst>
   </p:cSld>
@@ -10442,7 +10355,7 @@
           <p:cNvPr id="2" name="Title 1">
             <a:extLst>
               <a:ext uri="{FF2B5EF4-FFF2-40B4-BE49-F238E27FC236}">
-                <a16:creationId xmlns:a16="http://schemas.microsoft.com/office/drawing/2014/main" id="{5A10EA45-A5A2-42F9-854A-97D36B351187}"/>
+                <a16:creationId xmlns:a16="http://schemas.microsoft.com/office/drawing/2014/main" id="{7A969C2F-0657-45D4-9AC8-7D47A2DA37AF}"/>
               </a:ext>
             </a:extLst>
           </p:cNvPr>
@@ -10462,8 +10375,13 @@
           <a:p>
             <a:r>
               <a:rPr lang="en-US" sz="4000" dirty="0"/>
-              <a:t>Swap Contracts</a:t>
-            </a:r>
+              <a:t>Pricing and Valuation of S</a:t>
+            </a:r>
+            <a:r>
+              <a:rPr lang="en-US" altLang="zh-CN" sz="4000" dirty="0"/>
+              <a:t>wap</a:t>
+            </a:r>
+            <a:endParaRPr lang="en-US" sz="4000" dirty="0"/>
           </a:p>
         </p:txBody>
       </p:sp>
@@ -10472,7 +10390,7 @@
           <p:cNvPr id="3" name="Content Placeholder 2">
             <a:extLst>
               <a:ext uri="{FF2B5EF4-FFF2-40B4-BE49-F238E27FC236}">
-                <a16:creationId xmlns:a16="http://schemas.microsoft.com/office/drawing/2014/main" id="{756A3F7F-5B00-42B7-8E4E-1E5E7810A23A}"/>
+                <a16:creationId xmlns:a16="http://schemas.microsoft.com/office/drawing/2014/main" id="{7DA4C399-7DE6-4731-82E8-CDDECFEFC757}"/>
               </a:ext>
             </a:extLst>
           </p:cNvPr>
@@ -10485,102 +10403,88 @@
         </p:nvSpPr>
         <p:spPr/>
         <p:txBody>
-          <a:bodyPr/>
-          <a:lstStyle/>
-          <a:p>
-            <a:r>
-              <a:rPr lang="en-US" dirty="0"/>
-              <a:t>Characteristics</a:t>
-            </a:r>
-          </a:p>
-          <a:p>
-            <a:pPr lvl="1"/>
-            <a:r>
-              <a:rPr lang="en-US" dirty="0"/>
-              <a:t>A swap is more or less just </a:t>
-            </a:r>
-            <a:r>
-              <a:rPr lang="en-US" dirty="0">
+          <a:bodyPr>
+            <a:normAutofit/>
+          </a:bodyPr>
+          <a:lstStyle/>
+          <a:p>
+            <a:r>
+              <a:rPr lang="en-US" sz="2400" dirty="0"/>
+              <a:t>Zero value is essential if there is no exchange of cash flows from one party to the other.</a:t>
+            </a:r>
+          </a:p>
+          <a:p>
+            <a:r>
+              <a:rPr lang="en-US" sz="2400" dirty="0"/>
+              <a:t>And although no exchange of cash flows is customary, it is not mandatory.</a:t>
+            </a:r>
+          </a:p>
+          <a:p>
+            <a:r>
+              <a:rPr lang="en-US" sz="2400" dirty="0"/>
+              <a:t>A forward transaction that starts with a </a:t>
+            </a:r>
+            <a:r>
+              <a:rPr lang="en-US" sz="2400" dirty="0">
                 <a:solidFill>
                   <a:srgbClr val="FF0000"/>
                 </a:solidFill>
               </a:rPr>
-              <a:t>a series of forwards</a:t>
-            </a:r>
-          </a:p>
-          <a:p>
-            <a:pPr lvl="1"/>
-            <a:r>
-              <a:rPr lang="en-US" dirty="0"/>
-              <a:t>A swap is a bit more like a forward contract than a futures contract in that it is an OTC contract, so it is </a:t>
-            </a:r>
-            <a:r>
-              <a:rPr lang="en-US" dirty="0">
+              <a:t>zero</a:t>
+            </a:r>
+            <a:r>
+              <a:rPr lang="en-US" sz="2400" dirty="0"/>
+              <a:t> value is called an </a:t>
+            </a:r>
+            <a:r>
+              <a:rPr lang="en-US" sz="2400" dirty="0">
                 <a:solidFill>
                   <a:srgbClr val="FF0000"/>
                 </a:solidFill>
               </a:rPr>
-              <a:t>privately negotiated and subject to default. </a:t>
-            </a:r>
-          </a:p>
-          <a:p>
-            <a:pPr lvl="1"/>
-            <a:r>
-              <a:rPr lang="en-US" dirty="0"/>
-              <a:t>The party </a:t>
-            </a:r>
-            <a:r>
-              <a:rPr lang="en-US" dirty="0">
+              <a:t>at-market forward</a:t>
+            </a:r>
+            <a:r>
+              <a:rPr lang="en-US" sz="2400" dirty="0"/>
+              <a:t>.</a:t>
+            </a:r>
+          </a:p>
+          <a:p>
+            <a:r>
+              <a:rPr lang="en-US" sz="2400" dirty="0"/>
+              <a:t>A forward transaction that starts with a </a:t>
+            </a:r>
+            <a:r>
+              <a:rPr lang="en-US" sz="2400" dirty="0">
                 <a:solidFill>
                   <a:srgbClr val="FF0000"/>
                 </a:solidFill>
               </a:rPr>
-              <a:t>owing the lesser amount cannot default </a:t>
-            </a:r>
-            <a:r>
-              <a:rPr lang="en-US" dirty="0"/>
-              <a:t>to the party owing the greater amount.</a:t>
-            </a:r>
-          </a:p>
-          <a:p>
-            <a:pPr lvl="1"/>
-            <a:r>
-              <a:rPr lang="en-US" dirty="0"/>
-              <a:t>As with futures and forwards, no money changes hands at the start; thus, </a:t>
-            </a:r>
-            <a:r>
-              <a:rPr lang="en-US" dirty="0">
+              <a:t>nonzero</a:t>
+            </a:r>
+            <a:r>
+              <a:rPr lang="en-US" sz="2400" dirty="0"/>
+              <a:t> value is called an </a:t>
+            </a:r>
+            <a:r>
+              <a:rPr lang="en-US" sz="2400" dirty="0">
                 <a:solidFill>
                   <a:srgbClr val="FF0000"/>
                 </a:solidFill>
               </a:rPr>
-              <a:t>the value of a swap when initiated must be zero.</a:t>
-            </a:r>
-          </a:p>
-          <a:p>
-            <a:pPr lvl="1"/>
-            <a:r>
-              <a:rPr lang="en-US" dirty="0">
-                <a:solidFill>
-                  <a:schemeClr val="tx1"/>
-                </a:solidFill>
-              </a:rPr>
-              <a:t>The notional amount of a swap is not typically exchanged, the credit risk of a swap is much less than that of a loan.</a:t>
-            </a:r>
-          </a:p>
-          <a:p>
-            <a:endParaRPr lang="en-US" dirty="0">
-              <a:solidFill>
-                <a:srgbClr val="FF0000"/>
-              </a:solidFill>
-            </a:endParaRPr>
+              <a:t>off-market forward</a:t>
+            </a:r>
+            <a:r>
+              <a:rPr lang="en-US" sz="2400" dirty="0"/>
+              <a:t>.</a:t>
+            </a:r>
           </a:p>
         </p:txBody>
       </p:sp>
     </p:spTree>
     <p:extLst>
       <p:ext uri="{BB962C8B-B14F-4D97-AF65-F5344CB8AC3E}">
-        <p14:creationId xmlns:p14="http://schemas.microsoft.com/office/powerpoint/2010/main" val="4136834001"/>
+        <p14:creationId xmlns:p14="http://schemas.microsoft.com/office/powerpoint/2010/main" val="3333466826"/>
       </p:ext>
     </p:extLst>
   </p:cSld>
@@ -10612,7 +10516,7 @@
           <p:cNvPr id="2" name="Title 1">
             <a:extLst>
               <a:ext uri="{FF2B5EF4-FFF2-40B4-BE49-F238E27FC236}">
-                <a16:creationId xmlns:a16="http://schemas.microsoft.com/office/drawing/2014/main" id="{E66C3C2E-2A64-4F58-B789-1B63C5258C5E}"/>
+                <a16:creationId xmlns:a16="http://schemas.microsoft.com/office/drawing/2014/main" id="{5956A29E-8360-4C31-8F74-D3F9FFADB1E3}"/>
               </a:ext>
             </a:extLst>
           </p:cNvPr>
@@ -10625,61 +10529,102 @@
         </p:nvSpPr>
         <p:spPr/>
         <p:txBody>
+          <a:bodyPr/>
+          <a:lstStyle/>
+          <a:p>
+            <a:r>
+              <a:rPr lang="en-US" sz="4000" dirty="0"/>
+              <a:t>Practices</a:t>
+            </a:r>
+            <a:br>
+              <a:rPr lang="en-US" dirty="0"/>
+            </a:br>
+            <a:endParaRPr lang="en-US" dirty="0"/>
+          </a:p>
+        </p:txBody>
+      </p:sp>
+      <p:sp>
+        <p:nvSpPr>
+          <p:cNvPr id="3" name="Content Placeholder 2">
+            <a:extLst>
+              <a:ext uri="{FF2B5EF4-FFF2-40B4-BE49-F238E27FC236}">
+                <a16:creationId xmlns:a16="http://schemas.microsoft.com/office/drawing/2014/main" id="{EF3A84B9-8E45-4AD9-931B-C39F1DF28022}"/>
+              </a:ext>
+            </a:extLst>
+          </p:cNvPr>
+          <p:cNvSpPr>
+            <a:spLocks noGrp="1"/>
+          </p:cNvSpPr>
+          <p:nvPr>
+            <p:ph idx="1"/>
+          </p:nvPr>
+        </p:nvSpPr>
+        <p:spPr/>
+        <p:txBody>
           <a:bodyPr>
             <a:normAutofit/>
           </a:bodyPr>
           <a:lstStyle/>
           <a:p>
             <a:r>
-              <a:rPr lang="en-US" sz="4000" dirty="0"/>
-              <a:t>Swap Contracts</a:t>
-            </a:r>
-          </a:p>
-        </p:txBody>
-      </p:sp>
-      <p:sp>
-        <p:nvSpPr>
-          <p:cNvPr id="3" name="Content Placeholder 2">
-            <a:extLst>
-              <a:ext uri="{FF2B5EF4-FFF2-40B4-BE49-F238E27FC236}">
-                <a16:creationId xmlns:a16="http://schemas.microsoft.com/office/drawing/2014/main" id="{AD620B4E-9854-4F96-8EDD-9D7D2A35DAEB}"/>
-              </a:ext>
-            </a:extLst>
-          </p:cNvPr>
-          <p:cNvSpPr>
-            <a:spLocks noGrp="1"/>
-          </p:cNvSpPr>
-          <p:nvPr>
-            <p:ph idx="1"/>
-          </p:nvPr>
-        </p:nvSpPr>
-        <p:spPr/>
-        <p:txBody>
-          <a:bodyPr/>
-          <a:lstStyle/>
-          <a:p>
-            <a:r>
-              <a:rPr lang="en-US" sz="2000" dirty="0"/>
-              <a:t>Plain vanilla swap: the most common swap is the </a:t>
-            </a:r>
-            <a:r>
-              <a:rPr lang="en-US" sz="2000" b="1" dirty="0"/>
-              <a:t>fixed- for- floating interest rate swap</a:t>
-            </a:r>
-            <a:r>
-              <a:rPr lang="en-US" sz="2000" dirty="0"/>
-              <a:t>.</a:t>
-            </a:r>
-          </a:p>
-          <a:p>
-            <a:endParaRPr lang="en-US" dirty="0"/>
+              <a:rPr lang="en-US" dirty="0"/>
+              <a:t>1 A swap is equivalent to a series of:</a:t>
+            </a:r>
+          </a:p>
+          <a:p>
+            <a:pPr lvl="1"/>
+            <a:r>
+              <a:rPr lang="en-US" dirty="0"/>
+              <a:t>A forward contracts, each created at the swap price.</a:t>
+            </a:r>
+          </a:p>
+          <a:p>
+            <a:pPr lvl="1"/>
+            <a:r>
+              <a:rPr lang="en-US" dirty="0"/>
+              <a:t>B long forward contracts, matched with short futures contracts.</a:t>
+            </a:r>
+          </a:p>
+          <a:p>
+            <a:pPr lvl="1"/>
+            <a:r>
+              <a:rPr lang="en-US" dirty="0"/>
+              <a:t>C forward contracts, each created at their appropriate forward prices.</a:t>
+            </a:r>
+          </a:p>
+          <a:p>
+            <a:r>
+              <a:rPr lang="en-US" dirty="0"/>
+              <a:t>2 If the present value of the payments in a forward contract or swap is not zero, which of the following is most likely to be true?</a:t>
+            </a:r>
+          </a:p>
+          <a:p>
+            <a:pPr lvl="1"/>
+            <a:r>
+              <a:rPr lang="en-US" dirty="0"/>
+              <a:t>A The contract cannot legally be created.</a:t>
+            </a:r>
+          </a:p>
+          <a:p>
+            <a:pPr lvl="1"/>
+            <a:r>
+              <a:rPr lang="en-US" dirty="0"/>
+              <a:t>B The contract must be replicated by another contract with zero value.</a:t>
+            </a:r>
+          </a:p>
+          <a:p>
+            <a:pPr lvl="1"/>
+            <a:r>
+              <a:rPr lang="en-US" dirty="0"/>
+              <a:t>C The party whose stream of payments to be received is greater has to pay the other party the present value difference.</a:t>
+            </a:r>
           </a:p>
         </p:txBody>
       </p:sp>
     </p:spTree>
     <p:extLst>
       <p:ext uri="{BB962C8B-B14F-4D97-AF65-F5344CB8AC3E}">
-        <p14:creationId xmlns:p14="http://schemas.microsoft.com/office/powerpoint/2010/main" val="3152884269"/>
+        <p14:creationId xmlns:p14="http://schemas.microsoft.com/office/powerpoint/2010/main" val="1508057551"/>
       </p:ext>
     </p:extLst>
   </p:cSld>
@@ -10711,7 +10656,7 @@
           <p:cNvPr id="2" name="Title 1">
             <a:extLst>
               <a:ext uri="{FF2B5EF4-FFF2-40B4-BE49-F238E27FC236}">
-                <a16:creationId xmlns:a16="http://schemas.microsoft.com/office/drawing/2014/main" id="{5956A29E-8360-4C31-8F74-D3F9FFADB1E3}"/>
+                <a16:creationId xmlns:a16="http://schemas.microsoft.com/office/drawing/2014/main" id="{3B6DC5E5-B49D-4096-80C1-B8052495A474}"/>
               </a:ext>
             </a:extLst>
           </p:cNvPr>
@@ -10724,17 +10669,15 @@
         </p:nvSpPr>
         <p:spPr/>
         <p:txBody>
-          <a:bodyPr/>
+          <a:bodyPr>
+            <a:normAutofit/>
+          </a:bodyPr>
           <a:lstStyle/>
           <a:p>
             <a:r>
               <a:rPr lang="en-US" sz="4000" dirty="0"/>
-              <a:t>Practices</a:t>
-            </a:r>
-            <a:br>
-              <a:rPr lang="en-US" dirty="0"/>
-            </a:br>
-            <a:endParaRPr lang="en-US" dirty="0"/>
+              <a:t>Option Contracts</a:t>
+            </a:r>
           </a:p>
         </p:txBody>
       </p:sp>
@@ -10743,7 +10686,7 @@
           <p:cNvPr id="3" name="Content Placeholder 2">
             <a:extLst>
               <a:ext uri="{FF2B5EF4-FFF2-40B4-BE49-F238E27FC236}">
-                <a16:creationId xmlns:a16="http://schemas.microsoft.com/office/drawing/2014/main" id="{EF3A84B9-8E45-4AD9-931B-C39F1DF28022}"/>
+                <a16:creationId xmlns:a16="http://schemas.microsoft.com/office/drawing/2014/main" id="{831B6362-3303-4415-9D10-C4E0904D67AF}"/>
               </a:ext>
             </a:extLst>
           </p:cNvPr>
@@ -10756,102 +10699,81 @@
         </p:nvSpPr>
         <p:spPr/>
         <p:txBody>
-          <a:bodyPr>
-            <a:normAutofit/>
-          </a:bodyPr>
-          <a:lstStyle/>
-          <a:p>
-            <a:r>
-              <a:rPr lang="en-US" dirty="0"/>
-              <a:t>1.Which of the following characterizes forward contracts and swaps but </a:t>
-            </a:r>
-            <a:r>
-              <a:rPr lang="en-US" b="1" dirty="0"/>
-              <a:t>not </a:t>
-            </a:r>
-            <a:r>
-              <a:rPr lang="en-US" dirty="0"/>
-              <a:t>futures?</a:t>
+          <a:bodyPr/>
+          <a:lstStyle/>
+          <a:p>
+            <a:r>
+              <a:rPr lang="en-US" sz="2800" dirty="0"/>
+              <a:t>Forward commitments</a:t>
             </a:r>
           </a:p>
           <a:p>
             <a:pPr lvl="1"/>
             <a:r>
-              <a:rPr lang="en-US" b="1" dirty="0"/>
-              <a:t>A </a:t>
-            </a:r>
-            <a:r>
-              <a:rPr lang="en-US" dirty="0"/>
-              <a:t>They are customized.</a:t>
+              <a:rPr lang="en-US" sz="2800" dirty="0">
+                <a:solidFill>
+                  <a:schemeClr val="tx1"/>
+                </a:solidFill>
+              </a:rPr>
+              <a:t>Forward</a:t>
             </a:r>
           </a:p>
           <a:p>
             <a:pPr lvl="1"/>
             <a:r>
-              <a:rPr lang="en-US" b="1" dirty="0"/>
-              <a:t>B </a:t>
-            </a:r>
-            <a:r>
-              <a:rPr lang="en-US" dirty="0"/>
-              <a:t>They are subject to daily price limits.</a:t>
+              <a:rPr lang="en-US" sz="2800" dirty="0">
+                <a:solidFill>
+                  <a:schemeClr val="tx1"/>
+                </a:solidFill>
+              </a:rPr>
+              <a:t>Futures</a:t>
             </a:r>
           </a:p>
           <a:p>
             <a:pPr lvl="1"/>
             <a:r>
-              <a:rPr lang="en-US" b="1" dirty="0"/>
-              <a:t>C </a:t>
-            </a:r>
-            <a:r>
-              <a:rPr lang="en-US" dirty="0"/>
-              <a:t>Their payoffs are received on a daily basis.</a:t>
-            </a:r>
-          </a:p>
-          <a:p>
-            <a:r>
-              <a:rPr lang="en-US" dirty="0"/>
-              <a:t>2.Which of the following distinguishes forwards from swaps?</a:t>
+              <a:rPr lang="en-US" sz="2800" dirty="0">
+                <a:solidFill>
+                  <a:schemeClr val="tx1"/>
+                </a:solidFill>
+              </a:rPr>
+              <a:t>Swap</a:t>
+            </a:r>
+          </a:p>
+          <a:p>
+            <a:r>
+              <a:rPr lang="en-US" sz="2800" dirty="0"/>
+              <a:t>Contingent claims</a:t>
             </a:r>
           </a:p>
           <a:p>
             <a:pPr lvl="1"/>
             <a:r>
-              <a:rPr lang="en-US" b="1" dirty="0"/>
-              <a:t>A </a:t>
-            </a:r>
-            <a:r>
-              <a:rPr lang="en-US" dirty="0"/>
-              <a:t>Forwards are OTC instruments, whereas swaps are exchange traded.</a:t>
+              <a:rPr lang="en-US" sz="2800" u="sng" dirty="0">
+                <a:solidFill>
+                  <a:srgbClr val="FF0000"/>
+                </a:solidFill>
+              </a:rPr>
+              <a:t>Option</a:t>
             </a:r>
           </a:p>
           <a:p>
             <a:pPr lvl="1"/>
             <a:r>
-              <a:rPr lang="en-US" b="1" dirty="0"/>
-              <a:t>B </a:t>
-            </a:r>
-            <a:r>
-              <a:rPr lang="en-US" dirty="0"/>
-              <a:t>Forwards are regulated as futures, whereas swaps are regulated as securities.</a:t>
+              <a:rPr lang="en-US" sz="2800" dirty="0"/>
+              <a:t>Credit Derivatives</a:t>
             </a:r>
           </a:p>
           <a:p>
             <a:pPr lvl="1"/>
-            <a:r>
-              <a:rPr lang="en-US" b="1" dirty="0"/>
-              <a:t>C </a:t>
-            </a:r>
-            <a:r>
-              <a:rPr lang="en-US" dirty="0"/>
-              <a:t>Swaps have multiple payments, whereas forwards have only a single payment.</a:t>
-            </a:r>
+            <a:endParaRPr lang="en-US" dirty="0"/>
           </a:p>
         </p:txBody>
       </p:sp>
     </p:spTree>
     <p:extLst>
       <p:ext uri="{BB962C8B-B14F-4D97-AF65-F5344CB8AC3E}">
-        <p14:creationId xmlns:p14="http://schemas.microsoft.com/office/powerpoint/2010/main" val="1508057551"/>
+        <p14:creationId xmlns:p14="http://schemas.microsoft.com/office/powerpoint/2010/main" val="1599816682"/>
       </p:ext>
     </p:extLst>
   </p:cSld>
@@ -10883,278 +10805,6 @@
           <p:cNvPr id="2" name="Title 1">
             <a:extLst>
               <a:ext uri="{FF2B5EF4-FFF2-40B4-BE49-F238E27FC236}">
-                <a16:creationId xmlns:a16="http://schemas.microsoft.com/office/drawing/2014/main" id="{5927944C-952F-4F1D-972B-D532B339900F}"/>
-              </a:ext>
-            </a:extLst>
-          </p:cNvPr>
-          <p:cNvSpPr>
-            <a:spLocks noGrp="1"/>
-          </p:cNvSpPr>
-          <p:nvPr>
-            <p:ph type="title"/>
-          </p:nvPr>
-        </p:nvSpPr>
-        <p:spPr/>
-        <p:txBody>
-          <a:bodyPr>
-            <a:normAutofit/>
-          </a:bodyPr>
-          <a:lstStyle/>
-          <a:p>
-            <a:r>
-              <a:rPr lang="en-US" sz="4000" dirty="0"/>
-              <a:t>Practices</a:t>
-            </a:r>
-          </a:p>
-        </p:txBody>
-      </p:sp>
-      <p:sp>
-        <p:nvSpPr>
-          <p:cNvPr id="3" name="Content Placeholder 2">
-            <a:extLst>
-              <a:ext uri="{FF2B5EF4-FFF2-40B4-BE49-F238E27FC236}">
-                <a16:creationId xmlns:a16="http://schemas.microsoft.com/office/drawing/2014/main" id="{1BDDDD91-7FB1-4366-8443-002BDE00C16D}"/>
-              </a:ext>
-            </a:extLst>
-          </p:cNvPr>
-          <p:cNvSpPr>
-            <a:spLocks noGrp="1"/>
-          </p:cNvSpPr>
-          <p:nvPr>
-            <p:ph idx="1"/>
-          </p:nvPr>
-        </p:nvSpPr>
-        <p:spPr/>
-        <p:txBody>
-          <a:bodyPr>
-            <a:normAutofit/>
-          </a:bodyPr>
-          <a:lstStyle/>
-          <a:p>
-            <a:r>
-              <a:rPr lang="en-US" dirty="0"/>
-              <a:t>3.Which of the following occurs in the daily settlement of futures contracts?</a:t>
-            </a:r>
-          </a:p>
-          <a:p>
-            <a:pPr lvl="1"/>
-            <a:r>
-              <a:rPr lang="en-US" sz="1800" b="1" dirty="0"/>
-              <a:t>A </a:t>
-            </a:r>
-            <a:r>
-              <a:rPr lang="en-US" sz="1800" dirty="0"/>
-              <a:t>Initial margin deposits are refunded to the two parties.</a:t>
-            </a:r>
-          </a:p>
-          <a:p>
-            <a:pPr lvl="1"/>
-            <a:r>
-              <a:rPr lang="en-US" sz="1800" b="1" dirty="0"/>
-              <a:t>B </a:t>
-            </a:r>
-            <a:r>
-              <a:rPr lang="en-US" sz="1800" dirty="0"/>
-              <a:t>Gains and losses are reported to other market participants.</a:t>
-            </a:r>
-          </a:p>
-          <a:p>
-            <a:pPr lvl="1"/>
-            <a:r>
-              <a:rPr lang="en-US" sz="1800" b="1" dirty="0"/>
-              <a:t>C </a:t>
-            </a:r>
-            <a:r>
-              <a:rPr lang="en-US" sz="1800" dirty="0"/>
-              <a:t>Losses are charged to one party and gains credited to the other.</a:t>
-            </a:r>
-          </a:p>
-        </p:txBody>
-      </p:sp>
-    </p:spTree>
-    <p:extLst>
-      <p:ext uri="{BB962C8B-B14F-4D97-AF65-F5344CB8AC3E}">
-        <p14:creationId xmlns:p14="http://schemas.microsoft.com/office/powerpoint/2010/main" val="914799381"/>
-      </p:ext>
-    </p:extLst>
-  </p:cSld>
-  <p:clrMapOvr>
-    <a:masterClrMapping/>
-  </p:clrMapOvr>
-</p:sld>
-</file>
-
-<file path=ppt/slides/slide35.xml><?xml version="1.0" encoding="utf-8"?>
-<p:sld xmlns:a="http://schemas.openxmlformats.org/drawingml/2006/main" xmlns:r="http://schemas.openxmlformats.org/officeDocument/2006/relationships" xmlns:p="http://schemas.openxmlformats.org/presentationml/2006/main">
-  <p:cSld>
-    <p:spTree>
-      <p:nvGrpSpPr>
-        <p:cNvPr id="1" name=""/>
-        <p:cNvGrpSpPr/>
-        <p:nvPr/>
-      </p:nvGrpSpPr>
-      <p:grpSpPr>
-        <a:xfrm>
-          <a:off x="0" y="0"/>
-          <a:ext cx="0" cy="0"/>
-          <a:chOff x="0" y="0"/>
-          <a:chExt cx="0" cy="0"/>
-        </a:xfrm>
-      </p:grpSpPr>
-      <p:sp>
-        <p:nvSpPr>
-          <p:cNvPr id="2" name="Title 1">
-            <a:extLst>
-              <a:ext uri="{FF2B5EF4-FFF2-40B4-BE49-F238E27FC236}">
-                <a16:creationId xmlns:a16="http://schemas.microsoft.com/office/drawing/2014/main" id="{3B6DC5E5-B49D-4096-80C1-B8052495A474}"/>
-              </a:ext>
-            </a:extLst>
-          </p:cNvPr>
-          <p:cNvSpPr>
-            <a:spLocks noGrp="1"/>
-          </p:cNvSpPr>
-          <p:nvPr>
-            <p:ph type="title"/>
-          </p:nvPr>
-        </p:nvSpPr>
-        <p:spPr/>
-        <p:txBody>
-          <a:bodyPr>
-            <a:normAutofit/>
-          </a:bodyPr>
-          <a:lstStyle/>
-          <a:p>
-            <a:r>
-              <a:rPr lang="en-US" sz="4000" dirty="0"/>
-              <a:t>Option Contracts</a:t>
-            </a:r>
-          </a:p>
-        </p:txBody>
-      </p:sp>
-      <p:sp>
-        <p:nvSpPr>
-          <p:cNvPr id="3" name="Content Placeholder 2">
-            <a:extLst>
-              <a:ext uri="{FF2B5EF4-FFF2-40B4-BE49-F238E27FC236}">
-                <a16:creationId xmlns:a16="http://schemas.microsoft.com/office/drawing/2014/main" id="{831B6362-3303-4415-9D10-C4E0904D67AF}"/>
-              </a:ext>
-            </a:extLst>
-          </p:cNvPr>
-          <p:cNvSpPr>
-            <a:spLocks noGrp="1"/>
-          </p:cNvSpPr>
-          <p:nvPr>
-            <p:ph idx="1"/>
-          </p:nvPr>
-        </p:nvSpPr>
-        <p:spPr/>
-        <p:txBody>
-          <a:bodyPr/>
-          <a:lstStyle/>
-          <a:p>
-            <a:r>
-              <a:rPr lang="en-US" sz="2800" dirty="0"/>
-              <a:t>Forward commitments</a:t>
-            </a:r>
-          </a:p>
-          <a:p>
-            <a:pPr lvl="1"/>
-            <a:r>
-              <a:rPr lang="en-US" sz="2800" dirty="0">
-                <a:solidFill>
-                  <a:schemeClr val="tx1"/>
-                </a:solidFill>
-              </a:rPr>
-              <a:t>Forward</a:t>
-            </a:r>
-          </a:p>
-          <a:p>
-            <a:pPr lvl="1"/>
-            <a:r>
-              <a:rPr lang="en-US" sz="2800" dirty="0">
-                <a:solidFill>
-                  <a:schemeClr val="tx1"/>
-                </a:solidFill>
-              </a:rPr>
-              <a:t>Futures</a:t>
-            </a:r>
-          </a:p>
-          <a:p>
-            <a:pPr lvl="1"/>
-            <a:r>
-              <a:rPr lang="en-US" sz="2800" dirty="0">
-                <a:solidFill>
-                  <a:schemeClr val="tx1"/>
-                </a:solidFill>
-              </a:rPr>
-              <a:t>Swap</a:t>
-            </a:r>
-          </a:p>
-          <a:p>
-            <a:r>
-              <a:rPr lang="en-US" sz="2800" dirty="0"/>
-              <a:t>Contingent claims</a:t>
-            </a:r>
-          </a:p>
-          <a:p>
-            <a:pPr lvl="1"/>
-            <a:r>
-              <a:rPr lang="en-US" sz="2800" u="sng" dirty="0">
-                <a:solidFill>
-                  <a:srgbClr val="FF0000"/>
-                </a:solidFill>
-              </a:rPr>
-              <a:t>Option</a:t>
-            </a:r>
-          </a:p>
-          <a:p>
-            <a:pPr lvl="1"/>
-            <a:r>
-              <a:rPr lang="en-US" sz="2800" dirty="0"/>
-              <a:t>Credit Derivatives</a:t>
-            </a:r>
-          </a:p>
-          <a:p>
-            <a:pPr lvl="1"/>
-            <a:endParaRPr lang="en-US" dirty="0"/>
-          </a:p>
-        </p:txBody>
-      </p:sp>
-    </p:spTree>
-    <p:extLst>
-      <p:ext uri="{BB962C8B-B14F-4D97-AF65-F5344CB8AC3E}">
-        <p14:creationId xmlns:p14="http://schemas.microsoft.com/office/powerpoint/2010/main" val="1599816682"/>
-      </p:ext>
-    </p:extLst>
-  </p:cSld>
-  <p:clrMapOvr>
-    <a:masterClrMapping/>
-  </p:clrMapOvr>
-</p:sld>
-</file>
-
-<file path=ppt/slides/slide36.xml><?xml version="1.0" encoding="utf-8"?>
-<p:sld xmlns:a="http://schemas.openxmlformats.org/drawingml/2006/main" xmlns:r="http://schemas.openxmlformats.org/officeDocument/2006/relationships" xmlns:p="http://schemas.openxmlformats.org/presentationml/2006/main">
-  <p:cSld>
-    <p:spTree>
-      <p:nvGrpSpPr>
-        <p:cNvPr id="1" name=""/>
-        <p:cNvGrpSpPr/>
-        <p:nvPr/>
-      </p:nvGrpSpPr>
-      <p:grpSpPr>
-        <a:xfrm>
-          <a:off x="0" y="0"/>
-          <a:ext cx="0" cy="0"/>
-          <a:chOff x="0" y="0"/>
-          <a:chExt cx="0" cy="0"/>
-        </a:xfrm>
-      </p:grpSpPr>
-      <p:sp>
-        <p:nvSpPr>
-          <p:cNvPr id="2" name="Title 1">
-            <a:extLst>
-              <a:ext uri="{FF2B5EF4-FFF2-40B4-BE49-F238E27FC236}">
                 <a16:creationId xmlns:a16="http://schemas.microsoft.com/office/drawing/2014/main" id="{5EB0AABE-1CAE-4EC1-80D9-3EEF9BF9A4EE}"/>
               </a:ext>
             </a:extLst>
@@ -11319,7 +10969,7 @@
 </p:sld>
 </file>
 
-<file path=ppt/slides/slide37.xml><?xml version="1.0" encoding="utf-8"?>
+<file path=ppt/slides/slide35.xml><?xml version="1.0" encoding="utf-8"?>
 <p:sld xmlns:a="http://schemas.openxmlformats.org/drawingml/2006/main" xmlns:r="http://schemas.openxmlformats.org/officeDocument/2006/relationships" xmlns:p="http://schemas.openxmlformats.org/presentationml/2006/main">
   <p:cSld>
     <p:spTree>
@@ -11841,7 +11491,7 @@
 </p:sld>
 </file>
 
-<file path=ppt/slides/slide38.xml><?xml version="1.0" encoding="utf-8"?>
+<file path=ppt/slides/slide36.xml><?xml version="1.0" encoding="utf-8"?>
 <p:sld xmlns:a="http://schemas.openxmlformats.org/drawingml/2006/main" xmlns:r="http://schemas.openxmlformats.org/officeDocument/2006/relationships" xmlns:p="http://schemas.openxmlformats.org/presentationml/2006/main">
   <p:cSld>
     <p:spTree>
@@ -11997,7 +11647,7 @@
 </p:sld>
 </file>
 
-<file path=ppt/slides/slide39.xml><?xml version="1.0" encoding="utf-8"?>
+<file path=ppt/slides/slide37.xml><?xml version="1.0" encoding="utf-8"?>
 <p:sld xmlns:a="http://schemas.openxmlformats.org/drawingml/2006/main" xmlns:r="http://schemas.openxmlformats.org/officeDocument/2006/relationships" xmlns:p="http://schemas.openxmlformats.org/presentationml/2006/main">
   <p:cSld>
     <p:spTree>
@@ -12165,7 +11815,7 @@
 </p:sld>
 </file>
 
-<file path=ppt/slides/slide4.xml><?xml version="1.0" encoding="utf-8"?>
+<file path=ppt/slides/slide38.xml><?xml version="1.0" encoding="utf-8"?>
 <p:sld xmlns:a="http://schemas.openxmlformats.org/drawingml/2006/main" xmlns:r="http://schemas.openxmlformats.org/officeDocument/2006/relationships" xmlns:p="http://schemas.openxmlformats.org/presentationml/2006/main">
   <p:cSld>
     <p:spTree>
@@ -12187,126 +11837,6 @@
           <p:cNvPr id="2" name="Title 1">
             <a:extLst>
               <a:ext uri="{FF2B5EF4-FFF2-40B4-BE49-F238E27FC236}">
-                <a16:creationId xmlns:a16="http://schemas.microsoft.com/office/drawing/2014/main" id="{E94617E6-4169-44D7-ADCE-3B9EA049664F}"/>
-              </a:ext>
-            </a:extLst>
-          </p:cNvPr>
-          <p:cNvSpPr>
-            <a:spLocks noGrp="1"/>
-          </p:cNvSpPr>
-          <p:nvPr>
-            <p:ph type="title"/>
-          </p:nvPr>
-        </p:nvSpPr>
-        <p:spPr/>
-        <p:txBody>
-          <a:bodyPr>
-            <a:normAutofit/>
-          </a:bodyPr>
-          <a:lstStyle/>
-          <a:p>
-            <a:r>
-              <a:rPr lang="en-US" sz="4000" dirty="0"/>
-              <a:t>Basic Derivative Concepts</a:t>
-            </a:r>
-          </a:p>
-        </p:txBody>
-      </p:sp>
-      <p:sp>
-        <p:nvSpPr>
-          <p:cNvPr id="3" name="Content Placeholder 2">
-            <a:extLst>
-              <a:ext uri="{FF2B5EF4-FFF2-40B4-BE49-F238E27FC236}">
-                <a16:creationId xmlns:a16="http://schemas.microsoft.com/office/drawing/2014/main" id="{8ABE3BEB-A5DB-4FEF-8C80-E8CB9E0F80E1}"/>
-              </a:ext>
-            </a:extLst>
-          </p:cNvPr>
-          <p:cNvSpPr>
-            <a:spLocks noGrp="1"/>
-          </p:cNvSpPr>
-          <p:nvPr>
-            <p:ph idx="1"/>
-          </p:nvPr>
-        </p:nvSpPr>
-        <p:spPr/>
-        <p:txBody>
-          <a:bodyPr>
-            <a:normAutofit/>
-          </a:bodyPr>
-          <a:lstStyle/>
-          <a:p>
-            <a:r>
-              <a:rPr lang="en-US" sz="2000" dirty="0"/>
-              <a:t>A </a:t>
-            </a:r>
-            <a:r>
-              <a:rPr lang="en-US" sz="2000" dirty="0">
-                <a:solidFill>
-                  <a:srgbClr val="FF0000"/>
-                </a:solidFill>
-              </a:rPr>
-              <a:t>forward</a:t>
-            </a:r>
-            <a:r>
-              <a:rPr lang="en-US" sz="2000" dirty="0"/>
-              <a:t> contract is an over-the-counter derivative contract in which two parties agree that one party, the buyer, will purchase an underlying asset from the other party, the seller, at a later date at a fixed price they agree upon when the contract is signed.</a:t>
-            </a:r>
-          </a:p>
-          <a:p>
-            <a:r>
-              <a:rPr lang="en-US" sz="2000" dirty="0"/>
-              <a:t>A </a:t>
-            </a:r>
-            <a:r>
-              <a:rPr lang="en-US" sz="2000" dirty="0">
-                <a:solidFill>
-                  <a:srgbClr val="FF0000"/>
-                </a:solidFill>
-              </a:rPr>
-              <a:t>futures</a:t>
-            </a:r>
-            <a:r>
-              <a:rPr lang="en-US" sz="2000" dirty="0"/>
-              <a:t> contract is a standardized derivative contract created and traded on a futures exchange in which two parties agree that one party, the buyer, will purchase an underlying asset from the other party, the seller, at a later date at a price agreed upon by the two parties when the contract is initiated and in which there is a daily settling of gains and losses and a credit guarantee by the futures exchange through its clearinghouse</a:t>
-            </a:r>
-          </a:p>
-        </p:txBody>
-      </p:sp>
-    </p:spTree>
-    <p:extLst>
-      <p:ext uri="{BB962C8B-B14F-4D97-AF65-F5344CB8AC3E}">
-        <p14:creationId xmlns:p14="http://schemas.microsoft.com/office/powerpoint/2010/main" val="2424597150"/>
-      </p:ext>
-    </p:extLst>
-  </p:cSld>
-  <p:clrMapOvr>
-    <a:masterClrMapping/>
-  </p:clrMapOvr>
-</p:sld>
-</file>
-
-<file path=ppt/slides/slide40.xml><?xml version="1.0" encoding="utf-8"?>
-<p:sld xmlns:a="http://schemas.openxmlformats.org/drawingml/2006/main" xmlns:r="http://schemas.openxmlformats.org/officeDocument/2006/relationships" xmlns:p="http://schemas.openxmlformats.org/presentationml/2006/main">
-  <p:cSld>
-    <p:spTree>
-      <p:nvGrpSpPr>
-        <p:cNvPr id="1" name=""/>
-        <p:cNvGrpSpPr/>
-        <p:nvPr/>
-      </p:nvGrpSpPr>
-      <p:grpSpPr>
-        <a:xfrm>
-          <a:off x="0" y="0"/>
-          <a:ext cx="0" cy="0"/>
-          <a:chOff x="0" y="0"/>
-          <a:chExt cx="0" cy="0"/>
-        </a:xfrm>
-      </p:grpSpPr>
-      <p:sp>
-        <p:nvSpPr>
-          <p:cNvPr id="2" name="Title 1">
-            <a:extLst>
-              <a:ext uri="{FF2B5EF4-FFF2-40B4-BE49-F238E27FC236}">
                 <a16:creationId xmlns:a16="http://schemas.microsoft.com/office/drawing/2014/main" id="{0BD82D5C-0BCB-4204-880D-B8CFE7F77D6E}"/>
               </a:ext>
             </a:extLst>
@@ -12419,7 +11949,7 @@
 </p:sld>
 </file>
 
-<file path=ppt/slides/slide41.xml><?xml version="1.0" encoding="utf-8"?>
+<file path=ppt/slides/slide39.xml><?xml version="1.0" encoding="utf-8"?>
 <p:sld xmlns:a="http://schemas.openxmlformats.org/drawingml/2006/main" xmlns:r="http://schemas.openxmlformats.org/officeDocument/2006/relationships" xmlns:p="http://schemas.openxmlformats.org/presentationml/2006/main">
   <p:cSld>
     <p:spTree>
@@ -12866,7 +12396,127 @@
 </p:sld>
 </file>
 
-<file path=ppt/slides/slide42.xml><?xml version="1.0" encoding="utf-8"?>
+<file path=ppt/slides/slide4.xml><?xml version="1.0" encoding="utf-8"?>
+<p:sld xmlns:a="http://schemas.openxmlformats.org/drawingml/2006/main" xmlns:r="http://schemas.openxmlformats.org/officeDocument/2006/relationships" xmlns:p="http://schemas.openxmlformats.org/presentationml/2006/main">
+  <p:cSld>
+    <p:spTree>
+      <p:nvGrpSpPr>
+        <p:cNvPr id="1" name=""/>
+        <p:cNvGrpSpPr/>
+        <p:nvPr/>
+      </p:nvGrpSpPr>
+      <p:grpSpPr>
+        <a:xfrm>
+          <a:off x="0" y="0"/>
+          <a:ext cx="0" cy="0"/>
+          <a:chOff x="0" y="0"/>
+          <a:chExt cx="0" cy="0"/>
+        </a:xfrm>
+      </p:grpSpPr>
+      <p:sp>
+        <p:nvSpPr>
+          <p:cNvPr id="2" name="Title 1">
+            <a:extLst>
+              <a:ext uri="{FF2B5EF4-FFF2-40B4-BE49-F238E27FC236}">
+                <a16:creationId xmlns:a16="http://schemas.microsoft.com/office/drawing/2014/main" id="{E94617E6-4169-44D7-ADCE-3B9EA049664F}"/>
+              </a:ext>
+            </a:extLst>
+          </p:cNvPr>
+          <p:cNvSpPr>
+            <a:spLocks noGrp="1"/>
+          </p:cNvSpPr>
+          <p:nvPr>
+            <p:ph type="title"/>
+          </p:nvPr>
+        </p:nvSpPr>
+        <p:spPr/>
+        <p:txBody>
+          <a:bodyPr>
+            <a:normAutofit/>
+          </a:bodyPr>
+          <a:lstStyle/>
+          <a:p>
+            <a:r>
+              <a:rPr lang="en-US" sz="4000" dirty="0"/>
+              <a:t>Basic Derivative Concepts</a:t>
+            </a:r>
+          </a:p>
+        </p:txBody>
+      </p:sp>
+      <p:sp>
+        <p:nvSpPr>
+          <p:cNvPr id="3" name="Content Placeholder 2">
+            <a:extLst>
+              <a:ext uri="{FF2B5EF4-FFF2-40B4-BE49-F238E27FC236}">
+                <a16:creationId xmlns:a16="http://schemas.microsoft.com/office/drawing/2014/main" id="{8ABE3BEB-A5DB-4FEF-8C80-E8CB9E0F80E1}"/>
+              </a:ext>
+            </a:extLst>
+          </p:cNvPr>
+          <p:cNvSpPr>
+            <a:spLocks noGrp="1"/>
+          </p:cNvSpPr>
+          <p:nvPr>
+            <p:ph idx="1"/>
+          </p:nvPr>
+        </p:nvSpPr>
+        <p:spPr/>
+        <p:txBody>
+          <a:bodyPr>
+            <a:normAutofit/>
+          </a:bodyPr>
+          <a:lstStyle/>
+          <a:p>
+            <a:r>
+              <a:rPr lang="en-US" sz="2000" dirty="0"/>
+              <a:t>A </a:t>
+            </a:r>
+            <a:r>
+              <a:rPr lang="en-US" sz="2000" dirty="0">
+                <a:solidFill>
+                  <a:srgbClr val="FF0000"/>
+                </a:solidFill>
+              </a:rPr>
+              <a:t>forward</a:t>
+            </a:r>
+            <a:r>
+              <a:rPr lang="en-US" sz="2000" dirty="0"/>
+              <a:t> contract is an over-the-counter derivative contract in which two parties agree that one party, the buyer, will purchase an underlying asset from the other party, the seller, at a later date at a fixed price they agree upon when the contract is signed.</a:t>
+            </a:r>
+          </a:p>
+          <a:p>
+            <a:r>
+              <a:rPr lang="en-US" sz="2000" dirty="0"/>
+              <a:t>A </a:t>
+            </a:r>
+            <a:r>
+              <a:rPr lang="en-US" sz="2000" dirty="0">
+                <a:solidFill>
+                  <a:srgbClr val="FF0000"/>
+                </a:solidFill>
+              </a:rPr>
+              <a:t>futures</a:t>
+            </a:r>
+            <a:r>
+              <a:rPr lang="en-US" sz="2000" dirty="0"/>
+              <a:t> contract is a standardized derivative contract created and traded on a futures exchange in which two parties agree that one party, the buyer, will purchase an underlying asset from the other party, the seller, at a later date at a price agreed upon by the two parties when the contract is initiated and in which there is a daily settling of gains and losses and a credit guarantee by the futures exchange through its clearinghouse</a:t>
+            </a:r>
+          </a:p>
+        </p:txBody>
+      </p:sp>
+    </p:spTree>
+    <p:extLst>
+      <p:ext uri="{BB962C8B-B14F-4D97-AF65-F5344CB8AC3E}">
+        <p14:creationId xmlns:p14="http://schemas.microsoft.com/office/powerpoint/2010/main" val="2424597150"/>
+      </p:ext>
+    </p:extLst>
+  </p:cSld>
+  <p:clrMapOvr>
+    <a:masterClrMapping/>
+  </p:clrMapOvr>
+</p:sld>
+</file>
+
+<file path=ppt/slides/slide40.xml><?xml version="1.0" encoding="utf-8"?>
 <p:sld xmlns:a="http://schemas.openxmlformats.org/drawingml/2006/main" xmlns:r="http://schemas.openxmlformats.org/officeDocument/2006/relationships" xmlns:p="http://schemas.openxmlformats.org/presentationml/2006/main">
   <p:cSld>
     <p:spTree>
@@ -13022,6 +12672,354 @@
 </p:sld>
 </file>
 
+<file path=ppt/slides/slide41.xml><?xml version="1.0" encoding="utf-8"?>
+<p:sld xmlns:a="http://schemas.openxmlformats.org/drawingml/2006/main" xmlns:r="http://schemas.openxmlformats.org/officeDocument/2006/relationships" xmlns:p="http://schemas.openxmlformats.org/presentationml/2006/main">
+  <p:cSld>
+    <p:spTree>
+      <p:nvGrpSpPr>
+        <p:cNvPr id="1" name=""/>
+        <p:cNvGrpSpPr/>
+        <p:nvPr/>
+      </p:nvGrpSpPr>
+      <p:grpSpPr>
+        <a:xfrm>
+          <a:off x="0" y="0"/>
+          <a:ext cx="0" cy="0"/>
+          <a:chOff x="0" y="0"/>
+          <a:chExt cx="0" cy="0"/>
+        </a:xfrm>
+      </p:grpSpPr>
+      <p:sp>
+        <p:nvSpPr>
+          <p:cNvPr id="2" name="Title 1">
+            <a:extLst>
+              <a:ext uri="{FF2B5EF4-FFF2-40B4-BE49-F238E27FC236}">
+                <a16:creationId xmlns:a16="http://schemas.microsoft.com/office/drawing/2014/main" id="{75FC705B-800B-405C-AEEB-F97882457E8D}"/>
+              </a:ext>
+            </a:extLst>
+          </p:cNvPr>
+          <p:cNvSpPr>
+            <a:spLocks noGrp="1"/>
+          </p:cNvSpPr>
+          <p:nvPr>
+            <p:ph type="title"/>
+          </p:nvPr>
+        </p:nvSpPr>
+        <p:spPr/>
+        <p:txBody>
+          <a:bodyPr/>
+          <a:lstStyle/>
+          <a:p>
+            <a:r>
+              <a:rPr lang="en-US" sz="4000" dirty="0"/>
+              <a:t>Option Contracts</a:t>
+            </a:r>
+            <a:br>
+              <a:rPr lang="en-US" sz="4000" dirty="0"/>
+            </a:br>
+            <a:r>
+              <a:rPr lang="en-US" dirty="0"/>
+              <a:t>Put Option</a:t>
+            </a:r>
+          </a:p>
+        </p:txBody>
+      </p:sp>
+      <p:sp>
+        <p:nvSpPr>
+          <p:cNvPr id="3" name="Content Placeholder 2">
+            <a:extLst>
+              <a:ext uri="{FF2B5EF4-FFF2-40B4-BE49-F238E27FC236}">
+                <a16:creationId xmlns:a16="http://schemas.microsoft.com/office/drawing/2014/main" id="{860738EE-12EC-4D61-87AB-E384ADF5E9D4}"/>
+              </a:ext>
+            </a:extLst>
+          </p:cNvPr>
+          <p:cNvSpPr>
+            <a:spLocks noGrp="1"/>
+          </p:cNvSpPr>
+          <p:nvPr>
+            <p:ph idx="1"/>
+          </p:nvPr>
+        </p:nvSpPr>
+        <p:spPr/>
+        <p:txBody>
+          <a:bodyPr/>
+          <a:lstStyle/>
+          <a:p>
+            <a:r>
+              <a:rPr lang="en-US" dirty="0"/>
+              <a:t>Payoff of </a:t>
+            </a:r>
+            <a:r>
+              <a:rPr lang="en-US" altLang="zh-CN" dirty="0"/>
+              <a:t>put</a:t>
+            </a:r>
+            <a:r>
+              <a:rPr lang="en-US" dirty="0"/>
+              <a:t> option</a:t>
+            </a:r>
+          </a:p>
+          <a:p>
+            <a:pPr lvl="1"/>
+            <a:r>
+              <a:rPr lang="en-US" dirty="0"/>
+              <a:t>Long </a:t>
+            </a:r>
+            <a:r>
+              <a:rPr lang="en-US" altLang="zh-CN" dirty="0"/>
+              <a:t>put</a:t>
+            </a:r>
+            <a:r>
+              <a:rPr lang="en-US" dirty="0"/>
+              <a:t> = MAX (X-S</a:t>
+            </a:r>
+            <a:r>
+              <a:rPr lang="en-US" baseline="-25000" dirty="0"/>
+              <a:t>T</a:t>
+            </a:r>
+            <a:r>
+              <a:rPr lang="en-US" dirty="0"/>
+              <a:t>,0)</a:t>
+            </a:r>
+          </a:p>
+          <a:p>
+            <a:pPr lvl="1"/>
+            <a:r>
+              <a:rPr lang="en-US" dirty="0"/>
+              <a:t>Short </a:t>
+            </a:r>
+            <a:r>
+              <a:rPr lang="en-US" altLang="zh-CN" dirty="0"/>
+              <a:t>put</a:t>
+            </a:r>
+            <a:r>
+              <a:rPr lang="en-US" dirty="0"/>
+              <a:t> = - MAX (X-S</a:t>
+            </a:r>
+            <a:r>
+              <a:rPr lang="en-US" baseline="-25000" dirty="0"/>
+              <a:t>T</a:t>
+            </a:r>
+            <a:r>
+              <a:rPr lang="en-US" dirty="0"/>
+              <a:t>,0)</a:t>
+            </a:r>
+          </a:p>
+          <a:p>
+            <a:endParaRPr lang="en-US" dirty="0"/>
+          </a:p>
+          <a:p>
+            <a:r>
+              <a:rPr lang="en-US" dirty="0"/>
+              <a:t>Profit of </a:t>
+            </a:r>
+            <a:r>
+              <a:rPr lang="en-US" altLang="zh-CN" dirty="0"/>
+              <a:t>put</a:t>
+            </a:r>
+            <a:r>
+              <a:rPr lang="en-US" dirty="0"/>
+              <a:t> option</a:t>
+            </a:r>
+          </a:p>
+          <a:p>
+            <a:pPr lvl="1"/>
+            <a:r>
+              <a:rPr lang="en-US" dirty="0"/>
+              <a:t>Long </a:t>
+            </a:r>
+            <a:r>
+              <a:rPr lang="en-US" altLang="zh-CN" dirty="0"/>
+              <a:t>put</a:t>
+            </a:r>
+            <a:r>
+              <a:rPr lang="en-US" dirty="0"/>
+              <a:t> = MAX (X-S</a:t>
+            </a:r>
+            <a:r>
+              <a:rPr lang="en-US" baseline="-25000" dirty="0"/>
+              <a:t>T</a:t>
+            </a:r>
+            <a:r>
+              <a:rPr lang="en-US" dirty="0"/>
+              <a:t>,0) – P</a:t>
+            </a:r>
+          </a:p>
+          <a:p>
+            <a:pPr lvl="1"/>
+            <a:r>
+              <a:rPr lang="en-US" dirty="0"/>
+              <a:t>Short </a:t>
+            </a:r>
+            <a:r>
+              <a:rPr lang="en-US" altLang="zh-CN" dirty="0"/>
+              <a:t>put</a:t>
+            </a:r>
+            <a:r>
+              <a:rPr lang="en-US" dirty="0"/>
+              <a:t> = - MAX (X-S</a:t>
+            </a:r>
+            <a:r>
+              <a:rPr lang="en-US" baseline="-25000" dirty="0"/>
+              <a:t>T</a:t>
+            </a:r>
+            <a:r>
+              <a:rPr lang="en-US" dirty="0"/>
+              <a:t>,0) + P</a:t>
+            </a:r>
+          </a:p>
+          <a:p>
+            <a:endParaRPr lang="en-US" dirty="0"/>
+          </a:p>
+          <a:p>
+            <a:endParaRPr lang="en-US" dirty="0"/>
+          </a:p>
+        </p:txBody>
+      </p:sp>
+    </p:spTree>
+    <p:extLst>
+      <p:ext uri="{BB962C8B-B14F-4D97-AF65-F5344CB8AC3E}">
+        <p14:creationId xmlns:p14="http://schemas.microsoft.com/office/powerpoint/2010/main" val="1186771443"/>
+      </p:ext>
+    </p:extLst>
+  </p:cSld>
+  <p:clrMapOvr>
+    <a:masterClrMapping/>
+  </p:clrMapOvr>
+</p:sld>
+</file>
+
+<file path=ppt/slides/slide42.xml><?xml version="1.0" encoding="utf-8"?>
+<p:sld xmlns:a="http://schemas.openxmlformats.org/drawingml/2006/main" xmlns:r="http://schemas.openxmlformats.org/officeDocument/2006/relationships" xmlns:p="http://schemas.openxmlformats.org/presentationml/2006/main">
+  <p:cSld>
+    <p:spTree>
+      <p:nvGrpSpPr>
+        <p:cNvPr id="1" name=""/>
+        <p:cNvGrpSpPr/>
+        <p:nvPr/>
+      </p:nvGrpSpPr>
+      <p:grpSpPr>
+        <a:xfrm>
+          <a:off x="0" y="0"/>
+          <a:ext cx="0" cy="0"/>
+          <a:chOff x="0" y="0"/>
+          <a:chExt cx="0" cy="0"/>
+        </a:xfrm>
+      </p:grpSpPr>
+      <p:sp>
+        <p:nvSpPr>
+          <p:cNvPr id="2" name="Title 1">
+            <a:extLst>
+              <a:ext uri="{FF2B5EF4-FFF2-40B4-BE49-F238E27FC236}">
+                <a16:creationId xmlns:a16="http://schemas.microsoft.com/office/drawing/2014/main" id="{D144DC10-90A2-479B-B3E6-0983304E5176}"/>
+              </a:ext>
+            </a:extLst>
+          </p:cNvPr>
+          <p:cNvSpPr>
+            <a:spLocks noGrp="1"/>
+          </p:cNvSpPr>
+          <p:nvPr>
+            <p:ph type="title"/>
+          </p:nvPr>
+        </p:nvSpPr>
+        <p:spPr/>
+        <p:txBody>
+          <a:bodyPr>
+            <a:normAutofit/>
+          </a:bodyPr>
+          <a:lstStyle/>
+          <a:p>
+            <a:r>
+              <a:rPr lang="en-US" sz="4000" dirty="0"/>
+              <a:t>Practices</a:t>
+            </a:r>
+          </a:p>
+        </p:txBody>
+      </p:sp>
+      <p:sp>
+        <p:nvSpPr>
+          <p:cNvPr id="3" name="Content Placeholder 2">
+            <a:extLst>
+              <a:ext uri="{FF2B5EF4-FFF2-40B4-BE49-F238E27FC236}">
+                <a16:creationId xmlns:a16="http://schemas.microsoft.com/office/drawing/2014/main" id="{21707848-DDDD-41EF-9362-0D44DC210E9B}"/>
+              </a:ext>
+            </a:extLst>
+          </p:cNvPr>
+          <p:cNvSpPr>
+            <a:spLocks noGrp="1"/>
+          </p:cNvSpPr>
+          <p:nvPr>
+            <p:ph idx="1"/>
+          </p:nvPr>
+        </p:nvSpPr>
+        <p:spPr/>
+        <p:txBody>
+          <a:bodyPr>
+            <a:normAutofit/>
+          </a:bodyPr>
+          <a:lstStyle/>
+          <a:p>
+            <a:r>
+              <a:rPr lang="en-US" dirty="0"/>
+              <a:t>Consider a put option selling for $4 in which the exercise price is $60 and the price of the underlying is $62.</a:t>
+            </a:r>
+          </a:p>
+          <a:p>
+            <a:pPr lvl="1"/>
+            <a:r>
+              <a:rPr lang="en-US" dirty="0"/>
+              <a:t>1 Determine the value at expiration and the profit for a put buyer under the following outcomes:</a:t>
+            </a:r>
+          </a:p>
+          <a:p>
+            <a:pPr lvl="2"/>
+            <a:r>
+              <a:rPr lang="en-US" dirty="0"/>
+              <a:t>A The price of the underlying at expiration is $62.</a:t>
+            </a:r>
+          </a:p>
+          <a:p>
+            <a:pPr lvl="2"/>
+            <a:r>
+              <a:rPr lang="en-US" dirty="0"/>
+              <a:t>B The price of the underlying at expiration is $55.</a:t>
+            </a:r>
+          </a:p>
+          <a:p>
+            <a:pPr lvl="1"/>
+            <a:r>
+              <a:rPr lang="en-US" dirty="0"/>
+              <a:t>2 Determine the value at expiration and the profit for a put seller under the following outcomes:</a:t>
+            </a:r>
+          </a:p>
+          <a:p>
+            <a:pPr lvl="2"/>
+            <a:r>
+              <a:rPr lang="en-US" dirty="0"/>
+              <a:t>A The price of the underlying at expiration is $51.</a:t>
+            </a:r>
+          </a:p>
+          <a:p>
+            <a:pPr lvl="2"/>
+            <a:r>
+              <a:rPr lang="en-US" dirty="0"/>
+              <a:t>B The price of the underlying at expiration is $68.</a:t>
+            </a:r>
+          </a:p>
+        </p:txBody>
+      </p:sp>
+    </p:spTree>
+    <p:extLst>
+      <p:ext uri="{BB962C8B-B14F-4D97-AF65-F5344CB8AC3E}">
+        <p14:creationId xmlns:p14="http://schemas.microsoft.com/office/powerpoint/2010/main" val="3669530994"/>
+      </p:ext>
+    </p:extLst>
+  </p:cSld>
+  <p:clrMapOvr>
+    <a:masterClrMapping/>
+  </p:clrMapOvr>
+</p:sld>
+</file>
+
 <file path=ppt/slides/slide43.xml><?xml version="1.0" encoding="utf-8"?>
 <p:sld xmlns:a="http://schemas.openxmlformats.org/drawingml/2006/main" xmlns:r="http://schemas.openxmlformats.org/officeDocument/2006/relationships" xmlns:p="http://schemas.openxmlformats.org/presentationml/2006/main">
   <p:cSld>
@@ -13044,354 +13042,6 @@
           <p:cNvPr id="2" name="Title 1">
             <a:extLst>
               <a:ext uri="{FF2B5EF4-FFF2-40B4-BE49-F238E27FC236}">
-                <a16:creationId xmlns:a16="http://schemas.microsoft.com/office/drawing/2014/main" id="{75FC705B-800B-405C-AEEB-F97882457E8D}"/>
-              </a:ext>
-            </a:extLst>
-          </p:cNvPr>
-          <p:cNvSpPr>
-            <a:spLocks noGrp="1"/>
-          </p:cNvSpPr>
-          <p:nvPr>
-            <p:ph type="title"/>
-          </p:nvPr>
-        </p:nvSpPr>
-        <p:spPr/>
-        <p:txBody>
-          <a:bodyPr/>
-          <a:lstStyle/>
-          <a:p>
-            <a:r>
-              <a:rPr lang="en-US" sz="4000" dirty="0"/>
-              <a:t>Option Contracts</a:t>
-            </a:r>
-            <a:br>
-              <a:rPr lang="en-US" sz="4000" dirty="0"/>
-            </a:br>
-            <a:r>
-              <a:rPr lang="en-US" dirty="0"/>
-              <a:t>Put Option</a:t>
-            </a:r>
-          </a:p>
-        </p:txBody>
-      </p:sp>
-      <p:sp>
-        <p:nvSpPr>
-          <p:cNvPr id="3" name="Content Placeholder 2">
-            <a:extLst>
-              <a:ext uri="{FF2B5EF4-FFF2-40B4-BE49-F238E27FC236}">
-                <a16:creationId xmlns:a16="http://schemas.microsoft.com/office/drawing/2014/main" id="{860738EE-12EC-4D61-87AB-E384ADF5E9D4}"/>
-              </a:ext>
-            </a:extLst>
-          </p:cNvPr>
-          <p:cNvSpPr>
-            <a:spLocks noGrp="1"/>
-          </p:cNvSpPr>
-          <p:nvPr>
-            <p:ph idx="1"/>
-          </p:nvPr>
-        </p:nvSpPr>
-        <p:spPr/>
-        <p:txBody>
-          <a:bodyPr/>
-          <a:lstStyle/>
-          <a:p>
-            <a:r>
-              <a:rPr lang="en-US" dirty="0"/>
-              <a:t>Payoff of </a:t>
-            </a:r>
-            <a:r>
-              <a:rPr lang="en-US" altLang="zh-CN" dirty="0"/>
-              <a:t>put</a:t>
-            </a:r>
-            <a:r>
-              <a:rPr lang="en-US" dirty="0"/>
-              <a:t> option</a:t>
-            </a:r>
-          </a:p>
-          <a:p>
-            <a:pPr lvl="1"/>
-            <a:r>
-              <a:rPr lang="en-US" dirty="0"/>
-              <a:t>Long </a:t>
-            </a:r>
-            <a:r>
-              <a:rPr lang="en-US" altLang="zh-CN" dirty="0"/>
-              <a:t>put</a:t>
-            </a:r>
-            <a:r>
-              <a:rPr lang="en-US" dirty="0"/>
-              <a:t> = MAX (X-S</a:t>
-            </a:r>
-            <a:r>
-              <a:rPr lang="en-US" baseline="-25000" dirty="0"/>
-              <a:t>T</a:t>
-            </a:r>
-            <a:r>
-              <a:rPr lang="en-US" dirty="0"/>
-              <a:t>,0)</a:t>
-            </a:r>
-          </a:p>
-          <a:p>
-            <a:pPr lvl="1"/>
-            <a:r>
-              <a:rPr lang="en-US" dirty="0"/>
-              <a:t>Short </a:t>
-            </a:r>
-            <a:r>
-              <a:rPr lang="en-US" altLang="zh-CN" dirty="0"/>
-              <a:t>put</a:t>
-            </a:r>
-            <a:r>
-              <a:rPr lang="en-US" dirty="0"/>
-              <a:t> = - MAX (X-S</a:t>
-            </a:r>
-            <a:r>
-              <a:rPr lang="en-US" baseline="-25000" dirty="0"/>
-              <a:t>T</a:t>
-            </a:r>
-            <a:r>
-              <a:rPr lang="en-US" dirty="0"/>
-              <a:t>,0)</a:t>
-            </a:r>
-          </a:p>
-          <a:p>
-            <a:endParaRPr lang="en-US" dirty="0"/>
-          </a:p>
-          <a:p>
-            <a:r>
-              <a:rPr lang="en-US" dirty="0"/>
-              <a:t>Profit of </a:t>
-            </a:r>
-            <a:r>
-              <a:rPr lang="en-US" altLang="zh-CN" dirty="0"/>
-              <a:t>put</a:t>
-            </a:r>
-            <a:r>
-              <a:rPr lang="en-US" dirty="0"/>
-              <a:t> option</a:t>
-            </a:r>
-          </a:p>
-          <a:p>
-            <a:pPr lvl="1"/>
-            <a:r>
-              <a:rPr lang="en-US" dirty="0"/>
-              <a:t>Long </a:t>
-            </a:r>
-            <a:r>
-              <a:rPr lang="en-US" altLang="zh-CN" dirty="0"/>
-              <a:t>put</a:t>
-            </a:r>
-            <a:r>
-              <a:rPr lang="en-US" dirty="0"/>
-              <a:t> = MAX (X-S</a:t>
-            </a:r>
-            <a:r>
-              <a:rPr lang="en-US" baseline="-25000" dirty="0"/>
-              <a:t>T</a:t>
-            </a:r>
-            <a:r>
-              <a:rPr lang="en-US" dirty="0"/>
-              <a:t>,0) – P</a:t>
-            </a:r>
-          </a:p>
-          <a:p>
-            <a:pPr lvl="1"/>
-            <a:r>
-              <a:rPr lang="en-US" dirty="0"/>
-              <a:t>Short </a:t>
-            </a:r>
-            <a:r>
-              <a:rPr lang="en-US" altLang="zh-CN" dirty="0"/>
-              <a:t>put</a:t>
-            </a:r>
-            <a:r>
-              <a:rPr lang="en-US" dirty="0"/>
-              <a:t> = - MAX (X-S</a:t>
-            </a:r>
-            <a:r>
-              <a:rPr lang="en-US" baseline="-25000" dirty="0"/>
-              <a:t>T</a:t>
-            </a:r>
-            <a:r>
-              <a:rPr lang="en-US" dirty="0"/>
-              <a:t>,0) + P</a:t>
-            </a:r>
-          </a:p>
-          <a:p>
-            <a:endParaRPr lang="en-US" dirty="0"/>
-          </a:p>
-          <a:p>
-            <a:endParaRPr lang="en-US" dirty="0"/>
-          </a:p>
-        </p:txBody>
-      </p:sp>
-    </p:spTree>
-    <p:extLst>
-      <p:ext uri="{BB962C8B-B14F-4D97-AF65-F5344CB8AC3E}">
-        <p14:creationId xmlns:p14="http://schemas.microsoft.com/office/powerpoint/2010/main" val="1186771443"/>
-      </p:ext>
-    </p:extLst>
-  </p:cSld>
-  <p:clrMapOvr>
-    <a:masterClrMapping/>
-  </p:clrMapOvr>
-</p:sld>
-</file>
-
-<file path=ppt/slides/slide44.xml><?xml version="1.0" encoding="utf-8"?>
-<p:sld xmlns:a="http://schemas.openxmlformats.org/drawingml/2006/main" xmlns:r="http://schemas.openxmlformats.org/officeDocument/2006/relationships" xmlns:p="http://schemas.openxmlformats.org/presentationml/2006/main">
-  <p:cSld>
-    <p:spTree>
-      <p:nvGrpSpPr>
-        <p:cNvPr id="1" name=""/>
-        <p:cNvGrpSpPr/>
-        <p:nvPr/>
-      </p:nvGrpSpPr>
-      <p:grpSpPr>
-        <a:xfrm>
-          <a:off x="0" y="0"/>
-          <a:ext cx="0" cy="0"/>
-          <a:chOff x="0" y="0"/>
-          <a:chExt cx="0" cy="0"/>
-        </a:xfrm>
-      </p:grpSpPr>
-      <p:sp>
-        <p:nvSpPr>
-          <p:cNvPr id="2" name="Title 1">
-            <a:extLst>
-              <a:ext uri="{FF2B5EF4-FFF2-40B4-BE49-F238E27FC236}">
-                <a16:creationId xmlns:a16="http://schemas.microsoft.com/office/drawing/2014/main" id="{D144DC10-90A2-479B-B3E6-0983304E5176}"/>
-              </a:ext>
-            </a:extLst>
-          </p:cNvPr>
-          <p:cNvSpPr>
-            <a:spLocks noGrp="1"/>
-          </p:cNvSpPr>
-          <p:nvPr>
-            <p:ph type="title"/>
-          </p:nvPr>
-        </p:nvSpPr>
-        <p:spPr/>
-        <p:txBody>
-          <a:bodyPr>
-            <a:normAutofit/>
-          </a:bodyPr>
-          <a:lstStyle/>
-          <a:p>
-            <a:r>
-              <a:rPr lang="en-US" sz="4000" dirty="0"/>
-              <a:t>Practices</a:t>
-            </a:r>
-          </a:p>
-        </p:txBody>
-      </p:sp>
-      <p:sp>
-        <p:nvSpPr>
-          <p:cNvPr id="3" name="Content Placeholder 2">
-            <a:extLst>
-              <a:ext uri="{FF2B5EF4-FFF2-40B4-BE49-F238E27FC236}">
-                <a16:creationId xmlns:a16="http://schemas.microsoft.com/office/drawing/2014/main" id="{21707848-DDDD-41EF-9362-0D44DC210E9B}"/>
-              </a:ext>
-            </a:extLst>
-          </p:cNvPr>
-          <p:cNvSpPr>
-            <a:spLocks noGrp="1"/>
-          </p:cNvSpPr>
-          <p:nvPr>
-            <p:ph idx="1"/>
-          </p:nvPr>
-        </p:nvSpPr>
-        <p:spPr/>
-        <p:txBody>
-          <a:bodyPr>
-            <a:normAutofit/>
-          </a:bodyPr>
-          <a:lstStyle/>
-          <a:p>
-            <a:r>
-              <a:rPr lang="en-US" dirty="0"/>
-              <a:t>Consider a put option selling for $4 in which the exercise price is $60 and the price of the underlying is $62.</a:t>
-            </a:r>
-          </a:p>
-          <a:p>
-            <a:pPr lvl="1"/>
-            <a:r>
-              <a:rPr lang="en-US" dirty="0"/>
-              <a:t>1 Determine the value at expiration and the profit for a put buyer under the following outcomes:</a:t>
-            </a:r>
-          </a:p>
-          <a:p>
-            <a:pPr lvl="2"/>
-            <a:r>
-              <a:rPr lang="en-US" dirty="0"/>
-              <a:t>A The price of the underlying at expiration is $62.</a:t>
-            </a:r>
-          </a:p>
-          <a:p>
-            <a:pPr lvl="2"/>
-            <a:r>
-              <a:rPr lang="en-US" dirty="0"/>
-              <a:t>B The price of the underlying at expiration is $55.</a:t>
-            </a:r>
-          </a:p>
-          <a:p>
-            <a:pPr lvl="1"/>
-            <a:r>
-              <a:rPr lang="en-US" dirty="0"/>
-              <a:t>2 Determine the value at expiration and the profit for a put seller under the following outcomes:</a:t>
-            </a:r>
-          </a:p>
-          <a:p>
-            <a:pPr lvl="2"/>
-            <a:r>
-              <a:rPr lang="en-US" dirty="0"/>
-              <a:t>A The price of the underlying at expiration is $51.</a:t>
-            </a:r>
-          </a:p>
-          <a:p>
-            <a:pPr lvl="2"/>
-            <a:r>
-              <a:rPr lang="en-US" dirty="0"/>
-              <a:t>B The price of the underlying at expiration is $68.</a:t>
-            </a:r>
-          </a:p>
-        </p:txBody>
-      </p:sp>
-    </p:spTree>
-    <p:extLst>
-      <p:ext uri="{BB962C8B-B14F-4D97-AF65-F5344CB8AC3E}">
-        <p14:creationId xmlns:p14="http://schemas.microsoft.com/office/powerpoint/2010/main" val="3669530994"/>
-      </p:ext>
-    </p:extLst>
-  </p:cSld>
-  <p:clrMapOvr>
-    <a:masterClrMapping/>
-  </p:clrMapOvr>
-</p:sld>
-</file>
-
-<file path=ppt/slides/slide45.xml><?xml version="1.0" encoding="utf-8"?>
-<p:sld xmlns:a="http://schemas.openxmlformats.org/drawingml/2006/main" xmlns:r="http://schemas.openxmlformats.org/officeDocument/2006/relationships" xmlns:p="http://schemas.openxmlformats.org/presentationml/2006/main">
-  <p:cSld>
-    <p:spTree>
-      <p:nvGrpSpPr>
-        <p:cNvPr id="1" name=""/>
-        <p:cNvGrpSpPr/>
-        <p:nvPr/>
-      </p:nvGrpSpPr>
-      <p:grpSpPr>
-        <a:xfrm>
-          <a:off x="0" y="0"/>
-          <a:ext cx="0" cy="0"/>
-          <a:chOff x="0" y="0"/>
-          <a:chExt cx="0" cy="0"/>
-        </a:xfrm>
-      </p:grpSpPr>
-      <p:sp>
-        <p:nvSpPr>
-          <p:cNvPr id="2" name="Title 1">
-            <a:extLst>
-              <a:ext uri="{FF2B5EF4-FFF2-40B4-BE49-F238E27FC236}">
                 <a16:creationId xmlns:a16="http://schemas.microsoft.com/office/drawing/2014/main" id="{1C2F3AE9-B402-437D-BDF5-E4639C896F9C}"/>
               </a:ext>
             </a:extLst>
@@ -13571,7 +13221,7 @@
 </p:sld>
 </file>
 
-<file path=ppt/slides/slide46.xml><?xml version="1.0" encoding="utf-8"?>
+<file path=ppt/slides/slide44.xml><?xml version="1.0" encoding="utf-8"?>
 <p:sld xmlns:a="http://schemas.openxmlformats.org/drawingml/2006/main" xmlns:r="http://schemas.openxmlformats.org/officeDocument/2006/relationships" xmlns:p="http://schemas.openxmlformats.org/presentationml/2006/main">
   <p:cSld>
     <p:spTree>
@@ -14021,6 +13671,312 @@
 </p:sld>
 </file>
 
+<file path=ppt/slides/slide45.xml><?xml version="1.0" encoding="utf-8"?>
+<p:sld xmlns:a="http://schemas.openxmlformats.org/drawingml/2006/main" xmlns:r="http://schemas.openxmlformats.org/officeDocument/2006/relationships" xmlns:p="http://schemas.openxmlformats.org/presentationml/2006/main">
+  <p:cSld>
+    <p:spTree>
+      <p:nvGrpSpPr>
+        <p:cNvPr id="1" name=""/>
+        <p:cNvGrpSpPr/>
+        <p:nvPr/>
+      </p:nvGrpSpPr>
+      <p:grpSpPr>
+        <a:xfrm>
+          <a:off x="0" y="0"/>
+          <a:ext cx="0" cy="0"/>
+          <a:chOff x="0" y="0"/>
+          <a:chExt cx="0" cy="0"/>
+        </a:xfrm>
+      </p:grpSpPr>
+      <p:sp>
+        <p:nvSpPr>
+          <p:cNvPr id="2" name="Title 1">
+            <a:extLst>
+              <a:ext uri="{FF2B5EF4-FFF2-40B4-BE49-F238E27FC236}">
+                <a16:creationId xmlns:a16="http://schemas.microsoft.com/office/drawing/2014/main" id="{A3BB96AB-1005-48C4-8495-D9268F80EAD9}"/>
+              </a:ext>
+            </a:extLst>
+          </p:cNvPr>
+          <p:cNvSpPr>
+            <a:spLocks noGrp="1"/>
+          </p:cNvSpPr>
+          <p:nvPr>
+            <p:ph type="title"/>
+          </p:nvPr>
+        </p:nvSpPr>
+        <p:spPr/>
+        <p:txBody>
+          <a:bodyPr>
+            <a:normAutofit/>
+          </a:bodyPr>
+          <a:lstStyle/>
+          <a:p>
+            <a:r>
+              <a:rPr lang="en-US" sz="4000" dirty="0"/>
+              <a:t>Practices</a:t>
+            </a:r>
+          </a:p>
+        </p:txBody>
+      </p:sp>
+      <p:sp>
+        <p:nvSpPr>
+          <p:cNvPr id="3" name="Content Placeholder 2">
+            <a:extLst>
+              <a:ext uri="{FF2B5EF4-FFF2-40B4-BE49-F238E27FC236}">
+                <a16:creationId xmlns:a16="http://schemas.microsoft.com/office/drawing/2014/main" id="{74011303-55EE-4922-82A1-052AEDDE02C8}"/>
+              </a:ext>
+            </a:extLst>
+          </p:cNvPr>
+          <p:cNvSpPr>
+            <a:spLocks noGrp="1"/>
+          </p:cNvSpPr>
+          <p:nvPr>
+            <p:ph idx="1"/>
+          </p:nvPr>
+        </p:nvSpPr>
+        <p:spPr/>
+        <p:txBody>
+          <a:bodyPr>
+            <a:noAutofit/>
+          </a:bodyPr>
+          <a:lstStyle/>
+          <a:p>
+            <a:r>
+              <a:rPr lang="en-US" sz="2000" dirty="0"/>
+              <a:t>1.An option provides which of the following?</a:t>
+            </a:r>
+          </a:p>
+          <a:p>
+            <a:pPr lvl="1"/>
+            <a:r>
+              <a:rPr lang="en-US" sz="2000" dirty="0"/>
+              <a:t>A Either the right to buy or the right to sell an underlying</a:t>
+            </a:r>
+          </a:p>
+          <a:p>
+            <a:pPr lvl="1"/>
+            <a:r>
+              <a:rPr lang="en-US" sz="2000" dirty="0"/>
+              <a:t>B The right to buy and sell, with the choice made at expiration</a:t>
+            </a:r>
+          </a:p>
+          <a:p>
+            <a:pPr lvl="1"/>
+            <a:r>
+              <a:rPr lang="en-US" sz="2000" dirty="0"/>
+              <a:t>C The obligation to buy or sell, which can be converted into the right to buy or sell</a:t>
+            </a:r>
+          </a:p>
+          <a:p>
+            <a:r>
+              <a:rPr lang="en-US" sz="2000" dirty="0"/>
+              <a:t>2.Which of the following is not a characteristic of a call option on a stock?</a:t>
+            </a:r>
+          </a:p>
+          <a:p>
+            <a:pPr lvl="1"/>
+            <a:r>
+              <a:rPr lang="en-US" sz="2000" dirty="0"/>
+              <a:t>A </a:t>
+            </a:r>
+            <a:r>
+              <a:rPr lang="en-US" sz="2000" dirty="0" err="1"/>
+              <a:t>A</a:t>
+            </a:r>
+            <a:r>
+              <a:rPr lang="en-US" sz="2000" dirty="0"/>
+              <a:t> guarantee that the stock will increase</a:t>
+            </a:r>
+          </a:p>
+          <a:p>
+            <a:pPr lvl="1"/>
+            <a:r>
+              <a:rPr lang="en-US" sz="2000" dirty="0"/>
+              <a:t>B A specified date on which the right to buy expires</a:t>
+            </a:r>
+          </a:p>
+          <a:p>
+            <a:pPr lvl="1"/>
+            <a:r>
+              <a:rPr lang="en-US" sz="2000" dirty="0"/>
+              <a:t>C A fixed price at which the call holder can buy the stock</a:t>
+            </a:r>
+          </a:p>
+        </p:txBody>
+      </p:sp>
+    </p:spTree>
+    <p:extLst>
+      <p:ext uri="{BB962C8B-B14F-4D97-AF65-F5344CB8AC3E}">
+        <p14:creationId xmlns:p14="http://schemas.microsoft.com/office/powerpoint/2010/main" val="3225362099"/>
+      </p:ext>
+    </p:extLst>
+  </p:cSld>
+  <p:clrMapOvr>
+    <a:masterClrMapping/>
+  </p:clrMapOvr>
+</p:sld>
+</file>
+
+<file path=ppt/slides/slide46.xml><?xml version="1.0" encoding="utf-8"?>
+<p:sld xmlns:a="http://schemas.openxmlformats.org/drawingml/2006/main" xmlns:r="http://schemas.openxmlformats.org/officeDocument/2006/relationships" xmlns:p="http://schemas.openxmlformats.org/presentationml/2006/main">
+  <p:cSld>
+    <p:spTree>
+      <p:nvGrpSpPr>
+        <p:cNvPr id="1" name=""/>
+        <p:cNvGrpSpPr/>
+        <p:nvPr/>
+      </p:nvGrpSpPr>
+      <p:grpSpPr>
+        <a:xfrm>
+          <a:off x="0" y="0"/>
+          <a:ext cx="0" cy="0"/>
+          <a:chOff x="0" y="0"/>
+          <a:chExt cx="0" cy="0"/>
+        </a:xfrm>
+      </p:grpSpPr>
+      <p:sp>
+        <p:nvSpPr>
+          <p:cNvPr id="2" name="Title 1">
+            <a:extLst>
+              <a:ext uri="{FF2B5EF4-FFF2-40B4-BE49-F238E27FC236}">
+                <a16:creationId xmlns:a16="http://schemas.microsoft.com/office/drawing/2014/main" id="{3B6DC5E5-B49D-4096-80C1-B8052495A474}"/>
+              </a:ext>
+            </a:extLst>
+          </p:cNvPr>
+          <p:cNvSpPr>
+            <a:spLocks noGrp="1"/>
+          </p:cNvSpPr>
+          <p:nvPr>
+            <p:ph type="title"/>
+          </p:nvPr>
+        </p:nvSpPr>
+        <p:spPr/>
+        <p:txBody>
+          <a:bodyPr>
+            <a:normAutofit fontScale="90000"/>
+          </a:bodyPr>
+          <a:lstStyle/>
+          <a:p>
+            <a:r>
+              <a:rPr lang="en-US" sz="4400" dirty="0"/>
+              <a:t>Credit Derivatives</a:t>
+            </a:r>
+            <a:br>
+              <a:rPr lang="en-US" sz="4000" dirty="0"/>
+            </a:br>
+            <a:br>
+              <a:rPr lang="en-US" sz="4000" dirty="0"/>
+            </a:br>
+            <a:endParaRPr lang="en-US" sz="4000" dirty="0"/>
+          </a:p>
+        </p:txBody>
+      </p:sp>
+      <p:sp>
+        <p:nvSpPr>
+          <p:cNvPr id="3" name="Content Placeholder 2">
+            <a:extLst>
+              <a:ext uri="{FF2B5EF4-FFF2-40B4-BE49-F238E27FC236}">
+                <a16:creationId xmlns:a16="http://schemas.microsoft.com/office/drawing/2014/main" id="{831B6362-3303-4415-9D10-C4E0904D67AF}"/>
+              </a:ext>
+            </a:extLst>
+          </p:cNvPr>
+          <p:cNvSpPr>
+            <a:spLocks noGrp="1"/>
+          </p:cNvSpPr>
+          <p:nvPr>
+            <p:ph idx="1"/>
+          </p:nvPr>
+        </p:nvSpPr>
+        <p:spPr/>
+        <p:txBody>
+          <a:bodyPr/>
+          <a:lstStyle/>
+          <a:p>
+            <a:r>
+              <a:rPr lang="en-US" sz="2800" dirty="0"/>
+              <a:t>Forward commitments</a:t>
+            </a:r>
+          </a:p>
+          <a:p>
+            <a:pPr lvl="1"/>
+            <a:r>
+              <a:rPr lang="en-US" sz="2800" dirty="0">
+                <a:solidFill>
+                  <a:schemeClr val="tx1"/>
+                </a:solidFill>
+              </a:rPr>
+              <a:t>Forward</a:t>
+            </a:r>
+          </a:p>
+          <a:p>
+            <a:pPr lvl="1"/>
+            <a:r>
+              <a:rPr lang="en-US" sz="2800" dirty="0">
+                <a:solidFill>
+                  <a:schemeClr val="tx1"/>
+                </a:solidFill>
+              </a:rPr>
+              <a:t>Futures</a:t>
+            </a:r>
+          </a:p>
+          <a:p>
+            <a:pPr lvl="1"/>
+            <a:r>
+              <a:rPr lang="en-US" sz="2800" dirty="0">
+                <a:solidFill>
+                  <a:schemeClr val="tx1"/>
+                </a:solidFill>
+              </a:rPr>
+              <a:t>Swap</a:t>
+            </a:r>
+          </a:p>
+          <a:p>
+            <a:r>
+              <a:rPr lang="en-US" sz="2800" dirty="0"/>
+              <a:t>Contingent claims</a:t>
+            </a:r>
+          </a:p>
+          <a:p>
+            <a:pPr lvl="1"/>
+            <a:r>
+              <a:rPr lang="en-US" sz="2800" dirty="0">
+                <a:solidFill>
+                  <a:schemeClr val="tx1"/>
+                </a:solidFill>
+              </a:rPr>
+              <a:t>Option</a:t>
+            </a:r>
+          </a:p>
+          <a:p>
+            <a:pPr lvl="1"/>
+            <a:r>
+              <a:rPr lang="en-US" sz="2800" u="sng" dirty="0">
+                <a:solidFill>
+                  <a:srgbClr val="FF0000"/>
+                </a:solidFill>
+              </a:rPr>
+              <a:t>Credit Derivatives</a:t>
+            </a:r>
+          </a:p>
+          <a:p>
+            <a:pPr lvl="1"/>
+            <a:endParaRPr lang="en-US" dirty="0"/>
+          </a:p>
+        </p:txBody>
+      </p:sp>
+    </p:spTree>
+    <p:extLst>
+      <p:ext uri="{BB962C8B-B14F-4D97-AF65-F5344CB8AC3E}">
+        <p14:creationId xmlns:p14="http://schemas.microsoft.com/office/powerpoint/2010/main" val="2303669535"/>
+      </p:ext>
+    </p:extLst>
+  </p:cSld>
+  <p:clrMapOvr>
+    <a:masterClrMapping/>
+  </p:clrMapOvr>
+</p:sld>
+</file>
+
 <file path=ppt/slides/slide47.xml><?xml version="1.0" encoding="utf-8"?>
 <p:sld xmlns:a="http://schemas.openxmlformats.org/drawingml/2006/main" xmlns:r="http://schemas.openxmlformats.org/officeDocument/2006/relationships" xmlns:p="http://schemas.openxmlformats.org/presentationml/2006/main">
   <p:cSld>
@@ -14043,7 +13999,7 @@
           <p:cNvPr id="2" name="Title 1">
             <a:extLst>
               <a:ext uri="{FF2B5EF4-FFF2-40B4-BE49-F238E27FC236}">
-                <a16:creationId xmlns:a16="http://schemas.microsoft.com/office/drawing/2014/main" id="{A3BB96AB-1005-48C4-8495-D9268F80EAD9}"/>
+                <a16:creationId xmlns:a16="http://schemas.microsoft.com/office/drawing/2014/main" id="{20DB8FC4-573F-4A09-AE2A-04D0353ECBFD}"/>
               </a:ext>
             </a:extLst>
           </p:cNvPr>
@@ -14063,7 +14019,7 @@
           <a:p>
             <a:r>
               <a:rPr lang="en-US" sz="4000" dirty="0"/>
-              <a:t>Practices</a:t>
+              <a:t>Credit Derivatives</a:t>
             </a:r>
           </a:p>
         </p:txBody>
@@ -14073,7 +14029,7 @@
           <p:cNvPr id="3" name="Content Placeholder 2">
             <a:extLst>
               <a:ext uri="{FF2B5EF4-FFF2-40B4-BE49-F238E27FC236}">
-                <a16:creationId xmlns:a16="http://schemas.microsoft.com/office/drawing/2014/main" id="{74011303-55EE-4922-82A1-052AEDDE02C8}"/>
+                <a16:creationId xmlns:a16="http://schemas.microsoft.com/office/drawing/2014/main" id="{2F42ACB6-E17F-425E-ACDC-30219AB1355F}"/>
               </a:ext>
             </a:extLst>
           </p:cNvPr>
@@ -14086,78 +14042,65 @@
         </p:nvSpPr>
         <p:spPr/>
         <p:txBody>
-          <a:bodyPr>
-            <a:noAutofit/>
-          </a:bodyPr>
-          <a:lstStyle/>
-          <a:p>
-            <a:r>
-              <a:rPr lang="en-US" sz="2000" dirty="0"/>
-              <a:t>1.An option provides which of the following?</a:t>
-            </a:r>
+          <a:bodyPr/>
+          <a:lstStyle/>
+          <a:p>
+            <a:r>
+              <a:rPr lang="en-US" sz="2400" dirty="0"/>
+              <a:t>Definition : A credit derivative is a class of derivative contracts between two parties, a credit protection buyer and a credit protection seller, in which the latter provides protection to the former against a specific credit loss.</a:t>
+            </a:r>
+          </a:p>
+          <a:p>
+            <a:r>
+              <a:rPr lang="en-US" sz="2400" dirty="0"/>
+              <a:t>Buyer:</a:t>
+            </a:r>
+            <a:r>
+              <a:rPr lang="zh-CN" altLang="en-US" sz="2400" dirty="0"/>
+              <a:t>面临信用风险，买入信用保护</a:t>
+            </a:r>
+            <a:endParaRPr lang="en-US" altLang="zh-CN" sz="2400" dirty="0"/>
           </a:p>
           <a:p>
             <a:pPr lvl="1"/>
             <a:r>
-              <a:rPr lang="en-US" sz="2000" dirty="0"/>
-              <a:t>A Either the right to buy or the right to sell an underlying</a:t>
-            </a:r>
+              <a:rPr lang="zh-CN" altLang="en-US" sz="2200" dirty="0"/>
+              <a:t>债券持有人，发放贷款机构</a:t>
+            </a:r>
+            <a:endParaRPr lang="en-US" altLang="zh-CN" sz="2200" dirty="0"/>
+          </a:p>
+          <a:p>
+            <a:r>
+              <a:rPr lang="en-US" sz="2400" dirty="0"/>
+              <a:t>S</a:t>
+            </a:r>
+            <a:r>
+              <a:rPr lang="en-US" altLang="zh-CN" sz="2400" dirty="0"/>
+              <a:t>eller:</a:t>
+            </a:r>
+            <a:r>
+              <a:rPr lang="zh-CN" altLang="en-US" sz="2400" dirty="0"/>
+              <a:t>卖出信用保护</a:t>
+            </a:r>
+            <a:endParaRPr lang="en-US" altLang="zh-CN" sz="2400" dirty="0"/>
           </a:p>
           <a:p>
             <a:pPr lvl="1"/>
             <a:r>
-              <a:rPr lang="en-US" sz="2000" dirty="0"/>
-              <a:t>B The right to buy and sell, with the choice made at expiration</a:t>
-            </a:r>
-          </a:p>
-          <a:p>
-            <a:pPr lvl="1"/>
-            <a:r>
-              <a:rPr lang="en-US" sz="2000" dirty="0"/>
-              <a:t>C The obligation to buy or sell, which can be converted into the right to buy or sell</a:t>
-            </a:r>
-          </a:p>
-          <a:p>
-            <a:r>
-              <a:rPr lang="en-US" sz="2000" dirty="0"/>
-              <a:t>2.Which of the following is not a characteristic of a call option on a stock?</a:t>
-            </a:r>
-          </a:p>
-          <a:p>
-            <a:pPr lvl="1"/>
-            <a:r>
-              <a:rPr lang="en-US" sz="2000" dirty="0"/>
-              <a:t>A </a:t>
-            </a:r>
-            <a:r>
-              <a:rPr lang="en-US" sz="2000" dirty="0" err="1"/>
-              <a:t>A</a:t>
-            </a:r>
-            <a:r>
-              <a:rPr lang="en-US" sz="2000" dirty="0"/>
-              <a:t> guarantee that the stock will increase</a:t>
-            </a:r>
-          </a:p>
-          <a:p>
-            <a:pPr lvl="1"/>
-            <a:r>
-              <a:rPr lang="en-US" sz="2000" dirty="0"/>
-              <a:t>B A specified date on which the right to buy expires</a:t>
-            </a:r>
-          </a:p>
-          <a:p>
-            <a:pPr lvl="1"/>
-            <a:r>
-              <a:rPr lang="en-US" sz="2000" dirty="0"/>
-              <a:t>C A fixed price at which the call holder can buy the stock</a:t>
-            </a:r>
+              <a:rPr lang="zh-CN" altLang="en-US" sz="2200" dirty="0"/>
+              <a:t>各类金融机构（保险公司，券商，投资银行）</a:t>
+            </a:r>
+            <a:endParaRPr lang="en-US" sz="2200" dirty="0"/>
+          </a:p>
+          <a:p>
+            <a:endParaRPr lang="en-US" dirty="0"/>
           </a:p>
         </p:txBody>
       </p:sp>
     </p:spTree>
     <p:extLst>
       <p:ext uri="{BB962C8B-B14F-4D97-AF65-F5344CB8AC3E}">
-        <p14:creationId xmlns:p14="http://schemas.microsoft.com/office/powerpoint/2010/main" val="3225362099"/>
+        <p14:creationId xmlns:p14="http://schemas.microsoft.com/office/powerpoint/2010/main" val="1165323640"/>
       </p:ext>
     </p:extLst>
   </p:cSld>
@@ -14189,7 +14132,7 @@
           <p:cNvPr id="2" name="Title 1">
             <a:extLst>
               <a:ext uri="{FF2B5EF4-FFF2-40B4-BE49-F238E27FC236}">
-                <a16:creationId xmlns:a16="http://schemas.microsoft.com/office/drawing/2014/main" id="{3B6DC5E5-B49D-4096-80C1-B8052495A474}"/>
+                <a16:creationId xmlns:a16="http://schemas.microsoft.com/office/drawing/2014/main" id="{3F303233-1831-4E4A-9324-5AA1E3371CBF}"/>
               </a:ext>
             </a:extLst>
           </p:cNvPr>
@@ -14203,21 +14146,14 @@
         <p:spPr/>
         <p:txBody>
           <a:bodyPr>
-            <a:normAutofit fontScale="90000"/>
+            <a:normAutofit/>
           </a:bodyPr>
           <a:lstStyle/>
           <a:p>
             <a:r>
-              <a:rPr lang="en-US" sz="4400" dirty="0"/>
+              <a:rPr lang="en-US" sz="4000" dirty="0"/>
               <a:t>Credit Derivatives</a:t>
             </a:r>
-            <a:br>
-              <a:rPr lang="en-US" sz="4000" dirty="0"/>
-            </a:br>
-            <a:br>
-              <a:rPr lang="en-US" sz="4000" dirty="0"/>
-            </a:br>
-            <a:endParaRPr lang="en-US" sz="4000" dirty="0"/>
           </a:p>
         </p:txBody>
       </p:sp>
@@ -14226,7 +14162,7 @@
           <p:cNvPr id="3" name="Content Placeholder 2">
             <a:extLst>
               <a:ext uri="{FF2B5EF4-FFF2-40B4-BE49-F238E27FC236}">
-                <a16:creationId xmlns:a16="http://schemas.microsoft.com/office/drawing/2014/main" id="{831B6362-3303-4415-9D10-C4E0904D67AF}"/>
+                <a16:creationId xmlns:a16="http://schemas.microsoft.com/office/drawing/2014/main" id="{A91A19E5-F393-4382-B424-ABF09382E331}"/>
               </a:ext>
             </a:extLst>
           </p:cNvPr>
@@ -14239,85 +14175,22 @@
         </p:nvSpPr>
         <p:spPr/>
         <p:txBody>
-          <a:bodyPr/>
-          <a:lstStyle/>
-          <a:p>
-            <a:r>
-              <a:rPr lang="en-US" sz="2800" dirty="0"/>
-              <a:t>Forward commitments</a:t>
-            </a:r>
-          </a:p>
-          <a:p>
-            <a:pPr lvl="1"/>
-            <a:r>
-              <a:rPr lang="en-US" sz="2800" dirty="0">
-                <a:solidFill>
-                  <a:schemeClr val="tx1"/>
-                </a:solidFill>
-              </a:rPr>
-              <a:t>Forward</a:t>
-            </a:r>
-          </a:p>
-          <a:p>
-            <a:pPr lvl="1"/>
-            <a:r>
-              <a:rPr lang="en-US" sz="2800" dirty="0">
-                <a:solidFill>
-                  <a:schemeClr val="tx1"/>
-                </a:solidFill>
-              </a:rPr>
-              <a:t>Futures</a:t>
-            </a:r>
-          </a:p>
-          <a:p>
-            <a:pPr lvl="1"/>
-            <a:r>
-              <a:rPr lang="en-US" sz="2800" dirty="0">
-                <a:solidFill>
-                  <a:schemeClr val="tx1"/>
-                </a:solidFill>
-              </a:rPr>
-              <a:t>Swap</a:t>
-            </a:r>
-          </a:p>
-          <a:p>
-            <a:r>
-              <a:rPr lang="en-US" sz="2800" dirty="0"/>
-              <a:t>Contingent claims</a:t>
-            </a:r>
-          </a:p>
-          <a:p>
-            <a:pPr lvl="1"/>
-            <a:r>
-              <a:rPr lang="en-US" sz="2800" dirty="0">
-                <a:solidFill>
-                  <a:schemeClr val="tx1"/>
-                </a:solidFill>
-              </a:rPr>
-              <a:t>Option</a:t>
-            </a:r>
-          </a:p>
-          <a:p>
-            <a:pPr lvl="1"/>
-            <a:r>
-              <a:rPr lang="en-US" sz="2800" u="sng" dirty="0">
-                <a:solidFill>
-                  <a:srgbClr val="FF0000"/>
-                </a:solidFill>
-              </a:rPr>
-              <a:t>Credit Derivatives</a:t>
-            </a:r>
-          </a:p>
-          <a:p>
-            <a:pPr lvl="1"/>
-            <a:endParaRPr lang="en-US" dirty="0"/>
+          <a:bodyPr>
+            <a:normAutofit/>
+          </a:bodyPr>
+          <a:lstStyle/>
+          <a:p>
+            <a:r>
+              <a:rPr lang="en-US" sz="2000" dirty="0"/>
+              <a:t>Total return swap</a:t>
+            </a:r>
           </a:p>
         </p:txBody>
       </p:sp>
     </p:spTree>
     <p:extLst>
       <p:ext uri="{BB962C8B-B14F-4D97-AF65-F5344CB8AC3E}">
-        <p14:creationId xmlns:p14="http://schemas.microsoft.com/office/powerpoint/2010/main" val="2303669535"/>
+        <p14:creationId xmlns:p14="http://schemas.microsoft.com/office/powerpoint/2010/main" val="3215247430"/>
       </p:ext>
     </p:extLst>
   </p:cSld>
@@ -14349,7 +14222,7 @@
           <p:cNvPr id="2" name="Title 1">
             <a:extLst>
               <a:ext uri="{FF2B5EF4-FFF2-40B4-BE49-F238E27FC236}">
-                <a16:creationId xmlns:a16="http://schemas.microsoft.com/office/drawing/2014/main" id="{20DB8FC4-573F-4A09-AE2A-04D0353ECBFD}"/>
+                <a16:creationId xmlns:a16="http://schemas.microsoft.com/office/drawing/2014/main" id="{C7BDF7C6-BD38-4D2C-B7EC-F25AB1968614}"/>
               </a:ext>
             </a:extLst>
           </p:cNvPr>
@@ -14379,7 +14252,7 @@
           <p:cNvPr id="3" name="Content Placeholder 2">
             <a:extLst>
               <a:ext uri="{FF2B5EF4-FFF2-40B4-BE49-F238E27FC236}">
-                <a16:creationId xmlns:a16="http://schemas.microsoft.com/office/drawing/2014/main" id="{2F42ACB6-E17F-425E-ACDC-30219AB1355F}"/>
+                <a16:creationId xmlns:a16="http://schemas.microsoft.com/office/drawing/2014/main" id="{AC997BD0-8E21-4394-A39E-48A459D507C9}"/>
               </a:ext>
             </a:extLst>
           </p:cNvPr>
@@ -14396,61 +14269,16 @@
           <a:lstStyle/>
           <a:p>
             <a:r>
-              <a:rPr lang="en-US" sz="2400" dirty="0"/>
-              <a:t>Definition : A credit derivative is a class of derivative contracts between two parties, a credit protection buyer and a credit protection seller, in which the latter provides protection to the former against a specific credit loss.</a:t>
-            </a:r>
-          </a:p>
-          <a:p>
-            <a:r>
-              <a:rPr lang="en-US" sz="2400" dirty="0"/>
-              <a:t>Buyer:</a:t>
-            </a:r>
-            <a:r>
-              <a:rPr lang="zh-CN" altLang="en-US" sz="2400" dirty="0"/>
-              <a:t>面临信用风险，买入信用保护</a:t>
-            </a:r>
-            <a:endParaRPr lang="en-US" altLang="zh-CN" sz="2400" dirty="0"/>
-          </a:p>
-          <a:p>
-            <a:pPr lvl="1"/>
-            <a:r>
-              <a:rPr lang="zh-CN" altLang="en-US" sz="2200" dirty="0"/>
-              <a:t>债券持有人，发放贷款机构</a:t>
-            </a:r>
-            <a:endParaRPr lang="en-US" altLang="zh-CN" sz="2200" dirty="0"/>
-          </a:p>
-          <a:p>
-            <a:r>
-              <a:rPr lang="en-US" sz="2400" dirty="0"/>
-              <a:t>S</a:t>
-            </a:r>
-            <a:r>
-              <a:rPr lang="en-US" altLang="zh-CN" sz="2400" dirty="0"/>
-              <a:t>eller:</a:t>
-            </a:r>
-            <a:r>
-              <a:rPr lang="zh-CN" altLang="en-US" sz="2400" dirty="0"/>
-              <a:t>卖出信用保护</a:t>
-            </a:r>
-            <a:endParaRPr lang="en-US" altLang="zh-CN" sz="2400" dirty="0"/>
-          </a:p>
-          <a:p>
-            <a:pPr lvl="1"/>
-            <a:r>
-              <a:rPr lang="zh-CN" altLang="en-US" sz="2200" dirty="0"/>
-              <a:t>各类金融机构（保险公司，券商，投资银行）</a:t>
-            </a:r>
-            <a:endParaRPr lang="en-US" sz="2200" dirty="0"/>
-          </a:p>
-          <a:p>
-            <a:endParaRPr lang="en-US" dirty="0"/>
+              <a:rPr lang="en-US" dirty="0"/>
+              <a:t>Credit spread option</a:t>
+            </a:r>
           </a:p>
         </p:txBody>
       </p:sp>
     </p:spTree>
     <p:extLst>
       <p:ext uri="{BB962C8B-B14F-4D97-AF65-F5344CB8AC3E}">
-        <p14:creationId xmlns:p14="http://schemas.microsoft.com/office/powerpoint/2010/main" val="1165323640"/>
+        <p14:creationId xmlns:p14="http://schemas.microsoft.com/office/powerpoint/2010/main" val="3451422982"/>
       </p:ext>
     </p:extLst>
   </p:cSld>
@@ -14602,7 +14430,7 @@
           <p:cNvPr id="2" name="Title 1">
             <a:extLst>
               <a:ext uri="{FF2B5EF4-FFF2-40B4-BE49-F238E27FC236}">
-                <a16:creationId xmlns:a16="http://schemas.microsoft.com/office/drawing/2014/main" id="{3F303233-1831-4E4A-9324-5AA1E3371CBF}"/>
+                <a16:creationId xmlns:a16="http://schemas.microsoft.com/office/drawing/2014/main" id="{8D8186E0-E7FD-4A7D-B919-475DD13A49EB}"/>
               </a:ext>
             </a:extLst>
           </p:cNvPr>
@@ -14632,7 +14460,7 @@
           <p:cNvPr id="3" name="Content Placeholder 2">
             <a:extLst>
               <a:ext uri="{FF2B5EF4-FFF2-40B4-BE49-F238E27FC236}">
-                <a16:creationId xmlns:a16="http://schemas.microsoft.com/office/drawing/2014/main" id="{A91A19E5-F393-4382-B424-ABF09382E331}"/>
+                <a16:creationId xmlns:a16="http://schemas.microsoft.com/office/drawing/2014/main" id="{15154901-95EA-4DC2-9E6E-FCDA862CAF3D}"/>
               </a:ext>
             </a:extLst>
           </p:cNvPr>
@@ -14645,22 +14473,23 @@
         </p:nvSpPr>
         <p:spPr/>
         <p:txBody>
-          <a:bodyPr>
-            <a:normAutofit/>
-          </a:bodyPr>
-          <a:lstStyle/>
-          <a:p>
-            <a:r>
-              <a:rPr lang="en-US" sz="2000" dirty="0"/>
-              <a:t>Total return swap</a:t>
-            </a:r>
+          <a:bodyPr/>
+          <a:lstStyle/>
+          <a:p>
+            <a:r>
+              <a:rPr lang="en-US" dirty="0"/>
+              <a:t>Credit-linked note</a:t>
+            </a:r>
+          </a:p>
+          <a:p>
+            <a:endParaRPr lang="en-US" dirty="0"/>
           </a:p>
         </p:txBody>
       </p:sp>
     </p:spTree>
     <p:extLst>
       <p:ext uri="{BB962C8B-B14F-4D97-AF65-F5344CB8AC3E}">
-        <p14:creationId xmlns:p14="http://schemas.microsoft.com/office/powerpoint/2010/main" val="3215247430"/>
+        <p14:creationId xmlns:p14="http://schemas.microsoft.com/office/powerpoint/2010/main" val="3182849461"/>
       </p:ext>
     </p:extLst>
   </p:cSld>
@@ -14692,185 +14521,6 @@
           <p:cNvPr id="2" name="Title 1">
             <a:extLst>
               <a:ext uri="{FF2B5EF4-FFF2-40B4-BE49-F238E27FC236}">
-                <a16:creationId xmlns:a16="http://schemas.microsoft.com/office/drawing/2014/main" id="{C7BDF7C6-BD38-4D2C-B7EC-F25AB1968614}"/>
-              </a:ext>
-            </a:extLst>
-          </p:cNvPr>
-          <p:cNvSpPr>
-            <a:spLocks noGrp="1"/>
-          </p:cNvSpPr>
-          <p:nvPr>
-            <p:ph type="title"/>
-          </p:nvPr>
-        </p:nvSpPr>
-        <p:spPr/>
-        <p:txBody>
-          <a:bodyPr>
-            <a:normAutofit/>
-          </a:bodyPr>
-          <a:lstStyle/>
-          <a:p>
-            <a:r>
-              <a:rPr lang="en-US" sz="4000" dirty="0"/>
-              <a:t>Credit Derivatives</a:t>
-            </a:r>
-          </a:p>
-        </p:txBody>
-      </p:sp>
-      <p:sp>
-        <p:nvSpPr>
-          <p:cNvPr id="3" name="Content Placeholder 2">
-            <a:extLst>
-              <a:ext uri="{FF2B5EF4-FFF2-40B4-BE49-F238E27FC236}">
-                <a16:creationId xmlns:a16="http://schemas.microsoft.com/office/drawing/2014/main" id="{AC997BD0-8E21-4394-A39E-48A459D507C9}"/>
-              </a:ext>
-            </a:extLst>
-          </p:cNvPr>
-          <p:cNvSpPr>
-            <a:spLocks noGrp="1"/>
-          </p:cNvSpPr>
-          <p:nvPr>
-            <p:ph idx="1"/>
-          </p:nvPr>
-        </p:nvSpPr>
-        <p:spPr/>
-        <p:txBody>
-          <a:bodyPr/>
-          <a:lstStyle/>
-          <a:p>
-            <a:r>
-              <a:rPr lang="en-US" dirty="0"/>
-              <a:t>Credit spread option</a:t>
-            </a:r>
-          </a:p>
-        </p:txBody>
-      </p:sp>
-    </p:spTree>
-    <p:extLst>
-      <p:ext uri="{BB962C8B-B14F-4D97-AF65-F5344CB8AC3E}">
-        <p14:creationId xmlns:p14="http://schemas.microsoft.com/office/powerpoint/2010/main" val="3451422982"/>
-      </p:ext>
-    </p:extLst>
-  </p:cSld>
-  <p:clrMapOvr>
-    <a:masterClrMapping/>
-  </p:clrMapOvr>
-</p:sld>
-</file>
-
-<file path=ppt/slides/slide52.xml><?xml version="1.0" encoding="utf-8"?>
-<p:sld xmlns:a="http://schemas.openxmlformats.org/drawingml/2006/main" xmlns:r="http://schemas.openxmlformats.org/officeDocument/2006/relationships" xmlns:p="http://schemas.openxmlformats.org/presentationml/2006/main">
-  <p:cSld>
-    <p:spTree>
-      <p:nvGrpSpPr>
-        <p:cNvPr id="1" name=""/>
-        <p:cNvGrpSpPr/>
-        <p:nvPr/>
-      </p:nvGrpSpPr>
-      <p:grpSpPr>
-        <a:xfrm>
-          <a:off x="0" y="0"/>
-          <a:ext cx="0" cy="0"/>
-          <a:chOff x="0" y="0"/>
-          <a:chExt cx="0" cy="0"/>
-        </a:xfrm>
-      </p:grpSpPr>
-      <p:sp>
-        <p:nvSpPr>
-          <p:cNvPr id="2" name="Title 1">
-            <a:extLst>
-              <a:ext uri="{FF2B5EF4-FFF2-40B4-BE49-F238E27FC236}">
-                <a16:creationId xmlns:a16="http://schemas.microsoft.com/office/drawing/2014/main" id="{8D8186E0-E7FD-4A7D-B919-475DD13A49EB}"/>
-              </a:ext>
-            </a:extLst>
-          </p:cNvPr>
-          <p:cNvSpPr>
-            <a:spLocks noGrp="1"/>
-          </p:cNvSpPr>
-          <p:nvPr>
-            <p:ph type="title"/>
-          </p:nvPr>
-        </p:nvSpPr>
-        <p:spPr/>
-        <p:txBody>
-          <a:bodyPr>
-            <a:normAutofit/>
-          </a:bodyPr>
-          <a:lstStyle/>
-          <a:p>
-            <a:r>
-              <a:rPr lang="en-US" sz="4000" dirty="0"/>
-              <a:t>Credit Derivatives</a:t>
-            </a:r>
-          </a:p>
-        </p:txBody>
-      </p:sp>
-      <p:sp>
-        <p:nvSpPr>
-          <p:cNvPr id="3" name="Content Placeholder 2">
-            <a:extLst>
-              <a:ext uri="{FF2B5EF4-FFF2-40B4-BE49-F238E27FC236}">
-                <a16:creationId xmlns:a16="http://schemas.microsoft.com/office/drawing/2014/main" id="{15154901-95EA-4DC2-9E6E-FCDA862CAF3D}"/>
-              </a:ext>
-            </a:extLst>
-          </p:cNvPr>
-          <p:cNvSpPr>
-            <a:spLocks noGrp="1"/>
-          </p:cNvSpPr>
-          <p:nvPr>
-            <p:ph idx="1"/>
-          </p:nvPr>
-        </p:nvSpPr>
-        <p:spPr/>
-        <p:txBody>
-          <a:bodyPr/>
-          <a:lstStyle/>
-          <a:p>
-            <a:r>
-              <a:rPr lang="en-US" dirty="0"/>
-              <a:t>Credit-linked note</a:t>
-            </a:r>
-          </a:p>
-          <a:p>
-            <a:endParaRPr lang="en-US" dirty="0"/>
-          </a:p>
-        </p:txBody>
-      </p:sp>
-    </p:spTree>
-    <p:extLst>
-      <p:ext uri="{BB962C8B-B14F-4D97-AF65-F5344CB8AC3E}">
-        <p14:creationId xmlns:p14="http://schemas.microsoft.com/office/powerpoint/2010/main" val="3182849461"/>
-      </p:ext>
-    </p:extLst>
-  </p:cSld>
-  <p:clrMapOvr>
-    <a:masterClrMapping/>
-  </p:clrMapOvr>
-</p:sld>
-</file>
-
-<file path=ppt/slides/slide53.xml><?xml version="1.0" encoding="utf-8"?>
-<p:sld xmlns:a="http://schemas.openxmlformats.org/drawingml/2006/main" xmlns:r="http://schemas.openxmlformats.org/officeDocument/2006/relationships" xmlns:p="http://schemas.openxmlformats.org/presentationml/2006/main">
-  <p:cSld>
-    <p:spTree>
-      <p:nvGrpSpPr>
-        <p:cNvPr id="1" name=""/>
-        <p:cNvGrpSpPr/>
-        <p:nvPr/>
-      </p:nvGrpSpPr>
-      <p:grpSpPr>
-        <a:xfrm>
-          <a:off x="0" y="0"/>
-          <a:ext cx="0" cy="0"/>
-          <a:chOff x="0" y="0"/>
-          <a:chExt cx="0" cy="0"/>
-        </a:xfrm>
-      </p:grpSpPr>
-      <p:sp>
-        <p:nvSpPr>
-          <p:cNvPr id="2" name="Title 1">
-            <a:extLst>
-              <a:ext uri="{FF2B5EF4-FFF2-40B4-BE49-F238E27FC236}">
                 <a16:creationId xmlns:a16="http://schemas.microsoft.com/office/drawing/2014/main" id="{69B941C4-F4EB-4AB8-A2D4-65FAA0965D49}"/>
               </a:ext>
             </a:extLst>
@@ -14937,7 +14587,7 @@
 </p:sld>
 </file>
 
-<file path=ppt/slides/slide54.xml><?xml version="1.0" encoding="utf-8"?>
+<file path=ppt/slides/slide52.xml><?xml version="1.0" encoding="utf-8"?>
 <p:sld xmlns:a="http://schemas.openxmlformats.org/drawingml/2006/main" xmlns:r="http://schemas.openxmlformats.org/officeDocument/2006/relationships" xmlns:p="http://schemas.openxmlformats.org/presentationml/2006/main">
   <p:cSld>
     <p:spTree>
@@ -15026,6 +14676,224 @@
 </p:sld>
 </file>
 
+<file path=ppt/slides/slide53.xml><?xml version="1.0" encoding="utf-8"?>
+<p:sld xmlns:a="http://schemas.openxmlformats.org/drawingml/2006/main" xmlns:r="http://schemas.openxmlformats.org/officeDocument/2006/relationships" xmlns:p="http://schemas.openxmlformats.org/presentationml/2006/main">
+  <p:cSld>
+    <p:spTree>
+      <p:nvGrpSpPr>
+        <p:cNvPr id="1" name=""/>
+        <p:cNvGrpSpPr/>
+        <p:nvPr/>
+      </p:nvGrpSpPr>
+      <p:grpSpPr>
+        <a:xfrm>
+          <a:off x="0" y="0"/>
+          <a:ext cx="0" cy="0"/>
+          <a:chOff x="0" y="0"/>
+          <a:chExt cx="0" cy="0"/>
+        </a:xfrm>
+      </p:grpSpPr>
+      <p:sp>
+        <p:nvSpPr>
+          <p:cNvPr id="2" name="Title 1">
+            <a:extLst>
+              <a:ext uri="{FF2B5EF4-FFF2-40B4-BE49-F238E27FC236}">
+                <a16:creationId xmlns:a16="http://schemas.microsoft.com/office/drawing/2014/main" id="{348BD349-FAD8-4678-AFB4-B1E5307D6EA4}"/>
+              </a:ext>
+            </a:extLst>
+          </p:cNvPr>
+          <p:cNvSpPr>
+            <a:spLocks noGrp="1"/>
+          </p:cNvSpPr>
+          <p:nvPr>
+            <p:ph type="title"/>
+          </p:nvPr>
+        </p:nvSpPr>
+        <p:spPr/>
+        <p:txBody>
+          <a:bodyPr>
+            <a:normAutofit/>
+          </a:bodyPr>
+          <a:lstStyle/>
+          <a:p>
+            <a:r>
+              <a:rPr lang="en-US" sz="4000" dirty="0"/>
+              <a:t>Practices</a:t>
+            </a:r>
+          </a:p>
+        </p:txBody>
+      </p:sp>
+      <p:sp>
+        <p:nvSpPr>
+          <p:cNvPr id="3" name="Content Placeholder 2">
+            <a:extLst>
+              <a:ext uri="{FF2B5EF4-FFF2-40B4-BE49-F238E27FC236}">
+                <a16:creationId xmlns:a16="http://schemas.microsoft.com/office/drawing/2014/main" id="{E3B67373-BC90-4BC9-B82C-C102723A443D}"/>
+              </a:ext>
+            </a:extLst>
+          </p:cNvPr>
+          <p:cNvSpPr>
+            <a:spLocks noGrp="1"/>
+          </p:cNvSpPr>
+          <p:nvPr>
+            <p:ph idx="1"/>
+          </p:nvPr>
+        </p:nvSpPr>
+        <p:spPr/>
+        <p:txBody>
+          <a:bodyPr>
+            <a:normAutofit/>
+          </a:bodyPr>
+          <a:lstStyle/>
+          <a:p>
+            <a:r>
+              <a:rPr lang="en-US" sz="2000" dirty="0"/>
+              <a:t>1.A credit derivative is which of the following?</a:t>
+            </a:r>
+          </a:p>
+          <a:p>
+            <a:pPr lvl="1"/>
+            <a:r>
+              <a:rPr lang="en-US" sz="2000" dirty="0"/>
+              <a:t>A </a:t>
+            </a:r>
+            <a:r>
+              <a:rPr lang="en-US" sz="2000" dirty="0" err="1"/>
+              <a:t>A</a:t>
+            </a:r>
+            <a:r>
+              <a:rPr lang="en-US" sz="2000" dirty="0"/>
+              <a:t> derivative in which the premium is obtained on credit</a:t>
+            </a:r>
+          </a:p>
+          <a:p>
+            <a:pPr lvl="1"/>
+            <a:r>
+              <a:rPr lang="en-US" sz="2000" dirty="0"/>
+              <a:t>B A derivative in which the payoff is borrowed by the seller</a:t>
+            </a:r>
+          </a:p>
+          <a:p>
+            <a:pPr lvl="1"/>
+            <a:r>
+              <a:rPr lang="en-US" sz="2000" dirty="0"/>
+              <a:t>C A derivative in which the seller provides protection to the buyer against credit loss from a third party</a:t>
+            </a:r>
+          </a:p>
+        </p:txBody>
+      </p:sp>
+    </p:spTree>
+    <p:extLst>
+      <p:ext uri="{BB962C8B-B14F-4D97-AF65-F5344CB8AC3E}">
+        <p14:creationId xmlns:p14="http://schemas.microsoft.com/office/powerpoint/2010/main" val="2051395143"/>
+      </p:ext>
+    </p:extLst>
+  </p:cSld>
+  <p:clrMapOvr>
+    <a:masterClrMapping/>
+  </p:clrMapOvr>
+</p:sld>
+</file>
+
+<file path=ppt/slides/slide54.xml><?xml version="1.0" encoding="utf-8"?>
+<p:sld xmlns:a="http://schemas.openxmlformats.org/drawingml/2006/main" xmlns:r="http://schemas.openxmlformats.org/officeDocument/2006/relationships" xmlns:p="http://schemas.openxmlformats.org/presentationml/2006/main">
+  <p:cSld>
+    <p:spTree>
+      <p:nvGrpSpPr>
+        <p:cNvPr id="1" name=""/>
+        <p:cNvGrpSpPr/>
+        <p:nvPr/>
+      </p:nvGrpSpPr>
+      <p:grpSpPr>
+        <a:xfrm>
+          <a:off x="0" y="0"/>
+          <a:ext cx="0" cy="0"/>
+          <a:chOff x="0" y="0"/>
+          <a:chExt cx="0" cy="0"/>
+        </a:xfrm>
+      </p:grpSpPr>
+      <p:sp>
+        <p:nvSpPr>
+          <p:cNvPr id="2" name="Title 1">
+            <a:extLst>
+              <a:ext uri="{FF2B5EF4-FFF2-40B4-BE49-F238E27FC236}">
+                <a16:creationId xmlns:a16="http://schemas.microsoft.com/office/drawing/2014/main" id="{13C1F2DB-C1EA-4EEE-9DD2-BBB6C676CABF}"/>
+              </a:ext>
+            </a:extLst>
+          </p:cNvPr>
+          <p:cNvSpPr>
+            <a:spLocks noGrp="1"/>
+          </p:cNvSpPr>
+          <p:nvPr>
+            <p:ph type="title"/>
+          </p:nvPr>
+        </p:nvSpPr>
+        <p:spPr/>
+        <p:txBody>
+          <a:bodyPr>
+            <a:normAutofit/>
+          </a:bodyPr>
+          <a:lstStyle/>
+          <a:p>
+            <a:r>
+              <a:rPr lang="en-US" sz="4000" dirty="0"/>
+              <a:t>A</a:t>
+            </a:r>
+            <a:r>
+              <a:rPr lang="en-US" altLang="zh-CN" sz="4000" dirty="0"/>
+              <a:t>sset-backed securities</a:t>
+            </a:r>
+            <a:endParaRPr lang="en-US" sz="4000" dirty="0"/>
+          </a:p>
+        </p:txBody>
+      </p:sp>
+      <p:sp>
+        <p:nvSpPr>
+          <p:cNvPr id="3" name="Content Placeholder 2">
+            <a:extLst>
+              <a:ext uri="{FF2B5EF4-FFF2-40B4-BE49-F238E27FC236}">
+                <a16:creationId xmlns:a16="http://schemas.microsoft.com/office/drawing/2014/main" id="{AE242220-CC30-405B-943F-661EEB5D4AFA}"/>
+              </a:ext>
+            </a:extLst>
+          </p:cNvPr>
+          <p:cNvSpPr>
+            <a:spLocks noGrp="1"/>
+          </p:cNvSpPr>
+          <p:nvPr>
+            <p:ph idx="1"/>
+          </p:nvPr>
+        </p:nvSpPr>
+        <p:spPr/>
+        <p:txBody>
+          <a:bodyPr/>
+          <a:lstStyle/>
+          <a:p>
+            <a:r>
+              <a:rPr lang="en-US" dirty="0"/>
+              <a:t>Definition: an asset- backed security is a derivative contract in which a portfolio of debt instruments is assembled and claims are issued on the portfolio in the form of tranches, which have different priorities of claims on the payments made by the debt securities such that prepayments or credit losses are allocated to the most- junior tranches first and the most- senior tranches last.</a:t>
+            </a:r>
+          </a:p>
+          <a:p>
+            <a:r>
+              <a:rPr lang="en-US" dirty="0"/>
+              <a:t>ABSs typically divide the payments into slices, called tranches, in which the priority of claims has been changed from equivalent to preferential.</a:t>
+            </a:r>
+          </a:p>
+        </p:txBody>
+      </p:sp>
+    </p:spTree>
+    <p:extLst>
+      <p:ext uri="{BB962C8B-B14F-4D97-AF65-F5344CB8AC3E}">
+        <p14:creationId xmlns:p14="http://schemas.microsoft.com/office/powerpoint/2010/main" val="2380732809"/>
+      </p:ext>
+    </p:extLst>
+  </p:cSld>
+  <p:clrMapOvr>
+    <a:masterClrMapping/>
+  </p:clrMapOvr>
+</p:sld>
+</file>
+
 <file path=ppt/slides/slide55.xml><?xml version="1.0" encoding="utf-8"?>
 <p:sld xmlns:a="http://schemas.openxmlformats.org/drawingml/2006/main" xmlns:r="http://schemas.openxmlformats.org/officeDocument/2006/relationships" xmlns:p="http://schemas.openxmlformats.org/presentationml/2006/main">
   <p:cSld>
@@ -15048,7 +14916,7 @@
           <p:cNvPr id="2" name="Title 1">
             <a:extLst>
               <a:ext uri="{FF2B5EF4-FFF2-40B4-BE49-F238E27FC236}">
-                <a16:creationId xmlns:a16="http://schemas.microsoft.com/office/drawing/2014/main" id="{348BD349-FAD8-4678-AFB4-B1E5307D6EA4}"/>
+                <a16:creationId xmlns:a16="http://schemas.microsoft.com/office/drawing/2014/main" id="{DE056A45-2501-43A0-9F43-EE798108DA86}"/>
               </a:ext>
             </a:extLst>
           </p:cNvPr>
@@ -15068,8 +14936,13 @@
           <a:p>
             <a:r>
               <a:rPr lang="en-US" sz="4000" dirty="0"/>
-              <a:t>Practices</a:t>
-            </a:r>
+              <a:t>A</a:t>
+            </a:r>
+            <a:r>
+              <a:rPr lang="en-US" altLang="zh-CN" sz="4000" dirty="0"/>
+              <a:t>sset-backed securities</a:t>
+            </a:r>
+            <a:endParaRPr lang="en-US" sz="4000" dirty="0"/>
           </a:p>
         </p:txBody>
       </p:sp>
@@ -15078,7 +14951,7 @@
           <p:cNvPr id="3" name="Content Placeholder 2">
             <a:extLst>
               <a:ext uri="{FF2B5EF4-FFF2-40B4-BE49-F238E27FC236}">
-                <a16:creationId xmlns:a16="http://schemas.microsoft.com/office/drawing/2014/main" id="{E3B67373-BC90-4BC9-B82C-C102723A443D}"/>
+                <a16:creationId xmlns:a16="http://schemas.microsoft.com/office/drawing/2014/main" id="{8DCE4C67-98B6-4618-8DEA-076B941A3F4A}"/>
               </a:ext>
             </a:extLst>
           </p:cNvPr>
@@ -15091,51 +14964,35 @@
         </p:nvSpPr>
         <p:spPr/>
         <p:txBody>
-          <a:bodyPr>
-            <a:normAutofit/>
-          </a:bodyPr>
-          <a:lstStyle/>
-          <a:p>
-            <a:r>
-              <a:rPr lang="en-US" sz="2000" dirty="0"/>
-              <a:t>1.A credit derivative is which of the following?</a:t>
-            </a:r>
-          </a:p>
-          <a:p>
-            <a:pPr lvl="1"/>
-            <a:r>
-              <a:rPr lang="en-US" sz="2000" dirty="0"/>
-              <a:t>A </a:t>
-            </a:r>
-            <a:r>
-              <a:rPr lang="en-US" sz="2000" dirty="0" err="1"/>
-              <a:t>A</a:t>
-            </a:r>
-            <a:r>
-              <a:rPr lang="en-US" sz="2000" dirty="0"/>
-              <a:t> derivative in which the premium is obtained on credit</a:t>
-            </a:r>
-          </a:p>
-          <a:p>
-            <a:pPr lvl="1"/>
-            <a:r>
-              <a:rPr lang="en-US" sz="2000" dirty="0"/>
-              <a:t>B A derivative in which the payoff is borrowed by the seller</a:t>
-            </a:r>
-          </a:p>
-          <a:p>
-            <a:pPr lvl="1"/>
-            <a:r>
-              <a:rPr lang="en-US" sz="2000" dirty="0"/>
-              <a:t>C A derivative in which the seller provides protection to the buyer against credit loss from a third party</a:t>
-            </a:r>
+          <a:bodyPr/>
+          <a:lstStyle/>
+          <a:p>
+            <a:r>
+              <a:rPr lang="en-US" dirty="0"/>
+              <a:t>CMO: collateralized mortgage obligation</a:t>
+            </a:r>
+          </a:p>
+          <a:p>
+            <a:r>
+              <a:rPr lang="en-US" dirty="0"/>
+              <a:t>CBO: collateralized bond obligation</a:t>
+            </a:r>
+          </a:p>
+          <a:p>
+            <a:r>
+              <a:rPr lang="en-US" dirty="0"/>
+              <a:t>CLO: collateralized loan obligation</a:t>
+            </a:r>
+          </a:p>
+          <a:p>
+            <a:endParaRPr lang="en-US" dirty="0"/>
           </a:p>
         </p:txBody>
       </p:sp>
     </p:spTree>
     <p:extLst>
       <p:ext uri="{BB962C8B-B14F-4D97-AF65-F5344CB8AC3E}">
-        <p14:creationId xmlns:p14="http://schemas.microsoft.com/office/powerpoint/2010/main" val="2051395143"/>
+        <p14:creationId xmlns:p14="http://schemas.microsoft.com/office/powerpoint/2010/main" val="615116269"/>
       </p:ext>
     </p:extLst>
   </p:cSld>
@@ -15167,7 +15024,7 @@
           <p:cNvPr id="2" name="Title 1">
             <a:extLst>
               <a:ext uri="{FF2B5EF4-FFF2-40B4-BE49-F238E27FC236}">
-                <a16:creationId xmlns:a16="http://schemas.microsoft.com/office/drawing/2014/main" id="{13C1F2DB-C1EA-4EEE-9DD2-BBB6C676CABF}"/>
+                <a16:creationId xmlns:a16="http://schemas.microsoft.com/office/drawing/2014/main" id="{8E48A604-005B-48E4-8AF4-138B105BA282}"/>
               </a:ext>
             </a:extLst>
           </p:cNvPr>
@@ -15187,13 +15044,8 @@
           <a:p>
             <a:r>
               <a:rPr lang="en-US" sz="4000" dirty="0"/>
-              <a:t>A</a:t>
-            </a:r>
-            <a:r>
-              <a:rPr lang="en-US" altLang="zh-CN" sz="4000" dirty="0"/>
-              <a:t>sset-backed securities</a:t>
-            </a:r>
-            <a:endParaRPr lang="en-US" sz="4000" dirty="0"/>
+              <a:t>Derivative underlying</a:t>
+            </a:r>
           </a:p>
         </p:txBody>
       </p:sp>
@@ -15202,7 +15054,7 @@
           <p:cNvPr id="3" name="Content Placeholder 2">
             <a:extLst>
               <a:ext uri="{FF2B5EF4-FFF2-40B4-BE49-F238E27FC236}">
-                <a16:creationId xmlns:a16="http://schemas.microsoft.com/office/drawing/2014/main" id="{AE242220-CC30-405B-943F-661EEB5D4AFA}"/>
+                <a16:creationId xmlns:a16="http://schemas.microsoft.com/office/drawing/2014/main" id="{4DC2DC39-460C-4DC9-92A3-82D2535FFBF9}"/>
               </a:ext>
             </a:extLst>
           </p:cNvPr>
@@ -15220,21 +15072,48 @@
           <a:p>
             <a:r>
               <a:rPr lang="en-US" dirty="0"/>
-              <a:t>Definition: an asset- backed security is a derivative contract in which a portfolio of debt instruments is assembled and claims are issued on the portfolio in the form of tranches, which have different priorities of claims on the payments made by the debt securities such that prepayments or credit losses are allocated to the most- junior tranches first and the most- senior tranches last.</a:t>
-            </a:r>
-          </a:p>
-          <a:p>
-            <a:r>
-              <a:rPr lang="en-US" dirty="0"/>
-              <a:t>ABSs typically divide the payments into slices, called tranches, in which the priority of claims has been changed from equivalent to preferential.</a:t>
-            </a:r>
+              <a:t>Equities</a:t>
+            </a:r>
+          </a:p>
+          <a:p>
+            <a:r>
+              <a:rPr lang="en-US" dirty="0"/>
+              <a:t>Fixed-income instruments and interest rates</a:t>
+            </a:r>
+          </a:p>
+          <a:p>
+            <a:r>
+              <a:rPr lang="en-US" dirty="0"/>
+              <a:t>Currencies</a:t>
+            </a:r>
+          </a:p>
+          <a:p>
+            <a:r>
+              <a:rPr lang="en-US" dirty="0"/>
+              <a:t>Commodities</a:t>
+            </a:r>
+          </a:p>
+          <a:p>
+            <a:r>
+              <a:rPr lang="en-US" dirty="0"/>
+              <a:t>Credit</a:t>
+            </a:r>
+          </a:p>
+          <a:p>
+            <a:r>
+              <a:rPr lang="en-US" dirty="0"/>
+              <a:t>Other</a:t>
+            </a:r>
+          </a:p>
+          <a:p>
+            <a:endParaRPr lang="en-US" dirty="0"/>
           </a:p>
         </p:txBody>
       </p:sp>
     </p:spTree>
     <p:extLst>
       <p:ext uri="{BB962C8B-B14F-4D97-AF65-F5344CB8AC3E}">
-        <p14:creationId xmlns:p14="http://schemas.microsoft.com/office/powerpoint/2010/main" val="2380732809"/>
+        <p14:creationId xmlns:p14="http://schemas.microsoft.com/office/powerpoint/2010/main" val="3920046498"/>
       </p:ext>
     </p:extLst>
   </p:cSld>
@@ -15266,7 +15145,7 @@
           <p:cNvPr id="2" name="Title 1">
             <a:extLst>
               <a:ext uri="{FF2B5EF4-FFF2-40B4-BE49-F238E27FC236}">
-                <a16:creationId xmlns:a16="http://schemas.microsoft.com/office/drawing/2014/main" id="{DE056A45-2501-43A0-9F43-EE798108DA86}"/>
+                <a16:creationId xmlns:a16="http://schemas.microsoft.com/office/drawing/2014/main" id="{0B33124B-F8B1-44FB-B9D6-3239CDA95508}"/>
               </a:ext>
             </a:extLst>
           </p:cNvPr>
@@ -15280,19 +15159,25 @@
         <p:spPr/>
         <p:txBody>
           <a:bodyPr>
-            <a:normAutofit/>
+            <a:normAutofit fontScale="90000"/>
           </a:bodyPr>
           <a:lstStyle/>
           <a:p>
             <a:r>
-              <a:rPr lang="en-US" sz="4000" dirty="0"/>
-              <a:t>A</a:t>
-            </a:r>
-            <a:r>
-              <a:rPr lang="en-US" altLang="zh-CN" sz="4000" dirty="0"/>
-              <a:t>sset-backed securities</a:t>
-            </a:r>
-            <a:endParaRPr lang="en-US" sz="4000" dirty="0"/>
+              <a:rPr lang="en-US" altLang="zh-CN" sz="4400" dirty="0"/>
+              <a:t>Classification </a:t>
+            </a:r>
+            <a:r>
+              <a:rPr lang="en-US" sz="4400" dirty="0"/>
+              <a:t>of derivatives</a:t>
+            </a:r>
+            <a:br>
+              <a:rPr lang="en-US" dirty="0"/>
+            </a:br>
+            <a:r>
+              <a:rPr lang="en-US" dirty="0"/>
+              <a:t>Forward commitments and contingent claims</a:t>
+            </a:r>
           </a:p>
         </p:txBody>
       </p:sp>
@@ -15301,7 +15186,7 @@
           <p:cNvPr id="3" name="Content Placeholder 2">
             <a:extLst>
               <a:ext uri="{FF2B5EF4-FFF2-40B4-BE49-F238E27FC236}">
-                <a16:creationId xmlns:a16="http://schemas.microsoft.com/office/drawing/2014/main" id="{8DCE4C67-98B6-4618-8DEA-076B941A3F4A}"/>
+                <a16:creationId xmlns:a16="http://schemas.microsoft.com/office/drawing/2014/main" id="{AEE854A1-1496-4876-AC8F-11F97047424B}"/>
               </a:ext>
             </a:extLst>
           </p:cNvPr>
@@ -15318,31 +15203,61 @@
           <a:lstStyle/>
           <a:p>
             <a:r>
-              <a:rPr lang="en-US" dirty="0"/>
-              <a:t>CMO: collateralized mortgage obligation</a:t>
-            </a:r>
-          </a:p>
-          <a:p>
-            <a:r>
-              <a:rPr lang="en-US" dirty="0"/>
-              <a:t>CBO: collateralized bond obligation</a:t>
-            </a:r>
-          </a:p>
-          <a:p>
-            <a:r>
-              <a:rPr lang="en-US" dirty="0"/>
-              <a:t>CLO: collateralized loan obligation</a:t>
-            </a:r>
-          </a:p>
-          <a:p>
-            <a:endParaRPr lang="en-US" dirty="0"/>
+              <a:rPr lang="en-US" sz="2800" dirty="0"/>
+              <a:t>Forward commitments</a:t>
+            </a:r>
+          </a:p>
+          <a:p>
+            <a:pPr lvl="1"/>
+            <a:r>
+              <a:rPr lang="en-US" sz="1800" dirty="0">
+                <a:solidFill>
+                  <a:schemeClr val="tx1"/>
+                </a:solidFill>
+              </a:rPr>
+              <a:t>Forward</a:t>
+            </a:r>
+          </a:p>
+          <a:p>
+            <a:pPr lvl="1"/>
+            <a:r>
+              <a:rPr lang="en-US" sz="1800" dirty="0"/>
+              <a:t>Futures</a:t>
+            </a:r>
+          </a:p>
+          <a:p>
+            <a:pPr lvl="1"/>
+            <a:r>
+              <a:rPr lang="en-US" sz="1800" dirty="0"/>
+              <a:t>Swap</a:t>
+            </a:r>
+          </a:p>
+          <a:p>
+            <a:r>
+              <a:rPr lang="en-US" sz="2800" dirty="0"/>
+              <a:t>Contingent claims</a:t>
+            </a:r>
+          </a:p>
+          <a:p>
+            <a:pPr lvl="1"/>
+            <a:r>
+              <a:rPr lang="en-US" sz="1800" dirty="0"/>
+              <a:t>Option</a:t>
+            </a:r>
+          </a:p>
+          <a:p>
+            <a:pPr lvl="1"/>
+            <a:r>
+              <a:rPr lang="en-US" sz="1800" dirty="0"/>
+              <a:t>Credit Default Swap</a:t>
+            </a:r>
           </a:p>
         </p:txBody>
       </p:sp>
     </p:spTree>
     <p:extLst>
       <p:ext uri="{BB962C8B-B14F-4D97-AF65-F5344CB8AC3E}">
-        <p14:creationId xmlns:p14="http://schemas.microsoft.com/office/powerpoint/2010/main" val="615116269"/>
+        <p14:creationId xmlns:p14="http://schemas.microsoft.com/office/powerpoint/2010/main" val="3548463849"/>
       </p:ext>
     </p:extLst>
   </p:cSld>
@@ -15374,7 +15289,7 @@
           <p:cNvPr id="2" name="Title 1">
             <a:extLst>
               <a:ext uri="{FF2B5EF4-FFF2-40B4-BE49-F238E27FC236}">
-                <a16:creationId xmlns:a16="http://schemas.microsoft.com/office/drawing/2014/main" id="{8E48A604-005B-48E4-8AF4-138B105BA282}"/>
+                <a16:creationId xmlns:a16="http://schemas.microsoft.com/office/drawing/2014/main" id="{61C782C3-1713-4158-BD07-C849C3C4CC28}"/>
               </a:ext>
             </a:extLst>
           </p:cNvPr>
@@ -15387,14 +15302,27 @@
         </p:nvSpPr>
         <p:spPr/>
         <p:txBody>
-          <a:bodyPr>
-            <a:normAutofit/>
-          </a:bodyPr>
-          <a:lstStyle/>
-          <a:p>
+          <a:bodyPr/>
+          <a:lstStyle/>
+          <a:p>
+            <a:r>
+              <a:rPr lang="en-US" altLang="zh-CN" sz="4000" dirty="0"/>
+              <a:t>Classification</a:t>
+            </a:r>
             <a:r>
               <a:rPr lang="en-US" sz="4000" dirty="0"/>
-              <a:t>Derivative underlying</a:t>
+              <a:t> of derivatives	</a:t>
+            </a:r>
+            <a:r>
+              <a:rPr lang="en-US" dirty="0"/>
+              <a:t>	</a:t>
+            </a:r>
+            <a:br>
+              <a:rPr lang="en-US" dirty="0"/>
+            </a:br>
+            <a:r>
+              <a:rPr lang="en-US" dirty="0"/>
+              <a:t>Exchange-traded and OTC market</a:t>
             </a:r>
           </a:p>
         </p:txBody>
@@ -15404,7 +15332,7 @@
           <p:cNvPr id="3" name="Content Placeholder 2">
             <a:extLst>
               <a:ext uri="{FF2B5EF4-FFF2-40B4-BE49-F238E27FC236}">
-                <a16:creationId xmlns:a16="http://schemas.microsoft.com/office/drawing/2014/main" id="{4DC2DC39-460C-4DC9-92A3-82D2535FFBF9}"/>
+                <a16:creationId xmlns:a16="http://schemas.microsoft.com/office/drawing/2014/main" id="{AF25ED95-A7A6-4FF7-B6AE-E00C8A4243CE}"/>
               </a:ext>
             </a:extLst>
           </p:cNvPr>
@@ -15421,38 +15349,49 @@
           <a:lstStyle/>
           <a:p>
             <a:r>
-              <a:rPr lang="en-US" dirty="0"/>
-              <a:t>Equities</a:t>
-            </a:r>
-          </a:p>
-          <a:p>
-            <a:r>
-              <a:rPr lang="en-US" dirty="0"/>
-              <a:t>Fixed-income instruments and interest rates</a:t>
-            </a:r>
-          </a:p>
-          <a:p>
-            <a:r>
-              <a:rPr lang="en-US" dirty="0"/>
-              <a:t>Currencies</a:t>
-            </a:r>
-          </a:p>
-          <a:p>
-            <a:r>
-              <a:rPr lang="en-US" dirty="0"/>
-              <a:t>Commodities</a:t>
-            </a:r>
-          </a:p>
-          <a:p>
-            <a:r>
-              <a:rPr lang="en-US" dirty="0"/>
-              <a:t>Credit</a:t>
-            </a:r>
-          </a:p>
-          <a:p>
-            <a:r>
-              <a:rPr lang="en-US" dirty="0"/>
-              <a:t>Other</a:t>
+              <a:rPr lang="en-US" sz="2800" dirty="0"/>
+              <a:t>Over-the-counter market</a:t>
+            </a:r>
+          </a:p>
+          <a:p>
+            <a:pPr lvl="1"/>
+            <a:r>
+              <a:rPr lang="en-US" sz="1800" dirty="0"/>
+              <a:t>Forward</a:t>
+            </a:r>
+          </a:p>
+          <a:p>
+            <a:pPr lvl="1"/>
+            <a:r>
+              <a:rPr lang="en-US" sz="1800" dirty="0"/>
+              <a:t>Swap</a:t>
+            </a:r>
+          </a:p>
+          <a:p>
+            <a:pPr lvl="1"/>
+            <a:r>
+              <a:rPr lang="en-US" sz="1800" dirty="0"/>
+              <a:t>Option</a:t>
+            </a:r>
+          </a:p>
+          <a:p>
+            <a:r>
+              <a:rPr lang="en-US" sz="2800" dirty="0"/>
+              <a:t>Exchange-traded market</a:t>
+            </a:r>
+          </a:p>
+          <a:p>
+            <a:pPr lvl="1"/>
+            <a:r>
+              <a:rPr lang="en-US" sz="1800" dirty="0"/>
+              <a:t>Futures</a:t>
+            </a:r>
+          </a:p>
+          <a:p>
+            <a:pPr lvl="1"/>
+            <a:r>
+              <a:rPr lang="en-US" sz="1800" dirty="0"/>
+              <a:t>Option</a:t>
             </a:r>
           </a:p>
           <a:p>
@@ -15463,7 +15402,7 @@
     </p:spTree>
     <p:extLst>
       <p:ext uri="{BB962C8B-B14F-4D97-AF65-F5344CB8AC3E}">
-        <p14:creationId xmlns:p14="http://schemas.microsoft.com/office/powerpoint/2010/main" val="3920046498"/>
+        <p14:creationId xmlns:p14="http://schemas.microsoft.com/office/powerpoint/2010/main" val="2063123738"/>
       </p:ext>
     </p:extLst>
   </p:cSld>
@@ -15495,7 +15434,7 @@
           <p:cNvPr id="2" name="Title 1">
             <a:extLst>
               <a:ext uri="{FF2B5EF4-FFF2-40B4-BE49-F238E27FC236}">
-                <a16:creationId xmlns:a16="http://schemas.microsoft.com/office/drawing/2014/main" id="{0B33124B-F8B1-44FB-B9D6-3239CDA95508}"/>
+                <a16:creationId xmlns:a16="http://schemas.microsoft.com/office/drawing/2014/main" id="{63CC868E-9E09-460D-AFC5-F06FE734B18C}"/>
               </a:ext>
             </a:extLst>
           </p:cNvPr>
@@ -15508,25 +15447,27 @@
         </p:nvSpPr>
         <p:spPr/>
         <p:txBody>
-          <a:bodyPr>
-            <a:normAutofit fontScale="90000"/>
-          </a:bodyPr>
-          <a:lstStyle/>
-          <a:p>
-            <a:r>
-              <a:rPr lang="en-US" altLang="zh-CN" sz="4400" dirty="0"/>
+          <a:bodyPr/>
+          <a:lstStyle/>
+          <a:p>
+            <a:r>
+              <a:rPr lang="en-US" altLang="zh-CN" sz="4000" dirty="0"/>
               <a:t>Classification </a:t>
             </a:r>
             <a:r>
-              <a:rPr lang="en-US" sz="4400" dirty="0"/>
-              <a:t>of derivatives</a:t>
+              <a:rPr lang="en-US" sz="4000" dirty="0"/>
+              <a:t>of derivatives	</a:t>
+            </a:r>
+            <a:r>
+              <a:rPr lang="en-US" dirty="0"/>
+              <a:t>	</a:t>
             </a:r>
             <a:br>
               <a:rPr lang="en-US" dirty="0"/>
             </a:br>
             <a:r>
               <a:rPr lang="en-US" dirty="0"/>
-              <a:t>Forward commitments and contingent claims</a:t>
+              <a:t>Exchange-traded and OTC market</a:t>
             </a:r>
           </a:p>
         </p:txBody>
@@ -15536,7 +15477,7 @@
           <p:cNvPr id="3" name="Content Placeholder 2">
             <a:extLst>
               <a:ext uri="{FF2B5EF4-FFF2-40B4-BE49-F238E27FC236}">
-                <a16:creationId xmlns:a16="http://schemas.microsoft.com/office/drawing/2014/main" id="{AEE854A1-1496-4876-AC8F-11F97047424B}"/>
+                <a16:creationId xmlns:a16="http://schemas.microsoft.com/office/drawing/2014/main" id="{8C312896-34F4-450C-92F0-CAD934A523A3}"/>
               </a:ext>
             </a:extLst>
           </p:cNvPr>
@@ -15554,60 +15495,76 @@
           <a:p>
             <a:r>
               <a:rPr lang="en-US" sz="2800" dirty="0"/>
-              <a:t>Forward commitments</a:t>
+              <a:t>Exchange-traded derivative market</a:t>
+            </a:r>
+          </a:p>
+          <a:p>
+            <a:r>
+              <a:rPr lang="en-US" dirty="0"/>
+              <a:t>characteristics</a:t>
             </a:r>
           </a:p>
           <a:p>
             <a:pPr lvl="1"/>
             <a:r>
-              <a:rPr lang="en-US" sz="1800" dirty="0">
-                <a:solidFill>
-                  <a:schemeClr val="tx1"/>
-                </a:solidFill>
-              </a:rPr>
-              <a:t>Forward</a:t>
+              <a:rPr lang="en-US" dirty="0"/>
+              <a:t>Standardized	</a:t>
             </a:r>
           </a:p>
           <a:p>
             <a:pPr lvl="1"/>
             <a:r>
-              <a:rPr lang="en-US" sz="1800" dirty="0"/>
-              <a:t>Futures</a:t>
+              <a:rPr lang="en-US" dirty="0"/>
+              <a:t>More liquid</a:t>
             </a:r>
           </a:p>
           <a:p>
             <a:pPr lvl="1"/>
             <a:r>
-              <a:rPr lang="en-US" sz="1800" dirty="0"/>
-              <a:t>Swap</a:t>
-            </a:r>
-          </a:p>
-          <a:p>
-            <a:r>
-              <a:rPr lang="en-US" sz="2800" dirty="0"/>
-              <a:t>Contingent claims</a:t>
+              <a:rPr lang="en-US" dirty="0"/>
+              <a:t>Market makers and speculators</a:t>
             </a:r>
           </a:p>
           <a:p>
             <a:pPr lvl="1"/>
             <a:r>
-              <a:rPr lang="en-US" sz="1800" dirty="0"/>
-              <a:t>Option</a:t>
+              <a:rPr lang="en-US" dirty="0"/>
+              <a:t>Clear and settle all contracts overnight</a:t>
             </a:r>
           </a:p>
           <a:p>
             <a:pPr lvl="1"/>
             <a:r>
-              <a:rPr lang="en-US" sz="1800" dirty="0"/>
-              <a:t>Credit Default Swap</a:t>
-            </a:r>
+              <a:rPr lang="en-US" dirty="0"/>
+              <a:t>Credit guarantee</a:t>
+            </a:r>
+          </a:p>
+          <a:p>
+            <a:pPr lvl="1"/>
+            <a:r>
+              <a:rPr lang="en-US" dirty="0"/>
+              <a:t>Transparency(regulatory bodies)</a:t>
+            </a:r>
+          </a:p>
+          <a:p>
+            <a:pPr lvl="1"/>
+            <a:r>
+              <a:rPr lang="en-US" dirty="0"/>
+              <a:t>Loss of privacy and flexibility</a:t>
+            </a:r>
+          </a:p>
+          <a:p>
+            <a:endParaRPr lang="en-US" dirty="0"/>
+          </a:p>
+          <a:p>
+            <a:endParaRPr lang="en-US" dirty="0"/>
           </a:p>
         </p:txBody>
       </p:sp>
     </p:spTree>
     <p:extLst>
       <p:ext uri="{BB962C8B-B14F-4D97-AF65-F5344CB8AC3E}">
-        <p14:creationId xmlns:p14="http://schemas.microsoft.com/office/powerpoint/2010/main" val="3548463849"/>
+        <p14:creationId xmlns:p14="http://schemas.microsoft.com/office/powerpoint/2010/main" val="1080345033"/>
       </p:ext>
     </p:extLst>
   </p:cSld>
@@ -15729,7 +15686,7 @@
           <p:cNvPr id="2" name="Title 1">
             <a:extLst>
               <a:ext uri="{FF2B5EF4-FFF2-40B4-BE49-F238E27FC236}">
-                <a16:creationId xmlns:a16="http://schemas.microsoft.com/office/drawing/2014/main" id="{61C782C3-1713-4158-BD07-C849C3C4CC28}"/>
+                <a16:creationId xmlns:a16="http://schemas.microsoft.com/office/drawing/2014/main" id="{2002ACD3-97F2-43B1-8933-4B82D4F11644}"/>
               </a:ext>
             </a:extLst>
           </p:cNvPr>
@@ -15747,11 +15704,11 @@
           <a:p>
             <a:r>
               <a:rPr lang="en-US" altLang="zh-CN" sz="4000" dirty="0"/>
-              <a:t>Classification</a:t>
+              <a:t>Classification	</a:t>
             </a:r>
             <a:r>
               <a:rPr lang="en-US" sz="4000" dirty="0"/>
-              <a:t> of derivatives	</a:t>
+              <a:t>of derivatives	</a:t>
             </a:r>
             <a:r>
               <a:rPr lang="en-US" dirty="0"/>
@@ -15772,7 +15729,7 @@
           <p:cNvPr id="3" name="Content Placeholder 2">
             <a:extLst>
               <a:ext uri="{FF2B5EF4-FFF2-40B4-BE49-F238E27FC236}">
-                <a16:creationId xmlns:a16="http://schemas.microsoft.com/office/drawing/2014/main" id="{AF25ED95-A7A6-4FF7-B6AE-E00C8A4243CE}"/>
+                <a16:creationId xmlns:a16="http://schemas.microsoft.com/office/drawing/2014/main" id="{487D91EC-818A-4A4E-B004-E96C0A6F64DC}"/>
               </a:ext>
             </a:extLst>
           </p:cNvPr>
@@ -15790,49 +15747,46 @@
           <a:p>
             <a:r>
               <a:rPr lang="en-US" sz="2800" dirty="0"/>
-              <a:t>Over-the-counter market</a:t>
+              <a:t>Over-the-counter derivative market</a:t>
+            </a:r>
+          </a:p>
+          <a:p>
+            <a:r>
+              <a:rPr lang="en-US" dirty="0"/>
+              <a:t>characteristics</a:t>
             </a:r>
           </a:p>
           <a:p>
             <a:pPr lvl="1"/>
             <a:r>
-              <a:rPr lang="en-US" sz="1800" dirty="0"/>
-              <a:t>Forward</a:t>
+              <a:rPr lang="en-US" dirty="0"/>
+              <a:t>Customization</a:t>
             </a:r>
           </a:p>
           <a:p>
             <a:pPr lvl="1"/>
             <a:r>
-              <a:rPr lang="en-US" sz="1800" dirty="0"/>
-              <a:t>Swap</a:t>
+              <a:rPr lang="en-US" dirty="0"/>
+              <a:t>More flexible</a:t>
             </a:r>
           </a:p>
           <a:p>
             <a:pPr lvl="1"/>
             <a:r>
-              <a:rPr lang="en-US" sz="1800" dirty="0"/>
-              <a:t>Option</a:t>
-            </a:r>
-          </a:p>
-          <a:p>
-            <a:r>
-              <a:rPr lang="en-US" sz="2800" dirty="0"/>
-              <a:t>Exchange-traded market</a:t>
+              <a:rPr lang="en-US" dirty="0"/>
+              <a:t>Lower degree of regulation</a:t>
             </a:r>
           </a:p>
           <a:p>
             <a:pPr lvl="1"/>
             <a:r>
-              <a:rPr lang="en-US" sz="1800" dirty="0"/>
-              <a:t>Futures</a:t>
+              <a:rPr lang="en-US" dirty="0"/>
+              <a:t>Retain a degree of privacy with lower transparency</a:t>
             </a:r>
           </a:p>
           <a:p>
             <a:pPr lvl="1"/>
-            <a:r>
-              <a:rPr lang="en-US" sz="1800" dirty="0"/>
-              <a:t>Option</a:t>
-            </a:r>
+            <a:endParaRPr lang="en-US" dirty="0"/>
           </a:p>
           <a:p>
             <a:endParaRPr lang="en-US" dirty="0"/>
@@ -15842,7 +15796,7 @@
     </p:spTree>
     <p:extLst>
       <p:ext uri="{BB962C8B-B14F-4D97-AF65-F5344CB8AC3E}">
-        <p14:creationId xmlns:p14="http://schemas.microsoft.com/office/powerpoint/2010/main" val="2063123738"/>
+        <p14:creationId xmlns:p14="http://schemas.microsoft.com/office/powerpoint/2010/main" val="736614646"/>
       </p:ext>
     </p:extLst>
   </p:cSld>
@@ -15874,7 +15828,7 @@
           <p:cNvPr id="2" name="Title 1">
             <a:extLst>
               <a:ext uri="{FF2B5EF4-FFF2-40B4-BE49-F238E27FC236}">
-                <a16:creationId xmlns:a16="http://schemas.microsoft.com/office/drawing/2014/main" id="{63CC868E-9E09-460D-AFC5-F06FE734B18C}"/>
+                <a16:creationId xmlns:a16="http://schemas.microsoft.com/office/drawing/2014/main" id="{E5071E7E-561B-4C61-8404-6C29256855A2}"/>
               </a:ext>
             </a:extLst>
           </p:cNvPr>
@@ -15887,27 +15841,14 @@
         </p:nvSpPr>
         <p:spPr/>
         <p:txBody>
-          <a:bodyPr/>
-          <a:lstStyle/>
-          <a:p>
-            <a:r>
-              <a:rPr lang="en-US" altLang="zh-CN" sz="4000" dirty="0"/>
-              <a:t>Classification </a:t>
-            </a:r>
+          <a:bodyPr>
+            <a:normAutofit/>
+          </a:bodyPr>
+          <a:lstStyle/>
+          <a:p>
             <a:r>
               <a:rPr lang="en-US" sz="4000" dirty="0"/>
-              <a:t>of derivatives	</a:t>
-            </a:r>
-            <a:r>
-              <a:rPr lang="en-US" dirty="0"/>
-              <a:t>	</a:t>
-            </a:r>
-            <a:br>
-              <a:rPr lang="en-US" dirty="0"/>
-            </a:br>
-            <a:r>
-              <a:rPr lang="en-US" dirty="0"/>
-              <a:t>Exchange-traded and OTC market</a:t>
+              <a:t>Practices</a:t>
             </a:r>
           </a:p>
         </p:txBody>
@@ -15917,7 +15858,7 @@
           <p:cNvPr id="3" name="Content Placeholder 2">
             <a:extLst>
               <a:ext uri="{FF2B5EF4-FFF2-40B4-BE49-F238E27FC236}">
-                <a16:creationId xmlns:a16="http://schemas.microsoft.com/office/drawing/2014/main" id="{8C312896-34F4-450C-92F0-CAD934A523A3}"/>
+                <a16:creationId xmlns:a16="http://schemas.microsoft.com/office/drawing/2014/main" id="{CFF1D1EF-7E0F-48EE-98B9-A11615480828}"/>
               </a:ext>
             </a:extLst>
           </p:cNvPr>
@@ -15934,77 +15875,64 @@
           <a:lstStyle/>
           <a:p>
             <a:r>
-              <a:rPr lang="en-US" sz="2800" dirty="0"/>
-              <a:t>Exchange-traded derivative market</a:t>
-            </a:r>
-          </a:p>
-          <a:p>
-            <a:r>
-              <a:rPr lang="en-US" dirty="0"/>
-              <a:t>characteristics</a:t>
+              <a:rPr lang="en-US" dirty="0"/>
+              <a:t>1.Which of the following is not a forward commitment?</a:t>
             </a:r>
           </a:p>
           <a:p>
             <a:pPr lvl="1"/>
             <a:r>
               <a:rPr lang="en-US" dirty="0"/>
-              <a:t>Standardized	</a:t>
+              <a:t>A An agreement to take out a loan at a future date at a specific rate</a:t>
             </a:r>
           </a:p>
           <a:p>
             <a:pPr lvl="1"/>
             <a:r>
               <a:rPr lang="en-US" dirty="0"/>
-              <a:t>More liquid</a:t>
+              <a:t>B An offer of employment that must be accepted or rejected in two weeks</a:t>
             </a:r>
           </a:p>
           <a:p>
             <a:pPr lvl="1"/>
             <a:r>
               <a:rPr lang="en-US" dirty="0"/>
-              <a:t>Market makers and speculators</a:t>
+              <a:t>C An agreement to lease a piece of machinery for one year with a series of fixed monthly payments</a:t>
+            </a:r>
+          </a:p>
+          <a:p>
+            <a:r>
+              <a:rPr lang="en-US" dirty="0"/>
+              <a:t>2.Which of the following statements is true about contingent claims?</a:t>
             </a:r>
           </a:p>
           <a:p>
             <a:pPr lvl="1"/>
             <a:r>
               <a:rPr lang="en-US" dirty="0"/>
-              <a:t>Clear and settle all contracts overnight</a:t>
+              <a:t>A Either party can default to the other.</a:t>
             </a:r>
           </a:p>
           <a:p>
             <a:pPr lvl="1"/>
             <a:r>
               <a:rPr lang="en-US" dirty="0"/>
-              <a:t>Credit guarantee</a:t>
+              <a:t>B The payoffs are linearly related to the performance of the underlying.</a:t>
             </a:r>
           </a:p>
           <a:p>
             <a:pPr lvl="1"/>
             <a:r>
               <a:rPr lang="en-US" dirty="0"/>
-              <a:t>Transparency(regulatory bodies)</a:t>
-            </a:r>
-          </a:p>
-          <a:p>
-            <a:pPr lvl="1"/>
-            <a:r>
-              <a:rPr lang="en-US" dirty="0"/>
-              <a:t>Loss of privacy and flexibility</a:t>
-            </a:r>
-          </a:p>
-          <a:p>
-            <a:endParaRPr lang="en-US" dirty="0"/>
-          </a:p>
-          <a:p>
-            <a:endParaRPr lang="en-US" dirty="0"/>
+              <a:t>C The most the long can lose is the amount paid for the contingent claim.</a:t>
+            </a:r>
           </a:p>
         </p:txBody>
       </p:sp>
     </p:spTree>
     <p:extLst>
       <p:ext uri="{BB962C8B-B14F-4D97-AF65-F5344CB8AC3E}">
-        <p14:creationId xmlns:p14="http://schemas.microsoft.com/office/powerpoint/2010/main" val="1080345033"/>
+        <p14:creationId xmlns:p14="http://schemas.microsoft.com/office/powerpoint/2010/main" val="1657439908"/>
       </p:ext>
     </p:extLst>
   </p:cSld>
@@ -16036,7 +15964,7 @@
           <p:cNvPr id="2" name="Title 1">
             <a:extLst>
               <a:ext uri="{FF2B5EF4-FFF2-40B4-BE49-F238E27FC236}">
-                <a16:creationId xmlns:a16="http://schemas.microsoft.com/office/drawing/2014/main" id="{2002ACD3-97F2-43B1-8933-4B82D4F11644}"/>
+                <a16:creationId xmlns:a16="http://schemas.microsoft.com/office/drawing/2014/main" id="{F20D5F44-83D3-4C3D-AA1E-B7B8E357D44D}"/>
               </a:ext>
             </a:extLst>
           </p:cNvPr>
@@ -16049,27 +15977,14 @@
         </p:nvSpPr>
         <p:spPr/>
         <p:txBody>
-          <a:bodyPr/>
-          <a:lstStyle/>
-          <a:p>
-            <a:r>
-              <a:rPr lang="en-US" altLang="zh-CN" sz="4000" dirty="0"/>
-              <a:t>Classification	</a:t>
-            </a:r>
+          <a:bodyPr>
+            <a:normAutofit/>
+          </a:bodyPr>
+          <a:lstStyle/>
+          <a:p>
             <a:r>
               <a:rPr lang="en-US" sz="4000" dirty="0"/>
-              <a:t>of derivatives	</a:t>
-            </a:r>
-            <a:r>
-              <a:rPr lang="en-US" dirty="0"/>
-              <a:t>	</a:t>
-            </a:r>
-            <a:br>
-              <a:rPr lang="en-US" dirty="0"/>
-            </a:br>
-            <a:r>
-              <a:rPr lang="en-US" dirty="0"/>
-              <a:t>Exchange-traded and OTC market</a:t>
+              <a:t>Practices</a:t>
             </a:r>
           </a:p>
         </p:txBody>
@@ -16079,7 +15994,7 @@
           <p:cNvPr id="3" name="Content Placeholder 2">
             <a:extLst>
               <a:ext uri="{FF2B5EF4-FFF2-40B4-BE49-F238E27FC236}">
-                <a16:creationId xmlns:a16="http://schemas.microsoft.com/office/drawing/2014/main" id="{487D91EC-818A-4A4E-B004-E96C0A6F64DC}"/>
+                <a16:creationId xmlns:a16="http://schemas.microsoft.com/office/drawing/2014/main" id="{2EA05F35-4584-4A6C-B5B8-1E6EAF96AE0E}"/>
               </a:ext>
             </a:extLst>
           </p:cNvPr>
@@ -16092,61 +16007,70 @@
         </p:nvSpPr>
         <p:spPr/>
         <p:txBody>
-          <a:bodyPr/>
-          <a:lstStyle/>
-          <a:p>
-            <a:r>
-              <a:rPr lang="en-US" sz="2800" dirty="0"/>
-              <a:t>Over-the-counter derivative market</a:t>
-            </a:r>
-          </a:p>
-          <a:p>
-            <a:r>
-              <a:rPr lang="en-US" dirty="0"/>
-              <a:t>characteristics</a:t>
+          <a:bodyPr>
+            <a:normAutofit/>
+          </a:bodyPr>
+          <a:lstStyle/>
+          <a:p>
+            <a:r>
+              <a:rPr lang="en-US" dirty="0"/>
+              <a:t>3.Which of the following characteristics is not associated with exchange-traded derivatives?</a:t>
             </a:r>
           </a:p>
           <a:p>
             <a:pPr lvl="1"/>
             <a:r>
               <a:rPr lang="en-US" dirty="0"/>
-              <a:t>Customization</a:t>
+              <a:t>A Margin or performance bonds are required.</a:t>
             </a:r>
           </a:p>
           <a:p>
             <a:pPr lvl="1"/>
             <a:r>
               <a:rPr lang="en-US" dirty="0"/>
-              <a:t>More flexible</a:t>
+              <a:t>B The exchange guarantees all payments in the event of default.</a:t>
             </a:r>
           </a:p>
           <a:p>
             <a:pPr lvl="1"/>
             <a:r>
               <a:rPr lang="en-US" dirty="0"/>
-              <a:t>Lower degree of regulation</a:t>
+              <a:t>C All terms except the price are customized to the parties’ individual needs.</a:t>
+            </a:r>
+          </a:p>
+          <a:p>
+            <a:r>
+              <a:rPr lang="en-US" dirty="0"/>
+              <a:t>4.Which of the following characteristics is associated with over- the- counter derivatives?</a:t>
             </a:r>
           </a:p>
           <a:p>
             <a:pPr lvl="1"/>
             <a:r>
               <a:rPr lang="en-US" dirty="0"/>
-              <a:t>Retain a degree of privacy with lower transparency</a:t>
+              <a:t>A Trading occurs in a central location.</a:t>
             </a:r>
           </a:p>
           <a:p>
             <a:pPr lvl="1"/>
-            <a:endParaRPr lang="en-US" dirty="0"/>
-          </a:p>
-          <a:p>
-            <a:endParaRPr lang="en-US" dirty="0"/>
+            <a:r>
+              <a:rPr lang="en-US" dirty="0"/>
+              <a:t>B They are more regulated than exchange- listed derivatives.</a:t>
+            </a:r>
+          </a:p>
+          <a:p>
+            <a:pPr lvl="1"/>
+            <a:r>
+              <a:rPr lang="en-US" dirty="0"/>
+              <a:t>C They are less transparent than exchange- listed derivatives.</a:t>
+            </a:r>
           </a:p>
         </p:txBody>
       </p:sp>
     </p:spTree>
     <p:extLst>
       <p:ext uri="{BB962C8B-B14F-4D97-AF65-F5344CB8AC3E}">
-        <p14:creationId xmlns:p14="http://schemas.microsoft.com/office/powerpoint/2010/main" val="736614646"/>
+        <p14:creationId xmlns:p14="http://schemas.microsoft.com/office/powerpoint/2010/main" val="3121291714"/>
       </p:ext>
     </p:extLst>
   </p:cSld>
@@ -16178,7 +16102,7 @@
           <p:cNvPr id="2" name="Title 1">
             <a:extLst>
               <a:ext uri="{FF2B5EF4-FFF2-40B4-BE49-F238E27FC236}">
-                <a16:creationId xmlns:a16="http://schemas.microsoft.com/office/drawing/2014/main" id="{E5071E7E-561B-4C61-8404-6C29256855A2}"/>
+                <a16:creationId xmlns:a16="http://schemas.microsoft.com/office/drawing/2014/main" id="{F20D5F44-83D3-4C3D-AA1E-B7B8E357D44D}"/>
               </a:ext>
             </a:extLst>
           </p:cNvPr>
@@ -16208,7 +16132,7 @@
           <p:cNvPr id="3" name="Content Placeholder 2">
             <a:extLst>
               <a:ext uri="{FF2B5EF4-FFF2-40B4-BE49-F238E27FC236}">
-                <a16:creationId xmlns:a16="http://schemas.microsoft.com/office/drawing/2014/main" id="{CFF1D1EF-7E0F-48EE-98B9-A11615480828}"/>
+                <a16:creationId xmlns:a16="http://schemas.microsoft.com/office/drawing/2014/main" id="{2EA05F35-4584-4A6C-B5B8-1E6EAF96AE0E}"/>
               </a:ext>
             </a:extLst>
           </p:cNvPr>
@@ -16221,60 +16145,62 @@
         </p:nvSpPr>
         <p:spPr/>
         <p:txBody>
-          <a:bodyPr/>
-          <a:lstStyle/>
-          <a:p>
-            <a:r>
-              <a:rPr lang="en-US" dirty="0"/>
-              <a:t>1.Which of the following is not a forward commitment?</a:t>
+          <a:bodyPr>
+            <a:normAutofit/>
+          </a:bodyPr>
+          <a:lstStyle/>
+          <a:p>
+            <a:r>
+              <a:rPr lang="en-US" dirty="0"/>
+              <a:t>5.Market makers earn a profit in both exchange and over- the- counter derivatives markets by:</a:t>
             </a:r>
           </a:p>
           <a:p>
             <a:pPr lvl="1"/>
             <a:r>
               <a:rPr lang="en-US" dirty="0"/>
-              <a:t>A An agreement to take out a loan at a future date at a specific rate</a:t>
+              <a:t>A charging a commission on each trade.</a:t>
             </a:r>
           </a:p>
           <a:p>
             <a:pPr lvl="1"/>
             <a:r>
               <a:rPr lang="en-US" dirty="0"/>
-              <a:t>B An offer of employment that must be accepted or rejected in two weeks</a:t>
+              <a:t>B a combination of commissions and markups.</a:t>
             </a:r>
           </a:p>
           <a:p>
             <a:pPr lvl="1"/>
             <a:r>
               <a:rPr lang="en-US" dirty="0"/>
-              <a:t>C An agreement to lease a piece of machinery for one year with a series of fixed monthly payments</a:t>
-            </a:r>
-          </a:p>
-          <a:p>
-            <a:r>
-              <a:rPr lang="en-US" dirty="0"/>
-              <a:t>2.Which of the following statements is true about contingent claims?</a:t>
+              <a:t>C buying at one price, selling at a higher price, and hedging any risk.</a:t>
+            </a:r>
+          </a:p>
+          <a:p>
+            <a:r>
+              <a:rPr lang="en-US" dirty="0"/>
+              <a:t>6.Which of the following statements most accurately describes exchange-traded derivatives relative to over- the- counter derivatives? Exchange-traded derivatives are more likely to have:</a:t>
             </a:r>
           </a:p>
           <a:p>
             <a:pPr lvl="1"/>
             <a:r>
               <a:rPr lang="en-US" dirty="0"/>
-              <a:t>A Either party can default to the other.</a:t>
+              <a:t>A greater credit risk.</a:t>
             </a:r>
           </a:p>
           <a:p>
             <a:pPr lvl="1"/>
             <a:r>
               <a:rPr lang="en-US" dirty="0"/>
-              <a:t>B The payoffs are linearly related to the performance of the underlying.</a:t>
+              <a:t>B standardized contract terms.</a:t>
             </a:r>
           </a:p>
           <a:p>
             <a:pPr lvl="1"/>
             <a:r>
               <a:rPr lang="en-US" dirty="0"/>
-              <a:t>C The most the long can lose is the amount paid for the contingent claim.</a:t>
+              <a:t>C greater risk management uses</a:t>
             </a:r>
           </a:p>
         </p:txBody>
@@ -16282,7 +16208,7 @@
     </p:spTree>
     <p:extLst>
       <p:ext uri="{BB962C8B-B14F-4D97-AF65-F5344CB8AC3E}">
-        <p14:creationId xmlns:p14="http://schemas.microsoft.com/office/powerpoint/2010/main" val="1657439908"/>
+        <p14:creationId xmlns:p14="http://schemas.microsoft.com/office/powerpoint/2010/main" val="1189956952"/>
       </p:ext>
     </p:extLst>
   </p:cSld>
@@ -16314,7 +16240,7 @@
           <p:cNvPr id="2" name="Title 1">
             <a:extLst>
               <a:ext uri="{FF2B5EF4-FFF2-40B4-BE49-F238E27FC236}">
-                <a16:creationId xmlns:a16="http://schemas.microsoft.com/office/drawing/2014/main" id="{F20D5F44-83D3-4C3D-AA1E-B7B8E357D44D}"/>
+                <a16:creationId xmlns:a16="http://schemas.microsoft.com/office/drawing/2014/main" id="{CBE36A6B-6E55-4FD0-8260-0BEFE68F4514}"/>
               </a:ext>
             </a:extLst>
           </p:cNvPr>
@@ -16334,8 +16260,49 @@
           <a:p>
             <a:r>
               <a:rPr lang="en-US" sz="4000" dirty="0"/>
-              <a:t>Practices</a:t>
-            </a:r>
+              <a:t>The</a:t>
+            </a:r>
+            <a:r>
+              <a:rPr lang="zh-CN" altLang="en-US" sz="4000" dirty="0"/>
+              <a:t> </a:t>
+            </a:r>
+            <a:r>
+              <a:rPr lang="en-US" altLang="zh-CN" sz="4000" dirty="0"/>
+              <a:t>purposes</a:t>
+            </a:r>
+            <a:r>
+              <a:rPr lang="zh-CN" altLang="en-US" sz="4000" dirty="0"/>
+              <a:t> </a:t>
+            </a:r>
+            <a:r>
+              <a:rPr lang="en-US" altLang="zh-CN" sz="4000" dirty="0"/>
+              <a:t>and</a:t>
+            </a:r>
+            <a:r>
+              <a:rPr lang="zh-CN" altLang="en-US" sz="4000" dirty="0"/>
+              <a:t> </a:t>
+            </a:r>
+            <a:r>
+              <a:rPr lang="en-US" altLang="zh-CN" sz="4000" dirty="0"/>
+              <a:t>benefits</a:t>
+            </a:r>
+            <a:r>
+              <a:rPr lang="zh-CN" altLang="en-US" sz="4000" dirty="0"/>
+              <a:t> </a:t>
+            </a:r>
+            <a:r>
+              <a:rPr lang="en-US" altLang="zh-CN" sz="4000" dirty="0"/>
+              <a:t>of</a:t>
+            </a:r>
+            <a:r>
+              <a:rPr lang="zh-CN" altLang="en-US" sz="4000" dirty="0"/>
+              <a:t> </a:t>
+            </a:r>
+            <a:r>
+              <a:rPr lang="en-US" altLang="zh-CN" sz="4000" dirty="0"/>
+              <a:t>derivatives</a:t>
+            </a:r>
+            <a:endParaRPr lang="en-US" sz="4000" dirty="0"/>
           </a:p>
         </p:txBody>
       </p:sp>
@@ -16344,7 +16311,7 @@
           <p:cNvPr id="3" name="Content Placeholder 2">
             <a:extLst>
               <a:ext uri="{FF2B5EF4-FFF2-40B4-BE49-F238E27FC236}">
-                <a16:creationId xmlns:a16="http://schemas.microsoft.com/office/drawing/2014/main" id="{2EA05F35-4584-4A6C-B5B8-1E6EAF96AE0E}"/>
+                <a16:creationId xmlns:a16="http://schemas.microsoft.com/office/drawing/2014/main" id="{CF2F7B16-0AF8-4000-9305-F75458652CC6}"/>
               </a:ext>
             </a:extLst>
           </p:cNvPr>
@@ -16357,70 +16324,29 @@
         </p:nvSpPr>
         <p:spPr/>
         <p:txBody>
-          <a:bodyPr>
-            <a:normAutofit/>
-          </a:bodyPr>
-          <a:lstStyle/>
-          <a:p>
-            <a:r>
-              <a:rPr lang="en-US" dirty="0"/>
-              <a:t>3.Which of the following characteristics is not associated with exchange-traded derivatives?</a:t>
-            </a:r>
-          </a:p>
-          <a:p>
-            <a:pPr lvl="1"/>
-            <a:r>
-              <a:rPr lang="en-US" dirty="0"/>
-              <a:t>A Margin or performance bonds are required.</a:t>
-            </a:r>
-          </a:p>
-          <a:p>
-            <a:pPr lvl="1"/>
-            <a:r>
-              <a:rPr lang="en-US" dirty="0"/>
-              <a:t>B The exchange guarantees all payments in the event of default.</a:t>
-            </a:r>
-          </a:p>
-          <a:p>
-            <a:pPr lvl="1"/>
-            <a:r>
-              <a:rPr lang="en-US" dirty="0"/>
-              <a:t>C All terms except the price are customized to the parties’ individual needs.</a:t>
-            </a:r>
-          </a:p>
-          <a:p>
-            <a:r>
-              <a:rPr lang="en-US" dirty="0"/>
-              <a:t>4.Which of the following characteristics is associated with over- the- counter derivatives?</a:t>
-            </a:r>
-          </a:p>
-          <a:p>
-            <a:pPr lvl="1"/>
-            <a:r>
-              <a:rPr lang="en-US" dirty="0"/>
-              <a:t>A Trading occurs in a central location.</a:t>
-            </a:r>
-          </a:p>
-          <a:p>
-            <a:pPr lvl="1"/>
-            <a:r>
-              <a:rPr lang="en-US" dirty="0"/>
-              <a:t>B They are more regulated than exchange- listed derivatives.</a:t>
-            </a:r>
-          </a:p>
-          <a:p>
-            <a:pPr lvl="1"/>
-            <a:r>
-              <a:rPr lang="en-US" dirty="0"/>
-              <a:t>C They are less transparent than exchange- listed derivatives.</a:t>
-            </a:r>
+          <a:bodyPr/>
+          <a:lstStyle/>
+          <a:p>
+            <a:r>
+              <a:rPr lang="en-US" dirty="0"/>
+              <a:t>The origin of modern futures markets is the creation of the Chicago board of trade in 1848.</a:t>
+            </a:r>
+          </a:p>
+          <a:p>
+            <a:r>
+              <a:rPr lang="en-US" dirty="0"/>
+              <a:t>‘To-arrive’ contract</a:t>
+            </a:r>
+          </a:p>
+          <a:p>
+            <a:endParaRPr lang="en-US" dirty="0"/>
           </a:p>
         </p:txBody>
       </p:sp>
     </p:spTree>
     <p:extLst>
       <p:ext uri="{BB962C8B-B14F-4D97-AF65-F5344CB8AC3E}">
-        <p14:creationId xmlns:p14="http://schemas.microsoft.com/office/powerpoint/2010/main" val="3121291714"/>
+        <p14:creationId xmlns:p14="http://schemas.microsoft.com/office/powerpoint/2010/main" val="810741622"/>
       </p:ext>
     </p:extLst>
   </p:cSld>
@@ -16452,7 +16378,7 @@
           <p:cNvPr id="2" name="Title 1">
             <a:extLst>
               <a:ext uri="{FF2B5EF4-FFF2-40B4-BE49-F238E27FC236}">
-                <a16:creationId xmlns:a16="http://schemas.microsoft.com/office/drawing/2014/main" id="{F20D5F44-83D3-4C3D-AA1E-B7B8E357D44D}"/>
+                <a16:creationId xmlns:a16="http://schemas.microsoft.com/office/drawing/2014/main" id="{594F1C53-E728-4CBB-B42E-401BAB534833}"/>
               </a:ext>
             </a:extLst>
           </p:cNvPr>
@@ -16463,7 +16389,12 @@
             <p:ph type="title"/>
           </p:nvPr>
         </p:nvSpPr>
-        <p:spPr/>
+        <p:spPr>
+          <a:xfrm>
+            <a:off x="677334" y="609600"/>
+            <a:ext cx="8596668" cy="1320800"/>
+          </a:xfrm>
+        </p:spPr>
         <p:txBody>
           <a:bodyPr>
             <a:normAutofit/>
@@ -16472,8 +16403,49 @@
           <a:p>
             <a:r>
               <a:rPr lang="en-US" sz="4000" dirty="0"/>
-              <a:t>Practices</a:t>
-            </a:r>
+              <a:t>The</a:t>
+            </a:r>
+            <a:r>
+              <a:rPr lang="zh-CN" altLang="en-US" sz="4000" dirty="0"/>
+              <a:t> </a:t>
+            </a:r>
+            <a:r>
+              <a:rPr lang="en-US" altLang="zh-CN" sz="4000" dirty="0"/>
+              <a:t>purposes</a:t>
+            </a:r>
+            <a:r>
+              <a:rPr lang="zh-CN" altLang="en-US" sz="4000" dirty="0"/>
+              <a:t> </a:t>
+            </a:r>
+            <a:r>
+              <a:rPr lang="en-US" altLang="zh-CN" sz="4000" dirty="0"/>
+              <a:t>and</a:t>
+            </a:r>
+            <a:r>
+              <a:rPr lang="zh-CN" altLang="en-US" sz="4000" dirty="0"/>
+              <a:t> </a:t>
+            </a:r>
+            <a:r>
+              <a:rPr lang="en-US" altLang="zh-CN" sz="4000" dirty="0"/>
+              <a:t>benefits</a:t>
+            </a:r>
+            <a:r>
+              <a:rPr lang="zh-CN" altLang="en-US" sz="4000" dirty="0"/>
+              <a:t> </a:t>
+            </a:r>
+            <a:r>
+              <a:rPr lang="en-US" altLang="zh-CN" sz="4000" dirty="0"/>
+              <a:t>of</a:t>
+            </a:r>
+            <a:r>
+              <a:rPr lang="zh-CN" altLang="en-US" sz="4000" dirty="0"/>
+              <a:t> </a:t>
+            </a:r>
+            <a:r>
+              <a:rPr lang="en-US" altLang="zh-CN" sz="4000" dirty="0"/>
+              <a:t>derivatives</a:t>
+            </a:r>
+            <a:endParaRPr lang="en-US" sz="4000" dirty="0"/>
           </a:p>
         </p:txBody>
       </p:sp>
@@ -16482,7 +16454,7 @@
           <p:cNvPr id="3" name="Content Placeholder 2">
             <a:extLst>
               <a:ext uri="{FF2B5EF4-FFF2-40B4-BE49-F238E27FC236}">
-                <a16:creationId xmlns:a16="http://schemas.microsoft.com/office/drawing/2014/main" id="{2EA05F35-4584-4A6C-B5B8-1E6EAF96AE0E}"/>
+                <a16:creationId xmlns:a16="http://schemas.microsoft.com/office/drawing/2014/main" id="{7A1D6DA6-953B-4B3D-BBAF-2BF3840CE174}"/>
               </a:ext>
             </a:extLst>
           </p:cNvPr>
@@ -16495,70 +16467,44 @@
         </p:nvSpPr>
         <p:spPr/>
         <p:txBody>
-          <a:bodyPr>
-            <a:normAutofit/>
-          </a:bodyPr>
-          <a:lstStyle/>
-          <a:p>
-            <a:r>
-              <a:rPr lang="en-US" dirty="0"/>
-              <a:t>5.Market makers earn a profit in both exchange and over- the- counter derivatives markets by:</a:t>
-            </a:r>
-          </a:p>
-          <a:p>
-            <a:pPr lvl="1"/>
-            <a:r>
-              <a:rPr lang="en-US" dirty="0"/>
-              <a:t>A charging a commission on each trade.</a:t>
-            </a:r>
-          </a:p>
-          <a:p>
-            <a:pPr lvl="1"/>
-            <a:r>
-              <a:rPr lang="en-US" dirty="0"/>
-              <a:t>B a combination of commissions and markups.</a:t>
-            </a:r>
-          </a:p>
-          <a:p>
-            <a:pPr lvl="1"/>
-            <a:r>
-              <a:rPr lang="en-US" dirty="0"/>
-              <a:t>C buying at one price, selling at a higher price, and hedging any risk.</a:t>
-            </a:r>
-          </a:p>
-          <a:p>
-            <a:r>
-              <a:rPr lang="en-US" dirty="0"/>
-              <a:t>6.Which of the following statements most accurately describes exchange-traded derivatives relative to over- the- counter derivatives? Exchange-traded derivatives are more likely to have:</a:t>
-            </a:r>
-          </a:p>
-          <a:p>
-            <a:pPr lvl="1"/>
-            <a:r>
-              <a:rPr lang="en-US" dirty="0"/>
-              <a:t>A greater credit risk.</a:t>
-            </a:r>
-          </a:p>
-          <a:p>
-            <a:pPr lvl="1"/>
-            <a:r>
-              <a:rPr lang="en-US" dirty="0"/>
-              <a:t>B standardized contract terms.</a:t>
-            </a:r>
-          </a:p>
-          <a:p>
-            <a:pPr lvl="1"/>
-            <a:r>
-              <a:rPr lang="en-US" dirty="0"/>
-              <a:t>C greater risk management uses</a:t>
-            </a:r>
+          <a:bodyPr/>
+          <a:lstStyle/>
+          <a:p>
+            <a:r>
+              <a:rPr lang="en-US" dirty="0"/>
+              <a:t>Risk allocation , transfer , and management</a:t>
+            </a:r>
+          </a:p>
+          <a:p>
+            <a:r>
+              <a:rPr lang="en-US" dirty="0"/>
+              <a:t>Information discovery</a:t>
+            </a:r>
+          </a:p>
+          <a:p>
+            <a:r>
+              <a:rPr lang="en-US" dirty="0"/>
+              <a:t>Operational advantages</a:t>
+            </a:r>
+          </a:p>
+          <a:p>
+            <a:r>
+              <a:rPr lang="en-US" dirty="0"/>
+              <a:t>Market efficiency</a:t>
+            </a:r>
+          </a:p>
+          <a:p>
+            <a:endParaRPr lang="en-US" dirty="0"/>
+          </a:p>
+          <a:p>
+            <a:endParaRPr lang="en-US" dirty="0"/>
           </a:p>
         </p:txBody>
       </p:sp>
     </p:spTree>
     <p:extLst>
       <p:ext uri="{BB962C8B-B14F-4D97-AF65-F5344CB8AC3E}">
-        <p14:creationId xmlns:p14="http://schemas.microsoft.com/office/powerpoint/2010/main" val="1189956952"/>
+        <p14:creationId xmlns:p14="http://schemas.microsoft.com/office/powerpoint/2010/main" val="1516918961"/>
       </p:ext>
     </p:extLst>
   </p:cSld>
@@ -16590,7 +16536,7 @@
           <p:cNvPr id="2" name="Title 1">
             <a:extLst>
               <a:ext uri="{FF2B5EF4-FFF2-40B4-BE49-F238E27FC236}">
-                <a16:creationId xmlns:a16="http://schemas.microsoft.com/office/drawing/2014/main" id="{CBE36A6B-6E55-4FD0-8260-0BEFE68F4514}"/>
+                <a16:creationId xmlns:a16="http://schemas.microsoft.com/office/drawing/2014/main" id="{4615354A-E477-4616-83A2-BD4AC1206110}"/>
               </a:ext>
             </a:extLst>
           </p:cNvPr>
@@ -16610,49 +16556,8 @@
           <a:p>
             <a:r>
               <a:rPr lang="en-US" sz="4000" dirty="0"/>
-              <a:t>The</a:t>
-            </a:r>
-            <a:r>
-              <a:rPr lang="zh-CN" altLang="en-US" sz="4000" dirty="0"/>
-              <a:t> </a:t>
-            </a:r>
-            <a:r>
-              <a:rPr lang="en-US" altLang="zh-CN" sz="4000" dirty="0"/>
-              <a:t>purposes</a:t>
-            </a:r>
-            <a:r>
-              <a:rPr lang="zh-CN" altLang="en-US" sz="4000" dirty="0"/>
-              <a:t> </a:t>
-            </a:r>
-            <a:r>
-              <a:rPr lang="en-US" altLang="zh-CN" sz="4000" dirty="0"/>
-              <a:t>and</a:t>
-            </a:r>
-            <a:r>
-              <a:rPr lang="zh-CN" altLang="en-US" sz="4000" dirty="0"/>
-              <a:t> </a:t>
-            </a:r>
-            <a:r>
-              <a:rPr lang="en-US" altLang="zh-CN" sz="4000" dirty="0"/>
-              <a:t>benefits</a:t>
-            </a:r>
-            <a:r>
-              <a:rPr lang="zh-CN" altLang="en-US" sz="4000" dirty="0"/>
-              <a:t> </a:t>
-            </a:r>
-            <a:r>
-              <a:rPr lang="en-US" altLang="zh-CN" sz="4000" dirty="0"/>
-              <a:t>of</a:t>
-            </a:r>
-            <a:r>
-              <a:rPr lang="zh-CN" altLang="en-US" sz="4000" dirty="0"/>
-              <a:t> </a:t>
-            </a:r>
-            <a:r>
-              <a:rPr lang="en-US" altLang="zh-CN" sz="4000" dirty="0"/>
-              <a:t>derivatives</a:t>
-            </a:r>
-            <a:endParaRPr lang="en-US" sz="4000" dirty="0"/>
+              <a:t>Practices</a:t>
+            </a:r>
           </a:p>
         </p:txBody>
       </p:sp>
@@ -16661,7 +16566,7 @@
           <p:cNvPr id="3" name="Content Placeholder 2">
             <a:extLst>
               <a:ext uri="{FF2B5EF4-FFF2-40B4-BE49-F238E27FC236}">
-                <a16:creationId xmlns:a16="http://schemas.microsoft.com/office/drawing/2014/main" id="{CF2F7B16-0AF8-4000-9305-F75458652CC6}"/>
+                <a16:creationId xmlns:a16="http://schemas.microsoft.com/office/drawing/2014/main" id="{E0C5A04C-3E9B-479A-BC64-0A200712E0E4}"/>
               </a:ext>
             </a:extLst>
           </p:cNvPr>
@@ -16679,24 +16584,75 @@
           <a:p>
             <a:r>
               <a:rPr lang="en-US" dirty="0"/>
-              <a:t>The origin of modern futures markets is the creation of the Chicago board of trade in 1848.</a:t>
-            </a:r>
-          </a:p>
-          <a:p>
-            <a:r>
-              <a:rPr lang="en-US" dirty="0"/>
-              <a:t>‘To-arrive’ contract</a:t>
-            </a:r>
-          </a:p>
-          <a:p>
-            <a:endParaRPr lang="en-US" dirty="0"/>
+              <a:t>1.Which of the following is not an advantage of derivative markets?</a:t>
+            </a:r>
+          </a:p>
+          <a:p>
+            <a:pPr lvl="1"/>
+            <a:r>
+              <a:rPr lang="en-US" dirty="0"/>
+              <a:t>A They are less volatile than spot markets.</a:t>
+            </a:r>
+          </a:p>
+          <a:p>
+            <a:pPr lvl="1"/>
+            <a:r>
+              <a:rPr lang="en-US" dirty="0"/>
+              <a:t>B They facilitate the allocation of risk in the market.</a:t>
+            </a:r>
+          </a:p>
+          <a:p>
+            <a:pPr lvl="1"/>
+            <a:r>
+              <a:rPr lang="en-US" dirty="0"/>
+              <a:t>C They incur lower transaction costs than spot markets.</a:t>
+            </a:r>
+          </a:p>
+          <a:p>
+            <a:r>
+              <a:rPr lang="en-US" dirty="0"/>
+              <a:t>2.Which of the following pieces of information is not </a:t>
+            </a:r>
+            <a:r>
+              <a:rPr lang="en-US" dirty="0">
+                <a:solidFill>
+                  <a:srgbClr val="FF0000"/>
+                </a:solidFill>
+              </a:rPr>
+              <a:t>conveyed</a:t>
+            </a:r>
+            <a:r>
+              <a:rPr lang="en-US" dirty="0"/>
+              <a:t> by at least one type of derivative?</a:t>
+            </a:r>
+          </a:p>
+          <a:p>
+            <a:pPr lvl="1"/>
+            <a:r>
+              <a:rPr lang="en-US" dirty="0"/>
+              <a:t>A The volatility of the underlying</a:t>
+            </a:r>
+          </a:p>
+          <a:p>
+            <a:pPr lvl="1"/>
+            <a:r>
+              <a:rPr lang="en-US" dirty="0"/>
+              <a:t>B The most widely used strategy of the underlying</a:t>
+            </a:r>
+          </a:p>
+          <a:p>
+            <a:pPr lvl="1"/>
+            <a:r>
+              <a:rPr lang="en-US" dirty="0"/>
+              <a:t>C The price at which uncertainty in the underlying can be eliminated</a:t>
+            </a:r>
           </a:p>
         </p:txBody>
       </p:sp>
     </p:spTree>
     <p:extLst>
       <p:ext uri="{BB962C8B-B14F-4D97-AF65-F5344CB8AC3E}">
-        <p14:creationId xmlns:p14="http://schemas.microsoft.com/office/powerpoint/2010/main" val="810741622"/>
+        <p14:creationId xmlns:p14="http://schemas.microsoft.com/office/powerpoint/2010/main" val="679871349"/>
       </p:ext>
     </p:extLst>
   </p:cSld>
@@ -16728,7 +16684,7 @@
           <p:cNvPr id="2" name="Title 1">
             <a:extLst>
               <a:ext uri="{FF2B5EF4-FFF2-40B4-BE49-F238E27FC236}">
-                <a16:creationId xmlns:a16="http://schemas.microsoft.com/office/drawing/2014/main" id="{594F1C53-E728-4CBB-B42E-401BAB534833}"/>
+                <a16:creationId xmlns:a16="http://schemas.microsoft.com/office/drawing/2014/main" id="{6A4E77FE-41FA-4F07-9556-77EA5BAC14A6}"/>
               </a:ext>
             </a:extLst>
           </p:cNvPr>
@@ -16739,12 +16695,7 @@
             <p:ph type="title"/>
           </p:nvPr>
         </p:nvSpPr>
-        <p:spPr>
-          <a:xfrm>
-            <a:off x="677334" y="609600"/>
-            <a:ext cx="8596668" cy="1320800"/>
-          </a:xfrm>
-        </p:spPr>
+        <p:spPr/>
         <p:txBody>
           <a:bodyPr>
             <a:normAutofit/>
@@ -16753,47 +16704,18 @@
           <a:p>
             <a:r>
               <a:rPr lang="en-US" sz="4000" dirty="0"/>
-              <a:t>The</a:t>
-            </a:r>
-            <a:r>
-              <a:rPr lang="zh-CN" altLang="en-US" sz="4000" dirty="0"/>
-              <a:t> </a:t>
+              <a:t>Criticisms and misuses of derivatives</a:t>
+            </a:r>
+            <a:br>
+              <a:rPr lang="en-US" sz="4000" dirty="0"/>
+            </a:br>
+            <a:r>
+              <a:rPr lang="en-US" sz="4000" dirty="0"/>
+              <a:t>S</a:t>
             </a:r>
             <a:r>
               <a:rPr lang="en-US" altLang="zh-CN" sz="4000" dirty="0"/>
-              <a:t>purposes</a:t>
-            </a:r>
-            <a:r>
-              <a:rPr lang="zh-CN" altLang="en-US" sz="4000" dirty="0"/>
-              <a:t> </a:t>
-            </a:r>
-            <a:r>
-              <a:rPr lang="en-US" altLang="zh-CN" sz="4000" dirty="0"/>
-              <a:t>and</a:t>
-            </a:r>
-            <a:r>
-              <a:rPr lang="zh-CN" altLang="en-US" sz="4000" dirty="0"/>
-              <a:t> </a:t>
-            </a:r>
-            <a:r>
-              <a:rPr lang="en-US" altLang="zh-CN" sz="4000" dirty="0"/>
-              <a:t>benefits</a:t>
-            </a:r>
-            <a:r>
-              <a:rPr lang="zh-CN" altLang="en-US" sz="4000" dirty="0"/>
-              <a:t> </a:t>
-            </a:r>
-            <a:r>
-              <a:rPr lang="en-US" altLang="zh-CN" sz="4000" dirty="0"/>
-              <a:t>of</a:t>
-            </a:r>
-            <a:r>
-              <a:rPr lang="zh-CN" altLang="en-US" sz="4000" dirty="0"/>
-              <a:t> </a:t>
-            </a:r>
-            <a:r>
-              <a:rPr lang="en-US" altLang="zh-CN" sz="4000" dirty="0"/>
-              <a:t>derivatives</a:t>
+              <a:t>peculation and gambling</a:t>
             </a:r>
             <a:endParaRPr lang="en-US" sz="4000" dirty="0"/>
           </a:p>
@@ -16804,7 +16726,7 @@
           <p:cNvPr id="3" name="Content Placeholder 2">
             <a:extLst>
               <a:ext uri="{FF2B5EF4-FFF2-40B4-BE49-F238E27FC236}">
-                <a16:creationId xmlns:a16="http://schemas.microsoft.com/office/drawing/2014/main" id="{7A1D6DA6-953B-4B3D-BBAF-2BF3840CE174}"/>
+                <a16:creationId xmlns:a16="http://schemas.microsoft.com/office/drawing/2014/main" id="{362F09A5-A3CB-4782-B9F6-D1BE6C31A73F}"/>
               </a:ext>
             </a:extLst>
           </p:cNvPr>
@@ -16822,29 +16744,56 @@
           <a:p>
             <a:r>
               <a:rPr lang="en-US" dirty="0"/>
-              <a:t>Risk allocation , transfer , and management</a:t>
-            </a:r>
-          </a:p>
-          <a:p>
-            <a:r>
-              <a:rPr lang="en-US" dirty="0"/>
-              <a:t>Information discovery</a:t>
-            </a:r>
-          </a:p>
-          <a:p>
-            <a:r>
-              <a:rPr lang="en-US" dirty="0"/>
-              <a:t>Operational advantages</a:t>
-            </a:r>
-          </a:p>
-          <a:p>
-            <a:r>
-              <a:rPr lang="en-US" dirty="0"/>
-              <a:t>Market efficiency</a:t>
-            </a:r>
-          </a:p>
-          <a:p>
-            <a:endParaRPr lang="en-US" dirty="0"/>
+              <a:t>Speculators are often thought to be </a:t>
+            </a:r>
+            <a:r>
+              <a:rPr lang="en-US" dirty="0">
+                <a:solidFill>
+                  <a:srgbClr val="FF0000"/>
+                </a:solidFill>
+              </a:rPr>
+              <a:t>short- term traders </a:t>
+            </a:r>
+            <a:r>
+              <a:rPr lang="en-US" dirty="0"/>
+              <a:t>who attempt to exploit temporary inefficiencies.</a:t>
+            </a:r>
+          </a:p>
+          <a:p>
+            <a:r>
+              <a:rPr lang="en-US" dirty="0"/>
+              <a:t>Speculators are thought to engage in </a:t>
+            </a:r>
+            <a:r>
+              <a:rPr lang="en-US" dirty="0">
+                <a:solidFill>
+                  <a:srgbClr val="FF0000"/>
+                </a:solidFill>
+              </a:rPr>
+              <a:t>price manipulation </a:t>
+            </a:r>
+            <a:r>
+              <a:rPr lang="en-US" dirty="0"/>
+              <a:t>and to trade at extreme prices.</a:t>
+            </a:r>
+          </a:p>
+          <a:p>
+            <a:r>
+              <a:rPr lang="en-US" dirty="0"/>
+              <a:t>The profits from short- term trading are almost always taxed </a:t>
+            </a:r>
+            <a:r>
+              <a:rPr lang="en-US" dirty="0">
+                <a:solidFill>
+                  <a:srgbClr val="FF0000"/>
+                </a:solidFill>
+              </a:rPr>
+              <a:t>more heavily </a:t>
+            </a:r>
+            <a:r>
+              <a:rPr lang="en-US" dirty="0"/>
+              <a:t>than the profits from long- term trading.</a:t>
+            </a:r>
           </a:p>
           <a:p>
             <a:endParaRPr lang="en-US" dirty="0"/>
@@ -16854,7 +16803,7 @@
     </p:spTree>
     <p:extLst>
       <p:ext uri="{BB962C8B-B14F-4D97-AF65-F5344CB8AC3E}">
-        <p14:creationId xmlns:p14="http://schemas.microsoft.com/office/powerpoint/2010/main" val="1516918961"/>
+        <p14:creationId xmlns:p14="http://schemas.microsoft.com/office/powerpoint/2010/main" val="133782581"/>
       </p:ext>
     </p:extLst>
   </p:cSld>
@@ -16886,7 +16835,7 @@
           <p:cNvPr id="2" name="Title 1">
             <a:extLst>
               <a:ext uri="{FF2B5EF4-FFF2-40B4-BE49-F238E27FC236}">
-                <a16:creationId xmlns:a16="http://schemas.microsoft.com/office/drawing/2014/main" id="{4615354A-E477-4616-83A2-BD4AC1206110}"/>
+                <a16:creationId xmlns:a16="http://schemas.microsoft.com/office/drawing/2014/main" id="{E482C202-64F2-44D8-9E40-0887E8F7325A}"/>
               </a:ext>
             </a:extLst>
           </p:cNvPr>
@@ -16906,7 +16855,14 @@
           <a:p>
             <a:r>
               <a:rPr lang="en-US" sz="4000" dirty="0"/>
-              <a:t>Practices</a:t>
+              <a:t>Criticisms and misuses of derivatives</a:t>
+            </a:r>
+            <a:br>
+              <a:rPr lang="en-US" sz="4000" dirty="0"/>
+            </a:br>
+            <a:r>
+              <a:rPr lang="en-US" sz="4000" dirty="0"/>
+              <a:t>Destabilization and Systemic Risk</a:t>
             </a:r>
           </a:p>
         </p:txBody>
@@ -16916,7 +16872,7 @@
           <p:cNvPr id="3" name="Content Placeholder 2">
             <a:extLst>
               <a:ext uri="{FF2B5EF4-FFF2-40B4-BE49-F238E27FC236}">
-                <a16:creationId xmlns:a16="http://schemas.microsoft.com/office/drawing/2014/main" id="{E0C5A04C-3E9B-479A-BC64-0A200712E0E4}"/>
+                <a16:creationId xmlns:a16="http://schemas.microsoft.com/office/drawing/2014/main" id="{00AFAD99-D187-4A05-BD57-E28833651C75}"/>
               </a:ext>
             </a:extLst>
           </p:cNvPr>
@@ -16929,39 +16885,14 @@
         </p:nvSpPr>
         <p:spPr/>
         <p:txBody>
-          <a:bodyPr/>
-          <a:lstStyle/>
-          <a:p>
-            <a:r>
-              <a:rPr lang="en-US" dirty="0"/>
-              <a:t>1.Which of the following is not an advantage of derivative markets?</a:t>
-            </a:r>
-          </a:p>
-          <a:p>
-            <a:pPr lvl="1"/>
-            <a:r>
-              <a:rPr lang="en-US" dirty="0"/>
-              <a:t>A They are less volatile than spot markets.</a:t>
-            </a:r>
-          </a:p>
-          <a:p>
-            <a:pPr lvl="1"/>
-            <a:r>
-              <a:rPr lang="en-US" dirty="0"/>
-              <a:t>B They facilitate the allocation of risk in the market.</a:t>
-            </a:r>
-          </a:p>
-          <a:p>
-            <a:pPr lvl="1"/>
-            <a:r>
-              <a:rPr lang="en-US" dirty="0"/>
-              <a:t>C They incur lower transaction costs than spot markets.</a:t>
-            </a:r>
-          </a:p>
-          <a:p>
-            <a:r>
-              <a:rPr lang="en-US" dirty="0"/>
-              <a:t>2.Which of the following pieces of information is not </a:t>
+          <a:bodyPr>
+            <a:normAutofit lnSpcReduction="10000"/>
+          </a:bodyPr>
+          <a:lstStyle/>
+          <a:p>
+            <a:r>
+              <a:rPr lang="en-US" dirty="0"/>
+              <a:t>Defaults by speculators can then lead to defaults by their creditors, their creditors’ creditors, and so on. These effects can, therefore, be systemic and reflect an epidemic </a:t>
             </a:r>
             <a:r>
               <a:rPr lang="en-US" dirty="0">
@@ -16969,32 +16900,95 @@
                   <a:srgbClr val="FF0000"/>
                 </a:solidFill>
               </a:rPr>
-              <a:t>conveyed</a:t>
-            </a:r>
-            <a:r>
-              <a:rPr lang="en-US" dirty="0"/>
-              <a:t> by at least one type of derivative?</a:t>
-            </a:r>
-          </a:p>
-          <a:p>
-            <a:pPr lvl="1"/>
-            <a:r>
-              <a:rPr lang="en-US" dirty="0"/>
-              <a:t>A The volatility of the underlying</a:t>
-            </a:r>
-          </a:p>
-          <a:p>
-            <a:pPr lvl="1"/>
-            <a:r>
-              <a:rPr lang="en-US" dirty="0"/>
-              <a:t>B The most widely used strategy of the underlying</a:t>
-            </a:r>
-          </a:p>
-          <a:p>
-            <a:pPr lvl="1"/>
-            <a:r>
-              <a:rPr lang="en-US" dirty="0"/>
-              <a:t>C The price at which uncertainty in the underlying can be eliminated</a:t>
+              <a:t>contagion</a:t>
+            </a:r>
+            <a:r>
+              <a:rPr lang="en-US" dirty="0"/>
+              <a:t> whereby instability can spread throughout markets and an economy, if not the entire world.</a:t>
+            </a:r>
+          </a:p>
+          <a:p>
+            <a:r>
+              <a:rPr lang="en-US" dirty="0"/>
+              <a:t>Such effects occurred in the </a:t>
+            </a:r>
+            <a:r>
+              <a:rPr lang="en-US" dirty="0">
+                <a:solidFill>
+                  <a:srgbClr val="FF0000"/>
+                </a:solidFill>
+              </a:rPr>
+              <a:t>Long- Term Capital Management </a:t>
+            </a:r>
+            <a:r>
+              <a:rPr lang="en-US" dirty="0"/>
+              <a:t>fiasco of 1998 and again in the financial crisis of 2008, in which derivatives, particularly credit default swaps, were widely used by many of the problem entities.</a:t>
+            </a:r>
+          </a:p>
+          <a:p>
+            <a:r>
+              <a:rPr lang="en-US" dirty="0"/>
+              <a:t>Some of these events </a:t>
+            </a:r>
+            <a:r>
+              <a:rPr lang="en-US" dirty="0">
+                <a:solidFill>
+                  <a:srgbClr val="FF0000"/>
+                </a:solidFill>
+              </a:rPr>
+              <a:t>preceded</a:t>
+            </a:r>
+            <a:r>
+              <a:rPr lang="en-US" dirty="0"/>
+              <a:t> the era of modern derivatives markets, and others were completely </a:t>
+            </a:r>
+            <a:r>
+              <a:rPr lang="en-US" dirty="0">
+                <a:solidFill>
+                  <a:srgbClr val="FF0000"/>
+                </a:solidFill>
+              </a:rPr>
+              <a:t>unrelated</a:t>
+            </a:r>
+            <a:r>
+              <a:rPr lang="en-US" dirty="0"/>
+              <a:t> to the use of derivatives.</a:t>
+            </a:r>
+          </a:p>
+          <a:p>
+            <a:r>
+              <a:rPr lang="en-US" dirty="0"/>
+              <a:t>Another criticism of derivatives is simply their </a:t>
+            </a:r>
+            <a:r>
+              <a:rPr lang="en-US" dirty="0">
+                <a:solidFill>
+                  <a:srgbClr val="FF0000"/>
+                </a:solidFill>
+              </a:rPr>
+              <a:t>complexity</a:t>
+            </a:r>
+            <a:r>
+              <a:rPr lang="en-US" dirty="0"/>
+              <a:t>.</a:t>
+            </a:r>
+          </a:p>
+          <a:p>
+            <a:r>
+              <a:rPr lang="en-US" dirty="0"/>
+              <a:t>One explanation probably lies in the fact that scientists create models of markets by using scientific principles that </a:t>
+            </a:r>
+            <a:r>
+              <a:rPr lang="en-US" dirty="0">
+                <a:solidFill>
+                  <a:srgbClr val="FF0000"/>
+                </a:solidFill>
+              </a:rPr>
+              <a:t>often fail</a:t>
+            </a:r>
+            <a:r>
+              <a:rPr lang="en-US" dirty="0"/>
+              <a:t>.</a:t>
             </a:r>
           </a:p>
         </p:txBody>
@@ -17002,7 +16996,7 @@
     </p:spTree>
     <p:extLst>
       <p:ext uri="{BB962C8B-B14F-4D97-AF65-F5344CB8AC3E}">
-        <p14:creationId xmlns:p14="http://schemas.microsoft.com/office/powerpoint/2010/main" val="679871349"/>
+        <p14:creationId xmlns:p14="http://schemas.microsoft.com/office/powerpoint/2010/main" val="1948992878"/>
       </p:ext>
     </p:extLst>
   </p:cSld>
@@ -17034,7 +17028,7 @@
           <p:cNvPr id="2" name="Title 1">
             <a:extLst>
               <a:ext uri="{FF2B5EF4-FFF2-40B4-BE49-F238E27FC236}">
-                <a16:creationId xmlns:a16="http://schemas.microsoft.com/office/drawing/2014/main" id="{6A4E77FE-41FA-4F07-9556-77EA5BAC14A6}"/>
+                <a16:creationId xmlns:a16="http://schemas.microsoft.com/office/drawing/2014/main" id="{553F70E7-AA33-42A6-BC63-F08FC8453BD7}"/>
               </a:ext>
             </a:extLst>
           </p:cNvPr>
@@ -17054,20 +17048,8 @@
           <a:p>
             <a:r>
               <a:rPr lang="en-US" sz="4000" dirty="0"/>
-              <a:t>Criticisms and misuses of derivatives</a:t>
-            </a:r>
-            <a:br>
-              <a:rPr lang="en-US" sz="4000" dirty="0"/>
-            </a:br>
-            <a:r>
-              <a:rPr lang="en-US" sz="4000" dirty="0"/>
-              <a:t>S</a:t>
-            </a:r>
-            <a:r>
-              <a:rPr lang="en-US" altLang="zh-CN" sz="4000" dirty="0"/>
-              <a:t>peculation and gambling</a:t>
-            </a:r>
-            <a:endParaRPr lang="en-US" sz="4000" dirty="0"/>
+              <a:t>Practices</a:t>
+            </a:r>
           </a:p>
         </p:txBody>
       </p:sp>
@@ -17076,7 +17058,7 @@
           <p:cNvPr id="3" name="Content Placeholder 2">
             <a:extLst>
               <a:ext uri="{FF2B5EF4-FFF2-40B4-BE49-F238E27FC236}">
-                <a16:creationId xmlns:a16="http://schemas.microsoft.com/office/drawing/2014/main" id="{362F09A5-A3CB-4782-B9F6-D1BE6C31A73F}"/>
+                <a16:creationId xmlns:a16="http://schemas.microsoft.com/office/drawing/2014/main" id="{ADDE3541-C827-46E6-AD4A-E75F304EA34D}"/>
               </a:ext>
             </a:extLst>
           </p:cNvPr>
@@ -17094,66 +17076,36 @@
           <a:p>
             <a:r>
               <a:rPr lang="en-US" dirty="0"/>
-              <a:t>Speculators are often thought to be </a:t>
-            </a:r>
-            <a:r>
-              <a:rPr lang="en-US" dirty="0">
-                <a:solidFill>
-                  <a:srgbClr val="FF0000"/>
-                </a:solidFill>
-              </a:rPr>
-              <a:t>short- term traders </a:t>
-            </a:r>
-            <a:r>
-              <a:rPr lang="en-US" dirty="0"/>
-              <a:t>who attempt to exploit temporary inefficiencies.</a:t>
-            </a:r>
-          </a:p>
-          <a:p>
-            <a:r>
-              <a:rPr lang="en-US" dirty="0"/>
-              <a:t>Speculators are thought to engage in </a:t>
-            </a:r>
-            <a:r>
-              <a:rPr lang="en-US" dirty="0">
-                <a:solidFill>
-                  <a:srgbClr val="FF0000"/>
-                </a:solidFill>
-              </a:rPr>
-              <a:t>price manipulation </a:t>
-            </a:r>
-            <a:r>
-              <a:rPr lang="en-US" dirty="0"/>
-              <a:t>and to trade at extreme prices.</a:t>
-            </a:r>
-          </a:p>
-          <a:p>
-            <a:r>
-              <a:rPr lang="en-US" dirty="0"/>
-              <a:t>The profits from short- term trading are almost always taxed </a:t>
-            </a:r>
-            <a:r>
-              <a:rPr lang="en-US" dirty="0">
-                <a:solidFill>
-                  <a:srgbClr val="FF0000"/>
-                </a:solidFill>
-              </a:rPr>
-              <a:t>more heavily </a:t>
-            </a:r>
-            <a:r>
-              <a:rPr lang="en-US" dirty="0"/>
-              <a:t>than the profits from long- term trading.</a:t>
-            </a:r>
-          </a:p>
-          <a:p>
-            <a:endParaRPr lang="en-US" dirty="0"/>
+              <a:t>1.Which of the following responds to the criticism that derivatives can be destabilizing to the underlying market?</a:t>
+            </a:r>
+          </a:p>
+          <a:p>
+            <a:pPr lvl="1"/>
+            <a:r>
+              <a:rPr lang="en-US" dirty="0"/>
+              <a:t>A Market crashes and panics have occurred since long before derivatives existed.</a:t>
+            </a:r>
+          </a:p>
+          <a:p>
+            <a:pPr lvl="1"/>
+            <a:r>
+              <a:rPr lang="en-US" dirty="0"/>
+              <a:t>B Derivatives are sufficiently regulated that they cannot destabilize the spot market.</a:t>
+            </a:r>
+          </a:p>
+          <a:p>
+            <a:pPr lvl="1"/>
+            <a:r>
+              <a:rPr lang="en-US" dirty="0"/>
+              <a:t>C The transaction costs of derivatives are high enough to keep their use at a minimum level.</a:t>
+            </a:r>
           </a:p>
         </p:txBody>
       </p:sp>
     </p:spTree>
     <p:extLst>
       <p:ext uri="{BB962C8B-B14F-4D97-AF65-F5344CB8AC3E}">
-        <p14:creationId xmlns:p14="http://schemas.microsoft.com/office/powerpoint/2010/main" val="133782581"/>
+        <p14:creationId xmlns:p14="http://schemas.microsoft.com/office/powerpoint/2010/main" val="425420384"/>
       </p:ext>
     </p:extLst>
   </p:cSld>
@@ -17295,7 +17247,7 @@
           <p:cNvPr id="2" name="Title 1">
             <a:extLst>
               <a:ext uri="{FF2B5EF4-FFF2-40B4-BE49-F238E27FC236}">
-                <a16:creationId xmlns:a16="http://schemas.microsoft.com/office/drawing/2014/main" id="{E482C202-64F2-44D8-9E40-0887E8F7325A}"/>
+                <a16:creationId xmlns:a16="http://schemas.microsoft.com/office/drawing/2014/main" id="{400DE6A6-6594-4799-87FA-D2C785015F6A}"/>
               </a:ext>
             </a:extLst>
           </p:cNvPr>
@@ -17315,14 +17267,7 @@
           <a:p>
             <a:r>
               <a:rPr lang="en-US" sz="4000" dirty="0"/>
-              <a:t>Criticisms and misuses of derivatives</a:t>
-            </a:r>
-            <a:br>
-              <a:rPr lang="en-US" sz="4000" dirty="0"/>
-            </a:br>
-            <a:r>
-              <a:rPr lang="en-US" sz="4000" dirty="0"/>
-              <a:t>Destabilization and Systemic Risk</a:t>
+              <a:t>Elementary principles of derivative pricing	</a:t>
             </a:r>
           </a:p>
         </p:txBody>
@@ -17332,7 +17277,7 @@
           <p:cNvPr id="3" name="Content Placeholder 2">
             <a:extLst>
               <a:ext uri="{FF2B5EF4-FFF2-40B4-BE49-F238E27FC236}">
-                <a16:creationId xmlns:a16="http://schemas.microsoft.com/office/drawing/2014/main" id="{00AFAD99-D187-4A05-BD57-E28833651C75}"/>
+                <a16:creationId xmlns:a16="http://schemas.microsoft.com/office/drawing/2014/main" id="{4DE16CFC-EABE-4ACE-BFD3-4C0F750AE28D}"/>
               </a:ext>
             </a:extLst>
           </p:cNvPr>
@@ -17345,118 +17290,68 @@
         </p:nvSpPr>
         <p:spPr/>
         <p:txBody>
-          <a:bodyPr>
-            <a:normAutofit lnSpcReduction="10000"/>
-          </a:bodyPr>
-          <a:lstStyle/>
-          <a:p>
-            <a:r>
-              <a:rPr lang="en-US" dirty="0"/>
-              <a:t>Defaults by speculators can then lead to defaults by their creditors, their creditors’ creditors, and so on. These effects can, therefore, be systemic and reflect an epidemic </a:t>
-            </a:r>
-            <a:r>
-              <a:rPr lang="en-US" dirty="0">
-                <a:solidFill>
-                  <a:srgbClr val="FF0000"/>
-                </a:solidFill>
-              </a:rPr>
-              <a:t>contagion</a:t>
-            </a:r>
-            <a:r>
-              <a:rPr lang="en-US" dirty="0"/>
-              <a:t> whereby instability can spread throughout markets and an economy, if not the entire world.</a:t>
-            </a:r>
-          </a:p>
-          <a:p>
-            <a:r>
-              <a:rPr lang="en-US" dirty="0"/>
-              <a:t>Such effects occurred in the </a:t>
-            </a:r>
-            <a:r>
-              <a:rPr lang="en-US" dirty="0">
-                <a:solidFill>
-                  <a:srgbClr val="FF0000"/>
-                </a:solidFill>
-              </a:rPr>
-              <a:t>Long- Term Capital Management </a:t>
-            </a:r>
-            <a:r>
-              <a:rPr lang="en-US" dirty="0"/>
-              <a:t>fiasco of 1998 and again in the financial crisis of 2008, in which derivatives, particularly credit default swaps, were widely used by many of the problem entities.</a:t>
-            </a:r>
-          </a:p>
-          <a:p>
-            <a:r>
-              <a:rPr lang="en-US" dirty="0"/>
-              <a:t>Some of these events </a:t>
-            </a:r>
-            <a:r>
-              <a:rPr lang="en-US" dirty="0">
-                <a:solidFill>
-                  <a:srgbClr val="FF0000"/>
-                </a:solidFill>
-              </a:rPr>
-              <a:t>preceded</a:t>
-            </a:r>
-            <a:r>
-              <a:rPr lang="en-US" dirty="0"/>
-              <a:t> the era of modern derivatives markets, and others were completely </a:t>
-            </a:r>
-            <a:r>
-              <a:rPr lang="en-US" dirty="0">
-                <a:solidFill>
-                  <a:srgbClr val="FF0000"/>
-                </a:solidFill>
-              </a:rPr>
-              <a:t>unrelated</a:t>
-            </a:r>
-            <a:r>
-              <a:rPr lang="en-US" dirty="0"/>
-              <a:t> to the use of derivatives.</a:t>
-            </a:r>
-          </a:p>
-          <a:p>
-            <a:r>
-              <a:rPr lang="en-US" dirty="0"/>
-              <a:t>Another criticism of derivatives is simply their </a:t>
-            </a:r>
-            <a:r>
-              <a:rPr lang="en-US" dirty="0">
-                <a:solidFill>
-                  <a:srgbClr val="FF0000"/>
-                </a:solidFill>
-              </a:rPr>
-              <a:t>complexity</a:t>
-            </a:r>
-            <a:r>
-              <a:rPr lang="en-US" dirty="0"/>
-              <a:t>.</a:t>
-            </a:r>
-          </a:p>
-          <a:p>
-            <a:r>
-              <a:rPr lang="en-US" dirty="0"/>
-              <a:t>One explanation probably lies in the fact that scientists create models of markets by using scientific principles that </a:t>
-            </a:r>
-            <a:r>
-              <a:rPr lang="en-US" dirty="0">
-                <a:solidFill>
-                  <a:srgbClr val="FF0000"/>
-                </a:solidFill>
-              </a:rPr>
-              <a:t>often fail</a:t>
-            </a:r>
-            <a:r>
-              <a:rPr lang="en-US" dirty="0"/>
-              <a:t>.</a:t>
-            </a:r>
+          <a:bodyPr/>
+          <a:lstStyle/>
+          <a:p>
+            <a:r>
+              <a:rPr lang="en-US" sz="3200" dirty="0"/>
+              <a:t>F</a:t>
+            </a:r>
+            <a:r>
+              <a:rPr lang="en-US" sz="3200" baseline="-25000" dirty="0"/>
+              <a:t>T</a:t>
+            </a:r>
+            <a:r>
+              <a:rPr lang="en-US" sz="3200" dirty="0"/>
+              <a:t>=(S</a:t>
+            </a:r>
+            <a:r>
+              <a:rPr lang="en-US" sz="3200" baseline="-25000" dirty="0"/>
+              <a:t>0</a:t>
+            </a:r>
+            <a:r>
+              <a:rPr lang="en-US" sz="3200" dirty="0"/>
+              <a:t>+cost</a:t>
+            </a:r>
+            <a:r>
+              <a:rPr lang="en-US" sz="3200" baseline="-25000" dirty="0"/>
+              <a:t>0</a:t>
+            </a:r>
+            <a:r>
+              <a:rPr lang="en-US" sz="3200" dirty="0"/>
+              <a:t>-benefit</a:t>
+            </a:r>
+            <a:r>
+              <a:rPr lang="en-US" sz="3200" baseline="-25000" dirty="0"/>
+              <a:t>0</a:t>
+            </a:r>
+            <a:r>
+              <a:rPr lang="en-US" sz="3200" dirty="0"/>
+              <a:t>)*(1+rf)</a:t>
+            </a:r>
+            <a:r>
+              <a:rPr lang="en-US" sz="3200" baseline="30000" dirty="0"/>
+              <a:t>T</a:t>
+            </a:r>
+          </a:p>
+          <a:p>
+            <a:pPr marL="0" indent="0">
+              <a:buNone/>
+            </a:pPr>
+            <a:endParaRPr lang="en-US" dirty="0"/>
+          </a:p>
+          <a:p>
+            <a:endParaRPr lang="en-US" dirty="0"/>
+          </a:p>
+          <a:p>
+            <a:endParaRPr lang="en-US" dirty="0"/>
           </a:p>
         </p:txBody>
       </p:sp>
     </p:spTree>
     <p:extLst>
       <p:ext uri="{BB962C8B-B14F-4D97-AF65-F5344CB8AC3E}">
-        <p14:creationId xmlns:p14="http://schemas.microsoft.com/office/powerpoint/2010/main" val="1948992878"/>
+        <p14:creationId xmlns:p14="http://schemas.microsoft.com/office/powerpoint/2010/main" val="3291422637"/>
       </p:ext>
     </p:extLst>
   </p:cSld>
@@ -17488,7 +17383,7 @@
           <p:cNvPr id="2" name="Title 1">
             <a:extLst>
               <a:ext uri="{FF2B5EF4-FFF2-40B4-BE49-F238E27FC236}">
-                <a16:creationId xmlns:a16="http://schemas.microsoft.com/office/drawing/2014/main" id="{553F70E7-AA33-42A6-BC63-F08FC8453BD7}"/>
+                <a16:creationId xmlns:a16="http://schemas.microsoft.com/office/drawing/2014/main" id="{E27110C5-F8BA-45AC-995C-2B423C07E872}"/>
               </a:ext>
             </a:extLst>
           </p:cNvPr>
@@ -17508,7 +17403,7 @@
           <a:p>
             <a:r>
               <a:rPr lang="en-US" sz="4000" dirty="0"/>
-              <a:t>Practices</a:t>
+              <a:t>Elementary principles of derivative pricing-Storage</a:t>
             </a:r>
           </a:p>
         </p:txBody>
@@ -17518,7 +17413,7 @@
           <p:cNvPr id="3" name="Content Placeholder 2">
             <a:extLst>
               <a:ext uri="{FF2B5EF4-FFF2-40B4-BE49-F238E27FC236}">
-                <a16:creationId xmlns:a16="http://schemas.microsoft.com/office/drawing/2014/main" id="{ADDE3541-C827-46E6-AD4A-E75F304EA34D}"/>
+                <a16:creationId xmlns:a16="http://schemas.microsoft.com/office/drawing/2014/main" id="{EDD93B4A-D015-42DB-ADD3-572F3F689EF3}"/>
               </a:ext>
             </a:extLst>
           </p:cNvPr>
@@ -17536,36 +17431,24 @@
           <a:p>
             <a:r>
               <a:rPr lang="en-US" dirty="0"/>
-              <a:t>1.Which of the following responds to the criticism that derivatives can be destabilizing to the underlying market?</a:t>
-            </a:r>
-          </a:p>
-          <a:p>
-            <a:pPr lvl="1"/>
-            <a:r>
-              <a:rPr lang="en-US" dirty="0"/>
-              <a:t>A Market crashes and panics have occurred since long before derivatives existed.</a:t>
-            </a:r>
-          </a:p>
-          <a:p>
-            <a:pPr lvl="1"/>
-            <a:r>
-              <a:rPr lang="en-US" dirty="0"/>
-              <a:t>B Derivatives are sufficiently regulated that they cannot destabilize the spot market.</a:t>
-            </a:r>
-          </a:p>
-          <a:p>
-            <a:pPr lvl="1"/>
-            <a:r>
-              <a:rPr lang="en-US" dirty="0"/>
-              <a:t>C The transaction costs of derivatives are high enough to keep their use at a minimum level.</a:t>
-            </a:r>
+              <a:t>Storage incurs costs.(commodity)</a:t>
+            </a:r>
+          </a:p>
+          <a:p>
+            <a:r>
+              <a:rPr lang="en-US" dirty="0"/>
+              <a:t>Some assets pay returns during storage.(financial asset)</a:t>
+            </a:r>
+          </a:p>
+          <a:p>
+            <a:endParaRPr lang="en-US" dirty="0"/>
           </a:p>
         </p:txBody>
       </p:sp>
     </p:spTree>
     <p:extLst>
       <p:ext uri="{BB962C8B-B14F-4D97-AF65-F5344CB8AC3E}">
-        <p14:creationId xmlns:p14="http://schemas.microsoft.com/office/powerpoint/2010/main" val="425420384"/>
+        <p14:creationId xmlns:p14="http://schemas.microsoft.com/office/powerpoint/2010/main" val="3268475084"/>
       </p:ext>
     </p:extLst>
   </p:cSld>
@@ -17597,7 +17480,7 @@
           <p:cNvPr id="2" name="Title 1">
             <a:extLst>
               <a:ext uri="{FF2B5EF4-FFF2-40B4-BE49-F238E27FC236}">
-                <a16:creationId xmlns:a16="http://schemas.microsoft.com/office/drawing/2014/main" id="{400DE6A6-6594-4799-87FA-D2C785015F6A}"/>
+                <a16:creationId xmlns:a16="http://schemas.microsoft.com/office/drawing/2014/main" id="{6C9DE97C-F9BE-4030-983F-36EB31059087}"/>
               </a:ext>
             </a:extLst>
           </p:cNvPr>
@@ -17617,7 +17500,7 @@
           <a:p>
             <a:r>
               <a:rPr lang="en-US" sz="4000" dirty="0"/>
-              <a:t>Elementary principles of derivative pricing	</a:t>
+              <a:t>Elementary principles of derivative pricing-Arbitrage</a:t>
             </a:r>
           </a:p>
         </p:txBody>
@@ -17627,7 +17510,7 @@
           <p:cNvPr id="3" name="Content Placeholder 2">
             <a:extLst>
               <a:ext uri="{FF2B5EF4-FFF2-40B4-BE49-F238E27FC236}">
-                <a16:creationId xmlns:a16="http://schemas.microsoft.com/office/drawing/2014/main" id="{4DE16CFC-EABE-4ACE-BFD3-4C0F750AE28D}"/>
+                <a16:creationId xmlns:a16="http://schemas.microsoft.com/office/drawing/2014/main" id="{40CEE757-6D71-4744-82DB-2F1B2E2E54BE}"/>
               </a:ext>
             </a:extLst>
           </p:cNvPr>
@@ -17644,64 +17527,106 @@
           <a:lstStyle/>
           <a:p>
             <a:r>
-              <a:rPr lang="en-US" sz="3200" dirty="0"/>
-              <a:t>F</a:t>
-            </a:r>
-            <a:r>
-              <a:rPr lang="en-US" sz="3200" baseline="-25000" dirty="0"/>
-              <a:t>T</a:t>
-            </a:r>
-            <a:r>
-              <a:rPr lang="en-US" sz="3200" dirty="0"/>
-              <a:t>=(S</a:t>
-            </a:r>
-            <a:r>
-              <a:rPr lang="en-US" sz="3200" baseline="-25000" dirty="0"/>
-              <a:t>0</a:t>
-            </a:r>
-            <a:r>
-              <a:rPr lang="en-US" sz="3200" dirty="0"/>
-              <a:t>+cost</a:t>
-            </a:r>
-            <a:r>
-              <a:rPr lang="en-US" sz="3200" baseline="-25000" dirty="0"/>
-              <a:t>0</a:t>
-            </a:r>
-            <a:r>
-              <a:rPr lang="en-US" sz="3200" dirty="0"/>
-              <a:t>-benefit</a:t>
-            </a:r>
-            <a:r>
-              <a:rPr lang="en-US" sz="3200" baseline="-25000" dirty="0"/>
-              <a:t>0</a:t>
-            </a:r>
-            <a:r>
-              <a:rPr lang="en-US" sz="3200" dirty="0"/>
-              <a:t>)*(1+rf)</a:t>
-            </a:r>
-            <a:r>
-              <a:rPr lang="en-US" sz="3200" baseline="30000" dirty="0"/>
-              <a:t>T</a:t>
-            </a:r>
-          </a:p>
-          <a:p>
-            <a:pPr marL="0" indent="0">
-              <a:buNone/>
-            </a:pPr>
-            <a:endParaRPr lang="en-US" dirty="0"/>
-          </a:p>
-          <a:p>
-            <a:endParaRPr lang="en-US" dirty="0"/>
-          </a:p>
-          <a:p>
-            <a:endParaRPr lang="en-US" dirty="0"/>
+              <a:rPr lang="en-US" dirty="0"/>
+              <a:t>In well- functioning markets with low transaction costs and a free flow of information, the </a:t>
+            </a:r>
+            <a:r>
+              <a:rPr lang="en-US" dirty="0">
+                <a:solidFill>
+                  <a:srgbClr val="FF0000"/>
+                </a:solidFill>
+              </a:rPr>
+              <a:t>same asset cannot sell for more than one price</a:t>
+            </a:r>
+            <a:r>
+              <a:rPr lang="en-US" dirty="0"/>
+              <a:t>.</a:t>
+            </a:r>
+          </a:p>
+          <a:p>
+            <a:r>
+              <a:rPr lang="en-US" dirty="0"/>
+              <a:t>For this reason, arbitrage is often referred to as the </a:t>
+            </a:r>
+            <a:r>
+              <a:rPr lang="en-US" dirty="0">
+                <a:solidFill>
+                  <a:srgbClr val="FF0000"/>
+                </a:solidFill>
+              </a:rPr>
+              <a:t>law of one price</a:t>
+            </a:r>
+            <a:r>
+              <a:rPr lang="en-US" dirty="0"/>
+              <a:t>.</a:t>
+            </a:r>
+          </a:p>
+          <a:p>
+            <a:r>
+              <a:rPr lang="en-US" dirty="0"/>
+              <a:t>This trade would </a:t>
+            </a:r>
+            <a:r>
+              <a:rPr lang="en-US" dirty="0">
+                <a:solidFill>
+                  <a:srgbClr val="FF0000"/>
+                </a:solidFill>
+              </a:rPr>
+              <a:t>get profit at no risk </a:t>
+            </a:r>
+            <a:r>
+              <a:rPr lang="en-US" dirty="0"/>
+              <a:t>and </a:t>
+            </a:r>
+            <a:r>
+              <a:rPr lang="en-US" dirty="0">
+                <a:solidFill>
+                  <a:srgbClr val="FF0000"/>
+                </a:solidFill>
+              </a:rPr>
+              <a:t>not require the commitment of any of the investor’s capital</a:t>
+            </a:r>
+            <a:r>
+              <a:rPr lang="en-US" dirty="0"/>
+              <a:t>.</a:t>
+            </a:r>
+          </a:p>
+          <a:p>
+            <a:r>
+              <a:rPr lang="en-US" dirty="0"/>
+              <a:t>To summarize, the forces of arbitrage in financial markets assure us that the </a:t>
+            </a:r>
+            <a:r>
+              <a:rPr lang="en-US" dirty="0">
+                <a:solidFill>
+                  <a:srgbClr val="FF0000"/>
+                </a:solidFill>
+              </a:rPr>
+              <a:t>same asset cannot sell for different prices</a:t>
+            </a:r>
+            <a:r>
+              <a:rPr lang="en-US" dirty="0"/>
+              <a:t>, nor can </a:t>
+            </a:r>
+            <a:r>
+              <a:rPr lang="en-US" dirty="0">
+                <a:solidFill>
+                  <a:srgbClr val="FF0000"/>
+                </a:solidFill>
+              </a:rPr>
+              <a:t>two equivalent combinations of assets that produce the same results sell for different prices</a:t>
+            </a:r>
+            <a:r>
+              <a:rPr lang="en-US" dirty="0"/>
+              <a:t>.</a:t>
+            </a:r>
           </a:p>
         </p:txBody>
       </p:sp>
     </p:spTree>
     <p:extLst>
       <p:ext uri="{BB962C8B-B14F-4D97-AF65-F5344CB8AC3E}">
-        <p14:creationId xmlns:p14="http://schemas.microsoft.com/office/powerpoint/2010/main" val="3291422637"/>
+        <p14:creationId xmlns:p14="http://schemas.microsoft.com/office/powerpoint/2010/main" val="4154657851"/>
       </p:ext>
     </p:extLst>
   </p:cSld>
@@ -17733,7 +17658,7 @@
           <p:cNvPr id="2" name="Title 1">
             <a:extLst>
               <a:ext uri="{FF2B5EF4-FFF2-40B4-BE49-F238E27FC236}">
-                <a16:creationId xmlns:a16="http://schemas.microsoft.com/office/drawing/2014/main" id="{E27110C5-F8BA-45AC-995C-2B423C07E872}"/>
+                <a16:creationId xmlns:a16="http://schemas.microsoft.com/office/drawing/2014/main" id="{4EE68B82-6AB7-4B2C-9CE0-91C5F1189BC5}"/>
               </a:ext>
             </a:extLst>
           </p:cNvPr>
@@ -17753,7 +17678,7 @@
           <a:p>
             <a:r>
               <a:rPr lang="en-US" sz="4000" dirty="0"/>
-              <a:t>Elementary principles of derivative pricing-Storage</a:t>
+              <a:t>Elementary principles of derivative pricing-Arbitrage</a:t>
             </a:r>
           </a:p>
         </p:txBody>
@@ -17763,7 +17688,7 @@
           <p:cNvPr id="3" name="Content Placeholder 2">
             <a:extLst>
               <a:ext uri="{FF2B5EF4-FFF2-40B4-BE49-F238E27FC236}">
-                <a16:creationId xmlns:a16="http://schemas.microsoft.com/office/drawing/2014/main" id="{EDD93B4A-D015-42DB-ADD3-572F3F689EF3}"/>
+                <a16:creationId xmlns:a16="http://schemas.microsoft.com/office/drawing/2014/main" id="{1980A05C-5D81-4FA2-869F-6046DD73C512}"/>
               </a:ext>
             </a:extLst>
           </p:cNvPr>
@@ -17781,24 +17706,15 @@
           <a:p>
             <a:r>
               <a:rPr lang="en-US" dirty="0"/>
-              <a:t>Storage incurs costs.(commodity)</a:t>
-            </a:r>
-          </a:p>
-          <a:p>
-            <a:r>
-              <a:rPr lang="en-US" dirty="0"/>
-              <a:t>Some assets pay returns during storage.(financial asset)</a:t>
-            </a:r>
-          </a:p>
-          <a:p>
-            <a:endParaRPr lang="en-US" dirty="0"/>
+              <a:t>Tencent  A:600  B:610</a:t>
+            </a:r>
           </a:p>
         </p:txBody>
       </p:sp>
     </p:spTree>
     <p:extLst>
       <p:ext uri="{BB962C8B-B14F-4D97-AF65-F5344CB8AC3E}">
-        <p14:creationId xmlns:p14="http://schemas.microsoft.com/office/powerpoint/2010/main" val="3268475084"/>
+        <p14:creationId xmlns:p14="http://schemas.microsoft.com/office/powerpoint/2010/main" val="2625465975"/>
       </p:ext>
     </p:extLst>
   </p:cSld>
@@ -17830,7 +17746,7 @@
           <p:cNvPr id="2" name="Title 1">
             <a:extLst>
               <a:ext uri="{FF2B5EF4-FFF2-40B4-BE49-F238E27FC236}">
-                <a16:creationId xmlns:a16="http://schemas.microsoft.com/office/drawing/2014/main" id="{6C9DE97C-F9BE-4030-983F-36EB31059087}"/>
+                <a16:creationId xmlns:a16="http://schemas.microsoft.com/office/drawing/2014/main" id="{737185EF-23C0-4996-B8AD-822F238FC53F}"/>
               </a:ext>
             </a:extLst>
           </p:cNvPr>
@@ -17860,7 +17776,7 @@
           <p:cNvPr id="3" name="Content Placeholder 2">
             <a:extLst>
               <a:ext uri="{FF2B5EF4-FFF2-40B4-BE49-F238E27FC236}">
-                <a16:creationId xmlns:a16="http://schemas.microsoft.com/office/drawing/2014/main" id="{40CEE757-6D71-4744-82DB-2F1B2E2E54BE}"/>
+                <a16:creationId xmlns:a16="http://schemas.microsoft.com/office/drawing/2014/main" id="{E052CFE4-4415-4BD8-9BF3-7801A1F1C482}"/>
               </a:ext>
             </a:extLst>
           </p:cNvPr>
@@ -17878,97 +17794,23 @@
           <a:p>
             <a:r>
               <a:rPr lang="en-US" dirty="0"/>
-              <a:t>In well- functioning markets with low transaction costs and a free flow of information, the </a:t>
-            </a:r>
-            <a:r>
-              <a:rPr lang="en-US" dirty="0">
-                <a:solidFill>
-                  <a:srgbClr val="FF0000"/>
-                </a:solidFill>
-              </a:rPr>
-              <a:t>same asset cannot sell for more than one price</a:t>
-            </a:r>
-            <a:r>
-              <a:rPr lang="en-US" dirty="0"/>
-              <a:t>.</a:t>
-            </a:r>
-          </a:p>
-          <a:p>
-            <a:r>
-              <a:rPr lang="en-US" dirty="0"/>
-              <a:t>For this reason, arbitrage is often referred to as the </a:t>
-            </a:r>
-            <a:r>
-              <a:rPr lang="en-US" dirty="0">
-                <a:solidFill>
-                  <a:srgbClr val="FF0000"/>
-                </a:solidFill>
-              </a:rPr>
-              <a:t>law of one price</a:t>
-            </a:r>
-            <a:r>
-              <a:rPr lang="en-US" dirty="0"/>
-              <a:t>.</a:t>
-            </a:r>
-          </a:p>
-          <a:p>
-            <a:r>
-              <a:rPr lang="en-US" dirty="0"/>
-              <a:t>This trade would </a:t>
-            </a:r>
-            <a:r>
-              <a:rPr lang="en-US" dirty="0">
-                <a:solidFill>
-                  <a:srgbClr val="FF0000"/>
-                </a:solidFill>
-              </a:rPr>
-              <a:t>get profit at no risk </a:t>
-            </a:r>
-            <a:r>
-              <a:rPr lang="en-US" dirty="0"/>
-              <a:t>and </a:t>
-            </a:r>
-            <a:r>
-              <a:rPr lang="en-US" dirty="0">
-                <a:solidFill>
-                  <a:srgbClr val="FF0000"/>
-                </a:solidFill>
-              </a:rPr>
-              <a:t>not require the commitment of any of the investor’s capital</a:t>
-            </a:r>
-            <a:r>
-              <a:rPr lang="en-US" dirty="0"/>
-              <a:t>.</a:t>
-            </a:r>
-          </a:p>
-          <a:p>
-            <a:r>
-              <a:rPr lang="en-US" dirty="0"/>
-              <a:t>To summarize, the forces of arbitrage in financial markets assure us that the </a:t>
-            </a:r>
-            <a:r>
-              <a:rPr lang="en-US" dirty="0">
-                <a:solidFill>
-                  <a:srgbClr val="FF0000"/>
-                </a:solidFill>
-              </a:rPr>
-              <a:t>same asset cannot sell for different prices</a:t>
-            </a:r>
-            <a:r>
-              <a:rPr lang="en-US" dirty="0"/>
-              <a:t>, nor can </a:t>
-            </a:r>
-            <a:r>
-              <a:rPr lang="en-US" dirty="0">
-                <a:solidFill>
-                  <a:srgbClr val="FF0000"/>
-                </a:solidFill>
-              </a:rPr>
-              <a:t>two equivalent combinations of assets that produce the same results sell for different prices</a:t>
-            </a:r>
-            <a:r>
-              <a:rPr lang="en-US" dirty="0"/>
-              <a:t>.</a:t>
+              <a:t>Tencent S</a:t>
+            </a:r>
+            <a:r>
+              <a:rPr lang="en-US" baseline="-25000" dirty="0"/>
+              <a:t>0</a:t>
+            </a:r>
+            <a:r>
+              <a:rPr lang="en-US" dirty="0"/>
+              <a:t>=500, F</a:t>
+            </a:r>
+            <a:r>
+              <a:rPr lang="en-US" baseline="-25000" dirty="0"/>
+              <a:t>1</a:t>
+            </a:r>
+            <a:r>
+              <a:rPr lang="en-US" dirty="0"/>
+              <a:t>=530 , RF=4%</a:t>
             </a:r>
           </a:p>
         </p:txBody>
@@ -17976,7 +17818,7 @@
     </p:spTree>
     <p:extLst>
       <p:ext uri="{BB962C8B-B14F-4D97-AF65-F5344CB8AC3E}">
-        <p14:creationId xmlns:p14="http://schemas.microsoft.com/office/powerpoint/2010/main" val="4154657851"/>
+        <p14:creationId xmlns:p14="http://schemas.microsoft.com/office/powerpoint/2010/main" val="2233100900"/>
       </p:ext>
     </p:extLst>
   </p:cSld>
@@ -18008,198 +17850,6 @@
           <p:cNvPr id="2" name="Title 1">
             <a:extLst>
               <a:ext uri="{FF2B5EF4-FFF2-40B4-BE49-F238E27FC236}">
-                <a16:creationId xmlns:a16="http://schemas.microsoft.com/office/drawing/2014/main" id="{4EE68B82-6AB7-4B2C-9CE0-91C5F1189BC5}"/>
-              </a:ext>
-            </a:extLst>
-          </p:cNvPr>
-          <p:cNvSpPr>
-            <a:spLocks noGrp="1"/>
-          </p:cNvSpPr>
-          <p:nvPr>
-            <p:ph type="title"/>
-          </p:nvPr>
-        </p:nvSpPr>
-        <p:spPr/>
-        <p:txBody>
-          <a:bodyPr>
-            <a:normAutofit/>
-          </a:bodyPr>
-          <a:lstStyle/>
-          <a:p>
-            <a:r>
-              <a:rPr lang="en-US" sz="4000" dirty="0"/>
-              <a:t>Elementary principles of derivative pricing-Arbitrage</a:t>
-            </a:r>
-          </a:p>
-        </p:txBody>
-      </p:sp>
-      <p:sp>
-        <p:nvSpPr>
-          <p:cNvPr id="3" name="Content Placeholder 2">
-            <a:extLst>
-              <a:ext uri="{FF2B5EF4-FFF2-40B4-BE49-F238E27FC236}">
-                <a16:creationId xmlns:a16="http://schemas.microsoft.com/office/drawing/2014/main" id="{1980A05C-5D81-4FA2-869F-6046DD73C512}"/>
-              </a:ext>
-            </a:extLst>
-          </p:cNvPr>
-          <p:cNvSpPr>
-            <a:spLocks noGrp="1"/>
-          </p:cNvSpPr>
-          <p:nvPr>
-            <p:ph idx="1"/>
-          </p:nvPr>
-        </p:nvSpPr>
-        <p:spPr/>
-        <p:txBody>
-          <a:bodyPr/>
-          <a:lstStyle/>
-          <a:p>
-            <a:r>
-              <a:rPr lang="en-US" dirty="0"/>
-              <a:t>Tencent  A:600  B:610</a:t>
-            </a:r>
-          </a:p>
-        </p:txBody>
-      </p:sp>
-    </p:spTree>
-    <p:extLst>
-      <p:ext uri="{BB962C8B-B14F-4D97-AF65-F5344CB8AC3E}">
-        <p14:creationId xmlns:p14="http://schemas.microsoft.com/office/powerpoint/2010/main" val="2625465975"/>
-      </p:ext>
-    </p:extLst>
-  </p:cSld>
-  <p:clrMapOvr>
-    <a:masterClrMapping/>
-  </p:clrMapOvr>
-</p:sld>
-</file>
-
-<file path=ppt/slides/slide76.xml><?xml version="1.0" encoding="utf-8"?>
-<p:sld xmlns:a="http://schemas.openxmlformats.org/drawingml/2006/main" xmlns:r="http://schemas.openxmlformats.org/officeDocument/2006/relationships" xmlns:p="http://schemas.openxmlformats.org/presentationml/2006/main">
-  <p:cSld>
-    <p:spTree>
-      <p:nvGrpSpPr>
-        <p:cNvPr id="1" name=""/>
-        <p:cNvGrpSpPr/>
-        <p:nvPr/>
-      </p:nvGrpSpPr>
-      <p:grpSpPr>
-        <a:xfrm>
-          <a:off x="0" y="0"/>
-          <a:ext cx="0" cy="0"/>
-          <a:chOff x="0" y="0"/>
-          <a:chExt cx="0" cy="0"/>
-        </a:xfrm>
-      </p:grpSpPr>
-      <p:sp>
-        <p:nvSpPr>
-          <p:cNvPr id="2" name="Title 1">
-            <a:extLst>
-              <a:ext uri="{FF2B5EF4-FFF2-40B4-BE49-F238E27FC236}">
-                <a16:creationId xmlns:a16="http://schemas.microsoft.com/office/drawing/2014/main" id="{737185EF-23C0-4996-B8AD-822F238FC53F}"/>
-              </a:ext>
-            </a:extLst>
-          </p:cNvPr>
-          <p:cNvSpPr>
-            <a:spLocks noGrp="1"/>
-          </p:cNvSpPr>
-          <p:nvPr>
-            <p:ph type="title"/>
-          </p:nvPr>
-        </p:nvSpPr>
-        <p:spPr/>
-        <p:txBody>
-          <a:bodyPr>
-            <a:normAutofit/>
-          </a:bodyPr>
-          <a:lstStyle/>
-          <a:p>
-            <a:r>
-              <a:rPr lang="en-US" sz="4000" dirty="0"/>
-              <a:t>Elementary principles of derivative pricing-Arbitrage</a:t>
-            </a:r>
-          </a:p>
-        </p:txBody>
-      </p:sp>
-      <p:sp>
-        <p:nvSpPr>
-          <p:cNvPr id="3" name="Content Placeholder 2">
-            <a:extLst>
-              <a:ext uri="{FF2B5EF4-FFF2-40B4-BE49-F238E27FC236}">
-                <a16:creationId xmlns:a16="http://schemas.microsoft.com/office/drawing/2014/main" id="{E052CFE4-4415-4BD8-9BF3-7801A1F1C482}"/>
-              </a:ext>
-            </a:extLst>
-          </p:cNvPr>
-          <p:cNvSpPr>
-            <a:spLocks noGrp="1"/>
-          </p:cNvSpPr>
-          <p:nvPr>
-            <p:ph idx="1"/>
-          </p:nvPr>
-        </p:nvSpPr>
-        <p:spPr/>
-        <p:txBody>
-          <a:bodyPr/>
-          <a:lstStyle/>
-          <a:p>
-            <a:r>
-              <a:rPr lang="en-US" dirty="0"/>
-              <a:t>Tencent S</a:t>
-            </a:r>
-            <a:r>
-              <a:rPr lang="en-US" baseline="-25000" dirty="0"/>
-              <a:t>0</a:t>
-            </a:r>
-            <a:r>
-              <a:rPr lang="en-US" dirty="0"/>
-              <a:t>=500, F</a:t>
-            </a:r>
-            <a:r>
-              <a:rPr lang="en-US" baseline="-25000" dirty="0"/>
-              <a:t>1</a:t>
-            </a:r>
-            <a:r>
-              <a:rPr lang="en-US" dirty="0"/>
-              <a:t>=530 , RF=4%</a:t>
-            </a:r>
-          </a:p>
-        </p:txBody>
-      </p:sp>
-    </p:spTree>
-    <p:extLst>
-      <p:ext uri="{BB962C8B-B14F-4D97-AF65-F5344CB8AC3E}">
-        <p14:creationId xmlns:p14="http://schemas.microsoft.com/office/powerpoint/2010/main" val="2233100900"/>
-      </p:ext>
-    </p:extLst>
-  </p:cSld>
-  <p:clrMapOvr>
-    <a:masterClrMapping/>
-  </p:clrMapOvr>
-</p:sld>
-</file>
-
-<file path=ppt/slides/slide77.xml><?xml version="1.0" encoding="utf-8"?>
-<p:sld xmlns:a="http://schemas.openxmlformats.org/drawingml/2006/main" xmlns:r="http://schemas.openxmlformats.org/officeDocument/2006/relationships" xmlns:p="http://schemas.openxmlformats.org/presentationml/2006/main">
-  <p:cSld>
-    <p:spTree>
-      <p:nvGrpSpPr>
-        <p:cNvPr id="1" name=""/>
-        <p:cNvGrpSpPr/>
-        <p:nvPr/>
-      </p:nvGrpSpPr>
-      <p:grpSpPr>
-        <a:xfrm>
-          <a:off x="0" y="0"/>
-          <a:ext cx="0" cy="0"/>
-          <a:chOff x="0" y="0"/>
-          <a:chExt cx="0" cy="0"/>
-        </a:xfrm>
-      </p:grpSpPr>
-      <p:sp>
-        <p:nvSpPr>
-          <p:cNvPr id="2" name="Title 1">
-            <a:extLst>
-              <a:ext uri="{FF2B5EF4-FFF2-40B4-BE49-F238E27FC236}">
                 <a16:creationId xmlns:a16="http://schemas.microsoft.com/office/drawing/2014/main" id="{EAAA22BD-DB45-4D1F-9302-275D4DA4CDD4}"/>
               </a:ext>
             </a:extLst>
@@ -18285,7 +17935,7 @@
 </p:sld>
 </file>
 
-<file path=ppt/slides/slide78.xml><?xml version="1.0" encoding="utf-8"?>
+<file path=ppt/slides/slide76.xml><?xml version="1.0" encoding="utf-8"?>
 <p:sld xmlns:a="http://schemas.openxmlformats.org/drawingml/2006/main" xmlns:r="http://schemas.openxmlformats.org/officeDocument/2006/relationships" xmlns:p="http://schemas.openxmlformats.org/presentationml/2006/main">
   <p:cSld>
     <p:spTree>
@@ -18374,7 +18024,7 @@
 </p:sld>
 </file>
 
-<file path=ppt/slides/slide79.xml><?xml version="1.0" encoding="utf-8"?>
+<file path=ppt/slides/slide77.xml><?xml version="1.0" encoding="utf-8"?>
 <p:sld xmlns:a="http://schemas.openxmlformats.org/drawingml/2006/main" xmlns:r="http://schemas.openxmlformats.org/officeDocument/2006/relationships" xmlns:p="http://schemas.openxmlformats.org/presentationml/2006/main">
   <p:cSld>
     <p:spTree>
@@ -18501,6 +18151,144 @@
     <p:extLst>
       <p:ext uri="{BB962C8B-B14F-4D97-AF65-F5344CB8AC3E}">
         <p14:creationId xmlns:p14="http://schemas.microsoft.com/office/powerpoint/2010/main" val="3312634249"/>
+      </p:ext>
+    </p:extLst>
+  </p:cSld>
+  <p:clrMapOvr>
+    <a:masterClrMapping/>
+  </p:clrMapOvr>
+</p:sld>
+</file>
+
+<file path=ppt/slides/slide78.xml><?xml version="1.0" encoding="utf-8"?>
+<p:sld xmlns:a="http://schemas.openxmlformats.org/drawingml/2006/main" xmlns:r="http://schemas.openxmlformats.org/officeDocument/2006/relationships" xmlns:p="http://schemas.openxmlformats.org/presentationml/2006/main">
+  <p:cSld>
+    <p:spTree>
+      <p:nvGrpSpPr>
+        <p:cNvPr id="1" name=""/>
+        <p:cNvGrpSpPr/>
+        <p:nvPr/>
+      </p:nvGrpSpPr>
+      <p:grpSpPr>
+        <a:xfrm>
+          <a:off x="0" y="0"/>
+          <a:ext cx="0" cy="0"/>
+          <a:chOff x="0" y="0"/>
+          <a:chExt cx="0" cy="0"/>
+        </a:xfrm>
+      </p:grpSpPr>
+      <p:sp>
+        <p:nvSpPr>
+          <p:cNvPr id="2" name="Title 1">
+            <a:extLst>
+              <a:ext uri="{FF2B5EF4-FFF2-40B4-BE49-F238E27FC236}">
+                <a16:creationId xmlns:a16="http://schemas.microsoft.com/office/drawing/2014/main" id="{FFCC137A-1E39-46C4-88CE-9C922D97F5F5}"/>
+              </a:ext>
+            </a:extLst>
+          </p:cNvPr>
+          <p:cNvSpPr>
+            <a:spLocks noGrp="1"/>
+          </p:cNvSpPr>
+          <p:nvPr>
+            <p:ph type="title"/>
+          </p:nvPr>
+        </p:nvSpPr>
+        <p:spPr/>
+        <p:txBody>
+          <a:bodyPr>
+            <a:normAutofit/>
+          </a:bodyPr>
+          <a:lstStyle/>
+          <a:p>
+            <a:r>
+              <a:rPr lang="en-US" sz="4000" dirty="0"/>
+              <a:t>Practices</a:t>
+            </a:r>
+          </a:p>
+        </p:txBody>
+      </p:sp>
+      <p:sp>
+        <p:nvSpPr>
+          <p:cNvPr id="3" name="Content Placeholder 2">
+            <a:extLst>
+              <a:ext uri="{FF2B5EF4-FFF2-40B4-BE49-F238E27FC236}">
+                <a16:creationId xmlns:a16="http://schemas.microsoft.com/office/drawing/2014/main" id="{62E00AED-25DB-4B87-9D94-BFC755ED3CCF}"/>
+              </a:ext>
+            </a:extLst>
+          </p:cNvPr>
+          <p:cNvSpPr>
+            <a:spLocks noGrp="1"/>
+          </p:cNvSpPr>
+          <p:nvPr>
+            <p:ph idx="1"/>
+          </p:nvPr>
+        </p:nvSpPr>
+        <p:spPr/>
+        <p:txBody>
+          <a:bodyPr>
+            <a:normAutofit/>
+          </a:bodyPr>
+          <a:lstStyle/>
+          <a:p>
+            <a:r>
+              <a:rPr lang="en-US" dirty="0"/>
+              <a:t>3 Which of the following accurately defines arbitrage?</a:t>
+            </a:r>
+          </a:p>
+          <a:p>
+            <a:pPr lvl="1"/>
+            <a:r>
+              <a:rPr lang="en-US" dirty="0"/>
+              <a:t>A An opportunity to make a profit at no risk</a:t>
+            </a:r>
+          </a:p>
+          <a:p>
+            <a:pPr lvl="1"/>
+            <a:r>
+              <a:rPr lang="en-US" dirty="0"/>
+              <a:t>B An opportunity to make a profit at no risk and with the investment of no capital</a:t>
+            </a:r>
+          </a:p>
+          <a:p>
+            <a:pPr lvl="1"/>
+            <a:r>
+              <a:rPr lang="en-US" dirty="0"/>
+              <a:t>C An opportunity to earn a return in excess of the return appropriate for the risk assumed</a:t>
+            </a:r>
+          </a:p>
+          <a:p>
+            <a:r>
+              <a:rPr lang="en-US" dirty="0"/>
+              <a:t>4 Which of the following ways best describes how arbitrage contributes to market efficiency?</a:t>
+            </a:r>
+          </a:p>
+          <a:p>
+            <a:pPr lvl="1"/>
+            <a:r>
+              <a:rPr lang="en-US" dirty="0"/>
+              <a:t>A Arbitrage penalizes those who trade too rapidly.</a:t>
+            </a:r>
+          </a:p>
+          <a:p>
+            <a:pPr lvl="1"/>
+            <a:r>
+              <a:rPr lang="en-US" dirty="0"/>
+              <a:t>B Arbitrage equalizes the risks taken by all market participants.</a:t>
+            </a:r>
+          </a:p>
+          <a:p>
+            <a:pPr lvl="1"/>
+            <a:r>
+              <a:rPr lang="en-US" dirty="0"/>
+              <a:t>C Arbitrage improves the rate at which prices converge to their relative fair values.</a:t>
+            </a:r>
+          </a:p>
+        </p:txBody>
+      </p:sp>
+    </p:spTree>
+    <p:extLst>
+      <p:ext uri="{BB962C8B-B14F-4D97-AF65-F5344CB8AC3E}">
+        <p14:creationId xmlns:p14="http://schemas.microsoft.com/office/powerpoint/2010/main" val="2203094148"/>
       </p:ext>
     </p:extLst>
   </p:cSld>
@@ -18622,144 +18410,6 @@
     <p:extLst>
       <p:ext uri="{BB962C8B-B14F-4D97-AF65-F5344CB8AC3E}">
         <p14:creationId xmlns:p14="http://schemas.microsoft.com/office/powerpoint/2010/main" val="232793719"/>
-      </p:ext>
-    </p:extLst>
-  </p:cSld>
-  <p:clrMapOvr>
-    <a:masterClrMapping/>
-  </p:clrMapOvr>
-</p:sld>
-</file>
-
-<file path=ppt/slides/slide80.xml><?xml version="1.0" encoding="utf-8"?>
-<p:sld xmlns:a="http://schemas.openxmlformats.org/drawingml/2006/main" xmlns:r="http://schemas.openxmlformats.org/officeDocument/2006/relationships" xmlns:p="http://schemas.openxmlformats.org/presentationml/2006/main">
-  <p:cSld>
-    <p:spTree>
-      <p:nvGrpSpPr>
-        <p:cNvPr id="1" name=""/>
-        <p:cNvGrpSpPr/>
-        <p:nvPr/>
-      </p:nvGrpSpPr>
-      <p:grpSpPr>
-        <a:xfrm>
-          <a:off x="0" y="0"/>
-          <a:ext cx="0" cy="0"/>
-          <a:chOff x="0" y="0"/>
-          <a:chExt cx="0" cy="0"/>
-        </a:xfrm>
-      </p:grpSpPr>
-      <p:sp>
-        <p:nvSpPr>
-          <p:cNvPr id="2" name="Title 1">
-            <a:extLst>
-              <a:ext uri="{FF2B5EF4-FFF2-40B4-BE49-F238E27FC236}">
-                <a16:creationId xmlns:a16="http://schemas.microsoft.com/office/drawing/2014/main" id="{FFCC137A-1E39-46C4-88CE-9C922D97F5F5}"/>
-              </a:ext>
-            </a:extLst>
-          </p:cNvPr>
-          <p:cNvSpPr>
-            <a:spLocks noGrp="1"/>
-          </p:cNvSpPr>
-          <p:nvPr>
-            <p:ph type="title"/>
-          </p:nvPr>
-        </p:nvSpPr>
-        <p:spPr/>
-        <p:txBody>
-          <a:bodyPr>
-            <a:normAutofit/>
-          </a:bodyPr>
-          <a:lstStyle/>
-          <a:p>
-            <a:r>
-              <a:rPr lang="en-US" sz="4000" dirty="0"/>
-              <a:t>Practices</a:t>
-            </a:r>
-          </a:p>
-        </p:txBody>
-      </p:sp>
-      <p:sp>
-        <p:nvSpPr>
-          <p:cNvPr id="3" name="Content Placeholder 2">
-            <a:extLst>
-              <a:ext uri="{FF2B5EF4-FFF2-40B4-BE49-F238E27FC236}">
-                <a16:creationId xmlns:a16="http://schemas.microsoft.com/office/drawing/2014/main" id="{62E00AED-25DB-4B87-9D94-BFC755ED3CCF}"/>
-              </a:ext>
-            </a:extLst>
-          </p:cNvPr>
-          <p:cNvSpPr>
-            <a:spLocks noGrp="1"/>
-          </p:cNvSpPr>
-          <p:nvPr>
-            <p:ph idx="1"/>
-          </p:nvPr>
-        </p:nvSpPr>
-        <p:spPr/>
-        <p:txBody>
-          <a:bodyPr>
-            <a:normAutofit/>
-          </a:bodyPr>
-          <a:lstStyle/>
-          <a:p>
-            <a:r>
-              <a:rPr lang="en-US" dirty="0"/>
-              <a:t>3 Which of the following accurately defines arbitrage?</a:t>
-            </a:r>
-          </a:p>
-          <a:p>
-            <a:pPr lvl="1"/>
-            <a:r>
-              <a:rPr lang="en-US" dirty="0"/>
-              <a:t>A An opportunity to make a profit at no risk</a:t>
-            </a:r>
-          </a:p>
-          <a:p>
-            <a:pPr lvl="1"/>
-            <a:r>
-              <a:rPr lang="en-US" dirty="0"/>
-              <a:t>B An opportunity to make a profit at no risk and with the investment of no capital</a:t>
-            </a:r>
-          </a:p>
-          <a:p>
-            <a:pPr lvl="1"/>
-            <a:r>
-              <a:rPr lang="en-US" dirty="0"/>
-              <a:t>C An opportunity to earn a return in excess of the return appropriate for the risk assumed</a:t>
-            </a:r>
-          </a:p>
-          <a:p>
-            <a:r>
-              <a:rPr lang="en-US" dirty="0"/>
-              <a:t>4 Which of the following ways best describes how arbitrage contributes to market efficiency?</a:t>
-            </a:r>
-          </a:p>
-          <a:p>
-            <a:pPr lvl="1"/>
-            <a:r>
-              <a:rPr lang="en-US" dirty="0"/>
-              <a:t>A Arbitrage penalizes those who trade too rapidly.</a:t>
-            </a:r>
-          </a:p>
-          <a:p>
-            <a:pPr lvl="1"/>
-            <a:r>
-              <a:rPr lang="en-US" dirty="0"/>
-              <a:t>B Arbitrage equalizes the risks taken by all market participants.</a:t>
-            </a:r>
-          </a:p>
-          <a:p>
-            <a:pPr lvl="1"/>
-            <a:r>
-              <a:rPr lang="en-US" dirty="0"/>
-              <a:t>C Arbitrage improves the rate at which prices converge to their relative fair values.</a:t>
-            </a:r>
-          </a:p>
-        </p:txBody>
-      </p:sp>
-    </p:spTree>
-    <p:extLst>
-      <p:ext uri="{BB962C8B-B14F-4D97-AF65-F5344CB8AC3E}">
-        <p14:creationId xmlns:p14="http://schemas.microsoft.com/office/powerpoint/2010/main" val="2203094148"/>
       </p:ext>
     </p:extLst>
   </p:cSld>

--- a/Reading 46.pptx
+++ b/Reading 46.pptx
@@ -37,52 +37,51 @@
     <p:sldId id="347" r:id="rId31"/>
     <p:sldId id="348" r:id="rId32"/>
     <p:sldId id="276" r:id="rId33"/>
-    <p:sldId id="318" r:id="rId34"/>
-    <p:sldId id="278" r:id="rId35"/>
-    <p:sldId id="279" r:id="rId36"/>
-    <p:sldId id="280" r:id="rId37"/>
-    <p:sldId id="281" r:id="rId38"/>
-    <p:sldId id="282" r:id="rId39"/>
-    <p:sldId id="283" r:id="rId40"/>
-    <p:sldId id="284" r:id="rId41"/>
-    <p:sldId id="285" r:id="rId42"/>
-    <p:sldId id="286" r:id="rId43"/>
-    <p:sldId id="287" r:id="rId44"/>
-    <p:sldId id="288" r:id="rId45"/>
-    <p:sldId id="319" r:id="rId46"/>
-    <p:sldId id="320" r:id="rId47"/>
-    <p:sldId id="289" r:id="rId48"/>
-    <p:sldId id="290" r:id="rId49"/>
-    <p:sldId id="291" r:id="rId50"/>
-    <p:sldId id="292" r:id="rId51"/>
-    <p:sldId id="293" r:id="rId52"/>
-    <p:sldId id="294" r:id="rId53"/>
-    <p:sldId id="321" r:id="rId54"/>
-    <p:sldId id="295" r:id="rId55"/>
-    <p:sldId id="296" r:id="rId56"/>
-    <p:sldId id="297" r:id="rId57"/>
-    <p:sldId id="302" r:id="rId58"/>
-    <p:sldId id="303" r:id="rId59"/>
-    <p:sldId id="298" r:id="rId60"/>
-    <p:sldId id="299" r:id="rId61"/>
-    <p:sldId id="322" r:id="rId62"/>
-    <p:sldId id="323" r:id="rId63"/>
-    <p:sldId id="324" r:id="rId64"/>
-    <p:sldId id="301" r:id="rId65"/>
-    <p:sldId id="300" r:id="rId66"/>
-    <p:sldId id="306" r:id="rId67"/>
-    <p:sldId id="304" r:id="rId68"/>
-    <p:sldId id="305" r:id="rId69"/>
-    <p:sldId id="307" r:id="rId70"/>
-    <p:sldId id="308" r:id="rId71"/>
-    <p:sldId id="309" r:id="rId72"/>
-    <p:sldId id="310" r:id="rId73"/>
-    <p:sldId id="325" r:id="rId74"/>
-    <p:sldId id="326" r:id="rId75"/>
-    <p:sldId id="327" r:id="rId76"/>
-    <p:sldId id="311" r:id="rId77"/>
-    <p:sldId id="312" r:id="rId78"/>
-    <p:sldId id="313" r:id="rId79"/>
+    <p:sldId id="278" r:id="rId34"/>
+    <p:sldId id="318" r:id="rId35"/>
+    <p:sldId id="349" r:id="rId36"/>
+    <p:sldId id="350" r:id="rId37"/>
+    <p:sldId id="351" r:id="rId38"/>
+    <p:sldId id="283" r:id="rId39"/>
+    <p:sldId id="284" r:id="rId40"/>
+    <p:sldId id="285" r:id="rId41"/>
+    <p:sldId id="286" r:id="rId42"/>
+    <p:sldId id="287" r:id="rId43"/>
+    <p:sldId id="288" r:id="rId44"/>
+    <p:sldId id="319" r:id="rId45"/>
+    <p:sldId id="320" r:id="rId46"/>
+    <p:sldId id="289" r:id="rId47"/>
+    <p:sldId id="290" r:id="rId48"/>
+    <p:sldId id="291" r:id="rId49"/>
+    <p:sldId id="292" r:id="rId50"/>
+    <p:sldId id="293" r:id="rId51"/>
+    <p:sldId id="294" r:id="rId52"/>
+    <p:sldId id="321" r:id="rId53"/>
+    <p:sldId id="295" r:id="rId54"/>
+    <p:sldId id="296" r:id="rId55"/>
+    <p:sldId id="297" r:id="rId56"/>
+    <p:sldId id="302" r:id="rId57"/>
+    <p:sldId id="303" r:id="rId58"/>
+    <p:sldId id="298" r:id="rId59"/>
+    <p:sldId id="299" r:id="rId60"/>
+    <p:sldId id="322" r:id="rId61"/>
+    <p:sldId id="323" r:id="rId62"/>
+    <p:sldId id="324" r:id="rId63"/>
+    <p:sldId id="301" r:id="rId64"/>
+    <p:sldId id="300" r:id="rId65"/>
+    <p:sldId id="306" r:id="rId66"/>
+    <p:sldId id="304" r:id="rId67"/>
+    <p:sldId id="305" r:id="rId68"/>
+    <p:sldId id="307" r:id="rId69"/>
+    <p:sldId id="308" r:id="rId70"/>
+    <p:sldId id="309" r:id="rId71"/>
+    <p:sldId id="310" r:id="rId72"/>
+    <p:sldId id="325" r:id="rId73"/>
+    <p:sldId id="326" r:id="rId74"/>
+    <p:sldId id="327" r:id="rId75"/>
+    <p:sldId id="311" r:id="rId76"/>
+    <p:sldId id="312" r:id="rId77"/>
+    <p:sldId id="313" r:id="rId78"/>
   </p:sldIdLst>
   <p:sldSz cx="12192000" cy="6858000"/>
   <p:notesSz cx="6858000" cy="9144000"/>
@@ -248,14 +247,13 @@
             <p14:sldId id="276"/>
           </p14:sldIdLst>
         </p14:section>
-        <p14:section name="Call option" id="{66889FBA-4C85-4D8B-B06E-EDB115D0C581}">
+        <p14:section name="Pricing and valuation of option" id="{66889FBA-4C85-4D8B-B06E-EDB115D0C581}">
           <p14:sldIdLst>
+            <p14:sldId id="278"/>
             <p14:sldId id="318"/>
-            <p14:sldId id="278"/>
-            <p14:sldId id="279"/>
-            <p14:sldId id="280"/>
-            <p14:sldId id="281"/>
-            <p14:sldId id="282"/>
+            <p14:sldId id="349"/>
+            <p14:sldId id="350"/>
+            <p14:sldId id="351"/>
           </p14:sldIdLst>
         </p14:section>
         <p14:section name="Put option" id="{CB3F6CAE-43A9-497C-9241-941724A89EEF}">
@@ -1054,7 +1052,7 @@
             <a:fld id="{B61BEF0D-F0BB-DE4B-95CE-6DB70DBA9567}" type="datetimeFigureOut">
               <a:rPr lang="en-US" smtClean="0"/>
               <a:pPr/>
-              <a:t>2/25/2022</a:t>
+              <a:t>2/28/2022</a:t>
             </a:fld>
             <a:endParaRPr lang="en-US" dirty="0"/>
           </a:p>
@@ -1307,7 +1305,7 @@
             <a:fld id="{B61BEF0D-F0BB-DE4B-95CE-6DB70DBA9567}" type="datetimeFigureOut">
               <a:rPr lang="en-US" smtClean="0"/>
               <a:pPr/>
-              <a:t>2/25/2022</a:t>
+              <a:t>2/28/2022</a:t>
             </a:fld>
             <a:endParaRPr lang="en-US" dirty="0"/>
           </a:p>
@@ -1623,7 +1621,7 @@
             <a:fld id="{B61BEF0D-F0BB-DE4B-95CE-6DB70DBA9567}" type="datetimeFigureOut">
               <a:rPr lang="en-US" smtClean="0"/>
               <a:pPr/>
-              <a:t>2/25/2022</a:t>
+              <a:t>2/28/2022</a:t>
             </a:fld>
             <a:endParaRPr lang="en-US" dirty="0"/>
           </a:p>
@@ -1966,7 +1964,7 @@
             <a:fld id="{B61BEF0D-F0BB-DE4B-95CE-6DB70DBA9567}" type="datetimeFigureOut">
               <a:rPr lang="en-US" smtClean="0"/>
               <a:pPr/>
-              <a:t>2/25/2022</a:t>
+              <a:t>2/28/2022</a:t>
             </a:fld>
             <a:endParaRPr lang="en-US" dirty="0"/>
           </a:p>
@@ -2282,7 +2280,7 @@
             <a:fld id="{B61BEF0D-F0BB-DE4B-95CE-6DB70DBA9567}" type="datetimeFigureOut">
               <a:rPr lang="en-US" smtClean="0"/>
               <a:pPr/>
-              <a:t>2/25/2022</a:t>
+              <a:t>2/28/2022</a:t>
             </a:fld>
             <a:endParaRPr lang="en-US" dirty="0"/>
           </a:p>
@@ -2677,7 +2675,7 @@
             <a:fld id="{B61BEF0D-F0BB-DE4B-95CE-6DB70DBA9567}" type="datetimeFigureOut">
               <a:rPr lang="en-US" smtClean="0"/>
               <a:pPr/>
-              <a:t>2/25/2022</a:t>
+              <a:t>2/28/2022</a:t>
             </a:fld>
             <a:endParaRPr lang="en-US" dirty="0"/>
           </a:p>
@@ -2848,7 +2846,7 @@
           <a:p>
             <a:fld id="{55C6B4A9-1611-4792-9094-5F34BCA07E0B}" type="datetimeFigureOut">
               <a:rPr lang="en-US" smtClean="0"/>
-              <a:t>2/25/2022</a:t>
+              <a:t>2/28/2022</a:t>
             </a:fld>
             <a:endParaRPr lang="en-US" dirty="0"/>
           </a:p>
@@ -3029,7 +3027,7 @@
             <a:fld id="{B61BEF0D-F0BB-DE4B-95CE-6DB70DBA9567}" type="datetimeFigureOut">
               <a:rPr lang="en-US" smtClean="0"/>
               <a:pPr/>
-              <a:t>2/25/2022</a:t>
+              <a:t>2/28/2022</a:t>
             </a:fld>
             <a:endParaRPr lang="en-US" dirty="0"/>
           </a:p>
@@ -3206,7 +3204,7 @@
           <a:p>
             <a:fld id="{42A54C80-263E-416B-A8E0-580EDEADCBDC}" type="datetimeFigureOut">
               <a:rPr lang="en-US" smtClean="0"/>
-              <a:t>2/25/2022</a:t>
+              <a:t>2/28/2022</a:t>
             </a:fld>
             <a:endParaRPr lang="en-US" dirty="0"/>
           </a:p>
@@ -3454,7 +3452,7 @@
             <a:fld id="{B61BEF0D-F0BB-DE4B-95CE-6DB70DBA9567}" type="datetimeFigureOut">
               <a:rPr lang="en-US" smtClean="0"/>
               <a:pPr/>
-              <a:t>2/25/2022</a:t>
+              <a:t>2/28/2022</a:t>
             </a:fld>
             <a:endParaRPr lang="en-US" dirty="0"/>
           </a:p>
@@ -3687,7 +3685,7 @@
           <a:p>
             <a:fld id="{42A54C80-263E-416B-A8E0-580EDEADCBDC}" type="datetimeFigureOut">
               <a:rPr lang="en-US" smtClean="0"/>
-              <a:t>2/25/2022</a:t>
+              <a:t>2/28/2022</a:t>
             </a:fld>
             <a:endParaRPr lang="en-US" dirty="0"/>
           </a:p>
@@ -4062,7 +4060,7 @@
             <a:fld id="{B61BEF0D-F0BB-DE4B-95CE-6DB70DBA9567}" type="datetimeFigureOut">
               <a:rPr lang="en-US" smtClean="0"/>
               <a:pPr/>
-              <a:t>2/25/2022</a:t>
+              <a:t>2/28/2022</a:t>
             </a:fld>
             <a:endParaRPr lang="en-US" dirty="0"/>
           </a:p>
@@ -4187,7 +4185,7 @@
             <a:fld id="{B61BEF0D-F0BB-DE4B-95CE-6DB70DBA9567}" type="datetimeFigureOut">
               <a:rPr lang="en-US" smtClean="0"/>
               <a:pPr/>
-              <a:t>2/25/2022</a:t>
+              <a:t>2/28/2022</a:t>
             </a:fld>
             <a:endParaRPr lang="en-US" dirty="0"/>
           </a:p>
@@ -4284,7 +4282,7 @@
             <a:fld id="{B61BEF0D-F0BB-DE4B-95CE-6DB70DBA9567}" type="datetimeFigureOut">
               <a:rPr lang="en-US" smtClean="0"/>
               <a:pPr/>
-              <a:t>2/25/2022</a:t>
+              <a:t>2/28/2022</a:t>
             </a:fld>
             <a:endParaRPr lang="en-US" dirty="0"/>
           </a:p>
@@ -4540,7 +4538,7 @@
           <a:p>
             <a:fld id="{42A54C80-263E-416B-A8E0-580EDEADCBDC}" type="datetimeFigureOut">
               <a:rPr lang="en-US" smtClean="0"/>
-              <a:t>2/25/2022</a:t>
+              <a:t>2/28/2022</a:t>
             </a:fld>
             <a:endParaRPr lang="en-US" dirty="0"/>
           </a:p>
@@ -4804,7 +4802,7 @@
             <a:fld id="{B61BEF0D-F0BB-DE4B-95CE-6DB70DBA9567}" type="datetimeFigureOut">
               <a:rPr lang="en-US" smtClean="0"/>
               <a:pPr/>
-              <a:t>2/25/2022</a:t>
+              <a:t>2/28/2022</a:t>
             </a:fld>
             <a:endParaRPr lang="en-US" dirty="0"/>
           </a:p>
@@ -5549,7 +5547,7 @@
             <a:fld id="{B61BEF0D-F0BB-DE4B-95CE-6DB70DBA9567}" type="datetimeFigureOut">
               <a:rPr lang="en-US" smtClean="0"/>
               <a:pPr/>
-              <a:t>2/25/2022</a:t>
+              <a:t>2/28/2022</a:t>
             </a:fld>
             <a:endParaRPr lang="en-US" dirty="0"/>
           </a:p>
@@ -10656,7 +10654,7 @@
           <p:cNvPr id="2" name="Title 1">
             <a:extLst>
               <a:ext uri="{FF2B5EF4-FFF2-40B4-BE49-F238E27FC236}">
-                <a16:creationId xmlns:a16="http://schemas.microsoft.com/office/drawing/2014/main" id="{3B6DC5E5-B49D-4096-80C1-B8052495A474}"/>
+                <a16:creationId xmlns:a16="http://schemas.microsoft.com/office/drawing/2014/main" id="{5EB0AABE-1CAE-4EC1-80D9-3EEF9BF9A4EE}"/>
               </a:ext>
             </a:extLst>
           </p:cNvPr>
@@ -10676,7 +10674,7 @@
           <a:p>
             <a:r>
               <a:rPr lang="en-US" sz="4000" dirty="0"/>
-              <a:t>Option Contracts</a:t>
+              <a:t>Pricing and Valuation of Option</a:t>
             </a:r>
           </a:p>
         </p:txBody>
@@ -10686,7 +10684,7 @@
           <p:cNvPr id="3" name="Content Placeholder 2">
             <a:extLst>
               <a:ext uri="{FF2B5EF4-FFF2-40B4-BE49-F238E27FC236}">
-                <a16:creationId xmlns:a16="http://schemas.microsoft.com/office/drawing/2014/main" id="{831B6362-3303-4415-9D10-C4E0904D67AF}"/>
+                <a16:creationId xmlns:a16="http://schemas.microsoft.com/office/drawing/2014/main" id="{A54AB833-2490-4D77-B3B4-3A3044CE47B9}"/>
               </a:ext>
             </a:extLst>
           </p:cNvPr>
@@ -10699,81 +10697,118 @@
         </p:nvSpPr>
         <p:spPr/>
         <p:txBody>
-          <a:bodyPr/>
-          <a:lstStyle/>
-          <a:p>
-            <a:r>
-              <a:rPr lang="en-US" sz="2800" dirty="0"/>
-              <a:t>Forward commitments</a:t>
-            </a:r>
-          </a:p>
-          <a:p>
-            <a:pPr lvl="1"/>
-            <a:r>
-              <a:rPr lang="en-US" sz="2800" dirty="0">
-                <a:solidFill>
-                  <a:schemeClr val="tx1"/>
+          <a:bodyPr>
+            <a:normAutofit/>
+          </a:bodyPr>
+          <a:lstStyle/>
+          <a:p>
+            <a:r>
+              <a:rPr lang="en-US" sz="2000" dirty="0"/>
+              <a:t>Definition: An option is a derivative contract in which one party, the </a:t>
+            </a:r>
+            <a:r>
+              <a:rPr lang="en-US" sz="2000" dirty="0">
+                <a:solidFill>
+                  <a:srgbClr val="FF0000"/>
                 </a:solidFill>
               </a:rPr>
-              <a:t>Forward</a:t>
-            </a:r>
-          </a:p>
-          <a:p>
-            <a:pPr lvl="1"/>
-            <a:r>
-              <a:rPr lang="en-US" sz="2800" dirty="0">
-                <a:solidFill>
-                  <a:schemeClr val="tx1"/>
+              <a:t>buyer</a:t>
+            </a:r>
+            <a:r>
+              <a:rPr lang="en-US" sz="2000" dirty="0"/>
+              <a:t>, pays </a:t>
+            </a:r>
+            <a:r>
+              <a:rPr lang="en-US" sz="2000" dirty="0">
+                <a:solidFill>
+                  <a:srgbClr val="FF0000"/>
                 </a:solidFill>
               </a:rPr>
-              <a:t>Futures</a:t>
-            </a:r>
-          </a:p>
-          <a:p>
-            <a:pPr lvl="1"/>
-            <a:r>
-              <a:rPr lang="en-US" sz="2800" dirty="0">
-                <a:solidFill>
-                  <a:schemeClr val="tx1"/>
+              <a:t>a sum of money </a:t>
+            </a:r>
+            <a:r>
+              <a:rPr lang="en-US" sz="2000" dirty="0"/>
+              <a:t>to the other party, the </a:t>
+            </a:r>
+            <a:r>
+              <a:rPr lang="en-US" sz="2000" dirty="0">
+                <a:solidFill>
+                  <a:srgbClr val="FF0000"/>
                 </a:solidFill>
               </a:rPr>
-              <a:t>Swap</a:t>
-            </a:r>
-          </a:p>
-          <a:p>
-            <a:r>
-              <a:rPr lang="en-US" sz="2800" dirty="0"/>
-              <a:t>Contingent claims</a:t>
-            </a:r>
-          </a:p>
-          <a:p>
-            <a:pPr lvl="1"/>
-            <a:r>
-              <a:rPr lang="en-US" sz="2800" u="sng" dirty="0">
+              <a:t>seller</a:t>
+            </a:r>
+            <a:r>
+              <a:rPr lang="en-US" sz="2000" dirty="0"/>
+              <a:t> or writer, and receives the </a:t>
+            </a:r>
+            <a:r>
+              <a:rPr lang="en-US" sz="2000" dirty="0">
                 <a:solidFill>
                   <a:srgbClr val="FF0000"/>
                 </a:solidFill>
               </a:rPr>
-              <a:t>Option</a:t>
-            </a:r>
-          </a:p>
-          <a:p>
-            <a:pPr lvl="1"/>
-            <a:r>
-              <a:rPr lang="en-US" sz="2800" dirty="0"/>
-              <a:t>Credit Derivatives</a:t>
-            </a:r>
-          </a:p>
-          <a:p>
-            <a:pPr lvl="1"/>
-            <a:endParaRPr lang="en-US" dirty="0"/>
+              <a:t>right</a:t>
+            </a:r>
+            <a:r>
+              <a:rPr lang="en-US" sz="2000" dirty="0"/>
+              <a:t> to either </a:t>
+            </a:r>
+            <a:r>
+              <a:rPr lang="en-US" sz="2000" dirty="0">
+                <a:solidFill>
+                  <a:srgbClr val="FF0000"/>
+                </a:solidFill>
+              </a:rPr>
+              <a:t>buy or sell </a:t>
+            </a:r>
+            <a:r>
+              <a:rPr lang="en-US" sz="2000" dirty="0"/>
+              <a:t>an underlying asset at a </a:t>
+            </a:r>
+            <a:r>
+              <a:rPr lang="en-US" sz="2000" dirty="0">
+                <a:solidFill>
+                  <a:srgbClr val="FF0000"/>
+                </a:solidFill>
+              </a:rPr>
+              <a:t>fixed price </a:t>
+            </a:r>
+            <a:r>
+              <a:rPr lang="en-US" sz="2000" dirty="0"/>
+              <a:t>either on a </a:t>
+            </a:r>
+            <a:r>
+              <a:rPr lang="en-US" sz="2000" dirty="0">
+                <a:solidFill>
+                  <a:srgbClr val="FF0000"/>
+                </a:solidFill>
+              </a:rPr>
+              <a:t>specific expiration date </a:t>
+            </a:r>
+            <a:r>
+              <a:rPr lang="en-US" sz="2000" dirty="0"/>
+              <a:t>or at </a:t>
+            </a:r>
+            <a:r>
+              <a:rPr lang="en-US" sz="2000" dirty="0">
+                <a:solidFill>
+                  <a:srgbClr val="FF0000"/>
+                </a:solidFill>
+              </a:rPr>
+              <a:t>any time prior to the expiration date</a:t>
+            </a:r>
+            <a:r>
+              <a:rPr lang="en-US" sz="2000" dirty="0"/>
+              <a:t>.</a:t>
+            </a:r>
           </a:p>
         </p:txBody>
       </p:sp>
     </p:spTree>
     <p:extLst>
       <p:ext uri="{BB962C8B-B14F-4D97-AF65-F5344CB8AC3E}">
-        <p14:creationId xmlns:p14="http://schemas.microsoft.com/office/powerpoint/2010/main" val="1599816682"/>
+        <p14:creationId xmlns:p14="http://schemas.microsoft.com/office/powerpoint/2010/main" val="1082316828"/>
       </p:ext>
     </p:extLst>
   </p:cSld>
@@ -10805,7 +10840,7 @@
           <p:cNvPr id="2" name="Title 1">
             <a:extLst>
               <a:ext uri="{FF2B5EF4-FFF2-40B4-BE49-F238E27FC236}">
-                <a16:creationId xmlns:a16="http://schemas.microsoft.com/office/drawing/2014/main" id="{5EB0AABE-1CAE-4EC1-80D9-3EEF9BF9A4EE}"/>
+                <a16:creationId xmlns:a16="http://schemas.microsoft.com/office/drawing/2014/main" id="{3B6DC5E5-B49D-4096-80C1-B8052495A474}"/>
               </a:ext>
             </a:extLst>
           </p:cNvPr>
@@ -10825,7 +10860,14 @@
           <a:p>
             <a:r>
               <a:rPr lang="en-US" sz="4000" dirty="0"/>
-              <a:t>Option Contracts</a:t>
+              <a:t>Pricing and Valuation of Option</a:t>
+            </a:r>
+            <a:br>
+              <a:rPr lang="en-US" sz="4000" dirty="0"/>
+            </a:br>
+            <a:r>
+              <a:rPr lang="en-US" dirty="0"/>
+              <a:t>European Option</a:t>
             </a:r>
           </a:p>
         </p:txBody>
@@ -10835,7 +10877,7 @@
           <p:cNvPr id="3" name="Content Placeholder 2">
             <a:extLst>
               <a:ext uri="{FF2B5EF4-FFF2-40B4-BE49-F238E27FC236}">
-                <a16:creationId xmlns:a16="http://schemas.microsoft.com/office/drawing/2014/main" id="{A54AB833-2490-4D77-B3B4-3A3044CE47B9}"/>
+                <a16:creationId xmlns:a16="http://schemas.microsoft.com/office/drawing/2014/main" id="{831B6362-3303-4415-9D10-C4E0904D67AF}"/>
               </a:ext>
             </a:extLst>
           </p:cNvPr>
@@ -10848,118 +10890,85 @@
         </p:nvSpPr>
         <p:spPr/>
         <p:txBody>
-          <a:bodyPr>
-            <a:normAutofit/>
-          </a:bodyPr>
-          <a:lstStyle/>
-          <a:p>
-            <a:r>
-              <a:rPr lang="en-US" sz="2000" dirty="0"/>
-              <a:t>Definition: An option is a derivative contract in which one party, the </a:t>
-            </a:r>
-            <a:r>
-              <a:rPr lang="en-US" sz="2000" dirty="0">
+          <a:bodyPr/>
+          <a:lstStyle/>
+          <a:p>
+            <a:r>
+              <a:rPr lang="en-US" sz="2800" dirty="0"/>
+              <a:t>Value of a European option at expiration</a:t>
+            </a:r>
+          </a:p>
+          <a:p>
+            <a:r>
+              <a:rPr lang="en-US" sz="2800" dirty="0" err="1"/>
+              <a:t>cT</a:t>
+            </a:r>
+            <a:r>
+              <a:rPr lang="en-US" sz="2800" dirty="0"/>
+              <a:t> = Max(0,ST – X)</a:t>
+            </a:r>
+          </a:p>
+          <a:p>
+            <a:r>
+              <a:rPr lang="en-US" sz="2800" dirty="0" err="1"/>
+              <a:t>pT</a:t>
+            </a:r>
+            <a:r>
+              <a:rPr lang="en-US" sz="2800" dirty="0"/>
+              <a:t> = Max(0,X – ST)</a:t>
+            </a:r>
+          </a:p>
+          <a:p>
+            <a:r>
+              <a:rPr lang="en-US" sz="2800" dirty="0"/>
+              <a:t>This formula is also sometimes referred to as the </a:t>
+            </a:r>
+            <a:r>
+              <a:rPr lang="en-US" sz="2800" dirty="0">
                 <a:solidFill>
                   <a:srgbClr val="FF0000"/>
                 </a:solidFill>
               </a:rPr>
-              <a:t>buyer</a:t>
-            </a:r>
-            <a:r>
-              <a:rPr lang="en-US" sz="2000" dirty="0"/>
-              <a:t>, pays </a:t>
-            </a:r>
-            <a:r>
-              <a:rPr lang="en-US" sz="2000" dirty="0">
+              <a:t>exercise value </a:t>
+            </a:r>
+            <a:r>
+              <a:rPr lang="en-US" sz="2800" dirty="0"/>
+              <a:t>or </a:t>
+            </a:r>
+            <a:r>
+              <a:rPr lang="en-US" sz="2800" dirty="0">
                 <a:solidFill>
                   <a:srgbClr val="FF0000"/>
                 </a:solidFill>
               </a:rPr>
-              <a:t>a sum of money </a:t>
-            </a:r>
-            <a:r>
-              <a:rPr lang="en-US" sz="2000" dirty="0"/>
-              <a:t>to the other party, the </a:t>
-            </a:r>
-            <a:r>
-              <a:rPr lang="en-US" sz="2000" dirty="0">
+              <a:t>intrinsic</a:t>
+            </a:r>
+            <a:r>
+              <a:rPr lang="en-US" sz="2800" dirty="0"/>
+              <a:t> </a:t>
+            </a:r>
+            <a:r>
+              <a:rPr lang="en-US" sz="2800" dirty="0">
                 <a:solidFill>
                   <a:srgbClr val="FF0000"/>
                 </a:solidFill>
               </a:rPr>
-              <a:t>seller</a:t>
-            </a:r>
-            <a:r>
-              <a:rPr lang="en-US" sz="2000" dirty="0"/>
-              <a:t> or writer, and receives the </a:t>
-            </a:r>
-            <a:r>
-              <a:rPr lang="en-US" sz="2000" dirty="0">
-                <a:solidFill>
-                  <a:srgbClr val="FF0000"/>
-                </a:solidFill>
-              </a:rPr>
-              <a:t>right</a:t>
-            </a:r>
-            <a:r>
-              <a:rPr lang="en-US" sz="2000" dirty="0"/>
-              <a:t> to either </a:t>
-            </a:r>
-            <a:r>
-              <a:rPr lang="en-US" sz="2000" dirty="0">
-                <a:solidFill>
-                  <a:srgbClr val="FF0000"/>
-                </a:solidFill>
-              </a:rPr>
-              <a:t>buy or sell </a:t>
-            </a:r>
-            <a:r>
-              <a:rPr lang="en-US" sz="2000" dirty="0"/>
-              <a:t>an underlying asset at a </a:t>
-            </a:r>
-            <a:r>
-              <a:rPr lang="en-US" sz="2000" dirty="0">
-                <a:solidFill>
-                  <a:srgbClr val="FF0000"/>
-                </a:solidFill>
-              </a:rPr>
-              <a:t>fixed price </a:t>
-            </a:r>
-            <a:r>
-              <a:rPr lang="en-US" sz="2000" dirty="0"/>
-              <a:t>either on a </a:t>
-            </a:r>
-            <a:r>
-              <a:rPr lang="en-US" sz="2000" dirty="0">
-                <a:solidFill>
-                  <a:srgbClr val="FF0000"/>
-                </a:solidFill>
-              </a:rPr>
-              <a:t>specific expiration date </a:t>
-            </a:r>
-            <a:r>
-              <a:rPr lang="en-US" sz="2000" dirty="0"/>
-              <a:t>or at </a:t>
-            </a:r>
-            <a:r>
-              <a:rPr lang="en-US" sz="2000" dirty="0">
-                <a:solidFill>
-                  <a:srgbClr val="FF0000"/>
-                </a:solidFill>
-              </a:rPr>
-              <a:t>any time prior to the expiration date</a:t>
-            </a:r>
-            <a:r>
-              <a:rPr lang="en-US" sz="2000" dirty="0"/>
+              <a:t>value</a:t>
+            </a:r>
+            <a:r>
+              <a:rPr lang="en-US" sz="2800" dirty="0"/>
               <a:t>.</a:t>
             </a:r>
+          </a:p>
+          <a:p>
+            <a:endParaRPr lang="en-US" sz="2800" dirty="0"/>
           </a:p>
         </p:txBody>
       </p:sp>
     </p:spTree>
     <p:extLst>
       <p:ext uri="{BB962C8B-B14F-4D97-AF65-F5344CB8AC3E}">
-        <p14:creationId xmlns:p14="http://schemas.microsoft.com/office/powerpoint/2010/main" val="1082316828"/>
+        <p14:creationId xmlns:p14="http://schemas.microsoft.com/office/powerpoint/2010/main" val="1599816682"/>
       </p:ext>
     </p:extLst>
   </p:cSld>
@@ -10991,7 +11000,7 @@
           <p:cNvPr id="2" name="Title 1">
             <a:extLst>
               <a:ext uri="{FF2B5EF4-FFF2-40B4-BE49-F238E27FC236}">
-                <a16:creationId xmlns:a16="http://schemas.microsoft.com/office/drawing/2014/main" id="{096E0117-21B6-4AAB-91F2-B9AD0BE3F9A4}"/>
+                <a16:creationId xmlns:a16="http://schemas.microsoft.com/office/drawing/2014/main" id="{2E044758-2A7B-4F70-9F50-34482D07713C}"/>
               </a:ext>
             </a:extLst>
           </p:cNvPr>
@@ -11004,21 +11013,19 @@
         </p:nvSpPr>
         <p:spPr/>
         <p:txBody>
-          <a:bodyPr>
-            <a:normAutofit/>
-          </a:bodyPr>
+          <a:bodyPr/>
           <a:lstStyle/>
           <a:p>
             <a:r>
               <a:rPr lang="en-US" sz="4000" dirty="0"/>
-              <a:t>Option Contracts</a:t>
+              <a:t>Pricing and Valuation of Option</a:t>
             </a:r>
             <a:br>
-              <a:rPr lang="en-US" sz="4000" dirty="0"/>
+              <a:rPr lang="en-US" dirty="0"/>
             </a:br>
             <a:r>
               <a:rPr lang="en-US" dirty="0"/>
-              <a:t>Call Option</a:t>
+              <a:t>European Option</a:t>
             </a:r>
           </a:p>
         </p:txBody>
@@ -11028,7 +11035,7 @@
           <p:cNvPr id="3" name="Content Placeholder 2">
             <a:extLst>
               <a:ext uri="{FF2B5EF4-FFF2-40B4-BE49-F238E27FC236}">
-                <a16:creationId xmlns:a16="http://schemas.microsoft.com/office/drawing/2014/main" id="{6ED5F0F9-17F4-4F5B-809B-7C296C504F71}"/>
+                <a16:creationId xmlns:a16="http://schemas.microsoft.com/office/drawing/2014/main" id="{790CFB62-EB14-43A4-BD93-8360D363E7CC}"/>
               </a:ext>
             </a:extLst>
           </p:cNvPr>
@@ -11039,224 +11046,15 @@
             <p:ph idx="1"/>
           </p:nvPr>
         </p:nvSpPr>
-        <p:spPr>
-          <a:xfrm>
-            <a:off x="677334" y="2160589"/>
-            <a:ext cx="8596668" cy="4697411"/>
-          </a:xfrm>
-        </p:spPr>
-        <p:txBody>
-          <a:bodyPr>
-            <a:normAutofit/>
-          </a:bodyPr>
-          <a:lstStyle/>
-          <a:p>
-            <a:r>
-              <a:rPr lang="en-US" dirty="0"/>
-              <a:t>The </a:t>
-            </a:r>
-            <a:r>
-              <a:rPr lang="en-US" dirty="0">
-                <a:solidFill>
-                  <a:srgbClr val="FF0000"/>
-                </a:solidFill>
-              </a:rPr>
-              <a:t>right to buy</a:t>
-            </a:r>
-            <a:r>
-              <a:rPr lang="en-US" dirty="0"/>
-              <a:t> is one type of option, referred to as a </a:t>
-            </a:r>
-            <a:r>
-              <a:rPr lang="en-US" b="1" dirty="0">
-                <a:solidFill>
-                  <a:srgbClr val="FF0000"/>
-                </a:solidFill>
-              </a:rPr>
-              <a:t>call </a:t>
-            </a:r>
-            <a:r>
-              <a:rPr lang="en-US" dirty="0">
-                <a:solidFill>
-                  <a:srgbClr val="FF0000"/>
-                </a:solidFill>
-              </a:rPr>
-              <a:t>or </a:t>
-            </a:r>
-            <a:r>
-              <a:rPr lang="en-US" b="1" dirty="0">
-                <a:solidFill>
-                  <a:srgbClr val="FF0000"/>
-                </a:solidFill>
-              </a:rPr>
-              <a:t>call option.</a:t>
-            </a:r>
-          </a:p>
-          <a:p>
-            <a:r>
-              <a:rPr lang="en-US" dirty="0">
-                <a:solidFill>
-                  <a:schemeClr val="tx1"/>
-                </a:solidFill>
-              </a:rPr>
-              <a:t>L</a:t>
-            </a:r>
-            <a:r>
-              <a:rPr lang="en-US" altLang="zh-CN" dirty="0">
-                <a:solidFill>
-                  <a:schemeClr val="tx1"/>
-                </a:solidFill>
-              </a:rPr>
-              <a:t>ong</a:t>
-            </a:r>
-            <a:r>
-              <a:rPr lang="zh-CN" altLang="en-US" dirty="0">
-                <a:solidFill>
-                  <a:schemeClr val="tx1"/>
-                </a:solidFill>
-              </a:rPr>
-              <a:t>：花钱获得一个权力</a:t>
-            </a:r>
-            <a:endParaRPr lang="en-US" altLang="zh-CN" dirty="0">
-              <a:solidFill>
-                <a:schemeClr val="tx1"/>
-              </a:solidFill>
-            </a:endParaRPr>
-          </a:p>
-          <a:p>
-            <a:r>
-              <a:rPr lang="en-US" dirty="0">
-                <a:solidFill>
-                  <a:schemeClr val="tx1"/>
-                </a:solidFill>
-              </a:rPr>
-              <a:t>S</a:t>
-            </a:r>
-            <a:r>
-              <a:rPr lang="en-US" altLang="zh-CN" dirty="0">
-                <a:solidFill>
-                  <a:schemeClr val="tx1"/>
-                </a:solidFill>
-              </a:rPr>
-              <a:t>hort</a:t>
-            </a:r>
-            <a:r>
-              <a:rPr lang="zh-CN" altLang="en-US" dirty="0">
-                <a:solidFill>
-                  <a:schemeClr val="tx1"/>
-                </a:solidFill>
-              </a:rPr>
-              <a:t>：收钱卖出一个权力</a:t>
-            </a:r>
-            <a:endParaRPr lang="en-US" dirty="0">
-              <a:solidFill>
-                <a:schemeClr val="tx1"/>
-              </a:solidFill>
-            </a:endParaRPr>
-          </a:p>
-          <a:p>
-            <a:r>
-              <a:rPr lang="en-US" dirty="0"/>
-              <a:t>Long</a:t>
-            </a:r>
-            <a:r>
-              <a:rPr lang="zh-CN" altLang="en-US" dirty="0"/>
-              <a:t> </a:t>
-            </a:r>
-            <a:r>
-              <a:rPr lang="en-US" altLang="zh-CN" dirty="0"/>
-              <a:t>call:</a:t>
-            </a:r>
-            <a:r>
-              <a:rPr lang="zh-CN" altLang="en-US" dirty="0"/>
-              <a:t>花钱（吃饭洗桑拿）获得一个买资产（买可乐）的权力</a:t>
-            </a:r>
-            <a:endParaRPr lang="en-US" altLang="zh-CN" dirty="0"/>
-          </a:p>
-          <a:p>
-            <a:r>
-              <a:rPr lang="en-US" altLang="zh-CN" dirty="0"/>
-              <a:t>Short call:</a:t>
-            </a:r>
-            <a:r>
-              <a:rPr lang="zh-CN" altLang="en-US" dirty="0"/>
-              <a:t>收钱（吃饭洗桑拿）卖出一个买资产（买可乐）的权力</a:t>
-            </a:r>
-            <a:endParaRPr lang="en-US" altLang="zh-CN" dirty="0"/>
-          </a:p>
-          <a:p>
-            <a:endParaRPr lang="en-US" altLang="zh-CN" dirty="0"/>
-          </a:p>
-          <a:p>
-            <a:endParaRPr lang="en-US" altLang="zh-CN" dirty="0"/>
-          </a:p>
-          <a:p>
-            <a:endParaRPr lang="en-US" altLang="zh-CN" dirty="0"/>
-          </a:p>
-          <a:p>
-            <a:r>
-              <a:rPr lang="en-US" altLang="zh-CN" dirty="0">
-                <a:solidFill>
-                  <a:srgbClr val="FF0000"/>
-                </a:solidFill>
-              </a:rPr>
-              <a:t>Option premium</a:t>
-            </a:r>
-            <a:r>
-              <a:rPr lang="en-US" altLang="zh-CN" dirty="0"/>
-              <a:t>: t</a:t>
-            </a:r>
-            <a:r>
-              <a:rPr lang="en-US" dirty="0"/>
-              <a:t>he buyer pays the writer(seller) a sum of money called the </a:t>
-            </a:r>
-            <a:r>
-              <a:rPr lang="en-US" b="1" dirty="0"/>
-              <a:t>option premium</a:t>
-            </a:r>
-            <a:r>
-              <a:rPr lang="en-US" dirty="0"/>
-              <a:t>, or just the “premium.”</a:t>
-            </a:r>
-          </a:p>
-          <a:p>
-            <a:r>
-              <a:rPr lang="en-US" altLang="zh-CN" dirty="0"/>
-              <a:t>The fixed price at which the underlying asset can be purchased is called the </a:t>
-            </a:r>
-            <a:r>
-              <a:rPr lang="en-US" altLang="zh-CN" dirty="0">
-                <a:solidFill>
-                  <a:srgbClr val="FF0000"/>
-                </a:solidFill>
-              </a:rPr>
-              <a:t>exercise price </a:t>
-            </a:r>
-            <a:r>
-              <a:rPr lang="en-US" altLang="zh-CN" dirty="0"/>
-              <a:t>(also called the “strike price,”  or the “striking price”).</a:t>
-            </a:r>
-          </a:p>
-          <a:p>
-            <a:endParaRPr lang="en-US" altLang="zh-CN" dirty="0"/>
-          </a:p>
-          <a:p>
-            <a:endParaRPr lang="en-US" altLang="zh-CN" dirty="0"/>
-          </a:p>
-          <a:p>
-            <a:endParaRPr lang="en-US" altLang="zh-CN" dirty="0"/>
-          </a:p>
-          <a:p>
-            <a:endParaRPr lang="en-US" dirty="0"/>
-          </a:p>
-          <a:p>
-            <a:endParaRPr lang="en-US" dirty="0"/>
-          </a:p>
-          <a:p>
-            <a:endParaRPr lang="en-US" dirty="0"/>
-          </a:p>
-          <a:p>
-            <a:endParaRPr lang="en-US" dirty="0"/>
+        <p:spPr/>
+        <p:txBody>
+          <a:bodyPr/>
+          <a:lstStyle/>
+          <a:p>
+            <a:r>
+              <a:rPr lang="en-US" dirty="0"/>
+              <a:t>The element in determining the value of  an option </a:t>
+            </a:r>
           </a:p>
           <a:p>
             <a:endParaRPr lang="en-US" dirty="0"/>
@@ -11268,7 +11066,7 @@
           <p:cNvPr id="4" name="Table 3">
             <a:extLst>
               <a:ext uri="{FF2B5EF4-FFF2-40B4-BE49-F238E27FC236}">
-                <a16:creationId xmlns:a16="http://schemas.microsoft.com/office/drawing/2014/main" id="{933F02FE-A9E6-47F2-B6A1-7324813CFA40}"/>
+                <a16:creationId xmlns:a16="http://schemas.microsoft.com/office/drawing/2014/main" id="{60DB76CD-2134-49D5-84E2-74A146C7A995}"/>
               </a:ext>
             </a:extLst>
           </p:cNvPr>
@@ -11278,14 +11076,14 @@
           <p:nvPr>
             <p:extLst>
               <p:ext uri="{D42A27DB-BD31-4B8C-83A1-F6EECF244321}">
-                <p14:modId xmlns:p14="http://schemas.microsoft.com/office/powerpoint/2010/main" val="791601908"/>
+                <p14:modId xmlns:p14="http://schemas.microsoft.com/office/powerpoint/2010/main" val="3763409119"/>
               </p:ext>
             </p:extLst>
           </p:nvPr>
         </p:nvGraphicFramePr>
         <p:xfrm>
-          <a:off x="1029625" y="4181634"/>
-          <a:ext cx="8127999" cy="1112520"/>
+          <a:off x="1146003" y="2768600"/>
+          <a:ext cx="8127999" cy="3235960"/>
         </p:xfrm>
         <a:graphic>
           <a:graphicData uri="http://schemas.openxmlformats.org/drawingml/2006/table">
@@ -11297,21 +11095,21 @@
                 <a:gridCol w="2709333">
                   <a:extLst>
                     <a:ext uri="{9D8B030D-6E8A-4147-A177-3AD203B41FA5}">
-                      <a16:colId xmlns:a16="http://schemas.microsoft.com/office/drawing/2014/main" val="3234738448"/>
+                      <a16:colId xmlns:a16="http://schemas.microsoft.com/office/drawing/2014/main" val="1301134905"/>
                     </a:ext>
                   </a:extLst>
                 </a:gridCol>
                 <a:gridCol w="2709333">
                   <a:extLst>
                     <a:ext uri="{9D8B030D-6E8A-4147-A177-3AD203B41FA5}">
-                      <a16:colId xmlns:a16="http://schemas.microsoft.com/office/drawing/2014/main" val="3119975736"/>
+                      <a16:colId xmlns:a16="http://schemas.microsoft.com/office/drawing/2014/main" val="2242878894"/>
                     </a:ext>
                   </a:extLst>
                 </a:gridCol>
                 <a:gridCol w="2709333">
                   <a:extLst>
                     <a:ext uri="{9D8B030D-6E8A-4147-A177-3AD203B41FA5}">
-                      <a16:colId xmlns:a16="http://schemas.microsoft.com/office/drawing/2014/main" val="4057656665"/>
+                      <a16:colId xmlns:a16="http://schemas.microsoft.com/office/drawing/2014/main" val="667190754"/>
                     </a:ext>
                   </a:extLst>
                 </a:gridCol>
@@ -11334,7 +11132,7 @@
                     <a:p>
                       <a:r>
                         <a:rPr lang="en-US" dirty="0"/>
-                        <a:t>right</a:t>
+                        <a:t>Call Option</a:t>
                       </a:r>
                     </a:p>
                   </a:txBody>
@@ -11346,17 +11144,16 @@
                     <a:lstStyle/>
                     <a:p>
                       <a:r>
-                        <a:rPr lang="en-US" altLang="zh-CN" dirty="0"/>
-                        <a:t>obligation</a:t>
+                        <a:rPr lang="en-US" dirty="0"/>
+                        <a:t>Put Option</a:t>
                       </a:r>
-                      <a:endParaRPr lang="en-US" dirty="0"/>
                     </a:p>
                   </a:txBody>
                   <a:tcPr/>
                 </a:tc>
                 <a:extLst>
                   <a:ext uri="{0D108BD9-81ED-4DB2-BD59-A6C34878D82A}">
-                    <a16:rowId xmlns:a16="http://schemas.microsoft.com/office/drawing/2014/main" val="2852345688"/>
+                    <a16:rowId xmlns:a16="http://schemas.microsoft.com/office/drawing/2014/main" val="913487750"/>
                   </a:ext>
                 </a:extLst>
               </a:tr>
@@ -11367,10 +11164,9 @@
                     <a:lstStyle/>
                     <a:p>
                       <a:r>
-                        <a:rPr lang="zh-CN" altLang="en-US" dirty="0"/>
-                        <a:t>我</a:t>
+                        <a:rPr lang="en-US" dirty="0"/>
+                        <a:t>The underlying</a:t>
                       </a:r>
-                      <a:endParaRPr lang="en-US" dirty="0"/>
                     </a:p>
                   </a:txBody>
                   <a:tcPr/>
@@ -11381,22 +11177,9 @@
                     <a:lstStyle/>
                     <a:p>
                       <a:r>
-                        <a:rPr lang="en-US" altLang="zh-CN" dirty="0"/>
-                        <a:t>Call buyer/</a:t>
+                        <a:rPr lang="en-US" dirty="0"/>
+                        <a:t>Directly related</a:t>
                       </a:r>
-                      <a:r>
-                        <a:rPr lang="en-US" altLang="zh-CN" dirty="0">
-                          <a:solidFill>
-                            <a:srgbClr val="FF0000"/>
-                          </a:solidFill>
-                        </a:rPr>
-                        <a:t>long call</a:t>
-                      </a:r>
-                      <a:endParaRPr lang="en-US" dirty="0">
-                        <a:solidFill>
-                          <a:srgbClr val="FF0000"/>
-                        </a:solidFill>
-                      </a:endParaRPr>
                     </a:p>
                   </a:txBody>
                   <a:tcPr/>
@@ -11406,14 +11189,17 @@
                     <a:bodyPr/>
                     <a:lstStyle/>
                     <a:p>
-                      <a:endParaRPr lang="en-US" dirty="0"/>
+                      <a:r>
+                        <a:rPr lang="en-US" dirty="0"/>
+                        <a:t>Inversely related</a:t>
+                      </a:r>
                     </a:p>
                   </a:txBody>
                   <a:tcPr/>
                 </a:tc>
                 <a:extLst>
                   <a:ext uri="{0D108BD9-81ED-4DB2-BD59-A6C34878D82A}">
-                    <a16:rowId xmlns:a16="http://schemas.microsoft.com/office/drawing/2014/main" val="1662723549"/>
+                    <a16:rowId xmlns:a16="http://schemas.microsoft.com/office/drawing/2014/main" val="2149663895"/>
                   </a:ext>
                 </a:extLst>
               </a:tr>
@@ -11424,20 +11210,9 @@
                     <a:lstStyle/>
                     <a:p>
                       <a:r>
-                        <a:rPr lang="zh-CN" altLang="en-US" dirty="0"/>
-                        <a:t>杂货店老板</a:t>
+                        <a:rPr lang="en-US" dirty="0"/>
+                        <a:t>The exercise price</a:t>
                       </a:r>
-                      <a:endParaRPr lang="en-US" dirty="0"/>
-                    </a:p>
-                  </a:txBody>
-                  <a:tcPr/>
-                </a:tc>
-                <a:tc>
-                  <a:txBody>
-                    <a:bodyPr/>
-                    <a:lstStyle/>
-                    <a:p>
-                      <a:endParaRPr lang="en-US" dirty="0"/>
                     </a:p>
                   </a:txBody>
                   <a:tcPr/>
@@ -11448,29 +11223,259 @@
                     <a:lstStyle/>
                     <a:p>
                       <a:r>
-                        <a:rPr lang="en-US" altLang="zh-CN" dirty="0"/>
-                        <a:t>Call seller/</a:t>
+                        <a:rPr lang="en-US" dirty="0"/>
+                        <a:t>Inversely related</a:t>
                       </a:r>
+                    </a:p>
+                  </a:txBody>
+                  <a:tcPr/>
+                </a:tc>
+                <a:tc>
+                  <a:txBody>
+                    <a:bodyPr/>
+                    <a:lstStyle/>
+                    <a:p>
                       <a:r>
-                        <a:rPr lang="en-US" altLang="zh-CN" dirty="0">
-                          <a:solidFill>
-                            <a:srgbClr val="FF0000"/>
-                          </a:solidFill>
-                        </a:rPr>
-                        <a:t>short call</a:t>
+                        <a:rPr lang="en-US" dirty="0"/>
+                        <a:t>Directly related</a:t>
                       </a:r>
-                      <a:endParaRPr lang="en-US" dirty="0">
-                        <a:solidFill>
-                          <a:srgbClr val="FF0000"/>
-                        </a:solidFill>
-                      </a:endParaRPr>
                     </a:p>
                   </a:txBody>
                   <a:tcPr/>
                 </a:tc>
                 <a:extLst>
                   <a:ext uri="{0D108BD9-81ED-4DB2-BD59-A6C34878D82A}">
-                    <a16:rowId xmlns:a16="http://schemas.microsoft.com/office/drawing/2014/main" val="2321793302"/>
+                    <a16:rowId xmlns:a16="http://schemas.microsoft.com/office/drawing/2014/main" val="2605832407"/>
+                  </a:ext>
+                </a:extLst>
+              </a:tr>
+              <a:tr h="370840">
+                <a:tc>
+                  <a:txBody>
+                    <a:bodyPr/>
+                    <a:lstStyle/>
+                    <a:p>
+                      <a:r>
+                        <a:rPr lang="en-US" dirty="0"/>
+                        <a:t>Time to expiration</a:t>
+                      </a:r>
+                    </a:p>
+                  </a:txBody>
+                  <a:tcPr/>
+                </a:tc>
+                <a:tc>
+                  <a:txBody>
+                    <a:bodyPr/>
+                    <a:lstStyle/>
+                    <a:p>
+                      <a:r>
+                        <a:rPr lang="en-US" dirty="0"/>
+                        <a:t>Directly related</a:t>
+                      </a:r>
+                    </a:p>
+                  </a:txBody>
+                  <a:tcPr/>
+                </a:tc>
+                <a:tc>
+                  <a:txBody>
+                    <a:bodyPr/>
+                    <a:lstStyle/>
+                    <a:p>
+                      <a:r>
+                        <a:rPr lang="en-US" dirty="0"/>
+                        <a:t>Directly related*</a:t>
+                      </a:r>
+                    </a:p>
+                  </a:txBody>
+                  <a:tcPr/>
+                </a:tc>
+                <a:extLst>
+                  <a:ext uri="{0D108BD9-81ED-4DB2-BD59-A6C34878D82A}">
+                    <a16:rowId xmlns:a16="http://schemas.microsoft.com/office/drawing/2014/main" val="1967062008"/>
+                  </a:ext>
+                </a:extLst>
+              </a:tr>
+              <a:tr h="370840">
+                <a:tc>
+                  <a:txBody>
+                    <a:bodyPr/>
+                    <a:lstStyle/>
+                    <a:p>
+                      <a:r>
+                        <a:rPr lang="en-US" dirty="0"/>
+                        <a:t>Rf rate</a:t>
+                      </a:r>
+                    </a:p>
+                  </a:txBody>
+                  <a:tcPr/>
+                </a:tc>
+                <a:tc>
+                  <a:txBody>
+                    <a:bodyPr/>
+                    <a:lstStyle/>
+                    <a:p>
+                      <a:r>
+                        <a:rPr lang="en-US" dirty="0"/>
+                        <a:t>Directly related </a:t>
+                      </a:r>
+                    </a:p>
+                  </a:txBody>
+                  <a:tcPr/>
+                </a:tc>
+                <a:tc>
+                  <a:txBody>
+                    <a:bodyPr/>
+                    <a:lstStyle/>
+                    <a:p>
+                      <a:r>
+                        <a:rPr lang="en-US" dirty="0"/>
+                        <a:t>Inversely related</a:t>
+                      </a:r>
+                    </a:p>
+                  </a:txBody>
+                  <a:tcPr/>
+                </a:tc>
+                <a:extLst>
+                  <a:ext uri="{0D108BD9-81ED-4DB2-BD59-A6C34878D82A}">
+                    <a16:rowId xmlns:a16="http://schemas.microsoft.com/office/drawing/2014/main" val="2141621310"/>
+                  </a:ext>
+                </a:extLst>
+              </a:tr>
+              <a:tr h="370840">
+                <a:tc>
+                  <a:txBody>
+                    <a:bodyPr/>
+                    <a:lstStyle/>
+                    <a:p>
+                      <a:r>
+                        <a:rPr lang="en-US" dirty="0"/>
+                        <a:t>Volatility of underlying</a:t>
+                      </a:r>
+                    </a:p>
+                  </a:txBody>
+                  <a:tcPr/>
+                </a:tc>
+                <a:tc>
+                  <a:txBody>
+                    <a:bodyPr/>
+                    <a:lstStyle/>
+                    <a:p>
+                      <a:r>
+                        <a:rPr lang="en-US" dirty="0"/>
+                        <a:t>Directly related </a:t>
+                      </a:r>
+                    </a:p>
+                  </a:txBody>
+                  <a:tcPr/>
+                </a:tc>
+                <a:tc>
+                  <a:txBody>
+                    <a:bodyPr/>
+                    <a:lstStyle/>
+                    <a:p>
+                      <a:r>
+                        <a:rPr lang="en-US" dirty="0"/>
+                        <a:t>Directly related</a:t>
+                      </a:r>
+                    </a:p>
+                  </a:txBody>
+                  <a:tcPr/>
+                </a:tc>
+                <a:extLst>
+                  <a:ext uri="{0D108BD9-81ED-4DB2-BD59-A6C34878D82A}">
+                    <a16:rowId xmlns:a16="http://schemas.microsoft.com/office/drawing/2014/main" val="3683273089"/>
+                  </a:ext>
+                </a:extLst>
+              </a:tr>
+              <a:tr h="370840">
+                <a:tc>
+                  <a:txBody>
+                    <a:bodyPr/>
+                    <a:lstStyle/>
+                    <a:p>
+                      <a:r>
+                        <a:rPr lang="en-US" dirty="0"/>
+                        <a:t>Payment on the underlying</a:t>
+                      </a:r>
+                    </a:p>
+                  </a:txBody>
+                  <a:tcPr/>
+                </a:tc>
+                <a:tc>
+                  <a:txBody>
+                    <a:bodyPr/>
+                    <a:lstStyle/>
+                    <a:p>
+                      <a:r>
+                        <a:rPr lang="en-US" dirty="0"/>
+                        <a:t>Inversely related</a:t>
+                      </a:r>
+                    </a:p>
+                  </a:txBody>
+                  <a:tcPr/>
+                </a:tc>
+                <a:tc>
+                  <a:txBody>
+                    <a:bodyPr/>
+                    <a:lstStyle/>
+                    <a:p>
+                      <a:r>
+                        <a:rPr lang="en-US" dirty="0"/>
+                        <a:t>Directly related</a:t>
+                      </a:r>
+                    </a:p>
+                  </a:txBody>
+                  <a:tcPr/>
+                </a:tc>
+                <a:extLst>
+                  <a:ext uri="{0D108BD9-81ED-4DB2-BD59-A6C34878D82A}">
+                    <a16:rowId xmlns:a16="http://schemas.microsoft.com/office/drawing/2014/main" val="3805558595"/>
+                  </a:ext>
+                </a:extLst>
+              </a:tr>
+              <a:tr h="370840">
+                <a:tc>
+                  <a:txBody>
+                    <a:bodyPr/>
+                    <a:lstStyle/>
+                    <a:p>
+                      <a:r>
+                        <a:rPr lang="en-US" dirty="0"/>
+                        <a:t>Cost of carry</a:t>
+                      </a:r>
+                    </a:p>
+                  </a:txBody>
+                  <a:tcPr/>
+                </a:tc>
+                <a:tc>
+                  <a:txBody>
+                    <a:bodyPr/>
+                    <a:lstStyle/>
+                    <a:p>
+                      <a:r>
+                        <a:rPr lang="en-US" dirty="0"/>
+                        <a:t>Directly related </a:t>
+                      </a:r>
+                    </a:p>
+                  </a:txBody>
+                  <a:tcPr/>
+                </a:tc>
+                <a:tc>
+                  <a:txBody>
+                    <a:bodyPr/>
+                    <a:lstStyle/>
+                    <a:p>
+                      <a:r>
+                        <a:rPr lang="en-US" dirty="0"/>
+                        <a:t>Inversely related</a:t>
+                      </a:r>
+                    </a:p>
+                  </a:txBody>
+                  <a:tcPr/>
+                </a:tc>
+                <a:extLst>
+                  <a:ext uri="{0D108BD9-81ED-4DB2-BD59-A6C34878D82A}">
+                    <a16:rowId xmlns:a16="http://schemas.microsoft.com/office/drawing/2014/main" val="3408306072"/>
                   </a:ext>
                 </a:extLst>
               </a:tr>
@@ -11481,7 +11486,7 @@
     </p:spTree>
     <p:extLst>
       <p:ext uri="{BB962C8B-B14F-4D97-AF65-F5344CB8AC3E}">
-        <p14:creationId xmlns:p14="http://schemas.microsoft.com/office/powerpoint/2010/main" val="945444521"/>
+        <p14:creationId xmlns:p14="http://schemas.microsoft.com/office/powerpoint/2010/main" val="2115210125"/>
       </p:ext>
     </p:extLst>
   </p:cSld>
@@ -11513,7 +11518,7 @@
           <p:cNvPr id="2" name="Title 1">
             <a:extLst>
               <a:ext uri="{FF2B5EF4-FFF2-40B4-BE49-F238E27FC236}">
-                <a16:creationId xmlns:a16="http://schemas.microsoft.com/office/drawing/2014/main" id="{BBF000CD-254A-4A31-8871-51870AC43C86}"/>
+                <a16:creationId xmlns:a16="http://schemas.microsoft.com/office/drawing/2014/main" id="{3D92F0C8-C1BF-47E3-A594-E97AA1AEC8F2}"/>
               </a:ext>
             </a:extLst>
           </p:cNvPr>
@@ -11526,19 +11531,14 @@
         </p:nvSpPr>
         <p:spPr/>
         <p:txBody>
-          <a:bodyPr/>
+          <a:bodyPr>
+            <a:normAutofit/>
+          </a:bodyPr>
           <a:lstStyle/>
           <a:p>
             <a:r>
               <a:rPr lang="en-US" sz="4000" dirty="0"/>
-              <a:t>Option Contracts</a:t>
-            </a:r>
-            <a:br>
-              <a:rPr lang="en-US" dirty="0"/>
-            </a:br>
-            <a:r>
-              <a:rPr lang="en-US" dirty="0"/>
-              <a:t>Call Option</a:t>
+              <a:t>Practices</a:t>
             </a:r>
           </a:p>
         </p:txBody>
@@ -11548,7 +11548,7 @@
           <p:cNvPr id="3" name="Content Placeholder 2">
             <a:extLst>
               <a:ext uri="{FF2B5EF4-FFF2-40B4-BE49-F238E27FC236}">
-                <a16:creationId xmlns:a16="http://schemas.microsoft.com/office/drawing/2014/main" id="{98371D75-5726-44FF-9C53-CF8BBD3F53D7}"/>
+                <a16:creationId xmlns:a16="http://schemas.microsoft.com/office/drawing/2014/main" id="{299BE870-08EC-438D-9138-2696C9D8EF52}"/>
               </a:ext>
             </a:extLst>
           </p:cNvPr>
@@ -11561,83 +11561,70 @@
         </p:nvSpPr>
         <p:spPr/>
         <p:txBody>
-          <a:bodyPr/>
-          <a:lstStyle/>
-          <a:p>
-            <a:r>
-              <a:rPr lang="en-US" altLang="zh-CN" dirty="0"/>
-              <a:t>Payoff and profit of call option</a:t>
-            </a:r>
-          </a:p>
-          <a:p>
-            <a:endParaRPr lang="en-US" dirty="0"/>
-          </a:p>
-        </p:txBody>
-      </p:sp>
-      <p:pic>
-        <p:nvPicPr>
-          <p:cNvPr id="5" name="Picture 4">
-            <a:extLst>
-              <a:ext uri="{FF2B5EF4-FFF2-40B4-BE49-F238E27FC236}">
-                <a16:creationId xmlns:a16="http://schemas.microsoft.com/office/drawing/2014/main" id="{1D5D72DB-0BD7-4CA5-BC19-AE4F30456952}"/>
-              </a:ext>
-            </a:extLst>
-          </p:cNvPr>
-          <p:cNvPicPr>
-            <a:picLocks noChangeAspect="1"/>
-          </p:cNvPicPr>
-          <p:nvPr/>
-        </p:nvPicPr>
-        <p:blipFill>
-          <a:blip r:embed="rId2"/>
-          <a:stretch>
-            <a:fillRect/>
-          </a:stretch>
-        </p:blipFill>
-        <p:spPr>
-          <a:xfrm>
-            <a:off x="1238249" y="2852057"/>
-            <a:ext cx="3203121" cy="3864082"/>
-          </a:xfrm>
-          <a:prstGeom prst="rect">
-            <a:avLst/>
-          </a:prstGeom>
-        </p:spPr>
-      </p:pic>
-      <p:pic>
-        <p:nvPicPr>
-          <p:cNvPr id="7" name="Picture 6">
-            <a:extLst>
-              <a:ext uri="{FF2B5EF4-FFF2-40B4-BE49-F238E27FC236}">
-                <a16:creationId xmlns:a16="http://schemas.microsoft.com/office/drawing/2014/main" id="{F2CB171A-5AF5-40C4-8091-43264F6014C5}"/>
-              </a:ext>
-            </a:extLst>
-          </p:cNvPr>
-          <p:cNvPicPr>
-            <a:picLocks noChangeAspect="1"/>
-          </p:cNvPicPr>
-          <p:nvPr/>
-        </p:nvPicPr>
-        <p:blipFill>
-          <a:blip r:embed="rId3"/>
-          <a:stretch>
-            <a:fillRect/>
-          </a:stretch>
-        </p:blipFill>
-        <p:spPr>
-          <a:xfrm>
-            <a:off x="5002285" y="2805194"/>
-            <a:ext cx="3203121" cy="3927636"/>
-          </a:xfrm>
-          <a:prstGeom prst="rect">
-            <a:avLst/>
-          </a:prstGeom>
-        </p:spPr>
-      </p:pic>
+          <a:bodyPr>
+            <a:noAutofit/>
+          </a:bodyPr>
+          <a:lstStyle/>
+          <a:p>
+            <a:r>
+              <a:rPr lang="en-US" sz="2000" dirty="0"/>
+              <a:t>1 Which of the following factors does not affect the value of a European option?</a:t>
+            </a:r>
+          </a:p>
+          <a:p>
+            <a:pPr lvl="1"/>
+            <a:r>
+              <a:rPr lang="en-US" sz="2000" dirty="0"/>
+              <a:t>A The volatility of the underlying</a:t>
+            </a:r>
+          </a:p>
+          <a:p>
+            <a:pPr lvl="1"/>
+            <a:r>
+              <a:rPr lang="en-US" sz="2000" dirty="0"/>
+              <a:t>B Dividends or interest paid by the underlying</a:t>
+            </a:r>
+          </a:p>
+          <a:p>
+            <a:pPr lvl="1"/>
+            <a:r>
+              <a:rPr lang="en-US" sz="2000" dirty="0"/>
+              <a:t>C The percentage of the investor’s assets invested in the option</a:t>
+            </a:r>
+          </a:p>
+          <a:p>
+            <a:r>
+              <a:rPr lang="en-US" sz="2000" dirty="0"/>
+              <a:t>2 Which of the following statements imply that a European call on a stock is worth more?</a:t>
+            </a:r>
+          </a:p>
+          <a:p>
+            <a:pPr lvl="1"/>
+            <a:r>
+              <a:rPr lang="en-US" sz="2000" dirty="0"/>
+              <a:t>A Less time to expiration</a:t>
+            </a:r>
+          </a:p>
+          <a:p>
+            <a:pPr lvl="1"/>
+            <a:r>
+              <a:rPr lang="en-US" sz="2000" dirty="0"/>
+              <a:t>B A higher stock price relative to the exercise price</a:t>
+            </a:r>
+          </a:p>
+          <a:p>
+            <a:pPr lvl="1"/>
+            <a:r>
+              <a:rPr lang="en-US" sz="2000" dirty="0"/>
+              <a:t>C Larger dividends paid by the stock during the life of the option</a:t>
+            </a:r>
+          </a:p>
+        </p:txBody>
+      </p:sp>
     </p:spTree>
     <p:extLst>
       <p:ext uri="{BB962C8B-B14F-4D97-AF65-F5344CB8AC3E}">
-        <p14:creationId xmlns:p14="http://schemas.microsoft.com/office/powerpoint/2010/main" val="2905730659"/>
+        <p14:creationId xmlns:p14="http://schemas.microsoft.com/office/powerpoint/2010/main" val="2650507543"/>
       </p:ext>
     </p:extLst>
   </p:cSld>
@@ -11669,7 +11656,7 @@
           <p:cNvPr id="2" name="Title 1">
             <a:extLst>
               <a:ext uri="{FF2B5EF4-FFF2-40B4-BE49-F238E27FC236}">
-                <a16:creationId xmlns:a16="http://schemas.microsoft.com/office/drawing/2014/main" id="{DEE8B14E-6C89-44B2-997A-D533828A5927}"/>
+                <a16:creationId xmlns:a16="http://schemas.microsoft.com/office/drawing/2014/main" id="{93BF99D3-F8EC-47AE-B76B-D1FF3DCFD15C}"/>
               </a:ext>
             </a:extLst>
           </p:cNvPr>
@@ -11682,19 +11669,14 @@
         </p:nvSpPr>
         <p:spPr/>
         <p:txBody>
-          <a:bodyPr/>
+          <a:bodyPr>
+            <a:normAutofit/>
+          </a:bodyPr>
           <a:lstStyle/>
           <a:p>
             <a:r>
               <a:rPr lang="en-US" sz="4000" dirty="0"/>
-              <a:t>Option Contracts</a:t>
-            </a:r>
-            <a:br>
-              <a:rPr lang="en-US" dirty="0"/>
-            </a:br>
-            <a:r>
-              <a:rPr lang="en-US" dirty="0"/>
-              <a:t>Call Option</a:t>
+              <a:t>Practices</a:t>
             </a:r>
           </a:p>
         </p:txBody>
@@ -11704,7 +11686,7 @@
           <p:cNvPr id="3" name="Content Placeholder 2">
             <a:extLst>
               <a:ext uri="{FF2B5EF4-FFF2-40B4-BE49-F238E27FC236}">
-                <a16:creationId xmlns:a16="http://schemas.microsoft.com/office/drawing/2014/main" id="{3ECD996B-BC89-4834-BB58-AC2340B223D3}"/>
+                <a16:creationId xmlns:a16="http://schemas.microsoft.com/office/drawing/2014/main" id="{6C6A0B4C-4B64-4D6D-AAEF-58E07AD1A1F4}"/>
               </a:ext>
             </a:extLst>
           </p:cNvPr>
@@ -11717,95 +11699,70 @@
         </p:nvSpPr>
         <p:spPr/>
         <p:txBody>
-          <a:bodyPr/>
-          <a:lstStyle/>
-          <a:p>
-            <a:r>
-              <a:rPr lang="en-US" dirty="0"/>
-              <a:t>Payoff of call option</a:t>
+          <a:bodyPr>
+            <a:noAutofit/>
+          </a:bodyPr>
+          <a:lstStyle/>
+          <a:p>
+            <a:r>
+              <a:rPr lang="en-US" sz="2000" dirty="0"/>
+              <a:t>3 Why might a European put be worth less the longer the time to expiration?</a:t>
             </a:r>
           </a:p>
           <a:p>
             <a:pPr lvl="1"/>
             <a:r>
-              <a:rPr lang="en-US" dirty="0"/>
-              <a:t>Long call = MAX (S</a:t>
-            </a:r>
-            <a:r>
-              <a:rPr lang="en-US" baseline="-25000" dirty="0"/>
-              <a:t>T</a:t>
-            </a:r>
-            <a:r>
-              <a:rPr lang="en-US" dirty="0"/>
-              <a:t>-X,0)</a:t>
+              <a:rPr lang="en-US" sz="2000" dirty="0"/>
+              <a:t>A The cost of waiting to receive the exercise price is higher.</a:t>
             </a:r>
           </a:p>
           <a:p>
             <a:pPr lvl="1"/>
             <a:r>
-              <a:rPr lang="en-US" dirty="0"/>
-              <a:t>Short call = - MAX (S</a:t>
-            </a:r>
-            <a:r>
-              <a:rPr lang="en-US" baseline="-25000" dirty="0"/>
-              <a:t>T</a:t>
-            </a:r>
-            <a:r>
-              <a:rPr lang="en-US" dirty="0"/>
-              <a:t>-X,0)</a:t>
-            </a:r>
-          </a:p>
-          <a:p>
-            <a:endParaRPr lang="en-US" dirty="0"/>
-          </a:p>
-          <a:p>
-            <a:r>
-              <a:rPr lang="en-US" dirty="0"/>
-              <a:t>Profit of call option</a:t>
+              <a:rPr lang="en-US" sz="2000" dirty="0"/>
+              <a:t>B The risk of the underlying is lower over a longer period of time.</a:t>
             </a:r>
           </a:p>
           <a:p>
             <a:pPr lvl="1"/>
             <a:r>
-              <a:rPr lang="en-US" dirty="0"/>
-              <a:t>Long call = MAX (S</a:t>
-            </a:r>
-            <a:r>
-              <a:rPr lang="en-US" baseline="-25000" dirty="0"/>
-              <a:t>T</a:t>
-            </a:r>
-            <a:r>
-              <a:rPr lang="en-US" dirty="0"/>
-              <a:t>-X,0) – C</a:t>
+              <a:rPr lang="en-US" sz="2000" dirty="0"/>
+              <a:t>C The longer time to expiration means that the put is more likely to expire out-of- the- money.</a:t>
+            </a:r>
+          </a:p>
+          <a:p>
+            <a:r>
+              <a:rPr lang="en-US" sz="2000" dirty="0"/>
+              <a:t>4 The loss in value of an option as it moves closer to expiration is called what?</a:t>
             </a:r>
           </a:p>
           <a:p>
             <a:pPr lvl="1"/>
             <a:r>
-              <a:rPr lang="en-US" dirty="0"/>
-              <a:t>Short call = - MAX (S</a:t>
-            </a:r>
-            <a:r>
-              <a:rPr lang="en-US" baseline="-25000" dirty="0"/>
-              <a:t>T</a:t>
-            </a:r>
-            <a:r>
-              <a:rPr lang="en-US" dirty="0"/>
-              <a:t>-X,0) + C</a:t>
-            </a:r>
-          </a:p>
-          <a:p>
-            <a:endParaRPr lang="en-US" dirty="0"/>
-          </a:p>
-          <a:p>
-            <a:endParaRPr lang="en-US" dirty="0"/>
+              <a:rPr lang="en-US" sz="2000" dirty="0"/>
+              <a:t>A Time value decay</a:t>
+            </a:r>
+          </a:p>
+          <a:p>
+            <a:pPr lvl="1"/>
+            <a:r>
+              <a:rPr lang="en-US" sz="2000" dirty="0"/>
+              <a:t>B Volatility diminution</a:t>
+            </a:r>
+          </a:p>
+          <a:p>
+            <a:pPr lvl="1"/>
+            <a:r>
+              <a:rPr lang="en-US" sz="2000" dirty="0"/>
+              <a:t>C Time value of money</a:t>
+            </a:r>
           </a:p>
         </p:txBody>
       </p:sp>
     </p:spTree>
     <p:extLst>
       <p:ext uri="{BB962C8B-B14F-4D97-AF65-F5344CB8AC3E}">
-        <p14:creationId xmlns:p14="http://schemas.microsoft.com/office/powerpoint/2010/main" val="788119096"/>
+        <p14:creationId xmlns:p14="http://schemas.microsoft.com/office/powerpoint/2010/main" val="1064070278"/>
       </p:ext>
     </p:extLst>
   </p:cSld>
@@ -11816,140 +11773,6 @@
 </file>
 
 <file path=ppt/slides/slide38.xml><?xml version="1.0" encoding="utf-8"?>
-<p:sld xmlns:a="http://schemas.openxmlformats.org/drawingml/2006/main" xmlns:r="http://schemas.openxmlformats.org/officeDocument/2006/relationships" xmlns:p="http://schemas.openxmlformats.org/presentationml/2006/main">
-  <p:cSld>
-    <p:spTree>
-      <p:nvGrpSpPr>
-        <p:cNvPr id="1" name=""/>
-        <p:cNvGrpSpPr/>
-        <p:nvPr/>
-      </p:nvGrpSpPr>
-      <p:grpSpPr>
-        <a:xfrm>
-          <a:off x="0" y="0"/>
-          <a:ext cx="0" cy="0"/>
-          <a:chOff x="0" y="0"/>
-          <a:chExt cx="0" cy="0"/>
-        </a:xfrm>
-      </p:grpSpPr>
-      <p:sp>
-        <p:nvSpPr>
-          <p:cNvPr id="2" name="Title 1">
-            <a:extLst>
-              <a:ext uri="{FF2B5EF4-FFF2-40B4-BE49-F238E27FC236}">
-                <a16:creationId xmlns:a16="http://schemas.microsoft.com/office/drawing/2014/main" id="{0BD82D5C-0BCB-4204-880D-B8CFE7F77D6E}"/>
-              </a:ext>
-            </a:extLst>
-          </p:cNvPr>
-          <p:cNvSpPr>
-            <a:spLocks noGrp="1"/>
-          </p:cNvSpPr>
-          <p:nvPr>
-            <p:ph type="title"/>
-          </p:nvPr>
-        </p:nvSpPr>
-        <p:spPr/>
-        <p:txBody>
-          <a:bodyPr/>
-          <a:lstStyle/>
-          <a:p>
-            <a:r>
-              <a:rPr lang="en-US" sz="4000" dirty="0"/>
-              <a:t>Practices</a:t>
-            </a:r>
-            <a:br>
-              <a:rPr lang="en-US" dirty="0"/>
-            </a:br>
-            <a:endParaRPr lang="en-US" dirty="0"/>
-          </a:p>
-        </p:txBody>
-      </p:sp>
-      <p:sp>
-        <p:nvSpPr>
-          <p:cNvPr id="3" name="Content Placeholder 2">
-            <a:extLst>
-              <a:ext uri="{FF2B5EF4-FFF2-40B4-BE49-F238E27FC236}">
-                <a16:creationId xmlns:a16="http://schemas.microsoft.com/office/drawing/2014/main" id="{91D403FB-8075-4E19-B84A-D37BB626F210}"/>
-              </a:ext>
-            </a:extLst>
-          </p:cNvPr>
-          <p:cNvSpPr>
-            <a:spLocks noGrp="1"/>
-          </p:cNvSpPr>
-          <p:nvPr>
-            <p:ph idx="1"/>
-          </p:nvPr>
-        </p:nvSpPr>
-        <p:spPr/>
-        <p:txBody>
-          <a:bodyPr>
-            <a:normAutofit/>
-          </a:bodyPr>
-          <a:lstStyle/>
-          <a:p>
-            <a:r>
-              <a:rPr lang="en-US" dirty="0"/>
-              <a:t>Consider a call option selling for $7 in which the exercise price is $100 and the price of the underlying is $98.</a:t>
-            </a:r>
-          </a:p>
-          <a:p>
-            <a:pPr lvl="1"/>
-            <a:r>
-              <a:rPr lang="en-US" dirty="0"/>
-              <a:t>1 Determine the value at expiration and the profit for a call buyer under the following outcomes:</a:t>
-            </a:r>
-          </a:p>
-          <a:p>
-            <a:pPr lvl="2"/>
-            <a:r>
-              <a:rPr lang="en-US" dirty="0"/>
-              <a:t>A The price of the underlying at expiration is $102.</a:t>
-            </a:r>
-          </a:p>
-          <a:p>
-            <a:pPr lvl="2"/>
-            <a:r>
-              <a:rPr lang="en-US" dirty="0"/>
-              <a:t>B The price of the underlying at expiration is $94.</a:t>
-            </a:r>
-          </a:p>
-          <a:p>
-            <a:pPr lvl="1"/>
-            <a:r>
-              <a:rPr lang="en-US" dirty="0"/>
-              <a:t>2 Determine the value at expiration and the profit for a call seller under the following outcomes:</a:t>
-            </a:r>
-          </a:p>
-          <a:p>
-            <a:pPr lvl="2"/>
-            <a:r>
-              <a:rPr lang="en-US" dirty="0"/>
-              <a:t>A The price of the underlying at expiration is $91.</a:t>
-            </a:r>
-          </a:p>
-          <a:p>
-            <a:pPr lvl="2"/>
-            <a:r>
-              <a:rPr lang="en-US" dirty="0"/>
-              <a:t>B The price of the underlying at expiration is $101.</a:t>
-            </a:r>
-          </a:p>
-        </p:txBody>
-      </p:sp>
-    </p:spTree>
-    <p:extLst>
-      <p:ext uri="{BB962C8B-B14F-4D97-AF65-F5344CB8AC3E}">
-        <p14:creationId xmlns:p14="http://schemas.microsoft.com/office/powerpoint/2010/main" val="2842250652"/>
-      </p:ext>
-    </p:extLst>
-  </p:cSld>
-  <p:clrMapOvr>
-    <a:masterClrMapping/>
-  </p:clrMapOvr>
-</p:sld>
-</file>
-
-<file path=ppt/slides/slide39.xml><?xml version="1.0" encoding="utf-8"?>
 <p:sld xmlns:a="http://schemas.openxmlformats.org/drawingml/2006/main" xmlns:r="http://schemas.openxmlformats.org/officeDocument/2006/relationships" xmlns:p="http://schemas.openxmlformats.org/presentationml/2006/main">
   <p:cSld>
     <p:spTree>
@@ -12396,127 +12219,7 @@
 </p:sld>
 </file>
 
-<file path=ppt/slides/slide4.xml><?xml version="1.0" encoding="utf-8"?>
-<p:sld xmlns:a="http://schemas.openxmlformats.org/drawingml/2006/main" xmlns:r="http://schemas.openxmlformats.org/officeDocument/2006/relationships" xmlns:p="http://schemas.openxmlformats.org/presentationml/2006/main">
-  <p:cSld>
-    <p:spTree>
-      <p:nvGrpSpPr>
-        <p:cNvPr id="1" name=""/>
-        <p:cNvGrpSpPr/>
-        <p:nvPr/>
-      </p:nvGrpSpPr>
-      <p:grpSpPr>
-        <a:xfrm>
-          <a:off x="0" y="0"/>
-          <a:ext cx="0" cy="0"/>
-          <a:chOff x="0" y="0"/>
-          <a:chExt cx="0" cy="0"/>
-        </a:xfrm>
-      </p:grpSpPr>
-      <p:sp>
-        <p:nvSpPr>
-          <p:cNvPr id="2" name="Title 1">
-            <a:extLst>
-              <a:ext uri="{FF2B5EF4-FFF2-40B4-BE49-F238E27FC236}">
-                <a16:creationId xmlns:a16="http://schemas.microsoft.com/office/drawing/2014/main" id="{E94617E6-4169-44D7-ADCE-3B9EA049664F}"/>
-              </a:ext>
-            </a:extLst>
-          </p:cNvPr>
-          <p:cNvSpPr>
-            <a:spLocks noGrp="1"/>
-          </p:cNvSpPr>
-          <p:nvPr>
-            <p:ph type="title"/>
-          </p:nvPr>
-        </p:nvSpPr>
-        <p:spPr/>
-        <p:txBody>
-          <a:bodyPr>
-            <a:normAutofit/>
-          </a:bodyPr>
-          <a:lstStyle/>
-          <a:p>
-            <a:r>
-              <a:rPr lang="en-US" sz="4000" dirty="0"/>
-              <a:t>Basic Derivative Concepts</a:t>
-            </a:r>
-          </a:p>
-        </p:txBody>
-      </p:sp>
-      <p:sp>
-        <p:nvSpPr>
-          <p:cNvPr id="3" name="Content Placeholder 2">
-            <a:extLst>
-              <a:ext uri="{FF2B5EF4-FFF2-40B4-BE49-F238E27FC236}">
-                <a16:creationId xmlns:a16="http://schemas.microsoft.com/office/drawing/2014/main" id="{8ABE3BEB-A5DB-4FEF-8C80-E8CB9E0F80E1}"/>
-              </a:ext>
-            </a:extLst>
-          </p:cNvPr>
-          <p:cNvSpPr>
-            <a:spLocks noGrp="1"/>
-          </p:cNvSpPr>
-          <p:nvPr>
-            <p:ph idx="1"/>
-          </p:nvPr>
-        </p:nvSpPr>
-        <p:spPr/>
-        <p:txBody>
-          <a:bodyPr>
-            <a:normAutofit/>
-          </a:bodyPr>
-          <a:lstStyle/>
-          <a:p>
-            <a:r>
-              <a:rPr lang="en-US" sz="2000" dirty="0"/>
-              <a:t>A </a:t>
-            </a:r>
-            <a:r>
-              <a:rPr lang="en-US" sz="2000" dirty="0">
-                <a:solidFill>
-                  <a:srgbClr val="FF0000"/>
-                </a:solidFill>
-              </a:rPr>
-              <a:t>forward</a:t>
-            </a:r>
-            <a:r>
-              <a:rPr lang="en-US" sz="2000" dirty="0"/>
-              <a:t> contract is an over-the-counter derivative contract in which two parties agree that one party, the buyer, will purchase an underlying asset from the other party, the seller, at a later date at a fixed price they agree upon when the contract is signed.</a:t>
-            </a:r>
-          </a:p>
-          <a:p>
-            <a:r>
-              <a:rPr lang="en-US" sz="2000" dirty="0"/>
-              <a:t>A </a:t>
-            </a:r>
-            <a:r>
-              <a:rPr lang="en-US" sz="2000" dirty="0">
-                <a:solidFill>
-                  <a:srgbClr val="FF0000"/>
-                </a:solidFill>
-              </a:rPr>
-              <a:t>futures</a:t>
-            </a:r>
-            <a:r>
-              <a:rPr lang="en-US" sz="2000" dirty="0"/>
-              <a:t> contract is a standardized derivative contract created and traded on a futures exchange in which two parties agree that one party, the buyer, will purchase an underlying asset from the other party, the seller, at a later date at a price agreed upon by the two parties when the contract is initiated and in which there is a daily settling of gains and losses and a credit guarantee by the futures exchange through its clearinghouse</a:t>
-            </a:r>
-          </a:p>
-        </p:txBody>
-      </p:sp>
-    </p:spTree>
-    <p:extLst>
-      <p:ext uri="{BB962C8B-B14F-4D97-AF65-F5344CB8AC3E}">
-        <p14:creationId xmlns:p14="http://schemas.microsoft.com/office/powerpoint/2010/main" val="2424597150"/>
-      </p:ext>
-    </p:extLst>
-  </p:cSld>
-  <p:clrMapOvr>
-    <a:masterClrMapping/>
-  </p:clrMapOvr>
-</p:sld>
-</file>
-
-<file path=ppt/slides/slide40.xml><?xml version="1.0" encoding="utf-8"?>
+<file path=ppt/slides/slide39.xml><?xml version="1.0" encoding="utf-8"?>
 <p:sld xmlns:a="http://schemas.openxmlformats.org/drawingml/2006/main" xmlns:r="http://schemas.openxmlformats.org/officeDocument/2006/relationships" xmlns:p="http://schemas.openxmlformats.org/presentationml/2006/main">
   <p:cSld>
     <p:spTree>
@@ -12672,6 +12375,342 @@
 </p:sld>
 </file>
 
+<file path=ppt/slides/slide4.xml><?xml version="1.0" encoding="utf-8"?>
+<p:sld xmlns:a="http://schemas.openxmlformats.org/drawingml/2006/main" xmlns:r="http://schemas.openxmlformats.org/officeDocument/2006/relationships" xmlns:p="http://schemas.openxmlformats.org/presentationml/2006/main">
+  <p:cSld>
+    <p:spTree>
+      <p:nvGrpSpPr>
+        <p:cNvPr id="1" name=""/>
+        <p:cNvGrpSpPr/>
+        <p:nvPr/>
+      </p:nvGrpSpPr>
+      <p:grpSpPr>
+        <a:xfrm>
+          <a:off x="0" y="0"/>
+          <a:ext cx="0" cy="0"/>
+          <a:chOff x="0" y="0"/>
+          <a:chExt cx="0" cy="0"/>
+        </a:xfrm>
+      </p:grpSpPr>
+      <p:sp>
+        <p:nvSpPr>
+          <p:cNvPr id="2" name="Title 1">
+            <a:extLst>
+              <a:ext uri="{FF2B5EF4-FFF2-40B4-BE49-F238E27FC236}">
+                <a16:creationId xmlns:a16="http://schemas.microsoft.com/office/drawing/2014/main" id="{E94617E6-4169-44D7-ADCE-3B9EA049664F}"/>
+              </a:ext>
+            </a:extLst>
+          </p:cNvPr>
+          <p:cNvSpPr>
+            <a:spLocks noGrp="1"/>
+          </p:cNvSpPr>
+          <p:nvPr>
+            <p:ph type="title"/>
+          </p:nvPr>
+        </p:nvSpPr>
+        <p:spPr/>
+        <p:txBody>
+          <a:bodyPr>
+            <a:normAutofit/>
+          </a:bodyPr>
+          <a:lstStyle/>
+          <a:p>
+            <a:r>
+              <a:rPr lang="en-US" sz="4000" dirty="0"/>
+              <a:t>Basic Derivative Concepts</a:t>
+            </a:r>
+          </a:p>
+        </p:txBody>
+      </p:sp>
+      <p:sp>
+        <p:nvSpPr>
+          <p:cNvPr id="3" name="Content Placeholder 2">
+            <a:extLst>
+              <a:ext uri="{FF2B5EF4-FFF2-40B4-BE49-F238E27FC236}">
+                <a16:creationId xmlns:a16="http://schemas.microsoft.com/office/drawing/2014/main" id="{8ABE3BEB-A5DB-4FEF-8C80-E8CB9E0F80E1}"/>
+              </a:ext>
+            </a:extLst>
+          </p:cNvPr>
+          <p:cNvSpPr>
+            <a:spLocks noGrp="1"/>
+          </p:cNvSpPr>
+          <p:nvPr>
+            <p:ph idx="1"/>
+          </p:nvPr>
+        </p:nvSpPr>
+        <p:spPr/>
+        <p:txBody>
+          <a:bodyPr>
+            <a:normAutofit/>
+          </a:bodyPr>
+          <a:lstStyle/>
+          <a:p>
+            <a:r>
+              <a:rPr lang="en-US" sz="2000" dirty="0"/>
+              <a:t>A </a:t>
+            </a:r>
+            <a:r>
+              <a:rPr lang="en-US" sz="2000" dirty="0">
+                <a:solidFill>
+                  <a:srgbClr val="FF0000"/>
+                </a:solidFill>
+              </a:rPr>
+              <a:t>forward</a:t>
+            </a:r>
+            <a:r>
+              <a:rPr lang="en-US" sz="2000" dirty="0"/>
+              <a:t> contract is an over-the-counter derivative contract in which two parties agree that one party, the buyer, will purchase an underlying asset from the other party, the seller, at a later date at a fixed price they agree upon when the contract is signed.</a:t>
+            </a:r>
+          </a:p>
+          <a:p>
+            <a:r>
+              <a:rPr lang="en-US" sz="2000" dirty="0"/>
+              <a:t>A </a:t>
+            </a:r>
+            <a:r>
+              <a:rPr lang="en-US" sz="2000" dirty="0">
+                <a:solidFill>
+                  <a:srgbClr val="FF0000"/>
+                </a:solidFill>
+              </a:rPr>
+              <a:t>futures</a:t>
+            </a:r>
+            <a:r>
+              <a:rPr lang="en-US" sz="2000" dirty="0"/>
+              <a:t> contract is a standardized derivative contract created and traded on a futures exchange in which two parties agree that one party, the buyer, will purchase an underlying asset from the other party, the seller, at a later date at a price agreed upon by the two parties when the contract is initiated and in which there is a daily settling of gains and losses and a credit guarantee by the futures exchange through its clearinghouse</a:t>
+            </a:r>
+          </a:p>
+        </p:txBody>
+      </p:sp>
+    </p:spTree>
+    <p:extLst>
+      <p:ext uri="{BB962C8B-B14F-4D97-AF65-F5344CB8AC3E}">
+        <p14:creationId xmlns:p14="http://schemas.microsoft.com/office/powerpoint/2010/main" val="2424597150"/>
+      </p:ext>
+    </p:extLst>
+  </p:cSld>
+  <p:clrMapOvr>
+    <a:masterClrMapping/>
+  </p:clrMapOvr>
+</p:sld>
+</file>
+
+<file path=ppt/slides/slide40.xml><?xml version="1.0" encoding="utf-8"?>
+<p:sld xmlns:a="http://schemas.openxmlformats.org/drawingml/2006/main" xmlns:r="http://schemas.openxmlformats.org/officeDocument/2006/relationships" xmlns:p="http://schemas.openxmlformats.org/presentationml/2006/main">
+  <p:cSld>
+    <p:spTree>
+      <p:nvGrpSpPr>
+        <p:cNvPr id="1" name=""/>
+        <p:cNvGrpSpPr/>
+        <p:nvPr/>
+      </p:nvGrpSpPr>
+      <p:grpSpPr>
+        <a:xfrm>
+          <a:off x="0" y="0"/>
+          <a:ext cx="0" cy="0"/>
+          <a:chOff x="0" y="0"/>
+          <a:chExt cx="0" cy="0"/>
+        </a:xfrm>
+      </p:grpSpPr>
+      <p:sp>
+        <p:nvSpPr>
+          <p:cNvPr id="2" name="Title 1">
+            <a:extLst>
+              <a:ext uri="{FF2B5EF4-FFF2-40B4-BE49-F238E27FC236}">
+                <a16:creationId xmlns:a16="http://schemas.microsoft.com/office/drawing/2014/main" id="{75FC705B-800B-405C-AEEB-F97882457E8D}"/>
+              </a:ext>
+            </a:extLst>
+          </p:cNvPr>
+          <p:cNvSpPr>
+            <a:spLocks noGrp="1"/>
+          </p:cNvSpPr>
+          <p:nvPr>
+            <p:ph type="title"/>
+          </p:nvPr>
+        </p:nvSpPr>
+        <p:spPr/>
+        <p:txBody>
+          <a:bodyPr/>
+          <a:lstStyle/>
+          <a:p>
+            <a:r>
+              <a:rPr lang="en-US" sz="4000" dirty="0"/>
+              <a:t>Option Contracts</a:t>
+            </a:r>
+            <a:br>
+              <a:rPr lang="en-US" sz="4000" dirty="0"/>
+            </a:br>
+            <a:r>
+              <a:rPr lang="en-US" dirty="0"/>
+              <a:t>Put Option</a:t>
+            </a:r>
+          </a:p>
+        </p:txBody>
+      </p:sp>
+      <p:sp>
+        <p:nvSpPr>
+          <p:cNvPr id="3" name="Content Placeholder 2">
+            <a:extLst>
+              <a:ext uri="{FF2B5EF4-FFF2-40B4-BE49-F238E27FC236}">
+                <a16:creationId xmlns:a16="http://schemas.microsoft.com/office/drawing/2014/main" id="{860738EE-12EC-4D61-87AB-E384ADF5E9D4}"/>
+              </a:ext>
+            </a:extLst>
+          </p:cNvPr>
+          <p:cNvSpPr>
+            <a:spLocks noGrp="1"/>
+          </p:cNvSpPr>
+          <p:nvPr>
+            <p:ph idx="1"/>
+          </p:nvPr>
+        </p:nvSpPr>
+        <p:spPr/>
+        <p:txBody>
+          <a:bodyPr/>
+          <a:lstStyle/>
+          <a:p>
+            <a:r>
+              <a:rPr lang="en-US" dirty="0"/>
+              <a:t>Payoff of </a:t>
+            </a:r>
+            <a:r>
+              <a:rPr lang="en-US" altLang="zh-CN" dirty="0"/>
+              <a:t>put</a:t>
+            </a:r>
+            <a:r>
+              <a:rPr lang="en-US" dirty="0"/>
+              <a:t> option</a:t>
+            </a:r>
+          </a:p>
+          <a:p>
+            <a:pPr lvl="1"/>
+            <a:r>
+              <a:rPr lang="en-US" dirty="0"/>
+              <a:t>Long </a:t>
+            </a:r>
+            <a:r>
+              <a:rPr lang="en-US" altLang="zh-CN" dirty="0"/>
+              <a:t>put</a:t>
+            </a:r>
+            <a:r>
+              <a:rPr lang="en-US" dirty="0"/>
+              <a:t> = MAX (X-S</a:t>
+            </a:r>
+            <a:r>
+              <a:rPr lang="en-US" baseline="-25000" dirty="0"/>
+              <a:t>T</a:t>
+            </a:r>
+            <a:r>
+              <a:rPr lang="en-US" dirty="0"/>
+              <a:t>,0)</a:t>
+            </a:r>
+          </a:p>
+          <a:p>
+            <a:pPr lvl="1"/>
+            <a:r>
+              <a:rPr lang="en-US" dirty="0"/>
+              <a:t>Short </a:t>
+            </a:r>
+            <a:r>
+              <a:rPr lang="en-US" altLang="zh-CN" dirty="0"/>
+              <a:t>put</a:t>
+            </a:r>
+            <a:r>
+              <a:rPr lang="en-US" dirty="0"/>
+              <a:t> = - MAX (X-S</a:t>
+            </a:r>
+            <a:r>
+              <a:rPr lang="en-US" baseline="-25000" dirty="0"/>
+              <a:t>T</a:t>
+            </a:r>
+            <a:r>
+              <a:rPr lang="en-US" dirty="0"/>
+              <a:t>,0)</a:t>
+            </a:r>
+          </a:p>
+          <a:p>
+            <a:endParaRPr lang="en-US" dirty="0"/>
+          </a:p>
+          <a:p>
+            <a:r>
+              <a:rPr lang="en-US" dirty="0"/>
+              <a:t>Profit of </a:t>
+            </a:r>
+            <a:r>
+              <a:rPr lang="en-US" altLang="zh-CN" dirty="0"/>
+              <a:t>put</a:t>
+            </a:r>
+            <a:r>
+              <a:rPr lang="en-US" dirty="0"/>
+              <a:t> option</a:t>
+            </a:r>
+          </a:p>
+          <a:p>
+            <a:pPr lvl="1"/>
+            <a:r>
+              <a:rPr lang="en-US" dirty="0"/>
+              <a:t>Long </a:t>
+            </a:r>
+            <a:r>
+              <a:rPr lang="en-US" altLang="zh-CN" dirty="0"/>
+              <a:t>put</a:t>
+            </a:r>
+            <a:r>
+              <a:rPr lang="en-US" dirty="0"/>
+              <a:t> = MAX (X-S</a:t>
+            </a:r>
+            <a:r>
+              <a:rPr lang="en-US" baseline="-25000" dirty="0"/>
+              <a:t>T</a:t>
+            </a:r>
+            <a:r>
+              <a:rPr lang="en-US" dirty="0"/>
+              <a:t>,0) – P</a:t>
+            </a:r>
+          </a:p>
+          <a:p>
+            <a:pPr lvl="1"/>
+            <a:r>
+              <a:rPr lang="en-US" dirty="0"/>
+              <a:t>Short </a:t>
+            </a:r>
+            <a:r>
+              <a:rPr lang="en-US" altLang="zh-CN" dirty="0"/>
+              <a:t>put</a:t>
+            </a:r>
+            <a:r>
+              <a:rPr lang="en-US" dirty="0"/>
+              <a:t> = - MAX (X-S</a:t>
+            </a:r>
+            <a:r>
+              <a:rPr lang="en-US" baseline="-25000" dirty="0"/>
+              <a:t>T</a:t>
+            </a:r>
+            <a:r>
+              <a:rPr lang="en-US" dirty="0"/>
+              <a:t>,0) + P</a:t>
+            </a:r>
+          </a:p>
+          <a:p>
+            <a:endParaRPr lang="en-US" dirty="0"/>
+          </a:p>
+          <a:p>
+            <a:endParaRPr lang="en-US" dirty="0"/>
+          </a:p>
+        </p:txBody>
+      </p:sp>
+    </p:spTree>
+    <p:extLst>
+      <p:ext uri="{BB962C8B-B14F-4D97-AF65-F5344CB8AC3E}">
+        <p14:creationId xmlns:p14="http://schemas.microsoft.com/office/powerpoint/2010/main" val="1186771443"/>
+      </p:ext>
+    </p:extLst>
+  </p:cSld>
+  <p:clrMapOvr>
+    <a:masterClrMapping/>
+  </p:clrMapOvr>
+</p:sld>
+</file>
+
 <file path=ppt/slides/slide41.xml><?xml version="1.0" encoding="utf-8"?>
 <p:sld xmlns:a="http://schemas.openxmlformats.org/drawingml/2006/main" xmlns:r="http://schemas.openxmlformats.org/officeDocument/2006/relationships" xmlns:p="http://schemas.openxmlformats.org/presentationml/2006/main">
   <p:cSld>
@@ -12694,7 +12733,7 @@
           <p:cNvPr id="2" name="Title 1">
             <a:extLst>
               <a:ext uri="{FF2B5EF4-FFF2-40B4-BE49-F238E27FC236}">
-                <a16:creationId xmlns:a16="http://schemas.microsoft.com/office/drawing/2014/main" id="{75FC705B-800B-405C-AEEB-F97882457E8D}"/>
+                <a16:creationId xmlns:a16="http://schemas.microsoft.com/office/drawing/2014/main" id="{D144DC10-90A2-479B-B3E6-0983304E5176}"/>
               </a:ext>
             </a:extLst>
           </p:cNvPr>
@@ -12707,19 +12746,14 @@
         </p:nvSpPr>
         <p:spPr/>
         <p:txBody>
-          <a:bodyPr/>
+          <a:bodyPr>
+            <a:normAutofit/>
+          </a:bodyPr>
           <a:lstStyle/>
           <a:p>
             <a:r>
               <a:rPr lang="en-US" sz="4000" dirty="0"/>
-              <a:t>Option Contracts</a:t>
-            </a:r>
-            <a:br>
-              <a:rPr lang="en-US" sz="4000" dirty="0"/>
-            </a:br>
-            <a:r>
-              <a:rPr lang="en-US" dirty="0"/>
-              <a:t>Put Option</a:t>
+              <a:t>Practices</a:t>
             </a:r>
           </a:p>
         </p:txBody>
@@ -12729,7 +12763,7 @@
           <p:cNvPr id="3" name="Content Placeholder 2">
             <a:extLst>
               <a:ext uri="{FF2B5EF4-FFF2-40B4-BE49-F238E27FC236}">
-                <a16:creationId xmlns:a16="http://schemas.microsoft.com/office/drawing/2014/main" id="{860738EE-12EC-4D61-87AB-E384ADF5E9D4}"/>
+                <a16:creationId xmlns:a16="http://schemas.microsoft.com/office/drawing/2014/main" id="{21707848-DDDD-41EF-9362-0D44DC210E9B}"/>
               </a:ext>
             </a:extLst>
           </p:cNvPr>
@@ -12742,143 +12776,64 @@
         </p:nvSpPr>
         <p:spPr/>
         <p:txBody>
-          <a:bodyPr/>
-          <a:lstStyle/>
-          <a:p>
-            <a:r>
-              <a:rPr lang="en-US" dirty="0"/>
-              <a:t>Payoff of </a:t>
-            </a:r>
-            <a:r>
-              <a:rPr lang="en-US" altLang="zh-CN" dirty="0"/>
-              <a:t>put</a:t>
-            </a:r>
-            <a:r>
-              <a:rPr lang="en-US" dirty="0"/>
-              <a:t> option</a:t>
+          <a:bodyPr>
+            <a:normAutofit/>
+          </a:bodyPr>
+          <a:lstStyle/>
+          <a:p>
+            <a:r>
+              <a:rPr lang="en-US" dirty="0"/>
+              <a:t>Consider a put option selling for $4 in which the exercise price is $60 and the price of the underlying is $62.</a:t>
             </a:r>
           </a:p>
           <a:p>
             <a:pPr lvl="1"/>
             <a:r>
               <a:rPr lang="en-US" dirty="0"/>
-              <a:t>Long </a:t>
-            </a:r>
-            <a:r>
-              <a:rPr lang="en-US" altLang="zh-CN" dirty="0"/>
-              <a:t>put</a:t>
-            </a:r>
-            <a:r>
-              <a:rPr lang="en-US" dirty="0"/>
-              <a:t> = MAX (X-S</a:t>
-            </a:r>
-            <a:r>
-              <a:rPr lang="en-US" baseline="-25000" dirty="0"/>
-              <a:t>T</a:t>
-            </a:r>
-            <a:r>
-              <a:rPr lang="en-US" dirty="0"/>
-              <a:t>,0)</a:t>
+              <a:t>1 Determine the value at expiration and the profit for a put buyer under the following outcomes:</a:t>
+            </a:r>
+          </a:p>
+          <a:p>
+            <a:pPr lvl="2"/>
+            <a:r>
+              <a:rPr lang="en-US" dirty="0"/>
+              <a:t>A The price of the underlying at expiration is $62.</a:t>
+            </a:r>
+          </a:p>
+          <a:p>
+            <a:pPr lvl="2"/>
+            <a:r>
+              <a:rPr lang="en-US" dirty="0"/>
+              <a:t>B The price of the underlying at expiration is $55.</a:t>
             </a:r>
           </a:p>
           <a:p>
             <a:pPr lvl="1"/>
             <a:r>
               <a:rPr lang="en-US" dirty="0"/>
-              <a:t>Short </a:t>
-            </a:r>
-            <a:r>
-              <a:rPr lang="en-US" altLang="zh-CN" dirty="0"/>
-              <a:t>put</a:t>
-            </a:r>
-            <a:r>
-              <a:rPr lang="en-US" dirty="0"/>
-              <a:t> = - MAX (X-S</a:t>
-            </a:r>
-            <a:r>
-              <a:rPr lang="en-US" baseline="-25000" dirty="0"/>
-              <a:t>T</a:t>
-            </a:r>
-            <a:r>
-              <a:rPr lang="en-US" dirty="0"/>
-              <a:t>,0)</a:t>
-            </a:r>
-          </a:p>
-          <a:p>
-            <a:endParaRPr lang="en-US" dirty="0"/>
-          </a:p>
-          <a:p>
-            <a:r>
-              <a:rPr lang="en-US" dirty="0"/>
-              <a:t>Profit of </a:t>
-            </a:r>
-            <a:r>
-              <a:rPr lang="en-US" altLang="zh-CN" dirty="0"/>
-              <a:t>put</a:t>
-            </a:r>
-            <a:r>
-              <a:rPr lang="en-US" dirty="0"/>
-              <a:t> option</a:t>
-            </a:r>
-          </a:p>
-          <a:p>
-            <a:pPr lvl="1"/>
-            <a:r>
-              <a:rPr lang="en-US" dirty="0"/>
-              <a:t>Long </a:t>
-            </a:r>
-            <a:r>
-              <a:rPr lang="en-US" altLang="zh-CN" dirty="0"/>
-              <a:t>put</a:t>
-            </a:r>
-            <a:r>
-              <a:rPr lang="en-US" dirty="0"/>
-              <a:t> = MAX (X-S</a:t>
-            </a:r>
-            <a:r>
-              <a:rPr lang="en-US" baseline="-25000" dirty="0"/>
-              <a:t>T</a:t>
-            </a:r>
-            <a:r>
-              <a:rPr lang="en-US" dirty="0"/>
-              <a:t>,0) – P</a:t>
-            </a:r>
-          </a:p>
-          <a:p>
-            <a:pPr lvl="1"/>
-            <a:r>
-              <a:rPr lang="en-US" dirty="0"/>
-              <a:t>Short </a:t>
-            </a:r>
-            <a:r>
-              <a:rPr lang="en-US" altLang="zh-CN" dirty="0"/>
-              <a:t>put</a:t>
-            </a:r>
-            <a:r>
-              <a:rPr lang="en-US" dirty="0"/>
-              <a:t> = - MAX (X-S</a:t>
-            </a:r>
-            <a:r>
-              <a:rPr lang="en-US" baseline="-25000" dirty="0"/>
-              <a:t>T</a:t>
-            </a:r>
-            <a:r>
-              <a:rPr lang="en-US" dirty="0"/>
-              <a:t>,0) + P</a:t>
-            </a:r>
-          </a:p>
-          <a:p>
-            <a:endParaRPr lang="en-US" dirty="0"/>
-          </a:p>
-          <a:p>
-            <a:endParaRPr lang="en-US" dirty="0"/>
+              <a:t>2 Determine the value at expiration and the profit for a put seller under the following outcomes:</a:t>
+            </a:r>
+          </a:p>
+          <a:p>
+            <a:pPr lvl="2"/>
+            <a:r>
+              <a:rPr lang="en-US" dirty="0"/>
+              <a:t>A The price of the underlying at expiration is $51.</a:t>
+            </a:r>
+          </a:p>
+          <a:p>
+            <a:pPr lvl="2"/>
+            <a:r>
+              <a:rPr lang="en-US" dirty="0"/>
+              <a:t>B The price of the underlying at expiration is $68.</a:t>
+            </a:r>
           </a:p>
         </p:txBody>
       </p:sp>
     </p:spTree>
     <p:extLst>
       <p:ext uri="{BB962C8B-B14F-4D97-AF65-F5344CB8AC3E}">
-        <p14:creationId xmlns:p14="http://schemas.microsoft.com/office/powerpoint/2010/main" val="1186771443"/>
+        <p14:creationId xmlns:p14="http://schemas.microsoft.com/office/powerpoint/2010/main" val="3669530994"/>
       </p:ext>
     </p:extLst>
   </p:cSld>
@@ -12910,138 +12865,6 @@
           <p:cNvPr id="2" name="Title 1">
             <a:extLst>
               <a:ext uri="{FF2B5EF4-FFF2-40B4-BE49-F238E27FC236}">
-                <a16:creationId xmlns:a16="http://schemas.microsoft.com/office/drawing/2014/main" id="{D144DC10-90A2-479B-B3E6-0983304E5176}"/>
-              </a:ext>
-            </a:extLst>
-          </p:cNvPr>
-          <p:cNvSpPr>
-            <a:spLocks noGrp="1"/>
-          </p:cNvSpPr>
-          <p:nvPr>
-            <p:ph type="title"/>
-          </p:nvPr>
-        </p:nvSpPr>
-        <p:spPr/>
-        <p:txBody>
-          <a:bodyPr>
-            <a:normAutofit/>
-          </a:bodyPr>
-          <a:lstStyle/>
-          <a:p>
-            <a:r>
-              <a:rPr lang="en-US" sz="4000" dirty="0"/>
-              <a:t>Practices</a:t>
-            </a:r>
-          </a:p>
-        </p:txBody>
-      </p:sp>
-      <p:sp>
-        <p:nvSpPr>
-          <p:cNvPr id="3" name="Content Placeholder 2">
-            <a:extLst>
-              <a:ext uri="{FF2B5EF4-FFF2-40B4-BE49-F238E27FC236}">
-                <a16:creationId xmlns:a16="http://schemas.microsoft.com/office/drawing/2014/main" id="{21707848-DDDD-41EF-9362-0D44DC210E9B}"/>
-              </a:ext>
-            </a:extLst>
-          </p:cNvPr>
-          <p:cNvSpPr>
-            <a:spLocks noGrp="1"/>
-          </p:cNvSpPr>
-          <p:nvPr>
-            <p:ph idx="1"/>
-          </p:nvPr>
-        </p:nvSpPr>
-        <p:spPr/>
-        <p:txBody>
-          <a:bodyPr>
-            <a:normAutofit/>
-          </a:bodyPr>
-          <a:lstStyle/>
-          <a:p>
-            <a:r>
-              <a:rPr lang="en-US" dirty="0"/>
-              <a:t>Consider a put option selling for $4 in which the exercise price is $60 and the price of the underlying is $62.</a:t>
-            </a:r>
-          </a:p>
-          <a:p>
-            <a:pPr lvl="1"/>
-            <a:r>
-              <a:rPr lang="en-US" dirty="0"/>
-              <a:t>1 Determine the value at expiration and the profit for a put buyer under the following outcomes:</a:t>
-            </a:r>
-          </a:p>
-          <a:p>
-            <a:pPr lvl="2"/>
-            <a:r>
-              <a:rPr lang="en-US" dirty="0"/>
-              <a:t>A The price of the underlying at expiration is $62.</a:t>
-            </a:r>
-          </a:p>
-          <a:p>
-            <a:pPr lvl="2"/>
-            <a:r>
-              <a:rPr lang="en-US" dirty="0"/>
-              <a:t>B The price of the underlying at expiration is $55.</a:t>
-            </a:r>
-          </a:p>
-          <a:p>
-            <a:pPr lvl="1"/>
-            <a:r>
-              <a:rPr lang="en-US" dirty="0"/>
-              <a:t>2 Determine the value at expiration and the profit for a put seller under the following outcomes:</a:t>
-            </a:r>
-          </a:p>
-          <a:p>
-            <a:pPr lvl="2"/>
-            <a:r>
-              <a:rPr lang="en-US" dirty="0"/>
-              <a:t>A The price of the underlying at expiration is $51.</a:t>
-            </a:r>
-          </a:p>
-          <a:p>
-            <a:pPr lvl="2"/>
-            <a:r>
-              <a:rPr lang="en-US" dirty="0"/>
-              <a:t>B The price of the underlying at expiration is $68.</a:t>
-            </a:r>
-          </a:p>
-        </p:txBody>
-      </p:sp>
-    </p:spTree>
-    <p:extLst>
-      <p:ext uri="{BB962C8B-B14F-4D97-AF65-F5344CB8AC3E}">
-        <p14:creationId xmlns:p14="http://schemas.microsoft.com/office/powerpoint/2010/main" val="3669530994"/>
-      </p:ext>
-    </p:extLst>
-  </p:cSld>
-  <p:clrMapOvr>
-    <a:masterClrMapping/>
-  </p:clrMapOvr>
-</p:sld>
-</file>
-
-<file path=ppt/slides/slide43.xml><?xml version="1.0" encoding="utf-8"?>
-<p:sld xmlns:a="http://schemas.openxmlformats.org/drawingml/2006/main" xmlns:r="http://schemas.openxmlformats.org/officeDocument/2006/relationships" xmlns:p="http://schemas.openxmlformats.org/presentationml/2006/main">
-  <p:cSld>
-    <p:spTree>
-      <p:nvGrpSpPr>
-        <p:cNvPr id="1" name=""/>
-        <p:cNvGrpSpPr/>
-        <p:nvPr/>
-      </p:nvGrpSpPr>
-      <p:grpSpPr>
-        <a:xfrm>
-          <a:off x="0" y="0"/>
-          <a:ext cx="0" cy="0"/>
-          <a:chOff x="0" y="0"/>
-          <a:chExt cx="0" cy="0"/>
-        </a:xfrm>
-      </p:grpSpPr>
-      <p:sp>
-        <p:nvSpPr>
-          <p:cNvPr id="2" name="Title 1">
-            <a:extLst>
-              <a:ext uri="{FF2B5EF4-FFF2-40B4-BE49-F238E27FC236}">
                 <a16:creationId xmlns:a16="http://schemas.microsoft.com/office/drawing/2014/main" id="{1C2F3AE9-B402-437D-BDF5-E4639C896F9C}"/>
               </a:ext>
             </a:extLst>
@@ -13221,7 +13044,7 @@
 </p:sld>
 </file>
 
-<file path=ppt/slides/slide44.xml><?xml version="1.0" encoding="utf-8"?>
+<file path=ppt/slides/slide43.xml><?xml version="1.0" encoding="utf-8"?>
 <p:sld xmlns:a="http://schemas.openxmlformats.org/drawingml/2006/main" xmlns:r="http://schemas.openxmlformats.org/officeDocument/2006/relationships" xmlns:p="http://schemas.openxmlformats.org/presentationml/2006/main">
   <p:cSld>
     <p:spTree>
@@ -13671,6 +13494,152 @@
 </p:sld>
 </file>
 
+<file path=ppt/slides/slide44.xml><?xml version="1.0" encoding="utf-8"?>
+<p:sld xmlns:a="http://schemas.openxmlformats.org/drawingml/2006/main" xmlns:r="http://schemas.openxmlformats.org/officeDocument/2006/relationships" xmlns:p="http://schemas.openxmlformats.org/presentationml/2006/main">
+  <p:cSld>
+    <p:spTree>
+      <p:nvGrpSpPr>
+        <p:cNvPr id="1" name=""/>
+        <p:cNvGrpSpPr/>
+        <p:nvPr/>
+      </p:nvGrpSpPr>
+      <p:grpSpPr>
+        <a:xfrm>
+          <a:off x="0" y="0"/>
+          <a:ext cx="0" cy="0"/>
+          <a:chOff x="0" y="0"/>
+          <a:chExt cx="0" cy="0"/>
+        </a:xfrm>
+      </p:grpSpPr>
+      <p:sp>
+        <p:nvSpPr>
+          <p:cNvPr id="2" name="Title 1">
+            <a:extLst>
+              <a:ext uri="{FF2B5EF4-FFF2-40B4-BE49-F238E27FC236}">
+                <a16:creationId xmlns:a16="http://schemas.microsoft.com/office/drawing/2014/main" id="{A3BB96AB-1005-48C4-8495-D9268F80EAD9}"/>
+              </a:ext>
+            </a:extLst>
+          </p:cNvPr>
+          <p:cNvSpPr>
+            <a:spLocks noGrp="1"/>
+          </p:cNvSpPr>
+          <p:nvPr>
+            <p:ph type="title"/>
+          </p:nvPr>
+        </p:nvSpPr>
+        <p:spPr/>
+        <p:txBody>
+          <a:bodyPr>
+            <a:normAutofit/>
+          </a:bodyPr>
+          <a:lstStyle/>
+          <a:p>
+            <a:r>
+              <a:rPr lang="en-US" sz="4000" dirty="0"/>
+              <a:t>Practices</a:t>
+            </a:r>
+          </a:p>
+        </p:txBody>
+      </p:sp>
+      <p:sp>
+        <p:nvSpPr>
+          <p:cNvPr id="3" name="Content Placeholder 2">
+            <a:extLst>
+              <a:ext uri="{FF2B5EF4-FFF2-40B4-BE49-F238E27FC236}">
+                <a16:creationId xmlns:a16="http://schemas.microsoft.com/office/drawing/2014/main" id="{74011303-55EE-4922-82A1-052AEDDE02C8}"/>
+              </a:ext>
+            </a:extLst>
+          </p:cNvPr>
+          <p:cNvSpPr>
+            <a:spLocks noGrp="1"/>
+          </p:cNvSpPr>
+          <p:nvPr>
+            <p:ph idx="1"/>
+          </p:nvPr>
+        </p:nvSpPr>
+        <p:spPr/>
+        <p:txBody>
+          <a:bodyPr>
+            <a:noAutofit/>
+          </a:bodyPr>
+          <a:lstStyle/>
+          <a:p>
+            <a:r>
+              <a:rPr lang="en-US" sz="2000" dirty="0"/>
+              <a:t>1.An option provides which of the following?</a:t>
+            </a:r>
+          </a:p>
+          <a:p>
+            <a:pPr lvl="1"/>
+            <a:r>
+              <a:rPr lang="en-US" sz="2000" dirty="0"/>
+              <a:t>A Either the right to buy or the right to sell an underlying</a:t>
+            </a:r>
+          </a:p>
+          <a:p>
+            <a:pPr lvl="1"/>
+            <a:r>
+              <a:rPr lang="en-US" sz="2000" dirty="0"/>
+              <a:t>B The right to buy and sell, with the choice made at expiration</a:t>
+            </a:r>
+          </a:p>
+          <a:p>
+            <a:pPr lvl="1"/>
+            <a:r>
+              <a:rPr lang="en-US" sz="2000" dirty="0"/>
+              <a:t>C The obligation to buy or sell, which can be converted into the right to buy or sell</a:t>
+            </a:r>
+          </a:p>
+          <a:p>
+            <a:r>
+              <a:rPr lang="en-US" sz="2000" dirty="0"/>
+              <a:t>2.Which of the following is not a characteristic of a call option on a stock?</a:t>
+            </a:r>
+          </a:p>
+          <a:p>
+            <a:pPr lvl="1"/>
+            <a:r>
+              <a:rPr lang="en-US" sz="2000" dirty="0"/>
+              <a:t>A </a:t>
+            </a:r>
+            <a:r>
+              <a:rPr lang="en-US" sz="2000" dirty="0" err="1"/>
+              <a:t>A</a:t>
+            </a:r>
+            <a:r>
+              <a:rPr lang="en-US" sz="2000" dirty="0"/>
+              <a:t> guarantee that the stock will increase</a:t>
+            </a:r>
+          </a:p>
+          <a:p>
+            <a:pPr lvl="1"/>
+            <a:r>
+              <a:rPr lang="en-US" sz="2000" dirty="0"/>
+              <a:t>B A specified date on which the right to buy expires</a:t>
+            </a:r>
+          </a:p>
+          <a:p>
+            <a:pPr lvl="1"/>
+            <a:r>
+              <a:rPr lang="en-US" sz="2000" dirty="0"/>
+              <a:t>C A fixed price at which the call holder can buy the stock</a:t>
+            </a:r>
+          </a:p>
+        </p:txBody>
+      </p:sp>
+    </p:spTree>
+    <p:extLst>
+      <p:ext uri="{BB962C8B-B14F-4D97-AF65-F5344CB8AC3E}">
+        <p14:creationId xmlns:p14="http://schemas.microsoft.com/office/powerpoint/2010/main" val="3225362099"/>
+      </p:ext>
+    </p:extLst>
+  </p:cSld>
+  <p:clrMapOvr>
+    <a:masterClrMapping/>
+  </p:clrMapOvr>
+</p:sld>
+</file>
+
 <file path=ppt/slides/slide45.xml><?xml version="1.0" encoding="utf-8"?>
 <p:sld xmlns:a="http://schemas.openxmlformats.org/drawingml/2006/main" xmlns:r="http://schemas.openxmlformats.org/officeDocument/2006/relationships" xmlns:p="http://schemas.openxmlformats.org/presentationml/2006/main">
   <p:cSld>
@@ -13693,7 +13662,7 @@
           <p:cNvPr id="2" name="Title 1">
             <a:extLst>
               <a:ext uri="{FF2B5EF4-FFF2-40B4-BE49-F238E27FC236}">
-                <a16:creationId xmlns:a16="http://schemas.microsoft.com/office/drawing/2014/main" id="{A3BB96AB-1005-48C4-8495-D9268F80EAD9}"/>
+                <a16:creationId xmlns:a16="http://schemas.microsoft.com/office/drawing/2014/main" id="{3B6DC5E5-B49D-4096-80C1-B8052495A474}"/>
               </a:ext>
             </a:extLst>
           </p:cNvPr>
@@ -13707,14 +13676,21 @@
         <p:spPr/>
         <p:txBody>
           <a:bodyPr>
-            <a:normAutofit/>
+            <a:normAutofit fontScale="90000"/>
           </a:bodyPr>
           <a:lstStyle/>
           <a:p>
             <a:r>
+              <a:rPr lang="en-US" sz="4400" dirty="0"/>
+              <a:t>Credit Derivatives</a:t>
+            </a:r>
+            <a:br>
               <a:rPr lang="en-US" sz="4000" dirty="0"/>
-              <a:t>Practices</a:t>
-            </a:r>
+            </a:br>
+            <a:br>
+              <a:rPr lang="en-US" sz="4000" dirty="0"/>
+            </a:br>
+            <a:endParaRPr lang="en-US" sz="4000" dirty="0"/>
           </a:p>
         </p:txBody>
       </p:sp>
@@ -13723,7 +13699,7 @@
           <p:cNvPr id="3" name="Content Placeholder 2">
             <a:extLst>
               <a:ext uri="{FF2B5EF4-FFF2-40B4-BE49-F238E27FC236}">
-                <a16:creationId xmlns:a16="http://schemas.microsoft.com/office/drawing/2014/main" id="{74011303-55EE-4922-82A1-052AEDDE02C8}"/>
+                <a16:creationId xmlns:a16="http://schemas.microsoft.com/office/drawing/2014/main" id="{831B6362-3303-4415-9D10-C4E0904D67AF}"/>
               </a:ext>
             </a:extLst>
           </p:cNvPr>
@@ -13736,78 +13712,85 @@
         </p:nvSpPr>
         <p:spPr/>
         <p:txBody>
-          <a:bodyPr>
-            <a:noAutofit/>
-          </a:bodyPr>
-          <a:lstStyle/>
-          <a:p>
-            <a:r>
-              <a:rPr lang="en-US" sz="2000" dirty="0"/>
-              <a:t>1.An option provides which of the following?</a:t>
+          <a:bodyPr/>
+          <a:lstStyle/>
+          <a:p>
+            <a:r>
+              <a:rPr lang="en-US" sz="2800" dirty="0"/>
+              <a:t>Forward commitments</a:t>
             </a:r>
           </a:p>
           <a:p>
             <a:pPr lvl="1"/>
             <a:r>
-              <a:rPr lang="en-US" sz="2000" dirty="0"/>
-              <a:t>A Either the right to buy or the right to sell an underlying</a:t>
+              <a:rPr lang="en-US" sz="2800" dirty="0">
+                <a:solidFill>
+                  <a:schemeClr val="tx1"/>
+                </a:solidFill>
+              </a:rPr>
+              <a:t>Forward</a:t>
             </a:r>
           </a:p>
           <a:p>
             <a:pPr lvl="1"/>
             <a:r>
-              <a:rPr lang="en-US" sz="2000" dirty="0"/>
-              <a:t>B The right to buy and sell, with the choice made at expiration</a:t>
+              <a:rPr lang="en-US" sz="2800" dirty="0">
+                <a:solidFill>
+                  <a:schemeClr val="tx1"/>
+                </a:solidFill>
+              </a:rPr>
+              <a:t>Futures</a:t>
             </a:r>
           </a:p>
           <a:p>
             <a:pPr lvl="1"/>
             <a:r>
-              <a:rPr lang="en-US" sz="2000" dirty="0"/>
-              <a:t>C The obligation to buy or sell, which can be converted into the right to buy or sell</a:t>
-            </a:r>
-          </a:p>
-          <a:p>
-            <a:r>
-              <a:rPr lang="en-US" sz="2000" dirty="0"/>
-              <a:t>2.Which of the following is not a characteristic of a call option on a stock?</a:t>
+              <a:rPr lang="en-US" sz="2800" dirty="0">
+                <a:solidFill>
+                  <a:schemeClr val="tx1"/>
+                </a:solidFill>
+              </a:rPr>
+              <a:t>Swap</a:t>
+            </a:r>
+          </a:p>
+          <a:p>
+            <a:r>
+              <a:rPr lang="en-US" sz="2800" dirty="0"/>
+              <a:t>Contingent claims</a:t>
             </a:r>
           </a:p>
           <a:p>
             <a:pPr lvl="1"/>
             <a:r>
-              <a:rPr lang="en-US" sz="2000" dirty="0"/>
-              <a:t>A </a:t>
-            </a:r>
-            <a:r>
-              <a:rPr lang="en-US" sz="2000" dirty="0" err="1"/>
-              <a:t>A</a:t>
-            </a:r>
-            <a:r>
-              <a:rPr lang="en-US" sz="2000" dirty="0"/>
-              <a:t> guarantee that the stock will increase</a:t>
+              <a:rPr lang="en-US" sz="2800" dirty="0">
+                <a:solidFill>
+                  <a:schemeClr val="tx1"/>
+                </a:solidFill>
+              </a:rPr>
+              <a:t>Option</a:t>
             </a:r>
           </a:p>
           <a:p>
             <a:pPr lvl="1"/>
             <a:r>
-              <a:rPr lang="en-US" sz="2000" dirty="0"/>
-              <a:t>B A specified date on which the right to buy expires</a:t>
+              <a:rPr lang="en-US" sz="2800" u="sng" dirty="0">
+                <a:solidFill>
+                  <a:srgbClr val="FF0000"/>
+                </a:solidFill>
+              </a:rPr>
+              <a:t>Credit Derivatives</a:t>
             </a:r>
           </a:p>
           <a:p>
             <a:pPr lvl="1"/>
-            <a:r>
-              <a:rPr lang="en-US" sz="2000" dirty="0"/>
-              <a:t>C A fixed price at which the call holder can buy the stock</a:t>
-            </a:r>
+            <a:endParaRPr lang="en-US" dirty="0"/>
           </a:p>
         </p:txBody>
       </p:sp>
     </p:spTree>
     <p:extLst>
       <p:ext uri="{BB962C8B-B14F-4D97-AF65-F5344CB8AC3E}">
-        <p14:creationId xmlns:p14="http://schemas.microsoft.com/office/powerpoint/2010/main" val="3225362099"/>
+        <p14:creationId xmlns:p14="http://schemas.microsoft.com/office/powerpoint/2010/main" val="2303669535"/>
       </p:ext>
     </p:extLst>
   </p:cSld>
@@ -13839,7 +13822,7 @@
           <p:cNvPr id="2" name="Title 1">
             <a:extLst>
               <a:ext uri="{FF2B5EF4-FFF2-40B4-BE49-F238E27FC236}">
-                <a16:creationId xmlns:a16="http://schemas.microsoft.com/office/drawing/2014/main" id="{3B6DC5E5-B49D-4096-80C1-B8052495A474}"/>
+                <a16:creationId xmlns:a16="http://schemas.microsoft.com/office/drawing/2014/main" id="{20DB8FC4-573F-4A09-AE2A-04D0353ECBFD}"/>
               </a:ext>
             </a:extLst>
           </p:cNvPr>
@@ -13853,21 +13836,14 @@
         <p:spPr/>
         <p:txBody>
           <a:bodyPr>
-            <a:normAutofit fontScale="90000"/>
+            <a:normAutofit/>
           </a:bodyPr>
           <a:lstStyle/>
           <a:p>
             <a:r>
-              <a:rPr lang="en-US" sz="4400" dirty="0"/>
+              <a:rPr lang="en-US" sz="4000" dirty="0"/>
               <a:t>Credit Derivatives</a:t>
             </a:r>
-            <a:br>
-              <a:rPr lang="en-US" sz="4000" dirty="0"/>
-            </a:br>
-            <a:br>
-              <a:rPr lang="en-US" sz="4000" dirty="0"/>
-            </a:br>
-            <a:endParaRPr lang="en-US" sz="4000" dirty="0"/>
           </a:p>
         </p:txBody>
       </p:sp>
@@ -13876,7 +13852,7 @@
           <p:cNvPr id="3" name="Content Placeholder 2">
             <a:extLst>
               <a:ext uri="{FF2B5EF4-FFF2-40B4-BE49-F238E27FC236}">
-                <a16:creationId xmlns:a16="http://schemas.microsoft.com/office/drawing/2014/main" id="{831B6362-3303-4415-9D10-C4E0904D67AF}"/>
+                <a16:creationId xmlns:a16="http://schemas.microsoft.com/office/drawing/2014/main" id="{2F42ACB6-E17F-425E-ACDC-30219AB1355F}"/>
               </a:ext>
             </a:extLst>
           </p:cNvPr>
@@ -13893,73 +13869,53 @@
           <a:lstStyle/>
           <a:p>
             <a:r>
-              <a:rPr lang="en-US" sz="2800" dirty="0"/>
-              <a:t>Forward commitments</a:t>
-            </a:r>
+              <a:rPr lang="en-US" sz="2400" dirty="0"/>
+              <a:t>Definition : A credit derivative is a class of derivative contracts between two parties, a credit protection buyer and a credit protection seller, in which the latter provides protection to the former against a specific credit loss.</a:t>
+            </a:r>
+          </a:p>
+          <a:p>
+            <a:r>
+              <a:rPr lang="en-US" sz="2400" dirty="0"/>
+              <a:t>Buyer:</a:t>
+            </a:r>
+            <a:r>
+              <a:rPr lang="zh-CN" altLang="en-US" sz="2400" dirty="0"/>
+              <a:t>面临信用风险，买入信用保护</a:t>
+            </a:r>
+            <a:endParaRPr lang="en-US" altLang="zh-CN" sz="2400" dirty="0"/>
           </a:p>
           <a:p>
             <a:pPr lvl="1"/>
             <a:r>
-              <a:rPr lang="en-US" sz="2800" dirty="0">
-                <a:solidFill>
-                  <a:schemeClr val="tx1"/>
-                </a:solidFill>
-              </a:rPr>
-              <a:t>Forward</a:t>
-            </a:r>
+              <a:rPr lang="zh-CN" altLang="en-US" sz="2200" dirty="0"/>
+              <a:t>债券持有人，发放贷款机构</a:t>
+            </a:r>
+            <a:endParaRPr lang="en-US" altLang="zh-CN" sz="2200" dirty="0"/>
+          </a:p>
+          <a:p>
+            <a:r>
+              <a:rPr lang="en-US" sz="2400" dirty="0"/>
+              <a:t>S</a:t>
+            </a:r>
+            <a:r>
+              <a:rPr lang="en-US" altLang="zh-CN" sz="2400" dirty="0"/>
+              <a:t>eller:</a:t>
+            </a:r>
+            <a:r>
+              <a:rPr lang="zh-CN" altLang="en-US" sz="2400" dirty="0"/>
+              <a:t>卖出信用保护</a:t>
+            </a:r>
+            <a:endParaRPr lang="en-US" altLang="zh-CN" sz="2400" dirty="0"/>
           </a:p>
           <a:p>
             <a:pPr lvl="1"/>
             <a:r>
-              <a:rPr lang="en-US" sz="2800" dirty="0">
-                <a:solidFill>
-                  <a:schemeClr val="tx1"/>
-                </a:solidFill>
-              </a:rPr>
-              <a:t>Futures</a:t>
-            </a:r>
-          </a:p>
-          <a:p>
-            <a:pPr lvl="1"/>
-            <a:r>
-              <a:rPr lang="en-US" sz="2800" dirty="0">
-                <a:solidFill>
-                  <a:schemeClr val="tx1"/>
-                </a:solidFill>
-              </a:rPr>
-              <a:t>Swap</a:t>
-            </a:r>
-          </a:p>
-          <a:p>
-            <a:r>
-              <a:rPr lang="en-US" sz="2800" dirty="0"/>
-              <a:t>Contingent claims</a:t>
-            </a:r>
-          </a:p>
-          <a:p>
-            <a:pPr lvl="1"/>
-            <a:r>
-              <a:rPr lang="en-US" sz="2800" dirty="0">
-                <a:solidFill>
-                  <a:schemeClr val="tx1"/>
-                </a:solidFill>
-              </a:rPr>
-              <a:t>Option</a:t>
-            </a:r>
-          </a:p>
-          <a:p>
-            <a:pPr lvl="1"/>
-            <a:r>
-              <a:rPr lang="en-US" sz="2800" u="sng" dirty="0">
-                <a:solidFill>
-                  <a:srgbClr val="FF0000"/>
-                </a:solidFill>
-              </a:rPr>
-              <a:t>Credit Derivatives</a:t>
-            </a:r>
-          </a:p>
-          <a:p>
-            <a:pPr lvl="1"/>
+              <a:rPr lang="zh-CN" altLang="en-US" sz="2200" dirty="0"/>
+              <a:t>各类金融机构（保险公司，券商，投资银行）</a:t>
+            </a:r>
+            <a:endParaRPr lang="en-US" sz="2200" dirty="0"/>
+          </a:p>
+          <a:p>
             <a:endParaRPr lang="en-US" dirty="0"/>
           </a:p>
         </p:txBody>
@@ -13967,7 +13923,7 @@
     </p:spTree>
     <p:extLst>
       <p:ext uri="{BB962C8B-B14F-4D97-AF65-F5344CB8AC3E}">
-        <p14:creationId xmlns:p14="http://schemas.microsoft.com/office/powerpoint/2010/main" val="2303669535"/>
+        <p14:creationId xmlns:p14="http://schemas.microsoft.com/office/powerpoint/2010/main" val="1165323640"/>
       </p:ext>
     </p:extLst>
   </p:cSld>
@@ -13999,7 +13955,7 @@
           <p:cNvPr id="2" name="Title 1">
             <a:extLst>
               <a:ext uri="{FF2B5EF4-FFF2-40B4-BE49-F238E27FC236}">
-                <a16:creationId xmlns:a16="http://schemas.microsoft.com/office/drawing/2014/main" id="{20DB8FC4-573F-4A09-AE2A-04D0353ECBFD}"/>
+                <a16:creationId xmlns:a16="http://schemas.microsoft.com/office/drawing/2014/main" id="{3F303233-1831-4E4A-9324-5AA1E3371CBF}"/>
               </a:ext>
             </a:extLst>
           </p:cNvPr>
@@ -14029,7 +13985,7 @@
           <p:cNvPr id="3" name="Content Placeholder 2">
             <a:extLst>
               <a:ext uri="{FF2B5EF4-FFF2-40B4-BE49-F238E27FC236}">
-                <a16:creationId xmlns:a16="http://schemas.microsoft.com/office/drawing/2014/main" id="{2F42ACB6-E17F-425E-ACDC-30219AB1355F}"/>
+                <a16:creationId xmlns:a16="http://schemas.microsoft.com/office/drawing/2014/main" id="{A91A19E5-F393-4382-B424-ABF09382E331}"/>
               </a:ext>
             </a:extLst>
           </p:cNvPr>
@@ -14042,65 +13998,22 @@
         </p:nvSpPr>
         <p:spPr/>
         <p:txBody>
-          <a:bodyPr/>
-          <a:lstStyle/>
-          <a:p>
-            <a:r>
-              <a:rPr lang="en-US" sz="2400" dirty="0"/>
-              <a:t>Definition : A credit derivative is a class of derivative contracts between two parties, a credit protection buyer and a credit protection seller, in which the latter provides protection to the former against a specific credit loss.</a:t>
-            </a:r>
-          </a:p>
-          <a:p>
-            <a:r>
-              <a:rPr lang="en-US" sz="2400" dirty="0"/>
-              <a:t>Buyer:</a:t>
-            </a:r>
-            <a:r>
-              <a:rPr lang="zh-CN" altLang="en-US" sz="2400" dirty="0"/>
-              <a:t>面临信用风险，买入信用保护</a:t>
-            </a:r>
-            <a:endParaRPr lang="en-US" altLang="zh-CN" sz="2400" dirty="0"/>
-          </a:p>
-          <a:p>
-            <a:pPr lvl="1"/>
-            <a:r>
-              <a:rPr lang="zh-CN" altLang="en-US" sz="2200" dirty="0"/>
-              <a:t>债券持有人，发放贷款机构</a:t>
-            </a:r>
-            <a:endParaRPr lang="en-US" altLang="zh-CN" sz="2200" dirty="0"/>
-          </a:p>
-          <a:p>
-            <a:r>
-              <a:rPr lang="en-US" sz="2400" dirty="0"/>
-              <a:t>S</a:t>
-            </a:r>
-            <a:r>
-              <a:rPr lang="en-US" altLang="zh-CN" sz="2400" dirty="0"/>
-              <a:t>eller:</a:t>
-            </a:r>
-            <a:r>
-              <a:rPr lang="zh-CN" altLang="en-US" sz="2400" dirty="0"/>
-              <a:t>卖出信用保护</a:t>
-            </a:r>
-            <a:endParaRPr lang="en-US" altLang="zh-CN" sz="2400" dirty="0"/>
-          </a:p>
-          <a:p>
-            <a:pPr lvl="1"/>
-            <a:r>
-              <a:rPr lang="zh-CN" altLang="en-US" sz="2200" dirty="0"/>
-              <a:t>各类金融机构（保险公司，券商，投资银行）</a:t>
-            </a:r>
-            <a:endParaRPr lang="en-US" sz="2200" dirty="0"/>
-          </a:p>
-          <a:p>
-            <a:endParaRPr lang="en-US" dirty="0"/>
+          <a:bodyPr>
+            <a:normAutofit/>
+          </a:bodyPr>
+          <a:lstStyle/>
+          <a:p>
+            <a:r>
+              <a:rPr lang="en-US" sz="2000" dirty="0"/>
+              <a:t>Total return swap</a:t>
+            </a:r>
           </a:p>
         </p:txBody>
       </p:sp>
     </p:spTree>
     <p:extLst>
       <p:ext uri="{BB962C8B-B14F-4D97-AF65-F5344CB8AC3E}">
-        <p14:creationId xmlns:p14="http://schemas.microsoft.com/office/powerpoint/2010/main" val="1165323640"/>
+        <p14:creationId xmlns:p14="http://schemas.microsoft.com/office/powerpoint/2010/main" val="3215247430"/>
       </p:ext>
     </p:extLst>
   </p:cSld>
@@ -14132,7 +14045,7 @@
           <p:cNvPr id="2" name="Title 1">
             <a:extLst>
               <a:ext uri="{FF2B5EF4-FFF2-40B4-BE49-F238E27FC236}">
-                <a16:creationId xmlns:a16="http://schemas.microsoft.com/office/drawing/2014/main" id="{3F303233-1831-4E4A-9324-5AA1E3371CBF}"/>
+                <a16:creationId xmlns:a16="http://schemas.microsoft.com/office/drawing/2014/main" id="{C7BDF7C6-BD38-4D2C-B7EC-F25AB1968614}"/>
               </a:ext>
             </a:extLst>
           </p:cNvPr>
@@ -14162,7 +14075,7 @@
           <p:cNvPr id="3" name="Content Placeholder 2">
             <a:extLst>
               <a:ext uri="{FF2B5EF4-FFF2-40B4-BE49-F238E27FC236}">
-                <a16:creationId xmlns:a16="http://schemas.microsoft.com/office/drawing/2014/main" id="{A91A19E5-F393-4382-B424-ABF09382E331}"/>
+                <a16:creationId xmlns:a16="http://schemas.microsoft.com/office/drawing/2014/main" id="{AC997BD0-8E21-4394-A39E-48A459D507C9}"/>
               </a:ext>
             </a:extLst>
           </p:cNvPr>
@@ -14175,14 +14088,12 @@
         </p:nvSpPr>
         <p:spPr/>
         <p:txBody>
-          <a:bodyPr>
-            <a:normAutofit/>
-          </a:bodyPr>
-          <a:lstStyle/>
-          <a:p>
-            <a:r>
-              <a:rPr lang="en-US" sz="2000" dirty="0"/>
-              <a:t>Total return swap</a:t>
+          <a:bodyPr/>
+          <a:lstStyle/>
+          <a:p>
+            <a:r>
+              <a:rPr lang="en-US" dirty="0"/>
+              <a:t>Credit spread option</a:t>
             </a:r>
           </a:p>
         </p:txBody>
@@ -14190,7 +14101,7 @@
     </p:spTree>
     <p:extLst>
       <p:ext uri="{BB962C8B-B14F-4D97-AF65-F5344CB8AC3E}">
-        <p14:creationId xmlns:p14="http://schemas.microsoft.com/office/powerpoint/2010/main" val="3215247430"/>
+        <p14:creationId xmlns:p14="http://schemas.microsoft.com/office/powerpoint/2010/main" val="3451422982"/>
       </p:ext>
     </p:extLst>
   </p:cSld>
@@ -14222,7 +14133,7 @@
           <p:cNvPr id="2" name="Title 1">
             <a:extLst>
               <a:ext uri="{FF2B5EF4-FFF2-40B4-BE49-F238E27FC236}">
-                <a16:creationId xmlns:a16="http://schemas.microsoft.com/office/drawing/2014/main" id="{C7BDF7C6-BD38-4D2C-B7EC-F25AB1968614}"/>
+                <a16:creationId xmlns:a16="http://schemas.microsoft.com/office/drawing/2014/main" id="{8D8186E0-E7FD-4A7D-B919-475DD13A49EB}"/>
               </a:ext>
             </a:extLst>
           </p:cNvPr>
@@ -14252,7 +14163,7 @@
           <p:cNvPr id="3" name="Content Placeholder 2">
             <a:extLst>
               <a:ext uri="{FF2B5EF4-FFF2-40B4-BE49-F238E27FC236}">
-                <a16:creationId xmlns:a16="http://schemas.microsoft.com/office/drawing/2014/main" id="{AC997BD0-8E21-4394-A39E-48A459D507C9}"/>
+                <a16:creationId xmlns:a16="http://schemas.microsoft.com/office/drawing/2014/main" id="{15154901-95EA-4DC2-9E6E-FCDA862CAF3D}"/>
               </a:ext>
             </a:extLst>
           </p:cNvPr>
@@ -14270,15 +14181,18 @@
           <a:p>
             <a:r>
               <a:rPr lang="en-US" dirty="0"/>
-              <a:t>Credit spread option</a:t>
-            </a:r>
+              <a:t>Credit-linked note</a:t>
+            </a:r>
+          </a:p>
+          <a:p>
+            <a:endParaRPr lang="en-US" dirty="0"/>
           </a:p>
         </p:txBody>
       </p:sp>
     </p:spTree>
     <p:extLst>
       <p:ext uri="{BB962C8B-B14F-4D97-AF65-F5344CB8AC3E}">
-        <p14:creationId xmlns:p14="http://schemas.microsoft.com/office/powerpoint/2010/main" val="3451422982"/>
+        <p14:creationId xmlns:p14="http://schemas.microsoft.com/office/powerpoint/2010/main" val="3182849461"/>
       </p:ext>
     </p:extLst>
   </p:cSld>
@@ -14430,97 +14344,6 @@
           <p:cNvPr id="2" name="Title 1">
             <a:extLst>
               <a:ext uri="{FF2B5EF4-FFF2-40B4-BE49-F238E27FC236}">
-                <a16:creationId xmlns:a16="http://schemas.microsoft.com/office/drawing/2014/main" id="{8D8186E0-E7FD-4A7D-B919-475DD13A49EB}"/>
-              </a:ext>
-            </a:extLst>
-          </p:cNvPr>
-          <p:cNvSpPr>
-            <a:spLocks noGrp="1"/>
-          </p:cNvSpPr>
-          <p:nvPr>
-            <p:ph type="title"/>
-          </p:nvPr>
-        </p:nvSpPr>
-        <p:spPr/>
-        <p:txBody>
-          <a:bodyPr>
-            <a:normAutofit/>
-          </a:bodyPr>
-          <a:lstStyle/>
-          <a:p>
-            <a:r>
-              <a:rPr lang="en-US" sz="4000" dirty="0"/>
-              <a:t>Credit Derivatives</a:t>
-            </a:r>
-          </a:p>
-        </p:txBody>
-      </p:sp>
-      <p:sp>
-        <p:nvSpPr>
-          <p:cNvPr id="3" name="Content Placeholder 2">
-            <a:extLst>
-              <a:ext uri="{FF2B5EF4-FFF2-40B4-BE49-F238E27FC236}">
-                <a16:creationId xmlns:a16="http://schemas.microsoft.com/office/drawing/2014/main" id="{15154901-95EA-4DC2-9E6E-FCDA862CAF3D}"/>
-              </a:ext>
-            </a:extLst>
-          </p:cNvPr>
-          <p:cNvSpPr>
-            <a:spLocks noGrp="1"/>
-          </p:cNvSpPr>
-          <p:nvPr>
-            <p:ph idx="1"/>
-          </p:nvPr>
-        </p:nvSpPr>
-        <p:spPr/>
-        <p:txBody>
-          <a:bodyPr/>
-          <a:lstStyle/>
-          <a:p>
-            <a:r>
-              <a:rPr lang="en-US" dirty="0"/>
-              <a:t>Credit-linked note</a:t>
-            </a:r>
-          </a:p>
-          <a:p>
-            <a:endParaRPr lang="en-US" dirty="0"/>
-          </a:p>
-        </p:txBody>
-      </p:sp>
-    </p:spTree>
-    <p:extLst>
-      <p:ext uri="{BB962C8B-B14F-4D97-AF65-F5344CB8AC3E}">
-        <p14:creationId xmlns:p14="http://schemas.microsoft.com/office/powerpoint/2010/main" val="3182849461"/>
-      </p:ext>
-    </p:extLst>
-  </p:cSld>
-  <p:clrMapOvr>
-    <a:masterClrMapping/>
-  </p:clrMapOvr>
-</p:sld>
-</file>
-
-<file path=ppt/slides/slide51.xml><?xml version="1.0" encoding="utf-8"?>
-<p:sld xmlns:a="http://schemas.openxmlformats.org/drawingml/2006/main" xmlns:r="http://schemas.openxmlformats.org/officeDocument/2006/relationships" xmlns:p="http://schemas.openxmlformats.org/presentationml/2006/main">
-  <p:cSld>
-    <p:spTree>
-      <p:nvGrpSpPr>
-        <p:cNvPr id="1" name=""/>
-        <p:cNvGrpSpPr/>
-        <p:nvPr/>
-      </p:nvGrpSpPr>
-      <p:grpSpPr>
-        <a:xfrm>
-          <a:off x="0" y="0"/>
-          <a:ext cx="0" cy="0"/>
-          <a:chOff x="0" y="0"/>
-          <a:chExt cx="0" cy="0"/>
-        </a:xfrm>
-      </p:grpSpPr>
-      <p:sp>
-        <p:nvSpPr>
-          <p:cNvPr id="2" name="Title 1">
-            <a:extLst>
-              <a:ext uri="{FF2B5EF4-FFF2-40B4-BE49-F238E27FC236}">
                 <a16:creationId xmlns:a16="http://schemas.microsoft.com/office/drawing/2014/main" id="{69B941C4-F4EB-4AB8-A2D4-65FAA0965D49}"/>
               </a:ext>
             </a:extLst>
@@ -14587,7 +14410,7 @@
 </p:sld>
 </file>
 
-<file path=ppt/slides/slide52.xml><?xml version="1.0" encoding="utf-8"?>
+<file path=ppt/slides/slide51.xml><?xml version="1.0" encoding="utf-8"?>
 <p:sld xmlns:a="http://schemas.openxmlformats.org/drawingml/2006/main" xmlns:r="http://schemas.openxmlformats.org/officeDocument/2006/relationships" xmlns:p="http://schemas.openxmlformats.org/presentationml/2006/main">
   <p:cSld>
     <p:spTree>
@@ -14676,6 +14499,125 @@
 </p:sld>
 </file>
 
+<file path=ppt/slides/slide52.xml><?xml version="1.0" encoding="utf-8"?>
+<p:sld xmlns:a="http://schemas.openxmlformats.org/drawingml/2006/main" xmlns:r="http://schemas.openxmlformats.org/officeDocument/2006/relationships" xmlns:p="http://schemas.openxmlformats.org/presentationml/2006/main">
+  <p:cSld>
+    <p:spTree>
+      <p:nvGrpSpPr>
+        <p:cNvPr id="1" name=""/>
+        <p:cNvGrpSpPr/>
+        <p:nvPr/>
+      </p:nvGrpSpPr>
+      <p:grpSpPr>
+        <a:xfrm>
+          <a:off x="0" y="0"/>
+          <a:ext cx="0" cy="0"/>
+          <a:chOff x="0" y="0"/>
+          <a:chExt cx="0" cy="0"/>
+        </a:xfrm>
+      </p:grpSpPr>
+      <p:sp>
+        <p:nvSpPr>
+          <p:cNvPr id="2" name="Title 1">
+            <a:extLst>
+              <a:ext uri="{FF2B5EF4-FFF2-40B4-BE49-F238E27FC236}">
+                <a16:creationId xmlns:a16="http://schemas.microsoft.com/office/drawing/2014/main" id="{348BD349-FAD8-4678-AFB4-B1E5307D6EA4}"/>
+              </a:ext>
+            </a:extLst>
+          </p:cNvPr>
+          <p:cNvSpPr>
+            <a:spLocks noGrp="1"/>
+          </p:cNvSpPr>
+          <p:nvPr>
+            <p:ph type="title"/>
+          </p:nvPr>
+        </p:nvSpPr>
+        <p:spPr/>
+        <p:txBody>
+          <a:bodyPr>
+            <a:normAutofit/>
+          </a:bodyPr>
+          <a:lstStyle/>
+          <a:p>
+            <a:r>
+              <a:rPr lang="en-US" sz="4000" dirty="0"/>
+              <a:t>Practices</a:t>
+            </a:r>
+          </a:p>
+        </p:txBody>
+      </p:sp>
+      <p:sp>
+        <p:nvSpPr>
+          <p:cNvPr id="3" name="Content Placeholder 2">
+            <a:extLst>
+              <a:ext uri="{FF2B5EF4-FFF2-40B4-BE49-F238E27FC236}">
+                <a16:creationId xmlns:a16="http://schemas.microsoft.com/office/drawing/2014/main" id="{E3B67373-BC90-4BC9-B82C-C102723A443D}"/>
+              </a:ext>
+            </a:extLst>
+          </p:cNvPr>
+          <p:cNvSpPr>
+            <a:spLocks noGrp="1"/>
+          </p:cNvSpPr>
+          <p:nvPr>
+            <p:ph idx="1"/>
+          </p:nvPr>
+        </p:nvSpPr>
+        <p:spPr/>
+        <p:txBody>
+          <a:bodyPr>
+            <a:normAutofit/>
+          </a:bodyPr>
+          <a:lstStyle/>
+          <a:p>
+            <a:r>
+              <a:rPr lang="en-US" sz="2000" dirty="0"/>
+              <a:t>1.A credit derivative is which of the following?</a:t>
+            </a:r>
+          </a:p>
+          <a:p>
+            <a:pPr lvl="1"/>
+            <a:r>
+              <a:rPr lang="en-US" sz="2000" dirty="0"/>
+              <a:t>A </a:t>
+            </a:r>
+            <a:r>
+              <a:rPr lang="en-US" sz="2000" dirty="0" err="1"/>
+              <a:t>A</a:t>
+            </a:r>
+            <a:r>
+              <a:rPr lang="en-US" sz="2000" dirty="0"/>
+              <a:t> derivative in which the premium is obtained on credit</a:t>
+            </a:r>
+          </a:p>
+          <a:p>
+            <a:pPr lvl="1"/>
+            <a:r>
+              <a:rPr lang="en-US" sz="2000" dirty="0"/>
+              <a:t>B A derivative in which the payoff is borrowed by the seller</a:t>
+            </a:r>
+          </a:p>
+          <a:p>
+            <a:pPr lvl="1"/>
+            <a:r>
+              <a:rPr lang="en-US" sz="2000" dirty="0"/>
+              <a:t>C A derivative in which the seller provides protection to the buyer against credit loss from a third party</a:t>
+            </a:r>
+          </a:p>
+        </p:txBody>
+      </p:sp>
+    </p:spTree>
+    <p:extLst>
+      <p:ext uri="{BB962C8B-B14F-4D97-AF65-F5344CB8AC3E}">
+        <p14:creationId xmlns:p14="http://schemas.microsoft.com/office/powerpoint/2010/main" val="2051395143"/>
+      </p:ext>
+    </p:extLst>
+  </p:cSld>
+  <p:clrMapOvr>
+    <a:masterClrMapping/>
+  </p:clrMapOvr>
+</p:sld>
+</file>
+
 <file path=ppt/slides/slide53.xml><?xml version="1.0" encoding="utf-8"?>
 <p:sld xmlns:a="http://schemas.openxmlformats.org/drawingml/2006/main" xmlns:r="http://schemas.openxmlformats.org/officeDocument/2006/relationships" xmlns:p="http://schemas.openxmlformats.org/presentationml/2006/main">
   <p:cSld>
@@ -14698,7 +14640,7 @@
           <p:cNvPr id="2" name="Title 1">
             <a:extLst>
               <a:ext uri="{FF2B5EF4-FFF2-40B4-BE49-F238E27FC236}">
-                <a16:creationId xmlns:a16="http://schemas.microsoft.com/office/drawing/2014/main" id="{348BD349-FAD8-4678-AFB4-B1E5307D6EA4}"/>
+                <a16:creationId xmlns:a16="http://schemas.microsoft.com/office/drawing/2014/main" id="{13C1F2DB-C1EA-4EEE-9DD2-BBB6C676CABF}"/>
               </a:ext>
             </a:extLst>
           </p:cNvPr>
@@ -14718,8 +14660,13 @@
           <a:p>
             <a:r>
               <a:rPr lang="en-US" sz="4000" dirty="0"/>
-              <a:t>Practices</a:t>
-            </a:r>
+              <a:t>A</a:t>
+            </a:r>
+            <a:r>
+              <a:rPr lang="en-US" altLang="zh-CN" sz="4000" dirty="0"/>
+              <a:t>sset-backed securities</a:t>
+            </a:r>
+            <a:endParaRPr lang="en-US" sz="4000" dirty="0"/>
           </a:p>
         </p:txBody>
       </p:sp>
@@ -14728,7 +14675,7 @@
           <p:cNvPr id="3" name="Content Placeholder 2">
             <a:extLst>
               <a:ext uri="{FF2B5EF4-FFF2-40B4-BE49-F238E27FC236}">
-                <a16:creationId xmlns:a16="http://schemas.microsoft.com/office/drawing/2014/main" id="{E3B67373-BC90-4BC9-B82C-C102723A443D}"/>
+                <a16:creationId xmlns:a16="http://schemas.microsoft.com/office/drawing/2014/main" id="{AE242220-CC30-405B-943F-661EEB5D4AFA}"/>
               </a:ext>
             </a:extLst>
           </p:cNvPr>
@@ -14741,43 +14688,18 @@
         </p:nvSpPr>
         <p:spPr/>
         <p:txBody>
-          <a:bodyPr>
-            <a:normAutofit/>
-          </a:bodyPr>
-          <a:lstStyle/>
-          <a:p>
-            <a:r>
-              <a:rPr lang="en-US" sz="2000" dirty="0"/>
-              <a:t>1.A credit derivative is which of the following?</a:t>
-            </a:r>
-          </a:p>
-          <a:p>
-            <a:pPr lvl="1"/>
-            <a:r>
-              <a:rPr lang="en-US" sz="2000" dirty="0"/>
-              <a:t>A </a:t>
-            </a:r>
-            <a:r>
-              <a:rPr lang="en-US" sz="2000" dirty="0" err="1"/>
-              <a:t>A</a:t>
-            </a:r>
-            <a:r>
-              <a:rPr lang="en-US" sz="2000" dirty="0"/>
-              <a:t> derivative in which the premium is obtained on credit</a:t>
-            </a:r>
-          </a:p>
-          <a:p>
-            <a:pPr lvl="1"/>
-            <a:r>
-              <a:rPr lang="en-US" sz="2000" dirty="0"/>
-              <a:t>B A derivative in which the payoff is borrowed by the seller</a:t>
-            </a:r>
-          </a:p>
-          <a:p>
-            <a:pPr lvl="1"/>
-            <a:r>
-              <a:rPr lang="en-US" sz="2000" dirty="0"/>
-              <a:t>C A derivative in which the seller provides protection to the buyer against credit loss from a third party</a:t>
+          <a:bodyPr/>
+          <a:lstStyle/>
+          <a:p>
+            <a:r>
+              <a:rPr lang="en-US" dirty="0"/>
+              <a:t>Definition: an asset- backed security is a derivative contract in which a portfolio of debt instruments is assembled and claims are issued on the portfolio in the form of tranches, which have different priorities of claims on the payments made by the debt securities such that prepayments or credit losses are allocated to the most- junior tranches first and the most- senior tranches last.</a:t>
+            </a:r>
+          </a:p>
+          <a:p>
+            <a:r>
+              <a:rPr lang="en-US" dirty="0"/>
+              <a:t>ABSs typically divide the payments into slices, called tranches, in which the priority of claims has been changed from equivalent to preferential.</a:t>
             </a:r>
           </a:p>
         </p:txBody>
@@ -14785,7 +14707,7 @@
     </p:spTree>
     <p:extLst>
       <p:ext uri="{BB962C8B-B14F-4D97-AF65-F5344CB8AC3E}">
-        <p14:creationId xmlns:p14="http://schemas.microsoft.com/office/powerpoint/2010/main" val="2051395143"/>
+        <p14:creationId xmlns:p14="http://schemas.microsoft.com/office/powerpoint/2010/main" val="2380732809"/>
       </p:ext>
     </p:extLst>
   </p:cSld>
@@ -14817,7 +14739,7 @@
           <p:cNvPr id="2" name="Title 1">
             <a:extLst>
               <a:ext uri="{FF2B5EF4-FFF2-40B4-BE49-F238E27FC236}">
-                <a16:creationId xmlns:a16="http://schemas.microsoft.com/office/drawing/2014/main" id="{13C1F2DB-C1EA-4EEE-9DD2-BBB6C676CABF}"/>
+                <a16:creationId xmlns:a16="http://schemas.microsoft.com/office/drawing/2014/main" id="{DE056A45-2501-43A0-9F43-EE798108DA86}"/>
               </a:ext>
             </a:extLst>
           </p:cNvPr>
@@ -14852,7 +14774,7 @@
           <p:cNvPr id="3" name="Content Placeholder 2">
             <a:extLst>
               <a:ext uri="{FF2B5EF4-FFF2-40B4-BE49-F238E27FC236}">
-                <a16:creationId xmlns:a16="http://schemas.microsoft.com/office/drawing/2014/main" id="{AE242220-CC30-405B-943F-661EEB5D4AFA}"/>
+                <a16:creationId xmlns:a16="http://schemas.microsoft.com/office/drawing/2014/main" id="{8DCE4C67-98B6-4618-8DEA-076B941A3F4A}"/>
               </a:ext>
             </a:extLst>
           </p:cNvPr>
@@ -14870,21 +14792,30 @@
           <a:p>
             <a:r>
               <a:rPr lang="en-US" dirty="0"/>
-              <a:t>Definition: an asset- backed security is a derivative contract in which a portfolio of debt instruments is assembled and claims are issued on the portfolio in the form of tranches, which have different priorities of claims on the payments made by the debt securities such that prepayments or credit losses are allocated to the most- junior tranches first and the most- senior tranches last.</a:t>
-            </a:r>
-          </a:p>
-          <a:p>
-            <a:r>
-              <a:rPr lang="en-US" dirty="0"/>
-              <a:t>ABSs typically divide the payments into slices, called tranches, in which the priority of claims has been changed from equivalent to preferential.</a:t>
-            </a:r>
+              <a:t>CMO: collateralized mortgage obligation</a:t>
+            </a:r>
+          </a:p>
+          <a:p>
+            <a:r>
+              <a:rPr lang="en-US" dirty="0"/>
+              <a:t>CBO: collateralized bond obligation</a:t>
+            </a:r>
+          </a:p>
+          <a:p>
+            <a:r>
+              <a:rPr lang="en-US" dirty="0"/>
+              <a:t>CLO: collateralized loan obligation</a:t>
+            </a:r>
+          </a:p>
+          <a:p>
+            <a:endParaRPr lang="en-US" dirty="0"/>
           </a:p>
         </p:txBody>
       </p:sp>
     </p:spTree>
     <p:extLst>
       <p:ext uri="{BB962C8B-B14F-4D97-AF65-F5344CB8AC3E}">
-        <p14:creationId xmlns:p14="http://schemas.microsoft.com/office/powerpoint/2010/main" val="2380732809"/>
+        <p14:creationId xmlns:p14="http://schemas.microsoft.com/office/powerpoint/2010/main" val="615116269"/>
       </p:ext>
     </p:extLst>
   </p:cSld>
@@ -14916,7 +14847,7 @@
           <p:cNvPr id="2" name="Title 1">
             <a:extLst>
               <a:ext uri="{FF2B5EF4-FFF2-40B4-BE49-F238E27FC236}">
-                <a16:creationId xmlns:a16="http://schemas.microsoft.com/office/drawing/2014/main" id="{DE056A45-2501-43A0-9F43-EE798108DA86}"/>
+                <a16:creationId xmlns:a16="http://schemas.microsoft.com/office/drawing/2014/main" id="{8E48A604-005B-48E4-8AF4-138B105BA282}"/>
               </a:ext>
             </a:extLst>
           </p:cNvPr>
@@ -14936,13 +14867,8 @@
           <a:p>
             <a:r>
               <a:rPr lang="en-US" sz="4000" dirty="0"/>
-              <a:t>A</a:t>
-            </a:r>
-            <a:r>
-              <a:rPr lang="en-US" altLang="zh-CN" sz="4000" dirty="0"/>
-              <a:t>sset-backed securities</a:t>
-            </a:r>
-            <a:endParaRPr lang="en-US" sz="4000" dirty="0"/>
+              <a:t>Derivative underlying</a:t>
+            </a:r>
           </a:p>
         </p:txBody>
       </p:sp>
@@ -14951,7 +14877,7 @@
           <p:cNvPr id="3" name="Content Placeholder 2">
             <a:extLst>
               <a:ext uri="{FF2B5EF4-FFF2-40B4-BE49-F238E27FC236}">
-                <a16:creationId xmlns:a16="http://schemas.microsoft.com/office/drawing/2014/main" id="{8DCE4C67-98B6-4618-8DEA-076B941A3F4A}"/>
+                <a16:creationId xmlns:a16="http://schemas.microsoft.com/office/drawing/2014/main" id="{4DC2DC39-460C-4DC9-92A3-82D2535FFBF9}"/>
               </a:ext>
             </a:extLst>
           </p:cNvPr>
@@ -14969,19 +14895,37 @@
           <a:p>
             <a:r>
               <a:rPr lang="en-US" dirty="0"/>
-              <a:t>CMO: collateralized mortgage obligation</a:t>
-            </a:r>
-          </a:p>
-          <a:p>
-            <a:r>
-              <a:rPr lang="en-US" dirty="0"/>
-              <a:t>CBO: collateralized bond obligation</a:t>
-            </a:r>
-          </a:p>
-          <a:p>
-            <a:r>
-              <a:rPr lang="en-US" dirty="0"/>
-              <a:t>CLO: collateralized loan obligation</a:t>
+              <a:t>Equities</a:t>
+            </a:r>
+          </a:p>
+          <a:p>
+            <a:r>
+              <a:rPr lang="en-US" dirty="0"/>
+              <a:t>Fixed-income instruments and interest rates</a:t>
+            </a:r>
+          </a:p>
+          <a:p>
+            <a:r>
+              <a:rPr lang="en-US" dirty="0"/>
+              <a:t>Currencies</a:t>
+            </a:r>
+          </a:p>
+          <a:p>
+            <a:r>
+              <a:rPr lang="en-US" dirty="0"/>
+              <a:t>Commodities</a:t>
+            </a:r>
+          </a:p>
+          <a:p>
+            <a:r>
+              <a:rPr lang="en-US" dirty="0"/>
+              <a:t>Credit</a:t>
+            </a:r>
+          </a:p>
+          <a:p>
+            <a:r>
+              <a:rPr lang="en-US" dirty="0"/>
+              <a:t>Other</a:t>
             </a:r>
           </a:p>
           <a:p>
@@ -14992,7 +14936,7 @@
     </p:spTree>
     <p:extLst>
       <p:ext uri="{BB962C8B-B14F-4D97-AF65-F5344CB8AC3E}">
-        <p14:creationId xmlns:p14="http://schemas.microsoft.com/office/powerpoint/2010/main" val="615116269"/>
+        <p14:creationId xmlns:p14="http://schemas.microsoft.com/office/powerpoint/2010/main" val="3920046498"/>
       </p:ext>
     </p:extLst>
   </p:cSld>
@@ -15024,7 +14968,7 @@
           <p:cNvPr id="2" name="Title 1">
             <a:extLst>
               <a:ext uri="{FF2B5EF4-FFF2-40B4-BE49-F238E27FC236}">
-                <a16:creationId xmlns:a16="http://schemas.microsoft.com/office/drawing/2014/main" id="{8E48A604-005B-48E4-8AF4-138B105BA282}"/>
+                <a16:creationId xmlns:a16="http://schemas.microsoft.com/office/drawing/2014/main" id="{0B33124B-F8B1-44FB-B9D6-3239CDA95508}"/>
               </a:ext>
             </a:extLst>
           </p:cNvPr>
@@ -15038,13 +14982,24 @@
         <p:spPr/>
         <p:txBody>
           <a:bodyPr>
-            <a:normAutofit/>
+            <a:normAutofit fontScale="90000"/>
           </a:bodyPr>
           <a:lstStyle/>
           <a:p>
             <a:r>
-              <a:rPr lang="en-US" sz="4000" dirty="0"/>
-              <a:t>Derivative underlying</a:t>
+              <a:rPr lang="en-US" altLang="zh-CN" sz="4400" dirty="0"/>
+              <a:t>Classification </a:t>
+            </a:r>
+            <a:r>
+              <a:rPr lang="en-US" sz="4400" dirty="0"/>
+              <a:t>of derivatives</a:t>
+            </a:r>
+            <a:br>
+              <a:rPr lang="en-US" dirty="0"/>
+            </a:br>
+            <a:r>
+              <a:rPr lang="en-US" dirty="0"/>
+              <a:t>Forward commitments and contingent claims</a:t>
             </a:r>
           </a:p>
         </p:txBody>
@@ -15054,7 +15009,7 @@
           <p:cNvPr id="3" name="Content Placeholder 2">
             <a:extLst>
               <a:ext uri="{FF2B5EF4-FFF2-40B4-BE49-F238E27FC236}">
-                <a16:creationId xmlns:a16="http://schemas.microsoft.com/office/drawing/2014/main" id="{4DC2DC39-460C-4DC9-92A3-82D2535FFBF9}"/>
+                <a16:creationId xmlns:a16="http://schemas.microsoft.com/office/drawing/2014/main" id="{AEE854A1-1496-4876-AC8F-11F97047424B}"/>
               </a:ext>
             </a:extLst>
           </p:cNvPr>
@@ -15071,49 +15026,61 @@
           <a:lstStyle/>
           <a:p>
             <a:r>
-              <a:rPr lang="en-US" dirty="0"/>
-              <a:t>Equities</a:t>
-            </a:r>
-          </a:p>
-          <a:p>
-            <a:r>
-              <a:rPr lang="en-US" dirty="0"/>
-              <a:t>Fixed-income instruments and interest rates</a:t>
-            </a:r>
-          </a:p>
-          <a:p>
-            <a:r>
-              <a:rPr lang="en-US" dirty="0"/>
-              <a:t>Currencies</a:t>
-            </a:r>
-          </a:p>
-          <a:p>
-            <a:r>
-              <a:rPr lang="en-US" dirty="0"/>
-              <a:t>Commodities</a:t>
-            </a:r>
-          </a:p>
-          <a:p>
-            <a:r>
-              <a:rPr lang="en-US" dirty="0"/>
-              <a:t>Credit</a:t>
-            </a:r>
-          </a:p>
-          <a:p>
-            <a:r>
-              <a:rPr lang="en-US" dirty="0"/>
-              <a:t>Other</a:t>
-            </a:r>
-          </a:p>
-          <a:p>
-            <a:endParaRPr lang="en-US" dirty="0"/>
+              <a:rPr lang="en-US" sz="2800" dirty="0"/>
+              <a:t>Forward commitments</a:t>
+            </a:r>
+          </a:p>
+          <a:p>
+            <a:pPr lvl="1"/>
+            <a:r>
+              <a:rPr lang="en-US" sz="1800" dirty="0">
+                <a:solidFill>
+                  <a:schemeClr val="tx1"/>
+                </a:solidFill>
+              </a:rPr>
+              <a:t>Forward</a:t>
+            </a:r>
+          </a:p>
+          <a:p>
+            <a:pPr lvl="1"/>
+            <a:r>
+              <a:rPr lang="en-US" sz="1800" dirty="0"/>
+              <a:t>Futures</a:t>
+            </a:r>
+          </a:p>
+          <a:p>
+            <a:pPr lvl="1"/>
+            <a:r>
+              <a:rPr lang="en-US" sz="1800" dirty="0"/>
+              <a:t>Swap</a:t>
+            </a:r>
+          </a:p>
+          <a:p>
+            <a:r>
+              <a:rPr lang="en-US" sz="2800" dirty="0"/>
+              <a:t>Contingent claims</a:t>
+            </a:r>
+          </a:p>
+          <a:p>
+            <a:pPr lvl="1"/>
+            <a:r>
+              <a:rPr lang="en-US" sz="1800" dirty="0"/>
+              <a:t>Option</a:t>
+            </a:r>
+          </a:p>
+          <a:p>
+            <a:pPr lvl="1"/>
+            <a:r>
+              <a:rPr lang="en-US" sz="1800" dirty="0"/>
+              <a:t>Credit Default Swap</a:t>
+            </a:r>
           </a:p>
         </p:txBody>
       </p:sp>
     </p:spTree>
     <p:extLst>
       <p:ext uri="{BB962C8B-B14F-4D97-AF65-F5344CB8AC3E}">
-        <p14:creationId xmlns:p14="http://schemas.microsoft.com/office/powerpoint/2010/main" val="3920046498"/>
+        <p14:creationId xmlns:p14="http://schemas.microsoft.com/office/powerpoint/2010/main" val="3548463849"/>
       </p:ext>
     </p:extLst>
   </p:cSld>
@@ -15145,7 +15112,7 @@
           <p:cNvPr id="2" name="Title 1">
             <a:extLst>
               <a:ext uri="{FF2B5EF4-FFF2-40B4-BE49-F238E27FC236}">
-                <a16:creationId xmlns:a16="http://schemas.microsoft.com/office/drawing/2014/main" id="{0B33124B-F8B1-44FB-B9D6-3239CDA95508}"/>
+                <a16:creationId xmlns:a16="http://schemas.microsoft.com/office/drawing/2014/main" id="{61C782C3-1713-4158-BD07-C849C3C4CC28}"/>
               </a:ext>
             </a:extLst>
           </p:cNvPr>
@@ -15158,25 +15125,27 @@
         </p:nvSpPr>
         <p:spPr/>
         <p:txBody>
-          <a:bodyPr>
-            <a:normAutofit fontScale="90000"/>
-          </a:bodyPr>
-          <a:lstStyle/>
-          <a:p>
-            <a:r>
-              <a:rPr lang="en-US" altLang="zh-CN" sz="4400" dirty="0"/>
-              <a:t>Classification </a:t>
-            </a:r>
-            <a:r>
-              <a:rPr lang="en-US" sz="4400" dirty="0"/>
-              <a:t>of derivatives</a:t>
+          <a:bodyPr/>
+          <a:lstStyle/>
+          <a:p>
+            <a:r>
+              <a:rPr lang="en-US" altLang="zh-CN" sz="4000" dirty="0"/>
+              <a:t>Classification</a:t>
+            </a:r>
+            <a:r>
+              <a:rPr lang="en-US" sz="4000" dirty="0"/>
+              <a:t> of derivatives	</a:t>
+            </a:r>
+            <a:r>
+              <a:rPr lang="en-US" dirty="0"/>
+              <a:t>	</a:t>
             </a:r>
             <a:br>
               <a:rPr lang="en-US" dirty="0"/>
             </a:br>
             <a:r>
               <a:rPr lang="en-US" dirty="0"/>
-              <a:t>Forward commitments and contingent claims</a:t>
+              <a:t>Exchange-traded and OTC market</a:t>
             </a:r>
           </a:p>
         </p:txBody>
@@ -15186,7 +15155,7 @@
           <p:cNvPr id="3" name="Content Placeholder 2">
             <a:extLst>
               <a:ext uri="{FF2B5EF4-FFF2-40B4-BE49-F238E27FC236}">
-                <a16:creationId xmlns:a16="http://schemas.microsoft.com/office/drawing/2014/main" id="{AEE854A1-1496-4876-AC8F-11F97047424B}"/>
+                <a16:creationId xmlns:a16="http://schemas.microsoft.com/office/drawing/2014/main" id="{AF25ED95-A7A6-4FF7-B6AE-E00C8A4243CE}"/>
               </a:ext>
             </a:extLst>
           </p:cNvPr>
@@ -15204,18 +15173,34 @@
           <a:p>
             <a:r>
               <a:rPr lang="en-US" sz="2800" dirty="0"/>
-              <a:t>Forward commitments</a:t>
+              <a:t>Over-the-counter market</a:t>
             </a:r>
           </a:p>
           <a:p>
             <a:pPr lvl="1"/>
             <a:r>
-              <a:rPr lang="en-US" sz="1800" dirty="0">
-                <a:solidFill>
-                  <a:schemeClr val="tx1"/>
-                </a:solidFill>
-              </a:rPr>
+              <a:rPr lang="en-US" sz="1800" dirty="0"/>
               <a:t>Forward</a:t>
+            </a:r>
+          </a:p>
+          <a:p>
+            <a:pPr lvl="1"/>
+            <a:r>
+              <a:rPr lang="en-US" sz="1800" dirty="0"/>
+              <a:t>Swap</a:t>
+            </a:r>
+          </a:p>
+          <a:p>
+            <a:pPr lvl="1"/>
+            <a:r>
+              <a:rPr lang="en-US" sz="1800" dirty="0"/>
+              <a:t>Option</a:t>
+            </a:r>
+          </a:p>
+          <a:p>
+            <a:r>
+              <a:rPr lang="en-US" sz="2800" dirty="0"/>
+              <a:t>Exchange-traded market</a:t>
             </a:r>
           </a:p>
           <a:p>
@@ -15229,35 +15214,18 @@
             <a:pPr lvl="1"/>
             <a:r>
               <a:rPr lang="en-US" sz="1800" dirty="0"/>
-              <a:t>Swap</a:t>
-            </a:r>
-          </a:p>
-          <a:p>
-            <a:r>
-              <a:rPr lang="en-US" sz="2800" dirty="0"/>
-              <a:t>Contingent claims</a:t>
-            </a:r>
-          </a:p>
-          <a:p>
-            <a:pPr lvl="1"/>
-            <a:r>
-              <a:rPr lang="en-US" sz="1800" dirty="0"/>
               <a:t>Option</a:t>
             </a:r>
           </a:p>
           <a:p>
-            <a:pPr lvl="1"/>
-            <a:r>
-              <a:rPr lang="en-US" sz="1800" dirty="0"/>
-              <a:t>Credit Default Swap</a:t>
-            </a:r>
+            <a:endParaRPr lang="en-US" dirty="0"/>
           </a:p>
         </p:txBody>
       </p:sp>
     </p:spTree>
     <p:extLst>
       <p:ext uri="{BB962C8B-B14F-4D97-AF65-F5344CB8AC3E}">
-        <p14:creationId xmlns:p14="http://schemas.microsoft.com/office/powerpoint/2010/main" val="3548463849"/>
+        <p14:creationId xmlns:p14="http://schemas.microsoft.com/office/powerpoint/2010/main" val="2063123738"/>
       </p:ext>
     </p:extLst>
   </p:cSld>
@@ -15289,7 +15257,7 @@
           <p:cNvPr id="2" name="Title 1">
             <a:extLst>
               <a:ext uri="{FF2B5EF4-FFF2-40B4-BE49-F238E27FC236}">
-                <a16:creationId xmlns:a16="http://schemas.microsoft.com/office/drawing/2014/main" id="{61C782C3-1713-4158-BD07-C849C3C4CC28}"/>
+                <a16:creationId xmlns:a16="http://schemas.microsoft.com/office/drawing/2014/main" id="{63CC868E-9E09-460D-AFC5-F06FE734B18C}"/>
               </a:ext>
             </a:extLst>
           </p:cNvPr>
@@ -15307,11 +15275,11 @@
           <a:p>
             <a:r>
               <a:rPr lang="en-US" altLang="zh-CN" sz="4000" dirty="0"/>
-              <a:t>Classification</a:t>
+              <a:t>Classification </a:t>
             </a:r>
             <a:r>
               <a:rPr lang="en-US" sz="4000" dirty="0"/>
-              <a:t> of derivatives	</a:t>
+              <a:t>of derivatives	</a:t>
             </a:r>
             <a:r>
               <a:rPr lang="en-US" dirty="0"/>
@@ -15332,7 +15300,7 @@
           <p:cNvPr id="3" name="Content Placeholder 2">
             <a:extLst>
               <a:ext uri="{FF2B5EF4-FFF2-40B4-BE49-F238E27FC236}">
-                <a16:creationId xmlns:a16="http://schemas.microsoft.com/office/drawing/2014/main" id="{AF25ED95-A7A6-4FF7-B6AE-E00C8A4243CE}"/>
+                <a16:creationId xmlns:a16="http://schemas.microsoft.com/office/drawing/2014/main" id="{8C312896-34F4-450C-92F0-CAD934A523A3}"/>
               </a:ext>
             </a:extLst>
           </p:cNvPr>
@@ -15350,49 +15318,66 @@
           <a:p>
             <a:r>
               <a:rPr lang="en-US" sz="2800" dirty="0"/>
-              <a:t>Over-the-counter market</a:t>
+              <a:t>Exchange-traded derivative market</a:t>
+            </a:r>
+          </a:p>
+          <a:p>
+            <a:r>
+              <a:rPr lang="en-US" dirty="0"/>
+              <a:t>characteristics</a:t>
             </a:r>
           </a:p>
           <a:p>
             <a:pPr lvl="1"/>
             <a:r>
-              <a:rPr lang="en-US" sz="1800" dirty="0"/>
-              <a:t>Forward</a:t>
+              <a:rPr lang="en-US" dirty="0"/>
+              <a:t>Standardized	</a:t>
             </a:r>
           </a:p>
           <a:p>
             <a:pPr lvl="1"/>
             <a:r>
-              <a:rPr lang="en-US" sz="1800" dirty="0"/>
-              <a:t>Swap</a:t>
+              <a:rPr lang="en-US" dirty="0"/>
+              <a:t>More liquid</a:t>
             </a:r>
           </a:p>
           <a:p>
             <a:pPr lvl="1"/>
             <a:r>
-              <a:rPr lang="en-US" sz="1800" dirty="0"/>
-              <a:t>Option</a:t>
-            </a:r>
-          </a:p>
-          <a:p>
-            <a:r>
-              <a:rPr lang="en-US" sz="2800" dirty="0"/>
-              <a:t>Exchange-traded market</a:t>
+              <a:rPr lang="en-US" dirty="0"/>
+              <a:t>Market makers and speculators</a:t>
             </a:r>
           </a:p>
           <a:p>
             <a:pPr lvl="1"/>
             <a:r>
-              <a:rPr lang="en-US" sz="1800" dirty="0"/>
-              <a:t>Futures</a:t>
+              <a:rPr lang="en-US" dirty="0"/>
+              <a:t>Clear and settle all contracts overnight</a:t>
             </a:r>
           </a:p>
           <a:p>
             <a:pPr lvl="1"/>
             <a:r>
-              <a:rPr lang="en-US" sz="1800" dirty="0"/>
-              <a:t>Option</a:t>
-            </a:r>
+              <a:rPr lang="en-US" dirty="0"/>
+              <a:t>Credit guarantee</a:t>
+            </a:r>
+          </a:p>
+          <a:p>
+            <a:pPr lvl="1"/>
+            <a:r>
+              <a:rPr lang="en-US" dirty="0"/>
+              <a:t>Transparency(regulatory bodies)</a:t>
+            </a:r>
+          </a:p>
+          <a:p>
+            <a:pPr lvl="1"/>
+            <a:r>
+              <a:rPr lang="en-US" dirty="0"/>
+              <a:t>Loss of privacy and flexibility</a:t>
+            </a:r>
+          </a:p>
+          <a:p>
+            <a:endParaRPr lang="en-US" dirty="0"/>
           </a:p>
           <a:p>
             <a:endParaRPr lang="en-US" dirty="0"/>
@@ -15402,7 +15387,7 @@
     </p:spTree>
     <p:extLst>
       <p:ext uri="{BB962C8B-B14F-4D97-AF65-F5344CB8AC3E}">
-        <p14:creationId xmlns:p14="http://schemas.microsoft.com/office/powerpoint/2010/main" val="2063123738"/>
+        <p14:creationId xmlns:p14="http://schemas.microsoft.com/office/powerpoint/2010/main" val="1080345033"/>
       </p:ext>
     </p:extLst>
   </p:cSld>
@@ -15434,7 +15419,7 @@
           <p:cNvPr id="2" name="Title 1">
             <a:extLst>
               <a:ext uri="{FF2B5EF4-FFF2-40B4-BE49-F238E27FC236}">
-                <a16:creationId xmlns:a16="http://schemas.microsoft.com/office/drawing/2014/main" id="{63CC868E-9E09-460D-AFC5-F06FE734B18C}"/>
+                <a16:creationId xmlns:a16="http://schemas.microsoft.com/office/drawing/2014/main" id="{2002ACD3-97F2-43B1-8933-4B82D4F11644}"/>
               </a:ext>
             </a:extLst>
           </p:cNvPr>
@@ -15452,7 +15437,7 @@
           <a:p>
             <a:r>
               <a:rPr lang="en-US" altLang="zh-CN" sz="4000" dirty="0"/>
-              <a:t>Classification </a:t>
+              <a:t>Classification	</a:t>
             </a:r>
             <a:r>
               <a:rPr lang="en-US" sz="4000" dirty="0"/>
@@ -15477,7 +15462,7 @@
           <p:cNvPr id="3" name="Content Placeholder 2">
             <a:extLst>
               <a:ext uri="{FF2B5EF4-FFF2-40B4-BE49-F238E27FC236}">
-                <a16:creationId xmlns:a16="http://schemas.microsoft.com/office/drawing/2014/main" id="{8C312896-34F4-450C-92F0-CAD934A523A3}"/>
+                <a16:creationId xmlns:a16="http://schemas.microsoft.com/office/drawing/2014/main" id="{487D91EC-818A-4A4E-B004-E96C0A6F64DC}"/>
               </a:ext>
             </a:extLst>
           </p:cNvPr>
@@ -15495,7 +15480,7 @@
           <a:p>
             <a:r>
               <a:rPr lang="en-US" sz="2800" dirty="0"/>
-              <a:t>Exchange-traded derivative market</a:t>
+              <a:t>Over-the-counter derivative market</a:t>
             </a:r>
           </a:p>
           <a:p>
@@ -15508,52 +15493,32 @@
             <a:pPr lvl="1"/>
             <a:r>
               <a:rPr lang="en-US" dirty="0"/>
-              <a:t>Standardized	</a:t>
+              <a:t>Customization</a:t>
             </a:r>
           </a:p>
           <a:p>
             <a:pPr lvl="1"/>
             <a:r>
               <a:rPr lang="en-US" dirty="0"/>
-              <a:t>More liquid</a:t>
+              <a:t>More flexible</a:t>
             </a:r>
           </a:p>
           <a:p>
             <a:pPr lvl="1"/>
             <a:r>
               <a:rPr lang="en-US" dirty="0"/>
-              <a:t>Market makers and speculators</a:t>
+              <a:t>Lower degree of regulation</a:t>
             </a:r>
           </a:p>
           <a:p>
             <a:pPr lvl="1"/>
             <a:r>
               <a:rPr lang="en-US" dirty="0"/>
-              <a:t>Clear and settle all contracts overnight</a:t>
+              <a:t>Retain a degree of privacy with lower transparency</a:t>
             </a:r>
           </a:p>
           <a:p>
             <a:pPr lvl="1"/>
-            <a:r>
-              <a:rPr lang="en-US" dirty="0"/>
-              <a:t>Credit guarantee</a:t>
-            </a:r>
-          </a:p>
-          <a:p>
-            <a:pPr lvl="1"/>
-            <a:r>
-              <a:rPr lang="en-US" dirty="0"/>
-              <a:t>Transparency(regulatory bodies)</a:t>
-            </a:r>
-          </a:p>
-          <a:p>
-            <a:pPr lvl="1"/>
-            <a:r>
-              <a:rPr lang="en-US" dirty="0"/>
-              <a:t>Loss of privacy and flexibility</a:t>
-            </a:r>
-          </a:p>
-          <a:p>
             <a:endParaRPr lang="en-US" dirty="0"/>
           </a:p>
           <a:p>
@@ -15564,7 +15529,7 @@
     </p:spTree>
     <p:extLst>
       <p:ext uri="{BB962C8B-B14F-4D97-AF65-F5344CB8AC3E}">
-        <p14:creationId xmlns:p14="http://schemas.microsoft.com/office/powerpoint/2010/main" val="1080345033"/>
+        <p14:creationId xmlns:p14="http://schemas.microsoft.com/office/powerpoint/2010/main" val="736614646"/>
       </p:ext>
     </p:extLst>
   </p:cSld>
@@ -15686,7 +15651,7 @@
           <p:cNvPr id="2" name="Title 1">
             <a:extLst>
               <a:ext uri="{FF2B5EF4-FFF2-40B4-BE49-F238E27FC236}">
-                <a16:creationId xmlns:a16="http://schemas.microsoft.com/office/drawing/2014/main" id="{2002ACD3-97F2-43B1-8933-4B82D4F11644}"/>
+                <a16:creationId xmlns:a16="http://schemas.microsoft.com/office/drawing/2014/main" id="{E5071E7E-561B-4C61-8404-6C29256855A2}"/>
               </a:ext>
             </a:extLst>
           </p:cNvPr>
@@ -15699,27 +15664,14 @@
         </p:nvSpPr>
         <p:spPr/>
         <p:txBody>
-          <a:bodyPr/>
-          <a:lstStyle/>
-          <a:p>
-            <a:r>
-              <a:rPr lang="en-US" altLang="zh-CN" sz="4000" dirty="0"/>
-              <a:t>Classification	</a:t>
-            </a:r>
+          <a:bodyPr>
+            <a:normAutofit/>
+          </a:bodyPr>
+          <a:lstStyle/>
+          <a:p>
             <a:r>
               <a:rPr lang="en-US" sz="4000" dirty="0"/>
-              <a:t>of derivatives	</a:t>
-            </a:r>
-            <a:r>
-              <a:rPr lang="en-US" dirty="0"/>
-              <a:t>	</a:t>
-            </a:r>
-            <a:br>
-              <a:rPr lang="en-US" dirty="0"/>
-            </a:br>
-            <a:r>
-              <a:rPr lang="en-US" dirty="0"/>
-              <a:t>Exchange-traded and OTC market</a:t>
+              <a:t>Practices</a:t>
             </a:r>
           </a:p>
         </p:txBody>
@@ -15729,7 +15681,7 @@
           <p:cNvPr id="3" name="Content Placeholder 2">
             <a:extLst>
               <a:ext uri="{FF2B5EF4-FFF2-40B4-BE49-F238E27FC236}">
-                <a16:creationId xmlns:a16="http://schemas.microsoft.com/office/drawing/2014/main" id="{487D91EC-818A-4A4E-B004-E96C0A6F64DC}"/>
+                <a16:creationId xmlns:a16="http://schemas.microsoft.com/office/drawing/2014/main" id="{CFF1D1EF-7E0F-48EE-98B9-A11615480828}"/>
               </a:ext>
             </a:extLst>
           </p:cNvPr>
@@ -15746,57 +15698,64 @@
           <a:lstStyle/>
           <a:p>
             <a:r>
-              <a:rPr lang="en-US" sz="2800" dirty="0"/>
-              <a:t>Over-the-counter derivative market</a:t>
-            </a:r>
-          </a:p>
-          <a:p>
-            <a:r>
-              <a:rPr lang="en-US" dirty="0"/>
-              <a:t>characteristics</a:t>
+              <a:rPr lang="en-US" dirty="0"/>
+              <a:t>1.Which of the following is not a forward commitment?</a:t>
             </a:r>
           </a:p>
           <a:p>
             <a:pPr lvl="1"/>
             <a:r>
               <a:rPr lang="en-US" dirty="0"/>
-              <a:t>Customization</a:t>
+              <a:t>A An agreement to take out a loan at a future date at a specific rate</a:t>
             </a:r>
           </a:p>
           <a:p>
             <a:pPr lvl="1"/>
             <a:r>
               <a:rPr lang="en-US" dirty="0"/>
-              <a:t>More flexible</a:t>
+              <a:t>B An offer of employment that must be accepted or rejected in two weeks</a:t>
             </a:r>
           </a:p>
           <a:p>
             <a:pPr lvl="1"/>
             <a:r>
               <a:rPr lang="en-US" dirty="0"/>
-              <a:t>Lower degree of regulation</a:t>
+              <a:t>C An agreement to lease a piece of machinery for one year with a series of fixed monthly payments</a:t>
+            </a:r>
+          </a:p>
+          <a:p>
+            <a:r>
+              <a:rPr lang="en-US" dirty="0"/>
+              <a:t>2.Which of the following statements is true about contingent claims?</a:t>
             </a:r>
           </a:p>
           <a:p>
             <a:pPr lvl="1"/>
             <a:r>
               <a:rPr lang="en-US" dirty="0"/>
-              <a:t>Retain a degree of privacy with lower transparency</a:t>
+              <a:t>A Either party can default to the other.</a:t>
             </a:r>
           </a:p>
           <a:p>
             <a:pPr lvl="1"/>
-            <a:endParaRPr lang="en-US" dirty="0"/>
-          </a:p>
-          <a:p>
-            <a:endParaRPr lang="en-US" dirty="0"/>
+            <a:r>
+              <a:rPr lang="en-US" dirty="0"/>
+              <a:t>B The payoffs are linearly related to the performance of the underlying.</a:t>
+            </a:r>
+          </a:p>
+          <a:p>
+            <a:pPr lvl="1"/>
+            <a:r>
+              <a:rPr lang="en-US" dirty="0"/>
+              <a:t>C The most the long can lose is the amount paid for the contingent claim.</a:t>
+            </a:r>
           </a:p>
         </p:txBody>
       </p:sp>
     </p:spTree>
     <p:extLst>
       <p:ext uri="{BB962C8B-B14F-4D97-AF65-F5344CB8AC3E}">
-        <p14:creationId xmlns:p14="http://schemas.microsoft.com/office/powerpoint/2010/main" val="736614646"/>
+        <p14:creationId xmlns:p14="http://schemas.microsoft.com/office/powerpoint/2010/main" val="1657439908"/>
       </p:ext>
     </p:extLst>
   </p:cSld>
@@ -15828,7 +15787,7 @@
           <p:cNvPr id="2" name="Title 1">
             <a:extLst>
               <a:ext uri="{FF2B5EF4-FFF2-40B4-BE49-F238E27FC236}">
-                <a16:creationId xmlns:a16="http://schemas.microsoft.com/office/drawing/2014/main" id="{E5071E7E-561B-4C61-8404-6C29256855A2}"/>
+                <a16:creationId xmlns:a16="http://schemas.microsoft.com/office/drawing/2014/main" id="{F20D5F44-83D3-4C3D-AA1E-B7B8E357D44D}"/>
               </a:ext>
             </a:extLst>
           </p:cNvPr>
@@ -15858,7 +15817,7 @@
           <p:cNvPr id="3" name="Content Placeholder 2">
             <a:extLst>
               <a:ext uri="{FF2B5EF4-FFF2-40B4-BE49-F238E27FC236}">
-                <a16:creationId xmlns:a16="http://schemas.microsoft.com/office/drawing/2014/main" id="{CFF1D1EF-7E0F-48EE-98B9-A11615480828}"/>
+                <a16:creationId xmlns:a16="http://schemas.microsoft.com/office/drawing/2014/main" id="{2EA05F35-4584-4A6C-B5B8-1E6EAF96AE0E}"/>
               </a:ext>
             </a:extLst>
           </p:cNvPr>
@@ -15871,60 +15830,62 @@
         </p:nvSpPr>
         <p:spPr/>
         <p:txBody>
-          <a:bodyPr/>
-          <a:lstStyle/>
-          <a:p>
-            <a:r>
-              <a:rPr lang="en-US" dirty="0"/>
-              <a:t>1.Which of the following is not a forward commitment?</a:t>
+          <a:bodyPr>
+            <a:normAutofit/>
+          </a:bodyPr>
+          <a:lstStyle/>
+          <a:p>
+            <a:r>
+              <a:rPr lang="en-US" dirty="0"/>
+              <a:t>3.Which of the following characteristics is not associated with exchange-traded derivatives?</a:t>
             </a:r>
           </a:p>
           <a:p>
             <a:pPr lvl="1"/>
             <a:r>
               <a:rPr lang="en-US" dirty="0"/>
-              <a:t>A An agreement to take out a loan at a future date at a specific rate</a:t>
+              <a:t>A Margin or performance bonds are required.</a:t>
             </a:r>
           </a:p>
           <a:p>
             <a:pPr lvl="1"/>
             <a:r>
               <a:rPr lang="en-US" dirty="0"/>
-              <a:t>B An offer of employment that must be accepted or rejected in two weeks</a:t>
+              <a:t>B The exchange guarantees all payments in the event of default.</a:t>
             </a:r>
           </a:p>
           <a:p>
             <a:pPr lvl="1"/>
             <a:r>
               <a:rPr lang="en-US" dirty="0"/>
-              <a:t>C An agreement to lease a piece of machinery for one year with a series of fixed monthly payments</a:t>
-            </a:r>
-          </a:p>
-          <a:p>
-            <a:r>
-              <a:rPr lang="en-US" dirty="0"/>
-              <a:t>2.Which of the following statements is true about contingent claims?</a:t>
+              <a:t>C All terms except the price are customized to the parties’ individual needs.</a:t>
+            </a:r>
+          </a:p>
+          <a:p>
+            <a:r>
+              <a:rPr lang="en-US" dirty="0"/>
+              <a:t>4.Which of the following characteristics is associated with over- the- counter derivatives?</a:t>
             </a:r>
           </a:p>
           <a:p>
             <a:pPr lvl="1"/>
             <a:r>
               <a:rPr lang="en-US" dirty="0"/>
-              <a:t>A Either party can default to the other.</a:t>
+              <a:t>A Trading occurs in a central location.</a:t>
             </a:r>
           </a:p>
           <a:p>
             <a:pPr lvl="1"/>
             <a:r>
               <a:rPr lang="en-US" dirty="0"/>
-              <a:t>B The payoffs are linearly related to the performance of the underlying.</a:t>
+              <a:t>B They are more regulated than exchange- listed derivatives.</a:t>
             </a:r>
           </a:p>
           <a:p>
             <a:pPr lvl="1"/>
             <a:r>
               <a:rPr lang="en-US" dirty="0"/>
-              <a:t>C The most the long can lose is the amount paid for the contingent claim.</a:t>
+              <a:t>C They are less transparent than exchange- listed derivatives.</a:t>
             </a:r>
           </a:p>
         </p:txBody>
@@ -15932,7 +15893,7 @@
     </p:spTree>
     <p:extLst>
       <p:ext uri="{BB962C8B-B14F-4D97-AF65-F5344CB8AC3E}">
-        <p14:creationId xmlns:p14="http://schemas.microsoft.com/office/powerpoint/2010/main" val="1657439908"/>
+        <p14:creationId xmlns:p14="http://schemas.microsoft.com/office/powerpoint/2010/main" val="3121291714"/>
       </p:ext>
     </p:extLst>
   </p:cSld>
@@ -16014,55 +15975,55 @@
           <a:p>
             <a:r>
               <a:rPr lang="en-US" dirty="0"/>
-              <a:t>3.Which of the following characteristics is not associated with exchange-traded derivatives?</a:t>
+              <a:t>5.Market makers earn a profit in both exchange and over- the- counter derivatives markets by:</a:t>
             </a:r>
           </a:p>
           <a:p>
             <a:pPr lvl="1"/>
             <a:r>
               <a:rPr lang="en-US" dirty="0"/>
-              <a:t>A Margin or performance bonds are required.</a:t>
+              <a:t>A charging a commission on each trade.</a:t>
             </a:r>
           </a:p>
           <a:p>
             <a:pPr lvl="1"/>
             <a:r>
               <a:rPr lang="en-US" dirty="0"/>
-              <a:t>B The exchange guarantees all payments in the event of default.</a:t>
+              <a:t>B a combination of commissions and markups.</a:t>
             </a:r>
           </a:p>
           <a:p>
             <a:pPr lvl="1"/>
             <a:r>
               <a:rPr lang="en-US" dirty="0"/>
-              <a:t>C All terms except the price are customized to the parties’ individual needs.</a:t>
-            </a:r>
-          </a:p>
-          <a:p>
-            <a:r>
-              <a:rPr lang="en-US" dirty="0"/>
-              <a:t>4.Which of the following characteristics is associated with over- the- counter derivatives?</a:t>
+              <a:t>C buying at one price, selling at a higher price, and hedging any risk.</a:t>
+            </a:r>
+          </a:p>
+          <a:p>
+            <a:r>
+              <a:rPr lang="en-US" dirty="0"/>
+              <a:t>6.Which of the following statements most accurately describes exchange-traded derivatives relative to over- the- counter derivatives? Exchange-traded derivatives are more likely to have:</a:t>
             </a:r>
           </a:p>
           <a:p>
             <a:pPr lvl="1"/>
             <a:r>
               <a:rPr lang="en-US" dirty="0"/>
-              <a:t>A Trading occurs in a central location.</a:t>
+              <a:t>A greater credit risk.</a:t>
             </a:r>
           </a:p>
           <a:p>
             <a:pPr lvl="1"/>
             <a:r>
               <a:rPr lang="en-US" dirty="0"/>
-              <a:t>B They are more regulated than exchange- listed derivatives.</a:t>
+              <a:t>B standardized contract terms.</a:t>
             </a:r>
           </a:p>
           <a:p>
             <a:pPr lvl="1"/>
             <a:r>
               <a:rPr lang="en-US" dirty="0"/>
-              <a:t>C They are less transparent than exchange- listed derivatives.</a:t>
+              <a:t>C greater risk management uses</a:t>
             </a:r>
           </a:p>
         </p:txBody>
@@ -16070,7 +16031,7 @@
     </p:spTree>
     <p:extLst>
       <p:ext uri="{BB962C8B-B14F-4D97-AF65-F5344CB8AC3E}">
-        <p14:creationId xmlns:p14="http://schemas.microsoft.com/office/powerpoint/2010/main" val="3121291714"/>
+        <p14:creationId xmlns:p14="http://schemas.microsoft.com/office/powerpoint/2010/main" val="1189956952"/>
       </p:ext>
     </p:extLst>
   </p:cSld>
@@ -16102,7 +16063,7 @@
           <p:cNvPr id="2" name="Title 1">
             <a:extLst>
               <a:ext uri="{FF2B5EF4-FFF2-40B4-BE49-F238E27FC236}">
-                <a16:creationId xmlns:a16="http://schemas.microsoft.com/office/drawing/2014/main" id="{F20D5F44-83D3-4C3D-AA1E-B7B8E357D44D}"/>
+                <a16:creationId xmlns:a16="http://schemas.microsoft.com/office/drawing/2014/main" id="{CBE36A6B-6E55-4FD0-8260-0BEFE68F4514}"/>
               </a:ext>
             </a:extLst>
           </p:cNvPr>
@@ -16122,8 +16083,49 @@
           <a:p>
             <a:r>
               <a:rPr lang="en-US" sz="4000" dirty="0"/>
-              <a:t>Practices</a:t>
-            </a:r>
+              <a:t>The</a:t>
+            </a:r>
+            <a:r>
+              <a:rPr lang="zh-CN" altLang="en-US" sz="4000" dirty="0"/>
+              <a:t> </a:t>
+            </a:r>
+            <a:r>
+              <a:rPr lang="en-US" altLang="zh-CN" sz="4000" dirty="0"/>
+              <a:t>purposes</a:t>
+            </a:r>
+            <a:r>
+              <a:rPr lang="zh-CN" altLang="en-US" sz="4000" dirty="0"/>
+              <a:t> </a:t>
+            </a:r>
+            <a:r>
+              <a:rPr lang="en-US" altLang="zh-CN" sz="4000" dirty="0"/>
+              <a:t>and</a:t>
+            </a:r>
+            <a:r>
+              <a:rPr lang="zh-CN" altLang="en-US" sz="4000" dirty="0"/>
+              <a:t> </a:t>
+            </a:r>
+            <a:r>
+              <a:rPr lang="en-US" altLang="zh-CN" sz="4000" dirty="0"/>
+              <a:t>benefits</a:t>
+            </a:r>
+            <a:r>
+              <a:rPr lang="zh-CN" altLang="en-US" sz="4000" dirty="0"/>
+              <a:t> </a:t>
+            </a:r>
+            <a:r>
+              <a:rPr lang="en-US" altLang="zh-CN" sz="4000" dirty="0"/>
+              <a:t>of</a:t>
+            </a:r>
+            <a:r>
+              <a:rPr lang="zh-CN" altLang="en-US" sz="4000" dirty="0"/>
+              <a:t> </a:t>
+            </a:r>
+            <a:r>
+              <a:rPr lang="en-US" altLang="zh-CN" sz="4000" dirty="0"/>
+              <a:t>derivatives</a:t>
+            </a:r>
+            <a:endParaRPr lang="en-US" sz="4000" dirty="0"/>
           </a:p>
         </p:txBody>
       </p:sp>
@@ -16132,7 +16134,7 @@
           <p:cNvPr id="3" name="Content Placeholder 2">
             <a:extLst>
               <a:ext uri="{FF2B5EF4-FFF2-40B4-BE49-F238E27FC236}">
-                <a16:creationId xmlns:a16="http://schemas.microsoft.com/office/drawing/2014/main" id="{2EA05F35-4584-4A6C-B5B8-1E6EAF96AE0E}"/>
+                <a16:creationId xmlns:a16="http://schemas.microsoft.com/office/drawing/2014/main" id="{CF2F7B16-0AF8-4000-9305-F75458652CC6}"/>
               </a:ext>
             </a:extLst>
           </p:cNvPr>
@@ -16145,70 +16147,29 @@
         </p:nvSpPr>
         <p:spPr/>
         <p:txBody>
-          <a:bodyPr>
-            <a:normAutofit/>
-          </a:bodyPr>
-          <a:lstStyle/>
-          <a:p>
-            <a:r>
-              <a:rPr lang="en-US" dirty="0"/>
-              <a:t>5.Market makers earn a profit in both exchange and over- the- counter derivatives markets by:</a:t>
-            </a:r>
-          </a:p>
-          <a:p>
-            <a:pPr lvl="1"/>
-            <a:r>
-              <a:rPr lang="en-US" dirty="0"/>
-              <a:t>A charging a commission on each trade.</a:t>
-            </a:r>
-          </a:p>
-          <a:p>
-            <a:pPr lvl="1"/>
-            <a:r>
-              <a:rPr lang="en-US" dirty="0"/>
-              <a:t>B a combination of commissions and markups.</a:t>
-            </a:r>
-          </a:p>
-          <a:p>
-            <a:pPr lvl="1"/>
-            <a:r>
-              <a:rPr lang="en-US" dirty="0"/>
-              <a:t>C buying at one price, selling at a higher price, and hedging any risk.</a:t>
-            </a:r>
-          </a:p>
-          <a:p>
-            <a:r>
-              <a:rPr lang="en-US" dirty="0"/>
-              <a:t>6.Which of the following statements most accurately describes exchange-traded derivatives relative to over- the- counter derivatives? Exchange-traded derivatives are more likely to have:</a:t>
-            </a:r>
-          </a:p>
-          <a:p>
-            <a:pPr lvl="1"/>
-            <a:r>
-              <a:rPr lang="en-US" dirty="0"/>
-              <a:t>A greater credit risk.</a:t>
-            </a:r>
-          </a:p>
-          <a:p>
-            <a:pPr lvl="1"/>
-            <a:r>
-              <a:rPr lang="en-US" dirty="0"/>
-              <a:t>B standardized contract terms.</a:t>
-            </a:r>
-          </a:p>
-          <a:p>
-            <a:pPr lvl="1"/>
-            <a:r>
-              <a:rPr lang="en-US" dirty="0"/>
-              <a:t>C greater risk management uses</a:t>
-            </a:r>
+          <a:bodyPr/>
+          <a:lstStyle/>
+          <a:p>
+            <a:r>
+              <a:rPr lang="en-US" dirty="0"/>
+              <a:t>The origin of modern futures markets is the creation of the Chicago board of trade in 1848.</a:t>
+            </a:r>
+          </a:p>
+          <a:p>
+            <a:r>
+              <a:rPr lang="en-US" dirty="0"/>
+              <a:t>‘To-arrive’ contract</a:t>
+            </a:r>
+          </a:p>
+          <a:p>
+            <a:endParaRPr lang="en-US" dirty="0"/>
           </a:p>
         </p:txBody>
       </p:sp>
     </p:spTree>
     <p:extLst>
       <p:ext uri="{BB962C8B-B14F-4D97-AF65-F5344CB8AC3E}">
-        <p14:creationId xmlns:p14="http://schemas.microsoft.com/office/powerpoint/2010/main" val="1189956952"/>
+        <p14:creationId xmlns:p14="http://schemas.microsoft.com/office/powerpoint/2010/main" val="810741622"/>
       </p:ext>
     </p:extLst>
   </p:cSld>
@@ -16240,7 +16201,7 @@
           <p:cNvPr id="2" name="Title 1">
             <a:extLst>
               <a:ext uri="{FF2B5EF4-FFF2-40B4-BE49-F238E27FC236}">
-                <a16:creationId xmlns:a16="http://schemas.microsoft.com/office/drawing/2014/main" id="{CBE36A6B-6E55-4FD0-8260-0BEFE68F4514}"/>
+                <a16:creationId xmlns:a16="http://schemas.microsoft.com/office/drawing/2014/main" id="{594F1C53-E728-4CBB-B42E-401BAB534833}"/>
               </a:ext>
             </a:extLst>
           </p:cNvPr>
@@ -16251,7 +16212,12 @@
             <p:ph type="title"/>
           </p:nvPr>
         </p:nvSpPr>
-        <p:spPr/>
+        <p:spPr>
+          <a:xfrm>
+            <a:off x="677334" y="609600"/>
+            <a:ext cx="8596668" cy="1320800"/>
+          </a:xfrm>
+        </p:spPr>
         <p:txBody>
           <a:bodyPr>
             <a:normAutofit/>
@@ -16311,7 +16277,7 @@
           <p:cNvPr id="3" name="Content Placeholder 2">
             <a:extLst>
               <a:ext uri="{FF2B5EF4-FFF2-40B4-BE49-F238E27FC236}">
-                <a16:creationId xmlns:a16="http://schemas.microsoft.com/office/drawing/2014/main" id="{CF2F7B16-0AF8-4000-9305-F75458652CC6}"/>
+                <a16:creationId xmlns:a16="http://schemas.microsoft.com/office/drawing/2014/main" id="{7A1D6DA6-953B-4B3D-BBAF-2BF3840CE174}"/>
               </a:ext>
             </a:extLst>
           </p:cNvPr>
@@ -16329,14 +16295,29 @@
           <a:p>
             <a:r>
               <a:rPr lang="en-US" dirty="0"/>
-              <a:t>The origin of modern futures markets is the creation of the Chicago board of trade in 1848.</a:t>
-            </a:r>
-          </a:p>
-          <a:p>
-            <a:r>
-              <a:rPr lang="en-US" dirty="0"/>
-              <a:t>‘To-arrive’ contract</a:t>
-            </a:r>
+              <a:t>Risk allocation , transfer , and management</a:t>
+            </a:r>
+          </a:p>
+          <a:p>
+            <a:r>
+              <a:rPr lang="en-US" dirty="0"/>
+              <a:t>Information discovery</a:t>
+            </a:r>
+          </a:p>
+          <a:p>
+            <a:r>
+              <a:rPr lang="en-US" dirty="0"/>
+              <a:t>Operational advantages</a:t>
+            </a:r>
+          </a:p>
+          <a:p>
+            <a:r>
+              <a:rPr lang="en-US" dirty="0"/>
+              <a:t>Market efficiency</a:t>
+            </a:r>
+          </a:p>
+          <a:p>
+            <a:endParaRPr lang="en-US" dirty="0"/>
           </a:p>
           <a:p>
             <a:endParaRPr lang="en-US" dirty="0"/>
@@ -16346,7 +16327,7 @@
     </p:spTree>
     <p:extLst>
       <p:ext uri="{BB962C8B-B14F-4D97-AF65-F5344CB8AC3E}">
-        <p14:creationId xmlns:p14="http://schemas.microsoft.com/office/powerpoint/2010/main" val="810741622"/>
+        <p14:creationId xmlns:p14="http://schemas.microsoft.com/office/powerpoint/2010/main" val="1516918961"/>
       </p:ext>
     </p:extLst>
   </p:cSld>
@@ -16378,7 +16359,7 @@
           <p:cNvPr id="2" name="Title 1">
             <a:extLst>
               <a:ext uri="{FF2B5EF4-FFF2-40B4-BE49-F238E27FC236}">
-                <a16:creationId xmlns:a16="http://schemas.microsoft.com/office/drawing/2014/main" id="{594F1C53-E728-4CBB-B42E-401BAB534833}"/>
+                <a16:creationId xmlns:a16="http://schemas.microsoft.com/office/drawing/2014/main" id="{4615354A-E477-4616-83A2-BD4AC1206110}"/>
               </a:ext>
             </a:extLst>
           </p:cNvPr>
@@ -16389,12 +16370,7 @@
             <p:ph type="title"/>
           </p:nvPr>
         </p:nvSpPr>
-        <p:spPr>
-          <a:xfrm>
-            <a:off x="677334" y="609600"/>
-            <a:ext cx="8596668" cy="1320800"/>
-          </a:xfrm>
-        </p:spPr>
+        <p:spPr/>
         <p:txBody>
           <a:bodyPr>
             <a:normAutofit/>
@@ -16403,49 +16379,8 @@
           <a:p>
             <a:r>
               <a:rPr lang="en-US" sz="4000" dirty="0"/>
-              <a:t>The</a:t>
-            </a:r>
-            <a:r>
-              <a:rPr lang="zh-CN" altLang="en-US" sz="4000" dirty="0"/>
-              <a:t> </a:t>
-            </a:r>
-            <a:r>
-              <a:rPr lang="en-US" altLang="zh-CN" sz="4000" dirty="0"/>
-              <a:t>purposes</a:t>
-            </a:r>
-            <a:r>
-              <a:rPr lang="zh-CN" altLang="en-US" sz="4000" dirty="0"/>
-              <a:t> </a:t>
-            </a:r>
-            <a:r>
-              <a:rPr lang="en-US" altLang="zh-CN" sz="4000" dirty="0"/>
-              <a:t>and</a:t>
-            </a:r>
-            <a:r>
-              <a:rPr lang="zh-CN" altLang="en-US" sz="4000" dirty="0"/>
-              <a:t> </a:t>
-            </a:r>
-            <a:r>
-              <a:rPr lang="en-US" altLang="zh-CN" sz="4000" dirty="0"/>
-              <a:t>benefits</a:t>
-            </a:r>
-            <a:r>
-              <a:rPr lang="zh-CN" altLang="en-US" sz="4000" dirty="0"/>
-              <a:t> </a:t>
-            </a:r>
-            <a:r>
-              <a:rPr lang="en-US" altLang="zh-CN" sz="4000" dirty="0"/>
-              <a:t>of</a:t>
-            </a:r>
-            <a:r>
-              <a:rPr lang="zh-CN" altLang="en-US" sz="4000" dirty="0"/>
-              <a:t> </a:t>
-            </a:r>
-            <a:r>
-              <a:rPr lang="en-US" altLang="zh-CN" sz="4000" dirty="0"/>
-              <a:t>derivatives</a:t>
-            </a:r>
-            <a:endParaRPr lang="en-US" sz="4000" dirty="0"/>
+              <a:t>Practices</a:t>
+            </a:r>
           </a:p>
         </p:txBody>
       </p:sp>
@@ -16454,7 +16389,7 @@
           <p:cNvPr id="3" name="Content Placeholder 2">
             <a:extLst>
               <a:ext uri="{FF2B5EF4-FFF2-40B4-BE49-F238E27FC236}">
-                <a16:creationId xmlns:a16="http://schemas.microsoft.com/office/drawing/2014/main" id="{7A1D6DA6-953B-4B3D-BBAF-2BF3840CE174}"/>
+                <a16:creationId xmlns:a16="http://schemas.microsoft.com/office/drawing/2014/main" id="{E0C5A04C-3E9B-479A-BC64-0A200712E0E4}"/>
               </a:ext>
             </a:extLst>
           </p:cNvPr>
@@ -16472,39 +16407,75 @@
           <a:p>
             <a:r>
               <a:rPr lang="en-US" dirty="0"/>
-              <a:t>Risk allocation , transfer , and management</a:t>
-            </a:r>
-          </a:p>
-          <a:p>
-            <a:r>
-              <a:rPr lang="en-US" dirty="0"/>
-              <a:t>Information discovery</a:t>
-            </a:r>
-          </a:p>
-          <a:p>
-            <a:r>
-              <a:rPr lang="en-US" dirty="0"/>
-              <a:t>Operational advantages</a:t>
-            </a:r>
-          </a:p>
-          <a:p>
-            <a:r>
-              <a:rPr lang="en-US" dirty="0"/>
-              <a:t>Market efficiency</a:t>
-            </a:r>
-          </a:p>
-          <a:p>
-            <a:endParaRPr lang="en-US" dirty="0"/>
-          </a:p>
-          <a:p>
-            <a:endParaRPr lang="en-US" dirty="0"/>
+              <a:t>1.Which of the following is not an advantage of derivative markets?</a:t>
+            </a:r>
+          </a:p>
+          <a:p>
+            <a:pPr lvl="1"/>
+            <a:r>
+              <a:rPr lang="en-US" dirty="0"/>
+              <a:t>A They are less volatile than spot markets.</a:t>
+            </a:r>
+          </a:p>
+          <a:p>
+            <a:pPr lvl="1"/>
+            <a:r>
+              <a:rPr lang="en-US" dirty="0"/>
+              <a:t>B They facilitate the allocation of risk in the market.</a:t>
+            </a:r>
+          </a:p>
+          <a:p>
+            <a:pPr lvl="1"/>
+            <a:r>
+              <a:rPr lang="en-US" dirty="0"/>
+              <a:t>C They incur lower transaction costs than spot markets.</a:t>
+            </a:r>
+          </a:p>
+          <a:p>
+            <a:r>
+              <a:rPr lang="en-US" dirty="0"/>
+              <a:t>2.Which of the following pieces of information is not </a:t>
+            </a:r>
+            <a:r>
+              <a:rPr lang="en-US" dirty="0">
+                <a:solidFill>
+                  <a:srgbClr val="FF0000"/>
+                </a:solidFill>
+              </a:rPr>
+              <a:t>conveyed</a:t>
+            </a:r>
+            <a:r>
+              <a:rPr lang="en-US" dirty="0"/>
+              <a:t> by at least one type of derivative?</a:t>
+            </a:r>
+          </a:p>
+          <a:p>
+            <a:pPr lvl="1"/>
+            <a:r>
+              <a:rPr lang="en-US" dirty="0"/>
+              <a:t>A The volatility of the underlying</a:t>
+            </a:r>
+          </a:p>
+          <a:p>
+            <a:pPr lvl="1"/>
+            <a:r>
+              <a:rPr lang="en-US" dirty="0"/>
+              <a:t>B The most widely used strategy of the underlying</a:t>
+            </a:r>
+          </a:p>
+          <a:p>
+            <a:pPr lvl="1"/>
+            <a:r>
+              <a:rPr lang="en-US" dirty="0"/>
+              <a:t>C The price at which uncertainty in the underlying can be eliminated</a:t>
+            </a:r>
           </a:p>
         </p:txBody>
       </p:sp>
     </p:spTree>
     <p:extLst>
       <p:ext uri="{BB962C8B-B14F-4D97-AF65-F5344CB8AC3E}">
-        <p14:creationId xmlns:p14="http://schemas.microsoft.com/office/powerpoint/2010/main" val="1516918961"/>
+        <p14:creationId xmlns:p14="http://schemas.microsoft.com/office/powerpoint/2010/main" val="679871349"/>
       </p:ext>
     </p:extLst>
   </p:cSld>
@@ -16536,7 +16507,7 @@
           <p:cNvPr id="2" name="Title 1">
             <a:extLst>
               <a:ext uri="{FF2B5EF4-FFF2-40B4-BE49-F238E27FC236}">
-                <a16:creationId xmlns:a16="http://schemas.microsoft.com/office/drawing/2014/main" id="{4615354A-E477-4616-83A2-BD4AC1206110}"/>
+                <a16:creationId xmlns:a16="http://schemas.microsoft.com/office/drawing/2014/main" id="{6A4E77FE-41FA-4F07-9556-77EA5BAC14A6}"/>
               </a:ext>
             </a:extLst>
           </p:cNvPr>
@@ -16556,8 +16527,20 @@
           <a:p>
             <a:r>
               <a:rPr lang="en-US" sz="4000" dirty="0"/>
-              <a:t>Practices</a:t>
-            </a:r>
+              <a:t>Criticisms and misuses of derivatives</a:t>
+            </a:r>
+            <a:br>
+              <a:rPr lang="en-US" sz="4000" dirty="0"/>
+            </a:br>
+            <a:r>
+              <a:rPr lang="en-US" sz="4000" dirty="0"/>
+              <a:t>S</a:t>
+            </a:r>
+            <a:r>
+              <a:rPr lang="en-US" altLang="zh-CN" sz="4000" dirty="0"/>
+              <a:t>peculation and gambling</a:t>
+            </a:r>
+            <a:endParaRPr lang="en-US" sz="4000" dirty="0"/>
           </a:p>
         </p:txBody>
       </p:sp>
@@ -16566,7 +16549,7 @@
           <p:cNvPr id="3" name="Content Placeholder 2">
             <a:extLst>
               <a:ext uri="{FF2B5EF4-FFF2-40B4-BE49-F238E27FC236}">
-                <a16:creationId xmlns:a16="http://schemas.microsoft.com/office/drawing/2014/main" id="{E0C5A04C-3E9B-479A-BC64-0A200712E0E4}"/>
+                <a16:creationId xmlns:a16="http://schemas.microsoft.com/office/drawing/2014/main" id="{362F09A5-A3CB-4782-B9F6-D1BE6C31A73F}"/>
               </a:ext>
             </a:extLst>
           </p:cNvPr>
@@ -16584,34 +16567,7 @@
           <a:p>
             <a:r>
               <a:rPr lang="en-US" dirty="0"/>
-              <a:t>1.Which of the following is not an advantage of derivative markets?</a:t>
-            </a:r>
-          </a:p>
-          <a:p>
-            <a:pPr lvl="1"/>
-            <a:r>
-              <a:rPr lang="en-US" dirty="0"/>
-              <a:t>A They are less volatile than spot markets.</a:t>
-            </a:r>
-          </a:p>
-          <a:p>
-            <a:pPr lvl="1"/>
-            <a:r>
-              <a:rPr lang="en-US" dirty="0"/>
-              <a:t>B They facilitate the allocation of risk in the market.</a:t>
-            </a:r>
-          </a:p>
-          <a:p>
-            <a:pPr lvl="1"/>
-            <a:r>
-              <a:rPr lang="en-US" dirty="0"/>
-              <a:t>C They incur lower transaction costs than spot markets.</a:t>
-            </a:r>
-          </a:p>
-          <a:p>
-            <a:r>
-              <a:rPr lang="en-US" dirty="0"/>
-              <a:t>2.Which of the following pieces of information is not </a:t>
+              <a:t>Speculators are often thought to be </a:t>
             </a:r>
             <a:r>
               <a:rPr lang="en-US" dirty="0">
@@ -16619,40 +16575,58 @@
                   <a:srgbClr val="FF0000"/>
                 </a:solidFill>
               </a:rPr>
-              <a:t>conveyed</a:t>
-            </a:r>
-            <a:r>
-              <a:rPr lang="en-US" dirty="0"/>
-              <a:t> by at least one type of derivative?</a:t>
-            </a:r>
-          </a:p>
-          <a:p>
-            <a:pPr lvl="1"/>
-            <a:r>
-              <a:rPr lang="en-US" dirty="0"/>
-              <a:t>A The volatility of the underlying</a:t>
-            </a:r>
-          </a:p>
-          <a:p>
-            <a:pPr lvl="1"/>
-            <a:r>
-              <a:rPr lang="en-US" dirty="0"/>
-              <a:t>B The most widely used strategy of the underlying</a:t>
-            </a:r>
-          </a:p>
-          <a:p>
-            <a:pPr lvl="1"/>
-            <a:r>
-              <a:rPr lang="en-US" dirty="0"/>
-              <a:t>C The price at which uncertainty in the underlying can be eliminated</a:t>
-            </a:r>
+              <a:t>short- term traders </a:t>
+            </a:r>
+            <a:r>
+              <a:rPr lang="en-US" dirty="0"/>
+              <a:t>who attempt to exploit temporary inefficiencies.</a:t>
+            </a:r>
+          </a:p>
+          <a:p>
+            <a:r>
+              <a:rPr lang="en-US" dirty="0"/>
+              <a:t>Speculators are thought to engage in </a:t>
+            </a:r>
+            <a:r>
+              <a:rPr lang="en-US" dirty="0">
+                <a:solidFill>
+                  <a:srgbClr val="FF0000"/>
+                </a:solidFill>
+              </a:rPr>
+              <a:t>price manipulation </a:t>
+            </a:r>
+            <a:r>
+              <a:rPr lang="en-US" dirty="0"/>
+              <a:t>and to trade at extreme prices.</a:t>
+            </a:r>
+          </a:p>
+          <a:p>
+            <a:r>
+              <a:rPr lang="en-US" dirty="0"/>
+              <a:t>The profits from short- term trading are almost always taxed </a:t>
+            </a:r>
+            <a:r>
+              <a:rPr lang="en-US" dirty="0">
+                <a:solidFill>
+                  <a:srgbClr val="FF0000"/>
+                </a:solidFill>
+              </a:rPr>
+              <a:t>more heavily </a:t>
+            </a:r>
+            <a:r>
+              <a:rPr lang="en-US" dirty="0"/>
+              <a:t>than the profits from long- term trading.</a:t>
+            </a:r>
+          </a:p>
+          <a:p>
+            <a:endParaRPr lang="en-US" dirty="0"/>
           </a:p>
         </p:txBody>
       </p:sp>
     </p:spTree>
     <p:extLst>
       <p:ext uri="{BB962C8B-B14F-4D97-AF65-F5344CB8AC3E}">
-        <p14:creationId xmlns:p14="http://schemas.microsoft.com/office/powerpoint/2010/main" val="679871349"/>
+        <p14:creationId xmlns:p14="http://schemas.microsoft.com/office/powerpoint/2010/main" val="133782581"/>
       </p:ext>
     </p:extLst>
   </p:cSld>
@@ -16684,7 +16658,7 @@
           <p:cNvPr id="2" name="Title 1">
             <a:extLst>
               <a:ext uri="{FF2B5EF4-FFF2-40B4-BE49-F238E27FC236}">
-                <a16:creationId xmlns:a16="http://schemas.microsoft.com/office/drawing/2014/main" id="{6A4E77FE-41FA-4F07-9556-77EA5BAC14A6}"/>
+                <a16:creationId xmlns:a16="http://schemas.microsoft.com/office/drawing/2014/main" id="{E482C202-64F2-44D8-9E40-0887E8F7325A}"/>
               </a:ext>
             </a:extLst>
           </p:cNvPr>
@@ -16711,13 +16685,8 @@
             </a:br>
             <a:r>
               <a:rPr lang="en-US" sz="4000" dirty="0"/>
-              <a:t>S</a:t>
-            </a:r>
-            <a:r>
-              <a:rPr lang="en-US" altLang="zh-CN" sz="4000" dirty="0"/>
-              <a:t>peculation and gambling</a:t>
-            </a:r>
-            <a:endParaRPr lang="en-US" sz="4000" dirty="0"/>
+              <a:t>Destabilization and Systemic Risk</a:t>
+            </a:r>
           </a:p>
         </p:txBody>
       </p:sp>
@@ -16726,7 +16695,7 @@
           <p:cNvPr id="3" name="Content Placeholder 2">
             <a:extLst>
               <a:ext uri="{FF2B5EF4-FFF2-40B4-BE49-F238E27FC236}">
-                <a16:creationId xmlns:a16="http://schemas.microsoft.com/office/drawing/2014/main" id="{362F09A5-A3CB-4782-B9F6-D1BE6C31A73F}"/>
+                <a16:creationId xmlns:a16="http://schemas.microsoft.com/office/drawing/2014/main" id="{00AFAD99-D187-4A05-BD57-E28833651C75}"/>
               </a:ext>
             </a:extLst>
           </p:cNvPr>
@@ -16739,12 +16708,14 @@
         </p:nvSpPr>
         <p:spPr/>
         <p:txBody>
-          <a:bodyPr/>
-          <a:lstStyle/>
-          <a:p>
-            <a:r>
-              <a:rPr lang="en-US" dirty="0"/>
-              <a:t>Speculators are often thought to be </a:t>
+          <a:bodyPr>
+            <a:normAutofit lnSpcReduction="10000"/>
+          </a:bodyPr>
+          <a:lstStyle/>
+          <a:p>
+            <a:r>
+              <a:rPr lang="en-US" dirty="0"/>
+              <a:t>Defaults by speculators can then lead to defaults by their creditors, their creditors’ creditors, and so on. These effects can, therefore, be systemic and reflect an epidemic </a:t>
             </a:r>
             <a:r>
               <a:rPr lang="en-US" dirty="0">
@@ -16752,17 +16723,17 @@
                   <a:srgbClr val="FF0000"/>
                 </a:solidFill>
               </a:rPr>
-              <a:t>short- term traders </a:t>
-            </a:r>
-            <a:r>
-              <a:rPr lang="en-US" dirty="0"/>
-              <a:t>who attempt to exploit temporary inefficiencies.</a:t>
-            </a:r>
-          </a:p>
-          <a:p>
-            <a:r>
-              <a:rPr lang="en-US" dirty="0"/>
-              <a:t>Speculators are thought to engage in </a:t>
+              <a:t>contagion</a:t>
+            </a:r>
+            <a:r>
+              <a:rPr lang="en-US" dirty="0"/>
+              <a:t> whereby instability can spread throughout markets and an economy, if not the entire world.</a:t>
+            </a:r>
+          </a:p>
+          <a:p>
+            <a:r>
+              <a:rPr lang="en-US" dirty="0"/>
+              <a:t>Such effects occurred in the </a:t>
             </a:r>
             <a:r>
               <a:rPr lang="en-US" dirty="0">
@@ -16770,17 +16741,17 @@
                   <a:srgbClr val="FF0000"/>
                 </a:solidFill>
               </a:rPr>
-              <a:t>price manipulation </a:t>
-            </a:r>
-            <a:r>
-              <a:rPr lang="en-US" dirty="0"/>
-              <a:t>and to trade at extreme prices.</a:t>
-            </a:r>
-          </a:p>
-          <a:p>
-            <a:r>
-              <a:rPr lang="en-US" dirty="0"/>
-              <a:t>The profits from short- term trading are almost always taxed </a:t>
+              <a:t>Long- Term Capital Management </a:t>
+            </a:r>
+            <a:r>
+              <a:rPr lang="en-US" dirty="0"/>
+              <a:t>fiasco of 1998 and again in the financial crisis of 2008, in which derivatives, particularly credit default swaps, were widely used by many of the problem entities.</a:t>
+            </a:r>
+          </a:p>
+          <a:p>
+            <a:r>
+              <a:rPr lang="en-US" dirty="0"/>
+              <a:t>Some of these events </a:t>
             </a:r>
             <a:r>
               <a:rPr lang="en-US" dirty="0">
@@ -16788,22 +16759,67 @@
                   <a:srgbClr val="FF0000"/>
                 </a:solidFill>
               </a:rPr>
-              <a:t>more heavily </a:t>
-            </a:r>
-            <a:r>
-              <a:rPr lang="en-US" dirty="0"/>
-              <a:t>than the profits from long- term trading.</a:t>
-            </a:r>
-          </a:p>
-          <a:p>
-            <a:endParaRPr lang="en-US" dirty="0"/>
+              <a:t>preceded</a:t>
+            </a:r>
+            <a:r>
+              <a:rPr lang="en-US" dirty="0"/>
+              <a:t> the era of modern derivatives markets, and others were completely </a:t>
+            </a:r>
+            <a:r>
+              <a:rPr lang="en-US" dirty="0">
+                <a:solidFill>
+                  <a:srgbClr val="FF0000"/>
+                </a:solidFill>
+              </a:rPr>
+              <a:t>unrelated</a:t>
+            </a:r>
+            <a:r>
+              <a:rPr lang="en-US" dirty="0"/>
+              <a:t> to the use of derivatives.</a:t>
+            </a:r>
+          </a:p>
+          <a:p>
+            <a:r>
+              <a:rPr lang="en-US" dirty="0"/>
+              <a:t>Another criticism of derivatives is simply their </a:t>
+            </a:r>
+            <a:r>
+              <a:rPr lang="en-US" dirty="0">
+                <a:solidFill>
+                  <a:srgbClr val="FF0000"/>
+                </a:solidFill>
+              </a:rPr>
+              <a:t>complexity</a:t>
+            </a:r>
+            <a:r>
+              <a:rPr lang="en-US" dirty="0"/>
+              <a:t>.</a:t>
+            </a:r>
+          </a:p>
+          <a:p>
+            <a:r>
+              <a:rPr lang="en-US" dirty="0"/>
+              <a:t>One explanation probably lies in the fact that scientists create models of markets by using scientific principles that </a:t>
+            </a:r>
+            <a:r>
+              <a:rPr lang="en-US" dirty="0">
+                <a:solidFill>
+                  <a:srgbClr val="FF0000"/>
+                </a:solidFill>
+              </a:rPr>
+              <a:t>often fail</a:t>
+            </a:r>
+            <a:r>
+              <a:rPr lang="en-US" dirty="0"/>
+              <a:t>.</a:t>
+            </a:r>
           </a:p>
         </p:txBody>
       </p:sp>
     </p:spTree>
     <p:extLst>
       <p:ext uri="{BB962C8B-B14F-4D97-AF65-F5344CB8AC3E}">
-        <p14:creationId xmlns:p14="http://schemas.microsoft.com/office/powerpoint/2010/main" val="133782581"/>
+        <p14:creationId xmlns:p14="http://schemas.microsoft.com/office/powerpoint/2010/main" val="1948992878"/>
       </p:ext>
     </p:extLst>
   </p:cSld>
@@ -16835,7 +16851,7 @@
           <p:cNvPr id="2" name="Title 1">
             <a:extLst>
               <a:ext uri="{FF2B5EF4-FFF2-40B4-BE49-F238E27FC236}">
-                <a16:creationId xmlns:a16="http://schemas.microsoft.com/office/drawing/2014/main" id="{E482C202-64F2-44D8-9E40-0887E8F7325A}"/>
+                <a16:creationId xmlns:a16="http://schemas.microsoft.com/office/drawing/2014/main" id="{553F70E7-AA33-42A6-BC63-F08FC8453BD7}"/>
               </a:ext>
             </a:extLst>
           </p:cNvPr>
@@ -16855,14 +16871,7 @@
           <a:p>
             <a:r>
               <a:rPr lang="en-US" sz="4000" dirty="0"/>
-              <a:t>Criticisms and misuses of derivatives</a:t>
-            </a:r>
-            <a:br>
-              <a:rPr lang="en-US" sz="4000" dirty="0"/>
-            </a:br>
-            <a:r>
-              <a:rPr lang="en-US" sz="4000" dirty="0"/>
-              <a:t>Destabilization and Systemic Risk</a:t>
+              <a:t>Practices</a:t>
             </a:r>
           </a:p>
         </p:txBody>
@@ -16872,7 +16881,7 @@
           <